--- a/python_for_systems_programming.pptx
+++ b/python_for_systems_programming.pptx
@@ -131,6 +131,62 @@
       </a:defRPr>
     </a:lvl9pPr>
   </p:defaultTextStyle>
+  <p:extLst>
+    <p:ext uri="{521415D9-36F7-43E2-AB2F-B90AF26B5E84}">
+      <p14:sectionLst xmlns:p14="http://schemas.microsoft.com/office/powerpoint/2010/main">
+        <p14:section name="Default Section" id="{658EF463-8B9F-45F8-88CE-B4159E44B7D4}">
+          <p14:sldIdLst>
+            <p14:sldId id="256"/>
+          </p14:sldIdLst>
+        </p14:section>
+        <p14:section name="command line arguments, configuration files, environment variables" id="{A283BE31-C1B7-484A-B5F7-7BEEC36063BE}">
+          <p14:sldIdLst>
+            <p14:sldId id="257"/>
+            <p14:sldId id="258"/>
+            <p14:sldId id="259"/>
+            <p14:sldId id="260"/>
+            <p14:sldId id="261"/>
+            <p14:sldId id="262"/>
+            <p14:sldId id="263"/>
+          </p14:sldIdLst>
+        </p14:section>
+        <p14:section name="Logging" id="{C18A2979-F729-4F9C-BBC5-E9DDAB643E68}">
+          <p14:sldIdLst>
+            <p14:sldId id="264"/>
+            <p14:sldId id="265"/>
+            <p14:sldId id="266"/>
+            <p14:sldId id="267"/>
+            <p14:sldId id="268"/>
+            <p14:sldId id="269"/>
+            <p14:sldId id="270"/>
+            <p14:sldId id="271"/>
+          </p14:sldIdLst>
+        </p14:section>
+        <p14:section name="File system interaction" id="{72F71925-62BF-470C-96CA-CD792676F252}">
+          <p14:sldIdLst>
+            <p14:sldId id="272"/>
+            <p14:sldId id="273"/>
+            <p14:sldId id="274"/>
+            <p14:sldId id="275"/>
+            <p14:sldId id="276"/>
+            <p14:sldId id="277"/>
+            <p14:sldId id="278"/>
+            <p14:sldId id="279"/>
+          </p14:sldIdLst>
+        </p14:section>
+        <p14:section name="Processes" id="{0920120A-FC29-4F18-8FB0-3AD08A3D233A}">
+          <p14:sldIdLst>
+            <p14:sldId id="280"/>
+            <p14:sldId id="281"/>
+            <p14:sldId id="282"/>
+          </p14:sldIdLst>
+        </p14:section>
+      </p14:sectionLst>
+    </p:ext>
+    <p:ext uri="{EFAFB233-063F-42B5-8137-9DF3F51BA10A}">
+      <p15:sldGuideLst xmlns:p15="http://schemas.microsoft.com/office/powerpoint/2012/main"/>
+    </p:ext>
+  </p:extLst>
 </p:presentation>
 </file>
 
@@ -265,7 +321,7 @@
           <a:p>
             <a:fld id="{9B61669F-67CC-4684-B4EC-0CD896AF340A}" type="datetimeFigureOut">
               <a:rPr lang="en-US" smtClean="0"/>
-              <a:t>2019-11-14</a:t>
+              <a:t>2019-11-22</a:t>
             </a:fld>
             <a:endParaRPr lang="en-US"/>
           </a:p>
@@ -435,7 +491,7 @@
           <a:p>
             <a:fld id="{9B61669F-67CC-4684-B4EC-0CD896AF340A}" type="datetimeFigureOut">
               <a:rPr lang="en-US" smtClean="0"/>
-              <a:t>2019-11-14</a:t>
+              <a:t>2019-11-22</a:t>
             </a:fld>
             <a:endParaRPr lang="en-US"/>
           </a:p>
@@ -615,7 +671,7 @@
           <a:p>
             <a:fld id="{9B61669F-67CC-4684-B4EC-0CD896AF340A}" type="datetimeFigureOut">
               <a:rPr lang="en-US" smtClean="0"/>
-              <a:t>2019-11-14</a:t>
+              <a:t>2019-11-22</a:t>
             </a:fld>
             <a:endParaRPr lang="en-US"/>
           </a:p>
@@ -857,7 +913,7 @@
           <a:p>
             <a:fld id="{AA89080B-4260-48D4-BEBC-624AE09ECE83}" type="datetime1">
               <a:rPr lang="nl-BE" smtClean="0"/>
-              <a:t>14/11/2019</a:t>
+              <a:t>22/11/2019</a:t>
             </a:fld>
             <a:endParaRPr lang="nl-BE"/>
           </a:p>
@@ -1027,7 +1083,7 @@
           <a:p>
             <a:fld id="{EC448E59-F64F-416B-85C7-F58EA54BAF31}" type="datetime1">
               <a:rPr lang="nl-BE" smtClean="0"/>
-              <a:t>14/11/2019</a:t>
+              <a:t>22/11/2019</a:t>
             </a:fld>
             <a:endParaRPr lang="nl-BE"/>
           </a:p>
@@ -1273,7 +1329,7 @@
           <a:p>
             <a:fld id="{9ED5C3B5-60AD-4494-9CFA-8B02B158E887}" type="datetime1">
               <a:rPr lang="nl-BE" smtClean="0"/>
-              <a:t>14/11/2019</a:t>
+              <a:t>22/11/2019</a:t>
             </a:fld>
             <a:endParaRPr lang="nl-BE"/>
           </a:p>
@@ -1561,7 +1617,7 @@
           <a:p>
             <a:fld id="{44F0EF99-E673-4972-A23A-EB3FD1F7D254}" type="datetime1">
               <a:rPr lang="nl-BE" smtClean="0"/>
-              <a:t>14/11/2019</a:t>
+              <a:t>22/11/2019</a:t>
             </a:fld>
             <a:endParaRPr lang="nl-BE"/>
           </a:p>
@@ -1983,7 +2039,7 @@
           <a:p>
             <a:fld id="{362C3B20-157B-48BC-A7F6-78FD90E3E349}" type="datetime1">
               <a:rPr lang="nl-BE" smtClean="0"/>
-              <a:t>14/11/2019</a:t>
+              <a:t>22/11/2019</a:t>
             </a:fld>
             <a:endParaRPr lang="nl-BE"/>
           </a:p>
@@ -2101,7 +2157,7 @@
           <a:p>
             <a:fld id="{1E4894A8-27B8-4F4D-B345-90FD4A1447E9}" type="datetime1">
               <a:rPr lang="nl-BE" smtClean="0"/>
-              <a:t>14/11/2019</a:t>
+              <a:t>22/11/2019</a:t>
             </a:fld>
             <a:endParaRPr lang="nl-BE"/>
           </a:p>
@@ -2196,7 +2252,7 @@
           <a:p>
             <a:fld id="{9B6664D4-33A1-4715-AD97-DD0D01FAC894}" type="datetime1">
               <a:rPr lang="nl-BE" smtClean="0"/>
-              <a:t>14/11/2019</a:t>
+              <a:t>22/11/2019</a:t>
             </a:fld>
             <a:endParaRPr lang="nl-BE"/>
           </a:p>
@@ -2473,7 +2529,7 @@
           <a:p>
             <a:fld id="{71880A9C-007F-4E0D-B4C6-060FFE64811B}" type="datetime1">
               <a:rPr lang="nl-BE" smtClean="0"/>
-              <a:t>14/11/2019</a:t>
+              <a:t>22/11/2019</a:t>
             </a:fld>
             <a:endParaRPr lang="nl-BE"/>
           </a:p>
@@ -2643,7 +2699,7 @@
           <a:p>
             <a:fld id="{9B61669F-67CC-4684-B4EC-0CD896AF340A}" type="datetimeFigureOut">
               <a:rPr lang="en-US" smtClean="0"/>
-              <a:t>2019-11-14</a:t>
+              <a:t>2019-11-22</a:t>
             </a:fld>
             <a:endParaRPr lang="en-US"/>
           </a:p>
@@ -2896,7 +2952,7 @@
           <a:p>
             <a:fld id="{DD295E27-2F3D-481A-B8B8-8482CE6DA5DC}" type="datetime1">
               <a:rPr lang="nl-BE" smtClean="0"/>
-              <a:t>14/11/2019</a:t>
+              <a:t>22/11/2019</a:t>
             </a:fld>
             <a:endParaRPr lang="nl-BE"/>
           </a:p>
@@ -3066,7 +3122,7 @@
           <a:p>
             <a:fld id="{EFB41BB7-A881-4920-B186-797A2AD05998}" type="datetime1">
               <a:rPr lang="nl-BE" smtClean="0"/>
-              <a:t>14/11/2019</a:t>
+              <a:t>22/11/2019</a:t>
             </a:fld>
             <a:endParaRPr lang="nl-BE"/>
           </a:p>
@@ -3246,7 +3302,7 @@
           <a:p>
             <a:fld id="{11C6BFEC-574C-49E6-96B0-F15D7DB2764A}" type="datetime1">
               <a:rPr lang="nl-BE" smtClean="0"/>
-              <a:t>14/11/2019</a:t>
+              <a:t>22/11/2019</a:t>
             </a:fld>
             <a:endParaRPr lang="nl-BE"/>
           </a:p>
@@ -3492,7 +3548,7 @@
           <a:p>
             <a:fld id="{9B61669F-67CC-4684-B4EC-0CD896AF340A}" type="datetimeFigureOut">
               <a:rPr lang="en-US" smtClean="0"/>
-              <a:t>2019-11-14</a:t>
+              <a:t>2019-11-22</a:t>
             </a:fld>
             <a:endParaRPr lang="en-US"/>
           </a:p>
@@ -3724,7 +3780,7 @@
           <a:p>
             <a:fld id="{9B61669F-67CC-4684-B4EC-0CD896AF340A}" type="datetimeFigureOut">
               <a:rPr lang="en-US" smtClean="0"/>
-              <a:t>2019-11-14</a:t>
+              <a:t>2019-11-22</a:t>
             </a:fld>
             <a:endParaRPr lang="en-US"/>
           </a:p>
@@ -4091,7 +4147,7 @@
           <a:p>
             <a:fld id="{9B61669F-67CC-4684-B4EC-0CD896AF340A}" type="datetimeFigureOut">
               <a:rPr lang="en-US" smtClean="0"/>
-              <a:t>2019-11-14</a:t>
+              <a:t>2019-11-22</a:t>
             </a:fld>
             <a:endParaRPr lang="en-US"/>
           </a:p>
@@ -4209,7 +4265,7 @@
           <a:p>
             <a:fld id="{9B61669F-67CC-4684-B4EC-0CD896AF340A}" type="datetimeFigureOut">
               <a:rPr lang="en-US" smtClean="0"/>
-              <a:t>2019-11-14</a:t>
+              <a:t>2019-11-22</a:t>
             </a:fld>
             <a:endParaRPr lang="en-US"/>
           </a:p>
@@ -4304,7 +4360,7 @@
           <a:p>
             <a:fld id="{9B61669F-67CC-4684-B4EC-0CD896AF340A}" type="datetimeFigureOut">
               <a:rPr lang="en-US" smtClean="0"/>
-              <a:t>2019-11-14</a:t>
+              <a:t>2019-11-22</a:t>
             </a:fld>
             <a:endParaRPr lang="en-US"/>
           </a:p>
@@ -4581,7 +4637,7 @@
           <a:p>
             <a:fld id="{9B61669F-67CC-4684-B4EC-0CD896AF340A}" type="datetimeFigureOut">
               <a:rPr lang="en-US" smtClean="0"/>
-              <a:t>2019-11-14</a:t>
+              <a:t>2019-11-22</a:t>
             </a:fld>
             <a:endParaRPr lang="en-US"/>
           </a:p>
@@ -4834,7 +4890,7 @@
           <a:p>
             <a:fld id="{9B61669F-67CC-4684-B4EC-0CD896AF340A}" type="datetimeFigureOut">
               <a:rPr lang="en-US" smtClean="0"/>
-              <a:t>2019-11-14</a:t>
+              <a:t>2019-11-22</a:t>
             </a:fld>
             <a:endParaRPr lang="en-US"/>
           </a:p>
@@ -5047,7 +5103,7 @@
           <a:p>
             <a:fld id="{9B61669F-67CC-4684-B4EC-0CD896AF340A}" type="datetimeFigureOut">
               <a:rPr lang="en-US" smtClean="0"/>
-              <a:t>2019-11-14</a:t>
+              <a:t>2019-11-22</a:t>
             </a:fld>
             <a:endParaRPr lang="en-US"/>
           </a:p>
@@ -5587,7 +5643,7 @@
           <a:p>
             <a:fld id="{AFF0BB8E-41A9-4D12-9A22-82FF4E94F27A}" type="datetime1">
               <a:rPr lang="nl-BE" smtClean="0"/>
-              <a:t>14/11/2019</a:t>
+              <a:t>22/11/2019</a:t>
             </a:fld>
             <a:endParaRPr lang="nl-BE"/>
           </a:p>
@@ -6095,6 +6151,13 @@
   <p:clrMapOvr>
     <a:masterClrMapping/>
   </p:clrMapOvr>
+  <p:timing>
+    <p:tnLst>
+      <p:par>
+        <p:cTn id="1" dur="indefinite" restart="never" nodeType="tmRoot"/>
+      </p:par>
+    </p:tnLst>
+  </p:timing>
 </p:sld>
 </file>
 
@@ -6863,37 +6926,7 @@
                 <a:latin typeface="Courier New" pitchFamily="49" charset="0"/>
                 <a:cs typeface="Courier New" pitchFamily="49" charset="0"/>
               </a:rPr>
-              <a:t>(level=level</a:t>
-            </a:r>
-            <a:r>
-              <a:rPr lang="en-US" sz="1400" dirty="0">
-                <a:solidFill>
-                  <a:prstClr val="black"/>
-                </a:solidFill>
-                <a:latin typeface="Courier New" pitchFamily="49" charset="0"/>
-                <a:cs typeface="Courier New" pitchFamily="49" charset="0"/>
-              </a:rPr>
-              <a:t>, </a:t>
-            </a:r>
-            <a:r>
-              <a:rPr lang="en-US" sz="1400" dirty="0">
-                <a:solidFill>
-                  <a:prstClr val="black"/>
-                </a:solidFill>
-                <a:latin typeface="Courier New" pitchFamily="49" charset="0"/>
-                <a:cs typeface="Courier New" pitchFamily="49" charset="0"/>
-              </a:rPr>
-              <a:t>filename=name</a:t>
-            </a:r>
-            <a:r>
-              <a:rPr lang="en-US" sz="1400" dirty="0">
-                <a:solidFill>
-                  <a:prstClr val="black"/>
-                </a:solidFill>
-                <a:latin typeface="Courier New" pitchFamily="49" charset="0"/>
-                <a:cs typeface="Courier New" pitchFamily="49" charset="0"/>
-              </a:rPr>
-              <a:t>, </a:t>
+              <a:t>(level=level, filename=name, </a:t>
             </a:r>
             <a:r>
               <a:rPr lang="en-US" sz="1400" dirty="0" err="1">
@@ -6966,13 +6999,6 @@
               </a:rPr>
               <a:t>…</a:t>
             </a:r>
-            <a:endParaRPr lang="en-US" sz="1400" dirty="0">
-              <a:solidFill>
-                <a:prstClr val="black"/>
-              </a:solidFill>
-              <a:latin typeface="Courier New" pitchFamily="49" charset="0"/>
-              <a:cs typeface="Courier New" pitchFamily="49" charset="0"/>
-            </a:endParaRPr>
           </a:p>
         </p:txBody>
       </p:sp>
@@ -8057,17 +8083,7 @@
                 <a:latin typeface="Courier New" pitchFamily="49" charset="0"/>
                 <a:cs typeface="Courier New" pitchFamily="49" charset="0"/>
               </a:rPr>
-              <a:t>logging.info</a:t>
-            </a:r>
-            <a:r>
-              <a:rPr lang="en-US" sz="1400" dirty="0">
-                <a:solidFill>
-                  <a:prstClr val="black"/>
-                </a:solidFill>
-                <a:latin typeface="Courier New" pitchFamily="49" charset="0"/>
-                <a:cs typeface="Courier New" pitchFamily="49" charset="0"/>
-              </a:rPr>
-              <a:t>('application started')</a:t>
+              <a:t>logging.info('application started')</a:t>
             </a:r>
           </a:p>
         </p:txBody>
@@ -8118,13 +8134,6 @@
               </a:rPr>
               <a:t>('input file not found')</a:t>
             </a:r>
-            <a:endParaRPr lang="en-US" sz="1400" dirty="0">
-              <a:solidFill>
-                <a:prstClr val="black"/>
-              </a:solidFill>
-              <a:latin typeface="Courier New" pitchFamily="49" charset="0"/>
-              <a:cs typeface="Courier New" pitchFamily="49" charset="0"/>
-            </a:endParaRPr>
           </a:p>
         </p:txBody>
       </p:sp>
@@ -8174,13 +8183,6 @@
               </a:rPr>
               <a:t>('function xyz called with "{0}"'.format(x))</a:t>
             </a:r>
-            <a:endParaRPr lang="en-US" sz="1400" dirty="0">
-              <a:solidFill>
-                <a:prstClr val="black"/>
-              </a:solidFill>
-              <a:latin typeface="Courier New" pitchFamily="49" charset="0"/>
-              <a:cs typeface="Courier New" pitchFamily="49" charset="0"/>
-            </a:endParaRPr>
           </a:p>
         </p:txBody>
       </p:sp>
@@ -9021,19 +9023,7 @@
               <a:rPr lang="en-US" sz="2400" dirty="0">
                 <a:hlinkClick r:id="rId2"/>
               </a:rPr>
-              <a:t>https</a:t>
-            </a:r>
-            <a:r>
-              <a:rPr lang="en-US" sz="2400" dirty="0">
-                <a:hlinkClick r:id="rId2"/>
-              </a:rPr>
-              <a:t>://</a:t>
-            </a:r>
-            <a:r>
-              <a:rPr lang="en-US" sz="2400" dirty="0">
-                <a:hlinkClick r:id="rId2"/>
-              </a:rPr>
-              <a:t>docs.python.org/3.5/howto/logging.html</a:t>
+              <a:t>https://docs.python.org/3.5/howto/logging.html</a:t>
             </a:r>
             <a:r>
               <a:rPr lang="en-US" sz="2400" dirty="0"/>
@@ -9053,19 +9043,7 @@
               <a:rPr lang="en-US" sz="2400" dirty="0">
                 <a:hlinkClick r:id="rId3"/>
               </a:rPr>
-              <a:t>https</a:t>
-            </a:r>
-            <a:r>
-              <a:rPr lang="en-US" sz="2400" dirty="0">
-                <a:hlinkClick r:id="rId3"/>
-              </a:rPr>
-              <a:t>://</a:t>
-            </a:r>
-            <a:r>
-              <a:rPr lang="en-US" sz="2400" dirty="0">
-                <a:hlinkClick r:id="rId3"/>
-              </a:rPr>
-              <a:t>docs.python.org/3.5/howto/logging-cookbook.html</a:t>
+              <a:t>https://docs.python.org/3.5/howto/logging-cookbook.html</a:t>
             </a:r>
             <a:r>
               <a:rPr lang="en-US" sz="2400" dirty="0"/>
@@ -9201,19 +9179,12 @@
               <a:rPr lang="en-US" sz="1800" dirty="0">
                 <a:hlinkClick r:id="rId2"/>
               </a:rPr>
-              <a:t>https://</a:t>
-            </a:r>
-            <a:r>
-              <a:rPr lang="en-US" sz="1800" dirty="0">
-                <a:hlinkClick r:id="rId2"/>
-              </a:rPr>
-              <a:t>github.com/gjbex/training-material/tree/master/Python/OsFileSystem</a:t>
+              <a:t>https://github.com/gjbex/training-material/tree/master/Python/OsFileSystem</a:t>
             </a:r>
             <a:r>
               <a:rPr lang="en-US" sz="1800" dirty="0"/>
               <a:t> </a:t>
             </a:r>
-            <a:endParaRPr lang="en-US" sz="1800" dirty="0"/>
           </a:p>
         </p:txBody>
       </p:sp>
@@ -9414,17 +9385,7 @@
                   <a:latin typeface="Courier New" pitchFamily="49" charset="0"/>
                   <a:cs typeface="Courier New" pitchFamily="49" charset="0"/>
                 </a:rPr>
-                <a:t>case </a:t>
-              </a:r>
-              <a:r>
-                <a:rPr lang="en-US" sz="1600" dirty="0">
-                  <a:solidFill>
-                    <a:prstClr val="black"/>
-                  </a:solidFill>
-                  <a:latin typeface="Courier New" pitchFamily="49" charset="0"/>
-                  <a:cs typeface="Courier New" pitchFamily="49" charset="0"/>
-                </a:rPr>
-                <a:t>dim temp</a:t>
+                <a:t>case dim temp</a:t>
               </a:r>
             </a:p>
             <a:p>
@@ -9436,27 +9397,7 @@
                   <a:latin typeface="Courier New" pitchFamily="49" charset="0"/>
                   <a:cs typeface="Courier New" pitchFamily="49" charset="0"/>
                 </a:rPr>
-                <a:t>1</a:t>
-              </a:r>
-              <a:r>
-                <a:rPr lang="en-US" sz="1600" dirty="0">
-                  <a:solidFill>
-                    <a:prstClr val="black"/>
-                  </a:solidFill>
-                  <a:latin typeface="Courier New" pitchFamily="49" charset="0"/>
-                  <a:cs typeface="Courier New" pitchFamily="49" charset="0"/>
-                </a:rPr>
-                <a:t> </a:t>
-              </a:r>
-              <a:r>
-                <a:rPr lang="en-US" sz="1600" dirty="0">
-                  <a:solidFill>
-                    <a:prstClr val="black"/>
-                  </a:solidFill>
-                  <a:latin typeface="Courier New" pitchFamily="49" charset="0"/>
-                  <a:cs typeface="Courier New" pitchFamily="49" charset="0"/>
-                </a:rPr>
-                <a:t>1 -0.5</a:t>
+                <a:t>1 1 -0.5</a:t>
               </a:r>
             </a:p>
             <a:p>
@@ -9504,25 +9445,8 @@
                   <a:latin typeface="Courier New" pitchFamily="49" charset="0"/>
                   <a:cs typeface="Courier New" pitchFamily="49" charset="0"/>
                 </a:rPr>
-                <a:t>5 2 </a:t>
+                <a:t>5 2 0.0</a:t>
               </a:r>
-              <a:r>
-                <a:rPr lang="en-US" sz="1600" dirty="0">
-                  <a:solidFill>
-                    <a:prstClr val="black"/>
-                  </a:solidFill>
-                  <a:latin typeface="Courier New" pitchFamily="49" charset="0"/>
-                  <a:cs typeface="Courier New" pitchFamily="49" charset="0"/>
-                </a:rPr>
-                <a:t>0.0</a:t>
-              </a:r>
-              <a:endParaRPr lang="en-US" sz="1600" dirty="0">
-                <a:solidFill>
-                  <a:prstClr val="black"/>
-                </a:solidFill>
-                <a:latin typeface="Courier New" pitchFamily="49" charset="0"/>
-                <a:cs typeface="Courier New" pitchFamily="49" charset="0"/>
-              </a:endParaRPr>
             </a:p>
             <a:p>
               <a:r>
@@ -9535,13 +9459,6 @@
                 </a:rPr>
                 <a:t>6 2 0.5</a:t>
               </a:r>
-              <a:endParaRPr lang="en-US" sz="1600" dirty="0">
-                <a:solidFill>
-                  <a:prstClr val="black"/>
-                </a:solidFill>
-                <a:latin typeface="Courier New" pitchFamily="49" charset="0"/>
-                <a:cs typeface="Courier New" pitchFamily="49" charset="0"/>
-              </a:endParaRPr>
             </a:p>
           </p:txBody>
         </p:sp>
@@ -9582,13 +9499,6 @@
                 </a:rPr>
                 <a:t>data_001.txt</a:t>
               </a:r>
-              <a:endParaRPr lang="en-US" sz="1200" dirty="0">
-                <a:solidFill>
-                  <a:prstClr val="black"/>
-                </a:solidFill>
-                <a:latin typeface="Courier New" pitchFamily="49" charset="0"/>
-                <a:cs typeface="Courier New" pitchFamily="49" charset="0"/>
-              </a:endParaRPr>
             </a:p>
           </p:txBody>
         </p:sp>
@@ -9647,17 +9557,7 @@
                   <a:latin typeface="Courier New" pitchFamily="49" charset="0"/>
                   <a:cs typeface="Courier New" pitchFamily="49" charset="0"/>
                 </a:rPr>
-                <a:t>case </a:t>
-              </a:r>
-              <a:r>
-                <a:rPr lang="en-US" sz="1600" dirty="0">
-                  <a:solidFill>
-                    <a:prstClr val="black"/>
-                  </a:solidFill>
-                  <a:latin typeface="Courier New" pitchFamily="49" charset="0"/>
-                  <a:cs typeface="Courier New" pitchFamily="49" charset="0"/>
-                </a:rPr>
-                <a:t>dim temp</a:t>
+                <a:t>case dim temp</a:t>
               </a:r>
             </a:p>
             <a:p>
@@ -9669,47 +9569,7 @@
                   <a:latin typeface="Courier New" pitchFamily="49" charset="0"/>
                   <a:cs typeface="Courier New" pitchFamily="49" charset="0"/>
                 </a:rPr>
-                <a:t>7</a:t>
-              </a:r>
-              <a:r>
-                <a:rPr lang="en-US" sz="1600" dirty="0">
-                  <a:solidFill>
-                    <a:prstClr val="black"/>
-                  </a:solidFill>
-                  <a:latin typeface="Courier New" pitchFamily="49" charset="0"/>
-                  <a:cs typeface="Courier New" pitchFamily="49" charset="0"/>
-                </a:rPr>
-                <a:t> </a:t>
-              </a:r>
-              <a:r>
-                <a:rPr lang="en-US" sz="1600" dirty="0">
-                  <a:solidFill>
-                    <a:prstClr val="black"/>
-                  </a:solidFill>
-                  <a:latin typeface="Courier New" pitchFamily="49" charset="0"/>
-                  <a:cs typeface="Courier New" pitchFamily="49" charset="0"/>
-                </a:rPr>
-                <a:t>3</a:t>
-              </a:r>
-              <a:r>
-                <a:rPr lang="en-US" sz="1600" dirty="0">
-                  <a:solidFill>
-                    <a:prstClr val="black"/>
-                  </a:solidFill>
-                  <a:latin typeface="Courier New" pitchFamily="49" charset="0"/>
-                  <a:cs typeface="Courier New" pitchFamily="49" charset="0"/>
-                </a:rPr>
-                <a:t> </a:t>
-              </a:r>
-              <a:r>
-                <a:rPr lang="en-US" sz="1600" dirty="0">
-                  <a:solidFill>
-                    <a:prstClr val="black"/>
-                  </a:solidFill>
-                  <a:latin typeface="Courier New" pitchFamily="49" charset="0"/>
-                  <a:cs typeface="Courier New" pitchFamily="49" charset="0"/>
-                </a:rPr>
-                <a:t>-0.5</a:t>
+                <a:t>7 3 -0.5</a:t>
               </a:r>
             </a:p>
             <a:p>
@@ -9721,47 +9581,7 @@
                   <a:latin typeface="Courier New" pitchFamily="49" charset="0"/>
                   <a:cs typeface="Courier New" pitchFamily="49" charset="0"/>
                 </a:rPr>
-                <a:t>8</a:t>
-              </a:r>
-              <a:r>
-                <a:rPr lang="en-US" sz="1600" dirty="0">
-                  <a:solidFill>
-                    <a:prstClr val="black"/>
-                  </a:solidFill>
-                  <a:latin typeface="Courier New" pitchFamily="49" charset="0"/>
-                  <a:cs typeface="Courier New" pitchFamily="49" charset="0"/>
-                </a:rPr>
-                <a:t> </a:t>
-              </a:r>
-              <a:r>
-                <a:rPr lang="en-US" sz="1600" dirty="0">
-                  <a:solidFill>
-                    <a:prstClr val="black"/>
-                  </a:solidFill>
-                  <a:latin typeface="Courier New" pitchFamily="49" charset="0"/>
-                  <a:cs typeface="Courier New" pitchFamily="49" charset="0"/>
-                </a:rPr>
-                <a:t>3</a:t>
-              </a:r>
-              <a:r>
-                <a:rPr lang="en-US" sz="1600" dirty="0">
-                  <a:solidFill>
-                    <a:prstClr val="black"/>
-                  </a:solidFill>
-                  <a:latin typeface="Courier New" pitchFamily="49" charset="0"/>
-                  <a:cs typeface="Courier New" pitchFamily="49" charset="0"/>
-                </a:rPr>
-                <a:t> </a:t>
-              </a:r>
-              <a:r>
-                <a:rPr lang="en-US" sz="1600" dirty="0">
-                  <a:solidFill>
-                    <a:prstClr val="black"/>
-                  </a:solidFill>
-                  <a:latin typeface="Courier New" pitchFamily="49" charset="0"/>
-                  <a:cs typeface="Courier New" pitchFamily="49" charset="0"/>
-                </a:rPr>
-                <a:t>0.0</a:t>
+                <a:t>8 3 0.0</a:t>
               </a:r>
             </a:p>
             <a:p>
@@ -9773,47 +9593,7 @@
                   <a:latin typeface="Courier New" pitchFamily="49" charset="0"/>
                   <a:cs typeface="Courier New" pitchFamily="49" charset="0"/>
                 </a:rPr>
-                <a:t>9</a:t>
-              </a:r>
-              <a:r>
-                <a:rPr lang="en-US" sz="1600" dirty="0">
-                  <a:solidFill>
-                    <a:prstClr val="black"/>
-                  </a:solidFill>
-                  <a:latin typeface="Courier New" pitchFamily="49" charset="0"/>
-                  <a:cs typeface="Courier New" pitchFamily="49" charset="0"/>
-                </a:rPr>
-                <a:t> </a:t>
-              </a:r>
-              <a:r>
-                <a:rPr lang="en-US" sz="1600" dirty="0">
-                  <a:solidFill>
-                    <a:prstClr val="black"/>
-                  </a:solidFill>
-                  <a:latin typeface="Courier New" pitchFamily="49" charset="0"/>
-                  <a:cs typeface="Courier New" pitchFamily="49" charset="0"/>
-                </a:rPr>
-                <a:t>3</a:t>
-              </a:r>
-              <a:r>
-                <a:rPr lang="en-US" sz="1600" dirty="0">
-                  <a:solidFill>
-                    <a:prstClr val="black"/>
-                  </a:solidFill>
-                  <a:latin typeface="Courier New" pitchFamily="49" charset="0"/>
-                  <a:cs typeface="Courier New" pitchFamily="49" charset="0"/>
-                </a:rPr>
-                <a:t> </a:t>
-              </a:r>
-              <a:r>
-                <a:rPr lang="en-US" sz="1600" dirty="0">
-                  <a:solidFill>
-                    <a:prstClr val="black"/>
-                  </a:solidFill>
-                  <a:latin typeface="Courier New" pitchFamily="49" charset="0"/>
-                  <a:cs typeface="Courier New" pitchFamily="49" charset="0"/>
-                </a:rPr>
-                <a:t>0.5</a:t>
+                <a:t>9 3 0.5</a:t>
               </a:r>
             </a:p>
             <a:p>
@@ -9825,17 +9605,7 @@
                   <a:latin typeface="Courier New" pitchFamily="49" charset="0"/>
                   <a:cs typeface="Courier New" pitchFamily="49" charset="0"/>
                 </a:rPr>
-                <a:t>10 4 </a:t>
-              </a:r>
-              <a:r>
-                <a:rPr lang="en-US" sz="1600" dirty="0">
-                  <a:solidFill>
-                    <a:prstClr val="black"/>
-                  </a:solidFill>
-                  <a:latin typeface="Courier New" pitchFamily="49" charset="0"/>
-                  <a:cs typeface="Courier New" pitchFamily="49" charset="0"/>
-                </a:rPr>
-                <a:t>-0.5</a:t>
+                <a:t>10 4 -0.5</a:t>
               </a:r>
             </a:p>
             <a:p>
@@ -9847,37 +9617,7 @@
                   <a:latin typeface="Courier New" pitchFamily="49" charset="0"/>
                   <a:cs typeface="Courier New" pitchFamily="49" charset="0"/>
                 </a:rPr>
-                <a:t>11 </a:t>
-              </a:r>
-              <a:r>
-                <a:rPr lang="en-US" sz="1600" dirty="0">
-                  <a:solidFill>
-                    <a:prstClr val="black"/>
-                  </a:solidFill>
-                  <a:latin typeface="Courier New" pitchFamily="49" charset="0"/>
-                  <a:cs typeface="Courier New" pitchFamily="49" charset="0"/>
-                </a:rPr>
-                <a:t>4</a:t>
-              </a:r>
-              <a:r>
-                <a:rPr lang="en-US" sz="1600" dirty="0">
-                  <a:solidFill>
-                    <a:prstClr val="black"/>
-                  </a:solidFill>
-                  <a:latin typeface="Courier New" pitchFamily="49" charset="0"/>
-                  <a:cs typeface="Courier New" pitchFamily="49" charset="0"/>
-                </a:rPr>
-                <a:t> </a:t>
-              </a:r>
-              <a:r>
-                <a:rPr lang="en-US" sz="1600" dirty="0">
-                  <a:solidFill>
-                    <a:prstClr val="black"/>
-                  </a:solidFill>
-                  <a:latin typeface="Courier New" pitchFamily="49" charset="0"/>
-                  <a:cs typeface="Courier New" pitchFamily="49" charset="0"/>
-                </a:rPr>
-                <a:t>0.0</a:t>
+                <a:t>11 4 0.0</a:t>
               </a:r>
             </a:p>
             <a:p>
@@ -9891,13 +9631,6 @@
                 </a:rPr>
                 <a:t>12 4 0.5</a:t>
               </a:r>
-              <a:endParaRPr lang="en-US" sz="1600" dirty="0">
-                <a:solidFill>
-                  <a:prstClr val="black"/>
-                </a:solidFill>
-                <a:latin typeface="Courier New" pitchFamily="49" charset="0"/>
-                <a:cs typeface="Courier New" pitchFamily="49" charset="0"/>
-              </a:endParaRPr>
             </a:p>
           </p:txBody>
         </p:sp>
@@ -9938,13 +9671,6 @@
                 </a:rPr>
                 <a:t>data_002.txt</a:t>
               </a:r>
-              <a:endParaRPr lang="en-US" sz="1200" dirty="0">
-                <a:solidFill>
-                  <a:prstClr val="black"/>
-                </a:solidFill>
-                <a:latin typeface="Courier New" pitchFamily="49" charset="0"/>
-                <a:cs typeface="Courier New" pitchFamily="49" charset="0"/>
-              </a:endParaRPr>
             </a:p>
           </p:txBody>
         </p:sp>
@@ -9980,12 +9706,6 @@
               </a:rPr>
               <a:t>…</a:t>
             </a:r>
-            <a:endParaRPr lang="en-US" sz="2400" b="1" dirty="0">
-              <a:solidFill>
-                <a:prstClr val="black"/>
-              </a:solidFill>
-              <a:latin typeface="Calibri"/>
-            </a:endParaRPr>
           </a:p>
         </p:txBody>
       </p:sp>
@@ -10043,17 +9763,7 @@
                   <a:latin typeface="Courier New" pitchFamily="49" charset="0"/>
                   <a:cs typeface="Courier New" pitchFamily="49" charset="0"/>
                 </a:rPr>
-                <a:t>case </a:t>
-              </a:r>
-              <a:r>
-                <a:rPr lang="en-US" sz="1600" dirty="0">
-                  <a:solidFill>
-                    <a:prstClr val="black"/>
-                  </a:solidFill>
-                  <a:latin typeface="Courier New" pitchFamily="49" charset="0"/>
-                  <a:cs typeface="Courier New" pitchFamily="49" charset="0"/>
-                </a:rPr>
-                <a:t>dim temp</a:t>
+                <a:t>case dim temp</a:t>
               </a:r>
             </a:p>
             <a:p>
@@ -10137,37 +9847,7 @@
                   <a:latin typeface="Courier New" pitchFamily="49" charset="0"/>
                   <a:cs typeface="Courier New" pitchFamily="49" charset="0"/>
                 </a:rPr>
-                <a:t>7 </a:t>
-              </a:r>
-              <a:r>
-                <a:rPr lang="en-US" sz="1600" dirty="0">
-                  <a:solidFill>
-                    <a:prstClr val="black"/>
-                  </a:solidFill>
-                  <a:latin typeface="Courier New" pitchFamily="49" charset="0"/>
-                  <a:cs typeface="Courier New" pitchFamily="49" charset="0"/>
-                </a:rPr>
-                <a:t>3</a:t>
-              </a:r>
-              <a:r>
-                <a:rPr lang="en-US" sz="1600" dirty="0">
-                  <a:solidFill>
-                    <a:prstClr val="black"/>
-                  </a:solidFill>
-                  <a:latin typeface="Courier New" pitchFamily="49" charset="0"/>
-                  <a:cs typeface="Courier New" pitchFamily="49" charset="0"/>
-                </a:rPr>
-                <a:t> </a:t>
-              </a:r>
-              <a:r>
-                <a:rPr lang="en-US" sz="1600" dirty="0">
-                  <a:solidFill>
-                    <a:prstClr val="black"/>
-                  </a:solidFill>
-                  <a:latin typeface="Courier New" pitchFamily="49" charset="0"/>
-                  <a:cs typeface="Courier New" pitchFamily="49" charset="0"/>
-                </a:rPr>
-                <a:t>-0.5</a:t>
+                <a:t>7 3 -0.5</a:t>
               </a:r>
             </a:p>
             <a:p>
@@ -10179,47 +9859,7 @@
                   <a:latin typeface="Courier New" pitchFamily="49" charset="0"/>
                   <a:cs typeface="Courier New" pitchFamily="49" charset="0"/>
                 </a:rPr>
-                <a:t>8</a:t>
-              </a:r>
-              <a:r>
-                <a:rPr lang="en-US" sz="1600" dirty="0">
-                  <a:solidFill>
-                    <a:prstClr val="black"/>
-                  </a:solidFill>
-                  <a:latin typeface="Courier New" pitchFamily="49" charset="0"/>
-                  <a:cs typeface="Courier New" pitchFamily="49" charset="0"/>
-                </a:rPr>
-                <a:t> </a:t>
-              </a:r>
-              <a:r>
-                <a:rPr lang="en-US" sz="1600" dirty="0">
-                  <a:solidFill>
-                    <a:prstClr val="black"/>
-                  </a:solidFill>
-                  <a:latin typeface="Courier New" pitchFamily="49" charset="0"/>
-                  <a:cs typeface="Courier New" pitchFamily="49" charset="0"/>
-                </a:rPr>
-                <a:t>3</a:t>
-              </a:r>
-              <a:r>
-                <a:rPr lang="en-US" sz="1600" dirty="0">
-                  <a:solidFill>
-                    <a:prstClr val="black"/>
-                  </a:solidFill>
-                  <a:latin typeface="Courier New" pitchFamily="49" charset="0"/>
-                  <a:cs typeface="Courier New" pitchFamily="49" charset="0"/>
-                </a:rPr>
-                <a:t> </a:t>
-              </a:r>
-              <a:r>
-                <a:rPr lang="en-US" sz="1600" dirty="0">
-                  <a:solidFill>
-                    <a:prstClr val="black"/>
-                  </a:solidFill>
-                  <a:latin typeface="Courier New" pitchFamily="49" charset="0"/>
-                  <a:cs typeface="Courier New" pitchFamily="49" charset="0"/>
-                </a:rPr>
-                <a:t>0.0</a:t>
+                <a:t>8 3 0.0</a:t>
               </a:r>
             </a:p>
             <a:p>
@@ -10231,47 +9871,7 @@
                   <a:latin typeface="Courier New" pitchFamily="49" charset="0"/>
                   <a:cs typeface="Courier New" pitchFamily="49" charset="0"/>
                 </a:rPr>
-                <a:t>9</a:t>
-              </a:r>
-              <a:r>
-                <a:rPr lang="en-US" sz="1600" dirty="0">
-                  <a:solidFill>
-                    <a:prstClr val="black"/>
-                  </a:solidFill>
-                  <a:latin typeface="Courier New" pitchFamily="49" charset="0"/>
-                  <a:cs typeface="Courier New" pitchFamily="49" charset="0"/>
-                </a:rPr>
-                <a:t> </a:t>
-              </a:r>
-              <a:r>
-                <a:rPr lang="en-US" sz="1600" dirty="0">
-                  <a:solidFill>
-                    <a:prstClr val="black"/>
-                  </a:solidFill>
-                  <a:latin typeface="Courier New" pitchFamily="49" charset="0"/>
-                  <a:cs typeface="Courier New" pitchFamily="49" charset="0"/>
-                </a:rPr>
-                <a:t>3</a:t>
-              </a:r>
-              <a:r>
-                <a:rPr lang="en-US" sz="1600" dirty="0">
-                  <a:solidFill>
-                    <a:prstClr val="black"/>
-                  </a:solidFill>
-                  <a:latin typeface="Courier New" pitchFamily="49" charset="0"/>
-                  <a:cs typeface="Courier New" pitchFamily="49" charset="0"/>
-                </a:rPr>
-                <a:t> </a:t>
-              </a:r>
-              <a:r>
-                <a:rPr lang="en-US" sz="1600" dirty="0">
-                  <a:solidFill>
-                    <a:prstClr val="black"/>
-                  </a:solidFill>
-                  <a:latin typeface="Courier New" pitchFamily="49" charset="0"/>
-                  <a:cs typeface="Courier New" pitchFamily="49" charset="0"/>
-                </a:rPr>
-                <a:t>0.5</a:t>
+                <a:t>9 3 0.5</a:t>
               </a:r>
             </a:p>
             <a:p>
@@ -10283,17 +9883,7 @@
                   <a:latin typeface="Courier New" pitchFamily="49" charset="0"/>
                   <a:cs typeface="Courier New" pitchFamily="49" charset="0"/>
                 </a:rPr>
-                <a:t>10 4 </a:t>
-              </a:r>
-              <a:r>
-                <a:rPr lang="en-US" sz="1600" dirty="0">
-                  <a:solidFill>
-                    <a:prstClr val="black"/>
-                  </a:solidFill>
-                  <a:latin typeface="Courier New" pitchFamily="49" charset="0"/>
-                  <a:cs typeface="Courier New" pitchFamily="49" charset="0"/>
-                </a:rPr>
-                <a:t>-0.5</a:t>
+                <a:t>10 4 -0.5</a:t>
               </a:r>
             </a:p>
             <a:p>
@@ -10305,37 +9895,7 @@
                   <a:latin typeface="Courier New" pitchFamily="49" charset="0"/>
                   <a:cs typeface="Courier New" pitchFamily="49" charset="0"/>
                 </a:rPr>
-                <a:t>11 </a:t>
-              </a:r>
-              <a:r>
-                <a:rPr lang="en-US" sz="1600" dirty="0">
-                  <a:solidFill>
-                    <a:prstClr val="black"/>
-                  </a:solidFill>
-                  <a:latin typeface="Courier New" pitchFamily="49" charset="0"/>
-                  <a:cs typeface="Courier New" pitchFamily="49" charset="0"/>
-                </a:rPr>
-                <a:t>4</a:t>
-              </a:r>
-              <a:r>
-                <a:rPr lang="en-US" sz="1600" dirty="0">
-                  <a:solidFill>
-                    <a:prstClr val="black"/>
-                  </a:solidFill>
-                  <a:latin typeface="Courier New" pitchFamily="49" charset="0"/>
-                  <a:cs typeface="Courier New" pitchFamily="49" charset="0"/>
-                </a:rPr>
-                <a:t> </a:t>
-              </a:r>
-              <a:r>
-                <a:rPr lang="en-US" sz="1600" dirty="0">
-                  <a:solidFill>
-                    <a:prstClr val="black"/>
-                  </a:solidFill>
-                  <a:latin typeface="Courier New" pitchFamily="49" charset="0"/>
-                  <a:cs typeface="Courier New" pitchFamily="49" charset="0"/>
-                </a:rPr>
-                <a:t>0.0</a:t>
+                <a:t>11 4 0.0</a:t>
               </a:r>
             </a:p>
             <a:p>
@@ -10361,13 +9921,6 @@
                 </a:rPr>
                 <a:t>…</a:t>
               </a:r>
-              <a:endParaRPr lang="en-US" sz="1600" dirty="0">
-                <a:solidFill>
-                  <a:prstClr val="black"/>
-                </a:solidFill>
-                <a:latin typeface="Courier New" pitchFamily="49" charset="0"/>
-                <a:cs typeface="Courier New" pitchFamily="49" charset="0"/>
-              </a:endParaRPr>
             </a:p>
           </p:txBody>
         </p:sp>
@@ -10408,13 +9961,6 @@
                 </a:rPr>
                 <a:t>data_all.txt</a:t>
               </a:r>
-              <a:endParaRPr lang="en-US" sz="1200" dirty="0">
-                <a:solidFill>
-                  <a:prstClr val="black"/>
-                </a:solidFill>
-                <a:latin typeface="Courier New" pitchFamily="49" charset="0"/>
-                <a:cs typeface="Courier New" pitchFamily="49" charset="0"/>
-              </a:endParaRPr>
             </a:p>
           </p:txBody>
         </p:sp>
@@ -10688,13 +10234,6 @@
               </a:rPr>
               <a:t> import Path</a:t>
             </a:r>
-            <a:endParaRPr lang="en-US" sz="1400" dirty="0">
-              <a:solidFill>
-                <a:prstClr val="black"/>
-              </a:solidFill>
-              <a:latin typeface="Courier New" pitchFamily="49" charset="0"/>
-              <a:cs typeface="Courier New" pitchFamily="49" charset="0"/>
-            </a:endParaRPr>
           </a:p>
           <a:p>
             <a:r>
@@ -10727,27 +10266,7 @@
                 <a:latin typeface="Courier New" pitchFamily="49" charset="0"/>
                 <a:cs typeface="Courier New" pitchFamily="49" charset="0"/>
               </a:rPr>
-              <a:t> </a:t>
-            </a:r>
-            <a:r>
-              <a:rPr lang="en-US" sz="1400" dirty="0">
-                <a:solidFill>
-                  <a:prstClr val="black"/>
-                </a:solidFill>
-                <a:latin typeface="Courier New" pitchFamily="49" charset="0"/>
-                <a:cs typeface="Courier New" pitchFamily="49" charset="0"/>
-              </a:rPr>
-              <a:t>main</a:t>
-            </a:r>
-            <a:r>
-              <a:rPr lang="en-US" sz="1400" dirty="0">
-                <a:solidFill>
-                  <a:prstClr val="black"/>
-                </a:solidFill>
-                <a:latin typeface="Courier New" pitchFamily="49" charset="0"/>
-                <a:cs typeface="Courier New" pitchFamily="49" charset="0"/>
-              </a:rPr>
-              <a:t>():</a:t>
+              <a:t> main():</a:t>
             </a:r>
             <a:br>
               <a:rPr lang="en-US" sz="1400" dirty="0">
@@ -10887,16 +10406,6 @@
               </a:rPr>
               <a:t>', </a:t>
             </a:r>
-            <a:r>
-              <a:rPr lang="en-US" sz="1400" dirty="0">
-                <a:solidFill>
-                  <a:prstClr val="black"/>
-                </a:solidFill>
-                <a:latin typeface="Courier New" pitchFamily="49" charset="0"/>
-                <a:cs typeface="Courier New" pitchFamily="49" charset="0"/>
-              </a:rPr>
-              <a:t/>
-            </a:r>
             <a:br>
               <a:rPr lang="en-US" sz="1400" dirty="0">
                 <a:solidFill>
@@ -10934,17 +10443,7 @@
                 <a:latin typeface="Courier New" pitchFamily="49" charset="0"/>
                 <a:cs typeface="Courier New" pitchFamily="49" charset="0"/>
               </a:rPr>
-              <a:t>('w</a:t>
-            </a:r>
-            <a:r>
-              <a:rPr lang="en-US" sz="1400" dirty="0">
-                <a:solidFill>
-                  <a:prstClr val="black"/>
-                </a:solidFill>
-                <a:latin typeface="Courier New" pitchFamily="49" charset="0"/>
-                <a:cs typeface="Courier New" pitchFamily="49" charset="0"/>
-              </a:rPr>
-              <a:t>'), help='…') </a:t>
+              <a:t>('w'), help='…') </a:t>
             </a:r>
             <a:br>
               <a:rPr lang="en-US" sz="1400" dirty="0">
@@ -11003,17 +10502,7 @@
                 <a:latin typeface="Courier New" pitchFamily="49" charset="0"/>
                 <a:cs typeface="Courier New" pitchFamily="49" charset="0"/>
               </a:rPr>
-              <a:t>=</a:t>
-            </a:r>
-            <a:r>
-              <a:rPr lang="en-US" sz="1400" dirty="0">
-                <a:solidFill>
-                  <a:prstClr val="black"/>
-                </a:solidFill>
-                <a:latin typeface="Courier New" pitchFamily="49" charset="0"/>
-                <a:cs typeface="Courier New" pitchFamily="49" charset="0"/>
-              </a:rPr>
-              <a:t>'pattern', help='…')</a:t>
+              <a:t>='pattern', help='…')</a:t>
             </a:r>
             <a:br>
               <a:rPr lang="en-US" sz="1400" dirty="0">
@@ -11032,17 +10521,7 @@
                 <a:latin typeface="Courier New" pitchFamily="49" charset="0"/>
                 <a:cs typeface="Courier New" pitchFamily="49" charset="0"/>
               </a:rPr>
-              <a:t>    options </a:t>
-            </a:r>
-            <a:r>
-              <a:rPr lang="en-US" sz="1400" dirty="0">
-                <a:solidFill>
-                  <a:prstClr val="black"/>
-                </a:solidFill>
-                <a:latin typeface="Courier New" pitchFamily="49" charset="0"/>
-                <a:cs typeface="Courier New" pitchFamily="49" charset="0"/>
-              </a:rPr>
-              <a:t>= </a:t>
+              <a:t>    options = </a:t>
             </a:r>
             <a:r>
               <a:rPr lang="en-US" sz="1400" dirty="0" err="1">
@@ -11101,8 +10580,10 @@
                 <a:latin typeface="Courier New" pitchFamily="49" charset="0"/>
                 <a:cs typeface="Courier New" pitchFamily="49" charset="0"/>
               </a:rPr>
-              <a:t> = </a:t>
-            </a:r>
+              <a:t> = False</a:t>
+            </a:r>
+          </a:p>
+          <a:p>
             <a:r>
               <a:rPr lang="en-US" sz="1400" dirty="0">
                 <a:solidFill>
@@ -11111,29 +10592,7 @@
                 <a:latin typeface="Courier New" pitchFamily="49" charset="0"/>
                 <a:cs typeface="Courier New" pitchFamily="49" charset="0"/>
               </a:rPr>
-              <a:t>False</a:t>
-            </a:r>
-          </a:p>
-          <a:p>
-            <a:r>
-              <a:rPr lang="en-US" sz="1400" dirty="0">
-                <a:solidFill>
-                  <a:prstClr val="black"/>
-                </a:solidFill>
-                <a:latin typeface="Courier New" pitchFamily="49" charset="0"/>
-                <a:cs typeface="Courier New" pitchFamily="49" charset="0"/>
-              </a:rPr>
-              <a:t> </a:t>
-            </a:r>
-            <a:r>
-              <a:rPr lang="en-US" sz="1400" dirty="0">
-                <a:solidFill>
-                  <a:prstClr val="black"/>
-                </a:solidFill>
-                <a:latin typeface="Courier New" pitchFamily="49" charset="0"/>
-                <a:cs typeface="Courier New" pitchFamily="49" charset="0"/>
-              </a:rPr>
-              <a:t>   path = Path('.')</a:t>
+              <a:t>    path = Path('.')</a:t>
             </a:r>
             <a:br>
               <a:rPr lang="en-US" sz="1400" dirty="0">
@@ -11152,17 +10611,7 @@
                 <a:latin typeface="Courier New" pitchFamily="49" charset="0"/>
                 <a:cs typeface="Courier New" pitchFamily="49" charset="0"/>
               </a:rPr>
-              <a:t>    </a:t>
-            </a:r>
-            <a:r>
-              <a:rPr lang="en-US" sz="1400" dirty="0">
-                <a:solidFill>
-                  <a:prstClr val="black"/>
-                </a:solidFill>
-                <a:latin typeface="Courier New" pitchFamily="49" charset="0"/>
-                <a:cs typeface="Courier New" pitchFamily="49" charset="0"/>
-              </a:rPr>
-              <a:t>for </a:t>
+              <a:t>    for </a:t>
             </a:r>
             <a:r>
               <a:rPr lang="en-US" sz="1400" dirty="0" err="1">
@@ -11251,17 +10700,7 @@
                 <a:latin typeface="Courier New" pitchFamily="49" charset="0"/>
                 <a:cs typeface="Courier New" pitchFamily="49" charset="0"/>
               </a:rPr>
-              <a:t>        </a:t>
-            </a:r>
-            <a:r>
-              <a:rPr lang="en-US" sz="1400" dirty="0">
-                <a:solidFill>
-                  <a:prstClr val="black"/>
-                </a:solidFill>
-                <a:latin typeface="Courier New" pitchFamily="49" charset="0"/>
-                <a:cs typeface="Courier New" pitchFamily="49" charset="0"/>
-              </a:rPr>
-              <a:t>with open(</a:t>
+              <a:t>        with open(</a:t>
             </a:r>
             <a:r>
               <a:rPr lang="en-US" sz="1400" dirty="0" err="1">
@@ -11320,17 +10759,7 @@
                 <a:latin typeface="Courier New" pitchFamily="49" charset="0"/>
                 <a:cs typeface="Courier New" pitchFamily="49" charset="0"/>
               </a:rPr>
-              <a:t>            </a:t>
-            </a:r>
-            <a:r>
-              <a:rPr lang="en-US" sz="1400" dirty="0">
-                <a:solidFill>
-                  <a:prstClr val="black"/>
-                </a:solidFill>
-                <a:latin typeface="Courier New" pitchFamily="49" charset="0"/>
-                <a:cs typeface="Courier New" pitchFamily="49" charset="0"/>
-              </a:rPr>
-              <a:t>header = </a:t>
+              <a:t>            header = </a:t>
             </a:r>
             <a:r>
               <a:rPr lang="en-US" sz="1400" dirty="0" err="1">
@@ -11369,17 +10798,7 @@
                 <a:latin typeface="Courier New" pitchFamily="49" charset="0"/>
                 <a:cs typeface="Courier New" pitchFamily="49" charset="0"/>
               </a:rPr>
-              <a:t>            </a:t>
-            </a:r>
-            <a:r>
-              <a:rPr lang="en-US" sz="1400" dirty="0">
-                <a:solidFill>
-                  <a:prstClr val="black"/>
-                </a:solidFill>
-                <a:latin typeface="Courier New" pitchFamily="49" charset="0"/>
-                <a:cs typeface="Courier New" pitchFamily="49" charset="0"/>
-              </a:rPr>
-              <a:t>if not </a:t>
+              <a:t>            if not </a:t>
             </a:r>
             <a:r>
               <a:rPr lang="en-US" sz="1400" dirty="0" err="1">
@@ -11438,17 +10857,7 @@
                 <a:latin typeface="Courier New" pitchFamily="49" charset="0"/>
                 <a:cs typeface="Courier New" pitchFamily="49" charset="0"/>
               </a:rPr>
-              <a:t>(header</a:t>
-            </a:r>
-            <a:r>
-              <a:rPr lang="en-US" sz="1400" dirty="0">
-                <a:solidFill>
-                  <a:prstClr val="black"/>
-                </a:solidFill>
-                <a:latin typeface="Courier New" pitchFamily="49" charset="0"/>
-                <a:cs typeface="Courier New" pitchFamily="49" charset="0"/>
-              </a:rPr>
-              <a:t>)</a:t>
+              <a:t>(header)</a:t>
             </a:r>
             <a:br>
               <a:rPr lang="en-US" sz="1400" dirty="0">
@@ -11487,17 +10896,7 @@
                 <a:latin typeface="Courier New" pitchFamily="49" charset="0"/>
                 <a:cs typeface="Courier New" pitchFamily="49" charset="0"/>
               </a:rPr>
-              <a:t> = </a:t>
-            </a:r>
-            <a:r>
-              <a:rPr lang="en-US" sz="1400" dirty="0">
-                <a:solidFill>
-                  <a:prstClr val="black"/>
-                </a:solidFill>
-                <a:latin typeface="Courier New" pitchFamily="49" charset="0"/>
-                <a:cs typeface="Courier New" pitchFamily="49" charset="0"/>
-              </a:rPr>
-              <a:t>True</a:t>
+              <a:t> = True</a:t>
             </a:r>
             <a:br>
               <a:rPr lang="en-US" sz="1400" dirty="0">
@@ -11516,17 +10915,7 @@
                 <a:latin typeface="Courier New" pitchFamily="49" charset="0"/>
                 <a:cs typeface="Courier New" pitchFamily="49" charset="0"/>
               </a:rPr>
-              <a:t>            </a:t>
-            </a:r>
-            <a:r>
-              <a:rPr lang="en-US" sz="1400" dirty="0">
-                <a:solidFill>
-                  <a:prstClr val="black"/>
-                </a:solidFill>
-                <a:latin typeface="Courier New" pitchFamily="49" charset="0"/>
-                <a:cs typeface="Courier New" pitchFamily="49" charset="0"/>
-              </a:rPr>
-              <a:t>for line in </a:t>
+              <a:t>            for line in </a:t>
             </a:r>
             <a:r>
               <a:rPr lang="en-US" sz="1400" dirty="0" err="1">
@@ -11565,17 +10954,7 @@
                 <a:latin typeface="Courier New" pitchFamily="49" charset="0"/>
                 <a:cs typeface="Courier New" pitchFamily="49" charset="0"/>
               </a:rPr>
-              <a:t>                </a:t>
-            </a:r>
-            <a:r>
-              <a:rPr lang="en-US" sz="1400" dirty="0">
-                <a:solidFill>
-                  <a:prstClr val="black"/>
-                </a:solidFill>
-                <a:latin typeface="Courier New" pitchFamily="49" charset="0"/>
-                <a:cs typeface="Courier New" pitchFamily="49" charset="0"/>
-              </a:rPr>
-              <a:t>if </a:t>
+              <a:t>                if </a:t>
             </a:r>
             <a:r>
               <a:rPr lang="en-US" sz="1400" dirty="0" err="1">
@@ -11634,17 +11013,7 @@
                 <a:latin typeface="Courier New" pitchFamily="49" charset="0"/>
                 <a:cs typeface="Courier New" pitchFamily="49" charset="0"/>
               </a:rPr>
-              <a:t>(line</a:t>
-            </a:r>
-            <a:r>
-              <a:rPr lang="en-US" sz="1400" dirty="0">
-                <a:solidFill>
-                  <a:prstClr val="black"/>
-                </a:solidFill>
-                <a:latin typeface="Courier New" pitchFamily="49" charset="0"/>
-                <a:cs typeface="Courier New" pitchFamily="49" charset="0"/>
-              </a:rPr>
-              <a:t>)</a:t>
+              <a:t>(line)</a:t>
             </a:r>
             <a:br>
               <a:rPr lang="en-US" sz="1400" dirty="0">
@@ -11663,17 +11032,7 @@
                 <a:latin typeface="Courier New" pitchFamily="49" charset="0"/>
                 <a:cs typeface="Courier New" pitchFamily="49" charset="0"/>
               </a:rPr>
-              <a:t>    </a:t>
-            </a:r>
-            <a:r>
-              <a:rPr lang="en-US" sz="1400" dirty="0">
-                <a:solidFill>
-                  <a:prstClr val="black"/>
-                </a:solidFill>
-                <a:latin typeface="Courier New" pitchFamily="49" charset="0"/>
-                <a:cs typeface="Courier New" pitchFamily="49" charset="0"/>
-              </a:rPr>
-              <a:t>return 0</a:t>
+              <a:t>    return 0</a:t>
             </a:r>
           </a:p>
         </p:txBody>
@@ -11732,13 +11091,6 @@
               </a:rPr>
               <a:t>'</a:t>
             </a:r>
-            <a:endParaRPr lang="en-US" b="1" dirty="0">
-              <a:solidFill>
-                <a:srgbClr val="EEECE1"/>
-              </a:solidFill>
-              <a:latin typeface="Courier New" pitchFamily="49" charset="0"/>
-              <a:cs typeface="Courier New" pitchFamily="49" charset="0"/>
-            </a:endParaRPr>
           </a:p>
         </p:txBody>
       </p:sp>
@@ -11780,12 +11132,6 @@
               </a:rPr>
               <a:t>Same as in Bash shell</a:t>
             </a:r>
-            <a:endParaRPr lang="en-US" dirty="0">
-              <a:solidFill>
-                <a:prstClr val="black"/>
-              </a:solidFill>
-              <a:latin typeface="Calibri"/>
-            </a:endParaRPr>
           </a:p>
         </p:txBody>
       </p:sp>
@@ -12046,13 +11392,7 @@
               <a:rPr lang="en-US" sz="1800" dirty="0">
                 <a:hlinkClick r:id="rId2"/>
               </a:rPr>
-              <a:t>https://</a:t>
-            </a:r>
-            <a:r>
-              <a:rPr lang="en-US" sz="1800" dirty="0">
-                <a:hlinkClick r:id="rId2"/>
-              </a:rPr>
-              <a:t>github.com/gjbex/training-material/tree/master/Python/ArgParse</a:t>
+              <a:t>https://github.com/gjbex/training-material/tree/master/Python/ArgParse</a:t>
             </a:r>
             <a:r>
               <a:rPr lang="en-US" sz="1800" dirty="0"/>
@@ -12064,19 +11404,12 @@
               <a:rPr lang="en-US" sz="1800" dirty="0">
                 <a:hlinkClick r:id="rId3"/>
               </a:rPr>
-              <a:t>https://</a:t>
-            </a:r>
-            <a:r>
-              <a:rPr lang="en-US" sz="1800" dirty="0">
-                <a:hlinkClick r:id="rId3"/>
-              </a:rPr>
-              <a:t>github.com/gjbex/training-material/tree/master/Python/ConfigParser</a:t>
+              <a:t>https://github.com/gjbex/training-material/tree/master/Python/ConfigParser</a:t>
             </a:r>
             <a:r>
               <a:rPr lang="en-US" sz="1800" dirty="0"/>
               <a:t> </a:t>
             </a:r>
-            <a:endParaRPr lang="en-US" sz="1800" dirty="0"/>
           </a:p>
         </p:txBody>
       </p:sp>
@@ -12418,14 +11751,7 @@
                 <a:latin typeface="Courier New" pitchFamily="49" charset="0"/>
                 <a:cs typeface="Courier New" pitchFamily="49" charset="0"/>
               </a:rPr>
-              <a:t>parts </a:t>
-            </a:r>
-            <a:r>
-              <a:rPr lang="en-US" sz="2100" dirty="0">
-                <a:latin typeface="Courier New" pitchFamily="49" charset="0"/>
-                <a:cs typeface="Courier New" pitchFamily="49" charset="0"/>
-              </a:rPr>
-              <a:t>= </a:t>
+              <a:t>parts = </a:t>
             </a:r>
             <a:r>
               <a:rPr lang="en-US" sz="2100" dirty="0" err="1">
@@ -12452,40 +11778,22 @@
                 <a:latin typeface="Courier New" pitchFamily="49" charset="0"/>
                 <a:cs typeface="Courier New" pitchFamily="49" charset="0"/>
               </a:rPr>
-              <a:t>    parts </a:t>
+              <a:t>    parts == ('/', 'home', '</a:t>
+            </a:r>
+            <a:r>
+              <a:rPr lang="en-US" sz="2100" dirty="0" err="1">
+                <a:latin typeface="Courier New" pitchFamily="49" charset="0"/>
+                <a:cs typeface="Courier New" pitchFamily="49" charset="0"/>
+              </a:rPr>
+              <a:t>gjb</a:t>
             </a:r>
             <a:r>
               <a:rPr lang="en-US" sz="2100" dirty="0">
                 <a:latin typeface="Courier New" pitchFamily="49" charset="0"/>
                 <a:cs typeface="Courier New" pitchFamily="49" charset="0"/>
               </a:rPr>
-              <a:t>== </a:t>
-            </a:r>
-            <a:r>
-              <a:rPr lang="en-US" sz="2100" dirty="0">
-                <a:latin typeface="Courier New" pitchFamily="49" charset="0"/>
-                <a:cs typeface="Courier New" pitchFamily="49" charset="0"/>
-              </a:rPr>
-              <a:t>('/', 'home', '</a:t>
-            </a:r>
-            <a:r>
-              <a:rPr lang="en-US" sz="2100" dirty="0" err="1">
-                <a:latin typeface="Courier New" pitchFamily="49" charset="0"/>
-                <a:cs typeface="Courier New" pitchFamily="49" charset="0"/>
-              </a:rPr>
-              <a:t>gjb</a:t>
-            </a:r>
-            <a:r>
-              <a:rPr lang="en-US" sz="2100" dirty="0">
-                <a:latin typeface="Courier New" pitchFamily="49" charset="0"/>
-                <a:cs typeface="Courier New" pitchFamily="49" charset="0"/>
-              </a:rPr>
               <a:t>', 'data', 'output.txt')</a:t>
             </a:r>
-            <a:endParaRPr lang="en-US" sz="2100" dirty="0">
-              <a:latin typeface="Courier New" pitchFamily="49" charset="0"/>
-              <a:cs typeface="Courier New" pitchFamily="49" charset="0"/>
-            </a:endParaRPr>
           </a:p>
           <a:p>
             <a:pPr lvl="2"/>
@@ -12542,21 +11850,7 @@
                 <a:latin typeface="Courier New" pitchFamily="49" charset="0"/>
                 <a:cs typeface="Courier New" pitchFamily="49" charset="0"/>
               </a:rPr>
-              <a:t> </a:t>
-            </a:r>
-            <a:r>
-              <a:rPr lang="en-US" sz="2100" dirty="0">
-                <a:latin typeface="Courier New" pitchFamily="49" charset="0"/>
-                <a:cs typeface="Courier New" pitchFamily="49" charset="0"/>
-              </a:rPr>
-              <a:t>== </a:t>
-            </a:r>
-            <a:r>
-              <a:rPr lang="en-US" sz="2100" dirty="0">
-                <a:latin typeface="Courier New" pitchFamily="49" charset="0"/>
-                <a:cs typeface="Courier New" pitchFamily="49" charset="0"/>
-              </a:rPr>
-              <a:t>'.txt'</a:t>
+              <a:t> == '.txt'</a:t>
             </a:r>
           </a:p>
           <a:p>
@@ -12631,42 +11925,21 @@
                 <a:latin typeface="Courier New" pitchFamily="49" charset="0"/>
                 <a:cs typeface="Courier New" pitchFamily="49" charset="0"/>
               </a:rPr>
-              <a:t> </a:t>
+              <a:t> = Path('/home/</a:t>
+            </a:r>
+            <a:r>
+              <a:rPr lang="en-US" sz="2100" dirty="0" err="1">
+                <a:latin typeface="Courier New" pitchFamily="49" charset="0"/>
+                <a:cs typeface="Courier New" pitchFamily="49" charset="0"/>
+              </a:rPr>
+              <a:t>gjb</a:t>
             </a:r>
             <a:r>
               <a:rPr lang="en-US" sz="2100" dirty="0">
                 <a:latin typeface="Courier New" pitchFamily="49" charset="0"/>
                 <a:cs typeface="Courier New" pitchFamily="49" charset="0"/>
               </a:rPr>
-              <a:t>= </a:t>
-            </a:r>
-            <a:r>
-              <a:rPr lang="en-US" sz="2100" dirty="0">
-                <a:latin typeface="Courier New" pitchFamily="49" charset="0"/>
-                <a:cs typeface="Courier New" pitchFamily="49" charset="0"/>
-              </a:rPr>
-              <a:t>Path('/home/</a:t>
-            </a:r>
-            <a:r>
-              <a:rPr lang="en-US" sz="2100" dirty="0" err="1">
-                <a:latin typeface="Courier New" pitchFamily="49" charset="0"/>
-                <a:cs typeface="Courier New" pitchFamily="49" charset="0"/>
-              </a:rPr>
-              <a:t>gjb</a:t>
-            </a:r>
-            <a:r>
-              <a:rPr lang="en-US" sz="2100" dirty="0">
-                <a:latin typeface="Courier New" pitchFamily="49" charset="0"/>
-                <a:cs typeface="Courier New" pitchFamily="49" charset="0"/>
-              </a:rPr>
               <a:t>/Tests/').suffix</a:t>
-            </a:r>
-            <a:r>
-              <a:rPr lang="en-US" sz="2100" dirty="0">
-                <a:latin typeface="Courier New" pitchFamily="49" charset="0"/>
-                <a:cs typeface="Courier New" pitchFamily="49" charset="0"/>
-              </a:rPr>
-              <a:t/>
             </a:r>
             <a:br>
               <a:rPr lang="en-US" sz="2100" dirty="0">
@@ -12679,47 +11952,22 @@
                 <a:latin typeface="Courier New" pitchFamily="49" charset="0"/>
                 <a:cs typeface="Courier New" pitchFamily="49" charset="0"/>
               </a:rPr>
-              <a:t> </a:t>
+              <a:t>    </a:t>
+            </a:r>
+            <a:r>
+              <a:rPr lang="en-US" sz="2100" dirty="0" err="1">
+                <a:latin typeface="Courier New" pitchFamily="49" charset="0"/>
+                <a:cs typeface="Courier New" pitchFamily="49" charset="0"/>
+              </a:rPr>
+              <a:t>ext</a:t>
             </a:r>
             <a:r>
               <a:rPr lang="en-US" sz="2100" dirty="0">
                 <a:latin typeface="Courier New" pitchFamily="49" charset="0"/>
                 <a:cs typeface="Courier New" pitchFamily="49" charset="0"/>
               </a:rPr>
-              <a:t>   </a:t>
-            </a:r>
-            <a:r>
-              <a:rPr lang="en-US" sz="2100" dirty="0" err="1">
-                <a:latin typeface="Courier New" pitchFamily="49" charset="0"/>
-                <a:cs typeface="Courier New" pitchFamily="49" charset="0"/>
-              </a:rPr>
-              <a:t>ext</a:t>
-            </a:r>
-            <a:r>
-              <a:rPr lang="en-US" sz="2100" dirty="0">
-                <a:latin typeface="Courier New" pitchFamily="49" charset="0"/>
-                <a:cs typeface="Courier New" pitchFamily="49" charset="0"/>
-              </a:rPr>
-              <a:t> </a:t>
-            </a:r>
-            <a:r>
-              <a:rPr lang="en-US" sz="2100" dirty="0">
-                <a:latin typeface="Courier New" pitchFamily="49" charset="0"/>
-                <a:cs typeface="Courier New" pitchFamily="49" charset="0"/>
-              </a:rPr>
-              <a:t>== </a:t>
-            </a:r>
-            <a:r>
-              <a:rPr lang="en-US" sz="2100" dirty="0">
-                <a:latin typeface="Courier New" pitchFamily="49" charset="0"/>
-                <a:cs typeface="Courier New" pitchFamily="49" charset="0"/>
-              </a:rPr>
-              <a:t>''</a:t>
-            </a:r>
-            <a:endParaRPr lang="en-US" sz="2100" dirty="0">
-              <a:latin typeface="Courier New" pitchFamily="49" charset="0"/>
-              <a:cs typeface="Courier New" pitchFamily="49" charset="0"/>
-            </a:endParaRPr>
+              <a:t> == ''</a:t>
+            </a:r>
           </a:p>
         </p:txBody>
       </p:sp>
@@ -13848,12 +13096,6 @@
               </a:rPr>
               <a:t>However: ask forgiveness, not permission!</a:t>
             </a:r>
-            <a:endParaRPr lang="en-US" sz="2000" dirty="0">
-              <a:solidFill>
-                <a:prstClr val="black"/>
-              </a:solidFill>
-              <a:latin typeface="Calibri"/>
-            </a:endParaRPr>
           </a:p>
         </p:txBody>
       </p:sp>
@@ -15310,8 +14552,10 @@
                 <a:latin typeface="Courier New" pitchFamily="49" charset="0"/>
                 <a:cs typeface="Courier New" pitchFamily="49" charset="0"/>
               </a:rPr>
-              <a:t> </a:t>
-            </a:r>
+              <a:t>                                       suffix='.txt', delete=False)</a:t>
+            </a:r>
+          </a:p>
+          <a:p>
             <a:r>
               <a:rPr lang="en-US" sz="1400" dirty="0">
                 <a:solidFill>
@@ -15320,7 +14564,7 @@
                 <a:latin typeface="Courier New" pitchFamily="49" charset="0"/>
                 <a:cs typeface="Courier New" pitchFamily="49" charset="0"/>
               </a:rPr>
-              <a:t>                                      suffix='.txt', delete=False)</a:t>
+              <a:t>print("created temp file '{0}'".format(tmp_file.name))</a:t>
             </a:r>
           </a:p>
           <a:p>
@@ -15332,10 +14576,18 @@
                 <a:latin typeface="Courier New" pitchFamily="49" charset="0"/>
                 <a:cs typeface="Courier New" pitchFamily="49" charset="0"/>
               </a:rPr>
-              <a:t>print("created temp file '{0}'".format(tmp_file.name))</a:t>
-            </a:r>
-          </a:p>
-          <a:p>
+              <a:t>with </a:t>
+            </a:r>
+            <a:r>
+              <a:rPr lang="en-US" sz="1400" dirty="0" err="1">
+                <a:solidFill>
+                  <a:prstClr val="black"/>
+                </a:solidFill>
+                <a:latin typeface="Courier New" pitchFamily="49" charset="0"/>
+                <a:cs typeface="Courier New" pitchFamily="49" charset="0"/>
+              </a:rPr>
+              <a:t>tmp_file.file</a:t>
+            </a:r>
             <a:r>
               <a:rPr lang="en-US" sz="1400" dirty="0">
                 <a:solidFill>
@@ -15344,7 +14596,7 @@
                 <a:latin typeface="Courier New" pitchFamily="49" charset="0"/>
                 <a:cs typeface="Courier New" pitchFamily="49" charset="0"/>
               </a:rPr>
-              <a:t>with </a:t>
+              <a:t> as </a:t>
             </a:r>
             <a:r>
               <a:rPr lang="en-US" sz="1400" dirty="0" err="1">
@@ -15354,7 +14606,7 @@
                 <a:latin typeface="Courier New" pitchFamily="49" charset="0"/>
                 <a:cs typeface="Courier New" pitchFamily="49" charset="0"/>
               </a:rPr>
-              <a:t>tmp_file.file</a:t>
+              <a:t>tmp</a:t>
             </a:r>
             <a:r>
               <a:rPr lang="en-US" sz="1400" dirty="0">
@@ -15364,7 +14616,31 @@
                 <a:latin typeface="Courier New" pitchFamily="49" charset="0"/>
                 <a:cs typeface="Courier New" pitchFamily="49" charset="0"/>
               </a:rPr>
-              <a:t> as </a:t>
+              <a:t>:</a:t>
+            </a:r>
+          </a:p>
+          <a:p>
+            <a:r>
+              <a:rPr lang="en-US" sz="1400" dirty="0">
+                <a:solidFill>
+                  <a:prstClr val="black"/>
+                </a:solidFill>
+                <a:latin typeface="Courier New" pitchFamily="49" charset="0"/>
+                <a:cs typeface="Courier New" pitchFamily="49" charset="0"/>
+              </a:rPr>
+              <a:t>    …</a:t>
+            </a:r>
+          </a:p>
+          <a:p>
+            <a:r>
+              <a:rPr lang="en-US" sz="1400" dirty="0">
+                <a:solidFill>
+                  <a:prstClr val="black"/>
+                </a:solidFill>
+                <a:latin typeface="Courier New" pitchFamily="49" charset="0"/>
+                <a:cs typeface="Courier New" pitchFamily="49" charset="0"/>
+              </a:rPr>
+              <a:t>    </a:t>
             </a:r>
             <a:r>
               <a:rPr lang="en-US" sz="1400" dirty="0" err="1">
@@ -15374,7 +14650,7 @@
                 <a:latin typeface="Courier New" pitchFamily="49" charset="0"/>
                 <a:cs typeface="Courier New" pitchFamily="49" charset="0"/>
               </a:rPr>
-              <a:t>tmp</a:t>
+              <a:t>tmp.write</a:t>
             </a:r>
             <a:r>
               <a:rPr lang="en-US" sz="1400" dirty="0">
@@ -15384,7 +14660,7 @@
                 <a:latin typeface="Courier New" pitchFamily="49" charset="0"/>
                 <a:cs typeface="Courier New" pitchFamily="49" charset="0"/>
               </a:rPr>
-              <a:t>:</a:t>
+              <a:t>(…)</a:t>
             </a:r>
           </a:p>
           <a:p>
@@ -15396,89 +14672,8 @@
                 <a:latin typeface="Courier New" pitchFamily="49" charset="0"/>
                 <a:cs typeface="Courier New" pitchFamily="49" charset="0"/>
               </a:rPr>
-              <a:t> </a:t>
-            </a:r>
-            <a:r>
-              <a:rPr lang="en-US" sz="1400" dirty="0">
-                <a:solidFill>
-                  <a:prstClr val="black"/>
-                </a:solidFill>
-                <a:latin typeface="Courier New" pitchFamily="49" charset="0"/>
-                <a:cs typeface="Courier New" pitchFamily="49" charset="0"/>
-              </a:rPr>
-              <a:t>   …</a:t>
-            </a:r>
-          </a:p>
-          <a:p>
-            <a:r>
-              <a:rPr lang="en-US" sz="1400" dirty="0">
-                <a:solidFill>
-                  <a:prstClr val="black"/>
-                </a:solidFill>
-                <a:latin typeface="Courier New" pitchFamily="49" charset="0"/>
-                <a:cs typeface="Courier New" pitchFamily="49" charset="0"/>
-              </a:rPr>
-              <a:t> </a:t>
-            </a:r>
-            <a:r>
-              <a:rPr lang="en-US" sz="1400" dirty="0">
-                <a:solidFill>
-                  <a:prstClr val="black"/>
-                </a:solidFill>
-                <a:latin typeface="Courier New" pitchFamily="49" charset="0"/>
-                <a:cs typeface="Courier New" pitchFamily="49" charset="0"/>
-              </a:rPr>
-              <a:t>   </a:t>
-            </a:r>
-            <a:r>
-              <a:rPr lang="en-US" sz="1400" dirty="0" err="1">
-                <a:solidFill>
-                  <a:prstClr val="black"/>
-                </a:solidFill>
-                <a:latin typeface="Courier New" pitchFamily="49" charset="0"/>
-                <a:cs typeface="Courier New" pitchFamily="49" charset="0"/>
-              </a:rPr>
-              <a:t>tmp.write</a:t>
-            </a:r>
-            <a:r>
-              <a:rPr lang="en-US" sz="1400" dirty="0">
-                <a:solidFill>
-                  <a:prstClr val="black"/>
-                </a:solidFill>
-                <a:latin typeface="Courier New" pitchFamily="49" charset="0"/>
-                <a:cs typeface="Courier New" pitchFamily="49" charset="0"/>
-              </a:rPr>
-              <a:t>(…)</a:t>
-            </a:r>
-          </a:p>
-          <a:p>
-            <a:r>
-              <a:rPr lang="en-US" sz="1400" dirty="0">
-                <a:solidFill>
-                  <a:prstClr val="black"/>
-                </a:solidFill>
-                <a:latin typeface="Courier New" pitchFamily="49" charset="0"/>
-                <a:cs typeface="Courier New" pitchFamily="49" charset="0"/>
-              </a:rPr>
-              <a:t> </a:t>
-            </a:r>
-            <a:r>
-              <a:rPr lang="en-US" sz="1400" dirty="0">
-                <a:solidFill>
-                  <a:prstClr val="black"/>
-                </a:solidFill>
-                <a:latin typeface="Courier New" pitchFamily="49" charset="0"/>
-                <a:cs typeface="Courier New" pitchFamily="49" charset="0"/>
-              </a:rPr>
-              <a:t>   …</a:t>
-            </a:r>
-            <a:endParaRPr lang="en-US" sz="1400" dirty="0">
-              <a:solidFill>
-                <a:prstClr val="black"/>
-              </a:solidFill>
-              <a:latin typeface="Courier New" pitchFamily="49" charset="0"/>
-              <a:cs typeface="Courier New" pitchFamily="49" charset="0"/>
-            </a:endParaRPr>
+              <a:t>    …</a:t>
+            </a:r>
           </a:p>
         </p:txBody>
       </p:sp>
@@ -15951,7 +15146,17 @@
                 <a:latin typeface="Courier New" pitchFamily="49" charset="0"/>
                 <a:cs typeface="Courier New" pitchFamily="49" charset="0"/>
               </a:rPr>
-              <a:t>for </a:t>
+              <a:t>for directory, _, </a:t>
+            </a:r>
+            <a:r>
+              <a:rPr lang="en-US" sz="1400" dirty="0" err="1">
+                <a:solidFill>
+                  <a:prstClr val="black"/>
+                </a:solidFill>
+                <a:latin typeface="Courier New" pitchFamily="49" charset="0"/>
+                <a:cs typeface="Courier New" pitchFamily="49" charset="0"/>
+              </a:rPr>
+              <a:t>file_names</a:t>
             </a:r>
             <a:r>
               <a:rPr lang="en-US" sz="1400" dirty="0">
@@ -15961,7 +15166,7 @@
                 <a:latin typeface="Courier New" pitchFamily="49" charset="0"/>
                 <a:cs typeface="Courier New" pitchFamily="49" charset="0"/>
               </a:rPr>
-              <a:t>directory, _, </a:t>
+              <a:t> in </a:t>
             </a:r>
             <a:r>
               <a:rPr lang="en-US" sz="1400" dirty="0" err="1">
@@ -15971,6 +15176,78 @@
                 <a:latin typeface="Courier New" pitchFamily="49" charset="0"/>
                 <a:cs typeface="Courier New" pitchFamily="49" charset="0"/>
               </a:rPr>
+              <a:t>os.walk</a:t>
+            </a:r>
+            <a:r>
+              <a:rPr lang="en-US" sz="1400" dirty="0">
+                <a:solidFill>
+                  <a:prstClr val="black"/>
+                </a:solidFill>
+                <a:latin typeface="Courier New" pitchFamily="49" charset="0"/>
+                <a:cs typeface="Courier New" pitchFamily="49" charset="0"/>
+              </a:rPr>
+              <a:t>(</a:t>
+            </a:r>
+            <a:r>
+              <a:rPr lang="en-US" sz="1400" dirty="0" err="1">
+                <a:solidFill>
+                  <a:prstClr val="black"/>
+                </a:solidFill>
+                <a:latin typeface="Courier New" pitchFamily="49" charset="0"/>
+                <a:cs typeface="Courier New" pitchFamily="49" charset="0"/>
+              </a:rPr>
+              <a:t>dir_name</a:t>
+            </a:r>
+            <a:r>
+              <a:rPr lang="en-US" sz="1400" dirty="0">
+                <a:solidFill>
+                  <a:prstClr val="black"/>
+                </a:solidFill>
+                <a:latin typeface="Courier New" pitchFamily="49" charset="0"/>
+                <a:cs typeface="Courier New" pitchFamily="49" charset="0"/>
+              </a:rPr>
+              <a:t>):</a:t>
+            </a:r>
+          </a:p>
+          <a:p>
+            <a:r>
+              <a:rPr lang="en-US" sz="1400" dirty="0">
+                <a:solidFill>
+                  <a:prstClr val="black"/>
+                </a:solidFill>
+                <a:latin typeface="Courier New" pitchFamily="49" charset="0"/>
+                <a:cs typeface="Courier New" pitchFamily="49" charset="0"/>
+              </a:rPr>
+              <a:t>    for </a:t>
+            </a:r>
+            <a:r>
+              <a:rPr lang="en-US" sz="1400" dirty="0" err="1">
+                <a:solidFill>
+                  <a:prstClr val="black"/>
+                </a:solidFill>
+                <a:latin typeface="Courier New" pitchFamily="49" charset="0"/>
+                <a:cs typeface="Courier New" pitchFamily="49" charset="0"/>
+              </a:rPr>
+              <a:t>file_name</a:t>
+            </a:r>
+            <a:r>
+              <a:rPr lang="en-US" sz="1400" dirty="0">
+                <a:solidFill>
+                  <a:prstClr val="black"/>
+                </a:solidFill>
+                <a:latin typeface="Courier New" pitchFamily="49" charset="0"/>
+                <a:cs typeface="Courier New" pitchFamily="49" charset="0"/>
+              </a:rPr>
+              <a:t> in </a:t>
+            </a:r>
+            <a:r>
+              <a:rPr lang="en-US" sz="1400" dirty="0" err="1">
+                <a:solidFill>
+                  <a:prstClr val="black"/>
+                </a:solidFill>
+                <a:latin typeface="Courier New" pitchFamily="49" charset="0"/>
+                <a:cs typeface="Courier New" pitchFamily="49" charset="0"/>
+              </a:rPr>
               <a:t>file_names</a:t>
             </a:r>
             <a:r>
@@ -15981,8 +15258,10 @@
                 <a:latin typeface="Courier New" pitchFamily="49" charset="0"/>
                 <a:cs typeface="Courier New" pitchFamily="49" charset="0"/>
               </a:rPr>
-              <a:t> </a:t>
-            </a:r>
+              <a:t>:</a:t>
+            </a:r>
+          </a:p>
+          <a:p>
             <a:r>
               <a:rPr lang="en-US" sz="1400" dirty="0">
                 <a:solidFill>
@@ -15991,7 +15270,7 @@
                 <a:latin typeface="Courier New" pitchFamily="49" charset="0"/>
                 <a:cs typeface="Courier New" pitchFamily="49" charset="0"/>
               </a:rPr>
-              <a:t>in </a:t>
+              <a:t>        _, </a:t>
             </a:r>
             <a:r>
               <a:rPr lang="en-US" sz="1400" dirty="0" err="1">
@@ -16001,7 +15280,7 @@
                 <a:latin typeface="Courier New" pitchFamily="49" charset="0"/>
                 <a:cs typeface="Courier New" pitchFamily="49" charset="0"/>
               </a:rPr>
-              <a:t>os.walk</a:t>
+              <a:t>ext</a:t>
             </a:r>
             <a:r>
               <a:rPr lang="en-US" sz="1400" dirty="0">
@@ -16011,6 +15290,26 @@
                 <a:latin typeface="Courier New" pitchFamily="49" charset="0"/>
                 <a:cs typeface="Courier New" pitchFamily="49" charset="0"/>
               </a:rPr>
+              <a:t> = </a:t>
+            </a:r>
+            <a:r>
+              <a:rPr lang="en-US" sz="1400" dirty="0" err="1">
+                <a:solidFill>
+                  <a:prstClr val="black"/>
+                </a:solidFill>
+                <a:latin typeface="Courier New" pitchFamily="49" charset="0"/>
+                <a:cs typeface="Courier New" pitchFamily="49" charset="0"/>
+              </a:rPr>
+              <a:t>os.path.splitext</a:t>
+            </a:r>
+            <a:r>
+              <a:rPr lang="en-US" sz="1400" dirty="0">
+                <a:solidFill>
+                  <a:prstClr val="black"/>
+                </a:solidFill>
+                <a:latin typeface="Courier New" pitchFamily="49" charset="0"/>
+                <a:cs typeface="Courier New" pitchFamily="49" charset="0"/>
+              </a:rPr>
               <a:t>(</a:t>
             </a:r>
             <a:r>
@@ -16021,7 +15320,7 @@
                 <a:latin typeface="Courier New" pitchFamily="49" charset="0"/>
                 <a:cs typeface="Courier New" pitchFamily="49" charset="0"/>
               </a:rPr>
-              <a:t>dir_name</a:t>
+              <a:t>file_name</a:t>
             </a:r>
             <a:r>
               <a:rPr lang="en-US" sz="1400" dirty="0">
@@ -16031,15 +15330,8 @@
                 <a:latin typeface="Courier New" pitchFamily="49" charset="0"/>
                 <a:cs typeface="Courier New" pitchFamily="49" charset="0"/>
               </a:rPr>
-              <a:t>):</a:t>
-            </a:r>
-            <a:endParaRPr lang="en-US" sz="1400" dirty="0">
-              <a:solidFill>
-                <a:prstClr val="black"/>
-              </a:solidFill>
-              <a:latin typeface="Courier New" pitchFamily="49" charset="0"/>
-              <a:cs typeface="Courier New" pitchFamily="49" charset="0"/>
-            </a:endParaRPr>
+              <a:t>)</a:t>
+            </a:r>
           </a:p>
           <a:p>
             <a:r>
@@ -16050,7 +15342,7 @@
                 <a:latin typeface="Courier New" pitchFamily="49" charset="0"/>
                 <a:cs typeface="Courier New" pitchFamily="49" charset="0"/>
               </a:rPr>
-              <a:t>    for </a:t>
+              <a:t>        if </a:t>
             </a:r>
             <a:r>
               <a:rPr lang="en-US" sz="1400" dirty="0" err="1">
@@ -16060,6 +15352,78 @@
                 <a:latin typeface="Courier New" pitchFamily="49" charset="0"/>
                 <a:cs typeface="Courier New" pitchFamily="49" charset="0"/>
               </a:rPr>
+              <a:t>ext</a:t>
+            </a:r>
+            <a:r>
+              <a:rPr lang="en-US" sz="1400" dirty="0">
+                <a:solidFill>
+                  <a:prstClr val="black"/>
+                </a:solidFill>
+                <a:latin typeface="Courier New" pitchFamily="49" charset="0"/>
+                <a:cs typeface="Courier New" pitchFamily="49" charset="0"/>
+              </a:rPr>
+              <a:t> == </a:t>
+            </a:r>
+            <a:r>
+              <a:rPr lang="en-US" sz="1400" dirty="0" err="1">
+                <a:solidFill>
+                  <a:prstClr val="black"/>
+                </a:solidFill>
+                <a:latin typeface="Courier New" pitchFamily="49" charset="0"/>
+                <a:cs typeface="Courier New" pitchFamily="49" charset="0"/>
+              </a:rPr>
+              <a:t>target_ext</a:t>
+            </a:r>
+            <a:r>
+              <a:rPr lang="en-US" sz="1400" dirty="0">
+                <a:solidFill>
+                  <a:prstClr val="black"/>
+                </a:solidFill>
+                <a:latin typeface="Courier New" pitchFamily="49" charset="0"/>
+                <a:cs typeface="Courier New" pitchFamily="49" charset="0"/>
+              </a:rPr>
+              <a:t>:</a:t>
+            </a:r>
+          </a:p>
+          <a:p>
+            <a:r>
+              <a:rPr lang="en-US" sz="1400" dirty="0">
+                <a:solidFill>
+                  <a:prstClr val="black"/>
+                </a:solidFill>
+                <a:latin typeface="Courier New" pitchFamily="49" charset="0"/>
+                <a:cs typeface="Courier New" pitchFamily="49" charset="0"/>
+              </a:rPr>
+              <a:t>            print(</a:t>
+            </a:r>
+            <a:r>
+              <a:rPr lang="en-US" sz="1400" dirty="0" err="1">
+                <a:solidFill>
+                  <a:prstClr val="black"/>
+                </a:solidFill>
+                <a:latin typeface="Courier New" pitchFamily="49" charset="0"/>
+                <a:cs typeface="Courier New" pitchFamily="49" charset="0"/>
+              </a:rPr>
+              <a:t>os.path.join</a:t>
+            </a:r>
+            <a:r>
+              <a:rPr lang="en-US" sz="1400" dirty="0">
+                <a:solidFill>
+                  <a:prstClr val="black"/>
+                </a:solidFill>
+                <a:latin typeface="Courier New" pitchFamily="49" charset="0"/>
+                <a:cs typeface="Courier New" pitchFamily="49" charset="0"/>
+              </a:rPr>
+              <a:t>(directory, </a:t>
+            </a:r>
+            <a:r>
+              <a:rPr lang="en-US" sz="1400" dirty="0" err="1">
+                <a:solidFill>
+                  <a:prstClr val="black"/>
+                </a:solidFill>
+                <a:latin typeface="Courier New" pitchFamily="49" charset="0"/>
+                <a:cs typeface="Courier New" pitchFamily="49" charset="0"/>
+              </a:rPr>
               <a:t>file_name</a:t>
             </a:r>
             <a:r>
@@ -16070,18 +15434,10 @@
                 <a:latin typeface="Courier New" pitchFamily="49" charset="0"/>
                 <a:cs typeface="Courier New" pitchFamily="49" charset="0"/>
               </a:rPr>
-              <a:t> in </a:t>
-            </a:r>
-            <a:r>
-              <a:rPr lang="en-US" sz="1400" dirty="0" err="1">
-                <a:solidFill>
-                  <a:prstClr val="black"/>
-                </a:solidFill>
-                <a:latin typeface="Courier New" pitchFamily="49" charset="0"/>
-                <a:cs typeface="Courier New" pitchFamily="49" charset="0"/>
-              </a:rPr>
-              <a:t>file_names</a:t>
-            </a:r>
+              <a:t>))</a:t>
+            </a:r>
+          </a:p>
+          <a:p>
             <a:r>
               <a:rPr lang="en-US" sz="1400" dirty="0">
                 <a:solidFill>
@@ -16090,233 +15446,8 @@
                 <a:latin typeface="Courier New" pitchFamily="49" charset="0"/>
                 <a:cs typeface="Courier New" pitchFamily="49" charset="0"/>
               </a:rPr>
-              <a:t>:</a:t>
-            </a:r>
-          </a:p>
-          <a:p>
-            <a:r>
-              <a:rPr lang="en-US" sz="1400" dirty="0">
-                <a:solidFill>
-                  <a:prstClr val="black"/>
-                </a:solidFill>
-                <a:latin typeface="Courier New" pitchFamily="49" charset="0"/>
-                <a:cs typeface="Courier New" pitchFamily="49" charset="0"/>
-              </a:rPr>
-              <a:t>        _, </a:t>
-            </a:r>
-            <a:r>
-              <a:rPr lang="en-US" sz="1400" dirty="0" err="1">
-                <a:solidFill>
-                  <a:prstClr val="black"/>
-                </a:solidFill>
-                <a:latin typeface="Courier New" pitchFamily="49" charset="0"/>
-                <a:cs typeface="Courier New" pitchFamily="49" charset="0"/>
-              </a:rPr>
-              <a:t>ext</a:t>
-            </a:r>
-            <a:r>
-              <a:rPr lang="en-US" sz="1400" dirty="0">
-                <a:solidFill>
-                  <a:prstClr val="black"/>
-                </a:solidFill>
-                <a:latin typeface="Courier New" pitchFamily="49" charset="0"/>
-                <a:cs typeface="Courier New" pitchFamily="49" charset="0"/>
-              </a:rPr>
-              <a:t> = </a:t>
-            </a:r>
-            <a:r>
-              <a:rPr lang="en-US" sz="1400" dirty="0" err="1">
-                <a:solidFill>
-                  <a:prstClr val="black"/>
-                </a:solidFill>
-                <a:latin typeface="Courier New" pitchFamily="49" charset="0"/>
-                <a:cs typeface="Courier New" pitchFamily="49" charset="0"/>
-              </a:rPr>
-              <a:t>os.path.splitext</a:t>
-            </a:r>
-            <a:r>
-              <a:rPr lang="en-US" sz="1400" dirty="0">
-                <a:solidFill>
-                  <a:prstClr val="black"/>
-                </a:solidFill>
-                <a:latin typeface="Courier New" pitchFamily="49" charset="0"/>
-                <a:cs typeface="Courier New" pitchFamily="49" charset="0"/>
-              </a:rPr>
-              <a:t>(</a:t>
-            </a:r>
-            <a:r>
-              <a:rPr lang="en-US" sz="1400" dirty="0" err="1">
-                <a:solidFill>
-                  <a:prstClr val="black"/>
-                </a:solidFill>
-                <a:latin typeface="Courier New" pitchFamily="49" charset="0"/>
-                <a:cs typeface="Courier New" pitchFamily="49" charset="0"/>
-              </a:rPr>
-              <a:t>file_name</a:t>
-            </a:r>
-            <a:r>
-              <a:rPr lang="en-US" sz="1400" dirty="0">
-                <a:solidFill>
-                  <a:prstClr val="black"/>
-                </a:solidFill>
-                <a:latin typeface="Courier New" pitchFamily="49" charset="0"/>
-                <a:cs typeface="Courier New" pitchFamily="49" charset="0"/>
-              </a:rPr>
-              <a:t>)</a:t>
-            </a:r>
-          </a:p>
-          <a:p>
-            <a:r>
-              <a:rPr lang="en-US" sz="1400" dirty="0">
-                <a:solidFill>
-                  <a:prstClr val="black"/>
-                </a:solidFill>
-                <a:latin typeface="Courier New" pitchFamily="49" charset="0"/>
-                <a:cs typeface="Courier New" pitchFamily="49" charset="0"/>
-              </a:rPr>
-              <a:t>        </a:t>
-            </a:r>
-            <a:r>
-              <a:rPr lang="en-US" sz="1400" dirty="0">
-                <a:solidFill>
-                  <a:prstClr val="black"/>
-                </a:solidFill>
-                <a:latin typeface="Courier New" pitchFamily="49" charset="0"/>
-                <a:cs typeface="Courier New" pitchFamily="49" charset="0"/>
-              </a:rPr>
-              <a:t>if </a:t>
-            </a:r>
-            <a:r>
-              <a:rPr lang="en-US" sz="1400" dirty="0" err="1">
-                <a:solidFill>
-                  <a:prstClr val="black"/>
-                </a:solidFill>
-                <a:latin typeface="Courier New" pitchFamily="49" charset="0"/>
-                <a:cs typeface="Courier New" pitchFamily="49" charset="0"/>
-              </a:rPr>
-              <a:t>ext</a:t>
-            </a:r>
-            <a:r>
-              <a:rPr lang="en-US" sz="1400" dirty="0">
-                <a:solidFill>
-                  <a:prstClr val="black"/>
-                </a:solidFill>
-                <a:latin typeface="Courier New" pitchFamily="49" charset="0"/>
-                <a:cs typeface="Courier New" pitchFamily="49" charset="0"/>
-              </a:rPr>
-              <a:t> == </a:t>
-            </a:r>
-            <a:r>
-              <a:rPr lang="en-US" sz="1400" dirty="0" err="1">
-                <a:solidFill>
-                  <a:prstClr val="black"/>
-                </a:solidFill>
-                <a:latin typeface="Courier New" pitchFamily="49" charset="0"/>
-                <a:cs typeface="Courier New" pitchFamily="49" charset="0"/>
-              </a:rPr>
-              <a:t>target_ext</a:t>
-            </a:r>
-            <a:r>
-              <a:rPr lang="en-US" sz="1400" dirty="0">
-                <a:solidFill>
-                  <a:prstClr val="black"/>
-                </a:solidFill>
-                <a:latin typeface="Courier New" pitchFamily="49" charset="0"/>
-                <a:cs typeface="Courier New" pitchFamily="49" charset="0"/>
-              </a:rPr>
-              <a:t>:</a:t>
-            </a:r>
-          </a:p>
-          <a:p>
-            <a:r>
-              <a:rPr lang="en-US" sz="1400" dirty="0">
-                <a:solidFill>
-                  <a:prstClr val="black"/>
-                </a:solidFill>
-                <a:latin typeface="Courier New" pitchFamily="49" charset="0"/>
-                <a:cs typeface="Courier New" pitchFamily="49" charset="0"/>
-              </a:rPr>
-              <a:t>        </a:t>
-            </a:r>
-            <a:r>
-              <a:rPr lang="en-US" sz="1400" dirty="0">
-                <a:solidFill>
-                  <a:prstClr val="black"/>
-                </a:solidFill>
-                <a:latin typeface="Courier New" pitchFamily="49" charset="0"/>
-                <a:cs typeface="Courier New" pitchFamily="49" charset="0"/>
-              </a:rPr>
-              <a:t>    print(</a:t>
-            </a:r>
-            <a:r>
-              <a:rPr lang="en-US" sz="1400" dirty="0" err="1">
-                <a:solidFill>
-                  <a:prstClr val="black"/>
-                </a:solidFill>
-                <a:latin typeface="Courier New" pitchFamily="49" charset="0"/>
-                <a:cs typeface="Courier New" pitchFamily="49" charset="0"/>
-              </a:rPr>
-              <a:t>os.path.join</a:t>
-            </a:r>
-            <a:r>
-              <a:rPr lang="en-US" sz="1400" dirty="0">
-                <a:solidFill>
-                  <a:prstClr val="black"/>
-                </a:solidFill>
-                <a:latin typeface="Courier New" pitchFamily="49" charset="0"/>
-                <a:cs typeface="Courier New" pitchFamily="49" charset="0"/>
-              </a:rPr>
-              <a:t>(directory</a:t>
-            </a:r>
-            <a:r>
-              <a:rPr lang="en-US" sz="1400" dirty="0">
-                <a:solidFill>
-                  <a:prstClr val="black"/>
-                </a:solidFill>
-                <a:latin typeface="Courier New" pitchFamily="49" charset="0"/>
-                <a:cs typeface="Courier New" pitchFamily="49" charset="0"/>
-              </a:rPr>
-              <a:t>, </a:t>
-            </a:r>
-            <a:r>
-              <a:rPr lang="en-US" sz="1400" dirty="0" err="1">
-                <a:solidFill>
-                  <a:prstClr val="black"/>
-                </a:solidFill>
-                <a:latin typeface="Courier New" pitchFamily="49" charset="0"/>
-                <a:cs typeface="Courier New" pitchFamily="49" charset="0"/>
-              </a:rPr>
-              <a:t>file_name</a:t>
-            </a:r>
-            <a:r>
-              <a:rPr lang="en-US" sz="1400" dirty="0">
-                <a:solidFill>
-                  <a:prstClr val="black"/>
-                </a:solidFill>
-                <a:latin typeface="Courier New" pitchFamily="49" charset="0"/>
-                <a:cs typeface="Courier New" pitchFamily="49" charset="0"/>
-              </a:rPr>
-              <a:t>))</a:t>
-            </a:r>
-          </a:p>
-          <a:p>
-            <a:r>
-              <a:rPr lang="en-US" sz="1400" dirty="0">
-                <a:solidFill>
-                  <a:prstClr val="black"/>
-                </a:solidFill>
-                <a:latin typeface="Courier New" pitchFamily="49" charset="0"/>
-                <a:cs typeface="Courier New" pitchFamily="49" charset="0"/>
-              </a:rPr>
               <a:t>…</a:t>
             </a:r>
-            <a:endParaRPr lang="en-US" sz="1400" dirty="0">
-              <a:solidFill>
-                <a:prstClr val="black"/>
-              </a:solidFill>
-              <a:latin typeface="Courier New" pitchFamily="49" charset="0"/>
-              <a:cs typeface="Courier New" pitchFamily="49" charset="0"/>
-            </a:endParaRPr>
           </a:p>
         </p:txBody>
       </p:sp>
@@ -16384,13 +15515,6 @@
               </a:rPr>
               <a:t>(…)</a:t>
             </a:r>
-            <a:endParaRPr lang="en-US" sz="2400" dirty="0">
-              <a:solidFill>
-                <a:prstClr val="black"/>
-              </a:solidFill>
-              <a:latin typeface="Courier New" panose="02070309020205020404" pitchFamily="49" charset="0"/>
-              <a:cs typeface="Courier New" panose="02070309020205020404" pitchFamily="49" charset="0"/>
-            </a:endParaRPr>
           </a:p>
         </p:txBody>
       </p:sp>
@@ -16780,19 +15904,12 @@
               <a:rPr lang="en-US" sz="1800" dirty="0">
                 <a:hlinkClick r:id="rId2"/>
               </a:rPr>
-              <a:t>https://</a:t>
-            </a:r>
-            <a:r>
-              <a:rPr lang="en-US" sz="1800" dirty="0">
-                <a:hlinkClick r:id="rId2"/>
-              </a:rPr>
-              <a:t>github.com/gjbex/training-material/tree/master/Python/Subprocess</a:t>
+              <a:t>https://github.com/gjbex/training-material/tree/master/Python/Subprocess</a:t>
             </a:r>
             <a:r>
               <a:rPr lang="en-US" sz="1800" dirty="0"/>
               <a:t> </a:t>
             </a:r>
-            <a:endParaRPr lang="en-US" sz="1800" dirty="0"/>
           </a:p>
         </p:txBody>
       </p:sp>
@@ -17222,13 +16339,6 @@
               </a:rPr>
               <a:t>.strip().split(' ')</a:t>
             </a:r>
-            <a:endParaRPr lang="en-US" sz="1400" dirty="0">
-              <a:solidFill>
-                <a:prstClr val="black"/>
-              </a:solidFill>
-              <a:latin typeface="Courier New" pitchFamily="49" charset="0"/>
-              <a:cs typeface="Courier New" pitchFamily="49" charset="0"/>
-            </a:endParaRPr>
           </a:p>
         </p:txBody>
       </p:sp>
@@ -17927,13 +17037,6 @@
               </a:rPr>
               <a:t>      1       5      23 -</a:t>
             </a:r>
-            <a:endParaRPr lang="en-US" sz="1400" b="1" dirty="0">
-              <a:solidFill>
-                <a:prstClr val="white"/>
-              </a:solidFill>
-              <a:latin typeface="Courier New" pitchFamily="49" charset="0"/>
-              <a:cs typeface="Courier New" pitchFamily="49" charset="0"/>
-            </a:endParaRPr>
           </a:p>
         </p:txBody>
       </p:sp>
@@ -18459,13 +17562,6 @@
               </a:rPr>
               <a:t>().split(' ')</a:t>
             </a:r>
-            <a:endParaRPr lang="en-US" sz="1400" dirty="0">
-              <a:solidFill>
-                <a:prstClr val="black"/>
-              </a:solidFill>
-              <a:latin typeface="Courier New" pitchFamily="49" charset="0"/>
-              <a:cs typeface="Courier New" pitchFamily="49" charset="0"/>
-            </a:endParaRPr>
           </a:p>
         </p:txBody>
       </p:sp>
@@ -18611,12 +17707,6 @@
               </a:rPr>
               <a:t> for writing/reading, analogous to pipes in Unix</a:t>
             </a:r>
-            <a:endParaRPr lang="en-US" dirty="0">
-              <a:solidFill>
-                <a:prstClr val="black"/>
-              </a:solidFill>
-              <a:latin typeface="Calibri"/>
-            </a:endParaRPr>
           </a:p>
         </p:txBody>
       </p:sp>
@@ -18727,12 +17817,6 @@
                 </a:rPr>
                 <a:t>it received all data!!!</a:t>
               </a:r>
-              <a:endParaRPr lang="en-US" dirty="0">
-                <a:solidFill>
-                  <a:prstClr val="black"/>
-                </a:solidFill>
-                <a:latin typeface="Calibri"/>
-              </a:endParaRPr>
             </a:p>
           </p:txBody>
         </p:sp>
@@ -19901,13 +18985,6 @@
               </a:rPr>
               <a:t>(description='Gaussian random number generator')</a:t>
             </a:r>
-            <a:endParaRPr lang="en-US" sz="1400" dirty="0">
-              <a:solidFill>
-                <a:prstClr val="black"/>
-              </a:solidFill>
-              <a:latin typeface="Courier New" pitchFamily="49" charset="0"/>
-              <a:cs typeface="Courier New" pitchFamily="49" charset="0"/>
-            </a:endParaRPr>
           </a:p>
         </p:txBody>
       </p:sp>
@@ -20451,12 +19528,6 @@
               </a:rPr>
               <a:t> is implicit</a:t>
             </a:r>
-            <a:endParaRPr lang="en-US" sz="1600" dirty="0">
-              <a:solidFill>
-                <a:prstClr val="black"/>
-              </a:solidFill>
-              <a:latin typeface="Calibri"/>
-            </a:endParaRPr>
           </a:p>
         </p:txBody>
       </p:sp>
@@ -21354,13 +20425,6 @@
               </a:rPr>
               <a:t>)))</a:t>
             </a:r>
-            <a:endParaRPr lang="en-US" sz="1400" dirty="0">
-              <a:solidFill>
-                <a:prstClr val="black"/>
-              </a:solidFill>
-              <a:latin typeface="Courier New" pitchFamily="49" charset="0"/>
-              <a:cs typeface="Courier New" pitchFamily="49" charset="0"/>
-            </a:endParaRPr>
           </a:p>
         </p:txBody>
       </p:sp>
@@ -21484,8 +20548,10 @@
                 <a:latin typeface="Courier New" pitchFamily="49" charset="0"/>
                 <a:cs typeface="Courier New" pitchFamily="49" charset="0"/>
               </a:rPr>
-              <a:t>  n             number </a:t>
-            </a:r>
+              <a:t>  n             number of random numbers to generate</a:t>
+            </a:r>
+          </a:p>
+          <a:p>
             <a:r>
               <a:rPr lang="en-US" sz="1400" b="1" dirty="0">
                 <a:solidFill>
@@ -21494,15 +20560,8 @@
                 <a:latin typeface="Courier New" pitchFamily="49" charset="0"/>
                 <a:cs typeface="Courier New" pitchFamily="49" charset="0"/>
               </a:rPr>
-              <a:t>of random numbers to generate</a:t>
-            </a:r>
-            <a:endParaRPr lang="en-US" sz="1400" b="1" dirty="0">
-              <a:solidFill>
-                <a:prstClr val="white"/>
-              </a:solidFill>
-              <a:latin typeface="Courier New" pitchFamily="49" charset="0"/>
-              <a:cs typeface="Courier New" pitchFamily="49" charset="0"/>
-            </a:endParaRPr>
+              <a:t>optional arguments:</a:t>
+            </a:r>
           </a:p>
           <a:p>
             <a:r>
@@ -21513,7 +20572,7 @@
                 <a:latin typeface="Courier New" pitchFamily="49" charset="0"/>
                 <a:cs typeface="Courier New" pitchFamily="49" charset="0"/>
               </a:rPr>
-              <a:t>optional arguments:</a:t>
+              <a:t>  -h, --help    show this help message and exit</a:t>
             </a:r>
           </a:p>
           <a:p>
@@ -21525,10 +20584,18 @@
                 <a:latin typeface="Courier New" pitchFamily="49" charset="0"/>
                 <a:cs typeface="Courier New" pitchFamily="49" charset="0"/>
               </a:rPr>
-              <a:t>  -h, --help    show this help message and exit</a:t>
-            </a:r>
-          </a:p>
-          <a:p>
+              <a:t>  -mu </a:t>
+            </a:r>
+            <a:r>
+              <a:rPr lang="en-US" sz="1400" b="1" dirty="0" err="1">
+                <a:solidFill>
+                  <a:prstClr val="white"/>
+                </a:solidFill>
+                <a:latin typeface="Courier New" pitchFamily="49" charset="0"/>
+                <a:cs typeface="Courier New" pitchFamily="49" charset="0"/>
+              </a:rPr>
+              <a:t>MU</a:t>
+            </a:r>
             <a:r>
               <a:rPr lang="en-US" sz="1400" b="1" dirty="0">
                 <a:solidFill>
@@ -21537,7 +20604,19 @@
                 <a:latin typeface="Courier New" pitchFamily="49" charset="0"/>
                 <a:cs typeface="Courier New" pitchFamily="49" charset="0"/>
               </a:rPr>
-              <a:t>  -mu </a:t>
+              <a:t>        mean of distribution</a:t>
+            </a:r>
+          </a:p>
+          <a:p>
+            <a:r>
+              <a:rPr lang="en-US" sz="1400" b="1" dirty="0">
+                <a:solidFill>
+                  <a:prstClr val="white"/>
+                </a:solidFill>
+                <a:latin typeface="Courier New" pitchFamily="49" charset="0"/>
+                <a:cs typeface="Courier New" pitchFamily="49" charset="0"/>
+              </a:rPr>
+              <a:t>  -sigma </a:t>
             </a:r>
             <a:r>
               <a:rPr lang="en-US" sz="1400" b="1" dirty="0" err="1">
@@ -21547,7 +20626,7 @@
                 <a:latin typeface="Courier New" pitchFamily="49" charset="0"/>
                 <a:cs typeface="Courier New" pitchFamily="49" charset="0"/>
               </a:rPr>
-              <a:t>MU</a:t>
+              <a:t>SIGMA</a:t>
             </a:r>
             <a:r>
               <a:rPr lang="en-US" sz="1400" b="1" dirty="0">
@@ -21557,10 +20636,18 @@
                 <a:latin typeface="Courier New" pitchFamily="49" charset="0"/>
                 <a:cs typeface="Courier New" pitchFamily="49" charset="0"/>
               </a:rPr>
-              <a:t>        mean of distribution</a:t>
-            </a:r>
-          </a:p>
-          <a:p>
+              <a:t>  </a:t>
+            </a:r>
+            <a:r>
+              <a:rPr lang="en-US" sz="1400" b="1" dirty="0" err="1">
+                <a:solidFill>
+                  <a:prstClr val="white"/>
+                </a:solidFill>
+                <a:latin typeface="Courier New" pitchFamily="49" charset="0"/>
+                <a:cs typeface="Courier New" pitchFamily="49" charset="0"/>
+              </a:rPr>
+              <a:t>stddev</a:t>
+            </a:r>
             <a:r>
               <a:rPr lang="en-US" sz="1400" b="1" dirty="0">
                 <a:solidFill>
@@ -21569,7 +20656,19 @@
                 <a:latin typeface="Courier New" pitchFamily="49" charset="0"/>
                 <a:cs typeface="Courier New" pitchFamily="49" charset="0"/>
               </a:rPr>
-              <a:t>  -sigma </a:t>
+              <a:t> of distribution</a:t>
+            </a:r>
+          </a:p>
+          <a:p>
+            <a:r>
+              <a:rPr lang="en-US" sz="1400" b="1" dirty="0">
+                <a:solidFill>
+                  <a:prstClr val="white"/>
+                </a:solidFill>
+                <a:latin typeface="Courier New" pitchFamily="49" charset="0"/>
+                <a:cs typeface="Courier New" pitchFamily="49" charset="0"/>
+              </a:rPr>
+              <a:t>  -</a:t>
             </a:r>
             <a:r>
               <a:rPr lang="en-US" sz="1400" b="1" dirty="0" err="1">
@@ -21579,7 +20678,7 @@
                 <a:latin typeface="Courier New" pitchFamily="49" charset="0"/>
                 <a:cs typeface="Courier New" pitchFamily="49" charset="0"/>
               </a:rPr>
-              <a:t>SIGMA</a:t>
+              <a:t>idx</a:t>
             </a:r>
             <a:r>
               <a:rPr lang="en-US" sz="1400" b="1" dirty="0">
@@ -21589,77 +20688,8 @@
                 <a:latin typeface="Courier New" pitchFamily="49" charset="0"/>
                 <a:cs typeface="Courier New" pitchFamily="49" charset="0"/>
               </a:rPr>
-              <a:t>  </a:t>
-            </a:r>
-            <a:r>
-              <a:rPr lang="en-US" sz="1400" b="1" dirty="0" err="1">
-                <a:solidFill>
-                  <a:prstClr val="white"/>
-                </a:solidFill>
-                <a:latin typeface="Courier New" pitchFamily="49" charset="0"/>
-                <a:cs typeface="Courier New" pitchFamily="49" charset="0"/>
-              </a:rPr>
-              <a:t>stddev</a:t>
-            </a:r>
-            <a:r>
-              <a:rPr lang="en-US" sz="1400" b="1" dirty="0">
-                <a:solidFill>
-                  <a:prstClr val="white"/>
-                </a:solidFill>
-                <a:latin typeface="Courier New" pitchFamily="49" charset="0"/>
-                <a:cs typeface="Courier New" pitchFamily="49" charset="0"/>
-              </a:rPr>
-              <a:t> of distribution</a:t>
-            </a:r>
-          </a:p>
-          <a:p>
-            <a:r>
-              <a:rPr lang="en-US" sz="1400" b="1" dirty="0">
-                <a:solidFill>
-                  <a:prstClr val="white"/>
-                </a:solidFill>
-                <a:latin typeface="Courier New" pitchFamily="49" charset="0"/>
-                <a:cs typeface="Courier New" pitchFamily="49" charset="0"/>
-              </a:rPr>
-              <a:t>  -</a:t>
-            </a:r>
-            <a:r>
-              <a:rPr lang="en-US" sz="1400" b="1" dirty="0" err="1">
-                <a:solidFill>
-                  <a:prstClr val="white"/>
-                </a:solidFill>
-                <a:latin typeface="Courier New" pitchFamily="49" charset="0"/>
-                <a:cs typeface="Courier New" pitchFamily="49" charset="0"/>
-              </a:rPr>
-              <a:t>idx</a:t>
-            </a:r>
-            <a:r>
-              <a:rPr lang="en-US" sz="1400" b="1" dirty="0">
-                <a:solidFill>
-                  <a:prstClr val="white"/>
-                </a:solidFill>
-                <a:latin typeface="Courier New" pitchFamily="49" charset="0"/>
-                <a:cs typeface="Courier New" pitchFamily="49" charset="0"/>
-              </a:rPr>
-              <a:t>          print </a:t>
-            </a:r>
-            <a:r>
-              <a:rPr lang="en-US" sz="1400" b="1" dirty="0">
-                <a:solidFill>
-                  <a:prstClr val="white"/>
-                </a:solidFill>
-                <a:latin typeface="Courier New" pitchFamily="49" charset="0"/>
-                <a:cs typeface="Courier New" pitchFamily="49" charset="0"/>
-              </a:rPr>
-              <a:t>index for random number</a:t>
-            </a:r>
-            <a:endParaRPr lang="en-US" sz="1400" b="1" dirty="0">
-              <a:solidFill>
-                <a:prstClr val="white"/>
-              </a:solidFill>
-              <a:latin typeface="Courier New" pitchFamily="49" charset="0"/>
-              <a:cs typeface="Courier New" pitchFamily="49" charset="0"/>
-            </a:endParaRPr>
+              <a:t>          print index for random number</a:t>
+            </a:r>
           </a:p>
         </p:txBody>
       </p:sp>
@@ -21869,12 +20899,6 @@
               </a:rPr>
               <a:t>help message</a:t>
             </a:r>
-            <a:endParaRPr lang="en-US" dirty="0">
-              <a:solidFill>
-                <a:prstClr val="black"/>
-              </a:solidFill>
-              <a:latin typeface="Calibri"/>
-            </a:endParaRPr>
           </a:p>
         </p:txBody>
       </p:sp>
@@ -22369,13 +21393,6 @@
               </a:rPr>
               <a:t>version = 1.2.17</a:t>
             </a:r>
-            <a:endParaRPr lang="en-US" sz="1400" dirty="0">
-              <a:solidFill>
-                <a:prstClr val="black"/>
-              </a:solidFill>
-              <a:latin typeface="Courier New" pitchFamily="49" charset="0"/>
-              <a:cs typeface="Courier New" pitchFamily="49" charset="0"/>
-            </a:endParaRPr>
           </a:p>
         </p:txBody>
       </p:sp>
@@ -22482,13 +21499,6 @@
                 </a:rPr>
                 <a:t>physics</a:t>
               </a:r>
-              <a:endParaRPr lang="en-US" dirty="0">
-                <a:solidFill>
-                  <a:prstClr val="black"/>
-                </a:solidFill>
-                <a:latin typeface="Courier New" pitchFamily="49" charset="0"/>
-                <a:cs typeface="Courier New" pitchFamily="49" charset="0"/>
-              </a:endParaRPr>
             </a:p>
           </p:txBody>
         </p:sp>
@@ -22596,13 +21606,6 @@
                 </a:rPr>
                 <a:t>meta-info</a:t>
               </a:r>
-              <a:endParaRPr lang="en-US" dirty="0">
-                <a:solidFill>
-                  <a:prstClr val="black"/>
-                </a:solidFill>
-                <a:latin typeface="Courier New" pitchFamily="49" charset="0"/>
-                <a:cs typeface="Courier New" pitchFamily="49" charset="0"/>
-              </a:endParaRPr>
             </a:p>
           </p:txBody>
         </p:sp>
@@ -22652,12 +21655,6 @@
                 </a:rPr>
                 <a:t>comments</a:t>
               </a:r>
-              <a:endParaRPr lang="en-US" dirty="0">
-                <a:solidFill>
-                  <a:srgbClr val="0070C0"/>
-                </a:solidFill>
-                <a:latin typeface="Calibri"/>
-              </a:endParaRPr>
             </a:p>
           </p:txBody>
         </p:sp>
@@ -22832,13 +21829,6 @@
                 </a:rPr>
                 <a:t>key = value</a:t>
               </a:r>
-              <a:endParaRPr lang="en-US" dirty="0">
-                <a:solidFill>
-                  <a:prstClr val="black"/>
-                </a:solidFill>
-                <a:latin typeface="Courier New" pitchFamily="49" charset="0"/>
-                <a:cs typeface="Courier New" pitchFamily="49" charset="0"/>
-              </a:endParaRPr>
             </a:p>
           </p:txBody>
         </p:sp>
@@ -22896,12 +21886,6 @@
               </a:rPr>
               <a:t>at least one section</a:t>
             </a:r>
-            <a:endParaRPr lang="en-US" sz="2000" dirty="0">
-              <a:solidFill>
-                <a:prstClr val="black"/>
-              </a:solidFill>
-              <a:latin typeface="Calibri"/>
-            </a:endParaRPr>
           </a:p>
         </p:txBody>
       </p:sp>
@@ -23671,13 +22655,6 @@
               </a:rPr>
               <a:t>')</a:t>
             </a:r>
-            <a:endParaRPr lang="en-US" sz="1400" dirty="0">
-              <a:solidFill>
-                <a:prstClr val="black"/>
-              </a:solidFill>
-              <a:latin typeface="Courier New" pitchFamily="49" charset="0"/>
-              <a:cs typeface="Courier New" pitchFamily="49" charset="0"/>
-            </a:endParaRPr>
           </a:p>
         </p:txBody>
       </p:sp>
@@ -24009,13 +22986,6 @@
               </a:rPr>
               <a:t>    acceleration = 9.81</a:t>
             </a:r>
-            <a:endParaRPr lang="en-US" sz="1400" dirty="0">
-              <a:solidFill>
-                <a:prstClr val="black"/>
-              </a:solidFill>
-              <a:latin typeface="Courier New" pitchFamily="49" charset="0"/>
-              <a:cs typeface="Courier New" pitchFamily="49" charset="0"/>
-            </a:endParaRPr>
           </a:p>
         </p:txBody>
       </p:sp>
@@ -24156,19 +23126,7 @@
               <a:rPr lang="en-US" sz="2800" dirty="0">
                 <a:hlinkClick r:id="rId2"/>
               </a:rPr>
-              <a:t>https</a:t>
-            </a:r>
-            <a:r>
-              <a:rPr lang="en-US" sz="2800" dirty="0">
-                <a:hlinkClick r:id="rId2"/>
-              </a:rPr>
-              <a:t>://</a:t>
-            </a:r>
-            <a:r>
-              <a:rPr lang="en-US" sz="2800" dirty="0">
-                <a:hlinkClick r:id="rId2"/>
-              </a:rPr>
-              <a:t>docs.python.org/3.5/howto/argparse.html</a:t>
+              <a:t>https://docs.python.org/3.5/howto/argparse.html</a:t>
             </a:r>
             <a:r>
               <a:rPr lang="en-US" sz="2800" dirty="0"/>
@@ -24296,19 +23254,12 @@
               <a:rPr lang="nl-BE" sz="1800" dirty="0">
                 <a:hlinkClick r:id="rId2"/>
               </a:rPr>
-              <a:t>https://</a:t>
-            </a:r>
-            <a:r>
-              <a:rPr lang="nl-BE" sz="1800" dirty="0">
-                <a:hlinkClick r:id="rId2"/>
-              </a:rPr>
-              <a:t>github.com/gjbex/training-material/tree/master/Python/Logging</a:t>
+              <a:t>https://github.com/gjbex/training-material/tree/master/Python/Logging</a:t>
             </a:r>
             <a:r>
               <a:rPr lang="nl-BE" sz="1800" dirty="0"/>
               <a:t> </a:t>
             </a:r>
-            <a:endParaRPr lang="nl-BE" sz="1800" dirty="0"/>
           </a:p>
         </p:txBody>
       </p:sp>

--- a/python_for_systems_programming.pptx
+++ b/python_for_systems_programming.pptx
@@ -22,17 +22,23 @@
     <p:sldId id="269" r:id="rId16"/>
     <p:sldId id="270" r:id="rId17"/>
     <p:sldId id="271" r:id="rId18"/>
-    <p:sldId id="272" r:id="rId19"/>
-    <p:sldId id="273" r:id="rId20"/>
-    <p:sldId id="274" r:id="rId21"/>
-    <p:sldId id="275" r:id="rId22"/>
-    <p:sldId id="276" r:id="rId23"/>
-    <p:sldId id="277" r:id="rId24"/>
-    <p:sldId id="278" r:id="rId25"/>
-    <p:sldId id="279" r:id="rId26"/>
-    <p:sldId id="280" r:id="rId27"/>
-    <p:sldId id="281" r:id="rId28"/>
-    <p:sldId id="282" r:id="rId29"/>
+    <p:sldId id="288" r:id="rId19"/>
+    <p:sldId id="283" r:id="rId20"/>
+    <p:sldId id="284" r:id="rId21"/>
+    <p:sldId id="285" r:id="rId22"/>
+    <p:sldId id="286" r:id="rId23"/>
+    <p:sldId id="287" r:id="rId24"/>
+    <p:sldId id="272" r:id="rId25"/>
+    <p:sldId id="273" r:id="rId26"/>
+    <p:sldId id="274" r:id="rId27"/>
+    <p:sldId id="275" r:id="rId28"/>
+    <p:sldId id="276" r:id="rId29"/>
+    <p:sldId id="277" r:id="rId30"/>
+    <p:sldId id="278" r:id="rId31"/>
+    <p:sldId id="279" r:id="rId32"/>
+    <p:sldId id="280" r:id="rId33"/>
+    <p:sldId id="281" r:id="rId34"/>
+    <p:sldId id="282" r:id="rId35"/>
   </p:sldIdLst>
   <p:sldSz cx="12192000" cy="6858000"/>
   <p:notesSz cx="6858000" cy="9144000"/>
@@ -162,7 +168,17 @@
             <p14:sldId id="271"/>
           </p14:sldIdLst>
         </p14:section>
-        <p14:section name="File system interaction" id="{72F71925-62BF-470C-96CA-CD792676F252}">
+        <p14:section name="Data formats" id="{72F71925-62BF-470C-96CA-CD792676F252}">
+          <p14:sldIdLst>
+            <p14:sldId id="288"/>
+            <p14:sldId id="283"/>
+            <p14:sldId id="284"/>
+            <p14:sldId id="285"/>
+            <p14:sldId id="286"/>
+            <p14:sldId id="287"/>
+          </p14:sldIdLst>
+        </p14:section>
+        <p14:section name="File system operations" id="{6BE50B57-0F60-4883-B808-DA4A0CE87293}">
           <p14:sldIdLst>
             <p14:sldId id="272"/>
             <p14:sldId id="273"/>
@@ -9145,14 +9161,7 @@
           <a:p>
             <a:r>
               <a:rPr lang="en-US" dirty="0" smtClean="0"/>
-              <a:t>File system operations:</a:t>
-            </a:r>
-            <a:br>
-              <a:rPr lang="en-US" dirty="0" smtClean="0"/>
-            </a:br>
-            <a:r>
-              <a:rPr lang="en-US" dirty="0" smtClean="0"/>
-              <a:t>Handling files and directories</a:t>
+              <a:t>Data formats</a:t>
             </a:r>
             <a:endParaRPr lang="en-US" dirty="0"/>
           </a:p>
@@ -9214,6 +9223,7963 @@
               </a:rPr>
               <a:pPr/>
               <a:t>17</a:t>
+            </a:fld>
+            <a:endParaRPr lang="nl-BE">
+              <a:solidFill>
+                <a:prstClr val="black">
+                  <a:tint val="75000"/>
+                </a:prstClr>
+              </a:solidFill>
+              <a:latin typeface="Calibri"/>
+            </a:endParaRPr>
+          </a:p>
+        </p:txBody>
+      </p:sp>
+    </p:spTree>
+    <p:extLst>
+      <p:ext uri="{BB962C8B-B14F-4D97-AF65-F5344CB8AC3E}">
+        <p14:creationId xmlns:p14="http://schemas.microsoft.com/office/powerpoint/2010/main" val="3208473129"/>
+      </p:ext>
+    </p:extLst>
+  </p:cSld>
+  <p:clrMapOvr>
+    <a:masterClrMapping/>
+  </p:clrMapOvr>
+  <p:timing>
+    <p:tnLst>
+      <p:par>
+        <p:cTn id="1" dur="indefinite" restart="never" nodeType="tmRoot"/>
+      </p:par>
+    </p:tnLst>
+  </p:timing>
+</p:sld>
+</file>
+
+<file path=ppt/slides/slide18.xml><?xml version="1.0" encoding="utf-8"?>
+<p:sld xmlns:a="http://schemas.openxmlformats.org/drawingml/2006/main" xmlns:r="http://schemas.openxmlformats.org/officeDocument/2006/relationships" xmlns:p="http://schemas.openxmlformats.org/presentationml/2006/main">
+  <p:cSld>
+    <p:spTree>
+      <p:nvGrpSpPr>
+        <p:cNvPr id="1" name=""/>
+        <p:cNvGrpSpPr/>
+        <p:nvPr/>
+      </p:nvGrpSpPr>
+      <p:grpSpPr>
+        <a:xfrm>
+          <a:off x="0" y="0"/>
+          <a:ext cx="0" cy="0"/>
+          <a:chOff x="0" y="0"/>
+          <a:chExt cx="0" cy="0"/>
+        </a:xfrm>
+      </p:grpSpPr>
+      <p:sp>
+        <p:nvSpPr>
+          <p:cNvPr id="2" name="Title 1"/>
+          <p:cNvSpPr>
+            <a:spLocks noGrp="1"/>
+          </p:cNvSpPr>
+          <p:nvPr>
+            <p:ph type="title"/>
+          </p:nvPr>
+        </p:nvSpPr>
+        <p:spPr/>
+        <p:txBody>
+          <a:bodyPr/>
+          <a:lstStyle/>
+          <a:p>
+            <a:r>
+              <a:rPr lang="en-US" dirty="0" smtClean="0"/>
+              <a:t>Data formats: CSV</a:t>
+            </a:r>
+            <a:endParaRPr lang="en-US" dirty="0"/>
+          </a:p>
+        </p:txBody>
+      </p:sp>
+      <p:sp>
+        <p:nvSpPr>
+          <p:cNvPr id="5" name="TextBox 4"/>
+          <p:cNvSpPr txBox="1"/>
+          <p:nvPr/>
+        </p:nvSpPr>
+        <p:spPr>
+          <a:xfrm>
+            <a:off x="1818908" y="1711743"/>
+            <a:ext cx="8701421" cy="3293209"/>
+          </a:xfrm>
+          <a:prstGeom prst="rect">
+            <a:avLst/>
+          </a:prstGeom>
+          <a:solidFill>
+            <a:schemeClr val="bg1">
+              <a:lumMod val="75000"/>
+            </a:schemeClr>
+          </a:solidFill>
+        </p:spPr>
+        <p:txBody>
+          <a:bodyPr wrap="none" rtlCol="0">
+            <a:spAutoFit/>
+          </a:bodyPr>
+          <a:lstStyle/>
+          <a:p>
+            <a:r>
+              <a:rPr lang="en-US" sz="1600" dirty="0">
+                <a:solidFill>
+                  <a:prstClr val="black"/>
+                </a:solidFill>
+                <a:latin typeface="Courier New" pitchFamily="49" charset="0"/>
+                <a:cs typeface="Courier New" pitchFamily="49" charset="0"/>
+              </a:rPr>
+              <a:t> 0  from </a:t>
+            </a:r>
+            <a:r>
+              <a:rPr lang="en-US" sz="1600" dirty="0" err="1">
+                <a:solidFill>
+                  <a:prstClr val="black"/>
+                </a:solidFill>
+                <a:latin typeface="Courier New" pitchFamily="49" charset="0"/>
+                <a:cs typeface="Courier New" pitchFamily="49" charset="0"/>
+              </a:rPr>
+              <a:t>csv</a:t>
+            </a:r>
+            <a:r>
+              <a:rPr lang="en-US" sz="1600" dirty="0">
+                <a:solidFill>
+                  <a:prstClr val="black"/>
+                </a:solidFill>
+                <a:latin typeface="Courier New" pitchFamily="49" charset="0"/>
+                <a:cs typeface="Courier New" pitchFamily="49" charset="0"/>
+              </a:rPr>
+              <a:t> import Sniffer, </a:t>
+            </a:r>
+            <a:r>
+              <a:rPr lang="en-US" sz="1600" dirty="0" err="1">
+                <a:solidFill>
+                  <a:prstClr val="black"/>
+                </a:solidFill>
+                <a:latin typeface="Courier New" pitchFamily="49" charset="0"/>
+                <a:cs typeface="Courier New" pitchFamily="49" charset="0"/>
+              </a:rPr>
+              <a:t>DictReader</a:t>
+            </a:r>
+            <a:endParaRPr lang="en-US" sz="1600" dirty="0">
+              <a:solidFill>
+                <a:prstClr val="black"/>
+              </a:solidFill>
+              <a:latin typeface="Courier New" pitchFamily="49" charset="0"/>
+              <a:cs typeface="Courier New" pitchFamily="49" charset="0"/>
+            </a:endParaRPr>
+          </a:p>
+          <a:p>
+            <a:r>
+              <a:rPr lang="en-US" sz="1600" dirty="0">
+                <a:solidFill>
+                  <a:prstClr val="black"/>
+                </a:solidFill>
+                <a:latin typeface="Courier New" pitchFamily="49" charset="0"/>
+                <a:cs typeface="Courier New" pitchFamily="49" charset="0"/>
+              </a:rPr>
+              <a:t> 1  </a:t>
+            </a:r>
+            <a:r>
+              <a:rPr lang="en-US" sz="1600" dirty="0">
+                <a:solidFill>
+                  <a:prstClr val="black"/>
+                </a:solidFill>
+                <a:latin typeface="Courier New" pitchFamily="49" charset="0"/>
+                <a:cs typeface="Courier New" pitchFamily="49" charset="0"/>
+              </a:rPr>
+              <a:t>with </a:t>
+            </a:r>
+            <a:r>
+              <a:rPr lang="en-US" sz="1600" dirty="0">
+                <a:solidFill>
+                  <a:prstClr val="black"/>
+                </a:solidFill>
+                <a:latin typeface="Courier New" pitchFamily="49" charset="0"/>
+                <a:cs typeface="Courier New" pitchFamily="49" charset="0"/>
+              </a:rPr>
+              <a:t>open(</a:t>
+            </a:r>
+            <a:r>
+              <a:rPr lang="en-US" sz="1600" dirty="0" err="1">
+                <a:solidFill>
+                  <a:prstClr val="black"/>
+                </a:solidFill>
+                <a:latin typeface="Courier New" pitchFamily="49" charset="0"/>
+                <a:cs typeface="Courier New" pitchFamily="49" charset="0"/>
+              </a:rPr>
+              <a:t>file_name</a:t>
+            </a:r>
+            <a:r>
+              <a:rPr lang="en-US" sz="1600" dirty="0">
+                <a:solidFill>
+                  <a:prstClr val="black"/>
+                </a:solidFill>
+                <a:latin typeface="Courier New" pitchFamily="49" charset="0"/>
+                <a:cs typeface="Courier New" pitchFamily="49" charset="0"/>
+              </a:rPr>
+              <a:t>, </a:t>
+            </a:r>
+            <a:r>
+              <a:rPr lang="en-US" sz="1600" b="1" dirty="0">
+                <a:solidFill>
+                  <a:prstClr val="black"/>
+                </a:solidFill>
+                <a:latin typeface="Courier New" pitchFamily="49" charset="0"/>
+                <a:cs typeface="Courier New" pitchFamily="49" charset="0"/>
+              </a:rPr>
+              <a:t>'</a:t>
+            </a:r>
+            <a:r>
+              <a:rPr lang="en-US" sz="1600" b="1" dirty="0" err="1">
+                <a:solidFill>
+                  <a:prstClr val="black"/>
+                </a:solidFill>
+                <a:latin typeface="Courier New" pitchFamily="49" charset="0"/>
+                <a:cs typeface="Courier New" pitchFamily="49" charset="0"/>
+              </a:rPr>
+              <a:t>rb</a:t>
+            </a:r>
+            <a:r>
+              <a:rPr lang="en-US" sz="1600" b="1" dirty="0">
+                <a:solidFill>
+                  <a:prstClr val="black"/>
+                </a:solidFill>
+                <a:latin typeface="Courier New" pitchFamily="49" charset="0"/>
+                <a:cs typeface="Courier New" pitchFamily="49" charset="0"/>
+              </a:rPr>
+              <a:t>'</a:t>
+            </a:r>
+            <a:r>
+              <a:rPr lang="en-US" sz="1600" dirty="0">
+                <a:solidFill>
+                  <a:prstClr val="black"/>
+                </a:solidFill>
+                <a:latin typeface="Courier New" pitchFamily="49" charset="0"/>
+                <a:cs typeface="Courier New" pitchFamily="49" charset="0"/>
+              </a:rPr>
+              <a:t>) as </a:t>
+            </a:r>
+            <a:r>
+              <a:rPr lang="en-US" sz="1600" dirty="0" err="1">
+                <a:solidFill>
+                  <a:prstClr val="black"/>
+                </a:solidFill>
+                <a:latin typeface="Courier New" pitchFamily="49" charset="0"/>
+                <a:cs typeface="Courier New" pitchFamily="49" charset="0"/>
+              </a:rPr>
+              <a:t>csv_file</a:t>
+            </a:r>
+            <a:r>
+              <a:rPr lang="en-US" sz="1600" dirty="0">
+                <a:solidFill>
+                  <a:prstClr val="black"/>
+                </a:solidFill>
+                <a:latin typeface="Courier New" pitchFamily="49" charset="0"/>
+                <a:cs typeface="Courier New" pitchFamily="49" charset="0"/>
+              </a:rPr>
+              <a:t>:</a:t>
+            </a:r>
+          </a:p>
+          <a:p>
+            <a:r>
+              <a:rPr lang="en-US" sz="1600" dirty="0">
+                <a:solidFill>
+                  <a:prstClr val="black"/>
+                </a:solidFill>
+                <a:latin typeface="Courier New" pitchFamily="49" charset="0"/>
+                <a:cs typeface="Courier New" pitchFamily="49" charset="0"/>
+              </a:rPr>
+              <a:t> 2      </a:t>
+            </a:r>
+            <a:r>
+              <a:rPr lang="en-US" sz="1600" dirty="0">
+                <a:solidFill>
+                  <a:prstClr val="black"/>
+                </a:solidFill>
+                <a:latin typeface="Courier New" pitchFamily="49" charset="0"/>
+                <a:cs typeface="Courier New" pitchFamily="49" charset="0"/>
+              </a:rPr>
+              <a:t>dialect = </a:t>
+            </a:r>
+            <a:r>
+              <a:rPr lang="en-US" sz="1600" b="1" dirty="0">
+                <a:solidFill>
+                  <a:srgbClr val="FF0000"/>
+                </a:solidFill>
+                <a:latin typeface="Courier New" pitchFamily="49" charset="0"/>
+                <a:cs typeface="Courier New" pitchFamily="49" charset="0"/>
+              </a:rPr>
+              <a:t>Sniffer</a:t>
+            </a:r>
+            <a:r>
+              <a:rPr lang="en-US" sz="1600" b="1" dirty="0">
+                <a:solidFill>
+                  <a:srgbClr val="FF0000"/>
+                </a:solidFill>
+                <a:latin typeface="Courier New" pitchFamily="49" charset="0"/>
+                <a:cs typeface="Courier New" pitchFamily="49" charset="0"/>
+              </a:rPr>
+              <a:t>().sniff(</a:t>
+            </a:r>
+            <a:r>
+              <a:rPr lang="en-US" sz="1600" b="1" dirty="0" err="1">
+                <a:solidFill>
+                  <a:srgbClr val="FF0000"/>
+                </a:solidFill>
+                <a:latin typeface="Courier New" pitchFamily="49" charset="0"/>
+                <a:cs typeface="Courier New" pitchFamily="49" charset="0"/>
+              </a:rPr>
+              <a:t>csv_file.read</a:t>
+            </a:r>
+            <a:r>
+              <a:rPr lang="en-US" sz="1600" b="1" dirty="0">
+                <a:solidFill>
+                  <a:srgbClr val="FF0000"/>
+                </a:solidFill>
+                <a:latin typeface="Courier New" pitchFamily="49" charset="0"/>
+                <a:cs typeface="Courier New" pitchFamily="49" charset="0"/>
+              </a:rPr>
+              <a:t>(1024))</a:t>
+            </a:r>
+          </a:p>
+          <a:p>
+            <a:r>
+              <a:rPr lang="en-US" sz="1600" dirty="0">
+                <a:solidFill>
+                  <a:prstClr val="black"/>
+                </a:solidFill>
+                <a:latin typeface="Courier New" pitchFamily="49" charset="0"/>
+                <a:cs typeface="Courier New" pitchFamily="49" charset="0"/>
+              </a:rPr>
+              <a:t> 3      </a:t>
+            </a:r>
+            <a:r>
+              <a:rPr lang="en-US" sz="1600" dirty="0" err="1">
+                <a:solidFill>
+                  <a:prstClr val="black"/>
+                </a:solidFill>
+                <a:latin typeface="Courier New" pitchFamily="49" charset="0"/>
+                <a:cs typeface="Courier New" pitchFamily="49" charset="0"/>
+              </a:rPr>
+              <a:t>csv_file.seek</a:t>
+            </a:r>
+            <a:r>
+              <a:rPr lang="en-US" sz="1600" dirty="0">
+                <a:solidFill>
+                  <a:prstClr val="black"/>
+                </a:solidFill>
+                <a:latin typeface="Courier New" pitchFamily="49" charset="0"/>
+                <a:cs typeface="Courier New" pitchFamily="49" charset="0"/>
+              </a:rPr>
+              <a:t>(0)</a:t>
+            </a:r>
+          </a:p>
+          <a:p>
+            <a:r>
+              <a:rPr lang="en-US" sz="1600" dirty="0">
+                <a:solidFill>
+                  <a:prstClr val="black"/>
+                </a:solidFill>
+                <a:latin typeface="Courier New" pitchFamily="49" charset="0"/>
+                <a:cs typeface="Courier New" pitchFamily="49" charset="0"/>
+              </a:rPr>
+              <a:t> 4      </a:t>
+            </a:r>
+            <a:r>
+              <a:rPr lang="en-US" sz="1600" dirty="0">
+                <a:solidFill>
+                  <a:prstClr val="black"/>
+                </a:solidFill>
+                <a:latin typeface="Courier New" pitchFamily="49" charset="0"/>
+                <a:cs typeface="Courier New" pitchFamily="49" charset="0"/>
+              </a:rPr>
+              <a:t>sum = 0.0</a:t>
+            </a:r>
+          </a:p>
+          <a:p>
+            <a:r>
+              <a:rPr lang="en-US" sz="1600" dirty="0">
+                <a:solidFill>
+                  <a:prstClr val="black"/>
+                </a:solidFill>
+                <a:latin typeface="Courier New" pitchFamily="49" charset="0"/>
+                <a:cs typeface="Courier New" pitchFamily="49" charset="0"/>
+              </a:rPr>
+              <a:t> 5      </a:t>
+            </a:r>
+            <a:r>
+              <a:rPr lang="en-US" sz="1600" dirty="0" err="1">
+                <a:solidFill>
+                  <a:prstClr val="black"/>
+                </a:solidFill>
+                <a:latin typeface="Courier New" pitchFamily="49" charset="0"/>
+                <a:cs typeface="Courier New" pitchFamily="49" charset="0"/>
+              </a:rPr>
+              <a:t>csv_reader</a:t>
+            </a:r>
+            <a:r>
+              <a:rPr lang="en-US" sz="1600" dirty="0">
+                <a:solidFill>
+                  <a:prstClr val="black"/>
+                </a:solidFill>
+                <a:latin typeface="Courier New" pitchFamily="49" charset="0"/>
+                <a:cs typeface="Courier New" pitchFamily="49" charset="0"/>
+              </a:rPr>
+              <a:t> = </a:t>
+            </a:r>
+            <a:r>
+              <a:rPr lang="en-US" sz="1600" b="1" dirty="0" err="1">
+                <a:solidFill>
+                  <a:srgbClr val="0070C0"/>
+                </a:solidFill>
+                <a:latin typeface="Courier New" pitchFamily="49" charset="0"/>
+                <a:cs typeface="Courier New" pitchFamily="49" charset="0"/>
+              </a:rPr>
+              <a:t>DictReader</a:t>
+            </a:r>
+            <a:r>
+              <a:rPr lang="en-US" sz="1600" dirty="0">
+                <a:solidFill>
+                  <a:prstClr val="black"/>
+                </a:solidFill>
+                <a:latin typeface="Courier New" pitchFamily="49" charset="0"/>
+                <a:cs typeface="Courier New" pitchFamily="49" charset="0"/>
+              </a:rPr>
+              <a:t>(</a:t>
+            </a:r>
+            <a:r>
+              <a:rPr lang="en-US" sz="1600" dirty="0" err="1">
+                <a:solidFill>
+                  <a:prstClr val="black"/>
+                </a:solidFill>
+                <a:latin typeface="Courier New" pitchFamily="49" charset="0"/>
+                <a:cs typeface="Courier New" pitchFamily="49" charset="0"/>
+              </a:rPr>
+              <a:t>csv_file</a:t>
+            </a:r>
+            <a:r>
+              <a:rPr lang="en-US" sz="1600" dirty="0">
+                <a:solidFill>
+                  <a:prstClr val="black"/>
+                </a:solidFill>
+                <a:latin typeface="Courier New" pitchFamily="49" charset="0"/>
+                <a:cs typeface="Courier New" pitchFamily="49" charset="0"/>
+              </a:rPr>
+              <a:t>, fieldnames=None,</a:t>
+            </a:r>
+          </a:p>
+          <a:p>
+            <a:r>
+              <a:rPr lang="en-US" sz="1600" dirty="0">
+                <a:solidFill>
+                  <a:prstClr val="black"/>
+                </a:solidFill>
+                <a:latin typeface="Courier New" pitchFamily="49" charset="0"/>
+                <a:cs typeface="Courier New" pitchFamily="49" charset="0"/>
+              </a:rPr>
+              <a:t> 6                                  </a:t>
+            </a:r>
+            <a:r>
+              <a:rPr lang="en-US" sz="1600" dirty="0" err="1">
+                <a:solidFill>
+                  <a:prstClr val="black"/>
+                </a:solidFill>
+                <a:latin typeface="Courier New" pitchFamily="49" charset="0"/>
+                <a:cs typeface="Courier New" pitchFamily="49" charset="0"/>
+              </a:rPr>
+              <a:t>restkey</a:t>
+            </a:r>
+            <a:r>
+              <a:rPr lang="en-US" sz="1600" dirty="0">
+                <a:solidFill>
+                  <a:prstClr val="black"/>
+                </a:solidFill>
+                <a:latin typeface="Courier New" pitchFamily="49" charset="0"/>
+                <a:cs typeface="Courier New" pitchFamily="49" charset="0"/>
+              </a:rPr>
+              <a:t>='rest', </a:t>
+            </a:r>
+            <a:r>
+              <a:rPr lang="en-US" sz="1600" dirty="0" err="1">
+                <a:solidFill>
+                  <a:prstClr val="black"/>
+                </a:solidFill>
+                <a:latin typeface="Courier New" pitchFamily="49" charset="0"/>
+                <a:cs typeface="Courier New" pitchFamily="49" charset="0"/>
+              </a:rPr>
+              <a:t>restval</a:t>
+            </a:r>
+            <a:r>
+              <a:rPr lang="en-US" sz="1600" dirty="0">
+                <a:solidFill>
+                  <a:prstClr val="black"/>
+                </a:solidFill>
+                <a:latin typeface="Courier New" pitchFamily="49" charset="0"/>
+                <a:cs typeface="Courier New" pitchFamily="49" charset="0"/>
+              </a:rPr>
+              <a:t>=None,</a:t>
+            </a:r>
+          </a:p>
+          <a:p>
+            <a:r>
+              <a:rPr lang="en-US" sz="1600" dirty="0">
+                <a:solidFill>
+                  <a:prstClr val="black"/>
+                </a:solidFill>
+                <a:latin typeface="Courier New" pitchFamily="49" charset="0"/>
+                <a:cs typeface="Courier New" pitchFamily="49" charset="0"/>
+              </a:rPr>
+              <a:t> 7                                  </a:t>
+            </a:r>
+            <a:r>
+              <a:rPr lang="en-US" sz="1600" dirty="0">
+                <a:solidFill>
+                  <a:prstClr val="black"/>
+                </a:solidFill>
+                <a:latin typeface="Courier New" pitchFamily="49" charset="0"/>
+                <a:cs typeface="Courier New" pitchFamily="49" charset="0"/>
+              </a:rPr>
+              <a:t>dialect=</a:t>
+            </a:r>
+            <a:r>
+              <a:rPr lang="en-US" sz="1600" b="1" dirty="0">
+                <a:solidFill>
+                  <a:srgbClr val="FF0000"/>
+                </a:solidFill>
+                <a:latin typeface="Courier New" pitchFamily="49" charset="0"/>
+                <a:cs typeface="Courier New" pitchFamily="49" charset="0"/>
+              </a:rPr>
+              <a:t>dialect</a:t>
+            </a:r>
+            <a:r>
+              <a:rPr lang="en-US" sz="1600" dirty="0">
+                <a:solidFill>
+                  <a:prstClr val="black"/>
+                </a:solidFill>
+                <a:latin typeface="Courier New" pitchFamily="49" charset="0"/>
+                <a:cs typeface="Courier New" pitchFamily="49" charset="0"/>
+              </a:rPr>
+              <a:t>)</a:t>
+            </a:r>
+          </a:p>
+          <a:p>
+            <a:r>
+              <a:rPr lang="en-US" sz="1600" dirty="0">
+                <a:solidFill>
+                  <a:prstClr val="black"/>
+                </a:solidFill>
+                <a:latin typeface="Courier New" pitchFamily="49" charset="0"/>
+                <a:cs typeface="Courier New" pitchFamily="49" charset="0"/>
+              </a:rPr>
+              <a:t> 8      </a:t>
+            </a:r>
+            <a:r>
+              <a:rPr lang="en-US" sz="1600" dirty="0">
+                <a:solidFill>
+                  <a:prstClr val="black"/>
+                </a:solidFill>
+                <a:latin typeface="Courier New" pitchFamily="49" charset="0"/>
+                <a:cs typeface="Courier New" pitchFamily="49" charset="0"/>
+              </a:rPr>
+              <a:t>for row in </a:t>
+            </a:r>
+            <a:r>
+              <a:rPr lang="en-US" sz="1600" dirty="0" err="1">
+                <a:solidFill>
+                  <a:prstClr val="black"/>
+                </a:solidFill>
+                <a:latin typeface="Courier New" pitchFamily="49" charset="0"/>
+                <a:cs typeface="Courier New" pitchFamily="49" charset="0"/>
+              </a:rPr>
+              <a:t>csv_reader</a:t>
+            </a:r>
+            <a:r>
+              <a:rPr lang="en-US" sz="1600" dirty="0">
+                <a:solidFill>
+                  <a:prstClr val="black"/>
+                </a:solidFill>
+                <a:latin typeface="Courier New" pitchFamily="49" charset="0"/>
+                <a:cs typeface="Courier New" pitchFamily="49" charset="0"/>
+              </a:rPr>
+              <a:t>:</a:t>
+            </a:r>
+          </a:p>
+          <a:p>
+            <a:r>
+              <a:rPr lang="en-US" sz="1600" dirty="0">
+                <a:solidFill>
+                  <a:prstClr val="black"/>
+                </a:solidFill>
+                <a:latin typeface="Courier New" pitchFamily="49" charset="0"/>
+                <a:cs typeface="Courier New" pitchFamily="49" charset="0"/>
+              </a:rPr>
+              <a:t> 9          print('{</a:t>
+            </a:r>
+            <a:r>
+              <a:rPr lang="en-US" sz="1600" dirty="0">
+                <a:solidFill>
+                  <a:prstClr val="black"/>
+                </a:solidFill>
+                <a:latin typeface="Courier New" pitchFamily="49" charset="0"/>
+                <a:cs typeface="Courier New" pitchFamily="49" charset="0"/>
+              </a:rPr>
+              <a:t>name} --- {weight}'.format(name=</a:t>
+            </a:r>
+            <a:r>
+              <a:rPr lang="en-US" sz="1600" b="1" dirty="0">
+                <a:solidFill>
+                  <a:srgbClr val="00B050"/>
+                </a:solidFill>
+                <a:latin typeface="Courier New" pitchFamily="49" charset="0"/>
+                <a:cs typeface="Courier New" pitchFamily="49" charset="0"/>
+              </a:rPr>
+              <a:t>row['name']</a:t>
+            </a:r>
+            <a:r>
+              <a:rPr lang="en-US" sz="1600" dirty="0">
+                <a:solidFill>
+                  <a:prstClr val="black"/>
+                </a:solidFill>
+                <a:latin typeface="Courier New" pitchFamily="49" charset="0"/>
+                <a:cs typeface="Courier New" pitchFamily="49" charset="0"/>
+              </a:rPr>
+              <a:t>,</a:t>
+            </a:r>
+          </a:p>
+          <a:p>
+            <a:r>
+              <a:rPr lang="en-US" sz="1600" dirty="0">
+                <a:solidFill>
+                  <a:prstClr val="black"/>
+                </a:solidFill>
+                <a:latin typeface="Courier New" pitchFamily="49" charset="0"/>
+                <a:cs typeface="Courier New" pitchFamily="49" charset="0"/>
+              </a:rPr>
+              <a:t>10                                             </a:t>
+            </a:r>
+            <a:r>
+              <a:rPr lang="en-US" sz="1600" dirty="0">
+                <a:solidFill>
+                  <a:prstClr val="black"/>
+                </a:solidFill>
+                <a:latin typeface="Courier New" pitchFamily="49" charset="0"/>
+                <a:cs typeface="Courier New" pitchFamily="49" charset="0"/>
+              </a:rPr>
+              <a:t>weight=</a:t>
+            </a:r>
+            <a:r>
+              <a:rPr lang="en-US" sz="1600" b="1" dirty="0">
+                <a:solidFill>
+                  <a:srgbClr val="00B050"/>
+                </a:solidFill>
+                <a:latin typeface="Courier New" pitchFamily="49" charset="0"/>
+                <a:cs typeface="Courier New" pitchFamily="49" charset="0"/>
+              </a:rPr>
+              <a:t>row['weight</a:t>
+            </a:r>
+            <a:r>
+              <a:rPr lang="en-US" sz="1600" b="1" dirty="0">
+                <a:solidFill>
+                  <a:srgbClr val="00B050"/>
+                </a:solidFill>
+                <a:latin typeface="Courier New" pitchFamily="49" charset="0"/>
+                <a:cs typeface="Courier New" pitchFamily="49" charset="0"/>
+              </a:rPr>
+              <a:t>']</a:t>
+            </a:r>
+            <a:r>
+              <a:rPr lang="en-US" sz="1600" dirty="0">
+                <a:solidFill>
+                  <a:prstClr val="black"/>
+                </a:solidFill>
+                <a:latin typeface="Courier New" pitchFamily="49" charset="0"/>
+                <a:cs typeface="Courier New" pitchFamily="49" charset="0"/>
+              </a:rPr>
+              <a:t>))</a:t>
+            </a:r>
+            <a:endParaRPr lang="en-US" sz="1600" dirty="0">
+              <a:solidFill>
+                <a:prstClr val="black"/>
+              </a:solidFill>
+              <a:latin typeface="Courier New" pitchFamily="49" charset="0"/>
+              <a:cs typeface="Courier New" pitchFamily="49" charset="0"/>
+            </a:endParaRPr>
+          </a:p>
+          <a:p>
+            <a:r>
+              <a:rPr lang="en-US" sz="1600" dirty="0">
+                <a:solidFill>
+                  <a:prstClr val="black"/>
+                </a:solidFill>
+                <a:latin typeface="Courier New" pitchFamily="49" charset="0"/>
+                <a:cs typeface="Courier New" pitchFamily="49" charset="0"/>
+              </a:rPr>
+              <a:t>11          </a:t>
+            </a:r>
+            <a:r>
+              <a:rPr lang="en-US" sz="1600" dirty="0">
+                <a:solidFill>
+                  <a:prstClr val="black"/>
+                </a:solidFill>
+                <a:latin typeface="Courier New" pitchFamily="49" charset="0"/>
+                <a:cs typeface="Courier New" pitchFamily="49" charset="0"/>
+              </a:rPr>
+              <a:t>sum += </a:t>
+            </a:r>
+            <a:r>
+              <a:rPr lang="en-US" sz="1600" b="1" dirty="0">
+                <a:solidFill>
+                  <a:prstClr val="black"/>
+                </a:solidFill>
+                <a:latin typeface="Courier New" pitchFamily="49" charset="0"/>
+                <a:cs typeface="Courier New" pitchFamily="49" charset="0"/>
+              </a:rPr>
+              <a:t>float</a:t>
+            </a:r>
+            <a:r>
+              <a:rPr lang="en-US" sz="1600" dirty="0">
+                <a:solidFill>
+                  <a:prstClr val="black"/>
+                </a:solidFill>
+                <a:latin typeface="Courier New" pitchFamily="49" charset="0"/>
+                <a:cs typeface="Courier New" pitchFamily="49" charset="0"/>
+              </a:rPr>
+              <a:t>(</a:t>
+            </a:r>
+            <a:r>
+              <a:rPr lang="en-US" sz="1600" b="1" dirty="0">
+                <a:solidFill>
+                  <a:srgbClr val="00B050"/>
+                </a:solidFill>
+                <a:latin typeface="Courier New" pitchFamily="49" charset="0"/>
+                <a:cs typeface="Courier New" pitchFamily="49" charset="0"/>
+              </a:rPr>
+              <a:t>row['weight']</a:t>
+            </a:r>
+            <a:r>
+              <a:rPr lang="en-US" sz="1600" dirty="0">
+                <a:solidFill>
+                  <a:prstClr val="black"/>
+                </a:solidFill>
+                <a:latin typeface="Courier New" pitchFamily="49" charset="0"/>
+                <a:cs typeface="Courier New" pitchFamily="49" charset="0"/>
+              </a:rPr>
+              <a:t>)</a:t>
+            </a:r>
+          </a:p>
+          <a:p>
+            <a:r>
+              <a:rPr lang="en-US" sz="1600" dirty="0">
+                <a:solidFill>
+                  <a:prstClr val="black"/>
+                </a:solidFill>
+                <a:latin typeface="Courier New" pitchFamily="49" charset="0"/>
+                <a:cs typeface="Courier New" pitchFamily="49" charset="0"/>
+              </a:rPr>
+              <a:t>12      print('sum </a:t>
+            </a:r>
+            <a:r>
+              <a:rPr lang="en-US" sz="1600" dirty="0">
+                <a:solidFill>
+                  <a:prstClr val="black"/>
+                </a:solidFill>
+                <a:latin typeface="Courier New" pitchFamily="49" charset="0"/>
+                <a:cs typeface="Courier New" pitchFamily="49" charset="0"/>
+              </a:rPr>
+              <a:t>= </a:t>
+            </a:r>
+            <a:r>
+              <a:rPr lang="en-US" sz="1600" dirty="0">
+                <a:solidFill>
+                  <a:prstClr val="black"/>
+                </a:solidFill>
+                <a:latin typeface="Courier New" pitchFamily="49" charset="0"/>
+                <a:cs typeface="Courier New" pitchFamily="49" charset="0"/>
+              </a:rPr>
+              <a:t>{0}'.</a:t>
+            </a:r>
+            <a:r>
+              <a:rPr lang="en-US" sz="1600" dirty="0">
+                <a:solidFill>
+                  <a:prstClr val="black"/>
+                </a:solidFill>
+                <a:latin typeface="Courier New" pitchFamily="49" charset="0"/>
+                <a:cs typeface="Courier New" pitchFamily="49" charset="0"/>
+              </a:rPr>
+              <a:t>format(sum</a:t>
+            </a:r>
+            <a:r>
+              <a:rPr lang="en-US" sz="1600" dirty="0">
+                <a:solidFill>
+                  <a:prstClr val="black"/>
+                </a:solidFill>
+                <a:latin typeface="Courier New" pitchFamily="49" charset="0"/>
+                <a:cs typeface="Courier New" pitchFamily="49" charset="0"/>
+              </a:rPr>
+              <a:t>))</a:t>
+            </a:r>
+            <a:endParaRPr lang="en-US" sz="1600" dirty="0">
+              <a:solidFill>
+                <a:prstClr val="black"/>
+              </a:solidFill>
+              <a:latin typeface="Courier New" pitchFamily="49" charset="0"/>
+              <a:cs typeface="Courier New" pitchFamily="49" charset="0"/>
+            </a:endParaRPr>
+          </a:p>
+        </p:txBody>
+      </p:sp>
+      <p:grpSp>
+        <p:nvGrpSpPr>
+          <p:cNvPr id="6" name="Group 5"/>
+          <p:cNvGrpSpPr/>
+          <p:nvPr/>
+        </p:nvGrpSpPr>
+        <p:grpSpPr>
+          <a:xfrm>
+            <a:off x="8072056" y="980729"/>
+            <a:ext cx="2344424" cy="1215911"/>
+            <a:chOff x="2195736" y="3861048"/>
+            <a:chExt cx="2344424" cy="1215911"/>
+          </a:xfrm>
+        </p:grpSpPr>
+        <p:sp>
+          <p:nvSpPr>
+            <p:cNvPr id="7" name="TextBox 6"/>
+            <p:cNvSpPr txBox="1"/>
+            <p:nvPr/>
+          </p:nvSpPr>
+          <p:spPr>
+            <a:xfrm>
+              <a:off x="2195736" y="3861048"/>
+              <a:ext cx="2344424" cy="646331"/>
+            </a:xfrm>
+            <a:prstGeom prst="rect">
+              <a:avLst/>
+            </a:prstGeom>
+            <a:noFill/>
+          </p:spPr>
+          <p:txBody>
+            <a:bodyPr wrap="none" rtlCol="0">
+              <a:spAutoFit/>
+            </a:bodyPr>
+            <a:lstStyle/>
+            <a:p>
+              <a:r>
+                <a:rPr lang="en-US" dirty="0">
+                  <a:solidFill>
+                    <a:srgbClr val="FF0000"/>
+                  </a:solidFill>
+                  <a:latin typeface="Calibri"/>
+                </a:rPr>
+                <a:t>Let Sniffer figure out</a:t>
+              </a:r>
+              <a:br>
+                <a:rPr lang="en-US" dirty="0">
+                  <a:solidFill>
+                    <a:srgbClr val="FF0000"/>
+                  </a:solidFill>
+                  <a:latin typeface="Calibri"/>
+                </a:rPr>
+              </a:br>
+              <a:r>
+                <a:rPr lang="en-US" dirty="0">
+                  <a:solidFill>
+                    <a:srgbClr val="FF0000"/>
+                  </a:solidFill>
+                  <a:latin typeface="Calibri"/>
+                </a:rPr>
+                <a:t>CSV dialect (e.g., Excel)</a:t>
+              </a:r>
+              <a:endParaRPr lang="en-US" dirty="0">
+                <a:solidFill>
+                  <a:srgbClr val="FF0000"/>
+                </a:solidFill>
+                <a:latin typeface="Calibri"/>
+              </a:endParaRPr>
+            </a:p>
+          </p:txBody>
+        </p:sp>
+        <p:cxnSp>
+          <p:nvCxnSpPr>
+            <p:cNvPr id="8" name="Straight Arrow Connector 7"/>
+            <p:cNvCxnSpPr/>
+            <p:nvPr/>
+          </p:nvCxnSpPr>
+          <p:spPr>
+            <a:xfrm flipH="1">
+              <a:off x="2195736" y="4528279"/>
+              <a:ext cx="1172212" cy="548680"/>
+            </a:xfrm>
+            <a:prstGeom prst="straightConnector1">
+              <a:avLst/>
+            </a:prstGeom>
+            <a:ln w="19050">
+              <a:solidFill>
+                <a:srgbClr val="FF0000"/>
+              </a:solidFill>
+              <a:tailEnd type="stealth" w="lg" len="lg"/>
+            </a:ln>
+          </p:spPr>
+          <p:style>
+            <a:lnRef idx="1">
+              <a:schemeClr val="accent1"/>
+            </a:lnRef>
+            <a:fillRef idx="0">
+              <a:schemeClr val="accent1"/>
+            </a:fillRef>
+            <a:effectRef idx="0">
+              <a:schemeClr val="accent1"/>
+            </a:effectRef>
+            <a:fontRef idx="minor">
+              <a:schemeClr val="tx1"/>
+            </a:fontRef>
+          </p:style>
+        </p:cxnSp>
+      </p:grpSp>
+      <p:grpSp>
+        <p:nvGrpSpPr>
+          <p:cNvPr id="12" name="Group 11"/>
+          <p:cNvGrpSpPr/>
+          <p:nvPr/>
+        </p:nvGrpSpPr>
+        <p:grpSpPr>
+          <a:xfrm>
+            <a:off x="4923266" y="3350509"/>
+            <a:ext cx="2684902" cy="2518539"/>
+            <a:chOff x="4231522" y="2278613"/>
+            <a:chExt cx="2684902" cy="2518539"/>
+          </a:xfrm>
+        </p:grpSpPr>
+        <p:sp>
+          <p:nvSpPr>
+            <p:cNvPr id="13" name="TextBox 12"/>
+            <p:cNvSpPr txBox="1"/>
+            <p:nvPr/>
+          </p:nvSpPr>
+          <p:spPr>
+            <a:xfrm>
+              <a:off x="4231522" y="4150821"/>
+              <a:ext cx="2684902" cy="646331"/>
+            </a:xfrm>
+            <a:prstGeom prst="rect">
+              <a:avLst/>
+            </a:prstGeom>
+            <a:noFill/>
+          </p:spPr>
+          <p:txBody>
+            <a:bodyPr wrap="none" rtlCol="0">
+              <a:spAutoFit/>
+            </a:bodyPr>
+            <a:lstStyle/>
+            <a:p>
+              <a:r>
+                <a:rPr lang="en-US" dirty="0" err="1">
+                  <a:solidFill>
+                    <a:srgbClr val="0070C0"/>
+                  </a:solidFill>
+                  <a:latin typeface="Calibri"/>
+                </a:rPr>
+                <a:t>DictReader</a:t>
+              </a:r>
+              <a:r>
+                <a:rPr lang="en-US" dirty="0">
+                  <a:solidFill>
+                    <a:srgbClr val="0070C0"/>
+                  </a:solidFill>
+                  <a:latin typeface="Calibri"/>
+                </a:rPr>
+                <a:t> uses first</a:t>
+              </a:r>
+              <a:br>
+                <a:rPr lang="en-US" dirty="0">
+                  <a:solidFill>
+                    <a:srgbClr val="0070C0"/>
+                  </a:solidFill>
+                  <a:latin typeface="Calibri"/>
+                </a:rPr>
+              </a:br>
+              <a:r>
+                <a:rPr lang="en-US" dirty="0">
+                  <a:solidFill>
+                    <a:srgbClr val="0070C0"/>
+                  </a:solidFill>
+                  <a:latin typeface="Calibri"/>
+                </a:rPr>
+                <a:t>row to deduce field names</a:t>
+              </a:r>
+              <a:endParaRPr lang="en-US" dirty="0">
+                <a:solidFill>
+                  <a:srgbClr val="0070C0"/>
+                </a:solidFill>
+                <a:latin typeface="Calibri"/>
+              </a:endParaRPr>
+            </a:p>
+          </p:txBody>
+        </p:sp>
+        <p:cxnSp>
+          <p:nvCxnSpPr>
+            <p:cNvPr id="14" name="Straight Arrow Connector 13"/>
+            <p:cNvCxnSpPr>
+              <a:stCxn id="13" idx="0"/>
+            </p:cNvCxnSpPr>
+            <p:nvPr/>
+          </p:nvCxnSpPr>
+          <p:spPr>
+            <a:xfrm flipH="1" flipV="1">
+              <a:off x="4684176" y="2278613"/>
+              <a:ext cx="889797" cy="1872208"/>
+            </a:xfrm>
+            <a:prstGeom prst="straightConnector1">
+              <a:avLst/>
+            </a:prstGeom>
+            <a:ln w="19050">
+              <a:solidFill>
+                <a:srgbClr val="0070C0"/>
+              </a:solidFill>
+              <a:tailEnd type="stealth" w="lg" len="lg"/>
+            </a:ln>
+          </p:spPr>
+          <p:style>
+            <a:lnRef idx="1">
+              <a:schemeClr val="accent1"/>
+            </a:lnRef>
+            <a:fillRef idx="0">
+              <a:schemeClr val="accent1"/>
+            </a:fillRef>
+            <a:effectRef idx="0">
+              <a:schemeClr val="accent1"/>
+            </a:effectRef>
+            <a:fontRef idx="minor">
+              <a:schemeClr val="tx1"/>
+            </a:fontRef>
+          </p:style>
+        </p:cxnSp>
+      </p:grpSp>
+      <p:grpSp>
+        <p:nvGrpSpPr>
+          <p:cNvPr id="17" name="Group 16"/>
+          <p:cNvGrpSpPr/>
+          <p:nvPr/>
+        </p:nvGrpSpPr>
+        <p:grpSpPr>
+          <a:xfrm>
+            <a:off x="7640009" y="4574645"/>
+            <a:ext cx="2285049" cy="1510427"/>
+            <a:chOff x="2195736" y="2996952"/>
+            <a:chExt cx="2285049" cy="1510427"/>
+          </a:xfrm>
+        </p:grpSpPr>
+        <p:sp>
+          <p:nvSpPr>
+            <p:cNvPr id="18" name="TextBox 17"/>
+            <p:cNvSpPr txBox="1"/>
+            <p:nvPr/>
+          </p:nvSpPr>
+          <p:spPr>
+            <a:xfrm>
+              <a:off x="2195736" y="3861048"/>
+              <a:ext cx="2285049" cy="646331"/>
+            </a:xfrm>
+            <a:prstGeom prst="rect">
+              <a:avLst/>
+            </a:prstGeom>
+            <a:noFill/>
+          </p:spPr>
+          <p:txBody>
+            <a:bodyPr wrap="none" rtlCol="0">
+              <a:spAutoFit/>
+            </a:bodyPr>
+            <a:lstStyle/>
+            <a:p>
+              <a:r>
+                <a:rPr lang="en-US" dirty="0">
+                  <a:solidFill>
+                    <a:srgbClr val="00B050"/>
+                  </a:solidFill>
+                  <a:latin typeface="Calibri"/>
+                </a:rPr>
+                <a:t>Access fields by name,</a:t>
+              </a:r>
+              <a:br>
+                <a:rPr lang="en-US" dirty="0">
+                  <a:solidFill>
+                    <a:srgbClr val="00B050"/>
+                  </a:solidFill>
+                  <a:latin typeface="Calibri"/>
+                </a:rPr>
+              </a:br>
+              <a:r>
+                <a:rPr lang="en-US" dirty="0">
+                  <a:solidFill>
+                    <a:srgbClr val="00B050"/>
+                  </a:solidFill>
+                  <a:latin typeface="Calibri"/>
+                </a:rPr>
+                <a:t>thanks to </a:t>
+              </a:r>
+              <a:r>
+                <a:rPr lang="en-US" dirty="0" err="1">
+                  <a:solidFill>
+                    <a:srgbClr val="00B050"/>
+                  </a:solidFill>
+                  <a:latin typeface="Calibri"/>
+                </a:rPr>
+                <a:t>DictReader</a:t>
+              </a:r>
+              <a:endParaRPr lang="en-US" dirty="0">
+                <a:solidFill>
+                  <a:srgbClr val="00B050"/>
+                </a:solidFill>
+                <a:latin typeface="Calibri"/>
+              </a:endParaRPr>
+            </a:p>
+          </p:txBody>
+        </p:sp>
+        <p:cxnSp>
+          <p:nvCxnSpPr>
+            <p:cNvPr id="19" name="Straight Arrow Connector 18"/>
+            <p:cNvCxnSpPr/>
+            <p:nvPr/>
+          </p:nvCxnSpPr>
+          <p:spPr>
+            <a:xfrm flipV="1">
+              <a:off x="3131840" y="2996952"/>
+              <a:ext cx="360040" cy="864096"/>
+            </a:xfrm>
+            <a:prstGeom prst="straightConnector1">
+              <a:avLst/>
+            </a:prstGeom>
+            <a:ln w="19050">
+              <a:solidFill>
+                <a:srgbClr val="00B050"/>
+              </a:solidFill>
+              <a:tailEnd type="stealth" w="lg" len="lg"/>
+            </a:ln>
+          </p:spPr>
+          <p:style>
+            <a:lnRef idx="1">
+              <a:schemeClr val="accent1"/>
+            </a:lnRef>
+            <a:fillRef idx="0">
+              <a:schemeClr val="accent1"/>
+            </a:fillRef>
+            <a:effectRef idx="0">
+              <a:schemeClr val="accent1"/>
+            </a:effectRef>
+            <a:fontRef idx="minor">
+              <a:schemeClr val="tx1"/>
+            </a:fontRef>
+          </p:style>
+        </p:cxnSp>
+      </p:grpSp>
+      <p:grpSp>
+        <p:nvGrpSpPr>
+          <p:cNvPr id="15" name="Group 14"/>
+          <p:cNvGrpSpPr/>
+          <p:nvPr/>
+        </p:nvGrpSpPr>
+        <p:grpSpPr>
+          <a:xfrm>
+            <a:off x="1775520" y="4653137"/>
+            <a:ext cx="5677708" cy="1829817"/>
+            <a:chOff x="395536" y="4725144"/>
+            <a:chExt cx="5677708" cy="1829817"/>
+          </a:xfrm>
+        </p:grpSpPr>
+        <p:sp>
+          <p:nvSpPr>
+            <p:cNvPr id="22" name="TextBox 21"/>
+            <p:cNvSpPr txBox="1"/>
+            <p:nvPr/>
+          </p:nvSpPr>
+          <p:spPr>
+            <a:xfrm>
+              <a:off x="395536" y="6093296"/>
+              <a:ext cx="5677708" cy="461665"/>
+            </a:xfrm>
+            <a:prstGeom prst="rect">
+              <a:avLst/>
+            </a:prstGeom>
+            <a:noFill/>
+            <a:ln>
+              <a:solidFill>
+                <a:schemeClr val="tx1"/>
+              </a:solidFill>
+            </a:ln>
+          </p:spPr>
+          <p:txBody>
+            <a:bodyPr wrap="none" rtlCol="0">
+              <a:spAutoFit/>
+            </a:bodyPr>
+            <a:lstStyle/>
+            <a:p>
+              <a:r>
+                <a:rPr lang="en-US" sz="2400" dirty="0">
+                  <a:solidFill>
+                    <a:prstClr val="black"/>
+                  </a:solidFill>
+                  <a:latin typeface="Calibri"/>
+                </a:rPr>
+                <a:t>Drawback: you still need to know field types</a:t>
+              </a:r>
+              <a:endParaRPr lang="en-US" sz="2400" dirty="0">
+                <a:solidFill>
+                  <a:prstClr val="black"/>
+                </a:solidFill>
+                <a:latin typeface="Calibri"/>
+              </a:endParaRPr>
+            </a:p>
+          </p:txBody>
+        </p:sp>
+        <p:cxnSp>
+          <p:nvCxnSpPr>
+            <p:cNvPr id="25" name="Straight Arrow Connector 24"/>
+            <p:cNvCxnSpPr>
+              <a:stCxn id="22" idx="0"/>
+            </p:cNvCxnSpPr>
+            <p:nvPr/>
+          </p:nvCxnSpPr>
+          <p:spPr>
+            <a:xfrm flipH="1" flipV="1">
+              <a:off x="3059832" y="4725144"/>
+              <a:ext cx="174558" cy="1368152"/>
+            </a:xfrm>
+            <a:prstGeom prst="straightConnector1">
+              <a:avLst/>
+            </a:prstGeom>
+            <a:ln w="19050">
+              <a:solidFill>
+                <a:schemeClr val="tx1"/>
+              </a:solidFill>
+              <a:tailEnd type="stealth" w="lg" len="lg"/>
+            </a:ln>
+          </p:spPr>
+          <p:style>
+            <a:lnRef idx="1">
+              <a:schemeClr val="accent1"/>
+            </a:lnRef>
+            <a:fillRef idx="0">
+              <a:schemeClr val="accent1"/>
+            </a:fillRef>
+            <a:effectRef idx="0">
+              <a:schemeClr val="accent1"/>
+            </a:effectRef>
+            <a:fontRef idx="minor">
+              <a:schemeClr val="tx1"/>
+            </a:fontRef>
+          </p:style>
+        </p:cxnSp>
+      </p:grpSp>
+      <p:sp>
+        <p:nvSpPr>
+          <p:cNvPr id="3" name="Slide Number Placeholder 2"/>
+          <p:cNvSpPr>
+            <a:spLocks noGrp="1"/>
+          </p:cNvSpPr>
+          <p:nvPr>
+            <p:ph type="sldNum" sz="quarter" idx="12"/>
+          </p:nvPr>
+        </p:nvSpPr>
+        <p:spPr/>
+        <p:txBody>
+          <a:bodyPr/>
+          <a:lstStyle/>
+          <a:p>
+            <a:fld id="{5A209D72-2E9D-49B0-8977-41DCCC66C0BB}" type="slidenum">
+              <a:rPr lang="nl-BE">
+                <a:solidFill>
+                  <a:prstClr val="black">
+                    <a:tint val="75000"/>
+                  </a:prstClr>
+                </a:solidFill>
+                <a:latin typeface="Calibri"/>
+              </a:rPr>
+              <a:pPr/>
+              <a:t>18</a:t>
+            </a:fld>
+            <a:endParaRPr lang="nl-BE">
+              <a:solidFill>
+                <a:prstClr val="black">
+                  <a:tint val="75000"/>
+                </a:prstClr>
+              </a:solidFill>
+              <a:latin typeface="Calibri"/>
+            </a:endParaRPr>
+          </a:p>
+        </p:txBody>
+      </p:sp>
+    </p:spTree>
+    <p:extLst>
+      <p:ext uri="{BB962C8B-B14F-4D97-AF65-F5344CB8AC3E}">
+        <p14:creationId xmlns:p14="http://schemas.microsoft.com/office/powerpoint/2010/main" val="1688260962"/>
+      </p:ext>
+    </p:extLst>
+  </p:cSld>
+  <p:clrMapOvr>
+    <a:masterClrMapping/>
+  </p:clrMapOvr>
+  <p:timing>
+    <p:tnLst>
+      <p:par>
+        <p:cTn id="1" dur="indefinite" restart="never" nodeType="tmRoot">
+          <p:childTnLst>
+            <p:seq concurrent="1" nextAc="seek">
+              <p:cTn id="2" dur="indefinite" nodeType="mainSeq">
+                <p:childTnLst>
+                  <p:par>
+                    <p:cTn id="3" fill="hold">
+                      <p:stCondLst>
+                        <p:cond delay="indefinite"/>
+                      </p:stCondLst>
+                      <p:childTnLst>
+                        <p:par>
+                          <p:cTn id="4" fill="hold">
+                            <p:stCondLst>
+                              <p:cond delay="0"/>
+                            </p:stCondLst>
+                            <p:childTnLst>
+                              <p:par>
+                                <p:cTn id="5" presetID="1" presetClass="entr" presetSubtype="0" fill="hold" nodeType="clickEffect">
+                                  <p:stCondLst>
+                                    <p:cond delay="0"/>
+                                  </p:stCondLst>
+                                  <p:childTnLst>
+                                    <p:set>
+                                      <p:cBhvr>
+                                        <p:cTn id="6" dur="1" fill="hold">
+                                          <p:stCondLst>
+                                            <p:cond delay="0"/>
+                                          </p:stCondLst>
+                                        </p:cTn>
+                                        <p:tgtEl>
+                                          <p:spTgt spid="6"/>
+                                        </p:tgtEl>
+                                        <p:attrNameLst>
+                                          <p:attrName>style.visibility</p:attrName>
+                                        </p:attrNameLst>
+                                      </p:cBhvr>
+                                      <p:to>
+                                        <p:strVal val="visible"/>
+                                      </p:to>
+                                    </p:set>
+                                  </p:childTnLst>
+                                </p:cTn>
+                              </p:par>
+                            </p:childTnLst>
+                          </p:cTn>
+                        </p:par>
+                      </p:childTnLst>
+                    </p:cTn>
+                  </p:par>
+                  <p:par>
+                    <p:cTn id="7" fill="hold">
+                      <p:stCondLst>
+                        <p:cond delay="indefinite"/>
+                      </p:stCondLst>
+                      <p:childTnLst>
+                        <p:par>
+                          <p:cTn id="8" fill="hold">
+                            <p:stCondLst>
+                              <p:cond delay="0"/>
+                            </p:stCondLst>
+                            <p:childTnLst>
+                              <p:par>
+                                <p:cTn id="9" presetID="1" presetClass="entr" presetSubtype="0" fill="hold" nodeType="clickEffect">
+                                  <p:stCondLst>
+                                    <p:cond delay="0"/>
+                                  </p:stCondLst>
+                                  <p:childTnLst>
+                                    <p:set>
+                                      <p:cBhvr>
+                                        <p:cTn id="10" dur="1" fill="hold">
+                                          <p:stCondLst>
+                                            <p:cond delay="0"/>
+                                          </p:stCondLst>
+                                        </p:cTn>
+                                        <p:tgtEl>
+                                          <p:spTgt spid="12"/>
+                                        </p:tgtEl>
+                                        <p:attrNameLst>
+                                          <p:attrName>style.visibility</p:attrName>
+                                        </p:attrNameLst>
+                                      </p:cBhvr>
+                                      <p:to>
+                                        <p:strVal val="visible"/>
+                                      </p:to>
+                                    </p:set>
+                                  </p:childTnLst>
+                                </p:cTn>
+                              </p:par>
+                            </p:childTnLst>
+                          </p:cTn>
+                        </p:par>
+                      </p:childTnLst>
+                    </p:cTn>
+                  </p:par>
+                  <p:par>
+                    <p:cTn id="11" fill="hold">
+                      <p:stCondLst>
+                        <p:cond delay="indefinite"/>
+                      </p:stCondLst>
+                      <p:childTnLst>
+                        <p:par>
+                          <p:cTn id="12" fill="hold">
+                            <p:stCondLst>
+                              <p:cond delay="0"/>
+                            </p:stCondLst>
+                            <p:childTnLst>
+                              <p:par>
+                                <p:cTn id="13" presetID="1" presetClass="entr" presetSubtype="0" fill="hold" nodeType="clickEffect">
+                                  <p:stCondLst>
+                                    <p:cond delay="0"/>
+                                  </p:stCondLst>
+                                  <p:childTnLst>
+                                    <p:set>
+                                      <p:cBhvr>
+                                        <p:cTn id="14" dur="1" fill="hold">
+                                          <p:stCondLst>
+                                            <p:cond delay="0"/>
+                                          </p:stCondLst>
+                                        </p:cTn>
+                                        <p:tgtEl>
+                                          <p:spTgt spid="17"/>
+                                        </p:tgtEl>
+                                        <p:attrNameLst>
+                                          <p:attrName>style.visibility</p:attrName>
+                                        </p:attrNameLst>
+                                      </p:cBhvr>
+                                      <p:to>
+                                        <p:strVal val="visible"/>
+                                      </p:to>
+                                    </p:set>
+                                  </p:childTnLst>
+                                </p:cTn>
+                              </p:par>
+                            </p:childTnLst>
+                          </p:cTn>
+                        </p:par>
+                      </p:childTnLst>
+                    </p:cTn>
+                  </p:par>
+                  <p:par>
+                    <p:cTn id="15" fill="hold">
+                      <p:stCondLst>
+                        <p:cond delay="indefinite"/>
+                      </p:stCondLst>
+                      <p:childTnLst>
+                        <p:par>
+                          <p:cTn id="16" fill="hold">
+                            <p:stCondLst>
+                              <p:cond delay="0"/>
+                            </p:stCondLst>
+                            <p:childTnLst>
+                              <p:par>
+                                <p:cTn id="17" presetID="1" presetClass="entr" presetSubtype="0" fill="hold" nodeType="clickEffect">
+                                  <p:stCondLst>
+                                    <p:cond delay="0"/>
+                                  </p:stCondLst>
+                                  <p:childTnLst>
+                                    <p:set>
+                                      <p:cBhvr>
+                                        <p:cTn id="18" dur="1" fill="hold">
+                                          <p:stCondLst>
+                                            <p:cond delay="0"/>
+                                          </p:stCondLst>
+                                        </p:cTn>
+                                        <p:tgtEl>
+                                          <p:spTgt spid="15"/>
+                                        </p:tgtEl>
+                                        <p:attrNameLst>
+                                          <p:attrName>style.visibility</p:attrName>
+                                        </p:attrNameLst>
+                                      </p:cBhvr>
+                                      <p:to>
+                                        <p:strVal val="visible"/>
+                                      </p:to>
+                                    </p:set>
+                                  </p:childTnLst>
+                                </p:cTn>
+                              </p:par>
+                            </p:childTnLst>
+                          </p:cTn>
+                        </p:par>
+                      </p:childTnLst>
+                    </p:cTn>
+                  </p:par>
+                </p:childTnLst>
+              </p:cTn>
+              <p:prevCondLst>
+                <p:cond evt="onPrev" delay="0">
+                  <p:tgtEl>
+                    <p:sldTgt/>
+                  </p:tgtEl>
+                </p:cond>
+              </p:prevCondLst>
+              <p:nextCondLst>
+                <p:cond evt="onNext" delay="0">
+                  <p:tgtEl>
+                    <p:sldTgt/>
+                  </p:tgtEl>
+                </p:cond>
+              </p:nextCondLst>
+            </p:seq>
+          </p:childTnLst>
+        </p:cTn>
+      </p:par>
+    </p:tnLst>
+  </p:timing>
+</p:sld>
+</file>
+
+<file path=ppt/slides/slide19.xml><?xml version="1.0" encoding="utf-8"?>
+<p:sld xmlns:a="http://schemas.openxmlformats.org/drawingml/2006/main" xmlns:r="http://schemas.openxmlformats.org/officeDocument/2006/relationships" xmlns:p="http://schemas.openxmlformats.org/presentationml/2006/main">
+  <p:cSld>
+    <p:spTree>
+      <p:nvGrpSpPr>
+        <p:cNvPr id="1" name=""/>
+        <p:cNvGrpSpPr/>
+        <p:nvPr/>
+      </p:nvGrpSpPr>
+      <p:grpSpPr>
+        <a:xfrm>
+          <a:off x="0" y="0"/>
+          <a:ext cx="0" cy="0"/>
+          <a:chOff x="0" y="0"/>
+          <a:chExt cx="0" cy="0"/>
+        </a:xfrm>
+      </p:grpSpPr>
+      <p:sp>
+        <p:nvSpPr>
+          <p:cNvPr id="2" name="Title 1"/>
+          <p:cNvSpPr>
+            <a:spLocks noGrp="1"/>
+          </p:cNvSpPr>
+          <p:nvPr>
+            <p:ph type="title"/>
+          </p:nvPr>
+        </p:nvSpPr>
+        <p:spPr/>
+        <p:txBody>
+          <a:bodyPr/>
+          <a:lstStyle/>
+          <a:p>
+            <a:r>
+              <a:rPr lang="en-US" dirty="0" smtClean="0"/>
+              <a:t>Writing to files</a:t>
+            </a:r>
+            <a:endParaRPr lang="en-US" dirty="0"/>
+          </a:p>
+        </p:txBody>
+      </p:sp>
+      <p:sp>
+        <p:nvSpPr>
+          <p:cNvPr id="3" name="Content Placeholder 2"/>
+          <p:cNvSpPr>
+            <a:spLocks noGrp="1"/>
+          </p:cNvSpPr>
+          <p:nvPr>
+            <p:ph idx="1"/>
+          </p:nvPr>
+        </p:nvSpPr>
+        <p:spPr>
+          <a:xfrm>
+            <a:off x="1981200" y="1600202"/>
+            <a:ext cx="8229600" cy="4925143"/>
+          </a:xfrm>
+        </p:spPr>
+        <p:txBody>
+          <a:bodyPr>
+            <a:normAutofit fontScale="92500" lnSpcReduction="20000"/>
+          </a:bodyPr>
+          <a:lstStyle/>
+          <a:p>
+            <a:r>
+              <a:rPr lang="en-US" dirty="0" smtClean="0"/>
+              <a:t>Writing to text files</a:t>
+            </a:r>
+          </a:p>
+          <a:p>
+            <a:pPr lvl="1"/>
+            <a:r>
+              <a:rPr lang="en-US" dirty="0" smtClean="0"/>
+              <a:t>E.g., compute and write to file</a:t>
+            </a:r>
+          </a:p>
+          <a:p>
+            <a:pPr lvl="1"/>
+            <a:endParaRPr lang="en-US" dirty="0" smtClean="0"/>
+          </a:p>
+          <a:p>
+            <a:pPr lvl="1"/>
+            <a:endParaRPr lang="en-US" dirty="0"/>
+          </a:p>
+          <a:p>
+            <a:pPr lvl="1"/>
+            <a:endParaRPr lang="en-US" dirty="0" smtClean="0"/>
+          </a:p>
+          <a:p>
+            <a:r>
+              <a:rPr lang="en-US" dirty="0" smtClean="0"/>
+              <a:t>Append to text files</a:t>
+            </a:r>
+          </a:p>
+          <a:p>
+            <a:pPr lvl="1"/>
+            <a:r>
+              <a:rPr lang="en-US" dirty="0" smtClean="0"/>
+              <a:t>E.g., add some more squares to same file</a:t>
+            </a:r>
+          </a:p>
+          <a:p>
+            <a:pPr lvl="1"/>
+            <a:endParaRPr lang="en-US" dirty="0"/>
+          </a:p>
+          <a:p>
+            <a:pPr lvl="1"/>
+            <a:endParaRPr lang="en-US" dirty="0" smtClean="0"/>
+          </a:p>
+          <a:p>
+            <a:pPr lvl="1"/>
+            <a:endParaRPr lang="en-US" dirty="0"/>
+          </a:p>
+          <a:p>
+            <a:r>
+              <a:rPr lang="en-US" dirty="0" smtClean="0"/>
+              <a:t>Writing binary files: don't go there</a:t>
+            </a:r>
+            <a:r>
+              <a:rPr lang="en-BE" dirty="0" smtClean="0"/>
+              <a:t>...</a:t>
+            </a:r>
+            <a:endParaRPr lang="en-US" dirty="0"/>
+          </a:p>
+        </p:txBody>
+      </p:sp>
+      <p:sp>
+        <p:nvSpPr>
+          <p:cNvPr id="4" name="TextBox 3"/>
+          <p:cNvSpPr txBox="1"/>
+          <p:nvPr/>
+        </p:nvSpPr>
+        <p:spPr>
+          <a:xfrm>
+            <a:off x="2207568" y="2577678"/>
+            <a:ext cx="8064896" cy="923330"/>
+          </a:xfrm>
+          <a:prstGeom prst="rect">
+            <a:avLst/>
+          </a:prstGeom>
+          <a:solidFill>
+            <a:schemeClr val="bg1">
+              <a:lumMod val="75000"/>
+            </a:schemeClr>
+          </a:solidFill>
+        </p:spPr>
+        <p:txBody>
+          <a:bodyPr wrap="square" rtlCol="0">
+            <a:spAutoFit/>
+          </a:bodyPr>
+          <a:lstStyle/>
+          <a:p>
+            <a:r>
+              <a:rPr lang="en-US" dirty="0">
+                <a:solidFill>
+                  <a:prstClr val="black"/>
+                </a:solidFill>
+                <a:latin typeface="Courier New" pitchFamily="49" charset="0"/>
+                <a:cs typeface="Courier New" pitchFamily="49" charset="0"/>
+              </a:rPr>
+              <a:t>1  with open(</a:t>
+            </a:r>
+            <a:r>
+              <a:rPr lang="en-US" dirty="0" err="1">
+                <a:solidFill>
+                  <a:prstClr val="black"/>
+                </a:solidFill>
+                <a:latin typeface="Courier New" pitchFamily="49" charset="0"/>
+                <a:cs typeface="Courier New" pitchFamily="49" charset="0"/>
+              </a:rPr>
+              <a:t>file_name</a:t>
+            </a:r>
+            <a:r>
+              <a:rPr lang="en-US" dirty="0">
+                <a:solidFill>
+                  <a:prstClr val="black"/>
+                </a:solidFill>
+                <a:latin typeface="Courier New" pitchFamily="49" charset="0"/>
+                <a:cs typeface="Courier New" pitchFamily="49" charset="0"/>
+              </a:rPr>
+              <a:t>, </a:t>
+            </a:r>
+            <a:r>
+              <a:rPr lang="en-US" b="1" dirty="0">
+                <a:solidFill>
+                  <a:prstClr val="black"/>
+                </a:solidFill>
+                <a:latin typeface="Courier New" pitchFamily="49" charset="0"/>
+                <a:cs typeface="Courier New" pitchFamily="49" charset="0"/>
+              </a:rPr>
+              <a:t>'w'</a:t>
+            </a:r>
+            <a:r>
+              <a:rPr lang="en-US" dirty="0">
+                <a:solidFill>
+                  <a:prstClr val="black"/>
+                </a:solidFill>
+                <a:latin typeface="Courier New" pitchFamily="49" charset="0"/>
+                <a:cs typeface="Courier New" pitchFamily="49" charset="0"/>
+              </a:rPr>
+              <a:t>) as </a:t>
+            </a:r>
+            <a:r>
+              <a:rPr lang="en-US" dirty="0" err="1">
+                <a:solidFill>
+                  <a:prstClr val="black"/>
+                </a:solidFill>
+                <a:latin typeface="Courier New" pitchFamily="49" charset="0"/>
+                <a:cs typeface="Courier New" pitchFamily="49" charset="0"/>
+              </a:rPr>
+              <a:t>text_file</a:t>
+            </a:r>
+            <a:r>
+              <a:rPr lang="en-US" dirty="0">
+                <a:solidFill>
+                  <a:prstClr val="black"/>
+                </a:solidFill>
+                <a:latin typeface="Courier New" pitchFamily="49" charset="0"/>
+                <a:cs typeface="Courier New" pitchFamily="49" charset="0"/>
+              </a:rPr>
+              <a:t>:</a:t>
+            </a:r>
+          </a:p>
+          <a:p>
+            <a:r>
+              <a:rPr lang="en-US" dirty="0">
+                <a:solidFill>
+                  <a:prstClr val="black"/>
+                </a:solidFill>
+                <a:latin typeface="Courier New" pitchFamily="49" charset="0"/>
+                <a:cs typeface="Courier New" pitchFamily="49" charset="0"/>
+              </a:rPr>
+              <a:t>2      for </a:t>
+            </a:r>
+            <a:r>
+              <a:rPr lang="en-US" dirty="0" err="1">
+                <a:solidFill>
+                  <a:prstClr val="black"/>
+                </a:solidFill>
+                <a:latin typeface="Courier New" pitchFamily="49" charset="0"/>
+                <a:cs typeface="Courier New" pitchFamily="49" charset="0"/>
+              </a:rPr>
+              <a:t>i</a:t>
+            </a:r>
+            <a:r>
+              <a:rPr lang="en-US" dirty="0">
+                <a:solidFill>
+                  <a:prstClr val="black"/>
+                </a:solidFill>
+                <a:latin typeface="Courier New" pitchFamily="49" charset="0"/>
+                <a:cs typeface="Courier New" pitchFamily="49" charset="0"/>
+              </a:rPr>
+              <a:t> in range(0, 10):</a:t>
+            </a:r>
+          </a:p>
+          <a:p>
+            <a:pPr marL="342900" indent="-342900">
+              <a:buFontTx/>
+              <a:buAutoNum type="arabicPlain" startAt="3"/>
+            </a:pPr>
+            <a:r>
+              <a:rPr lang="en-US" dirty="0">
+                <a:solidFill>
+                  <a:prstClr val="black"/>
+                </a:solidFill>
+                <a:latin typeface="Courier New" pitchFamily="49" charset="0"/>
+                <a:cs typeface="Courier New" pitchFamily="49" charset="0"/>
+              </a:rPr>
+              <a:t>         </a:t>
+            </a:r>
+            <a:r>
+              <a:rPr lang="en-US" dirty="0" err="1">
+                <a:solidFill>
+                  <a:prstClr val="black"/>
+                </a:solidFill>
+                <a:latin typeface="Courier New" pitchFamily="49" charset="0"/>
+                <a:cs typeface="Courier New" pitchFamily="49" charset="0"/>
+              </a:rPr>
+              <a:t>text_file.write</a:t>
+            </a:r>
+            <a:r>
+              <a:rPr lang="en-US" dirty="0">
+                <a:solidFill>
+                  <a:prstClr val="black"/>
+                </a:solidFill>
+                <a:latin typeface="Courier New" pitchFamily="49" charset="0"/>
+                <a:cs typeface="Courier New" pitchFamily="49" charset="0"/>
+              </a:rPr>
+              <a:t>('{0}: {1}\</a:t>
+            </a:r>
+            <a:r>
+              <a:rPr lang="en-US" dirty="0" err="1">
+                <a:solidFill>
+                  <a:prstClr val="black"/>
+                </a:solidFill>
+                <a:latin typeface="Courier New" pitchFamily="49" charset="0"/>
+                <a:cs typeface="Courier New" pitchFamily="49" charset="0"/>
+              </a:rPr>
+              <a:t>n'.format</a:t>
+            </a:r>
+            <a:r>
+              <a:rPr lang="en-US" dirty="0">
+                <a:solidFill>
+                  <a:prstClr val="black"/>
+                </a:solidFill>
+                <a:latin typeface="Courier New" pitchFamily="49" charset="0"/>
+                <a:cs typeface="Courier New" pitchFamily="49" charset="0"/>
+              </a:rPr>
+              <a:t>(</a:t>
+            </a:r>
+            <a:r>
+              <a:rPr lang="en-US" dirty="0" err="1">
+                <a:solidFill>
+                  <a:prstClr val="black"/>
+                </a:solidFill>
+                <a:latin typeface="Courier New" pitchFamily="49" charset="0"/>
+                <a:cs typeface="Courier New" pitchFamily="49" charset="0"/>
+              </a:rPr>
+              <a:t>i</a:t>
+            </a:r>
+            <a:r>
+              <a:rPr lang="en-US" dirty="0">
+                <a:solidFill>
+                  <a:prstClr val="black"/>
+                </a:solidFill>
+                <a:latin typeface="Courier New" pitchFamily="49" charset="0"/>
+                <a:cs typeface="Courier New" pitchFamily="49" charset="0"/>
+              </a:rPr>
+              <a:t>, </a:t>
+            </a:r>
+            <a:r>
+              <a:rPr lang="en-US" dirty="0" err="1">
+                <a:solidFill>
+                  <a:prstClr val="black"/>
+                </a:solidFill>
+                <a:latin typeface="Courier New" pitchFamily="49" charset="0"/>
+                <a:cs typeface="Courier New" pitchFamily="49" charset="0"/>
+              </a:rPr>
+              <a:t>i</a:t>
+            </a:r>
+            <a:r>
+              <a:rPr lang="en-US" dirty="0">
+                <a:solidFill>
+                  <a:prstClr val="black"/>
+                </a:solidFill>
+                <a:latin typeface="Courier New" pitchFamily="49" charset="0"/>
+                <a:cs typeface="Courier New" pitchFamily="49" charset="0"/>
+              </a:rPr>
+              <a:t>*</a:t>
+            </a:r>
+            <a:r>
+              <a:rPr lang="en-US" dirty="0" err="1">
+                <a:solidFill>
+                  <a:prstClr val="black"/>
+                </a:solidFill>
+                <a:latin typeface="Courier New" pitchFamily="49" charset="0"/>
+                <a:cs typeface="Courier New" pitchFamily="49" charset="0"/>
+              </a:rPr>
+              <a:t>i</a:t>
+            </a:r>
+            <a:r>
+              <a:rPr lang="en-US" dirty="0">
+                <a:solidFill>
+                  <a:prstClr val="black"/>
+                </a:solidFill>
+                <a:latin typeface="Courier New" pitchFamily="49" charset="0"/>
+                <a:cs typeface="Courier New" pitchFamily="49" charset="0"/>
+              </a:rPr>
+              <a:t>))</a:t>
+            </a:r>
+          </a:p>
+        </p:txBody>
+      </p:sp>
+      <p:sp>
+        <p:nvSpPr>
+          <p:cNvPr id="7" name="TextBox 6"/>
+          <p:cNvSpPr txBox="1"/>
+          <p:nvPr/>
+        </p:nvSpPr>
+        <p:spPr>
+          <a:xfrm>
+            <a:off x="2207568" y="4593902"/>
+            <a:ext cx="8064896" cy="923330"/>
+          </a:xfrm>
+          <a:prstGeom prst="rect">
+            <a:avLst/>
+          </a:prstGeom>
+          <a:solidFill>
+            <a:schemeClr val="bg1">
+              <a:lumMod val="75000"/>
+            </a:schemeClr>
+          </a:solidFill>
+        </p:spPr>
+        <p:txBody>
+          <a:bodyPr wrap="square" rtlCol="0">
+            <a:spAutoFit/>
+          </a:bodyPr>
+          <a:lstStyle/>
+          <a:p>
+            <a:r>
+              <a:rPr lang="en-US" dirty="0">
+                <a:solidFill>
+                  <a:prstClr val="black"/>
+                </a:solidFill>
+                <a:latin typeface="Courier New" pitchFamily="49" charset="0"/>
+                <a:cs typeface="Courier New" pitchFamily="49" charset="0"/>
+              </a:rPr>
+              <a:t>1  with open(</a:t>
+            </a:r>
+            <a:r>
+              <a:rPr lang="en-US" dirty="0" err="1">
+                <a:solidFill>
+                  <a:prstClr val="black"/>
+                </a:solidFill>
+                <a:latin typeface="Courier New" pitchFamily="49" charset="0"/>
+                <a:cs typeface="Courier New" pitchFamily="49" charset="0"/>
+              </a:rPr>
+              <a:t>file_name</a:t>
+            </a:r>
+            <a:r>
+              <a:rPr lang="en-US" dirty="0">
+                <a:solidFill>
+                  <a:prstClr val="black"/>
+                </a:solidFill>
+                <a:latin typeface="Courier New" pitchFamily="49" charset="0"/>
+                <a:cs typeface="Courier New" pitchFamily="49" charset="0"/>
+              </a:rPr>
+              <a:t>, </a:t>
+            </a:r>
+            <a:r>
+              <a:rPr lang="en-US" b="1" dirty="0">
+                <a:solidFill>
+                  <a:prstClr val="black"/>
+                </a:solidFill>
+                <a:latin typeface="Courier New" pitchFamily="49" charset="0"/>
+                <a:cs typeface="Courier New" pitchFamily="49" charset="0"/>
+              </a:rPr>
+              <a:t>'a'</a:t>
+            </a:r>
+            <a:r>
+              <a:rPr lang="en-US" dirty="0">
+                <a:solidFill>
+                  <a:prstClr val="black"/>
+                </a:solidFill>
+                <a:latin typeface="Courier New" pitchFamily="49" charset="0"/>
+                <a:cs typeface="Courier New" pitchFamily="49" charset="0"/>
+              </a:rPr>
+              <a:t>) as </a:t>
+            </a:r>
+            <a:r>
+              <a:rPr lang="en-US" dirty="0" err="1">
+                <a:solidFill>
+                  <a:prstClr val="black"/>
+                </a:solidFill>
+                <a:latin typeface="Courier New" pitchFamily="49" charset="0"/>
+                <a:cs typeface="Courier New" pitchFamily="49" charset="0"/>
+              </a:rPr>
+              <a:t>text_file</a:t>
+            </a:r>
+            <a:r>
+              <a:rPr lang="en-US" dirty="0">
+                <a:solidFill>
+                  <a:prstClr val="black"/>
+                </a:solidFill>
+                <a:latin typeface="Courier New" pitchFamily="49" charset="0"/>
+                <a:cs typeface="Courier New" pitchFamily="49" charset="0"/>
+              </a:rPr>
+              <a:t>:</a:t>
+            </a:r>
+          </a:p>
+          <a:p>
+            <a:r>
+              <a:rPr lang="en-US" dirty="0">
+                <a:solidFill>
+                  <a:prstClr val="black"/>
+                </a:solidFill>
+                <a:latin typeface="Courier New" pitchFamily="49" charset="0"/>
+                <a:cs typeface="Courier New" pitchFamily="49" charset="0"/>
+              </a:rPr>
+              <a:t>2      for </a:t>
+            </a:r>
+            <a:r>
+              <a:rPr lang="en-US" dirty="0" err="1">
+                <a:solidFill>
+                  <a:prstClr val="black"/>
+                </a:solidFill>
+                <a:latin typeface="Courier New" pitchFamily="49" charset="0"/>
+                <a:cs typeface="Courier New" pitchFamily="49" charset="0"/>
+              </a:rPr>
+              <a:t>i</a:t>
+            </a:r>
+            <a:r>
+              <a:rPr lang="en-US" dirty="0">
+                <a:solidFill>
+                  <a:prstClr val="black"/>
+                </a:solidFill>
+                <a:latin typeface="Courier New" pitchFamily="49" charset="0"/>
+                <a:cs typeface="Courier New" pitchFamily="49" charset="0"/>
+              </a:rPr>
+              <a:t> in range(10, 20):</a:t>
+            </a:r>
+          </a:p>
+          <a:p>
+            <a:pPr marL="342900" indent="-342900">
+              <a:buFontTx/>
+              <a:buAutoNum type="arabicPlain" startAt="3"/>
+            </a:pPr>
+            <a:r>
+              <a:rPr lang="en-US" dirty="0">
+                <a:solidFill>
+                  <a:prstClr val="black"/>
+                </a:solidFill>
+                <a:latin typeface="Courier New" pitchFamily="49" charset="0"/>
+                <a:cs typeface="Courier New" pitchFamily="49" charset="0"/>
+              </a:rPr>
+              <a:t>         </a:t>
+            </a:r>
+            <a:r>
+              <a:rPr lang="en-US" dirty="0" err="1">
+                <a:solidFill>
+                  <a:prstClr val="black"/>
+                </a:solidFill>
+                <a:latin typeface="Courier New" pitchFamily="49" charset="0"/>
+                <a:cs typeface="Courier New" pitchFamily="49" charset="0"/>
+              </a:rPr>
+              <a:t>text_file.write</a:t>
+            </a:r>
+            <a:r>
+              <a:rPr lang="en-US" dirty="0">
+                <a:solidFill>
+                  <a:prstClr val="black"/>
+                </a:solidFill>
+                <a:latin typeface="Courier New" pitchFamily="49" charset="0"/>
+                <a:cs typeface="Courier New" pitchFamily="49" charset="0"/>
+              </a:rPr>
+              <a:t>('{0}: {1}\</a:t>
+            </a:r>
+            <a:r>
+              <a:rPr lang="en-US" dirty="0" err="1">
+                <a:solidFill>
+                  <a:prstClr val="black"/>
+                </a:solidFill>
+                <a:latin typeface="Courier New" pitchFamily="49" charset="0"/>
+                <a:cs typeface="Courier New" pitchFamily="49" charset="0"/>
+              </a:rPr>
+              <a:t>n'.format</a:t>
+            </a:r>
+            <a:r>
+              <a:rPr lang="en-US" dirty="0">
+                <a:solidFill>
+                  <a:prstClr val="black"/>
+                </a:solidFill>
+                <a:latin typeface="Courier New" pitchFamily="49" charset="0"/>
+                <a:cs typeface="Courier New" pitchFamily="49" charset="0"/>
+              </a:rPr>
+              <a:t>(</a:t>
+            </a:r>
+            <a:r>
+              <a:rPr lang="en-US" dirty="0" err="1">
+                <a:solidFill>
+                  <a:prstClr val="black"/>
+                </a:solidFill>
+                <a:latin typeface="Courier New" pitchFamily="49" charset="0"/>
+                <a:cs typeface="Courier New" pitchFamily="49" charset="0"/>
+              </a:rPr>
+              <a:t>i</a:t>
+            </a:r>
+            <a:r>
+              <a:rPr lang="en-US" dirty="0">
+                <a:solidFill>
+                  <a:prstClr val="black"/>
+                </a:solidFill>
+                <a:latin typeface="Courier New" pitchFamily="49" charset="0"/>
+                <a:cs typeface="Courier New" pitchFamily="49" charset="0"/>
+              </a:rPr>
+              <a:t>, </a:t>
+            </a:r>
+            <a:r>
+              <a:rPr lang="en-US" dirty="0" err="1">
+                <a:solidFill>
+                  <a:prstClr val="black"/>
+                </a:solidFill>
+                <a:latin typeface="Courier New" pitchFamily="49" charset="0"/>
+                <a:cs typeface="Courier New" pitchFamily="49" charset="0"/>
+              </a:rPr>
+              <a:t>i</a:t>
+            </a:r>
+            <a:r>
+              <a:rPr lang="en-US" dirty="0">
+                <a:solidFill>
+                  <a:prstClr val="black"/>
+                </a:solidFill>
+                <a:latin typeface="Courier New" pitchFamily="49" charset="0"/>
+                <a:cs typeface="Courier New" pitchFamily="49" charset="0"/>
+              </a:rPr>
+              <a:t>*</a:t>
+            </a:r>
+            <a:r>
+              <a:rPr lang="en-US" dirty="0" err="1">
+                <a:solidFill>
+                  <a:prstClr val="black"/>
+                </a:solidFill>
+                <a:latin typeface="Courier New" pitchFamily="49" charset="0"/>
+                <a:cs typeface="Courier New" pitchFamily="49" charset="0"/>
+              </a:rPr>
+              <a:t>i</a:t>
+            </a:r>
+            <a:r>
+              <a:rPr lang="en-US" dirty="0">
+                <a:solidFill>
+                  <a:prstClr val="black"/>
+                </a:solidFill>
+                <a:latin typeface="Courier New" pitchFamily="49" charset="0"/>
+                <a:cs typeface="Courier New" pitchFamily="49" charset="0"/>
+              </a:rPr>
+              <a:t>))</a:t>
+            </a:r>
+          </a:p>
+        </p:txBody>
+      </p:sp>
+      <p:sp>
+        <p:nvSpPr>
+          <p:cNvPr id="5" name="Slide Number Placeholder 4"/>
+          <p:cNvSpPr>
+            <a:spLocks noGrp="1"/>
+          </p:cNvSpPr>
+          <p:nvPr>
+            <p:ph type="sldNum" sz="quarter" idx="12"/>
+          </p:nvPr>
+        </p:nvSpPr>
+        <p:spPr/>
+        <p:txBody>
+          <a:bodyPr/>
+          <a:lstStyle/>
+          <a:p>
+            <a:fld id="{5A209D72-2E9D-49B0-8977-41DCCC66C0BB}" type="slidenum">
+              <a:rPr lang="nl-BE">
+                <a:solidFill>
+                  <a:prstClr val="black">
+                    <a:tint val="75000"/>
+                  </a:prstClr>
+                </a:solidFill>
+                <a:latin typeface="Calibri"/>
+              </a:rPr>
+              <a:pPr/>
+              <a:t>19</a:t>
+            </a:fld>
+            <a:endParaRPr lang="nl-BE">
+              <a:solidFill>
+                <a:prstClr val="black">
+                  <a:tint val="75000"/>
+                </a:prstClr>
+              </a:solidFill>
+              <a:latin typeface="Calibri"/>
+            </a:endParaRPr>
+          </a:p>
+        </p:txBody>
+      </p:sp>
+      <p:sp>
+        <p:nvSpPr>
+          <p:cNvPr id="6" name="TextBox 5"/>
+          <p:cNvSpPr txBox="1"/>
+          <p:nvPr/>
+        </p:nvSpPr>
+        <p:spPr>
+          <a:xfrm>
+            <a:off x="7437511" y="1748785"/>
+            <a:ext cx="2823017" cy="646331"/>
+          </a:xfrm>
+          <a:prstGeom prst="rect">
+            <a:avLst/>
+          </a:prstGeom>
+          <a:solidFill>
+            <a:schemeClr val="bg1"/>
+          </a:solidFill>
+          <a:ln>
+            <a:solidFill>
+              <a:schemeClr val="tx1"/>
+            </a:solidFill>
+          </a:ln>
+        </p:spPr>
+        <p:txBody>
+          <a:bodyPr wrap="none" rtlCol="0">
+            <a:spAutoFit/>
+          </a:bodyPr>
+          <a:lstStyle/>
+          <a:p>
+            <a:r>
+              <a:rPr lang="en-US" dirty="0">
+                <a:solidFill>
+                  <a:prstClr val="black"/>
+                </a:solidFill>
+                <a:latin typeface="Calibri"/>
+              </a:rPr>
+              <a:t>Note: </a:t>
+            </a:r>
+            <a:r>
+              <a:rPr lang="en-US" dirty="0">
+                <a:solidFill>
+                  <a:prstClr val="black"/>
+                </a:solidFill>
+                <a:latin typeface="Courier New" panose="02070309020205020404" pitchFamily="49" charset="0"/>
+                <a:cs typeface="Courier New" panose="02070309020205020404" pitchFamily="49" charset="0"/>
+              </a:rPr>
+              <a:t>'w'</a:t>
+            </a:r>
+            <a:r>
+              <a:rPr lang="en-US" dirty="0">
+                <a:solidFill>
+                  <a:prstClr val="black"/>
+                </a:solidFill>
+                <a:latin typeface="Calibri"/>
+              </a:rPr>
+              <a:t> </a:t>
+            </a:r>
+            <a:r>
+              <a:rPr lang="en-US" i="1" dirty="0">
+                <a:solidFill>
+                  <a:prstClr val="black"/>
+                </a:solidFill>
+                <a:latin typeface="Calibri"/>
+              </a:rPr>
+              <a:t>replaces</a:t>
+            </a:r>
+            <a:r>
+              <a:rPr lang="en-US" dirty="0">
+                <a:solidFill>
+                  <a:prstClr val="black"/>
+                </a:solidFill>
+                <a:latin typeface="Calibri"/>
+              </a:rPr>
+              <a:t> existing</a:t>
+            </a:r>
+          </a:p>
+          <a:p>
+            <a:r>
+              <a:rPr lang="en-US" dirty="0">
+                <a:solidFill>
+                  <a:prstClr val="black"/>
+                </a:solidFill>
+                <a:latin typeface="Calibri"/>
+              </a:rPr>
+              <a:t>           file, use </a:t>
+            </a:r>
+            <a:r>
+              <a:rPr lang="en-US" dirty="0">
+                <a:solidFill>
+                  <a:prstClr val="black"/>
+                </a:solidFill>
+                <a:latin typeface="Courier New" panose="02070309020205020404" pitchFamily="49" charset="0"/>
+                <a:cs typeface="Courier New" panose="02070309020205020404" pitchFamily="49" charset="0"/>
+              </a:rPr>
+              <a:t>'x'</a:t>
+            </a:r>
+            <a:r>
+              <a:rPr lang="en-US" dirty="0">
+                <a:solidFill>
+                  <a:prstClr val="black"/>
+                </a:solidFill>
+                <a:latin typeface="Calibri"/>
+              </a:rPr>
+              <a:t> to avoid</a:t>
+            </a:r>
+            <a:endParaRPr lang="en-US" dirty="0">
+              <a:solidFill>
+                <a:prstClr val="black"/>
+              </a:solidFill>
+              <a:latin typeface="Calibri"/>
+            </a:endParaRPr>
+          </a:p>
+        </p:txBody>
+      </p:sp>
+    </p:spTree>
+    <p:extLst>
+      <p:ext uri="{BB962C8B-B14F-4D97-AF65-F5344CB8AC3E}">
+        <p14:creationId xmlns:p14="http://schemas.microsoft.com/office/powerpoint/2010/main" val="916936502"/>
+      </p:ext>
+    </p:extLst>
+  </p:cSld>
+  <p:clrMapOvr>
+    <a:masterClrMapping/>
+  </p:clrMapOvr>
+  <p:timing>
+    <p:tnLst>
+      <p:par>
+        <p:cTn id="1" dur="indefinite" restart="never" nodeType="tmRoot">
+          <p:childTnLst>
+            <p:seq concurrent="1" nextAc="seek">
+              <p:cTn id="2" dur="indefinite" nodeType="mainSeq">
+                <p:childTnLst>
+                  <p:par>
+                    <p:cTn id="3" fill="hold">
+                      <p:stCondLst>
+                        <p:cond delay="indefinite"/>
+                        <p:cond evt="onBegin" delay="0">
+                          <p:tn val="2"/>
+                        </p:cond>
+                      </p:stCondLst>
+                      <p:childTnLst>
+                        <p:par>
+                          <p:cTn id="4" fill="hold">
+                            <p:stCondLst>
+                              <p:cond delay="0"/>
+                            </p:stCondLst>
+                            <p:childTnLst>
+                              <p:par>
+                                <p:cTn id="5" presetID="1" presetClass="entr" presetSubtype="0" fill="hold" grpId="0" nodeType="withEffect">
+                                  <p:stCondLst>
+                                    <p:cond delay="0"/>
+                                  </p:stCondLst>
+                                  <p:childTnLst>
+                                    <p:set>
+                                      <p:cBhvr>
+                                        <p:cTn id="6" dur="1" fill="hold">
+                                          <p:stCondLst>
+                                            <p:cond delay="0"/>
+                                          </p:stCondLst>
+                                        </p:cTn>
+                                        <p:tgtEl>
+                                          <p:spTgt spid="3">
+                                            <p:txEl>
+                                              <p:pRg st="0" end="0"/>
+                                            </p:txEl>
+                                          </p:spTgt>
+                                        </p:tgtEl>
+                                        <p:attrNameLst>
+                                          <p:attrName>style.visibility</p:attrName>
+                                        </p:attrNameLst>
+                                      </p:cBhvr>
+                                      <p:to>
+                                        <p:strVal val="visible"/>
+                                      </p:to>
+                                    </p:set>
+                                  </p:childTnLst>
+                                </p:cTn>
+                              </p:par>
+                              <p:par>
+                                <p:cTn id="7" presetID="1" presetClass="entr" presetSubtype="0" fill="hold" grpId="0" nodeType="withEffect">
+                                  <p:stCondLst>
+                                    <p:cond delay="0"/>
+                                  </p:stCondLst>
+                                  <p:childTnLst>
+                                    <p:set>
+                                      <p:cBhvr>
+                                        <p:cTn id="8" dur="1" fill="hold">
+                                          <p:stCondLst>
+                                            <p:cond delay="0"/>
+                                          </p:stCondLst>
+                                        </p:cTn>
+                                        <p:tgtEl>
+                                          <p:spTgt spid="3">
+                                            <p:txEl>
+                                              <p:pRg st="1" end="1"/>
+                                            </p:txEl>
+                                          </p:spTgt>
+                                        </p:tgtEl>
+                                        <p:attrNameLst>
+                                          <p:attrName>style.visibility</p:attrName>
+                                        </p:attrNameLst>
+                                      </p:cBhvr>
+                                      <p:to>
+                                        <p:strVal val="visible"/>
+                                      </p:to>
+                                    </p:set>
+                                  </p:childTnLst>
+                                </p:cTn>
+                              </p:par>
+                              <p:par>
+                                <p:cTn id="9" presetID="1" presetClass="entr" presetSubtype="0" fill="hold" grpId="0" nodeType="withEffect">
+                                  <p:stCondLst>
+                                    <p:cond delay="0"/>
+                                  </p:stCondLst>
+                                  <p:childTnLst>
+                                    <p:set>
+                                      <p:cBhvr>
+                                        <p:cTn id="10" dur="1" fill="hold">
+                                          <p:stCondLst>
+                                            <p:cond delay="0"/>
+                                          </p:stCondLst>
+                                        </p:cTn>
+                                        <p:tgtEl>
+                                          <p:spTgt spid="4"/>
+                                        </p:tgtEl>
+                                        <p:attrNameLst>
+                                          <p:attrName>style.visibility</p:attrName>
+                                        </p:attrNameLst>
+                                      </p:cBhvr>
+                                      <p:to>
+                                        <p:strVal val="visible"/>
+                                      </p:to>
+                                    </p:set>
+                                  </p:childTnLst>
+                                </p:cTn>
+                              </p:par>
+                            </p:childTnLst>
+                          </p:cTn>
+                        </p:par>
+                      </p:childTnLst>
+                    </p:cTn>
+                  </p:par>
+                  <p:par>
+                    <p:cTn id="11" fill="hold">
+                      <p:stCondLst>
+                        <p:cond delay="indefinite"/>
+                      </p:stCondLst>
+                      <p:childTnLst>
+                        <p:par>
+                          <p:cTn id="12" fill="hold">
+                            <p:stCondLst>
+                              <p:cond delay="0"/>
+                            </p:stCondLst>
+                            <p:childTnLst>
+                              <p:par>
+                                <p:cTn id="13" presetID="1" presetClass="entr" presetSubtype="0" fill="hold" grpId="0" nodeType="clickEffect">
+                                  <p:stCondLst>
+                                    <p:cond delay="0"/>
+                                  </p:stCondLst>
+                                  <p:childTnLst>
+                                    <p:set>
+                                      <p:cBhvr>
+                                        <p:cTn id="14" dur="1" fill="hold">
+                                          <p:stCondLst>
+                                            <p:cond delay="0"/>
+                                          </p:stCondLst>
+                                        </p:cTn>
+                                        <p:tgtEl>
+                                          <p:spTgt spid="6"/>
+                                        </p:tgtEl>
+                                        <p:attrNameLst>
+                                          <p:attrName>style.visibility</p:attrName>
+                                        </p:attrNameLst>
+                                      </p:cBhvr>
+                                      <p:to>
+                                        <p:strVal val="visible"/>
+                                      </p:to>
+                                    </p:set>
+                                  </p:childTnLst>
+                                </p:cTn>
+                              </p:par>
+                            </p:childTnLst>
+                          </p:cTn>
+                        </p:par>
+                      </p:childTnLst>
+                    </p:cTn>
+                  </p:par>
+                  <p:par>
+                    <p:cTn id="15" fill="hold">
+                      <p:stCondLst>
+                        <p:cond delay="indefinite"/>
+                      </p:stCondLst>
+                      <p:childTnLst>
+                        <p:par>
+                          <p:cTn id="16" fill="hold">
+                            <p:stCondLst>
+                              <p:cond delay="0"/>
+                            </p:stCondLst>
+                            <p:childTnLst>
+                              <p:par>
+                                <p:cTn id="17" presetID="1" presetClass="entr" presetSubtype="0" fill="hold" grpId="0" nodeType="clickEffect">
+                                  <p:stCondLst>
+                                    <p:cond delay="0"/>
+                                  </p:stCondLst>
+                                  <p:childTnLst>
+                                    <p:set>
+                                      <p:cBhvr>
+                                        <p:cTn id="18" dur="1" fill="hold">
+                                          <p:stCondLst>
+                                            <p:cond delay="0"/>
+                                          </p:stCondLst>
+                                        </p:cTn>
+                                        <p:tgtEl>
+                                          <p:spTgt spid="3">
+                                            <p:txEl>
+                                              <p:pRg st="5" end="5"/>
+                                            </p:txEl>
+                                          </p:spTgt>
+                                        </p:tgtEl>
+                                        <p:attrNameLst>
+                                          <p:attrName>style.visibility</p:attrName>
+                                        </p:attrNameLst>
+                                      </p:cBhvr>
+                                      <p:to>
+                                        <p:strVal val="visible"/>
+                                      </p:to>
+                                    </p:set>
+                                  </p:childTnLst>
+                                </p:cTn>
+                              </p:par>
+                              <p:par>
+                                <p:cTn id="19" presetID="1" presetClass="entr" presetSubtype="0" fill="hold" grpId="0" nodeType="withEffect">
+                                  <p:stCondLst>
+                                    <p:cond delay="0"/>
+                                  </p:stCondLst>
+                                  <p:childTnLst>
+                                    <p:set>
+                                      <p:cBhvr>
+                                        <p:cTn id="20" dur="1" fill="hold">
+                                          <p:stCondLst>
+                                            <p:cond delay="0"/>
+                                          </p:stCondLst>
+                                        </p:cTn>
+                                        <p:tgtEl>
+                                          <p:spTgt spid="3">
+                                            <p:txEl>
+                                              <p:pRg st="6" end="6"/>
+                                            </p:txEl>
+                                          </p:spTgt>
+                                        </p:tgtEl>
+                                        <p:attrNameLst>
+                                          <p:attrName>style.visibility</p:attrName>
+                                        </p:attrNameLst>
+                                      </p:cBhvr>
+                                      <p:to>
+                                        <p:strVal val="visible"/>
+                                      </p:to>
+                                    </p:set>
+                                  </p:childTnLst>
+                                </p:cTn>
+                              </p:par>
+                              <p:par>
+                                <p:cTn id="21" presetID="1" presetClass="entr" presetSubtype="0" fill="hold" grpId="0" nodeType="withEffect">
+                                  <p:stCondLst>
+                                    <p:cond delay="0"/>
+                                  </p:stCondLst>
+                                  <p:childTnLst>
+                                    <p:set>
+                                      <p:cBhvr>
+                                        <p:cTn id="22" dur="1" fill="hold">
+                                          <p:stCondLst>
+                                            <p:cond delay="0"/>
+                                          </p:stCondLst>
+                                        </p:cTn>
+                                        <p:tgtEl>
+                                          <p:spTgt spid="7"/>
+                                        </p:tgtEl>
+                                        <p:attrNameLst>
+                                          <p:attrName>style.visibility</p:attrName>
+                                        </p:attrNameLst>
+                                      </p:cBhvr>
+                                      <p:to>
+                                        <p:strVal val="visible"/>
+                                      </p:to>
+                                    </p:set>
+                                  </p:childTnLst>
+                                </p:cTn>
+                              </p:par>
+                            </p:childTnLst>
+                          </p:cTn>
+                        </p:par>
+                      </p:childTnLst>
+                    </p:cTn>
+                  </p:par>
+                  <p:par>
+                    <p:cTn id="23" fill="hold">
+                      <p:stCondLst>
+                        <p:cond delay="indefinite"/>
+                      </p:stCondLst>
+                      <p:childTnLst>
+                        <p:par>
+                          <p:cTn id="24" fill="hold">
+                            <p:stCondLst>
+                              <p:cond delay="0"/>
+                            </p:stCondLst>
+                            <p:childTnLst>
+                              <p:par>
+                                <p:cTn id="25" presetID="1" presetClass="entr" presetSubtype="0" fill="hold" grpId="0" nodeType="clickEffect">
+                                  <p:stCondLst>
+                                    <p:cond delay="0"/>
+                                  </p:stCondLst>
+                                  <p:childTnLst>
+                                    <p:set>
+                                      <p:cBhvr>
+                                        <p:cTn id="26" dur="1" fill="hold">
+                                          <p:stCondLst>
+                                            <p:cond delay="0"/>
+                                          </p:stCondLst>
+                                        </p:cTn>
+                                        <p:tgtEl>
+                                          <p:spTgt spid="3">
+                                            <p:txEl>
+                                              <p:pRg st="10" end="10"/>
+                                            </p:txEl>
+                                          </p:spTgt>
+                                        </p:tgtEl>
+                                        <p:attrNameLst>
+                                          <p:attrName>style.visibility</p:attrName>
+                                        </p:attrNameLst>
+                                      </p:cBhvr>
+                                      <p:to>
+                                        <p:strVal val="visible"/>
+                                      </p:to>
+                                    </p:set>
+                                  </p:childTnLst>
+                                </p:cTn>
+                              </p:par>
+                            </p:childTnLst>
+                          </p:cTn>
+                        </p:par>
+                      </p:childTnLst>
+                    </p:cTn>
+                  </p:par>
+                </p:childTnLst>
+              </p:cTn>
+              <p:prevCondLst>
+                <p:cond evt="onPrev" delay="0">
+                  <p:tgtEl>
+                    <p:sldTgt/>
+                  </p:tgtEl>
+                </p:cond>
+              </p:prevCondLst>
+              <p:nextCondLst>
+                <p:cond evt="onNext" delay="0">
+                  <p:tgtEl>
+                    <p:sldTgt/>
+                  </p:tgtEl>
+                </p:cond>
+              </p:nextCondLst>
+            </p:seq>
+          </p:childTnLst>
+        </p:cTn>
+      </p:par>
+    </p:tnLst>
+    <p:bldLst>
+      <p:bldP spid="3" grpId="0" uiExpand="1" build="p"/>
+      <p:bldP spid="4" grpId="0" uiExpand="1" animBg="1"/>
+      <p:bldP spid="7" grpId="0" uiExpand="1" animBg="1"/>
+      <p:bldP spid="6" grpId="0" animBg="1"/>
+    </p:bldLst>
+  </p:timing>
+</p:sld>
+</file>
+
+<file path=ppt/slides/slide2.xml><?xml version="1.0" encoding="utf-8"?>
+<p:sld xmlns:a="http://schemas.openxmlformats.org/drawingml/2006/main" xmlns:r="http://schemas.openxmlformats.org/officeDocument/2006/relationships" xmlns:p="http://schemas.openxmlformats.org/presentationml/2006/main">
+  <p:cSld>
+    <p:spTree>
+      <p:nvGrpSpPr>
+        <p:cNvPr id="1" name=""/>
+        <p:cNvGrpSpPr/>
+        <p:nvPr/>
+      </p:nvGrpSpPr>
+      <p:grpSpPr>
+        <a:xfrm>
+          <a:off x="0" y="0"/>
+          <a:ext cx="0" cy="0"/>
+          <a:chOff x="0" y="0"/>
+          <a:chExt cx="0" cy="0"/>
+        </a:xfrm>
+      </p:grpSpPr>
+      <p:sp>
+        <p:nvSpPr>
+          <p:cNvPr id="2" name="Title 1"/>
+          <p:cNvSpPr>
+            <a:spLocks noGrp="1"/>
+          </p:cNvSpPr>
+          <p:nvPr>
+            <p:ph type="title"/>
+          </p:nvPr>
+        </p:nvSpPr>
+        <p:spPr/>
+        <p:txBody>
+          <a:bodyPr>
+            <a:normAutofit/>
+          </a:bodyPr>
+          <a:lstStyle/>
+          <a:p>
+            <a:r>
+              <a:rPr lang="en-US" dirty="0" smtClean="0"/>
+              <a:t>Icing on application:</a:t>
+            </a:r>
+            <a:br>
+              <a:rPr lang="en-US" dirty="0" smtClean="0"/>
+            </a:br>
+            <a:r>
+              <a:rPr lang="en-US" dirty="0" smtClean="0"/>
+              <a:t>Python's </a:t>
+            </a:r>
+            <a:r>
+              <a:rPr lang="en-US" dirty="0" err="1" smtClean="0"/>
+              <a:t>argparse</a:t>
+            </a:r>
+            <a:r>
+              <a:rPr lang="en-US" dirty="0" smtClean="0"/>
+              <a:t>, </a:t>
+            </a:r>
+            <a:r>
+              <a:rPr lang="en-US" dirty="0" err="1" smtClean="0"/>
+              <a:t>ConfigParser</a:t>
+            </a:r>
+            <a:endParaRPr lang="en-US" dirty="0"/>
+          </a:p>
+        </p:txBody>
+      </p:sp>
+      <p:sp>
+        <p:nvSpPr>
+          <p:cNvPr id="3" name="Text Placeholder 2"/>
+          <p:cNvSpPr>
+            <a:spLocks noGrp="1"/>
+          </p:cNvSpPr>
+          <p:nvPr>
+            <p:ph type="body" idx="1"/>
+          </p:nvPr>
+        </p:nvSpPr>
+        <p:spPr/>
+        <p:txBody>
+          <a:bodyPr>
+            <a:normAutofit/>
+          </a:bodyPr>
+          <a:lstStyle/>
+          <a:p>
+            <a:r>
+              <a:rPr lang="en-US" sz="1800" dirty="0">
+                <a:hlinkClick r:id="rId2"/>
+              </a:rPr>
+              <a:t>https://github.com/gjbex/training-material/tree/master/Python/ArgParse</a:t>
+            </a:r>
+            <a:r>
+              <a:rPr lang="en-US" sz="1800" dirty="0"/>
+              <a:t> </a:t>
+            </a:r>
+          </a:p>
+          <a:p>
+            <a:r>
+              <a:rPr lang="en-US" sz="1800" dirty="0">
+                <a:hlinkClick r:id="rId3"/>
+              </a:rPr>
+              <a:t>https://github.com/gjbex/training-material/tree/master/Python/ConfigParser</a:t>
+            </a:r>
+            <a:r>
+              <a:rPr lang="en-US" sz="1800" dirty="0"/>
+              <a:t> </a:t>
+            </a:r>
+          </a:p>
+        </p:txBody>
+      </p:sp>
+      <p:sp>
+        <p:nvSpPr>
+          <p:cNvPr id="4" name="Slide Number Placeholder 3"/>
+          <p:cNvSpPr>
+            <a:spLocks noGrp="1"/>
+          </p:cNvSpPr>
+          <p:nvPr>
+            <p:ph type="sldNum" sz="quarter" idx="12"/>
+          </p:nvPr>
+        </p:nvSpPr>
+        <p:spPr/>
+        <p:txBody>
+          <a:bodyPr/>
+          <a:lstStyle/>
+          <a:p>
+            <a:fld id="{5A209D72-2E9D-49B0-8977-41DCCC66C0BB}" type="slidenum">
+              <a:rPr lang="nl-BE">
+                <a:solidFill>
+                  <a:prstClr val="black">
+                    <a:tint val="75000"/>
+                  </a:prstClr>
+                </a:solidFill>
+                <a:latin typeface="Calibri"/>
+              </a:rPr>
+              <a:pPr/>
+              <a:t>2</a:t>
+            </a:fld>
+            <a:endParaRPr lang="nl-BE">
+              <a:solidFill>
+                <a:prstClr val="black">
+                  <a:tint val="75000"/>
+                </a:prstClr>
+              </a:solidFill>
+              <a:latin typeface="Calibri"/>
+            </a:endParaRPr>
+          </a:p>
+        </p:txBody>
+      </p:sp>
+    </p:spTree>
+    <p:extLst>
+      <p:ext uri="{BB962C8B-B14F-4D97-AF65-F5344CB8AC3E}">
+        <p14:creationId xmlns:p14="http://schemas.microsoft.com/office/powerpoint/2010/main" val="3590249580"/>
+      </p:ext>
+    </p:extLst>
+  </p:cSld>
+  <p:clrMapOvr>
+    <a:masterClrMapping/>
+  </p:clrMapOvr>
+  <p:timing>
+    <p:tnLst>
+      <p:par>
+        <p:cTn id="1" dur="indefinite" restart="never" nodeType="tmRoot"/>
+      </p:par>
+    </p:tnLst>
+  </p:timing>
+</p:sld>
+</file>
+
+<file path=ppt/slides/slide20.xml><?xml version="1.0" encoding="utf-8"?>
+<p:sld xmlns:a="http://schemas.openxmlformats.org/drawingml/2006/main" xmlns:r="http://schemas.openxmlformats.org/officeDocument/2006/relationships" xmlns:p="http://schemas.openxmlformats.org/presentationml/2006/main">
+  <p:cSld>
+    <p:spTree>
+      <p:nvGrpSpPr>
+        <p:cNvPr id="1" name=""/>
+        <p:cNvGrpSpPr/>
+        <p:nvPr/>
+      </p:nvGrpSpPr>
+      <p:grpSpPr>
+        <a:xfrm>
+          <a:off x="0" y="0"/>
+          <a:ext cx="0" cy="0"/>
+          <a:chOff x="0" y="0"/>
+          <a:chExt cx="0" cy="0"/>
+        </a:xfrm>
+      </p:grpSpPr>
+      <p:sp>
+        <p:nvSpPr>
+          <p:cNvPr id="2" name="Title 1"/>
+          <p:cNvSpPr>
+            <a:spLocks noGrp="1"/>
+          </p:cNvSpPr>
+          <p:nvPr>
+            <p:ph type="title"/>
+          </p:nvPr>
+        </p:nvSpPr>
+        <p:spPr/>
+        <p:txBody>
+          <a:bodyPr/>
+          <a:lstStyle/>
+          <a:p>
+            <a:r>
+              <a:rPr lang="en-BE" dirty="0" smtClean="0"/>
+              <a:t>... unless you have to</a:t>
+            </a:r>
+            <a:endParaRPr lang="en-US" dirty="0"/>
+          </a:p>
+        </p:txBody>
+      </p:sp>
+      <p:sp>
+        <p:nvSpPr>
+          <p:cNvPr id="3" name="Content Placeholder 2"/>
+          <p:cNvSpPr>
+            <a:spLocks noGrp="1"/>
+          </p:cNvSpPr>
+          <p:nvPr>
+            <p:ph idx="1"/>
+          </p:nvPr>
+        </p:nvSpPr>
+        <p:spPr/>
+        <p:txBody>
+          <a:bodyPr/>
+          <a:lstStyle/>
+          <a:p>
+            <a:r>
+              <a:rPr lang="en-BE" dirty="0" smtClean="0"/>
+              <a:t>Writing to binary files</a:t>
+            </a:r>
+            <a:endParaRPr lang="en-US" dirty="0"/>
+          </a:p>
+        </p:txBody>
+      </p:sp>
+      <p:sp>
+        <p:nvSpPr>
+          <p:cNvPr id="4" name="Slide Number Placeholder 3"/>
+          <p:cNvSpPr>
+            <a:spLocks noGrp="1"/>
+          </p:cNvSpPr>
+          <p:nvPr>
+            <p:ph type="sldNum" sz="quarter" idx="12"/>
+          </p:nvPr>
+        </p:nvSpPr>
+        <p:spPr/>
+        <p:txBody>
+          <a:bodyPr/>
+          <a:lstStyle/>
+          <a:p>
+            <a:fld id="{5A209D72-2E9D-49B0-8977-41DCCC66C0BB}" type="slidenum">
+              <a:rPr lang="nl-BE">
+                <a:solidFill>
+                  <a:prstClr val="black">
+                    <a:tint val="75000"/>
+                  </a:prstClr>
+                </a:solidFill>
+                <a:latin typeface="Calibri"/>
+              </a:rPr>
+              <a:pPr/>
+              <a:t>20</a:t>
+            </a:fld>
+            <a:endParaRPr lang="nl-BE">
+              <a:solidFill>
+                <a:prstClr val="black">
+                  <a:tint val="75000"/>
+                </a:prstClr>
+              </a:solidFill>
+              <a:latin typeface="Calibri"/>
+            </a:endParaRPr>
+          </a:p>
+        </p:txBody>
+      </p:sp>
+      <p:sp>
+        <p:nvSpPr>
+          <p:cNvPr id="5" name="TextBox 4"/>
+          <p:cNvSpPr txBox="1"/>
+          <p:nvPr/>
+        </p:nvSpPr>
+        <p:spPr>
+          <a:xfrm>
+            <a:off x="2207568" y="2276872"/>
+            <a:ext cx="8064896" cy="1754326"/>
+          </a:xfrm>
+          <a:prstGeom prst="rect">
+            <a:avLst/>
+          </a:prstGeom>
+          <a:solidFill>
+            <a:schemeClr val="bg1">
+              <a:lumMod val="75000"/>
+            </a:schemeClr>
+          </a:solidFill>
+        </p:spPr>
+        <p:txBody>
+          <a:bodyPr wrap="square" rtlCol="0">
+            <a:spAutoFit/>
+          </a:bodyPr>
+          <a:lstStyle/>
+          <a:p>
+            <a:r>
+              <a:rPr lang="en-BE" dirty="0">
+                <a:solidFill>
+                  <a:prstClr val="black"/>
+                </a:solidFill>
+                <a:latin typeface="Courier New" pitchFamily="49" charset="0"/>
+                <a:cs typeface="Courier New" pitchFamily="49" charset="0"/>
+              </a:rPr>
+              <a:t>1  from struct import pack</a:t>
+            </a:r>
+          </a:p>
+          <a:p>
+            <a:r>
+              <a:rPr lang="en-BE" dirty="0">
+                <a:solidFill>
+                  <a:prstClr val="black"/>
+                </a:solidFill>
+                <a:latin typeface="Courier New" pitchFamily="49" charset="0"/>
+                <a:cs typeface="Courier New" pitchFamily="49" charset="0"/>
+              </a:rPr>
+              <a:t>2</a:t>
+            </a:r>
+            <a:r>
+              <a:rPr lang="en-US" dirty="0">
+                <a:solidFill>
+                  <a:prstClr val="black"/>
+                </a:solidFill>
+                <a:latin typeface="Courier New" pitchFamily="49" charset="0"/>
+                <a:cs typeface="Courier New" pitchFamily="49" charset="0"/>
+              </a:rPr>
+              <a:t>  with open(</a:t>
+            </a:r>
+            <a:r>
+              <a:rPr lang="en-US" dirty="0" err="1">
+                <a:solidFill>
+                  <a:prstClr val="black"/>
+                </a:solidFill>
+                <a:latin typeface="Courier New" pitchFamily="49" charset="0"/>
+                <a:cs typeface="Courier New" pitchFamily="49" charset="0"/>
+              </a:rPr>
+              <a:t>file_name</a:t>
+            </a:r>
+            <a:r>
+              <a:rPr lang="en-US" dirty="0">
+                <a:solidFill>
+                  <a:prstClr val="black"/>
+                </a:solidFill>
+                <a:latin typeface="Courier New" pitchFamily="49" charset="0"/>
+                <a:cs typeface="Courier New" pitchFamily="49" charset="0"/>
+              </a:rPr>
+              <a:t>, </a:t>
+            </a:r>
+            <a:r>
+              <a:rPr lang="en-US" b="1" dirty="0">
+                <a:solidFill>
+                  <a:prstClr val="black"/>
+                </a:solidFill>
+                <a:latin typeface="Courier New" pitchFamily="49" charset="0"/>
+                <a:cs typeface="Courier New" pitchFamily="49" charset="0"/>
+              </a:rPr>
+              <a:t>'w</a:t>
+            </a:r>
+            <a:r>
+              <a:rPr lang="en-BE" b="1" dirty="0">
+                <a:solidFill>
+                  <a:prstClr val="black"/>
+                </a:solidFill>
+                <a:latin typeface="Courier New" pitchFamily="49" charset="0"/>
+                <a:cs typeface="Courier New" pitchFamily="49" charset="0"/>
+              </a:rPr>
+              <a:t>b</a:t>
+            </a:r>
+            <a:r>
+              <a:rPr lang="en-US" b="1" dirty="0">
+                <a:solidFill>
+                  <a:prstClr val="black"/>
+                </a:solidFill>
+                <a:latin typeface="Courier New" pitchFamily="49" charset="0"/>
+                <a:cs typeface="Courier New" pitchFamily="49" charset="0"/>
+              </a:rPr>
+              <a:t>'</a:t>
+            </a:r>
+            <a:r>
+              <a:rPr lang="en-US" dirty="0">
+                <a:solidFill>
+                  <a:prstClr val="black"/>
+                </a:solidFill>
+                <a:latin typeface="Courier New" pitchFamily="49" charset="0"/>
+                <a:cs typeface="Courier New" pitchFamily="49" charset="0"/>
+              </a:rPr>
+              <a:t>) as </a:t>
+            </a:r>
+            <a:r>
+              <a:rPr lang="en-BE" dirty="0">
+                <a:solidFill>
+                  <a:prstClr val="black"/>
+                </a:solidFill>
+                <a:latin typeface="Courier New" pitchFamily="49" charset="0"/>
+                <a:cs typeface="Courier New" pitchFamily="49" charset="0"/>
+              </a:rPr>
+              <a:t>bin</a:t>
+            </a:r>
+            <a:r>
+              <a:rPr lang="en-US" dirty="0">
+                <a:solidFill>
+                  <a:prstClr val="black"/>
+                </a:solidFill>
+                <a:latin typeface="Courier New" pitchFamily="49" charset="0"/>
+                <a:cs typeface="Courier New" pitchFamily="49" charset="0"/>
+              </a:rPr>
+              <a:t>_file:</a:t>
+            </a:r>
+          </a:p>
+          <a:p>
+            <a:r>
+              <a:rPr lang="en-BE" dirty="0">
+                <a:solidFill>
+                  <a:prstClr val="black"/>
+                </a:solidFill>
+                <a:latin typeface="Courier New" pitchFamily="49" charset="0"/>
+                <a:cs typeface="Courier New" pitchFamily="49" charset="0"/>
+              </a:rPr>
+              <a:t>3</a:t>
+            </a:r>
+            <a:r>
+              <a:rPr lang="en-US" dirty="0">
+                <a:solidFill>
+                  <a:prstClr val="black"/>
+                </a:solidFill>
+                <a:latin typeface="Courier New" pitchFamily="49" charset="0"/>
+                <a:cs typeface="Courier New" pitchFamily="49" charset="0"/>
+              </a:rPr>
+              <a:t>      for </a:t>
+            </a:r>
+            <a:r>
+              <a:rPr lang="en-BE" dirty="0">
+                <a:solidFill>
+                  <a:prstClr val="black"/>
+                </a:solidFill>
+                <a:latin typeface="Courier New" pitchFamily="49" charset="0"/>
+                <a:cs typeface="Courier New" pitchFamily="49" charset="0"/>
+              </a:rPr>
+              <a:t>name, age</a:t>
+            </a:r>
+            <a:r>
+              <a:rPr lang="en-US" dirty="0">
+                <a:solidFill>
+                  <a:prstClr val="black"/>
+                </a:solidFill>
+                <a:latin typeface="Courier New" pitchFamily="49" charset="0"/>
+                <a:cs typeface="Courier New" pitchFamily="49" charset="0"/>
+              </a:rPr>
+              <a:t> in </a:t>
+            </a:r>
+            <a:r>
+              <a:rPr lang="en-BE" dirty="0">
+                <a:solidFill>
+                  <a:prstClr val="black"/>
+                </a:solidFill>
+                <a:latin typeface="Courier New" pitchFamily="49" charset="0"/>
+                <a:cs typeface="Courier New" pitchFamily="49" charset="0"/>
+              </a:rPr>
+              <a:t>people</a:t>
+            </a:r>
+            <a:r>
+              <a:rPr lang="en-US" dirty="0">
+                <a:solidFill>
+                  <a:prstClr val="black"/>
+                </a:solidFill>
+                <a:latin typeface="Courier New" pitchFamily="49" charset="0"/>
+                <a:cs typeface="Courier New" pitchFamily="49" charset="0"/>
+              </a:rPr>
+              <a:t>:</a:t>
+            </a:r>
+          </a:p>
+          <a:p>
+            <a:pPr marL="342900" indent="-342900">
+              <a:buFontTx/>
+              <a:buAutoNum type="arabicPlain" startAt="4"/>
+            </a:pPr>
+            <a:r>
+              <a:rPr lang="en-BE" dirty="0">
+                <a:solidFill>
+                  <a:prstClr val="black"/>
+                </a:solidFill>
+                <a:latin typeface="Courier New" pitchFamily="49" charset="0"/>
+                <a:cs typeface="Courier New" pitchFamily="49" charset="0"/>
+              </a:rPr>
+              <a:t>         bin</a:t>
+            </a:r>
+            <a:r>
+              <a:rPr lang="en-US" dirty="0">
+                <a:solidFill>
+                  <a:prstClr val="black"/>
+                </a:solidFill>
+                <a:latin typeface="Courier New" pitchFamily="49" charset="0"/>
+                <a:cs typeface="Courier New" pitchFamily="49" charset="0"/>
+              </a:rPr>
+              <a:t>_</a:t>
+            </a:r>
+            <a:r>
+              <a:rPr lang="en-US" dirty="0" err="1">
+                <a:solidFill>
+                  <a:prstClr val="black"/>
+                </a:solidFill>
+                <a:latin typeface="Courier New" pitchFamily="49" charset="0"/>
+                <a:cs typeface="Courier New" pitchFamily="49" charset="0"/>
+              </a:rPr>
+              <a:t>file.write</a:t>
+            </a:r>
+            <a:r>
+              <a:rPr lang="en-US" dirty="0">
+                <a:solidFill>
+                  <a:prstClr val="black"/>
+                </a:solidFill>
+                <a:latin typeface="Courier New" pitchFamily="49" charset="0"/>
+                <a:cs typeface="Courier New" pitchFamily="49" charset="0"/>
+              </a:rPr>
+              <a:t>(</a:t>
+            </a:r>
+            <a:r>
+              <a:rPr lang="en-BE" dirty="0">
+                <a:solidFill>
+                  <a:prstClr val="black"/>
+                </a:solidFill>
+                <a:latin typeface="Courier New" pitchFamily="49" charset="0"/>
+                <a:cs typeface="Courier New" pitchFamily="49" charset="0"/>
+              </a:rPr>
+              <a:t>pack(</a:t>
+            </a:r>
+            <a:r>
+              <a:rPr lang="en-US" dirty="0">
+                <a:solidFill>
+                  <a:prstClr val="black"/>
+                </a:solidFill>
+                <a:latin typeface="Courier New" pitchFamily="49" charset="0"/>
+                <a:cs typeface="Courier New" pitchFamily="49" charset="0"/>
+              </a:rPr>
+              <a:t>‘</a:t>
+            </a:r>
+            <a:r>
+              <a:rPr lang="en-BE" b="1" dirty="0">
+                <a:solidFill>
+                  <a:srgbClr val="C00000"/>
+                </a:solidFill>
+                <a:latin typeface="Courier New" pitchFamily="49" charset="0"/>
+                <a:cs typeface="Courier New" pitchFamily="49" charset="0"/>
+              </a:rPr>
+              <a:t>6s</a:t>
+            </a:r>
+            <a:r>
+              <a:rPr lang="en-BE" b="1" dirty="0">
+                <a:solidFill>
+                  <a:srgbClr val="00B050"/>
+                </a:solidFill>
+                <a:latin typeface="Courier New" pitchFamily="49" charset="0"/>
+                <a:cs typeface="Courier New" pitchFamily="49" charset="0"/>
+              </a:rPr>
+              <a:t>i</a:t>
+            </a:r>
+            <a:r>
+              <a:rPr lang="en-US" dirty="0">
+                <a:solidFill>
+                  <a:prstClr val="black"/>
+                </a:solidFill>
+                <a:latin typeface="Courier New" pitchFamily="49" charset="0"/>
+                <a:cs typeface="Courier New" pitchFamily="49" charset="0"/>
+              </a:rPr>
+              <a:t>'</a:t>
+            </a:r>
+            <a:r>
+              <a:rPr lang="en-BE" dirty="0">
+                <a:solidFill>
+                  <a:prstClr val="black"/>
+                </a:solidFill>
+                <a:latin typeface="Courier New" pitchFamily="49" charset="0"/>
+                <a:cs typeface="Courier New" pitchFamily="49" charset="0"/>
+              </a:rPr>
+              <a:t>,</a:t>
+            </a:r>
+          </a:p>
+          <a:p>
+            <a:pPr marL="342900" indent="-342900">
+              <a:buFontTx/>
+              <a:buAutoNum type="arabicPlain" startAt="4"/>
+            </a:pPr>
+            <a:r>
+              <a:rPr lang="en-BE" dirty="0">
+                <a:solidFill>
+                  <a:prstClr val="black"/>
+                </a:solidFill>
+                <a:latin typeface="Courier New" pitchFamily="49" charset="0"/>
+                <a:cs typeface="Courier New" pitchFamily="49" charset="0"/>
+              </a:rPr>
+              <a:t> </a:t>
+            </a:r>
+            <a:r>
+              <a:rPr lang="en-BE" dirty="0">
+                <a:solidFill>
+                  <a:prstClr val="black"/>
+                </a:solidFill>
+                <a:latin typeface="Courier New" pitchFamily="49" charset="0"/>
+                <a:cs typeface="Courier New" pitchFamily="49" charset="0"/>
+              </a:rPr>
+              <a:t>                            </a:t>
+            </a:r>
+            <a:r>
+              <a:rPr lang="en-BE" b="1" dirty="0">
+                <a:solidFill>
+                  <a:srgbClr val="C00000"/>
+                </a:solidFill>
+                <a:latin typeface="Courier New" pitchFamily="49" charset="0"/>
+                <a:cs typeface="Courier New" pitchFamily="49" charset="0"/>
+              </a:rPr>
+              <a:t>bytes(name, </a:t>
+            </a:r>
+            <a:r>
+              <a:rPr lang="en-US" b="1" dirty="0">
+                <a:solidFill>
+                  <a:srgbClr val="C00000"/>
+                </a:solidFill>
+                <a:latin typeface="Courier New" pitchFamily="49" charset="0"/>
+                <a:cs typeface="Courier New" pitchFamily="49" charset="0"/>
+              </a:rPr>
+              <a:t>'</a:t>
+            </a:r>
+            <a:r>
+              <a:rPr lang="en-BE" b="1" dirty="0">
+                <a:solidFill>
+                  <a:srgbClr val="C00000"/>
+                </a:solidFill>
+                <a:latin typeface="Courier New" pitchFamily="49" charset="0"/>
+                <a:cs typeface="Courier New" pitchFamily="49" charset="0"/>
+              </a:rPr>
+              <a:t>ascii</a:t>
+            </a:r>
+            <a:r>
+              <a:rPr lang="en-US" b="1" dirty="0">
+                <a:solidFill>
+                  <a:srgbClr val="C00000"/>
+                </a:solidFill>
+                <a:latin typeface="Courier New" pitchFamily="49" charset="0"/>
+                <a:cs typeface="Courier New" pitchFamily="49" charset="0"/>
+              </a:rPr>
+              <a:t>'</a:t>
+            </a:r>
+            <a:r>
+              <a:rPr lang="en-BE" b="1" dirty="0">
+                <a:solidFill>
+                  <a:srgbClr val="C00000"/>
+                </a:solidFill>
+                <a:latin typeface="Courier New" pitchFamily="49" charset="0"/>
+                <a:cs typeface="Courier New" pitchFamily="49" charset="0"/>
+              </a:rPr>
+              <a:t>)</a:t>
+            </a:r>
+            <a:r>
+              <a:rPr lang="en-BE" b="1" dirty="0">
+                <a:solidFill>
+                  <a:prstClr val="black"/>
+                </a:solidFill>
+                <a:latin typeface="Courier New" pitchFamily="49" charset="0"/>
+                <a:cs typeface="Courier New" pitchFamily="49" charset="0"/>
+              </a:rPr>
+              <a:t>,</a:t>
+            </a:r>
+          </a:p>
+          <a:p>
+            <a:pPr marL="342900" indent="-342900">
+              <a:buFontTx/>
+              <a:buAutoNum type="arabicPlain" startAt="4"/>
+            </a:pPr>
+            <a:r>
+              <a:rPr lang="en-BE" dirty="0">
+                <a:solidFill>
+                  <a:prstClr val="black"/>
+                </a:solidFill>
+                <a:latin typeface="Courier New" pitchFamily="49" charset="0"/>
+                <a:cs typeface="Courier New" pitchFamily="49" charset="0"/>
+              </a:rPr>
+              <a:t> </a:t>
+            </a:r>
+            <a:r>
+              <a:rPr lang="en-BE" dirty="0">
+                <a:solidFill>
+                  <a:prstClr val="black"/>
+                </a:solidFill>
+                <a:latin typeface="Courier New" pitchFamily="49" charset="0"/>
+                <a:cs typeface="Courier New" pitchFamily="49" charset="0"/>
+              </a:rPr>
+              <a:t>                            </a:t>
+            </a:r>
+            <a:r>
+              <a:rPr lang="en-BE" b="1" dirty="0">
+                <a:solidFill>
+                  <a:srgbClr val="00B050"/>
+                </a:solidFill>
+                <a:latin typeface="Courier New" pitchFamily="49" charset="0"/>
+                <a:cs typeface="Courier New" pitchFamily="49" charset="0"/>
+              </a:rPr>
+              <a:t>age</a:t>
+            </a:r>
+            <a:r>
+              <a:rPr lang="en-US" dirty="0">
+                <a:solidFill>
+                  <a:prstClr val="black"/>
+                </a:solidFill>
+                <a:latin typeface="Courier New" pitchFamily="49" charset="0"/>
+                <a:cs typeface="Courier New" pitchFamily="49" charset="0"/>
+              </a:rPr>
+              <a:t>)</a:t>
+            </a:r>
+            <a:r>
+              <a:rPr lang="en-BE" dirty="0">
+                <a:solidFill>
+                  <a:prstClr val="black"/>
+                </a:solidFill>
+                <a:latin typeface="Courier New" pitchFamily="49" charset="0"/>
+                <a:cs typeface="Courier New" pitchFamily="49" charset="0"/>
+              </a:rPr>
+              <a:t>)</a:t>
+            </a:r>
+            <a:endParaRPr lang="en-US" dirty="0">
+              <a:solidFill>
+                <a:prstClr val="black"/>
+              </a:solidFill>
+              <a:latin typeface="Courier New" pitchFamily="49" charset="0"/>
+              <a:cs typeface="Courier New" pitchFamily="49" charset="0"/>
+            </a:endParaRPr>
+          </a:p>
+        </p:txBody>
+      </p:sp>
+      <p:grpSp>
+        <p:nvGrpSpPr>
+          <p:cNvPr id="6" name="Group 5"/>
+          <p:cNvGrpSpPr/>
+          <p:nvPr/>
+        </p:nvGrpSpPr>
+        <p:grpSpPr>
+          <a:xfrm>
+            <a:off x="8381348" y="1262261"/>
+            <a:ext cx="2286652" cy="2069298"/>
+            <a:chOff x="2195736" y="3861048"/>
+            <a:chExt cx="2286652" cy="2069298"/>
+          </a:xfrm>
+        </p:grpSpPr>
+        <p:sp>
+          <p:nvSpPr>
+            <p:cNvPr id="7" name="TextBox 6"/>
+            <p:cNvSpPr txBox="1"/>
+            <p:nvPr/>
+          </p:nvSpPr>
+          <p:spPr>
+            <a:xfrm>
+              <a:off x="2195736" y="3861048"/>
+              <a:ext cx="2286652" cy="923330"/>
+            </a:xfrm>
+            <a:prstGeom prst="rect">
+              <a:avLst/>
+            </a:prstGeom>
+            <a:noFill/>
+          </p:spPr>
+          <p:txBody>
+            <a:bodyPr wrap="none" rtlCol="0">
+              <a:spAutoFit/>
+            </a:bodyPr>
+            <a:lstStyle/>
+            <a:p>
+              <a:r>
+                <a:rPr lang="en-BE" dirty="0">
+                  <a:solidFill>
+                    <a:srgbClr val="FF0000"/>
+                  </a:solidFill>
+                  <a:latin typeface="Calibri"/>
+                </a:rPr>
+                <a:t>byte representation of</a:t>
+              </a:r>
+              <a:br>
+                <a:rPr lang="en-BE" dirty="0">
+                  <a:solidFill>
+                    <a:srgbClr val="FF0000"/>
+                  </a:solidFill>
+                  <a:latin typeface="Calibri"/>
+                </a:rPr>
+              </a:br>
+              <a:r>
+                <a:rPr lang="en-BE" dirty="0">
+                  <a:solidFill>
+                    <a:srgbClr val="FF0000"/>
+                  </a:solidFill>
+                  <a:latin typeface="Calibri"/>
+                </a:rPr>
+                <a:t>name truncated to 6</a:t>
+              </a:r>
+              <a:br>
+                <a:rPr lang="en-BE" dirty="0">
+                  <a:solidFill>
+                    <a:srgbClr val="FF0000"/>
+                  </a:solidFill>
+                  <a:latin typeface="Calibri"/>
+                </a:rPr>
+              </a:br>
+              <a:r>
+                <a:rPr lang="en-BE" dirty="0">
+                  <a:solidFill>
+                    <a:srgbClr val="FF0000"/>
+                  </a:solidFill>
+                  <a:latin typeface="Calibri"/>
+                </a:rPr>
+                <a:t>characters</a:t>
+              </a:r>
+              <a:endParaRPr lang="en-US" dirty="0">
+                <a:solidFill>
+                  <a:srgbClr val="FF0000"/>
+                </a:solidFill>
+                <a:latin typeface="Calibri"/>
+              </a:endParaRPr>
+            </a:p>
+          </p:txBody>
+        </p:sp>
+        <p:cxnSp>
+          <p:nvCxnSpPr>
+            <p:cNvPr id="8" name="Straight Arrow Connector 7"/>
+            <p:cNvCxnSpPr>
+              <a:stCxn id="7" idx="2"/>
+            </p:cNvCxnSpPr>
+            <p:nvPr/>
+          </p:nvCxnSpPr>
+          <p:spPr>
+            <a:xfrm flipH="1">
+              <a:off x="2376257" y="4784378"/>
+              <a:ext cx="962805" cy="1145968"/>
+            </a:xfrm>
+            <a:prstGeom prst="straightConnector1">
+              <a:avLst/>
+            </a:prstGeom>
+            <a:ln w="19050">
+              <a:solidFill>
+                <a:srgbClr val="FF0000"/>
+              </a:solidFill>
+              <a:tailEnd type="stealth" w="lg" len="lg"/>
+            </a:ln>
+          </p:spPr>
+          <p:style>
+            <a:lnRef idx="1">
+              <a:schemeClr val="accent1"/>
+            </a:lnRef>
+            <a:fillRef idx="0">
+              <a:schemeClr val="accent1"/>
+            </a:fillRef>
+            <a:effectRef idx="0">
+              <a:schemeClr val="accent1"/>
+            </a:effectRef>
+            <a:fontRef idx="minor">
+              <a:schemeClr val="tx1"/>
+            </a:fontRef>
+          </p:style>
+        </p:cxnSp>
+      </p:grpSp>
+      <p:grpSp>
+        <p:nvGrpSpPr>
+          <p:cNvPr id="88" name="Group 87"/>
+          <p:cNvGrpSpPr/>
+          <p:nvPr/>
+        </p:nvGrpSpPr>
+        <p:grpSpPr>
+          <a:xfrm>
+            <a:off x="1925917" y="4729342"/>
+            <a:ext cx="2047299" cy="875345"/>
+            <a:chOff x="401916" y="5089381"/>
+            <a:chExt cx="2047299" cy="875345"/>
+          </a:xfrm>
+        </p:grpSpPr>
+        <p:sp>
+          <p:nvSpPr>
+            <p:cNvPr id="11" name="TextBox 10"/>
+            <p:cNvSpPr txBox="1"/>
+            <p:nvPr/>
+          </p:nvSpPr>
+          <p:spPr>
+            <a:xfrm>
+              <a:off x="427252" y="5656949"/>
+              <a:ext cx="311304" cy="307777"/>
+            </a:xfrm>
+            <a:prstGeom prst="rect">
+              <a:avLst/>
+            </a:prstGeom>
+            <a:noFill/>
+            <a:ln>
+              <a:solidFill>
+                <a:schemeClr val="tx1"/>
+              </a:solidFill>
+            </a:ln>
+          </p:spPr>
+          <p:txBody>
+            <a:bodyPr wrap="none" rtlCol="0">
+              <a:spAutoFit/>
+            </a:bodyPr>
+            <a:lstStyle/>
+            <a:p>
+              <a:pPr algn="ctr"/>
+              <a:r>
+                <a:rPr lang="en-BE" sz="1400" dirty="0">
+                  <a:solidFill>
+                    <a:prstClr val="black"/>
+                  </a:solidFill>
+                  <a:latin typeface="Calibri"/>
+                </a:rPr>
+                <a:t> a</a:t>
+              </a:r>
+              <a:endParaRPr lang="en-US" sz="1400" dirty="0">
+                <a:solidFill>
+                  <a:prstClr val="black"/>
+                </a:solidFill>
+                <a:latin typeface="Calibri"/>
+              </a:endParaRPr>
+            </a:p>
+          </p:txBody>
+        </p:sp>
+        <p:sp>
+          <p:nvSpPr>
+            <p:cNvPr id="12" name="TextBox 11"/>
+            <p:cNvSpPr txBox="1"/>
+            <p:nvPr/>
+          </p:nvSpPr>
+          <p:spPr>
+            <a:xfrm>
+              <a:off x="738761" y="5656949"/>
+              <a:ext cx="357340" cy="307777"/>
+            </a:xfrm>
+            <a:prstGeom prst="rect">
+              <a:avLst/>
+            </a:prstGeom>
+            <a:noFill/>
+            <a:ln>
+              <a:solidFill>
+                <a:schemeClr val="tx1"/>
+              </a:solidFill>
+            </a:ln>
+          </p:spPr>
+          <p:txBody>
+            <a:bodyPr wrap="square" rtlCol="0">
+              <a:spAutoFit/>
+            </a:bodyPr>
+            <a:lstStyle/>
+            <a:p>
+              <a:pPr algn="ctr"/>
+              <a:r>
+                <a:rPr lang="en-BE" sz="1400" dirty="0">
+                  <a:solidFill>
+                    <a:prstClr val="black"/>
+                  </a:solidFill>
+                  <a:latin typeface="Calibri"/>
+                </a:rPr>
+                <a:t> l</a:t>
+              </a:r>
+              <a:endParaRPr lang="en-US" sz="1400" dirty="0">
+                <a:solidFill>
+                  <a:prstClr val="black"/>
+                </a:solidFill>
+                <a:latin typeface="Calibri"/>
+              </a:endParaRPr>
+            </a:p>
+          </p:txBody>
+        </p:sp>
+        <p:sp>
+          <p:nvSpPr>
+            <p:cNvPr id="13" name="TextBox 12"/>
+            <p:cNvSpPr txBox="1"/>
+            <p:nvPr/>
+          </p:nvSpPr>
+          <p:spPr>
+            <a:xfrm>
+              <a:off x="1096100" y="5656949"/>
+              <a:ext cx="356015" cy="307777"/>
+            </a:xfrm>
+            <a:prstGeom prst="rect">
+              <a:avLst/>
+            </a:prstGeom>
+            <a:noFill/>
+            <a:ln>
+              <a:solidFill>
+                <a:schemeClr val="tx1"/>
+              </a:solidFill>
+            </a:ln>
+          </p:spPr>
+          <p:txBody>
+            <a:bodyPr wrap="square" rtlCol="0">
+              <a:spAutoFit/>
+            </a:bodyPr>
+            <a:lstStyle/>
+            <a:p>
+              <a:pPr algn="ctr"/>
+              <a:r>
+                <a:rPr lang="en-BE" sz="1400" dirty="0">
+                  <a:solidFill>
+                    <a:prstClr val="black"/>
+                  </a:solidFill>
+                  <a:latin typeface="Calibri"/>
+                </a:rPr>
+                <a:t> i</a:t>
+              </a:r>
+              <a:endParaRPr lang="en-US" sz="1400" dirty="0">
+                <a:solidFill>
+                  <a:prstClr val="black"/>
+                </a:solidFill>
+                <a:latin typeface="Calibri"/>
+              </a:endParaRPr>
+            </a:p>
+          </p:txBody>
+        </p:sp>
+        <p:sp>
+          <p:nvSpPr>
+            <p:cNvPr id="14" name="TextBox 13"/>
+            <p:cNvSpPr txBox="1"/>
+            <p:nvPr/>
+          </p:nvSpPr>
+          <p:spPr>
+            <a:xfrm>
+              <a:off x="1444273" y="5656949"/>
+              <a:ext cx="348172" cy="307777"/>
+            </a:xfrm>
+            <a:prstGeom prst="rect">
+              <a:avLst/>
+            </a:prstGeom>
+            <a:noFill/>
+            <a:ln>
+              <a:solidFill>
+                <a:schemeClr val="tx1"/>
+              </a:solidFill>
+            </a:ln>
+          </p:spPr>
+          <p:txBody>
+            <a:bodyPr wrap="square" rtlCol="0">
+              <a:spAutoFit/>
+            </a:bodyPr>
+            <a:lstStyle/>
+            <a:p>
+              <a:r>
+                <a:rPr lang="en-BE" sz="1400" dirty="0">
+                  <a:solidFill>
+                    <a:prstClr val="black"/>
+                  </a:solidFill>
+                  <a:latin typeface="Calibri"/>
+                </a:rPr>
+                <a:t> </a:t>
+              </a:r>
+              <a:r>
+                <a:rPr lang="en-BE" sz="1400" dirty="0">
+                  <a:solidFill>
+                    <a:prstClr val="black"/>
+                  </a:solidFill>
+                  <a:latin typeface="Calibri"/>
+                </a:rPr>
+                <a:t>c</a:t>
+              </a:r>
+              <a:endParaRPr lang="en-US" sz="1400" dirty="0">
+                <a:solidFill>
+                  <a:prstClr val="black"/>
+                </a:solidFill>
+                <a:latin typeface="Calibri"/>
+              </a:endParaRPr>
+            </a:p>
+          </p:txBody>
+        </p:sp>
+        <p:sp>
+          <p:nvSpPr>
+            <p:cNvPr id="15" name="TextBox 14"/>
+            <p:cNvSpPr txBox="1"/>
+            <p:nvPr/>
+          </p:nvSpPr>
+          <p:spPr>
+            <a:xfrm>
+              <a:off x="1792445" y="5656949"/>
+              <a:ext cx="314510" cy="307777"/>
+            </a:xfrm>
+            <a:prstGeom prst="rect">
+              <a:avLst/>
+            </a:prstGeom>
+            <a:noFill/>
+            <a:ln>
+              <a:solidFill>
+                <a:schemeClr val="tx1"/>
+              </a:solidFill>
+            </a:ln>
+          </p:spPr>
+          <p:txBody>
+            <a:bodyPr wrap="none" rtlCol="0">
+              <a:spAutoFit/>
+            </a:bodyPr>
+            <a:lstStyle/>
+            <a:p>
+              <a:r>
+                <a:rPr lang="en-BE" sz="1400" dirty="0">
+                  <a:solidFill>
+                    <a:prstClr val="black"/>
+                  </a:solidFill>
+                  <a:latin typeface="Calibri"/>
+                </a:rPr>
+                <a:t> e</a:t>
+              </a:r>
+              <a:endParaRPr lang="en-US" sz="1400" dirty="0">
+                <a:solidFill>
+                  <a:prstClr val="black"/>
+                </a:solidFill>
+                <a:latin typeface="Calibri"/>
+              </a:endParaRPr>
+            </a:p>
+          </p:txBody>
+        </p:sp>
+        <p:grpSp>
+          <p:nvGrpSpPr>
+            <p:cNvPr id="39" name="Group 38"/>
+            <p:cNvGrpSpPr/>
+            <p:nvPr/>
+          </p:nvGrpSpPr>
+          <p:grpSpPr>
+            <a:xfrm>
+              <a:off x="401916" y="5089381"/>
+              <a:ext cx="2047299" cy="540428"/>
+              <a:chOff x="401916" y="5089381"/>
+              <a:chExt cx="2047299" cy="540428"/>
+            </a:xfrm>
+          </p:grpSpPr>
+          <p:sp>
+            <p:nvSpPr>
+              <p:cNvPr id="37" name="Right Brace 36"/>
+              <p:cNvSpPr/>
+              <p:nvPr/>
+            </p:nvSpPr>
+            <p:spPr>
+              <a:xfrm rot="16200000">
+                <a:off x="1333273" y="4513867"/>
+                <a:ext cx="184585" cy="2047299"/>
+              </a:xfrm>
+              <a:prstGeom prst="rightBrace">
+                <a:avLst/>
+              </a:prstGeom>
+              <a:ln>
+                <a:solidFill>
+                  <a:schemeClr val="tx1"/>
+                </a:solidFill>
+              </a:ln>
+            </p:spPr>
+            <p:style>
+              <a:lnRef idx="1">
+                <a:schemeClr val="accent1"/>
+              </a:lnRef>
+              <a:fillRef idx="0">
+                <a:schemeClr val="accent1"/>
+              </a:fillRef>
+              <a:effectRef idx="0">
+                <a:schemeClr val="accent1"/>
+              </a:effectRef>
+              <a:fontRef idx="minor">
+                <a:schemeClr val="tx1"/>
+              </a:fontRef>
+            </p:style>
+            <p:txBody>
+              <a:bodyPr rtlCol="0" anchor="ctr"/>
+              <a:lstStyle/>
+              <a:p>
+                <a:pPr algn="ctr"/>
+                <a:endParaRPr lang="en-US">
+                  <a:solidFill>
+                    <a:prstClr val="black"/>
+                  </a:solidFill>
+                  <a:latin typeface="Calibri"/>
+                </a:endParaRPr>
+              </a:p>
+            </p:txBody>
+          </p:sp>
+          <p:sp>
+            <p:nvSpPr>
+              <p:cNvPr id="38" name="TextBox 37"/>
+              <p:cNvSpPr txBox="1"/>
+              <p:nvPr/>
+            </p:nvSpPr>
+            <p:spPr>
+              <a:xfrm>
+                <a:off x="995447" y="5089381"/>
+                <a:ext cx="860235" cy="369332"/>
+              </a:xfrm>
+              <a:prstGeom prst="rect">
+                <a:avLst/>
+              </a:prstGeom>
+              <a:noFill/>
+            </p:spPr>
+            <p:txBody>
+              <a:bodyPr wrap="none" rtlCol="0">
+                <a:spAutoFit/>
+              </a:bodyPr>
+              <a:lstStyle/>
+              <a:p>
+                <a:r>
+                  <a:rPr lang="en-BE" dirty="0">
+                    <a:solidFill>
+                      <a:prstClr val="black"/>
+                    </a:solidFill>
+                    <a:latin typeface="Calibri"/>
+                  </a:rPr>
+                  <a:t>6 bytes</a:t>
+                </a:r>
+                <a:endParaRPr lang="en-US" dirty="0">
+                  <a:solidFill>
+                    <a:prstClr val="black"/>
+                  </a:solidFill>
+                  <a:latin typeface="Calibri"/>
+                </a:endParaRPr>
+              </a:p>
+            </p:txBody>
+          </p:sp>
+        </p:grpSp>
+      </p:grpSp>
+      <p:grpSp>
+        <p:nvGrpSpPr>
+          <p:cNvPr id="91" name="Group 90"/>
+          <p:cNvGrpSpPr/>
+          <p:nvPr/>
+        </p:nvGrpSpPr>
+        <p:grpSpPr>
+          <a:xfrm>
+            <a:off x="6083590" y="4732674"/>
+            <a:ext cx="2136591" cy="872013"/>
+            <a:chOff x="4559589" y="5092713"/>
+            <a:chExt cx="2136591" cy="872013"/>
+          </a:xfrm>
+        </p:grpSpPr>
+        <p:sp>
+          <p:nvSpPr>
+            <p:cNvPr id="23" name="TextBox 22"/>
+            <p:cNvSpPr txBox="1"/>
+            <p:nvPr/>
+          </p:nvSpPr>
+          <p:spPr>
+            <a:xfrm>
+              <a:off x="4567790" y="5656949"/>
+              <a:ext cx="319318" cy="307777"/>
+            </a:xfrm>
+            <a:prstGeom prst="rect">
+              <a:avLst/>
+            </a:prstGeom>
+            <a:noFill/>
+            <a:ln>
+              <a:solidFill>
+                <a:schemeClr val="tx1"/>
+              </a:solidFill>
+            </a:ln>
+          </p:spPr>
+          <p:txBody>
+            <a:bodyPr wrap="none" rtlCol="0">
+              <a:spAutoFit/>
+            </a:bodyPr>
+            <a:lstStyle/>
+            <a:p>
+              <a:pPr algn="ctr"/>
+              <a:r>
+                <a:rPr lang="en-BE" sz="1400" dirty="0">
+                  <a:solidFill>
+                    <a:prstClr val="black"/>
+                  </a:solidFill>
+                  <a:latin typeface="Calibri"/>
+                </a:rPr>
+                <a:t> b</a:t>
+              </a:r>
+              <a:endParaRPr lang="en-US" sz="1400" dirty="0">
+                <a:solidFill>
+                  <a:prstClr val="black"/>
+                </a:solidFill>
+                <a:latin typeface="Calibri"/>
+              </a:endParaRPr>
+            </a:p>
+          </p:txBody>
+        </p:sp>
+        <p:sp>
+          <p:nvSpPr>
+            <p:cNvPr id="24" name="TextBox 23"/>
+            <p:cNvSpPr txBox="1"/>
+            <p:nvPr/>
+          </p:nvSpPr>
+          <p:spPr>
+            <a:xfrm>
+              <a:off x="4882844" y="5656949"/>
+              <a:ext cx="357340" cy="307777"/>
+            </a:xfrm>
+            <a:prstGeom prst="rect">
+              <a:avLst/>
+            </a:prstGeom>
+            <a:noFill/>
+            <a:ln>
+              <a:solidFill>
+                <a:schemeClr val="tx1"/>
+              </a:solidFill>
+            </a:ln>
+          </p:spPr>
+          <p:txBody>
+            <a:bodyPr wrap="square" rtlCol="0">
+              <a:spAutoFit/>
+            </a:bodyPr>
+            <a:lstStyle/>
+            <a:p>
+              <a:pPr algn="ctr"/>
+              <a:r>
+                <a:rPr lang="en-BE" sz="1400" dirty="0">
+                  <a:solidFill>
+                    <a:prstClr val="black"/>
+                  </a:solidFill>
+                  <a:latin typeface="Calibri"/>
+                </a:rPr>
+                <a:t> o</a:t>
+              </a:r>
+              <a:endParaRPr lang="en-US" sz="1400" dirty="0">
+                <a:solidFill>
+                  <a:prstClr val="black"/>
+                </a:solidFill>
+                <a:latin typeface="Calibri"/>
+              </a:endParaRPr>
+            </a:p>
+          </p:txBody>
+        </p:sp>
+        <p:sp>
+          <p:nvSpPr>
+            <p:cNvPr id="25" name="TextBox 24"/>
+            <p:cNvSpPr txBox="1"/>
+            <p:nvPr/>
+          </p:nvSpPr>
+          <p:spPr>
+            <a:xfrm>
+              <a:off x="5249018" y="5656949"/>
+              <a:ext cx="356015" cy="307777"/>
+            </a:xfrm>
+            <a:prstGeom prst="rect">
+              <a:avLst/>
+            </a:prstGeom>
+            <a:noFill/>
+            <a:ln>
+              <a:solidFill>
+                <a:schemeClr val="tx1"/>
+              </a:solidFill>
+            </a:ln>
+          </p:spPr>
+          <p:txBody>
+            <a:bodyPr wrap="square" rtlCol="0">
+              <a:spAutoFit/>
+            </a:bodyPr>
+            <a:lstStyle/>
+            <a:p>
+              <a:pPr algn="ctr"/>
+              <a:r>
+                <a:rPr lang="en-BE" sz="1400" dirty="0">
+                  <a:solidFill>
+                    <a:prstClr val="black"/>
+                  </a:solidFill>
+                  <a:latin typeface="Calibri"/>
+                </a:rPr>
+                <a:t> b</a:t>
+              </a:r>
+              <a:endParaRPr lang="en-US" sz="1400" dirty="0">
+                <a:solidFill>
+                  <a:prstClr val="black"/>
+                </a:solidFill>
+                <a:latin typeface="Calibri"/>
+              </a:endParaRPr>
+            </a:p>
+          </p:txBody>
+        </p:sp>
+        <p:grpSp>
+          <p:nvGrpSpPr>
+            <p:cNvPr id="40" name="Group 39"/>
+            <p:cNvGrpSpPr/>
+            <p:nvPr/>
+          </p:nvGrpSpPr>
+          <p:grpSpPr>
+            <a:xfrm>
+              <a:off x="4559589" y="5092713"/>
+              <a:ext cx="2136591" cy="540427"/>
+              <a:chOff x="401916" y="5089381"/>
+              <a:chExt cx="2136591" cy="540427"/>
+            </a:xfrm>
+          </p:grpSpPr>
+          <p:sp>
+            <p:nvSpPr>
+              <p:cNvPr id="41" name="Right Brace 40"/>
+              <p:cNvSpPr/>
+              <p:nvPr/>
+            </p:nvSpPr>
+            <p:spPr>
+              <a:xfrm rot="16200000">
+                <a:off x="1376253" y="4467554"/>
+                <a:ext cx="187917" cy="2136591"/>
+              </a:xfrm>
+              <a:prstGeom prst="rightBrace">
+                <a:avLst/>
+              </a:prstGeom>
+              <a:ln>
+                <a:solidFill>
+                  <a:schemeClr val="tx1"/>
+                </a:solidFill>
+              </a:ln>
+            </p:spPr>
+            <p:style>
+              <a:lnRef idx="1">
+                <a:schemeClr val="accent1"/>
+              </a:lnRef>
+              <a:fillRef idx="0">
+                <a:schemeClr val="accent1"/>
+              </a:fillRef>
+              <a:effectRef idx="0">
+                <a:schemeClr val="accent1"/>
+              </a:effectRef>
+              <a:fontRef idx="minor">
+                <a:schemeClr val="tx1"/>
+              </a:fontRef>
+            </p:style>
+            <p:txBody>
+              <a:bodyPr rtlCol="0" anchor="ctr"/>
+              <a:lstStyle/>
+              <a:p>
+                <a:pPr algn="ctr"/>
+                <a:endParaRPr lang="en-US">
+                  <a:solidFill>
+                    <a:prstClr val="black"/>
+                  </a:solidFill>
+                  <a:latin typeface="Calibri"/>
+                </a:endParaRPr>
+              </a:p>
+            </p:txBody>
+          </p:sp>
+          <p:sp>
+            <p:nvSpPr>
+              <p:cNvPr id="42" name="TextBox 41"/>
+              <p:cNvSpPr txBox="1"/>
+              <p:nvPr/>
+            </p:nvSpPr>
+            <p:spPr>
+              <a:xfrm>
+                <a:off x="1066260" y="5089381"/>
+                <a:ext cx="860235" cy="369332"/>
+              </a:xfrm>
+              <a:prstGeom prst="rect">
+                <a:avLst/>
+              </a:prstGeom>
+              <a:noFill/>
+            </p:spPr>
+            <p:txBody>
+              <a:bodyPr wrap="none" rtlCol="0">
+                <a:spAutoFit/>
+              </a:bodyPr>
+              <a:lstStyle/>
+              <a:p>
+                <a:r>
+                  <a:rPr lang="en-BE" dirty="0">
+                    <a:solidFill>
+                      <a:prstClr val="black"/>
+                    </a:solidFill>
+                    <a:latin typeface="Calibri"/>
+                  </a:rPr>
+                  <a:t>6 bytes</a:t>
+                </a:r>
+                <a:endParaRPr lang="en-US" dirty="0">
+                  <a:solidFill>
+                    <a:prstClr val="black"/>
+                  </a:solidFill>
+                  <a:latin typeface="Calibri"/>
+                </a:endParaRPr>
+              </a:p>
+            </p:txBody>
+          </p:sp>
+        </p:grpSp>
+      </p:grpSp>
+      <p:grpSp>
+        <p:nvGrpSpPr>
+          <p:cNvPr id="87" name="Group 86"/>
+          <p:cNvGrpSpPr/>
+          <p:nvPr/>
+        </p:nvGrpSpPr>
+        <p:grpSpPr>
+          <a:xfrm>
+            <a:off x="4670826" y="4714100"/>
+            <a:ext cx="1413469" cy="890587"/>
+            <a:chOff x="3146825" y="5074139"/>
+            <a:chExt cx="1413469" cy="890587"/>
+          </a:xfrm>
+        </p:grpSpPr>
+        <p:sp>
+          <p:nvSpPr>
+            <p:cNvPr id="16" name="TextBox 15"/>
+            <p:cNvSpPr txBox="1"/>
+            <p:nvPr/>
+          </p:nvSpPr>
+          <p:spPr>
+            <a:xfrm>
+              <a:off x="3146825" y="5656949"/>
+              <a:ext cx="316112" cy="307777"/>
+            </a:xfrm>
+            <a:prstGeom prst="rect">
+              <a:avLst/>
+            </a:prstGeom>
+            <a:noFill/>
+            <a:ln>
+              <a:solidFill>
+                <a:schemeClr val="tx1"/>
+              </a:solidFill>
+            </a:ln>
+          </p:spPr>
+          <p:txBody>
+            <a:bodyPr wrap="none" rtlCol="0">
+              <a:spAutoFit/>
+            </a:bodyPr>
+            <a:lstStyle/>
+            <a:p>
+              <a:r>
+                <a:rPr lang="en-BE" sz="1400" dirty="0">
+                  <a:solidFill>
+                    <a:prstClr val="black"/>
+                  </a:solidFill>
+                  <a:latin typeface="Calibri"/>
+                </a:rPr>
+                <a:t> 0</a:t>
+              </a:r>
+              <a:endParaRPr lang="en-US" sz="1400" dirty="0">
+                <a:solidFill>
+                  <a:prstClr val="black"/>
+                </a:solidFill>
+                <a:latin typeface="Calibri"/>
+              </a:endParaRPr>
+            </a:p>
+          </p:txBody>
+        </p:sp>
+        <p:sp>
+          <p:nvSpPr>
+            <p:cNvPr id="17" name="TextBox 16"/>
+            <p:cNvSpPr txBox="1"/>
+            <p:nvPr/>
+          </p:nvSpPr>
+          <p:spPr>
+            <a:xfrm>
+              <a:off x="4113633" y="5656949"/>
+              <a:ext cx="445956" cy="307777"/>
+            </a:xfrm>
+            <a:prstGeom prst="rect">
+              <a:avLst/>
+            </a:prstGeom>
+            <a:noFill/>
+            <a:ln>
+              <a:solidFill>
+                <a:schemeClr val="tx1"/>
+              </a:solidFill>
+            </a:ln>
+          </p:spPr>
+          <p:txBody>
+            <a:bodyPr wrap="none" rtlCol="0">
+              <a:spAutoFit/>
+            </a:bodyPr>
+            <a:lstStyle/>
+            <a:p>
+              <a:r>
+                <a:rPr lang="en-BE" sz="1400" dirty="0">
+                  <a:solidFill>
+                    <a:prstClr val="black"/>
+                  </a:solidFill>
+                  <a:latin typeface="Calibri"/>
+                </a:rPr>
+                <a:t>x20</a:t>
+              </a:r>
+              <a:endParaRPr lang="en-US" sz="1400" dirty="0">
+                <a:solidFill>
+                  <a:prstClr val="black"/>
+                </a:solidFill>
+                <a:latin typeface="Calibri"/>
+              </a:endParaRPr>
+            </a:p>
+          </p:txBody>
+        </p:sp>
+        <p:sp>
+          <p:nvSpPr>
+            <p:cNvPr id="21" name="TextBox 20"/>
+            <p:cNvSpPr txBox="1"/>
+            <p:nvPr/>
+          </p:nvSpPr>
+          <p:spPr>
+            <a:xfrm>
+              <a:off x="3470275" y="5656949"/>
+              <a:ext cx="316112" cy="307777"/>
+            </a:xfrm>
+            <a:prstGeom prst="rect">
+              <a:avLst/>
+            </a:prstGeom>
+            <a:noFill/>
+            <a:ln>
+              <a:solidFill>
+                <a:schemeClr val="tx1"/>
+              </a:solidFill>
+            </a:ln>
+          </p:spPr>
+          <p:txBody>
+            <a:bodyPr wrap="none" rtlCol="0">
+              <a:spAutoFit/>
+            </a:bodyPr>
+            <a:lstStyle/>
+            <a:p>
+              <a:r>
+                <a:rPr lang="en-BE" sz="1400" dirty="0">
+                  <a:solidFill>
+                    <a:prstClr val="black"/>
+                  </a:solidFill>
+                  <a:latin typeface="Calibri"/>
+                </a:rPr>
+                <a:t> 0</a:t>
+              </a:r>
+              <a:endParaRPr lang="en-US" sz="1400" dirty="0">
+                <a:solidFill>
+                  <a:prstClr val="black"/>
+                </a:solidFill>
+                <a:latin typeface="Calibri"/>
+              </a:endParaRPr>
+            </a:p>
+          </p:txBody>
+        </p:sp>
+        <p:sp>
+          <p:nvSpPr>
+            <p:cNvPr id="22" name="TextBox 21"/>
+            <p:cNvSpPr txBox="1"/>
+            <p:nvPr/>
+          </p:nvSpPr>
+          <p:spPr>
+            <a:xfrm>
+              <a:off x="3786387" y="5656949"/>
+              <a:ext cx="316112" cy="307777"/>
+            </a:xfrm>
+            <a:prstGeom prst="rect">
+              <a:avLst/>
+            </a:prstGeom>
+            <a:noFill/>
+            <a:ln>
+              <a:solidFill>
+                <a:schemeClr val="tx1"/>
+              </a:solidFill>
+            </a:ln>
+          </p:spPr>
+          <p:txBody>
+            <a:bodyPr wrap="none" rtlCol="0">
+              <a:spAutoFit/>
+            </a:bodyPr>
+            <a:lstStyle/>
+            <a:p>
+              <a:r>
+                <a:rPr lang="en-BE" sz="1400" dirty="0">
+                  <a:solidFill>
+                    <a:prstClr val="black"/>
+                  </a:solidFill>
+                  <a:latin typeface="Calibri"/>
+                </a:rPr>
+                <a:t> 0</a:t>
+              </a:r>
+              <a:endParaRPr lang="en-US" sz="1400" dirty="0">
+                <a:solidFill>
+                  <a:prstClr val="black"/>
+                </a:solidFill>
+                <a:latin typeface="Calibri"/>
+              </a:endParaRPr>
+            </a:p>
+          </p:txBody>
+        </p:sp>
+        <p:grpSp>
+          <p:nvGrpSpPr>
+            <p:cNvPr id="43" name="Group 42"/>
+            <p:cNvGrpSpPr/>
+            <p:nvPr/>
+          </p:nvGrpSpPr>
+          <p:grpSpPr>
+            <a:xfrm>
+              <a:off x="3146825" y="5074139"/>
+              <a:ext cx="1413469" cy="540427"/>
+              <a:chOff x="1035746" y="5089381"/>
+              <a:chExt cx="1413469" cy="540427"/>
+            </a:xfrm>
+          </p:grpSpPr>
+          <p:sp>
+            <p:nvSpPr>
+              <p:cNvPr id="44" name="Right Brace 43"/>
+              <p:cNvSpPr/>
+              <p:nvPr/>
+            </p:nvSpPr>
+            <p:spPr>
+              <a:xfrm rot="16200000">
+                <a:off x="1668837" y="4849430"/>
+                <a:ext cx="147287" cy="1413469"/>
+              </a:xfrm>
+              <a:prstGeom prst="rightBrace">
+                <a:avLst/>
+              </a:prstGeom>
+              <a:ln>
+                <a:solidFill>
+                  <a:schemeClr val="tx1"/>
+                </a:solidFill>
+              </a:ln>
+            </p:spPr>
+            <p:style>
+              <a:lnRef idx="1">
+                <a:schemeClr val="accent1"/>
+              </a:lnRef>
+              <a:fillRef idx="0">
+                <a:schemeClr val="accent1"/>
+              </a:fillRef>
+              <a:effectRef idx="0">
+                <a:schemeClr val="accent1"/>
+              </a:effectRef>
+              <a:fontRef idx="minor">
+                <a:schemeClr val="tx1"/>
+              </a:fontRef>
+            </p:style>
+            <p:txBody>
+              <a:bodyPr rtlCol="0" anchor="ctr"/>
+              <a:lstStyle/>
+              <a:p>
+                <a:pPr algn="ctr"/>
+                <a:endParaRPr lang="en-US">
+                  <a:solidFill>
+                    <a:prstClr val="black"/>
+                  </a:solidFill>
+                  <a:latin typeface="Calibri"/>
+                </a:endParaRPr>
+              </a:p>
+            </p:txBody>
+          </p:sp>
+          <p:sp>
+            <p:nvSpPr>
+              <p:cNvPr id="45" name="TextBox 44"/>
+              <p:cNvSpPr txBox="1"/>
+              <p:nvPr/>
+            </p:nvSpPr>
+            <p:spPr>
+              <a:xfrm>
+                <a:off x="1312654" y="5089381"/>
+                <a:ext cx="860235" cy="369332"/>
+              </a:xfrm>
+              <a:prstGeom prst="rect">
+                <a:avLst/>
+              </a:prstGeom>
+              <a:noFill/>
+            </p:spPr>
+            <p:txBody>
+              <a:bodyPr wrap="none" rtlCol="0">
+                <a:spAutoFit/>
+              </a:bodyPr>
+              <a:lstStyle/>
+              <a:p>
+                <a:r>
+                  <a:rPr lang="en-BE" dirty="0">
+                    <a:solidFill>
+                      <a:prstClr val="black"/>
+                    </a:solidFill>
+                    <a:latin typeface="Calibri"/>
+                  </a:rPr>
+                  <a:t>4</a:t>
+                </a:r>
+                <a:r>
+                  <a:rPr lang="en-BE" dirty="0">
+                    <a:solidFill>
+                      <a:prstClr val="black"/>
+                    </a:solidFill>
+                    <a:latin typeface="Calibri"/>
+                  </a:rPr>
+                  <a:t> bytes</a:t>
+                </a:r>
+                <a:endParaRPr lang="en-US" dirty="0">
+                  <a:solidFill>
+                    <a:prstClr val="black"/>
+                  </a:solidFill>
+                  <a:latin typeface="Calibri"/>
+                </a:endParaRPr>
+              </a:p>
+            </p:txBody>
+          </p:sp>
+        </p:grpSp>
+      </p:grpSp>
+      <p:grpSp>
+        <p:nvGrpSpPr>
+          <p:cNvPr id="94" name="Group 93"/>
+          <p:cNvGrpSpPr/>
+          <p:nvPr/>
+        </p:nvGrpSpPr>
+        <p:grpSpPr>
+          <a:xfrm>
+            <a:off x="8896168" y="4729342"/>
+            <a:ext cx="1413469" cy="875345"/>
+            <a:chOff x="7372167" y="5089381"/>
+            <a:chExt cx="1413469" cy="875345"/>
+          </a:xfrm>
+        </p:grpSpPr>
+        <p:sp>
+          <p:nvSpPr>
+            <p:cNvPr id="28" name="TextBox 27"/>
+            <p:cNvSpPr txBox="1"/>
+            <p:nvPr/>
+          </p:nvSpPr>
+          <p:spPr>
+            <a:xfrm>
+              <a:off x="7386844" y="5656949"/>
+              <a:ext cx="316112" cy="307777"/>
+            </a:xfrm>
+            <a:prstGeom prst="rect">
+              <a:avLst/>
+            </a:prstGeom>
+            <a:noFill/>
+            <a:ln>
+              <a:solidFill>
+                <a:schemeClr val="tx1"/>
+              </a:solidFill>
+            </a:ln>
+          </p:spPr>
+          <p:txBody>
+            <a:bodyPr wrap="none" rtlCol="0">
+              <a:spAutoFit/>
+            </a:bodyPr>
+            <a:lstStyle/>
+            <a:p>
+              <a:r>
+                <a:rPr lang="en-BE" sz="1400" dirty="0">
+                  <a:solidFill>
+                    <a:prstClr val="black"/>
+                  </a:solidFill>
+                  <a:latin typeface="Calibri"/>
+                </a:rPr>
+                <a:t> 0</a:t>
+              </a:r>
+              <a:endParaRPr lang="en-US" sz="1400" dirty="0">
+                <a:solidFill>
+                  <a:prstClr val="black"/>
+                </a:solidFill>
+                <a:latin typeface="Calibri"/>
+              </a:endParaRPr>
+            </a:p>
+          </p:txBody>
+        </p:sp>
+        <p:sp>
+          <p:nvSpPr>
+            <p:cNvPr id="29" name="TextBox 28"/>
+            <p:cNvSpPr txBox="1"/>
+            <p:nvPr/>
+          </p:nvSpPr>
+          <p:spPr>
+            <a:xfrm>
+              <a:off x="8336950" y="5656949"/>
+              <a:ext cx="445956" cy="307777"/>
+            </a:xfrm>
+            <a:prstGeom prst="rect">
+              <a:avLst/>
+            </a:prstGeom>
+            <a:noFill/>
+            <a:ln>
+              <a:solidFill>
+                <a:schemeClr val="tx1"/>
+              </a:solidFill>
+            </a:ln>
+          </p:spPr>
+          <p:txBody>
+            <a:bodyPr wrap="none" rtlCol="0">
+              <a:spAutoFit/>
+            </a:bodyPr>
+            <a:lstStyle/>
+            <a:p>
+              <a:r>
+                <a:rPr lang="en-BE" sz="1400" dirty="0">
+                  <a:solidFill>
+                    <a:prstClr val="black"/>
+                  </a:solidFill>
+                  <a:latin typeface="Calibri"/>
+                </a:rPr>
+                <a:t>x25</a:t>
+              </a:r>
+              <a:endParaRPr lang="en-US" sz="1400" dirty="0">
+                <a:solidFill>
+                  <a:prstClr val="black"/>
+                </a:solidFill>
+                <a:latin typeface="Calibri"/>
+              </a:endParaRPr>
+            </a:p>
+          </p:txBody>
+        </p:sp>
+        <p:sp>
+          <p:nvSpPr>
+            <p:cNvPr id="33" name="TextBox 32"/>
+            <p:cNvSpPr txBox="1"/>
+            <p:nvPr/>
+          </p:nvSpPr>
+          <p:spPr>
+            <a:xfrm>
+              <a:off x="7695692" y="5656949"/>
+              <a:ext cx="316112" cy="307777"/>
+            </a:xfrm>
+            <a:prstGeom prst="rect">
+              <a:avLst/>
+            </a:prstGeom>
+            <a:noFill/>
+            <a:ln>
+              <a:solidFill>
+                <a:schemeClr val="tx1"/>
+              </a:solidFill>
+            </a:ln>
+          </p:spPr>
+          <p:txBody>
+            <a:bodyPr wrap="none" rtlCol="0">
+              <a:spAutoFit/>
+            </a:bodyPr>
+            <a:lstStyle/>
+            <a:p>
+              <a:r>
+                <a:rPr lang="en-BE" sz="1400" dirty="0">
+                  <a:solidFill>
+                    <a:prstClr val="black"/>
+                  </a:solidFill>
+                  <a:latin typeface="Calibri"/>
+                </a:rPr>
+                <a:t> 0</a:t>
+              </a:r>
+              <a:endParaRPr lang="en-US" sz="1400" dirty="0">
+                <a:solidFill>
+                  <a:prstClr val="black"/>
+                </a:solidFill>
+                <a:latin typeface="Calibri"/>
+              </a:endParaRPr>
+            </a:p>
+          </p:txBody>
+        </p:sp>
+        <p:sp>
+          <p:nvSpPr>
+            <p:cNvPr id="34" name="TextBox 33"/>
+            <p:cNvSpPr txBox="1"/>
+            <p:nvPr/>
+          </p:nvSpPr>
+          <p:spPr>
+            <a:xfrm>
+              <a:off x="8018173" y="5656949"/>
+              <a:ext cx="316112" cy="307777"/>
+            </a:xfrm>
+            <a:prstGeom prst="rect">
+              <a:avLst/>
+            </a:prstGeom>
+            <a:noFill/>
+            <a:ln>
+              <a:solidFill>
+                <a:schemeClr val="tx1"/>
+              </a:solidFill>
+            </a:ln>
+          </p:spPr>
+          <p:txBody>
+            <a:bodyPr wrap="none" rtlCol="0">
+              <a:spAutoFit/>
+            </a:bodyPr>
+            <a:lstStyle/>
+            <a:p>
+              <a:r>
+                <a:rPr lang="en-BE" sz="1400" dirty="0">
+                  <a:solidFill>
+                    <a:prstClr val="black"/>
+                  </a:solidFill>
+                  <a:latin typeface="Calibri"/>
+                </a:rPr>
+                <a:t> 0</a:t>
+              </a:r>
+              <a:endParaRPr lang="en-US" sz="1400" dirty="0">
+                <a:solidFill>
+                  <a:prstClr val="black"/>
+                </a:solidFill>
+                <a:latin typeface="Calibri"/>
+              </a:endParaRPr>
+            </a:p>
+          </p:txBody>
+        </p:sp>
+        <p:grpSp>
+          <p:nvGrpSpPr>
+            <p:cNvPr id="46" name="Group 45"/>
+            <p:cNvGrpSpPr/>
+            <p:nvPr/>
+          </p:nvGrpSpPr>
+          <p:grpSpPr>
+            <a:xfrm>
+              <a:off x="7372167" y="5089381"/>
+              <a:ext cx="1413469" cy="540427"/>
+              <a:chOff x="1035746" y="5089381"/>
+              <a:chExt cx="1413469" cy="540427"/>
+            </a:xfrm>
+          </p:grpSpPr>
+          <p:sp>
+            <p:nvSpPr>
+              <p:cNvPr id="47" name="Right Brace 46"/>
+              <p:cNvSpPr/>
+              <p:nvPr/>
+            </p:nvSpPr>
+            <p:spPr>
+              <a:xfrm rot="16200000">
+                <a:off x="1668837" y="4849430"/>
+                <a:ext cx="147287" cy="1413469"/>
+              </a:xfrm>
+              <a:prstGeom prst="rightBrace">
+                <a:avLst/>
+              </a:prstGeom>
+              <a:ln>
+                <a:solidFill>
+                  <a:schemeClr val="tx1"/>
+                </a:solidFill>
+              </a:ln>
+            </p:spPr>
+            <p:style>
+              <a:lnRef idx="1">
+                <a:schemeClr val="accent1"/>
+              </a:lnRef>
+              <a:fillRef idx="0">
+                <a:schemeClr val="accent1"/>
+              </a:fillRef>
+              <a:effectRef idx="0">
+                <a:schemeClr val="accent1"/>
+              </a:effectRef>
+              <a:fontRef idx="minor">
+                <a:schemeClr val="tx1"/>
+              </a:fontRef>
+            </p:style>
+            <p:txBody>
+              <a:bodyPr rtlCol="0" anchor="ctr"/>
+              <a:lstStyle/>
+              <a:p>
+                <a:pPr algn="ctr"/>
+                <a:endParaRPr lang="en-US">
+                  <a:solidFill>
+                    <a:prstClr val="black"/>
+                  </a:solidFill>
+                  <a:latin typeface="Calibri"/>
+                </a:endParaRPr>
+              </a:p>
+            </p:txBody>
+          </p:sp>
+          <p:sp>
+            <p:nvSpPr>
+              <p:cNvPr id="48" name="TextBox 47"/>
+              <p:cNvSpPr txBox="1"/>
+              <p:nvPr/>
+            </p:nvSpPr>
+            <p:spPr>
+              <a:xfrm>
+                <a:off x="1312654" y="5089381"/>
+                <a:ext cx="860235" cy="369332"/>
+              </a:xfrm>
+              <a:prstGeom prst="rect">
+                <a:avLst/>
+              </a:prstGeom>
+              <a:noFill/>
+            </p:spPr>
+            <p:txBody>
+              <a:bodyPr wrap="none" rtlCol="0">
+                <a:spAutoFit/>
+              </a:bodyPr>
+              <a:lstStyle/>
+              <a:p>
+                <a:r>
+                  <a:rPr lang="en-BE" dirty="0">
+                    <a:solidFill>
+                      <a:prstClr val="black"/>
+                    </a:solidFill>
+                    <a:latin typeface="Calibri"/>
+                  </a:rPr>
+                  <a:t>4</a:t>
+                </a:r>
+                <a:r>
+                  <a:rPr lang="en-BE" dirty="0">
+                    <a:solidFill>
+                      <a:prstClr val="black"/>
+                    </a:solidFill>
+                    <a:latin typeface="Calibri"/>
+                  </a:rPr>
+                  <a:t> bytes</a:t>
+                </a:r>
+                <a:endParaRPr lang="en-US" dirty="0">
+                  <a:solidFill>
+                    <a:prstClr val="black"/>
+                  </a:solidFill>
+                  <a:latin typeface="Calibri"/>
+                </a:endParaRPr>
+              </a:p>
+            </p:txBody>
+          </p:sp>
+        </p:grpSp>
+      </p:grpSp>
+      <p:grpSp>
+        <p:nvGrpSpPr>
+          <p:cNvPr id="93" name="Group 92"/>
+          <p:cNvGrpSpPr/>
+          <p:nvPr/>
+        </p:nvGrpSpPr>
+        <p:grpSpPr>
+          <a:xfrm>
+            <a:off x="6083589" y="4714098"/>
+            <a:ext cx="2823246" cy="1322432"/>
+            <a:chOff x="4559589" y="5074138"/>
+            <a:chExt cx="2823246" cy="1322432"/>
+          </a:xfrm>
+        </p:grpSpPr>
+        <p:cxnSp>
+          <p:nvCxnSpPr>
+            <p:cNvPr id="51" name="Straight Connector 50"/>
+            <p:cNvCxnSpPr/>
+            <p:nvPr/>
+          </p:nvCxnSpPr>
+          <p:spPr>
+            <a:xfrm>
+              <a:off x="7382835" y="5089381"/>
+              <a:ext cx="0" cy="1307189"/>
+            </a:xfrm>
+            <a:prstGeom prst="line">
+              <a:avLst/>
+            </a:prstGeom>
+            <a:ln w="38100">
+              <a:solidFill>
+                <a:srgbClr val="C00000"/>
+              </a:solidFill>
+              <a:prstDash val="dash"/>
+            </a:ln>
+          </p:spPr>
+          <p:style>
+            <a:lnRef idx="1">
+              <a:schemeClr val="accent1"/>
+            </a:lnRef>
+            <a:fillRef idx="0">
+              <a:schemeClr val="accent1"/>
+            </a:fillRef>
+            <a:effectRef idx="0">
+              <a:schemeClr val="accent1"/>
+            </a:effectRef>
+            <a:fontRef idx="minor">
+              <a:schemeClr val="tx1"/>
+            </a:fontRef>
+          </p:style>
+        </p:cxnSp>
+        <p:cxnSp>
+          <p:nvCxnSpPr>
+            <p:cNvPr id="52" name="Straight Connector 51"/>
+            <p:cNvCxnSpPr/>
+            <p:nvPr/>
+          </p:nvCxnSpPr>
+          <p:spPr>
+            <a:xfrm>
+              <a:off x="4559589" y="5074138"/>
+              <a:ext cx="0" cy="1307189"/>
+            </a:xfrm>
+            <a:prstGeom prst="line">
+              <a:avLst/>
+            </a:prstGeom>
+            <a:ln w="38100">
+              <a:solidFill>
+                <a:srgbClr val="C00000"/>
+              </a:solidFill>
+              <a:prstDash val="dash"/>
+            </a:ln>
+          </p:spPr>
+          <p:style>
+            <a:lnRef idx="1">
+              <a:schemeClr val="accent1"/>
+            </a:lnRef>
+            <a:fillRef idx="0">
+              <a:schemeClr val="accent1"/>
+            </a:fillRef>
+            <a:effectRef idx="0">
+              <a:schemeClr val="accent1"/>
+            </a:effectRef>
+            <a:fontRef idx="minor">
+              <a:schemeClr val="tx1"/>
+            </a:fontRef>
+          </p:style>
+        </p:cxnSp>
+      </p:grpSp>
+      <p:grpSp>
+        <p:nvGrpSpPr>
+          <p:cNvPr id="86" name="Group 85"/>
+          <p:cNvGrpSpPr/>
+          <p:nvPr/>
+        </p:nvGrpSpPr>
+        <p:grpSpPr>
+          <a:xfrm>
+            <a:off x="1951253" y="4696366"/>
+            <a:ext cx="2719573" cy="1324923"/>
+            <a:chOff x="427252" y="5056405"/>
+            <a:chExt cx="2719573" cy="1324923"/>
+          </a:xfrm>
+        </p:grpSpPr>
+        <p:cxnSp>
+          <p:nvCxnSpPr>
+            <p:cNvPr id="50" name="Straight Connector 49"/>
+            <p:cNvCxnSpPr/>
+            <p:nvPr/>
+          </p:nvCxnSpPr>
+          <p:spPr>
+            <a:xfrm>
+              <a:off x="3146825" y="5074139"/>
+              <a:ext cx="0" cy="1307189"/>
+            </a:xfrm>
+            <a:prstGeom prst="line">
+              <a:avLst/>
+            </a:prstGeom>
+            <a:ln w="38100">
+              <a:solidFill>
+                <a:srgbClr val="C00000"/>
+              </a:solidFill>
+              <a:prstDash val="dash"/>
+            </a:ln>
+          </p:spPr>
+          <p:style>
+            <a:lnRef idx="1">
+              <a:schemeClr val="accent1"/>
+            </a:lnRef>
+            <a:fillRef idx="0">
+              <a:schemeClr val="accent1"/>
+            </a:fillRef>
+            <a:effectRef idx="0">
+              <a:schemeClr val="accent1"/>
+            </a:effectRef>
+            <a:fontRef idx="minor">
+              <a:schemeClr val="tx1"/>
+            </a:fontRef>
+          </p:style>
+        </p:cxnSp>
+        <p:cxnSp>
+          <p:nvCxnSpPr>
+            <p:cNvPr id="53" name="Straight Connector 52"/>
+            <p:cNvCxnSpPr/>
+            <p:nvPr/>
+          </p:nvCxnSpPr>
+          <p:spPr>
+            <a:xfrm>
+              <a:off x="427252" y="5056405"/>
+              <a:ext cx="0" cy="1307189"/>
+            </a:xfrm>
+            <a:prstGeom prst="line">
+              <a:avLst/>
+            </a:prstGeom>
+            <a:ln w="38100">
+              <a:solidFill>
+                <a:srgbClr val="C00000"/>
+              </a:solidFill>
+              <a:prstDash val="dash"/>
+            </a:ln>
+          </p:spPr>
+          <p:style>
+            <a:lnRef idx="1">
+              <a:schemeClr val="accent1"/>
+            </a:lnRef>
+            <a:fillRef idx="0">
+              <a:schemeClr val="accent1"/>
+            </a:fillRef>
+            <a:effectRef idx="0">
+              <a:schemeClr val="accent1"/>
+            </a:effectRef>
+            <a:fontRef idx="minor">
+              <a:schemeClr val="tx1"/>
+            </a:fontRef>
+          </p:style>
+        </p:cxnSp>
+      </p:grpSp>
+      <p:grpSp>
+        <p:nvGrpSpPr>
+          <p:cNvPr id="89" name="Group 88"/>
+          <p:cNvGrpSpPr/>
+          <p:nvPr/>
+        </p:nvGrpSpPr>
+        <p:grpSpPr>
+          <a:xfrm>
+            <a:off x="2114065" y="5296909"/>
+            <a:ext cx="2210029" cy="1129410"/>
+            <a:chOff x="590064" y="5656949"/>
+            <a:chExt cx="2210029" cy="1129410"/>
+          </a:xfrm>
+        </p:grpSpPr>
+        <p:sp>
+          <p:nvSpPr>
+            <p:cNvPr id="18" name="TextBox 17"/>
+            <p:cNvSpPr txBox="1"/>
+            <p:nvPr/>
+          </p:nvSpPr>
+          <p:spPr>
+            <a:xfrm>
+              <a:off x="2104250" y="5656949"/>
+              <a:ext cx="344966" cy="307777"/>
+            </a:xfrm>
+            <a:prstGeom prst="rect">
+              <a:avLst/>
+            </a:prstGeom>
+            <a:noFill/>
+            <a:ln>
+              <a:solidFill>
+                <a:schemeClr val="tx1"/>
+              </a:solidFill>
+            </a:ln>
+          </p:spPr>
+          <p:txBody>
+            <a:bodyPr wrap="none" rtlCol="0">
+              <a:spAutoFit/>
+            </a:bodyPr>
+            <a:lstStyle/>
+            <a:p>
+              <a:r>
+                <a:rPr lang="en-BE" sz="1400" dirty="0">
+                  <a:solidFill>
+                    <a:prstClr val="black"/>
+                  </a:solidFill>
+                  <a:latin typeface="Calibri"/>
+                </a:rPr>
+                <a:t>\0</a:t>
+              </a:r>
+              <a:endParaRPr lang="en-US" sz="1400" dirty="0">
+                <a:solidFill>
+                  <a:prstClr val="black"/>
+                </a:solidFill>
+                <a:latin typeface="Calibri"/>
+              </a:endParaRPr>
+            </a:p>
+          </p:txBody>
+        </p:sp>
+        <p:grpSp>
+          <p:nvGrpSpPr>
+            <p:cNvPr id="58" name="Group 57"/>
+            <p:cNvGrpSpPr/>
+            <p:nvPr/>
+          </p:nvGrpSpPr>
+          <p:grpSpPr>
+            <a:xfrm>
+              <a:off x="590064" y="6069079"/>
+              <a:ext cx="2210029" cy="717280"/>
+              <a:chOff x="590064" y="6069079"/>
+              <a:chExt cx="2210029" cy="717280"/>
+            </a:xfrm>
+          </p:grpSpPr>
+          <p:sp>
+            <p:nvSpPr>
+              <p:cNvPr id="55" name="TextBox 54"/>
+              <p:cNvSpPr txBox="1"/>
+              <p:nvPr/>
+            </p:nvSpPr>
+            <p:spPr>
+              <a:xfrm>
+                <a:off x="590064" y="6417027"/>
+                <a:ext cx="2210029" cy="369332"/>
+              </a:xfrm>
+              <a:prstGeom prst="rect">
+                <a:avLst/>
+              </a:prstGeom>
+              <a:noFill/>
+            </p:spPr>
+            <p:txBody>
+              <a:bodyPr wrap="none" rtlCol="0">
+                <a:spAutoFit/>
+              </a:bodyPr>
+              <a:lstStyle/>
+              <a:p>
+                <a:r>
+                  <a:rPr lang="en-BE" dirty="0">
+                    <a:solidFill>
+                      <a:prstClr val="black"/>
+                    </a:solidFill>
+                    <a:latin typeface="Courier New" panose="02070309020205020404" pitchFamily="49" charset="0"/>
+                    <a:cs typeface="Courier New" panose="02070309020205020404" pitchFamily="49" charset="0"/>
+                  </a:rPr>
+                  <a:t>\0</a:t>
+                </a:r>
+                <a:r>
+                  <a:rPr lang="en-BE" dirty="0">
+                    <a:solidFill>
+                      <a:prstClr val="black"/>
+                    </a:solidFill>
+                    <a:latin typeface="Calibri"/>
+                  </a:rPr>
+                  <a:t> character padding</a:t>
+                </a:r>
+                <a:endParaRPr lang="en-US" dirty="0">
+                  <a:solidFill>
+                    <a:prstClr val="black"/>
+                  </a:solidFill>
+                  <a:latin typeface="Calibri"/>
+                </a:endParaRPr>
+              </a:p>
+            </p:txBody>
+          </p:sp>
+          <p:cxnSp>
+            <p:nvCxnSpPr>
+              <p:cNvPr id="57" name="Straight Arrow Connector 56"/>
+              <p:cNvCxnSpPr>
+                <a:stCxn id="55" idx="0"/>
+              </p:cNvCxnSpPr>
+              <p:nvPr/>
+            </p:nvCxnSpPr>
+            <p:spPr>
+              <a:xfrm flipV="1">
+                <a:off x="1695079" y="6069079"/>
+                <a:ext cx="500657" cy="347948"/>
+              </a:xfrm>
+              <a:prstGeom prst="straightConnector1">
+                <a:avLst/>
+              </a:prstGeom>
+              <a:ln w="19050">
+                <a:solidFill>
+                  <a:schemeClr val="tx1"/>
+                </a:solidFill>
+                <a:tailEnd type="stealth" w="lg" len="lg"/>
+              </a:ln>
+            </p:spPr>
+            <p:style>
+              <a:lnRef idx="1">
+                <a:schemeClr val="accent1"/>
+              </a:lnRef>
+              <a:fillRef idx="0">
+                <a:schemeClr val="accent1"/>
+              </a:fillRef>
+              <a:effectRef idx="0">
+                <a:schemeClr val="accent1"/>
+              </a:effectRef>
+              <a:fontRef idx="minor">
+                <a:schemeClr val="tx1"/>
+              </a:fontRef>
+            </p:style>
+          </p:cxnSp>
+        </p:grpSp>
+      </p:grpSp>
+      <p:grpSp>
+        <p:nvGrpSpPr>
+          <p:cNvPr id="92" name="Group 91"/>
+          <p:cNvGrpSpPr/>
+          <p:nvPr/>
+        </p:nvGrpSpPr>
+        <p:grpSpPr>
+          <a:xfrm>
+            <a:off x="6003930" y="5296909"/>
+            <a:ext cx="2216251" cy="1150938"/>
+            <a:chOff x="4479929" y="5656949"/>
+            <a:chExt cx="2216251" cy="1150938"/>
+          </a:xfrm>
+        </p:grpSpPr>
+        <p:sp>
+          <p:nvSpPr>
+            <p:cNvPr id="26" name="TextBox 25"/>
+            <p:cNvSpPr txBox="1"/>
+            <p:nvPr/>
+          </p:nvSpPr>
+          <p:spPr>
+            <a:xfrm>
+              <a:off x="5605096" y="5656949"/>
+              <a:ext cx="412116" cy="307777"/>
+            </a:xfrm>
+            <a:prstGeom prst="rect">
+              <a:avLst/>
+            </a:prstGeom>
+            <a:noFill/>
+            <a:ln>
+              <a:solidFill>
+                <a:schemeClr val="tx1"/>
+              </a:solidFill>
+            </a:ln>
+          </p:spPr>
+          <p:txBody>
+            <a:bodyPr wrap="square" rtlCol="0">
+              <a:spAutoFit/>
+            </a:bodyPr>
+            <a:lstStyle/>
+            <a:p>
+              <a:r>
+                <a:rPr lang="en-BE" sz="1400" dirty="0">
+                  <a:solidFill>
+                    <a:prstClr val="black"/>
+                  </a:solidFill>
+                  <a:latin typeface="Calibri"/>
+                </a:rPr>
+                <a:t>\0</a:t>
+              </a:r>
+              <a:endParaRPr lang="en-US" sz="1400" dirty="0">
+                <a:solidFill>
+                  <a:prstClr val="black"/>
+                </a:solidFill>
+                <a:latin typeface="Calibri"/>
+              </a:endParaRPr>
+            </a:p>
+          </p:txBody>
+        </p:sp>
+        <p:sp>
+          <p:nvSpPr>
+            <p:cNvPr id="27" name="TextBox 26"/>
+            <p:cNvSpPr txBox="1"/>
+            <p:nvPr/>
+          </p:nvSpPr>
+          <p:spPr>
+            <a:xfrm>
+              <a:off x="6015585" y="5656949"/>
+              <a:ext cx="344966" cy="307777"/>
+            </a:xfrm>
+            <a:prstGeom prst="rect">
+              <a:avLst/>
+            </a:prstGeom>
+            <a:noFill/>
+            <a:ln>
+              <a:solidFill>
+                <a:schemeClr val="tx1"/>
+              </a:solidFill>
+            </a:ln>
+          </p:spPr>
+          <p:txBody>
+            <a:bodyPr wrap="none" rtlCol="0">
+              <a:spAutoFit/>
+            </a:bodyPr>
+            <a:lstStyle/>
+            <a:p>
+              <a:r>
+                <a:rPr lang="en-BE" sz="1400" dirty="0">
+                  <a:solidFill>
+                    <a:prstClr val="black"/>
+                  </a:solidFill>
+                  <a:latin typeface="Calibri"/>
+                </a:rPr>
+                <a:t>\0</a:t>
+              </a:r>
+              <a:endParaRPr lang="en-US" sz="1400" dirty="0">
+                <a:solidFill>
+                  <a:prstClr val="black"/>
+                </a:solidFill>
+                <a:latin typeface="Calibri"/>
+              </a:endParaRPr>
+            </a:p>
+          </p:txBody>
+        </p:sp>
+        <p:sp>
+          <p:nvSpPr>
+            <p:cNvPr id="30" name="TextBox 29"/>
+            <p:cNvSpPr txBox="1"/>
+            <p:nvPr/>
+          </p:nvSpPr>
+          <p:spPr>
+            <a:xfrm>
+              <a:off x="6351214" y="5656949"/>
+              <a:ext cx="344966" cy="307777"/>
+            </a:xfrm>
+            <a:prstGeom prst="rect">
+              <a:avLst/>
+            </a:prstGeom>
+            <a:noFill/>
+            <a:ln>
+              <a:solidFill>
+                <a:schemeClr val="tx1"/>
+              </a:solidFill>
+            </a:ln>
+          </p:spPr>
+          <p:txBody>
+            <a:bodyPr wrap="none" rtlCol="0">
+              <a:spAutoFit/>
+            </a:bodyPr>
+            <a:lstStyle/>
+            <a:p>
+              <a:r>
+                <a:rPr lang="en-BE" sz="1400" dirty="0">
+                  <a:solidFill>
+                    <a:prstClr val="black"/>
+                  </a:solidFill>
+                  <a:latin typeface="Calibri"/>
+                </a:rPr>
+                <a:t>\0</a:t>
+              </a:r>
+              <a:endParaRPr lang="en-US" sz="1400" dirty="0">
+                <a:solidFill>
+                  <a:prstClr val="black"/>
+                </a:solidFill>
+                <a:latin typeface="Calibri"/>
+              </a:endParaRPr>
+            </a:p>
+          </p:txBody>
+        </p:sp>
+        <p:grpSp>
+          <p:nvGrpSpPr>
+            <p:cNvPr id="64" name="Group 63"/>
+            <p:cNvGrpSpPr/>
+            <p:nvPr/>
+          </p:nvGrpSpPr>
+          <p:grpSpPr>
+            <a:xfrm>
+              <a:off x="4479929" y="6037105"/>
+              <a:ext cx="2210029" cy="770782"/>
+              <a:chOff x="4479929" y="6037105"/>
+              <a:chExt cx="2210029" cy="770782"/>
+            </a:xfrm>
+          </p:grpSpPr>
+          <p:grpSp>
+            <p:nvGrpSpPr>
+              <p:cNvPr id="59" name="Group 58"/>
+              <p:cNvGrpSpPr/>
+              <p:nvPr/>
+            </p:nvGrpSpPr>
+            <p:grpSpPr>
+              <a:xfrm>
+                <a:off x="4479929" y="6149975"/>
+                <a:ext cx="2210029" cy="657912"/>
+                <a:chOff x="590064" y="6128447"/>
+                <a:chExt cx="2210029" cy="657912"/>
+              </a:xfrm>
+            </p:grpSpPr>
+            <p:sp>
+              <p:nvSpPr>
+                <p:cNvPr id="60" name="TextBox 59"/>
+                <p:cNvSpPr txBox="1"/>
+                <p:nvPr/>
+              </p:nvSpPr>
+              <p:spPr>
+                <a:xfrm>
+                  <a:off x="590064" y="6417027"/>
+                  <a:ext cx="2210029" cy="369332"/>
+                </a:xfrm>
+                <a:prstGeom prst="rect">
+                  <a:avLst/>
+                </a:prstGeom>
+                <a:noFill/>
+              </p:spPr>
+              <p:txBody>
+                <a:bodyPr wrap="none" rtlCol="0">
+                  <a:spAutoFit/>
+                </a:bodyPr>
+                <a:lstStyle/>
+                <a:p>
+                  <a:r>
+                    <a:rPr lang="en-BE" dirty="0">
+                      <a:solidFill>
+                        <a:prstClr val="black"/>
+                      </a:solidFill>
+                      <a:latin typeface="Courier New" panose="02070309020205020404" pitchFamily="49" charset="0"/>
+                      <a:cs typeface="Courier New" panose="02070309020205020404" pitchFamily="49" charset="0"/>
+                    </a:rPr>
+                    <a:t>\0</a:t>
+                  </a:r>
+                  <a:r>
+                    <a:rPr lang="en-BE" dirty="0">
+                      <a:solidFill>
+                        <a:prstClr val="black"/>
+                      </a:solidFill>
+                      <a:latin typeface="Calibri"/>
+                    </a:rPr>
+                    <a:t> character padding</a:t>
+                  </a:r>
+                  <a:endParaRPr lang="en-US" dirty="0">
+                    <a:solidFill>
+                      <a:prstClr val="black"/>
+                    </a:solidFill>
+                    <a:latin typeface="Calibri"/>
+                  </a:endParaRPr>
+                </a:p>
+              </p:txBody>
+            </p:sp>
+            <p:cxnSp>
+              <p:nvCxnSpPr>
+                <p:cNvPr id="61" name="Straight Arrow Connector 60"/>
+                <p:cNvCxnSpPr>
+                  <a:stCxn id="60" idx="0"/>
+                  <a:endCxn id="62" idx="1"/>
+                </p:cNvCxnSpPr>
+                <p:nvPr/>
+              </p:nvCxnSpPr>
+              <p:spPr>
+                <a:xfrm flipV="1">
+                  <a:off x="1695079" y="6128447"/>
+                  <a:ext cx="555593" cy="288580"/>
+                </a:xfrm>
+                <a:prstGeom prst="straightConnector1">
+                  <a:avLst/>
+                </a:prstGeom>
+                <a:ln w="19050">
+                  <a:solidFill>
+                    <a:schemeClr val="tx1"/>
+                  </a:solidFill>
+                  <a:tailEnd type="stealth" w="lg" len="lg"/>
+                </a:ln>
+              </p:spPr>
+              <p:style>
+                <a:lnRef idx="1">
+                  <a:schemeClr val="accent1"/>
+                </a:lnRef>
+                <a:fillRef idx="0">
+                  <a:schemeClr val="accent1"/>
+                </a:fillRef>
+                <a:effectRef idx="0">
+                  <a:schemeClr val="accent1"/>
+                </a:effectRef>
+                <a:fontRef idx="minor">
+                  <a:schemeClr val="tx1"/>
+                </a:fontRef>
+              </p:style>
+            </p:cxnSp>
+          </p:grpSp>
+          <p:sp>
+            <p:nvSpPr>
+              <p:cNvPr id="62" name="Right Brace 61"/>
+              <p:cNvSpPr/>
+              <p:nvPr/>
+            </p:nvSpPr>
+            <p:spPr>
+              <a:xfrm rot="5400000">
+                <a:off x="6084102" y="5544120"/>
+                <a:ext cx="112869" cy="1098840"/>
+              </a:xfrm>
+              <a:prstGeom prst="rightBrace">
+                <a:avLst/>
+              </a:prstGeom>
+              <a:ln>
+                <a:solidFill>
+                  <a:schemeClr val="tx1"/>
+                </a:solidFill>
+              </a:ln>
+            </p:spPr>
+            <p:style>
+              <a:lnRef idx="1">
+                <a:schemeClr val="accent1"/>
+              </a:lnRef>
+              <a:fillRef idx="0">
+                <a:schemeClr val="accent1"/>
+              </a:fillRef>
+              <a:effectRef idx="0">
+                <a:schemeClr val="accent1"/>
+              </a:effectRef>
+              <a:fontRef idx="minor">
+                <a:schemeClr val="tx1"/>
+              </a:fontRef>
+            </p:style>
+            <p:txBody>
+              <a:bodyPr rtlCol="0" anchor="ctr"/>
+              <a:lstStyle/>
+              <a:p>
+                <a:pPr algn="ctr"/>
+                <a:endParaRPr lang="en-US">
+                  <a:solidFill>
+                    <a:prstClr val="black"/>
+                  </a:solidFill>
+                  <a:latin typeface="Calibri"/>
+                </a:endParaRPr>
+              </a:p>
+            </p:txBody>
+          </p:sp>
+        </p:grpSp>
+      </p:grpSp>
+      <p:grpSp>
+        <p:nvGrpSpPr>
+          <p:cNvPr id="90" name="Group 89"/>
+          <p:cNvGrpSpPr/>
+          <p:nvPr/>
+        </p:nvGrpSpPr>
+        <p:grpSpPr>
+          <a:xfrm>
+            <a:off x="3215680" y="4005064"/>
+            <a:ext cx="1583190" cy="1599622"/>
+            <a:chOff x="1691680" y="4365104"/>
+            <a:chExt cx="1583190" cy="1599622"/>
+          </a:xfrm>
+        </p:grpSpPr>
+        <p:sp>
+          <p:nvSpPr>
+            <p:cNvPr id="19" name="TextBox 18"/>
+            <p:cNvSpPr txBox="1"/>
+            <p:nvPr/>
+          </p:nvSpPr>
+          <p:spPr>
+            <a:xfrm>
+              <a:off x="2455127" y="5656949"/>
+              <a:ext cx="344966" cy="307777"/>
+            </a:xfrm>
+            <a:prstGeom prst="rect">
+              <a:avLst/>
+            </a:prstGeom>
+            <a:noFill/>
+            <a:ln>
+              <a:solidFill>
+                <a:schemeClr val="tx1"/>
+              </a:solidFill>
+            </a:ln>
+          </p:spPr>
+          <p:txBody>
+            <a:bodyPr wrap="none" rtlCol="0">
+              <a:spAutoFit/>
+            </a:bodyPr>
+            <a:lstStyle/>
+            <a:p>
+              <a:r>
+                <a:rPr lang="en-BE" sz="1400" dirty="0">
+                  <a:solidFill>
+                    <a:prstClr val="black"/>
+                  </a:solidFill>
+                  <a:latin typeface="Calibri"/>
+                </a:rPr>
+                <a:t>\0</a:t>
+              </a:r>
+              <a:endParaRPr lang="en-US" sz="1400" dirty="0">
+                <a:solidFill>
+                  <a:prstClr val="black"/>
+                </a:solidFill>
+                <a:latin typeface="Calibri"/>
+              </a:endParaRPr>
+            </a:p>
+          </p:txBody>
+        </p:sp>
+        <p:sp>
+          <p:nvSpPr>
+            <p:cNvPr id="20" name="TextBox 19"/>
+            <p:cNvSpPr txBox="1"/>
+            <p:nvPr/>
+          </p:nvSpPr>
+          <p:spPr>
+            <a:xfrm>
+              <a:off x="2801859" y="5656949"/>
+              <a:ext cx="344966" cy="307777"/>
+            </a:xfrm>
+            <a:prstGeom prst="rect">
+              <a:avLst/>
+            </a:prstGeom>
+            <a:noFill/>
+            <a:ln>
+              <a:solidFill>
+                <a:schemeClr val="tx1"/>
+              </a:solidFill>
+            </a:ln>
+          </p:spPr>
+          <p:txBody>
+            <a:bodyPr wrap="none" rtlCol="0">
+              <a:spAutoFit/>
+            </a:bodyPr>
+            <a:lstStyle/>
+            <a:p>
+              <a:r>
+                <a:rPr lang="en-BE" sz="1400" dirty="0">
+                  <a:solidFill>
+                    <a:prstClr val="black"/>
+                  </a:solidFill>
+                  <a:latin typeface="Calibri"/>
+                </a:rPr>
+                <a:t>\0</a:t>
+              </a:r>
+              <a:endParaRPr lang="en-US" sz="1400" dirty="0">
+                <a:solidFill>
+                  <a:prstClr val="black"/>
+                </a:solidFill>
+                <a:latin typeface="Calibri"/>
+              </a:endParaRPr>
+            </a:p>
+          </p:txBody>
+        </p:sp>
+        <p:grpSp>
+          <p:nvGrpSpPr>
+            <p:cNvPr id="74" name="Group 73"/>
+            <p:cNvGrpSpPr/>
+            <p:nvPr/>
+          </p:nvGrpSpPr>
+          <p:grpSpPr>
+            <a:xfrm>
+              <a:off x="1691680" y="4365104"/>
+              <a:ext cx="1583190" cy="1249461"/>
+              <a:chOff x="1691680" y="4365104"/>
+              <a:chExt cx="1583190" cy="1249461"/>
+            </a:xfrm>
+          </p:grpSpPr>
+          <p:sp>
+            <p:nvSpPr>
+              <p:cNvPr id="66" name="Right Brace 65"/>
+              <p:cNvSpPr/>
+              <p:nvPr/>
+            </p:nvSpPr>
+            <p:spPr>
+              <a:xfrm rot="16200000">
+                <a:off x="2674677" y="5261892"/>
+                <a:ext cx="171095" cy="534252"/>
+              </a:xfrm>
+              <a:prstGeom prst="rightBrace">
+                <a:avLst/>
+              </a:prstGeom>
+              <a:ln>
+                <a:solidFill>
+                  <a:schemeClr val="tx1"/>
+                </a:solidFill>
+              </a:ln>
+            </p:spPr>
+            <p:style>
+              <a:lnRef idx="1">
+                <a:schemeClr val="accent1"/>
+              </a:lnRef>
+              <a:fillRef idx="0">
+                <a:schemeClr val="accent1"/>
+              </a:fillRef>
+              <a:effectRef idx="0">
+                <a:schemeClr val="accent1"/>
+              </a:effectRef>
+              <a:fontRef idx="minor">
+                <a:schemeClr val="tx1"/>
+              </a:fontRef>
+            </p:style>
+            <p:txBody>
+              <a:bodyPr rtlCol="0" anchor="ctr"/>
+              <a:lstStyle/>
+              <a:p>
+                <a:pPr algn="ctr"/>
+                <a:endParaRPr lang="en-US">
+                  <a:solidFill>
+                    <a:prstClr val="black"/>
+                  </a:solidFill>
+                  <a:latin typeface="Calibri"/>
+                </a:endParaRPr>
+              </a:p>
+            </p:txBody>
+          </p:sp>
+          <p:sp>
+            <p:nvSpPr>
+              <p:cNvPr id="67" name="TextBox 66"/>
+              <p:cNvSpPr txBox="1"/>
+              <p:nvPr/>
+            </p:nvSpPr>
+            <p:spPr>
+              <a:xfrm>
+                <a:off x="1691680" y="4365104"/>
+                <a:ext cx="1583190" cy="646331"/>
+              </a:xfrm>
+              <a:prstGeom prst="rect">
+                <a:avLst/>
+              </a:prstGeom>
+              <a:noFill/>
+            </p:spPr>
+            <p:txBody>
+              <a:bodyPr wrap="none" rtlCol="0">
+                <a:spAutoFit/>
+              </a:bodyPr>
+              <a:lstStyle/>
+              <a:p>
+                <a:r>
+                  <a:rPr lang="en-BE" dirty="0">
+                    <a:solidFill>
+                      <a:prstClr val="black"/>
+                    </a:solidFill>
+                    <a:latin typeface="Calibri"/>
+                  </a:rPr>
+                  <a:t>2 byte padding</a:t>
+                </a:r>
+                <a:br>
+                  <a:rPr lang="en-BE" dirty="0">
+                    <a:solidFill>
+                      <a:prstClr val="black"/>
+                    </a:solidFill>
+                    <a:latin typeface="Calibri"/>
+                  </a:rPr>
+                </a:br>
+                <a:r>
+                  <a:rPr lang="en-BE" dirty="0">
+                    <a:solidFill>
+                      <a:prstClr val="black"/>
+                    </a:solidFill>
+                    <a:latin typeface="Calibri"/>
+                  </a:rPr>
+                  <a:t>for alignment</a:t>
+                </a:r>
+                <a:endParaRPr lang="en-US" dirty="0">
+                  <a:solidFill>
+                    <a:prstClr val="black"/>
+                  </a:solidFill>
+                  <a:latin typeface="Calibri"/>
+                </a:endParaRPr>
+              </a:p>
+            </p:txBody>
+          </p:sp>
+          <p:cxnSp>
+            <p:nvCxnSpPr>
+              <p:cNvPr id="68" name="Straight Arrow Connector 67"/>
+              <p:cNvCxnSpPr>
+                <a:stCxn id="67" idx="2"/>
+                <a:endCxn id="66" idx="1"/>
+              </p:cNvCxnSpPr>
+              <p:nvPr/>
+            </p:nvCxnSpPr>
+            <p:spPr>
+              <a:xfrm>
+                <a:off x="2483275" y="5011435"/>
+                <a:ext cx="276950" cy="432036"/>
+              </a:xfrm>
+              <a:prstGeom prst="straightConnector1">
+                <a:avLst/>
+              </a:prstGeom>
+              <a:ln w="19050">
+                <a:solidFill>
+                  <a:schemeClr val="tx1"/>
+                </a:solidFill>
+                <a:tailEnd type="stealth" w="lg" len="lg"/>
+              </a:ln>
+            </p:spPr>
+            <p:style>
+              <a:lnRef idx="1">
+                <a:schemeClr val="accent1"/>
+              </a:lnRef>
+              <a:fillRef idx="0">
+                <a:schemeClr val="accent1"/>
+              </a:fillRef>
+              <a:effectRef idx="0">
+                <a:schemeClr val="accent1"/>
+              </a:effectRef>
+              <a:fontRef idx="minor">
+                <a:schemeClr val="tx1"/>
+              </a:fontRef>
+            </p:style>
+          </p:cxnSp>
+        </p:grpSp>
+      </p:grpSp>
+      <p:grpSp>
+        <p:nvGrpSpPr>
+          <p:cNvPr id="95" name="Group 94"/>
+          <p:cNvGrpSpPr/>
+          <p:nvPr/>
+        </p:nvGrpSpPr>
+        <p:grpSpPr>
+          <a:xfrm>
+            <a:off x="7486055" y="4018382"/>
+            <a:ext cx="1583190" cy="1586304"/>
+            <a:chOff x="5962055" y="4378422"/>
+            <a:chExt cx="1583190" cy="1586304"/>
+          </a:xfrm>
+        </p:grpSpPr>
+        <p:sp>
+          <p:nvSpPr>
+            <p:cNvPr id="31" name="TextBox 30"/>
+            <p:cNvSpPr txBox="1"/>
+            <p:nvPr/>
+          </p:nvSpPr>
+          <p:spPr>
+            <a:xfrm>
+              <a:off x="6702240" y="5656949"/>
+              <a:ext cx="344966" cy="307777"/>
+            </a:xfrm>
+            <a:prstGeom prst="rect">
+              <a:avLst/>
+            </a:prstGeom>
+            <a:noFill/>
+            <a:ln>
+              <a:solidFill>
+                <a:schemeClr val="tx1"/>
+              </a:solidFill>
+            </a:ln>
+          </p:spPr>
+          <p:txBody>
+            <a:bodyPr wrap="none" rtlCol="0">
+              <a:spAutoFit/>
+            </a:bodyPr>
+            <a:lstStyle/>
+            <a:p>
+              <a:r>
+                <a:rPr lang="en-BE" sz="1400" dirty="0">
+                  <a:solidFill>
+                    <a:prstClr val="black"/>
+                  </a:solidFill>
+                  <a:latin typeface="Calibri"/>
+                </a:rPr>
+                <a:t>\0</a:t>
+              </a:r>
+              <a:endParaRPr lang="en-US" sz="1400" dirty="0">
+                <a:solidFill>
+                  <a:prstClr val="black"/>
+                </a:solidFill>
+                <a:latin typeface="Calibri"/>
+              </a:endParaRPr>
+            </a:p>
+          </p:txBody>
+        </p:sp>
+        <p:sp>
+          <p:nvSpPr>
+            <p:cNvPr id="32" name="TextBox 31"/>
+            <p:cNvSpPr txBox="1"/>
+            <p:nvPr/>
+          </p:nvSpPr>
+          <p:spPr>
+            <a:xfrm>
+              <a:off x="7037869" y="5656949"/>
+              <a:ext cx="344966" cy="307777"/>
+            </a:xfrm>
+            <a:prstGeom prst="rect">
+              <a:avLst/>
+            </a:prstGeom>
+            <a:noFill/>
+            <a:ln>
+              <a:solidFill>
+                <a:schemeClr val="tx1"/>
+              </a:solidFill>
+            </a:ln>
+          </p:spPr>
+          <p:txBody>
+            <a:bodyPr wrap="none" rtlCol="0">
+              <a:spAutoFit/>
+            </a:bodyPr>
+            <a:lstStyle/>
+            <a:p>
+              <a:r>
+                <a:rPr lang="en-BE" sz="1400" dirty="0">
+                  <a:solidFill>
+                    <a:prstClr val="black"/>
+                  </a:solidFill>
+                  <a:latin typeface="Calibri"/>
+                </a:rPr>
+                <a:t>\0</a:t>
+              </a:r>
+              <a:endParaRPr lang="en-US" sz="1400" dirty="0">
+                <a:solidFill>
+                  <a:prstClr val="black"/>
+                </a:solidFill>
+                <a:latin typeface="Calibri"/>
+              </a:endParaRPr>
+            </a:p>
+          </p:txBody>
+        </p:sp>
+        <p:grpSp>
+          <p:nvGrpSpPr>
+            <p:cNvPr id="81" name="Group 80"/>
+            <p:cNvGrpSpPr/>
+            <p:nvPr/>
+          </p:nvGrpSpPr>
+          <p:grpSpPr>
+            <a:xfrm>
+              <a:off x="5962055" y="4378422"/>
+              <a:ext cx="1583190" cy="1249461"/>
+              <a:chOff x="1691680" y="4365104"/>
+              <a:chExt cx="1583190" cy="1249461"/>
+            </a:xfrm>
+          </p:grpSpPr>
+          <p:sp>
+            <p:nvSpPr>
+              <p:cNvPr id="82" name="Right Brace 81"/>
+              <p:cNvSpPr/>
+              <p:nvPr/>
+            </p:nvSpPr>
+            <p:spPr>
+              <a:xfrm rot="16200000">
+                <a:off x="2674677" y="5261892"/>
+                <a:ext cx="171095" cy="534252"/>
+              </a:xfrm>
+              <a:prstGeom prst="rightBrace">
+                <a:avLst/>
+              </a:prstGeom>
+              <a:ln>
+                <a:solidFill>
+                  <a:schemeClr val="tx1"/>
+                </a:solidFill>
+              </a:ln>
+            </p:spPr>
+            <p:style>
+              <a:lnRef idx="1">
+                <a:schemeClr val="accent1"/>
+              </a:lnRef>
+              <a:fillRef idx="0">
+                <a:schemeClr val="accent1"/>
+              </a:fillRef>
+              <a:effectRef idx="0">
+                <a:schemeClr val="accent1"/>
+              </a:effectRef>
+              <a:fontRef idx="minor">
+                <a:schemeClr val="tx1"/>
+              </a:fontRef>
+            </p:style>
+            <p:txBody>
+              <a:bodyPr rtlCol="0" anchor="ctr"/>
+              <a:lstStyle/>
+              <a:p>
+                <a:pPr algn="ctr"/>
+                <a:endParaRPr lang="en-US">
+                  <a:solidFill>
+                    <a:prstClr val="black"/>
+                  </a:solidFill>
+                  <a:latin typeface="Calibri"/>
+                </a:endParaRPr>
+              </a:p>
+            </p:txBody>
+          </p:sp>
+          <p:sp>
+            <p:nvSpPr>
+              <p:cNvPr id="83" name="TextBox 82"/>
+              <p:cNvSpPr txBox="1"/>
+              <p:nvPr/>
+            </p:nvSpPr>
+            <p:spPr>
+              <a:xfrm>
+                <a:off x="1691680" y="4365104"/>
+                <a:ext cx="1583190" cy="646331"/>
+              </a:xfrm>
+              <a:prstGeom prst="rect">
+                <a:avLst/>
+              </a:prstGeom>
+              <a:noFill/>
+            </p:spPr>
+            <p:txBody>
+              <a:bodyPr wrap="none" rtlCol="0">
+                <a:spAutoFit/>
+              </a:bodyPr>
+              <a:lstStyle/>
+              <a:p>
+                <a:r>
+                  <a:rPr lang="en-BE" dirty="0">
+                    <a:solidFill>
+                      <a:prstClr val="black"/>
+                    </a:solidFill>
+                    <a:latin typeface="Calibri"/>
+                  </a:rPr>
+                  <a:t>2 byte padding</a:t>
+                </a:r>
+                <a:br>
+                  <a:rPr lang="en-BE" dirty="0">
+                    <a:solidFill>
+                      <a:prstClr val="black"/>
+                    </a:solidFill>
+                    <a:latin typeface="Calibri"/>
+                  </a:rPr>
+                </a:br>
+                <a:r>
+                  <a:rPr lang="en-BE" dirty="0">
+                    <a:solidFill>
+                      <a:prstClr val="black"/>
+                    </a:solidFill>
+                    <a:latin typeface="Calibri"/>
+                  </a:rPr>
+                  <a:t>for alignment</a:t>
+                </a:r>
+                <a:endParaRPr lang="en-US" dirty="0">
+                  <a:solidFill>
+                    <a:prstClr val="black"/>
+                  </a:solidFill>
+                  <a:latin typeface="Calibri"/>
+                </a:endParaRPr>
+              </a:p>
+            </p:txBody>
+          </p:sp>
+          <p:cxnSp>
+            <p:nvCxnSpPr>
+              <p:cNvPr id="84" name="Straight Arrow Connector 83"/>
+              <p:cNvCxnSpPr>
+                <a:stCxn id="83" idx="2"/>
+                <a:endCxn id="82" idx="1"/>
+              </p:cNvCxnSpPr>
+              <p:nvPr/>
+            </p:nvCxnSpPr>
+            <p:spPr>
+              <a:xfrm>
+                <a:off x="2483275" y="5011435"/>
+                <a:ext cx="276950" cy="432036"/>
+              </a:xfrm>
+              <a:prstGeom prst="straightConnector1">
+                <a:avLst/>
+              </a:prstGeom>
+              <a:ln w="19050">
+                <a:solidFill>
+                  <a:schemeClr val="tx1"/>
+                </a:solidFill>
+                <a:tailEnd type="stealth" w="lg" len="lg"/>
+              </a:ln>
+            </p:spPr>
+            <p:style>
+              <a:lnRef idx="1">
+                <a:schemeClr val="accent1"/>
+              </a:lnRef>
+              <a:fillRef idx="0">
+                <a:schemeClr val="accent1"/>
+              </a:fillRef>
+              <a:effectRef idx="0">
+                <a:schemeClr val="accent1"/>
+              </a:effectRef>
+              <a:fontRef idx="minor">
+                <a:schemeClr val="tx1"/>
+              </a:fontRef>
+            </p:style>
+          </p:cxnSp>
+        </p:grpSp>
+      </p:grpSp>
+    </p:spTree>
+    <p:extLst>
+      <p:ext uri="{BB962C8B-B14F-4D97-AF65-F5344CB8AC3E}">
+        <p14:creationId xmlns:p14="http://schemas.microsoft.com/office/powerpoint/2010/main" val="3975294593"/>
+      </p:ext>
+    </p:extLst>
+  </p:cSld>
+  <p:clrMapOvr>
+    <a:masterClrMapping/>
+  </p:clrMapOvr>
+  <p:timing>
+    <p:tnLst>
+      <p:par>
+        <p:cTn id="1" dur="indefinite" restart="never" nodeType="tmRoot">
+          <p:childTnLst>
+            <p:seq concurrent="1" nextAc="seek">
+              <p:cTn id="2" dur="indefinite" nodeType="mainSeq">
+                <p:childTnLst>
+                  <p:par>
+                    <p:cTn id="3" fill="hold">
+                      <p:stCondLst>
+                        <p:cond delay="indefinite"/>
+                      </p:stCondLst>
+                      <p:childTnLst>
+                        <p:par>
+                          <p:cTn id="4" fill="hold">
+                            <p:stCondLst>
+                              <p:cond delay="0"/>
+                            </p:stCondLst>
+                            <p:childTnLst>
+                              <p:par>
+                                <p:cTn id="5" presetID="1" presetClass="entr" presetSubtype="0" fill="hold" nodeType="clickEffect">
+                                  <p:stCondLst>
+                                    <p:cond delay="0"/>
+                                  </p:stCondLst>
+                                  <p:childTnLst>
+                                    <p:set>
+                                      <p:cBhvr>
+                                        <p:cTn id="6" dur="1" fill="hold">
+                                          <p:stCondLst>
+                                            <p:cond delay="0"/>
+                                          </p:stCondLst>
+                                        </p:cTn>
+                                        <p:tgtEl>
+                                          <p:spTgt spid="6"/>
+                                        </p:tgtEl>
+                                        <p:attrNameLst>
+                                          <p:attrName>style.visibility</p:attrName>
+                                        </p:attrNameLst>
+                                      </p:cBhvr>
+                                      <p:to>
+                                        <p:strVal val="visible"/>
+                                      </p:to>
+                                    </p:set>
+                                  </p:childTnLst>
+                                </p:cTn>
+                              </p:par>
+                            </p:childTnLst>
+                          </p:cTn>
+                        </p:par>
+                      </p:childTnLst>
+                    </p:cTn>
+                  </p:par>
+                  <p:par>
+                    <p:cTn id="7" fill="hold">
+                      <p:stCondLst>
+                        <p:cond delay="indefinite"/>
+                      </p:stCondLst>
+                      <p:childTnLst>
+                        <p:par>
+                          <p:cTn id="8" fill="hold">
+                            <p:stCondLst>
+                              <p:cond delay="0"/>
+                            </p:stCondLst>
+                            <p:childTnLst>
+                              <p:par>
+                                <p:cTn id="9" presetID="1" presetClass="entr" presetSubtype="0" fill="hold" nodeType="clickEffect">
+                                  <p:stCondLst>
+                                    <p:cond delay="0"/>
+                                  </p:stCondLst>
+                                  <p:childTnLst>
+                                    <p:set>
+                                      <p:cBhvr>
+                                        <p:cTn id="10" dur="1" fill="hold">
+                                          <p:stCondLst>
+                                            <p:cond delay="0"/>
+                                          </p:stCondLst>
+                                        </p:cTn>
+                                        <p:tgtEl>
+                                          <p:spTgt spid="88"/>
+                                        </p:tgtEl>
+                                        <p:attrNameLst>
+                                          <p:attrName>style.visibility</p:attrName>
+                                        </p:attrNameLst>
+                                      </p:cBhvr>
+                                      <p:to>
+                                        <p:strVal val="visible"/>
+                                      </p:to>
+                                    </p:set>
+                                  </p:childTnLst>
+                                </p:cTn>
+                              </p:par>
+                            </p:childTnLst>
+                          </p:cTn>
+                        </p:par>
+                      </p:childTnLst>
+                    </p:cTn>
+                  </p:par>
+                  <p:par>
+                    <p:cTn id="11" fill="hold">
+                      <p:stCondLst>
+                        <p:cond delay="indefinite"/>
+                      </p:stCondLst>
+                      <p:childTnLst>
+                        <p:par>
+                          <p:cTn id="12" fill="hold">
+                            <p:stCondLst>
+                              <p:cond delay="0"/>
+                            </p:stCondLst>
+                            <p:childTnLst>
+                              <p:par>
+                                <p:cTn id="13" presetID="1" presetClass="entr" presetSubtype="0" fill="hold" nodeType="clickEffect">
+                                  <p:stCondLst>
+                                    <p:cond delay="0"/>
+                                  </p:stCondLst>
+                                  <p:childTnLst>
+                                    <p:set>
+                                      <p:cBhvr>
+                                        <p:cTn id="14" dur="1" fill="hold">
+                                          <p:stCondLst>
+                                            <p:cond delay="0"/>
+                                          </p:stCondLst>
+                                        </p:cTn>
+                                        <p:tgtEl>
+                                          <p:spTgt spid="89"/>
+                                        </p:tgtEl>
+                                        <p:attrNameLst>
+                                          <p:attrName>style.visibility</p:attrName>
+                                        </p:attrNameLst>
+                                      </p:cBhvr>
+                                      <p:to>
+                                        <p:strVal val="visible"/>
+                                      </p:to>
+                                    </p:set>
+                                  </p:childTnLst>
+                                </p:cTn>
+                              </p:par>
+                            </p:childTnLst>
+                          </p:cTn>
+                        </p:par>
+                      </p:childTnLst>
+                    </p:cTn>
+                  </p:par>
+                  <p:par>
+                    <p:cTn id="15" fill="hold">
+                      <p:stCondLst>
+                        <p:cond delay="indefinite"/>
+                      </p:stCondLst>
+                      <p:childTnLst>
+                        <p:par>
+                          <p:cTn id="16" fill="hold">
+                            <p:stCondLst>
+                              <p:cond delay="0"/>
+                            </p:stCondLst>
+                            <p:childTnLst>
+                              <p:par>
+                                <p:cTn id="17" presetID="1" presetClass="entr" presetSubtype="0" fill="hold" nodeType="clickEffect">
+                                  <p:stCondLst>
+                                    <p:cond delay="0"/>
+                                  </p:stCondLst>
+                                  <p:childTnLst>
+                                    <p:set>
+                                      <p:cBhvr>
+                                        <p:cTn id="18" dur="1" fill="hold">
+                                          <p:stCondLst>
+                                            <p:cond delay="0"/>
+                                          </p:stCondLst>
+                                        </p:cTn>
+                                        <p:tgtEl>
+                                          <p:spTgt spid="86"/>
+                                        </p:tgtEl>
+                                        <p:attrNameLst>
+                                          <p:attrName>style.visibility</p:attrName>
+                                        </p:attrNameLst>
+                                      </p:cBhvr>
+                                      <p:to>
+                                        <p:strVal val="visible"/>
+                                      </p:to>
+                                    </p:set>
+                                  </p:childTnLst>
+                                </p:cTn>
+                              </p:par>
+                            </p:childTnLst>
+                          </p:cTn>
+                        </p:par>
+                      </p:childTnLst>
+                    </p:cTn>
+                  </p:par>
+                  <p:par>
+                    <p:cTn id="19" fill="hold">
+                      <p:stCondLst>
+                        <p:cond delay="indefinite"/>
+                      </p:stCondLst>
+                      <p:childTnLst>
+                        <p:par>
+                          <p:cTn id="20" fill="hold">
+                            <p:stCondLst>
+                              <p:cond delay="0"/>
+                            </p:stCondLst>
+                            <p:childTnLst>
+                              <p:par>
+                                <p:cTn id="21" presetID="1" presetClass="entr" presetSubtype="0" fill="hold" nodeType="clickEffect">
+                                  <p:stCondLst>
+                                    <p:cond delay="0"/>
+                                  </p:stCondLst>
+                                  <p:childTnLst>
+                                    <p:set>
+                                      <p:cBhvr>
+                                        <p:cTn id="22" dur="1" fill="hold">
+                                          <p:stCondLst>
+                                            <p:cond delay="0"/>
+                                          </p:stCondLst>
+                                        </p:cTn>
+                                        <p:tgtEl>
+                                          <p:spTgt spid="87"/>
+                                        </p:tgtEl>
+                                        <p:attrNameLst>
+                                          <p:attrName>style.visibility</p:attrName>
+                                        </p:attrNameLst>
+                                      </p:cBhvr>
+                                      <p:to>
+                                        <p:strVal val="visible"/>
+                                      </p:to>
+                                    </p:set>
+                                  </p:childTnLst>
+                                </p:cTn>
+                              </p:par>
+                            </p:childTnLst>
+                          </p:cTn>
+                        </p:par>
+                      </p:childTnLst>
+                    </p:cTn>
+                  </p:par>
+                  <p:par>
+                    <p:cTn id="23" fill="hold">
+                      <p:stCondLst>
+                        <p:cond delay="indefinite"/>
+                      </p:stCondLst>
+                      <p:childTnLst>
+                        <p:par>
+                          <p:cTn id="24" fill="hold">
+                            <p:stCondLst>
+                              <p:cond delay="0"/>
+                            </p:stCondLst>
+                            <p:childTnLst>
+                              <p:par>
+                                <p:cTn id="25" presetID="1" presetClass="entr" presetSubtype="0" fill="hold" nodeType="clickEffect">
+                                  <p:stCondLst>
+                                    <p:cond delay="0"/>
+                                  </p:stCondLst>
+                                  <p:childTnLst>
+                                    <p:set>
+                                      <p:cBhvr>
+                                        <p:cTn id="26" dur="1" fill="hold">
+                                          <p:stCondLst>
+                                            <p:cond delay="0"/>
+                                          </p:stCondLst>
+                                        </p:cTn>
+                                        <p:tgtEl>
+                                          <p:spTgt spid="90"/>
+                                        </p:tgtEl>
+                                        <p:attrNameLst>
+                                          <p:attrName>style.visibility</p:attrName>
+                                        </p:attrNameLst>
+                                      </p:cBhvr>
+                                      <p:to>
+                                        <p:strVal val="visible"/>
+                                      </p:to>
+                                    </p:set>
+                                  </p:childTnLst>
+                                </p:cTn>
+                              </p:par>
+                            </p:childTnLst>
+                          </p:cTn>
+                        </p:par>
+                      </p:childTnLst>
+                    </p:cTn>
+                  </p:par>
+                  <p:par>
+                    <p:cTn id="27" fill="hold">
+                      <p:stCondLst>
+                        <p:cond delay="indefinite"/>
+                      </p:stCondLst>
+                      <p:childTnLst>
+                        <p:par>
+                          <p:cTn id="28" fill="hold">
+                            <p:stCondLst>
+                              <p:cond delay="0"/>
+                            </p:stCondLst>
+                            <p:childTnLst>
+                              <p:par>
+                                <p:cTn id="29" presetID="1" presetClass="entr" presetSubtype="0" fill="hold" nodeType="clickEffect">
+                                  <p:stCondLst>
+                                    <p:cond delay="0"/>
+                                  </p:stCondLst>
+                                  <p:childTnLst>
+                                    <p:set>
+                                      <p:cBhvr>
+                                        <p:cTn id="30" dur="1" fill="hold">
+                                          <p:stCondLst>
+                                            <p:cond delay="0"/>
+                                          </p:stCondLst>
+                                        </p:cTn>
+                                        <p:tgtEl>
+                                          <p:spTgt spid="91"/>
+                                        </p:tgtEl>
+                                        <p:attrNameLst>
+                                          <p:attrName>style.visibility</p:attrName>
+                                        </p:attrNameLst>
+                                      </p:cBhvr>
+                                      <p:to>
+                                        <p:strVal val="visible"/>
+                                      </p:to>
+                                    </p:set>
+                                  </p:childTnLst>
+                                </p:cTn>
+                              </p:par>
+                            </p:childTnLst>
+                          </p:cTn>
+                        </p:par>
+                      </p:childTnLst>
+                    </p:cTn>
+                  </p:par>
+                  <p:par>
+                    <p:cTn id="31" fill="hold">
+                      <p:stCondLst>
+                        <p:cond delay="indefinite"/>
+                      </p:stCondLst>
+                      <p:childTnLst>
+                        <p:par>
+                          <p:cTn id="32" fill="hold">
+                            <p:stCondLst>
+                              <p:cond delay="0"/>
+                            </p:stCondLst>
+                            <p:childTnLst>
+                              <p:par>
+                                <p:cTn id="33" presetID="1" presetClass="entr" presetSubtype="0" fill="hold" nodeType="clickEffect">
+                                  <p:stCondLst>
+                                    <p:cond delay="0"/>
+                                  </p:stCondLst>
+                                  <p:childTnLst>
+                                    <p:set>
+                                      <p:cBhvr>
+                                        <p:cTn id="34" dur="1" fill="hold">
+                                          <p:stCondLst>
+                                            <p:cond delay="0"/>
+                                          </p:stCondLst>
+                                        </p:cTn>
+                                        <p:tgtEl>
+                                          <p:spTgt spid="92"/>
+                                        </p:tgtEl>
+                                        <p:attrNameLst>
+                                          <p:attrName>style.visibility</p:attrName>
+                                        </p:attrNameLst>
+                                      </p:cBhvr>
+                                      <p:to>
+                                        <p:strVal val="visible"/>
+                                      </p:to>
+                                    </p:set>
+                                  </p:childTnLst>
+                                </p:cTn>
+                              </p:par>
+                            </p:childTnLst>
+                          </p:cTn>
+                        </p:par>
+                      </p:childTnLst>
+                    </p:cTn>
+                  </p:par>
+                  <p:par>
+                    <p:cTn id="35" fill="hold">
+                      <p:stCondLst>
+                        <p:cond delay="indefinite"/>
+                      </p:stCondLst>
+                      <p:childTnLst>
+                        <p:par>
+                          <p:cTn id="36" fill="hold">
+                            <p:stCondLst>
+                              <p:cond delay="0"/>
+                            </p:stCondLst>
+                            <p:childTnLst>
+                              <p:par>
+                                <p:cTn id="37" presetID="1" presetClass="entr" presetSubtype="0" fill="hold" nodeType="clickEffect">
+                                  <p:stCondLst>
+                                    <p:cond delay="0"/>
+                                  </p:stCondLst>
+                                  <p:childTnLst>
+                                    <p:set>
+                                      <p:cBhvr>
+                                        <p:cTn id="38" dur="1" fill="hold">
+                                          <p:stCondLst>
+                                            <p:cond delay="0"/>
+                                          </p:stCondLst>
+                                        </p:cTn>
+                                        <p:tgtEl>
+                                          <p:spTgt spid="93"/>
+                                        </p:tgtEl>
+                                        <p:attrNameLst>
+                                          <p:attrName>style.visibility</p:attrName>
+                                        </p:attrNameLst>
+                                      </p:cBhvr>
+                                      <p:to>
+                                        <p:strVal val="visible"/>
+                                      </p:to>
+                                    </p:set>
+                                  </p:childTnLst>
+                                </p:cTn>
+                              </p:par>
+                            </p:childTnLst>
+                          </p:cTn>
+                        </p:par>
+                      </p:childTnLst>
+                    </p:cTn>
+                  </p:par>
+                  <p:par>
+                    <p:cTn id="39" fill="hold">
+                      <p:stCondLst>
+                        <p:cond delay="indefinite"/>
+                      </p:stCondLst>
+                      <p:childTnLst>
+                        <p:par>
+                          <p:cTn id="40" fill="hold">
+                            <p:stCondLst>
+                              <p:cond delay="0"/>
+                            </p:stCondLst>
+                            <p:childTnLst>
+                              <p:par>
+                                <p:cTn id="41" presetID="1" presetClass="entr" presetSubtype="0" fill="hold" nodeType="clickEffect">
+                                  <p:stCondLst>
+                                    <p:cond delay="0"/>
+                                  </p:stCondLst>
+                                  <p:childTnLst>
+                                    <p:set>
+                                      <p:cBhvr>
+                                        <p:cTn id="42" dur="1" fill="hold">
+                                          <p:stCondLst>
+                                            <p:cond delay="0"/>
+                                          </p:stCondLst>
+                                        </p:cTn>
+                                        <p:tgtEl>
+                                          <p:spTgt spid="94"/>
+                                        </p:tgtEl>
+                                        <p:attrNameLst>
+                                          <p:attrName>style.visibility</p:attrName>
+                                        </p:attrNameLst>
+                                      </p:cBhvr>
+                                      <p:to>
+                                        <p:strVal val="visible"/>
+                                      </p:to>
+                                    </p:set>
+                                  </p:childTnLst>
+                                </p:cTn>
+                              </p:par>
+                            </p:childTnLst>
+                          </p:cTn>
+                        </p:par>
+                      </p:childTnLst>
+                    </p:cTn>
+                  </p:par>
+                  <p:par>
+                    <p:cTn id="43" fill="hold">
+                      <p:stCondLst>
+                        <p:cond delay="indefinite"/>
+                      </p:stCondLst>
+                      <p:childTnLst>
+                        <p:par>
+                          <p:cTn id="44" fill="hold">
+                            <p:stCondLst>
+                              <p:cond delay="0"/>
+                            </p:stCondLst>
+                            <p:childTnLst>
+                              <p:par>
+                                <p:cTn id="45" presetID="1" presetClass="entr" presetSubtype="0" fill="hold" nodeType="clickEffect">
+                                  <p:stCondLst>
+                                    <p:cond delay="0"/>
+                                  </p:stCondLst>
+                                  <p:childTnLst>
+                                    <p:set>
+                                      <p:cBhvr>
+                                        <p:cTn id="46" dur="1" fill="hold">
+                                          <p:stCondLst>
+                                            <p:cond delay="0"/>
+                                          </p:stCondLst>
+                                        </p:cTn>
+                                        <p:tgtEl>
+                                          <p:spTgt spid="95"/>
+                                        </p:tgtEl>
+                                        <p:attrNameLst>
+                                          <p:attrName>style.visibility</p:attrName>
+                                        </p:attrNameLst>
+                                      </p:cBhvr>
+                                      <p:to>
+                                        <p:strVal val="visible"/>
+                                      </p:to>
+                                    </p:set>
+                                  </p:childTnLst>
+                                </p:cTn>
+                              </p:par>
+                            </p:childTnLst>
+                          </p:cTn>
+                        </p:par>
+                      </p:childTnLst>
+                    </p:cTn>
+                  </p:par>
+                </p:childTnLst>
+              </p:cTn>
+              <p:prevCondLst>
+                <p:cond evt="onPrev" delay="0">
+                  <p:tgtEl>
+                    <p:sldTgt/>
+                  </p:tgtEl>
+                </p:cond>
+              </p:prevCondLst>
+              <p:nextCondLst>
+                <p:cond evt="onNext" delay="0">
+                  <p:tgtEl>
+                    <p:sldTgt/>
+                  </p:tgtEl>
+                </p:cond>
+              </p:nextCondLst>
+            </p:seq>
+          </p:childTnLst>
+        </p:cTn>
+      </p:par>
+    </p:tnLst>
+  </p:timing>
+</p:sld>
+</file>
+
+<file path=ppt/slides/slide21.xml><?xml version="1.0" encoding="utf-8"?>
+<p:sld xmlns:a="http://schemas.openxmlformats.org/drawingml/2006/main" xmlns:r="http://schemas.openxmlformats.org/officeDocument/2006/relationships" xmlns:p="http://schemas.openxmlformats.org/presentationml/2006/main">
+  <p:cSld>
+    <p:spTree>
+      <p:nvGrpSpPr>
+        <p:cNvPr id="1" name=""/>
+        <p:cNvGrpSpPr/>
+        <p:nvPr/>
+      </p:nvGrpSpPr>
+      <p:grpSpPr>
+        <a:xfrm>
+          <a:off x="0" y="0"/>
+          <a:ext cx="0" cy="0"/>
+          <a:chOff x="0" y="0"/>
+          <a:chExt cx="0" cy="0"/>
+        </a:xfrm>
+      </p:grpSpPr>
+      <p:sp>
+        <p:nvSpPr>
+          <p:cNvPr id="2" name="Title 1"/>
+          <p:cNvSpPr>
+            <a:spLocks noGrp="1"/>
+          </p:cNvSpPr>
+          <p:nvPr>
+            <p:ph type="title"/>
+          </p:nvPr>
+        </p:nvSpPr>
+        <p:spPr/>
+        <p:txBody>
+          <a:bodyPr/>
+          <a:lstStyle/>
+          <a:p>
+            <a:r>
+              <a:rPr lang="en-US" dirty="0" smtClean="0"/>
+              <a:t>Data formats: XML output</a:t>
+            </a:r>
+            <a:endParaRPr lang="en-US" dirty="0"/>
+          </a:p>
+        </p:txBody>
+      </p:sp>
+      <p:sp>
+        <p:nvSpPr>
+          <p:cNvPr id="3" name="TextBox 2"/>
+          <p:cNvSpPr txBox="1"/>
+          <p:nvPr/>
+        </p:nvSpPr>
+        <p:spPr>
+          <a:xfrm>
+            <a:off x="2063552" y="1268760"/>
+            <a:ext cx="8064896" cy="5355312"/>
+          </a:xfrm>
+          <a:prstGeom prst="rect">
+            <a:avLst/>
+          </a:prstGeom>
+          <a:solidFill>
+            <a:schemeClr val="bg1">
+              <a:lumMod val="75000"/>
+            </a:schemeClr>
+          </a:solidFill>
+        </p:spPr>
+        <p:txBody>
+          <a:bodyPr wrap="square" rtlCol="0">
+            <a:spAutoFit/>
+          </a:bodyPr>
+          <a:lstStyle/>
+          <a:p>
+            <a:r>
+              <a:rPr lang="en-US" dirty="0">
+                <a:solidFill>
+                  <a:prstClr val="black"/>
+                </a:solidFill>
+                <a:latin typeface="Courier New" pitchFamily="49" charset="0"/>
+                <a:cs typeface="Courier New" pitchFamily="49" charset="0"/>
+              </a:rPr>
+              <a:t>&lt;?xml version="1.0" ?&gt;</a:t>
+            </a:r>
+          </a:p>
+          <a:p>
+            <a:r>
+              <a:rPr lang="en-US" dirty="0">
+                <a:solidFill>
+                  <a:prstClr val="black"/>
+                </a:solidFill>
+                <a:latin typeface="Courier New" pitchFamily="49" charset="0"/>
+                <a:cs typeface="Courier New" pitchFamily="49" charset="0"/>
+              </a:rPr>
+              <a:t>&lt;blocks&gt;</a:t>
+            </a:r>
+          </a:p>
+          <a:p>
+            <a:r>
+              <a:rPr lang="en-US" dirty="0">
+                <a:solidFill>
+                  <a:prstClr val="black"/>
+                </a:solidFill>
+                <a:latin typeface="Courier New" pitchFamily="49" charset="0"/>
+                <a:cs typeface="Courier New" pitchFamily="49" charset="0"/>
+              </a:rPr>
+              <a:t>  &lt;block name="block_01"&gt;</a:t>
+            </a:r>
+          </a:p>
+          <a:p>
+            <a:r>
+              <a:rPr lang="en-US" dirty="0">
+                <a:solidFill>
+                  <a:prstClr val="black"/>
+                </a:solidFill>
+                <a:latin typeface="Courier New" pitchFamily="49" charset="0"/>
+                <a:cs typeface="Courier New" pitchFamily="49" charset="0"/>
+              </a:rPr>
+              <a:t>    &lt;item&gt;</a:t>
+            </a:r>
+          </a:p>
+          <a:p>
+            <a:r>
+              <a:rPr lang="en-US" dirty="0">
+                <a:solidFill>
+                  <a:prstClr val="black"/>
+                </a:solidFill>
+                <a:latin typeface="Courier New" pitchFamily="49" charset="0"/>
+                <a:cs typeface="Courier New" pitchFamily="49" charset="0"/>
+              </a:rPr>
+              <a:t>      0.1</a:t>
+            </a:r>
+          </a:p>
+          <a:p>
+            <a:r>
+              <a:rPr lang="en-US" dirty="0">
+                <a:solidFill>
+                  <a:prstClr val="black"/>
+                </a:solidFill>
+                <a:latin typeface="Courier New" pitchFamily="49" charset="0"/>
+                <a:cs typeface="Courier New" pitchFamily="49" charset="0"/>
+              </a:rPr>
+              <a:t>    &lt;/item&gt;</a:t>
+            </a:r>
+          </a:p>
+          <a:p>
+            <a:r>
+              <a:rPr lang="en-US" dirty="0">
+                <a:solidFill>
+                  <a:prstClr val="black"/>
+                </a:solidFill>
+                <a:latin typeface="Courier New" pitchFamily="49" charset="0"/>
+                <a:cs typeface="Courier New" pitchFamily="49" charset="0"/>
+              </a:rPr>
+              <a:t>    &lt;item&gt;</a:t>
+            </a:r>
+          </a:p>
+          <a:p>
+            <a:r>
+              <a:rPr lang="en-US" dirty="0">
+                <a:solidFill>
+                  <a:prstClr val="black"/>
+                </a:solidFill>
+                <a:latin typeface="Courier New" pitchFamily="49" charset="0"/>
+                <a:cs typeface="Courier New" pitchFamily="49" charset="0"/>
+              </a:rPr>
+              <a:t>      1.1</a:t>
+            </a:r>
+          </a:p>
+          <a:p>
+            <a:r>
+              <a:rPr lang="en-US" dirty="0">
+                <a:solidFill>
+                  <a:prstClr val="black"/>
+                </a:solidFill>
+                <a:latin typeface="Courier New" pitchFamily="49" charset="0"/>
+                <a:cs typeface="Courier New" pitchFamily="49" charset="0"/>
+              </a:rPr>
+              <a:t>    &lt;/item&gt;</a:t>
+            </a:r>
+          </a:p>
+          <a:p>
+            <a:r>
+              <a:rPr lang="en-US" dirty="0">
+                <a:solidFill>
+                  <a:prstClr val="black"/>
+                </a:solidFill>
+                <a:latin typeface="Courier New" pitchFamily="49" charset="0"/>
+                <a:cs typeface="Courier New" pitchFamily="49" charset="0"/>
+              </a:rPr>
+              <a:t>  &lt;/block&gt;</a:t>
+            </a:r>
+          </a:p>
+          <a:p>
+            <a:r>
+              <a:rPr lang="en-US" dirty="0">
+                <a:solidFill>
+                  <a:prstClr val="black"/>
+                </a:solidFill>
+                <a:latin typeface="Courier New" pitchFamily="49" charset="0"/>
+                <a:cs typeface="Courier New" pitchFamily="49" charset="0"/>
+              </a:rPr>
+              <a:t>  &lt;block name="block_02"&gt;</a:t>
+            </a:r>
+          </a:p>
+          <a:p>
+            <a:r>
+              <a:rPr lang="en-US" dirty="0">
+                <a:solidFill>
+                  <a:prstClr val="black"/>
+                </a:solidFill>
+                <a:latin typeface="Courier New" pitchFamily="49" charset="0"/>
+                <a:cs typeface="Courier New" pitchFamily="49" charset="0"/>
+              </a:rPr>
+              <a:t>    &lt;item&gt;</a:t>
+            </a:r>
+          </a:p>
+          <a:p>
+            <a:r>
+              <a:rPr lang="en-US" dirty="0">
+                <a:solidFill>
+                  <a:prstClr val="black"/>
+                </a:solidFill>
+                <a:latin typeface="Courier New" pitchFamily="49" charset="0"/>
+                <a:cs typeface="Courier New" pitchFamily="49" charset="0"/>
+              </a:rPr>
+              <a:t>      0.2</a:t>
+            </a:r>
+          </a:p>
+          <a:p>
+            <a:r>
+              <a:rPr lang="en-US" dirty="0">
+                <a:solidFill>
+                  <a:prstClr val="black"/>
+                </a:solidFill>
+                <a:latin typeface="Courier New" pitchFamily="49" charset="0"/>
+                <a:cs typeface="Courier New" pitchFamily="49" charset="0"/>
+              </a:rPr>
+              <a:t>    &lt;/item&gt;</a:t>
+            </a:r>
+          </a:p>
+          <a:p>
+            <a:r>
+              <a:rPr lang="en-US" dirty="0">
+                <a:solidFill>
+                  <a:prstClr val="black"/>
+                </a:solidFill>
+                <a:latin typeface="Courier New" pitchFamily="49" charset="0"/>
+                <a:cs typeface="Courier New" pitchFamily="49" charset="0"/>
+              </a:rPr>
+              <a:t>    &lt;item&gt;</a:t>
+            </a:r>
+          </a:p>
+          <a:p>
+            <a:r>
+              <a:rPr lang="en-US" dirty="0">
+                <a:solidFill>
+                  <a:prstClr val="black"/>
+                </a:solidFill>
+                <a:latin typeface="Courier New" pitchFamily="49" charset="0"/>
+                <a:cs typeface="Courier New" pitchFamily="49" charset="0"/>
+              </a:rPr>
+              <a:t>      1.2</a:t>
+            </a:r>
+          </a:p>
+          <a:p>
+            <a:r>
+              <a:rPr lang="en-US" dirty="0">
+                <a:solidFill>
+                  <a:prstClr val="black"/>
+                </a:solidFill>
+                <a:latin typeface="Courier New" pitchFamily="49" charset="0"/>
+                <a:cs typeface="Courier New" pitchFamily="49" charset="0"/>
+              </a:rPr>
+              <a:t>    &lt;/item&gt;</a:t>
+            </a:r>
+          </a:p>
+          <a:p>
+            <a:r>
+              <a:rPr lang="en-US" dirty="0">
+                <a:solidFill>
+                  <a:prstClr val="black"/>
+                </a:solidFill>
+                <a:latin typeface="Courier New" pitchFamily="49" charset="0"/>
+                <a:cs typeface="Courier New" pitchFamily="49" charset="0"/>
+              </a:rPr>
+              <a:t>  &lt;/block&gt;</a:t>
+            </a:r>
+          </a:p>
+          <a:p>
+            <a:r>
+              <a:rPr lang="en-US" dirty="0">
+                <a:solidFill>
+                  <a:prstClr val="black"/>
+                </a:solidFill>
+                <a:latin typeface="Courier New" pitchFamily="49" charset="0"/>
+                <a:cs typeface="Courier New" pitchFamily="49" charset="0"/>
+              </a:rPr>
+              <a:t>&lt;/blocks&gt;</a:t>
+            </a:r>
+            <a:endParaRPr lang="en-US" dirty="0">
+              <a:solidFill>
+                <a:prstClr val="black"/>
+              </a:solidFill>
+              <a:latin typeface="Courier New" pitchFamily="49" charset="0"/>
+              <a:cs typeface="Courier New" pitchFamily="49" charset="0"/>
+            </a:endParaRPr>
+          </a:p>
+        </p:txBody>
+      </p:sp>
+      <p:sp>
+        <p:nvSpPr>
+          <p:cNvPr id="4" name="Slide Number Placeholder 3"/>
+          <p:cNvSpPr>
+            <a:spLocks noGrp="1"/>
+          </p:cNvSpPr>
+          <p:nvPr>
+            <p:ph type="sldNum" sz="quarter" idx="12"/>
+          </p:nvPr>
+        </p:nvSpPr>
+        <p:spPr/>
+        <p:txBody>
+          <a:bodyPr/>
+          <a:lstStyle/>
+          <a:p>
+            <a:fld id="{5A209D72-2E9D-49B0-8977-41DCCC66C0BB}" type="slidenum">
+              <a:rPr lang="nl-BE">
+                <a:solidFill>
+                  <a:prstClr val="black">
+                    <a:tint val="75000"/>
+                  </a:prstClr>
+                </a:solidFill>
+                <a:latin typeface="Calibri"/>
+              </a:rPr>
+              <a:pPr/>
+              <a:t>21</a:t>
+            </a:fld>
+            <a:endParaRPr lang="nl-BE">
+              <a:solidFill>
+                <a:prstClr val="black">
+                  <a:tint val="75000"/>
+                </a:prstClr>
+              </a:solidFill>
+              <a:latin typeface="Calibri"/>
+            </a:endParaRPr>
+          </a:p>
+        </p:txBody>
+      </p:sp>
+    </p:spTree>
+    <p:extLst>
+      <p:ext uri="{BB962C8B-B14F-4D97-AF65-F5344CB8AC3E}">
+        <p14:creationId xmlns:p14="http://schemas.microsoft.com/office/powerpoint/2010/main" val="356106587"/>
+      </p:ext>
+    </p:extLst>
+  </p:cSld>
+  <p:clrMapOvr>
+    <a:masterClrMapping/>
+  </p:clrMapOvr>
+  <p:timing>
+    <p:tnLst>
+      <p:par>
+        <p:cTn id="1" dur="indefinite" restart="never" nodeType="tmRoot"/>
+      </p:par>
+    </p:tnLst>
+  </p:timing>
+</p:sld>
+</file>
+
+<file path=ppt/slides/slide22.xml><?xml version="1.0" encoding="utf-8"?>
+<p:sld xmlns:a="http://schemas.openxmlformats.org/drawingml/2006/main" xmlns:r="http://schemas.openxmlformats.org/officeDocument/2006/relationships" xmlns:p="http://schemas.openxmlformats.org/presentationml/2006/main">
+  <p:cSld>
+    <p:spTree>
+      <p:nvGrpSpPr>
+        <p:cNvPr id="1" name=""/>
+        <p:cNvGrpSpPr/>
+        <p:nvPr/>
+      </p:nvGrpSpPr>
+      <p:grpSpPr>
+        <a:xfrm>
+          <a:off x="0" y="0"/>
+          <a:ext cx="0" cy="0"/>
+          <a:chOff x="0" y="0"/>
+          <a:chExt cx="0" cy="0"/>
+        </a:xfrm>
+      </p:grpSpPr>
+      <p:sp>
+        <p:nvSpPr>
+          <p:cNvPr id="2" name="Title 1"/>
+          <p:cNvSpPr>
+            <a:spLocks noGrp="1"/>
+          </p:cNvSpPr>
+          <p:nvPr>
+            <p:ph type="title"/>
+          </p:nvPr>
+        </p:nvSpPr>
+        <p:spPr/>
+        <p:txBody>
+          <a:bodyPr/>
+          <a:lstStyle/>
+          <a:p>
+            <a:r>
+              <a:rPr lang="en-US" dirty="0" smtClean="0"/>
+              <a:t>Data formats: creating XML</a:t>
+            </a:r>
+            <a:endParaRPr lang="en-US" dirty="0"/>
+          </a:p>
+        </p:txBody>
+      </p:sp>
+      <p:sp>
+        <p:nvSpPr>
+          <p:cNvPr id="5" name="TextBox 4"/>
+          <p:cNvSpPr txBox="1"/>
+          <p:nvPr/>
+        </p:nvSpPr>
+        <p:spPr>
+          <a:xfrm>
+            <a:off x="1991544" y="1412777"/>
+            <a:ext cx="8064896" cy="5078313"/>
+          </a:xfrm>
+          <a:prstGeom prst="rect">
+            <a:avLst/>
+          </a:prstGeom>
+          <a:solidFill>
+            <a:schemeClr val="bg1">
+              <a:lumMod val="75000"/>
+            </a:schemeClr>
+          </a:solidFill>
+        </p:spPr>
+        <p:txBody>
+          <a:bodyPr wrap="square" rtlCol="0">
+            <a:spAutoFit/>
+          </a:bodyPr>
+          <a:lstStyle/>
+          <a:p>
+            <a:r>
+              <a:rPr lang="pt-BR" dirty="0">
+                <a:solidFill>
+                  <a:prstClr val="black"/>
+                </a:solidFill>
+                <a:latin typeface="Courier New" pitchFamily="49" charset="0"/>
+                <a:cs typeface="Courier New" pitchFamily="49" charset="0"/>
+              </a:rPr>
+              <a:t> </a:t>
+            </a:r>
+            <a:r>
+              <a:rPr lang="pt-BR" dirty="0">
+                <a:solidFill>
+                  <a:prstClr val="black"/>
+                </a:solidFill>
+                <a:latin typeface="Courier New" pitchFamily="49" charset="0"/>
+                <a:cs typeface="Courier New" pitchFamily="49" charset="0"/>
+              </a:rPr>
+              <a:t>1   from </a:t>
+            </a:r>
+            <a:r>
+              <a:rPr lang="pt-BR" dirty="0">
+                <a:solidFill>
+                  <a:prstClr val="black"/>
+                </a:solidFill>
+                <a:latin typeface="Courier New" pitchFamily="49" charset="0"/>
+                <a:cs typeface="Courier New" pitchFamily="49" charset="0"/>
+              </a:rPr>
+              <a:t>xml.dom.minidom import </a:t>
+            </a:r>
+            <a:r>
+              <a:rPr lang="pt-BR" dirty="0">
+                <a:solidFill>
+                  <a:prstClr val="black"/>
+                </a:solidFill>
+                <a:latin typeface="Courier New" pitchFamily="49" charset="0"/>
+                <a:cs typeface="Courier New" pitchFamily="49" charset="0"/>
+              </a:rPr>
+              <a:t>Document</a:t>
+            </a:r>
+          </a:p>
+          <a:p>
+            <a:r>
+              <a:rPr lang="pt-BR" dirty="0">
+                <a:solidFill>
+                  <a:prstClr val="black"/>
+                </a:solidFill>
+                <a:latin typeface="Courier New" pitchFamily="49" charset="0"/>
+                <a:cs typeface="Courier New" pitchFamily="49" charset="0"/>
+              </a:rPr>
+              <a:t> 2</a:t>
+            </a:r>
+            <a:r>
+              <a:rPr lang="pt-BR" dirty="0">
+                <a:solidFill>
+                  <a:prstClr val="black"/>
+                </a:solidFill>
+                <a:latin typeface="Courier New" pitchFamily="49" charset="0"/>
+                <a:cs typeface="Courier New" pitchFamily="49" charset="0"/>
+              </a:rPr>
+              <a:t>   nr_blocks = 2</a:t>
+            </a:r>
+            <a:br>
+              <a:rPr lang="pt-BR" dirty="0">
+                <a:solidFill>
+                  <a:prstClr val="black"/>
+                </a:solidFill>
+                <a:latin typeface="Courier New" pitchFamily="49" charset="0"/>
+                <a:cs typeface="Courier New" pitchFamily="49" charset="0"/>
+              </a:rPr>
+            </a:br>
+            <a:r>
+              <a:rPr lang="pt-BR" dirty="0">
+                <a:solidFill>
+                  <a:prstClr val="black"/>
+                </a:solidFill>
+                <a:latin typeface="Courier New" pitchFamily="49" charset="0"/>
+                <a:cs typeface="Courier New" pitchFamily="49" charset="0"/>
+              </a:rPr>
+              <a:t> 3   nr_items = 2</a:t>
+            </a:r>
+            <a:endParaRPr lang="pt-BR" dirty="0">
+              <a:solidFill>
+                <a:prstClr val="black"/>
+              </a:solidFill>
+              <a:latin typeface="Courier New" pitchFamily="49" charset="0"/>
+              <a:cs typeface="Courier New" pitchFamily="49" charset="0"/>
+            </a:endParaRPr>
+          </a:p>
+          <a:p>
+            <a:r>
+              <a:rPr lang="pt-BR" dirty="0">
+                <a:solidFill>
+                  <a:prstClr val="black"/>
+                </a:solidFill>
+                <a:latin typeface="Courier New" pitchFamily="49" charset="0"/>
+                <a:cs typeface="Courier New" pitchFamily="49" charset="0"/>
+              </a:rPr>
+              <a:t> </a:t>
+            </a:r>
+            <a:r>
+              <a:rPr lang="en-US" dirty="0">
+                <a:solidFill>
+                  <a:prstClr val="black"/>
+                </a:solidFill>
+                <a:latin typeface="Courier New" pitchFamily="49" charset="0"/>
+                <a:cs typeface="Courier New" pitchFamily="49" charset="0"/>
+              </a:rPr>
+              <a:t>4</a:t>
+            </a:r>
+            <a:r>
+              <a:rPr lang="en-US" dirty="0">
+                <a:solidFill>
+                  <a:prstClr val="black"/>
+                </a:solidFill>
+                <a:latin typeface="Courier New" pitchFamily="49" charset="0"/>
+                <a:cs typeface="Courier New" pitchFamily="49" charset="0"/>
+              </a:rPr>
+              <a:t>   </a:t>
+            </a:r>
+            <a:r>
+              <a:rPr lang="en-US" dirty="0">
+                <a:solidFill>
+                  <a:prstClr val="black"/>
+                </a:solidFill>
+                <a:latin typeface="Courier New" pitchFamily="49" charset="0"/>
+                <a:cs typeface="Courier New" pitchFamily="49" charset="0"/>
+              </a:rPr>
+              <a:t>doc = Document()</a:t>
+            </a:r>
+          </a:p>
+          <a:p>
+            <a:r>
+              <a:rPr lang="en-US" dirty="0">
+                <a:solidFill>
+                  <a:prstClr val="black"/>
+                </a:solidFill>
+                <a:latin typeface="Courier New" pitchFamily="49" charset="0"/>
+                <a:cs typeface="Courier New" pitchFamily="49" charset="0"/>
+              </a:rPr>
+              <a:t> 5</a:t>
+            </a:r>
+            <a:r>
+              <a:rPr lang="en-US" dirty="0">
+                <a:solidFill>
+                  <a:prstClr val="black"/>
+                </a:solidFill>
+                <a:latin typeface="Courier New" pitchFamily="49" charset="0"/>
+                <a:cs typeface="Courier New" pitchFamily="49" charset="0"/>
+              </a:rPr>
+              <a:t>   </a:t>
+            </a:r>
+            <a:r>
+              <a:rPr lang="en-US" dirty="0">
+                <a:solidFill>
+                  <a:prstClr val="black"/>
+                </a:solidFill>
+                <a:latin typeface="Courier New" pitchFamily="49" charset="0"/>
+                <a:cs typeface="Courier New" pitchFamily="49" charset="0"/>
+              </a:rPr>
+              <a:t>blocks = </a:t>
+            </a:r>
+            <a:r>
+              <a:rPr lang="en-US" dirty="0" err="1">
+                <a:solidFill>
+                  <a:prstClr val="black"/>
+                </a:solidFill>
+                <a:latin typeface="Courier New" pitchFamily="49" charset="0"/>
+                <a:cs typeface="Courier New" pitchFamily="49" charset="0"/>
+              </a:rPr>
+              <a:t>doc.createElement</a:t>
+            </a:r>
+            <a:r>
+              <a:rPr lang="en-US" dirty="0">
+                <a:solidFill>
+                  <a:prstClr val="black"/>
+                </a:solidFill>
+                <a:latin typeface="Courier New" pitchFamily="49" charset="0"/>
+                <a:cs typeface="Courier New" pitchFamily="49" charset="0"/>
+              </a:rPr>
+              <a:t>('blocks')</a:t>
+            </a:r>
+          </a:p>
+          <a:p>
+            <a:r>
+              <a:rPr lang="en-US" dirty="0">
+                <a:solidFill>
+                  <a:prstClr val="black"/>
+                </a:solidFill>
+                <a:latin typeface="Courier New" pitchFamily="49" charset="0"/>
+                <a:cs typeface="Courier New" pitchFamily="49" charset="0"/>
+              </a:rPr>
+              <a:t> 6</a:t>
+            </a:r>
+            <a:r>
+              <a:rPr lang="en-US" dirty="0">
+                <a:solidFill>
+                  <a:prstClr val="black"/>
+                </a:solidFill>
+                <a:latin typeface="Courier New" pitchFamily="49" charset="0"/>
+                <a:cs typeface="Courier New" pitchFamily="49" charset="0"/>
+              </a:rPr>
+              <a:t>   </a:t>
+            </a:r>
+            <a:r>
+              <a:rPr lang="en-US" dirty="0" err="1">
+                <a:solidFill>
+                  <a:prstClr val="black"/>
+                </a:solidFill>
+                <a:latin typeface="Courier New" pitchFamily="49" charset="0"/>
+                <a:cs typeface="Courier New" pitchFamily="49" charset="0"/>
+              </a:rPr>
+              <a:t>doc.appendChild</a:t>
+            </a:r>
+            <a:r>
+              <a:rPr lang="en-US" dirty="0">
+                <a:solidFill>
+                  <a:prstClr val="black"/>
+                </a:solidFill>
+                <a:latin typeface="Courier New" pitchFamily="49" charset="0"/>
+                <a:cs typeface="Courier New" pitchFamily="49" charset="0"/>
+              </a:rPr>
+              <a:t>(blocks)</a:t>
+            </a:r>
+          </a:p>
+          <a:p>
+            <a:r>
+              <a:rPr lang="en-US" dirty="0">
+                <a:solidFill>
+                  <a:prstClr val="black"/>
+                </a:solidFill>
+                <a:latin typeface="Courier New" pitchFamily="49" charset="0"/>
+                <a:cs typeface="Courier New" pitchFamily="49" charset="0"/>
+              </a:rPr>
+              <a:t> 7</a:t>
+            </a:r>
+            <a:r>
+              <a:rPr lang="en-US" dirty="0">
+                <a:solidFill>
+                  <a:prstClr val="black"/>
+                </a:solidFill>
+                <a:latin typeface="Courier New" pitchFamily="49" charset="0"/>
+                <a:cs typeface="Courier New" pitchFamily="49" charset="0"/>
+              </a:rPr>
+              <a:t>   </a:t>
+            </a:r>
+            <a:r>
+              <a:rPr lang="en-US" dirty="0">
+                <a:solidFill>
+                  <a:prstClr val="black"/>
+                </a:solidFill>
+                <a:latin typeface="Courier New" pitchFamily="49" charset="0"/>
+                <a:cs typeface="Courier New" pitchFamily="49" charset="0"/>
+              </a:rPr>
+              <a:t>for </a:t>
+            </a:r>
+            <a:r>
+              <a:rPr lang="en-US" dirty="0" err="1">
+                <a:solidFill>
+                  <a:prstClr val="black"/>
+                </a:solidFill>
+                <a:latin typeface="Courier New" pitchFamily="49" charset="0"/>
+                <a:cs typeface="Courier New" pitchFamily="49" charset="0"/>
+              </a:rPr>
+              <a:t>block_nr</a:t>
+            </a:r>
+            <a:r>
+              <a:rPr lang="en-US" dirty="0">
+                <a:solidFill>
+                  <a:prstClr val="black"/>
+                </a:solidFill>
+                <a:latin typeface="Courier New" pitchFamily="49" charset="0"/>
+                <a:cs typeface="Courier New" pitchFamily="49" charset="0"/>
+              </a:rPr>
+              <a:t> in range(1, </a:t>
+            </a:r>
+            <a:r>
+              <a:rPr lang="en-US" dirty="0" err="1">
+                <a:solidFill>
+                  <a:prstClr val="black"/>
+                </a:solidFill>
+                <a:latin typeface="Courier New" pitchFamily="49" charset="0"/>
+                <a:cs typeface="Courier New" pitchFamily="49" charset="0"/>
+              </a:rPr>
+              <a:t>nr_blocks</a:t>
+            </a:r>
+            <a:r>
+              <a:rPr lang="en-US" dirty="0">
+                <a:solidFill>
+                  <a:prstClr val="black"/>
+                </a:solidFill>
+                <a:latin typeface="Courier New" pitchFamily="49" charset="0"/>
+                <a:cs typeface="Courier New" pitchFamily="49" charset="0"/>
+              </a:rPr>
+              <a:t> </a:t>
+            </a:r>
+            <a:r>
+              <a:rPr lang="en-US" dirty="0">
+                <a:solidFill>
+                  <a:prstClr val="black"/>
+                </a:solidFill>
+                <a:latin typeface="Courier New" pitchFamily="49" charset="0"/>
+                <a:cs typeface="Courier New" pitchFamily="49" charset="0"/>
+              </a:rPr>
+              <a:t>+ 1):</a:t>
+            </a:r>
+          </a:p>
+          <a:p>
+            <a:r>
+              <a:rPr lang="en-US" dirty="0">
+                <a:solidFill>
+                  <a:prstClr val="black"/>
+                </a:solidFill>
+                <a:latin typeface="Courier New" pitchFamily="49" charset="0"/>
+                <a:cs typeface="Courier New" pitchFamily="49" charset="0"/>
+              </a:rPr>
+              <a:t> 8</a:t>
+            </a:r>
+            <a:r>
+              <a:rPr lang="en-US" dirty="0">
+                <a:solidFill>
+                  <a:prstClr val="black"/>
+                </a:solidFill>
+                <a:latin typeface="Courier New" pitchFamily="49" charset="0"/>
+                <a:cs typeface="Courier New" pitchFamily="49" charset="0"/>
+              </a:rPr>
+              <a:t>       </a:t>
+            </a:r>
+            <a:r>
+              <a:rPr lang="en-US" dirty="0">
+                <a:solidFill>
+                  <a:prstClr val="black"/>
+                </a:solidFill>
+                <a:latin typeface="Courier New" pitchFamily="49" charset="0"/>
+                <a:cs typeface="Courier New" pitchFamily="49" charset="0"/>
+              </a:rPr>
+              <a:t>block = </a:t>
+            </a:r>
+            <a:r>
+              <a:rPr lang="en-US" dirty="0" err="1">
+                <a:solidFill>
+                  <a:prstClr val="black"/>
+                </a:solidFill>
+                <a:latin typeface="Courier New" pitchFamily="49" charset="0"/>
+                <a:cs typeface="Courier New" pitchFamily="49" charset="0"/>
+              </a:rPr>
+              <a:t>doc.createElement</a:t>
+            </a:r>
+            <a:r>
+              <a:rPr lang="en-US" dirty="0">
+                <a:solidFill>
+                  <a:prstClr val="black"/>
+                </a:solidFill>
+                <a:latin typeface="Courier New" pitchFamily="49" charset="0"/>
+                <a:cs typeface="Courier New" pitchFamily="49" charset="0"/>
+              </a:rPr>
+              <a:t>('block</a:t>
+            </a:r>
+            <a:r>
+              <a:rPr lang="en-US" dirty="0">
+                <a:solidFill>
+                  <a:prstClr val="black"/>
+                </a:solidFill>
+                <a:latin typeface="Courier New" pitchFamily="49" charset="0"/>
+                <a:cs typeface="Courier New" pitchFamily="49" charset="0"/>
+              </a:rPr>
+              <a:t>')</a:t>
+            </a:r>
+          </a:p>
+          <a:p>
+            <a:r>
+              <a:rPr lang="en-US" dirty="0">
+                <a:solidFill>
+                  <a:prstClr val="black"/>
+                </a:solidFill>
+                <a:latin typeface="Courier New" pitchFamily="49" charset="0"/>
+                <a:cs typeface="Courier New" pitchFamily="49" charset="0"/>
+              </a:rPr>
+              <a:t> 9</a:t>
+            </a:r>
+            <a:r>
+              <a:rPr lang="en-US" dirty="0">
+                <a:solidFill>
+                  <a:prstClr val="black"/>
+                </a:solidFill>
+                <a:latin typeface="Courier New" pitchFamily="49" charset="0"/>
+                <a:cs typeface="Courier New" pitchFamily="49" charset="0"/>
+              </a:rPr>
+              <a:t>       </a:t>
+            </a:r>
+            <a:r>
+              <a:rPr lang="en-US" dirty="0" err="1">
+                <a:solidFill>
+                  <a:prstClr val="black"/>
+                </a:solidFill>
+                <a:latin typeface="Courier New" pitchFamily="49" charset="0"/>
+                <a:cs typeface="Courier New" pitchFamily="49" charset="0"/>
+              </a:rPr>
+              <a:t>block_name</a:t>
+            </a:r>
+            <a:r>
+              <a:rPr lang="en-US" dirty="0">
+                <a:solidFill>
+                  <a:prstClr val="black"/>
+                </a:solidFill>
+                <a:latin typeface="Courier New" pitchFamily="49" charset="0"/>
+                <a:cs typeface="Courier New" pitchFamily="49" charset="0"/>
+              </a:rPr>
+              <a:t> = </a:t>
+            </a:r>
+            <a:r>
+              <a:rPr lang="en-US" dirty="0">
+                <a:solidFill>
+                  <a:prstClr val="black"/>
+                </a:solidFill>
+                <a:latin typeface="Courier New" pitchFamily="49" charset="0"/>
+                <a:cs typeface="Courier New" pitchFamily="49" charset="0"/>
+              </a:rPr>
+              <a:t>'block_{0:02d}'.format(</a:t>
+            </a:r>
+            <a:r>
+              <a:rPr lang="en-US" dirty="0" err="1">
+                <a:solidFill>
+                  <a:prstClr val="black"/>
+                </a:solidFill>
+                <a:latin typeface="Courier New" pitchFamily="49" charset="0"/>
+                <a:cs typeface="Courier New" pitchFamily="49" charset="0"/>
+              </a:rPr>
+              <a:t>block_nr</a:t>
+            </a:r>
+            <a:r>
+              <a:rPr lang="en-US" dirty="0">
+                <a:solidFill>
+                  <a:prstClr val="black"/>
+                </a:solidFill>
+                <a:latin typeface="Courier New" pitchFamily="49" charset="0"/>
+                <a:cs typeface="Courier New" pitchFamily="49" charset="0"/>
+              </a:rPr>
+              <a:t>)</a:t>
+            </a:r>
+          </a:p>
+          <a:p>
+            <a:r>
+              <a:rPr lang="en-US" dirty="0">
+                <a:solidFill>
+                  <a:prstClr val="black"/>
+                </a:solidFill>
+                <a:latin typeface="Courier New" pitchFamily="49" charset="0"/>
+                <a:cs typeface="Courier New" pitchFamily="49" charset="0"/>
+              </a:rPr>
+              <a:t>10       </a:t>
+            </a:r>
+            <a:r>
+              <a:rPr lang="en-US" dirty="0" err="1">
+                <a:solidFill>
+                  <a:prstClr val="black"/>
+                </a:solidFill>
+                <a:latin typeface="Courier New" pitchFamily="49" charset="0"/>
+                <a:cs typeface="Courier New" pitchFamily="49" charset="0"/>
+              </a:rPr>
+              <a:t>block.setAttribute</a:t>
+            </a:r>
+            <a:r>
+              <a:rPr lang="en-US" dirty="0">
+                <a:solidFill>
+                  <a:prstClr val="black"/>
+                </a:solidFill>
+                <a:latin typeface="Courier New" pitchFamily="49" charset="0"/>
+                <a:cs typeface="Courier New" pitchFamily="49" charset="0"/>
+              </a:rPr>
+              <a:t>('name', </a:t>
+            </a:r>
+            <a:r>
+              <a:rPr lang="en-US" dirty="0" err="1">
+                <a:solidFill>
+                  <a:prstClr val="black"/>
+                </a:solidFill>
+                <a:latin typeface="Courier New" pitchFamily="49" charset="0"/>
+                <a:cs typeface="Courier New" pitchFamily="49" charset="0"/>
+              </a:rPr>
+              <a:t>block_name</a:t>
+            </a:r>
+            <a:r>
+              <a:rPr lang="en-US" dirty="0">
+                <a:solidFill>
+                  <a:prstClr val="black"/>
+                </a:solidFill>
+                <a:latin typeface="Courier New" pitchFamily="49" charset="0"/>
+                <a:cs typeface="Courier New" pitchFamily="49" charset="0"/>
+              </a:rPr>
+              <a:t>)</a:t>
+            </a:r>
+            <a:endParaRPr lang="en-US" dirty="0">
+              <a:solidFill>
+                <a:prstClr val="black"/>
+              </a:solidFill>
+              <a:latin typeface="Courier New" pitchFamily="49" charset="0"/>
+              <a:cs typeface="Courier New" pitchFamily="49" charset="0"/>
+            </a:endParaRPr>
+          </a:p>
+          <a:p>
+            <a:r>
+              <a:rPr lang="en-US" dirty="0">
+                <a:solidFill>
+                  <a:prstClr val="black"/>
+                </a:solidFill>
+                <a:latin typeface="Courier New" pitchFamily="49" charset="0"/>
+                <a:cs typeface="Courier New" pitchFamily="49" charset="0"/>
+              </a:rPr>
+              <a:t>11       </a:t>
+            </a:r>
+            <a:r>
+              <a:rPr lang="en-US" dirty="0" err="1">
+                <a:solidFill>
+                  <a:prstClr val="black"/>
+                </a:solidFill>
+                <a:latin typeface="Courier New" pitchFamily="49" charset="0"/>
+                <a:cs typeface="Courier New" pitchFamily="49" charset="0"/>
+              </a:rPr>
+              <a:t>blocks.appendChild</a:t>
+            </a:r>
+            <a:r>
+              <a:rPr lang="en-US" dirty="0">
+                <a:solidFill>
+                  <a:prstClr val="black"/>
+                </a:solidFill>
+                <a:latin typeface="Courier New" pitchFamily="49" charset="0"/>
+                <a:cs typeface="Courier New" pitchFamily="49" charset="0"/>
+              </a:rPr>
+              <a:t>(block)</a:t>
+            </a:r>
+          </a:p>
+          <a:p>
+            <a:r>
+              <a:rPr lang="en-US" dirty="0">
+                <a:solidFill>
+                  <a:prstClr val="black"/>
+                </a:solidFill>
+                <a:latin typeface="Courier New" pitchFamily="49" charset="0"/>
+                <a:cs typeface="Courier New" pitchFamily="49" charset="0"/>
+              </a:rPr>
+              <a:t>12       </a:t>
+            </a:r>
+            <a:r>
+              <a:rPr lang="en-US" dirty="0">
+                <a:solidFill>
+                  <a:prstClr val="black"/>
+                </a:solidFill>
+                <a:latin typeface="Courier New" pitchFamily="49" charset="0"/>
+                <a:cs typeface="Courier New" pitchFamily="49" charset="0"/>
+              </a:rPr>
+              <a:t>for </a:t>
+            </a:r>
+            <a:r>
+              <a:rPr lang="en-US" dirty="0" err="1">
+                <a:solidFill>
+                  <a:prstClr val="black"/>
+                </a:solidFill>
+                <a:latin typeface="Courier New" pitchFamily="49" charset="0"/>
+                <a:cs typeface="Courier New" pitchFamily="49" charset="0"/>
+              </a:rPr>
+              <a:t>item_nr</a:t>
+            </a:r>
+            <a:r>
+              <a:rPr lang="en-US" dirty="0">
+                <a:solidFill>
+                  <a:prstClr val="black"/>
+                </a:solidFill>
+                <a:latin typeface="Courier New" pitchFamily="49" charset="0"/>
+                <a:cs typeface="Courier New" pitchFamily="49" charset="0"/>
+              </a:rPr>
+              <a:t> in range(0, </a:t>
+            </a:r>
+            <a:r>
+              <a:rPr lang="en-US" dirty="0" err="1">
+                <a:solidFill>
+                  <a:prstClr val="black"/>
+                </a:solidFill>
+                <a:latin typeface="Courier New" pitchFamily="49" charset="0"/>
+                <a:cs typeface="Courier New" pitchFamily="49" charset="0"/>
+              </a:rPr>
+              <a:t>nr_items</a:t>
+            </a:r>
+            <a:r>
+              <a:rPr lang="en-US" dirty="0">
+                <a:solidFill>
+                  <a:prstClr val="black"/>
+                </a:solidFill>
+                <a:latin typeface="Courier New" pitchFamily="49" charset="0"/>
+                <a:cs typeface="Courier New" pitchFamily="49" charset="0"/>
+              </a:rPr>
+              <a:t>):</a:t>
+            </a:r>
+          </a:p>
+          <a:p>
+            <a:r>
+              <a:rPr lang="en-US" dirty="0">
+                <a:solidFill>
+                  <a:prstClr val="black"/>
+                </a:solidFill>
+                <a:latin typeface="Courier New" pitchFamily="49" charset="0"/>
+                <a:cs typeface="Courier New" pitchFamily="49" charset="0"/>
+              </a:rPr>
+              <a:t>13           item </a:t>
+            </a:r>
+            <a:r>
+              <a:rPr lang="en-US" dirty="0">
+                <a:solidFill>
+                  <a:prstClr val="black"/>
+                </a:solidFill>
+                <a:latin typeface="Courier New" pitchFamily="49" charset="0"/>
+                <a:cs typeface="Courier New" pitchFamily="49" charset="0"/>
+              </a:rPr>
+              <a:t>= </a:t>
+            </a:r>
+            <a:r>
+              <a:rPr lang="en-US" dirty="0" err="1">
+                <a:solidFill>
+                  <a:prstClr val="black"/>
+                </a:solidFill>
+                <a:latin typeface="Courier New" pitchFamily="49" charset="0"/>
+                <a:cs typeface="Courier New" pitchFamily="49" charset="0"/>
+              </a:rPr>
+              <a:t>doc.createElement</a:t>
+            </a:r>
+            <a:r>
+              <a:rPr lang="en-US" dirty="0">
+                <a:solidFill>
+                  <a:prstClr val="black"/>
+                </a:solidFill>
+                <a:latin typeface="Courier New" pitchFamily="49" charset="0"/>
+                <a:cs typeface="Courier New" pitchFamily="49" charset="0"/>
+              </a:rPr>
+              <a:t>('item</a:t>
+            </a:r>
+            <a:r>
+              <a:rPr lang="en-US" dirty="0">
+                <a:solidFill>
+                  <a:prstClr val="black"/>
+                </a:solidFill>
+                <a:latin typeface="Courier New" pitchFamily="49" charset="0"/>
+                <a:cs typeface="Courier New" pitchFamily="49" charset="0"/>
+              </a:rPr>
+              <a:t>')</a:t>
+            </a:r>
+          </a:p>
+          <a:p>
+            <a:r>
+              <a:rPr lang="en-US" dirty="0">
+                <a:solidFill>
+                  <a:prstClr val="black"/>
+                </a:solidFill>
+                <a:latin typeface="Courier New" pitchFamily="49" charset="0"/>
+                <a:cs typeface="Courier New" pitchFamily="49" charset="0"/>
+              </a:rPr>
+              <a:t>14           text = </a:t>
+            </a:r>
+            <a:r>
+              <a:rPr lang="en-US" dirty="0">
+                <a:solidFill>
+                  <a:prstClr val="black"/>
+                </a:solidFill>
+                <a:latin typeface="Courier New" pitchFamily="49" charset="0"/>
+                <a:cs typeface="Courier New" pitchFamily="49" charset="0"/>
+              </a:rPr>
+              <a:t>'{0}.{1}'.format(</a:t>
+            </a:r>
+            <a:r>
+              <a:rPr lang="en-US" dirty="0" err="1">
+                <a:solidFill>
+                  <a:prstClr val="black"/>
+                </a:solidFill>
+                <a:latin typeface="Courier New" pitchFamily="49" charset="0"/>
+                <a:cs typeface="Courier New" pitchFamily="49" charset="0"/>
+              </a:rPr>
+              <a:t>item_nr</a:t>
+            </a:r>
+            <a:r>
+              <a:rPr lang="en-US" dirty="0">
+                <a:solidFill>
+                  <a:prstClr val="black"/>
+                </a:solidFill>
+                <a:latin typeface="Courier New" pitchFamily="49" charset="0"/>
+                <a:cs typeface="Courier New" pitchFamily="49" charset="0"/>
+              </a:rPr>
+              <a:t>, </a:t>
+            </a:r>
+            <a:r>
+              <a:rPr lang="en-US" dirty="0" err="1">
+                <a:solidFill>
+                  <a:prstClr val="black"/>
+                </a:solidFill>
+                <a:latin typeface="Courier New" pitchFamily="49" charset="0"/>
+                <a:cs typeface="Courier New" pitchFamily="49" charset="0"/>
+              </a:rPr>
+              <a:t>block_nr</a:t>
+            </a:r>
+            <a:r>
+              <a:rPr lang="en-US" dirty="0">
+                <a:solidFill>
+                  <a:prstClr val="black"/>
+                </a:solidFill>
+                <a:latin typeface="Courier New" pitchFamily="49" charset="0"/>
+                <a:cs typeface="Courier New" pitchFamily="49" charset="0"/>
+              </a:rPr>
+              <a:t>)</a:t>
+            </a:r>
+          </a:p>
+          <a:p>
+            <a:r>
+              <a:rPr lang="en-US" dirty="0">
+                <a:solidFill>
+                  <a:prstClr val="black"/>
+                </a:solidFill>
+                <a:latin typeface="Courier New" pitchFamily="49" charset="0"/>
+                <a:cs typeface="Courier New" pitchFamily="49" charset="0"/>
+              </a:rPr>
+              <a:t>15           </a:t>
+            </a:r>
+            <a:r>
+              <a:rPr lang="en-US" dirty="0" err="1">
+                <a:solidFill>
+                  <a:prstClr val="black"/>
+                </a:solidFill>
+                <a:latin typeface="Courier New" pitchFamily="49" charset="0"/>
+                <a:cs typeface="Courier New" pitchFamily="49" charset="0"/>
+              </a:rPr>
+              <a:t>text_node</a:t>
+            </a:r>
+            <a:r>
+              <a:rPr lang="en-US" dirty="0">
+                <a:solidFill>
+                  <a:prstClr val="black"/>
+                </a:solidFill>
+                <a:latin typeface="Courier New" pitchFamily="49" charset="0"/>
+                <a:cs typeface="Courier New" pitchFamily="49" charset="0"/>
+              </a:rPr>
+              <a:t> </a:t>
+            </a:r>
+            <a:r>
+              <a:rPr lang="en-US" dirty="0">
+                <a:solidFill>
+                  <a:prstClr val="black"/>
+                </a:solidFill>
+                <a:latin typeface="Courier New" pitchFamily="49" charset="0"/>
+                <a:cs typeface="Courier New" pitchFamily="49" charset="0"/>
+              </a:rPr>
+              <a:t>= </a:t>
+            </a:r>
+            <a:r>
+              <a:rPr lang="en-US" dirty="0" err="1">
+                <a:solidFill>
+                  <a:prstClr val="black"/>
+                </a:solidFill>
+                <a:latin typeface="Courier New" pitchFamily="49" charset="0"/>
+                <a:cs typeface="Courier New" pitchFamily="49" charset="0"/>
+              </a:rPr>
+              <a:t>doc.createTextNode</a:t>
+            </a:r>
+            <a:r>
+              <a:rPr lang="en-US" dirty="0">
+                <a:solidFill>
+                  <a:prstClr val="black"/>
+                </a:solidFill>
+                <a:latin typeface="Courier New" pitchFamily="49" charset="0"/>
+                <a:cs typeface="Courier New" pitchFamily="49" charset="0"/>
+              </a:rPr>
+              <a:t>(text)</a:t>
+            </a:r>
+            <a:endParaRPr lang="en-US" dirty="0">
+              <a:solidFill>
+                <a:prstClr val="black"/>
+              </a:solidFill>
+              <a:latin typeface="Courier New" pitchFamily="49" charset="0"/>
+              <a:cs typeface="Courier New" pitchFamily="49" charset="0"/>
+            </a:endParaRPr>
+          </a:p>
+          <a:p>
+            <a:r>
+              <a:rPr lang="en-US" dirty="0">
+                <a:solidFill>
+                  <a:prstClr val="black"/>
+                </a:solidFill>
+                <a:latin typeface="Courier New" pitchFamily="49" charset="0"/>
+                <a:cs typeface="Courier New" pitchFamily="49" charset="0"/>
+              </a:rPr>
+              <a:t>16           </a:t>
+            </a:r>
+            <a:r>
+              <a:rPr lang="en-US" dirty="0" err="1">
+                <a:solidFill>
+                  <a:prstClr val="black"/>
+                </a:solidFill>
+                <a:latin typeface="Courier New" pitchFamily="49" charset="0"/>
+                <a:cs typeface="Courier New" pitchFamily="49" charset="0"/>
+              </a:rPr>
+              <a:t>item.appendChild</a:t>
+            </a:r>
+            <a:r>
+              <a:rPr lang="en-US" dirty="0">
+                <a:solidFill>
+                  <a:prstClr val="black"/>
+                </a:solidFill>
+                <a:latin typeface="Courier New" pitchFamily="49" charset="0"/>
+                <a:cs typeface="Courier New" pitchFamily="49" charset="0"/>
+              </a:rPr>
+              <a:t>(</a:t>
+            </a:r>
+            <a:r>
+              <a:rPr lang="en-US" dirty="0" err="1">
+                <a:solidFill>
+                  <a:prstClr val="black"/>
+                </a:solidFill>
+                <a:latin typeface="Courier New" pitchFamily="49" charset="0"/>
+                <a:cs typeface="Courier New" pitchFamily="49" charset="0"/>
+              </a:rPr>
+              <a:t>text_node</a:t>
+            </a:r>
+            <a:r>
+              <a:rPr lang="en-US" dirty="0">
+                <a:solidFill>
+                  <a:prstClr val="black"/>
+                </a:solidFill>
+                <a:latin typeface="Courier New" pitchFamily="49" charset="0"/>
+                <a:cs typeface="Courier New" pitchFamily="49" charset="0"/>
+              </a:rPr>
+              <a:t>)</a:t>
+            </a:r>
+            <a:endParaRPr lang="en-US" dirty="0">
+              <a:solidFill>
+                <a:prstClr val="black"/>
+              </a:solidFill>
+              <a:latin typeface="Courier New" pitchFamily="49" charset="0"/>
+              <a:cs typeface="Courier New" pitchFamily="49" charset="0"/>
+            </a:endParaRPr>
+          </a:p>
+          <a:p>
+            <a:r>
+              <a:rPr lang="en-US" dirty="0">
+                <a:solidFill>
+                  <a:prstClr val="black"/>
+                </a:solidFill>
+                <a:latin typeface="Courier New" pitchFamily="49" charset="0"/>
+                <a:cs typeface="Courier New" pitchFamily="49" charset="0"/>
+              </a:rPr>
+              <a:t>17           </a:t>
+            </a:r>
+            <a:r>
+              <a:rPr lang="en-US" dirty="0" err="1">
+                <a:solidFill>
+                  <a:prstClr val="black"/>
+                </a:solidFill>
+                <a:latin typeface="Courier New" pitchFamily="49" charset="0"/>
+                <a:cs typeface="Courier New" pitchFamily="49" charset="0"/>
+              </a:rPr>
+              <a:t>block.appendChild</a:t>
+            </a:r>
+            <a:r>
+              <a:rPr lang="en-US" dirty="0">
+                <a:solidFill>
+                  <a:prstClr val="black"/>
+                </a:solidFill>
+                <a:latin typeface="Courier New" pitchFamily="49" charset="0"/>
+                <a:cs typeface="Courier New" pitchFamily="49" charset="0"/>
+              </a:rPr>
+              <a:t>(item</a:t>
+            </a:r>
+            <a:r>
+              <a:rPr lang="en-US" dirty="0">
+                <a:solidFill>
+                  <a:prstClr val="black"/>
+                </a:solidFill>
+                <a:latin typeface="Courier New" pitchFamily="49" charset="0"/>
+                <a:cs typeface="Courier New" pitchFamily="49" charset="0"/>
+              </a:rPr>
+              <a:t>)</a:t>
+            </a:r>
+          </a:p>
+          <a:p>
+            <a:r>
+              <a:rPr lang="en-US" dirty="0">
+                <a:solidFill>
+                  <a:prstClr val="black"/>
+                </a:solidFill>
+                <a:latin typeface="Courier New" pitchFamily="49" charset="0"/>
+                <a:cs typeface="Courier New" pitchFamily="49" charset="0"/>
+              </a:rPr>
+              <a:t>18   print(</a:t>
+            </a:r>
+            <a:r>
+              <a:rPr lang="en-US" dirty="0" err="1">
+                <a:solidFill>
+                  <a:prstClr val="black"/>
+                </a:solidFill>
+                <a:latin typeface="Courier New" pitchFamily="49" charset="0"/>
+                <a:cs typeface="Courier New" pitchFamily="49" charset="0"/>
+              </a:rPr>
+              <a:t>doc.toprettyxml</a:t>
+            </a:r>
+            <a:r>
+              <a:rPr lang="en-US" dirty="0">
+                <a:solidFill>
+                  <a:prstClr val="black"/>
+                </a:solidFill>
+                <a:latin typeface="Courier New" pitchFamily="49" charset="0"/>
+                <a:cs typeface="Courier New" pitchFamily="49" charset="0"/>
+              </a:rPr>
+              <a:t>(indent</a:t>
+            </a:r>
+            <a:r>
+              <a:rPr lang="en-US" dirty="0">
+                <a:solidFill>
+                  <a:prstClr val="black"/>
+                </a:solidFill>
+                <a:latin typeface="Courier New" pitchFamily="49" charset="0"/>
+                <a:cs typeface="Courier New" pitchFamily="49" charset="0"/>
+              </a:rPr>
+              <a:t>='  </a:t>
+            </a:r>
+            <a:r>
+              <a:rPr lang="en-US" dirty="0">
+                <a:solidFill>
+                  <a:prstClr val="black"/>
+                </a:solidFill>
+                <a:latin typeface="Courier New" pitchFamily="49" charset="0"/>
+                <a:cs typeface="Courier New" pitchFamily="49" charset="0"/>
+              </a:rPr>
+              <a:t>'))</a:t>
+            </a:r>
+            <a:endParaRPr lang="en-US" dirty="0">
+              <a:solidFill>
+                <a:prstClr val="black"/>
+              </a:solidFill>
+              <a:latin typeface="Courier New" pitchFamily="49" charset="0"/>
+              <a:cs typeface="Courier New" pitchFamily="49" charset="0"/>
+            </a:endParaRPr>
+          </a:p>
+        </p:txBody>
+      </p:sp>
+      <p:sp>
+        <p:nvSpPr>
+          <p:cNvPr id="3" name="Slide Number Placeholder 2"/>
+          <p:cNvSpPr>
+            <a:spLocks noGrp="1"/>
+          </p:cNvSpPr>
+          <p:nvPr>
+            <p:ph type="sldNum" sz="quarter" idx="12"/>
+          </p:nvPr>
+        </p:nvSpPr>
+        <p:spPr/>
+        <p:txBody>
+          <a:bodyPr/>
+          <a:lstStyle/>
+          <a:p>
+            <a:fld id="{5A209D72-2E9D-49B0-8977-41DCCC66C0BB}" type="slidenum">
+              <a:rPr lang="nl-BE">
+                <a:solidFill>
+                  <a:prstClr val="black">
+                    <a:tint val="75000"/>
+                  </a:prstClr>
+                </a:solidFill>
+                <a:latin typeface="Calibri"/>
+              </a:rPr>
+              <a:pPr/>
+              <a:t>22</a:t>
+            </a:fld>
+            <a:endParaRPr lang="nl-BE">
+              <a:solidFill>
+                <a:prstClr val="black">
+                  <a:tint val="75000"/>
+                </a:prstClr>
+              </a:solidFill>
+              <a:latin typeface="Calibri"/>
+            </a:endParaRPr>
+          </a:p>
+        </p:txBody>
+      </p:sp>
+    </p:spTree>
+    <p:extLst>
+      <p:ext uri="{BB962C8B-B14F-4D97-AF65-F5344CB8AC3E}">
+        <p14:creationId xmlns:p14="http://schemas.microsoft.com/office/powerpoint/2010/main" val="1324044320"/>
+      </p:ext>
+    </p:extLst>
+  </p:cSld>
+  <p:clrMapOvr>
+    <a:masterClrMapping/>
+  </p:clrMapOvr>
+  <p:timing>
+    <p:tnLst>
+      <p:par>
+        <p:cTn id="1" dur="indefinite" restart="never" nodeType="tmRoot"/>
+      </p:par>
+    </p:tnLst>
+  </p:timing>
+</p:sld>
+</file>
+
+<file path=ppt/slides/slide23.xml><?xml version="1.0" encoding="utf-8"?>
+<p:sld xmlns:a="http://schemas.openxmlformats.org/drawingml/2006/main" xmlns:r="http://schemas.openxmlformats.org/officeDocument/2006/relationships" xmlns:p="http://schemas.openxmlformats.org/presentationml/2006/main">
+  <p:cSld>
+    <p:spTree>
+      <p:nvGrpSpPr>
+        <p:cNvPr id="1" name=""/>
+        <p:cNvGrpSpPr/>
+        <p:nvPr/>
+      </p:nvGrpSpPr>
+      <p:grpSpPr>
+        <a:xfrm>
+          <a:off x="0" y="0"/>
+          <a:ext cx="0" cy="0"/>
+          <a:chOff x="0" y="0"/>
+          <a:chExt cx="0" cy="0"/>
+        </a:xfrm>
+      </p:grpSpPr>
+      <p:sp>
+        <p:nvSpPr>
+          <p:cNvPr id="2" name="Title 1"/>
+          <p:cNvSpPr>
+            <a:spLocks noGrp="1"/>
+          </p:cNvSpPr>
+          <p:nvPr>
+            <p:ph type="title"/>
+          </p:nvPr>
+        </p:nvSpPr>
+        <p:spPr/>
+        <p:txBody>
+          <a:bodyPr/>
+          <a:lstStyle/>
+          <a:p>
+            <a:r>
+              <a:rPr lang="en-US" dirty="0" smtClean="0"/>
+              <a:t>File system operations:</a:t>
+            </a:r>
+            <a:br>
+              <a:rPr lang="en-US" dirty="0" smtClean="0"/>
+            </a:br>
+            <a:r>
+              <a:rPr lang="en-US" dirty="0" smtClean="0"/>
+              <a:t>Handling files and directories</a:t>
+            </a:r>
+            <a:endParaRPr lang="en-US" dirty="0"/>
+          </a:p>
+        </p:txBody>
+      </p:sp>
+      <p:sp>
+        <p:nvSpPr>
+          <p:cNvPr id="3" name="Text Placeholder 2"/>
+          <p:cNvSpPr>
+            <a:spLocks noGrp="1"/>
+          </p:cNvSpPr>
+          <p:nvPr>
+            <p:ph type="body" idx="1"/>
+          </p:nvPr>
+        </p:nvSpPr>
+        <p:spPr/>
+        <p:txBody>
+          <a:bodyPr>
+            <a:normAutofit/>
+          </a:bodyPr>
+          <a:lstStyle/>
+          <a:p>
+            <a:r>
+              <a:rPr lang="en-US" sz="1800" dirty="0">
+                <a:hlinkClick r:id="rId2"/>
+              </a:rPr>
+              <a:t>https://github.com/gjbex/training-material/tree/master/Python/OsFileSystem</a:t>
+            </a:r>
+            <a:r>
+              <a:rPr lang="en-US" sz="1800" dirty="0"/>
+              <a:t> </a:t>
+            </a:r>
+          </a:p>
+        </p:txBody>
+      </p:sp>
+      <p:sp>
+        <p:nvSpPr>
+          <p:cNvPr id="4" name="Slide Number Placeholder 3"/>
+          <p:cNvSpPr>
+            <a:spLocks noGrp="1"/>
+          </p:cNvSpPr>
+          <p:nvPr>
+            <p:ph type="sldNum" sz="quarter" idx="12"/>
+          </p:nvPr>
+        </p:nvSpPr>
+        <p:spPr/>
+        <p:txBody>
+          <a:bodyPr/>
+          <a:lstStyle/>
+          <a:p>
+            <a:fld id="{5A209D72-2E9D-49B0-8977-41DCCC66C0BB}" type="slidenum">
+              <a:rPr lang="nl-BE">
+                <a:solidFill>
+                  <a:prstClr val="black">
+                    <a:tint val="75000"/>
+                  </a:prstClr>
+                </a:solidFill>
+                <a:latin typeface="Calibri"/>
+              </a:rPr>
+              <a:pPr/>
+              <a:t>23</a:t>
             </a:fld>
             <a:endParaRPr lang="nl-BE">
               <a:solidFill>
@@ -9246,7 +17212,7 @@
 </p:sld>
 </file>
 
-<file path=ppt/slides/slide18.xml><?xml version="1.0" encoding="utf-8"?>
+<file path=ppt/slides/slide24.xml><?xml version="1.0" encoding="utf-8"?>
 <p:sld xmlns:a="http://schemas.openxmlformats.org/drawingml/2006/main" xmlns:r="http://schemas.openxmlformats.org/officeDocument/2006/relationships" xmlns:p="http://schemas.openxmlformats.org/presentationml/2006/main">
   <p:cSld>
     <p:spTree>
@@ -10026,7 +17992,7 @@
                 <a:latin typeface="Calibri"/>
               </a:rPr>
               <a:pPr/>
-              <a:t>18</a:t>
+              <a:t>24</a:t>
             </a:fld>
             <a:endParaRPr lang="nl-BE">
               <a:solidFill>
@@ -10059,7 +18025,7 @@
 </p:sld>
 </file>
 
-<file path=ppt/slides/slide19.xml><?xml version="1.0" encoding="utf-8"?>
+<file path=ppt/slides/slide25.xml><?xml version="1.0" encoding="utf-8"?>
 <p:sld xmlns:a="http://schemas.openxmlformats.org/drawingml/2006/main" xmlns:r="http://schemas.openxmlformats.org/officeDocument/2006/relationships" xmlns:p="http://schemas.openxmlformats.org/presentationml/2006/main">
   <p:cSld>
     <p:spTree>
@@ -11160,7 +19126,7 @@
                 <a:latin typeface="Calibri"/>
               </a:rPr>
               <a:pPr/>
-              <a:t>19</a:t>
+              <a:t>25</a:t>
             </a:fld>
             <a:endParaRPr lang="nl-BE">
               <a:solidFill>
@@ -11310,168 +19276,7 @@
 </p:sld>
 </file>
 
-<file path=ppt/slides/slide2.xml><?xml version="1.0" encoding="utf-8"?>
-<p:sld xmlns:a="http://schemas.openxmlformats.org/drawingml/2006/main" xmlns:r="http://schemas.openxmlformats.org/officeDocument/2006/relationships" xmlns:p="http://schemas.openxmlformats.org/presentationml/2006/main">
-  <p:cSld>
-    <p:spTree>
-      <p:nvGrpSpPr>
-        <p:cNvPr id="1" name=""/>
-        <p:cNvGrpSpPr/>
-        <p:nvPr/>
-      </p:nvGrpSpPr>
-      <p:grpSpPr>
-        <a:xfrm>
-          <a:off x="0" y="0"/>
-          <a:ext cx="0" cy="0"/>
-          <a:chOff x="0" y="0"/>
-          <a:chExt cx="0" cy="0"/>
-        </a:xfrm>
-      </p:grpSpPr>
-      <p:sp>
-        <p:nvSpPr>
-          <p:cNvPr id="2" name="Title 1"/>
-          <p:cNvSpPr>
-            <a:spLocks noGrp="1"/>
-          </p:cNvSpPr>
-          <p:nvPr>
-            <p:ph type="title"/>
-          </p:nvPr>
-        </p:nvSpPr>
-        <p:spPr/>
-        <p:txBody>
-          <a:bodyPr>
-            <a:normAutofit/>
-          </a:bodyPr>
-          <a:lstStyle/>
-          <a:p>
-            <a:r>
-              <a:rPr lang="en-US" dirty="0" smtClean="0"/>
-              <a:t>Icing on application:</a:t>
-            </a:r>
-            <a:br>
-              <a:rPr lang="en-US" dirty="0" smtClean="0"/>
-            </a:br>
-            <a:r>
-              <a:rPr lang="en-US" dirty="0" smtClean="0"/>
-              <a:t>Python's </a:t>
-            </a:r>
-            <a:r>
-              <a:rPr lang="en-US" dirty="0" err="1" smtClean="0"/>
-              <a:t>argparse</a:t>
-            </a:r>
-            <a:r>
-              <a:rPr lang="en-US" dirty="0" smtClean="0"/>
-              <a:t>, </a:t>
-            </a:r>
-            <a:r>
-              <a:rPr lang="en-US" dirty="0" err="1" smtClean="0"/>
-              <a:t>ConfigParser</a:t>
-            </a:r>
-            <a:endParaRPr lang="en-US" dirty="0"/>
-          </a:p>
-        </p:txBody>
-      </p:sp>
-      <p:sp>
-        <p:nvSpPr>
-          <p:cNvPr id="3" name="Text Placeholder 2"/>
-          <p:cNvSpPr>
-            <a:spLocks noGrp="1"/>
-          </p:cNvSpPr>
-          <p:nvPr>
-            <p:ph type="body" idx="1"/>
-          </p:nvPr>
-        </p:nvSpPr>
-        <p:spPr/>
-        <p:txBody>
-          <a:bodyPr>
-            <a:normAutofit/>
-          </a:bodyPr>
-          <a:lstStyle/>
-          <a:p>
-            <a:r>
-              <a:rPr lang="en-US" sz="1800" dirty="0">
-                <a:hlinkClick r:id="rId2"/>
-              </a:rPr>
-              <a:t>https://github.com/gjbex/training-material/tree/master/Python/ArgParse</a:t>
-            </a:r>
-            <a:r>
-              <a:rPr lang="en-US" sz="1800" dirty="0"/>
-              <a:t> </a:t>
-            </a:r>
-          </a:p>
-          <a:p>
-            <a:r>
-              <a:rPr lang="en-US" sz="1800" dirty="0">
-                <a:hlinkClick r:id="rId3"/>
-              </a:rPr>
-              <a:t>https://github.com/gjbex/training-material/tree/master/Python/ConfigParser</a:t>
-            </a:r>
-            <a:r>
-              <a:rPr lang="en-US" sz="1800" dirty="0"/>
-              <a:t> </a:t>
-            </a:r>
-          </a:p>
-        </p:txBody>
-      </p:sp>
-      <p:sp>
-        <p:nvSpPr>
-          <p:cNvPr id="4" name="Slide Number Placeholder 3"/>
-          <p:cNvSpPr>
-            <a:spLocks noGrp="1"/>
-          </p:cNvSpPr>
-          <p:nvPr>
-            <p:ph type="sldNum" sz="quarter" idx="12"/>
-          </p:nvPr>
-        </p:nvSpPr>
-        <p:spPr/>
-        <p:txBody>
-          <a:bodyPr/>
-          <a:lstStyle/>
-          <a:p>
-            <a:fld id="{5A209D72-2E9D-49B0-8977-41DCCC66C0BB}" type="slidenum">
-              <a:rPr lang="nl-BE">
-                <a:solidFill>
-                  <a:prstClr val="black">
-                    <a:tint val="75000"/>
-                  </a:prstClr>
-                </a:solidFill>
-                <a:latin typeface="Calibri"/>
-              </a:rPr>
-              <a:pPr/>
-              <a:t>2</a:t>
-            </a:fld>
-            <a:endParaRPr lang="nl-BE">
-              <a:solidFill>
-                <a:prstClr val="black">
-                  <a:tint val="75000"/>
-                </a:prstClr>
-              </a:solidFill>
-              <a:latin typeface="Calibri"/>
-            </a:endParaRPr>
-          </a:p>
-        </p:txBody>
-      </p:sp>
-    </p:spTree>
-    <p:extLst>
-      <p:ext uri="{BB962C8B-B14F-4D97-AF65-F5344CB8AC3E}">
-        <p14:creationId xmlns:p14="http://schemas.microsoft.com/office/powerpoint/2010/main" val="3590249580"/>
-      </p:ext>
-    </p:extLst>
-  </p:cSld>
-  <p:clrMapOvr>
-    <a:masterClrMapping/>
-  </p:clrMapOvr>
-  <p:timing>
-    <p:tnLst>
-      <p:par>
-        <p:cTn id="1" dur="indefinite" restart="never" nodeType="tmRoot"/>
-      </p:par>
-    </p:tnLst>
-  </p:timing>
-</p:sld>
-</file>
-
-<file path=ppt/slides/slide20.xml><?xml version="1.0" encoding="utf-8"?>
+<file path=ppt/slides/slide26.xml><?xml version="1.0" encoding="utf-8"?>
 <p:sld xmlns:a="http://schemas.openxmlformats.org/drawingml/2006/main" xmlns:r="http://schemas.openxmlformats.org/officeDocument/2006/relationships" xmlns:p="http://schemas.openxmlformats.org/presentationml/2006/main">
   <p:cSld>
     <p:spTree>
@@ -12041,7 +19846,7 @@
                 <a:latin typeface="Calibri"/>
               </a:rPr>
               <a:pPr/>
-              <a:t>20</a:t>
+              <a:t>26</a:t>
             </a:fld>
             <a:endParaRPr lang="nl-BE">
               <a:solidFill>
@@ -12639,7 +20444,7 @@
 </p:sld>
 </file>
 
-<file path=ppt/slides/slide21.xml><?xml version="1.0" encoding="utf-8"?>
+<file path=ppt/slides/slide27.xml><?xml version="1.0" encoding="utf-8"?>
 <p:sld xmlns:a="http://schemas.openxmlformats.org/drawingml/2006/main" xmlns:r="http://schemas.openxmlformats.org/officeDocument/2006/relationships" xmlns:p="http://schemas.openxmlformats.org/presentationml/2006/main">
   <p:cSld>
     <p:spTree>
@@ -13047,7 +20852,7 @@
                 <a:latin typeface="Calibri"/>
               </a:rPr>
               <a:pPr/>
-              <a:t>21</a:t>
+              <a:t>27</a:t>
             </a:fld>
             <a:endParaRPr lang="nl-BE">
               <a:solidFill>
@@ -13563,7 +21368,7 @@
 </p:sld>
 </file>
 
-<file path=ppt/slides/slide22.xml><?xml version="1.0" encoding="utf-8"?>
+<file path=ppt/slides/slide28.xml><?xml version="1.0" encoding="utf-8"?>
 <p:sld xmlns:a="http://schemas.openxmlformats.org/drawingml/2006/main" xmlns:r="http://schemas.openxmlformats.org/officeDocument/2006/relationships" xmlns:p="http://schemas.openxmlformats.org/presentationml/2006/main">
   <p:cSld>
     <p:spTree>
@@ -13860,7 +21665,7 @@
                 <a:latin typeface="Calibri"/>
               </a:rPr>
               <a:pPr/>
-              <a:t>22</a:t>
+              <a:t>28</a:t>
             </a:fld>
             <a:endParaRPr lang="nl-BE">
               <a:solidFill>
@@ -14314,7 +22119,7 @@
 </p:sld>
 </file>
 
-<file path=ppt/slides/slide23.xml><?xml version="1.0" encoding="utf-8"?>
+<file path=ppt/slides/slide29.xml><?xml version="1.0" encoding="utf-8"?>
 <p:sld xmlns:a="http://schemas.openxmlformats.org/drawingml/2006/main" xmlns:r="http://schemas.openxmlformats.org/officeDocument/2006/relationships" xmlns:p="http://schemas.openxmlformats.org/presentationml/2006/main">
   <p:cSld>
     <p:spTree>
@@ -14758,7 +22563,7 @@
                 <a:latin typeface="Calibri"/>
               </a:rPr>
               <a:pPr/>
-              <a:t>23</a:t>
+              <a:t>29</a:t>
             </a:fld>
             <a:endParaRPr lang="nl-BE">
               <a:solidFill>
@@ -14908,7 +22713,7 @@
 </p:sld>
 </file>
 
-<file path=ppt/slides/slide24.xml><?xml version="1.0" encoding="utf-8"?>
+<file path=ppt/slides/slide3.xml><?xml version="1.0" encoding="utf-8"?>
 <p:sld xmlns:a="http://schemas.openxmlformats.org/drawingml/2006/main" xmlns:r="http://schemas.openxmlformats.org/officeDocument/2006/relationships" xmlns:p="http://schemas.openxmlformats.org/presentationml/2006/main">
   <p:cSld>
     <p:spTree>
@@ -14942,6 +22747,521 @@
           <a:p>
             <a:r>
               <a:rPr lang="en-US" dirty="0" smtClean="0"/>
+              <a:t>Handling command line arguments</a:t>
+            </a:r>
+            <a:endParaRPr lang="en-US" dirty="0"/>
+          </a:p>
+        </p:txBody>
+      </p:sp>
+      <p:sp>
+        <p:nvSpPr>
+          <p:cNvPr id="3" name="Content Placeholder 2"/>
+          <p:cNvSpPr>
+            <a:spLocks noGrp="1"/>
+          </p:cNvSpPr>
+          <p:nvPr>
+            <p:ph idx="1"/>
+          </p:nvPr>
+        </p:nvSpPr>
+        <p:spPr/>
+        <p:txBody>
+          <a:bodyPr>
+            <a:normAutofit lnSpcReduction="10000"/>
+          </a:bodyPr>
+          <a:lstStyle/>
+          <a:p>
+            <a:r>
+              <a:rPr lang="en-US" dirty="0" smtClean="0"/>
+              <a:t>Many tools start out as short script, evolve into applications used by many</a:t>
+            </a:r>
+          </a:p>
+          <a:p>
+            <a:r>
+              <a:rPr lang="en-US" dirty="0" smtClean="0"/>
+              <a:t>Model after Unix tools</a:t>
+            </a:r>
+          </a:p>
+          <a:p>
+            <a:pPr lvl="1"/>
+            <a:r>
+              <a:rPr lang="en-US" dirty="0" smtClean="0"/>
+              <a:t>Arguments</a:t>
+            </a:r>
+          </a:p>
+          <a:p>
+            <a:pPr lvl="1"/>
+            <a:r>
+              <a:rPr lang="en-US" dirty="0" smtClean="0"/>
+              <a:t>Flags</a:t>
+            </a:r>
+          </a:p>
+          <a:p>
+            <a:pPr lvl="1"/>
+            <a:r>
+              <a:rPr lang="en-US" dirty="0" smtClean="0"/>
+              <a:t>Options</a:t>
+            </a:r>
+          </a:p>
+          <a:p>
+            <a:r>
+              <a:rPr lang="en-US" dirty="0" smtClean="0"/>
+              <a:t>Python's </a:t>
+            </a:r>
+            <a:r>
+              <a:rPr lang="en-US" dirty="0" err="1" smtClean="0">
+                <a:latin typeface="Courier New" pitchFamily="49" charset="0"/>
+                <a:cs typeface="Courier New" pitchFamily="49" charset="0"/>
+              </a:rPr>
+              <a:t>argparse</a:t>
+            </a:r>
+            <a:r>
+              <a:rPr lang="en-US" dirty="0" smtClean="0"/>
+              <a:t> benefits</a:t>
+            </a:r>
+          </a:p>
+          <a:p>
+            <a:pPr lvl="1"/>
+            <a:r>
+              <a:rPr lang="en-US" dirty="0" smtClean="0"/>
+              <a:t>Easy to use</a:t>
+            </a:r>
+          </a:p>
+          <a:p>
+            <a:pPr lvl="1"/>
+            <a:r>
+              <a:rPr lang="en-US" dirty="0" smtClean="0"/>
+              <a:t>Self-documenting</a:t>
+            </a:r>
+          </a:p>
+          <a:p>
+            <a:pPr lvl="1"/>
+            <a:endParaRPr lang="en-US" dirty="0"/>
+          </a:p>
+        </p:txBody>
+      </p:sp>
+      <p:sp>
+        <p:nvSpPr>
+          <p:cNvPr id="4" name="Slide Number Placeholder 3"/>
+          <p:cNvSpPr>
+            <a:spLocks noGrp="1"/>
+          </p:cNvSpPr>
+          <p:nvPr>
+            <p:ph type="sldNum" sz="quarter" idx="12"/>
+          </p:nvPr>
+        </p:nvSpPr>
+        <p:spPr/>
+        <p:txBody>
+          <a:bodyPr/>
+          <a:lstStyle/>
+          <a:p>
+            <a:fld id="{5A209D72-2E9D-49B0-8977-41DCCC66C0BB}" type="slidenum">
+              <a:rPr lang="nl-BE">
+                <a:solidFill>
+                  <a:prstClr val="black">
+                    <a:tint val="75000"/>
+                  </a:prstClr>
+                </a:solidFill>
+                <a:latin typeface="Calibri"/>
+              </a:rPr>
+              <a:pPr/>
+              <a:t>3</a:t>
+            </a:fld>
+            <a:endParaRPr lang="nl-BE">
+              <a:solidFill>
+                <a:prstClr val="black">
+                  <a:tint val="75000"/>
+                </a:prstClr>
+              </a:solidFill>
+              <a:latin typeface="Calibri"/>
+            </a:endParaRPr>
+          </a:p>
+        </p:txBody>
+      </p:sp>
+    </p:spTree>
+    <p:extLst>
+      <p:ext uri="{BB962C8B-B14F-4D97-AF65-F5344CB8AC3E}">
+        <p14:creationId xmlns:p14="http://schemas.microsoft.com/office/powerpoint/2010/main" val="2534300650"/>
+      </p:ext>
+    </p:extLst>
+  </p:cSld>
+  <p:clrMapOvr>
+    <a:masterClrMapping/>
+  </p:clrMapOvr>
+  <p:timing>
+    <p:tnLst>
+      <p:par>
+        <p:cTn id="1" dur="indefinite" restart="never" nodeType="tmRoot">
+          <p:childTnLst>
+            <p:seq concurrent="1" nextAc="seek">
+              <p:cTn id="2" dur="indefinite" nodeType="mainSeq">
+                <p:childTnLst>
+                  <p:par>
+                    <p:cTn id="3" fill="hold">
+                      <p:stCondLst>
+                        <p:cond delay="indefinite"/>
+                        <p:cond evt="onBegin" delay="0">
+                          <p:tn val="2"/>
+                        </p:cond>
+                      </p:stCondLst>
+                      <p:childTnLst>
+                        <p:par>
+                          <p:cTn id="4" fill="hold">
+                            <p:stCondLst>
+                              <p:cond delay="0"/>
+                            </p:stCondLst>
+                            <p:childTnLst>
+                              <p:par>
+                                <p:cTn id="5" presetID="1" presetClass="entr" presetSubtype="0" fill="hold" grpId="0" nodeType="withEffect">
+                                  <p:stCondLst>
+                                    <p:cond delay="0"/>
+                                  </p:stCondLst>
+                                  <p:childTnLst>
+                                    <p:set>
+                                      <p:cBhvr>
+                                        <p:cTn id="6" dur="1" fill="hold">
+                                          <p:stCondLst>
+                                            <p:cond delay="0"/>
+                                          </p:stCondLst>
+                                        </p:cTn>
+                                        <p:tgtEl>
+                                          <p:spTgt spid="3">
+                                            <p:txEl>
+                                              <p:pRg st="0" end="0"/>
+                                            </p:txEl>
+                                          </p:spTgt>
+                                        </p:tgtEl>
+                                        <p:attrNameLst>
+                                          <p:attrName>style.visibility</p:attrName>
+                                        </p:attrNameLst>
+                                      </p:cBhvr>
+                                      <p:to>
+                                        <p:strVal val="visible"/>
+                                      </p:to>
+                                    </p:set>
+                                  </p:childTnLst>
+                                </p:cTn>
+                              </p:par>
+                            </p:childTnLst>
+                          </p:cTn>
+                        </p:par>
+                      </p:childTnLst>
+                    </p:cTn>
+                  </p:par>
+                  <p:par>
+                    <p:cTn id="7" fill="hold">
+                      <p:stCondLst>
+                        <p:cond delay="indefinite"/>
+                      </p:stCondLst>
+                      <p:childTnLst>
+                        <p:par>
+                          <p:cTn id="8" fill="hold">
+                            <p:stCondLst>
+                              <p:cond delay="0"/>
+                            </p:stCondLst>
+                            <p:childTnLst>
+                              <p:par>
+                                <p:cTn id="9" presetID="1" presetClass="entr" presetSubtype="0" fill="hold" grpId="0" nodeType="clickEffect">
+                                  <p:stCondLst>
+                                    <p:cond delay="0"/>
+                                  </p:stCondLst>
+                                  <p:childTnLst>
+                                    <p:set>
+                                      <p:cBhvr>
+                                        <p:cTn id="10" dur="1" fill="hold">
+                                          <p:stCondLst>
+                                            <p:cond delay="0"/>
+                                          </p:stCondLst>
+                                        </p:cTn>
+                                        <p:tgtEl>
+                                          <p:spTgt spid="3">
+                                            <p:txEl>
+                                              <p:pRg st="1" end="1"/>
+                                            </p:txEl>
+                                          </p:spTgt>
+                                        </p:tgtEl>
+                                        <p:attrNameLst>
+                                          <p:attrName>style.visibility</p:attrName>
+                                        </p:attrNameLst>
+                                      </p:cBhvr>
+                                      <p:to>
+                                        <p:strVal val="visible"/>
+                                      </p:to>
+                                    </p:set>
+                                  </p:childTnLst>
+                                </p:cTn>
+                              </p:par>
+                              <p:par>
+                                <p:cTn id="11" presetID="1" presetClass="entr" presetSubtype="0" fill="hold" grpId="0" nodeType="withEffect">
+                                  <p:stCondLst>
+                                    <p:cond delay="0"/>
+                                  </p:stCondLst>
+                                  <p:childTnLst>
+                                    <p:set>
+                                      <p:cBhvr>
+                                        <p:cTn id="12" dur="1" fill="hold">
+                                          <p:stCondLst>
+                                            <p:cond delay="0"/>
+                                          </p:stCondLst>
+                                        </p:cTn>
+                                        <p:tgtEl>
+                                          <p:spTgt spid="3">
+                                            <p:txEl>
+                                              <p:pRg st="2" end="2"/>
+                                            </p:txEl>
+                                          </p:spTgt>
+                                        </p:tgtEl>
+                                        <p:attrNameLst>
+                                          <p:attrName>style.visibility</p:attrName>
+                                        </p:attrNameLst>
+                                      </p:cBhvr>
+                                      <p:to>
+                                        <p:strVal val="visible"/>
+                                      </p:to>
+                                    </p:set>
+                                  </p:childTnLst>
+                                </p:cTn>
+                              </p:par>
+                              <p:par>
+                                <p:cTn id="13" presetID="1" presetClass="entr" presetSubtype="0" fill="hold" grpId="0" nodeType="withEffect">
+                                  <p:stCondLst>
+                                    <p:cond delay="0"/>
+                                  </p:stCondLst>
+                                  <p:childTnLst>
+                                    <p:set>
+                                      <p:cBhvr>
+                                        <p:cTn id="14" dur="1" fill="hold">
+                                          <p:stCondLst>
+                                            <p:cond delay="0"/>
+                                          </p:stCondLst>
+                                        </p:cTn>
+                                        <p:tgtEl>
+                                          <p:spTgt spid="3">
+                                            <p:txEl>
+                                              <p:pRg st="3" end="3"/>
+                                            </p:txEl>
+                                          </p:spTgt>
+                                        </p:tgtEl>
+                                        <p:attrNameLst>
+                                          <p:attrName>style.visibility</p:attrName>
+                                        </p:attrNameLst>
+                                      </p:cBhvr>
+                                      <p:to>
+                                        <p:strVal val="visible"/>
+                                      </p:to>
+                                    </p:set>
+                                  </p:childTnLst>
+                                </p:cTn>
+                              </p:par>
+                              <p:par>
+                                <p:cTn id="15" presetID="1" presetClass="entr" presetSubtype="0" fill="hold" grpId="0" nodeType="withEffect">
+                                  <p:stCondLst>
+                                    <p:cond delay="0"/>
+                                  </p:stCondLst>
+                                  <p:childTnLst>
+                                    <p:set>
+                                      <p:cBhvr>
+                                        <p:cTn id="16" dur="1" fill="hold">
+                                          <p:stCondLst>
+                                            <p:cond delay="0"/>
+                                          </p:stCondLst>
+                                        </p:cTn>
+                                        <p:tgtEl>
+                                          <p:spTgt spid="3">
+                                            <p:txEl>
+                                              <p:pRg st="4" end="4"/>
+                                            </p:txEl>
+                                          </p:spTgt>
+                                        </p:tgtEl>
+                                        <p:attrNameLst>
+                                          <p:attrName>style.visibility</p:attrName>
+                                        </p:attrNameLst>
+                                      </p:cBhvr>
+                                      <p:to>
+                                        <p:strVal val="visible"/>
+                                      </p:to>
+                                    </p:set>
+                                  </p:childTnLst>
+                                </p:cTn>
+                              </p:par>
+                            </p:childTnLst>
+                          </p:cTn>
+                        </p:par>
+                      </p:childTnLst>
+                    </p:cTn>
+                  </p:par>
+                  <p:par>
+                    <p:cTn id="17" fill="hold">
+                      <p:stCondLst>
+                        <p:cond delay="indefinite"/>
+                      </p:stCondLst>
+                      <p:childTnLst>
+                        <p:par>
+                          <p:cTn id="18" fill="hold">
+                            <p:stCondLst>
+                              <p:cond delay="0"/>
+                            </p:stCondLst>
+                            <p:childTnLst>
+                              <p:par>
+                                <p:cTn id="19" presetID="1" presetClass="entr" presetSubtype="0" fill="hold" grpId="0" nodeType="clickEffect">
+                                  <p:stCondLst>
+                                    <p:cond delay="0"/>
+                                  </p:stCondLst>
+                                  <p:childTnLst>
+                                    <p:set>
+                                      <p:cBhvr>
+                                        <p:cTn id="20" dur="1" fill="hold">
+                                          <p:stCondLst>
+                                            <p:cond delay="0"/>
+                                          </p:stCondLst>
+                                        </p:cTn>
+                                        <p:tgtEl>
+                                          <p:spTgt spid="3">
+                                            <p:txEl>
+                                              <p:pRg st="5" end="5"/>
+                                            </p:txEl>
+                                          </p:spTgt>
+                                        </p:tgtEl>
+                                        <p:attrNameLst>
+                                          <p:attrName>style.visibility</p:attrName>
+                                        </p:attrNameLst>
+                                      </p:cBhvr>
+                                      <p:to>
+                                        <p:strVal val="visible"/>
+                                      </p:to>
+                                    </p:set>
+                                  </p:childTnLst>
+                                </p:cTn>
+                              </p:par>
+                              <p:par>
+                                <p:cTn id="21" presetID="1" presetClass="entr" presetSubtype="0" fill="hold" grpId="0" nodeType="withEffect">
+                                  <p:stCondLst>
+                                    <p:cond delay="0"/>
+                                  </p:stCondLst>
+                                  <p:childTnLst>
+                                    <p:set>
+                                      <p:cBhvr>
+                                        <p:cTn id="22" dur="1" fill="hold">
+                                          <p:stCondLst>
+                                            <p:cond delay="0"/>
+                                          </p:stCondLst>
+                                        </p:cTn>
+                                        <p:tgtEl>
+                                          <p:spTgt spid="3">
+                                            <p:txEl>
+                                              <p:pRg st="6" end="6"/>
+                                            </p:txEl>
+                                          </p:spTgt>
+                                        </p:tgtEl>
+                                        <p:attrNameLst>
+                                          <p:attrName>style.visibility</p:attrName>
+                                        </p:attrNameLst>
+                                      </p:cBhvr>
+                                      <p:to>
+                                        <p:strVal val="visible"/>
+                                      </p:to>
+                                    </p:set>
+                                  </p:childTnLst>
+                                </p:cTn>
+                              </p:par>
+                              <p:par>
+                                <p:cTn id="23" presetID="1" presetClass="entr" presetSubtype="0" fill="hold" grpId="0" nodeType="withEffect">
+                                  <p:stCondLst>
+                                    <p:cond delay="0"/>
+                                  </p:stCondLst>
+                                  <p:childTnLst>
+                                    <p:set>
+                                      <p:cBhvr>
+                                        <p:cTn id="24" dur="1" fill="hold">
+                                          <p:stCondLst>
+                                            <p:cond delay="0"/>
+                                          </p:stCondLst>
+                                        </p:cTn>
+                                        <p:tgtEl>
+                                          <p:spTgt spid="3">
+                                            <p:txEl>
+                                              <p:pRg st="7" end="7"/>
+                                            </p:txEl>
+                                          </p:spTgt>
+                                        </p:tgtEl>
+                                        <p:attrNameLst>
+                                          <p:attrName>style.visibility</p:attrName>
+                                        </p:attrNameLst>
+                                      </p:cBhvr>
+                                      <p:to>
+                                        <p:strVal val="visible"/>
+                                      </p:to>
+                                    </p:set>
+                                  </p:childTnLst>
+                                </p:cTn>
+                              </p:par>
+                            </p:childTnLst>
+                          </p:cTn>
+                        </p:par>
+                      </p:childTnLst>
+                    </p:cTn>
+                  </p:par>
+                </p:childTnLst>
+              </p:cTn>
+              <p:prevCondLst>
+                <p:cond evt="onPrev" delay="0">
+                  <p:tgtEl>
+                    <p:sldTgt/>
+                  </p:tgtEl>
+                </p:cond>
+              </p:prevCondLst>
+              <p:nextCondLst>
+                <p:cond evt="onNext" delay="0">
+                  <p:tgtEl>
+                    <p:sldTgt/>
+                  </p:tgtEl>
+                </p:cond>
+              </p:nextCondLst>
+            </p:seq>
+          </p:childTnLst>
+        </p:cTn>
+      </p:par>
+    </p:tnLst>
+    <p:bldLst>
+      <p:bldP spid="3" grpId="0" uiExpand="1" build="p"/>
+    </p:bldLst>
+  </p:timing>
+</p:sld>
+</file>
+
+<file path=ppt/slides/slide30.xml><?xml version="1.0" encoding="utf-8"?>
+<p:sld xmlns:a="http://schemas.openxmlformats.org/drawingml/2006/main" xmlns:r="http://schemas.openxmlformats.org/officeDocument/2006/relationships" xmlns:p="http://schemas.openxmlformats.org/presentationml/2006/main">
+  <p:cSld>
+    <p:spTree>
+      <p:nvGrpSpPr>
+        <p:cNvPr id="1" name=""/>
+        <p:cNvGrpSpPr/>
+        <p:nvPr/>
+      </p:nvGrpSpPr>
+      <p:grpSpPr>
+        <a:xfrm>
+          <a:off x="0" y="0"/>
+          <a:ext cx="0" cy="0"/>
+          <a:chOff x="0" y="0"/>
+          <a:chExt cx="0" cy="0"/>
+        </a:xfrm>
+      </p:grpSpPr>
+      <p:sp>
+        <p:nvSpPr>
+          <p:cNvPr id="2" name="Title 1"/>
+          <p:cNvSpPr>
+            <a:spLocks noGrp="1"/>
+          </p:cNvSpPr>
+          <p:nvPr>
+            <p:ph type="title"/>
+          </p:nvPr>
+        </p:nvSpPr>
+        <p:spPr/>
+        <p:txBody>
+          <a:bodyPr/>
+          <a:lstStyle/>
+          <a:p>
+            <a:r>
+              <a:rPr lang="en-US" dirty="0" smtClean="0"/>
               <a:t>Walking the tree</a:t>
             </a:r>
             <a:endParaRPr lang="en-US" dirty="0"/>
@@ -15058,7 +23378,7 @@
                 <a:latin typeface="Calibri"/>
               </a:rPr>
               <a:pPr/>
-              <a:t>24</a:t>
+              <a:t>30</a:t>
             </a:fld>
             <a:endParaRPr lang="nl-BE">
               <a:solidFill>
@@ -15832,7 +24152,7 @@
 </p:sld>
 </file>
 
-<file path=ppt/slides/slide25.xml><?xml version="1.0" encoding="utf-8"?>
+<file path=ppt/slides/slide31.xml><?xml version="1.0" encoding="utf-8"?>
 <p:sld xmlns:a="http://schemas.openxmlformats.org/drawingml/2006/main" xmlns:r="http://schemas.openxmlformats.org/officeDocument/2006/relationships" xmlns:p="http://schemas.openxmlformats.org/presentationml/2006/main">
   <p:cSld>
     <p:spTree>
@@ -15938,7 +24258,7 @@
                 <a:latin typeface="Calibri"/>
               </a:rPr>
               <a:pPr/>
-              <a:t>25</a:t>
+              <a:t>31</a:t>
             </a:fld>
             <a:endParaRPr lang="nl-BE">
               <a:solidFill>
@@ -15971,7 +24291,7 @@
 </p:sld>
 </file>
 
-<file path=ppt/slides/slide26.xml><?xml version="1.0" encoding="utf-8"?>
+<file path=ppt/slides/slide32.xml><?xml version="1.0" encoding="utf-8"?>
 <p:sld xmlns:a="http://schemas.openxmlformats.org/drawingml/2006/main" xmlns:r="http://schemas.openxmlformats.org/officeDocument/2006/relationships" xmlns:p="http://schemas.openxmlformats.org/presentationml/2006/main">
   <p:cSld>
     <p:spTree>
@@ -16441,7 +24761,7 @@
                 <a:latin typeface="Calibri"/>
               </a:rPr>
               <a:pPr/>
-              <a:t>26</a:t>
+              <a:t>32</a:t>
             </a:fld>
             <a:endParaRPr lang="nl-BE">
               <a:solidFill>
@@ -16889,7 +25209,7 @@
 </p:sld>
 </file>
 
-<file path=ppt/slides/slide27.xml><?xml version="1.0" encoding="utf-8"?>
+<file path=ppt/slides/slide33.xml><?xml version="1.0" encoding="utf-8"?>
 <p:sld xmlns:a="http://schemas.openxmlformats.org/drawingml/2006/main" xmlns:r="http://schemas.openxmlformats.org/officeDocument/2006/relationships" xmlns:p="http://schemas.openxmlformats.org/presentationml/2006/main">
   <p:cSld>
     <p:spTree>
@@ -17884,7 +26204,7 @@
                 <a:latin typeface="Calibri"/>
               </a:rPr>
               <a:pPr/>
-              <a:t>27</a:t>
+              <a:t>33</a:t>
             </a:fld>
             <a:endParaRPr lang="nl-BE">
               <a:solidFill>
@@ -18233,521 +26553,6 @@
       <p:bldP spid="5" grpId="0" animBg="1"/>
       <p:bldP spid="6" grpId="0" animBg="1"/>
       <p:bldP spid="12" grpId="0" animBg="1"/>
-    </p:bldLst>
-  </p:timing>
-</p:sld>
-</file>
-
-<file path=ppt/slides/slide3.xml><?xml version="1.0" encoding="utf-8"?>
-<p:sld xmlns:a="http://schemas.openxmlformats.org/drawingml/2006/main" xmlns:r="http://schemas.openxmlformats.org/officeDocument/2006/relationships" xmlns:p="http://schemas.openxmlformats.org/presentationml/2006/main">
-  <p:cSld>
-    <p:spTree>
-      <p:nvGrpSpPr>
-        <p:cNvPr id="1" name=""/>
-        <p:cNvGrpSpPr/>
-        <p:nvPr/>
-      </p:nvGrpSpPr>
-      <p:grpSpPr>
-        <a:xfrm>
-          <a:off x="0" y="0"/>
-          <a:ext cx="0" cy="0"/>
-          <a:chOff x="0" y="0"/>
-          <a:chExt cx="0" cy="0"/>
-        </a:xfrm>
-      </p:grpSpPr>
-      <p:sp>
-        <p:nvSpPr>
-          <p:cNvPr id="2" name="Title 1"/>
-          <p:cNvSpPr>
-            <a:spLocks noGrp="1"/>
-          </p:cNvSpPr>
-          <p:nvPr>
-            <p:ph type="title"/>
-          </p:nvPr>
-        </p:nvSpPr>
-        <p:spPr/>
-        <p:txBody>
-          <a:bodyPr/>
-          <a:lstStyle/>
-          <a:p>
-            <a:r>
-              <a:rPr lang="en-US" dirty="0" smtClean="0"/>
-              <a:t>Handling command line arguments</a:t>
-            </a:r>
-            <a:endParaRPr lang="en-US" dirty="0"/>
-          </a:p>
-        </p:txBody>
-      </p:sp>
-      <p:sp>
-        <p:nvSpPr>
-          <p:cNvPr id="3" name="Content Placeholder 2"/>
-          <p:cNvSpPr>
-            <a:spLocks noGrp="1"/>
-          </p:cNvSpPr>
-          <p:nvPr>
-            <p:ph idx="1"/>
-          </p:nvPr>
-        </p:nvSpPr>
-        <p:spPr/>
-        <p:txBody>
-          <a:bodyPr>
-            <a:normAutofit lnSpcReduction="10000"/>
-          </a:bodyPr>
-          <a:lstStyle/>
-          <a:p>
-            <a:r>
-              <a:rPr lang="en-US" dirty="0" smtClean="0"/>
-              <a:t>Many tools start out as short script, evolve into applications used by many</a:t>
-            </a:r>
-          </a:p>
-          <a:p>
-            <a:r>
-              <a:rPr lang="en-US" dirty="0" smtClean="0"/>
-              <a:t>Model after Unix tools</a:t>
-            </a:r>
-          </a:p>
-          <a:p>
-            <a:pPr lvl="1"/>
-            <a:r>
-              <a:rPr lang="en-US" dirty="0" smtClean="0"/>
-              <a:t>Arguments</a:t>
-            </a:r>
-          </a:p>
-          <a:p>
-            <a:pPr lvl="1"/>
-            <a:r>
-              <a:rPr lang="en-US" dirty="0" smtClean="0"/>
-              <a:t>Flags</a:t>
-            </a:r>
-          </a:p>
-          <a:p>
-            <a:pPr lvl="1"/>
-            <a:r>
-              <a:rPr lang="en-US" dirty="0" smtClean="0"/>
-              <a:t>Options</a:t>
-            </a:r>
-          </a:p>
-          <a:p>
-            <a:r>
-              <a:rPr lang="en-US" dirty="0" smtClean="0"/>
-              <a:t>Python's </a:t>
-            </a:r>
-            <a:r>
-              <a:rPr lang="en-US" dirty="0" err="1" smtClean="0">
-                <a:latin typeface="Courier New" pitchFamily="49" charset="0"/>
-                <a:cs typeface="Courier New" pitchFamily="49" charset="0"/>
-              </a:rPr>
-              <a:t>argparse</a:t>
-            </a:r>
-            <a:r>
-              <a:rPr lang="en-US" dirty="0" smtClean="0"/>
-              <a:t> benefits</a:t>
-            </a:r>
-          </a:p>
-          <a:p>
-            <a:pPr lvl="1"/>
-            <a:r>
-              <a:rPr lang="en-US" dirty="0" smtClean="0"/>
-              <a:t>Easy to use</a:t>
-            </a:r>
-          </a:p>
-          <a:p>
-            <a:pPr lvl="1"/>
-            <a:r>
-              <a:rPr lang="en-US" dirty="0" smtClean="0"/>
-              <a:t>Self-documenting</a:t>
-            </a:r>
-          </a:p>
-          <a:p>
-            <a:pPr lvl="1"/>
-            <a:endParaRPr lang="en-US" dirty="0"/>
-          </a:p>
-        </p:txBody>
-      </p:sp>
-      <p:sp>
-        <p:nvSpPr>
-          <p:cNvPr id="4" name="Slide Number Placeholder 3"/>
-          <p:cNvSpPr>
-            <a:spLocks noGrp="1"/>
-          </p:cNvSpPr>
-          <p:nvPr>
-            <p:ph type="sldNum" sz="quarter" idx="12"/>
-          </p:nvPr>
-        </p:nvSpPr>
-        <p:spPr/>
-        <p:txBody>
-          <a:bodyPr/>
-          <a:lstStyle/>
-          <a:p>
-            <a:fld id="{5A209D72-2E9D-49B0-8977-41DCCC66C0BB}" type="slidenum">
-              <a:rPr lang="nl-BE">
-                <a:solidFill>
-                  <a:prstClr val="black">
-                    <a:tint val="75000"/>
-                  </a:prstClr>
-                </a:solidFill>
-                <a:latin typeface="Calibri"/>
-              </a:rPr>
-              <a:pPr/>
-              <a:t>3</a:t>
-            </a:fld>
-            <a:endParaRPr lang="nl-BE">
-              <a:solidFill>
-                <a:prstClr val="black">
-                  <a:tint val="75000"/>
-                </a:prstClr>
-              </a:solidFill>
-              <a:latin typeface="Calibri"/>
-            </a:endParaRPr>
-          </a:p>
-        </p:txBody>
-      </p:sp>
-    </p:spTree>
-    <p:extLst>
-      <p:ext uri="{BB962C8B-B14F-4D97-AF65-F5344CB8AC3E}">
-        <p14:creationId xmlns:p14="http://schemas.microsoft.com/office/powerpoint/2010/main" val="2534300650"/>
-      </p:ext>
-    </p:extLst>
-  </p:cSld>
-  <p:clrMapOvr>
-    <a:masterClrMapping/>
-  </p:clrMapOvr>
-  <p:timing>
-    <p:tnLst>
-      <p:par>
-        <p:cTn id="1" dur="indefinite" restart="never" nodeType="tmRoot">
-          <p:childTnLst>
-            <p:seq concurrent="1" nextAc="seek">
-              <p:cTn id="2" dur="indefinite" nodeType="mainSeq">
-                <p:childTnLst>
-                  <p:par>
-                    <p:cTn id="3" fill="hold">
-                      <p:stCondLst>
-                        <p:cond delay="indefinite"/>
-                        <p:cond evt="onBegin" delay="0">
-                          <p:tn val="2"/>
-                        </p:cond>
-                      </p:stCondLst>
-                      <p:childTnLst>
-                        <p:par>
-                          <p:cTn id="4" fill="hold">
-                            <p:stCondLst>
-                              <p:cond delay="0"/>
-                            </p:stCondLst>
-                            <p:childTnLst>
-                              <p:par>
-                                <p:cTn id="5" presetID="1" presetClass="entr" presetSubtype="0" fill="hold" grpId="0" nodeType="withEffect">
-                                  <p:stCondLst>
-                                    <p:cond delay="0"/>
-                                  </p:stCondLst>
-                                  <p:childTnLst>
-                                    <p:set>
-                                      <p:cBhvr>
-                                        <p:cTn id="6" dur="1" fill="hold">
-                                          <p:stCondLst>
-                                            <p:cond delay="0"/>
-                                          </p:stCondLst>
-                                        </p:cTn>
-                                        <p:tgtEl>
-                                          <p:spTgt spid="3">
-                                            <p:txEl>
-                                              <p:pRg st="0" end="0"/>
-                                            </p:txEl>
-                                          </p:spTgt>
-                                        </p:tgtEl>
-                                        <p:attrNameLst>
-                                          <p:attrName>style.visibility</p:attrName>
-                                        </p:attrNameLst>
-                                      </p:cBhvr>
-                                      <p:to>
-                                        <p:strVal val="visible"/>
-                                      </p:to>
-                                    </p:set>
-                                  </p:childTnLst>
-                                </p:cTn>
-                              </p:par>
-                            </p:childTnLst>
-                          </p:cTn>
-                        </p:par>
-                      </p:childTnLst>
-                    </p:cTn>
-                  </p:par>
-                  <p:par>
-                    <p:cTn id="7" fill="hold">
-                      <p:stCondLst>
-                        <p:cond delay="indefinite"/>
-                      </p:stCondLst>
-                      <p:childTnLst>
-                        <p:par>
-                          <p:cTn id="8" fill="hold">
-                            <p:stCondLst>
-                              <p:cond delay="0"/>
-                            </p:stCondLst>
-                            <p:childTnLst>
-                              <p:par>
-                                <p:cTn id="9" presetID="1" presetClass="entr" presetSubtype="0" fill="hold" grpId="0" nodeType="clickEffect">
-                                  <p:stCondLst>
-                                    <p:cond delay="0"/>
-                                  </p:stCondLst>
-                                  <p:childTnLst>
-                                    <p:set>
-                                      <p:cBhvr>
-                                        <p:cTn id="10" dur="1" fill="hold">
-                                          <p:stCondLst>
-                                            <p:cond delay="0"/>
-                                          </p:stCondLst>
-                                        </p:cTn>
-                                        <p:tgtEl>
-                                          <p:spTgt spid="3">
-                                            <p:txEl>
-                                              <p:pRg st="1" end="1"/>
-                                            </p:txEl>
-                                          </p:spTgt>
-                                        </p:tgtEl>
-                                        <p:attrNameLst>
-                                          <p:attrName>style.visibility</p:attrName>
-                                        </p:attrNameLst>
-                                      </p:cBhvr>
-                                      <p:to>
-                                        <p:strVal val="visible"/>
-                                      </p:to>
-                                    </p:set>
-                                  </p:childTnLst>
-                                </p:cTn>
-                              </p:par>
-                              <p:par>
-                                <p:cTn id="11" presetID="1" presetClass="entr" presetSubtype="0" fill="hold" grpId="0" nodeType="withEffect">
-                                  <p:stCondLst>
-                                    <p:cond delay="0"/>
-                                  </p:stCondLst>
-                                  <p:childTnLst>
-                                    <p:set>
-                                      <p:cBhvr>
-                                        <p:cTn id="12" dur="1" fill="hold">
-                                          <p:stCondLst>
-                                            <p:cond delay="0"/>
-                                          </p:stCondLst>
-                                        </p:cTn>
-                                        <p:tgtEl>
-                                          <p:spTgt spid="3">
-                                            <p:txEl>
-                                              <p:pRg st="2" end="2"/>
-                                            </p:txEl>
-                                          </p:spTgt>
-                                        </p:tgtEl>
-                                        <p:attrNameLst>
-                                          <p:attrName>style.visibility</p:attrName>
-                                        </p:attrNameLst>
-                                      </p:cBhvr>
-                                      <p:to>
-                                        <p:strVal val="visible"/>
-                                      </p:to>
-                                    </p:set>
-                                  </p:childTnLst>
-                                </p:cTn>
-                              </p:par>
-                              <p:par>
-                                <p:cTn id="13" presetID="1" presetClass="entr" presetSubtype="0" fill="hold" grpId="0" nodeType="withEffect">
-                                  <p:stCondLst>
-                                    <p:cond delay="0"/>
-                                  </p:stCondLst>
-                                  <p:childTnLst>
-                                    <p:set>
-                                      <p:cBhvr>
-                                        <p:cTn id="14" dur="1" fill="hold">
-                                          <p:stCondLst>
-                                            <p:cond delay="0"/>
-                                          </p:stCondLst>
-                                        </p:cTn>
-                                        <p:tgtEl>
-                                          <p:spTgt spid="3">
-                                            <p:txEl>
-                                              <p:pRg st="3" end="3"/>
-                                            </p:txEl>
-                                          </p:spTgt>
-                                        </p:tgtEl>
-                                        <p:attrNameLst>
-                                          <p:attrName>style.visibility</p:attrName>
-                                        </p:attrNameLst>
-                                      </p:cBhvr>
-                                      <p:to>
-                                        <p:strVal val="visible"/>
-                                      </p:to>
-                                    </p:set>
-                                  </p:childTnLst>
-                                </p:cTn>
-                              </p:par>
-                              <p:par>
-                                <p:cTn id="15" presetID="1" presetClass="entr" presetSubtype="0" fill="hold" grpId="0" nodeType="withEffect">
-                                  <p:stCondLst>
-                                    <p:cond delay="0"/>
-                                  </p:stCondLst>
-                                  <p:childTnLst>
-                                    <p:set>
-                                      <p:cBhvr>
-                                        <p:cTn id="16" dur="1" fill="hold">
-                                          <p:stCondLst>
-                                            <p:cond delay="0"/>
-                                          </p:stCondLst>
-                                        </p:cTn>
-                                        <p:tgtEl>
-                                          <p:spTgt spid="3">
-                                            <p:txEl>
-                                              <p:pRg st="4" end="4"/>
-                                            </p:txEl>
-                                          </p:spTgt>
-                                        </p:tgtEl>
-                                        <p:attrNameLst>
-                                          <p:attrName>style.visibility</p:attrName>
-                                        </p:attrNameLst>
-                                      </p:cBhvr>
-                                      <p:to>
-                                        <p:strVal val="visible"/>
-                                      </p:to>
-                                    </p:set>
-                                  </p:childTnLst>
-                                </p:cTn>
-                              </p:par>
-                            </p:childTnLst>
-                          </p:cTn>
-                        </p:par>
-                      </p:childTnLst>
-                    </p:cTn>
-                  </p:par>
-                  <p:par>
-                    <p:cTn id="17" fill="hold">
-                      <p:stCondLst>
-                        <p:cond delay="indefinite"/>
-                      </p:stCondLst>
-                      <p:childTnLst>
-                        <p:par>
-                          <p:cTn id="18" fill="hold">
-                            <p:stCondLst>
-                              <p:cond delay="0"/>
-                            </p:stCondLst>
-                            <p:childTnLst>
-                              <p:par>
-                                <p:cTn id="19" presetID="1" presetClass="entr" presetSubtype="0" fill="hold" grpId="0" nodeType="clickEffect">
-                                  <p:stCondLst>
-                                    <p:cond delay="0"/>
-                                  </p:stCondLst>
-                                  <p:childTnLst>
-                                    <p:set>
-                                      <p:cBhvr>
-                                        <p:cTn id="20" dur="1" fill="hold">
-                                          <p:stCondLst>
-                                            <p:cond delay="0"/>
-                                          </p:stCondLst>
-                                        </p:cTn>
-                                        <p:tgtEl>
-                                          <p:spTgt spid="3">
-                                            <p:txEl>
-                                              <p:pRg st="5" end="5"/>
-                                            </p:txEl>
-                                          </p:spTgt>
-                                        </p:tgtEl>
-                                        <p:attrNameLst>
-                                          <p:attrName>style.visibility</p:attrName>
-                                        </p:attrNameLst>
-                                      </p:cBhvr>
-                                      <p:to>
-                                        <p:strVal val="visible"/>
-                                      </p:to>
-                                    </p:set>
-                                  </p:childTnLst>
-                                </p:cTn>
-                              </p:par>
-                              <p:par>
-                                <p:cTn id="21" presetID="1" presetClass="entr" presetSubtype="0" fill="hold" grpId="0" nodeType="withEffect">
-                                  <p:stCondLst>
-                                    <p:cond delay="0"/>
-                                  </p:stCondLst>
-                                  <p:childTnLst>
-                                    <p:set>
-                                      <p:cBhvr>
-                                        <p:cTn id="22" dur="1" fill="hold">
-                                          <p:stCondLst>
-                                            <p:cond delay="0"/>
-                                          </p:stCondLst>
-                                        </p:cTn>
-                                        <p:tgtEl>
-                                          <p:spTgt spid="3">
-                                            <p:txEl>
-                                              <p:pRg st="6" end="6"/>
-                                            </p:txEl>
-                                          </p:spTgt>
-                                        </p:tgtEl>
-                                        <p:attrNameLst>
-                                          <p:attrName>style.visibility</p:attrName>
-                                        </p:attrNameLst>
-                                      </p:cBhvr>
-                                      <p:to>
-                                        <p:strVal val="visible"/>
-                                      </p:to>
-                                    </p:set>
-                                  </p:childTnLst>
-                                </p:cTn>
-                              </p:par>
-                              <p:par>
-                                <p:cTn id="23" presetID="1" presetClass="entr" presetSubtype="0" fill="hold" grpId="0" nodeType="withEffect">
-                                  <p:stCondLst>
-                                    <p:cond delay="0"/>
-                                  </p:stCondLst>
-                                  <p:childTnLst>
-                                    <p:set>
-                                      <p:cBhvr>
-                                        <p:cTn id="24" dur="1" fill="hold">
-                                          <p:stCondLst>
-                                            <p:cond delay="0"/>
-                                          </p:stCondLst>
-                                        </p:cTn>
-                                        <p:tgtEl>
-                                          <p:spTgt spid="3">
-                                            <p:txEl>
-                                              <p:pRg st="7" end="7"/>
-                                            </p:txEl>
-                                          </p:spTgt>
-                                        </p:tgtEl>
-                                        <p:attrNameLst>
-                                          <p:attrName>style.visibility</p:attrName>
-                                        </p:attrNameLst>
-                                      </p:cBhvr>
-                                      <p:to>
-                                        <p:strVal val="visible"/>
-                                      </p:to>
-                                    </p:set>
-                                  </p:childTnLst>
-                                </p:cTn>
-                              </p:par>
-                            </p:childTnLst>
-                          </p:cTn>
-                        </p:par>
-                      </p:childTnLst>
-                    </p:cTn>
-                  </p:par>
-                </p:childTnLst>
-              </p:cTn>
-              <p:prevCondLst>
-                <p:cond evt="onPrev" delay="0">
-                  <p:tgtEl>
-                    <p:sldTgt/>
-                  </p:tgtEl>
-                </p:cond>
-              </p:prevCondLst>
-              <p:nextCondLst>
-                <p:cond evt="onNext" delay="0">
-                  <p:tgtEl>
-                    <p:sldTgt/>
-                  </p:tgtEl>
-                </p:cond>
-              </p:nextCondLst>
-            </p:seq>
-          </p:childTnLst>
-        </p:cTn>
-      </p:par>
-    </p:tnLst>
-    <p:bldLst>
-      <p:bldP spid="3" grpId="0" uiExpand="1" build="p"/>
     </p:bldLst>
   </p:timing>
 </p:sld>

--- a/python_for_systems_programming.pptx
+++ b/python_for_systems_programming.pptx
@@ -7,38 +7,41 @@
   </p:sldMasterIdLst>
   <p:sldIdLst>
     <p:sldId id="256" r:id="rId3"/>
-    <p:sldId id="257" r:id="rId4"/>
-    <p:sldId id="258" r:id="rId5"/>
-    <p:sldId id="259" r:id="rId6"/>
-    <p:sldId id="260" r:id="rId7"/>
-    <p:sldId id="261" r:id="rId8"/>
-    <p:sldId id="262" r:id="rId9"/>
-    <p:sldId id="263" r:id="rId10"/>
-    <p:sldId id="264" r:id="rId11"/>
-    <p:sldId id="265" r:id="rId12"/>
-    <p:sldId id="266" r:id="rId13"/>
-    <p:sldId id="267" r:id="rId14"/>
-    <p:sldId id="268" r:id="rId15"/>
-    <p:sldId id="269" r:id="rId16"/>
-    <p:sldId id="270" r:id="rId17"/>
-    <p:sldId id="271" r:id="rId18"/>
-    <p:sldId id="288" r:id="rId19"/>
-    <p:sldId id="283" r:id="rId20"/>
-    <p:sldId id="284" r:id="rId21"/>
-    <p:sldId id="285" r:id="rId22"/>
-    <p:sldId id="286" r:id="rId23"/>
-    <p:sldId id="287" r:id="rId24"/>
-    <p:sldId id="272" r:id="rId25"/>
-    <p:sldId id="273" r:id="rId26"/>
-    <p:sldId id="274" r:id="rId27"/>
-    <p:sldId id="275" r:id="rId28"/>
-    <p:sldId id="276" r:id="rId29"/>
-    <p:sldId id="277" r:id="rId30"/>
-    <p:sldId id="278" r:id="rId31"/>
-    <p:sldId id="279" r:id="rId32"/>
-    <p:sldId id="280" r:id="rId33"/>
-    <p:sldId id="281" r:id="rId34"/>
-    <p:sldId id="282" r:id="rId35"/>
+    <p:sldId id="291" r:id="rId4"/>
+    <p:sldId id="290" r:id="rId5"/>
+    <p:sldId id="289" r:id="rId6"/>
+    <p:sldId id="257" r:id="rId7"/>
+    <p:sldId id="258" r:id="rId8"/>
+    <p:sldId id="259" r:id="rId9"/>
+    <p:sldId id="260" r:id="rId10"/>
+    <p:sldId id="261" r:id="rId11"/>
+    <p:sldId id="262" r:id="rId12"/>
+    <p:sldId id="263" r:id="rId13"/>
+    <p:sldId id="264" r:id="rId14"/>
+    <p:sldId id="265" r:id="rId15"/>
+    <p:sldId id="266" r:id="rId16"/>
+    <p:sldId id="267" r:id="rId17"/>
+    <p:sldId id="268" r:id="rId18"/>
+    <p:sldId id="269" r:id="rId19"/>
+    <p:sldId id="270" r:id="rId20"/>
+    <p:sldId id="271" r:id="rId21"/>
+    <p:sldId id="288" r:id="rId22"/>
+    <p:sldId id="283" r:id="rId23"/>
+    <p:sldId id="284" r:id="rId24"/>
+    <p:sldId id="285" r:id="rId25"/>
+    <p:sldId id="286" r:id="rId26"/>
+    <p:sldId id="287" r:id="rId27"/>
+    <p:sldId id="272" r:id="rId28"/>
+    <p:sldId id="273" r:id="rId29"/>
+    <p:sldId id="274" r:id="rId30"/>
+    <p:sldId id="275" r:id="rId31"/>
+    <p:sldId id="276" r:id="rId32"/>
+    <p:sldId id="277" r:id="rId33"/>
+    <p:sldId id="278" r:id="rId34"/>
+    <p:sldId id="279" r:id="rId35"/>
+    <p:sldId id="280" r:id="rId36"/>
+    <p:sldId id="281" r:id="rId37"/>
+    <p:sldId id="282" r:id="rId38"/>
   </p:sldIdLst>
   <p:sldSz cx="12192000" cy="6858000"/>
   <p:notesSz cx="6858000" cy="9144000"/>
@@ -143,6 +146,9 @@
         <p14:section name="Default Section" id="{658EF463-8B9F-45F8-88CE-B4159E44B7D4}">
           <p14:sldIdLst>
             <p14:sldId id="256"/>
+            <p14:sldId id="291"/>
+            <p14:sldId id="290"/>
+            <p14:sldId id="289"/>
           </p14:sldIdLst>
         </p14:section>
         <p14:section name="command line arguments, configuration files, environment variables" id="{A283BE31-C1B7-484A-B5F7-7BEEC36063BE}">
@@ -6211,6 +6217,908 @@
           <a:p>
             <a:r>
               <a:rPr lang="en-US" dirty="0" smtClean="0"/>
+              <a:t>Reading &amp; using configurations</a:t>
+            </a:r>
+            <a:endParaRPr lang="en-US" dirty="0"/>
+          </a:p>
+        </p:txBody>
+      </p:sp>
+      <p:sp>
+        <p:nvSpPr>
+          <p:cNvPr id="3" name="Content Placeholder 2"/>
+          <p:cNvSpPr>
+            <a:spLocks noGrp="1"/>
+          </p:cNvSpPr>
+          <p:nvPr>
+            <p:ph idx="1"/>
+          </p:nvPr>
+        </p:nvSpPr>
+        <p:spPr/>
+        <p:txBody>
+          <a:bodyPr/>
+          <a:lstStyle/>
+          <a:p>
+            <a:r>
+              <a:rPr lang="en-US" dirty="0" smtClean="0"/>
+              <a:t>Reading configuration file</a:t>
+            </a:r>
+          </a:p>
+          <a:p>
+            <a:endParaRPr lang="en-US" dirty="0" smtClean="0"/>
+          </a:p>
+          <a:p>
+            <a:endParaRPr lang="en-US" dirty="0" smtClean="0"/>
+          </a:p>
+          <a:p>
+            <a:r>
+              <a:rPr lang="en-US" dirty="0" smtClean="0"/>
+              <a:t>Using configuration values</a:t>
+            </a:r>
+          </a:p>
+          <a:p>
+            <a:endParaRPr lang="en-US" dirty="0"/>
+          </a:p>
+        </p:txBody>
+      </p:sp>
+      <p:sp>
+        <p:nvSpPr>
+          <p:cNvPr id="4" name="TextBox 3"/>
+          <p:cNvSpPr txBox="1"/>
+          <p:nvPr/>
+        </p:nvSpPr>
+        <p:spPr>
+          <a:xfrm>
+            <a:off x="2207568" y="2258288"/>
+            <a:ext cx="6408712" cy="738664"/>
+          </a:xfrm>
+          <a:prstGeom prst="rect">
+            <a:avLst/>
+          </a:prstGeom>
+          <a:solidFill>
+            <a:schemeClr val="bg1">
+              <a:lumMod val="85000"/>
+            </a:schemeClr>
+          </a:solidFill>
+        </p:spPr>
+        <p:txBody>
+          <a:bodyPr wrap="square" rtlCol="0">
+            <a:spAutoFit/>
+          </a:bodyPr>
+          <a:lstStyle/>
+          <a:p>
+            <a:r>
+              <a:rPr lang="en-US" sz="1400" dirty="0">
+                <a:solidFill>
+                  <a:prstClr val="black"/>
+                </a:solidFill>
+                <a:latin typeface="Courier New" pitchFamily="49" charset="0"/>
+                <a:cs typeface="Courier New" pitchFamily="49" charset="0"/>
+              </a:rPr>
+              <a:t>from </a:t>
+            </a:r>
+            <a:r>
+              <a:rPr lang="en-US" sz="1400" dirty="0" err="1">
+                <a:solidFill>
+                  <a:prstClr val="black"/>
+                </a:solidFill>
+                <a:latin typeface="Courier New" pitchFamily="49" charset="0"/>
+                <a:cs typeface="Courier New" pitchFamily="49" charset="0"/>
+              </a:rPr>
+              <a:t>configparser</a:t>
+            </a:r>
+            <a:r>
+              <a:rPr lang="en-US" sz="1400" dirty="0">
+                <a:solidFill>
+                  <a:prstClr val="black"/>
+                </a:solidFill>
+                <a:latin typeface="Courier New" pitchFamily="49" charset="0"/>
+                <a:cs typeface="Courier New" pitchFamily="49" charset="0"/>
+              </a:rPr>
+              <a:t> import </a:t>
+            </a:r>
+            <a:r>
+              <a:rPr lang="en-US" sz="1400" dirty="0" err="1">
+                <a:solidFill>
+                  <a:prstClr val="black"/>
+                </a:solidFill>
+                <a:latin typeface="Courier New" pitchFamily="49" charset="0"/>
+                <a:cs typeface="Courier New" pitchFamily="49" charset="0"/>
+              </a:rPr>
+              <a:t>ConfigParser</a:t>
+            </a:r>
+            <a:endParaRPr lang="en-US" sz="1400" dirty="0">
+              <a:solidFill>
+                <a:prstClr val="black"/>
+              </a:solidFill>
+              <a:latin typeface="Courier New" pitchFamily="49" charset="0"/>
+              <a:cs typeface="Courier New" pitchFamily="49" charset="0"/>
+            </a:endParaRPr>
+          </a:p>
+          <a:p>
+            <a:r>
+              <a:rPr lang="en-US" sz="1400" dirty="0" err="1">
+                <a:solidFill>
+                  <a:prstClr val="black"/>
+                </a:solidFill>
+                <a:latin typeface="Courier New" pitchFamily="49" charset="0"/>
+                <a:cs typeface="Courier New" pitchFamily="49" charset="0"/>
+              </a:rPr>
+              <a:t>cfg</a:t>
+            </a:r>
+            <a:r>
+              <a:rPr lang="en-US" sz="1400" dirty="0">
+                <a:solidFill>
+                  <a:prstClr val="black"/>
+                </a:solidFill>
+                <a:latin typeface="Courier New" pitchFamily="49" charset="0"/>
+                <a:cs typeface="Courier New" pitchFamily="49" charset="0"/>
+              </a:rPr>
+              <a:t> = </a:t>
+            </a:r>
+            <a:r>
+              <a:rPr lang="en-US" sz="1400" dirty="0" err="1">
+                <a:solidFill>
+                  <a:prstClr val="black"/>
+                </a:solidFill>
+                <a:latin typeface="Courier New" pitchFamily="49" charset="0"/>
+                <a:cs typeface="Courier New" pitchFamily="49" charset="0"/>
+              </a:rPr>
+              <a:t>ConfigParser</a:t>
+            </a:r>
+            <a:r>
+              <a:rPr lang="en-US" sz="1400" dirty="0">
+                <a:solidFill>
+                  <a:prstClr val="black"/>
+                </a:solidFill>
+                <a:latin typeface="Courier New" pitchFamily="49" charset="0"/>
+                <a:cs typeface="Courier New" pitchFamily="49" charset="0"/>
+              </a:rPr>
+              <a:t>()</a:t>
+            </a:r>
+          </a:p>
+          <a:p>
+            <a:r>
+              <a:rPr lang="en-US" sz="1400" dirty="0" err="1">
+                <a:solidFill>
+                  <a:prstClr val="black"/>
+                </a:solidFill>
+                <a:latin typeface="Courier New" pitchFamily="49" charset="0"/>
+                <a:cs typeface="Courier New" pitchFamily="49" charset="0"/>
+              </a:rPr>
+              <a:t>cfg.read</a:t>
+            </a:r>
+            <a:r>
+              <a:rPr lang="en-US" sz="1400" dirty="0">
+                <a:solidFill>
+                  <a:prstClr val="black"/>
+                </a:solidFill>
+                <a:latin typeface="Courier New" pitchFamily="49" charset="0"/>
+                <a:cs typeface="Courier New" pitchFamily="49" charset="0"/>
+              </a:rPr>
+              <a:t>('</a:t>
+            </a:r>
+            <a:r>
+              <a:rPr lang="en-US" sz="1400" dirty="0" err="1">
+                <a:solidFill>
+                  <a:prstClr val="black"/>
+                </a:solidFill>
+                <a:latin typeface="Courier New" pitchFamily="49" charset="0"/>
+                <a:cs typeface="Courier New" pitchFamily="49" charset="0"/>
+              </a:rPr>
+              <a:t>test.conf</a:t>
+            </a:r>
+            <a:r>
+              <a:rPr lang="en-US" sz="1400" dirty="0">
+                <a:solidFill>
+                  <a:prstClr val="black"/>
+                </a:solidFill>
+                <a:latin typeface="Courier New" pitchFamily="49" charset="0"/>
+                <a:cs typeface="Courier New" pitchFamily="49" charset="0"/>
+              </a:rPr>
+              <a:t>')</a:t>
+            </a:r>
+          </a:p>
+        </p:txBody>
+      </p:sp>
+      <p:sp>
+        <p:nvSpPr>
+          <p:cNvPr id="5" name="TextBox 4"/>
+          <p:cNvSpPr txBox="1"/>
+          <p:nvPr/>
+        </p:nvSpPr>
+        <p:spPr>
+          <a:xfrm>
+            <a:off x="2207568" y="4058488"/>
+            <a:ext cx="6408712" cy="1600438"/>
+          </a:xfrm>
+          <a:prstGeom prst="rect">
+            <a:avLst/>
+          </a:prstGeom>
+          <a:solidFill>
+            <a:schemeClr val="bg1">
+              <a:lumMod val="85000"/>
+            </a:schemeClr>
+          </a:solidFill>
+        </p:spPr>
+        <p:txBody>
+          <a:bodyPr wrap="square" rtlCol="0">
+            <a:spAutoFit/>
+          </a:bodyPr>
+          <a:lstStyle/>
+          <a:p>
+            <a:r>
+              <a:rPr lang="en-US" sz="1400" dirty="0">
+                <a:solidFill>
+                  <a:prstClr val="black"/>
+                </a:solidFill>
+                <a:latin typeface="Courier New" pitchFamily="49" charset="0"/>
+                <a:cs typeface="Courier New" pitchFamily="49" charset="0"/>
+              </a:rPr>
+              <a:t>temperature = </a:t>
+            </a:r>
+            <a:r>
+              <a:rPr lang="en-US" sz="1400" dirty="0" err="1">
+                <a:solidFill>
+                  <a:prstClr val="black"/>
+                </a:solidFill>
+                <a:latin typeface="Courier New" pitchFamily="49" charset="0"/>
+                <a:cs typeface="Courier New" pitchFamily="49" charset="0"/>
+              </a:rPr>
+              <a:t>cfg.getfloat</a:t>
+            </a:r>
+            <a:r>
+              <a:rPr lang="en-US" sz="1400" dirty="0">
+                <a:solidFill>
+                  <a:prstClr val="black"/>
+                </a:solidFill>
+                <a:latin typeface="Courier New" pitchFamily="49" charset="0"/>
+                <a:cs typeface="Courier New" pitchFamily="49" charset="0"/>
+              </a:rPr>
+              <a:t>('</a:t>
+            </a:r>
+            <a:r>
+              <a:rPr lang="en-US" sz="1400" b="1" dirty="0">
+                <a:solidFill>
+                  <a:srgbClr val="FF0000"/>
+                </a:solidFill>
+                <a:latin typeface="Courier New" pitchFamily="49" charset="0"/>
+                <a:cs typeface="Courier New" pitchFamily="49" charset="0"/>
+              </a:rPr>
+              <a:t>physics</a:t>
+            </a:r>
+            <a:r>
+              <a:rPr lang="en-US" sz="1400" dirty="0">
+                <a:solidFill>
+                  <a:prstClr val="black"/>
+                </a:solidFill>
+                <a:latin typeface="Courier New" pitchFamily="49" charset="0"/>
+                <a:cs typeface="Courier New" pitchFamily="49" charset="0"/>
+              </a:rPr>
+              <a:t>', 'T')</a:t>
+            </a:r>
+          </a:p>
+          <a:p>
+            <a:r>
+              <a:rPr lang="en-US" sz="1400" dirty="0" err="1">
+                <a:solidFill>
+                  <a:prstClr val="black"/>
+                </a:solidFill>
+                <a:latin typeface="Courier New" pitchFamily="49" charset="0"/>
+                <a:cs typeface="Courier New" pitchFamily="49" charset="0"/>
+              </a:rPr>
+              <a:t>number_of_runs</a:t>
+            </a:r>
+            <a:r>
+              <a:rPr lang="en-US" sz="1400" dirty="0">
+                <a:solidFill>
+                  <a:prstClr val="black"/>
+                </a:solidFill>
+                <a:latin typeface="Courier New" pitchFamily="49" charset="0"/>
+                <a:cs typeface="Courier New" pitchFamily="49" charset="0"/>
+              </a:rPr>
+              <a:t> = </a:t>
+            </a:r>
+            <a:r>
+              <a:rPr lang="en-US" sz="1400" dirty="0" err="1">
+                <a:solidFill>
+                  <a:prstClr val="black"/>
+                </a:solidFill>
+                <a:latin typeface="Courier New" pitchFamily="49" charset="0"/>
+                <a:cs typeface="Courier New" pitchFamily="49" charset="0"/>
+              </a:rPr>
+              <a:t>cfg.getint</a:t>
+            </a:r>
+            <a:r>
+              <a:rPr lang="en-US" sz="1400" dirty="0">
+                <a:solidFill>
+                  <a:prstClr val="black"/>
+                </a:solidFill>
+                <a:latin typeface="Courier New" pitchFamily="49" charset="0"/>
+                <a:cs typeface="Courier New" pitchFamily="49" charset="0"/>
+              </a:rPr>
+              <a:t>('</a:t>
+            </a:r>
+            <a:r>
+              <a:rPr lang="en-US" sz="1400" b="1" dirty="0">
+                <a:solidFill>
+                  <a:srgbClr val="FF0000"/>
+                </a:solidFill>
+                <a:latin typeface="Courier New" pitchFamily="49" charset="0"/>
+                <a:cs typeface="Courier New" pitchFamily="49" charset="0"/>
+              </a:rPr>
+              <a:t>physics</a:t>
+            </a:r>
+            <a:r>
+              <a:rPr lang="en-US" sz="1400" dirty="0">
+                <a:solidFill>
+                  <a:prstClr val="black"/>
+                </a:solidFill>
+                <a:latin typeface="Courier New" pitchFamily="49" charset="0"/>
+                <a:cs typeface="Courier New" pitchFamily="49" charset="0"/>
+              </a:rPr>
+              <a:t>', 'N')</a:t>
+            </a:r>
+          </a:p>
+          <a:p>
+            <a:r>
+              <a:rPr lang="en-US" sz="1400" dirty="0" err="1">
+                <a:solidFill>
+                  <a:prstClr val="black"/>
+                </a:solidFill>
+                <a:latin typeface="Courier New" pitchFamily="49" charset="0"/>
+                <a:cs typeface="Courier New" pitchFamily="49" charset="0"/>
+              </a:rPr>
+              <a:t>version_str</a:t>
+            </a:r>
+            <a:r>
+              <a:rPr lang="en-US" sz="1400" dirty="0">
+                <a:solidFill>
+                  <a:prstClr val="black"/>
+                </a:solidFill>
+                <a:latin typeface="Courier New" pitchFamily="49" charset="0"/>
+                <a:cs typeface="Courier New" pitchFamily="49" charset="0"/>
+              </a:rPr>
+              <a:t> = </a:t>
+            </a:r>
+            <a:r>
+              <a:rPr lang="en-US" sz="1400" dirty="0" err="1">
+                <a:solidFill>
+                  <a:prstClr val="black"/>
+                </a:solidFill>
+                <a:latin typeface="Courier New" pitchFamily="49" charset="0"/>
+                <a:cs typeface="Courier New" pitchFamily="49" charset="0"/>
+              </a:rPr>
+              <a:t>cfg.get</a:t>
+            </a:r>
+            <a:r>
+              <a:rPr lang="en-US" sz="1400" dirty="0">
+                <a:solidFill>
+                  <a:prstClr val="black"/>
+                </a:solidFill>
+                <a:latin typeface="Courier New" pitchFamily="49" charset="0"/>
+                <a:cs typeface="Courier New" pitchFamily="49" charset="0"/>
+              </a:rPr>
+              <a:t>('</a:t>
+            </a:r>
+            <a:r>
+              <a:rPr lang="en-US" sz="1400" b="1" dirty="0">
+                <a:solidFill>
+                  <a:srgbClr val="FF0000"/>
+                </a:solidFill>
+                <a:latin typeface="Courier New" pitchFamily="49" charset="0"/>
+                <a:cs typeface="Courier New" pitchFamily="49" charset="0"/>
+              </a:rPr>
+              <a:t>meta-info</a:t>
+            </a:r>
+            <a:r>
+              <a:rPr lang="en-US" sz="1400" dirty="0">
+                <a:solidFill>
+                  <a:prstClr val="black"/>
+                </a:solidFill>
+                <a:latin typeface="Courier New" pitchFamily="49" charset="0"/>
+                <a:cs typeface="Courier New" pitchFamily="49" charset="0"/>
+              </a:rPr>
+              <a:t>', 'version')</a:t>
+            </a:r>
+          </a:p>
+          <a:p>
+            <a:r>
+              <a:rPr lang="en-US" sz="1400" dirty="0">
+                <a:solidFill>
+                  <a:prstClr val="black"/>
+                </a:solidFill>
+                <a:latin typeface="Courier New" pitchFamily="49" charset="0"/>
+                <a:cs typeface="Courier New" pitchFamily="49" charset="0"/>
+              </a:rPr>
+              <a:t>if </a:t>
+            </a:r>
+            <a:r>
+              <a:rPr lang="en-US" sz="1400" dirty="0" err="1">
+                <a:solidFill>
+                  <a:prstClr val="black"/>
+                </a:solidFill>
+                <a:latin typeface="Courier New" pitchFamily="49" charset="0"/>
+                <a:cs typeface="Courier New" pitchFamily="49" charset="0"/>
+              </a:rPr>
+              <a:t>cfg.has_option</a:t>
+            </a:r>
+            <a:r>
+              <a:rPr lang="en-US" sz="1400" dirty="0">
+                <a:solidFill>
+                  <a:prstClr val="black"/>
+                </a:solidFill>
+                <a:latin typeface="Courier New" pitchFamily="49" charset="0"/>
+                <a:cs typeface="Courier New" pitchFamily="49" charset="0"/>
+              </a:rPr>
+              <a:t>('</a:t>
+            </a:r>
+            <a:r>
+              <a:rPr lang="en-US" sz="1400" b="1" dirty="0">
+                <a:solidFill>
+                  <a:srgbClr val="FF0000"/>
+                </a:solidFill>
+                <a:latin typeface="Courier New" pitchFamily="49" charset="0"/>
+                <a:cs typeface="Courier New" pitchFamily="49" charset="0"/>
+              </a:rPr>
+              <a:t>physics</a:t>
+            </a:r>
+            <a:r>
+              <a:rPr lang="en-US" sz="1400" dirty="0">
+                <a:solidFill>
+                  <a:prstClr val="black"/>
+                </a:solidFill>
+                <a:latin typeface="Courier New" pitchFamily="49" charset="0"/>
+                <a:cs typeface="Courier New" pitchFamily="49" charset="0"/>
+              </a:rPr>
+              <a:t>', 'g'):</a:t>
+            </a:r>
+          </a:p>
+          <a:p>
+            <a:r>
+              <a:rPr lang="en-US" sz="1400" dirty="0">
+                <a:solidFill>
+                  <a:prstClr val="black"/>
+                </a:solidFill>
+                <a:latin typeface="Courier New" pitchFamily="49" charset="0"/>
+                <a:cs typeface="Courier New" pitchFamily="49" charset="0"/>
+              </a:rPr>
+              <a:t>    acceleration = </a:t>
+            </a:r>
+            <a:r>
+              <a:rPr lang="en-US" sz="1400" dirty="0" err="1">
+                <a:solidFill>
+                  <a:prstClr val="black"/>
+                </a:solidFill>
+                <a:latin typeface="Courier New" pitchFamily="49" charset="0"/>
+                <a:cs typeface="Courier New" pitchFamily="49" charset="0"/>
+              </a:rPr>
+              <a:t>cfg.getfloat</a:t>
+            </a:r>
+            <a:r>
+              <a:rPr lang="en-US" sz="1400" dirty="0">
+                <a:solidFill>
+                  <a:prstClr val="black"/>
+                </a:solidFill>
+                <a:latin typeface="Courier New" pitchFamily="49" charset="0"/>
+                <a:cs typeface="Courier New" pitchFamily="49" charset="0"/>
+              </a:rPr>
+              <a:t>('</a:t>
+            </a:r>
+            <a:r>
+              <a:rPr lang="en-US" sz="1400" b="1" dirty="0">
+                <a:solidFill>
+                  <a:srgbClr val="FF0000"/>
+                </a:solidFill>
+                <a:latin typeface="Courier New" pitchFamily="49" charset="0"/>
+                <a:cs typeface="Courier New" pitchFamily="49" charset="0"/>
+              </a:rPr>
+              <a:t>physics</a:t>
+            </a:r>
+            <a:r>
+              <a:rPr lang="en-US" sz="1400" dirty="0">
+                <a:solidFill>
+                  <a:prstClr val="black"/>
+                </a:solidFill>
+                <a:latin typeface="Courier New" pitchFamily="49" charset="0"/>
+                <a:cs typeface="Courier New" pitchFamily="49" charset="0"/>
+              </a:rPr>
+              <a:t>', 'g')</a:t>
+            </a:r>
+          </a:p>
+          <a:p>
+            <a:r>
+              <a:rPr lang="en-US" sz="1400" dirty="0">
+                <a:solidFill>
+                  <a:prstClr val="black"/>
+                </a:solidFill>
+                <a:latin typeface="Courier New" pitchFamily="49" charset="0"/>
+                <a:cs typeface="Courier New" pitchFamily="49" charset="0"/>
+              </a:rPr>
+              <a:t>else:</a:t>
+            </a:r>
+          </a:p>
+          <a:p>
+            <a:r>
+              <a:rPr lang="en-US" sz="1400" dirty="0">
+                <a:solidFill>
+                  <a:prstClr val="black"/>
+                </a:solidFill>
+                <a:latin typeface="Courier New" pitchFamily="49" charset="0"/>
+                <a:cs typeface="Courier New" pitchFamily="49" charset="0"/>
+              </a:rPr>
+              <a:t>    acceleration = 9.81</a:t>
+            </a:r>
+          </a:p>
+        </p:txBody>
+      </p:sp>
+      <p:sp>
+        <p:nvSpPr>
+          <p:cNvPr id="6" name="Slide Number Placeholder 5"/>
+          <p:cNvSpPr>
+            <a:spLocks noGrp="1"/>
+          </p:cNvSpPr>
+          <p:nvPr>
+            <p:ph type="sldNum" sz="quarter" idx="12"/>
+          </p:nvPr>
+        </p:nvSpPr>
+        <p:spPr/>
+        <p:txBody>
+          <a:bodyPr/>
+          <a:lstStyle/>
+          <a:p>
+            <a:fld id="{5A209D72-2E9D-49B0-8977-41DCCC66C0BB}" type="slidenum">
+              <a:rPr lang="nl-BE">
+                <a:solidFill>
+                  <a:prstClr val="black">
+                    <a:tint val="75000"/>
+                  </a:prstClr>
+                </a:solidFill>
+                <a:latin typeface="Calibri"/>
+              </a:rPr>
+              <a:pPr/>
+              <a:t>10</a:t>
+            </a:fld>
+            <a:endParaRPr lang="nl-BE">
+              <a:solidFill>
+                <a:prstClr val="black">
+                  <a:tint val="75000"/>
+                </a:prstClr>
+              </a:solidFill>
+              <a:latin typeface="Calibri"/>
+            </a:endParaRPr>
+          </a:p>
+        </p:txBody>
+      </p:sp>
+    </p:spTree>
+    <p:extLst>
+      <p:ext uri="{BB962C8B-B14F-4D97-AF65-F5344CB8AC3E}">
+        <p14:creationId xmlns:p14="http://schemas.microsoft.com/office/powerpoint/2010/main" val="3987769329"/>
+      </p:ext>
+    </p:extLst>
+  </p:cSld>
+  <p:clrMapOvr>
+    <a:masterClrMapping/>
+  </p:clrMapOvr>
+  <p:timing>
+    <p:tnLst>
+      <p:par>
+        <p:cTn id="1" dur="indefinite" restart="never" nodeType="tmRoot"/>
+      </p:par>
+    </p:tnLst>
+  </p:timing>
+</p:sld>
+</file>
+
+<file path=ppt/slides/slide11.xml><?xml version="1.0" encoding="utf-8"?>
+<p:sld xmlns:a="http://schemas.openxmlformats.org/drawingml/2006/main" xmlns:r="http://schemas.openxmlformats.org/officeDocument/2006/relationships" xmlns:p="http://schemas.openxmlformats.org/presentationml/2006/main">
+  <p:cSld>
+    <p:spTree>
+      <p:nvGrpSpPr>
+        <p:cNvPr id="1" name=""/>
+        <p:cNvGrpSpPr/>
+        <p:nvPr/>
+      </p:nvGrpSpPr>
+      <p:grpSpPr>
+        <a:xfrm>
+          <a:off x="0" y="0"/>
+          <a:ext cx="0" cy="0"/>
+          <a:chOff x="0" y="0"/>
+          <a:chExt cx="0" cy="0"/>
+        </a:xfrm>
+      </p:grpSpPr>
+      <p:sp>
+        <p:nvSpPr>
+          <p:cNvPr id="2" name="Title 1"/>
+          <p:cNvSpPr>
+            <a:spLocks noGrp="1"/>
+          </p:cNvSpPr>
+          <p:nvPr>
+            <p:ph type="title"/>
+          </p:nvPr>
+        </p:nvSpPr>
+        <p:spPr/>
+        <p:txBody>
+          <a:bodyPr/>
+          <a:lstStyle/>
+          <a:p>
+            <a:r>
+              <a:rPr lang="en-US" dirty="0" smtClean="0"/>
+              <a:t>Further reading: </a:t>
+            </a:r>
+            <a:r>
+              <a:rPr lang="en-US" dirty="0" err="1" smtClean="0"/>
+              <a:t>argparse</a:t>
+            </a:r>
+            <a:endParaRPr lang="nl-BE" dirty="0"/>
+          </a:p>
+        </p:txBody>
+      </p:sp>
+      <p:sp>
+        <p:nvSpPr>
+          <p:cNvPr id="3" name="Content Placeholder 2"/>
+          <p:cNvSpPr>
+            <a:spLocks noGrp="1"/>
+          </p:cNvSpPr>
+          <p:nvPr>
+            <p:ph idx="1"/>
+          </p:nvPr>
+        </p:nvSpPr>
+        <p:spPr/>
+        <p:txBody>
+          <a:bodyPr/>
+          <a:lstStyle/>
+          <a:p>
+            <a:r>
+              <a:rPr lang="en-US" dirty="0" err="1" smtClean="0"/>
+              <a:t>Argparse</a:t>
+            </a:r>
+            <a:r>
+              <a:rPr lang="en-US" dirty="0"/>
+              <a:t> tutorial</a:t>
+            </a:r>
+            <a:br>
+              <a:rPr lang="en-US" dirty="0"/>
+            </a:br>
+            <a:r>
+              <a:rPr lang="en-US" sz="2800" dirty="0">
+                <a:hlinkClick r:id="rId2"/>
+              </a:rPr>
+              <a:t>https://docs.python.org/3.5/howto/argparse.html</a:t>
+            </a:r>
+            <a:r>
+              <a:rPr lang="en-US" sz="2800" dirty="0"/>
+              <a:t> </a:t>
+            </a:r>
+          </a:p>
+        </p:txBody>
+      </p:sp>
+      <p:sp>
+        <p:nvSpPr>
+          <p:cNvPr id="4" name="Slide Number Placeholder 3"/>
+          <p:cNvSpPr>
+            <a:spLocks noGrp="1"/>
+          </p:cNvSpPr>
+          <p:nvPr>
+            <p:ph type="sldNum" sz="quarter" idx="12"/>
+          </p:nvPr>
+        </p:nvSpPr>
+        <p:spPr/>
+        <p:txBody>
+          <a:bodyPr/>
+          <a:lstStyle/>
+          <a:p>
+            <a:fld id="{5A209D72-2E9D-49B0-8977-41DCCC66C0BB}" type="slidenum">
+              <a:rPr lang="nl-BE">
+                <a:solidFill>
+                  <a:prstClr val="black">
+                    <a:tint val="75000"/>
+                  </a:prstClr>
+                </a:solidFill>
+                <a:latin typeface="Calibri"/>
+              </a:rPr>
+              <a:pPr/>
+              <a:t>11</a:t>
+            </a:fld>
+            <a:endParaRPr lang="nl-BE">
+              <a:solidFill>
+                <a:prstClr val="black">
+                  <a:tint val="75000"/>
+                </a:prstClr>
+              </a:solidFill>
+              <a:latin typeface="Calibri"/>
+            </a:endParaRPr>
+          </a:p>
+        </p:txBody>
+      </p:sp>
+    </p:spTree>
+    <p:extLst>
+      <p:ext uri="{BB962C8B-B14F-4D97-AF65-F5344CB8AC3E}">
+        <p14:creationId xmlns:p14="http://schemas.microsoft.com/office/powerpoint/2010/main" val="998971711"/>
+      </p:ext>
+    </p:extLst>
+  </p:cSld>
+  <p:clrMapOvr>
+    <a:masterClrMapping/>
+  </p:clrMapOvr>
+  <p:timing>
+    <p:tnLst>
+      <p:par>
+        <p:cTn id="1" dur="indefinite" restart="never" nodeType="tmRoot"/>
+      </p:par>
+    </p:tnLst>
+  </p:timing>
+</p:sld>
+</file>
+
+<file path=ppt/slides/slide12.xml><?xml version="1.0" encoding="utf-8"?>
+<p:sld xmlns:a="http://schemas.openxmlformats.org/drawingml/2006/main" xmlns:r="http://schemas.openxmlformats.org/officeDocument/2006/relationships" xmlns:p="http://schemas.openxmlformats.org/presentationml/2006/main">
+  <p:cSld>
+    <p:spTree>
+      <p:nvGrpSpPr>
+        <p:cNvPr id="1" name=""/>
+        <p:cNvGrpSpPr/>
+        <p:nvPr/>
+      </p:nvGrpSpPr>
+      <p:grpSpPr>
+        <a:xfrm>
+          <a:off x="0" y="0"/>
+          <a:ext cx="0" cy="0"/>
+          <a:chOff x="0" y="0"/>
+          <a:chExt cx="0" cy="0"/>
+        </a:xfrm>
+      </p:grpSpPr>
+      <p:sp>
+        <p:nvSpPr>
+          <p:cNvPr id="2" name="Title 1"/>
+          <p:cNvSpPr>
+            <a:spLocks noGrp="1"/>
+          </p:cNvSpPr>
+          <p:nvPr>
+            <p:ph type="title"/>
+          </p:nvPr>
+        </p:nvSpPr>
+        <p:spPr/>
+        <p:txBody>
+          <a:bodyPr/>
+          <a:lstStyle/>
+          <a:p>
+            <a:r>
+              <a:rPr lang="en-US" dirty="0" smtClean="0"/>
+              <a:t>Logging</a:t>
+            </a:r>
+            <a:endParaRPr lang="nl-BE" dirty="0"/>
+          </a:p>
+        </p:txBody>
+      </p:sp>
+      <p:sp>
+        <p:nvSpPr>
+          <p:cNvPr id="3" name="Text Placeholder 2"/>
+          <p:cNvSpPr>
+            <a:spLocks noGrp="1"/>
+          </p:cNvSpPr>
+          <p:nvPr>
+            <p:ph type="body" idx="1"/>
+          </p:nvPr>
+        </p:nvSpPr>
+        <p:spPr/>
+        <p:txBody>
+          <a:bodyPr>
+            <a:normAutofit/>
+          </a:bodyPr>
+          <a:lstStyle/>
+          <a:p>
+            <a:r>
+              <a:rPr lang="nl-BE" sz="1800" dirty="0">
+                <a:hlinkClick r:id="rId2"/>
+              </a:rPr>
+              <a:t>https://</a:t>
+            </a:r>
+            <a:r>
+              <a:rPr lang="nl-BE" sz="1800" dirty="0" smtClean="0">
+                <a:hlinkClick r:id="rId2"/>
+              </a:rPr>
+              <a:t>github.com/gjbex/Python-for-systems-programming/tree/master/source-code/logging</a:t>
+            </a:r>
+            <a:r>
+              <a:rPr lang="nl-BE" sz="1800" dirty="0" smtClean="0"/>
+              <a:t> </a:t>
+            </a:r>
+            <a:endParaRPr lang="nl-BE" sz="1800" dirty="0"/>
+          </a:p>
+        </p:txBody>
+      </p:sp>
+      <p:sp>
+        <p:nvSpPr>
+          <p:cNvPr id="4" name="Slide Number Placeholder 3"/>
+          <p:cNvSpPr>
+            <a:spLocks noGrp="1"/>
+          </p:cNvSpPr>
+          <p:nvPr>
+            <p:ph type="sldNum" sz="quarter" idx="12"/>
+          </p:nvPr>
+        </p:nvSpPr>
+        <p:spPr/>
+        <p:txBody>
+          <a:bodyPr/>
+          <a:lstStyle/>
+          <a:p>
+            <a:fld id="{5A209D72-2E9D-49B0-8977-41DCCC66C0BB}" type="slidenum">
+              <a:rPr lang="nl-BE">
+                <a:solidFill>
+                  <a:prstClr val="black">
+                    <a:tint val="75000"/>
+                  </a:prstClr>
+                </a:solidFill>
+                <a:latin typeface="Calibri"/>
+              </a:rPr>
+              <a:pPr/>
+              <a:t>12</a:t>
+            </a:fld>
+            <a:endParaRPr lang="nl-BE">
+              <a:solidFill>
+                <a:prstClr val="black">
+                  <a:tint val="75000"/>
+                </a:prstClr>
+              </a:solidFill>
+              <a:latin typeface="Calibri"/>
+            </a:endParaRPr>
+          </a:p>
+        </p:txBody>
+      </p:sp>
+    </p:spTree>
+    <p:extLst>
+      <p:ext uri="{BB962C8B-B14F-4D97-AF65-F5344CB8AC3E}">
+        <p14:creationId xmlns:p14="http://schemas.microsoft.com/office/powerpoint/2010/main" val="2236268405"/>
+      </p:ext>
+    </p:extLst>
+  </p:cSld>
+  <p:clrMapOvr>
+    <a:masterClrMapping/>
+  </p:clrMapOvr>
+  <p:timing>
+    <p:tnLst>
+      <p:par>
+        <p:cTn id="1" dur="indefinite" restart="never" nodeType="tmRoot"/>
+      </p:par>
+    </p:tnLst>
+  </p:timing>
+</p:sld>
+</file>
+
+<file path=ppt/slides/slide13.xml><?xml version="1.0" encoding="utf-8"?>
+<p:sld xmlns:a="http://schemas.openxmlformats.org/drawingml/2006/main" xmlns:r="http://schemas.openxmlformats.org/officeDocument/2006/relationships" xmlns:p="http://schemas.openxmlformats.org/presentationml/2006/main">
+  <p:cSld>
+    <p:spTree>
+      <p:nvGrpSpPr>
+        <p:cNvPr id="1" name=""/>
+        <p:cNvGrpSpPr/>
+        <p:nvPr/>
+      </p:nvGrpSpPr>
+      <p:grpSpPr>
+        <a:xfrm>
+          <a:off x="0" y="0"/>
+          <a:ext cx="0" cy="0"/>
+          <a:chOff x="0" y="0"/>
+          <a:chExt cx="0" cy="0"/>
+        </a:xfrm>
+      </p:grpSpPr>
+      <p:sp>
+        <p:nvSpPr>
+          <p:cNvPr id="2" name="Title 1"/>
+          <p:cNvSpPr>
+            <a:spLocks noGrp="1"/>
+          </p:cNvSpPr>
+          <p:nvPr>
+            <p:ph type="title"/>
+          </p:nvPr>
+        </p:nvSpPr>
+        <p:spPr/>
+        <p:txBody>
+          <a:bodyPr/>
+          <a:lstStyle/>
+          <a:p>
+            <a:r>
+              <a:rPr lang="en-US" dirty="0" smtClean="0"/>
               <a:t>Logging: motivation</a:t>
             </a:r>
             <a:endParaRPr lang="nl-BE" dirty="0"/>
@@ -6354,7 +7262,7 @@
                 <a:latin typeface="Calibri"/>
               </a:rPr>
               <a:pPr/>
-              <a:t>10</a:t>
+              <a:t>13</a:t>
             </a:fld>
             <a:endParaRPr lang="nl-BE">
               <a:solidFill>
@@ -6733,7 +7641,7 @@
 </p:sld>
 </file>
 
-<file path=ppt/slides/slide11.xml><?xml version="1.0" encoding="utf-8"?>
+<file path=ppt/slides/slide14.xml><?xml version="1.0" encoding="utf-8"?>
 <p:sld xmlns:a="http://schemas.openxmlformats.org/drawingml/2006/main" xmlns:r="http://schemas.openxmlformats.org/officeDocument/2006/relationships" xmlns:p="http://schemas.openxmlformats.org/presentationml/2006/main">
   <p:cSld>
     <p:spTree>
@@ -6785,8 +7693,8 @@
         </p:nvSpPr>
         <p:spPr>
           <a:xfrm>
-            <a:off x="1981200" y="2924945"/>
-            <a:ext cx="8229600" cy="3201219"/>
+            <a:off x="609600" y="2797236"/>
+            <a:ext cx="10972800" cy="3412374"/>
           </a:xfrm>
         </p:spPr>
         <p:txBody>
@@ -6871,6 +7779,44 @@
           </a:p>
           <a:p>
             <a:endParaRPr lang="nl-BE" dirty="0"/>
+          </a:p>
+        </p:txBody>
+      </p:sp>
+      <p:sp>
+        <p:nvSpPr>
+          <p:cNvPr id="5" name="Slide Number Placeholder 4"/>
+          <p:cNvSpPr>
+            <a:spLocks noGrp="1"/>
+          </p:cNvSpPr>
+          <p:nvPr>
+            <p:ph type="sldNum" sz="quarter" idx="12"/>
+          </p:nvPr>
+        </p:nvSpPr>
+        <p:spPr/>
+        <p:txBody>
+          <a:bodyPr/>
+          <a:lstStyle/>
+          <a:p>
+            <a:fld id="{5A209D72-2E9D-49B0-8977-41DCCC66C0BB}" type="slidenum">
+              <a:rPr lang="nl-BE">
+                <a:solidFill>
+                  <a:prstClr val="black">
+                    <a:tint val="75000"/>
+                  </a:prstClr>
+                </a:solidFill>
+                <a:latin typeface="Calibri"/>
+              </a:rPr>
+              <a:pPr/>
+              <a:t>14</a:t>
+            </a:fld>
+            <a:endParaRPr lang="nl-BE">
+              <a:solidFill>
+                <a:prstClr val="black">
+                  <a:tint val="75000"/>
+                </a:prstClr>
+              </a:solidFill>
+              <a:latin typeface="Calibri"/>
+            </a:endParaRPr>
           </a:p>
         </p:txBody>
       </p:sp>
@@ -7018,44 +7964,6 @@
           </a:p>
         </p:txBody>
       </p:sp>
-      <p:sp>
-        <p:nvSpPr>
-          <p:cNvPr id="5" name="Slide Number Placeholder 4"/>
-          <p:cNvSpPr>
-            <a:spLocks noGrp="1"/>
-          </p:cNvSpPr>
-          <p:nvPr>
-            <p:ph type="sldNum" sz="quarter" idx="12"/>
-          </p:nvPr>
-        </p:nvSpPr>
-        <p:spPr/>
-        <p:txBody>
-          <a:bodyPr/>
-          <a:lstStyle/>
-          <a:p>
-            <a:fld id="{5A209D72-2E9D-49B0-8977-41DCCC66C0BB}" type="slidenum">
-              <a:rPr lang="nl-BE">
-                <a:solidFill>
-                  <a:prstClr val="black">
-                    <a:tint val="75000"/>
-                  </a:prstClr>
-                </a:solidFill>
-                <a:latin typeface="Calibri"/>
-              </a:rPr>
-              <a:pPr/>
-              <a:t>11</a:t>
-            </a:fld>
-            <a:endParaRPr lang="nl-BE">
-              <a:solidFill>
-                <a:prstClr val="black">
-                  <a:tint val="75000"/>
-                </a:prstClr>
-              </a:solidFill>
-              <a:latin typeface="Calibri"/>
-            </a:endParaRPr>
-          </a:p>
-        </p:txBody>
-      </p:sp>
     </p:spTree>
     <p:extLst>
       <p:ext uri="{BB962C8B-B14F-4D97-AF65-F5344CB8AC3E}">
@@ -7076,7 +7984,7 @@
 </p:sld>
 </file>
 
-<file path=ppt/slides/slide12.xml><?xml version="1.0" encoding="utf-8"?>
+<file path=ppt/slides/slide15.xml><?xml version="1.0" encoding="utf-8"?>
 <p:sld xmlns:a="http://schemas.openxmlformats.org/drawingml/2006/main" xmlns:r="http://schemas.openxmlformats.org/officeDocument/2006/relationships" xmlns:p="http://schemas.openxmlformats.org/presentationml/2006/main">
   <p:cSld>
     <p:spTree>
@@ -7305,7 +8213,7 @@
                 <a:latin typeface="Calibri"/>
               </a:rPr>
               <a:pPr/>
-              <a:t>12</a:t>
+              <a:t>15</a:t>
             </a:fld>
             <a:endParaRPr lang="nl-BE">
               <a:solidFill>
@@ -7338,7 +8246,7 @@
 </p:sld>
 </file>
 
-<file path=ppt/slides/slide13.xml><?xml version="1.0" encoding="utf-8"?>
+<file path=ppt/slides/slide16.xml><?xml version="1.0" encoding="utf-8"?>
 <p:sld xmlns:a="http://schemas.openxmlformats.org/drawingml/2006/main" xmlns:r="http://schemas.openxmlformats.org/officeDocument/2006/relationships" xmlns:p="http://schemas.openxmlformats.org/presentationml/2006/main">
   <p:cSld>
     <p:spTree>
@@ -7778,7 +8686,7 @@
                 <a:latin typeface="Calibri"/>
               </a:rPr>
               <a:pPr/>
-              <a:t>13</a:t>
+              <a:t>16</a:t>
             </a:fld>
             <a:endParaRPr lang="nl-BE">
               <a:solidFill>
@@ -7951,7 +8859,7 @@
 </p:sld>
 </file>
 
-<file path=ppt/slides/slide14.xml><?xml version="1.0" encoding="utf-8"?>
+<file path=ppt/slides/slide17.xml><?xml version="1.0" encoding="utf-8"?>
 <p:sld xmlns:a="http://schemas.openxmlformats.org/drawingml/2006/main" xmlns:r="http://schemas.openxmlformats.org/officeDocument/2006/relationships" xmlns:p="http://schemas.openxmlformats.org/presentationml/2006/main">
   <p:cSld>
     <p:spTree>
@@ -8461,7 +9369,7 @@
                 <a:latin typeface="Calibri"/>
               </a:rPr>
               <a:pPr/>
-              <a:t>14</a:t>
+              <a:t>17</a:t>
             </a:fld>
             <a:endParaRPr lang="nl-BE">
               <a:solidFill>
@@ -8834,427 +9742,6 @@
 </p:sld>
 </file>
 
-<file path=ppt/slides/slide15.xml><?xml version="1.0" encoding="utf-8"?>
-<p:sld xmlns:a="http://schemas.openxmlformats.org/drawingml/2006/main" xmlns:r="http://schemas.openxmlformats.org/officeDocument/2006/relationships" xmlns:p="http://schemas.openxmlformats.org/presentationml/2006/main">
-  <p:cSld>
-    <p:spTree>
-      <p:nvGrpSpPr>
-        <p:cNvPr id="1" name=""/>
-        <p:cNvGrpSpPr/>
-        <p:nvPr/>
-      </p:nvGrpSpPr>
-      <p:grpSpPr>
-        <a:xfrm>
-          <a:off x="0" y="0"/>
-          <a:ext cx="0" cy="0"/>
-          <a:chOff x="0" y="0"/>
-          <a:chExt cx="0" cy="0"/>
-        </a:xfrm>
-      </p:grpSpPr>
-      <p:sp>
-        <p:nvSpPr>
-          <p:cNvPr id="2" name="Title 1"/>
-          <p:cNvSpPr>
-            <a:spLocks noGrp="1"/>
-          </p:cNvSpPr>
-          <p:nvPr>
-            <p:ph type="title"/>
-          </p:nvPr>
-        </p:nvSpPr>
-        <p:spPr/>
-        <p:txBody>
-          <a:bodyPr/>
-          <a:lstStyle/>
-          <a:p>
-            <a:r>
-              <a:rPr lang="en-US" dirty="0" smtClean="0"/>
-              <a:t>Logging destinations</a:t>
-            </a:r>
-            <a:endParaRPr lang="nl-BE" dirty="0"/>
-          </a:p>
-        </p:txBody>
-      </p:sp>
-      <p:sp>
-        <p:nvSpPr>
-          <p:cNvPr id="3" name="Content Placeholder 2"/>
-          <p:cNvSpPr>
-            <a:spLocks noGrp="1"/>
-          </p:cNvSpPr>
-          <p:nvPr>
-            <p:ph idx="1"/>
-          </p:nvPr>
-        </p:nvSpPr>
-        <p:spPr/>
-        <p:txBody>
-          <a:bodyPr/>
-          <a:lstStyle/>
-          <a:p>
-            <a:r>
-              <a:rPr lang="en-US" dirty="0" smtClean="0"/>
-              <a:t>File</a:t>
-            </a:r>
-          </a:p>
-          <a:p>
-            <a:r>
-              <a:rPr lang="en-US" dirty="0" smtClean="0"/>
-              <a:t>Rotating files</a:t>
-            </a:r>
-          </a:p>
-          <a:p>
-            <a:r>
-              <a:rPr lang="en-US" dirty="0" smtClean="0"/>
-              <a:t>syslog</a:t>
-            </a:r>
-          </a:p>
-          <a:p>
-            <a:r>
-              <a:rPr lang="en-US" dirty="0" smtClean="0"/>
-              <a:t>…</a:t>
-            </a:r>
-            <a:endParaRPr lang="nl-BE" dirty="0"/>
-          </a:p>
-        </p:txBody>
-      </p:sp>
-      <p:sp>
-        <p:nvSpPr>
-          <p:cNvPr id="4" name="Slide Number Placeholder 3"/>
-          <p:cNvSpPr>
-            <a:spLocks noGrp="1"/>
-          </p:cNvSpPr>
-          <p:nvPr>
-            <p:ph type="sldNum" sz="quarter" idx="12"/>
-          </p:nvPr>
-        </p:nvSpPr>
-        <p:spPr/>
-        <p:txBody>
-          <a:bodyPr/>
-          <a:lstStyle/>
-          <a:p>
-            <a:fld id="{5A209D72-2E9D-49B0-8977-41DCCC66C0BB}" type="slidenum">
-              <a:rPr lang="nl-BE">
-                <a:solidFill>
-                  <a:prstClr val="black">
-                    <a:tint val="75000"/>
-                  </a:prstClr>
-                </a:solidFill>
-                <a:latin typeface="Calibri"/>
-              </a:rPr>
-              <a:pPr/>
-              <a:t>15</a:t>
-            </a:fld>
-            <a:endParaRPr lang="nl-BE">
-              <a:solidFill>
-                <a:prstClr val="black">
-                  <a:tint val="75000"/>
-                </a:prstClr>
-              </a:solidFill>
-              <a:latin typeface="Calibri"/>
-            </a:endParaRPr>
-          </a:p>
-        </p:txBody>
-      </p:sp>
-    </p:spTree>
-    <p:extLst>
-      <p:ext uri="{BB962C8B-B14F-4D97-AF65-F5344CB8AC3E}">
-        <p14:creationId xmlns:p14="http://schemas.microsoft.com/office/powerpoint/2010/main" val="3046245998"/>
-      </p:ext>
-    </p:extLst>
-  </p:cSld>
-  <p:clrMapOvr>
-    <a:masterClrMapping/>
-  </p:clrMapOvr>
-  <p:timing>
-    <p:tnLst>
-      <p:par>
-        <p:cTn id="1" dur="indefinite" restart="never" nodeType="tmRoot"/>
-      </p:par>
-    </p:tnLst>
-  </p:timing>
-</p:sld>
-</file>
-
-<file path=ppt/slides/slide16.xml><?xml version="1.0" encoding="utf-8"?>
-<p:sld xmlns:a="http://schemas.openxmlformats.org/drawingml/2006/main" xmlns:r="http://schemas.openxmlformats.org/officeDocument/2006/relationships" xmlns:p="http://schemas.openxmlformats.org/presentationml/2006/main">
-  <p:cSld>
-    <p:spTree>
-      <p:nvGrpSpPr>
-        <p:cNvPr id="1" name=""/>
-        <p:cNvGrpSpPr/>
-        <p:nvPr/>
-      </p:nvGrpSpPr>
-      <p:grpSpPr>
-        <a:xfrm>
-          <a:off x="0" y="0"/>
-          <a:ext cx="0" cy="0"/>
-          <a:chOff x="0" y="0"/>
-          <a:chExt cx="0" cy="0"/>
-        </a:xfrm>
-      </p:grpSpPr>
-      <p:sp>
-        <p:nvSpPr>
-          <p:cNvPr id="2" name="Title 1"/>
-          <p:cNvSpPr>
-            <a:spLocks noGrp="1"/>
-          </p:cNvSpPr>
-          <p:nvPr>
-            <p:ph type="title"/>
-          </p:nvPr>
-        </p:nvSpPr>
-        <p:spPr/>
-        <p:txBody>
-          <a:bodyPr/>
-          <a:lstStyle/>
-          <a:p>
-            <a:r>
-              <a:rPr lang="en-US" dirty="0" smtClean="0"/>
-              <a:t>Further reading: logging</a:t>
-            </a:r>
-            <a:endParaRPr lang="nl-BE" dirty="0"/>
-          </a:p>
-        </p:txBody>
-      </p:sp>
-      <p:sp>
-        <p:nvSpPr>
-          <p:cNvPr id="3" name="Content Placeholder 2"/>
-          <p:cNvSpPr>
-            <a:spLocks noGrp="1"/>
-          </p:cNvSpPr>
-          <p:nvPr>
-            <p:ph idx="1"/>
-          </p:nvPr>
-        </p:nvSpPr>
-        <p:spPr/>
-        <p:txBody>
-          <a:bodyPr/>
-          <a:lstStyle/>
-          <a:p>
-            <a:r>
-              <a:rPr lang="en-US" dirty="0"/>
-              <a:t>Logging how-to</a:t>
-            </a:r>
-            <a:br>
-              <a:rPr lang="en-US" dirty="0"/>
-            </a:br>
-            <a:r>
-              <a:rPr lang="en-US" sz="2400" dirty="0">
-                <a:hlinkClick r:id="rId2"/>
-              </a:rPr>
-              <a:t>https://docs.python.org/3.5/howto/logging.html</a:t>
-            </a:r>
-            <a:r>
-              <a:rPr lang="en-US" sz="2400" dirty="0"/>
-              <a:t> </a:t>
-            </a:r>
-            <a:endParaRPr lang="en-US" dirty="0" smtClean="0"/>
-          </a:p>
-          <a:p>
-            <a:r>
-              <a:rPr lang="en-US" dirty="0"/>
-              <a:t>Logging Cookbook</a:t>
-            </a:r>
-            <a:br>
-              <a:rPr lang="en-US" dirty="0"/>
-            </a:br>
-            <a:r>
-              <a:rPr lang="en-US" sz="2400" dirty="0">
-                <a:hlinkClick r:id="rId3"/>
-              </a:rPr>
-              <a:t>https://docs.python.org/3.5/howto/logging-cookbook.html</a:t>
-            </a:r>
-            <a:r>
-              <a:rPr lang="en-US" sz="2400" dirty="0"/>
-              <a:t> </a:t>
-            </a:r>
-            <a:endParaRPr lang="en-US" dirty="0" smtClean="0"/>
-          </a:p>
-        </p:txBody>
-      </p:sp>
-      <p:sp>
-        <p:nvSpPr>
-          <p:cNvPr id="4" name="Slide Number Placeholder 3"/>
-          <p:cNvSpPr>
-            <a:spLocks noGrp="1"/>
-          </p:cNvSpPr>
-          <p:nvPr>
-            <p:ph type="sldNum" sz="quarter" idx="12"/>
-          </p:nvPr>
-        </p:nvSpPr>
-        <p:spPr/>
-        <p:txBody>
-          <a:bodyPr/>
-          <a:lstStyle/>
-          <a:p>
-            <a:fld id="{5A209D72-2E9D-49B0-8977-41DCCC66C0BB}" type="slidenum">
-              <a:rPr lang="nl-BE">
-                <a:solidFill>
-                  <a:prstClr val="black">
-                    <a:tint val="75000"/>
-                  </a:prstClr>
-                </a:solidFill>
-                <a:latin typeface="Calibri"/>
-              </a:rPr>
-              <a:pPr/>
-              <a:t>16</a:t>
-            </a:fld>
-            <a:endParaRPr lang="nl-BE">
-              <a:solidFill>
-                <a:prstClr val="black">
-                  <a:tint val="75000"/>
-                </a:prstClr>
-              </a:solidFill>
-              <a:latin typeface="Calibri"/>
-            </a:endParaRPr>
-          </a:p>
-        </p:txBody>
-      </p:sp>
-    </p:spTree>
-    <p:extLst>
-      <p:ext uri="{BB962C8B-B14F-4D97-AF65-F5344CB8AC3E}">
-        <p14:creationId xmlns:p14="http://schemas.microsoft.com/office/powerpoint/2010/main" val="4176828903"/>
-      </p:ext>
-    </p:extLst>
-  </p:cSld>
-  <p:clrMapOvr>
-    <a:masterClrMapping/>
-  </p:clrMapOvr>
-  <p:timing>
-    <p:tnLst>
-      <p:par>
-        <p:cTn id="1" dur="indefinite" restart="never" nodeType="tmRoot"/>
-      </p:par>
-    </p:tnLst>
-  </p:timing>
-</p:sld>
-</file>
-
-<file path=ppt/slides/slide17.xml><?xml version="1.0" encoding="utf-8"?>
-<p:sld xmlns:a="http://schemas.openxmlformats.org/drawingml/2006/main" xmlns:r="http://schemas.openxmlformats.org/officeDocument/2006/relationships" xmlns:p="http://schemas.openxmlformats.org/presentationml/2006/main">
-  <p:cSld>
-    <p:spTree>
-      <p:nvGrpSpPr>
-        <p:cNvPr id="1" name=""/>
-        <p:cNvGrpSpPr/>
-        <p:nvPr/>
-      </p:nvGrpSpPr>
-      <p:grpSpPr>
-        <a:xfrm>
-          <a:off x="0" y="0"/>
-          <a:ext cx="0" cy="0"/>
-          <a:chOff x="0" y="0"/>
-          <a:chExt cx="0" cy="0"/>
-        </a:xfrm>
-      </p:grpSpPr>
-      <p:sp>
-        <p:nvSpPr>
-          <p:cNvPr id="2" name="Title 1"/>
-          <p:cNvSpPr>
-            <a:spLocks noGrp="1"/>
-          </p:cNvSpPr>
-          <p:nvPr>
-            <p:ph type="title"/>
-          </p:nvPr>
-        </p:nvSpPr>
-        <p:spPr/>
-        <p:txBody>
-          <a:bodyPr/>
-          <a:lstStyle/>
-          <a:p>
-            <a:r>
-              <a:rPr lang="en-US" dirty="0" smtClean="0"/>
-              <a:t>Data formats</a:t>
-            </a:r>
-            <a:endParaRPr lang="en-US" dirty="0"/>
-          </a:p>
-        </p:txBody>
-      </p:sp>
-      <p:sp>
-        <p:nvSpPr>
-          <p:cNvPr id="3" name="Text Placeholder 2"/>
-          <p:cNvSpPr>
-            <a:spLocks noGrp="1"/>
-          </p:cNvSpPr>
-          <p:nvPr>
-            <p:ph type="body" idx="1"/>
-          </p:nvPr>
-        </p:nvSpPr>
-        <p:spPr/>
-        <p:txBody>
-          <a:bodyPr>
-            <a:normAutofit/>
-          </a:bodyPr>
-          <a:lstStyle/>
-          <a:p>
-            <a:r>
-              <a:rPr lang="en-US" sz="1800" dirty="0">
-                <a:hlinkClick r:id="rId2"/>
-              </a:rPr>
-              <a:t>https://github.com/gjbex/training-material/tree/master/Python/OsFileSystem</a:t>
-            </a:r>
-            <a:r>
-              <a:rPr lang="en-US" sz="1800" dirty="0"/>
-              <a:t> </a:t>
-            </a:r>
-          </a:p>
-        </p:txBody>
-      </p:sp>
-      <p:sp>
-        <p:nvSpPr>
-          <p:cNvPr id="4" name="Slide Number Placeholder 3"/>
-          <p:cNvSpPr>
-            <a:spLocks noGrp="1"/>
-          </p:cNvSpPr>
-          <p:nvPr>
-            <p:ph type="sldNum" sz="quarter" idx="12"/>
-          </p:nvPr>
-        </p:nvSpPr>
-        <p:spPr/>
-        <p:txBody>
-          <a:bodyPr/>
-          <a:lstStyle/>
-          <a:p>
-            <a:fld id="{5A209D72-2E9D-49B0-8977-41DCCC66C0BB}" type="slidenum">
-              <a:rPr lang="nl-BE">
-                <a:solidFill>
-                  <a:prstClr val="black">
-                    <a:tint val="75000"/>
-                  </a:prstClr>
-                </a:solidFill>
-                <a:latin typeface="Calibri"/>
-              </a:rPr>
-              <a:pPr/>
-              <a:t>17</a:t>
-            </a:fld>
-            <a:endParaRPr lang="nl-BE">
-              <a:solidFill>
-                <a:prstClr val="black">
-                  <a:tint val="75000"/>
-                </a:prstClr>
-              </a:solidFill>
-              <a:latin typeface="Calibri"/>
-            </a:endParaRPr>
-          </a:p>
-        </p:txBody>
-      </p:sp>
-    </p:spTree>
-    <p:extLst>
-      <p:ext uri="{BB962C8B-B14F-4D97-AF65-F5344CB8AC3E}">
-        <p14:creationId xmlns:p14="http://schemas.microsoft.com/office/powerpoint/2010/main" val="3208473129"/>
-      </p:ext>
-    </p:extLst>
-  </p:cSld>
-  <p:clrMapOvr>
-    <a:masterClrMapping/>
-  </p:clrMapOvr>
-  <p:timing>
-    <p:tnLst>
-      <p:par>
-        <p:cTn id="1" dur="indefinite" restart="never" nodeType="tmRoot"/>
-      </p:par>
-    </p:tnLst>
-  </p:timing>
-</p:sld>
-</file>
-
 <file path=ppt/slides/slide18.xml><?xml version="1.0" encoding="utf-8"?>
 <p:sld xmlns:a="http://schemas.openxmlformats.org/drawingml/2006/main" xmlns:r="http://schemas.openxmlformats.org/officeDocument/2006/relationships" xmlns:p="http://schemas.openxmlformats.org/presentationml/2006/main">
   <p:cSld>
@@ -9289,6 +9776,471 @@
           <a:p>
             <a:r>
               <a:rPr lang="en-US" dirty="0" smtClean="0"/>
+              <a:t>Logging destinations</a:t>
+            </a:r>
+            <a:endParaRPr lang="nl-BE" dirty="0"/>
+          </a:p>
+        </p:txBody>
+      </p:sp>
+      <p:sp>
+        <p:nvSpPr>
+          <p:cNvPr id="3" name="Content Placeholder 2"/>
+          <p:cNvSpPr>
+            <a:spLocks noGrp="1"/>
+          </p:cNvSpPr>
+          <p:nvPr>
+            <p:ph idx="1"/>
+          </p:nvPr>
+        </p:nvSpPr>
+        <p:spPr/>
+        <p:txBody>
+          <a:bodyPr/>
+          <a:lstStyle/>
+          <a:p>
+            <a:r>
+              <a:rPr lang="en-US" dirty="0" smtClean="0"/>
+              <a:t>File</a:t>
+            </a:r>
+          </a:p>
+          <a:p>
+            <a:r>
+              <a:rPr lang="en-US" dirty="0" smtClean="0"/>
+              <a:t>Rotating files</a:t>
+            </a:r>
+          </a:p>
+          <a:p>
+            <a:r>
+              <a:rPr lang="en-US" dirty="0" smtClean="0"/>
+              <a:t>syslog</a:t>
+            </a:r>
+          </a:p>
+          <a:p>
+            <a:r>
+              <a:rPr lang="en-US" dirty="0" smtClean="0"/>
+              <a:t>…</a:t>
+            </a:r>
+            <a:endParaRPr lang="nl-BE" dirty="0"/>
+          </a:p>
+        </p:txBody>
+      </p:sp>
+      <p:sp>
+        <p:nvSpPr>
+          <p:cNvPr id="4" name="Slide Number Placeholder 3"/>
+          <p:cNvSpPr>
+            <a:spLocks noGrp="1"/>
+          </p:cNvSpPr>
+          <p:nvPr>
+            <p:ph type="sldNum" sz="quarter" idx="12"/>
+          </p:nvPr>
+        </p:nvSpPr>
+        <p:spPr/>
+        <p:txBody>
+          <a:bodyPr/>
+          <a:lstStyle/>
+          <a:p>
+            <a:fld id="{5A209D72-2E9D-49B0-8977-41DCCC66C0BB}" type="slidenum">
+              <a:rPr lang="nl-BE">
+                <a:solidFill>
+                  <a:prstClr val="black">
+                    <a:tint val="75000"/>
+                  </a:prstClr>
+                </a:solidFill>
+                <a:latin typeface="Calibri"/>
+              </a:rPr>
+              <a:pPr/>
+              <a:t>18</a:t>
+            </a:fld>
+            <a:endParaRPr lang="nl-BE">
+              <a:solidFill>
+                <a:prstClr val="black">
+                  <a:tint val="75000"/>
+                </a:prstClr>
+              </a:solidFill>
+              <a:latin typeface="Calibri"/>
+            </a:endParaRPr>
+          </a:p>
+        </p:txBody>
+      </p:sp>
+    </p:spTree>
+    <p:extLst>
+      <p:ext uri="{BB962C8B-B14F-4D97-AF65-F5344CB8AC3E}">
+        <p14:creationId xmlns:p14="http://schemas.microsoft.com/office/powerpoint/2010/main" val="3046245998"/>
+      </p:ext>
+    </p:extLst>
+  </p:cSld>
+  <p:clrMapOvr>
+    <a:masterClrMapping/>
+  </p:clrMapOvr>
+  <p:timing>
+    <p:tnLst>
+      <p:par>
+        <p:cTn id="1" dur="indefinite" restart="never" nodeType="tmRoot"/>
+      </p:par>
+    </p:tnLst>
+  </p:timing>
+</p:sld>
+</file>
+
+<file path=ppt/slides/slide19.xml><?xml version="1.0" encoding="utf-8"?>
+<p:sld xmlns:a="http://schemas.openxmlformats.org/drawingml/2006/main" xmlns:r="http://schemas.openxmlformats.org/officeDocument/2006/relationships" xmlns:p="http://schemas.openxmlformats.org/presentationml/2006/main">
+  <p:cSld>
+    <p:spTree>
+      <p:nvGrpSpPr>
+        <p:cNvPr id="1" name=""/>
+        <p:cNvGrpSpPr/>
+        <p:nvPr/>
+      </p:nvGrpSpPr>
+      <p:grpSpPr>
+        <a:xfrm>
+          <a:off x="0" y="0"/>
+          <a:ext cx="0" cy="0"/>
+          <a:chOff x="0" y="0"/>
+          <a:chExt cx="0" cy="0"/>
+        </a:xfrm>
+      </p:grpSpPr>
+      <p:sp>
+        <p:nvSpPr>
+          <p:cNvPr id="2" name="Title 1"/>
+          <p:cNvSpPr>
+            <a:spLocks noGrp="1"/>
+          </p:cNvSpPr>
+          <p:nvPr>
+            <p:ph type="title"/>
+          </p:nvPr>
+        </p:nvSpPr>
+        <p:spPr/>
+        <p:txBody>
+          <a:bodyPr/>
+          <a:lstStyle/>
+          <a:p>
+            <a:r>
+              <a:rPr lang="en-US" dirty="0" smtClean="0"/>
+              <a:t>Further reading: logging</a:t>
+            </a:r>
+            <a:endParaRPr lang="nl-BE" dirty="0"/>
+          </a:p>
+        </p:txBody>
+      </p:sp>
+      <p:sp>
+        <p:nvSpPr>
+          <p:cNvPr id="3" name="Content Placeholder 2"/>
+          <p:cNvSpPr>
+            <a:spLocks noGrp="1"/>
+          </p:cNvSpPr>
+          <p:nvPr>
+            <p:ph idx="1"/>
+          </p:nvPr>
+        </p:nvSpPr>
+        <p:spPr/>
+        <p:txBody>
+          <a:bodyPr/>
+          <a:lstStyle/>
+          <a:p>
+            <a:r>
+              <a:rPr lang="en-US" dirty="0"/>
+              <a:t>Logging how-to</a:t>
+            </a:r>
+            <a:br>
+              <a:rPr lang="en-US" dirty="0"/>
+            </a:br>
+            <a:r>
+              <a:rPr lang="en-US" sz="2400" dirty="0">
+                <a:hlinkClick r:id="rId2"/>
+              </a:rPr>
+              <a:t>https://docs.python.org/3.5/howto/logging.html</a:t>
+            </a:r>
+            <a:r>
+              <a:rPr lang="en-US" sz="2400" dirty="0"/>
+              <a:t> </a:t>
+            </a:r>
+            <a:endParaRPr lang="en-US" dirty="0" smtClean="0"/>
+          </a:p>
+          <a:p>
+            <a:r>
+              <a:rPr lang="en-US" dirty="0"/>
+              <a:t>Logging Cookbook</a:t>
+            </a:r>
+            <a:br>
+              <a:rPr lang="en-US" dirty="0"/>
+            </a:br>
+            <a:r>
+              <a:rPr lang="en-US" sz="2400" dirty="0">
+                <a:hlinkClick r:id="rId3"/>
+              </a:rPr>
+              <a:t>https://docs.python.org/3.5/howto/logging-cookbook.html</a:t>
+            </a:r>
+            <a:r>
+              <a:rPr lang="en-US" sz="2400" dirty="0"/>
+              <a:t> </a:t>
+            </a:r>
+            <a:endParaRPr lang="en-US" dirty="0" smtClean="0"/>
+          </a:p>
+        </p:txBody>
+      </p:sp>
+      <p:sp>
+        <p:nvSpPr>
+          <p:cNvPr id="4" name="Slide Number Placeholder 3"/>
+          <p:cNvSpPr>
+            <a:spLocks noGrp="1"/>
+          </p:cNvSpPr>
+          <p:nvPr>
+            <p:ph type="sldNum" sz="quarter" idx="12"/>
+          </p:nvPr>
+        </p:nvSpPr>
+        <p:spPr/>
+        <p:txBody>
+          <a:bodyPr/>
+          <a:lstStyle/>
+          <a:p>
+            <a:fld id="{5A209D72-2E9D-49B0-8977-41DCCC66C0BB}" type="slidenum">
+              <a:rPr lang="nl-BE">
+                <a:solidFill>
+                  <a:prstClr val="black">
+                    <a:tint val="75000"/>
+                  </a:prstClr>
+                </a:solidFill>
+                <a:latin typeface="Calibri"/>
+              </a:rPr>
+              <a:pPr/>
+              <a:t>19</a:t>
+            </a:fld>
+            <a:endParaRPr lang="nl-BE">
+              <a:solidFill>
+                <a:prstClr val="black">
+                  <a:tint val="75000"/>
+                </a:prstClr>
+              </a:solidFill>
+              <a:latin typeface="Calibri"/>
+            </a:endParaRPr>
+          </a:p>
+        </p:txBody>
+      </p:sp>
+    </p:spTree>
+    <p:extLst>
+      <p:ext uri="{BB962C8B-B14F-4D97-AF65-F5344CB8AC3E}">
+        <p14:creationId xmlns:p14="http://schemas.microsoft.com/office/powerpoint/2010/main" val="4176828903"/>
+      </p:ext>
+    </p:extLst>
+  </p:cSld>
+  <p:clrMapOvr>
+    <a:masterClrMapping/>
+  </p:clrMapOvr>
+  <p:timing>
+    <p:tnLst>
+      <p:par>
+        <p:cTn id="1" dur="indefinite" restart="never" nodeType="tmRoot"/>
+      </p:par>
+    </p:tnLst>
+  </p:timing>
+</p:sld>
+</file>
+
+<file path=ppt/slides/slide2.xml><?xml version="1.0" encoding="utf-8"?>
+<p:sld xmlns:a="http://schemas.openxmlformats.org/drawingml/2006/main" xmlns:r="http://schemas.openxmlformats.org/officeDocument/2006/relationships" xmlns:p="http://schemas.openxmlformats.org/presentationml/2006/main">
+  <p:cSld>
+    <p:spTree>
+      <p:nvGrpSpPr>
+        <p:cNvPr id="1" name=""/>
+        <p:cNvGrpSpPr/>
+        <p:nvPr/>
+      </p:nvGrpSpPr>
+      <p:grpSpPr>
+        <a:xfrm>
+          <a:off x="0" y="0"/>
+          <a:ext cx="0" cy="0"/>
+          <a:chOff x="0" y="0"/>
+          <a:chExt cx="0" cy="0"/>
+        </a:xfrm>
+      </p:grpSpPr>
+    </p:spTree>
+    <p:extLst>
+      <p:ext uri="{BB962C8B-B14F-4D97-AF65-F5344CB8AC3E}">
+        <p14:creationId xmlns:p14="http://schemas.microsoft.com/office/powerpoint/2010/main" val="2924098077"/>
+      </p:ext>
+    </p:extLst>
+  </p:cSld>
+  <p:clrMapOvr>
+    <a:masterClrMapping/>
+  </p:clrMapOvr>
+  <p:timing>
+    <p:tnLst>
+      <p:par>
+        <p:cTn id="1" dur="indefinite" restart="never" nodeType="tmRoot"/>
+      </p:par>
+    </p:tnLst>
+  </p:timing>
+</p:sld>
+</file>
+
+<file path=ppt/slides/slide20.xml><?xml version="1.0" encoding="utf-8"?>
+<p:sld xmlns:a="http://schemas.openxmlformats.org/drawingml/2006/main" xmlns:r="http://schemas.openxmlformats.org/officeDocument/2006/relationships" xmlns:p="http://schemas.openxmlformats.org/presentationml/2006/main">
+  <p:cSld>
+    <p:spTree>
+      <p:nvGrpSpPr>
+        <p:cNvPr id="1" name=""/>
+        <p:cNvGrpSpPr/>
+        <p:nvPr/>
+      </p:nvGrpSpPr>
+      <p:grpSpPr>
+        <a:xfrm>
+          <a:off x="0" y="0"/>
+          <a:ext cx="0" cy="0"/>
+          <a:chOff x="0" y="0"/>
+          <a:chExt cx="0" cy="0"/>
+        </a:xfrm>
+      </p:grpSpPr>
+      <p:sp>
+        <p:nvSpPr>
+          <p:cNvPr id="2" name="Title 1"/>
+          <p:cNvSpPr>
+            <a:spLocks noGrp="1"/>
+          </p:cNvSpPr>
+          <p:nvPr>
+            <p:ph type="title"/>
+          </p:nvPr>
+        </p:nvSpPr>
+        <p:spPr/>
+        <p:txBody>
+          <a:bodyPr/>
+          <a:lstStyle/>
+          <a:p>
+            <a:r>
+              <a:rPr lang="en-US" dirty="0" smtClean="0"/>
+              <a:t>Data formats</a:t>
+            </a:r>
+            <a:endParaRPr lang="en-US" dirty="0"/>
+          </a:p>
+        </p:txBody>
+      </p:sp>
+      <p:sp>
+        <p:nvSpPr>
+          <p:cNvPr id="3" name="Text Placeholder 2"/>
+          <p:cNvSpPr>
+            <a:spLocks noGrp="1"/>
+          </p:cNvSpPr>
+          <p:nvPr>
+            <p:ph type="body" idx="1"/>
+          </p:nvPr>
+        </p:nvSpPr>
+        <p:spPr/>
+        <p:txBody>
+          <a:bodyPr>
+            <a:normAutofit/>
+          </a:bodyPr>
+          <a:lstStyle/>
+          <a:p>
+            <a:r>
+              <a:rPr lang="en-US" sz="1800" dirty="0">
+                <a:hlinkClick r:id="rId2"/>
+              </a:rPr>
+              <a:t>https://</a:t>
+            </a:r>
+            <a:r>
+              <a:rPr lang="en-US" sz="1800" dirty="0" smtClean="0">
+                <a:hlinkClick r:id="rId2"/>
+              </a:rPr>
+              <a:t>github.com/gjbex/Python-for-systems-programming/tree/master/source-code/data-formats</a:t>
+            </a:r>
+            <a:r>
+              <a:rPr lang="en-US" sz="1800" dirty="0" smtClean="0"/>
+              <a:t> </a:t>
+            </a:r>
+            <a:endParaRPr lang="en-US" sz="1800" dirty="0"/>
+          </a:p>
+        </p:txBody>
+      </p:sp>
+      <p:sp>
+        <p:nvSpPr>
+          <p:cNvPr id="4" name="Slide Number Placeholder 3"/>
+          <p:cNvSpPr>
+            <a:spLocks noGrp="1"/>
+          </p:cNvSpPr>
+          <p:nvPr>
+            <p:ph type="sldNum" sz="quarter" idx="12"/>
+          </p:nvPr>
+        </p:nvSpPr>
+        <p:spPr/>
+        <p:txBody>
+          <a:bodyPr/>
+          <a:lstStyle/>
+          <a:p>
+            <a:fld id="{5A209D72-2E9D-49B0-8977-41DCCC66C0BB}" type="slidenum">
+              <a:rPr lang="nl-BE">
+                <a:solidFill>
+                  <a:prstClr val="black">
+                    <a:tint val="75000"/>
+                  </a:prstClr>
+                </a:solidFill>
+                <a:latin typeface="Calibri"/>
+              </a:rPr>
+              <a:pPr/>
+              <a:t>20</a:t>
+            </a:fld>
+            <a:endParaRPr lang="nl-BE">
+              <a:solidFill>
+                <a:prstClr val="black">
+                  <a:tint val="75000"/>
+                </a:prstClr>
+              </a:solidFill>
+              <a:latin typeface="Calibri"/>
+            </a:endParaRPr>
+          </a:p>
+        </p:txBody>
+      </p:sp>
+    </p:spTree>
+    <p:extLst>
+      <p:ext uri="{BB962C8B-B14F-4D97-AF65-F5344CB8AC3E}">
+        <p14:creationId xmlns:p14="http://schemas.microsoft.com/office/powerpoint/2010/main" val="3208473129"/>
+      </p:ext>
+    </p:extLst>
+  </p:cSld>
+  <p:clrMapOvr>
+    <a:masterClrMapping/>
+  </p:clrMapOvr>
+  <p:timing>
+    <p:tnLst>
+      <p:par>
+        <p:cTn id="1" dur="indefinite" restart="never" nodeType="tmRoot"/>
+      </p:par>
+    </p:tnLst>
+  </p:timing>
+</p:sld>
+</file>
+
+<file path=ppt/slides/slide21.xml><?xml version="1.0" encoding="utf-8"?>
+<p:sld xmlns:a="http://schemas.openxmlformats.org/drawingml/2006/main" xmlns:r="http://schemas.openxmlformats.org/officeDocument/2006/relationships" xmlns:p="http://schemas.openxmlformats.org/presentationml/2006/main">
+  <p:cSld>
+    <p:spTree>
+      <p:nvGrpSpPr>
+        <p:cNvPr id="1" name=""/>
+        <p:cNvGrpSpPr/>
+        <p:nvPr/>
+      </p:nvGrpSpPr>
+      <p:grpSpPr>
+        <a:xfrm>
+          <a:off x="0" y="0"/>
+          <a:ext cx="0" cy="0"/>
+          <a:chOff x="0" y="0"/>
+          <a:chExt cx="0" cy="0"/>
+        </a:xfrm>
+      </p:grpSpPr>
+      <p:sp>
+        <p:nvSpPr>
+          <p:cNvPr id="2" name="Title 1"/>
+          <p:cNvSpPr>
+            <a:spLocks noGrp="1"/>
+          </p:cNvSpPr>
+          <p:nvPr>
+            <p:ph type="title"/>
+          </p:nvPr>
+        </p:nvSpPr>
+        <p:spPr/>
+        <p:txBody>
+          <a:bodyPr/>
+          <a:lstStyle/>
+          <a:p>
+            <a:r>
+              <a:rPr lang="en-US" dirty="0" smtClean="0"/>
               <a:t>Data formats: CSV</a:t>
             </a:r>
             <a:endParaRPr lang="en-US" dirty="0"/>
@@ -9378,7 +10330,17 @@
                 <a:latin typeface="Courier New" pitchFamily="49" charset="0"/>
                 <a:cs typeface="Courier New" pitchFamily="49" charset="0"/>
               </a:rPr>
-              <a:t> 1  </a:t>
+              <a:t> 1  with open(</a:t>
+            </a:r>
+            <a:r>
+              <a:rPr lang="en-US" sz="1600" dirty="0" err="1">
+                <a:solidFill>
+                  <a:prstClr val="black"/>
+                </a:solidFill>
+                <a:latin typeface="Courier New" pitchFamily="49" charset="0"/>
+                <a:cs typeface="Courier New" pitchFamily="49" charset="0"/>
+              </a:rPr>
+              <a:t>file_name</a:t>
             </a:r>
             <a:r>
               <a:rPr lang="en-US" sz="1600" dirty="0">
@@ -9388,7 +10350,37 @@
                 <a:latin typeface="Courier New" pitchFamily="49" charset="0"/>
                 <a:cs typeface="Courier New" pitchFamily="49" charset="0"/>
               </a:rPr>
-              <a:t>with </a:t>
+              <a:t>, </a:t>
+            </a:r>
+            <a:r>
+              <a:rPr lang="en-US" sz="1600" b="1" dirty="0">
+                <a:solidFill>
+                  <a:prstClr val="black"/>
+                </a:solidFill>
+                <a:latin typeface="Courier New" pitchFamily="49" charset="0"/>
+                <a:cs typeface="Courier New" pitchFamily="49" charset="0"/>
+              </a:rPr>
+              <a:t>'</a:t>
+            </a:r>
+            <a:r>
+              <a:rPr lang="en-US" sz="1600" b="1" dirty="0" err="1">
+                <a:solidFill>
+                  <a:prstClr val="black"/>
+                </a:solidFill>
+                <a:latin typeface="Courier New" pitchFamily="49" charset="0"/>
+                <a:cs typeface="Courier New" pitchFamily="49" charset="0"/>
+              </a:rPr>
+              <a:t>rb</a:t>
+            </a:r>
+            <a:r>
+              <a:rPr lang="en-US" sz="1600" b="1" dirty="0">
+                <a:solidFill>
+                  <a:prstClr val="black"/>
+                </a:solidFill>
+                <a:latin typeface="Courier New" pitchFamily="49" charset="0"/>
+                <a:cs typeface="Courier New" pitchFamily="49" charset="0"/>
+              </a:rPr>
+              <a:t>'</a:t>
             </a:r>
             <a:r>
               <a:rPr lang="en-US" sz="1600" dirty="0">
@@ -9398,7 +10390,7 @@
                 <a:latin typeface="Courier New" pitchFamily="49" charset="0"/>
                 <a:cs typeface="Courier New" pitchFamily="49" charset="0"/>
               </a:rPr>
-              <a:t>open(</a:t>
+              <a:t>) as </a:t>
             </a:r>
             <a:r>
               <a:rPr lang="en-US" sz="1600" dirty="0" err="1">
@@ -9408,7 +10400,7 @@
                 <a:latin typeface="Courier New" pitchFamily="49" charset="0"/>
                 <a:cs typeface="Courier New" pitchFamily="49" charset="0"/>
               </a:rPr>
-              <a:t>file_name</a:t>
+              <a:t>csv_file</a:t>
             </a:r>
             <a:r>
               <a:rPr lang="en-US" sz="1600" dirty="0">
@@ -9418,38 +10410,52 @@
                 <a:latin typeface="Courier New" pitchFamily="49" charset="0"/>
                 <a:cs typeface="Courier New" pitchFamily="49" charset="0"/>
               </a:rPr>
-              <a:t>, </a:t>
+              <a:t>:</a:t>
+            </a:r>
+          </a:p>
+          <a:p>
+            <a:r>
+              <a:rPr lang="en-US" sz="1600" dirty="0">
+                <a:solidFill>
+                  <a:prstClr val="black"/>
+                </a:solidFill>
+                <a:latin typeface="Courier New" pitchFamily="49" charset="0"/>
+                <a:cs typeface="Courier New" pitchFamily="49" charset="0"/>
+              </a:rPr>
+              <a:t> 2      dialect = </a:t>
             </a:r>
             <a:r>
               <a:rPr lang="en-US" sz="1600" b="1" dirty="0">
                 <a:solidFill>
-                  <a:prstClr val="black"/>
-                </a:solidFill>
-                <a:latin typeface="Courier New" pitchFamily="49" charset="0"/>
-                <a:cs typeface="Courier New" pitchFamily="49" charset="0"/>
-              </a:rPr>
-              <a:t>'</a:t>
+                  <a:srgbClr val="FF0000"/>
+                </a:solidFill>
+                <a:latin typeface="Courier New" pitchFamily="49" charset="0"/>
+                <a:cs typeface="Courier New" pitchFamily="49" charset="0"/>
+              </a:rPr>
+              <a:t>Sniffer().sniff(</a:t>
             </a:r>
             <a:r>
               <a:rPr lang="en-US" sz="1600" b="1" dirty="0" err="1">
                 <a:solidFill>
-                  <a:prstClr val="black"/>
-                </a:solidFill>
-                <a:latin typeface="Courier New" pitchFamily="49" charset="0"/>
-                <a:cs typeface="Courier New" pitchFamily="49" charset="0"/>
-              </a:rPr>
-              <a:t>rb</a:t>
+                  <a:srgbClr val="FF0000"/>
+                </a:solidFill>
+                <a:latin typeface="Courier New" pitchFamily="49" charset="0"/>
+                <a:cs typeface="Courier New" pitchFamily="49" charset="0"/>
+              </a:rPr>
+              <a:t>csv_file.read</a:t>
             </a:r>
             <a:r>
               <a:rPr lang="en-US" sz="1600" b="1" dirty="0">
                 <a:solidFill>
-                  <a:prstClr val="black"/>
-                </a:solidFill>
-                <a:latin typeface="Courier New" pitchFamily="49" charset="0"/>
-                <a:cs typeface="Courier New" pitchFamily="49" charset="0"/>
-              </a:rPr>
-              <a:t>'</a:t>
-            </a:r>
+                  <a:srgbClr val="FF0000"/>
+                </a:solidFill>
+                <a:latin typeface="Courier New" pitchFamily="49" charset="0"/>
+                <a:cs typeface="Courier New" pitchFamily="49" charset="0"/>
+              </a:rPr>
+              <a:t>(1024))</a:t>
+            </a:r>
+          </a:p>
+          <a:p>
             <a:r>
               <a:rPr lang="en-US" sz="1600" dirty="0">
                 <a:solidFill>
@@ -9458,7 +10464,7 @@
                 <a:latin typeface="Courier New" pitchFamily="49" charset="0"/>
                 <a:cs typeface="Courier New" pitchFamily="49" charset="0"/>
               </a:rPr>
-              <a:t>) as </a:t>
+              <a:t> 3      </a:t>
             </a:r>
             <a:r>
               <a:rPr lang="en-US" sz="1600" dirty="0" err="1">
@@ -9468,6 +10474,90 @@
                 <a:latin typeface="Courier New" pitchFamily="49" charset="0"/>
                 <a:cs typeface="Courier New" pitchFamily="49" charset="0"/>
               </a:rPr>
+              <a:t>csv_file.seek</a:t>
+            </a:r>
+            <a:r>
+              <a:rPr lang="en-US" sz="1600" dirty="0">
+                <a:solidFill>
+                  <a:prstClr val="black"/>
+                </a:solidFill>
+                <a:latin typeface="Courier New" pitchFamily="49" charset="0"/>
+                <a:cs typeface="Courier New" pitchFamily="49" charset="0"/>
+              </a:rPr>
+              <a:t>(0)</a:t>
+            </a:r>
+          </a:p>
+          <a:p>
+            <a:r>
+              <a:rPr lang="en-US" sz="1600" dirty="0">
+                <a:solidFill>
+                  <a:prstClr val="black"/>
+                </a:solidFill>
+                <a:latin typeface="Courier New" pitchFamily="49" charset="0"/>
+                <a:cs typeface="Courier New" pitchFamily="49" charset="0"/>
+              </a:rPr>
+              <a:t> 4      sum = 0.0</a:t>
+            </a:r>
+          </a:p>
+          <a:p>
+            <a:r>
+              <a:rPr lang="en-US" sz="1600" dirty="0">
+                <a:solidFill>
+                  <a:prstClr val="black"/>
+                </a:solidFill>
+                <a:latin typeface="Courier New" pitchFamily="49" charset="0"/>
+                <a:cs typeface="Courier New" pitchFamily="49" charset="0"/>
+              </a:rPr>
+              <a:t> 5      </a:t>
+            </a:r>
+            <a:r>
+              <a:rPr lang="en-US" sz="1600" dirty="0" err="1">
+                <a:solidFill>
+                  <a:prstClr val="black"/>
+                </a:solidFill>
+                <a:latin typeface="Courier New" pitchFamily="49" charset="0"/>
+                <a:cs typeface="Courier New" pitchFamily="49" charset="0"/>
+              </a:rPr>
+              <a:t>csv_reader</a:t>
+            </a:r>
+            <a:r>
+              <a:rPr lang="en-US" sz="1600" dirty="0">
+                <a:solidFill>
+                  <a:prstClr val="black"/>
+                </a:solidFill>
+                <a:latin typeface="Courier New" pitchFamily="49" charset="0"/>
+                <a:cs typeface="Courier New" pitchFamily="49" charset="0"/>
+              </a:rPr>
+              <a:t> = </a:t>
+            </a:r>
+            <a:r>
+              <a:rPr lang="en-US" sz="1600" b="1" dirty="0" err="1">
+                <a:solidFill>
+                  <a:srgbClr val="0070C0"/>
+                </a:solidFill>
+                <a:latin typeface="Courier New" pitchFamily="49" charset="0"/>
+                <a:cs typeface="Courier New" pitchFamily="49" charset="0"/>
+              </a:rPr>
+              <a:t>DictReader</a:t>
+            </a:r>
+            <a:r>
+              <a:rPr lang="en-US" sz="1600" dirty="0">
+                <a:solidFill>
+                  <a:prstClr val="black"/>
+                </a:solidFill>
+                <a:latin typeface="Courier New" pitchFamily="49" charset="0"/>
+                <a:cs typeface="Courier New" pitchFamily="49" charset="0"/>
+              </a:rPr>
+              <a:t>(</a:t>
+            </a:r>
+            <a:r>
+              <a:rPr lang="en-US" sz="1600" dirty="0" err="1">
+                <a:solidFill>
+                  <a:prstClr val="black"/>
+                </a:solidFill>
+                <a:latin typeface="Courier New" pitchFamily="49" charset="0"/>
+                <a:cs typeface="Courier New" pitchFamily="49" charset="0"/>
+              </a:rPr>
               <a:t>csv_file</a:t>
             </a:r>
             <a:r>
@@ -9478,6 +10568,122 @@
                 <a:latin typeface="Courier New" pitchFamily="49" charset="0"/>
                 <a:cs typeface="Courier New" pitchFamily="49" charset="0"/>
               </a:rPr>
+              <a:t>, fieldnames=None,</a:t>
+            </a:r>
+          </a:p>
+          <a:p>
+            <a:r>
+              <a:rPr lang="en-US" sz="1600" dirty="0">
+                <a:solidFill>
+                  <a:prstClr val="black"/>
+                </a:solidFill>
+                <a:latin typeface="Courier New" pitchFamily="49" charset="0"/>
+                <a:cs typeface="Courier New" pitchFamily="49" charset="0"/>
+              </a:rPr>
+              <a:t> 6                                  </a:t>
+            </a:r>
+            <a:r>
+              <a:rPr lang="en-US" sz="1600" dirty="0" err="1">
+                <a:solidFill>
+                  <a:prstClr val="black"/>
+                </a:solidFill>
+                <a:latin typeface="Courier New" pitchFamily="49" charset="0"/>
+                <a:cs typeface="Courier New" pitchFamily="49" charset="0"/>
+              </a:rPr>
+              <a:t>restkey</a:t>
+            </a:r>
+            <a:r>
+              <a:rPr lang="en-US" sz="1600" dirty="0">
+                <a:solidFill>
+                  <a:prstClr val="black"/>
+                </a:solidFill>
+                <a:latin typeface="Courier New" pitchFamily="49" charset="0"/>
+                <a:cs typeface="Courier New" pitchFamily="49" charset="0"/>
+              </a:rPr>
+              <a:t>='rest', </a:t>
+            </a:r>
+            <a:r>
+              <a:rPr lang="en-US" sz="1600" dirty="0" err="1">
+                <a:solidFill>
+                  <a:prstClr val="black"/>
+                </a:solidFill>
+                <a:latin typeface="Courier New" pitchFamily="49" charset="0"/>
+                <a:cs typeface="Courier New" pitchFamily="49" charset="0"/>
+              </a:rPr>
+              <a:t>restval</a:t>
+            </a:r>
+            <a:r>
+              <a:rPr lang="en-US" sz="1600" dirty="0">
+                <a:solidFill>
+                  <a:prstClr val="black"/>
+                </a:solidFill>
+                <a:latin typeface="Courier New" pitchFamily="49" charset="0"/>
+                <a:cs typeface="Courier New" pitchFamily="49" charset="0"/>
+              </a:rPr>
+              <a:t>=None,</a:t>
+            </a:r>
+          </a:p>
+          <a:p>
+            <a:r>
+              <a:rPr lang="en-US" sz="1600" dirty="0">
+                <a:solidFill>
+                  <a:prstClr val="black"/>
+                </a:solidFill>
+                <a:latin typeface="Courier New" pitchFamily="49" charset="0"/>
+                <a:cs typeface="Courier New" pitchFamily="49" charset="0"/>
+              </a:rPr>
+              <a:t> 7                                  dialect=</a:t>
+            </a:r>
+            <a:r>
+              <a:rPr lang="en-US" sz="1600" b="1" dirty="0">
+                <a:solidFill>
+                  <a:srgbClr val="FF0000"/>
+                </a:solidFill>
+                <a:latin typeface="Courier New" pitchFamily="49" charset="0"/>
+                <a:cs typeface="Courier New" pitchFamily="49" charset="0"/>
+              </a:rPr>
+              <a:t>dialect</a:t>
+            </a:r>
+            <a:r>
+              <a:rPr lang="en-US" sz="1600" dirty="0">
+                <a:solidFill>
+                  <a:prstClr val="black"/>
+                </a:solidFill>
+                <a:latin typeface="Courier New" pitchFamily="49" charset="0"/>
+                <a:cs typeface="Courier New" pitchFamily="49" charset="0"/>
+              </a:rPr>
+              <a:t>)</a:t>
+            </a:r>
+          </a:p>
+          <a:p>
+            <a:r>
+              <a:rPr lang="en-US" sz="1600" dirty="0">
+                <a:solidFill>
+                  <a:prstClr val="black"/>
+                </a:solidFill>
+                <a:latin typeface="Courier New" pitchFamily="49" charset="0"/>
+                <a:cs typeface="Courier New" pitchFamily="49" charset="0"/>
+              </a:rPr>
+              <a:t> 8      for row in </a:t>
+            </a:r>
+            <a:r>
+              <a:rPr lang="en-US" sz="1600" dirty="0" err="1">
+                <a:solidFill>
+                  <a:prstClr val="black"/>
+                </a:solidFill>
+                <a:latin typeface="Courier New" pitchFamily="49" charset="0"/>
+                <a:cs typeface="Courier New" pitchFamily="49" charset="0"/>
+              </a:rPr>
+              <a:t>csv_reader</a:t>
+            </a:r>
+            <a:r>
+              <a:rPr lang="en-US" sz="1600" dirty="0">
+                <a:solidFill>
+                  <a:prstClr val="black"/>
+                </a:solidFill>
+                <a:latin typeface="Courier New" pitchFamily="49" charset="0"/>
+                <a:cs typeface="Courier New" pitchFamily="49" charset="0"/>
+              </a:rPr>
               <a:t>:</a:t>
             </a:r>
           </a:p>
@@ -9490,7 +10696,17 @@
                 <a:latin typeface="Courier New" pitchFamily="49" charset="0"/>
                 <a:cs typeface="Courier New" pitchFamily="49" charset="0"/>
               </a:rPr>
-              <a:t> 2      </a:t>
+              <a:t> 9          print('{name} --- {weight}'.format(name=</a:t>
+            </a:r>
+            <a:r>
+              <a:rPr lang="en-US" sz="1600" b="1" dirty="0">
+                <a:solidFill>
+                  <a:srgbClr val="00B050"/>
+                </a:solidFill>
+                <a:latin typeface="Courier New" pitchFamily="49" charset="0"/>
+                <a:cs typeface="Courier New" pitchFamily="49" charset="0"/>
+              </a:rPr>
+              <a:t>row['name']</a:t>
             </a:r>
             <a:r>
               <a:rPr lang="en-US" sz="1600" dirty="0">
@@ -9500,50 +10716,82 @@
                 <a:latin typeface="Courier New" pitchFamily="49" charset="0"/>
                 <a:cs typeface="Courier New" pitchFamily="49" charset="0"/>
               </a:rPr>
-              <a:t>dialect = </a:t>
+              <a:t>,</a:t>
+            </a:r>
+          </a:p>
+          <a:p>
+            <a:r>
+              <a:rPr lang="en-US" sz="1600" dirty="0">
+                <a:solidFill>
+                  <a:prstClr val="black"/>
+                </a:solidFill>
+                <a:latin typeface="Courier New" pitchFamily="49" charset="0"/>
+                <a:cs typeface="Courier New" pitchFamily="49" charset="0"/>
+              </a:rPr>
+              <a:t>10                                             weight=</a:t>
             </a:r>
             <a:r>
               <a:rPr lang="en-US" sz="1600" b="1" dirty="0">
                 <a:solidFill>
-                  <a:srgbClr val="FF0000"/>
-                </a:solidFill>
-                <a:latin typeface="Courier New" pitchFamily="49" charset="0"/>
-                <a:cs typeface="Courier New" pitchFamily="49" charset="0"/>
-              </a:rPr>
-              <a:t>Sniffer</a:t>
+                  <a:srgbClr val="00B050"/>
+                </a:solidFill>
+                <a:latin typeface="Courier New" pitchFamily="49" charset="0"/>
+                <a:cs typeface="Courier New" pitchFamily="49" charset="0"/>
+              </a:rPr>
+              <a:t>row['weight']</a:t>
+            </a:r>
+            <a:r>
+              <a:rPr lang="en-US" sz="1600" dirty="0">
+                <a:solidFill>
+                  <a:prstClr val="black"/>
+                </a:solidFill>
+                <a:latin typeface="Courier New" pitchFamily="49" charset="0"/>
+                <a:cs typeface="Courier New" pitchFamily="49" charset="0"/>
+              </a:rPr>
+              <a:t>))</a:t>
+            </a:r>
+          </a:p>
+          <a:p>
+            <a:r>
+              <a:rPr lang="en-US" sz="1600" dirty="0">
+                <a:solidFill>
+                  <a:prstClr val="black"/>
+                </a:solidFill>
+                <a:latin typeface="Courier New" pitchFamily="49" charset="0"/>
+                <a:cs typeface="Courier New" pitchFamily="49" charset="0"/>
+              </a:rPr>
+              <a:t>11          sum += </a:t>
             </a:r>
             <a:r>
               <a:rPr lang="en-US" sz="1600" b="1" dirty="0">
                 <a:solidFill>
-                  <a:srgbClr val="FF0000"/>
-                </a:solidFill>
-                <a:latin typeface="Courier New" pitchFamily="49" charset="0"/>
-                <a:cs typeface="Courier New" pitchFamily="49" charset="0"/>
-              </a:rPr>
-              <a:t>().sniff(</a:t>
-            </a:r>
-            <a:r>
-              <a:rPr lang="en-US" sz="1600" b="1" dirty="0" err="1">
-                <a:solidFill>
-                  <a:srgbClr val="FF0000"/>
-                </a:solidFill>
-                <a:latin typeface="Courier New" pitchFamily="49" charset="0"/>
-                <a:cs typeface="Courier New" pitchFamily="49" charset="0"/>
-              </a:rPr>
-              <a:t>csv_file.read</a:t>
+                  <a:prstClr val="black"/>
+                </a:solidFill>
+                <a:latin typeface="Courier New" pitchFamily="49" charset="0"/>
+                <a:cs typeface="Courier New" pitchFamily="49" charset="0"/>
+              </a:rPr>
+              <a:t>float</a:t>
+            </a:r>
+            <a:r>
+              <a:rPr lang="en-US" sz="1600" dirty="0">
+                <a:solidFill>
+                  <a:prstClr val="black"/>
+                </a:solidFill>
+                <a:latin typeface="Courier New" pitchFamily="49" charset="0"/>
+                <a:cs typeface="Courier New" pitchFamily="49" charset="0"/>
+              </a:rPr>
+              <a:t>(</a:t>
             </a:r>
             <a:r>
               <a:rPr lang="en-US" sz="1600" b="1" dirty="0">
                 <a:solidFill>
-                  <a:srgbClr val="FF0000"/>
-                </a:solidFill>
-                <a:latin typeface="Courier New" pitchFamily="49" charset="0"/>
-                <a:cs typeface="Courier New" pitchFamily="49" charset="0"/>
-              </a:rPr>
-              <a:t>(1024))</a:t>
-            </a:r>
-          </a:p>
-          <a:p>
+                  <a:srgbClr val="00B050"/>
+                </a:solidFill>
+                <a:latin typeface="Courier New" pitchFamily="49" charset="0"/>
+                <a:cs typeface="Courier New" pitchFamily="49" charset="0"/>
+              </a:rPr>
+              <a:t>row['weight']</a:t>
+            </a:r>
             <a:r>
               <a:rPr lang="en-US" sz="1600" dirty="0">
                 <a:solidFill>
@@ -9552,18 +10800,10 @@
                 <a:latin typeface="Courier New" pitchFamily="49" charset="0"/>
                 <a:cs typeface="Courier New" pitchFamily="49" charset="0"/>
               </a:rPr>
-              <a:t> 3      </a:t>
-            </a:r>
-            <a:r>
-              <a:rPr lang="en-US" sz="1600" dirty="0" err="1">
-                <a:solidFill>
-                  <a:prstClr val="black"/>
-                </a:solidFill>
-                <a:latin typeface="Courier New" pitchFamily="49" charset="0"/>
-                <a:cs typeface="Courier New" pitchFamily="49" charset="0"/>
-              </a:rPr>
-              <a:t>csv_file.seek</a:t>
-            </a:r>
+              <a:t>)</a:t>
+            </a:r>
+          </a:p>
+          <a:p>
             <a:r>
               <a:rPr lang="en-US" sz="1600" dirty="0">
                 <a:solidFill>
@@ -9572,460 +10812,8 @@
                 <a:latin typeface="Courier New" pitchFamily="49" charset="0"/>
                 <a:cs typeface="Courier New" pitchFamily="49" charset="0"/>
               </a:rPr>
-              <a:t>(0)</a:t>
-            </a:r>
-          </a:p>
-          <a:p>
-            <a:r>
-              <a:rPr lang="en-US" sz="1600" dirty="0">
-                <a:solidFill>
-                  <a:prstClr val="black"/>
-                </a:solidFill>
-                <a:latin typeface="Courier New" pitchFamily="49" charset="0"/>
-                <a:cs typeface="Courier New" pitchFamily="49" charset="0"/>
-              </a:rPr>
-              <a:t> 4      </a:t>
-            </a:r>
-            <a:r>
-              <a:rPr lang="en-US" sz="1600" dirty="0">
-                <a:solidFill>
-                  <a:prstClr val="black"/>
-                </a:solidFill>
-                <a:latin typeface="Courier New" pitchFamily="49" charset="0"/>
-                <a:cs typeface="Courier New" pitchFamily="49" charset="0"/>
-              </a:rPr>
-              <a:t>sum = 0.0</a:t>
-            </a:r>
-          </a:p>
-          <a:p>
-            <a:r>
-              <a:rPr lang="en-US" sz="1600" dirty="0">
-                <a:solidFill>
-                  <a:prstClr val="black"/>
-                </a:solidFill>
-                <a:latin typeface="Courier New" pitchFamily="49" charset="0"/>
-                <a:cs typeface="Courier New" pitchFamily="49" charset="0"/>
-              </a:rPr>
-              <a:t> 5      </a:t>
-            </a:r>
-            <a:r>
-              <a:rPr lang="en-US" sz="1600" dirty="0" err="1">
-                <a:solidFill>
-                  <a:prstClr val="black"/>
-                </a:solidFill>
-                <a:latin typeface="Courier New" pitchFamily="49" charset="0"/>
-                <a:cs typeface="Courier New" pitchFamily="49" charset="0"/>
-              </a:rPr>
-              <a:t>csv_reader</a:t>
-            </a:r>
-            <a:r>
-              <a:rPr lang="en-US" sz="1600" dirty="0">
-                <a:solidFill>
-                  <a:prstClr val="black"/>
-                </a:solidFill>
-                <a:latin typeface="Courier New" pitchFamily="49" charset="0"/>
-                <a:cs typeface="Courier New" pitchFamily="49" charset="0"/>
-              </a:rPr>
-              <a:t> = </a:t>
-            </a:r>
-            <a:r>
-              <a:rPr lang="en-US" sz="1600" b="1" dirty="0" err="1">
-                <a:solidFill>
-                  <a:srgbClr val="0070C0"/>
-                </a:solidFill>
-                <a:latin typeface="Courier New" pitchFamily="49" charset="0"/>
-                <a:cs typeface="Courier New" pitchFamily="49" charset="0"/>
-              </a:rPr>
-              <a:t>DictReader</a:t>
-            </a:r>
-            <a:r>
-              <a:rPr lang="en-US" sz="1600" dirty="0">
-                <a:solidFill>
-                  <a:prstClr val="black"/>
-                </a:solidFill>
-                <a:latin typeface="Courier New" pitchFamily="49" charset="0"/>
-                <a:cs typeface="Courier New" pitchFamily="49" charset="0"/>
-              </a:rPr>
-              <a:t>(</a:t>
-            </a:r>
-            <a:r>
-              <a:rPr lang="en-US" sz="1600" dirty="0" err="1">
-                <a:solidFill>
-                  <a:prstClr val="black"/>
-                </a:solidFill>
-                <a:latin typeface="Courier New" pitchFamily="49" charset="0"/>
-                <a:cs typeface="Courier New" pitchFamily="49" charset="0"/>
-              </a:rPr>
-              <a:t>csv_file</a:t>
-            </a:r>
-            <a:r>
-              <a:rPr lang="en-US" sz="1600" dirty="0">
-                <a:solidFill>
-                  <a:prstClr val="black"/>
-                </a:solidFill>
-                <a:latin typeface="Courier New" pitchFamily="49" charset="0"/>
-                <a:cs typeface="Courier New" pitchFamily="49" charset="0"/>
-              </a:rPr>
-              <a:t>, fieldnames=None,</a:t>
-            </a:r>
-          </a:p>
-          <a:p>
-            <a:r>
-              <a:rPr lang="en-US" sz="1600" dirty="0">
-                <a:solidFill>
-                  <a:prstClr val="black"/>
-                </a:solidFill>
-                <a:latin typeface="Courier New" pitchFamily="49" charset="0"/>
-                <a:cs typeface="Courier New" pitchFamily="49" charset="0"/>
-              </a:rPr>
-              <a:t> 6                                  </a:t>
-            </a:r>
-            <a:r>
-              <a:rPr lang="en-US" sz="1600" dirty="0" err="1">
-                <a:solidFill>
-                  <a:prstClr val="black"/>
-                </a:solidFill>
-                <a:latin typeface="Courier New" pitchFamily="49" charset="0"/>
-                <a:cs typeface="Courier New" pitchFamily="49" charset="0"/>
-              </a:rPr>
-              <a:t>restkey</a:t>
-            </a:r>
-            <a:r>
-              <a:rPr lang="en-US" sz="1600" dirty="0">
-                <a:solidFill>
-                  <a:prstClr val="black"/>
-                </a:solidFill>
-                <a:latin typeface="Courier New" pitchFamily="49" charset="0"/>
-                <a:cs typeface="Courier New" pitchFamily="49" charset="0"/>
-              </a:rPr>
-              <a:t>='rest', </a:t>
-            </a:r>
-            <a:r>
-              <a:rPr lang="en-US" sz="1600" dirty="0" err="1">
-                <a:solidFill>
-                  <a:prstClr val="black"/>
-                </a:solidFill>
-                <a:latin typeface="Courier New" pitchFamily="49" charset="0"/>
-                <a:cs typeface="Courier New" pitchFamily="49" charset="0"/>
-              </a:rPr>
-              <a:t>restval</a:t>
-            </a:r>
-            <a:r>
-              <a:rPr lang="en-US" sz="1600" dirty="0">
-                <a:solidFill>
-                  <a:prstClr val="black"/>
-                </a:solidFill>
-                <a:latin typeface="Courier New" pitchFamily="49" charset="0"/>
-                <a:cs typeface="Courier New" pitchFamily="49" charset="0"/>
-              </a:rPr>
-              <a:t>=None,</a:t>
-            </a:r>
-          </a:p>
-          <a:p>
-            <a:r>
-              <a:rPr lang="en-US" sz="1600" dirty="0">
-                <a:solidFill>
-                  <a:prstClr val="black"/>
-                </a:solidFill>
-                <a:latin typeface="Courier New" pitchFamily="49" charset="0"/>
-                <a:cs typeface="Courier New" pitchFamily="49" charset="0"/>
-              </a:rPr>
-              <a:t> 7                                  </a:t>
-            </a:r>
-            <a:r>
-              <a:rPr lang="en-US" sz="1600" dirty="0">
-                <a:solidFill>
-                  <a:prstClr val="black"/>
-                </a:solidFill>
-                <a:latin typeface="Courier New" pitchFamily="49" charset="0"/>
-                <a:cs typeface="Courier New" pitchFamily="49" charset="0"/>
-              </a:rPr>
-              <a:t>dialect=</a:t>
-            </a:r>
-            <a:r>
-              <a:rPr lang="en-US" sz="1600" b="1" dirty="0">
-                <a:solidFill>
-                  <a:srgbClr val="FF0000"/>
-                </a:solidFill>
-                <a:latin typeface="Courier New" pitchFamily="49" charset="0"/>
-                <a:cs typeface="Courier New" pitchFamily="49" charset="0"/>
-              </a:rPr>
-              <a:t>dialect</a:t>
-            </a:r>
-            <a:r>
-              <a:rPr lang="en-US" sz="1600" dirty="0">
-                <a:solidFill>
-                  <a:prstClr val="black"/>
-                </a:solidFill>
-                <a:latin typeface="Courier New" pitchFamily="49" charset="0"/>
-                <a:cs typeface="Courier New" pitchFamily="49" charset="0"/>
-              </a:rPr>
-              <a:t>)</a:t>
-            </a:r>
-          </a:p>
-          <a:p>
-            <a:r>
-              <a:rPr lang="en-US" sz="1600" dirty="0">
-                <a:solidFill>
-                  <a:prstClr val="black"/>
-                </a:solidFill>
-                <a:latin typeface="Courier New" pitchFamily="49" charset="0"/>
-                <a:cs typeface="Courier New" pitchFamily="49" charset="0"/>
-              </a:rPr>
-              <a:t> 8      </a:t>
-            </a:r>
-            <a:r>
-              <a:rPr lang="en-US" sz="1600" dirty="0">
-                <a:solidFill>
-                  <a:prstClr val="black"/>
-                </a:solidFill>
-                <a:latin typeface="Courier New" pitchFamily="49" charset="0"/>
-                <a:cs typeface="Courier New" pitchFamily="49" charset="0"/>
-              </a:rPr>
-              <a:t>for row in </a:t>
-            </a:r>
-            <a:r>
-              <a:rPr lang="en-US" sz="1600" dirty="0" err="1">
-                <a:solidFill>
-                  <a:prstClr val="black"/>
-                </a:solidFill>
-                <a:latin typeface="Courier New" pitchFamily="49" charset="0"/>
-                <a:cs typeface="Courier New" pitchFamily="49" charset="0"/>
-              </a:rPr>
-              <a:t>csv_reader</a:t>
-            </a:r>
-            <a:r>
-              <a:rPr lang="en-US" sz="1600" dirty="0">
-                <a:solidFill>
-                  <a:prstClr val="black"/>
-                </a:solidFill>
-                <a:latin typeface="Courier New" pitchFamily="49" charset="0"/>
-                <a:cs typeface="Courier New" pitchFamily="49" charset="0"/>
-              </a:rPr>
-              <a:t>:</a:t>
-            </a:r>
-          </a:p>
-          <a:p>
-            <a:r>
-              <a:rPr lang="en-US" sz="1600" dirty="0">
-                <a:solidFill>
-                  <a:prstClr val="black"/>
-                </a:solidFill>
-                <a:latin typeface="Courier New" pitchFamily="49" charset="0"/>
-                <a:cs typeface="Courier New" pitchFamily="49" charset="0"/>
-              </a:rPr>
-              <a:t> 9          print('{</a:t>
-            </a:r>
-            <a:r>
-              <a:rPr lang="en-US" sz="1600" dirty="0">
-                <a:solidFill>
-                  <a:prstClr val="black"/>
-                </a:solidFill>
-                <a:latin typeface="Courier New" pitchFamily="49" charset="0"/>
-                <a:cs typeface="Courier New" pitchFamily="49" charset="0"/>
-              </a:rPr>
-              <a:t>name} --- {weight}'.format(name=</a:t>
-            </a:r>
-            <a:r>
-              <a:rPr lang="en-US" sz="1600" b="1" dirty="0">
-                <a:solidFill>
-                  <a:srgbClr val="00B050"/>
-                </a:solidFill>
-                <a:latin typeface="Courier New" pitchFamily="49" charset="0"/>
-                <a:cs typeface="Courier New" pitchFamily="49" charset="0"/>
-              </a:rPr>
-              <a:t>row['name']</a:t>
-            </a:r>
-            <a:r>
-              <a:rPr lang="en-US" sz="1600" dirty="0">
-                <a:solidFill>
-                  <a:prstClr val="black"/>
-                </a:solidFill>
-                <a:latin typeface="Courier New" pitchFamily="49" charset="0"/>
-                <a:cs typeface="Courier New" pitchFamily="49" charset="0"/>
-              </a:rPr>
-              <a:t>,</a:t>
-            </a:r>
-          </a:p>
-          <a:p>
-            <a:r>
-              <a:rPr lang="en-US" sz="1600" dirty="0">
-                <a:solidFill>
-                  <a:prstClr val="black"/>
-                </a:solidFill>
-                <a:latin typeface="Courier New" pitchFamily="49" charset="0"/>
-                <a:cs typeface="Courier New" pitchFamily="49" charset="0"/>
-              </a:rPr>
-              <a:t>10                                             </a:t>
-            </a:r>
-            <a:r>
-              <a:rPr lang="en-US" sz="1600" dirty="0">
-                <a:solidFill>
-                  <a:prstClr val="black"/>
-                </a:solidFill>
-                <a:latin typeface="Courier New" pitchFamily="49" charset="0"/>
-                <a:cs typeface="Courier New" pitchFamily="49" charset="0"/>
-              </a:rPr>
-              <a:t>weight=</a:t>
-            </a:r>
-            <a:r>
-              <a:rPr lang="en-US" sz="1600" b="1" dirty="0">
-                <a:solidFill>
-                  <a:srgbClr val="00B050"/>
-                </a:solidFill>
-                <a:latin typeface="Courier New" pitchFamily="49" charset="0"/>
-                <a:cs typeface="Courier New" pitchFamily="49" charset="0"/>
-              </a:rPr>
-              <a:t>row['weight</a:t>
-            </a:r>
-            <a:r>
-              <a:rPr lang="en-US" sz="1600" b="1" dirty="0">
-                <a:solidFill>
-                  <a:srgbClr val="00B050"/>
-                </a:solidFill>
-                <a:latin typeface="Courier New" pitchFamily="49" charset="0"/>
-                <a:cs typeface="Courier New" pitchFamily="49" charset="0"/>
-              </a:rPr>
-              <a:t>']</a:t>
-            </a:r>
-            <a:r>
-              <a:rPr lang="en-US" sz="1600" dirty="0">
-                <a:solidFill>
-                  <a:prstClr val="black"/>
-                </a:solidFill>
-                <a:latin typeface="Courier New" pitchFamily="49" charset="0"/>
-                <a:cs typeface="Courier New" pitchFamily="49" charset="0"/>
-              </a:rPr>
-              <a:t>))</a:t>
-            </a:r>
-            <a:endParaRPr lang="en-US" sz="1600" dirty="0">
-              <a:solidFill>
-                <a:prstClr val="black"/>
-              </a:solidFill>
-              <a:latin typeface="Courier New" pitchFamily="49" charset="0"/>
-              <a:cs typeface="Courier New" pitchFamily="49" charset="0"/>
-            </a:endParaRPr>
-          </a:p>
-          <a:p>
-            <a:r>
-              <a:rPr lang="en-US" sz="1600" dirty="0">
-                <a:solidFill>
-                  <a:prstClr val="black"/>
-                </a:solidFill>
-                <a:latin typeface="Courier New" pitchFamily="49" charset="0"/>
-                <a:cs typeface="Courier New" pitchFamily="49" charset="0"/>
-              </a:rPr>
-              <a:t>11          </a:t>
-            </a:r>
-            <a:r>
-              <a:rPr lang="en-US" sz="1600" dirty="0">
-                <a:solidFill>
-                  <a:prstClr val="black"/>
-                </a:solidFill>
-                <a:latin typeface="Courier New" pitchFamily="49" charset="0"/>
-                <a:cs typeface="Courier New" pitchFamily="49" charset="0"/>
-              </a:rPr>
-              <a:t>sum += </a:t>
-            </a:r>
-            <a:r>
-              <a:rPr lang="en-US" sz="1600" b="1" dirty="0">
-                <a:solidFill>
-                  <a:prstClr val="black"/>
-                </a:solidFill>
-                <a:latin typeface="Courier New" pitchFamily="49" charset="0"/>
-                <a:cs typeface="Courier New" pitchFamily="49" charset="0"/>
-              </a:rPr>
-              <a:t>float</a:t>
-            </a:r>
-            <a:r>
-              <a:rPr lang="en-US" sz="1600" dirty="0">
-                <a:solidFill>
-                  <a:prstClr val="black"/>
-                </a:solidFill>
-                <a:latin typeface="Courier New" pitchFamily="49" charset="0"/>
-                <a:cs typeface="Courier New" pitchFamily="49" charset="0"/>
-              </a:rPr>
-              <a:t>(</a:t>
-            </a:r>
-            <a:r>
-              <a:rPr lang="en-US" sz="1600" b="1" dirty="0">
-                <a:solidFill>
-                  <a:srgbClr val="00B050"/>
-                </a:solidFill>
-                <a:latin typeface="Courier New" pitchFamily="49" charset="0"/>
-                <a:cs typeface="Courier New" pitchFamily="49" charset="0"/>
-              </a:rPr>
-              <a:t>row['weight']</a:t>
-            </a:r>
-            <a:r>
-              <a:rPr lang="en-US" sz="1600" dirty="0">
-                <a:solidFill>
-                  <a:prstClr val="black"/>
-                </a:solidFill>
-                <a:latin typeface="Courier New" pitchFamily="49" charset="0"/>
-                <a:cs typeface="Courier New" pitchFamily="49" charset="0"/>
-              </a:rPr>
-              <a:t>)</a:t>
-            </a:r>
-          </a:p>
-          <a:p>
-            <a:r>
-              <a:rPr lang="en-US" sz="1600" dirty="0">
-                <a:solidFill>
-                  <a:prstClr val="black"/>
-                </a:solidFill>
-                <a:latin typeface="Courier New" pitchFamily="49" charset="0"/>
-                <a:cs typeface="Courier New" pitchFamily="49" charset="0"/>
-              </a:rPr>
-              <a:t>12      print('sum </a:t>
-            </a:r>
-            <a:r>
-              <a:rPr lang="en-US" sz="1600" dirty="0">
-                <a:solidFill>
-                  <a:prstClr val="black"/>
-                </a:solidFill>
-                <a:latin typeface="Courier New" pitchFamily="49" charset="0"/>
-                <a:cs typeface="Courier New" pitchFamily="49" charset="0"/>
-              </a:rPr>
-              <a:t>= </a:t>
-            </a:r>
-            <a:r>
-              <a:rPr lang="en-US" sz="1600" dirty="0">
-                <a:solidFill>
-                  <a:prstClr val="black"/>
-                </a:solidFill>
-                <a:latin typeface="Courier New" pitchFamily="49" charset="0"/>
-                <a:cs typeface="Courier New" pitchFamily="49" charset="0"/>
-              </a:rPr>
-              <a:t>{0}'.</a:t>
-            </a:r>
-            <a:r>
-              <a:rPr lang="en-US" sz="1600" dirty="0">
-                <a:solidFill>
-                  <a:prstClr val="black"/>
-                </a:solidFill>
-                <a:latin typeface="Courier New" pitchFamily="49" charset="0"/>
-                <a:cs typeface="Courier New" pitchFamily="49" charset="0"/>
-              </a:rPr>
-              <a:t>format(sum</a:t>
-            </a:r>
-            <a:r>
-              <a:rPr lang="en-US" sz="1600" dirty="0">
-                <a:solidFill>
-                  <a:prstClr val="black"/>
-                </a:solidFill>
-                <a:latin typeface="Courier New" pitchFamily="49" charset="0"/>
-                <a:cs typeface="Courier New" pitchFamily="49" charset="0"/>
-              </a:rPr>
-              <a:t>))</a:t>
-            </a:r>
-            <a:endParaRPr lang="en-US" sz="1600" dirty="0">
-              <a:solidFill>
-                <a:prstClr val="black"/>
-              </a:solidFill>
-              <a:latin typeface="Courier New" pitchFamily="49" charset="0"/>
-              <a:cs typeface="Courier New" pitchFamily="49" charset="0"/>
-            </a:endParaRPr>
+              <a:t>12      print('sum = {0}'.format(sum))</a:t>
+            </a:r>
           </a:p>
         </p:txBody>
       </p:sp>
@@ -10091,12 +10879,6 @@
                 </a:rPr>
                 <a:t>CSV dialect (e.g., Excel)</a:t>
               </a:r>
-              <a:endParaRPr lang="en-US" dirty="0">
-                <a:solidFill>
-                  <a:srgbClr val="FF0000"/>
-                </a:solidFill>
-                <a:latin typeface="Calibri"/>
-              </a:endParaRPr>
             </a:p>
           </p:txBody>
         </p:sp>
@@ -10208,12 +10990,6 @@
                 </a:rPr>
                 <a:t>row to deduce field names</a:t>
               </a:r>
-              <a:endParaRPr lang="en-US" dirty="0">
-                <a:solidFill>
-                  <a:srgbClr val="0070C0"/>
-                </a:solidFill>
-                <a:latin typeface="Calibri"/>
-              </a:endParaRPr>
             </a:p>
           </p:txBody>
         </p:sp>
@@ -10423,12 +11199,6 @@
                 </a:rPr>
                 <a:t>Drawback: you still need to know field types</a:t>
               </a:r>
-              <a:endParaRPr lang="en-US" sz="2400" dirty="0">
-                <a:solidFill>
-                  <a:prstClr val="black"/>
-                </a:solidFill>
-                <a:latin typeface="Calibri"/>
-              </a:endParaRPr>
             </a:p>
           </p:txBody>
         </p:sp>
@@ -10496,7 +11266,7 @@
                 <a:latin typeface="Calibri"/>
               </a:rPr>
               <a:pPr/>
-              <a:t>18</a:t>
+              <a:t>21</a:t>
             </a:fld>
             <a:endParaRPr lang="nl-BE">
               <a:solidFill>
@@ -10732,7 +11502,7 @@
 </p:sld>
 </file>
 
-<file path=ppt/slides/slide19.xml><?xml version="1.0" encoding="utf-8"?>
+<file path=ppt/slides/slide22.xml><?xml version="1.0" encoding="utf-8"?>
 <p:sld xmlns:a="http://schemas.openxmlformats.org/drawingml/2006/main" xmlns:r="http://schemas.openxmlformats.org/officeDocument/2006/relationships" xmlns:p="http://schemas.openxmlformats.org/presentationml/2006/main">
   <p:cSld>
     <p:spTree>
@@ -11375,7 +12145,7 @@
                 <a:latin typeface="Calibri"/>
               </a:rPr>
               <a:pPr/>
-              <a:t>19</a:t>
+              <a:t>22</a:t>
             </a:fld>
             <a:endParaRPr lang="nl-BE">
               <a:solidFill>
@@ -11493,12 +12263,6 @@
               </a:rPr>
               <a:t> to avoid</a:t>
             </a:r>
-            <a:endParaRPr lang="en-US" dirty="0">
-              <a:solidFill>
-                <a:prstClr val="black"/>
-              </a:solidFill>
-              <a:latin typeface="Calibri"/>
-            </a:endParaRPr>
           </a:p>
         </p:txBody>
       </p:sp>
@@ -11862,168 +12626,7 @@
 </p:sld>
 </file>
 
-<file path=ppt/slides/slide2.xml><?xml version="1.0" encoding="utf-8"?>
-<p:sld xmlns:a="http://schemas.openxmlformats.org/drawingml/2006/main" xmlns:r="http://schemas.openxmlformats.org/officeDocument/2006/relationships" xmlns:p="http://schemas.openxmlformats.org/presentationml/2006/main">
-  <p:cSld>
-    <p:spTree>
-      <p:nvGrpSpPr>
-        <p:cNvPr id="1" name=""/>
-        <p:cNvGrpSpPr/>
-        <p:nvPr/>
-      </p:nvGrpSpPr>
-      <p:grpSpPr>
-        <a:xfrm>
-          <a:off x="0" y="0"/>
-          <a:ext cx="0" cy="0"/>
-          <a:chOff x="0" y="0"/>
-          <a:chExt cx="0" cy="0"/>
-        </a:xfrm>
-      </p:grpSpPr>
-      <p:sp>
-        <p:nvSpPr>
-          <p:cNvPr id="2" name="Title 1"/>
-          <p:cNvSpPr>
-            <a:spLocks noGrp="1"/>
-          </p:cNvSpPr>
-          <p:nvPr>
-            <p:ph type="title"/>
-          </p:nvPr>
-        </p:nvSpPr>
-        <p:spPr/>
-        <p:txBody>
-          <a:bodyPr>
-            <a:normAutofit/>
-          </a:bodyPr>
-          <a:lstStyle/>
-          <a:p>
-            <a:r>
-              <a:rPr lang="en-US" dirty="0" smtClean="0"/>
-              <a:t>Icing on application:</a:t>
-            </a:r>
-            <a:br>
-              <a:rPr lang="en-US" dirty="0" smtClean="0"/>
-            </a:br>
-            <a:r>
-              <a:rPr lang="en-US" dirty="0" smtClean="0"/>
-              <a:t>Python's </a:t>
-            </a:r>
-            <a:r>
-              <a:rPr lang="en-US" dirty="0" err="1" smtClean="0"/>
-              <a:t>argparse</a:t>
-            </a:r>
-            <a:r>
-              <a:rPr lang="en-US" dirty="0" smtClean="0"/>
-              <a:t>, </a:t>
-            </a:r>
-            <a:r>
-              <a:rPr lang="en-US" dirty="0" err="1" smtClean="0"/>
-              <a:t>ConfigParser</a:t>
-            </a:r>
-            <a:endParaRPr lang="en-US" dirty="0"/>
-          </a:p>
-        </p:txBody>
-      </p:sp>
-      <p:sp>
-        <p:nvSpPr>
-          <p:cNvPr id="3" name="Text Placeholder 2"/>
-          <p:cNvSpPr>
-            <a:spLocks noGrp="1"/>
-          </p:cNvSpPr>
-          <p:nvPr>
-            <p:ph type="body" idx="1"/>
-          </p:nvPr>
-        </p:nvSpPr>
-        <p:spPr/>
-        <p:txBody>
-          <a:bodyPr>
-            <a:normAutofit/>
-          </a:bodyPr>
-          <a:lstStyle/>
-          <a:p>
-            <a:r>
-              <a:rPr lang="en-US" sz="1800" dirty="0">
-                <a:hlinkClick r:id="rId2"/>
-              </a:rPr>
-              <a:t>https://github.com/gjbex/training-material/tree/master/Python/ArgParse</a:t>
-            </a:r>
-            <a:r>
-              <a:rPr lang="en-US" sz="1800" dirty="0"/>
-              <a:t> </a:t>
-            </a:r>
-          </a:p>
-          <a:p>
-            <a:r>
-              <a:rPr lang="en-US" sz="1800" dirty="0">
-                <a:hlinkClick r:id="rId3"/>
-              </a:rPr>
-              <a:t>https://github.com/gjbex/training-material/tree/master/Python/ConfigParser</a:t>
-            </a:r>
-            <a:r>
-              <a:rPr lang="en-US" sz="1800" dirty="0"/>
-              <a:t> </a:t>
-            </a:r>
-          </a:p>
-        </p:txBody>
-      </p:sp>
-      <p:sp>
-        <p:nvSpPr>
-          <p:cNvPr id="4" name="Slide Number Placeholder 3"/>
-          <p:cNvSpPr>
-            <a:spLocks noGrp="1"/>
-          </p:cNvSpPr>
-          <p:nvPr>
-            <p:ph type="sldNum" sz="quarter" idx="12"/>
-          </p:nvPr>
-        </p:nvSpPr>
-        <p:spPr/>
-        <p:txBody>
-          <a:bodyPr/>
-          <a:lstStyle/>
-          <a:p>
-            <a:fld id="{5A209D72-2E9D-49B0-8977-41DCCC66C0BB}" type="slidenum">
-              <a:rPr lang="nl-BE">
-                <a:solidFill>
-                  <a:prstClr val="black">
-                    <a:tint val="75000"/>
-                  </a:prstClr>
-                </a:solidFill>
-                <a:latin typeface="Calibri"/>
-              </a:rPr>
-              <a:pPr/>
-              <a:t>2</a:t>
-            </a:fld>
-            <a:endParaRPr lang="nl-BE">
-              <a:solidFill>
-                <a:prstClr val="black">
-                  <a:tint val="75000"/>
-                </a:prstClr>
-              </a:solidFill>
-              <a:latin typeface="Calibri"/>
-            </a:endParaRPr>
-          </a:p>
-        </p:txBody>
-      </p:sp>
-    </p:spTree>
-    <p:extLst>
-      <p:ext uri="{BB962C8B-B14F-4D97-AF65-F5344CB8AC3E}">
-        <p14:creationId xmlns:p14="http://schemas.microsoft.com/office/powerpoint/2010/main" val="3590249580"/>
-      </p:ext>
-    </p:extLst>
-  </p:cSld>
-  <p:clrMapOvr>
-    <a:masterClrMapping/>
-  </p:clrMapOvr>
-  <p:timing>
-    <p:tnLst>
-      <p:par>
-        <p:cTn id="1" dur="indefinite" restart="never" nodeType="tmRoot"/>
-      </p:par>
-    </p:tnLst>
-  </p:timing>
-</p:sld>
-</file>
-
-<file path=ppt/slides/slide20.xml><?xml version="1.0" encoding="utf-8"?>
+<file path=ppt/slides/slide23.xml><?xml version="1.0" encoding="utf-8"?>
 <p:sld xmlns:a="http://schemas.openxmlformats.org/drawingml/2006/main" xmlns:r="http://schemas.openxmlformats.org/officeDocument/2006/relationships" xmlns:p="http://schemas.openxmlformats.org/presentationml/2006/main">
   <p:cSld>
     <p:spTree>
@@ -12111,7 +12714,7 @@
                 <a:latin typeface="Calibri"/>
               </a:rPr>
               <a:pPr/>
-              <a:t>20</a:t>
+              <a:t>23</a:t>
             </a:fld>
             <a:endParaRPr lang="nl-BE">
               <a:solidFill>
@@ -12444,17 +13047,7 @@
                 <a:latin typeface="Courier New" pitchFamily="49" charset="0"/>
                 <a:cs typeface="Courier New" pitchFamily="49" charset="0"/>
               </a:rPr>
-              <a:t> </a:t>
-            </a:r>
-            <a:r>
-              <a:rPr lang="en-BE" dirty="0">
-                <a:solidFill>
-                  <a:prstClr val="black"/>
-                </a:solidFill>
-                <a:latin typeface="Courier New" pitchFamily="49" charset="0"/>
-                <a:cs typeface="Courier New" pitchFamily="49" charset="0"/>
-              </a:rPr>
-              <a:t>                            </a:t>
+              <a:t>                             </a:t>
             </a:r>
             <a:r>
               <a:rPr lang="en-BE" b="1" dirty="0">
@@ -12530,17 +13123,7 @@
                 <a:latin typeface="Courier New" pitchFamily="49" charset="0"/>
                 <a:cs typeface="Courier New" pitchFamily="49" charset="0"/>
               </a:rPr>
-              <a:t> </a:t>
-            </a:r>
-            <a:r>
-              <a:rPr lang="en-BE" dirty="0">
-                <a:solidFill>
-                  <a:prstClr val="black"/>
-                </a:solidFill>
-                <a:latin typeface="Courier New" pitchFamily="49" charset="0"/>
-                <a:cs typeface="Courier New" pitchFamily="49" charset="0"/>
-              </a:rPr>
-              <a:t>                            </a:t>
+              <a:t>                             </a:t>
             </a:r>
             <a:r>
               <a:rPr lang="en-BE" b="1" dirty="0">
@@ -12895,16 +13478,7 @@
                   </a:solidFill>
                   <a:latin typeface="Calibri"/>
                 </a:rPr>
-                <a:t> </a:t>
-              </a:r>
-              <a:r>
-                <a:rPr lang="en-BE" sz="1400" dirty="0">
-                  <a:solidFill>
-                    <a:prstClr val="black"/>
-                  </a:solidFill>
-                  <a:latin typeface="Calibri"/>
-                </a:rPr>
-                <a:t>c</a:t>
+                <a:t> c</a:t>
               </a:r>
               <a:endParaRPr lang="en-US" sz="1400" dirty="0">
                 <a:solidFill>
@@ -13605,16 +14179,7 @@
                     </a:solidFill>
                     <a:latin typeface="Calibri"/>
                   </a:rPr>
-                  <a:t>4</a:t>
-                </a:r>
-                <a:r>
-                  <a:rPr lang="en-BE" dirty="0">
-                    <a:solidFill>
-                      <a:prstClr val="black"/>
-                    </a:solidFill>
-                    <a:latin typeface="Calibri"/>
-                  </a:rPr>
-                  <a:t> bytes</a:t>
+                  <a:t>4 bytes</a:t>
                 </a:r>
                 <a:endParaRPr lang="en-US" dirty="0">
                   <a:solidFill>
@@ -13912,16 +14477,7 @@
                     </a:solidFill>
                     <a:latin typeface="Calibri"/>
                   </a:rPr>
-                  <a:t>4</a:t>
-                </a:r>
-                <a:r>
-                  <a:rPr lang="en-BE" dirty="0">
-                    <a:solidFill>
-                      <a:prstClr val="black"/>
-                    </a:solidFill>
-                    <a:latin typeface="Calibri"/>
-                  </a:rPr>
-                  <a:t> bytes</a:t>
+                  <a:t>4 bytes</a:t>
                 </a:r>
                 <a:endParaRPr lang="en-US" dirty="0">
                   <a:solidFill>
@@ -15654,7 +16210,7 @@
 </p:sld>
 </file>
 
-<file path=ppt/slides/slide21.xml><?xml version="1.0" encoding="utf-8"?>
+<file path=ppt/slides/slide24.xml><?xml version="1.0" encoding="utf-8"?>
 <p:sld xmlns:a="http://schemas.openxmlformats.org/drawingml/2006/main" xmlns:r="http://schemas.openxmlformats.org/officeDocument/2006/relationships" xmlns:p="http://schemas.openxmlformats.org/presentationml/2006/main">
   <p:cSld>
     <p:spTree>
@@ -15946,13 +16502,6 @@
               </a:rPr>
               <a:t>&lt;/blocks&gt;</a:t>
             </a:r>
-            <a:endParaRPr lang="en-US" dirty="0">
-              <a:solidFill>
-                <a:prstClr val="black"/>
-              </a:solidFill>
-              <a:latin typeface="Courier New" pitchFamily="49" charset="0"/>
-              <a:cs typeface="Courier New" pitchFamily="49" charset="0"/>
-            </a:endParaRPr>
           </a:p>
         </p:txBody>
       </p:sp>
@@ -15981,7 +16530,7 @@
                 <a:latin typeface="Calibri"/>
               </a:rPr>
               <a:pPr/>
-              <a:t>21</a:t>
+              <a:t>24</a:t>
             </a:fld>
             <a:endParaRPr lang="nl-BE">
               <a:solidFill>
@@ -16014,7 +16563,7 @@
 </p:sld>
 </file>
 
-<file path=ppt/slides/slide22.xml><?xml version="1.0" encoding="utf-8"?>
+<file path=ppt/slides/slide25.xml><?xml version="1.0" encoding="utf-8"?>
 <p:sld xmlns:a="http://schemas.openxmlformats.org/drawingml/2006/main" xmlns:r="http://schemas.openxmlformats.org/officeDocument/2006/relationships" xmlns:p="http://schemas.openxmlformats.org/presentationml/2006/main">
   <p:cSld>
     <p:spTree>
@@ -16088,8 +16637,10 @@
                 <a:latin typeface="Courier New" pitchFamily="49" charset="0"/>
                 <a:cs typeface="Courier New" pitchFamily="49" charset="0"/>
               </a:rPr>
-              <a:t> </a:t>
-            </a:r>
+              <a:t> 1   from xml.dom.minidom import Document</a:t>
+            </a:r>
+          </a:p>
+          <a:p>
             <a:r>
               <a:rPr lang="pt-BR" dirty="0">
                 <a:solidFill>
@@ -16098,49 +16649,7 @@
                 <a:latin typeface="Courier New" pitchFamily="49" charset="0"/>
                 <a:cs typeface="Courier New" pitchFamily="49" charset="0"/>
               </a:rPr>
-              <a:t>1   from </a:t>
-            </a:r>
-            <a:r>
-              <a:rPr lang="pt-BR" dirty="0">
-                <a:solidFill>
-                  <a:prstClr val="black"/>
-                </a:solidFill>
-                <a:latin typeface="Courier New" pitchFamily="49" charset="0"/>
-                <a:cs typeface="Courier New" pitchFamily="49" charset="0"/>
-              </a:rPr>
-              <a:t>xml.dom.minidom import </a:t>
-            </a:r>
-            <a:r>
-              <a:rPr lang="pt-BR" dirty="0">
-                <a:solidFill>
-                  <a:prstClr val="black"/>
-                </a:solidFill>
-                <a:latin typeface="Courier New" pitchFamily="49" charset="0"/>
-                <a:cs typeface="Courier New" pitchFamily="49" charset="0"/>
-              </a:rPr>
-              <a:t>Document</a:t>
-            </a:r>
-          </a:p>
-          <a:p>
-            <a:r>
-              <a:rPr lang="pt-BR" dirty="0">
-                <a:solidFill>
-                  <a:prstClr val="black"/>
-                </a:solidFill>
-                <a:latin typeface="Courier New" pitchFamily="49" charset="0"/>
-                <a:cs typeface="Courier New" pitchFamily="49" charset="0"/>
-              </a:rPr>
-              <a:t> 2</a:t>
-            </a:r>
-            <a:r>
-              <a:rPr lang="pt-BR" dirty="0">
-                <a:solidFill>
-                  <a:prstClr val="black"/>
-                </a:solidFill>
-                <a:latin typeface="Courier New" pitchFamily="49" charset="0"/>
-                <a:cs typeface="Courier New" pitchFamily="49" charset="0"/>
-              </a:rPr>
-              <a:t>   nr_blocks = 2</a:t>
+              <a:t> 2   nr_blocks = 2</a:t>
             </a:r>
             <a:br>
               <a:rPr lang="pt-BR" dirty="0">
@@ -16161,13 +16670,6 @@
               </a:rPr>
               <a:t> 3   nr_items = 2</a:t>
             </a:r>
-            <a:endParaRPr lang="pt-BR" dirty="0">
-              <a:solidFill>
-                <a:prstClr val="black"/>
-              </a:solidFill>
-              <a:latin typeface="Courier New" pitchFamily="49" charset="0"/>
-              <a:cs typeface="Courier New" pitchFamily="49" charset="0"/>
-            </a:endParaRPr>
           </a:p>
           <a:p>
             <a:r>
@@ -16188,8 +16690,10 @@
                 <a:latin typeface="Courier New" pitchFamily="49" charset="0"/>
                 <a:cs typeface="Courier New" pitchFamily="49" charset="0"/>
               </a:rPr>
-              <a:t>4</a:t>
-            </a:r>
+              <a:t>4   doc = Document()</a:t>
+            </a:r>
+          </a:p>
+          <a:p>
             <a:r>
               <a:rPr lang="en-US" dirty="0">
                 <a:solidFill>
@@ -16198,7 +16702,17 @@
                 <a:latin typeface="Courier New" pitchFamily="49" charset="0"/>
                 <a:cs typeface="Courier New" pitchFamily="49" charset="0"/>
               </a:rPr>
-              <a:t>   </a:t>
+              <a:t> 5   blocks = </a:t>
+            </a:r>
+            <a:r>
+              <a:rPr lang="en-US" dirty="0" err="1">
+                <a:solidFill>
+                  <a:prstClr val="black"/>
+                </a:solidFill>
+                <a:latin typeface="Courier New" pitchFamily="49" charset="0"/>
+                <a:cs typeface="Courier New" pitchFamily="49" charset="0"/>
+              </a:rPr>
+              <a:t>doc.createElement</a:t>
             </a:r>
             <a:r>
               <a:rPr lang="en-US" dirty="0">
@@ -16208,7 +16722,7 @@
                 <a:latin typeface="Courier New" pitchFamily="49" charset="0"/>
                 <a:cs typeface="Courier New" pitchFamily="49" charset="0"/>
               </a:rPr>
-              <a:t>doc = Document()</a:t>
+              <a:t>('blocks')</a:t>
             </a:r>
           </a:p>
           <a:p>
@@ -16220,7 +16734,17 @@
                 <a:latin typeface="Courier New" pitchFamily="49" charset="0"/>
                 <a:cs typeface="Courier New" pitchFamily="49" charset="0"/>
               </a:rPr>
-              <a:t> 5</a:t>
+              <a:t> 6   </a:t>
+            </a:r>
+            <a:r>
+              <a:rPr lang="en-US" dirty="0" err="1">
+                <a:solidFill>
+                  <a:prstClr val="black"/>
+                </a:solidFill>
+                <a:latin typeface="Courier New" pitchFamily="49" charset="0"/>
+                <a:cs typeface="Courier New" pitchFamily="49" charset="0"/>
+              </a:rPr>
+              <a:t>doc.appendChild</a:t>
             </a:r>
             <a:r>
               <a:rPr lang="en-US" dirty="0">
@@ -16230,8 +16754,10 @@
                 <a:latin typeface="Courier New" pitchFamily="49" charset="0"/>
                 <a:cs typeface="Courier New" pitchFamily="49" charset="0"/>
               </a:rPr>
-              <a:t>   </a:t>
-            </a:r>
+              <a:t>(blocks)</a:t>
+            </a:r>
+          </a:p>
+          <a:p>
             <a:r>
               <a:rPr lang="en-US" dirty="0">
                 <a:solidFill>
@@ -16240,7 +16766,7 @@
                 <a:latin typeface="Courier New" pitchFamily="49" charset="0"/>
                 <a:cs typeface="Courier New" pitchFamily="49" charset="0"/>
               </a:rPr>
-              <a:t>blocks = </a:t>
+              <a:t> 7   for </a:t>
             </a:r>
             <a:r>
               <a:rPr lang="en-US" dirty="0" err="1">
@@ -16250,6 +16776,58 @@
                 <a:latin typeface="Courier New" pitchFamily="49" charset="0"/>
                 <a:cs typeface="Courier New" pitchFamily="49" charset="0"/>
               </a:rPr>
+              <a:t>block_nr</a:t>
+            </a:r>
+            <a:r>
+              <a:rPr lang="en-US" dirty="0">
+                <a:solidFill>
+                  <a:prstClr val="black"/>
+                </a:solidFill>
+                <a:latin typeface="Courier New" pitchFamily="49" charset="0"/>
+                <a:cs typeface="Courier New" pitchFamily="49" charset="0"/>
+              </a:rPr>
+              <a:t> in range(1, </a:t>
+            </a:r>
+            <a:r>
+              <a:rPr lang="en-US" dirty="0" err="1">
+                <a:solidFill>
+                  <a:prstClr val="black"/>
+                </a:solidFill>
+                <a:latin typeface="Courier New" pitchFamily="49" charset="0"/>
+                <a:cs typeface="Courier New" pitchFamily="49" charset="0"/>
+              </a:rPr>
+              <a:t>nr_blocks</a:t>
+            </a:r>
+            <a:r>
+              <a:rPr lang="en-US" dirty="0">
+                <a:solidFill>
+                  <a:prstClr val="black"/>
+                </a:solidFill>
+                <a:latin typeface="Courier New" pitchFamily="49" charset="0"/>
+                <a:cs typeface="Courier New" pitchFamily="49" charset="0"/>
+              </a:rPr>
+              <a:t> + 1):</a:t>
+            </a:r>
+          </a:p>
+          <a:p>
+            <a:r>
+              <a:rPr lang="en-US" dirty="0">
+                <a:solidFill>
+                  <a:prstClr val="black"/>
+                </a:solidFill>
+                <a:latin typeface="Courier New" pitchFamily="49" charset="0"/>
+                <a:cs typeface="Courier New" pitchFamily="49" charset="0"/>
+              </a:rPr>
+              <a:t> 8       block = </a:t>
+            </a:r>
+            <a:r>
+              <a:rPr lang="en-US" dirty="0" err="1">
+                <a:solidFill>
+                  <a:prstClr val="black"/>
+                </a:solidFill>
+                <a:latin typeface="Courier New" pitchFamily="49" charset="0"/>
+                <a:cs typeface="Courier New" pitchFamily="49" charset="0"/>
+              </a:rPr>
               <a:t>doc.createElement</a:t>
             </a:r>
             <a:r>
@@ -16260,7 +16838,7 @@
                 <a:latin typeface="Courier New" pitchFamily="49" charset="0"/>
                 <a:cs typeface="Courier New" pitchFamily="49" charset="0"/>
               </a:rPr>
-              <a:t>('blocks')</a:t>
+              <a:t>('block')</a:t>
             </a:r>
           </a:p>
           <a:p>
@@ -16272,7 +16850,17 @@
                 <a:latin typeface="Courier New" pitchFamily="49" charset="0"/>
                 <a:cs typeface="Courier New" pitchFamily="49" charset="0"/>
               </a:rPr>
-              <a:t> 6</a:t>
+              <a:t> 9       </a:t>
+            </a:r>
+            <a:r>
+              <a:rPr lang="en-US" dirty="0" err="1">
+                <a:solidFill>
+                  <a:prstClr val="black"/>
+                </a:solidFill>
+                <a:latin typeface="Courier New" pitchFamily="49" charset="0"/>
+                <a:cs typeface="Courier New" pitchFamily="49" charset="0"/>
+              </a:rPr>
+              <a:t>block_name</a:t>
             </a:r>
             <a:r>
               <a:rPr lang="en-US" dirty="0">
@@ -16282,7 +16870,7 @@
                 <a:latin typeface="Courier New" pitchFamily="49" charset="0"/>
                 <a:cs typeface="Courier New" pitchFamily="49" charset="0"/>
               </a:rPr>
-              <a:t>   </a:t>
+              <a:t> = 'block_{0:02d}'.format(</a:t>
             </a:r>
             <a:r>
               <a:rPr lang="en-US" dirty="0" err="1">
@@ -16292,7 +16880,7 @@
                 <a:latin typeface="Courier New" pitchFamily="49" charset="0"/>
                 <a:cs typeface="Courier New" pitchFamily="49" charset="0"/>
               </a:rPr>
-              <a:t>doc.appendChild</a:t>
+              <a:t>block_nr</a:t>
             </a:r>
             <a:r>
               <a:rPr lang="en-US" dirty="0">
@@ -16302,7 +16890,7 @@
                 <a:latin typeface="Courier New" pitchFamily="49" charset="0"/>
                 <a:cs typeface="Courier New" pitchFamily="49" charset="0"/>
               </a:rPr>
-              <a:t>(blocks)</a:t>
+              <a:t>)</a:t>
             </a:r>
           </a:p>
           <a:p>
@@ -16314,7 +16902,17 @@
                 <a:latin typeface="Courier New" pitchFamily="49" charset="0"/>
                 <a:cs typeface="Courier New" pitchFamily="49" charset="0"/>
               </a:rPr>
-              <a:t> 7</a:t>
+              <a:t>10       </a:t>
+            </a:r>
+            <a:r>
+              <a:rPr lang="en-US" dirty="0" err="1">
+                <a:solidFill>
+                  <a:prstClr val="black"/>
+                </a:solidFill>
+                <a:latin typeface="Courier New" pitchFamily="49" charset="0"/>
+                <a:cs typeface="Courier New" pitchFamily="49" charset="0"/>
+              </a:rPr>
+              <a:t>block.setAttribute</a:t>
             </a:r>
             <a:r>
               <a:rPr lang="en-US" dirty="0">
@@ -16324,7 +16922,17 @@
                 <a:latin typeface="Courier New" pitchFamily="49" charset="0"/>
                 <a:cs typeface="Courier New" pitchFamily="49" charset="0"/>
               </a:rPr>
-              <a:t>   </a:t>
+              <a:t>('name', </a:t>
+            </a:r>
+            <a:r>
+              <a:rPr lang="en-US" dirty="0" err="1">
+                <a:solidFill>
+                  <a:prstClr val="black"/>
+                </a:solidFill>
+                <a:latin typeface="Courier New" pitchFamily="49" charset="0"/>
+                <a:cs typeface="Courier New" pitchFamily="49" charset="0"/>
+              </a:rPr>
+              <a:t>block_name</a:t>
             </a:r>
             <a:r>
               <a:rPr lang="en-US" dirty="0">
@@ -16334,7 +16942,19 @@
                 <a:latin typeface="Courier New" pitchFamily="49" charset="0"/>
                 <a:cs typeface="Courier New" pitchFamily="49" charset="0"/>
               </a:rPr>
-              <a:t>for </a:t>
+              <a:t>)</a:t>
+            </a:r>
+          </a:p>
+          <a:p>
+            <a:r>
+              <a:rPr lang="en-US" dirty="0">
+                <a:solidFill>
+                  <a:prstClr val="black"/>
+                </a:solidFill>
+                <a:latin typeface="Courier New" pitchFamily="49" charset="0"/>
+                <a:cs typeface="Courier New" pitchFamily="49" charset="0"/>
+              </a:rPr>
+              <a:t>11       </a:t>
             </a:r>
             <a:r>
               <a:rPr lang="en-US" dirty="0" err="1">
@@ -16344,6 +16964,142 @@
                 <a:latin typeface="Courier New" pitchFamily="49" charset="0"/>
                 <a:cs typeface="Courier New" pitchFamily="49" charset="0"/>
               </a:rPr>
+              <a:t>blocks.appendChild</a:t>
+            </a:r>
+            <a:r>
+              <a:rPr lang="en-US" dirty="0">
+                <a:solidFill>
+                  <a:prstClr val="black"/>
+                </a:solidFill>
+                <a:latin typeface="Courier New" pitchFamily="49" charset="0"/>
+                <a:cs typeface="Courier New" pitchFamily="49" charset="0"/>
+              </a:rPr>
+              <a:t>(block)</a:t>
+            </a:r>
+          </a:p>
+          <a:p>
+            <a:r>
+              <a:rPr lang="en-US" dirty="0">
+                <a:solidFill>
+                  <a:prstClr val="black"/>
+                </a:solidFill>
+                <a:latin typeface="Courier New" pitchFamily="49" charset="0"/>
+                <a:cs typeface="Courier New" pitchFamily="49" charset="0"/>
+              </a:rPr>
+              <a:t>12       for </a:t>
+            </a:r>
+            <a:r>
+              <a:rPr lang="en-US" dirty="0" err="1">
+                <a:solidFill>
+                  <a:prstClr val="black"/>
+                </a:solidFill>
+                <a:latin typeface="Courier New" pitchFamily="49" charset="0"/>
+                <a:cs typeface="Courier New" pitchFamily="49" charset="0"/>
+              </a:rPr>
+              <a:t>item_nr</a:t>
+            </a:r>
+            <a:r>
+              <a:rPr lang="en-US" dirty="0">
+                <a:solidFill>
+                  <a:prstClr val="black"/>
+                </a:solidFill>
+                <a:latin typeface="Courier New" pitchFamily="49" charset="0"/>
+                <a:cs typeface="Courier New" pitchFamily="49" charset="0"/>
+              </a:rPr>
+              <a:t> in range(0, </a:t>
+            </a:r>
+            <a:r>
+              <a:rPr lang="en-US" dirty="0" err="1">
+                <a:solidFill>
+                  <a:prstClr val="black"/>
+                </a:solidFill>
+                <a:latin typeface="Courier New" pitchFamily="49" charset="0"/>
+                <a:cs typeface="Courier New" pitchFamily="49" charset="0"/>
+              </a:rPr>
+              <a:t>nr_items</a:t>
+            </a:r>
+            <a:r>
+              <a:rPr lang="en-US" dirty="0">
+                <a:solidFill>
+                  <a:prstClr val="black"/>
+                </a:solidFill>
+                <a:latin typeface="Courier New" pitchFamily="49" charset="0"/>
+                <a:cs typeface="Courier New" pitchFamily="49" charset="0"/>
+              </a:rPr>
+              <a:t>):</a:t>
+            </a:r>
+          </a:p>
+          <a:p>
+            <a:r>
+              <a:rPr lang="en-US" dirty="0">
+                <a:solidFill>
+                  <a:prstClr val="black"/>
+                </a:solidFill>
+                <a:latin typeface="Courier New" pitchFamily="49" charset="0"/>
+                <a:cs typeface="Courier New" pitchFamily="49" charset="0"/>
+              </a:rPr>
+              <a:t>13           item = </a:t>
+            </a:r>
+            <a:r>
+              <a:rPr lang="en-US" dirty="0" err="1">
+                <a:solidFill>
+                  <a:prstClr val="black"/>
+                </a:solidFill>
+                <a:latin typeface="Courier New" pitchFamily="49" charset="0"/>
+                <a:cs typeface="Courier New" pitchFamily="49" charset="0"/>
+              </a:rPr>
+              <a:t>doc.createElement</a:t>
+            </a:r>
+            <a:r>
+              <a:rPr lang="en-US" dirty="0">
+                <a:solidFill>
+                  <a:prstClr val="black"/>
+                </a:solidFill>
+                <a:latin typeface="Courier New" pitchFamily="49" charset="0"/>
+                <a:cs typeface="Courier New" pitchFamily="49" charset="0"/>
+              </a:rPr>
+              <a:t>('item')</a:t>
+            </a:r>
+          </a:p>
+          <a:p>
+            <a:r>
+              <a:rPr lang="en-US" dirty="0">
+                <a:solidFill>
+                  <a:prstClr val="black"/>
+                </a:solidFill>
+                <a:latin typeface="Courier New" pitchFamily="49" charset="0"/>
+                <a:cs typeface="Courier New" pitchFamily="49" charset="0"/>
+              </a:rPr>
+              <a:t>14           text = '{0}.{1}'.format(</a:t>
+            </a:r>
+            <a:r>
+              <a:rPr lang="en-US" dirty="0" err="1">
+                <a:solidFill>
+                  <a:prstClr val="black"/>
+                </a:solidFill>
+                <a:latin typeface="Courier New" pitchFamily="49" charset="0"/>
+                <a:cs typeface="Courier New" pitchFamily="49" charset="0"/>
+              </a:rPr>
+              <a:t>item_nr</a:t>
+            </a:r>
+            <a:r>
+              <a:rPr lang="en-US" dirty="0">
+                <a:solidFill>
+                  <a:prstClr val="black"/>
+                </a:solidFill>
+                <a:latin typeface="Courier New" pitchFamily="49" charset="0"/>
+                <a:cs typeface="Courier New" pitchFamily="49" charset="0"/>
+              </a:rPr>
+              <a:t>, </a:t>
+            </a:r>
+            <a:r>
+              <a:rPr lang="en-US" dirty="0" err="1">
+                <a:solidFill>
+                  <a:prstClr val="black"/>
+                </a:solidFill>
+                <a:latin typeface="Courier New" pitchFamily="49" charset="0"/>
+                <a:cs typeface="Courier New" pitchFamily="49" charset="0"/>
+              </a:rPr>
               <a:t>block_nr</a:t>
             </a:r>
             <a:r>
@@ -16354,7 +17110,19 @@
                 <a:latin typeface="Courier New" pitchFamily="49" charset="0"/>
                 <a:cs typeface="Courier New" pitchFamily="49" charset="0"/>
               </a:rPr>
-              <a:t> in range(1, </a:t>
+              <a:t>)</a:t>
+            </a:r>
+          </a:p>
+          <a:p>
+            <a:r>
+              <a:rPr lang="en-US" dirty="0">
+                <a:solidFill>
+                  <a:prstClr val="black"/>
+                </a:solidFill>
+                <a:latin typeface="Courier New" pitchFamily="49" charset="0"/>
+                <a:cs typeface="Courier New" pitchFamily="49" charset="0"/>
+              </a:rPr>
+              <a:t>15           </a:t>
             </a:r>
             <a:r>
               <a:rPr lang="en-US" dirty="0" err="1">
@@ -16364,7 +17132,7 @@
                 <a:latin typeface="Courier New" pitchFamily="49" charset="0"/>
                 <a:cs typeface="Courier New" pitchFamily="49" charset="0"/>
               </a:rPr>
-              <a:t>nr_blocks</a:t>
+              <a:t>text_node</a:t>
             </a:r>
             <a:r>
               <a:rPr lang="en-US" dirty="0">
@@ -16374,7 +17142,17 @@
                 <a:latin typeface="Courier New" pitchFamily="49" charset="0"/>
                 <a:cs typeface="Courier New" pitchFamily="49" charset="0"/>
               </a:rPr>
-              <a:t> </a:t>
+              <a:t> = </a:t>
+            </a:r>
+            <a:r>
+              <a:rPr lang="en-US" dirty="0" err="1">
+                <a:solidFill>
+                  <a:prstClr val="black"/>
+                </a:solidFill>
+                <a:latin typeface="Courier New" pitchFamily="49" charset="0"/>
+                <a:cs typeface="Courier New" pitchFamily="49" charset="0"/>
+              </a:rPr>
+              <a:t>doc.createTextNode</a:t>
             </a:r>
             <a:r>
               <a:rPr lang="en-US" dirty="0">
@@ -16384,7 +17162,7 @@
                 <a:latin typeface="Courier New" pitchFamily="49" charset="0"/>
                 <a:cs typeface="Courier New" pitchFamily="49" charset="0"/>
               </a:rPr>
-              <a:t>+ 1):</a:t>
+              <a:t>(text)</a:t>
             </a:r>
           </a:p>
           <a:p>
@@ -16396,7 +17174,17 @@
                 <a:latin typeface="Courier New" pitchFamily="49" charset="0"/>
                 <a:cs typeface="Courier New" pitchFamily="49" charset="0"/>
               </a:rPr>
-              <a:t> 8</a:t>
+              <a:t>16           </a:t>
+            </a:r>
+            <a:r>
+              <a:rPr lang="en-US" dirty="0" err="1">
+                <a:solidFill>
+                  <a:prstClr val="black"/>
+                </a:solidFill>
+                <a:latin typeface="Courier New" pitchFamily="49" charset="0"/>
+                <a:cs typeface="Courier New" pitchFamily="49" charset="0"/>
+              </a:rPr>
+              <a:t>item.appendChild</a:t>
             </a:r>
             <a:r>
               <a:rPr lang="en-US" dirty="0">
@@ -16406,7 +17194,17 @@
                 <a:latin typeface="Courier New" pitchFamily="49" charset="0"/>
                 <a:cs typeface="Courier New" pitchFamily="49" charset="0"/>
               </a:rPr>
-              <a:t>       </a:t>
+              <a:t>(</a:t>
+            </a:r>
+            <a:r>
+              <a:rPr lang="en-US" dirty="0" err="1">
+                <a:solidFill>
+                  <a:prstClr val="black"/>
+                </a:solidFill>
+                <a:latin typeface="Courier New" pitchFamily="49" charset="0"/>
+                <a:cs typeface="Courier New" pitchFamily="49" charset="0"/>
+              </a:rPr>
+              <a:t>text_node</a:t>
             </a:r>
             <a:r>
               <a:rPr lang="en-US" dirty="0">
@@ -16416,7 +17214,19 @@
                 <a:latin typeface="Courier New" pitchFamily="49" charset="0"/>
                 <a:cs typeface="Courier New" pitchFamily="49" charset="0"/>
               </a:rPr>
-              <a:t>block = </a:t>
+              <a:t>)</a:t>
+            </a:r>
+          </a:p>
+          <a:p>
+            <a:r>
+              <a:rPr lang="en-US" dirty="0">
+                <a:solidFill>
+                  <a:prstClr val="black"/>
+                </a:solidFill>
+                <a:latin typeface="Courier New" pitchFamily="49" charset="0"/>
+                <a:cs typeface="Courier New" pitchFamily="49" charset="0"/>
+              </a:rPr>
+              <a:t>17           </a:t>
             </a:r>
             <a:r>
               <a:rPr lang="en-US" dirty="0" err="1">
@@ -16426,7 +17236,7 @@
                 <a:latin typeface="Courier New" pitchFamily="49" charset="0"/>
                 <a:cs typeface="Courier New" pitchFamily="49" charset="0"/>
               </a:rPr>
-              <a:t>doc.createElement</a:t>
+              <a:t>block.appendChild</a:t>
             </a:r>
             <a:r>
               <a:rPr lang="en-US" dirty="0">
@@ -16436,8 +17246,10 @@
                 <a:latin typeface="Courier New" pitchFamily="49" charset="0"/>
                 <a:cs typeface="Courier New" pitchFamily="49" charset="0"/>
               </a:rPr>
-              <a:t>('block</a:t>
-            </a:r>
+              <a:t>(item)</a:t>
+            </a:r>
+          </a:p>
+          <a:p>
             <a:r>
               <a:rPr lang="en-US" dirty="0">
                 <a:solidFill>
@@ -16446,10 +17258,18 @@
                 <a:latin typeface="Courier New" pitchFamily="49" charset="0"/>
                 <a:cs typeface="Courier New" pitchFamily="49" charset="0"/>
               </a:rPr>
-              <a:t>')</a:t>
-            </a:r>
-          </a:p>
-          <a:p>
+              <a:t>18   print(</a:t>
+            </a:r>
+            <a:r>
+              <a:rPr lang="en-US" dirty="0" err="1">
+                <a:solidFill>
+                  <a:prstClr val="black"/>
+                </a:solidFill>
+                <a:latin typeface="Courier New" pitchFamily="49" charset="0"/>
+                <a:cs typeface="Courier New" pitchFamily="49" charset="0"/>
+              </a:rPr>
+              <a:t>doc.toprettyxml</a:t>
+            </a:r>
             <a:r>
               <a:rPr lang="en-US" dirty="0">
                 <a:solidFill>
@@ -16458,564 +17278,8 @@
                 <a:latin typeface="Courier New" pitchFamily="49" charset="0"/>
                 <a:cs typeface="Courier New" pitchFamily="49" charset="0"/>
               </a:rPr>
-              <a:t> 9</a:t>
-            </a:r>
-            <a:r>
-              <a:rPr lang="en-US" dirty="0">
-                <a:solidFill>
-                  <a:prstClr val="black"/>
-                </a:solidFill>
-                <a:latin typeface="Courier New" pitchFamily="49" charset="0"/>
-                <a:cs typeface="Courier New" pitchFamily="49" charset="0"/>
-              </a:rPr>
-              <a:t>       </a:t>
-            </a:r>
-            <a:r>
-              <a:rPr lang="en-US" dirty="0" err="1">
-                <a:solidFill>
-                  <a:prstClr val="black"/>
-                </a:solidFill>
-                <a:latin typeface="Courier New" pitchFamily="49" charset="0"/>
-                <a:cs typeface="Courier New" pitchFamily="49" charset="0"/>
-              </a:rPr>
-              <a:t>block_name</a:t>
-            </a:r>
-            <a:r>
-              <a:rPr lang="en-US" dirty="0">
-                <a:solidFill>
-                  <a:prstClr val="black"/>
-                </a:solidFill>
-                <a:latin typeface="Courier New" pitchFamily="49" charset="0"/>
-                <a:cs typeface="Courier New" pitchFamily="49" charset="0"/>
-              </a:rPr>
-              <a:t> = </a:t>
-            </a:r>
-            <a:r>
-              <a:rPr lang="en-US" dirty="0">
-                <a:solidFill>
-                  <a:prstClr val="black"/>
-                </a:solidFill>
-                <a:latin typeface="Courier New" pitchFamily="49" charset="0"/>
-                <a:cs typeface="Courier New" pitchFamily="49" charset="0"/>
-              </a:rPr>
-              <a:t>'block_{0:02d}'.format(</a:t>
-            </a:r>
-            <a:r>
-              <a:rPr lang="en-US" dirty="0" err="1">
-                <a:solidFill>
-                  <a:prstClr val="black"/>
-                </a:solidFill>
-                <a:latin typeface="Courier New" pitchFamily="49" charset="0"/>
-                <a:cs typeface="Courier New" pitchFamily="49" charset="0"/>
-              </a:rPr>
-              <a:t>block_nr</a:t>
-            </a:r>
-            <a:r>
-              <a:rPr lang="en-US" dirty="0">
-                <a:solidFill>
-                  <a:prstClr val="black"/>
-                </a:solidFill>
-                <a:latin typeface="Courier New" pitchFamily="49" charset="0"/>
-                <a:cs typeface="Courier New" pitchFamily="49" charset="0"/>
-              </a:rPr>
-              <a:t>)</a:t>
-            </a:r>
-          </a:p>
-          <a:p>
-            <a:r>
-              <a:rPr lang="en-US" dirty="0">
-                <a:solidFill>
-                  <a:prstClr val="black"/>
-                </a:solidFill>
-                <a:latin typeface="Courier New" pitchFamily="49" charset="0"/>
-                <a:cs typeface="Courier New" pitchFamily="49" charset="0"/>
-              </a:rPr>
-              <a:t>10       </a:t>
-            </a:r>
-            <a:r>
-              <a:rPr lang="en-US" dirty="0" err="1">
-                <a:solidFill>
-                  <a:prstClr val="black"/>
-                </a:solidFill>
-                <a:latin typeface="Courier New" pitchFamily="49" charset="0"/>
-                <a:cs typeface="Courier New" pitchFamily="49" charset="0"/>
-              </a:rPr>
-              <a:t>block.setAttribute</a:t>
-            </a:r>
-            <a:r>
-              <a:rPr lang="en-US" dirty="0">
-                <a:solidFill>
-                  <a:prstClr val="black"/>
-                </a:solidFill>
-                <a:latin typeface="Courier New" pitchFamily="49" charset="0"/>
-                <a:cs typeface="Courier New" pitchFamily="49" charset="0"/>
-              </a:rPr>
-              <a:t>('name', </a:t>
-            </a:r>
-            <a:r>
-              <a:rPr lang="en-US" dirty="0" err="1">
-                <a:solidFill>
-                  <a:prstClr val="black"/>
-                </a:solidFill>
-                <a:latin typeface="Courier New" pitchFamily="49" charset="0"/>
-                <a:cs typeface="Courier New" pitchFamily="49" charset="0"/>
-              </a:rPr>
-              <a:t>block_name</a:t>
-            </a:r>
-            <a:r>
-              <a:rPr lang="en-US" dirty="0">
-                <a:solidFill>
-                  <a:prstClr val="black"/>
-                </a:solidFill>
-                <a:latin typeface="Courier New" pitchFamily="49" charset="0"/>
-                <a:cs typeface="Courier New" pitchFamily="49" charset="0"/>
-              </a:rPr>
-              <a:t>)</a:t>
-            </a:r>
-            <a:endParaRPr lang="en-US" dirty="0">
-              <a:solidFill>
-                <a:prstClr val="black"/>
-              </a:solidFill>
-              <a:latin typeface="Courier New" pitchFamily="49" charset="0"/>
-              <a:cs typeface="Courier New" pitchFamily="49" charset="0"/>
-            </a:endParaRPr>
-          </a:p>
-          <a:p>
-            <a:r>
-              <a:rPr lang="en-US" dirty="0">
-                <a:solidFill>
-                  <a:prstClr val="black"/>
-                </a:solidFill>
-                <a:latin typeface="Courier New" pitchFamily="49" charset="0"/>
-                <a:cs typeface="Courier New" pitchFamily="49" charset="0"/>
-              </a:rPr>
-              <a:t>11       </a:t>
-            </a:r>
-            <a:r>
-              <a:rPr lang="en-US" dirty="0" err="1">
-                <a:solidFill>
-                  <a:prstClr val="black"/>
-                </a:solidFill>
-                <a:latin typeface="Courier New" pitchFamily="49" charset="0"/>
-                <a:cs typeface="Courier New" pitchFamily="49" charset="0"/>
-              </a:rPr>
-              <a:t>blocks.appendChild</a:t>
-            </a:r>
-            <a:r>
-              <a:rPr lang="en-US" dirty="0">
-                <a:solidFill>
-                  <a:prstClr val="black"/>
-                </a:solidFill>
-                <a:latin typeface="Courier New" pitchFamily="49" charset="0"/>
-                <a:cs typeface="Courier New" pitchFamily="49" charset="0"/>
-              </a:rPr>
-              <a:t>(block)</a:t>
-            </a:r>
-          </a:p>
-          <a:p>
-            <a:r>
-              <a:rPr lang="en-US" dirty="0">
-                <a:solidFill>
-                  <a:prstClr val="black"/>
-                </a:solidFill>
-                <a:latin typeface="Courier New" pitchFamily="49" charset="0"/>
-                <a:cs typeface="Courier New" pitchFamily="49" charset="0"/>
-              </a:rPr>
-              <a:t>12       </a:t>
-            </a:r>
-            <a:r>
-              <a:rPr lang="en-US" dirty="0">
-                <a:solidFill>
-                  <a:prstClr val="black"/>
-                </a:solidFill>
-                <a:latin typeface="Courier New" pitchFamily="49" charset="0"/>
-                <a:cs typeface="Courier New" pitchFamily="49" charset="0"/>
-              </a:rPr>
-              <a:t>for </a:t>
-            </a:r>
-            <a:r>
-              <a:rPr lang="en-US" dirty="0" err="1">
-                <a:solidFill>
-                  <a:prstClr val="black"/>
-                </a:solidFill>
-                <a:latin typeface="Courier New" pitchFamily="49" charset="0"/>
-                <a:cs typeface="Courier New" pitchFamily="49" charset="0"/>
-              </a:rPr>
-              <a:t>item_nr</a:t>
-            </a:r>
-            <a:r>
-              <a:rPr lang="en-US" dirty="0">
-                <a:solidFill>
-                  <a:prstClr val="black"/>
-                </a:solidFill>
-                <a:latin typeface="Courier New" pitchFamily="49" charset="0"/>
-                <a:cs typeface="Courier New" pitchFamily="49" charset="0"/>
-              </a:rPr>
-              <a:t> in range(0, </a:t>
-            </a:r>
-            <a:r>
-              <a:rPr lang="en-US" dirty="0" err="1">
-                <a:solidFill>
-                  <a:prstClr val="black"/>
-                </a:solidFill>
-                <a:latin typeface="Courier New" pitchFamily="49" charset="0"/>
-                <a:cs typeface="Courier New" pitchFamily="49" charset="0"/>
-              </a:rPr>
-              <a:t>nr_items</a:t>
-            </a:r>
-            <a:r>
-              <a:rPr lang="en-US" dirty="0">
-                <a:solidFill>
-                  <a:prstClr val="black"/>
-                </a:solidFill>
-                <a:latin typeface="Courier New" pitchFamily="49" charset="0"/>
-                <a:cs typeface="Courier New" pitchFamily="49" charset="0"/>
-              </a:rPr>
-              <a:t>):</a:t>
-            </a:r>
-          </a:p>
-          <a:p>
-            <a:r>
-              <a:rPr lang="en-US" dirty="0">
-                <a:solidFill>
-                  <a:prstClr val="black"/>
-                </a:solidFill>
-                <a:latin typeface="Courier New" pitchFamily="49" charset="0"/>
-                <a:cs typeface="Courier New" pitchFamily="49" charset="0"/>
-              </a:rPr>
-              <a:t>13           item </a:t>
-            </a:r>
-            <a:r>
-              <a:rPr lang="en-US" dirty="0">
-                <a:solidFill>
-                  <a:prstClr val="black"/>
-                </a:solidFill>
-                <a:latin typeface="Courier New" pitchFamily="49" charset="0"/>
-                <a:cs typeface="Courier New" pitchFamily="49" charset="0"/>
-              </a:rPr>
-              <a:t>= </a:t>
-            </a:r>
-            <a:r>
-              <a:rPr lang="en-US" dirty="0" err="1">
-                <a:solidFill>
-                  <a:prstClr val="black"/>
-                </a:solidFill>
-                <a:latin typeface="Courier New" pitchFamily="49" charset="0"/>
-                <a:cs typeface="Courier New" pitchFamily="49" charset="0"/>
-              </a:rPr>
-              <a:t>doc.createElement</a:t>
-            </a:r>
-            <a:r>
-              <a:rPr lang="en-US" dirty="0">
-                <a:solidFill>
-                  <a:prstClr val="black"/>
-                </a:solidFill>
-                <a:latin typeface="Courier New" pitchFamily="49" charset="0"/>
-                <a:cs typeface="Courier New" pitchFamily="49" charset="0"/>
-              </a:rPr>
-              <a:t>('item</a:t>
-            </a:r>
-            <a:r>
-              <a:rPr lang="en-US" dirty="0">
-                <a:solidFill>
-                  <a:prstClr val="black"/>
-                </a:solidFill>
-                <a:latin typeface="Courier New" pitchFamily="49" charset="0"/>
-                <a:cs typeface="Courier New" pitchFamily="49" charset="0"/>
-              </a:rPr>
-              <a:t>')</a:t>
-            </a:r>
-          </a:p>
-          <a:p>
-            <a:r>
-              <a:rPr lang="en-US" dirty="0">
-                <a:solidFill>
-                  <a:prstClr val="black"/>
-                </a:solidFill>
-                <a:latin typeface="Courier New" pitchFamily="49" charset="0"/>
-                <a:cs typeface="Courier New" pitchFamily="49" charset="0"/>
-              </a:rPr>
-              <a:t>14           text = </a:t>
-            </a:r>
-            <a:r>
-              <a:rPr lang="en-US" dirty="0">
-                <a:solidFill>
-                  <a:prstClr val="black"/>
-                </a:solidFill>
-                <a:latin typeface="Courier New" pitchFamily="49" charset="0"/>
-                <a:cs typeface="Courier New" pitchFamily="49" charset="0"/>
-              </a:rPr>
-              <a:t>'{0}.{1}'.format(</a:t>
-            </a:r>
-            <a:r>
-              <a:rPr lang="en-US" dirty="0" err="1">
-                <a:solidFill>
-                  <a:prstClr val="black"/>
-                </a:solidFill>
-                <a:latin typeface="Courier New" pitchFamily="49" charset="0"/>
-                <a:cs typeface="Courier New" pitchFamily="49" charset="0"/>
-              </a:rPr>
-              <a:t>item_nr</a:t>
-            </a:r>
-            <a:r>
-              <a:rPr lang="en-US" dirty="0">
-                <a:solidFill>
-                  <a:prstClr val="black"/>
-                </a:solidFill>
-                <a:latin typeface="Courier New" pitchFamily="49" charset="0"/>
-                <a:cs typeface="Courier New" pitchFamily="49" charset="0"/>
-              </a:rPr>
-              <a:t>, </a:t>
-            </a:r>
-            <a:r>
-              <a:rPr lang="en-US" dirty="0" err="1">
-                <a:solidFill>
-                  <a:prstClr val="black"/>
-                </a:solidFill>
-                <a:latin typeface="Courier New" pitchFamily="49" charset="0"/>
-                <a:cs typeface="Courier New" pitchFamily="49" charset="0"/>
-              </a:rPr>
-              <a:t>block_nr</a:t>
-            </a:r>
-            <a:r>
-              <a:rPr lang="en-US" dirty="0">
-                <a:solidFill>
-                  <a:prstClr val="black"/>
-                </a:solidFill>
-                <a:latin typeface="Courier New" pitchFamily="49" charset="0"/>
-                <a:cs typeface="Courier New" pitchFamily="49" charset="0"/>
-              </a:rPr>
-              <a:t>)</a:t>
-            </a:r>
-          </a:p>
-          <a:p>
-            <a:r>
-              <a:rPr lang="en-US" dirty="0">
-                <a:solidFill>
-                  <a:prstClr val="black"/>
-                </a:solidFill>
-                <a:latin typeface="Courier New" pitchFamily="49" charset="0"/>
-                <a:cs typeface="Courier New" pitchFamily="49" charset="0"/>
-              </a:rPr>
-              <a:t>15           </a:t>
-            </a:r>
-            <a:r>
-              <a:rPr lang="en-US" dirty="0" err="1">
-                <a:solidFill>
-                  <a:prstClr val="black"/>
-                </a:solidFill>
-                <a:latin typeface="Courier New" pitchFamily="49" charset="0"/>
-                <a:cs typeface="Courier New" pitchFamily="49" charset="0"/>
-              </a:rPr>
-              <a:t>text_node</a:t>
-            </a:r>
-            <a:r>
-              <a:rPr lang="en-US" dirty="0">
-                <a:solidFill>
-                  <a:prstClr val="black"/>
-                </a:solidFill>
-                <a:latin typeface="Courier New" pitchFamily="49" charset="0"/>
-                <a:cs typeface="Courier New" pitchFamily="49" charset="0"/>
-              </a:rPr>
-              <a:t> </a:t>
-            </a:r>
-            <a:r>
-              <a:rPr lang="en-US" dirty="0">
-                <a:solidFill>
-                  <a:prstClr val="black"/>
-                </a:solidFill>
-                <a:latin typeface="Courier New" pitchFamily="49" charset="0"/>
-                <a:cs typeface="Courier New" pitchFamily="49" charset="0"/>
-              </a:rPr>
-              <a:t>= </a:t>
-            </a:r>
-            <a:r>
-              <a:rPr lang="en-US" dirty="0" err="1">
-                <a:solidFill>
-                  <a:prstClr val="black"/>
-                </a:solidFill>
-                <a:latin typeface="Courier New" pitchFamily="49" charset="0"/>
-                <a:cs typeface="Courier New" pitchFamily="49" charset="0"/>
-              </a:rPr>
-              <a:t>doc.createTextNode</a:t>
-            </a:r>
-            <a:r>
-              <a:rPr lang="en-US" dirty="0">
-                <a:solidFill>
-                  <a:prstClr val="black"/>
-                </a:solidFill>
-                <a:latin typeface="Courier New" pitchFamily="49" charset="0"/>
-                <a:cs typeface="Courier New" pitchFamily="49" charset="0"/>
-              </a:rPr>
-              <a:t>(text)</a:t>
-            </a:r>
-            <a:endParaRPr lang="en-US" dirty="0">
-              <a:solidFill>
-                <a:prstClr val="black"/>
-              </a:solidFill>
-              <a:latin typeface="Courier New" pitchFamily="49" charset="0"/>
-              <a:cs typeface="Courier New" pitchFamily="49" charset="0"/>
-            </a:endParaRPr>
-          </a:p>
-          <a:p>
-            <a:r>
-              <a:rPr lang="en-US" dirty="0">
-                <a:solidFill>
-                  <a:prstClr val="black"/>
-                </a:solidFill>
-                <a:latin typeface="Courier New" pitchFamily="49" charset="0"/>
-                <a:cs typeface="Courier New" pitchFamily="49" charset="0"/>
-              </a:rPr>
-              <a:t>16           </a:t>
-            </a:r>
-            <a:r>
-              <a:rPr lang="en-US" dirty="0" err="1">
-                <a:solidFill>
-                  <a:prstClr val="black"/>
-                </a:solidFill>
-                <a:latin typeface="Courier New" pitchFamily="49" charset="0"/>
-                <a:cs typeface="Courier New" pitchFamily="49" charset="0"/>
-              </a:rPr>
-              <a:t>item.appendChild</a:t>
-            </a:r>
-            <a:r>
-              <a:rPr lang="en-US" dirty="0">
-                <a:solidFill>
-                  <a:prstClr val="black"/>
-                </a:solidFill>
-                <a:latin typeface="Courier New" pitchFamily="49" charset="0"/>
-                <a:cs typeface="Courier New" pitchFamily="49" charset="0"/>
-              </a:rPr>
-              <a:t>(</a:t>
-            </a:r>
-            <a:r>
-              <a:rPr lang="en-US" dirty="0" err="1">
-                <a:solidFill>
-                  <a:prstClr val="black"/>
-                </a:solidFill>
-                <a:latin typeface="Courier New" pitchFamily="49" charset="0"/>
-                <a:cs typeface="Courier New" pitchFamily="49" charset="0"/>
-              </a:rPr>
-              <a:t>text_node</a:t>
-            </a:r>
-            <a:r>
-              <a:rPr lang="en-US" dirty="0">
-                <a:solidFill>
-                  <a:prstClr val="black"/>
-                </a:solidFill>
-                <a:latin typeface="Courier New" pitchFamily="49" charset="0"/>
-                <a:cs typeface="Courier New" pitchFamily="49" charset="0"/>
-              </a:rPr>
-              <a:t>)</a:t>
-            </a:r>
-            <a:endParaRPr lang="en-US" dirty="0">
-              <a:solidFill>
-                <a:prstClr val="black"/>
-              </a:solidFill>
-              <a:latin typeface="Courier New" pitchFamily="49" charset="0"/>
-              <a:cs typeface="Courier New" pitchFamily="49" charset="0"/>
-            </a:endParaRPr>
-          </a:p>
-          <a:p>
-            <a:r>
-              <a:rPr lang="en-US" dirty="0">
-                <a:solidFill>
-                  <a:prstClr val="black"/>
-                </a:solidFill>
-                <a:latin typeface="Courier New" pitchFamily="49" charset="0"/>
-                <a:cs typeface="Courier New" pitchFamily="49" charset="0"/>
-              </a:rPr>
-              <a:t>17           </a:t>
-            </a:r>
-            <a:r>
-              <a:rPr lang="en-US" dirty="0" err="1">
-                <a:solidFill>
-                  <a:prstClr val="black"/>
-                </a:solidFill>
-                <a:latin typeface="Courier New" pitchFamily="49" charset="0"/>
-                <a:cs typeface="Courier New" pitchFamily="49" charset="0"/>
-              </a:rPr>
-              <a:t>block.appendChild</a:t>
-            </a:r>
-            <a:r>
-              <a:rPr lang="en-US" dirty="0">
-                <a:solidFill>
-                  <a:prstClr val="black"/>
-                </a:solidFill>
-                <a:latin typeface="Courier New" pitchFamily="49" charset="0"/>
-                <a:cs typeface="Courier New" pitchFamily="49" charset="0"/>
-              </a:rPr>
-              <a:t>(item</a:t>
-            </a:r>
-            <a:r>
-              <a:rPr lang="en-US" dirty="0">
-                <a:solidFill>
-                  <a:prstClr val="black"/>
-                </a:solidFill>
-                <a:latin typeface="Courier New" pitchFamily="49" charset="0"/>
-                <a:cs typeface="Courier New" pitchFamily="49" charset="0"/>
-              </a:rPr>
-              <a:t>)</a:t>
-            </a:r>
-          </a:p>
-          <a:p>
-            <a:r>
-              <a:rPr lang="en-US" dirty="0">
-                <a:solidFill>
-                  <a:prstClr val="black"/>
-                </a:solidFill>
-                <a:latin typeface="Courier New" pitchFamily="49" charset="0"/>
-                <a:cs typeface="Courier New" pitchFamily="49" charset="0"/>
-              </a:rPr>
-              <a:t>18   print(</a:t>
-            </a:r>
-            <a:r>
-              <a:rPr lang="en-US" dirty="0" err="1">
-                <a:solidFill>
-                  <a:prstClr val="black"/>
-                </a:solidFill>
-                <a:latin typeface="Courier New" pitchFamily="49" charset="0"/>
-                <a:cs typeface="Courier New" pitchFamily="49" charset="0"/>
-              </a:rPr>
-              <a:t>doc.toprettyxml</a:t>
-            </a:r>
-            <a:r>
-              <a:rPr lang="en-US" dirty="0">
-                <a:solidFill>
-                  <a:prstClr val="black"/>
-                </a:solidFill>
-                <a:latin typeface="Courier New" pitchFamily="49" charset="0"/>
-                <a:cs typeface="Courier New" pitchFamily="49" charset="0"/>
-              </a:rPr>
-              <a:t>(indent</a:t>
-            </a:r>
-            <a:r>
-              <a:rPr lang="en-US" dirty="0">
-                <a:solidFill>
-                  <a:prstClr val="black"/>
-                </a:solidFill>
-                <a:latin typeface="Courier New" pitchFamily="49" charset="0"/>
-                <a:cs typeface="Courier New" pitchFamily="49" charset="0"/>
-              </a:rPr>
-              <a:t>='  </a:t>
-            </a:r>
-            <a:r>
-              <a:rPr lang="en-US" dirty="0">
-                <a:solidFill>
-                  <a:prstClr val="black"/>
-                </a:solidFill>
-                <a:latin typeface="Courier New" pitchFamily="49" charset="0"/>
-                <a:cs typeface="Courier New" pitchFamily="49" charset="0"/>
-              </a:rPr>
-              <a:t>'))</a:t>
-            </a:r>
-            <a:endParaRPr lang="en-US" dirty="0">
-              <a:solidFill>
-                <a:prstClr val="black"/>
-              </a:solidFill>
-              <a:latin typeface="Courier New" pitchFamily="49" charset="0"/>
-              <a:cs typeface="Courier New" pitchFamily="49" charset="0"/>
-            </a:endParaRPr>
+              <a:t>(indent='  '))</a:t>
+            </a:r>
           </a:p>
         </p:txBody>
       </p:sp>
@@ -17044,7 +17308,7 @@
                 <a:latin typeface="Calibri"/>
               </a:rPr>
               <a:pPr/>
-              <a:t>22</a:t>
+              <a:t>25</a:t>
             </a:fld>
             <a:endParaRPr lang="nl-BE">
               <a:solidFill>
@@ -17077,7 +17341,7 @@
 </p:sld>
 </file>
 
-<file path=ppt/slides/slide23.xml><?xml version="1.0" encoding="utf-8"?>
+<file path=ppt/slides/slide26.xml><?xml version="1.0" encoding="utf-8"?>
 <p:sld xmlns:a="http://schemas.openxmlformats.org/drawingml/2006/main" xmlns:r="http://schemas.openxmlformats.org/officeDocument/2006/relationships" xmlns:p="http://schemas.openxmlformats.org/presentationml/2006/main">
   <p:cSld>
     <p:spTree>
@@ -17145,12 +17409,19 @@
               <a:rPr lang="en-US" sz="1800" dirty="0">
                 <a:hlinkClick r:id="rId2"/>
               </a:rPr>
-              <a:t>https://github.com/gjbex/training-material/tree/master/Python/OsFileSystem</a:t>
-            </a:r>
-            <a:r>
-              <a:rPr lang="en-US" sz="1800" dirty="0"/>
+              <a:t>https://</a:t>
+            </a:r>
+            <a:r>
+              <a:rPr lang="en-US" sz="1800" dirty="0" smtClean="0">
+                <a:hlinkClick r:id="rId2"/>
+              </a:rPr>
+              <a:t>github.com/gjbex/Python-for-systems-programming/tree/master/source-code/file-system</a:t>
+            </a:r>
+            <a:r>
+              <a:rPr lang="en-US" sz="1800" dirty="0" smtClean="0"/>
               <a:t> </a:t>
             </a:r>
+            <a:endParaRPr lang="en-US" sz="1800" dirty="0"/>
           </a:p>
         </p:txBody>
       </p:sp>
@@ -17179,7 +17450,7 @@
                 <a:latin typeface="Calibri"/>
               </a:rPr>
               <a:pPr/>
-              <a:t>23</a:t>
+              <a:t>26</a:t>
             </a:fld>
             <a:endParaRPr lang="nl-BE">
               <a:solidFill>
@@ -17212,7 +17483,7 @@
 </p:sld>
 </file>
 
-<file path=ppt/slides/slide24.xml><?xml version="1.0" encoding="utf-8"?>
+<file path=ppt/slides/slide27.xml><?xml version="1.0" encoding="utf-8"?>
 <p:sld xmlns:a="http://schemas.openxmlformats.org/drawingml/2006/main" xmlns:r="http://schemas.openxmlformats.org/officeDocument/2006/relationships" xmlns:p="http://schemas.openxmlformats.org/presentationml/2006/main">
   <p:cSld>
     <p:spTree>
@@ -17992,7 +18263,7 @@
                 <a:latin typeface="Calibri"/>
               </a:rPr>
               <a:pPr/>
-              <a:t>24</a:t>
+              <a:t>27</a:t>
             </a:fld>
             <a:endParaRPr lang="nl-BE">
               <a:solidFill>
@@ -18025,7 +18296,7 @@
 </p:sld>
 </file>
 
-<file path=ppt/slides/slide25.xml><?xml version="1.0" encoding="utf-8"?>
+<file path=ppt/slides/slide28.xml><?xml version="1.0" encoding="utf-8"?>
 <p:sld xmlns:a="http://schemas.openxmlformats.org/drawingml/2006/main" xmlns:r="http://schemas.openxmlformats.org/officeDocument/2006/relationships" xmlns:p="http://schemas.openxmlformats.org/presentationml/2006/main">
   <p:cSld>
     <p:spTree>
@@ -19126,7 +19397,7 @@
                 <a:latin typeface="Calibri"/>
               </a:rPr>
               <a:pPr/>
-              <a:t>25</a:t>
+              <a:t>28</a:t>
             </a:fld>
             <a:endParaRPr lang="nl-BE">
               <a:solidFill>
@@ -19276,7 +19547,7 @@
 </p:sld>
 </file>
 
-<file path=ppt/slides/slide26.xml><?xml version="1.0" encoding="utf-8"?>
+<file path=ppt/slides/slide29.xml><?xml version="1.0" encoding="utf-8"?>
 <p:sld xmlns:a="http://schemas.openxmlformats.org/drawingml/2006/main" xmlns:r="http://schemas.openxmlformats.org/officeDocument/2006/relationships" xmlns:p="http://schemas.openxmlformats.org/presentationml/2006/main">
   <p:cSld>
     <p:spTree>
@@ -19846,7 +20117,7 @@
                 <a:latin typeface="Calibri"/>
               </a:rPr>
               <a:pPr/>
-              <a:t>26</a:t>
+              <a:t>29</a:t>
             </a:fld>
             <a:endParaRPr lang="nl-BE">
               <a:solidFill>
@@ -20444,7 +20715,7 @@
 </p:sld>
 </file>
 
-<file path=ppt/slides/slide27.xml><?xml version="1.0" encoding="utf-8"?>
+<file path=ppt/slides/slide3.xml><?xml version="1.0" encoding="utf-8"?>
 <p:sld xmlns:a="http://schemas.openxmlformats.org/drawingml/2006/main" xmlns:r="http://schemas.openxmlformats.org/officeDocument/2006/relationships" xmlns:p="http://schemas.openxmlformats.org/presentationml/2006/main">
   <p:cSld>
     <p:spTree>
@@ -20478,6 +20749,766 @@
           <a:p>
             <a:r>
               <a:rPr lang="en-US" dirty="0" smtClean="0"/>
+              <a:t>Typographical conventions I</a:t>
+            </a:r>
+            <a:endParaRPr lang="nl-BE" dirty="0"/>
+          </a:p>
+        </p:txBody>
+      </p:sp>
+      <p:sp>
+        <p:nvSpPr>
+          <p:cNvPr id="3" name="Content Placeholder 2"/>
+          <p:cNvSpPr>
+            <a:spLocks noGrp="1"/>
+          </p:cNvSpPr>
+          <p:nvPr>
+            <p:ph idx="1"/>
+          </p:nvPr>
+        </p:nvSpPr>
+        <p:spPr/>
+        <p:txBody>
+          <a:bodyPr/>
+          <a:lstStyle/>
+          <a:p>
+            <a:r>
+              <a:rPr lang="en-US" dirty="0" smtClean="0"/>
+              <a:t>Shell commands are rendered as</a:t>
+            </a:r>
+          </a:p>
+          <a:p>
+            <a:endParaRPr lang="en-US" dirty="0"/>
+          </a:p>
+          <a:p>
+            <a:pPr lvl="1"/>
+            <a:r>
+              <a:rPr lang="en-US" dirty="0" smtClean="0"/>
+              <a:t>Do </a:t>
+            </a:r>
+            <a:r>
+              <a:rPr lang="en-US" i="1" dirty="0" smtClean="0"/>
+              <a:t>not</a:t>
+            </a:r>
+            <a:r>
+              <a:rPr lang="en-US" dirty="0" smtClean="0"/>
+              <a:t> type </a:t>
+            </a:r>
+            <a:r>
+              <a:rPr lang="en-US" dirty="0" smtClean="0">
+                <a:latin typeface="Courier New" pitchFamily="49" charset="0"/>
+                <a:cs typeface="Courier New" pitchFamily="49" charset="0"/>
+              </a:rPr>
+              <a:t>$</a:t>
+            </a:r>
+            <a:r>
+              <a:rPr lang="en-US" dirty="0" smtClean="0"/>
+              <a:t>, it represents your shell prompt!</a:t>
+            </a:r>
+          </a:p>
+          <a:p>
+            <a:r>
+              <a:rPr lang="en-US" dirty="0" smtClean="0"/>
+              <a:t>Python shell commands are rendered as</a:t>
+            </a:r>
+          </a:p>
+          <a:p>
+            <a:endParaRPr lang="en-US" dirty="0" smtClean="0"/>
+          </a:p>
+          <a:p>
+            <a:pPr lvl="1"/>
+            <a:r>
+              <a:rPr lang="en-US" dirty="0" smtClean="0"/>
+              <a:t>Do </a:t>
+            </a:r>
+            <a:r>
+              <a:rPr lang="en-US" i="1" dirty="0" smtClean="0"/>
+              <a:t>not</a:t>
+            </a:r>
+            <a:r>
+              <a:rPr lang="en-US" dirty="0" smtClean="0"/>
+              <a:t> type </a:t>
+            </a:r>
+            <a:r>
+              <a:rPr lang="en-US" dirty="0">
+                <a:latin typeface="Courier New" panose="02070309020205020404" pitchFamily="49" charset="0"/>
+                <a:cs typeface="Courier New" panose="02070309020205020404" pitchFamily="49" charset="0"/>
+              </a:rPr>
+              <a:t>&gt;&gt;&gt;</a:t>
+            </a:r>
+            <a:r>
+              <a:rPr lang="en-US" dirty="0" smtClean="0"/>
+              <a:t>, it represents the prompt!</a:t>
+            </a:r>
+          </a:p>
+          <a:p>
+            <a:r>
+              <a:rPr lang="en-US" dirty="0" err="1" smtClean="0"/>
+              <a:t>iPython</a:t>
+            </a:r>
+            <a:r>
+              <a:rPr lang="en-US" dirty="0" smtClean="0"/>
+              <a:t> interpreter is rendered as</a:t>
+            </a:r>
+          </a:p>
+        </p:txBody>
+      </p:sp>
+      <p:sp>
+        <p:nvSpPr>
+          <p:cNvPr id="4" name="TextBox 3"/>
+          <p:cNvSpPr txBox="1"/>
+          <p:nvPr/>
+        </p:nvSpPr>
+        <p:spPr>
+          <a:xfrm>
+            <a:off x="2855641" y="2321241"/>
+            <a:ext cx="5423280" cy="369332"/>
+          </a:xfrm>
+          <a:prstGeom prst="rect">
+            <a:avLst/>
+          </a:prstGeom>
+          <a:solidFill>
+            <a:schemeClr val="tx1"/>
+          </a:solidFill>
+          <a:ln>
+            <a:solidFill>
+              <a:schemeClr val="tx1"/>
+            </a:solidFill>
+          </a:ln>
+        </p:spPr>
+        <p:txBody>
+          <a:bodyPr wrap="none" rtlCol="0">
+            <a:spAutoFit/>
+          </a:bodyPr>
+          <a:lstStyle/>
+          <a:p>
+            <a:r>
+              <a:rPr lang="en-US" b="1" dirty="0">
+                <a:solidFill>
+                  <a:schemeClr val="bg1"/>
+                </a:solidFill>
+                <a:latin typeface="Courier New" pitchFamily="49" charset="0"/>
+                <a:cs typeface="Courier New" pitchFamily="49" charset="0"/>
+              </a:rPr>
+              <a:t>$  python  –m </a:t>
+            </a:r>
+            <a:r>
+              <a:rPr lang="en-US" b="1" dirty="0" err="1">
+                <a:solidFill>
+                  <a:schemeClr val="bg1"/>
+                </a:solidFill>
+                <a:latin typeface="Courier New" pitchFamily="49" charset="0"/>
+                <a:cs typeface="Courier New" pitchFamily="49" charset="0"/>
+              </a:rPr>
+              <a:t>doctest</a:t>
+            </a:r>
+            <a:r>
+              <a:rPr lang="en-US" b="1" dirty="0">
+                <a:solidFill>
+                  <a:schemeClr val="bg1"/>
+                </a:solidFill>
+                <a:latin typeface="Courier New" pitchFamily="49" charset="0"/>
+                <a:cs typeface="Courier New" pitchFamily="49" charset="0"/>
+              </a:rPr>
+              <a:t>  data_parsing.py</a:t>
+            </a:r>
+            <a:endParaRPr lang="nl-BE" b="1" dirty="0">
+              <a:solidFill>
+                <a:schemeClr val="bg1"/>
+              </a:solidFill>
+              <a:latin typeface="Courier New" pitchFamily="49" charset="0"/>
+              <a:cs typeface="Courier New" pitchFamily="49" charset="0"/>
+            </a:endParaRPr>
+          </a:p>
+        </p:txBody>
+      </p:sp>
+      <p:sp>
+        <p:nvSpPr>
+          <p:cNvPr id="5" name="Slide Number Placeholder 4"/>
+          <p:cNvSpPr>
+            <a:spLocks noGrp="1"/>
+          </p:cNvSpPr>
+          <p:nvPr>
+            <p:ph type="sldNum" sz="quarter" idx="12"/>
+          </p:nvPr>
+        </p:nvSpPr>
+        <p:spPr/>
+        <p:txBody>
+          <a:bodyPr/>
+          <a:lstStyle/>
+          <a:p>
+            <a:fld id="{BB52A05A-A776-4391-ACD7-D6BC34D3145C}" type="slidenum">
+              <a:rPr lang="nl-BE" smtClean="0"/>
+              <a:t>3</a:t>
+            </a:fld>
+            <a:endParaRPr lang="nl-BE"/>
+          </a:p>
+        </p:txBody>
+      </p:sp>
+      <p:sp>
+        <p:nvSpPr>
+          <p:cNvPr id="8" name="TextBox 7"/>
+          <p:cNvSpPr txBox="1"/>
+          <p:nvPr/>
+        </p:nvSpPr>
+        <p:spPr>
+          <a:xfrm>
+            <a:off x="2855640" y="3733551"/>
+            <a:ext cx="5423280" cy="369332"/>
+          </a:xfrm>
+          <a:prstGeom prst="rect">
+            <a:avLst/>
+          </a:prstGeom>
+          <a:solidFill>
+            <a:schemeClr val="tx1"/>
+          </a:solidFill>
+          <a:ln>
+            <a:solidFill>
+              <a:schemeClr val="tx1"/>
+            </a:solidFill>
+          </a:ln>
+        </p:spPr>
+        <p:txBody>
+          <a:bodyPr wrap="none" rtlCol="0">
+            <a:spAutoFit/>
+          </a:bodyPr>
+          <a:lstStyle/>
+          <a:p>
+            <a:r>
+              <a:rPr lang="en-US" b="1" dirty="0">
+                <a:solidFill>
+                  <a:schemeClr val="bg1"/>
+                </a:solidFill>
+                <a:latin typeface="Courier New" pitchFamily="49" charset="0"/>
+                <a:cs typeface="Courier New" pitchFamily="49" charset="0"/>
+              </a:rPr>
+              <a:t>&gt;&gt;&gt;  names = 'bob </a:t>
+            </a:r>
+            <a:r>
+              <a:rPr lang="en-US" b="1" dirty="0" err="1">
+                <a:solidFill>
+                  <a:schemeClr val="bg1"/>
+                </a:solidFill>
+                <a:latin typeface="Courier New" pitchFamily="49" charset="0"/>
+                <a:cs typeface="Courier New" pitchFamily="49" charset="0"/>
+              </a:rPr>
+              <a:t>alice</a:t>
+            </a:r>
+            <a:r>
+              <a:rPr lang="en-US" b="1" dirty="0">
+                <a:solidFill>
+                  <a:schemeClr val="bg1"/>
+                </a:solidFill>
+                <a:latin typeface="Courier New" pitchFamily="49" charset="0"/>
+                <a:cs typeface="Courier New" pitchFamily="49" charset="0"/>
+              </a:rPr>
+              <a:t> </a:t>
+            </a:r>
+            <a:r>
+              <a:rPr lang="en-US" b="1" dirty="0" err="1">
+                <a:solidFill>
+                  <a:schemeClr val="bg1"/>
+                </a:solidFill>
+                <a:latin typeface="Courier New" pitchFamily="49" charset="0"/>
+                <a:cs typeface="Courier New" pitchFamily="49" charset="0"/>
+              </a:rPr>
+              <a:t>carol'.split</a:t>
+            </a:r>
+            <a:r>
+              <a:rPr lang="en-US" b="1" dirty="0">
+                <a:solidFill>
+                  <a:schemeClr val="bg1"/>
+                </a:solidFill>
+                <a:latin typeface="Courier New" pitchFamily="49" charset="0"/>
+                <a:cs typeface="Courier New" pitchFamily="49" charset="0"/>
+              </a:rPr>
+              <a:t>()</a:t>
+            </a:r>
+            <a:endParaRPr lang="nl-BE" b="1" dirty="0">
+              <a:solidFill>
+                <a:schemeClr val="bg1"/>
+              </a:solidFill>
+              <a:latin typeface="Courier New" pitchFamily="49" charset="0"/>
+              <a:cs typeface="Courier New" pitchFamily="49" charset="0"/>
+            </a:endParaRPr>
+          </a:p>
+        </p:txBody>
+      </p:sp>
+      <p:sp>
+        <p:nvSpPr>
+          <p:cNvPr id="9" name="TextBox 8"/>
+          <p:cNvSpPr txBox="1"/>
+          <p:nvPr/>
+        </p:nvSpPr>
+        <p:spPr>
+          <a:xfrm>
+            <a:off x="2855640" y="5137548"/>
+            <a:ext cx="5836854" cy="369332"/>
+          </a:xfrm>
+          <a:prstGeom prst="rect">
+            <a:avLst/>
+          </a:prstGeom>
+          <a:solidFill>
+            <a:schemeClr val="tx1"/>
+          </a:solidFill>
+          <a:ln>
+            <a:solidFill>
+              <a:schemeClr val="tx1"/>
+            </a:solidFill>
+          </a:ln>
+        </p:spPr>
+        <p:txBody>
+          <a:bodyPr wrap="none" rtlCol="0">
+            <a:spAutoFit/>
+          </a:bodyPr>
+          <a:lstStyle/>
+          <a:p>
+            <a:r>
+              <a:rPr lang="en-US" b="1" dirty="0">
+                <a:solidFill>
+                  <a:schemeClr val="accent3">
+                    <a:lumMod val="75000"/>
+                  </a:schemeClr>
+                </a:solidFill>
+                <a:latin typeface="Courier New" pitchFamily="49" charset="0"/>
+                <a:cs typeface="Courier New" pitchFamily="49" charset="0"/>
+              </a:rPr>
+              <a:t>In[3]:</a:t>
+            </a:r>
+            <a:r>
+              <a:rPr lang="en-US" b="1" dirty="0">
+                <a:solidFill>
+                  <a:schemeClr val="bg1"/>
+                </a:solidFill>
+                <a:latin typeface="Courier New" pitchFamily="49" charset="0"/>
+                <a:cs typeface="Courier New" pitchFamily="49" charset="0"/>
+              </a:rPr>
+              <a:t>  names = 'bob </a:t>
+            </a:r>
+            <a:r>
+              <a:rPr lang="en-US" b="1" dirty="0" err="1">
+                <a:solidFill>
+                  <a:schemeClr val="bg1"/>
+                </a:solidFill>
+                <a:latin typeface="Courier New" pitchFamily="49" charset="0"/>
+                <a:cs typeface="Courier New" pitchFamily="49" charset="0"/>
+              </a:rPr>
+              <a:t>alice</a:t>
+            </a:r>
+            <a:r>
+              <a:rPr lang="en-US" b="1" dirty="0">
+                <a:solidFill>
+                  <a:schemeClr val="bg1"/>
+                </a:solidFill>
+                <a:latin typeface="Courier New" pitchFamily="49" charset="0"/>
+                <a:cs typeface="Courier New" pitchFamily="49" charset="0"/>
+              </a:rPr>
+              <a:t> </a:t>
+            </a:r>
+            <a:r>
+              <a:rPr lang="en-US" b="1" dirty="0" err="1">
+                <a:solidFill>
+                  <a:schemeClr val="bg1"/>
+                </a:solidFill>
+                <a:latin typeface="Courier New" pitchFamily="49" charset="0"/>
+                <a:cs typeface="Courier New" pitchFamily="49" charset="0"/>
+              </a:rPr>
+              <a:t>carol'.split</a:t>
+            </a:r>
+            <a:r>
+              <a:rPr lang="en-US" b="1" dirty="0">
+                <a:solidFill>
+                  <a:schemeClr val="bg1"/>
+                </a:solidFill>
+                <a:latin typeface="Courier New" pitchFamily="49" charset="0"/>
+                <a:cs typeface="Courier New" pitchFamily="49" charset="0"/>
+              </a:rPr>
+              <a:t>()</a:t>
+            </a:r>
+            <a:endParaRPr lang="nl-BE" b="1" dirty="0">
+              <a:solidFill>
+                <a:schemeClr val="bg1"/>
+              </a:solidFill>
+              <a:latin typeface="Courier New" pitchFamily="49" charset="0"/>
+              <a:cs typeface="Courier New" pitchFamily="49" charset="0"/>
+            </a:endParaRPr>
+          </a:p>
+        </p:txBody>
+      </p:sp>
+    </p:spTree>
+    <p:extLst>
+      <p:ext uri="{BB962C8B-B14F-4D97-AF65-F5344CB8AC3E}">
+        <p14:creationId xmlns:p14="http://schemas.microsoft.com/office/powerpoint/2010/main" val="1000462373"/>
+      </p:ext>
+    </p:extLst>
+  </p:cSld>
+  <p:clrMapOvr>
+    <a:masterClrMapping/>
+  </p:clrMapOvr>
+  <p:timing>
+    <p:tnLst>
+      <p:par>
+        <p:cTn id="1" dur="indefinite" restart="never" nodeType="tmRoot">
+          <p:childTnLst>
+            <p:seq concurrent="1" nextAc="seek">
+              <p:cTn id="2" dur="indefinite" nodeType="mainSeq">
+                <p:childTnLst>
+                  <p:par>
+                    <p:cTn id="3" fill="hold">
+                      <p:stCondLst>
+                        <p:cond delay="indefinite"/>
+                        <p:cond evt="onBegin" delay="0">
+                          <p:tn val="2"/>
+                        </p:cond>
+                      </p:stCondLst>
+                      <p:childTnLst>
+                        <p:par>
+                          <p:cTn id="4" fill="hold">
+                            <p:stCondLst>
+                              <p:cond delay="0"/>
+                            </p:stCondLst>
+                            <p:childTnLst>
+                              <p:par>
+                                <p:cTn id="5" presetID="1" presetClass="entr" presetSubtype="0" fill="hold" grpId="0" nodeType="withEffect">
+                                  <p:stCondLst>
+                                    <p:cond delay="0"/>
+                                  </p:stCondLst>
+                                  <p:childTnLst>
+                                    <p:set>
+                                      <p:cBhvr>
+                                        <p:cTn id="6" dur="1" fill="hold">
+                                          <p:stCondLst>
+                                            <p:cond delay="0"/>
+                                          </p:stCondLst>
+                                        </p:cTn>
+                                        <p:tgtEl>
+                                          <p:spTgt spid="3">
+                                            <p:txEl>
+                                              <p:pRg st="0" end="0"/>
+                                            </p:txEl>
+                                          </p:spTgt>
+                                        </p:tgtEl>
+                                        <p:attrNameLst>
+                                          <p:attrName>style.visibility</p:attrName>
+                                        </p:attrNameLst>
+                                      </p:cBhvr>
+                                      <p:to>
+                                        <p:strVal val="visible"/>
+                                      </p:to>
+                                    </p:set>
+                                  </p:childTnLst>
+                                </p:cTn>
+                              </p:par>
+                              <p:par>
+                                <p:cTn id="7" presetID="1" presetClass="entr" presetSubtype="0" fill="hold" grpId="0" nodeType="withEffect">
+                                  <p:stCondLst>
+                                    <p:cond delay="0"/>
+                                  </p:stCondLst>
+                                  <p:childTnLst>
+                                    <p:set>
+                                      <p:cBhvr>
+                                        <p:cTn id="8" dur="1" fill="hold">
+                                          <p:stCondLst>
+                                            <p:cond delay="0"/>
+                                          </p:stCondLst>
+                                        </p:cTn>
+                                        <p:tgtEl>
+                                          <p:spTgt spid="4"/>
+                                        </p:tgtEl>
+                                        <p:attrNameLst>
+                                          <p:attrName>style.visibility</p:attrName>
+                                        </p:attrNameLst>
+                                      </p:cBhvr>
+                                      <p:to>
+                                        <p:strVal val="visible"/>
+                                      </p:to>
+                                    </p:set>
+                                  </p:childTnLst>
+                                </p:cTn>
+                              </p:par>
+                              <p:par>
+                                <p:cTn id="9" presetID="1" presetClass="entr" presetSubtype="0" fill="hold" grpId="0" nodeType="withEffect">
+                                  <p:stCondLst>
+                                    <p:cond delay="0"/>
+                                  </p:stCondLst>
+                                  <p:childTnLst>
+                                    <p:set>
+                                      <p:cBhvr>
+                                        <p:cTn id="10" dur="1" fill="hold">
+                                          <p:stCondLst>
+                                            <p:cond delay="0"/>
+                                          </p:stCondLst>
+                                        </p:cTn>
+                                        <p:tgtEl>
+                                          <p:spTgt spid="3">
+                                            <p:txEl>
+                                              <p:pRg st="2" end="2"/>
+                                            </p:txEl>
+                                          </p:spTgt>
+                                        </p:tgtEl>
+                                        <p:attrNameLst>
+                                          <p:attrName>style.visibility</p:attrName>
+                                        </p:attrNameLst>
+                                      </p:cBhvr>
+                                      <p:to>
+                                        <p:strVal val="visible"/>
+                                      </p:to>
+                                    </p:set>
+                                  </p:childTnLst>
+                                </p:cTn>
+                              </p:par>
+                            </p:childTnLst>
+                          </p:cTn>
+                        </p:par>
+                      </p:childTnLst>
+                    </p:cTn>
+                  </p:par>
+                  <p:par>
+                    <p:cTn id="11" fill="hold">
+                      <p:stCondLst>
+                        <p:cond delay="indefinite"/>
+                      </p:stCondLst>
+                      <p:childTnLst>
+                        <p:par>
+                          <p:cTn id="12" fill="hold">
+                            <p:stCondLst>
+                              <p:cond delay="0"/>
+                            </p:stCondLst>
+                            <p:childTnLst>
+                              <p:par>
+                                <p:cTn id="13" presetID="1" presetClass="entr" presetSubtype="0" fill="hold" grpId="0" nodeType="clickEffect">
+                                  <p:stCondLst>
+                                    <p:cond delay="0"/>
+                                  </p:stCondLst>
+                                  <p:childTnLst>
+                                    <p:set>
+                                      <p:cBhvr>
+                                        <p:cTn id="14" dur="1" fill="hold">
+                                          <p:stCondLst>
+                                            <p:cond delay="0"/>
+                                          </p:stCondLst>
+                                        </p:cTn>
+                                        <p:tgtEl>
+                                          <p:spTgt spid="3">
+                                            <p:txEl>
+                                              <p:pRg st="3" end="3"/>
+                                            </p:txEl>
+                                          </p:spTgt>
+                                        </p:tgtEl>
+                                        <p:attrNameLst>
+                                          <p:attrName>style.visibility</p:attrName>
+                                        </p:attrNameLst>
+                                      </p:cBhvr>
+                                      <p:to>
+                                        <p:strVal val="visible"/>
+                                      </p:to>
+                                    </p:set>
+                                  </p:childTnLst>
+                                </p:cTn>
+                              </p:par>
+                              <p:par>
+                                <p:cTn id="15" presetID="1" presetClass="entr" presetSubtype="0" fill="hold" grpId="0" nodeType="withEffect">
+                                  <p:stCondLst>
+                                    <p:cond delay="0"/>
+                                  </p:stCondLst>
+                                  <p:childTnLst>
+                                    <p:set>
+                                      <p:cBhvr>
+                                        <p:cTn id="16" dur="1" fill="hold">
+                                          <p:stCondLst>
+                                            <p:cond delay="0"/>
+                                          </p:stCondLst>
+                                        </p:cTn>
+                                        <p:tgtEl>
+                                          <p:spTgt spid="8"/>
+                                        </p:tgtEl>
+                                        <p:attrNameLst>
+                                          <p:attrName>style.visibility</p:attrName>
+                                        </p:attrNameLst>
+                                      </p:cBhvr>
+                                      <p:to>
+                                        <p:strVal val="visible"/>
+                                      </p:to>
+                                    </p:set>
+                                  </p:childTnLst>
+                                </p:cTn>
+                              </p:par>
+                              <p:par>
+                                <p:cTn id="17" presetID="1" presetClass="entr" presetSubtype="0" fill="hold" grpId="0" nodeType="withEffect">
+                                  <p:stCondLst>
+                                    <p:cond delay="0"/>
+                                  </p:stCondLst>
+                                  <p:childTnLst>
+                                    <p:set>
+                                      <p:cBhvr>
+                                        <p:cTn id="18" dur="1" fill="hold">
+                                          <p:stCondLst>
+                                            <p:cond delay="0"/>
+                                          </p:stCondLst>
+                                        </p:cTn>
+                                        <p:tgtEl>
+                                          <p:spTgt spid="3">
+                                            <p:txEl>
+                                              <p:pRg st="5" end="5"/>
+                                            </p:txEl>
+                                          </p:spTgt>
+                                        </p:tgtEl>
+                                        <p:attrNameLst>
+                                          <p:attrName>style.visibility</p:attrName>
+                                        </p:attrNameLst>
+                                      </p:cBhvr>
+                                      <p:to>
+                                        <p:strVal val="visible"/>
+                                      </p:to>
+                                    </p:set>
+                                  </p:childTnLst>
+                                </p:cTn>
+                              </p:par>
+                            </p:childTnLst>
+                          </p:cTn>
+                        </p:par>
+                      </p:childTnLst>
+                    </p:cTn>
+                  </p:par>
+                  <p:par>
+                    <p:cTn id="19" fill="hold">
+                      <p:stCondLst>
+                        <p:cond delay="indefinite"/>
+                      </p:stCondLst>
+                      <p:childTnLst>
+                        <p:par>
+                          <p:cTn id="20" fill="hold">
+                            <p:stCondLst>
+                              <p:cond delay="0"/>
+                            </p:stCondLst>
+                            <p:childTnLst>
+                              <p:par>
+                                <p:cTn id="21" presetID="1" presetClass="entr" presetSubtype="0" fill="hold" grpId="0" nodeType="clickEffect">
+                                  <p:stCondLst>
+                                    <p:cond delay="0"/>
+                                  </p:stCondLst>
+                                  <p:childTnLst>
+                                    <p:set>
+                                      <p:cBhvr>
+                                        <p:cTn id="22" dur="1" fill="hold">
+                                          <p:stCondLst>
+                                            <p:cond delay="0"/>
+                                          </p:stCondLst>
+                                        </p:cTn>
+                                        <p:tgtEl>
+                                          <p:spTgt spid="3">
+                                            <p:txEl>
+                                              <p:pRg st="6" end="6"/>
+                                            </p:txEl>
+                                          </p:spTgt>
+                                        </p:tgtEl>
+                                        <p:attrNameLst>
+                                          <p:attrName>style.visibility</p:attrName>
+                                        </p:attrNameLst>
+                                      </p:cBhvr>
+                                      <p:to>
+                                        <p:strVal val="visible"/>
+                                      </p:to>
+                                    </p:set>
+                                  </p:childTnLst>
+                                </p:cTn>
+                              </p:par>
+                              <p:par>
+                                <p:cTn id="23" presetID="1" presetClass="entr" presetSubtype="0" fill="hold" grpId="0" nodeType="withEffect">
+                                  <p:stCondLst>
+                                    <p:cond delay="0"/>
+                                  </p:stCondLst>
+                                  <p:childTnLst>
+                                    <p:set>
+                                      <p:cBhvr>
+                                        <p:cTn id="24" dur="1" fill="hold">
+                                          <p:stCondLst>
+                                            <p:cond delay="0"/>
+                                          </p:stCondLst>
+                                        </p:cTn>
+                                        <p:tgtEl>
+                                          <p:spTgt spid="9"/>
+                                        </p:tgtEl>
+                                        <p:attrNameLst>
+                                          <p:attrName>style.visibility</p:attrName>
+                                        </p:attrNameLst>
+                                      </p:cBhvr>
+                                      <p:to>
+                                        <p:strVal val="visible"/>
+                                      </p:to>
+                                    </p:set>
+                                  </p:childTnLst>
+                                </p:cTn>
+                              </p:par>
+                            </p:childTnLst>
+                          </p:cTn>
+                        </p:par>
+                      </p:childTnLst>
+                    </p:cTn>
+                  </p:par>
+                </p:childTnLst>
+              </p:cTn>
+              <p:prevCondLst>
+                <p:cond evt="onPrev" delay="0">
+                  <p:tgtEl>
+                    <p:sldTgt/>
+                  </p:tgtEl>
+                </p:cond>
+              </p:prevCondLst>
+              <p:nextCondLst>
+                <p:cond evt="onNext" delay="0">
+                  <p:tgtEl>
+                    <p:sldTgt/>
+                  </p:tgtEl>
+                </p:cond>
+              </p:nextCondLst>
+            </p:seq>
+          </p:childTnLst>
+        </p:cTn>
+      </p:par>
+    </p:tnLst>
+    <p:bldLst>
+      <p:bldP spid="3" grpId="0" uiExpand="1" build="p"/>
+      <p:bldP spid="4" grpId="0" animBg="1"/>
+      <p:bldP spid="8" grpId="0" animBg="1"/>
+      <p:bldP spid="9" grpId="0" animBg="1"/>
+    </p:bldLst>
+  </p:timing>
+</p:sld>
+</file>
+
+<file path=ppt/slides/slide30.xml><?xml version="1.0" encoding="utf-8"?>
+<p:sld xmlns:a="http://schemas.openxmlformats.org/drawingml/2006/main" xmlns:r="http://schemas.openxmlformats.org/officeDocument/2006/relationships" xmlns:p="http://schemas.openxmlformats.org/presentationml/2006/main">
+  <p:cSld>
+    <p:spTree>
+      <p:nvGrpSpPr>
+        <p:cNvPr id="1" name=""/>
+        <p:cNvGrpSpPr/>
+        <p:nvPr/>
+      </p:nvGrpSpPr>
+      <p:grpSpPr>
+        <a:xfrm>
+          <a:off x="0" y="0"/>
+          <a:ext cx="0" cy="0"/>
+          <a:chOff x="0" y="0"/>
+          <a:chExt cx="0" cy="0"/>
+        </a:xfrm>
+      </p:grpSpPr>
+      <p:sp>
+        <p:nvSpPr>
+          <p:cNvPr id="2" name="Title 1"/>
+          <p:cNvSpPr>
+            <a:spLocks noGrp="1"/>
+          </p:cNvSpPr>
+          <p:nvPr>
+            <p:ph type="title"/>
+          </p:nvPr>
+        </p:nvSpPr>
+        <p:spPr/>
+        <p:txBody>
+          <a:bodyPr/>
+          <a:lstStyle/>
+          <a:p>
+            <a:r>
+              <a:rPr lang="en-US" dirty="0" smtClean="0"/>
               <a:t>File system tests</a:t>
             </a:r>
             <a:endParaRPr lang="en-US" dirty="0"/>
@@ -20852,7 +21883,7 @@
                 <a:latin typeface="Calibri"/>
               </a:rPr>
               <a:pPr/>
-              <a:t>27</a:t>
+              <a:t>30</a:t>
             </a:fld>
             <a:endParaRPr lang="nl-BE">
               <a:solidFill>
@@ -21368,7 +22399,7 @@
 </p:sld>
 </file>
 
-<file path=ppt/slides/slide28.xml><?xml version="1.0" encoding="utf-8"?>
+<file path=ppt/slides/slide31.xml><?xml version="1.0" encoding="utf-8"?>
 <p:sld xmlns:a="http://schemas.openxmlformats.org/drawingml/2006/main" xmlns:r="http://schemas.openxmlformats.org/officeDocument/2006/relationships" xmlns:p="http://schemas.openxmlformats.org/presentationml/2006/main">
   <p:cSld>
     <p:spTree>
@@ -21665,7 +22696,7 @@
                 <a:latin typeface="Calibri"/>
               </a:rPr>
               <a:pPr/>
-              <a:t>28</a:t>
+              <a:t>31</a:t>
             </a:fld>
             <a:endParaRPr lang="nl-BE">
               <a:solidFill>
@@ -22119,7 +23150,7 @@
 </p:sld>
 </file>
 
-<file path=ppt/slides/slide29.xml><?xml version="1.0" encoding="utf-8"?>
+<file path=ppt/slides/slide32.xml><?xml version="1.0" encoding="utf-8"?>
 <p:sld xmlns:a="http://schemas.openxmlformats.org/drawingml/2006/main" xmlns:r="http://schemas.openxmlformats.org/officeDocument/2006/relationships" xmlns:p="http://schemas.openxmlformats.org/presentationml/2006/main">
   <p:cSld>
     <p:spTree>
@@ -22563,7 +23594,7 @@
                 <a:latin typeface="Calibri"/>
               </a:rPr>
               <a:pPr/>
-              <a:t>29</a:t>
+              <a:t>32</a:t>
             </a:fld>
             <a:endParaRPr lang="nl-BE">
               <a:solidFill>
@@ -22713,7 +23744,7 @@
 </p:sld>
 </file>
 
-<file path=ppt/slides/slide3.xml><?xml version="1.0" encoding="utf-8"?>
+<file path=ppt/slides/slide33.xml><?xml version="1.0" encoding="utf-8"?>
 <p:sld xmlns:a="http://schemas.openxmlformats.org/drawingml/2006/main" xmlns:r="http://schemas.openxmlformats.org/officeDocument/2006/relationships" xmlns:p="http://schemas.openxmlformats.org/presentationml/2006/main">
   <p:cSld>
     <p:spTree>
@@ -22747,521 +23778,6 @@
           <a:p>
             <a:r>
               <a:rPr lang="en-US" dirty="0" smtClean="0"/>
-              <a:t>Handling command line arguments</a:t>
-            </a:r>
-            <a:endParaRPr lang="en-US" dirty="0"/>
-          </a:p>
-        </p:txBody>
-      </p:sp>
-      <p:sp>
-        <p:nvSpPr>
-          <p:cNvPr id="3" name="Content Placeholder 2"/>
-          <p:cNvSpPr>
-            <a:spLocks noGrp="1"/>
-          </p:cNvSpPr>
-          <p:nvPr>
-            <p:ph idx="1"/>
-          </p:nvPr>
-        </p:nvSpPr>
-        <p:spPr/>
-        <p:txBody>
-          <a:bodyPr>
-            <a:normAutofit lnSpcReduction="10000"/>
-          </a:bodyPr>
-          <a:lstStyle/>
-          <a:p>
-            <a:r>
-              <a:rPr lang="en-US" dirty="0" smtClean="0"/>
-              <a:t>Many tools start out as short script, evolve into applications used by many</a:t>
-            </a:r>
-          </a:p>
-          <a:p>
-            <a:r>
-              <a:rPr lang="en-US" dirty="0" smtClean="0"/>
-              <a:t>Model after Unix tools</a:t>
-            </a:r>
-          </a:p>
-          <a:p>
-            <a:pPr lvl="1"/>
-            <a:r>
-              <a:rPr lang="en-US" dirty="0" smtClean="0"/>
-              <a:t>Arguments</a:t>
-            </a:r>
-          </a:p>
-          <a:p>
-            <a:pPr lvl="1"/>
-            <a:r>
-              <a:rPr lang="en-US" dirty="0" smtClean="0"/>
-              <a:t>Flags</a:t>
-            </a:r>
-          </a:p>
-          <a:p>
-            <a:pPr lvl="1"/>
-            <a:r>
-              <a:rPr lang="en-US" dirty="0" smtClean="0"/>
-              <a:t>Options</a:t>
-            </a:r>
-          </a:p>
-          <a:p>
-            <a:r>
-              <a:rPr lang="en-US" dirty="0" smtClean="0"/>
-              <a:t>Python's </a:t>
-            </a:r>
-            <a:r>
-              <a:rPr lang="en-US" dirty="0" err="1" smtClean="0">
-                <a:latin typeface="Courier New" pitchFamily="49" charset="0"/>
-                <a:cs typeface="Courier New" pitchFamily="49" charset="0"/>
-              </a:rPr>
-              <a:t>argparse</a:t>
-            </a:r>
-            <a:r>
-              <a:rPr lang="en-US" dirty="0" smtClean="0"/>
-              <a:t> benefits</a:t>
-            </a:r>
-          </a:p>
-          <a:p>
-            <a:pPr lvl="1"/>
-            <a:r>
-              <a:rPr lang="en-US" dirty="0" smtClean="0"/>
-              <a:t>Easy to use</a:t>
-            </a:r>
-          </a:p>
-          <a:p>
-            <a:pPr lvl="1"/>
-            <a:r>
-              <a:rPr lang="en-US" dirty="0" smtClean="0"/>
-              <a:t>Self-documenting</a:t>
-            </a:r>
-          </a:p>
-          <a:p>
-            <a:pPr lvl="1"/>
-            <a:endParaRPr lang="en-US" dirty="0"/>
-          </a:p>
-        </p:txBody>
-      </p:sp>
-      <p:sp>
-        <p:nvSpPr>
-          <p:cNvPr id="4" name="Slide Number Placeholder 3"/>
-          <p:cNvSpPr>
-            <a:spLocks noGrp="1"/>
-          </p:cNvSpPr>
-          <p:nvPr>
-            <p:ph type="sldNum" sz="quarter" idx="12"/>
-          </p:nvPr>
-        </p:nvSpPr>
-        <p:spPr/>
-        <p:txBody>
-          <a:bodyPr/>
-          <a:lstStyle/>
-          <a:p>
-            <a:fld id="{5A209D72-2E9D-49B0-8977-41DCCC66C0BB}" type="slidenum">
-              <a:rPr lang="nl-BE">
-                <a:solidFill>
-                  <a:prstClr val="black">
-                    <a:tint val="75000"/>
-                  </a:prstClr>
-                </a:solidFill>
-                <a:latin typeface="Calibri"/>
-              </a:rPr>
-              <a:pPr/>
-              <a:t>3</a:t>
-            </a:fld>
-            <a:endParaRPr lang="nl-BE">
-              <a:solidFill>
-                <a:prstClr val="black">
-                  <a:tint val="75000"/>
-                </a:prstClr>
-              </a:solidFill>
-              <a:latin typeface="Calibri"/>
-            </a:endParaRPr>
-          </a:p>
-        </p:txBody>
-      </p:sp>
-    </p:spTree>
-    <p:extLst>
-      <p:ext uri="{BB962C8B-B14F-4D97-AF65-F5344CB8AC3E}">
-        <p14:creationId xmlns:p14="http://schemas.microsoft.com/office/powerpoint/2010/main" val="2534300650"/>
-      </p:ext>
-    </p:extLst>
-  </p:cSld>
-  <p:clrMapOvr>
-    <a:masterClrMapping/>
-  </p:clrMapOvr>
-  <p:timing>
-    <p:tnLst>
-      <p:par>
-        <p:cTn id="1" dur="indefinite" restart="never" nodeType="tmRoot">
-          <p:childTnLst>
-            <p:seq concurrent="1" nextAc="seek">
-              <p:cTn id="2" dur="indefinite" nodeType="mainSeq">
-                <p:childTnLst>
-                  <p:par>
-                    <p:cTn id="3" fill="hold">
-                      <p:stCondLst>
-                        <p:cond delay="indefinite"/>
-                        <p:cond evt="onBegin" delay="0">
-                          <p:tn val="2"/>
-                        </p:cond>
-                      </p:stCondLst>
-                      <p:childTnLst>
-                        <p:par>
-                          <p:cTn id="4" fill="hold">
-                            <p:stCondLst>
-                              <p:cond delay="0"/>
-                            </p:stCondLst>
-                            <p:childTnLst>
-                              <p:par>
-                                <p:cTn id="5" presetID="1" presetClass="entr" presetSubtype="0" fill="hold" grpId="0" nodeType="withEffect">
-                                  <p:stCondLst>
-                                    <p:cond delay="0"/>
-                                  </p:stCondLst>
-                                  <p:childTnLst>
-                                    <p:set>
-                                      <p:cBhvr>
-                                        <p:cTn id="6" dur="1" fill="hold">
-                                          <p:stCondLst>
-                                            <p:cond delay="0"/>
-                                          </p:stCondLst>
-                                        </p:cTn>
-                                        <p:tgtEl>
-                                          <p:spTgt spid="3">
-                                            <p:txEl>
-                                              <p:pRg st="0" end="0"/>
-                                            </p:txEl>
-                                          </p:spTgt>
-                                        </p:tgtEl>
-                                        <p:attrNameLst>
-                                          <p:attrName>style.visibility</p:attrName>
-                                        </p:attrNameLst>
-                                      </p:cBhvr>
-                                      <p:to>
-                                        <p:strVal val="visible"/>
-                                      </p:to>
-                                    </p:set>
-                                  </p:childTnLst>
-                                </p:cTn>
-                              </p:par>
-                            </p:childTnLst>
-                          </p:cTn>
-                        </p:par>
-                      </p:childTnLst>
-                    </p:cTn>
-                  </p:par>
-                  <p:par>
-                    <p:cTn id="7" fill="hold">
-                      <p:stCondLst>
-                        <p:cond delay="indefinite"/>
-                      </p:stCondLst>
-                      <p:childTnLst>
-                        <p:par>
-                          <p:cTn id="8" fill="hold">
-                            <p:stCondLst>
-                              <p:cond delay="0"/>
-                            </p:stCondLst>
-                            <p:childTnLst>
-                              <p:par>
-                                <p:cTn id="9" presetID="1" presetClass="entr" presetSubtype="0" fill="hold" grpId="0" nodeType="clickEffect">
-                                  <p:stCondLst>
-                                    <p:cond delay="0"/>
-                                  </p:stCondLst>
-                                  <p:childTnLst>
-                                    <p:set>
-                                      <p:cBhvr>
-                                        <p:cTn id="10" dur="1" fill="hold">
-                                          <p:stCondLst>
-                                            <p:cond delay="0"/>
-                                          </p:stCondLst>
-                                        </p:cTn>
-                                        <p:tgtEl>
-                                          <p:spTgt spid="3">
-                                            <p:txEl>
-                                              <p:pRg st="1" end="1"/>
-                                            </p:txEl>
-                                          </p:spTgt>
-                                        </p:tgtEl>
-                                        <p:attrNameLst>
-                                          <p:attrName>style.visibility</p:attrName>
-                                        </p:attrNameLst>
-                                      </p:cBhvr>
-                                      <p:to>
-                                        <p:strVal val="visible"/>
-                                      </p:to>
-                                    </p:set>
-                                  </p:childTnLst>
-                                </p:cTn>
-                              </p:par>
-                              <p:par>
-                                <p:cTn id="11" presetID="1" presetClass="entr" presetSubtype="0" fill="hold" grpId="0" nodeType="withEffect">
-                                  <p:stCondLst>
-                                    <p:cond delay="0"/>
-                                  </p:stCondLst>
-                                  <p:childTnLst>
-                                    <p:set>
-                                      <p:cBhvr>
-                                        <p:cTn id="12" dur="1" fill="hold">
-                                          <p:stCondLst>
-                                            <p:cond delay="0"/>
-                                          </p:stCondLst>
-                                        </p:cTn>
-                                        <p:tgtEl>
-                                          <p:spTgt spid="3">
-                                            <p:txEl>
-                                              <p:pRg st="2" end="2"/>
-                                            </p:txEl>
-                                          </p:spTgt>
-                                        </p:tgtEl>
-                                        <p:attrNameLst>
-                                          <p:attrName>style.visibility</p:attrName>
-                                        </p:attrNameLst>
-                                      </p:cBhvr>
-                                      <p:to>
-                                        <p:strVal val="visible"/>
-                                      </p:to>
-                                    </p:set>
-                                  </p:childTnLst>
-                                </p:cTn>
-                              </p:par>
-                              <p:par>
-                                <p:cTn id="13" presetID="1" presetClass="entr" presetSubtype="0" fill="hold" grpId="0" nodeType="withEffect">
-                                  <p:stCondLst>
-                                    <p:cond delay="0"/>
-                                  </p:stCondLst>
-                                  <p:childTnLst>
-                                    <p:set>
-                                      <p:cBhvr>
-                                        <p:cTn id="14" dur="1" fill="hold">
-                                          <p:stCondLst>
-                                            <p:cond delay="0"/>
-                                          </p:stCondLst>
-                                        </p:cTn>
-                                        <p:tgtEl>
-                                          <p:spTgt spid="3">
-                                            <p:txEl>
-                                              <p:pRg st="3" end="3"/>
-                                            </p:txEl>
-                                          </p:spTgt>
-                                        </p:tgtEl>
-                                        <p:attrNameLst>
-                                          <p:attrName>style.visibility</p:attrName>
-                                        </p:attrNameLst>
-                                      </p:cBhvr>
-                                      <p:to>
-                                        <p:strVal val="visible"/>
-                                      </p:to>
-                                    </p:set>
-                                  </p:childTnLst>
-                                </p:cTn>
-                              </p:par>
-                              <p:par>
-                                <p:cTn id="15" presetID="1" presetClass="entr" presetSubtype="0" fill="hold" grpId="0" nodeType="withEffect">
-                                  <p:stCondLst>
-                                    <p:cond delay="0"/>
-                                  </p:stCondLst>
-                                  <p:childTnLst>
-                                    <p:set>
-                                      <p:cBhvr>
-                                        <p:cTn id="16" dur="1" fill="hold">
-                                          <p:stCondLst>
-                                            <p:cond delay="0"/>
-                                          </p:stCondLst>
-                                        </p:cTn>
-                                        <p:tgtEl>
-                                          <p:spTgt spid="3">
-                                            <p:txEl>
-                                              <p:pRg st="4" end="4"/>
-                                            </p:txEl>
-                                          </p:spTgt>
-                                        </p:tgtEl>
-                                        <p:attrNameLst>
-                                          <p:attrName>style.visibility</p:attrName>
-                                        </p:attrNameLst>
-                                      </p:cBhvr>
-                                      <p:to>
-                                        <p:strVal val="visible"/>
-                                      </p:to>
-                                    </p:set>
-                                  </p:childTnLst>
-                                </p:cTn>
-                              </p:par>
-                            </p:childTnLst>
-                          </p:cTn>
-                        </p:par>
-                      </p:childTnLst>
-                    </p:cTn>
-                  </p:par>
-                  <p:par>
-                    <p:cTn id="17" fill="hold">
-                      <p:stCondLst>
-                        <p:cond delay="indefinite"/>
-                      </p:stCondLst>
-                      <p:childTnLst>
-                        <p:par>
-                          <p:cTn id="18" fill="hold">
-                            <p:stCondLst>
-                              <p:cond delay="0"/>
-                            </p:stCondLst>
-                            <p:childTnLst>
-                              <p:par>
-                                <p:cTn id="19" presetID="1" presetClass="entr" presetSubtype="0" fill="hold" grpId="0" nodeType="clickEffect">
-                                  <p:stCondLst>
-                                    <p:cond delay="0"/>
-                                  </p:stCondLst>
-                                  <p:childTnLst>
-                                    <p:set>
-                                      <p:cBhvr>
-                                        <p:cTn id="20" dur="1" fill="hold">
-                                          <p:stCondLst>
-                                            <p:cond delay="0"/>
-                                          </p:stCondLst>
-                                        </p:cTn>
-                                        <p:tgtEl>
-                                          <p:spTgt spid="3">
-                                            <p:txEl>
-                                              <p:pRg st="5" end="5"/>
-                                            </p:txEl>
-                                          </p:spTgt>
-                                        </p:tgtEl>
-                                        <p:attrNameLst>
-                                          <p:attrName>style.visibility</p:attrName>
-                                        </p:attrNameLst>
-                                      </p:cBhvr>
-                                      <p:to>
-                                        <p:strVal val="visible"/>
-                                      </p:to>
-                                    </p:set>
-                                  </p:childTnLst>
-                                </p:cTn>
-                              </p:par>
-                              <p:par>
-                                <p:cTn id="21" presetID="1" presetClass="entr" presetSubtype="0" fill="hold" grpId="0" nodeType="withEffect">
-                                  <p:stCondLst>
-                                    <p:cond delay="0"/>
-                                  </p:stCondLst>
-                                  <p:childTnLst>
-                                    <p:set>
-                                      <p:cBhvr>
-                                        <p:cTn id="22" dur="1" fill="hold">
-                                          <p:stCondLst>
-                                            <p:cond delay="0"/>
-                                          </p:stCondLst>
-                                        </p:cTn>
-                                        <p:tgtEl>
-                                          <p:spTgt spid="3">
-                                            <p:txEl>
-                                              <p:pRg st="6" end="6"/>
-                                            </p:txEl>
-                                          </p:spTgt>
-                                        </p:tgtEl>
-                                        <p:attrNameLst>
-                                          <p:attrName>style.visibility</p:attrName>
-                                        </p:attrNameLst>
-                                      </p:cBhvr>
-                                      <p:to>
-                                        <p:strVal val="visible"/>
-                                      </p:to>
-                                    </p:set>
-                                  </p:childTnLst>
-                                </p:cTn>
-                              </p:par>
-                              <p:par>
-                                <p:cTn id="23" presetID="1" presetClass="entr" presetSubtype="0" fill="hold" grpId="0" nodeType="withEffect">
-                                  <p:stCondLst>
-                                    <p:cond delay="0"/>
-                                  </p:stCondLst>
-                                  <p:childTnLst>
-                                    <p:set>
-                                      <p:cBhvr>
-                                        <p:cTn id="24" dur="1" fill="hold">
-                                          <p:stCondLst>
-                                            <p:cond delay="0"/>
-                                          </p:stCondLst>
-                                        </p:cTn>
-                                        <p:tgtEl>
-                                          <p:spTgt spid="3">
-                                            <p:txEl>
-                                              <p:pRg st="7" end="7"/>
-                                            </p:txEl>
-                                          </p:spTgt>
-                                        </p:tgtEl>
-                                        <p:attrNameLst>
-                                          <p:attrName>style.visibility</p:attrName>
-                                        </p:attrNameLst>
-                                      </p:cBhvr>
-                                      <p:to>
-                                        <p:strVal val="visible"/>
-                                      </p:to>
-                                    </p:set>
-                                  </p:childTnLst>
-                                </p:cTn>
-                              </p:par>
-                            </p:childTnLst>
-                          </p:cTn>
-                        </p:par>
-                      </p:childTnLst>
-                    </p:cTn>
-                  </p:par>
-                </p:childTnLst>
-              </p:cTn>
-              <p:prevCondLst>
-                <p:cond evt="onPrev" delay="0">
-                  <p:tgtEl>
-                    <p:sldTgt/>
-                  </p:tgtEl>
-                </p:cond>
-              </p:prevCondLst>
-              <p:nextCondLst>
-                <p:cond evt="onNext" delay="0">
-                  <p:tgtEl>
-                    <p:sldTgt/>
-                  </p:tgtEl>
-                </p:cond>
-              </p:nextCondLst>
-            </p:seq>
-          </p:childTnLst>
-        </p:cTn>
-      </p:par>
-    </p:tnLst>
-    <p:bldLst>
-      <p:bldP spid="3" grpId="0" uiExpand="1" build="p"/>
-    </p:bldLst>
-  </p:timing>
-</p:sld>
-</file>
-
-<file path=ppt/slides/slide30.xml><?xml version="1.0" encoding="utf-8"?>
-<p:sld xmlns:a="http://schemas.openxmlformats.org/drawingml/2006/main" xmlns:r="http://schemas.openxmlformats.org/officeDocument/2006/relationships" xmlns:p="http://schemas.openxmlformats.org/presentationml/2006/main">
-  <p:cSld>
-    <p:spTree>
-      <p:nvGrpSpPr>
-        <p:cNvPr id="1" name=""/>
-        <p:cNvGrpSpPr/>
-        <p:nvPr/>
-      </p:nvGrpSpPr>
-      <p:grpSpPr>
-        <a:xfrm>
-          <a:off x="0" y="0"/>
-          <a:ext cx="0" cy="0"/>
-          <a:chOff x="0" y="0"/>
-          <a:chExt cx="0" cy="0"/>
-        </a:xfrm>
-      </p:grpSpPr>
-      <p:sp>
-        <p:nvSpPr>
-          <p:cNvPr id="2" name="Title 1"/>
-          <p:cNvSpPr>
-            <a:spLocks noGrp="1"/>
-          </p:cNvSpPr>
-          <p:nvPr>
-            <p:ph type="title"/>
-          </p:nvPr>
-        </p:nvSpPr>
-        <p:spPr/>
-        <p:txBody>
-          <a:bodyPr/>
-          <a:lstStyle/>
-          <a:p>
-            <a:r>
-              <a:rPr lang="en-US" dirty="0" smtClean="0"/>
               <a:t>Walking the tree</a:t>
             </a:r>
             <a:endParaRPr lang="en-US" dirty="0"/>
@@ -23378,7 +23894,7 @@
                 <a:latin typeface="Calibri"/>
               </a:rPr>
               <a:pPr/>
-              <a:t>30</a:t>
+              <a:t>33</a:t>
             </a:fld>
             <a:endParaRPr lang="nl-BE">
               <a:solidFill>
@@ -24152,7 +24668,7 @@
 </p:sld>
 </file>
 
-<file path=ppt/slides/slide31.xml><?xml version="1.0" encoding="utf-8"?>
+<file path=ppt/slides/slide34.xml><?xml version="1.0" encoding="utf-8"?>
 <p:sld xmlns:a="http://schemas.openxmlformats.org/drawingml/2006/main" xmlns:r="http://schemas.openxmlformats.org/officeDocument/2006/relationships" xmlns:p="http://schemas.openxmlformats.org/presentationml/2006/main">
   <p:cSld>
     <p:spTree>
@@ -24224,12 +24740,19 @@
               <a:rPr lang="en-US" sz="1800" dirty="0">
                 <a:hlinkClick r:id="rId2"/>
               </a:rPr>
-              <a:t>https://github.com/gjbex/training-material/tree/master/Python/Subprocess</a:t>
-            </a:r>
-            <a:r>
-              <a:rPr lang="en-US" sz="1800" dirty="0"/>
+              <a:t>https://</a:t>
+            </a:r>
+            <a:r>
+              <a:rPr lang="en-US" sz="1800" dirty="0" smtClean="0">
+                <a:hlinkClick r:id="rId2"/>
+              </a:rPr>
+              <a:t>github.com/gjbex/Python-for-systems-programming/tree/master/source-code/subprocess</a:t>
+            </a:r>
+            <a:r>
+              <a:rPr lang="en-US" sz="1800" dirty="0" smtClean="0"/>
               <a:t> </a:t>
             </a:r>
+            <a:endParaRPr lang="en-US" sz="1800" dirty="0"/>
           </a:p>
         </p:txBody>
       </p:sp>
@@ -24258,7 +24781,7 @@
                 <a:latin typeface="Calibri"/>
               </a:rPr>
               <a:pPr/>
-              <a:t>31</a:t>
+              <a:t>34</a:t>
             </a:fld>
             <a:endParaRPr lang="nl-BE">
               <a:solidFill>
@@ -24291,7 +24814,7 @@
 </p:sld>
 </file>
 
-<file path=ppt/slides/slide32.xml><?xml version="1.0" encoding="utf-8"?>
+<file path=ppt/slides/slide35.xml><?xml version="1.0" encoding="utf-8"?>
 <p:sld xmlns:a="http://schemas.openxmlformats.org/drawingml/2006/main" xmlns:r="http://schemas.openxmlformats.org/officeDocument/2006/relationships" xmlns:p="http://schemas.openxmlformats.org/presentationml/2006/main">
   <p:cSld>
     <p:spTree>
@@ -24761,7 +25284,7 @@
                 <a:latin typeface="Calibri"/>
               </a:rPr>
               <a:pPr/>
-              <a:t>32</a:t>
+              <a:t>35</a:t>
             </a:fld>
             <a:endParaRPr lang="nl-BE">
               <a:solidFill>
@@ -25209,7 +25732,7 @@
 </p:sld>
 </file>
 
-<file path=ppt/slides/slide33.xml><?xml version="1.0" encoding="utf-8"?>
+<file path=ppt/slides/slide36.xml><?xml version="1.0" encoding="utf-8"?>
 <p:sld xmlns:a="http://schemas.openxmlformats.org/drawingml/2006/main" xmlns:r="http://schemas.openxmlformats.org/officeDocument/2006/relationships" xmlns:p="http://schemas.openxmlformats.org/presentationml/2006/main">
   <p:cSld>
     <p:spTree>
@@ -26204,7 +26727,7 @@
                 <a:latin typeface="Calibri"/>
               </a:rPr>
               <a:pPr/>
-              <a:t>33</a:t>
+              <a:t>36</a:t>
             </a:fld>
             <a:endParaRPr lang="nl-BE">
               <a:solidFill>
@@ -26591,6 +27114,1525 @@
           <a:lstStyle/>
           <a:p>
             <a:r>
+              <a:rPr lang="en-US" dirty="0"/>
+              <a:t>Typographical conventions </a:t>
+            </a:r>
+            <a:r>
+              <a:rPr lang="en-US" dirty="0" smtClean="0"/>
+              <a:t>II</a:t>
+            </a:r>
+            <a:endParaRPr lang="nl-BE" dirty="0"/>
+          </a:p>
+        </p:txBody>
+      </p:sp>
+      <p:sp>
+        <p:nvSpPr>
+          <p:cNvPr id="3" name="Content Placeholder 2"/>
+          <p:cNvSpPr>
+            <a:spLocks noGrp="1"/>
+          </p:cNvSpPr>
+          <p:nvPr>
+            <p:ph idx="1"/>
+          </p:nvPr>
+        </p:nvSpPr>
+        <p:spPr/>
+        <p:txBody>
+          <a:bodyPr/>
+          <a:lstStyle/>
+          <a:p>
+            <a:r>
+              <a:rPr lang="en-US" dirty="0"/>
+              <a:t>Inline code fragments and file names are rendered as, e.g., </a:t>
+            </a:r>
+            <a:r>
+              <a:rPr lang="en-US" dirty="0">
+                <a:latin typeface="Courier New" pitchFamily="49" charset="0"/>
+                <a:cs typeface="Courier New" pitchFamily="49" charset="0"/>
+              </a:rPr>
+              <a:t>hello_world.py</a:t>
+            </a:r>
+          </a:p>
+          <a:p>
+            <a:r>
+              <a:rPr lang="en-US" dirty="0"/>
+              <a:t>Longer code fragments are rendered </a:t>
+            </a:r>
+            <a:r>
+              <a:rPr lang="en-US" dirty="0" smtClean="0"/>
+              <a:t>as</a:t>
+            </a:r>
+          </a:p>
+          <a:p>
+            <a:endParaRPr lang="en-US" dirty="0">
+              <a:solidFill>
+                <a:srgbClr val="FF0000"/>
+              </a:solidFill>
+            </a:endParaRPr>
+          </a:p>
+          <a:p>
+            <a:endParaRPr lang="en-US" dirty="0" smtClean="0">
+              <a:solidFill>
+                <a:srgbClr val="FF0000"/>
+              </a:solidFill>
+            </a:endParaRPr>
+          </a:p>
+          <a:p>
+            <a:r>
+              <a:rPr lang="en-US" dirty="0" smtClean="0"/>
+              <a:t>Data files are rendered as</a:t>
+            </a:r>
+            <a:endParaRPr lang="nl-BE" dirty="0"/>
+          </a:p>
+          <a:p>
+            <a:endParaRPr lang="nl-BE" dirty="0"/>
+          </a:p>
+        </p:txBody>
+      </p:sp>
+      <p:sp>
+        <p:nvSpPr>
+          <p:cNvPr id="4" name="Slide Number Placeholder 3"/>
+          <p:cNvSpPr>
+            <a:spLocks noGrp="1"/>
+          </p:cNvSpPr>
+          <p:nvPr>
+            <p:ph type="sldNum" sz="quarter" idx="12"/>
+          </p:nvPr>
+        </p:nvSpPr>
+        <p:spPr/>
+        <p:txBody>
+          <a:bodyPr/>
+          <a:lstStyle/>
+          <a:p>
+            <a:fld id="{5A209D72-2E9D-49B0-8977-41DCCC66C0BB}" type="slidenum">
+              <a:rPr lang="nl-BE" smtClean="0"/>
+              <a:t>4</a:t>
+            </a:fld>
+            <a:endParaRPr lang="nl-BE"/>
+          </a:p>
+        </p:txBody>
+      </p:sp>
+      <p:sp>
+        <p:nvSpPr>
+          <p:cNvPr id="5" name="TextBox 4"/>
+          <p:cNvSpPr txBox="1"/>
+          <p:nvPr/>
+        </p:nvSpPr>
+        <p:spPr>
+          <a:xfrm>
+            <a:off x="2855641" y="3137030"/>
+            <a:ext cx="5285421" cy="1200329"/>
+          </a:xfrm>
+          <a:prstGeom prst="rect">
+            <a:avLst/>
+          </a:prstGeom>
+          <a:solidFill>
+            <a:schemeClr val="bg1">
+              <a:lumMod val="85000"/>
+            </a:schemeClr>
+          </a:solidFill>
+        </p:spPr>
+        <p:txBody>
+          <a:bodyPr wrap="square" rtlCol="0">
+            <a:spAutoFit/>
+          </a:bodyPr>
+          <a:lstStyle/>
+          <a:p>
+            <a:r>
+              <a:rPr lang="en-US" dirty="0">
+                <a:latin typeface="Courier New" pitchFamily="49" charset="0"/>
+                <a:cs typeface="Courier New" pitchFamily="49" charset="0"/>
+              </a:rPr>
+              <a:t>#!/</a:t>
+            </a:r>
+            <a:r>
+              <a:rPr lang="en-US" dirty="0" err="1">
+                <a:latin typeface="Courier New" pitchFamily="49" charset="0"/>
+                <a:cs typeface="Courier New" pitchFamily="49" charset="0"/>
+              </a:rPr>
+              <a:t>usr</a:t>
+            </a:r>
+            <a:r>
+              <a:rPr lang="en-US" dirty="0">
+                <a:latin typeface="Courier New" pitchFamily="49" charset="0"/>
+                <a:cs typeface="Courier New" pitchFamily="49" charset="0"/>
+              </a:rPr>
+              <a:t>/bin/</a:t>
+            </a:r>
+            <a:r>
+              <a:rPr lang="en-US" dirty="0" err="1">
+                <a:latin typeface="Courier New" pitchFamily="49" charset="0"/>
+                <a:cs typeface="Courier New" pitchFamily="49" charset="0"/>
+              </a:rPr>
+              <a:t>env</a:t>
+            </a:r>
+            <a:r>
+              <a:rPr lang="en-US" dirty="0">
+                <a:latin typeface="Courier New" pitchFamily="49" charset="0"/>
+                <a:cs typeface="Courier New" pitchFamily="49" charset="0"/>
+              </a:rPr>
+              <a:t> python</a:t>
+            </a:r>
+          </a:p>
+          <a:p>
+            <a:r>
+              <a:rPr lang="en-US" dirty="0">
+                <a:latin typeface="Courier New" pitchFamily="49" charset="0"/>
+                <a:cs typeface="Courier New" pitchFamily="49" charset="0"/>
+              </a:rPr>
+              <a:t>…</a:t>
+            </a:r>
+          </a:p>
+          <a:p>
+            <a:r>
+              <a:rPr lang="en-US" dirty="0">
+                <a:latin typeface="Courier New" pitchFamily="49" charset="0"/>
+                <a:cs typeface="Courier New" pitchFamily="49" charset="0"/>
+              </a:rPr>
+              <a:t>if __name__ == '__main__':</a:t>
+            </a:r>
+          </a:p>
+          <a:p>
+            <a:r>
+              <a:rPr lang="en-US" dirty="0">
+                <a:latin typeface="Courier New" pitchFamily="49" charset="0"/>
+                <a:cs typeface="Courier New" pitchFamily="49" charset="0"/>
+              </a:rPr>
+              <a:t>    print('hello world!')</a:t>
+            </a:r>
+          </a:p>
+        </p:txBody>
+      </p:sp>
+      <p:sp>
+        <p:nvSpPr>
+          <p:cNvPr id="6" name="TextBox 5"/>
+          <p:cNvSpPr txBox="1"/>
+          <p:nvPr/>
+        </p:nvSpPr>
+        <p:spPr>
+          <a:xfrm>
+            <a:off x="2855640" y="4841414"/>
+            <a:ext cx="5285421" cy="1569660"/>
+          </a:xfrm>
+          <a:prstGeom prst="rect">
+            <a:avLst/>
+          </a:prstGeom>
+          <a:solidFill>
+            <a:schemeClr val="accent6">
+              <a:lumMod val="20000"/>
+              <a:lumOff val="80000"/>
+            </a:schemeClr>
+          </a:solidFill>
+        </p:spPr>
+        <p:txBody>
+          <a:bodyPr wrap="square" rtlCol="0">
+            <a:spAutoFit/>
+          </a:bodyPr>
+          <a:lstStyle/>
+          <a:p>
+            <a:r>
+              <a:rPr lang="en-US" sz="1600" dirty="0">
+                <a:latin typeface="Courier New" pitchFamily="49" charset="0"/>
+                <a:cs typeface="Courier New" pitchFamily="49" charset="0"/>
+              </a:rPr>
+              <a:t>case dim temp</a:t>
+            </a:r>
+          </a:p>
+          <a:p>
+            <a:r>
+              <a:rPr lang="en-US" sz="1600" dirty="0">
+                <a:latin typeface="Courier New" pitchFamily="49" charset="0"/>
+                <a:cs typeface="Courier New" pitchFamily="49" charset="0"/>
+              </a:rPr>
+              <a:t>1 1 -0.5</a:t>
+            </a:r>
+          </a:p>
+          <a:p>
+            <a:r>
+              <a:rPr lang="en-US" sz="1600" dirty="0">
+                <a:latin typeface="Courier New" pitchFamily="49" charset="0"/>
+                <a:cs typeface="Courier New" pitchFamily="49" charset="0"/>
+              </a:rPr>
+              <a:t>2 1 0.0</a:t>
+            </a:r>
+          </a:p>
+          <a:p>
+            <a:r>
+              <a:rPr lang="en-US" sz="1600" dirty="0">
+                <a:latin typeface="Courier New" pitchFamily="49" charset="0"/>
+                <a:cs typeface="Courier New" pitchFamily="49" charset="0"/>
+              </a:rPr>
+              <a:t>3 1 0.5</a:t>
+            </a:r>
+          </a:p>
+          <a:p>
+            <a:r>
+              <a:rPr lang="en-US" sz="1600" dirty="0">
+                <a:latin typeface="Courier New" pitchFamily="49" charset="0"/>
+                <a:cs typeface="Courier New" pitchFamily="49" charset="0"/>
+              </a:rPr>
+              <a:t>4 2 -0.5</a:t>
+            </a:r>
+          </a:p>
+          <a:p>
+            <a:r>
+              <a:rPr lang="en-US" sz="1600" dirty="0">
+                <a:latin typeface="Courier New" pitchFamily="49" charset="0"/>
+                <a:cs typeface="Courier New" pitchFamily="49" charset="0"/>
+              </a:rPr>
+              <a:t>…</a:t>
+            </a:r>
+          </a:p>
+        </p:txBody>
+      </p:sp>
+      <p:grpSp>
+        <p:nvGrpSpPr>
+          <p:cNvPr id="14" name="Group 13"/>
+          <p:cNvGrpSpPr/>
+          <p:nvPr/>
+        </p:nvGrpSpPr>
+        <p:grpSpPr>
+          <a:xfrm>
+            <a:off x="2845250" y="3484460"/>
+            <a:ext cx="3564285" cy="2926615"/>
+            <a:chOff x="1321249" y="3584213"/>
+            <a:chExt cx="3564285" cy="2926615"/>
+          </a:xfrm>
+        </p:grpSpPr>
+        <p:sp>
+          <p:nvSpPr>
+            <p:cNvPr id="7" name="Oval 6"/>
+            <p:cNvSpPr/>
+            <p:nvPr/>
+          </p:nvSpPr>
+          <p:spPr>
+            <a:xfrm>
+              <a:off x="1331639" y="6237312"/>
+              <a:ext cx="360041" cy="273516"/>
+            </a:xfrm>
+            <a:prstGeom prst="ellipse">
+              <a:avLst/>
+            </a:prstGeom>
+            <a:noFill/>
+            <a:ln>
+              <a:solidFill>
+                <a:srgbClr val="C00000"/>
+              </a:solidFill>
+            </a:ln>
+          </p:spPr>
+          <p:style>
+            <a:lnRef idx="2">
+              <a:schemeClr val="accent1">
+                <a:shade val="50000"/>
+              </a:schemeClr>
+            </a:lnRef>
+            <a:fillRef idx="1">
+              <a:schemeClr val="accent1"/>
+            </a:fillRef>
+            <a:effectRef idx="0">
+              <a:schemeClr val="accent1"/>
+            </a:effectRef>
+            <a:fontRef idx="minor">
+              <a:schemeClr val="lt1"/>
+            </a:fontRef>
+          </p:style>
+          <p:txBody>
+            <a:bodyPr rtlCol="0" anchor="ctr"/>
+            <a:lstStyle/>
+            <a:p>
+              <a:pPr algn="ctr"/>
+              <a:endParaRPr lang="nl-BE"/>
+            </a:p>
+          </p:txBody>
+        </p:sp>
+        <p:cxnSp>
+          <p:nvCxnSpPr>
+            <p:cNvPr id="9" name="Straight Arrow Connector 8"/>
+            <p:cNvCxnSpPr>
+              <a:stCxn id="10" idx="1"/>
+              <a:endCxn id="7" idx="6"/>
+            </p:cNvCxnSpPr>
+            <p:nvPr/>
+          </p:nvCxnSpPr>
+          <p:spPr>
+            <a:xfrm flipH="1">
+              <a:off x="1691680" y="5858572"/>
+              <a:ext cx="2016224" cy="515498"/>
+            </a:xfrm>
+            <a:prstGeom prst="straightConnector1">
+              <a:avLst/>
+            </a:prstGeom>
+            <a:ln w="28575">
+              <a:solidFill>
+                <a:srgbClr val="C00000"/>
+              </a:solidFill>
+              <a:tailEnd type="stealth" w="lg" len="lg"/>
+            </a:ln>
+          </p:spPr>
+          <p:style>
+            <a:lnRef idx="1">
+              <a:schemeClr val="accent1"/>
+            </a:lnRef>
+            <a:fillRef idx="0">
+              <a:schemeClr val="accent1"/>
+            </a:fillRef>
+            <a:effectRef idx="0">
+              <a:schemeClr val="accent1"/>
+            </a:effectRef>
+            <a:fontRef idx="minor">
+              <a:schemeClr val="tx1"/>
+            </a:fontRef>
+          </p:style>
+        </p:cxnSp>
+        <p:sp>
+          <p:nvSpPr>
+            <p:cNvPr id="10" name="TextBox 9"/>
+            <p:cNvSpPr txBox="1"/>
+            <p:nvPr/>
+          </p:nvSpPr>
+          <p:spPr>
+            <a:xfrm>
+              <a:off x="3707904" y="5535406"/>
+              <a:ext cx="1177630" cy="646331"/>
+            </a:xfrm>
+            <a:prstGeom prst="rect">
+              <a:avLst/>
+            </a:prstGeom>
+            <a:solidFill>
+              <a:schemeClr val="bg1"/>
+            </a:solidFill>
+            <a:ln w="19050">
+              <a:solidFill>
+                <a:srgbClr val="C00000"/>
+              </a:solidFill>
+            </a:ln>
+          </p:spPr>
+          <p:txBody>
+            <a:bodyPr wrap="none" rtlCol="0">
+              <a:spAutoFit/>
+            </a:bodyPr>
+            <a:lstStyle/>
+            <a:p>
+              <a:r>
+                <a:rPr lang="en-US" dirty="0"/>
+                <a:t>fragment</a:t>
+              </a:r>
+              <a:br>
+                <a:rPr lang="en-US" dirty="0"/>
+              </a:br>
+              <a:r>
+                <a:rPr lang="en-US" dirty="0"/>
+                <a:t>not shown</a:t>
+              </a:r>
+              <a:endParaRPr lang="nl-BE" dirty="0"/>
+            </a:p>
+          </p:txBody>
+        </p:sp>
+        <p:sp>
+          <p:nvSpPr>
+            <p:cNvPr id="11" name="Oval 10"/>
+            <p:cNvSpPr/>
+            <p:nvPr/>
+          </p:nvSpPr>
+          <p:spPr>
+            <a:xfrm>
+              <a:off x="1321249" y="3584213"/>
+              <a:ext cx="360041" cy="273516"/>
+            </a:xfrm>
+            <a:prstGeom prst="ellipse">
+              <a:avLst/>
+            </a:prstGeom>
+            <a:noFill/>
+            <a:ln>
+              <a:solidFill>
+                <a:srgbClr val="C00000"/>
+              </a:solidFill>
+            </a:ln>
+          </p:spPr>
+          <p:style>
+            <a:lnRef idx="2">
+              <a:schemeClr val="accent1">
+                <a:shade val="50000"/>
+              </a:schemeClr>
+            </a:lnRef>
+            <a:fillRef idx="1">
+              <a:schemeClr val="accent1"/>
+            </a:fillRef>
+            <a:effectRef idx="0">
+              <a:schemeClr val="accent1"/>
+            </a:effectRef>
+            <a:fontRef idx="minor">
+              <a:schemeClr val="lt1"/>
+            </a:fontRef>
+          </p:style>
+          <p:txBody>
+            <a:bodyPr rtlCol="0" anchor="ctr"/>
+            <a:lstStyle/>
+            <a:p>
+              <a:pPr algn="ctr"/>
+              <a:endParaRPr lang="nl-BE"/>
+            </a:p>
+          </p:txBody>
+        </p:sp>
+        <p:cxnSp>
+          <p:nvCxnSpPr>
+            <p:cNvPr id="12" name="Straight Arrow Connector 11"/>
+            <p:cNvCxnSpPr>
+              <a:stCxn id="10" idx="1"/>
+              <a:endCxn id="11" idx="6"/>
+            </p:cNvCxnSpPr>
+            <p:nvPr/>
+          </p:nvCxnSpPr>
+          <p:spPr>
+            <a:xfrm flipH="1" flipV="1">
+              <a:off x="1681290" y="3720971"/>
+              <a:ext cx="2026614" cy="2137601"/>
+            </a:xfrm>
+            <a:prstGeom prst="straightConnector1">
+              <a:avLst/>
+            </a:prstGeom>
+            <a:ln w="28575">
+              <a:solidFill>
+                <a:srgbClr val="C00000"/>
+              </a:solidFill>
+              <a:tailEnd type="stealth" w="lg" len="lg"/>
+            </a:ln>
+          </p:spPr>
+          <p:style>
+            <a:lnRef idx="1">
+              <a:schemeClr val="accent1"/>
+            </a:lnRef>
+            <a:fillRef idx="0">
+              <a:schemeClr val="accent1"/>
+            </a:fillRef>
+            <a:effectRef idx="0">
+              <a:schemeClr val="accent1"/>
+            </a:effectRef>
+            <a:fontRef idx="minor">
+              <a:schemeClr val="tx1"/>
+            </a:fontRef>
+          </p:style>
+        </p:cxnSp>
+      </p:grpSp>
+    </p:spTree>
+    <p:extLst>
+      <p:ext uri="{BB962C8B-B14F-4D97-AF65-F5344CB8AC3E}">
+        <p14:creationId xmlns:p14="http://schemas.microsoft.com/office/powerpoint/2010/main" val="3706909188"/>
+      </p:ext>
+    </p:extLst>
+  </p:cSld>
+  <p:clrMapOvr>
+    <a:masterClrMapping/>
+  </p:clrMapOvr>
+  <p:timing>
+    <p:tnLst>
+      <p:par>
+        <p:cTn id="1" dur="indefinite" restart="never" nodeType="tmRoot">
+          <p:childTnLst>
+            <p:seq concurrent="1" nextAc="seek">
+              <p:cTn id="2" dur="indefinite" nodeType="mainSeq">
+                <p:childTnLst>
+                  <p:par>
+                    <p:cTn id="3" fill="hold">
+                      <p:stCondLst>
+                        <p:cond delay="indefinite"/>
+                        <p:cond evt="onBegin" delay="0">
+                          <p:tn val="2"/>
+                        </p:cond>
+                      </p:stCondLst>
+                      <p:childTnLst>
+                        <p:par>
+                          <p:cTn id="4" fill="hold">
+                            <p:stCondLst>
+                              <p:cond delay="0"/>
+                            </p:stCondLst>
+                            <p:childTnLst>
+                              <p:par>
+                                <p:cTn id="5" presetID="1" presetClass="entr" presetSubtype="0" fill="hold" grpId="0" nodeType="withEffect">
+                                  <p:stCondLst>
+                                    <p:cond delay="0"/>
+                                  </p:stCondLst>
+                                  <p:childTnLst>
+                                    <p:set>
+                                      <p:cBhvr>
+                                        <p:cTn id="6" dur="1" fill="hold">
+                                          <p:stCondLst>
+                                            <p:cond delay="0"/>
+                                          </p:stCondLst>
+                                        </p:cTn>
+                                        <p:tgtEl>
+                                          <p:spTgt spid="3">
+                                            <p:txEl>
+                                              <p:pRg st="0" end="0"/>
+                                            </p:txEl>
+                                          </p:spTgt>
+                                        </p:tgtEl>
+                                        <p:attrNameLst>
+                                          <p:attrName>style.visibility</p:attrName>
+                                        </p:attrNameLst>
+                                      </p:cBhvr>
+                                      <p:to>
+                                        <p:strVal val="visible"/>
+                                      </p:to>
+                                    </p:set>
+                                  </p:childTnLst>
+                                </p:cTn>
+                              </p:par>
+                            </p:childTnLst>
+                          </p:cTn>
+                        </p:par>
+                      </p:childTnLst>
+                    </p:cTn>
+                  </p:par>
+                  <p:par>
+                    <p:cTn id="7" fill="hold">
+                      <p:stCondLst>
+                        <p:cond delay="indefinite"/>
+                      </p:stCondLst>
+                      <p:childTnLst>
+                        <p:par>
+                          <p:cTn id="8" fill="hold">
+                            <p:stCondLst>
+                              <p:cond delay="0"/>
+                            </p:stCondLst>
+                            <p:childTnLst>
+                              <p:par>
+                                <p:cTn id="9" presetID="1" presetClass="entr" presetSubtype="0" fill="hold" grpId="0" nodeType="clickEffect">
+                                  <p:stCondLst>
+                                    <p:cond delay="0"/>
+                                  </p:stCondLst>
+                                  <p:childTnLst>
+                                    <p:set>
+                                      <p:cBhvr>
+                                        <p:cTn id="10" dur="1" fill="hold">
+                                          <p:stCondLst>
+                                            <p:cond delay="0"/>
+                                          </p:stCondLst>
+                                        </p:cTn>
+                                        <p:tgtEl>
+                                          <p:spTgt spid="3">
+                                            <p:txEl>
+                                              <p:pRg st="1" end="1"/>
+                                            </p:txEl>
+                                          </p:spTgt>
+                                        </p:tgtEl>
+                                        <p:attrNameLst>
+                                          <p:attrName>style.visibility</p:attrName>
+                                        </p:attrNameLst>
+                                      </p:cBhvr>
+                                      <p:to>
+                                        <p:strVal val="visible"/>
+                                      </p:to>
+                                    </p:set>
+                                  </p:childTnLst>
+                                </p:cTn>
+                              </p:par>
+                              <p:par>
+                                <p:cTn id="11" presetID="1" presetClass="entr" presetSubtype="0" fill="hold" grpId="0" nodeType="withEffect">
+                                  <p:stCondLst>
+                                    <p:cond delay="0"/>
+                                  </p:stCondLst>
+                                  <p:childTnLst>
+                                    <p:set>
+                                      <p:cBhvr>
+                                        <p:cTn id="12" dur="1" fill="hold">
+                                          <p:stCondLst>
+                                            <p:cond delay="0"/>
+                                          </p:stCondLst>
+                                        </p:cTn>
+                                        <p:tgtEl>
+                                          <p:spTgt spid="5"/>
+                                        </p:tgtEl>
+                                        <p:attrNameLst>
+                                          <p:attrName>style.visibility</p:attrName>
+                                        </p:attrNameLst>
+                                      </p:cBhvr>
+                                      <p:to>
+                                        <p:strVal val="visible"/>
+                                      </p:to>
+                                    </p:set>
+                                  </p:childTnLst>
+                                </p:cTn>
+                              </p:par>
+                            </p:childTnLst>
+                          </p:cTn>
+                        </p:par>
+                      </p:childTnLst>
+                    </p:cTn>
+                  </p:par>
+                  <p:par>
+                    <p:cTn id="13" fill="hold">
+                      <p:stCondLst>
+                        <p:cond delay="indefinite"/>
+                      </p:stCondLst>
+                      <p:childTnLst>
+                        <p:par>
+                          <p:cTn id="14" fill="hold">
+                            <p:stCondLst>
+                              <p:cond delay="0"/>
+                            </p:stCondLst>
+                            <p:childTnLst>
+                              <p:par>
+                                <p:cTn id="15" presetID="1" presetClass="entr" presetSubtype="0" fill="hold" grpId="0" nodeType="clickEffect">
+                                  <p:stCondLst>
+                                    <p:cond delay="0"/>
+                                  </p:stCondLst>
+                                  <p:childTnLst>
+                                    <p:set>
+                                      <p:cBhvr>
+                                        <p:cTn id="16" dur="1" fill="hold">
+                                          <p:stCondLst>
+                                            <p:cond delay="0"/>
+                                          </p:stCondLst>
+                                        </p:cTn>
+                                        <p:tgtEl>
+                                          <p:spTgt spid="3">
+                                            <p:txEl>
+                                              <p:pRg st="4" end="4"/>
+                                            </p:txEl>
+                                          </p:spTgt>
+                                        </p:tgtEl>
+                                        <p:attrNameLst>
+                                          <p:attrName>style.visibility</p:attrName>
+                                        </p:attrNameLst>
+                                      </p:cBhvr>
+                                      <p:to>
+                                        <p:strVal val="visible"/>
+                                      </p:to>
+                                    </p:set>
+                                  </p:childTnLst>
+                                </p:cTn>
+                              </p:par>
+                              <p:par>
+                                <p:cTn id="17" presetID="1" presetClass="entr" presetSubtype="0" fill="hold" grpId="0" nodeType="withEffect">
+                                  <p:stCondLst>
+                                    <p:cond delay="0"/>
+                                  </p:stCondLst>
+                                  <p:childTnLst>
+                                    <p:set>
+                                      <p:cBhvr>
+                                        <p:cTn id="18" dur="1" fill="hold">
+                                          <p:stCondLst>
+                                            <p:cond delay="0"/>
+                                          </p:stCondLst>
+                                        </p:cTn>
+                                        <p:tgtEl>
+                                          <p:spTgt spid="6"/>
+                                        </p:tgtEl>
+                                        <p:attrNameLst>
+                                          <p:attrName>style.visibility</p:attrName>
+                                        </p:attrNameLst>
+                                      </p:cBhvr>
+                                      <p:to>
+                                        <p:strVal val="visible"/>
+                                      </p:to>
+                                    </p:set>
+                                  </p:childTnLst>
+                                </p:cTn>
+                              </p:par>
+                            </p:childTnLst>
+                          </p:cTn>
+                        </p:par>
+                      </p:childTnLst>
+                    </p:cTn>
+                  </p:par>
+                  <p:par>
+                    <p:cTn id="19" fill="hold">
+                      <p:stCondLst>
+                        <p:cond delay="indefinite"/>
+                      </p:stCondLst>
+                      <p:childTnLst>
+                        <p:par>
+                          <p:cTn id="20" fill="hold">
+                            <p:stCondLst>
+                              <p:cond delay="0"/>
+                            </p:stCondLst>
+                            <p:childTnLst>
+                              <p:par>
+                                <p:cTn id="21" presetID="1" presetClass="entr" presetSubtype="0" fill="hold" nodeType="clickEffect">
+                                  <p:stCondLst>
+                                    <p:cond delay="0"/>
+                                  </p:stCondLst>
+                                  <p:childTnLst>
+                                    <p:set>
+                                      <p:cBhvr>
+                                        <p:cTn id="22" dur="1" fill="hold">
+                                          <p:stCondLst>
+                                            <p:cond delay="0"/>
+                                          </p:stCondLst>
+                                        </p:cTn>
+                                        <p:tgtEl>
+                                          <p:spTgt spid="14"/>
+                                        </p:tgtEl>
+                                        <p:attrNameLst>
+                                          <p:attrName>style.visibility</p:attrName>
+                                        </p:attrNameLst>
+                                      </p:cBhvr>
+                                      <p:to>
+                                        <p:strVal val="visible"/>
+                                      </p:to>
+                                    </p:set>
+                                  </p:childTnLst>
+                                </p:cTn>
+                              </p:par>
+                            </p:childTnLst>
+                          </p:cTn>
+                        </p:par>
+                      </p:childTnLst>
+                    </p:cTn>
+                  </p:par>
+                </p:childTnLst>
+              </p:cTn>
+              <p:prevCondLst>
+                <p:cond evt="onPrev" delay="0">
+                  <p:tgtEl>
+                    <p:sldTgt/>
+                  </p:tgtEl>
+                </p:cond>
+              </p:prevCondLst>
+              <p:nextCondLst>
+                <p:cond evt="onNext" delay="0">
+                  <p:tgtEl>
+                    <p:sldTgt/>
+                  </p:tgtEl>
+                </p:cond>
+              </p:nextCondLst>
+            </p:seq>
+          </p:childTnLst>
+        </p:cTn>
+      </p:par>
+    </p:tnLst>
+    <p:bldLst>
+      <p:bldP spid="3" grpId="0" uiExpand="1" build="p"/>
+      <p:bldP spid="5" grpId="0" animBg="1"/>
+      <p:bldP spid="6" grpId="0" animBg="1"/>
+    </p:bldLst>
+  </p:timing>
+</p:sld>
+</file>
+
+<file path=ppt/slides/slide5.xml><?xml version="1.0" encoding="utf-8"?>
+<p:sld xmlns:a="http://schemas.openxmlformats.org/drawingml/2006/main" xmlns:r="http://schemas.openxmlformats.org/officeDocument/2006/relationships" xmlns:p="http://schemas.openxmlformats.org/presentationml/2006/main">
+  <p:cSld>
+    <p:spTree>
+      <p:nvGrpSpPr>
+        <p:cNvPr id="1" name=""/>
+        <p:cNvGrpSpPr/>
+        <p:nvPr/>
+      </p:nvGrpSpPr>
+      <p:grpSpPr>
+        <a:xfrm>
+          <a:off x="0" y="0"/>
+          <a:ext cx="0" cy="0"/>
+          <a:chOff x="0" y="0"/>
+          <a:chExt cx="0" cy="0"/>
+        </a:xfrm>
+      </p:grpSpPr>
+      <p:sp>
+        <p:nvSpPr>
+          <p:cNvPr id="2" name="Title 1"/>
+          <p:cNvSpPr>
+            <a:spLocks noGrp="1"/>
+          </p:cNvSpPr>
+          <p:nvPr>
+            <p:ph type="title"/>
+          </p:nvPr>
+        </p:nvSpPr>
+        <p:spPr/>
+        <p:txBody>
+          <a:bodyPr>
+            <a:normAutofit/>
+          </a:bodyPr>
+          <a:lstStyle/>
+          <a:p>
+            <a:r>
+              <a:rPr lang="en-US" dirty="0" smtClean="0"/>
+              <a:t>Icing on application:</a:t>
+            </a:r>
+            <a:br>
+              <a:rPr lang="en-US" dirty="0" smtClean="0"/>
+            </a:br>
+            <a:r>
+              <a:rPr lang="en-US" dirty="0" smtClean="0"/>
+              <a:t>Python's </a:t>
+            </a:r>
+            <a:r>
+              <a:rPr lang="en-US" dirty="0" err="1" smtClean="0"/>
+              <a:t>argparse</a:t>
+            </a:r>
+            <a:r>
+              <a:rPr lang="en-US" dirty="0" smtClean="0"/>
+              <a:t>, </a:t>
+            </a:r>
+            <a:r>
+              <a:rPr lang="en-US" dirty="0" err="1" smtClean="0"/>
+              <a:t>ConfigParser</a:t>
+            </a:r>
+            <a:endParaRPr lang="en-US" dirty="0"/>
+          </a:p>
+        </p:txBody>
+      </p:sp>
+      <p:sp>
+        <p:nvSpPr>
+          <p:cNvPr id="3" name="Text Placeholder 2"/>
+          <p:cNvSpPr>
+            <a:spLocks noGrp="1"/>
+          </p:cNvSpPr>
+          <p:nvPr>
+            <p:ph type="body" idx="1"/>
+          </p:nvPr>
+        </p:nvSpPr>
+        <p:spPr/>
+        <p:txBody>
+          <a:bodyPr>
+            <a:normAutofit/>
+          </a:bodyPr>
+          <a:lstStyle/>
+          <a:p>
+            <a:r>
+              <a:rPr lang="en-US" sz="1600" dirty="0">
+                <a:hlinkClick r:id="rId2"/>
+              </a:rPr>
+              <a:t>https://</a:t>
+            </a:r>
+            <a:r>
+              <a:rPr lang="en-US" sz="1600" dirty="0" smtClean="0">
+                <a:hlinkClick r:id="rId2"/>
+              </a:rPr>
+              <a:t>github.com/gjbex/Python-for-systems-programming/tree/master/source-code/command-line-arguments/</a:t>
+            </a:r>
+            <a:r>
+              <a:rPr lang="en-US" sz="1600" dirty="0" smtClean="0"/>
+              <a:t> </a:t>
+            </a:r>
+            <a:endParaRPr lang="en-US" sz="1600" dirty="0"/>
+          </a:p>
+          <a:p>
+            <a:r>
+              <a:rPr lang="en-US" sz="1600" dirty="0">
+                <a:hlinkClick r:id="rId3"/>
+              </a:rPr>
+              <a:t>https://</a:t>
+            </a:r>
+            <a:r>
+              <a:rPr lang="en-US" sz="1600" dirty="0" smtClean="0">
+                <a:hlinkClick r:id="rId3"/>
+              </a:rPr>
+              <a:t>github.com/gjbex/Python-for-systems-programming/tree/master/source-code/config-parser</a:t>
+            </a:r>
+            <a:r>
+              <a:rPr lang="en-US" sz="1600" dirty="0" smtClean="0"/>
+              <a:t> </a:t>
+            </a:r>
+            <a:endParaRPr lang="en-US" sz="1800" dirty="0"/>
+          </a:p>
+        </p:txBody>
+      </p:sp>
+      <p:sp>
+        <p:nvSpPr>
+          <p:cNvPr id="4" name="Slide Number Placeholder 3"/>
+          <p:cNvSpPr>
+            <a:spLocks noGrp="1"/>
+          </p:cNvSpPr>
+          <p:nvPr>
+            <p:ph type="sldNum" sz="quarter" idx="12"/>
+          </p:nvPr>
+        </p:nvSpPr>
+        <p:spPr/>
+        <p:txBody>
+          <a:bodyPr/>
+          <a:lstStyle/>
+          <a:p>
+            <a:fld id="{5A209D72-2E9D-49B0-8977-41DCCC66C0BB}" type="slidenum">
+              <a:rPr lang="nl-BE">
+                <a:solidFill>
+                  <a:prstClr val="black">
+                    <a:tint val="75000"/>
+                  </a:prstClr>
+                </a:solidFill>
+                <a:latin typeface="Calibri"/>
+              </a:rPr>
+              <a:pPr/>
+              <a:t>5</a:t>
+            </a:fld>
+            <a:endParaRPr lang="nl-BE">
+              <a:solidFill>
+                <a:prstClr val="black">
+                  <a:tint val="75000"/>
+                </a:prstClr>
+              </a:solidFill>
+              <a:latin typeface="Calibri"/>
+            </a:endParaRPr>
+          </a:p>
+        </p:txBody>
+      </p:sp>
+    </p:spTree>
+    <p:extLst>
+      <p:ext uri="{BB962C8B-B14F-4D97-AF65-F5344CB8AC3E}">
+        <p14:creationId xmlns:p14="http://schemas.microsoft.com/office/powerpoint/2010/main" val="3590249580"/>
+      </p:ext>
+    </p:extLst>
+  </p:cSld>
+  <p:clrMapOvr>
+    <a:masterClrMapping/>
+  </p:clrMapOvr>
+  <p:timing>
+    <p:tnLst>
+      <p:par>
+        <p:cTn id="1" dur="indefinite" restart="never" nodeType="tmRoot"/>
+      </p:par>
+    </p:tnLst>
+  </p:timing>
+</p:sld>
+</file>
+
+<file path=ppt/slides/slide6.xml><?xml version="1.0" encoding="utf-8"?>
+<p:sld xmlns:a="http://schemas.openxmlformats.org/drawingml/2006/main" xmlns:r="http://schemas.openxmlformats.org/officeDocument/2006/relationships" xmlns:p="http://schemas.openxmlformats.org/presentationml/2006/main">
+  <p:cSld>
+    <p:spTree>
+      <p:nvGrpSpPr>
+        <p:cNvPr id="1" name=""/>
+        <p:cNvGrpSpPr/>
+        <p:nvPr/>
+      </p:nvGrpSpPr>
+      <p:grpSpPr>
+        <a:xfrm>
+          <a:off x="0" y="0"/>
+          <a:ext cx="0" cy="0"/>
+          <a:chOff x="0" y="0"/>
+          <a:chExt cx="0" cy="0"/>
+        </a:xfrm>
+      </p:grpSpPr>
+      <p:sp>
+        <p:nvSpPr>
+          <p:cNvPr id="2" name="Title 1"/>
+          <p:cNvSpPr>
+            <a:spLocks noGrp="1"/>
+          </p:cNvSpPr>
+          <p:nvPr>
+            <p:ph type="title"/>
+          </p:nvPr>
+        </p:nvSpPr>
+        <p:spPr/>
+        <p:txBody>
+          <a:bodyPr/>
+          <a:lstStyle/>
+          <a:p>
+            <a:r>
+              <a:rPr lang="en-US" dirty="0" smtClean="0"/>
+              <a:t>Handling command line arguments</a:t>
+            </a:r>
+            <a:endParaRPr lang="en-US" dirty="0"/>
+          </a:p>
+        </p:txBody>
+      </p:sp>
+      <p:sp>
+        <p:nvSpPr>
+          <p:cNvPr id="3" name="Content Placeholder 2"/>
+          <p:cNvSpPr>
+            <a:spLocks noGrp="1"/>
+          </p:cNvSpPr>
+          <p:nvPr>
+            <p:ph idx="1"/>
+          </p:nvPr>
+        </p:nvSpPr>
+        <p:spPr/>
+        <p:txBody>
+          <a:bodyPr>
+            <a:normAutofit lnSpcReduction="10000"/>
+          </a:bodyPr>
+          <a:lstStyle/>
+          <a:p>
+            <a:r>
+              <a:rPr lang="en-US" dirty="0" smtClean="0"/>
+              <a:t>Many tools start out as short script, evolve into applications used by many</a:t>
+            </a:r>
+          </a:p>
+          <a:p>
+            <a:r>
+              <a:rPr lang="en-US" dirty="0" smtClean="0"/>
+              <a:t>Model after Unix tools</a:t>
+            </a:r>
+          </a:p>
+          <a:p>
+            <a:pPr lvl="1"/>
+            <a:r>
+              <a:rPr lang="en-US" dirty="0" smtClean="0"/>
+              <a:t>Arguments</a:t>
+            </a:r>
+          </a:p>
+          <a:p>
+            <a:pPr lvl="1"/>
+            <a:r>
+              <a:rPr lang="en-US" dirty="0" smtClean="0"/>
+              <a:t>Flags</a:t>
+            </a:r>
+          </a:p>
+          <a:p>
+            <a:pPr lvl="1"/>
+            <a:r>
+              <a:rPr lang="en-US" dirty="0" smtClean="0"/>
+              <a:t>Options</a:t>
+            </a:r>
+          </a:p>
+          <a:p>
+            <a:r>
+              <a:rPr lang="en-US" dirty="0" smtClean="0"/>
+              <a:t>Python's </a:t>
+            </a:r>
+            <a:r>
+              <a:rPr lang="en-US" dirty="0" err="1" smtClean="0">
+                <a:latin typeface="Courier New" pitchFamily="49" charset="0"/>
+                <a:cs typeface="Courier New" pitchFamily="49" charset="0"/>
+              </a:rPr>
+              <a:t>argparse</a:t>
+            </a:r>
+            <a:r>
+              <a:rPr lang="en-US" dirty="0" smtClean="0"/>
+              <a:t> benefits</a:t>
+            </a:r>
+          </a:p>
+          <a:p>
+            <a:pPr lvl="1"/>
+            <a:r>
+              <a:rPr lang="en-US" dirty="0" smtClean="0"/>
+              <a:t>Easy to use</a:t>
+            </a:r>
+          </a:p>
+          <a:p>
+            <a:pPr lvl="1"/>
+            <a:r>
+              <a:rPr lang="en-US" dirty="0" smtClean="0"/>
+              <a:t>Self-documenting</a:t>
+            </a:r>
+          </a:p>
+          <a:p>
+            <a:pPr lvl="1"/>
+            <a:endParaRPr lang="en-US" dirty="0"/>
+          </a:p>
+        </p:txBody>
+      </p:sp>
+      <p:sp>
+        <p:nvSpPr>
+          <p:cNvPr id="4" name="Slide Number Placeholder 3"/>
+          <p:cNvSpPr>
+            <a:spLocks noGrp="1"/>
+          </p:cNvSpPr>
+          <p:nvPr>
+            <p:ph type="sldNum" sz="quarter" idx="12"/>
+          </p:nvPr>
+        </p:nvSpPr>
+        <p:spPr/>
+        <p:txBody>
+          <a:bodyPr/>
+          <a:lstStyle/>
+          <a:p>
+            <a:fld id="{5A209D72-2E9D-49B0-8977-41DCCC66C0BB}" type="slidenum">
+              <a:rPr lang="nl-BE">
+                <a:solidFill>
+                  <a:prstClr val="black">
+                    <a:tint val="75000"/>
+                  </a:prstClr>
+                </a:solidFill>
+                <a:latin typeface="Calibri"/>
+              </a:rPr>
+              <a:pPr/>
+              <a:t>6</a:t>
+            </a:fld>
+            <a:endParaRPr lang="nl-BE">
+              <a:solidFill>
+                <a:prstClr val="black">
+                  <a:tint val="75000"/>
+                </a:prstClr>
+              </a:solidFill>
+              <a:latin typeface="Calibri"/>
+            </a:endParaRPr>
+          </a:p>
+        </p:txBody>
+      </p:sp>
+    </p:spTree>
+    <p:extLst>
+      <p:ext uri="{BB962C8B-B14F-4D97-AF65-F5344CB8AC3E}">
+        <p14:creationId xmlns:p14="http://schemas.microsoft.com/office/powerpoint/2010/main" val="2534300650"/>
+      </p:ext>
+    </p:extLst>
+  </p:cSld>
+  <p:clrMapOvr>
+    <a:masterClrMapping/>
+  </p:clrMapOvr>
+  <p:timing>
+    <p:tnLst>
+      <p:par>
+        <p:cTn id="1" dur="indefinite" restart="never" nodeType="tmRoot">
+          <p:childTnLst>
+            <p:seq concurrent="1" nextAc="seek">
+              <p:cTn id="2" dur="indefinite" nodeType="mainSeq">
+                <p:childTnLst>
+                  <p:par>
+                    <p:cTn id="3" fill="hold">
+                      <p:stCondLst>
+                        <p:cond delay="indefinite"/>
+                        <p:cond evt="onBegin" delay="0">
+                          <p:tn val="2"/>
+                        </p:cond>
+                      </p:stCondLst>
+                      <p:childTnLst>
+                        <p:par>
+                          <p:cTn id="4" fill="hold">
+                            <p:stCondLst>
+                              <p:cond delay="0"/>
+                            </p:stCondLst>
+                            <p:childTnLst>
+                              <p:par>
+                                <p:cTn id="5" presetID="1" presetClass="entr" presetSubtype="0" fill="hold" grpId="0" nodeType="withEffect">
+                                  <p:stCondLst>
+                                    <p:cond delay="0"/>
+                                  </p:stCondLst>
+                                  <p:childTnLst>
+                                    <p:set>
+                                      <p:cBhvr>
+                                        <p:cTn id="6" dur="1" fill="hold">
+                                          <p:stCondLst>
+                                            <p:cond delay="0"/>
+                                          </p:stCondLst>
+                                        </p:cTn>
+                                        <p:tgtEl>
+                                          <p:spTgt spid="3">
+                                            <p:txEl>
+                                              <p:pRg st="0" end="0"/>
+                                            </p:txEl>
+                                          </p:spTgt>
+                                        </p:tgtEl>
+                                        <p:attrNameLst>
+                                          <p:attrName>style.visibility</p:attrName>
+                                        </p:attrNameLst>
+                                      </p:cBhvr>
+                                      <p:to>
+                                        <p:strVal val="visible"/>
+                                      </p:to>
+                                    </p:set>
+                                  </p:childTnLst>
+                                </p:cTn>
+                              </p:par>
+                            </p:childTnLst>
+                          </p:cTn>
+                        </p:par>
+                      </p:childTnLst>
+                    </p:cTn>
+                  </p:par>
+                  <p:par>
+                    <p:cTn id="7" fill="hold">
+                      <p:stCondLst>
+                        <p:cond delay="indefinite"/>
+                      </p:stCondLst>
+                      <p:childTnLst>
+                        <p:par>
+                          <p:cTn id="8" fill="hold">
+                            <p:stCondLst>
+                              <p:cond delay="0"/>
+                            </p:stCondLst>
+                            <p:childTnLst>
+                              <p:par>
+                                <p:cTn id="9" presetID="1" presetClass="entr" presetSubtype="0" fill="hold" grpId="0" nodeType="clickEffect">
+                                  <p:stCondLst>
+                                    <p:cond delay="0"/>
+                                  </p:stCondLst>
+                                  <p:childTnLst>
+                                    <p:set>
+                                      <p:cBhvr>
+                                        <p:cTn id="10" dur="1" fill="hold">
+                                          <p:stCondLst>
+                                            <p:cond delay="0"/>
+                                          </p:stCondLst>
+                                        </p:cTn>
+                                        <p:tgtEl>
+                                          <p:spTgt spid="3">
+                                            <p:txEl>
+                                              <p:pRg st="1" end="1"/>
+                                            </p:txEl>
+                                          </p:spTgt>
+                                        </p:tgtEl>
+                                        <p:attrNameLst>
+                                          <p:attrName>style.visibility</p:attrName>
+                                        </p:attrNameLst>
+                                      </p:cBhvr>
+                                      <p:to>
+                                        <p:strVal val="visible"/>
+                                      </p:to>
+                                    </p:set>
+                                  </p:childTnLst>
+                                </p:cTn>
+                              </p:par>
+                              <p:par>
+                                <p:cTn id="11" presetID="1" presetClass="entr" presetSubtype="0" fill="hold" grpId="0" nodeType="withEffect">
+                                  <p:stCondLst>
+                                    <p:cond delay="0"/>
+                                  </p:stCondLst>
+                                  <p:childTnLst>
+                                    <p:set>
+                                      <p:cBhvr>
+                                        <p:cTn id="12" dur="1" fill="hold">
+                                          <p:stCondLst>
+                                            <p:cond delay="0"/>
+                                          </p:stCondLst>
+                                        </p:cTn>
+                                        <p:tgtEl>
+                                          <p:spTgt spid="3">
+                                            <p:txEl>
+                                              <p:pRg st="2" end="2"/>
+                                            </p:txEl>
+                                          </p:spTgt>
+                                        </p:tgtEl>
+                                        <p:attrNameLst>
+                                          <p:attrName>style.visibility</p:attrName>
+                                        </p:attrNameLst>
+                                      </p:cBhvr>
+                                      <p:to>
+                                        <p:strVal val="visible"/>
+                                      </p:to>
+                                    </p:set>
+                                  </p:childTnLst>
+                                </p:cTn>
+                              </p:par>
+                              <p:par>
+                                <p:cTn id="13" presetID="1" presetClass="entr" presetSubtype="0" fill="hold" grpId="0" nodeType="withEffect">
+                                  <p:stCondLst>
+                                    <p:cond delay="0"/>
+                                  </p:stCondLst>
+                                  <p:childTnLst>
+                                    <p:set>
+                                      <p:cBhvr>
+                                        <p:cTn id="14" dur="1" fill="hold">
+                                          <p:stCondLst>
+                                            <p:cond delay="0"/>
+                                          </p:stCondLst>
+                                        </p:cTn>
+                                        <p:tgtEl>
+                                          <p:spTgt spid="3">
+                                            <p:txEl>
+                                              <p:pRg st="3" end="3"/>
+                                            </p:txEl>
+                                          </p:spTgt>
+                                        </p:tgtEl>
+                                        <p:attrNameLst>
+                                          <p:attrName>style.visibility</p:attrName>
+                                        </p:attrNameLst>
+                                      </p:cBhvr>
+                                      <p:to>
+                                        <p:strVal val="visible"/>
+                                      </p:to>
+                                    </p:set>
+                                  </p:childTnLst>
+                                </p:cTn>
+                              </p:par>
+                              <p:par>
+                                <p:cTn id="15" presetID="1" presetClass="entr" presetSubtype="0" fill="hold" grpId="0" nodeType="withEffect">
+                                  <p:stCondLst>
+                                    <p:cond delay="0"/>
+                                  </p:stCondLst>
+                                  <p:childTnLst>
+                                    <p:set>
+                                      <p:cBhvr>
+                                        <p:cTn id="16" dur="1" fill="hold">
+                                          <p:stCondLst>
+                                            <p:cond delay="0"/>
+                                          </p:stCondLst>
+                                        </p:cTn>
+                                        <p:tgtEl>
+                                          <p:spTgt spid="3">
+                                            <p:txEl>
+                                              <p:pRg st="4" end="4"/>
+                                            </p:txEl>
+                                          </p:spTgt>
+                                        </p:tgtEl>
+                                        <p:attrNameLst>
+                                          <p:attrName>style.visibility</p:attrName>
+                                        </p:attrNameLst>
+                                      </p:cBhvr>
+                                      <p:to>
+                                        <p:strVal val="visible"/>
+                                      </p:to>
+                                    </p:set>
+                                  </p:childTnLst>
+                                </p:cTn>
+                              </p:par>
+                            </p:childTnLst>
+                          </p:cTn>
+                        </p:par>
+                      </p:childTnLst>
+                    </p:cTn>
+                  </p:par>
+                  <p:par>
+                    <p:cTn id="17" fill="hold">
+                      <p:stCondLst>
+                        <p:cond delay="indefinite"/>
+                      </p:stCondLst>
+                      <p:childTnLst>
+                        <p:par>
+                          <p:cTn id="18" fill="hold">
+                            <p:stCondLst>
+                              <p:cond delay="0"/>
+                            </p:stCondLst>
+                            <p:childTnLst>
+                              <p:par>
+                                <p:cTn id="19" presetID="1" presetClass="entr" presetSubtype="0" fill="hold" grpId="0" nodeType="clickEffect">
+                                  <p:stCondLst>
+                                    <p:cond delay="0"/>
+                                  </p:stCondLst>
+                                  <p:childTnLst>
+                                    <p:set>
+                                      <p:cBhvr>
+                                        <p:cTn id="20" dur="1" fill="hold">
+                                          <p:stCondLst>
+                                            <p:cond delay="0"/>
+                                          </p:stCondLst>
+                                        </p:cTn>
+                                        <p:tgtEl>
+                                          <p:spTgt spid="3">
+                                            <p:txEl>
+                                              <p:pRg st="5" end="5"/>
+                                            </p:txEl>
+                                          </p:spTgt>
+                                        </p:tgtEl>
+                                        <p:attrNameLst>
+                                          <p:attrName>style.visibility</p:attrName>
+                                        </p:attrNameLst>
+                                      </p:cBhvr>
+                                      <p:to>
+                                        <p:strVal val="visible"/>
+                                      </p:to>
+                                    </p:set>
+                                  </p:childTnLst>
+                                </p:cTn>
+                              </p:par>
+                              <p:par>
+                                <p:cTn id="21" presetID="1" presetClass="entr" presetSubtype="0" fill="hold" grpId="0" nodeType="withEffect">
+                                  <p:stCondLst>
+                                    <p:cond delay="0"/>
+                                  </p:stCondLst>
+                                  <p:childTnLst>
+                                    <p:set>
+                                      <p:cBhvr>
+                                        <p:cTn id="22" dur="1" fill="hold">
+                                          <p:stCondLst>
+                                            <p:cond delay="0"/>
+                                          </p:stCondLst>
+                                        </p:cTn>
+                                        <p:tgtEl>
+                                          <p:spTgt spid="3">
+                                            <p:txEl>
+                                              <p:pRg st="6" end="6"/>
+                                            </p:txEl>
+                                          </p:spTgt>
+                                        </p:tgtEl>
+                                        <p:attrNameLst>
+                                          <p:attrName>style.visibility</p:attrName>
+                                        </p:attrNameLst>
+                                      </p:cBhvr>
+                                      <p:to>
+                                        <p:strVal val="visible"/>
+                                      </p:to>
+                                    </p:set>
+                                  </p:childTnLst>
+                                </p:cTn>
+                              </p:par>
+                              <p:par>
+                                <p:cTn id="23" presetID="1" presetClass="entr" presetSubtype="0" fill="hold" grpId="0" nodeType="withEffect">
+                                  <p:stCondLst>
+                                    <p:cond delay="0"/>
+                                  </p:stCondLst>
+                                  <p:childTnLst>
+                                    <p:set>
+                                      <p:cBhvr>
+                                        <p:cTn id="24" dur="1" fill="hold">
+                                          <p:stCondLst>
+                                            <p:cond delay="0"/>
+                                          </p:stCondLst>
+                                        </p:cTn>
+                                        <p:tgtEl>
+                                          <p:spTgt spid="3">
+                                            <p:txEl>
+                                              <p:pRg st="7" end="7"/>
+                                            </p:txEl>
+                                          </p:spTgt>
+                                        </p:tgtEl>
+                                        <p:attrNameLst>
+                                          <p:attrName>style.visibility</p:attrName>
+                                        </p:attrNameLst>
+                                      </p:cBhvr>
+                                      <p:to>
+                                        <p:strVal val="visible"/>
+                                      </p:to>
+                                    </p:set>
+                                  </p:childTnLst>
+                                </p:cTn>
+                              </p:par>
+                            </p:childTnLst>
+                          </p:cTn>
+                        </p:par>
+                      </p:childTnLst>
+                    </p:cTn>
+                  </p:par>
+                </p:childTnLst>
+              </p:cTn>
+              <p:prevCondLst>
+                <p:cond evt="onPrev" delay="0">
+                  <p:tgtEl>
+                    <p:sldTgt/>
+                  </p:tgtEl>
+                </p:cond>
+              </p:prevCondLst>
+              <p:nextCondLst>
+                <p:cond evt="onNext" delay="0">
+                  <p:tgtEl>
+                    <p:sldTgt/>
+                  </p:tgtEl>
+                </p:cond>
+              </p:nextCondLst>
+            </p:seq>
+          </p:childTnLst>
+        </p:cTn>
+      </p:par>
+    </p:tnLst>
+    <p:bldLst>
+      <p:bldP spid="3" grpId="0" uiExpand="1" build="p"/>
+    </p:bldLst>
+  </p:timing>
+</p:sld>
+</file>
+
+<file path=ppt/slides/slide7.xml><?xml version="1.0" encoding="utf-8"?>
+<p:sld xmlns:a="http://schemas.openxmlformats.org/drawingml/2006/main" xmlns:r="http://schemas.openxmlformats.org/officeDocument/2006/relationships" xmlns:p="http://schemas.openxmlformats.org/presentationml/2006/main">
+  <p:cSld>
+    <p:spTree>
+      <p:nvGrpSpPr>
+        <p:cNvPr id="1" name=""/>
+        <p:cNvGrpSpPr/>
+        <p:nvPr/>
+      </p:nvGrpSpPr>
+      <p:grpSpPr>
+        <a:xfrm>
+          <a:off x="0" y="0"/>
+          <a:ext cx="0" cy="0"/>
+          <a:chOff x="0" y="0"/>
+          <a:chExt cx="0" cy="0"/>
+        </a:xfrm>
+      </p:grpSpPr>
+      <p:sp>
+        <p:nvSpPr>
+          <p:cNvPr id="2" name="Title 1"/>
+          <p:cNvSpPr>
+            <a:spLocks noGrp="1"/>
+          </p:cNvSpPr>
+          <p:nvPr>
+            <p:ph type="title"/>
+          </p:nvPr>
+        </p:nvSpPr>
+        <p:spPr/>
+        <p:txBody>
+          <a:bodyPr/>
+          <a:lstStyle/>
+          <a:p>
+            <a:r>
               <a:rPr lang="en-US" dirty="0" smtClean="0"/>
               <a:t>Defining command line arguments</a:t>
             </a:r>
@@ -27361,7 +29403,7 @@
                 <a:latin typeface="Calibri"/>
               </a:rPr>
               <a:pPr/>
-              <a:t>4</a:t>
+              <a:t>7</a:t>
             </a:fld>
             <a:endParaRPr lang="nl-BE">
               <a:solidFill>
@@ -27854,7 +29896,7 @@
 </p:sld>
 </file>
 
-<file path=ppt/slides/slide5.xml><?xml version="1.0" encoding="utf-8"?>
+<file path=ppt/slides/slide8.xml><?xml version="1.0" encoding="utf-8"?>
 <p:sld xmlns:a="http://schemas.openxmlformats.org/drawingml/2006/main" xmlns:r="http://schemas.openxmlformats.org/officeDocument/2006/relationships" xmlns:p="http://schemas.openxmlformats.org/presentationml/2006/main">
   <p:cSld>
     <p:spTree>
@@ -28732,7 +30774,7 @@
                 <a:latin typeface="Calibri"/>
               </a:rPr>
               <a:pPr/>
-              <a:t>5</a:t>
+              <a:t>8</a:t>
             </a:fld>
             <a:endParaRPr lang="nl-BE">
               <a:solidFill>
@@ -28928,7 +30970,7 @@
 </p:sld>
 </file>
 
-<file path=ppt/slides/slide6.xml><?xml version="1.0" encoding="utf-8"?>
+<file path=ppt/slides/slide9.xml><?xml version="1.0" encoding="utf-8"?>
 <p:sld xmlns:a="http://schemas.openxmlformats.org/drawingml/2006/main" xmlns:r="http://schemas.openxmlformats.org/officeDocument/2006/relationships" xmlns:p="http://schemas.openxmlformats.org/presentationml/2006/main">
   <p:cSld>
     <p:spTree>
@@ -29719,7 +31761,7 @@
                 <a:latin typeface="Calibri"/>
               </a:rPr>
               <a:pPr/>
-              <a:t>6</a:t>
+              <a:t>9</a:t>
             </a:fld>
             <a:endParaRPr lang="nl-BE">
               <a:solidFill>
@@ -30222,906 +32264,6 @@
       <p:bldP spid="4" grpId="0" animBg="1"/>
       <p:bldP spid="24" grpId="0" animBg="1"/>
     </p:bldLst>
-  </p:timing>
-</p:sld>
-</file>
-
-<file path=ppt/slides/slide7.xml><?xml version="1.0" encoding="utf-8"?>
-<p:sld xmlns:a="http://schemas.openxmlformats.org/drawingml/2006/main" xmlns:r="http://schemas.openxmlformats.org/officeDocument/2006/relationships" xmlns:p="http://schemas.openxmlformats.org/presentationml/2006/main">
-  <p:cSld>
-    <p:spTree>
-      <p:nvGrpSpPr>
-        <p:cNvPr id="1" name=""/>
-        <p:cNvGrpSpPr/>
-        <p:nvPr/>
-      </p:nvGrpSpPr>
-      <p:grpSpPr>
-        <a:xfrm>
-          <a:off x="0" y="0"/>
-          <a:ext cx="0" cy="0"/>
-          <a:chOff x="0" y="0"/>
-          <a:chExt cx="0" cy="0"/>
-        </a:xfrm>
-      </p:grpSpPr>
-      <p:sp>
-        <p:nvSpPr>
-          <p:cNvPr id="2" name="Title 1"/>
-          <p:cNvSpPr>
-            <a:spLocks noGrp="1"/>
-          </p:cNvSpPr>
-          <p:nvPr>
-            <p:ph type="title"/>
-          </p:nvPr>
-        </p:nvSpPr>
-        <p:spPr/>
-        <p:txBody>
-          <a:bodyPr/>
-          <a:lstStyle/>
-          <a:p>
-            <a:r>
-              <a:rPr lang="en-US" dirty="0" smtClean="0"/>
-              <a:t>Reading &amp; using configurations</a:t>
-            </a:r>
-            <a:endParaRPr lang="en-US" dirty="0"/>
-          </a:p>
-        </p:txBody>
-      </p:sp>
-      <p:sp>
-        <p:nvSpPr>
-          <p:cNvPr id="3" name="Content Placeholder 2"/>
-          <p:cNvSpPr>
-            <a:spLocks noGrp="1"/>
-          </p:cNvSpPr>
-          <p:nvPr>
-            <p:ph idx="1"/>
-          </p:nvPr>
-        </p:nvSpPr>
-        <p:spPr/>
-        <p:txBody>
-          <a:bodyPr/>
-          <a:lstStyle/>
-          <a:p>
-            <a:r>
-              <a:rPr lang="en-US" dirty="0" smtClean="0"/>
-              <a:t>Reading configuration file</a:t>
-            </a:r>
-          </a:p>
-          <a:p>
-            <a:endParaRPr lang="en-US" dirty="0" smtClean="0"/>
-          </a:p>
-          <a:p>
-            <a:endParaRPr lang="en-US" dirty="0" smtClean="0"/>
-          </a:p>
-          <a:p>
-            <a:r>
-              <a:rPr lang="en-US" dirty="0" smtClean="0"/>
-              <a:t>Using configuration values</a:t>
-            </a:r>
-          </a:p>
-          <a:p>
-            <a:endParaRPr lang="en-US" dirty="0"/>
-          </a:p>
-        </p:txBody>
-      </p:sp>
-      <p:sp>
-        <p:nvSpPr>
-          <p:cNvPr id="4" name="TextBox 3"/>
-          <p:cNvSpPr txBox="1"/>
-          <p:nvPr/>
-        </p:nvSpPr>
-        <p:spPr>
-          <a:xfrm>
-            <a:off x="2207568" y="2258288"/>
-            <a:ext cx="6408712" cy="738664"/>
-          </a:xfrm>
-          <a:prstGeom prst="rect">
-            <a:avLst/>
-          </a:prstGeom>
-          <a:solidFill>
-            <a:schemeClr val="bg1">
-              <a:lumMod val="85000"/>
-            </a:schemeClr>
-          </a:solidFill>
-        </p:spPr>
-        <p:txBody>
-          <a:bodyPr wrap="square" rtlCol="0">
-            <a:spAutoFit/>
-          </a:bodyPr>
-          <a:lstStyle/>
-          <a:p>
-            <a:r>
-              <a:rPr lang="en-US" sz="1400" dirty="0">
-                <a:solidFill>
-                  <a:prstClr val="black"/>
-                </a:solidFill>
-                <a:latin typeface="Courier New" pitchFamily="49" charset="0"/>
-                <a:cs typeface="Courier New" pitchFamily="49" charset="0"/>
-              </a:rPr>
-              <a:t>from </a:t>
-            </a:r>
-            <a:r>
-              <a:rPr lang="en-US" sz="1400" dirty="0" err="1">
-                <a:solidFill>
-                  <a:prstClr val="black"/>
-                </a:solidFill>
-                <a:latin typeface="Courier New" pitchFamily="49" charset="0"/>
-                <a:cs typeface="Courier New" pitchFamily="49" charset="0"/>
-              </a:rPr>
-              <a:t>configparser</a:t>
-            </a:r>
-            <a:r>
-              <a:rPr lang="en-US" sz="1400" dirty="0">
-                <a:solidFill>
-                  <a:prstClr val="black"/>
-                </a:solidFill>
-                <a:latin typeface="Courier New" pitchFamily="49" charset="0"/>
-                <a:cs typeface="Courier New" pitchFamily="49" charset="0"/>
-              </a:rPr>
-              <a:t> import </a:t>
-            </a:r>
-            <a:r>
-              <a:rPr lang="en-US" sz="1400" dirty="0" err="1">
-                <a:solidFill>
-                  <a:prstClr val="black"/>
-                </a:solidFill>
-                <a:latin typeface="Courier New" pitchFamily="49" charset="0"/>
-                <a:cs typeface="Courier New" pitchFamily="49" charset="0"/>
-              </a:rPr>
-              <a:t>ConfigParser</a:t>
-            </a:r>
-            <a:endParaRPr lang="en-US" sz="1400" dirty="0">
-              <a:solidFill>
-                <a:prstClr val="black"/>
-              </a:solidFill>
-              <a:latin typeface="Courier New" pitchFamily="49" charset="0"/>
-              <a:cs typeface="Courier New" pitchFamily="49" charset="0"/>
-            </a:endParaRPr>
-          </a:p>
-          <a:p>
-            <a:r>
-              <a:rPr lang="en-US" sz="1400" dirty="0" err="1">
-                <a:solidFill>
-                  <a:prstClr val="black"/>
-                </a:solidFill>
-                <a:latin typeface="Courier New" pitchFamily="49" charset="0"/>
-                <a:cs typeface="Courier New" pitchFamily="49" charset="0"/>
-              </a:rPr>
-              <a:t>cfg</a:t>
-            </a:r>
-            <a:r>
-              <a:rPr lang="en-US" sz="1400" dirty="0">
-                <a:solidFill>
-                  <a:prstClr val="black"/>
-                </a:solidFill>
-                <a:latin typeface="Courier New" pitchFamily="49" charset="0"/>
-                <a:cs typeface="Courier New" pitchFamily="49" charset="0"/>
-              </a:rPr>
-              <a:t> = </a:t>
-            </a:r>
-            <a:r>
-              <a:rPr lang="en-US" sz="1400" dirty="0" err="1">
-                <a:solidFill>
-                  <a:prstClr val="black"/>
-                </a:solidFill>
-                <a:latin typeface="Courier New" pitchFamily="49" charset="0"/>
-                <a:cs typeface="Courier New" pitchFamily="49" charset="0"/>
-              </a:rPr>
-              <a:t>ConfigParser</a:t>
-            </a:r>
-            <a:r>
-              <a:rPr lang="en-US" sz="1400" dirty="0">
-                <a:solidFill>
-                  <a:prstClr val="black"/>
-                </a:solidFill>
-                <a:latin typeface="Courier New" pitchFamily="49" charset="0"/>
-                <a:cs typeface="Courier New" pitchFamily="49" charset="0"/>
-              </a:rPr>
-              <a:t>()</a:t>
-            </a:r>
-          </a:p>
-          <a:p>
-            <a:r>
-              <a:rPr lang="en-US" sz="1400" dirty="0" err="1">
-                <a:solidFill>
-                  <a:prstClr val="black"/>
-                </a:solidFill>
-                <a:latin typeface="Courier New" pitchFamily="49" charset="0"/>
-                <a:cs typeface="Courier New" pitchFamily="49" charset="0"/>
-              </a:rPr>
-              <a:t>cfg.read</a:t>
-            </a:r>
-            <a:r>
-              <a:rPr lang="en-US" sz="1400" dirty="0">
-                <a:solidFill>
-                  <a:prstClr val="black"/>
-                </a:solidFill>
-                <a:latin typeface="Courier New" pitchFamily="49" charset="0"/>
-                <a:cs typeface="Courier New" pitchFamily="49" charset="0"/>
-              </a:rPr>
-              <a:t>('</a:t>
-            </a:r>
-            <a:r>
-              <a:rPr lang="en-US" sz="1400" dirty="0" err="1">
-                <a:solidFill>
-                  <a:prstClr val="black"/>
-                </a:solidFill>
-                <a:latin typeface="Courier New" pitchFamily="49" charset="0"/>
-                <a:cs typeface="Courier New" pitchFamily="49" charset="0"/>
-              </a:rPr>
-              <a:t>test.conf</a:t>
-            </a:r>
-            <a:r>
-              <a:rPr lang="en-US" sz="1400" dirty="0">
-                <a:solidFill>
-                  <a:prstClr val="black"/>
-                </a:solidFill>
-                <a:latin typeface="Courier New" pitchFamily="49" charset="0"/>
-                <a:cs typeface="Courier New" pitchFamily="49" charset="0"/>
-              </a:rPr>
-              <a:t>')</a:t>
-            </a:r>
-          </a:p>
-        </p:txBody>
-      </p:sp>
-      <p:sp>
-        <p:nvSpPr>
-          <p:cNvPr id="5" name="TextBox 4"/>
-          <p:cNvSpPr txBox="1"/>
-          <p:nvPr/>
-        </p:nvSpPr>
-        <p:spPr>
-          <a:xfrm>
-            <a:off x="2207568" y="4058488"/>
-            <a:ext cx="6408712" cy="1600438"/>
-          </a:xfrm>
-          <a:prstGeom prst="rect">
-            <a:avLst/>
-          </a:prstGeom>
-          <a:solidFill>
-            <a:schemeClr val="bg1">
-              <a:lumMod val="85000"/>
-            </a:schemeClr>
-          </a:solidFill>
-        </p:spPr>
-        <p:txBody>
-          <a:bodyPr wrap="square" rtlCol="0">
-            <a:spAutoFit/>
-          </a:bodyPr>
-          <a:lstStyle/>
-          <a:p>
-            <a:r>
-              <a:rPr lang="en-US" sz="1400" dirty="0">
-                <a:solidFill>
-                  <a:prstClr val="black"/>
-                </a:solidFill>
-                <a:latin typeface="Courier New" pitchFamily="49" charset="0"/>
-                <a:cs typeface="Courier New" pitchFamily="49" charset="0"/>
-              </a:rPr>
-              <a:t>temperature = </a:t>
-            </a:r>
-            <a:r>
-              <a:rPr lang="en-US" sz="1400" dirty="0" err="1">
-                <a:solidFill>
-                  <a:prstClr val="black"/>
-                </a:solidFill>
-                <a:latin typeface="Courier New" pitchFamily="49" charset="0"/>
-                <a:cs typeface="Courier New" pitchFamily="49" charset="0"/>
-              </a:rPr>
-              <a:t>cfg.getfloat</a:t>
-            </a:r>
-            <a:r>
-              <a:rPr lang="en-US" sz="1400" dirty="0">
-                <a:solidFill>
-                  <a:prstClr val="black"/>
-                </a:solidFill>
-                <a:latin typeface="Courier New" pitchFamily="49" charset="0"/>
-                <a:cs typeface="Courier New" pitchFamily="49" charset="0"/>
-              </a:rPr>
-              <a:t>('</a:t>
-            </a:r>
-            <a:r>
-              <a:rPr lang="en-US" sz="1400" b="1" dirty="0">
-                <a:solidFill>
-                  <a:srgbClr val="FF0000"/>
-                </a:solidFill>
-                <a:latin typeface="Courier New" pitchFamily="49" charset="0"/>
-                <a:cs typeface="Courier New" pitchFamily="49" charset="0"/>
-              </a:rPr>
-              <a:t>physics</a:t>
-            </a:r>
-            <a:r>
-              <a:rPr lang="en-US" sz="1400" dirty="0">
-                <a:solidFill>
-                  <a:prstClr val="black"/>
-                </a:solidFill>
-                <a:latin typeface="Courier New" pitchFamily="49" charset="0"/>
-                <a:cs typeface="Courier New" pitchFamily="49" charset="0"/>
-              </a:rPr>
-              <a:t>', 'T')</a:t>
-            </a:r>
-          </a:p>
-          <a:p>
-            <a:r>
-              <a:rPr lang="en-US" sz="1400" dirty="0" err="1">
-                <a:solidFill>
-                  <a:prstClr val="black"/>
-                </a:solidFill>
-                <a:latin typeface="Courier New" pitchFamily="49" charset="0"/>
-                <a:cs typeface="Courier New" pitchFamily="49" charset="0"/>
-              </a:rPr>
-              <a:t>number_of_runs</a:t>
-            </a:r>
-            <a:r>
-              <a:rPr lang="en-US" sz="1400" dirty="0">
-                <a:solidFill>
-                  <a:prstClr val="black"/>
-                </a:solidFill>
-                <a:latin typeface="Courier New" pitchFamily="49" charset="0"/>
-                <a:cs typeface="Courier New" pitchFamily="49" charset="0"/>
-              </a:rPr>
-              <a:t> = </a:t>
-            </a:r>
-            <a:r>
-              <a:rPr lang="en-US" sz="1400" dirty="0" err="1">
-                <a:solidFill>
-                  <a:prstClr val="black"/>
-                </a:solidFill>
-                <a:latin typeface="Courier New" pitchFamily="49" charset="0"/>
-                <a:cs typeface="Courier New" pitchFamily="49" charset="0"/>
-              </a:rPr>
-              <a:t>cfg.getint</a:t>
-            </a:r>
-            <a:r>
-              <a:rPr lang="en-US" sz="1400" dirty="0">
-                <a:solidFill>
-                  <a:prstClr val="black"/>
-                </a:solidFill>
-                <a:latin typeface="Courier New" pitchFamily="49" charset="0"/>
-                <a:cs typeface="Courier New" pitchFamily="49" charset="0"/>
-              </a:rPr>
-              <a:t>('</a:t>
-            </a:r>
-            <a:r>
-              <a:rPr lang="en-US" sz="1400" b="1" dirty="0">
-                <a:solidFill>
-                  <a:srgbClr val="FF0000"/>
-                </a:solidFill>
-                <a:latin typeface="Courier New" pitchFamily="49" charset="0"/>
-                <a:cs typeface="Courier New" pitchFamily="49" charset="0"/>
-              </a:rPr>
-              <a:t>physics</a:t>
-            </a:r>
-            <a:r>
-              <a:rPr lang="en-US" sz="1400" dirty="0">
-                <a:solidFill>
-                  <a:prstClr val="black"/>
-                </a:solidFill>
-                <a:latin typeface="Courier New" pitchFamily="49" charset="0"/>
-                <a:cs typeface="Courier New" pitchFamily="49" charset="0"/>
-              </a:rPr>
-              <a:t>', 'N')</a:t>
-            </a:r>
-          </a:p>
-          <a:p>
-            <a:r>
-              <a:rPr lang="en-US" sz="1400" dirty="0" err="1">
-                <a:solidFill>
-                  <a:prstClr val="black"/>
-                </a:solidFill>
-                <a:latin typeface="Courier New" pitchFamily="49" charset="0"/>
-                <a:cs typeface="Courier New" pitchFamily="49" charset="0"/>
-              </a:rPr>
-              <a:t>version_str</a:t>
-            </a:r>
-            <a:r>
-              <a:rPr lang="en-US" sz="1400" dirty="0">
-                <a:solidFill>
-                  <a:prstClr val="black"/>
-                </a:solidFill>
-                <a:latin typeface="Courier New" pitchFamily="49" charset="0"/>
-                <a:cs typeface="Courier New" pitchFamily="49" charset="0"/>
-              </a:rPr>
-              <a:t> = </a:t>
-            </a:r>
-            <a:r>
-              <a:rPr lang="en-US" sz="1400" dirty="0" err="1">
-                <a:solidFill>
-                  <a:prstClr val="black"/>
-                </a:solidFill>
-                <a:latin typeface="Courier New" pitchFamily="49" charset="0"/>
-                <a:cs typeface="Courier New" pitchFamily="49" charset="0"/>
-              </a:rPr>
-              <a:t>cfg.get</a:t>
-            </a:r>
-            <a:r>
-              <a:rPr lang="en-US" sz="1400" dirty="0">
-                <a:solidFill>
-                  <a:prstClr val="black"/>
-                </a:solidFill>
-                <a:latin typeface="Courier New" pitchFamily="49" charset="0"/>
-                <a:cs typeface="Courier New" pitchFamily="49" charset="0"/>
-              </a:rPr>
-              <a:t>('</a:t>
-            </a:r>
-            <a:r>
-              <a:rPr lang="en-US" sz="1400" b="1" dirty="0">
-                <a:solidFill>
-                  <a:srgbClr val="FF0000"/>
-                </a:solidFill>
-                <a:latin typeface="Courier New" pitchFamily="49" charset="0"/>
-                <a:cs typeface="Courier New" pitchFamily="49" charset="0"/>
-              </a:rPr>
-              <a:t>meta-info</a:t>
-            </a:r>
-            <a:r>
-              <a:rPr lang="en-US" sz="1400" dirty="0">
-                <a:solidFill>
-                  <a:prstClr val="black"/>
-                </a:solidFill>
-                <a:latin typeface="Courier New" pitchFamily="49" charset="0"/>
-                <a:cs typeface="Courier New" pitchFamily="49" charset="0"/>
-              </a:rPr>
-              <a:t>', 'version')</a:t>
-            </a:r>
-          </a:p>
-          <a:p>
-            <a:r>
-              <a:rPr lang="en-US" sz="1400" dirty="0">
-                <a:solidFill>
-                  <a:prstClr val="black"/>
-                </a:solidFill>
-                <a:latin typeface="Courier New" pitchFamily="49" charset="0"/>
-                <a:cs typeface="Courier New" pitchFamily="49" charset="0"/>
-              </a:rPr>
-              <a:t>if </a:t>
-            </a:r>
-            <a:r>
-              <a:rPr lang="en-US" sz="1400" dirty="0" err="1">
-                <a:solidFill>
-                  <a:prstClr val="black"/>
-                </a:solidFill>
-                <a:latin typeface="Courier New" pitchFamily="49" charset="0"/>
-                <a:cs typeface="Courier New" pitchFamily="49" charset="0"/>
-              </a:rPr>
-              <a:t>cfg.has_option</a:t>
-            </a:r>
-            <a:r>
-              <a:rPr lang="en-US" sz="1400" dirty="0">
-                <a:solidFill>
-                  <a:prstClr val="black"/>
-                </a:solidFill>
-                <a:latin typeface="Courier New" pitchFamily="49" charset="0"/>
-                <a:cs typeface="Courier New" pitchFamily="49" charset="0"/>
-              </a:rPr>
-              <a:t>('</a:t>
-            </a:r>
-            <a:r>
-              <a:rPr lang="en-US" sz="1400" b="1" dirty="0">
-                <a:solidFill>
-                  <a:srgbClr val="FF0000"/>
-                </a:solidFill>
-                <a:latin typeface="Courier New" pitchFamily="49" charset="0"/>
-                <a:cs typeface="Courier New" pitchFamily="49" charset="0"/>
-              </a:rPr>
-              <a:t>physics</a:t>
-            </a:r>
-            <a:r>
-              <a:rPr lang="en-US" sz="1400" dirty="0">
-                <a:solidFill>
-                  <a:prstClr val="black"/>
-                </a:solidFill>
-                <a:latin typeface="Courier New" pitchFamily="49" charset="0"/>
-                <a:cs typeface="Courier New" pitchFamily="49" charset="0"/>
-              </a:rPr>
-              <a:t>', 'g'):</a:t>
-            </a:r>
-          </a:p>
-          <a:p>
-            <a:r>
-              <a:rPr lang="en-US" sz="1400" dirty="0">
-                <a:solidFill>
-                  <a:prstClr val="black"/>
-                </a:solidFill>
-                <a:latin typeface="Courier New" pitchFamily="49" charset="0"/>
-                <a:cs typeface="Courier New" pitchFamily="49" charset="0"/>
-              </a:rPr>
-              <a:t>    acceleration = </a:t>
-            </a:r>
-            <a:r>
-              <a:rPr lang="en-US" sz="1400" dirty="0" err="1">
-                <a:solidFill>
-                  <a:prstClr val="black"/>
-                </a:solidFill>
-                <a:latin typeface="Courier New" pitchFamily="49" charset="0"/>
-                <a:cs typeface="Courier New" pitchFamily="49" charset="0"/>
-              </a:rPr>
-              <a:t>cfg.getfloat</a:t>
-            </a:r>
-            <a:r>
-              <a:rPr lang="en-US" sz="1400" dirty="0">
-                <a:solidFill>
-                  <a:prstClr val="black"/>
-                </a:solidFill>
-                <a:latin typeface="Courier New" pitchFamily="49" charset="0"/>
-                <a:cs typeface="Courier New" pitchFamily="49" charset="0"/>
-              </a:rPr>
-              <a:t>('</a:t>
-            </a:r>
-            <a:r>
-              <a:rPr lang="en-US" sz="1400" b="1" dirty="0">
-                <a:solidFill>
-                  <a:srgbClr val="FF0000"/>
-                </a:solidFill>
-                <a:latin typeface="Courier New" pitchFamily="49" charset="0"/>
-                <a:cs typeface="Courier New" pitchFamily="49" charset="0"/>
-              </a:rPr>
-              <a:t>physics</a:t>
-            </a:r>
-            <a:r>
-              <a:rPr lang="en-US" sz="1400" dirty="0">
-                <a:solidFill>
-                  <a:prstClr val="black"/>
-                </a:solidFill>
-                <a:latin typeface="Courier New" pitchFamily="49" charset="0"/>
-                <a:cs typeface="Courier New" pitchFamily="49" charset="0"/>
-              </a:rPr>
-              <a:t>', 'g')</a:t>
-            </a:r>
-          </a:p>
-          <a:p>
-            <a:r>
-              <a:rPr lang="en-US" sz="1400" dirty="0">
-                <a:solidFill>
-                  <a:prstClr val="black"/>
-                </a:solidFill>
-                <a:latin typeface="Courier New" pitchFamily="49" charset="0"/>
-                <a:cs typeface="Courier New" pitchFamily="49" charset="0"/>
-              </a:rPr>
-              <a:t>else:</a:t>
-            </a:r>
-          </a:p>
-          <a:p>
-            <a:r>
-              <a:rPr lang="en-US" sz="1400" dirty="0">
-                <a:solidFill>
-                  <a:prstClr val="black"/>
-                </a:solidFill>
-                <a:latin typeface="Courier New" pitchFamily="49" charset="0"/>
-                <a:cs typeface="Courier New" pitchFamily="49" charset="0"/>
-              </a:rPr>
-              <a:t>    acceleration = 9.81</a:t>
-            </a:r>
-          </a:p>
-        </p:txBody>
-      </p:sp>
-      <p:sp>
-        <p:nvSpPr>
-          <p:cNvPr id="6" name="Slide Number Placeholder 5"/>
-          <p:cNvSpPr>
-            <a:spLocks noGrp="1"/>
-          </p:cNvSpPr>
-          <p:nvPr>
-            <p:ph type="sldNum" sz="quarter" idx="12"/>
-          </p:nvPr>
-        </p:nvSpPr>
-        <p:spPr/>
-        <p:txBody>
-          <a:bodyPr/>
-          <a:lstStyle/>
-          <a:p>
-            <a:fld id="{5A209D72-2E9D-49B0-8977-41DCCC66C0BB}" type="slidenum">
-              <a:rPr lang="nl-BE">
-                <a:solidFill>
-                  <a:prstClr val="black">
-                    <a:tint val="75000"/>
-                  </a:prstClr>
-                </a:solidFill>
-                <a:latin typeface="Calibri"/>
-              </a:rPr>
-              <a:pPr/>
-              <a:t>7</a:t>
-            </a:fld>
-            <a:endParaRPr lang="nl-BE">
-              <a:solidFill>
-                <a:prstClr val="black">
-                  <a:tint val="75000"/>
-                </a:prstClr>
-              </a:solidFill>
-              <a:latin typeface="Calibri"/>
-            </a:endParaRPr>
-          </a:p>
-        </p:txBody>
-      </p:sp>
-    </p:spTree>
-    <p:extLst>
-      <p:ext uri="{BB962C8B-B14F-4D97-AF65-F5344CB8AC3E}">
-        <p14:creationId xmlns:p14="http://schemas.microsoft.com/office/powerpoint/2010/main" val="3987769329"/>
-      </p:ext>
-    </p:extLst>
-  </p:cSld>
-  <p:clrMapOvr>
-    <a:masterClrMapping/>
-  </p:clrMapOvr>
-  <p:timing>
-    <p:tnLst>
-      <p:par>
-        <p:cTn id="1" dur="indefinite" restart="never" nodeType="tmRoot"/>
-      </p:par>
-    </p:tnLst>
-  </p:timing>
-</p:sld>
-</file>
-
-<file path=ppt/slides/slide8.xml><?xml version="1.0" encoding="utf-8"?>
-<p:sld xmlns:a="http://schemas.openxmlformats.org/drawingml/2006/main" xmlns:r="http://schemas.openxmlformats.org/officeDocument/2006/relationships" xmlns:p="http://schemas.openxmlformats.org/presentationml/2006/main">
-  <p:cSld>
-    <p:spTree>
-      <p:nvGrpSpPr>
-        <p:cNvPr id="1" name=""/>
-        <p:cNvGrpSpPr/>
-        <p:nvPr/>
-      </p:nvGrpSpPr>
-      <p:grpSpPr>
-        <a:xfrm>
-          <a:off x="0" y="0"/>
-          <a:ext cx="0" cy="0"/>
-          <a:chOff x="0" y="0"/>
-          <a:chExt cx="0" cy="0"/>
-        </a:xfrm>
-      </p:grpSpPr>
-      <p:sp>
-        <p:nvSpPr>
-          <p:cNvPr id="2" name="Title 1"/>
-          <p:cNvSpPr>
-            <a:spLocks noGrp="1"/>
-          </p:cNvSpPr>
-          <p:nvPr>
-            <p:ph type="title"/>
-          </p:nvPr>
-        </p:nvSpPr>
-        <p:spPr/>
-        <p:txBody>
-          <a:bodyPr/>
-          <a:lstStyle/>
-          <a:p>
-            <a:r>
-              <a:rPr lang="en-US" dirty="0" smtClean="0"/>
-              <a:t>Further reading: </a:t>
-            </a:r>
-            <a:r>
-              <a:rPr lang="en-US" dirty="0" err="1" smtClean="0"/>
-              <a:t>argparse</a:t>
-            </a:r>
-            <a:endParaRPr lang="nl-BE" dirty="0"/>
-          </a:p>
-        </p:txBody>
-      </p:sp>
-      <p:sp>
-        <p:nvSpPr>
-          <p:cNvPr id="3" name="Content Placeholder 2"/>
-          <p:cNvSpPr>
-            <a:spLocks noGrp="1"/>
-          </p:cNvSpPr>
-          <p:nvPr>
-            <p:ph idx="1"/>
-          </p:nvPr>
-        </p:nvSpPr>
-        <p:spPr>
-          <a:xfrm>
-            <a:off x="1991544" y="1628801"/>
-            <a:ext cx="8229600" cy="4525963"/>
-          </a:xfrm>
-        </p:spPr>
-        <p:txBody>
-          <a:bodyPr/>
-          <a:lstStyle/>
-          <a:p>
-            <a:r>
-              <a:rPr lang="en-US" dirty="0" err="1" smtClean="0"/>
-              <a:t>Argparse</a:t>
-            </a:r>
-            <a:r>
-              <a:rPr lang="en-US" dirty="0"/>
-              <a:t> tutorial</a:t>
-            </a:r>
-            <a:br>
-              <a:rPr lang="en-US" dirty="0"/>
-            </a:br>
-            <a:r>
-              <a:rPr lang="en-US" sz="2800" dirty="0">
-                <a:hlinkClick r:id="rId2"/>
-              </a:rPr>
-              <a:t>https://docs.python.org/3.5/howto/argparse.html</a:t>
-            </a:r>
-            <a:r>
-              <a:rPr lang="en-US" sz="2800" dirty="0"/>
-              <a:t> </a:t>
-            </a:r>
-          </a:p>
-        </p:txBody>
-      </p:sp>
-      <p:sp>
-        <p:nvSpPr>
-          <p:cNvPr id="4" name="Slide Number Placeholder 3"/>
-          <p:cNvSpPr>
-            <a:spLocks noGrp="1"/>
-          </p:cNvSpPr>
-          <p:nvPr>
-            <p:ph type="sldNum" sz="quarter" idx="12"/>
-          </p:nvPr>
-        </p:nvSpPr>
-        <p:spPr/>
-        <p:txBody>
-          <a:bodyPr/>
-          <a:lstStyle/>
-          <a:p>
-            <a:fld id="{5A209D72-2E9D-49B0-8977-41DCCC66C0BB}" type="slidenum">
-              <a:rPr lang="nl-BE">
-                <a:solidFill>
-                  <a:prstClr val="black">
-                    <a:tint val="75000"/>
-                  </a:prstClr>
-                </a:solidFill>
-                <a:latin typeface="Calibri"/>
-              </a:rPr>
-              <a:pPr/>
-              <a:t>8</a:t>
-            </a:fld>
-            <a:endParaRPr lang="nl-BE">
-              <a:solidFill>
-                <a:prstClr val="black">
-                  <a:tint val="75000"/>
-                </a:prstClr>
-              </a:solidFill>
-              <a:latin typeface="Calibri"/>
-            </a:endParaRPr>
-          </a:p>
-        </p:txBody>
-      </p:sp>
-    </p:spTree>
-    <p:extLst>
-      <p:ext uri="{BB962C8B-B14F-4D97-AF65-F5344CB8AC3E}">
-        <p14:creationId xmlns:p14="http://schemas.microsoft.com/office/powerpoint/2010/main" val="998971711"/>
-      </p:ext>
-    </p:extLst>
-  </p:cSld>
-  <p:clrMapOvr>
-    <a:masterClrMapping/>
-  </p:clrMapOvr>
-  <p:timing>
-    <p:tnLst>
-      <p:par>
-        <p:cTn id="1" dur="indefinite" restart="never" nodeType="tmRoot"/>
-      </p:par>
-    </p:tnLst>
-  </p:timing>
-</p:sld>
-</file>
-
-<file path=ppt/slides/slide9.xml><?xml version="1.0" encoding="utf-8"?>
-<p:sld xmlns:a="http://schemas.openxmlformats.org/drawingml/2006/main" xmlns:r="http://schemas.openxmlformats.org/officeDocument/2006/relationships" xmlns:p="http://schemas.openxmlformats.org/presentationml/2006/main">
-  <p:cSld>
-    <p:spTree>
-      <p:nvGrpSpPr>
-        <p:cNvPr id="1" name=""/>
-        <p:cNvGrpSpPr/>
-        <p:nvPr/>
-      </p:nvGrpSpPr>
-      <p:grpSpPr>
-        <a:xfrm>
-          <a:off x="0" y="0"/>
-          <a:ext cx="0" cy="0"/>
-          <a:chOff x="0" y="0"/>
-          <a:chExt cx="0" cy="0"/>
-        </a:xfrm>
-      </p:grpSpPr>
-      <p:sp>
-        <p:nvSpPr>
-          <p:cNvPr id="2" name="Title 1"/>
-          <p:cNvSpPr>
-            <a:spLocks noGrp="1"/>
-          </p:cNvSpPr>
-          <p:nvPr>
-            <p:ph type="title"/>
-          </p:nvPr>
-        </p:nvSpPr>
-        <p:spPr/>
-        <p:txBody>
-          <a:bodyPr/>
-          <a:lstStyle/>
-          <a:p>
-            <a:r>
-              <a:rPr lang="en-US" dirty="0" smtClean="0"/>
-              <a:t>Logging</a:t>
-            </a:r>
-            <a:endParaRPr lang="nl-BE" dirty="0"/>
-          </a:p>
-        </p:txBody>
-      </p:sp>
-      <p:sp>
-        <p:nvSpPr>
-          <p:cNvPr id="3" name="Text Placeholder 2"/>
-          <p:cNvSpPr>
-            <a:spLocks noGrp="1"/>
-          </p:cNvSpPr>
-          <p:nvPr>
-            <p:ph type="body" idx="1"/>
-          </p:nvPr>
-        </p:nvSpPr>
-        <p:spPr/>
-        <p:txBody>
-          <a:bodyPr>
-            <a:normAutofit/>
-          </a:bodyPr>
-          <a:lstStyle/>
-          <a:p>
-            <a:r>
-              <a:rPr lang="nl-BE" sz="1800" dirty="0">
-                <a:hlinkClick r:id="rId2"/>
-              </a:rPr>
-              <a:t>https://github.com/gjbex/training-material/tree/master/Python/Logging</a:t>
-            </a:r>
-            <a:r>
-              <a:rPr lang="nl-BE" sz="1800" dirty="0"/>
-              <a:t> </a:t>
-            </a:r>
-          </a:p>
-        </p:txBody>
-      </p:sp>
-      <p:sp>
-        <p:nvSpPr>
-          <p:cNvPr id="4" name="Slide Number Placeholder 3"/>
-          <p:cNvSpPr>
-            <a:spLocks noGrp="1"/>
-          </p:cNvSpPr>
-          <p:nvPr>
-            <p:ph type="sldNum" sz="quarter" idx="12"/>
-          </p:nvPr>
-        </p:nvSpPr>
-        <p:spPr/>
-        <p:txBody>
-          <a:bodyPr/>
-          <a:lstStyle/>
-          <a:p>
-            <a:fld id="{5A209D72-2E9D-49B0-8977-41DCCC66C0BB}" type="slidenum">
-              <a:rPr lang="nl-BE">
-                <a:solidFill>
-                  <a:prstClr val="black">
-                    <a:tint val="75000"/>
-                  </a:prstClr>
-                </a:solidFill>
-                <a:latin typeface="Calibri"/>
-              </a:rPr>
-              <a:pPr/>
-              <a:t>9</a:t>
-            </a:fld>
-            <a:endParaRPr lang="nl-BE">
-              <a:solidFill>
-                <a:prstClr val="black">
-                  <a:tint val="75000"/>
-                </a:prstClr>
-              </a:solidFill>
-              <a:latin typeface="Calibri"/>
-            </a:endParaRPr>
-          </a:p>
-        </p:txBody>
-      </p:sp>
-    </p:spTree>
-    <p:extLst>
-      <p:ext uri="{BB962C8B-B14F-4D97-AF65-F5344CB8AC3E}">
-        <p14:creationId xmlns:p14="http://schemas.microsoft.com/office/powerpoint/2010/main" val="2236268405"/>
-      </p:ext>
-    </p:extLst>
-  </p:cSld>
-  <p:clrMapOvr>
-    <a:masterClrMapping/>
-  </p:clrMapOvr>
-  <p:timing>
-    <p:tnLst>
-      <p:par>
-        <p:cTn id="1" dur="indefinite" restart="never" nodeType="tmRoot"/>
-      </p:par>
-    </p:tnLst>
   </p:timing>
 </p:sld>
 </file>

--- a/python_for_systems_programming.pptx
+++ b/python_for_systems_programming.pptx
@@ -7,7 +7,7 @@
   </p:sldMasterIdLst>
   <p:sldIdLst>
     <p:sldId id="256" r:id="rId3"/>
-    <p:sldId id="291" r:id="rId4"/>
+    <p:sldId id="292" r:id="rId4"/>
     <p:sldId id="290" r:id="rId5"/>
     <p:sldId id="289" r:id="rId6"/>
     <p:sldId id="257" r:id="rId7"/>
@@ -146,7 +146,7 @@
         <p14:section name="Default Section" id="{658EF463-8B9F-45F8-88CE-B4159E44B7D4}">
           <p14:sldIdLst>
             <p14:sldId id="256"/>
-            <p14:sldId id="291"/>
+            <p14:sldId id="292"/>
             <p14:sldId id="290"/>
             <p14:sldId id="289"/>
           </p14:sldIdLst>
@@ -10052,10 +10052,111 @@
           <a:chExt cx="0" cy="0"/>
         </a:xfrm>
       </p:grpSpPr>
+      <p:sp>
+        <p:nvSpPr>
+          <p:cNvPr id="4" name="Slide Number Placeholder 3"/>
+          <p:cNvSpPr>
+            <a:spLocks noGrp="1"/>
+          </p:cNvSpPr>
+          <p:nvPr>
+            <p:ph type="sldNum" sz="quarter" idx="12"/>
+          </p:nvPr>
+        </p:nvSpPr>
+        <p:spPr/>
+        <p:txBody>
+          <a:bodyPr/>
+          <a:lstStyle/>
+          <a:p>
+            <a:fld id="{0AA598EC-1C61-495B-A9F8-4410E339CCF5}" type="slidenum">
+              <a:rPr lang="en-US" smtClean="0"/>
+              <a:t>2</a:t>
+            </a:fld>
+            <a:endParaRPr lang="en-US"/>
+          </a:p>
+        </p:txBody>
+      </p:sp>
+      <p:sp>
+        <p:nvSpPr>
+          <p:cNvPr id="6" name="TextBox 5"/>
+          <p:cNvSpPr txBox="1"/>
+          <p:nvPr/>
+        </p:nvSpPr>
+        <p:spPr>
+          <a:xfrm>
+            <a:off x="3860836" y="5445224"/>
+            <a:ext cx="5034840" cy="707886"/>
+          </a:xfrm>
+          <a:prstGeom prst="rect">
+            <a:avLst/>
+          </a:prstGeom>
+          <a:noFill/>
+        </p:spPr>
+        <p:txBody>
+          <a:bodyPr wrap="none" rtlCol="0">
+            <a:spAutoFit/>
+          </a:bodyPr>
+          <a:lstStyle/>
+          <a:p>
+            <a:r>
+              <a:rPr lang="en-US" sz="4000" dirty="0" smtClean="0">
+                <a:hlinkClick r:id="rId2"/>
+              </a:rPr>
+              <a:t>http</a:t>
+            </a:r>
+            <a:r>
+              <a:rPr lang="en-US" sz="4000" dirty="0">
+                <a:hlinkClick r:id="rId2"/>
+              </a:rPr>
+              <a:t>://</a:t>
+            </a:r>
+            <a:r>
+              <a:rPr lang="en-US" sz="4000" dirty="0" smtClean="0">
+                <a:hlinkClick r:id="rId2"/>
+              </a:rPr>
+              <a:t>bit.ly/2QKwRLd</a:t>
+            </a:r>
+            <a:r>
+              <a:rPr lang="en-US" sz="4000" dirty="0" smtClean="0"/>
+              <a:t>  </a:t>
+            </a:r>
+            <a:endParaRPr lang="en-US" sz="4000" dirty="0"/>
+          </a:p>
+        </p:txBody>
+      </p:sp>
+      <p:pic>
+        <p:nvPicPr>
+          <p:cNvPr id="3" name="Picture 2"/>
+          <p:cNvPicPr>
+            <a:picLocks noChangeAspect="1"/>
+          </p:cNvPicPr>
+          <p:nvPr/>
+        </p:nvPicPr>
+        <p:blipFill>
+          <a:blip r:embed="rId3">
+            <a:extLst>
+              <a:ext uri="{28A0092B-C50C-407E-A947-70E740481C1C}">
+                <a14:useLocalDpi xmlns:a14="http://schemas.microsoft.com/office/drawing/2010/main" val="0"/>
+              </a:ext>
+            </a:extLst>
+          </a:blip>
+          <a:stretch>
+            <a:fillRect/>
+          </a:stretch>
+        </p:blipFill>
+        <p:spPr>
+          <a:xfrm>
+            <a:off x="3933652" y="980729"/>
+            <a:ext cx="4324696" cy="4324696"/>
+          </a:xfrm>
+          <a:prstGeom prst="rect">
+            <a:avLst/>
+          </a:prstGeom>
+        </p:spPr>
+      </p:pic>
     </p:spTree>
     <p:extLst>
       <p:ext uri="{BB962C8B-B14F-4D97-AF65-F5344CB8AC3E}">
-        <p14:creationId xmlns:p14="http://schemas.microsoft.com/office/powerpoint/2010/main" val="2924098077"/>
+        <p14:creationId xmlns:p14="http://schemas.microsoft.com/office/powerpoint/2010/main" val="376793401"/>
       </p:ext>
     </p:extLst>
   </p:cSld>

--- a/python_for_systems_programming.pptx
+++ b/python_for_systems_programming.pptx
@@ -26,22 +26,23 @@
     <p:sldId id="270" r:id="rId20"/>
     <p:sldId id="271" r:id="rId21"/>
     <p:sldId id="288" r:id="rId22"/>
-    <p:sldId id="283" r:id="rId23"/>
-    <p:sldId id="284" r:id="rId24"/>
-    <p:sldId id="285" r:id="rId25"/>
-    <p:sldId id="286" r:id="rId26"/>
-    <p:sldId id="287" r:id="rId27"/>
-    <p:sldId id="272" r:id="rId28"/>
-    <p:sldId id="273" r:id="rId29"/>
-    <p:sldId id="274" r:id="rId30"/>
-    <p:sldId id="275" r:id="rId31"/>
-    <p:sldId id="276" r:id="rId32"/>
-    <p:sldId id="277" r:id="rId33"/>
-    <p:sldId id="278" r:id="rId34"/>
-    <p:sldId id="279" r:id="rId35"/>
-    <p:sldId id="280" r:id="rId36"/>
-    <p:sldId id="281" r:id="rId37"/>
-    <p:sldId id="282" r:id="rId38"/>
+    <p:sldId id="293" r:id="rId23"/>
+    <p:sldId id="283" r:id="rId24"/>
+    <p:sldId id="284" r:id="rId25"/>
+    <p:sldId id="285" r:id="rId26"/>
+    <p:sldId id="286" r:id="rId27"/>
+    <p:sldId id="287" r:id="rId28"/>
+    <p:sldId id="272" r:id="rId29"/>
+    <p:sldId id="273" r:id="rId30"/>
+    <p:sldId id="274" r:id="rId31"/>
+    <p:sldId id="275" r:id="rId32"/>
+    <p:sldId id="276" r:id="rId33"/>
+    <p:sldId id="277" r:id="rId34"/>
+    <p:sldId id="278" r:id="rId35"/>
+    <p:sldId id="279" r:id="rId36"/>
+    <p:sldId id="280" r:id="rId37"/>
+    <p:sldId id="281" r:id="rId38"/>
+    <p:sldId id="282" r:id="rId39"/>
   </p:sldIdLst>
   <p:sldSz cx="12192000" cy="6858000"/>
   <p:notesSz cx="6858000" cy="9144000"/>
@@ -177,6 +178,7 @@
         <p14:section name="Data formats" id="{72F71925-62BF-470C-96CA-CD792676F252}">
           <p14:sldIdLst>
             <p14:sldId id="288"/>
+            <p14:sldId id="293"/>
             <p14:sldId id="283"/>
             <p14:sldId id="284"/>
             <p14:sldId id="285"/>
@@ -10342,6 +10344,316 @@
           <a:p>
             <a:r>
               <a:rPr lang="en-US" dirty="0" smtClean="0"/>
+              <a:t>Libraries &amp; data formats</a:t>
+            </a:r>
+            <a:endParaRPr lang="en-US" dirty="0"/>
+          </a:p>
+        </p:txBody>
+      </p:sp>
+      <p:sp>
+        <p:nvSpPr>
+          <p:cNvPr id="3" name="Content Placeholder 2"/>
+          <p:cNvSpPr>
+            <a:spLocks noGrp="1"/>
+          </p:cNvSpPr>
+          <p:nvPr>
+            <p:ph idx="1"/>
+          </p:nvPr>
+        </p:nvSpPr>
+        <p:spPr/>
+        <p:txBody>
+          <a:bodyPr>
+            <a:normAutofit lnSpcReduction="10000"/>
+          </a:bodyPr>
+          <a:lstStyle/>
+          <a:p>
+            <a:r>
+              <a:rPr lang="en-US" dirty="0" smtClean="0"/>
+              <a:t>Standard library (Python 3.x)</a:t>
+            </a:r>
+          </a:p>
+          <a:p>
+            <a:pPr lvl="1"/>
+            <a:r>
+              <a:rPr lang="en-US" dirty="0" smtClean="0"/>
+              <a:t>Comma separated value files: </a:t>
+            </a:r>
+            <a:r>
+              <a:rPr lang="en-US" dirty="0" err="1" smtClean="0">
+                <a:latin typeface="Courier New" panose="02070309020205020404" pitchFamily="49" charset="0"/>
+                <a:cs typeface="Courier New" panose="02070309020205020404" pitchFamily="49" charset="0"/>
+              </a:rPr>
+              <a:t>csv</a:t>
+            </a:r>
+            <a:endParaRPr lang="en-US" dirty="0" smtClean="0">
+              <a:latin typeface="Courier New" panose="02070309020205020404" pitchFamily="49" charset="0"/>
+              <a:cs typeface="Courier New" panose="02070309020205020404" pitchFamily="49" charset="0"/>
+            </a:endParaRPr>
+          </a:p>
+          <a:p>
+            <a:pPr lvl="1"/>
+            <a:r>
+              <a:rPr lang="en-US" dirty="0" smtClean="0"/>
+              <a:t>Configuration files: </a:t>
+            </a:r>
+            <a:r>
+              <a:rPr lang="en-US" dirty="0" err="1" smtClean="0">
+                <a:latin typeface="Courier New" panose="02070309020205020404" pitchFamily="49" charset="0"/>
+                <a:cs typeface="Courier New" panose="02070309020205020404" pitchFamily="49" charset="0"/>
+              </a:rPr>
+              <a:t>ConfigParser</a:t>
+            </a:r>
+            <a:endParaRPr lang="en-US" dirty="0" smtClean="0"/>
+          </a:p>
+          <a:p>
+            <a:pPr lvl="1"/>
+            <a:r>
+              <a:rPr lang="en-US" dirty="0" smtClean="0"/>
+              <a:t>Semi-structured data: </a:t>
+            </a:r>
+            <a:r>
+              <a:rPr lang="en-US" dirty="0" err="1" smtClean="0">
+                <a:latin typeface="Courier New" panose="02070309020205020404" pitchFamily="49" charset="0"/>
+                <a:cs typeface="Courier New" panose="02070309020205020404" pitchFamily="49" charset="0"/>
+              </a:rPr>
+              <a:t>json</a:t>
+            </a:r>
+            <a:r>
+              <a:rPr lang="en-US" dirty="0" smtClean="0"/>
+              <a:t>, </a:t>
+            </a:r>
+            <a:r>
+              <a:rPr lang="en-US" dirty="0" err="1" smtClean="0">
+                <a:latin typeface="Courier New" panose="02070309020205020404" pitchFamily="49" charset="0"/>
+                <a:cs typeface="Courier New" panose="02070309020205020404" pitchFamily="49" charset="0"/>
+              </a:rPr>
+              <a:t>htmllib</a:t>
+            </a:r>
+            <a:r>
+              <a:rPr lang="en-US" dirty="0" smtClean="0"/>
+              <a:t>, </a:t>
+            </a:r>
+            <a:r>
+              <a:rPr lang="en-US" dirty="0" err="1" smtClean="0">
+                <a:latin typeface="Courier New" panose="02070309020205020404" pitchFamily="49" charset="0"/>
+                <a:cs typeface="Courier New" panose="02070309020205020404" pitchFamily="49" charset="0"/>
+              </a:rPr>
+              <a:t>sgmllib</a:t>
+            </a:r>
+            <a:r>
+              <a:rPr lang="en-US" dirty="0" smtClean="0"/>
+              <a:t>, </a:t>
+            </a:r>
+            <a:r>
+              <a:rPr lang="en-US" dirty="0" smtClean="0">
+                <a:latin typeface="Courier New" panose="02070309020205020404" pitchFamily="49" charset="0"/>
+                <a:cs typeface="Courier New" panose="02070309020205020404" pitchFamily="49" charset="0"/>
+              </a:rPr>
+              <a:t>xml</a:t>
+            </a:r>
+          </a:p>
+          <a:p>
+            <a:r>
+              <a:rPr lang="en-US" dirty="0" smtClean="0"/>
+              <a:t>Non-standard libraries</a:t>
+            </a:r>
+          </a:p>
+          <a:p>
+            <a:pPr lvl="1"/>
+            <a:r>
+              <a:rPr lang="en-US" dirty="0" smtClean="0"/>
+              <a:t>Images: </a:t>
+            </a:r>
+            <a:r>
+              <a:rPr lang="en-US" dirty="0" err="1" smtClean="0"/>
+              <a:t>scikit</a:t>
+            </a:r>
+            <a:r>
+              <a:rPr lang="en-US" dirty="0" smtClean="0"/>
+              <a:t>-image</a:t>
+            </a:r>
+          </a:p>
+          <a:p>
+            <a:pPr lvl="1"/>
+            <a:r>
+              <a:rPr lang="en-US" dirty="0" smtClean="0"/>
+              <a:t>HDF5: </a:t>
+            </a:r>
+            <a:r>
+              <a:rPr lang="en-US" dirty="0" err="1" smtClean="0"/>
+              <a:t>pytables</a:t>
+            </a:r>
+            <a:endParaRPr lang="en-US" dirty="0" smtClean="0"/>
+          </a:p>
+          <a:p>
+            <a:pPr lvl="1"/>
+            <a:r>
+              <a:rPr lang="en-US" dirty="0" smtClean="0"/>
+              <a:t>pandas</a:t>
+            </a:r>
+          </a:p>
+          <a:p>
+            <a:pPr lvl="1"/>
+            <a:r>
+              <a:rPr lang="en-US" dirty="0" smtClean="0"/>
+              <a:t>Bioinformatics: </a:t>
+            </a:r>
+            <a:r>
+              <a:rPr lang="en-US" dirty="0" err="1" smtClean="0"/>
+              <a:t>Biopython</a:t>
+            </a:r>
+            <a:endParaRPr lang="en-US" dirty="0"/>
+          </a:p>
+        </p:txBody>
+      </p:sp>
+      <p:sp>
+        <p:nvSpPr>
+          <p:cNvPr id="4" name="TextBox 3"/>
+          <p:cNvSpPr txBox="1"/>
+          <p:nvPr/>
+        </p:nvSpPr>
+        <p:spPr>
+          <a:xfrm>
+            <a:off x="7176121" y="4725145"/>
+            <a:ext cx="2966453" cy="954107"/>
+          </a:xfrm>
+          <a:prstGeom prst="rect">
+            <a:avLst/>
+          </a:prstGeom>
+          <a:noFill/>
+          <a:ln>
+            <a:solidFill>
+              <a:schemeClr val="tx1"/>
+            </a:solidFill>
+          </a:ln>
+        </p:spPr>
+        <p:txBody>
+          <a:bodyPr wrap="none" rtlCol="0">
+            <a:spAutoFit/>
+          </a:bodyPr>
+          <a:lstStyle/>
+          <a:p>
+            <a:r>
+              <a:rPr lang="en-US" sz="2800" dirty="0">
+                <a:solidFill>
+                  <a:prstClr val="black"/>
+                </a:solidFill>
+                <a:latin typeface="Calibri"/>
+              </a:rPr>
+              <a:t>Use the "batteries"</a:t>
+            </a:r>
+            <a:br>
+              <a:rPr lang="en-US" sz="2800" dirty="0">
+                <a:solidFill>
+                  <a:prstClr val="black"/>
+                </a:solidFill>
+                <a:latin typeface="Calibri"/>
+              </a:rPr>
+            </a:br>
+            <a:r>
+              <a:rPr lang="en-US" sz="2800" dirty="0">
+                <a:solidFill>
+                  <a:prstClr val="black"/>
+                </a:solidFill>
+                <a:latin typeface="Calibri"/>
+              </a:rPr>
+              <a:t>that are included!</a:t>
+            </a:r>
+          </a:p>
+        </p:txBody>
+      </p:sp>
+      <p:sp>
+        <p:nvSpPr>
+          <p:cNvPr id="5" name="Slide Number Placeholder 4"/>
+          <p:cNvSpPr>
+            <a:spLocks noGrp="1"/>
+          </p:cNvSpPr>
+          <p:nvPr>
+            <p:ph type="sldNum" sz="quarter" idx="12"/>
+          </p:nvPr>
+        </p:nvSpPr>
+        <p:spPr/>
+        <p:txBody>
+          <a:bodyPr/>
+          <a:lstStyle/>
+          <a:p>
+            <a:fld id="{5A209D72-2E9D-49B0-8977-41DCCC66C0BB}" type="slidenum">
+              <a:rPr lang="nl-BE">
+                <a:solidFill>
+                  <a:prstClr val="black">
+                    <a:tint val="75000"/>
+                  </a:prstClr>
+                </a:solidFill>
+                <a:latin typeface="Calibri"/>
+              </a:rPr>
+              <a:pPr/>
+              <a:t>21</a:t>
+            </a:fld>
+            <a:endParaRPr lang="nl-BE">
+              <a:solidFill>
+                <a:prstClr val="black">
+                  <a:tint val="75000"/>
+                </a:prstClr>
+              </a:solidFill>
+              <a:latin typeface="Calibri"/>
+            </a:endParaRPr>
+          </a:p>
+        </p:txBody>
+      </p:sp>
+    </p:spTree>
+    <p:extLst>
+      <p:ext uri="{BB962C8B-B14F-4D97-AF65-F5344CB8AC3E}">
+        <p14:creationId xmlns:p14="http://schemas.microsoft.com/office/powerpoint/2010/main" val="260850781"/>
+      </p:ext>
+    </p:extLst>
+  </p:cSld>
+  <p:clrMapOvr>
+    <a:masterClrMapping/>
+  </p:clrMapOvr>
+  <p:timing>
+    <p:tnLst>
+      <p:par>
+        <p:cTn id="1" dur="indefinite" restart="never" nodeType="tmRoot"/>
+      </p:par>
+    </p:tnLst>
+  </p:timing>
+</p:sld>
+</file>
+
+<file path=ppt/slides/slide22.xml><?xml version="1.0" encoding="utf-8"?>
+<p:sld xmlns:a="http://schemas.openxmlformats.org/drawingml/2006/main" xmlns:r="http://schemas.openxmlformats.org/officeDocument/2006/relationships" xmlns:p="http://schemas.openxmlformats.org/presentationml/2006/main">
+  <p:cSld>
+    <p:spTree>
+      <p:nvGrpSpPr>
+        <p:cNvPr id="1" name=""/>
+        <p:cNvGrpSpPr/>
+        <p:nvPr/>
+      </p:nvGrpSpPr>
+      <p:grpSpPr>
+        <a:xfrm>
+          <a:off x="0" y="0"/>
+          <a:ext cx="0" cy="0"/>
+          <a:chOff x="0" y="0"/>
+          <a:chExt cx="0" cy="0"/>
+        </a:xfrm>
+      </p:grpSpPr>
+      <p:sp>
+        <p:nvSpPr>
+          <p:cNvPr id="2" name="Title 1"/>
+          <p:cNvSpPr>
+            <a:spLocks noGrp="1"/>
+          </p:cNvSpPr>
+          <p:nvPr>
+            <p:ph type="title"/>
+          </p:nvPr>
+        </p:nvSpPr>
+        <p:spPr/>
+        <p:txBody>
+          <a:bodyPr/>
+          <a:lstStyle/>
+          <a:p>
+            <a:r>
+              <a:rPr lang="en-US" dirty="0" smtClean="0"/>
               <a:t>Data formats: CSV</a:t>
             </a:r>
             <a:endParaRPr lang="en-US" dirty="0"/>
@@ -11367,7 +11679,7 @@
                 <a:latin typeface="Calibri"/>
               </a:rPr>
               <a:pPr/>
-              <a:t>21</a:t>
+              <a:t>22</a:t>
             </a:fld>
             <a:endParaRPr lang="nl-BE">
               <a:solidFill>
@@ -11603,7 +11915,7 @@
 </p:sld>
 </file>
 
-<file path=ppt/slides/slide22.xml><?xml version="1.0" encoding="utf-8"?>
+<file path=ppt/slides/slide23.xml><?xml version="1.0" encoding="utf-8"?>
 <p:sld xmlns:a="http://schemas.openxmlformats.org/drawingml/2006/main" xmlns:r="http://schemas.openxmlformats.org/officeDocument/2006/relationships" xmlns:p="http://schemas.openxmlformats.org/presentationml/2006/main">
   <p:cSld>
     <p:spTree>
@@ -12246,7 +12558,7 @@
                 <a:latin typeface="Calibri"/>
               </a:rPr>
               <a:pPr/>
-              <a:t>22</a:t>
+              <a:t>23</a:t>
             </a:fld>
             <a:endParaRPr lang="nl-BE">
               <a:solidFill>
@@ -12727,7 +13039,7 @@
 </p:sld>
 </file>
 
-<file path=ppt/slides/slide23.xml><?xml version="1.0" encoding="utf-8"?>
+<file path=ppt/slides/slide24.xml><?xml version="1.0" encoding="utf-8"?>
 <p:sld xmlns:a="http://schemas.openxmlformats.org/drawingml/2006/main" xmlns:r="http://schemas.openxmlformats.org/officeDocument/2006/relationships" xmlns:p="http://schemas.openxmlformats.org/presentationml/2006/main">
   <p:cSld>
     <p:spTree>
@@ -12815,7 +13127,7 @@
                 <a:latin typeface="Calibri"/>
               </a:rPr>
               <a:pPr/>
-              <a:t>23</a:t>
+              <a:t>24</a:t>
             </a:fld>
             <a:endParaRPr lang="nl-BE">
               <a:solidFill>
@@ -16311,359 +16623,6 @@
 </p:sld>
 </file>
 
-<file path=ppt/slides/slide24.xml><?xml version="1.0" encoding="utf-8"?>
-<p:sld xmlns:a="http://schemas.openxmlformats.org/drawingml/2006/main" xmlns:r="http://schemas.openxmlformats.org/officeDocument/2006/relationships" xmlns:p="http://schemas.openxmlformats.org/presentationml/2006/main">
-  <p:cSld>
-    <p:spTree>
-      <p:nvGrpSpPr>
-        <p:cNvPr id="1" name=""/>
-        <p:cNvGrpSpPr/>
-        <p:nvPr/>
-      </p:nvGrpSpPr>
-      <p:grpSpPr>
-        <a:xfrm>
-          <a:off x="0" y="0"/>
-          <a:ext cx="0" cy="0"/>
-          <a:chOff x="0" y="0"/>
-          <a:chExt cx="0" cy="0"/>
-        </a:xfrm>
-      </p:grpSpPr>
-      <p:sp>
-        <p:nvSpPr>
-          <p:cNvPr id="2" name="Title 1"/>
-          <p:cNvSpPr>
-            <a:spLocks noGrp="1"/>
-          </p:cNvSpPr>
-          <p:nvPr>
-            <p:ph type="title"/>
-          </p:nvPr>
-        </p:nvSpPr>
-        <p:spPr/>
-        <p:txBody>
-          <a:bodyPr/>
-          <a:lstStyle/>
-          <a:p>
-            <a:r>
-              <a:rPr lang="en-US" dirty="0" smtClean="0"/>
-              <a:t>Data formats: XML output</a:t>
-            </a:r>
-            <a:endParaRPr lang="en-US" dirty="0"/>
-          </a:p>
-        </p:txBody>
-      </p:sp>
-      <p:sp>
-        <p:nvSpPr>
-          <p:cNvPr id="3" name="TextBox 2"/>
-          <p:cNvSpPr txBox="1"/>
-          <p:nvPr/>
-        </p:nvSpPr>
-        <p:spPr>
-          <a:xfrm>
-            <a:off x="2063552" y="1268760"/>
-            <a:ext cx="8064896" cy="5355312"/>
-          </a:xfrm>
-          <a:prstGeom prst="rect">
-            <a:avLst/>
-          </a:prstGeom>
-          <a:solidFill>
-            <a:schemeClr val="bg1">
-              <a:lumMod val="75000"/>
-            </a:schemeClr>
-          </a:solidFill>
-        </p:spPr>
-        <p:txBody>
-          <a:bodyPr wrap="square" rtlCol="0">
-            <a:spAutoFit/>
-          </a:bodyPr>
-          <a:lstStyle/>
-          <a:p>
-            <a:r>
-              <a:rPr lang="en-US" dirty="0">
-                <a:solidFill>
-                  <a:prstClr val="black"/>
-                </a:solidFill>
-                <a:latin typeface="Courier New" pitchFamily="49" charset="0"/>
-                <a:cs typeface="Courier New" pitchFamily="49" charset="0"/>
-              </a:rPr>
-              <a:t>&lt;?xml version="1.0" ?&gt;</a:t>
-            </a:r>
-          </a:p>
-          <a:p>
-            <a:r>
-              <a:rPr lang="en-US" dirty="0">
-                <a:solidFill>
-                  <a:prstClr val="black"/>
-                </a:solidFill>
-                <a:latin typeface="Courier New" pitchFamily="49" charset="0"/>
-                <a:cs typeface="Courier New" pitchFamily="49" charset="0"/>
-              </a:rPr>
-              <a:t>&lt;blocks&gt;</a:t>
-            </a:r>
-          </a:p>
-          <a:p>
-            <a:r>
-              <a:rPr lang="en-US" dirty="0">
-                <a:solidFill>
-                  <a:prstClr val="black"/>
-                </a:solidFill>
-                <a:latin typeface="Courier New" pitchFamily="49" charset="0"/>
-                <a:cs typeface="Courier New" pitchFamily="49" charset="0"/>
-              </a:rPr>
-              <a:t>  &lt;block name="block_01"&gt;</a:t>
-            </a:r>
-          </a:p>
-          <a:p>
-            <a:r>
-              <a:rPr lang="en-US" dirty="0">
-                <a:solidFill>
-                  <a:prstClr val="black"/>
-                </a:solidFill>
-                <a:latin typeface="Courier New" pitchFamily="49" charset="0"/>
-                <a:cs typeface="Courier New" pitchFamily="49" charset="0"/>
-              </a:rPr>
-              <a:t>    &lt;item&gt;</a:t>
-            </a:r>
-          </a:p>
-          <a:p>
-            <a:r>
-              <a:rPr lang="en-US" dirty="0">
-                <a:solidFill>
-                  <a:prstClr val="black"/>
-                </a:solidFill>
-                <a:latin typeface="Courier New" pitchFamily="49" charset="0"/>
-                <a:cs typeface="Courier New" pitchFamily="49" charset="0"/>
-              </a:rPr>
-              <a:t>      0.1</a:t>
-            </a:r>
-          </a:p>
-          <a:p>
-            <a:r>
-              <a:rPr lang="en-US" dirty="0">
-                <a:solidFill>
-                  <a:prstClr val="black"/>
-                </a:solidFill>
-                <a:latin typeface="Courier New" pitchFamily="49" charset="0"/>
-                <a:cs typeface="Courier New" pitchFamily="49" charset="0"/>
-              </a:rPr>
-              <a:t>    &lt;/item&gt;</a:t>
-            </a:r>
-          </a:p>
-          <a:p>
-            <a:r>
-              <a:rPr lang="en-US" dirty="0">
-                <a:solidFill>
-                  <a:prstClr val="black"/>
-                </a:solidFill>
-                <a:latin typeface="Courier New" pitchFamily="49" charset="0"/>
-                <a:cs typeface="Courier New" pitchFamily="49" charset="0"/>
-              </a:rPr>
-              <a:t>    &lt;item&gt;</a:t>
-            </a:r>
-          </a:p>
-          <a:p>
-            <a:r>
-              <a:rPr lang="en-US" dirty="0">
-                <a:solidFill>
-                  <a:prstClr val="black"/>
-                </a:solidFill>
-                <a:latin typeface="Courier New" pitchFamily="49" charset="0"/>
-                <a:cs typeface="Courier New" pitchFamily="49" charset="0"/>
-              </a:rPr>
-              <a:t>      1.1</a:t>
-            </a:r>
-          </a:p>
-          <a:p>
-            <a:r>
-              <a:rPr lang="en-US" dirty="0">
-                <a:solidFill>
-                  <a:prstClr val="black"/>
-                </a:solidFill>
-                <a:latin typeface="Courier New" pitchFamily="49" charset="0"/>
-                <a:cs typeface="Courier New" pitchFamily="49" charset="0"/>
-              </a:rPr>
-              <a:t>    &lt;/item&gt;</a:t>
-            </a:r>
-          </a:p>
-          <a:p>
-            <a:r>
-              <a:rPr lang="en-US" dirty="0">
-                <a:solidFill>
-                  <a:prstClr val="black"/>
-                </a:solidFill>
-                <a:latin typeface="Courier New" pitchFamily="49" charset="0"/>
-                <a:cs typeface="Courier New" pitchFamily="49" charset="0"/>
-              </a:rPr>
-              <a:t>  &lt;/block&gt;</a:t>
-            </a:r>
-          </a:p>
-          <a:p>
-            <a:r>
-              <a:rPr lang="en-US" dirty="0">
-                <a:solidFill>
-                  <a:prstClr val="black"/>
-                </a:solidFill>
-                <a:latin typeface="Courier New" pitchFamily="49" charset="0"/>
-                <a:cs typeface="Courier New" pitchFamily="49" charset="0"/>
-              </a:rPr>
-              <a:t>  &lt;block name="block_02"&gt;</a:t>
-            </a:r>
-          </a:p>
-          <a:p>
-            <a:r>
-              <a:rPr lang="en-US" dirty="0">
-                <a:solidFill>
-                  <a:prstClr val="black"/>
-                </a:solidFill>
-                <a:latin typeface="Courier New" pitchFamily="49" charset="0"/>
-                <a:cs typeface="Courier New" pitchFamily="49" charset="0"/>
-              </a:rPr>
-              <a:t>    &lt;item&gt;</a:t>
-            </a:r>
-          </a:p>
-          <a:p>
-            <a:r>
-              <a:rPr lang="en-US" dirty="0">
-                <a:solidFill>
-                  <a:prstClr val="black"/>
-                </a:solidFill>
-                <a:latin typeface="Courier New" pitchFamily="49" charset="0"/>
-                <a:cs typeface="Courier New" pitchFamily="49" charset="0"/>
-              </a:rPr>
-              <a:t>      0.2</a:t>
-            </a:r>
-          </a:p>
-          <a:p>
-            <a:r>
-              <a:rPr lang="en-US" dirty="0">
-                <a:solidFill>
-                  <a:prstClr val="black"/>
-                </a:solidFill>
-                <a:latin typeface="Courier New" pitchFamily="49" charset="0"/>
-                <a:cs typeface="Courier New" pitchFamily="49" charset="0"/>
-              </a:rPr>
-              <a:t>    &lt;/item&gt;</a:t>
-            </a:r>
-          </a:p>
-          <a:p>
-            <a:r>
-              <a:rPr lang="en-US" dirty="0">
-                <a:solidFill>
-                  <a:prstClr val="black"/>
-                </a:solidFill>
-                <a:latin typeface="Courier New" pitchFamily="49" charset="0"/>
-                <a:cs typeface="Courier New" pitchFamily="49" charset="0"/>
-              </a:rPr>
-              <a:t>    &lt;item&gt;</a:t>
-            </a:r>
-          </a:p>
-          <a:p>
-            <a:r>
-              <a:rPr lang="en-US" dirty="0">
-                <a:solidFill>
-                  <a:prstClr val="black"/>
-                </a:solidFill>
-                <a:latin typeface="Courier New" pitchFamily="49" charset="0"/>
-                <a:cs typeface="Courier New" pitchFamily="49" charset="0"/>
-              </a:rPr>
-              <a:t>      1.2</a:t>
-            </a:r>
-          </a:p>
-          <a:p>
-            <a:r>
-              <a:rPr lang="en-US" dirty="0">
-                <a:solidFill>
-                  <a:prstClr val="black"/>
-                </a:solidFill>
-                <a:latin typeface="Courier New" pitchFamily="49" charset="0"/>
-                <a:cs typeface="Courier New" pitchFamily="49" charset="0"/>
-              </a:rPr>
-              <a:t>    &lt;/item&gt;</a:t>
-            </a:r>
-          </a:p>
-          <a:p>
-            <a:r>
-              <a:rPr lang="en-US" dirty="0">
-                <a:solidFill>
-                  <a:prstClr val="black"/>
-                </a:solidFill>
-                <a:latin typeface="Courier New" pitchFamily="49" charset="0"/>
-                <a:cs typeface="Courier New" pitchFamily="49" charset="0"/>
-              </a:rPr>
-              <a:t>  &lt;/block&gt;</a:t>
-            </a:r>
-          </a:p>
-          <a:p>
-            <a:r>
-              <a:rPr lang="en-US" dirty="0">
-                <a:solidFill>
-                  <a:prstClr val="black"/>
-                </a:solidFill>
-                <a:latin typeface="Courier New" pitchFamily="49" charset="0"/>
-                <a:cs typeface="Courier New" pitchFamily="49" charset="0"/>
-              </a:rPr>
-              <a:t>&lt;/blocks&gt;</a:t>
-            </a:r>
-          </a:p>
-        </p:txBody>
-      </p:sp>
-      <p:sp>
-        <p:nvSpPr>
-          <p:cNvPr id="4" name="Slide Number Placeholder 3"/>
-          <p:cNvSpPr>
-            <a:spLocks noGrp="1"/>
-          </p:cNvSpPr>
-          <p:nvPr>
-            <p:ph type="sldNum" sz="quarter" idx="12"/>
-          </p:nvPr>
-        </p:nvSpPr>
-        <p:spPr/>
-        <p:txBody>
-          <a:bodyPr/>
-          <a:lstStyle/>
-          <a:p>
-            <a:fld id="{5A209D72-2E9D-49B0-8977-41DCCC66C0BB}" type="slidenum">
-              <a:rPr lang="nl-BE">
-                <a:solidFill>
-                  <a:prstClr val="black">
-                    <a:tint val="75000"/>
-                  </a:prstClr>
-                </a:solidFill>
-                <a:latin typeface="Calibri"/>
-              </a:rPr>
-              <a:pPr/>
-              <a:t>24</a:t>
-            </a:fld>
-            <a:endParaRPr lang="nl-BE">
-              <a:solidFill>
-                <a:prstClr val="black">
-                  <a:tint val="75000"/>
-                </a:prstClr>
-              </a:solidFill>
-              <a:latin typeface="Calibri"/>
-            </a:endParaRPr>
-          </a:p>
-        </p:txBody>
-      </p:sp>
-    </p:spTree>
-    <p:extLst>
-      <p:ext uri="{BB962C8B-B14F-4D97-AF65-F5344CB8AC3E}">
-        <p14:creationId xmlns:p14="http://schemas.microsoft.com/office/powerpoint/2010/main" val="356106587"/>
-      </p:ext>
-    </p:extLst>
-  </p:cSld>
-  <p:clrMapOvr>
-    <a:masterClrMapping/>
-  </p:clrMapOvr>
-  <p:timing>
-    <p:tnLst>
-      <p:par>
-        <p:cTn id="1" dur="indefinite" restart="never" nodeType="tmRoot"/>
-      </p:par>
-    </p:tnLst>
-  </p:timing>
-</p:sld>
-</file>
-
 <file path=ppt/slides/slide25.xml><?xml version="1.0" encoding="utf-8"?>
 <p:sld xmlns:a="http://schemas.openxmlformats.org/drawingml/2006/main" xmlns:r="http://schemas.openxmlformats.org/officeDocument/2006/relationships" xmlns:p="http://schemas.openxmlformats.org/presentationml/2006/main">
   <p:cSld>
@@ -16698,7 +16657,7 @@
           <a:p>
             <a:r>
               <a:rPr lang="en-US" dirty="0" smtClean="0"/>
-              <a:t>Data formats: creating XML</a:t>
+              <a:t>Data formats: XML output</a:t>
             </a:r>
             <a:endParaRPr lang="en-US" dirty="0"/>
           </a:p>
@@ -16706,14 +16665,14 @@
       </p:sp>
       <p:sp>
         <p:nvSpPr>
-          <p:cNvPr id="5" name="TextBox 4"/>
+          <p:cNvPr id="3" name="TextBox 2"/>
           <p:cNvSpPr txBox="1"/>
           <p:nvPr/>
         </p:nvSpPr>
         <p:spPr>
           <a:xfrm>
-            <a:off x="1991544" y="1412777"/>
-            <a:ext cx="8064896" cy="5078313"/>
+            <a:off x="2063552" y="1268760"/>
+            <a:ext cx="8064896" cy="5355312"/>
           </a:xfrm>
           <a:prstGeom prst="rect">
             <a:avLst/>
@@ -16731,59 +16690,6 @@
           <a:lstStyle/>
           <a:p>
             <a:r>
-              <a:rPr lang="pt-BR" dirty="0">
-                <a:solidFill>
-                  <a:prstClr val="black"/>
-                </a:solidFill>
-                <a:latin typeface="Courier New" pitchFamily="49" charset="0"/>
-                <a:cs typeface="Courier New" pitchFamily="49" charset="0"/>
-              </a:rPr>
-              <a:t> 1   from xml.dom.minidom import Document</a:t>
-            </a:r>
-          </a:p>
-          <a:p>
-            <a:r>
-              <a:rPr lang="pt-BR" dirty="0">
-                <a:solidFill>
-                  <a:prstClr val="black"/>
-                </a:solidFill>
-                <a:latin typeface="Courier New" pitchFamily="49" charset="0"/>
-                <a:cs typeface="Courier New" pitchFamily="49" charset="0"/>
-              </a:rPr>
-              <a:t> 2   nr_blocks = 2</a:t>
-            </a:r>
-            <a:br>
-              <a:rPr lang="pt-BR" dirty="0">
-                <a:solidFill>
-                  <a:prstClr val="black"/>
-                </a:solidFill>
-                <a:latin typeface="Courier New" pitchFamily="49" charset="0"/>
-                <a:cs typeface="Courier New" pitchFamily="49" charset="0"/>
-              </a:rPr>
-            </a:br>
-            <a:r>
-              <a:rPr lang="pt-BR" dirty="0">
-                <a:solidFill>
-                  <a:prstClr val="black"/>
-                </a:solidFill>
-                <a:latin typeface="Courier New" pitchFamily="49" charset="0"/>
-                <a:cs typeface="Courier New" pitchFamily="49" charset="0"/>
-              </a:rPr>
-              <a:t> 3   nr_items = 2</a:t>
-            </a:r>
-          </a:p>
-          <a:p>
-            <a:r>
-              <a:rPr lang="pt-BR" dirty="0">
-                <a:solidFill>
-                  <a:prstClr val="black"/>
-                </a:solidFill>
-                <a:latin typeface="Courier New" pitchFamily="49" charset="0"/>
-                <a:cs typeface="Courier New" pitchFamily="49" charset="0"/>
-              </a:rPr>
-              <a:t> </a:t>
-            </a:r>
-            <a:r>
               <a:rPr lang="en-US" dirty="0">
                 <a:solidFill>
                   <a:prstClr val="black"/>
@@ -16791,7 +16697,7 @@
                 <a:latin typeface="Courier New" pitchFamily="49" charset="0"/>
                 <a:cs typeface="Courier New" pitchFamily="49" charset="0"/>
               </a:rPr>
-              <a:t>4   doc = Document()</a:t>
+              <a:t>&lt;?xml version="1.0" ?&gt;</a:t>
             </a:r>
           </a:p>
           <a:p>
@@ -16803,18 +16709,10 @@
                 <a:latin typeface="Courier New" pitchFamily="49" charset="0"/>
                 <a:cs typeface="Courier New" pitchFamily="49" charset="0"/>
               </a:rPr>
-              <a:t> 5   blocks = </a:t>
-            </a:r>
-            <a:r>
-              <a:rPr lang="en-US" dirty="0" err="1">
-                <a:solidFill>
-                  <a:prstClr val="black"/>
-                </a:solidFill>
-                <a:latin typeface="Courier New" pitchFamily="49" charset="0"/>
-                <a:cs typeface="Courier New" pitchFamily="49" charset="0"/>
-              </a:rPr>
-              <a:t>doc.createElement</a:t>
-            </a:r>
+              <a:t>&lt;blocks&gt;</a:t>
+            </a:r>
+          </a:p>
+          <a:p>
             <a:r>
               <a:rPr lang="en-US" dirty="0">
                 <a:solidFill>
@@ -16823,7 +16721,7 @@
                 <a:latin typeface="Courier New" pitchFamily="49" charset="0"/>
                 <a:cs typeface="Courier New" pitchFamily="49" charset="0"/>
               </a:rPr>
-              <a:t>('blocks')</a:t>
+              <a:t>  &lt;block name="block_01"&gt;</a:t>
             </a:r>
           </a:p>
           <a:p>
@@ -16835,18 +16733,10 @@
                 <a:latin typeface="Courier New" pitchFamily="49" charset="0"/>
                 <a:cs typeface="Courier New" pitchFamily="49" charset="0"/>
               </a:rPr>
-              <a:t> 6   </a:t>
-            </a:r>
-            <a:r>
-              <a:rPr lang="en-US" dirty="0" err="1">
-                <a:solidFill>
-                  <a:prstClr val="black"/>
-                </a:solidFill>
-                <a:latin typeface="Courier New" pitchFamily="49" charset="0"/>
-                <a:cs typeface="Courier New" pitchFamily="49" charset="0"/>
-              </a:rPr>
-              <a:t>doc.appendChild</a:t>
-            </a:r>
+              <a:t>    &lt;item&gt;</a:t>
+            </a:r>
+          </a:p>
+          <a:p>
             <a:r>
               <a:rPr lang="en-US" dirty="0">
                 <a:solidFill>
@@ -16855,7 +16745,7 @@
                 <a:latin typeface="Courier New" pitchFamily="49" charset="0"/>
                 <a:cs typeface="Courier New" pitchFamily="49" charset="0"/>
               </a:rPr>
-              <a:t>(blocks)</a:t>
+              <a:t>      0.1</a:t>
             </a:r>
           </a:p>
           <a:p>
@@ -16867,18 +16757,10 @@
                 <a:latin typeface="Courier New" pitchFamily="49" charset="0"/>
                 <a:cs typeface="Courier New" pitchFamily="49" charset="0"/>
               </a:rPr>
-              <a:t> 7   for </a:t>
-            </a:r>
-            <a:r>
-              <a:rPr lang="en-US" dirty="0" err="1">
-                <a:solidFill>
-                  <a:prstClr val="black"/>
-                </a:solidFill>
-                <a:latin typeface="Courier New" pitchFamily="49" charset="0"/>
-                <a:cs typeface="Courier New" pitchFamily="49" charset="0"/>
-              </a:rPr>
-              <a:t>block_nr</a:t>
-            </a:r>
+              <a:t>    &lt;/item&gt;</a:t>
+            </a:r>
+          </a:p>
+          <a:p>
             <a:r>
               <a:rPr lang="en-US" dirty="0">
                 <a:solidFill>
@@ -16887,18 +16769,10 @@
                 <a:latin typeface="Courier New" pitchFamily="49" charset="0"/>
                 <a:cs typeface="Courier New" pitchFamily="49" charset="0"/>
               </a:rPr>
-              <a:t> in range(1, </a:t>
-            </a:r>
-            <a:r>
-              <a:rPr lang="en-US" dirty="0" err="1">
-                <a:solidFill>
-                  <a:prstClr val="black"/>
-                </a:solidFill>
-                <a:latin typeface="Courier New" pitchFamily="49" charset="0"/>
-                <a:cs typeface="Courier New" pitchFamily="49" charset="0"/>
-              </a:rPr>
-              <a:t>nr_blocks</a:t>
-            </a:r>
+              <a:t>    &lt;item&gt;</a:t>
+            </a:r>
+          </a:p>
+          <a:p>
             <a:r>
               <a:rPr lang="en-US" dirty="0">
                 <a:solidFill>
@@ -16907,7 +16781,7 @@
                 <a:latin typeface="Courier New" pitchFamily="49" charset="0"/>
                 <a:cs typeface="Courier New" pitchFamily="49" charset="0"/>
               </a:rPr>
-              <a:t> + 1):</a:t>
+              <a:t>      1.1</a:t>
             </a:r>
           </a:p>
           <a:p>
@@ -16919,18 +16793,10 @@
                 <a:latin typeface="Courier New" pitchFamily="49" charset="0"/>
                 <a:cs typeface="Courier New" pitchFamily="49" charset="0"/>
               </a:rPr>
-              <a:t> 8       block = </a:t>
-            </a:r>
-            <a:r>
-              <a:rPr lang="en-US" dirty="0" err="1">
-                <a:solidFill>
-                  <a:prstClr val="black"/>
-                </a:solidFill>
-                <a:latin typeface="Courier New" pitchFamily="49" charset="0"/>
-                <a:cs typeface="Courier New" pitchFamily="49" charset="0"/>
-              </a:rPr>
-              <a:t>doc.createElement</a:t>
-            </a:r>
+              <a:t>    &lt;/item&gt;</a:t>
+            </a:r>
+          </a:p>
+          <a:p>
             <a:r>
               <a:rPr lang="en-US" dirty="0">
                 <a:solidFill>
@@ -16939,7 +16805,7 @@
                 <a:latin typeface="Courier New" pitchFamily="49" charset="0"/>
                 <a:cs typeface="Courier New" pitchFamily="49" charset="0"/>
               </a:rPr>
-              <a:t>('block')</a:t>
+              <a:t>  &lt;/block&gt;</a:t>
             </a:r>
           </a:p>
           <a:p>
@@ -16951,18 +16817,10 @@
                 <a:latin typeface="Courier New" pitchFamily="49" charset="0"/>
                 <a:cs typeface="Courier New" pitchFamily="49" charset="0"/>
               </a:rPr>
-              <a:t> 9       </a:t>
-            </a:r>
-            <a:r>
-              <a:rPr lang="en-US" dirty="0" err="1">
-                <a:solidFill>
-                  <a:prstClr val="black"/>
-                </a:solidFill>
-                <a:latin typeface="Courier New" pitchFamily="49" charset="0"/>
-                <a:cs typeface="Courier New" pitchFamily="49" charset="0"/>
-              </a:rPr>
-              <a:t>block_name</a:t>
-            </a:r>
+              <a:t>  &lt;block name="block_02"&gt;</a:t>
+            </a:r>
+          </a:p>
+          <a:p>
             <a:r>
               <a:rPr lang="en-US" dirty="0">
                 <a:solidFill>
@@ -16971,18 +16829,10 @@
                 <a:latin typeface="Courier New" pitchFamily="49" charset="0"/>
                 <a:cs typeface="Courier New" pitchFamily="49" charset="0"/>
               </a:rPr>
-              <a:t> = 'block_{0:02d}'.format(</a:t>
-            </a:r>
-            <a:r>
-              <a:rPr lang="en-US" dirty="0" err="1">
-                <a:solidFill>
-                  <a:prstClr val="black"/>
-                </a:solidFill>
-                <a:latin typeface="Courier New" pitchFamily="49" charset="0"/>
-                <a:cs typeface="Courier New" pitchFamily="49" charset="0"/>
-              </a:rPr>
-              <a:t>block_nr</a:t>
-            </a:r>
+              <a:t>    &lt;item&gt;</a:t>
+            </a:r>
+          </a:p>
+          <a:p>
             <a:r>
               <a:rPr lang="en-US" dirty="0">
                 <a:solidFill>
@@ -16991,7 +16841,7 @@
                 <a:latin typeface="Courier New" pitchFamily="49" charset="0"/>
                 <a:cs typeface="Courier New" pitchFamily="49" charset="0"/>
               </a:rPr>
-              <a:t>)</a:t>
+              <a:t>      0.2</a:t>
             </a:r>
           </a:p>
           <a:p>
@@ -17003,18 +16853,10 @@
                 <a:latin typeface="Courier New" pitchFamily="49" charset="0"/>
                 <a:cs typeface="Courier New" pitchFamily="49" charset="0"/>
               </a:rPr>
-              <a:t>10       </a:t>
-            </a:r>
-            <a:r>
-              <a:rPr lang="en-US" dirty="0" err="1">
-                <a:solidFill>
-                  <a:prstClr val="black"/>
-                </a:solidFill>
-                <a:latin typeface="Courier New" pitchFamily="49" charset="0"/>
-                <a:cs typeface="Courier New" pitchFamily="49" charset="0"/>
-              </a:rPr>
-              <a:t>block.setAttribute</a:t>
-            </a:r>
+              <a:t>    &lt;/item&gt;</a:t>
+            </a:r>
+          </a:p>
+          <a:p>
             <a:r>
               <a:rPr lang="en-US" dirty="0">
                 <a:solidFill>
@@ -17023,18 +16865,10 @@
                 <a:latin typeface="Courier New" pitchFamily="49" charset="0"/>
                 <a:cs typeface="Courier New" pitchFamily="49" charset="0"/>
               </a:rPr>
-              <a:t>('name', </a:t>
-            </a:r>
-            <a:r>
-              <a:rPr lang="en-US" dirty="0" err="1">
-                <a:solidFill>
-                  <a:prstClr val="black"/>
-                </a:solidFill>
-                <a:latin typeface="Courier New" pitchFamily="49" charset="0"/>
-                <a:cs typeface="Courier New" pitchFamily="49" charset="0"/>
-              </a:rPr>
-              <a:t>block_name</a:t>
-            </a:r>
+              <a:t>    &lt;item&gt;</a:t>
+            </a:r>
+          </a:p>
+          <a:p>
             <a:r>
               <a:rPr lang="en-US" dirty="0">
                 <a:solidFill>
@@ -17043,7 +16877,7 @@
                 <a:latin typeface="Courier New" pitchFamily="49" charset="0"/>
                 <a:cs typeface="Courier New" pitchFamily="49" charset="0"/>
               </a:rPr>
-              <a:t>)</a:t>
+              <a:t>      1.2</a:t>
             </a:r>
           </a:p>
           <a:p>
@@ -17055,18 +16889,10 @@
                 <a:latin typeface="Courier New" pitchFamily="49" charset="0"/>
                 <a:cs typeface="Courier New" pitchFamily="49" charset="0"/>
               </a:rPr>
-              <a:t>11       </a:t>
-            </a:r>
-            <a:r>
-              <a:rPr lang="en-US" dirty="0" err="1">
-                <a:solidFill>
-                  <a:prstClr val="black"/>
-                </a:solidFill>
-                <a:latin typeface="Courier New" pitchFamily="49" charset="0"/>
-                <a:cs typeface="Courier New" pitchFamily="49" charset="0"/>
-              </a:rPr>
-              <a:t>blocks.appendChild</a:t>
-            </a:r>
+              <a:t>    &lt;/item&gt;</a:t>
+            </a:r>
+          </a:p>
+          <a:p>
             <a:r>
               <a:rPr lang="en-US" dirty="0">
                 <a:solidFill>
@@ -17075,7 +16901,7 @@
                 <a:latin typeface="Courier New" pitchFamily="49" charset="0"/>
                 <a:cs typeface="Courier New" pitchFamily="49" charset="0"/>
               </a:rPr>
-              <a:t>(block)</a:t>
+              <a:t>  &lt;/block&gt;</a:t>
             </a:r>
           </a:p>
           <a:p>
@@ -17087,306 +16913,14 @@
                 <a:latin typeface="Courier New" pitchFamily="49" charset="0"/>
                 <a:cs typeface="Courier New" pitchFamily="49" charset="0"/>
               </a:rPr>
-              <a:t>12       for </a:t>
-            </a:r>
-            <a:r>
-              <a:rPr lang="en-US" dirty="0" err="1">
-                <a:solidFill>
-                  <a:prstClr val="black"/>
-                </a:solidFill>
-                <a:latin typeface="Courier New" pitchFamily="49" charset="0"/>
-                <a:cs typeface="Courier New" pitchFamily="49" charset="0"/>
-              </a:rPr>
-              <a:t>item_nr</a:t>
-            </a:r>
-            <a:r>
-              <a:rPr lang="en-US" dirty="0">
-                <a:solidFill>
-                  <a:prstClr val="black"/>
-                </a:solidFill>
-                <a:latin typeface="Courier New" pitchFamily="49" charset="0"/>
-                <a:cs typeface="Courier New" pitchFamily="49" charset="0"/>
-              </a:rPr>
-              <a:t> in range(0, </a:t>
-            </a:r>
-            <a:r>
-              <a:rPr lang="en-US" dirty="0" err="1">
-                <a:solidFill>
-                  <a:prstClr val="black"/>
-                </a:solidFill>
-                <a:latin typeface="Courier New" pitchFamily="49" charset="0"/>
-                <a:cs typeface="Courier New" pitchFamily="49" charset="0"/>
-              </a:rPr>
-              <a:t>nr_items</a:t>
-            </a:r>
-            <a:r>
-              <a:rPr lang="en-US" dirty="0">
-                <a:solidFill>
-                  <a:prstClr val="black"/>
-                </a:solidFill>
-                <a:latin typeface="Courier New" pitchFamily="49" charset="0"/>
-                <a:cs typeface="Courier New" pitchFamily="49" charset="0"/>
-              </a:rPr>
-              <a:t>):</a:t>
-            </a:r>
-          </a:p>
-          <a:p>
-            <a:r>
-              <a:rPr lang="en-US" dirty="0">
-                <a:solidFill>
-                  <a:prstClr val="black"/>
-                </a:solidFill>
-                <a:latin typeface="Courier New" pitchFamily="49" charset="0"/>
-                <a:cs typeface="Courier New" pitchFamily="49" charset="0"/>
-              </a:rPr>
-              <a:t>13           item = </a:t>
-            </a:r>
-            <a:r>
-              <a:rPr lang="en-US" dirty="0" err="1">
-                <a:solidFill>
-                  <a:prstClr val="black"/>
-                </a:solidFill>
-                <a:latin typeface="Courier New" pitchFamily="49" charset="0"/>
-                <a:cs typeface="Courier New" pitchFamily="49" charset="0"/>
-              </a:rPr>
-              <a:t>doc.createElement</a:t>
-            </a:r>
-            <a:r>
-              <a:rPr lang="en-US" dirty="0">
-                <a:solidFill>
-                  <a:prstClr val="black"/>
-                </a:solidFill>
-                <a:latin typeface="Courier New" pitchFamily="49" charset="0"/>
-                <a:cs typeface="Courier New" pitchFamily="49" charset="0"/>
-              </a:rPr>
-              <a:t>('item')</a:t>
-            </a:r>
-          </a:p>
-          <a:p>
-            <a:r>
-              <a:rPr lang="en-US" dirty="0">
-                <a:solidFill>
-                  <a:prstClr val="black"/>
-                </a:solidFill>
-                <a:latin typeface="Courier New" pitchFamily="49" charset="0"/>
-                <a:cs typeface="Courier New" pitchFamily="49" charset="0"/>
-              </a:rPr>
-              <a:t>14           text = '{0}.{1}'.format(</a:t>
-            </a:r>
-            <a:r>
-              <a:rPr lang="en-US" dirty="0" err="1">
-                <a:solidFill>
-                  <a:prstClr val="black"/>
-                </a:solidFill>
-                <a:latin typeface="Courier New" pitchFamily="49" charset="0"/>
-                <a:cs typeface="Courier New" pitchFamily="49" charset="0"/>
-              </a:rPr>
-              <a:t>item_nr</a:t>
-            </a:r>
-            <a:r>
-              <a:rPr lang="en-US" dirty="0">
-                <a:solidFill>
-                  <a:prstClr val="black"/>
-                </a:solidFill>
-                <a:latin typeface="Courier New" pitchFamily="49" charset="0"/>
-                <a:cs typeface="Courier New" pitchFamily="49" charset="0"/>
-              </a:rPr>
-              <a:t>, </a:t>
-            </a:r>
-            <a:r>
-              <a:rPr lang="en-US" dirty="0" err="1">
-                <a:solidFill>
-                  <a:prstClr val="black"/>
-                </a:solidFill>
-                <a:latin typeface="Courier New" pitchFamily="49" charset="0"/>
-                <a:cs typeface="Courier New" pitchFamily="49" charset="0"/>
-              </a:rPr>
-              <a:t>block_nr</a:t>
-            </a:r>
-            <a:r>
-              <a:rPr lang="en-US" dirty="0">
-                <a:solidFill>
-                  <a:prstClr val="black"/>
-                </a:solidFill>
-                <a:latin typeface="Courier New" pitchFamily="49" charset="0"/>
-                <a:cs typeface="Courier New" pitchFamily="49" charset="0"/>
-              </a:rPr>
-              <a:t>)</a:t>
-            </a:r>
-          </a:p>
-          <a:p>
-            <a:r>
-              <a:rPr lang="en-US" dirty="0">
-                <a:solidFill>
-                  <a:prstClr val="black"/>
-                </a:solidFill>
-                <a:latin typeface="Courier New" pitchFamily="49" charset="0"/>
-                <a:cs typeface="Courier New" pitchFamily="49" charset="0"/>
-              </a:rPr>
-              <a:t>15           </a:t>
-            </a:r>
-            <a:r>
-              <a:rPr lang="en-US" dirty="0" err="1">
-                <a:solidFill>
-                  <a:prstClr val="black"/>
-                </a:solidFill>
-                <a:latin typeface="Courier New" pitchFamily="49" charset="0"/>
-                <a:cs typeface="Courier New" pitchFamily="49" charset="0"/>
-              </a:rPr>
-              <a:t>text_node</a:t>
-            </a:r>
-            <a:r>
-              <a:rPr lang="en-US" dirty="0">
-                <a:solidFill>
-                  <a:prstClr val="black"/>
-                </a:solidFill>
-                <a:latin typeface="Courier New" pitchFamily="49" charset="0"/>
-                <a:cs typeface="Courier New" pitchFamily="49" charset="0"/>
-              </a:rPr>
-              <a:t> = </a:t>
-            </a:r>
-            <a:r>
-              <a:rPr lang="en-US" dirty="0" err="1">
-                <a:solidFill>
-                  <a:prstClr val="black"/>
-                </a:solidFill>
-                <a:latin typeface="Courier New" pitchFamily="49" charset="0"/>
-                <a:cs typeface="Courier New" pitchFamily="49" charset="0"/>
-              </a:rPr>
-              <a:t>doc.createTextNode</a:t>
-            </a:r>
-            <a:r>
-              <a:rPr lang="en-US" dirty="0">
-                <a:solidFill>
-                  <a:prstClr val="black"/>
-                </a:solidFill>
-                <a:latin typeface="Courier New" pitchFamily="49" charset="0"/>
-                <a:cs typeface="Courier New" pitchFamily="49" charset="0"/>
-              </a:rPr>
-              <a:t>(text)</a:t>
-            </a:r>
-          </a:p>
-          <a:p>
-            <a:r>
-              <a:rPr lang="en-US" dirty="0">
-                <a:solidFill>
-                  <a:prstClr val="black"/>
-                </a:solidFill>
-                <a:latin typeface="Courier New" pitchFamily="49" charset="0"/>
-                <a:cs typeface="Courier New" pitchFamily="49" charset="0"/>
-              </a:rPr>
-              <a:t>16           </a:t>
-            </a:r>
-            <a:r>
-              <a:rPr lang="en-US" dirty="0" err="1">
-                <a:solidFill>
-                  <a:prstClr val="black"/>
-                </a:solidFill>
-                <a:latin typeface="Courier New" pitchFamily="49" charset="0"/>
-                <a:cs typeface="Courier New" pitchFamily="49" charset="0"/>
-              </a:rPr>
-              <a:t>item.appendChild</a:t>
-            </a:r>
-            <a:r>
-              <a:rPr lang="en-US" dirty="0">
-                <a:solidFill>
-                  <a:prstClr val="black"/>
-                </a:solidFill>
-                <a:latin typeface="Courier New" pitchFamily="49" charset="0"/>
-                <a:cs typeface="Courier New" pitchFamily="49" charset="0"/>
-              </a:rPr>
-              <a:t>(</a:t>
-            </a:r>
-            <a:r>
-              <a:rPr lang="en-US" dirty="0" err="1">
-                <a:solidFill>
-                  <a:prstClr val="black"/>
-                </a:solidFill>
-                <a:latin typeface="Courier New" pitchFamily="49" charset="0"/>
-                <a:cs typeface="Courier New" pitchFamily="49" charset="0"/>
-              </a:rPr>
-              <a:t>text_node</a:t>
-            </a:r>
-            <a:r>
-              <a:rPr lang="en-US" dirty="0">
-                <a:solidFill>
-                  <a:prstClr val="black"/>
-                </a:solidFill>
-                <a:latin typeface="Courier New" pitchFamily="49" charset="0"/>
-                <a:cs typeface="Courier New" pitchFamily="49" charset="0"/>
-              </a:rPr>
-              <a:t>)</a:t>
-            </a:r>
-          </a:p>
-          <a:p>
-            <a:r>
-              <a:rPr lang="en-US" dirty="0">
-                <a:solidFill>
-                  <a:prstClr val="black"/>
-                </a:solidFill>
-                <a:latin typeface="Courier New" pitchFamily="49" charset="0"/>
-                <a:cs typeface="Courier New" pitchFamily="49" charset="0"/>
-              </a:rPr>
-              <a:t>17           </a:t>
-            </a:r>
-            <a:r>
-              <a:rPr lang="en-US" dirty="0" err="1">
-                <a:solidFill>
-                  <a:prstClr val="black"/>
-                </a:solidFill>
-                <a:latin typeface="Courier New" pitchFamily="49" charset="0"/>
-                <a:cs typeface="Courier New" pitchFamily="49" charset="0"/>
-              </a:rPr>
-              <a:t>block.appendChild</a:t>
-            </a:r>
-            <a:r>
-              <a:rPr lang="en-US" dirty="0">
-                <a:solidFill>
-                  <a:prstClr val="black"/>
-                </a:solidFill>
-                <a:latin typeface="Courier New" pitchFamily="49" charset="0"/>
-                <a:cs typeface="Courier New" pitchFamily="49" charset="0"/>
-              </a:rPr>
-              <a:t>(item)</a:t>
-            </a:r>
-          </a:p>
-          <a:p>
-            <a:r>
-              <a:rPr lang="en-US" dirty="0">
-                <a:solidFill>
-                  <a:prstClr val="black"/>
-                </a:solidFill>
-                <a:latin typeface="Courier New" pitchFamily="49" charset="0"/>
-                <a:cs typeface="Courier New" pitchFamily="49" charset="0"/>
-              </a:rPr>
-              <a:t>18   print(</a:t>
-            </a:r>
-            <a:r>
-              <a:rPr lang="en-US" dirty="0" err="1">
-                <a:solidFill>
-                  <a:prstClr val="black"/>
-                </a:solidFill>
-                <a:latin typeface="Courier New" pitchFamily="49" charset="0"/>
-                <a:cs typeface="Courier New" pitchFamily="49" charset="0"/>
-              </a:rPr>
-              <a:t>doc.toprettyxml</a:t>
-            </a:r>
-            <a:r>
-              <a:rPr lang="en-US" dirty="0">
-                <a:solidFill>
-                  <a:prstClr val="black"/>
-                </a:solidFill>
-                <a:latin typeface="Courier New" pitchFamily="49" charset="0"/>
-                <a:cs typeface="Courier New" pitchFamily="49" charset="0"/>
-              </a:rPr>
-              <a:t>(indent='  '))</a:t>
+              <a:t>&lt;/blocks&gt;</a:t>
             </a:r>
           </a:p>
         </p:txBody>
       </p:sp>
       <p:sp>
         <p:nvSpPr>
-          <p:cNvPr id="3" name="Slide Number Placeholder 2"/>
+          <p:cNvPr id="4" name="Slide Number Placeholder 3"/>
           <p:cNvSpPr>
             <a:spLocks noGrp="1"/>
           </p:cNvSpPr>
@@ -17425,7 +16959,7 @@
     </p:spTree>
     <p:extLst>
       <p:ext uri="{BB962C8B-B14F-4D97-AF65-F5344CB8AC3E}">
-        <p14:creationId xmlns:p14="http://schemas.microsoft.com/office/powerpoint/2010/main" val="1324044320"/>
+        <p14:creationId xmlns:p14="http://schemas.microsoft.com/office/powerpoint/2010/main" val="356106587"/>
       </p:ext>
     </p:extLst>
   </p:cSld>
@@ -17476,6 +17010,784 @@
           <a:p>
             <a:r>
               <a:rPr lang="en-US" dirty="0" smtClean="0"/>
+              <a:t>Data formats: creating XML</a:t>
+            </a:r>
+            <a:endParaRPr lang="en-US" dirty="0"/>
+          </a:p>
+        </p:txBody>
+      </p:sp>
+      <p:sp>
+        <p:nvSpPr>
+          <p:cNvPr id="5" name="TextBox 4"/>
+          <p:cNvSpPr txBox="1"/>
+          <p:nvPr/>
+        </p:nvSpPr>
+        <p:spPr>
+          <a:xfrm>
+            <a:off x="1991544" y="1412777"/>
+            <a:ext cx="8064896" cy="5078313"/>
+          </a:xfrm>
+          <a:prstGeom prst="rect">
+            <a:avLst/>
+          </a:prstGeom>
+          <a:solidFill>
+            <a:schemeClr val="bg1">
+              <a:lumMod val="75000"/>
+            </a:schemeClr>
+          </a:solidFill>
+        </p:spPr>
+        <p:txBody>
+          <a:bodyPr wrap="square" rtlCol="0">
+            <a:spAutoFit/>
+          </a:bodyPr>
+          <a:lstStyle/>
+          <a:p>
+            <a:r>
+              <a:rPr lang="pt-BR" dirty="0">
+                <a:solidFill>
+                  <a:prstClr val="black"/>
+                </a:solidFill>
+                <a:latin typeface="Courier New" pitchFamily="49" charset="0"/>
+                <a:cs typeface="Courier New" pitchFamily="49" charset="0"/>
+              </a:rPr>
+              <a:t> 1   from xml.dom.minidom import Document</a:t>
+            </a:r>
+          </a:p>
+          <a:p>
+            <a:r>
+              <a:rPr lang="pt-BR" dirty="0">
+                <a:solidFill>
+                  <a:prstClr val="black"/>
+                </a:solidFill>
+                <a:latin typeface="Courier New" pitchFamily="49" charset="0"/>
+                <a:cs typeface="Courier New" pitchFamily="49" charset="0"/>
+              </a:rPr>
+              <a:t> 2   nr_blocks = 2</a:t>
+            </a:r>
+            <a:br>
+              <a:rPr lang="pt-BR" dirty="0">
+                <a:solidFill>
+                  <a:prstClr val="black"/>
+                </a:solidFill>
+                <a:latin typeface="Courier New" pitchFamily="49" charset="0"/>
+                <a:cs typeface="Courier New" pitchFamily="49" charset="0"/>
+              </a:rPr>
+            </a:br>
+            <a:r>
+              <a:rPr lang="pt-BR" dirty="0">
+                <a:solidFill>
+                  <a:prstClr val="black"/>
+                </a:solidFill>
+                <a:latin typeface="Courier New" pitchFamily="49" charset="0"/>
+                <a:cs typeface="Courier New" pitchFamily="49" charset="0"/>
+              </a:rPr>
+              <a:t> 3   nr_items = 2</a:t>
+            </a:r>
+          </a:p>
+          <a:p>
+            <a:r>
+              <a:rPr lang="pt-BR" dirty="0">
+                <a:solidFill>
+                  <a:prstClr val="black"/>
+                </a:solidFill>
+                <a:latin typeface="Courier New" pitchFamily="49" charset="0"/>
+                <a:cs typeface="Courier New" pitchFamily="49" charset="0"/>
+              </a:rPr>
+              <a:t> </a:t>
+            </a:r>
+            <a:r>
+              <a:rPr lang="en-US" dirty="0">
+                <a:solidFill>
+                  <a:prstClr val="black"/>
+                </a:solidFill>
+                <a:latin typeface="Courier New" pitchFamily="49" charset="0"/>
+                <a:cs typeface="Courier New" pitchFamily="49" charset="0"/>
+              </a:rPr>
+              <a:t>4   doc = Document()</a:t>
+            </a:r>
+          </a:p>
+          <a:p>
+            <a:r>
+              <a:rPr lang="en-US" dirty="0">
+                <a:solidFill>
+                  <a:prstClr val="black"/>
+                </a:solidFill>
+                <a:latin typeface="Courier New" pitchFamily="49" charset="0"/>
+                <a:cs typeface="Courier New" pitchFamily="49" charset="0"/>
+              </a:rPr>
+              <a:t> 5   blocks = </a:t>
+            </a:r>
+            <a:r>
+              <a:rPr lang="en-US" dirty="0" err="1">
+                <a:solidFill>
+                  <a:prstClr val="black"/>
+                </a:solidFill>
+                <a:latin typeface="Courier New" pitchFamily="49" charset="0"/>
+                <a:cs typeface="Courier New" pitchFamily="49" charset="0"/>
+              </a:rPr>
+              <a:t>doc.createElement</a:t>
+            </a:r>
+            <a:r>
+              <a:rPr lang="en-US" dirty="0">
+                <a:solidFill>
+                  <a:prstClr val="black"/>
+                </a:solidFill>
+                <a:latin typeface="Courier New" pitchFamily="49" charset="0"/>
+                <a:cs typeface="Courier New" pitchFamily="49" charset="0"/>
+              </a:rPr>
+              <a:t>('blocks')</a:t>
+            </a:r>
+          </a:p>
+          <a:p>
+            <a:r>
+              <a:rPr lang="en-US" dirty="0">
+                <a:solidFill>
+                  <a:prstClr val="black"/>
+                </a:solidFill>
+                <a:latin typeface="Courier New" pitchFamily="49" charset="0"/>
+                <a:cs typeface="Courier New" pitchFamily="49" charset="0"/>
+              </a:rPr>
+              <a:t> 6   </a:t>
+            </a:r>
+            <a:r>
+              <a:rPr lang="en-US" dirty="0" err="1">
+                <a:solidFill>
+                  <a:prstClr val="black"/>
+                </a:solidFill>
+                <a:latin typeface="Courier New" pitchFamily="49" charset="0"/>
+                <a:cs typeface="Courier New" pitchFamily="49" charset="0"/>
+              </a:rPr>
+              <a:t>doc.appendChild</a:t>
+            </a:r>
+            <a:r>
+              <a:rPr lang="en-US" dirty="0">
+                <a:solidFill>
+                  <a:prstClr val="black"/>
+                </a:solidFill>
+                <a:latin typeface="Courier New" pitchFamily="49" charset="0"/>
+                <a:cs typeface="Courier New" pitchFamily="49" charset="0"/>
+              </a:rPr>
+              <a:t>(blocks)</a:t>
+            </a:r>
+          </a:p>
+          <a:p>
+            <a:r>
+              <a:rPr lang="en-US" dirty="0">
+                <a:solidFill>
+                  <a:prstClr val="black"/>
+                </a:solidFill>
+                <a:latin typeface="Courier New" pitchFamily="49" charset="0"/>
+                <a:cs typeface="Courier New" pitchFamily="49" charset="0"/>
+              </a:rPr>
+              <a:t> 7   for </a:t>
+            </a:r>
+            <a:r>
+              <a:rPr lang="en-US" dirty="0" err="1">
+                <a:solidFill>
+                  <a:prstClr val="black"/>
+                </a:solidFill>
+                <a:latin typeface="Courier New" pitchFamily="49" charset="0"/>
+                <a:cs typeface="Courier New" pitchFamily="49" charset="0"/>
+              </a:rPr>
+              <a:t>block_nr</a:t>
+            </a:r>
+            <a:r>
+              <a:rPr lang="en-US" dirty="0">
+                <a:solidFill>
+                  <a:prstClr val="black"/>
+                </a:solidFill>
+                <a:latin typeface="Courier New" pitchFamily="49" charset="0"/>
+                <a:cs typeface="Courier New" pitchFamily="49" charset="0"/>
+              </a:rPr>
+              <a:t> in range(1, </a:t>
+            </a:r>
+            <a:r>
+              <a:rPr lang="en-US" dirty="0" err="1">
+                <a:solidFill>
+                  <a:prstClr val="black"/>
+                </a:solidFill>
+                <a:latin typeface="Courier New" pitchFamily="49" charset="0"/>
+                <a:cs typeface="Courier New" pitchFamily="49" charset="0"/>
+              </a:rPr>
+              <a:t>nr_blocks</a:t>
+            </a:r>
+            <a:r>
+              <a:rPr lang="en-US" dirty="0">
+                <a:solidFill>
+                  <a:prstClr val="black"/>
+                </a:solidFill>
+                <a:latin typeface="Courier New" pitchFamily="49" charset="0"/>
+                <a:cs typeface="Courier New" pitchFamily="49" charset="0"/>
+              </a:rPr>
+              <a:t> + 1):</a:t>
+            </a:r>
+          </a:p>
+          <a:p>
+            <a:r>
+              <a:rPr lang="en-US" dirty="0">
+                <a:solidFill>
+                  <a:prstClr val="black"/>
+                </a:solidFill>
+                <a:latin typeface="Courier New" pitchFamily="49" charset="0"/>
+                <a:cs typeface="Courier New" pitchFamily="49" charset="0"/>
+              </a:rPr>
+              <a:t> 8       block = </a:t>
+            </a:r>
+            <a:r>
+              <a:rPr lang="en-US" dirty="0" err="1">
+                <a:solidFill>
+                  <a:prstClr val="black"/>
+                </a:solidFill>
+                <a:latin typeface="Courier New" pitchFamily="49" charset="0"/>
+                <a:cs typeface="Courier New" pitchFamily="49" charset="0"/>
+              </a:rPr>
+              <a:t>doc.createElement</a:t>
+            </a:r>
+            <a:r>
+              <a:rPr lang="en-US" dirty="0">
+                <a:solidFill>
+                  <a:prstClr val="black"/>
+                </a:solidFill>
+                <a:latin typeface="Courier New" pitchFamily="49" charset="0"/>
+                <a:cs typeface="Courier New" pitchFamily="49" charset="0"/>
+              </a:rPr>
+              <a:t>('block')</a:t>
+            </a:r>
+          </a:p>
+          <a:p>
+            <a:r>
+              <a:rPr lang="en-US" dirty="0">
+                <a:solidFill>
+                  <a:prstClr val="black"/>
+                </a:solidFill>
+                <a:latin typeface="Courier New" pitchFamily="49" charset="0"/>
+                <a:cs typeface="Courier New" pitchFamily="49" charset="0"/>
+              </a:rPr>
+              <a:t> 9       </a:t>
+            </a:r>
+            <a:r>
+              <a:rPr lang="en-US" dirty="0" err="1">
+                <a:solidFill>
+                  <a:prstClr val="black"/>
+                </a:solidFill>
+                <a:latin typeface="Courier New" pitchFamily="49" charset="0"/>
+                <a:cs typeface="Courier New" pitchFamily="49" charset="0"/>
+              </a:rPr>
+              <a:t>block_name</a:t>
+            </a:r>
+            <a:r>
+              <a:rPr lang="en-US" dirty="0">
+                <a:solidFill>
+                  <a:prstClr val="black"/>
+                </a:solidFill>
+                <a:latin typeface="Courier New" pitchFamily="49" charset="0"/>
+                <a:cs typeface="Courier New" pitchFamily="49" charset="0"/>
+              </a:rPr>
+              <a:t> = 'block_{0:02d}'.format(</a:t>
+            </a:r>
+            <a:r>
+              <a:rPr lang="en-US" dirty="0" err="1">
+                <a:solidFill>
+                  <a:prstClr val="black"/>
+                </a:solidFill>
+                <a:latin typeface="Courier New" pitchFamily="49" charset="0"/>
+                <a:cs typeface="Courier New" pitchFamily="49" charset="0"/>
+              </a:rPr>
+              <a:t>block_nr</a:t>
+            </a:r>
+            <a:r>
+              <a:rPr lang="en-US" dirty="0">
+                <a:solidFill>
+                  <a:prstClr val="black"/>
+                </a:solidFill>
+                <a:latin typeface="Courier New" pitchFamily="49" charset="0"/>
+                <a:cs typeface="Courier New" pitchFamily="49" charset="0"/>
+              </a:rPr>
+              <a:t>)</a:t>
+            </a:r>
+          </a:p>
+          <a:p>
+            <a:r>
+              <a:rPr lang="en-US" dirty="0">
+                <a:solidFill>
+                  <a:prstClr val="black"/>
+                </a:solidFill>
+                <a:latin typeface="Courier New" pitchFamily="49" charset="0"/>
+                <a:cs typeface="Courier New" pitchFamily="49" charset="0"/>
+              </a:rPr>
+              <a:t>10       </a:t>
+            </a:r>
+            <a:r>
+              <a:rPr lang="en-US" dirty="0" err="1">
+                <a:solidFill>
+                  <a:prstClr val="black"/>
+                </a:solidFill>
+                <a:latin typeface="Courier New" pitchFamily="49" charset="0"/>
+                <a:cs typeface="Courier New" pitchFamily="49" charset="0"/>
+              </a:rPr>
+              <a:t>block.setAttribute</a:t>
+            </a:r>
+            <a:r>
+              <a:rPr lang="en-US" dirty="0">
+                <a:solidFill>
+                  <a:prstClr val="black"/>
+                </a:solidFill>
+                <a:latin typeface="Courier New" pitchFamily="49" charset="0"/>
+                <a:cs typeface="Courier New" pitchFamily="49" charset="0"/>
+              </a:rPr>
+              <a:t>('name', </a:t>
+            </a:r>
+            <a:r>
+              <a:rPr lang="en-US" dirty="0" err="1">
+                <a:solidFill>
+                  <a:prstClr val="black"/>
+                </a:solidFill>
+                <a:latin typeface="Courier New" pitchFamily="49" charset="0"/>
+                <a:cs typeface="Courier New" pitchFamily="49" charset="0"/>
+              </a:rPr>
+              <a:t>block_name</a:t>
+            </a:r>
+            <a:r>
+              <a:rPr lang="en-US" dirty="0">
+                <a:solidFill>
+                  <a:prstClr val="black"/>
+                </a:solidFill>
+                <a:latin typeface="Courier New" pitchFamily="49" charset="0"/>
+                <a:cs typeface="Courier New" pitchFamily="49" charset="0"/>
+              </a:rPr>
+              <a:t>)</a:t>
+            </a:r>
+          </a:p>
+          <a:p>
+            <a:r>
+              <a:rPr lang="en-US" dirty="0">
+                <a:solidFill>
+                  <a:prstClr val="black"/>
+                </a:solidFill>
+                <a:latin typeface="Courier New" pitchFamily="49" charset="0"/>
+                <a:cs typeface="Courier New" pitchFamily="49" charset="0"/>
+              </a:rPr>
+              <a:t>11       </a:t>
+            </a:r>
+            <a:r>
+              <a:rPr lang="en-US" dirty="0" err="1">
+                <a:solidFill>
+                  <a:prstClr val="black"/>
+                </a:solidFill>
+                <a:latin typeface="Courier New" pitchFamily="49" charset="0"/>
+                <a:cs typeface="Courier New" pitchFamily="49" charset="0"/>
+              </a:rPr>
+              <a:t>blocks.appendChild</a:t>
+            </a:r>
+            <a:r>
+              <a:rPr lang="en-US" dirty="0">
+                <a:solidFill>
+                  <a:prstClr val="black"/>
+                </a:solidFill>
+                <a:latin typeface="Courier New" pitchFamily="49" charset="0"/>
+                <a:cs typeface="Courier New" pitchFamily="49" charset="0"/>
+              </a:rPr>
+              <a:t>(block)</a:t>
+            </a:r>
+          </a:p>
+          <a:p>
+            <a:r>
+              <a:rPr lang="en-US" dirty="0">
+                <a:solidFill>
+                  <a:prstClr val="black"/>
+                </a:solidFill>
+                <a:latin typeface="Courier New" pitchFamily="49" charset="0"/>
+                <a:cs typeface="Courier New" pitchFamily="49" charset="0"/>
+              </a:rPr>
+              <a:t>12       for </a:t>
+            </a:r>
+            <a:r>
+              <a:rPr lang="en-US" dirty="0" err="1">
+                <a:solidFill>
+                  <a:prstClr val="black"/>
+                </a:solidFill>
+                <a:latin typeface="Courier New" pitchFamily="49" charset="0"/>
+                <a:cs typeface="Courier New" pitchFamily="49" charset="0"/>
+              </a:rPr>
+              <a:t>item_nr</a:t>
+            </a:r>
+            <a:r>
+              <a:rPr lang="en-US" dirty="0">
+                <a:solidFill>
+                  <a:prstClr val="black"/>
+                </a:solidFill>
+                <a:latin typeface="Courier New" pitchFamily="49" charset="0"/>
+                <a:cs typeface="Courier New" pitchFamily="49" charset="0"/>
+              </a:rPr>
+              <a:t> in range(0, </a:t>
+            </a:r>
+            <a:r>
+              <a:rPr lang="en-US" dirty="0" err="1">
+                <a:solidFill>
+                  <a:prstClr val="black"/>
+                </a:solidFill>
+                <a:latin typeface="Courier New" pitchFamily="49" charset="0"/>
+                <a:cs typeface="Courier New" pitchFamily="49" charset="0"/>
+              </a:rPr>
+              <a:t>nr_items</a:t>
+            </a:r>
+            <a:r>
+              <a:rPr lang="en-US" dirty="0">
+                <a:solidFill>
+                  <a:prstClr val="black"/>
+                </a:solidFill>
+                <a:latin typeface="Courier New" pitchFamily="49" charset="0"/>
+                <a:cs typeface="Courier New" pitchFamily="49" charset="0"/>
+              </a:rPr>
+              <a:t>):</a:t>
+            </a:r>
+          </a:p>
+          <a:p>
+            <a:r>
+              <a:rPr lang="en-US" dirty="0">
+                <a:solidFill>
+                  <a:prstClr val="black"/>
+                </a:solidFill>
+                <a:latin typeface="Courier New" pitchFamily="49" charset="0"/>
+                <a:cs typeface="Courier New" pitchFamily="49" charset="0"/>
+              </a:rPr>
+              <a:t>13           item = </a:t>
+            </a:r>
+            <a:r>
+              <a:rPr lang="en-US" dirty="0" err="1">
+                <a:solidFill>
+                  <a:prstClr val="black"/>
+                </a:solidFill>
+                <a:latin typeface="Courier New" pitchFamily="49" charset="0"/>
+                <a:cs typeface="Courier New" pitchFamily="49" charset="0"/>
+              </a:rPr>
+              <a:t>doc.createElement</a:t>
+            </a:r>
+            <a:r>
+              <a:rPr lang="en-US" dirty="0">
+                <a:solidFill>
+                  <a:prstClr val="black"/>
+                </a:solidFill>
+                <a:latin typeface="Courier New" pitchFamily="49" charset="0"/>
+                <a:cs typeface="Courier New" pitchFamily="49" charset="0"/>
+              </a:rPr>
+              <a:t>('item')</a:t>
+            </a:r>
+          </a:p>
+          <a:p>
+            <a:r>
+              <a:rPr lang="en-US" dirty="0">
+                <a:solidFill>
+                  <a:prstClr val="black"/>
+                </a:solidFill>
+                <a:latin typeface="Courier New" pitchFamily="49" charset="0"/>
+                <a:cs typeface="Courier New" pitchFamily="49" charset="0"/>
+              </a:rPr>
+              <a:t>14           text = '{0}.{1}'.format(</a:t>
+            </a:r>
+            <a:r>
+              <a:rPr lang="en-US" dirty="0" err="1">
+                <a:solidFill>
+                  <a:prstClr val="black"/>
+                </a:solidFill>
+                <a:latin typeface="Courier New" pitchFamily="49" charset="0"/>
+                <a:cs typeface="Courier New" pitchFamily="49" charset="0"/>
+              </a:rPr>
+              <a:t>item_nr</a:t>
+            </a:r>
+            <a:r>
+              <a:rPr lang="en-US" dirty="0">
+                <a:solidFill>
+                  <a:prstClr val="black"/>
+                </a:solidFill>
+                <a:latin typeface="Courier New" pitchFamily="49" charset="0"/>
+                <a:cs typeface="Courier New" pitchFamily="49" charset="0"/>
+              </a:rPr>
+              <a:t>, </a:t>
+            </a:r>
+            <a:r>
+              <a:rPr lang="en-US" dirty="0" err="1">
+                <a:solidFill>
+                  <a:prstClr val="black"/>
+                </a:solidFill>
+                <a:latin typeface="Courier New" pitchFamily="49" charset="0"/>
+                <a:cs typeface="Courier New" pitchFamily="49" charset="0"/>
+              </a:rPr>
+              <a:t>block_nr</a:t>
+            </a:r>
+            <a:r>
+              <a:rPr lang="en-US" dirty="0">
+                <a:solidFill>
+                  <a:prstClr val="black"/>
+                </a:solidFill>
+                <a:latin typeface="Courier New" pitchFamily="49" charset="0"/>
+                <a:cs typeface="Courier New" pitchFamily="49" charset="0"/>
+              </a:rPr>
+              <a:t>)</a:t>
+            </a:r>
+          </a:p>
+          <a:p>
+            <a:r>
+              <a:rPr lang="en-US" dirty="0">
+                <a:solidFill>
+                  <a:prstClr val="black"/>
+                </a:solidFill>
+                <a:latin typeface="Courier New" pitchFamily="49" charset="0"/>
+                <a:cs typeface="Courier New" pitchFamily="49" charset="0"/>
+              </a:rPr>
+              <a:t>15           </a:t>
+            </a:r>
+            <a:r>
+              <a:rPr lang="en-US" dirty="0" err="1">
+                <a:solidFill>
+                  <a:prstClr val="black"/>
+                </a:solidFill>
+                <a:latin typeface="Courier New" pitchFamily="49" charset="0"/>
+                <a:cs typeface="Courier New" pitchFamily="49" charset="0"/>
+              </a:rPr>
+              <a:t>text_node</a:t>
+            </a:r>
+            <a:r>
+              <a:rPr lang="en-US" dirty="0">
+                <a:solidFill>
+                  <a:prstClr val="black"/>
+                </a:solidFill>
+                <a:latin typeface="Courier New" pitchFamily="49" charset="0"/>
+                <a:cs typeface="Courier New" pitchFamily="49" charset="0"/>
+              </a:rPr>
+              <a:t> = </a:t>
+            </a:r>
+            <a:r>
+              <a:rPr lang="en-US" dirty="0" err="1">
+                <a:solidFill>
+                  <a:prstClr val="black"/>
+                </a:solidFill>
+                <a:latin typeface="Courier New" pitchFamily="49" charset="0"/>
+                <a:cs typeface="Courier New" pitchFamily="49" charset="0"/>
+              </a:rPr>
+              <a:t>doc.createTextNode</a:t>
+            </a:r>
+            <a:r>
+              <a:rPr lang="en-US" dirty="0">
+                <a:solidFill>
+                  <a:prstClr val="black"/>
+                </a:solidFill>
+                <a:latin typeface="Courier New" pitchFamily="49" charset="0"/>
+                <a:cs typeface="Courier New" pitchFamily="49" charset="0"/>
+              </a:rPr>
+              <a:t>(text)</a:t>
+            </a:r>
+          </a:p>
+          <a:p>
+            <a:r>
+              <a:rPr lang="en-US" dirty="0">
+                <a:solidFill>
+                  <a:prstClr val="black"/>
+                </a:solidFill>
+                <a:latin typeface="Courier New" pitchFamily="49" charset="0"/>
+                <a:cs typeface="Courier New" pitchFamily="49" charset="0"/>
+              </a:rPr>
+              <a:t>16           </a:t>
+            </a:r>
+            <a:r>
+              <a:rPr lang="en-US" dirty="0" err="1">
+                <a:solidFill>
+                  <a:prstClr val="black"/>
+                </a:solidFill>
+                <a:latin typeface="Courier New" pitchFamily="49" charset="0"/>
+                <a:cs typeface="Courier New" pitchFamily="49" charset="0"/>
+              </a:rPr>
+              <a:t>item.appendChild</a:t>
+            </a:r>
+            <a:r>
+              <a:rPr lang="en-US" dirty="0">
+                <a:solidFill>
+                  <a:prstClr val="black"/>
+                </a:solidFill>
+                <a:latin typeface="Courier New" pitchFamily="49" charset="0"/>
+                <a:cs typeface="Courier New" pitchFamily="49" charset="0"/>
+              </a:rPr>
+              <a:t>(</a:t>
+            </a:r>
+            <a:r>
+              <a:rPr lang="en-US" dirty="0" err="1">
+                <a:solidFill>
+                  <a:prstClr val="black"/>
+                </a:solidFill>
+                <a:latin typeface="Courier New" pitchFamily="49" charset="0"/>
+                <a:cs typeface="Courier New" pitchFamily="49" charset="0"/>
+              </a:rPr>
+              <a:t>text_node</a:t>
+            </a:r>
+            <a:r>
+              <a:rPr lang="en-US" dirty="0">
+                <a:solidFill>
+                  <a:prstClr val="black"/>
+                </a:solidFill>
+                <a:latin typeface="Courier New" pitchFamily="49" charset="0"/>
+                <a:cs typeface="Courier New" pitchFamily="49" charset="0"/>
+              </a:rPr>
+              <a:t>)</a:t>
+            </a:r>
+          </a:p>
+          <a:p>
+            <a:r>
+              <a:rPr lang="en-US" dirty="0">
+                <a:solidFill>
+                  <a:prstClr val="black"/>
+                </a:solidFill>
+                <a:latin typeface="Courier New" pitchFamily="49" charset="0"/>
+                <a:cs typeface="Courier New" pitchFamily="49" charset="0"/>
+              </a:rPr>
+              <a:t>17           </a:t>
+            </a:r>
+            <a:r>
+              <a:rPr lang="en-US" dirty="0" err="1">
+                <a:solidFill>
+                  <a:prstClr val="black"/>
+                </a:solidFill>
+                <a:latin typeface="Courier New" pitchFamily="49" charset="0"/>
+                <a:cs typeface="Courier New" pitchFamily="49" charset="0"/>
+              </a:rPr>
+              <a:t>block.appendChild</a:t>
+            </a:r>
+            <a:r>
+              <a:rPr lang="en-US" dirty="0">
+                <a:solidFill>
+                  <a:prstClr val="black"/>
+                </a:solidFill>
+                <a:latin typeface="Courier New" pitchFamily="49" charset="0"/>
+                <a:cs typeface="Courier New" pitchFamily="49" charset="0"/>
+              </a:rPr>
+              <a:t>(item)</a:t>
+            </a:r>
+          </a:p>
+          <a:p>
+            <a:r>
+              <a:rPr lang="en-US" dirty="0">
+                <a:solidFill>
+                  <a:prstClr val="black"/>
+                </a:solidFill>
+                <a:latin typeface="Courier New" pitchFamily="49" charset="0"/>
+                <a:cs typeface="Courier New" pitchFamily="49" charset="0"/>
+              </a:rPr>
+              <a:t>18   print(</a:t>
+            </a:r>
+            <a:r>
+              <a:rPr lang="en-US" dirty="0" err="1">
+                <a:solidFill>
+                  <a:prstClr val="black"/>
+                </a:solidFill>
+                <a:latin typeface="Courier New" pitchFamily="49" charset="0"/>
+                <a:cs typeface="Courier New" pitchFamily="49" charset="0"/>
+              </a:rPr>
+              <a:t>doc.toprettyxml</a:t>
+            </a:r>
+            <a:r>
+              <a:rPr lang="en-US" dirty="0">
+                <a:solidFill>
+                  <a:prstClr val="black"/>
+                </a:solidFill>
+                <a:latin typeface="Courier New" pitchFamily="49" charset="0"/>
+                <a:cs typeface="Courier New" pitchFamily="49" charset="0"/>
+              </a:rPr>
+              <a:t>(indent='  '))</a:t>
+            </a:r>
+          </a:p>
+        </p:txBody>
+      </p:sp>
+      <p:sp>
+        <p:nvSpPr>
+          <p:cNvPr id="3" name="Slide Number Placeholder 2"/>
+          <p:cNvSpPr>
+            <a:spLocks noGrp="1"/>
+          </p:cNvSpPr>
+          <p:nvPr>
+            <p:ph type="sldNum" sz="quarter" idx="12"/>
+          </p:nvPr>
+        </p:nvSpPr>
+        <p:spPr/>
+        <p:txBody>
+          <a:bodyPr/>
+          <a:lstStyle/>
+          <a:p>
+            <a:fld id="{5A209D72-2E9D-49B0-8977-41DCCC66C0BB}" type="slidenum">
+              <a:rPr lang="nl-BE">
+                <a:solidFill>
+                  <a:prstClr val="black">
+                    <a:tint val="75000"/>
+                  </a:prstClr>
+                </a:solidFill>
+                <a:latin typeface="Calibri"/>
+              </a:rPr>
+              <a:pPr/>
+              <a:t>26</a:t>
+            </a:fld>
+            <a:endParaRPr lang="nl-BE">
+              <a:solidFill>
+                <a:prstClr val="black">
+                  <a:tint val="75000"/>
+                </a:prstClr>
+              </a:solidFill>
+              <a:latin typeface="Calibri"/>
+            </a:endParaRPr>
+          </a:p>
+        </p:txBody>
+      </p:sp>
+    </p:spTree>
+    <p:extLst>
+      <p:ext uri="{BB962C8B-B14F-4D97-AF65-F5344CB8AC3E}">
+        <p14:creationId xmlns:p14="http://schemas.microsoft.com/office/powerpoint/2010/main" val="1324044320"/>
+      </p:ext>
+    </p:extLst>
+  </p:cSld>
+  <p:clrMapOvr>
+    <a:masterClrMapping/>
+  </p:clrMapOvr>
+  <p:timing>
+    <p:tnLst>
+      <p:par>
+        <p:cTn id="1" dur="indefinite" restart="never" nodeType="tmRoot"/>
+      </p:par>
+    </p:tnLst>
+  </p:timing>
+</p:sld>
+</file>
+
+<file path=ppt/slides/slide27.xml><?xml version="1.0" encoding="utf-8"?>
+<p:sld xmlns:a="http://schemas.openxmlformats.org/drawingml/2006/main" xmlns:r="http://schemas.openxmlformats.org/officeDocument/2006/relationships" xmlns:p="http://schemas.openxmlformats.org/presentationml/2006/main">
+  <p:cSld>
+    <p:spTree>
+      <p:nvGrpSpPr>
+        <p:cNvPr id="1" name=""/>
+        <p:cNvGrpSpPr/>
+        <p:nvPr/>
+      </p:nvGrpSpPr>
+      <p:grpSpPr>
+        <a:xfrm>
+          <a:off x="0" y="0"/>
+          <a:ext cx="0" cy="0"/>
+          <a:chOff x="0" y="0"/>
+          <a:chExt cx="0" cy="0"/>
+        </a:xfrm>
+      </p:grpSpPr>
+      <p:sp>
+        <p:nvSpPr>
+          <p:cNvPr id="2" name="Title 1"/>
+          <p:cNvSpPr>
+            <a:spLocks noGrp="1"/>
+          </p:cNvSpPr>
+          <p:nvPr>
+            <p:ph type="title"/>
+          </p:nvPr>
+        </p:nvSpPr>
+        <p:spPr/>
+        <p:txBody>
+          <a:bodyPr/>
+          <a:lstStyle/>
+          <a:p>
+            <a:r>
+              <a:rPr lang="en-US" dirty="0" smtClean="0"/>
               <a:t>File system operations:</a:t>
             </a:r>
             <a:br>
@@ -17551,7 +17863,7 @@
                 <a:latin typeface="Calibri"/>
               </a:rPr>
               <a:pPr/>
-              <a:t>26</a:t>
+              <a:t>27</a:t>
             </a:fld>
             <a:endParaRPr lang="nl-BE">
               <a:solidFill>
@@ -17584,7 +17896,7 @@
 </p:sld>
 </file>
 
-<file path=ppt/slides/slide27.xml><?xml version="1.0" encoding="utf-8"?>
+<file path=ppt/slides/slide28.xml><?xml version="1.0" encoding="utf-8"?>
 <p:sld xmlns:a="http://schemas.openxmlformats.org/drawingml/2006/main" xmlns:r="http://schemas.openxmlformats.org/officeDocument/2006/relationships" xmlns:p="http://schemas.openxmlformats.org/presentationml/2006/main">
   <p:cSld>
     <p:spTree>
@@ -18364,7 +18676,7 @@
                 <a:latin typeface="Calibri"/>
               </a:rPr>
               <a:pPr/>
-              <a:t>27</a:t>
+              <a:t>28</a:t>
             </a:fld>
             <a:endParaRPr lang="nl-BE">
               <a:solidFill>
@@ -18397,7 +18709,7 @@
 </p:sld>
 </file>
 
-<file path=ppt/slides/slide28.xml><?xml version="1.0" encoding="utf-8"?>
+<file path=ppt/slides/slide29.xml><?xml version="1.0" encoding="utf-8"?>
 <p:sld xmlns:a="http://schemas.openxmlformats.org/drawingml/2006/main" xmlns:r="http://schemas.openxmlformats.org/officeDocument/2006/relationships" xmlns:p="http://schemas.openxmlformats.org/presentationml/2006/main">
   <p:cSld>
     <p:spTree>
@@ -19498,7 +19810,7 @@
                 <a:latin typeface="Calibri"/>
               </a:rPr>
               <a:pPr/>
-              <a:t>28</a:t>
+              <a:t>29</a:t>
             </a:fld>
             <a:endParaRPr lang="nl-BE">
               <a:solidFill>
@@ -19648,7 +19960,7 @@
 </p:sld>
 </file>
 
-<file path=ppt/slides/slide29.xml><?xml version="1.0" encoding="utf-8"?>
+<file path=ppt/slides/slide3.xml><?xml version="1.0" encoding="utf-8"?>
 <p:sld xmlns:a="http://schemas.openxmlformats.org/drawingml/2006/main" xmlns:r="http://schemas.openxmlformats.org/officeDocument/2006/relationships" xmlns:p="http://schemas.openxmlformats.org/presentationml/2006/main">
   <p:cSld>
     <p:spTree>
@@ -19682,6 +19994,766 @@
           <a:p>
             <a:r>
               <a:rPr lang="en-US" dirty="0" smtClean="0"/>
+              <a:t>Typographical conventions I</a:t>
+            </a:r>
+            <a:endParaRPr lang="nl-BE" dirty="0"/>
+          </a:p>
+        </p:txBody>
+      </p:sp>
+      <p:sp>
+        <p:nvSpPr>
+          <p:cNvPr id="3" name="Content Placeholder 2"/>
+          <p:cNvSpPr>
+            <a:spLocks noGrp="1"/>
+          </p:cNvSpPr>
+          <p:nvPr>
+            <p:ph idx="1"/>
+          </p:nvPr>
+        </p:nvSpPr>
+        <p:spPr/>
+        <p:txBody>
+          <a:bodyPr/>
+          <a:lstStyle/>
+          <a:p>
+            <a:r>
+              <a:rPr lang="en-US" dirty="0" smtClean="0"/>
+              <a:t>Shell commands are rendered as</a:t>
+            </a:r>
+          </a:p>
+          <a:p>
+            <a:endParaRPr lang="en-US" dirty="0"/>
+          </a:p>
+          <a:p>
+            <a:pPr lvl="1"/>
+            <a:r>
+              <a:rPr lang="en-US" dirty="0" smtClean="0"/>
+              <a:t>Do </a:t>
+            </a:r>
+            <a:r>
+              <a:rPr lang="en-US" i="1" dirty="0" smtClean="0"/>
+              <a:t>not</a:t>
+            </a:r>
+            <a:r>
+              <a:rPr lang="en-US" dirty="0" smtClean="0"/>
+              <a:t> type </a:t>
+            </a:r>
+            <a:r>
+              <a:rPr lang="en-US" dirty="0" smtClean="0">
+                <a:latin typeface="Courier New" pitchFamily="49" charset="0"/>
+                <a:cs typeface="Courier New" pitchFamily="49" charset="0"/>
+              </a:rPr>
+              <a:t>$</a:t>
+            </a:r>
+            <a:r>
+              <a:rPr lang="en-US" dirty="0" smtClean="0"/>
+              <a:t>, it represents your shell prompt!</a:t>
+            </a:r>
+          </a:p>
+          <a:p>
+            <a:r>
+              <a:rPr lang="en-US" dirty="0" smtClean="0"/>
+              <a:t>Python shell commands are rendered as</a:t>
+            </a:r>
+          </a:p>
+          <a:p>
+            <a:endParaRPr lang="en-US" dirty="0" smtClean="0"/>
+          </a:p>
+          <a:p>
+            <a:pPr lvl="1"/>
+            <a:r>
+              <a:rPr lang="en-US" dirty="0" smtClean="0"/>
+              <a:t>Do </a:t>
+            </a:r>
+            <a:r>
+              <a:rPr lang="en-US" i="1" dirty="0" smtClean="0"/>
+              <a:t>not</a:t>
+            </a:r>
+            <a:r>
+              <a:rPr lang="en-US" dirty="0" smtClean="0"/>
+              <a:t> type </a:t>
+            </a:r>
+            <a:r>
+              <a:rPr lang="en-US" dirty="0">
+                <a:latin typeface="Courier New" panose="02070309020205020404" pitchFamily="49" charset="0"/>
+                <a:cs typeface="Courier New" panose="02070309020205020404" pitchFamily="49" charset="0"/>
+              </a:rPr>
+              <a:t>&gt;&gt;&gt;</a:t>
+            </a:r>
+            <a:r>
+              <a:rPr lang="en-US" dirty="0" smtClean="0"/>
+              <a:t>, it represents the prompt!</a:t>
+            </a:r>
+          </a:p>
+          <a:p>
+            <a:r>
+              <a:rPr lang="en-US" dirty="0" err="1" smtClean="0"/>
+              <a:t>iPython</a:t>
+            </a:r>
+            <a:r>
+              <a:rPr lang="en-US" dirty="0" smtClean="0"/>
+              <a:t> interpreter is rendered as</a:t>
+            </a:r>
+          </a:p>
+        </p:txBody>
+      </p:sp>
+      <p:sp>
+        <p:nvSpPr>
+          <p:cNvPr id="4" name="TextBox 3"/>
+          <p:cNvSpPr txBox="1"/>
+          <p:nvPr/>
+        </p:nvSpPr>
+        <p:spPr>
+          <a:xfrm>
+            <a:off x="2855641" y="2321241"/>
+            <a:ext cx="5423280" cy="369332"/>
+          </a:xfrm>
+          <a:prstGeom prst="rect">
+            <a:avLst/>
+          </a:prstGeom>
+          <a:solidFill>
+            <a:schemeClr val="tx1"/>
+          </a:solidFill>
+          <a:ln>
+            <a:solidFill>
+              <a:schemeClr val="tx1"/>
+            </a:solidFill>
+          </a:ln>
+        </p:spPr>
+        <p:txBody>
+          <a:bodyPr wrap="none" rtlCol="0">
+            <a:spAutoFit/>
+          </a:bodyPr>
+          <a:lstStyle/>
+          <a:p>
+            <a:r>
+              <a:rPr lang="en-US" b="1" dirty="0">
+                <a:solidFill>
+                  <a:schemeClr val="bg1"/>
+                </a:solidFill>
+                <a:latin typeface="Courier New" pitchFamily="49" charset="0"/>
+                <a:cs typeface="Courier New" pitchFamily="49" charset="0"/>
+              </a:rPr>
+              <a:t>$  python  –m </a:t>
+            </a:r>
+            <a:r>
+              <a:rPr lang="en-US" b="1" dirty="0" err="1">
+                <a:solidFill>
+                  <a:schemeClr val="bg1"/>
+                </a:solidFill>
+                <a:latin typeface="Courier New" pitchFamily="49" charset="0"/>
+                <a:cs typeface="Courier New" pitchFamily="49" charset="0"/>
+              </a:rPr>
+              <a:t>doctest</a:t>
+            </a:r>
+            <a:r>
+              <a:rPr lang="en-US" b="1" dirty="0">
+                <a:solidFill>
+                  <a:schemeClr val="bg1"/>
+                </a:solidFill>
+                <a:latin typeface="Courier New" pitchFamily="49" charset="0"/>
+                <a:cs typeface="Courier New" pitchFamily="49" charset="0"/>
+              </a:rPr>
+              <a:t>  data_parsing.py</a:t>
+            </a:r>
+            <a:endParaRPr lang="nl-BE" b="1" dirty="0">
+              <a:solidFill>
+                <a:schemeClr val="bg1"/>
+              </a:solidFill>
+              <a:latin typeface="Courier New" pitchFamily="49" charset="0"/>
+              <a:cs typeface="Courier New" pitchFamily="49" charset="0"/>
+            </a:endParaRPr>
+          </a:p>
+        </p:txBody>
+      </p:sp>
+      <p:sp>
+        <p:nvSpPr>
+          <p:cNvPr id="5" name="Slide Number Placeholder 4"/>
+          <p:cNvSpPr>
+            <a:spLocks noGrp="1"/>
+          </p:cNvSpPr>
+          <p:nvPr>
+            <p:ph type="sldNum" sz="quarter" idx="12"/>
+          </p:nvPr>
+        </p:nvSpPr>
+        <p:spPr/>
+        <p:txBody>
+          <a:bodyPr/>
+          <a:lstStyle/>
+          <a:p>
+            <a:fld id="{BB52A05A-A776-4391-ACD7-D6BC34D3145C}" type="slidenum">
+              <a:rPr lang="nl-BE" smtClean="0"/>
+              <a:t>3</a:t>
+            </a:fld>
+            <a:endParaRPr lang="nl-BE"/>
+          </a:p>
+        </p:txBody>
+      </p:sp>
+      <p:sp>
+        <p:nvSpPr>
+          <p:cNvPr id="8" name="TextBox 7"/>
+          <p:cNvSpPr txBox="1"/>
+          <p:nvPr/>
+        </p:nvSpPr>
+        <p:spPr>
+          <a:xfrm>
+            <a:off x="2855640" y="3733551"/>
+            <a:ext cx="5423280" cy="369332"/>
+          </a:xfrm>
+          <a:prstGeom prst="rect">
+            <a:avLst/>
+          </a:prstGeom>
+          <a:solidFill>
+            <a:schemeClr val="tx1"/>
+          </a:solidFill>
+          <a:ln>
+            <a:solidFill>
+              <a:schemeClr val="tx1"/>
+            </a:solidFill>
+          </a:ln>
+        </p:spPr>
+        <p:txBody>
+          <a:bodyPr wrap="none" rtlCol="0">
+            <a:spAutoFit/>
+          </a:bodyPr>
+          <a:lstStyle/>
+          <a:p>
+            <a:r>
+              <a:rPr lang="en-US" b="1" dirty="0">
+                <a:solidFill>
+                  <a:schemeClr val="bg1"/>
+                </a:solidFill>
+                <a:latin typeface="Courier New" pitchFamily="49" charset="0"/>
+                <a:cs typeface="Courier New" pitchFamily="49" charset="0"/>
+              </a:rPr>
+              <a:t>&gt;&gt;&gt;  names = 'bob </a:t>
+            </a:r>
+            <a:r>
+              <a:rPr lang="en-US" b="1" dirty="0" err="1">
+                <a:solidFill>
+                  <a:schemeClr val="bg1"/>
+                </a:solidFill>
+                <a:latin typeface="Courier New" pitchFamily="49" charset="0"/>
+                <a:cs typeface="Courier New" pitchFamily="49" charset="0"/>
+              </a:rPr>
+              <a:t>alice</a:t>
+            </a:r>
+            <a:r>
+              <a:rPr lang="en-US" b="1" dirty="0">
+                <a:solidFill>
+                  <a:schemeClr val="bg1"/>
+                </a:solidFill>
+                <a:latin typeface="Courier New" pitchFamily="49" charset="0"/>
+                <a:cs typeface="Courier New" pitchFamily="49" charset="0"/>
+              </a:rPr>
+              <a:t> </a:t>
+            </a:r>
+            <a:r>
+              <a:rPr lang="en-US" b="1" dirty="0" err="1">
+                <a:solidFill>
+                  <a:schemeClr val="bg1"/>
+                </a:solidFill>
+                <a:latin typeface="Courier New" pitchFamily="49" charset="0"/>
+                <a:cs typeface="Courier New" pitchFamily="49" charset="0"/>
+              </a:rPr>
+              <a:t>carol'.split</a:t>
+            </a:r>
+            <a:r>
+              <a:rPr lang="en-US" b="1" dirty="0">
+                <a:solidFill>
+                  <a:schemeClr val="bg1"/>
+                </a:solidFill>
+                <a:latin typeface="Courier New" pitchFamily="49" charset="0"/>
+                <a:cs typeface="Courier New" pitchFamily="49" charset="0"/>
+              </a:rPr>
+              <a:t>()</a:t>
+            </a:r>
+            <a:endParaRPr lang="nl-BE" b="1" dirty="0">
+              <a:solidFill>
+                <a:schemeClr val="bg1"/>
+              </a:solidFill>
+              <a:latin typeface="Courier New" pitchFamily="49" charset="0"/>
+              <a:cs typeface="Courier New" pitchFamily="49" charset="0"/>
+            </a:endParaRPr>
+          </a:p>
+        </p:txBody>
+      </p:sp>
+      <p:sp>
+        <p:nvSpPr>
+          <p:cNvPr id="9" name="TextBox 8"/>
+          <p:cNvSpPr txBox="1"/>
+          <p:nvPr/>
+        </p:nvSpPr>
+        <p:spPr>
+          <a:xfrm>
+            <a:off x="2855640" y="5137548"/>
+            <a:ext cx="5836854" cy="369332"/>
+          </a:xfrm>
+          <a:prstGeom prst="rect">
+            <a:avLst/>
+          </a:prstGeom>
+          <a:solidFill>
+            <a:schemeClr val="tx1"/>
+          </a:solidFill>
+          <a:ln>
+            <a:solidFill>
+              <a:schemeClr val="tx1"/>
+            </a:solidFill>
+          </a:ln>
+        </p:spPr>
+        <p:txBody>
+          <a:bodyPr wrap="none" rtlCol="0">
+            <a:spAutoFit/>
+          </a:bodyPr>
+          <a:lstStyle/>
+          <a:p>
+            <a:r>
+              <a:rPr lang="en-US" b="1" dirty="0">
+                <a:solidFill>
+                  <a:schemeClr val="accent3">
+                    <a:lumMod val="75000"/>
+                  </a:schemeClr>
+                </a:solidFill>
+                <a:latin typeface="Courier New" pitchFamily="49" charset="0"/>
+                <a:cs typeface="Courier New" pitchFamily="49" charset="0"/>
+              </a:rPr>
+              <a:t>In[3]:</a:t>
+            </a:r>
+            <a:r>
+              <a:rPr lang="en-US" b="1" dirty="0">
+                <a:solidFill>
+                  <a:schemeClr val="bg1"/>
+                </a:solidFill>
+                <a:latin typeface="Courier New" pitchFamily="49" charset="0"/>
+                <a:cs typeface="Courier New" pitchFamily="49" charset="0"/>
+              </a:rPr>
+              <a:t>  names = 'bob </a:t>
+            </a:r>
+            <a:r>
+              <a:rPr lang="en-US" b="1" dirty="0" err="1">
+                <a:solidFill>
+                  <a:schemeClr val="bg1"/>
+                </a:solidFill>
+                <a:latin typeface="Courier New" pitchFamily="49" charset="0"/>
+                <a:cs typeface="Courier New" pitchFamily="49" charset="0"/>
+              </a:rPr>
+              <a:t>alice</a:t>
+            </a:r>
+            <a:r>
+              <a:rPr lang="en-US" b="1" dirty="0">
+                <a:solidFill>
+                  <a:schemeClr val="bg1"/>
+                </a:solidFill>
+                <a:latin typeface="Courier New" pitchFamily="49" charset="0"/>
+                <a:cs typeface="Courier New" pitchFamily="49" charset="0"/>
+              </a:rPr>
+              <a:t> </a:t>
+            </a:r>
+            <a:r>
+              <a:rPr lang="en-US" b="1" dirty="0" err="1">
+                <a:solidFill>
+                  <a:schemeClr val="bg1"/>
+                </a:solidFill>
+                <a:latin typeface="Courier New" pitchFamily="49" charset="0"/>
+                <a:cs typeface="Courier New" pitchFamily="49" charset="0"/>
+              </a:rPr>
+              <a:t>carol'.split</a:t>
+            </a:r>
+            <a:r>
+              <a:rPr lang="en-US" b="1" dirty="0">
+                <a:solidFill>
+                  <a:schemeClr val="bg1"/>
+                </a:solidFill>
+                <a:latin typeface="Courier New" pitchFamily="49" charset="0"/>
+                <a:cs typeface="Courier New" pitchFamily="49" charset="0"/>
+              </a:rPr>
+              <a:t>()</a:t>
+            </a:r>
+            <a:endParaRPr lang="nl-BE" b="1" dirty="0">
+              <a:solidFill>
+                <a:schemeClr val="bg1"/>
+              </a:solidFill>
+              <a:latin typeface="Courier New" pitchFamily="49" charset="0"/>
+              <a:cs typeface="Courier New" pitchFamily="49" charset="0"/>
+            </a:endParaRPr>
+          </a:p>
+        </p:txBody>
+      </p:sp>
+    </p:spTree>
+    <p:extLst>
+      <p:ext uri="{BB962C8B-B14F-4D97-AF65-F5344CB8AC3E}">
+        <p14:creationId xmlns:p14="http://schemas.microsoft.com/office/powerpoint/2010/main" val="1000462373"/>
+      </p:ext>
+    </p:extLst>
+  </p:cSld>
+  <p:clrMapOvr>
+    <a:masterClrMapping/>
+  </p:clrMapOvr>
+  <p:timing>
+    <p:tnLst>
+      <p:par>
+        <p:cTn id="1" dur="indefinite" restart="never" nodeType="tmRoot">
+          <p:childTnLst>
+            <p:seq concurrent="1" nextAc="seek">
+              <p:cTn id="2" dur="indefinite" nodeType="mainSeq">
+                <p:childTnLst>
+                  <p:par>
+                    <p:cTn id="3" fill="hold">
+                      <p:stCondLst>
+                        <p:cond delay="indefinite"/>
+                        <p:cond evt="onBegin" delay="0">
+                          <p:tn val="2"/>
+                        </p:cond>
+                      </p:stCondLst>
+                      <p:childTnLst>
+                        <p:par>
+                          <p:cTn id="4" fill="hold">
+                            <p:stCondLst>
+                              <p:cond delay="0"/>
+                            </p:stCondLst>
+                            <p:childTnLst>
+                              <p:par>
+                                <p:cTn id="5" presetID="1" presetClass="entr" presetSubtype="0" fill="hold" grpId="0" nodeType="withEffect">
+                                  <p:stCondLst>
+                                    <p:cond delay="0"/>
+                                  </p:stCondLst>
+                                  <p:childTnLst>
+                                    <p:set>
+                                      <p:cBhvr>
+                                        <p:cTn id="6" dur="1" fill="hold">
+                                          <p:stCondLst>
+                                            <p:cond delay="0"/>
+                                          </p:stCondLst>
+                                        </p:cTn>
+                                        <p:tgtEl>
+                                          <p:spTgt spid="3">
+                                            <p:txEl>
+                                              <p:pRg st="0" end="0"/>
+                                            </p:txEl>
+                                          </p:spTgt>
+                                        </p:tgtEl>
+                                        <p:attrNameLst>
+                                          <p:attrName>style.visibility</p:attrName>
+                                        </p:attrNameLst>
+                                      </p:cBhvr>
+                                      <p:to>
+                                        <p:strVal val="visible"/>
+                                      </p:to>
+                                    </p:set>
+                                  </p:childTnLst>
+                                </p:cTn>
+                              </p:par>
+                              <p:par>
+                                <p:cTn id="7" presetID="1" presetClass="entr" presetSubtype="0" fill="hold" grpId="0" nodeType="withEffect">
+                                  <p:stCondLst>
+                                    <p:cond delay="0"/>
+                                  </p:stCondLst>
+                                  <p:childTnLst>
+                                    <p:set>
+                                      <p:cBhvr>
+                                        <p:cTn id="8" dur="1" fill="hold">
+                                          <p:stCondLst>
+                                            <p:cond delay="0"/>
+                                          </p:stCondLst>
+                                        </p:cTn>
+                                        <p:tgtEl>
+                                          <p:spTgt spid="4"/>
+                                        </p:tgtEl>
+                                        <p:attrNameLst>
+                                          <p:attrName>style.visibility</p:attrName>
+                                        </p:attrNameLst>
+                                      </p:cBhvr>
+                                      <p:to>
+                                        <p:strVal val="visible"/>
+                                      </p:to>
+                                    </p:set>
+                                  </p:childTnLst>
+                                </p:cTn>
+                              </p:par>
+                              <p:par>
+                                <p:cTn id="9" presetID="1" presetClass="entr" presetSubtype="0" fill="hold" grpId="0" nodeType="withEffect">
+                                  <p:stCondLst>
+                                    <p:cond delay="0"/>
+                                  </p:stCondLst>
+                                  <p:childTnLst>
+                                    <p:set>
+                                      <p:cBhvr>
+                                        <p:cTn id="10" dur="1" fill="hold">
+                                          <p:stCondLst>
+                                            <p:cond delay="0"/>
+                                          </p:stCondLst>
+                                        </p:cTn>
+                                        <p:tgtEl>
+                                          <p:spTgt spid="3">
+                                            <p:txEl>
+                                              <p:pRg st="2" end="2"/>
+                                            </p:txEl>
+                                          </p:spTgt>
+                                        </p:tgtEl>
+                                        <p:attrNameLst>
+                                          <p:attrName>style.visibility</p:attrName>
+                                        </p:attrNameLst>
+                                      </p:cBhvr>
+                                      <p:to>
+                                        <p:strVal val="visible"/>
+                                      </p:to>
+                                    </p:set>
+                                  </p:childTnLst>
+                                </p:cTn>
+                              </p:par>
+                            </p:childTnLst>
+                          </p:cTn>
+                        </p:par>
+                      </p:childTnLst>
+                    </p:cTn>
+                  </p:par>
+                  <p:par>
+                    <p:cTn id="11" fill="hold">
+                      <p:stCondLst>
+                        <p:cond delay="indefinite"/>
+                      </p:stCondLst>
+                      <p:childTnLst>
+                        <p:par>
+                          <p:cTn id="12" fill="hold">
+                            <p:stCondLst>
+                              <p:cond delay="0"/>
+                            </p:stCondLst>
+                            <p:childTnLst>
+                              <p:par>
+                                <p:cTn id="13" presetID="1" presetClass="entr" presetSubtype="0" fill="hold" grpId="0" nodeType="clickEffect">
+                                  <p:stCondLst>
+                                    <p:cond delay="0"/>
+                                  </p:stCondLst>
+                                  <p:childTnLst>
+                                    <p:set>
+                                      <p:cBhvr>
+                                        <p:cTn id="14" dur="1" fill="hold">
+                                          <p:stCondLst>
+                                            <p:cond delay="0"/>
+                                          </p:stCondLst>
+                                        </p:cTn>
+                                        <p:tgtEl>
+                                          <p:spTgt spid="3">
+                                            <p:txEl>
+                                              <p:pRg st="3" end="3"/>
+                                            </p:txEl>
+                                          </p:spTgt>
+                                        </p:tgtEl>
+                                        <p:attrNameLst>
+                                          <p:attrName>style.visibility</p:attrName>
+                                        </p:attrNameLst>
+                                      </p:cBhvr>
+                                      <p:to>
+                                        <p:strVal val="visible"/>
+                                      </p:to>
+                                    </p:set>
+                                  </p:childTnLst>
+                                </p:cTn>
+                              </p:par>
+                              <p:par>
+                                <p:cTn id="15" presetID="1" presetClass="entr" presetSubtype="0" fill="hold" grpId="0" nodeType="withEffect">
+                                  <p:stCondLst>
+                                    <p:cond delay="0"/>
+                                  </p:stCondLst>
+                                  <p:childTnLst>
+                                    <p:set>
+                                      <p:cBhvr>
+                                        <p:cTn id="16" dur="1" fill="hold">
+                                          <p:stCondLst>
+                                            <p:cond delay="0"/>
+                                          </p:stCondLst>
+                                        </p:cTn>
+                                        <p:tgtEl>
+                                          <p:spTgt spid="8"/>
+                                        </p:tgtEl>
+                                        <p:attrNameLst>
+                                          <p:attrName>style.visibility</p:attrName>
+                                        </p:attrNameLst>
+                                      </p:cBhvr>
+                                      <p:to>
+                                        <p:strVal val="visible"/>
+                                      </p:to>
+                                    </p:set>
+                                  </p:childTnLst>
+                                </p:cTn>
+                              </p:par>
+                              <p:par>
+                                <p:cTn id="17" presetID="1" presetClass="entr" presetSubtype="0" fill="hold" grpId="0" nodeType="withEffect">
+                                  <p:stCondLst>
+                                    <p:cond delay="0"/>
+                                  </p:stCondLst>
+                                  <p:childTnLst>
+                                    <p:set>
+                                      <p:cBhvr>
+                                        <p:cTn id="18" dur="1" fill="hold">
+                                          <p:stCondLst>
+                                            <p:cond delay="0"/>
+                                          </p:stCondLst>
+                                        </p:cTn>
+                                        <p:tgtEl>
+                                          <p:spTgt spid="3">
+                                            <p:txEl>
+                                              <p:pRg st="5" end="5"/>
+                                            </p:txEl>
+                                          </p:spTgt>
+                                        </p:tgtEl>
+                                        <p:attrNameLst>
+                                          <p:attrName>style.visibility</p:attrName>
+                                        </p:attrNameLst>
+                                      </p:cBhvr>
+                                      <p:to>
+                                        <p:strVal val="visible"/>
+                                      </p:to>
+                                    </p:set>
+                                  </p:childTnLst>
+                                </p:cTn>
+                              </p:par>
+                            </p:childTnLst>
+                          </p:cTn>
+                        </p:par>
+                      </p:childTnLst>
+                    </p:cTn>
+                  </p:par>
+                  <p:par>
+                    <p:cTn id="19" fill="hold">
+                      <p:stCondLst>
+                        <p:cond delay="indefinite"/>
+                      </p:stCondLst>
+                      <p:childTnLst>
+                        <p:par>
+                          <p:cTn id="20" fill="hold">
+                            <p:stCondLst>
+                              <p:cond delay="0"/>
+                            </p:stCondLst>
+                            <p:childTnLst>
+                              <p:par>
+                                <p:cTn id="21" presetID="1" presetClass="entr" presetSubtype="0" fill="hold" grpId="0" nodeType="clickEffect">
+                                  <p:stCondLst>
+                                    <p:cond delay="0"/>
+                                  </p:stCondLst>
+                                  <p:childTnLst>
+                                    <p:set>
+                                      <p:cBhvr>
+                                        <p:cTn id="22" dur="1" fill="hold">
+                                          <p:stCondLst>
+                                            <p:cond delay="0"/>
+                                          </p:stCondLst>
+                                        </p:cTn>
+                                        <p:tgtEl>
+                                          <p:spTgt spid="3">
+                                            <p:txEl>
+                                              <p:pRg st="6" end="6"/>
+                                            </p:txEl>
+                                          </p:spTgt>
+                                        </p:tgtEl>
+                                        <p:attrNameLst>
+                                          <p:attrName>style.visibility</p:attrName>
+                                        </p:attrNameLst>
+                                      </p:cBhvr>
+                                      <p:to>
+                                        <p:strVal val="visible"/>
+                                      </p:to>
+                                    </p:set>
+                                  </p:childTnLst>
+                                </p:cTn>
+                              </p:par>
+                              <p:par>
+                                <p:cTn id="23" presetID="1" presetClass="entr" presetSubtype="0" fill="hold" grpId="0" nodeType="withEffect">
+                                  <p:stCondLst>
+                                    <p:cond delay="0"/>
+                                  </p:stCondLst>
+                                  <p:childTnLst>
+                                    <p:set>
+                                      <p:cBhvr>
+                                        <p:cTn id="24" dur="1" fill="hold">
+                                          <p:stCondLst>
+                                            <p:cond delay="0"/>
+                                          </p:stCondLst>
+                                        </p:cTn>
+                                        <p:tgtEl>
+                                          <p:spTgt spid="9"/>
+                                        </p:tgtEl>
+                                        <p:attrNameLst>
+                                          <p:attrName>style.visibility</p:attrName>
+                                        </p:attrNameLst>
+                                      </p:cBhvr>
+                                      <p:to>
+                                        <p:strVal val="visible"/>
+                                      </p:to>
+                                    </p:set>
+                                  </p:childTnLst>
+                                </p:cTn>
+                              </p:par>
+                            </p:childTnLst>
+                          </p:cTn>
+                        </p:par>
+                      </p:childTnLst>
+                    </p:cTn>
+                  </p:par>
+                </p:childTnLst>
+              </p:cTn>
+              <p:prevCondLst>
+                <p:cond evt="onPrev" delay="0">
+                  <p:tgtEl>
+                    <p:sldTgt/>
+                  </p:tgtEl>
+                </p:cond>
+              </p:prevCondLst>
+              <p:nextCondLst>
+                <p:cond evt="onNext" delay="0">
+                  <p:tgtEl>
+                    <p:sldTgt/>
+                  </p:tgtEl>
+                </p:cond>
+              </p:nextCondLst>
+            </p:seq>
+          </p:childTnLst>
+        </p:cTn>
+      </p:par>
+    </p:tnLst>
+    <p:bldLst>
+      <p:bldP spid="3" grpId="0" uiExpand="1" build="p"/>
+      <p:bldP spid="4" grpId="0" animBg="1"/>
+      <p:bldP spid="8" grpId="0" animBg="1"/>
+      <p:bldP spid="9" grpId="0" animBg="1"/>
+    </p:bldLst>
+  </p:timing>
+</p:sld>
+</file>
+
+<file path=ppt/slides/slide30.xml><?xml version="1.0" encoding="utf-8"?>
+<p:sld xmlns:a="http://schemas.openxmlformats.org/drawingml/2006/main" xmlns:r="http://schemas.openxmlformats.org/officeDocument/2006/relationships" xmlns:p="http://schemas.openxmlformats.org/presentationml/2006/main">
+  <p:cSld>
+    <p:spTree>
+      <p:nvGrpSpPr>
+        <p:cNvPr id="1" name=""/>
+        <p:cNvGrpSpPr/>
+        <p:nvPr/>
+      </p:nvGrpSpPr>
+      <p:grpSpPr>
+        <a:xfrm>
+          <a:off x="0" y="0"/>
+          <a:ext cx="0" cy="0"/>
+          <a:chOff x="0" y="0"/>
+          <a:chExt cx="0" cy="0"/>
+        </a:xfrm>
+      </p:grpSpPr>
+      <p:sp>
+        <p:nvSpPr>
+          <p:cNvPr id="2" name="Title 1"/>
+          <p:cNvSpPr>
+            <a:spLocks noGrp="1"/>
+          </p:cNvSpPr>
+          <p:nvPr>
+            <p:ph type="title"/>
+          </p:nvPr>
+        </p:nvSpPr>
+        <p:spPr/>
+        <p:txBody>
+          <a:bodyPr/>
+          <a:lstStyle/>
+          <a:p>
+            <a:r>
+              <a:rPr lang="en-US" dirty="0" smtClean="0"/>
               <a:t>Path operations</a:t>
             </a:r>
             <a:endParaRPr lang="en-US" dirty="0"/>
@@ -20218,7 +21290,7 @@
                 <a:latin typeface="Calibri"/>
               </a:rPr>
               <a:pPr/>
-              <a:t>29</a:t>
+              <a:t>30</a:t>
             </a:fld>
             <a:endParaRPr lang="nl-BE">
               <a:solidFill>
@@ -20816,7 +21888,7 @@
 </p:sld>
 </file>
 
-<file path=ppt/slides/slide3.xml><?xml version="1.0" encoding="utf-8"?>
+<file path=ppt/slides/slide31.xml><?xml version="1.0" encoding="utf-8"?>
 <p:sld xmlns:a="http://schemas.openxmlformats.org/drawingml/2006/main" xmlns:r="http://schemas.openxmlformats.org/officeDocument/2006/relationships" xmlns:p="http://schemas.openxmlformats.org/presentationml/2006/main">
   <p:cSld>
     <p:spTree>
@@ -20850,766 +21922,6 @@
           <a:p>
             <a:r>
               <a:rPr lang="en-US" dirty="0" smtClean="0"/>
-              <a:t>Typographical conventions I</a:t>
-            </a:r>
-            <a:endParaRPr lang="nl-BE" dirty="0"/>
-          </a:p>
-        </p:txBody>
-      </p:sp>
-      <p:sp>
-        <p:nvSpPr>
-          <p:cNvPr id="3" name="Content Placeholder 2"/>
-          <p:cNvSpPr>
-            <a:spLocks noGrp="1"/>
-          </p:cNvSpPr>
-          <p:nvPr>
-            <p:ph idx="1"/>
-          </p:nvPr>
-        </p:nvSpPr>
-        <p:spPr/>
-        <p:txBody>
-          <a:bodyPr/>
-          <a:lstStyle/>
-          <a:p>
-            <a:r>
-              <a:rPr lang="en-US" dirty="0" smtClean="0"/>
-              <a:t>Shell commands are rendered as</a:t>
-            </a:r>
-          </a:p>
-          <a:p>
-            <a:endParaRPr lang="en-US" dirty="0"/>
-          </a:p>
-          <a:p>
-            <a:pPr lvl="1"/>
-            <a:r>
-              <a:rPr lang="en-US" dirty="0" smtClean="0"/>
-              <a:t>Do </a:t>
-            </a:r>
-            <a:r>
-              <a:rPr lang="en-US" i="1" dirty="0" smtClean="0"/>
-              <a:t>not</a:t>
-            </a:r>
-            <a:r>
-              <a:rPr lang="en-US" dirty="0" smtClean="0"/>
-              <a:t> type </a:t>
-            </a:r>
-            <a:r>
-              <a:rPr lang="en-US" dirty="0" smtClean="0">
-                <a:latin typeface="Courier New" pitchFamily="49" charset="0"/>
-                <a:cs typeface="Courier New" pitchFamily="49" charset="0"/>
-              </a:rPr>
-              <a:t>$</a:t>
-            </a:r>
-            <a:r>
-              <a:rPr lang="en-US" dirty="0" smtClean="0"/>
-              <a:t>, it represents your shell prompt!</a:t>
-            </a:r>
-          </a:p>
-          <a:p>
-            <a:r>
-              <a:rPr lang="en-US" dirty="0" smtClean="0"/>
-              <a:t>Python shell commands are rendered as</a:t>
-            </a:r>
-          </a:p>
-          <a:p>
-            <a:endParaRPr lang="en-US" dirty="0" smtClean="0"/>
-          </a:p>
-          <a:p>
-            <a:pPr lvl="1"/>
-            <a:r>
-              <a:rPr lang="en-US" dirty="0" smtClean="0"/>
-              <a:t>Do </a:t>
-            </a:r>
-            <a:r>
-              <a:rPr lang="en-US" i="1" dirty="0" smtClean="0"/>
-              <a:t>not</a:t>
-            </a:r>
-            <a:r>
-              <a:rPr lang="en-US" dirty="0" smtClean="0"/>
-              <a:t> type </a:t>
-            </a:r>
-            <a:r>
-              <a:rPr lang="en-US" dirty="0">
-                <a:latin typeface="Courier New" panose="02070309020205020404" pitchFamily="49" charset="0"/>
-                <a:cs typeface="Courier New" panose="02070309020205020404" pitchFamily="49" charset="0"/>
-              </a:rPr>
-              <a:t>&gt;&gt;&gt;</a:t>
-            </a:r>
-            <a:r>
-              <a:rPr lang="en-US" dirty="0" smtClean="0"/>
-              <a:t>, it represents the prompt!</a:t>
-            </a:r>
-          </a:p>
-          <a:p>
-            <a:r>
-              <a:rPr lang="en-US" dirty="0" err="1" smtClean="0"/>
-              <a:t>iPython</a:t>
-            </a:r>
-            <a:r>
-              <a:rPr lang="en-US" dirty="0" smtClean="0"/>
-              <a:t> interpreter is rendered as</a:t>
-            </a:r>
-          </a:p>
-        </p:txBody>
-      </p:sp>
-      <p:sp>
-        <p:nvSpPr>
-          <p:cNvPr id="4" name="TextBox 3"/>
-          <p:cNvSpPr txBox="1"/>
-          <p:nvPr/>
-        </p:nvSpPr>
-        <p:spPr>
-          <a:xfrm>
-            <a:off x="2855641" y="2321241"/>
-            <a:ext cx="5423280" cy="369332"/>
-          </a:xfrm>
-          <a:prstGeom prst="rect">
-            <a:avLst/>
-          </a:prstGeom>
-          <a:solidFill>
-            <a:schemeClr val="tx1"/>
-          </a:solidFill>
-          <a:ln>
-            <a:solidFill>
-              <a:schemeClr val="tx1"/>
-            </a:solidFill>
-          </a:ln>
-        </p:spPr>
-        <p:txBody>
-          <a:bodyPr wrap="none" rtlCol="0">
-            <a:spAutoFit/>
-          </a:bodyPr>
-          <a:lstStyle/>
-          <a:p>
-            <a:r>
-              <a:rPr lang="en-US" b="1" dirty="0">
-                <a:solidFill>
-                  <a:schemeClr val="bg1"/>
-                </a:solidFill>
-                <a:latin typeface="Courier New" pitchFamily="49" charset="0"/>
-                <a:cs typeface="Courier New" pitchFamily="49" charset="0"/>
-              </a:rPr>
-              <a:t>$  python  –m </a:t>
-            </a:r>
-            <a:r>
-              <a:rPr lang="en-US" b="1" dirty="0" err="1">
-                <a:solidFill>
-                  <a:schemeClr val="bg1"/>
-                </a:solidFill>
-                <a:latin typeface="Courier New" pitchFamily="49" charset="0"/>
-                <a:cs typeface="Courier New" pitchFamily="49" charset="0"/>
-              </a:rPr>
-              <a:t>doctest</a:t>
-            </a:r>
-            <a:r>
-              <a:rPr lang="en-US" b="1" dirty="0">
-                <a:solidFill>
-                  <a:schemeClr val="bg1"/>
-                </a:solidFill>
-                <a:latin typeface="Courier New" pitchFamily="49" charset="0"/>
-                <a:cs typeface="Courier New" pitchFamily="49" charset="0"/>
-              </a:rPr>
-              <a:t>  data_parsing.py</a:t>
-            </a:r>
-            <a:endParaRPr lang="nl-BE" b="1" dirty="0">
-              <a:solidFill>
-                <a:schemeClr val="bg1"/>
-              </a:solidFill>
-              <a:latin typeface="Courier New" pitchFamily="49" charset="0"/>
-              <a:cs typeface="Courier New" pitchFamily="49" charset="0"/>
-            </a:endParaRPr>
-          </a:p>
-        </p:txBody>
-      </p:sp>
-      <p:sp>
-        <p:nvSpPr>
-          <p:cNvPr id="5" name="Slide Number Placeholder 4"/>
-          <p:cNvSpPr>
-            <a:spLocks noGrp="1"/>
-          </p:cNvSpPr>
-          <p:nvPr>
-            <p:ph type="sldNum" sz="quarter" idx="12"/>
-          </p:nvPr>
-        </p:nvSpPr>
-        <p:spPr/>
-        <p:txBody>
-          <a:bodyPr/>
-          <a:lstStyle/>
-          <a:p>
-            <a:fld id="{BB52A05A-A776-4391-ACD7-D6BC34D3145C}" type="slidenum">
-              <a:rPr lang="nl-BE" smtClean="0"/>
-              <a:t>3</a:t>
-            </a:fld>
-            <a:endParaRPr lang="nl-BE"/>
-          </a:p>
-        </p:txBody>
-      </p:sp>
-      <p:sp>
-        <p:nvSpPr>
-          <p:cNvPr id="8" name="TextBox 7"/>
-          <p:cNvSpPr txBox="1"/>
-          <p:nvPr/>
-        </p:nvSpPr>
-        <p:spPr>
-          <a:xfrm>
-            <a:off x="2855640" y="3733551"/>
-            <a:ext cx="5423280" cy="369332"/>
-          </a:xfrm>
-          <a:prstGeom prst="rect">
-            <a:avLst/>
-          </a:prstGeom>
-          <a:solidFill>
-            <a:schemeClr val="tx1"/>
-          </a:solidFill>
-          <a:ln>
-            <a:solidFill>
-              <a:schemeClr val="tx1"/>
-            </a:solidFill>
-          </a:ln>
-        </p:spPr>
-        <p:txBody>
-          <a:bodyPr wrap="none" rtlCol="0">
-            <a:spAutoFit/>
-          </a:bodyPr>
-          <a:lstStyle/>
-          <a:p>
-            <a:r>
-              <a:rPr lang="en-US" b="1" dirty="0">
-                <a:solidFill>
-                  <a:schemeClr val="bg1"/>
-                </a:solidFill>
-                <a:latin typeface="Courier New" pitchFamily="49" charset="0"/>
-                <a:cs typeface="Courier New" pitchFamily="49" charset="0"/>
-              </a:rPr>
-              <a:t>&gt;&gt;&gt;  names = 'bob </a:t>
-            </a:r>
-            <a:r>
-              <a:rPr lang="en-US" b="1" dirty="0" err="1">
-                <a:solidFill>
-                  <a:schemeClr val="bg1"/>
-                </a:solidFill>
-                <a:latin typeface="Courier New" pitchFamily="49" charset="0"/>
-                <a:cs typeface="Courier New" pitchFamily="49" charset="0"/>
-              </a:rPr>
-              <a:t>alice</a:t>
-            </a:r>
-            <a:r>
-              <a:rPr lang="en-US" b="1" dirty="0">
-                <a:solidFill>
-                  <a:schemeClr val="bg1"/>
-                </a:solidFill>
-                <a:latin typeface="Courier New" pitchFamily="49" charset="0"/>
-                <a:cs typeface="Courier New" pitchFamily="49" charset="0"/>
-              </a:rPr>
-              <a:t> </a:t>
-            </a:r>
-            <a:r>
-              <a:rPr lang="en-US" b="1" dirty="0" err="1">
-                <a:solidFill>
-                  <a:schemeClr val="bg1"/>
-                </a:solidFill>
-                <a:latin typeface="Courier New" pitchFamily="49" charset="0"/>
-                <a:cs typeface="Courier New" pitchFamily="49" charset="0"/>
-              </a:rPr>
-              <a:t>carol'.split</a:t>
-            </a:r>
-            <a:r>
-              <a:rPr lang="en-US" b="1" dirty="0">
-                <a:solidFill>
-                  <a:schemeClr val="bg1"/>
-                </a:solidFill>
-                <a:latin typeface="Courier New" pitchFamily="49" charset="0"/>
-                <a:cs typeface="Courier New" pitchFamily="49" charset="0"/>
-              </a:rPr>
-              <a:t>()</a:t>
-            </a:r>
-            <a:endParaRPr lang="nl-BE" b="1" dirty="0">
-              <a:solidFill>
-                <a:schemeClr val="bg1"/>
-              </a:solidFill>
-              <a:latin typeface="Courier New" pitchFamily="49" charset="0"/>
-              <a:cs typeface="Courier New" pitchFamily="49" charset="0"/>
-            </a:endParaRPr>
-          </a:p>
-        </p:txBody>
-      </p:sp>
-      <p:sp>
-        <p:nvSpPr>
-          <p:cNvPr id="9" name="TextBox 8"/>
-          <p:cNvSpPr txBox="1"/>
-          <p:nvPr/>
-        </p:nvSpPr>
-        <p:spPr>
-          <a:xfrm>
-            <a:off x="2855640" y="5137548"/>
-            <a:ext cx="5836854" cy="369332"/>
-          </a:xfrm>
-          <a:prstGeom prst="rect">
-            <a:avLst/>
-          </a:prstGeom>
-          <a:solidFill>
-            <a:schemeClr val="tx1"/>
-          </a:solidFill>
-          <a:ln>
-            <a:solidFill>
-              <a:schemeClr val="tx1"/>
-            </a:solidFill>
-          </a:ln>
-        </p:spPr>
-        <p:txBody>
-          <a:bodyPr wrap="none" rtlCol="0">
-            <a:spAutoFit/>
-          </a:bodyPr>
-          <a:lstStyle/>
-          <a:p>
-            <a:r>
-              <a:rPr lang="en-US" b="1" dirty="0">
-                <a:solidFill>
-                  <a:schemeClr val="accent3">
-                    <a:lumMod val="75000"/>
-                  </a:schemeClr>
-                </a:solidFill>
-                <a:latin typeface="Courier New" pitchFamily="49" charset="0"/>
-                <a:cs typeface="Courier New" pitchFamily="49" charset="0"/>
-              </a:rPr>
-              <a:t>In[3]:</a:t>
-            </a:r>
-            <a:r>
-              <a:rPr lang="en-US" b="1" dirty="0">
-                <a:solidFill>
-                  <a:schemeClr val="bg1"/>
-                </a:solidFill>
-                <a:latin typeface="Courier New" pitchFamily="49" charset="0"/>
-                <a:cs typeface="Courier New" pitchFamily="49" charset="0"/>
-              </a:rPr>
-              <a:t>  names = 'bob </a:t>
-            </a:r>
-            <a:r>
-              <a:rPr lang="en-US" b="1" dirty="0" err="1">
-                <a:solidFill>
-                  <a:schemeClr val="bg1"/>
-                </a:solidFill>
-                <a:latin typeface="Courier New" pitchFamily="49" charset="0"/>
-                <a:cs typeface="Courier New" pitchFamily="49" charset="0"/>
-              </a:rPr>
-              <a:t>alice</a:t>
-            </a:r>
-            <a:r>
-              <a:rPr lang="en-US" b="1" dirty="0">
-                <a:solidFill>
-                  <a:schemeClr val="bg1"/>
-                </a:solidFill>
-                <a:latin typeface="Courier New" pitchFamily="49" charset="0"/>
-                <a:cs typeface="Courier New" pitchFamily="49" charset="0"/>
-              </a:rPr>
-              <a:t> </a:t>
-            </a:r>
-            <a:r>
-              <a:rPr lang="en-US" b="1" dirty="0" err="1">
-                <a:solidFill>
-                  <a:schemeClr val="bg1"/>
-                </a:solidFill>
-                <a:latin typeface="Courier New" pitchFamily="49" charset="0"/>
-                <a:cs typeface="Courier New" pitchFamily="49" charset="0"/>
-              </a:rPr>
-              <a:t>carol'.split</a:t>
-            </a:r>
-            <a:r>
-              <a:rPr lang="en-US" b="1" dirty="0">
-                <a:solidFill>
-                  <a:schemeClr val="bg1"/>
-                </a:solidFill>
-                <a:latin typeface="Courier New" pitchFamily="49" charset="0"/>
-                <a:cs typeface="Courier New" pitchFamily="49" charset="0"/>
-              </a:rPr>
-              <a:t>()</a:t>
-            </a:r>
-            <a:endParaRPr lang="nl-BE" b="1" dirty="0">
-              <a:solidFill>
-                <a:schemeClr val="bg1"/>
-              </a:solidFill>
-              <a:latin typeface="Courier New" pitchFamily="49" charset="0"/>
-              <a:cs typeface="Courier New" pitchFamily="49" charset="0"/>
-            </a:endParaRPr>
-          </a:p>
-        </p:txBody>
-      </p:sp>
-    </p:spTree>
-    <p:extLst>
-      <p:ext uri="{BB962C8B-B14F-4D97-AF65-F5344CB8AC3E}">
-        <p14:creationId xmlns:p14="http://schemas.microsoft.com/office/powerpoint/2010/main" val="1000462373"/>
-      </p:ext>
-    </p:extLst>
-  </p:cSld>
-  <p:clrMapOvr>
-    <a:masterClrMapping/>
-  </p:clrMapOvr>
-  <p:timing>
-    <p:tnLst>
-      <p:par>
-        <p:cTn id="1" dur="indefinite" restart="never" nodeType="tmRoot">
-          <p:childTnLst>
-            <p:seq concurrent="1" nextAc="seek">
-              <p:cTn id="2" dur="indefinite" nodeType="mainSeq">
-                <p:childTnLst>
-                  <p:par>
-                    <p:cTn id="3" fill="hold">
-                      <p:stCondLst>
-                        <p:cond delay="indefinite"/>
-                        <p:cond evt="onBegin" delay="0">
-                          <p:tn val="2"/>
-                        </p:cond>
-                      </p:stCondLst>
-                      <p:childTnLst>
-                        <p:par>
-                          <p:cTn id="4" fill="hold">
-                            <p:stCondLst>
-                              <p:cond delay="0"/>
-                            </p:stCondLst>
-                            <p:childTnLst>
-                              <p:par>
-                                <p:cTn id="5" presetID="1" presetClass="entr" presetSubtype="0" fill="hold" grpId="0" nodeType="withEffect">
-                                  <p:stCondLst>
-                                    <p:cond delay="0"/>
-                                  </p:stCondLst>
-                                  <p:childTnLst>
-                                    <p:set>
-                                      <p:cBhvr>
-                                        <p:cTn id="6" dur="1" fill="hold">
-                                          <p:stCondLst>
-                                            <p:cond delay="0"/>
-                                          </p:stCondLst>
-                                        </p:cTn>
-                                        <p:tgtEl>
-                                          <p:spTgt spid="3">
-                                            <p:txEl>
-                                              <p:pRg st="0" end="0"/>
-                                            </p:txEl>
-                                          </p:spTgt>
-                                        </p:tgtEl>
-                                        <p:attrNameLst>
-                                          <p:attrName>style.visibility</p:attrName>
-                                        </p:attrNameLst>
-                                      </p:cBhvr>
-                                      <p:to>
-                                        <p:strVal val="visible"/>
-                                      </p:to>
-                                    </p:set>
-                                  </p:childTnLst>
-                                </p:cTn>
-                              </p:par>
-                              <p:par>
-                                <p:cTn id="7" presetID="1" presetClass="entr" presetSubtype="0" fill="hold" grpId="0" nodeType="withEffect">
-                                  <p:stCondLst>
-                                    <p:cond delay="0"/>
-                                  </p:stCondLst>
-                                  <p:childTnLst>
-                                    <p:set>
-                                      <p:cBhvr>
-                                        <p:cTn id="8" dur="1" fill="hold">
-                                          <p:stCondLst>
-                                            <p:cond delay="0"/>
-                                          </p:stCondLst>
-                                        </p:cTn>
-                                        <p:tgtEl>
-                                          <p:spTgt spid="4"/>
-                                        </p:tgtEl>
-                                        <p:attrNameLst>
-                                          <p:attrName>style.visibility</p:attrName>
-                                        </p:attrNameLst>
-                                      </p:cBhvr>
-                                      <p:to>
-                                        <p:strVal val="visible"/>
-                                      </p:to>
-                                    </p:set>
-                                  </p:childTnLst>
-                                </p:cTn>
-                              </p:par>
-                              <p:par>
-                                <p:cTn id="9" presetID="1" presetClass="entr" presetSubtype="0" fill="hold" grpId="0" nodeType="withEffect">
-                                  <p:stCondLst>
-                                    <p:cond delay="0"/>
-                                  </p:stCondLst>
-                                  <p:childTnLst>
-                                    <p:set>
-                                      <p:cBhvr>
-                                        <p:cTn id="10" dur="1" fill="hold">
-                                          <p:stCondLst>
-                                            <p:cond delay="0"/>
-                                          </p:stCondLst>
-                                        </p:cTn>
-                                        <p:tgtEl>
-                                          <p:spTgt spid="3">
-                                            <p:txEl>
-                                              <p:pRg st="2" end="2"/>
-                                            </p:txEl>
-                                          </p:spTgt>
-                                        </p:tgtEl>
-                                        <p:attrNameLst>
-                                          <p:attrName>style.visibility</p:attrName>
-                                        </p:attrNameLst>
-                                      </p:cBhvr>
-                                      <p:to>
-                                        <p:strVal val="visible"/>
-                                      </p:to>
-                                    </p:set>
-                                  </p:childTnLst>
-                                </p:cTn>
-                              </p:par>
-                            </p:childTnLst>
-                          </p:cTn>
-                        </p:par>
-                      </p:childTnLst>
-                    </p:cTn>
-                  </p:par>
-                  <p:par>
-                    <p:cTn id="11" fill="hold">
-                      <p:stCondLst>
-                        <p:cond delay="indefinite"/>
-                      </p:stCondLst>
-                      <p:childTnLst>
-                        <p:par>
-                          <p:cTn id="12" fill="hold">
-                            <p:stCondLst>
-                              <p:cond delay="0"/>
-                            </p:stCondLst>
-                            <p:childTnLst>
-                              <p:par>
-                                <p:cTn id="13" presetID="1" presetClass="entr" presetSubtype="0" fill="hold" grpId="0" nodeType="clickEffect">
-                                  <p:stCondLst>
-                                    <p:cond delay="0"/>
-                                  </p:stCondLst>
-                                  <p:childTnLst>
-                                    <p:set>
-                                      <p:cBhvr>
-                                        <p:cTn id="14" dur="1" fill="hold">
-                                          <p:stCondLst>
-                                            <p:cond delay="0"/>
-                                          </p:stCondLst>
-                                        </p:cTn>
-                                        <p:tgtEl>
-                                          <p:spTgt spid="3">
-                                            <p:txEl>
-                                              <p:pRg st="3" end="3"/>
-                                            </p:txEl>
-                                          </p:spTgt>
-                                        </p:tgtEl>
-                                        <p:attrNameLst>
-                                          <p:attrName>style.visibility</p:attrName>
-                                        </p:attrNameLst>
-                                      </p:cBhvr>
-                                      <p:to>
-                                        <p:strVal val="visible"/>
-                                      </p:to>
-                                    </p:set>
-                                  </p:childTnLst>
-                                </p:cTn>
-                              </p:par>
-                              <p:par>
-                                <p:cTn id="15" presetID="1" presetClass="entr" presetSubtype="0" fill="hold" grpId="0" nodeType="withEffect">
-                                  <p:stCondLst>
-                                    <p:cond delay="0"/>
-                                  </p:stCondLst>
-                                  <p:childTnLst>
-                                    <p:set>
-                                      <p:cBhvr>
-                                        <p:cTn id="16" dur="1" fill="hold">
-                                          <p:stCondLst>
-                                            <p:cond delay="0"/>
-                                          </p:stCondLst>
-                                        </p:cTn>
-                                        <p:tgtEl>
-                                          <p:spTgt spid="8"/>
-                                        </p:tgtEl>
-                                        <p:attrNameLst>
-                                          <p:attrName>style.visibility</p:attrName>
-                                        </p:attrNameLst>
-                                      </p:cBhvr>
-                                      <p:to>
-                                        <p:strVal val="visible"/>
-                                      </p:to>
-                                    </p:set>
-                                  </p:childTnLst>
-                                </p:cTn>
-                              </p:par>
-                              <p:par>
-                                <p:cTn id="17" presetID="1" presetClass="entr" presetSubtype="0" fill="hold" grpId="0" nodeType="withEffect">
-                                  <p:stCondLst>
-                                    <p:cond delay="0"/>
-                                  </p:stCondLst>
-                                  <p:childTnLst>
-                                    <p:set>
-                                      <p:cBhvr>
-                                        <p:cTn id="18" dur="1" fill="hold">
-                                          <p:stCondLst>
-                                            <p:cond delay="0"/>
-                                          </p:stCondLst>
-                                        </p:cTn>
-                                        <p:tgtEl>
-                                          <p:spTgt spid="3">
-                                            <p:txEl>
-                                              <p:pRg st="5" end="5"/>
-                                            </p:txEl>
-                                          </p:spTgt>
-                                        </p:tgtEl>
-                                        <p:attrNameLst>
-                                          <p:attrName>style.visibility</p:attrName>
-                                        </p:attrNameLst>
-                                      </p:cBhvr>
-                                      <p:to>
-                                        <p:strVal val="visible"/>
-                                      </p:to>
-                                    </p:set>
-                                  </p:childTnLst>
-                                </p:cTn>
-                              </p:par>
-                            </p:childTnLst>
-                          </p:cTn>
-                        </p:par>
-                      </p:childTnLst>
-                    </p:cTn>
-                  </p:par>
-                  <p:par>
-                    <p:cTn id="19" fill="hold">
-                      <p:stCondLst>
-                        <p:cond delay="indefinite"/>
-                      </p:stCondLst>
-                      <p:childTnLst>
-                        <p:par>
-                          <p:cTn id="20" fill="hold">
-                            <p:stCondLst>
-                              <p:cond delay="0"/>
-                            </p:stCondLst>
-                            <p:childTnLst>
-                              <p:par>
-                                <p:cTn id="21" presetID="1" presetClass="entr" presetSubtype="0" fill="hold" grpId="0" nodeType="clickEffect">
-                                  <p:stCondLst>
-                                    <p:cond delay="0"/>
-                                  </p:stCondLst>
-                                  <p:childTnLst>
-                                    <p:set>
-                                      <p:cBhvr>
-                                        <p:cTn id="22" dur="1" fill="hold">
-                                          <p:stCondLst>
-                                            <p:cond delay="0"/>
-                                          </p:stCondLst>
-                                        </p:cTn>
-                                        <p:tgtEl>
-                                          <p:spTgt spid="3">
-                                            <p:txEl>
-                                              <p:pRg st="6" end="6"/>
-                                            </p:txEl>
-                                          </p:spTgt>
-                                        </p:tgtEl>
-                                        <p:attrNameLst>
-                                          <p:attrName>style.visibility</p:attrName>
-                                        </p:attrNameLst>
-                                      </p:cBhvr>
-                                      <p:to>
-                                        <p:strVal val="visible"/>
-                                      </p:to>
-                                    </p:set>
-                                  </p:childTnLst>
-                                </p:cTn>
-                              </p:par>
-                              <p:par>
-                                <p:cTn id="23" presetID="1" presetClass="entr" presetSubtype="0" fill="hold" grpId="0" nodeType="withEffect">
-                                  <p:stCondLst>
-                                    <p:cond delay="0"/>
-                                  </p:stCondLst>
-                                  <p:childTnLst>
-                                    <p:set>
-                                      <p:cBhvr>
-                                        <p:cTn id="24" dur="1" fill="hold">
-                                          <p:stCondLst>
-                                            <p:cond delay="0"/>
-                                          </p:stCondLst>
-                                        </p:cTn>
-                                        <p:tgtEl>
-                                          <p:spTgt spid="9"/>
-                                        </p:tgtEl>
-                                        <p:attrNameLst>
-                                          <p:attrName>style.visibility</p:attrName>
-                                        </p:attrNameLst>
-                                      </p:cBhvr>
-                                      <p:to>
-                                        <p:strVal val="visible"/>
-                                      </p:to>
-                                    </p:set>
-                                  </p:childTnLst>
-                                </p:cTn>
-                              </p:par>
-                            </p:childTnLst>
-                          </p:cTn>
-                        </p:par>
-                      </p:childTnLst>
-                    </p:cTn>
-                  </p:par>
-                </p:childTnLst>
-              </p:cTn>
-              <p:prevCondLst>
-                <p:cond evt="onPrev" delay="0">
-                  <p:tgtEl>
-                    <p:sldTgt/>
-                  </p:tgtEl>
-                </p:cond>
-              </p:prevCondLst>
-              <p:nextCondLst>
-                <p:cond evt="onNext" delay="0">
-                  <p:tgtEl>
-                    <p:sldTgt/>
-                  </p:tgtEl>
-                </p:cond>
-              </p:nextCondLst>
-            </p:seq>
-          </p:childTnLst>
-        </p:cTn>
-      </p:par>
-    </p:tnLst>
-    <p:bldLst>
-      <p:bldP spid="3" grpId="0" uiExpand="1" build="p"/>
-      <p:bldP spid="4" grpId="0" animBg="1"/>
-      <p:bldP spid="8" grpId="0" animBg="1"/>
-      <p:bldP spid="9" grpId="0" animBg="1"/>
-    </p:bldLst>
-  </p:timing>
-</p:sld>
-</file>
-
-<file path=ppt/slides/slide30.xml><?xml version="1.0" encoding="utf-8"?>
-<p:sld xmlns:a="http://schemas.openxmlformats.org/drawingml/2006/main" xmlns:r="http://schemas.openxmlformats.org/officeDocument/2006/relationships" xmlns:p="http://schemas.openxmlformats.org/presentationml/2006/main">
-  <p:cSld>
-    <p:spTree>
-      <p:nvGrpSpPr>
-        <p:cNvPr id="1" name=""/>
-        <p:cNvGrpSpPr/>
-        <p:nvPr/>
-      </p:nvGrpSpPr>
-      <p:grpSpPr>
-        <a:xfrm>
-          <a:off x="0" y="0"/>
-          <a:ext cx="0" cy="0"/>
-          <a:chOff x="0" y="0"/>
-          <a:chExt cx="0" cy="0"/>
-        </a:xfrm>
-      </p:grpSpPr>
-      <p:sp>
-        <p:nvSpPr>
-          <p:cNvPr id="2" name="Title 1"/>
-          <p:cNvSpPr>
-            <a:spLocks noGrp="1"/>
-          </p:cNvSpPr>
-          <p:nvPr>
-            <p:ph type="title"/>
-          </p:nvPr>
-        </p:nvSpPr>
-        <p:spPr/>
-        <p:txBody>
-          <a:bodyPr/>
-          <a:lstStyle/>
-          <a:p>
-            <a:r>
-              <a:rPr lang="en-US" dirty="0" smtClean="0"/>
               <a:t>File system tests</a:t>
             </a:r>
             <a:endParaRPr lang="en-US" dirty="0"/>
@@ -21984,7 +22296,7 @@
                 <a:latin typeface="Calibri"/>
               </a:rPr>
               <a:pPr/>
-              <a:t>30</a:t>
+              <a:t>31</a:t>
             </a:fld>
             <a:endParaRPr lang="nl-BE">
               <a:solidFill>
@@ -22500,7 +22812,7 @@
 </p:sld>
 </file>
 
-<file path=ppt/slides/slide31.xml><?xml version="1.0" encoding="utf-8"?>
+<file path=ppt/slides/slide32.xml><?xml version="1.0" encoding="utf-8"?>
 <p:sld xmlns:a="http://schemas.openxmlformats.org/drawingml/2006/main" xmlns:r="http://schemas.openxmlformats.org/officeDocument/2006/relationships" xmlns:p="http://schemas.openxmlformats.org/presentationml/2006/main">
   <p:cSld>
     <p:spTree>
@@ -22797,7 +23109,7 @@
                 <a:latin typeface="Calibri"/>
               </a:rPr>
               <a:pPr/>
-              <a:t>31</a:t>
+              <a:t>32</a:t>
             </a:fld>
             <a:endParaRPr lang="nl-BE">
               <a:solidFill>
@@ -23251,7 +23563,7 @@
 </p:sld>
 </file>
 
-<file path=ppt/slides/slide32.xml><?xml version="1.0" encoding="utf-8"?>
+<file path=ppt/slides/slide33.xml><?xml version="1.0" encoding="utf-8"?>
 <p:sld xmlns:a="http://schemas.openxmlformats.org/drawingml/2006/main" xmlns:r="http://schemas.openxmlformats.org/officeDocument/2006/relationships" xmlns:p="http://schemas.openxmlformats.org/presentationml/2006/main">
   <p:cSld>
     <p:spTree>
@@ -23695,7 +24007,7 @@
                 <a:latin typeface="Calibri"/>
               </a:rPr>
               <a:pPr/>
-              <a:t>32</a:t>
+              <a:t>33</a:t>
             </a:fld>
             <a:endParaRPr lang="nl-BE">
               <a:solidFill>
@@ -23845,7 +24157,7 @@
 </p:sld>
 </file>
 
-<file path=ppt/slides/slide33.xml><?xml version="1.0" encoding="utf-8"?>
+<file path=ppt/slides/slide34.xml><?xml version="1.0" encoding="utf-8"?>
 <p:sld xmlns:a="http://schemas.openxmlformats.org/drawingml/2006/main" xmlns:r="http://schemas.openxmlformats.org/officeDocument/2006/relationships" xmlns:p="http://schemas.openxmlformats.org/presentationml/2006/main">
   <p:cSld>
     <p:spTree>
@@ -23995,7 +24307,7 @@
                 <a:latin typeface="Calibri"/>
               </a:rPr>
               <a:pPr/>
-              <a:t>33</a:t>
+              <a:t>34</a:t>
             </a:fld>
             <a:endParaRPr lang="nl-BE">
               <a:solidFill>
@@ -24769,7 +25081,7 @@
 </p:sld>
 </file>
 
-<file path=ppt/slides/slide34.xml><?xml version="1.0" encoding="utf-8"?>
+<file path=ppt/slides/slide35.xml><?xml version="1.0" encoding="utf-8"?>
 <p:sld xmlns:a="http://schemas.openxmlformats.org/drawingml/2006/main" xmlns:r="http://schemas.openxmlformats.org/officeDocument/2006/relationships" xmlns:p="http://schemas.openxmlformats.org/presentationml/2006/main">
   <p:cSld>
     <p:spTree>
@@ -24882,7 +25194,7 @@
                 <a:latin typeface="Calibri"/>
               </a:rPr>
               <a:pPr/>
-              <a:t>34</a:t>
+              <a:t>35</a:t>
             </a:fld>
             <a:endParaRPr lang="nl-BE">
               <a:solidFill>
@@ -24915,7 +25227,7 @@
 </p:sld>
 </file>
 
-<file path=ppt/slides/slide35.xml><?xml version="1.0" encoding="utf-8"?>
+<file path=ppt/slides/slide36.xml><?xml version="1.0" encoding="utf-8"?>
 <p:sld xmlns:a="http://schemas.openxmlformats.org/drawingml/2006/main" xmlns:r="http://schemas.openxmlformats.org/officeDocument/2006/relationships" xmlns:p="http://schemas.openxmlformats.org/presentationml/2006/main">
   <p:cSld>
     <p:spTree>
@@ -25385,7 +25697,7 @@
                 <a:latin typeface="Calibri"/>
               </a:rPr>
               <a:pPr/>
-              <a:t>35</a:t>
+              <a:t>36</a:t>
             </a:fld>
             <a:endParaRPr lang="nl-BE">
               <a:solidFill>
@@ -25833,7 +26145,7 @@
 </p:sld>
 </file>
 
-<file path=ppt/slides/slide36.xml><?xml version="1.0" encoding="utf-8"?>
+<file path=ppt/slides/slide37.xml><?xml version="1.0" encoding="utf-8"?>
 <p:sld xmlns:a="http://schemas.openxmlformats.org/drawingml/2006/main" xmlns:r="http://schemas.openxmlformats.org/officeDocument/2006/relationships" xmlns:p="http://schemas.openxmlformats.org/presentationml/2006/main">
   <p:cSld>
     <p:spTree>
@@ -26828,7 +27140,7 @@
                 <a:latin typeface="Calibri"/>
               </a:rPr>
               <a:pPr/>
-              <a:t>36</a:t>
+              <a:t>37</a:t>
             </a:fld>
             <a:endParaRPr lang="nl-BE">
               <a:solidFill>

--- a/python_for_systems_programming.pptx
+++ b/python_for_systems_programming.pptx
@@ -36,13 +36,11 @@
     <p:sldId id="288" r:id="rId30"/>
     <p:sldId id="293" r:id="rId31"/>
     <p:sldId id="283" r:id="rId32"/>
-    <p:sldId id="284" r:id="rId33"/>
-    <p:sldId id="285" r:id="rId34"/>
-    <p:sldId id="286" r:id="rId35"/>
-    <p:sldId id="287" r:id="rId36"/>
-    <p:sldId id="280" r:id="rId37"/>
-    <p:sldId id="281" r:id="rId38"/>
-    <p:sldId id="282" r:id="rId39"/>
+    <p:sldId id="286" r:id="rId33"/>
+    <p:sldId id="287" r:id="rId34"/>
+    <p:sldId id="280" r:id="rId35"/>
+    <p:sldId id="281" r:id="rId36"/>
+    <p:sldId id="282" r:id="rId37"/>
   </p:sldIdLst>
   <p:sldSz cx="12192000" cy="6858000"/>
   <p:notesSz cx="6858000" cy="9144000"/>
@@ -192,8 +190,6 @@
             <p14:sldId id="288"/>
             <p14:sldId id="293"/>
             <p14:sldId id="283"/>
-            <p14:sldId id="284"/>
-            <p14:sldId id="285"/>
             <p14:sldId id="286"/>
             <p14:sldId id="287"/>
           </p14:sldIdLst>
@@ -19276,7 +19272,7 @@
           <a:p>
             <a:r>
               <a:rPr lang="en-US" dirty="0" smtClean="0"/>
-              <a:t>Writing to files</a:t>
+              <a:t>Data formats: XML output</a:t>
             </a:r>
             <a:endParaRPr lang="en-US" dirty="0"/>
           </a:p>
@@ -19284,98 +19280,14 @@
       </p:sp>
       <p:sp>
         <p:nvSpPr>
-          <p:cNvPr id="3" name="Content Placeholder 2"/>
-          <p:cNvSpPr>
-            <a:spLocks noGrp="1"/>
-          </p:cNvSpPr>
-          <p:nvPr>
-            <p:ph idx="1"/>
-          </p:nvPr>
-        </p:nvSpPr>
-        <p:spPr>
-          <a:xfrm>
-            <a:off x="1981200" y="1600202"/>
-            <a:ext cx="8229600" cy="4925143"/>
-          </a:xfrm>
-        </p:spPr>
-        <p:txBody>
-          <a:bodyPr>
-            <a:normAutofit fontScale="92500" lnSpcReduction="20000"/>
-          </a:bodyPr>
-          <a:lstStyle/>
-          <a:p>
-            <a:r>
-              <a:rPr lang="en-US" dirty="0" smtClean="0"/>
-              <a:t>Writing to text files</a:t>
-            </a:r>
-          </a:p>
-          <a:p>
-            <a:pPr lvl="1"/>
-            <a:r>
-              <a:rPr lang="en-US" dirty="0" smtClean="0"/>
-              <a:t>E.g., compute and write to file</a:t>
-            </a:r>
-          </a:p>
-          <a:p>
-            <a:pPr lvl="1"/>
-            <a:endParaRPr lang="en-US" dirty="0" smtClean="0"/>
-          </a:p>
-          <a:p>
-            <a:pPr lvl="1"/>
-            <a:endParaRPr lang="en-US" dirty="0"/>
-          </a:p>
-          <a:p>
-            <a:pPr lvl="1"/>
-            <a:endParaRPr lang="en-US" dirty="0" smtClean="0"/>
-          </a:p>
-          <a:p>
-            <a:r>
-              <a:rPr lang="en-US" dirty="0" smtClean="0"/>
-              <a:t>Append to text files</a:t>
-            </a:r>
-          </a:p>
-          <a:p>
-            <a:pPr lvl="1"/>
-            <a:r>
-              <a:rPr lang="en-US" dirty="0" smtClean="0"/>
-              <a:t>E.g., add some more squares to same file</a:t>
-            </a:r>
-          </a:p>
-          <a:p>
-            <a:pPr lvl="1"/>
-            <a:endParaRPr lang="en-US" dirty="0"/>
-          </a:p>
-          <a:p>
-            <a:pPr lvl="1"/>
-            <a:endParaRPr lang="en-US" dirty="0" smtClean="0"/>
-          </a:p>
-          <a:p>
-            <a:pPr lvl="1"/>
-            <a:endParaRPr lang="en-US" dirty="0"/>
-          </a:p>
-          <a:p>
-            <a:r>
-              <a:rPr lang="en-US" dirty="0" smtClean="0"/>
-              <a:t>Writing binary files: don't go there</a:t>
-            </a:r>
-            <a:r>
-              <a:rPr lang="en-BE" dirty="0" smtClean="0"/>
-              <a:t>...</a:t>
-            </a:r>
-            <a:endParaRPr lang="en-US" dirty="0"/>
-          </a:p>
-        </p:txBody>
-      </p:sp>
-      <p:sp>
-        <p:nvSpPr>
-          <p:cNvPr id="4" name="TextBox 3"/>
+          <p:cNvPr id="3" name="TextBox 2"/>
           <p:cNvSpPr txBox="1"/>
           <p:nvPr/>
         </p:nvSpPr>
         <p:spPr>
           <a:xfrm>
-            <a:off x="2207568" y="2577678"/>
-            <a:ext cx="8064896" cy="923330"/>
+            <a:off x="2063552" y="1268760"/>
+            <a:ext cx="8064896" cy="5355312"/>
           </a:xfrm>
           <a:prstGeom prst="rect">
             <a:avLst/>
@@ -19400,18 +19312,10 @@
                 <a:latin typeface="Courier New" pitchFamily="49" charset="0"/>
                 <a:cs typeface="Courier New" pitchFamily="49" charset="0"/>
               </a:rPr>
-              <a:t>1  with open(</a:t>
-            </a:r>
-            <a:r>
-              <a:rPr lang="en-US" dirty="0" err="1">
-                <a:solidFill>
-                  <a:prstClr val="black"/>
-                </a:solidFill>
-                <a:latin typeface="Courier New" pitchFamily="49" charset="0"/>
-                <a:cs typeface="Courier New" pitchFamily="49" charset="0"/>
-              </a:rPr>
-              <a:t>file_name</a:t>
-            </a:r>
+              <a:t>&lt;?xml version="1.0" ?&gt;</a:t>
+            </a:r>
+          </a:p>
+          <a:p>
             <a:r>
               <a:rPr lang="en-US" dirty="0">
                 <a:solidFill>
@@ -19420,18 +19324,10 @@
                 <a:latin typeface="Courier New" pitchFamily="49" charset="0"/>
                 <a:cs typeface="Courier New" pitchFamily="49" charset="0"/>
               </a:rPr>
-              <a:t>, </a:t>
-            </a:r>
-            <a:r>
-              <a:rPr lang="en-US" b="1" dirty="0">
-                <a:solidFill>
-                  <a:prstClr val="black"/>
-                </a:solidFill>
-                <a:latin typeface="Courier New" pitchFamily="49" charset="0"/>
-                <a:cs typeface="Courier New" pitchFamily="49" charset="0"/>
-              </a:rPr>
-              <a:t>'w'</a:t>
-            </a:r>
+              <a:t>&lt;blocks&gt;</a:t>
+            </a:r>
+          </a:p>
+          <a:p>
             <a:r>
               <a:rPr lang="en-US" dirty="0">
                 <a:solidFill>
@@ -19440,18 +19336,10 @@
                 <a:latin typeface="Courier New" pitchFamily="49" charset="0"/>
                 <a:cs typeface="Courier New" pitchFamily="49" charset="0"/>
               </a:rPr>
-              <a:t>) as </a:t>
-            </a:r>
-            <a:r>
-              <a:rPr lang="en-US" dirty="0" err="1">
-                <a:solidFill>
-                  <a:prstClr val="black"/>
-                </a:solidFill>
-                <a:latin typeface="Courier New" pitchFamily="49" charset="0"/>
-                <a:cs typeface="Courier New" pitchFamily="49" charset="0"/>
-              </a:rPr>
-              <a:t>text_file</a:t>
-            </a:r>
+              <a:t>  &lt;block name="block_01"&gt;</a:t>
+            </a:r>
+          </a:p>
+          <a:p>
             <a:r>
               <a:rPr lang="en-US" dirty="0">
                 <a:solidFill>
@@ -19460,7 +19348,7 @@
                 <a:latin typeface="Courier New" pitchFamily="49" charset="0"/>
                 <a:cs typeface="Courier New" pitchFamily="49" charset="0"/>
               </a:rPr>
-              <a:t>:</a:t>
+              <a:t>    &lt;item&gt;</a:t>
             </a:r>
           </a:p>
           <a:p>
@@ -19472,18 +19360,10 @@
                 <a:latin typeface="Courier New" pitchFamily="49" charset="0"/>
                 <a:cs typeface="Courier New" pitchFamily="49" charset="0"/>
               </a:rPr>
-              <a:t>2      for </a:t>
-            </a:r>
-            <a:r>
-              <a:rPr lang="en-US" dirty="0" err="1">
-                <a:solidFill>
-                  <a:prstClr val="black"/>
-                </a:solidFill>
-                <a:latin typeface="Courier New" pitchFamily="49" charset="0"/>
-                <a:cs typeface="Courier New" pitchFamily="49" charset="0"/>
-              </a:rPr>
-              <a:t>i</a:t>
-            </a:r>
+              <a:t>      0.1</a:t>
+            </a:r>
+          </a:p>
+          <a:p>
             <a:r>
               <a:rPr lang="en-US" dirty="0">
                 <a:solidFill>
@@ -19492,14 +19372,10 @@
                 <a:latin typeface="Courier New" pitchFamily="49" charset="0"/>
                 <a:cs typeface="Courier New" pitchFamily="49" charset="0"/>
               </a:rPr>
-              <a:t> in range(0, 10):</a:t>
-            </a:r>
-          </a:p>
-          <a:p>
-            <a:pPr marL="342900" indent="-342900">
-              <a:buFontTx/>
-              <a:buAutoNum type="arabicPlain" startAt="3"/>
-            </a:pPr>
+              <a:t>    &lt;/item&gt;</a:t>
+            </a:r>
+          </a:p>
+          <a:p>
             <a:r>
               <a:rPr lang="en-US" dirty="0">
                 <a:solidFill>
@@ -19508,18 +19384,10 @@
                 <a:latin typeface="Courier New" pitchFamily="49" charset="0"/>
                 <a:cs typeface="Courier New" pitchFamily="49" charset="0"/>
               </a:rPr>
-              <a:t>         </a:t>
-            </a:r>
-            <a:r>
-              <a:rPr lang="en-US" dirty="0" err="1">
-                <a:solidFill>
-                  <a:prstClr val="black"/>
-                </a:solidFill>
-                <a:latin typeface="Courier New" pitchFamily="49" charset="0"/>
-                <a:cs typeface="Courier New" pitchFamily="49" charset="0"/>
-              </a:rPr>
-              <a:t>text_file.write</a:t>
-            </a:r>
+              <a:t>    &lt;item&gt;</a:t>
+            </a:r>
+          </a:p>
+          <a:p>
             <a:r>
               <a:rPr lang="en-US" dirty="0">
                 <a:solidFill>
@@ -19528,18 +19396,10 @@
                 <a:latin typeface="Courier New" pitchFamily="49" charset="0"/>
                 <a:cs typeface="Courier New" pitchFamily="49" charset="0"/>
               </a:rPr>
-              <a:t>('{0}: {1}\</a:t>
-            </a:r>
-            <a:r>
-              <a:rPr lang="en-US" dirty="0" err="1">
-                <a:solidFill>
-                  <a:prstClr val="black"/>
-                </a:solidFill>
-                <a:latin typeface="Courier New" pitchFamily="49" charset="0"/>
-                <a:cs typeface="Courier New" pitchFamily="49" charset="0"/>
-              </a:rPr>
-              <a:t>n'.format</a:t>
-            </a:r>
+              <a:t>      1.1</a:t>
+            </a:r>
+          </a:p>
+          <a:p>
             <a:r>
               <a:rPr lang="en-US" dirty="0">
                 <a:solidFill>
@@ -19548,18 +19408,10 @@
                 <a:latin typeface="Courier New" pitchFamily="49" charset="0"/>
                 <a:cs typeface="Courier New" pitchFamily="49" charset="0"/>
               </a:rPr>
-              <a:t>(</a:t>
-            </a:r>
-            <a:r>
-              <a:rPr lang="en-US" dirty="0" err="1">
-                <a:solidFill>
-                  <a:prstClr val="black"/>
-                </a:solidFill>
-                <a:latin typeface="Courier New" pitchFamily="49" charset="0"/>
-                <a:cs typeface="Courier New" pitchFamily="49" charset="0"/>
-              </a:rPr>
-              <a:t>i</a:t>
-            </a:r>
+              <a:t>    &lt;/item&gt;</a:t>
+            </a:r>
+          </a:p>
+          <a:p>
             <a:r>
               <a:rPr lang="en-US" dirty="0">
                 <a:solidFill>
@@ -19568,18 +19420,10 @@
                 <a:latin typeface="Courier New" pitchFamily="49" charset="0"/>
                 <a:cs typeface="Courier New" pitchFamily="49" charset="0"/>
               </a:rPr>
-              <a:t>, </a:t>
-            </a:r>
-            <a:r>
-              <a:rPr lang="en-US" dirty="0" err="1">
-                <a:solidFill>
-                  <a:prstClr val="black"/>
-                </a:solidFill>
-                <a:latin typeface="Courier New" pitchFamily="49" charset="0"/>
-                <a:cs typeface="Courier New" pitchFamily="49" charset="0"/>
-              </a:rPr>
-              <a:t>i</a:t>
-            </a:r>
+              <a:t>  &lt;/block&gt;</a:t>
+            </a:r>
+          </a:p>
+          <a:p>
             <a:r>
               <a:rPr lang="en-US" dirty="0">
                 <a:solidFill>
@@ -19588,18 +19432,10 @@
                 <a:latin typeface="Courier New" pitchFamily="49" charset="0"/>
                 <a:cs typeface="Courier New" pitchFamily="49" charset="0"/>
               </a:rPr>
-              <a:t>*</a:t>
-            </a:r>
-            <a:r>
-              <a:rPr lang="en-US" dirty="0" err="1">
-                <a:solidFill>
-                  <a:prstClr val="black"/>
-                </a:solidFill>
-                <a:latin typeface="Courier New" pitchFamily="49" charset="0"/>
-                <a:cs typeface="Courier New" pitchFamily="49" charset="0"/>
-              </a:rPr>
-              <a:t>i</a:t>
-            </a:r>
+              <a:t>  &lt;block name="block_02"&gt;</a:t>
+            </a:r>
+          </a:p>
+          <a:p>
             <a:r>
               <a:rPr lang="en-US" dirty="0">
                 <a:solidFill>
@@ -19608,261 +19444,98 @@
                 <a:latin typeface="Courier New" pitchFamily="49" charset="0"/>
                 <a:cs typeface="Courier New" pitchFamily="49" charset="0"/>
               </a:rPr>
-              <a:t>))</a:t>
+              <a:t>    &lt;item&gt;</a:t>
+            </a:r>
+          </a:p>
+          <a:p>
+            <a:r>
+              <a:rPr lang="en-US" dirty="0">
+                <a:solidFill>
+                  <a:prstClr val="black"/>
+                </a:solidFill>
+                <a:latin typeface="Courier New" pitchFamily="49" charset="0"/>
+                <a:cs typeface="Courier New" pitchFamily="49" charset="0"/>
+              </a:rPr>
+              <a:t>      0.2</a:t>
+            </a:r>
+          </a:p>
+          <a:p>
+            <a:r>
+              <a:rPr lang="en-US" dirty="0">
+                <a:solidFill>
+                  <a:prstClr val="black"/>
+                </a:solidFill>
+                <a:latin typeface="Courier New" pitchFamily="49" charset="0"/>
+                <a:cs typeface="Courier New" pitchFamily="49" charset="0"/>
+              </a:rPr>
+              <a:t>    &lt;/item&gt;</a:t>
+            </a:r>
+          </a:p>
+          <a:p>
+            <a:r>
+              <a:rPr lang="en-US" dirty="0">
+                <a:solidFill>
+                  <a:prstClr val="black"/>
+                </a:solidFill>
+                <a:latin typeface="Courier New" pitchFamily="49" charset="0"/>
+                <a:cs typeface="Courier New" pitchFamily="49" charset="0"/>
+              </a:rPr>
+              <a:t>    &lt;item&gt;</a:t>
+            </a:r>
+          </a:p>
+          <a:p>
+            <a:r>
+              <a:rPr lang="en-US" dirty="0">
+                <a:solidFill>
+                  <a:prstClr val="black"/>
+                </a:solidFill>
+                <a:latin typeface="Courier New" pitchFamily="49" charset="0"/>
+                <a:cs typeface="Courier New" pitchFamily="49" charset="0"/>
+              </a:rPr>
+              <a:t>      1.2</a:t>
+            </a:r>
+          </a:p>
+          <a:p>
+            <a:r>
+              <a:rPr lang="en-US" dirty="0">
+                <a:solidFill>
+                  <a:prstClr val="black"/>
+                </a:solidFill>
+                <a:latin typeface="Courier New" pitchFamily="49" charset="0"/>
+                <a:cs typeface="Courier New" pitchFamily="49" charset="0"/>
+              </a:rPr>
+              <a:t>    &lt;/item&gt;</a:t>
+            </a:r>
+          </a:p>
+          <a:p>
+            <a:r>
+              <a:rPr lang="en-US" dirty="0">
+                <a:solidFill>
+                  <a:prstClr val="black"/>
+                </a:solidFill>
+                <a:latin typeface="Courier New" pitchFamily="49" charset="0"/>
+                <a:cs typeface="Courier New" pitchFamily="49" charset="0"/>
+              </a:rPr>
+              <a:t>  &lt;/block&gt;</a:t>
+            </a:r>
+          </a:p>
+          <a:p>
+            <a:r>
+              <a:rPr lang="en-US" dirty="0">
+                <a:solidFill>
+                  <a:prstClr val="black"/>
+                </a:solidFill>
+                <a:latin typeface="Courier New" pitchFamily="49" charset="0"/>
+                <a:cs typeface="Courier New" pitchFamily="49" charset="0"/>
+              </a:rPr>
+              <a:t>&lt;/blocks&gt;</a:t>
             </a:r>
           </a:p>
         </p:txBody>
       </p:sp>
       <p:sp>
         <p:nvSpPr>
-          <p:cNvPr id="7" name="TextBox 6"/>
-          <p:cNvSpPr txBox="1"/>
-          <p:nvPr/>
-        </p:nvSpPr>
-        <p:spPr>
-          <a:xfrm>
-            <a:off x="2207568" y="4593902"/>
-            <a:ext cx="8064896" cy="923330"/>
-          </a:xfrm>
-          <a:prstGeom prst="rect">
-            <a:avLst/>
-          </a:prstGeom>
-          <a:solidFill>
-            <a:schemeClr val="bg1">
-              <a:lumMod val="75000"/>
-            </a:schemeClr>
-          </a:solidFill>
-        </p:spPr>
-        <p:txBody>
-          <a:bodyPr wrap="square" rtlCol="0">
-            <a:spAutoFit/>
-          </a:bodyPr>
-          <a:lstStyle/>
-          <a:p>
-            <a:r>
-              <a:rPr lang="en-US" dirty="0">
-                <a:solidFill>
-                  <a:prstClr val="black"/>
-                </a:solidFill>
-                <a:latin typeface="Courier New" pitchFamily="49" charset="0"/>
-                <a:cs typeface="Courier New" pitchFamily="49" charset="0"/>
-              </a:rPr>
-              <a:t>1  with open(</a:t>
-            </a:r>
-            <a:r>
-              <a:rPr lang="en-US" dirty="0" err="1">
-                <a:solidFill>
-                  <a:prstClr val="black"/>
-                </a:solidFill>
-                <a:latin typeface="Courier New" pitchFamily="49" charset="0"/>
-                <a:cs typeface="Courier New" pitchFamily="49" charset="0"/>
-              </a:rPr>
-              <a:t>file_name</a:t>
-            </a:r>
-            <a:r>
-              <a:rPr lang="en-US" dirty="0">
-                <a:solidFill>
-                  <a:prstClr val="black"/>
-                </a:solidFill>
-                <a:latin typeface="Courier New" pitchFamily="49" charset="0"/>
-                <a:cs typeface="Courier New" pitchFamily="49" charset="0"/>
-              </a:rPr>
-              <a:t>, </a:t>
-            </a:r>
-            <a:r>
-              <a:rPr lang="en-US" b="1" dirty="0">
-                <a:solidFill>
-                  <a:prstClr val="black"/>
-                </a:solidFill>
-                <a:latin typeface="Courier New" pitchFamily="49" charset="0"/>
-                <a:cs typeface="Courier New" pitchFamily="49" charset="0"/>
-              </a:rPr>
-              <a:t>'a'</a:t>
-            </a:r>
-            <a:r>
-              <a:rPr lang="en-US" dirty="0">
-                <a:solidFill>
-                  <a:prstClr val="black"/>
-                </a:solidFill>
-                <a:latin typeface="Courier New" pitchFamily="49" charset="0"/>
-                <a:cs typeface="Courier New" pitchFamily="49" charset="0"/>
-              </a:rPr>
-              <a:t>) as </a:t>
-            </a:r>
-            <a:r>
-              <a:rPr lang="en-US" dirty="0" err="1">
-                <a:solidFill>
-                  <a:prstClr val="black"/>
-                </a:solidFill>
-                <a:latin typeface="Courier New" pitchFamily="49" charset="0"/>
-                <a:cs typeface="Courier New" pitchFamily="49" charset="0"/>
-              </a:rPr>
-              <a:t>text_file</a:t>
-            </a:r>
-            <a:r>
-              <a:rPr lang="en-US" dirty="0">
-                <a:solidFill>
-                  <a:prstClr val="black"/>
-                </a:solidFill>
-                <a:latin typeface="Courier New" pitchFamily="49" charset="0"/>
-                <a:cs typeface="Courier New" pitchFamily="49" charset="0"/>
-              </a:rPr>
-              <a:t>:</a:t>
-            </a:r>
-          </a:p>
-          <a:p>
-            <a:r>
-              <a:rPr lang="en-US" dirty="0">
-                <a:solidFill>
-                  <a:prstClr val="black"/>
-                </a:solidFill>
-                <a:latin typeface="Courier New" pitchFamily="49" charset="0"/>
-                <a:cs typeface="Courier New" pitchFamily="49" charset="0"/>
-              </a:rPr>
-              <a:t>2      for </a:t>
-            </a:r>
-            <a:r>
-              <a:rPr lang="en-US" dirty="0" err="1">
-                <a:solidFill>
-                  <a:prstClr val="black"/>
-                </a:solidFill>
-                <a:latin typeface="Courier New" pitchFamily="49" charset="0"/>
-                <a:cs typeface="Courier New" pitchFamily="49" charset="0"/>
-              </a:rPr>
-              <a:t>i</a:t>
-            </a:r>
-            <a:r>
-              <a:rPr lang="en-US" dirty="0">
-                <a:solidFill>
-                  <a:prstClr val="black"/>
-                </a:solidFill>
-                <a:latin typeface="Courier New" pitchFamily="49" charset="0"/>
-                <a:cs typeface="Courier New" pitchFamily="49" charset="0"/>
-              </a:rPr>
-              <a:t> in range(10, 20):</a:t>
-            </a:r>
-          </a:p>
-          <a:p>
-            <a:pPr marL="342900" indent="-342900">
-              <a:buFontTx/>
-              <a:buAutoNum type="arabicPlain" startAt="3"/>
-            </a:pPr>
-            <a:r>
-              <a:rPr lang="en-US" dirty="0">
-                <a:solidFill>
-                  <a:prstClr val="black"/>
-                </a:solidFill>
-                <a:latin typeface="Courier New" pitchFamily="49" charset="0"/>
-                <a:cs typeface="Courier New" pitchFamily="49" charset="0"/>
-              </a:rPr>
-              <a:t>         </a:t>
-            </a:r>
-            <a:r>
-              <a:rPr lang="en-US" dirty="0" err="1">
-                <a:solidFill>
-                  <a:prstClr val="black"/>
-                </a:solidFill>
-                <a:latin typeface="Courier New" pitchFamily="49" charset="0"/>
-                <a:cs typeface="Courier New" pitchFamily="49" charset="0"/>
-              </a:rPr>
-              <a:t>text_file.write</a:t>
-            </a:r>
-            <a:r>
-              <a:rPr lang="en-US" dirty="0">
-                <a:solidFill>
-                  <a:prstClr val="black"/>
-                </a:solidFill>
-                <a:latin typeface="Courier New" pitchFamily="49" charset="0"/>
-                <a:cs typeface="Courier New" pitchFamily="49" charset="0"/>
-              </a:rPr>
-              <a:t>('{0}: {1}\</a:t>
-            </a:r>
-            <a:r>
-              <a:rPr lang="en-US" dirty="0" err="1">
-                <a:solidFill>
-                  <a:prstClr val="black"/>
-                </a:solidFill>
-                <a:latin typeface="Courier New" pitchFamily="49" charset="0"/>
-                <a:cs typeface="Courier New" pitchFamily="49" charset="0"/>
-              </a:rPr>
-              <a:t>n'.format</a:t>
-            </a:r>
-            <a:r>
-              <a:rPr lang="en-US" dirty="0">
-                <a:solidFill>
-                  <a:prstClr val="black"/>
-                </a:solidFill>
-                <a:latin typeface="Courier New" pitchFamily="49" charset="0"/>
-                <a:cs typeface="Courier New" pitchFamily="49" charset="0"/>
-              </a:rPr>
-              <a:t>(</a:t>
-            </a:r>
-            <a:r>
-              <a:rPr lang="en-US" dirty="0" err="1">
-                <a:solidFill>
-                  <a:prstClr val="black"/>
-                </a:solidFill>
-                <a:latin typeface="Courier New" pitchFamily="49" charset="0"/>
-                <a:cs typeface="Courier New" pitchFamily="49" charset="0"/>
-              </a:rPr>
-              <a:t>i</a:t>
-            </a:r>
-            <a:r>
-              <a:rPr lang="en-US" dirty="0">
-                <a:solidFill>
-                  <a:prstClr val="black"/>
-                </a:solidFill>
-                <a:latin typeface="Courier New" pitchFamily="49" charset="0"/>
-                <a:cs typeface="Courier New" pitchFamily="49" charset="0"/>
-              </a:rPr>
-              <a:t>, </a:t>
-            </a:r>
-            <a:r>
-              <a:rPr lang="en-US" dirty="0" err="1">
-                <a:solidFill>
-                  <a:prstClr val="black"/>
-                </a:solidFill>
-                <a:latin typeface="Courier New" pitchFamily="49" charset="0"/>
-                <a:cs typeface="Courier New" pitchFamily="49" charset="0"/>
-              </a:rPr>
-              <a:t>i</a:t>
-            </a:r>
-            <a:r>
-              <a:rPr lang="en-US" dirty="0">
-                <a:solidFill>
-                  <a:prstClr val="black"/>
-                </a:solidFill>
-                <a:latin typeface="Courier New" pitchFamily="49" charset="0"/>
-                <a:cs typeface="Courier New" pitchFamily="49" charset="0"/>
-              </a:rPr>
-              <a:t>*</a:t>
-            </a:r>
-            <a:r>
-              <a:rPr lang="en-US" dirty="0" err="1">
-                <a:solidFill>
-                  <a:prstClr val="black"/>
-                </a:solidFill>
-                <a:latin typeface="Courier New" pitchFamily="49" charset="0"/>
-                <a:cs typeface="Courier New" pitchFamily="49" charset="0"/>
-              </a:rPr>
-              <a:t>i</a:t>
-            </a:r>
-            <a:r>
-              <a:rPr lang="en-US" dirty="0">
-                <a:solidFill>
-                  <a:prstClr val="black"/>
-                </a:solidFill>
-                <a:latin typeface="Courier New" pitchFamily="49" charset="0"/>
-                <a:cs typeface="Courier New" pitchFamily="49" charset="0"/>
-              </a:rPr>
-              <a:t>))</a:t>
-            </a:r>
-          </a:p>
-        </p:txBody>
-      </p:sp>
-      <p:sp>
-        <p:nvSpPr>
-          <p:cNvPr id="5" name="Slide Number Placeholder 4"/>
+          <p:cNvPr id="4" name="Slide Number Placeholder 3"/>
           <p:cNvSpPr>
             <a:spLocks noGrp="1"/>
           </p:cNvSpPr>
@@ -19898,118 +19571,10 @@
           </a:p>
         </p:txBody>
       </p:sp>
-      <p:sp>
-        <p:nvSpPr>
-          <p:cNvPr id="6" name="TextBox 5"/>
-          <p:cNvSpPr txBox="1"/>
-          <p:nvPr/>
-        </p:nvSpPr>
-        <p:spPr>
-          <a:xfrm>
-            <a:off x="7437511" y="1748785"/>
-            <a:ext cx="2823017" cy="646331"/>
-          </a:xfrm>
-          <a:prstGeom prst="rect">
-            <a:avLst/>
-          </a:prstGeom>
-          <a:solidFill>
-            <a:schemeClr val="bg1"/>
-          </a:solidFill>
-          <a:ln>
-            <a:solidFill>
-              <a:schemeClr val="tx1"/>
-            </a:solidFill>
-          </a:ln>
-        </p:spPr>
-        <p:txBody>
-          <a:bodyPr wrap="none" rtlCol="0">
-            <a:spAutoFit/>
-          </a:bodyPr>
-          <a:lstStyle/>
-          <a:p>
-            <a:r>
-              <a:rPr lang="en-US" dirty="0">
-                <a:solidFill>
-                  <a:prstClr val="black"/>
-                </a:solidFill>
-                <a:latin typeface="Calibri"/>
-              </a:rPr>
-              <a:t>Note: </a:t>
-            </a:r>
-            <a:r>
-              <a:rPr lang="en-US" dirty="0">
-                <a:solidFill>
-                  <a:prstClr val="black"/>
-                </a:solidFill>
-                <a:latin typeface="Courier New" panose="02070309020205020404" pitchFamily="49" charset="0"/>
-                <a:cs typeface="Courier New" panose="02070309020205020404" pitchFamily="49" charset="0"/>
-              </a:rPr>
-              <a:t>'w'</a:t>
-            </a:r>
-            <a:r>
-              <a:rPr lang="en-US" dirty="0">
-                <a:solidFill>
-                  <a:prstClr val="black"/>
-                </a:solidFill>
-                <a:latin typeface="Calibri"/>
-              </a:rPr>
-              <a:t> </a:t>
-            </a:r>
-            <a:r>
-              <a:rPr lang="en-US" i="1" dirty="0">
-                <a:solidFill>
-                  <a:prstClr val="black"/>
-                </a:solidFill>
-                <a:latin typeface="Calibri"/>
-              </a:rPr>
-              <a:t>replaces</a:t>
-            </a:r>
-            <a:r>
-              <a:rPr lang="en-US" dirty="0">
-                <a:solidFill>
-                  <a:prstClr val="black"/>
-                </a:solidFill>
-                <a:latin typeface="Calibri"/>
-              </a:rPr>
-              <a:t> existing</a:t>
-            </a:r>
-          </a:p>
-          <a:p>
-            <a:r>
-              <a:rPr lang="en-US" dirty="0">
-                <a:solidFill>
-                  <a:prstClr val="black"/>
-                </a:solidFill>
-                <a:latin typeface="Calibri"/>
-              </a:rPr>
-              <a:t>           file, use </a:t>
-            </a:r>
-            <a:r>
-              <a:rPr lang="en-US" dirty="0">
-                <a:solidFill>
-                  <a:prstClr val="black"/>
-                </a:solidFill>
-                <a:latin typeface="Courier New" panose="02070309020205020404" pitchFamily="49" charset="0"/>
-                <a:cs typeface="Courier New" panose="02070309020205020404" pitchFamily="49" charset="0"/>
-              </a:rPr>
-              <a:t>'x'</a:t>
-            </a:r>
-            <a:r>
-              <a:rPr lang="en-US" dirty="0">
-                <a:solidFill>
-                  <a:prstClr val="black"/>
-                </a:solidFill>
-                <a:latin typeface="Calibri"/>
-              </a:rPr>
-              <a:t> to avoid</a:t>
-            </a:r>
-          </a:p>
-        </p:txBody>
-      </p:sp>
     </p:spTree>
     <p:extLst>
       <p:ext uri="{BB962C8B-B14F-4D97-AF65-F5344CB8AC3E}">
-        <p14:creationId xmlns:p14="http://schemas.microsoft.com/office/powerpoint/2010/main" val="916936502"/>
+        <p14:creationId xmlns:p14="http://schemas.microsoft.com/office/powerpoint/2010/main" val="356106587"/>
       </p:ext>
     </p:extLst>
   </p:cSld>
@@ -20019,349 +19584,9 @@
   <p:timing>
     <p:tnLst>
       <p:par>
-        <p:cTn id="1" dur="indefinite" restart="never" nodeType="tmRoot">
-          <p:childTnLst>
-            <p:seq concurrent="1" nextAc="seek">
-              <p:cTn id="2" dur="indefinite" nodeType="mainSeq">
-                <p:childTnLst>
-                  <p:par>
-                    <p:cTn id="3" fill="hold">
-                      <p:stCondLst>
-                        <p:cond delay="indefinite"/>
-                        <p:cond evt="onBegin" delay="0">
-                          <p:tn val="2"/>
-                        </p:cond>
-                      </p:stCondLst>
-                      <p:childTnLst>
-                        <p:par>
-                          <p:cTn id="4" fill="hold">
-                            <p:stCondLst>
-                              <p:cond delay="0"/>
-                            </p:stCondLst>
-                            <p:childTnLst>
-                              <p:par>
-                                <p:cTn id="5" presetID="1" presetClass="entr" presetSubtype="0" fill="hold" grpId="0" nodeType="withEffect">
-                                  <p:stCondLst>
-                                    <p:cond delay="0"/>
-                                  </p:stCondLst>
-                                  <p:childTnLst>
-                                    <p:set>
-                                      <p:cBhvr>
-                                        <p:cTn id="6" dur="1" fill="hold">
-                                          <p:stCondLst>
-                                            <p:cond delay="0"/>
-                                          </p:stCondLst>
-                                        </p:cTn>
-                                        <p:tgtEl>
-                                          <p:spTgt spid="3">
-                                            <p:txEl>
-                                              <p:pRg st="0" end="0"/>
-                                            </p:txEl>
-                                          </p:spTgt>
-                                        </p:tgtEl>
-                                        <p:attrNameLst>
-                                          <p:attrName>style.visibility</p:attrName>
-                                        </p:attrNameLst>
-                                      </p:cBhvr>
-                                      <p:to>
-                                        <p:strVal val="visible"/>
-                                      </p:to>
-                                    </p:set>
-                                  </p:childTnLst>
-                                </p:cTn>
-                              </p:par>
-                              <p:par>
-                                <p:cTn id="7" presetID="1" presetClass="entr" presetSubtype="0" fill="hold" grpId="0" nodeType="withEffect">
-                                  <p:stCondLst>
-                                    <p:cond delay="0"/>
-                                  </p:stCondLst>
-                                  <p:childTnLst>
-                                    <p:set>
-                                      <p:cBhvr>
-                                        <p:cTn id="8" dur="1" fill="hold">
-                                          <p:stCondLst>
-                                            <p:cond delay="0"/>
-                                          </p:stCondLst>
-                                        </p:cTn>
-                                        <p:tgtEl>
-                                          <p:spTgt spid="3">
-                                            <p:txEl>
-                                              <p:pRg st="1" end="1"/>
-                                            </p:txEl>
-                                          </p:spTgt>
-                                        </p:tgtEl>
-                                        <p:attrNameLst>
-                                          <p:attrName>style.visibility</p:attrName>
-                                        </p:attrNameLst>
-                                      </p:cBhvr>
-                                      <p:to>
-                                        <p:strVal val="visible"/>
-                                      </p:to>
-                                    </p:set>
-                                  </p:childTnLst>
-                                </p:cTn>
-                              </p:par>
-                              <p:par>
-                                <p:cTn id="9" presetID="1" presetClass="entr" presetSubtype="0" fill="hold" grpId="0" nodeType="withEffect">
-                                  <p:stCondLst>
-                                    <p:cond delay="0"/>
-                                  </p:stCondLst>
-                                  <p:childTnLst>
-                                    <p:set>
-                                      <p:cBhvr>
-                                        <p:cTn id="10" dur="1" fill="hold">
-                                          <p:stCondLst>
-                                            <p:cond delay="0"/>
-                                          </p:stCondLst>
-                                        </p:cTn>
-                                        <p:tgtEl>
-                                          <p:spTgt spid="4"/>
-                                        </p:tgtEl>
-                                        <p:attrNameLst>
-                                          <p:attrName>style.visibility</p:attrName>
-                                        </p:attrNameLst>
-                                      </p:cBhvr>
-                                      <p:to>
-                                        <p:strVal val="visible"/>
-                                      </p:to>
-                                    </p:set>
-                                  </p:childTnLst>
-                                </p:cTn>
-                              </p:par>
-                            </p:childTnLst>
-                          </p:cTn>
-                        </p:par>
-                      </p:childTnLst>
-                    </p:cTn>
-                  </p:par>
-                  <p:par>
-                    <p:cTn id="11" fill="hold">
-                      <p:stCondLst>
-                        <p:cond delay="indefinite"/>
-                      </p:stCondLst>
-                      <p:childTnLst>
-                        <p:par>
-                          <p:cTn id="12" fill="hold">
-                            <p:stCondLst>
-                              <p:cond delay="0"/>
-                            </p:stCondLst>
-                            <p:childTnLst>
-                              <p:par>
-                                <p:cTn id="13" presetID="1" presetClass="entr" presetSubtype="0" fill="hold" grpId="0" nodeType="clickEffect">
-                                  <p:stCondLst>
-                                    <p:cond delay="0"/>
-                                  </p:stCondLst>
-                                  <p:childTnLst>
-                                    <p:set>
-                                      <p:cBhvr>
-                                        <p:cTn id="14" dur="1" fill="hold">
-                                          <p:stCondLst>
-                                            <p:cond delay="0"/>
-                                          </p:stCondLst>
-                                        </p:cTn>
-                                        <p:tgtEl>
-                                          <p:spTgt spid="6"/>
-                                        </p:tgtEl>
-                                        <p:attrNameLst>
-                                          <p:attrName>style.visibility</p:attrName>
-                                        </p:attrNameLst>
-                                      </p:cBhvr>
-                                      <p:to>
-                                        <p:strVal val="visible"/>
-                                      </p:to>
-                                    </p:set>
-                                  </p:childTnLst>
-                                </p:cTn>
-                              </p:par>
-                            </p:childTnLst>
-                          </p:cTn>
-                        </p:par>
-                      </p:childTnLst>
-                    </p:cTn>
-                  </p:par>
-                  <p:par>
-                    <p:cTn id="15" fill="hold">
-                      <p:stCondLst>
-                        <p:cond delay="indefinite"/>
-                      </p:stCondLst>
-                      <p:childTnLst>
-                        <p:par>
-                          <p:cTn id="16" fill="hold">
-                            <p:stCondLst>
-                              <p:cond delay="0"/>
-                            </p:stCondLst>
-                            <p:childTnLst>
-                              <p:par>
-                                <p:cTn id="17" presetID="1" presetClass="entr" presetSubtype="0" fill="hold" grpId="0" nodeType="clickEffect">
-                                  <p:stCondLst>
-                                    <p:cond delay="0"/>
-                                  </p:stCondLst>
-                                  <p:childTnLst>
-                                    <p:set>
-                                      <p:cBhvr>
-                                        <p:cTn id="18" dur="1" fill="hold">
-                                          <p:stCondLst>
-                                            <p:cond delay="0"/>
-                                          </p:stCondLst>
-                                        </p:cTn>
-                                        <p:tgtEl>
-                                          <p:spTgt spid="3">
-                                            <p:txEl>
-                                              <p:pRg st="5" end="5"/>
-                                            </p:txEl>
-                                          </p:spTgt>
-                                        </p:tgtEl>
-                                        <p:attrNameLst>
-                                          <p:attrName>style.visibility</p:attrName>
-                                        </p:attrNameLst>
-                                      </p:cBhvr>
-                                      <p:to>
-                                        <p:strVal val="visible"/>
-                                      </p:to>
-                                    </p:set>
-                                  </p:childTnLst>
-                                </p:cTn>
-                              </p:par>
-                              <p:par>
-                                <p:cTn id="19" presetID="1" presetClass="entr" presetSubtype="0" fill="hold" grpId="0" nodeType="withEffect">
-                                  <p:stCondLst>
-                                    <p:cond delay="0"/>
-                                  </p:stCondLst>
-                                  <p:childTnLst>
-                                    <p:set>
-                                      <p:cBhvr>
-                                        <p:cTn id="20" dur="1" fill="hold">
-                                          <p:stCondLst>
-                                            <p:cond delay="0"/>
-                                          </p:stCondLst>
-                                        </p:cTn>
-                                        <p:tgtEl>
-                                          <p:spTgt spid="3">
-                                            <p:txEl>
-                                              <p:pRg st="6" end="6"/>
-                                            </p:txEl>
-                                          </p:spTgt>
-                                        </p:tgtEl>
-                                        <p:attrNameLst>
-                                          <p:attrName>style.visibility</p:attrName>
-                                        </p:attrNameLst>
-                                      </p:cBhvr>
-                                      <p:to>
-                                        <p:strVal val="visible"/>
-                                      </p:to>
-                                    </p:set>
-                                  </p:childTnLst>
-                                </p:cTn>
-                              </p:par>
-                              <p:par>
-                                <p:cTn id="21" presetID="1" presetClass="entr" presetSubtype="0" fill="hold" grpId="0" nodeType="withEffect">
-                                  <p:stCondLst>
-                                    <p:cond delay="0"/>
-                                  </p:stCondLst>
-                                  <p:childTnLst>
-                                    <p:set>
-                                      <p:cBhvr>
-                                        <p:cTn id="22" dur="1" fill="hold">
-                                          <p:stCondLst>
-                                            <p:cond delay="0"/>
-                                          </p:stCondLst>
-                                        </p:cTn>
-                                        <p:tgtEl>
-                                          <p:spTgt spid="7"/>
-                                        </p:tgtEl>
-                                        <p:attrNameLst>
-                                          <p:attrName>style.visibility</p:attrName>
-                                        </p:attrNameLst>
-                                      </p:cBhvr>
-                                      <p:to>
-                                        <p:strVal val="visible"/>
-                                      </p:to>
-                                    </p:set>
-                                  </p:childTnLst>
-                                </p:cTn>
-                              </p:par>
-                            </p:childTnLst>
-                          </p:cTn>
-                        </p:par>
-                      </p:childTnLst>
-                    </p:cTn>
-                  </p:par>
-                  <p:par>
-                    <p:cTn id="23" fill="hold">
-                      <p:stCondLst>
-                        <p:cond delay="indefinite"/>
-                      </p:stCondLst>
-                      <p:childTnLst>
-                        <p:par>
-                          <p:cTn id="24" fill="hold">
-                            <p:stCondLst>
-                              <p:cond delay="0"/>
-                            </p:stCondLst>
-                            <p:childTnLst>
-                              <p:par>
-                                <p:cTn id="25" presetID="1" presetClass="entr" presetSubtype="0" fill="hold" grpId="0" nodeType="clickEffect">
-                                  <p:stCondLst>
-                                    <p:cond delay="0"/>
-                                  </p:stCondLst>
-                                  <p:childTnLst>
-                                    <p:set>
-                                      <p:cBhvr>
-                                        <p:cTn id="26" dur="1" fill="hold">
-                                          <p:stCondLst>
-                                            <p:cond delay="0"/>
-                                          </p:stCondLst>
-                                        </p:cTn>
-                                        <p:tgtEl>
-                                          <p:spTgt spid="3">
-                                            <p:txEl>
-                                              <p:pRg st="10" end="10"/>
-                                            </p:txEl>
-                                          </p:spTgt>
-                                        </p:tgtEl>
-                                        <p:attrNameLst>
-                                          <p:attrName>style.visibility</p:attrName>
-                                        </p:attrNameLst>
-                                      </p:cBhvr>
-                                      <p:to>
-                                        <p:strVal val="visible"/>
-                                      </p:to>
-                                    </p:set>
-                                  </p:childTnLst>
-                                </p:cTn>
-                              </p:par>
-                            </p:childTnLst>
-                          </p:cTn>
-                        </p:par>
-                      </p:childTnLst>
-                    </p:cTn>
-                  </p:par>
-                </p:childTnLst>
-              </p:cTn>
-              <p:prevCondLst>
-                <p:cond evt="onPrev" delay="0">
-                  <p:tgtEl>
-                    <p:sldTgt/>
-                  </p:tgtEl>
-                </p:cond>
-              </p:prevCondLst>
-              <p:nextCondLst>
-                <p:cond evt="onNext" delay="0">
-                  <p:tgtEl>
-                    <p:sldTgt/>
-                  </p:tgtEl>
-                </p:cond>
-              </p:nextCondLst>
-            </p:seq>
-          </p:childTnLst>
-        </p:cTn>
+        <p:cTn id="1" dur="indefinite" restart="never" nodeType="tmRoot"/>
       </p:par>
     </p:tnLst>
-    <p:bldLst>
-      <p:bldP spid="3" grpId="0" uiExpand="1" build="p"/>
-      <p:bldP spid="4" grpId="0" uiExpand="1" animBg="1"/>
-      <p:bldP spid="7" grpId="0" uiExpand="1" animBg="1"/>
-      <p:bldP spid="6" grpId="0" animBg="1"/>
-    </p:bldLst>
   </p:timing>
 </p:sld>
 </file>
@@ -20399,71 +19624,10 @@
           <a:lstStyle/>
           <a:p>
             <a:r>
-              <a:rPr lang="en-BE" dirty="0" smtClean="0"/>
-              <a:t>... unless you have to</a:t>
+              <a:rPr lang="en-US" dirty="0" smtClean="0"/>
+              <a:t>Data formats: creating XML</a:t>
             </a:r>
             <a:endParaRPr lang="en-US" dirty="0"/>
-          </a:p>
-        </p:txBody>
-      </p:sp>
-      <p:sp>
-        <p:nvSpPr>
-          <p:cNvPr id="3" name="Content Placeholder 2"/>
-          <p:cNvSpPr>
-            <a:spLocks noGrp="1"/>
-          </p:cNvSpPr>
-          <p:nvPr>
-            <p:ph idx="1"/>
-          </p:nvPr>
-        </p:nvSpPr>
-        <p:spPr/>
-        <p:txBody>
-          <a:bodyPr/>
-          <a:lstStyle/>
-          <a:p>
-            <a:r>
-              <a:rPr lang="en-BE" dirty="0" smtClean="0"/>
-              <a:t>Writing to binary files</a:t>
-            </a:r>
-            <a:endParaRPr lang="en-US" dirty="0"/>
-          </a:p>
-        </p:txBody>
-      </p:sp>
-      <p:sp>
-        <p:nvSpPr>
-          <p:cNvPr id="4" name="Slide Number Placeholder 3"/>
-          <p:cNvSpPr>
-            <a:spLocks noGrp="1"/>
-          </p:cNvSpPr>
-          <p:nvPr>
-            <p:ph type="sldNum" sz="quarter" idx="12"/>
-          </p:nvPr>
-        </p:nvSpPr>
-        <p:spPr/>
-        <p:txBody>
-          <a:bodyPr/>
-          <a:lstStyle/>
-          <a:p>
-            <a:fld id="{5A209D72-2E9D-49B0-8977-41DCCC66C0BB}" type="slidenum">
-              <a:rPr lang="nl-BE">
-                <a:solidFill>
-                  <a:prstClr val="black">
-                    <a:tint val="75000"/>
-                  </a:prstClr>
-                </a:solidFill>
-                <a:latin typeface="Calibri"/>
-              </a:rPr>
-              <a:pPr/>
-              <a:t>32</a:t>
-            </a:fld>
-            <a:endParaRPr lang="nl-BE">
-              <a:solidFill>
-                <a:prstClr val="black">
-                  <a:tint val="75000"/>
-                </a:prstClr>
-              </a:solidFill>
-              <a:latin typeface="Calibri"/>
-            </a:endParaRPr>
           </a:p>
         </p:txBody>
       </p:sp>
@@ -20475,8 +19639,8 @@
         </p:nvSpPr>
         <p:spPr>
           <a:xfrm>
-            <a:off x="2207568" y="2276872"/>
-            <a:ext cx="8064896" cy="1754326"/>
+            <a:off x="1991544" y="1412777"/>
+            <a:ext cx="8064896" cy="5078313"/>
           </a:xfrm>
           <a:prstGeom prst="rect">
             <a:avLst/>
@@ -20494,26 +19658,57 @@
           <a:lstStyle/>
           <a:p>
             <a:r>
-              <a:rPr lang="en-BE" dirty="0">
-                <a:solidFill>
-                  <a:prstClr val="black"/>
-                </a:solidFill>
-                <a:latin typeface="Courier New" pitchFamily="49" charset="0"/>
-                <a:cs typeface="Courier New" pitchFamily="49" charset="0"/>
-              </a:rPr>
-              <a:t>1  from struct import pack</a:t>
-            </a:r>
-          </a:p>
-          <a:p>
-            <a:r>
-              <a:rPr lang="en-BE" dirty="0">
-                <a:solidFill>
-                  <a:prstClr val="black"/>
-                </a:solidFill>
-                <a:latin typeface="Courier New" pitchFamily="49" charset="0"/>
-                <a:cs typeface="Courier New" pitchFamily="49" charset="0"/>
-              </a:rPr>
-              <a:t>2</a:t>
+              <a:rPr lang="pt-BR" dirty="0">
+                <a:solidFill>
+                  <a:prstClr val="black"/>
+                </a:solidFill>
+                <a:latin typeface="Courier New" pitchFamily="49" charset="0"/>
+                <a:cs typeface="Courier New" pitchFamily="49" charset="0"/>
+              </a:rPr>
+              <a:t> 1   from xml.dom.minidom import Document</a:t>
+            </a:r>
+          </a:p>
+          <a:p>
+            <a:r>
+              <a:rPr lang="pt-BR" dirty="0">
+                <a:solidFill>
+                  <a:prstClr val="black"/>
+                </a:solidFill>
+                <a:latin typeface="Courier New" pitchFamily="49" charset="0"/>
+                <a:cs typeface="Courier New" pitchFamily="49" charset="0"/>
+              </a:rPr>
+              <a:t> 2   nr_blocks = 2</a:t>
+            </a:r>
+            <a:br>
+              <a:rPr lang="pt-BR" dirty="0">
+                <a:solidFill>
+                  <a:prstClr val="black"/>
+                </a:solidFill>
+                <a:latin typeface="Courier New" pitchFamily="49" charset="0"/>
+                <a:cs typeface="Courier New" pitchFamily="49" charset="0"/>
+              </a:rPr>
+            </a:br>
+            <a:r>
+              <a:rPr lang="pt-BR" dirty="0">
+                <a:solidFill>
+                  <a:prstClr val="black"/>
+                </a:solidFill>
+                <a:latin typeface="Courier New" pitchFamily="49" charset="0"/>
+                <a:cs typeface="Courier New" pitchFamily="49" charset="0"/>
+              </a:rPr>
+              <a:t> 3   nr_items = 2</a:t>
+            </a:r>
+          </a:p>
+          <a:p>
+            <a:r>
+              <a:rPr lang="pt-BR" dirty="0">
+                <a:solidFill>
+                  <a:prstClr val="black"/>
+                </a:solidFill>
+                <a:latin typeface="Courier New" pitchFamily="49" charset="0"/>
+                <a:cs typeface="Courier New" pitchFamily="49" charset="0"/>
+              </a:rPr>
+              <a:t> </a:t>
             </a:r>
             <a:r>
               <a:rPr lang="en-US" dirty="0">
@@ -20523,7 +19718,19 @@
                 <a:latin typeface="Courier New" pitchFamily="49" charset="0"/>
                 <a:cs typeface="Courier New" pitchFamily="49" charset="0"/>
               </a:rPr>
-              <a:t>  with open(</a:t>
+              <a:t>4   doc = Document()</a:t>
+            </a:r>
+          </a:p>
+          <a:p>
+            <a:r>
+              <a:rPr lang="en-US" dirty="0">
+                <a:solidFill>
+                  <a:prstClr val="black"/>
+                </a:solidFill>
+                <a:latin typeface="Courier New" pitchFamily="49" charset="0"/>
+                <a:cs typeface="Courier New" pitchFamily="49" charset="0"/>
+              </a:rPr>
+              <a:t> 5   blocks = </a:t>
             </a:r>
             <a:r>
               <a:rPr lang="en-US" dirty="0" err="1">
@@ -20533,7 +19740,7 @@
                 <a:latin typeface="Courier New" pitchFamily="49" charset="0"/>
                 <a:cs typeface="Courier New" pitchFamily="49" charset="0"/>
               </a:rPr>
-              <a:t>file_name</a:t>
+              <a:t>doc.createElement</a:t>
             </a:r>
             <a:r>
               <a:rPr lang="en-US" dirty="0">
@@ -20543,37 +19750,385 @@
                 <a:latin typeface="Courier New" pitchFamily="49" charset="0"/>
                 <a:cs typeface="Courier New" pitchFamily="49" charset="0"/>
               </a:rPr>
+              <a:t>('blocks')</a:t>
+            </a:r>
+          </a:p>
+          <a:p>
+            <a:r>
+              <a:rPr lang="en-US" dirty="0">
+                <a:solidFill>
+                  <a:prstClr val="black"/>
+                </a:solidFill>
+                <a:latin typeface="Courier New" pitchFamily="49" charset="0"/>
+                <a:cs typeface="Courier New" pitchFamily="49" charset="0"/>
+              </a:rPr>
+              <a:t> 6   </a:t>
+            </a:r>
+            <a:r>
+              <a:rPr lang="en-US" dirty="0" err="1">
+                <a:solidFill>
+                  <a:prstClr val="black"/>
+                </a:solidFill>
+                <a:latin typeface="Courier New" pitchFamily="49" charset="0"/>
+                <a:cs typeface="Courier New" pitchFamily="49" charset="0"/>
+              </a:rPr>
+              <a:t>doc.appendChild</a:t>
+            </a:r>
+            <a:r>
+              <a:rPr lang="en-US" dirty="0">
+                <a:solidFill>
+                  <a:prstClr val="black"/>
+                </a:solidFill>
+                <a:latin typeface="Courier New" pitchFamily="49" charset="0"/>
+                <a:cs typeface="Courier New" pitchFamily="49" charset="0"/>
+              </a:rPr>
+              <a:t>(blocks)</a:t>
+            </a:r>
+          </a:p>
+          <a:p>
+            <a:r>
+              <a:rPr lang="en-US" dirty="0">
+                <a:solidFill>
+                  <a:prstClr val="black"/>
+                </a:solidFill>
+                <a:latin typeface="Courier New" pitchFamily="49" charset="0"/>
+                <a:cs typeface="Courier New" pitchFamily="49" charset="0"/>
+              </a:rPr>
+              <a:t> 7   for </a:t>
+            </a:r>
+            <a:r>
+              <a:rPr lang="en-US" dirty="0" err="1">
+                <a:solidFill>
+                  <a:prstClr val="black"/>
+                </a:solidFill>
+                <a:latin typeface="Courier New" pitchFamily="49" charset="0"/>
+                <a:cs typeface="Courier New" pitchFamily="49" charset="0"/>
+              </a:rPr>
+              <a:t>block_nr</a:t>
+            </a:r>
+            <a:r>
+              <a:rPr lang="en-US" dirty="0">
+                <a:solidFill>
+                  <a:prstClr val="black"/>
+                </a:solidFill>
+                <a:latin typeface="Courier New" pitchFamily="49" charset="0"/>
+                <a:cs typeface="Courier New" pitchFamily="49" charset="0"/>
+              </a:rPr>
+              <a:t> in range(1, </a:t>
+            </a:r>
+            <a:r>
+              <a:rPr lang="en-US" dirty="0" err="1">
+                <a:solidFill>
+                  <a:prstClr val="black"/>
+                </a:solidFill>
+                <a:latin typeface="Courier New" pitchFamily="49" charset="0"/>
+                <a:cs typeface="Courier New" pitchFamily="49" charset="0"/>
+              </a:rPr>
+              <a:t>nr_blocks</a:t>
+            </a:r>
+            <a:r>
+              <a:rPr lang="en-US" dirty="0">
+                <a:solidFill>
+                  <a:prstClr val="black"/>
+                </a:solidFill>
+                <a:latin typeface="Courier New" pitchFamily="49" charset="0"/>
+                <a:cs typeface="Courier New" pitchFamily="49" charset="0"/>
+              </a:rPr>
+              <a:t> + 1):</a:t>
+            </a:r>
+          </a:p>
+          <a:p>
+            <a:r>
+              <a:rPr lang="en-US" dirty="0">
+                <a:solidFill>
+                  <a:prstClr val="black"/>
+                </a:solidFill>
+                <a:latin typeface="Courier New" pitchFamily="49" charset="0"/>
+                <a:cs typeface="Courier New" pitchFamily="49" charset="0"/>
+              </a:rPr>
+              <a:t> 8       block = </a:t>
+            </a:r>
+            <a:r>
+              <a:rPr lang="en-US" dirty="0" err="1">
+                <a:solidFill>
+                  <a:prstClr val="black"/>
+                </a:solidFill>
+                <a:latin typeface="Courier New" pitchFamily="49" charset="0"/>
+                <a:cs typeface="Courier New" pitchFamily="49" charset="0"/>
+              </a:rPr>
+              <a:t>doc.createElement</a:t>
+            </a:r>
+            <a:r>
+              <a:rPr lang="en-US" dirty="0">
+                <a:solidFill>
+                  <a:prstClr val="black"/>
+                </a:solidFill>
+                <a:latin typeface="Courier New" pitchFamily="49" charset="0"/>
+                <a:cs typeface="Courier New" pitchFamily="49" charset="0"/>
+              </a:rPr>
+              <a:t>('block')</a:t>
+            </a:r>
+          </a:p>
+          <a:p>
+            <a:r>
+              <a:rPr lang="en-US" dirty="0">
+                <a:solidFill>
+                  <a:prstClr val="black"/>
+                </a:solidFill>
+                <a:latin typeface="Courier New" pitchFamily="49" charset="0"/>
+                <a:cs typeface="Courier New" pitchFamily="49" charset="0"/>
+              </a:rPr>
+              <a:t> 9       </a:t>
+            </a:r>
+            <a:r>
+              <a:rPr lang="en-US" dirty="0" err="1">
+                <a:solidFill>
+                  <a:prstClr val="black"/>
+                </a:solidFill>
+                <a:latin typeface="Courier New" pitchFamily="49" charset="0"/>
+                <a:cs typeface="Courier New" pitchFamily="49" charset="0"/>
+              </a:rPr>
+              <a:t>block_name</a:t>
+            </a:r>
+            <a:r>
+              <a:rPr lang="en-US" dirty="0">
+                <a:solidFill>
+                  <a:prstClr val="black"/>
+                </a:solidFill>
+                <a:latin typeface="Courier New" pitchFamily="49" charset="0"/>
+                <a:cs typeface="Courier New" pitchFamily="49" charset="0"/>
+              </a:rPr>
+              <a:t> = 'block_{0:02d}'.format(</a:t>
+            </a:r>
+            <a:r>
+              <a:rPr lang="en-US" dirty="0" err="1">
+                <a:solidFill>
+                  <a:prstClr val="black"/>
+                </a:solidFill>
+                <a:latin typeface="Courier New" pitchFamily="49" charset="0"/>
+                <a:cs typeface="Courier New" pitchFamily="49" charset="0"/>
+              </a:rPr>
+              <a:t>block_nr</a:t>
+            </a:r>
+            <a:r>
+              <a:rPr lang="en-US" dirty="0">
+                <a:solidFill>
+                  <a:prstClr val="black"/>
+                </a:solidFill>
+                <a:latin typeface="Courier New" pitchFamily="49" charset="0"/>
+                <a:cs typeface="Courier New" pitchFamily="49" charset="0"/>
+              </a:rPr>
+              <a:t>)</a:t>
+            </a:r>
+          </a:p>
+          <a:p>
+            <a:r>
+              <a:rPr lang="en-US" dirty="0">
+                <a:solidFill>
+                  <a:prstClr val="black"/>
+                </a:solidFill>
+                <a:latin typeface="Courier New" pitchFamily="49" charset="0"/>
+                <a:cs typeface="Courier New" pitchFamily="49" charset="0"/>
+              </a:rPr>
+              <a:t>10       </a:t>
+            </a:r>
+            <a:r>
+              <a:rPr lang="en-US" dirty="0" err="1">
+                <a:solidFill>
+                  <a:prstClr val="black"/>
+                </a:solidFill>
+                <a:latin typeface="Courier New" pitchFamily="49" charset="0"/>
+                <a:cs typeface="Courier New" pitchFamily="49" charset="0"/>
+              </a:rPr>
+              <a:t>block.setAttribute</a:t>
+            </a:r>
+            <a:r>
+              <a:rPr lang="en-US" dirty="0">
+                <a:solidFill>
+                  <a:prstClr val="black"/>
+                </a:solidFill>
+                <a:latin typeface="Courier New" pitchFamily="49" charset="0"/>
+                <a:cs typeface="Courier New" pitchFamily="49" charset="0"/>
+              </a:rPr>
+              <a:t>('name', </a:t>
+            </a:r>
+            <a:r>
+              <a:rPr lang="en-US" dirty="0" err="1">
+                <a:solidFill>
+                  <a:prstClr val="black"/>
+                </a:solidFill>
+                <a:latin typeface="Courier New" pitchFamily="49" charset="0"/>
+                <a:cs typeface="Courier New" pitchFamily="49" charset="0"/>
+              </a:rPr>
+              <a:t>block_name</a:t>
+            </a:r>
+            <a:r>
+              <a:rPr lang="en-US" dirty="0">
+                <a:solidFill>
+                  <a:prstClr val="black"/>
+                </a:solidFill>
+                <a:latin typeface="Courier New" pitchFamily="49" charset="0"/>
+                <a:cs typeface="Courier New" pitchFamily="49" charset="0"/>
+              </a:rPr>
+              <a:t>)</a:t>
+            </a:r>
+          </a:p>
+          <a:p>
+            <a:r>
+              <a:rPr lang="en-US" dirty="0">
+                <a:solidFill>
+                  <a:prstClr val="black"/>
+                </a:solidFill>
+                <a:latin typeface="Courier New" pitchFamily="49" charset="0"/>
+                <a:cs typeface="Courier New" pitchFamily="49" charset="0"/>
+              </a:rPr>
+              <a:t>11       </a:t>
+            </a:r>
+            <a:r>
+              <a:rPr lang="en-US" dirty="0" err="1">
+                <a:solidFill>
+                  <a:prstClr val="black"/>
+                </a:solidFill>
+                <a:latin typeface="Courier New" pitchFamily="49" charset="0"/>
+                <a:cs typeface="Courier New" pitchFamily="49" charset="0"/>
+              </a:rPr>
+              <a:t>blocks.appendChild</a:t>
+            </a:r>
+            <a:r>
+              <a:rPr lang="en-US" dirty="0">
+                <a:solidFill>
+                  <a:prstClr val="black"/>
+                </a:solidFill>
+                <a:latin typeface="Courier New" pitchFamily="49" charset="0"/>
+                <a:cs typeface="Courier New" pitchFamily="49" charset="0"/>
+              </a:rPr>
+              <a:t>(block)</a:t>
+            </a:r>
+          </a:p>
+          <a:p>
+            <a:r>
+              <a:rPr lang="en-US" dirty="0">
+                <a:solidFill>
+                  <a:prstClr val="black"/>
+                </a:solidFill>
+                <a:latin typeface="Courier New" pitchFamily="49" charset="0"/>
+                <a:cs typeface="Courier New" pitchFamily="49" charset="0"/>
+              </a:rPr>
+              <a:t>12       for </a:t>
+            </a:r>
+            <a:r>
+              <a:rPr lang="en-US" dirty="0" err="1">
+                <a:solidFill>
+                  <a:prstClr val="black"/>
+                </a:solidFill>
+                <a:latin typeface="Courier New" pitchFamily="49" charset="0"/>
+                <a:cs typeface="Courier New" pitchFamily="49" charset="0"/>
+              </a:rPr>
+              <a:t>item_nr</a:t>
+            </a:r>
+            <a:r>
+              <a:rPr lang="en-US" dirty="0">
+                <a:solidFill>
+                  <a:prstClr val="black"/>
+                </a:solidFill>
+                <a:latin typeface="Courier New" pitchFamily="49" charset="0"/>
+                <a:cs typeface="Courier New" pitchFamily="49" charset="0"/>
+              </a:rPr>
+              <a:t> in range(0, </a:t>
+            </a:r>
+            <a:r>
+              <a:rPr lang="en-US" dirty="0" err="1">
+                <a:solidFill>
+                  <a:prstClr val="black"/>
+                </a:solidFill>
+                <a:latin typeface="Courier New" pitchFamily="49" charset="0"/>
+                <a:cs typeface="Courier New" pitchFamily="49" charset="0"/>
+              </a:rPr>
+              <a:t>nr_items</a:t>
+            </a:r>
+            <a:r>
+              <a:rPr lang="en-US" dirty="0">
+                <a:solidFill>
+                  <a:prstClr val="black"/>
+                </a:solidFill>
+                <a:latin typeface="Courier New" pitchFamily="49" charset="0"/>
+                <a:cs typeface="Courier New" pitchFamily="49" charset="0"/>
+              </a:rPr>
+              <a:t>):</a:t>
+            </a:r>
+          </a:p>
+          <a:p>
+            <a:r>
+              <a:rPr lang="en-US" dirty="0">
+                <a:solidFill>
+                  <a:prstClr val="black"/>
+                </a:solidFill>
+                <a:latin typeface="Courier New" pitchFamily="49" charset="0"/>
+                <a:cs typeface="Courier New" pitchFamily="49" charset="0"/>
+              </a:rPr>
+              <a:t>13           item = </a:t>
+            </a:r>
+            <a:r>
+              <a:rPr lang="en-US" dirty="0" err="1">
+                <a:solidFill>
+                  <a:prstClr val="black"/>
+                </a:solidFill>
+                <a:latin typeface="Courier New" pitchFamily="49" charset="0"/>
+                <a:cs typeface="Courier New" pitchFamily="49" charset="0"/>
+              </a:rPr>
+              <a:t>doc.createElement</a:t>
+            </a:r>
+            <a:r>
+              <a:rPr lang="en-US" dirty="0">
+                <a:solidFill>
+                  <a:prstClr val="black"/>
+                </a:solidFill>
+                <a:latin typeface="Courier New" pitchFamily="49" charset="0"/>
+                <a:cs typeface="Courier New" pitchFamily="49" charset="0"/>
+              </a:rPr>
+              <a:t>('item')</a:t>
+            </a:r>
+          </a:p>
+          <a:p>
+            <a:r>
+              <a:rPr lang="en-US" dirty="0">
+                <a:solidFill>
+                  <a:prstClr val="black"/>
+                </a:solidFill>
+                <a:latin typeface="Courier New" pitchFamily="49" charset="0"/>
+                <a:cs typeface="Courier New" pitchFamily="49" charset="0"/>
+              </a:rPr>
+              <a:t>14           text = '{0}.{1}'.format(</a:t>
+            </a:r>
+            <a:r>
+              <a:rPr lang="en-US" dirty="0" err="1">
+                <a:solidFill>
+                  <a:prstClr val="black"/>
+                </a:solidFill>
+                <a:latin typeface="Courier New" pitchFamily="49" charset="0"/>
+                <a:cs typeface="Courier New" pitchFamily="49" charset="0"/>
+              </a:rPr>
+              <a:t>item_nr</a:t>
+            </a:r>
+            <a:r>
+              <a:rPr lang="en-US" dirty="0">
+                <a:solidFill>
+                  <a:prstClr val="black"/>
+                </a:solidFill>
+                <a:latin typeface="Courier New" pitchFamily="49" charset="0"/>
+                <a:cs typeface="Courier New" pitchFamily="49" charset="0"/>
+              </a:rPr>
               <a:t>, </a:t>
             </a:r>
             <a:r>
-              <a:rPr lang="en-US" b="1" dirty="0">
-                <a:solidFill>
-                  <a:prstClr val="black"/>
-                </a:solidFill>
-                <a:latin typeface="Courier New" pitchFamily="49" charset="0"/>
-                <a:cs typeface="Courier New" pitchFamily="49" charset="0"/>
-              </a:rPr>
-              <a:t>'w</a:t>
-            </a:r>
-            <a:r>
-              <a:rPr lang="en-BE" b="1" dirty="0">
-                <a:solidFill>
-                  <a:prstClr val="black"/>
-                </a:solidFill>
-                <a:latin typeface="Courier New" pitchFamily="49" charset="0"/>
-                <a:cs typeface="Courier New" pitchFamily="49" charset="0"/>
-              </a:rPr>
-              <a:t>b</a:t>
-            </a:r>
-            <a:r>
-              <a:rPr lang="en-US" b="1" dirty="0">
-                <a:solidFill>
-                  <a:prstClr val="black"/>
-                </a:solidFill>
-                <a:latin typeface="Courier New" pitchFamily="49" charset="0"/>
-                <a:cs typeface="Courier New" pitchFamily="49" charset="0"/>
-              </a:rPr>
-              <a:t>'</a:t>
+              <a:rPr lang="en-US" dirty="0" err="1">
+                <a:solidFill>
+                  <a:prstClr val="black"/>
+                </a:solidFill>
+                <a:latin typeface="Courier New" pitchFamily="49" charset="0"/>
+                <a:cs typeface="Courier New" pitchFamily="49" charset="0"/>
+              </a:rPr>
+              <a:t>block_nr</a:t>
             </a:r>
             <a:r>
               <a:rPr lang="en-US" dirty="0">
@@ -20583,18 +20138,10 @@
                 <a:latin typeface="Courier New" pitchFamily="49" charset="0"/>
                 <a:cs typeface="Courier New" pitchFamily="49" charset="0"/>
               </a:rPr>
-              <a:t>) as </a:t>
-            </a:r>
-            <a:r>
-              <a:rPr lang="en-BE" dirty="0">
-                <a:solidFill>
-                  <a:prstClr val="black"/>
-                </a:solidFill>
-                <a:latin typeface="Courier New" pitchFamily="49" charset="0"/>
-                <a:cs typeface="Courier New" pitchFamily="49" charset="0"/>
-              </a:rPr>
-              <a:t>bin</a:t>
-            </a:r>
+              <a:t>)</a:t>
+            </a:r>
+          </a:p>
+          <a:p>
             <a:r>
               <a:rPr lang="en-US" dirty="0">
                 <a:solidFill>
@@ -20603,19 +20150,17 @@
                 <a:latin typeface="Courier New" pitchFamily="49" charset="0"/>
                 <a:cs typeface="Courier New" pitchFamily="49" charset="0"/>
               </a:rPr>
-              <a:t>_file:</a:t>
-            </a:r>
-          </a:p>
-          <a:p>
-            <a:r>
-              <a:rPr lang="en-BE" dirty="0">
-                <a:solidFill>
-                  <a:prstClr val="black"/>
-                </a:solidFill>
-                <a:latin typeface="Courier New" pitchFamily="49" charset="0"/>
-                <a:cs typeface="Courier New" pitchFamily="49" charset="0"/>
-              </a:rPr>
-              <a:t>3</a:t>
+              <a:t>15           </a:t>
+            </a:r>
+            <a:r>
+              <a:rPr lang="en-US" dirty="0" err="1">
+                <a:solidFill>
+                  <a:prstClr val="black"/>
+                </a:solidFill>
+                <a:latin typeface="Courier New" pitchFamily="49" charset="0"/>
+                <a:cs typeface="Courier New" pitchFamily="49" charset="0"/>
+              </a:rPr>
+              <a:t>text_node</a:t>
             </a:r>
             <a:r>
               <a:rPr lang="en-US" dirty="0">
@@ -20625,17 +20170,17 @@
                 <a:latin typeface="Courier New" pitchFamily="49" charset="0"/>
                 <a:cs typeface="Courier New" pitchFamily="49" charset="0"/>
               </a:rPr>
-              <a:t>      for </a:t>
-            </a:r>
-            <a:r>
-              <a:rPr lang="en-BE" dirty="0">
-                <a:solidFill>
-                  <a:prstClr val="black"/>
-                </a:solidFill>
-                <a:latin typeface="Courier New" pitchFamily="49" charset="0"/>
-                <a:cs typeface="Courier New" pitchFamily="49" charset="0"/>
-              </a:rPr>
-              <a:t>name, age</a:t>
+              <a:t> = </a:t>
+            </a:r>
+            <a:r>
+              <a:rPr lang="en-US" dirty="0" err="1">
+                <a:solidFill>
+                  <a:prstClr val="black"/>
+                </a:solidFill>
+                <a:latin typeface="Courier New" pitchFamily="49" charset="0"/>
+                <a:cs typeface="Courier New" pitchFamily="49" charset="0"/>
+              </a:rPr>
+              <a:t>doc.createTextNode</a:t>
             </a:r>
             <a:r>
               <a:rPr lang="en-US" dirty="0">
@@ -20645,18 +20190,10 @@
                 <a:latin typeface="Courier New" pitchFamily="49" charset="0"/>
                 <a:cs typeface="Courier New" pitchFamily="49" charset="0"/>
               </a:rPr>
-              <a:t> in </a:t>
-            </a:r>
-            <a:r>
-              <a:rPr lang="en-BE" dirty="0">
-                <a:solidFill>
-                  <a:prstClr val="black"/>
-                </a:solidFill>
-                <a:latin typeface="Courier New" pitchFamily="49" charset="0"/>
-                <a:cs typeface="Courier New" pitchFamily="49" charset="0"/>
-              </a:rPr>
-              <a:t>people</a:t>
-            </a:r>
+              <a:t>(text)</a:t>
+            </a:r>
+          </a:p>
+          <a:p>
             <a:r>
               <a:rPr lang="en-US" dirty="0">
                 <a:solidFill>
@@ -20665,23 +20202,17 @@
                 <a:latin typeface="Courier New" pitchFamily="49" charset="0"/>
                 <a:cs typeface="Courier New" pitchFamily="49" charset="0"/>
               </a:rPr>
-              <a:t>:</a:t>
-            </a:r>
-          </a:p>
-          <a:p>
-            <a:pPr marL="342900" indent="-342900">
-              <a:buFontTx/>
-              <a:buAutoNum type="arabicPlain" startAt="4"/>
-            </a:pPr>
-            <a:r>
-              <a:rPr lang="en-BE" dirty="0">
-                <a:solidFill>
-                  <a:prstClr val="black"/>
-                </a:solidFill>
-                <a:latin typeface="Courier New" pitchFamily="49" charset="0"/>
-                <a:cs typeface="Courier New" pitchFamily="49" charset="0"/>
-              </a:rPr>
-              <a:t>         bin</a:t>
+              <a:t>16           </a:t>
+            </a:r>
+            <a:r>
+              <a:rPr lang="en-US" dirty="0" err="1">
+                <a:solidFill>
+                  <a:prstClr val="black"/>
+                </a:solidFill>
+                <a:latin typeface="Courier New" pitchFamily="49" charset="0"/>
+                <a:cs typeface="Courier New" pitchFamily="49" charset="0"/>
+              </a:rPr>
+              <a:t>item.appendChild</a:t>
             </a:r>
             <a:r>
               <a:rPr lang="en-US" dirty="0">
@@ -20691,7 +20222,7 @@
                 <a:latin typeface="Courier New" pitchFamily="49" charset="0"/>
                 <a:cs typeface="Courier New" pitchFamily="49" charset="0"/>
               </a:rPr>
-              <a:t>_</a:t>
+              <a:t>(</a:t>
             </a:r>
             <a:r>
               <a:rPr lang="en-US" dirty="0" err="1">
@@ -20701,7 +20232,7 @@
                 <a:latin typeface="Courier New" pitchFamily="49" charset="0"/>
                 <a:cs typeface="Courier New" pitchFamily="49" charset="0"/>
               </a:rPr>
-              <a:t>file.write</a:t>
+              <a:t>text_node</a:t>
             </a:r>
             <a:r>
               <a:rPr lang="en-US" dirty="0">
@@ -20711,18 +20242,10 @@
                 <a:latin typeface="Courier New" pitchFamily="49" charset="0"/>
                 <a:cs typeface="Courier New" pitchFamily="49" charset="0"/>
               </a:rPr>
-              <a:t>(</a:t>
-            </a:r>
-            <a:r>
-              <a:rPr lang="en-BE" dirty="0">
-                <a:solidFill>
-                  <a:prstClr val="black"/>
-                </a:solidFill>
-                <a:latin typeface="Courier New" pitchFamily="49" charset="0"/>
-                <a:cs typeface="Courier New" pitchFamily="49" charset="0"/>
-              </a:rPr>
-              <a:t>pack(</a:t>
-            </a:r>
+              <a:t>)</a:t>
+            </a:r>
+          </a:p>
+          <a:p>
             <a:r>
               <a:rPr lang="en-US" dirty="0">
                 <a:solidFill>
@@ -20731,27 +20254,17 @@
                 <a:latin typeface="Courier New" pitchFamily="49" charset="0"/>
                 <a:cs typeface="Courier New" pitchFamily="49" charset="0"/>
               </a:rPr>
-              <a:t>‘</a:t>
-            </a:r>
-            <a:r>
-              <a:rPr lang="en-BE" b="1" dirty="0">
-                <a:solidFill>
-                  <a:srgbClr val="C00000"/>
-                </a:solidFill>
-                <a:latin typeface="Courier New" pitchFamily="49" charset="0"/>
-                <a:cs typeface="Courier New" pitchFamily="49" charset="0"/>
-              </a:rPr>
-              <a:t>6s</a:t>
-            </a:r>
-            <a:r>
-              <a:rPr lang="en-BE" b="1" dirty="0">
-                <a:solidFill>
-                  <a:srgbClr val="00B050"/>
-                </a:solidFill>
-                <a:latin typeface="Courier New" pitchFamily="49" charset="0"/>
-                <a:cs typeface="Courier New" pitchFamily="49" charset="0"/>
-              </a:rPr>
-              <a:t>i</a:t>
+              <a:t>17           </a:t>
+            </a:r>
+            <a:r>
+              <a:rPr lang="en-US" dirty="0" err="1">
+                <a:solidFill>
+                  <a:prstClr val="black"/>
+                </a:solidFill>
+                <a:latin typeface="Courier New" pitchFamily="49" charset="0"/>
+                <a:cs typeface="Courier New" pitchFamily="49" charset="0"/>
+              </a:rPr>
+              <a:t>block.appendChild</a:t>
             </a:r>
             <a:r>
               <a:rPr lang="en-US" dirty="0">
@@ -20761,120 +20274,10 @@
                 <a:latin typeface="Courier New" pitchFamily="49" charset="0"/>
                 <a:cs typeface="Courier New" pitchFamily="49" charset="0"/>
               </a:rPr>
-              <a:t>'</a:t>
-            </a:r>
-            <a:r>
-              <a:rPr lang="en-BE" dirty="0">
-                <a:solidFill>
-                  <a:prstClr val="black"/>
-                </a:solidFill>
-                <a:latin typeface="Courier New" pitchFamily="49" charset="0"/>
-                <a:cs typeface="Courier New" pitchFamily="49" charset="0"/>
-              </a:rPr>
-              <a:t>,</a:t>
-            </a:r>
-          </a:p>
-          <a:p>
-            <a:pPr marL="342900" indent="-342900">
-              <a:buFontTx/>
-              <a:buAutoNum type="arabicPlain" startAt="4"/>
-            </a:pPr>
-            <a:r>
-              <a:rPr lang="en-BE" dirty="0">
-                <a:solidFill>
-                  <a:prstClr val="black"/>
-                </a:solidFill>
-                <a:latin typeface="Courier New" pitchFamily="49" charset="0"/>
-                <a:cs typeface="Courier New" pitchFamily="49" charset="0"/>
-              </a:rPr>
-              <a:t>                             </a:t>
-            </a:r>
-            <a:r>
-              <a:rPr lang="en-BE" b="1" dirty="0">
-                <a:solidFill>
-                  <a:srgbClr val="C00000"/>
-                </a:solidFill>
-                <a:latin typeface="Courier New" pitchFamily="49" charset="0"/>
-                <a:cs typeface="Courier New" pitchFamily="49" charset="0"/>
-              </a:rPr>
-              <a:t>bytes(name, </a:t>
-            </a:r>
-            <a:r>
-              <a:rPr lang="en-US" b="1" dirty="0">
-                <a:solidFill>
-                  <a:srgbClr val="C00000"/>
-                </a:solidFill>
-                <a:latin typeface="Courier New" pitchFamily="49" charset="0"/>
-                <a:cs typeface="Courier New" pitchFamily="49" charset="0"/>
-              </a:rPr>
-              <a:t>'</a:t>
-            </a:r>
-            <a:r>
-              <a:rPr lang="en-BE" b="1" dirty="0">
-                <a:solidFill>
-                  <a:srgbClr val="C00000"/>
-                </a:solidFill>
-                <a:latin typeface="Courier New" pitchFamily="49" charset="0"/>
-                <a:cs typeface="Courier New" pitchFamily="49" charset="0"/>
-              </a:rPr>
-              <a:t>ascii</a:t>
-            </a:r>
-            <a:r>
-              <a:rPr lang="en-US" b="1" dirty="0">
-                <a:solidFill>
-                  <a:srgbClr val="C00000"/>
-                </a:solidFill>
-                <a:latin typeface="Courier New" pitchFamily="49" charset="0"/>
-                <a:cs typeface="Courier New" pitchFamily="49" charset="0"/>
-              </a:rPr>
-              <a:t>'</a:t>
-            </a:r>
-            <a:r>
-              <a:rPr lang="en-BE" b="1" dirty="0">
-                <a:solidFill>
-                  <a:srgbClr val="C00000"/>
-                </a:solidFill>
-                <a:latin typeface="Courier New" pitchFamily="49" charset="0"/>
-                <a:cs typeface="Courier New" pitchFamily="49" charset="0"/>
-              </a:rPr>
-              <a:t>)</a:t>
-            </a:r>
-            <a:r>
-              <a:rPr lang="en-BE" b="1" dirty="0">
-                <a:solidFill>
-                  <a:prstClr val="black"/>
-                </a:solidFill>
-                <a:latin typeface="Courier New" pitchFamily="49" charset="0"/>
-                <a:cs typeface="Courier New" pitchFamily="49" charset="0"/>
-              </a:rPr>
-              <a:t>,</a:t>
-            </a:r>
-          </a:p>
-          <a:p>
-            <a:pPr marL="342900" indent="-342900">
-              <a:buFontTx/>
-              <a:buAutoNum type="arabicPlain" startAt="4"/>
-            </a:pPr>
-            <a:r>
-              <a:rPr lang="en-BE" dirty="0">
-                <a:solidFill>
-                  <a:prstClr val="black"/>
-                </a:solidFill>
-                <a:latin typeface="Courier New" pitchFamily="49" charset="0"/>
-                <a:cs typeface="Courier New" pitchFamily="49" charset="0"/>
-              </a:rPr>
-              <a:t>                             </a:t>
-            </a:r>
-            <a:r>
-              <a:rPr lang="en-BE" b="1" dirty="0">
-                <a:solidFill>
-                  <a:srgbClr val="00B050"/>
-                </a:solidFill>
-                <a:latin typeface="Courier New" pitchFamily="49" charset="0"/>
-                <a:cs typeface="Courier New" pitchFamily="49" charset="0"/>
-              </a:rPr>
-              <a:t>age</a:t>
-            </a:r>
+              <a:t>(item)</a:t>
+            </a:r>
+          </a:p>
+          <a:p>
             <a:r>
               <a:rPr lang="en-US" dirty="0">
                 <a:solidFill>
@@ -20883,2539 +20286,73 @@
                 <a:latin typeface="Courier New" pitchFamily="49" charset="0"/>
                 <a:cs typeface="Courier New" pitchFamily="49" charset="0"/>
               </a:rPr>
-              <a:t>)</a:t>
-            </a:r>
-            <a:r>
-              <a:rPr lang="en-BE" dirty="0">
-                <a:solidFill>
-                  <a:prstClr val="black"/>
-                </a:solidFill>
-                <a:latin typeface="Courier New" pitchFamily="49" charset="0"/>
-                <a:cs typeface="Courier New" pitchFamily="49" charset="0"/>
-              </a:rPr>
-              <a:t>)</a:t>
-            </a:r>
-            <a:endParaRPr lang="en-US" dirty="0">
-              <a:solidFill>
-                <a:prstClr val="black"/>
-              </a:solidFill>
-              <a:latin typeface="Courier New" pitchFamily="49" charset="0"/>
-              <a:cs typeface="Courier New" pitchFamily="49" charset="0"/>
-            </a:endParaRPr>
+              <a:t>18   print(</a:t>
+            </a:r>
+            <a:r>
+              <a:rPr lang="en-US" dirty="0" err="1">
+                <a:solidFill>
+                  <a:prstClr val="black"/>
+                </a:solidFill>
+                <a:latin typeface="Courier New" pitchFamily="49" charset="0"/>
+                <a:cs typeface="Courier New" pitchFamily="49" charset="0"/>
+              </a:rPr>
+              <a:t>doc.toprettyxml</a:t>
+            </a:r>
+            <a:r>
+              <a:rPr lang="en-US" dirty="0">
+                <a:solidFill>
+                  <a:prstClr val="black"/>
+                </a:solidFill>
+                <a:latin typeface="Courier New" pitchFamily="49" charset="0"/>
+                <a:cs typeface="Courier New" pitchFamily="49" charset="0"/>
+              </a:rPr>
+              <a:t>(indent='  '))</a:t>
+            </a:r>
           </a:p>
         </p:txBody>
       </p:sp>
-      <p:grpSp>
-        <p:nvGrpSpPr>
-          <p:cNvPr id="6" name="Group 5"/>
-          <p:cNvGrpSpPr/>
-          <p:nvPr/>
-        </p:nvGrpSpPr>
-        <p:grpSpPr>
-          <a:xfrm>
-            <a:off x="8381348" y="1262261"/>
-            <a:ext cx="2286652" cy="2069298"/>
-            <a:chOff x="2195736" y="3861048"/>
-            <a:chExt cx="2286652" cy="2069298"/>
-          </a:xfrm>
-        </p:grpSpPr>
-        <p:sp>
-          <p:nvSpPr>
-            <p:cNvPr id="7" name="TextBox 6"/>
-            <p:cNvSpPr txBox="1"/>
-            <p:nvPr/>
-          </p:nvSpPr>
-          <p:spPr>
-            <a:xfrm>
-              <a:off x="2195736" y="3861048"/>
-              <a:ext cx="2286652" cy="923330"/>
-            </a:xfrm>
-            <a:prstGeom prst="rect">
-              <a:avLst/>
-            </a:prstGeom>
-            <a:noFill/>
-          </p:spPr>
-          <p:txBody>
-            <a:bodyPr wrap="none" rtlCol="0">
-              <a:spAutoFit/>
-            </a:bodyPr>
-            <a:lstStyle/>
-            <a:p>
-              <a:r>
-                <a:rPr lang="en-BE" dirty="0">
-                  <a:solidFill>
-                    <a:srgbClr val="FF0000"/>
-                  </a:solidFill>
-                  <a:latin typeface="Calibri"/>
-                </a:rPr>
-                <a:t>byte representation of</a:t>
-              </a:r>
-              <a:br>
-                <a:rPr lang="en-BE" dirty="0">
-                  <a:solidFill>
-                    <a:srgbClr val="FF0000"/>
-                  </a:solidFill>
-                  <a:latin typeface="Calibri"/>
-                </a:rPr>
-              </a:br>
-              <a:r>
-                <a:rPr lang="en-BE" dirty="0">
-                  <a:solidFill>
-                    <a:srgbClr val="FF0000"/>
-                  </a:solidFill>
-                  <a:latin typeface="Calibri"/>
-                </a:rPr>
-                <a:t>name truncated to 6</a:t>
-              </a:r>
-              <a:br>
-                <a:rPr lang="en-BE" dirty="0">
-                  <a:solidFill>
-                    <a:srgbClr val="FF0000"/>
-                  </a:solidFill>
-                  <a:latin typeface="Calibri"/>
-                </a:rPr>
-              </a:br>
-              <a:r>
-                <a:rPr lang="en-BE" dirty="0">
-                  <a:solidFill>
-                    <a:srgbClr val="FF0000"/>
-                  </a:solidFill>
-                  <a:latin typeface="Calibri"/>
-                </a:rPr>
-                <a:t>characters</a:t>
-              </a:r>
-              <a:endParaRPr lang="en-US" dirty="0">
-                <a:solidFill>
-                  <a:srgbClr val="FF0000"/>
+      <p:sp>
+        <p:nvSpPr>
+          <p:cNvPr id="3" name="Slide Number Placeholder 2"/>
+          <p:cNvSpPr>
+            <a:spLocks noGrp="1"/>
+          </p:cNvSpPr>
+          <p:nvPr>
+            <p:ph type="sldNum" sz="quarter" idx="12"/>
+          </p:nvPr>
+        </p:nvSpPr>
+        <p:spPr/>
+        <p:txBody>
+          <a:bodyPr/>
+          <a:lstStyle/>
+          <a:p>
+            <a:fld id="{5A209D72-2E9D-49B0-8977-41DCCC66C0BB}" type="slidenum">
+              <a:rPr lang="nl-BE">
+                <a:solidFill>
+                  <a:prstClr val="black">
+                    <a:tint val="75000"/>
+                  </a:prstClr>
                 </a:solidFill>
                 <a:latin typeface="Calibri"/>
-              </a:endParaRPr>
-            </a:p>
-          </p:txBody>
-        </p:sp>
-        <p:cxnSp>
-          <p:nvCxnSpPr>
-            <p:cNvPr id="8" name="Straight Arrow Connector 7"/>
-            <p:cNvCxnSpPr>
-              <a:stCxn id="7" idx="2"/>
-            </p:cNvCxnSpPr>
-            <p:nvPr/>
-          </p:nvCxnSpPr>
-          <p:spPr>
-            <a:xfrm flipH="1">
-              <a:off x="2376257" y="4784378"/>
-              <a:ext cx="962805" cy="1145968"/>
-            </a:xfrm>
-            <a:prstGeom prst="straightConnector1">
-              <a:avLst/>
-            </a:prstGeom>
-            <a:ln w="19050">
+              </a:rPr>
+              <a:pPr/>
+              <a:t>32</a:t>
+            </a:fld>
+            <a:endParaRPr lang="nl-BE">
               <a:solidFill>
-                <a:srgbClr val="FF0000"/>
+                <a:prstClr val="black">
+                  <a:tint val="75000"/>
+                </a:prstClr>
               </a:solidFill>
-              <a:tailEnd type="stealth" w="lg" len="lg"/>
-            </a:ln>
-          </p:spPr>
-          <p:style>
-            <a:lnRef idx="1">
-              <a:schemeClr val="accent1"/>
-            </a:lnRef>
-            <a:fillRef idx="0">
-              <a:schemeClr val="accent1"/>
-            </a:fillRef>
-            <a:effectRef idx="0">
-              <a:schemeClr val="accent1"/>
-            </a:effectRef>
-            <a:fontRef idx="minor">
-              <a:schemeClr val="tx1"/>
-            </a:fontRef>
-          </p:style>
-        </p:cxnSp>
-      </p:grpSp>
-      <p:grpSp>
-        <p:nvGrpSpPr>
-          <p:cNvPr id="88" name="Group 87"/>
-          <p:cNvGrpSpPr/>
-          <p:nvPr/>
-        </p:nvGrpSpPr>
-        <p:grpSpPr>
-          <a:xfrm>
-            <a:off x="1925917" y="4729342"/>
-            <a:ext cx="2047299" cy="875345"/>
-            <a:chOff x="401916" y="5089381"/>
-            <a:chExt cx="2047299" cy="875345"/>
-          </a:xfrm>
-        </p:grpSpPr>
-        <p:sp>
-          <p:nvSpPr>
-            <p:cNvPr id="11" name="TextBox 10"/>
-            <p:cNvSpPr txBox="1"/>
-            <p:nvPr/>
-          </p:nvSpPr>
-          <p:spPr>
-            <a:xfrm>
-              <a:off x="427252" y="5656949"/>
-              <a:ext cx="311304" cy="307777"/>
-            </a:xfrm>
-            <a:prstGeom prst="rect">
-              <a:avLst/>
-            </a:prstGeom>
-            <a:noFill/>
-            <a:ln>
-              <a:solidFill>
-                <a:schemeClr val="tx1"/>
-              </a:solidFill>
-            </a:ln>
-          </p:spPr>
-          <p:txBody>
-            <a:bodyPr wrap="none" rtlCol="0">
-              <a:spAutoFit/>
-            </a:bodyPr>
-            <a:lstStyle/>
-            <a:p>
-              <a:pPr algn="ctr"/>
-              <a:r>
-                <a:rPr lang="en-BE" sz="1400" dirty="0">
-                  <a:solidFill>
-                    <a:prstClr val="black"/>
-                  </a:solidFill>
-                  <a:latin typeface="Calibri"/>
-                </a:rPr>
-                <a:t> a</a:t>
-              </a:r>
-              <a:endParaRPr lang="en-US" sz="1400" dirty="0">
-                <a:solidFill>
-                  <a:prstClr val="black"/>
-                </a:solidFill>
-                <a:latin typeface="Calibri"/>
-              </a:endParaRPr>
-            </a:p>
-          </p:txBody>
-        </p:sp>
-        <p:sp>
-          <p:nvSpPr>
-            <p:cNvPr id="12" name="TextBox 11"/>
-            <p:cNvSpPr txBox="1"/>
-            <p:nvPr/>
-          </p:nvSpPr>
-          <p:spPr>
-            <a:xfrm>
-              <a:off x="738761" y="5656949"/>
-              <a:ext cx="357340" cy="307777"/>
-            </a:xfrm>
-            <a:prstGeom prst="rect">
-              <a:avLst/>
-            </a:prstGeom>
-            <a:noFill/>
-            <a:ln>
-              <a:solidFill>
-                <a:schemeClr val="tx1"/>
-              </a:solidFill>
-            </a:ln>
-          </p:spPr>
-          <p:txBody>
-            <a:bodyPr wrap="square" rtlCol="0">
-              <a:spAutoFit/>
-            </a:bodyPr>
-            <a:lstStyle/>
-            <a:p>
-              <a:pPr algn="ctr"/>
-              <a:r>
-                <a:rPr lang="en-BE" sz="1400" dirty="0">
-                  <a:solidFill>
-                    <a:prstClr val="black"/>
-                  </a:solidFill>
-                  <a:latin typeface="Calibri"/>
-                </a:rPr>
-                <a:t> l</a:t>
-              </a:r>
-              <a:endParaRPr lang="en-US" sz="1400" dirty="0">
-                <a:solidFill>
-                  <a:prstClr val="black"/>
-                </a:solidFill>
-                <a:latin typeface="Calibri"/>
-              </a:endParaRPr>
-            </a:p>
-          </p:txBody>
-        </p:sp>
-        <p:sp>
-          <p:nvSpPr>
-            <p:cNvPr id="13" name="TextBox 12"/>
-            <p:cNvSpPr txBox="1"/>
-            <p:nvPr/>
-          </p:nvSpPr>
-          <p:spPr>
-            <a:xfrm>
-              <a:off x="1096100" y="5656949"/>
-              <a:ext cx="356015" cy="307777"/>
-            </a:xfrm>
-            <a:prstGeom prst="rect">
-              <a:avLst/>
-            </a:prstGeom>
-            <a:noFill/>
-            <a:ln>
-              <a:solidFill>
-                <a:schemeClr val="tx1"/>
-              </a:solidFill>
-            </a:ln>
-          </p:spPr>
-          <p:txBody>
-            <a:bodyPr wrap="square" rtlCol="0">
-              <a:spAutoFit/>
-            </a:bodyPr>
-            <a:lstStyle/>
-            <a:p>
-              <a:pPr algn="ctr"/>
-              <a:r>
-                <a:rPr lang="en-BE" sz="1400" dirty="0">
-                  <a:solidFill>
-                    <a:prstClr val="black"/>
-                  </a:solidFill>
-                  <a:latin typeface="Calibri"/>
-                </a:rPr>
-                <a:t> i</a:t>
-              </a:r>
-              <a:endParaRPr lang="en-US" sz="1400" dirty="0">
-                <a:solidFill>
-                  <a:prstClr val="black"/>
-                </a:solidFill>
-                <a:latin typeface="Calibri"/>
-              </a:endParaRPr>
-            </a:p>
-          </p:txBody>
-        </p:sp>
-        <p:sp>
-          <p:nvSpPr>
-            <p:cNvPr id="14" name="TextBox 13"/>
-            <p:cNvSpPr txBox="1"/>
-            <p:nvPr/>
-          </p:nvSpPr>
-          <p:spPr>
-            <a:xfrm>
-              <a:off x="1444273" y="5656949"/>
-              <a:ext cx="348172" cy="307777"/>
-            </a:xfrm>
-            <a:prstGeom prst="rect">
-              <a:avLst/>
-            </a:prstGeom>
-            <a:noFill/>
-            <a:ln>
-              <a:solidFill>
-                <a:schemeClr val="tx1"/>
-              </a:solidFill>
-            </a:ln>
-          </p:spPr>
-          <p:txBody>
-            <a:bodyPr wrap="square" rtlCol="0">
-              <a:spAutoFit/>
-            </a:bodyPr>
-            <a:lstStyle/>
-            <a:p>
-              <a:r>
-                <a:rPr lang="en-BE" sz="1400" dirty="0">
-                  <a:solidFill>
-                    <a:prstClr val="black"/>
-                  </a:solidFill>
-                  <a:latin typeface="Calibri"/>
-                </a:rPr>
-                <a:t> c</a:t>
-              </a:r>
-              <a:endParaRPr lang="en-US" sz="1400" dirty="0">
-                <a:solidFill>
-                  <a:prstClr val="black"/>
-                </a:solidFill>
-                <a:latin typeface="Calibri"/>
-              </a:endParaRPr>
-            </a:p>
-          </p:txBody>
-        </p:sp>
-        <p:sp>
-          <p:nvSpPr>
-            <p:cNvPr id="15" name="TextBox 14"/>
-            <p:cNvSpPr txBox="1"/>
-            <p:nvPr/>
-          </p:nvSpPr>
-          <p:spPr>
-            <a:xfrm>
-              <a:off x="1792445" y="5656949"/>
-              <a:ext cx="314510" cy="307777"/>
-            </a:xfrm>
-            <a:prstGeom prst="rect">
-              <a:avLst/>
-            </a:prstGeom>
-            <a:noFill/>
-            <a:ln>
-              <a:solidFill>
-                <a:schemeClr val="tx1"/>
-              </a:solidFill>
-            </a:ln>
-          </p:spPr>
-          <p:txBody>
-            <a:bodyPr wrap="none" rtlCol="0">
-              <a:spAutoFit/>
-            </a:bodyPr>
-            <a:lstStyle/>
-            <a:p>
-              <a:r>
-                <a:rPr lang="en-BE" sz="1400" dirty="0">
-                  <a:solidFill>
-                    <a:prstClr val="black"/>
-                  </a:solidFill>
-                  <a:latin typeface="Calibri"/>
-                </a:rPr>
-                <a:t> e</a:t>
-              </a:r>
-              <a:endParaRPr lang="en-US" sz="1400" dirty="0">
-                <a:solidFill>
-                  <a:prstClr val="black"/>
-                </a:solidFill>
-                <a:latin typeface="Calibri"/>
-              </a:endParaRPr>
-            </a:p>
-          </p:txBody>
-        </p:sp>
-        <p:grpSp>
-          <p:nvGrpSpPr>
-            <p:cNvPr id="39" name="Group 38"/>
-            <p:cNvGrpSpPr/>
-            <p:nvPr/>
-          </p:nvGrpSpPr>
-          <p:grpSpPr>
-            <a:xfrm>
-              <a:off x="401916" y="5089381"/>
-              <a:ext cx="2047299" cy="540428"/>
-              <a:chOff x="401916" y="5089381"/>
-              <a:chExt cx="2047299" cy="540428"/>
-            </a:xfrm>
-          </p:grpSpPr>
-          <p:sp>
-            <p:nvSpPr>
-              <p:cNvPr id="37" name="Right Brace 36"/>
-              <p:cNvSpPr/>
-              <p:nvPr/>
-            </p:nvSpPr>
-            <p:spPr>
-              <a:xfrm rot="16200000">
-                <a:off x="1333273" y="4513867"/>
-                <a:ext cx="184585" cy="2047299"/>
-              </a:xfrm>
-              <a:prstGeom prst="rightBrace">
-                <a:avLst/>
-              </a:prstGeom>
-              <a:ln>
-                <a:solidFill>
-                  <a:schemeClr val="tx1"/>
-                </a:solidFill>
-              </a:ln>
-            </p:spPr>
-            <p:style>
-              <a:lnRef idx="1">
-                <a:schemeClr val="accent1"/>
-              </a:lnRef>
-              <a:fillRef idx="0">
-                <a:schemeClr val="accent1"/>
-              </a:fillRef>
-              <a:effectRef idx="0">
-                <a:schemeClr val="accent1"/>
-              </a:effectRef>
-              <a:fontRef idx="minor">
-                <a:schemeClr val="tx1"/>
-              </a:fontRef>
-            </p:style>
-            <p:txBody>
-              <a:bodyPr rtlCol="0" anchor="ctr"/>
-              <a:lstStyle/>
-              <a:p>
-                <a:pPr algn="ctr"/>
-                <a:endParaRPr lang="en-US">
-                  <a:solidFill>
-                    <a:prstClr val="black"/>
-                  </a:solidFill>
-                  <a:latin typeface="Calibri"/>
-                </a:endParaRPr>
-              </a:p>
-            </p:txBody>
-          </p:sp>
-          <p:sp>
-            <p:nvSpPr>
-              <p:cNvPr id="38" name="TextBox 37"/>
-              <p:cNvSpPr txBox="1"/>
-              <p:nvPr/>
-            </p:nvSpPr>
-            <p:spPr>
-              <a:xfrm>
-                <a:off x="995447" y="5089381"/>
-                <a:ext cx="860235" cy="369332"/>
-              </a:xfrm>
-              <a:prstGeom prst="rect">
-                <a:avLst/>
-              </a:prstGeom>
-              <a:noFill/>
-            </p:spPr>
-            <p:txBody>
-              <a:bodyPr wrap="none" rtlCol="0">
-                <a:spAutoFit/>
-              </a:bodyPr>
-              <a:lstStyle/>
-              <a:p>
-                <a:r>
-                  <a:rPr lang="en-BE" dirty="0">
-                    <a:solidFill>
-                      <a:prstClr val="black"/>
-                    </a:solidFill>
-                    <a:latin typeface="Calibri"/>
-                  </a:rPr>
-                  <a:t>6 bytes</a:t>
-                </a:r>
-                <a:endParaRPr lang="en-US" dirty="0">
-                  <a:solidFill>
-                    <a:prstClr val="black"/>
-                  </a:solidFill>
-                  <a:latin typeface="Calibri"/>
-                </a:endParaRPr>
-              </a:p>
-            </p:txBody>
-          </p:sp>
-        </p:grpSp>
-      </p:grpSp>
-      <p:grpSp>
-        <p:nvGrpSpPr>
-          <p:cNvPr id="91" name="Group 90"/>
-          <p:cNvGrpSpPr/>
-          <p:nvPr/>
-        </p:nvGrpSpPr>
-        <p:grpSpPr>
-          <a:xfrm>
-            <a:off x="6083590" y="4732674"/>
-            <a:ext cx="2136591" cy="872013"/>
-            <a:chOff x="4559589" y="5092713"/>
-            <a:chExt cx="2136591" cy="872013"/>
-          </a:xfrm>
-        </p:grpSpPr>
-        <p:sp>
-          <p:nvSpPr>
-            <p:cNvPr id="23" name="TextBox 22"/>
-            <p:cNvSpPr txBox="1"/>
-            <p:nvPr/>
-          </p:nvSpPr>
-          <p:spPr>
-            <a:xfrm>
-              <a:off x="4567790" y="5656949"/>
-              <a:ext cx="319318" cy="307777"/>
-            </a:xfrm>
-            <a:prstGeom prst="rect">
-              <a:avLst/>
-            </a:prstGeom>
-            <a:noFill/>
-            <a:ln>
-              <a:solidFill>
-                <a:schemeClr val="tx1"/>
-              </a:solidFill>
-            </a:ln>
-          </p:spPr>
-          <p:txBody>
-            <a:bodyPr wrap="none" rtlCol="0">
-              <a:spAutoFit/>
-            </a:bodyPr>
-            <a:lstStyle/>
-            <a:p>
-              <a:pPr algn="ctr"/>
-              <a:r>
-                <a:rPr lang="en-BE" sz="1400" dirty="0">
-                  <a:solidFill>
-                    <a:prstClr val="black"/>
-                  </a:solidFill>
-                  <a:latin typeface="Calibri"/>
-                </a:rPr>
-                <a:t> b</a:t>
-              </a:r>
-              <a:endParaRPr lang="en-US" sz="1400" dirty="0">
-                <a:solidFill>
-                  <a:prstClr val="black"/>
-                </a:solidFill>
-                <a:latin typeface="Calibri"/>
-              </a:endParaRPr>
-            </a:p>
-          </p:txBody>
-        </p:sp>
-        <p:sp>
-          <p:nvSpPr>
-            <p:cNvPr id="24" name="TextBox 23"/>
-            <p:cNvSpPr txBox="1"/>
-            <p:nvPr/>
-          </p:nvSpPr>
-          <p:spPr>
-            <a:xfrm>
-              <a:off x="4882844" y="5656949"/>
-              <a:ext cx="357340" cy="307777"/>
-            </a:xfrm>
-            <a:prstGeom prst="rect">
-              <a:avLst/>
-            </a:prstGeom>
-            <a:noFill/>
-            <a:ln>
-              <a:solidFill>
-                <a:schemeClr val="tx1"/>
-              </a:solidFill>
-            </a:ln>
-          </p:spPr>
-          <p:txBody>
-            <a:bodyPr wrap="square" rtlCol="0">
-              <a:spAutoFit/>
-            </a:bodyPr>
-            <a:lstStyle/>
-            <a:p>
-              <a:pPr algn="ctr"/>
-              <a:r>
-                <a:rPr lang="en-BE" sz="1400" dirty="0">
-                  <a:solidFill>
-                    <a:prstClr val="black"/>
-                  </a:solidFill>
-                  <a:latin typeface="Calibri"/>
-                </a:rPr>
-                <a:t> o</a:t>
-              </a:r>
-              <a:endParaRPr lang="en-US" sz="1400" dirty="0">
-                <a:solidFill>
-                  <a:prstClr val="black"/>
-                </a:solidFill>
-                <a:latin typeface="Calibri"/>
-              </a:endParaRPr>
-            </a:p>
-          </p:txBody>
-        </p:sp>
-        <p:sp>
-          <p:nvSpPr>
-            <p:cNvPr id="25" name="TextBox 24"/>
-            <p:cNvSpPr txBox="1"/>
-            <p:nvPr/>
-          </p:nvSpPr>
-          <p:spPr>
-            <a:xfrm>
-              <a:off x="5249018" y="5656949"/>
-              <a:ext cx="356015" cy="307777"/>
-            </a:xfrm>
-            <a:prstGeom prst="rect">
-              <a:avLst/>
-            </a:prstGeom>
-            <a:noFill/>
-            <a:ln>
-              <a:solidFill>
-                <a:schemeClr val="tx1"/>
-              </a:solidFill>
-            </a:ln>
-          </p:spPr>
-          <p:txBody>
-            <a:bodyPr wrap="square" rtlCol="0">
-              <a:spAutoFit/>
-            </a:bodyPr>
-            <a:lstStyle/>
-            <a:p>
-              <a:pPr algn="ctr"/>
-              <a:r>
-                <a:rPr lang="en-BE" sz="1400" dirty="0">
-                  <a:solidFill>
-                    <a:prstClr val="black"/>
-                  </a:solidFill>
-                  <a:latin typeface="Calibri"/>
-                </a:rPr>
-                <a:t> b</a:t>
-              </a:r>
-              <a:endParaRPr lang="en-US" sz="1400" dirty="0">
-                <a:solidFill>
-                  <a:prstClr val="black"/>
-                </a:solidFill>
-                <a:latin typeface="Calibri"/>
-              </a:endParaRPr>
-            </a:p>
-          </p:txBody>
-        </p:sp>
-        <p:grpSp>
-          <p:nvGrpSpPr>
-            <p:cNvPr id="40" name="Group 39"/>
-            <p:cNvGrpSpPr/>
-            <p:nvPr/>
-          </p:nvGrpSpPr>
-          <p:grpSpPr>
-            <a:xfrm>
-              <a:off x="4559589" y="5092713"/>
-              <a:ext cx="2136591" cy="540427"/>
-              <a:chOff x="401916" y="5089381"/>
-              <a:chExt cx="2136591" cy="540427"/>
-            </a:xfrm>
-          </p:grpSpPr>
-          <p:sp>
-            <p:nvSpPr>
-              <p:cNvPr id="41" name="Right Brace 40"/>
-              <p:cNvSpPr/>
-              <p:nvPr/>
-            </p:nvSpPr>
-            <p:spPr>
-              <a:xfrm rot="16200000">
-                <a:off x="1376253" y="4467554"/>
-                <a:ext cx="187917" cy="2136591"/>
-              </a:xfrm>
-              <a:prstGeom prst="rightBrace">
-                <a:avLst/>
-              </a:prstGeom>
-              <a:ln>
-                <a:solidFill>
-                  <a:schemeClr val="tx1"/>
-                </a:solidFill>
-              </a:ln>
-            </p:spPr>
-            <p:style>
-              <a:lnRef idx="1">
-                <a:schemeClr val="accent1"/>
-              </a:lnRef>
-              <a:fillRef idx="0">
-                <a:schemeClr val="accent1"/>
-              </a:fillRef>
-              <a:effectRef idx="0">
-                <a:schemeClr val="accent1"/>
-              </a:effectRef>
-              <a:fontRef idx="minor">
-                <a:schemeClr val="tx1"/>
-              </a:fontRef>
-            </p:style>
-            <p:txBody>
-              <a:bodyPr rtlCol="0" anchor="ctr"/>
-              <a:lstStyle/>
-              <a:p>
-                <a:pPr algn="ctr"/>
-                <a:endParaRPr lang="en-US">
-                  <a:solidFill>
-                    <a:prstClr val="black"/>
-                  </a:solidFill>
-                  <a:latin typeface="Calibri"/>
-                </a:endParaRPr>
-              </a:p>
-            </p:txBody>
-          </p:sp>
-          <p:sp>
-            <p:nvSpPr>
-              <p:cNvPr id="42" name="TextBox 41"/>
-              <p:cNvSpPr txBox="1"/>
-              <p:nvPr/>
-            </p:nvSpPr>
-            <p:spPr>
-              <a:xfrm>
-                <a:off x="1066260" y="5089381"/>
-                <a:ext cx="860235" cy="369332"/>
-              </a:xfrm>
-              <a:prstGeom prst="rect">
-                <a:avLst/>
-              </a:prstGeom>
-              <a:noFill/>
-            </p:spPr>
-            <p:txBody>
-              <a:bodyPr wrap="none" rtlCol="0">
-                <a:spAutoFit/>
-              </a:bodyPr>
-              <a:lstStyle/>
-              <a:p>
-                <a:r>
-                  <a:rPr lang="en-BE" dirty="0">
-                    <a:solidFill>
-                      <a:prstClr val="black"/>
-                    </a:solidFill>
-                    <a:latin typeface="Calibri"/>
-                  </a:rPr>
-                  <a:t>6 bytes</a:t>
-                </a:r>
-                <a:endParaRPr lang="en-US" dirty="0">
-                  <a:solidFill>
-                    <a:prstClr val="black"/>
-                  </a:solidFill>
-                  <a:latin typeface="Calibri"/>
-                </a:endParaRPr>
-              </a:p>
-            </p:txBody>
-          </p:sp>
-        </p:grpSp>
-      </p:grpSp>
-      <p:grpSp>
-        <p:nvGrpSpPr>
-          <p:cNvPr id="87" name="Group 86"/>
-          <p:cNvGrpSpPr/>
-          <p:nvPr/>
-        </p:nvGrpSpPr>
-        <p:grpSpPr>
-          <a:xfrm>
-            <a:off x="4670826" y="4714100"/>
-            <a:ext cx="1413469" cy="890587"/>
-            <a:chOff x="3146825" y="5074139"/>
-            <a:chExt cx="1413469" cy="890587"/>
-          </a:xfrm>
-        </p:grpSpPr>
-        <p:sp>
-          <p:nvSpPr>
-            <p:cNvPr id="16" name="TextBox 15"/>
-            <p:cNvSpPr txBox="1"/>
-            <p:nvPr/>
-          </p:nvSpPr>
-          <p:spPr>
-            <a:xfrm>
-              <a:off x="3146825" y="5656949"/>
-              <a:ext cx="316112" cy="307777"/>
-            </a:xfrm>
-            <a:prstGeom prst="rect">
-              <a:avLst/>
-            </a:prstGeom>
-            <a:noFill/>
-            <a:ln>
-              <a:solidFill>
-                <a:schemeClr val="tx1"/>
-              </a:solidFill>
-            </a:ln>
-          </p:spPr>
-          <p:txBody>
-            <a:bodyPr wrap="none" rtlCol="0">
-              <a:spAutoFit/>
-            </a:bodyPr>
-            <a:lstStyle/>
-            <a:p>
-              <a:r>
-                <a:rPr lang="en-BE" sz="1400" dirty="0">
-                  <a:solidFill>
-                    <a:prstClr val="black"/>
-                  </a:solidFill>
-                  <a:latin typeface="Calibri"/>
-                </a:rPr>
-                <a:t> 0</a:t>
-              </a:r>
-              <a:endParaRPr lang="en-US" sz="1400" dirty="0">
-                <a:solidFill>
-                  <a:prstClr val="black"/>
-                </a:solidFill>
-                <a:latin typeface="Calibri"/>
-              </a:endParaRPr>
-            </a:p>
-          </p:txBody>
-        </p:sp>
-        <p:sp>
-          <p:nvSpPr>
-            <p:cNvPr id="17" name="TextBox 16"/>
-            <p:cNvSpPr txBox="1"/>
-            <p:nvPr/>
-          </p:nvSpPr>
-          <p:spPr>
-            <a:xfrm>
-              <a:off x="4113633" y="5656949"/>
-              <a:ext cx="445956" cy="307777"/>
-            </a:xfrm>
-            <a:prstGeom prst="rect">
-              <a:avLst/>
-            </a:prstGeom>
-            <a:noFill/>
-            <a:ln>
-              <a:solidFill>
-                <a:schemeClr val="tx1"/>
-              </a:solidFill>
-            </a:ln>
-          </p:spPr>
-          <p:txBody>
-            <a:bodyPr wrap="none" rtlCol="0">
-              <a:spAutoFit/>
-            </a:bodyPr>
-            <a:lstStyle/>
-            <a:p>
-              <a:r>
-                <a:rPr lang="en-BE" sz="1400" dirty="0">
-                  <a:solidFill>
-                    <a:prstClr val="black"/>
-                  </a:solidFill>
-                  <a:latin typeface="Calibri"/>
-                </a:rPr>
-                <a:t>x20</a:t>
-              </a:r>
-              <a:endParaRPr lang="en-US" sz="1400" dirty="0">
-                <a:solidFill>
-                  <a:prstClr val="black"/>
-                </a:solidFill>
-                <a:latin typeface="Calibri"/>
-              </a:endParaRPr>
-            </a:p>
-          </p:txBody>
-        </p:sp>
-        <p:sp>
-          <p:nvSpPr>
-            <p:cNvPr id="21" name="TextBox 20"/>
-            <p:cNvSpPr txBox="1"/>
-            <p:nvPr/>
-          </p:nvSpPr>
-          <p:spPr>
-            <a:xfrm>
-              <a:off x="3470275" y="5656949"/>
-              <a:ext cx="316112" cy="307777"/>
-            </a:xfrm>
-            <a:prstGeom prst="rect">
-              <a:avLst/>
-            </a:prstGeom>
-            <a:noFill/>
-            <a:ln>
-              <a:solidFill>
-                <a:schemeClr val="tx1"/>
-              </a:solidFill>
-            </a:ln>
-          </p:spPr>
-          <p:txBody>
-            <a:bodyPr wrap="none" rtlCol="0">
-              <a:spAutoFit/>
-            </a:bodyPr>
-            <a:lstStyle/>
-            <a:p>
-              <a:r>
-                <a:rPr lang="en-BE" sz="1400" dirty="0">
-                  <a:solidFill>
-                    <a:prstClr val="black"/>
-                  </a:solidFill>
-                  <a:latin typeface="Calibri"/>
-                </a:rPr>
-                <a:t> 0</a:t>
-              </a:r>
-              <a:endParaRPr lang="en-US" sz="1400" dirty="0">
-                <a:solidFill>
-                  <a:prstClr val="black"/>
-                </a:solidFill>
-                <a:latin typeface="Calibri"/>
-              </a:endParaRPr>
-            </a:p>
-          </p:txBody>
-        </p:sp>
-        <p:sp>
-          <p:nvSpPr>
-            <p:cNvPr id="22" name="TextBox 21"/>
-            <p:cNvSpPr txBox="1"/>
-            <p:nvPr/>
-          </p:nvSpPr>
-          <p:spPr>
-            <a:xfrm>
-              <a:off x="3786387" y="5656949"/>
-              <a:ext cx="316112" cy="307777"/>
-            </a:xfrm>
-            <a:prstGeom prst="rect">
-              <a:avLst/>
-            </a:prstGeom>
-            <a:noFill/>
-            <a:ln>
-              <a:solidFill>
-                <a:schemeClr val="tx1"/>
-              </a:solidFill>
-            </a:ln>
-          </p:spPr>
-          <p:txBody>
-            <a:bodyPr wrap="none" rtlCol="0">
-              <a:spAutoFit/>
-            </a:bodyPr>
-            <a:lstStyle/>
-            <a:p>
-              <a:r>
-                <a:rPr lang="en-BE" sz="1400" dirty="0">
-                  <a:solidFill>
-                    <a:prstClr val="black"/>
-                  </a:solidFill>
-                  <a:latin typeface="Calibri"/>
-                </a:rPr>
-                <a:t> 0</a:t>
-              </a:r>
-              <a:endParaRPr lang="en-US" sz="1400" dirty="0">
-                <a:solidFill>
-                  <a:prstClr val="black"/>
-                </a:solidFill>
-                <a:latin typeface="Calibri"/>
-              </a:endParaRPr>
-            </a:p>
-          </p:txBody>
-        </p:sp>
-        <p:grpSp>
-          <p:nvGrpSpPr>
-            <p:cNvPr id="43" name="Group 42"/>
-            <p:cNvGrpSpPr/>
-            <p:nvPr/>
-          </p:nvGrpSpPr>
-          <p:grpSpPr>
-            <a:xfrm>
-              <a:off x="3146825" y="5074139"/>
-              <a:ext cx="1413469" cy="540427"/>
-              <a:chOff x="1035746" y="5089381"/>
-              <a:chExt cx="1413469" cy="540427"/>
-            </a:xfrm>
-          </p:grpSpPr>
-          <p:sp>
-            <p:nvSpPr>
-              <p:cNvPr id="44" name="Right Brace 43"/>
-              <p:cNvSpPr/>
-              <p:nvPr/>
-            </p:nvSpPr>
-            <p:spPr>
-              <a:xfrm rot="16200000">
-                <a:off x="1668837" y="4849430"/>
-                <a:ext cx="147287" cy="1413469"/>
-              </a:xfrm>
-              <a:prstGeom prst="rightBrace">
-                <a:avLst/>
-              </a:prstGeom>
-              <a:ln>
-                <a:solidFill>
-                  <a:schemeClr val="tx1"/>
-                </a:solidFill>
-              </a:ln>
-            </p:spPr>
-            <p:style>
-              <a:lnRef idx="1">
-                <a:schemeClr val="accent1"/>
-              </a:lnRef>
-              <a:fillRef idx="0">
-                <a:schemeClr val="accent1"/>
-              </a:fillRef>
-              <a:effectRef idx="0">
-                <a:schemeClr val="accent1"/>
-              </a:effectRef>
-              <a:fontRef idx="minor">
-                <a:schemeClr val="tx1"/>
-              </a:fontRef>
-            </p:style>
-            <p:txBody>
-              <a:bodyPr rtlCol="0" anchor="ctr"/>
-              <a:lstStyle/>
-              <a:p>
-                <a:pPr algn="ctr"/>
-                <a:endParaRPr lang="en-US">
-                  <a:solidFill>
-                    <a:prstClr val="black"/>
-                  </a:solidFill>
-                  <a:latin typeface="Calibri"/>
-                </a:endParaRPr>
-              </a:p>
-            </p:txBody>
-          </p:sp>
-          <p:sp>
-            <p:nvSpPr>
-              <p:cNvPr id="45" name="TextBox 44"/>
-              <p:cNvSpPr txBox="1"/>
-              <p:nvPr/>
-            </p:nvSpPr>
-            <p:spPr>
-              <a:xfrm>
-                <a:off x="1312654" y="5089381"/>
-                <a:ext cx="860235" cy="369332"/>
-              </a:xfrm>
-              <a:prstGeom prst="rect">
-                <a:avLst/>
-              </a:prstGeom>
-              <a:noFill/>
-            </p:spPr>
-            <p:txBody>
-              <a:bodyPr wrap="none" rtlCol="0">
-                <a:spAutoFit/>
-              </a:bodyPr>
-              <a:lstStyle/>
-              <a:p>
-                <a:r>
-                  <a:rPr lang="en-BE" dirty="0">
-                    <a:solidFill>
-                      <a:prstClr val="black"/>
-                    </a:solidFill>
-                    <a:latin typeface="Calibri"/>
-                  </a:rPr>
-                  <a:t>4 bytes</a:t>
-                </a:r>
-                <a:endParaRPr lang="en-US" dirty="0">
-                  <a:solidFill>
-                    <a:prstClr val="black"/>
-                  </a:solidFill>
-                  <a:latin typeface="Calibri"/>
-                </a:endParaRPr>
-              </a:p>
-            </p:txBody>
-          </p:sp>
-        </p:grpSp>
-      </p:grpSp>
-      <p:grpSp>
-        <p:nvGrpSpPr>
-          <p:cNvPr id="94" name="Group 93"/>
-          <p:cNvGrpSpPr/>
-          <p:nvPr/>
-        </p:nvGrpSpPr>
-        <p:grpSpPr>
-          <a:xfrm>
-            <a:off x="8896168" y="4729342"/>
-            <a:ext cx="1413469" cy="875345"/>
-            <a:chOff x="7372167" y="5089381"/>
-            <a:chExt cx="1413469" cy="875345"/>
-          </a:xfrm>
-        </p:grpSpPr>
-        <p:sp>
-          <p:nvSpPr>
-            <p:cNvPr id="28" name="TextBox 27"/>
-            <p:cNvSpPr txBox="1"/>
-            <p:nvPr/>
-          </p:nvSpPr>
-          <p:spPr>
-            <a:xfrm>
-              <a:off x="7386844" y="5656949"/>
-              <a:ext cx="316112" cy="307777"/>
-            </a:xfrm>
-            <a:prstGeom prst="rect">
-              <a:avLst/>
-            </a:prstGeom>
-            <a:noFill/>
-            <a:ln>
-              <a:solidFill>
-                <a:schemeClr val="tx1"/>
-              </a:solidFill>
-            </a:ln>
-          </p:spPr>
-          <p:txBody>
-            <a:bodyPr wrap="none" rtlCol="0">
-              <a:spAutoFit/>
-            </a:bodyPr>
-            <a:lstStyle/>
-            <a:p>
-              <a:r>
-                <a:rPr lang="en-BE" sz="1400" dirty="0">
-                  <a:solidFill>
-                    <a:prstClr val="black"/>
-                  </a:solidFill>
-                  <a:latin typeface="Calibri"/>
-                </a:rPr>
-                <a:t> 0</a:t>
-              </a:r>
-              <a:endParaRPr lang="en-US" sz="1400" dirty="0">
-                <a:solidFill>
-                  <a:prstClr val="black"/>
-                </a:solidFill>
-                <a:latin typeface="Calibri"/>
-              </a:endParaRPr>
-            </a:p>
-          </p:txBody>
-        </p:sp>
-        <p:sp>
-          <p:nvSpPr>
-            <p:cNvPr id="29" name="TextBox 28"/>
-            <p:cNvSpPr txBox="1"/>
-            <p:nvPr/>
-          </p:nvSpPr>
-          <p:spPr>
-            <a:xfrm>
-              <a:off x="8336950" y="5656949"/>
-              <a:ext cx="445956" cy="307777"/>
-            </a:xfrm>
-            <a:prstGeom prst="rect">
-              <a:avLst/>
-            </a:prstGeom>
-            <a:noFill/>
-            <a:ln>
-              <a:solidFill>
-                <a:schemeClr val="tx1"/>
-              </a:solidFill>
-            </a:ln>
-          </p:spPr>
-          <p:txBody>
-            <a:bodyPr wrap="none" rtlCol="0">
-              <a:spAutoFit/>
-            </a:bodyPr>
-            <a:lstStyle/>
-            <a:p>
-              <a:r>
-                <a:rPr lang="en-BE" sz="1400" dirty="0">
-                  <a:solidFill>
-                    <a:prstClr val="black"/>
-                  </a:solidFill>
-                  <a:latin typeface="Calibri"/>
-                </a:rPr>
-                <a:t>x25</a:t>
-              </a:r>
-              <a:endParaRPr lang="en-US" sz="1400" dirty="0">
-                <a:solidFill>
-                  <a:prstClr val="black"/>
-                </a:solidFill>
-                <a:latin typeface="Calibri"/>
-              </a:endParaRPr>
-            </a:p>
-          </p:txBody>
-        </p:sp>
-        <p:sp>
-          <p:nvSpPr>
-            <p:cNvPr id="33" name="TextBox 32"/>
-            <p:cNvSpPr txBox="1"/>
-            <p:nvPr/>
-          </p:nvSpPr>
-          <p:spPr>
-            <a:xfrm>
-              <a:off x="7695692" y="5656949"/>
-              <a:ext cx="316112" cy="307777"/>
-            </a:xfrm>
-            <a:prstGeom prst="rect">
-              <a:avLst/>
-            </a:prstGeom>
-            <a:noFill/>
-            <a:ln>
-              <a:solidFill>
-                <a:schemeClr val="tx1"/>
-              </a:solidFill>
-            </a:ln>
-          </p:spPr>
-          <p:txBody>
-            <a:bodyPr wrap="none" rtlCol="0">
-              <a:spAutoFit/>
-            </a:bodyPr>
-            <a:lstStyle/>
-            <a:p>
-              <a:r>
-                <a:rPr lang="en-BE" sz="1400" dirty="0">
-                  <a:solidFill>
-                    <a:prstClr val="black"/>
-                  </a:solidFill>
-                  <a:latin typeface="Calibri"/>
-                </a:rPr>
-                <a:t> 0</a:t>
-              </a:r>
-              <a:endParaRPr lang="en-US" sz="1400" dirty="0">
-                <a:solidFill>
-                  <a:prstClr val="black"/>
-                </a:solidFill>
-                <a:latin typeface="Calibri"/>
-              </a:endParaRPr>
-            </a:p>
-          </p:txBody>
-        </p:sp>
-        <p:sp>
-          <p:nvSpPr>
-            <p:cNvPr id="34" name="TextBox 33"/>
-            <p:cNvSpPr txBox="1"/>
-            <p:nvPr/>
-          </p:nvSpPr>
-          <p:spPr>
-            <a:xfrm>
-              <a:off x="8018173" y="5656949"/>
-              <a:ext cx="316112" cy="307777"/>
-            </a:xfrm>
-            <a:prstGeom prst="rect">
-              <a:avLst/>
-            </a:prstGeom>
-            <a:noFill/>
-            <a:ln>
-              <a:solidFill>
-                <a:schemeClr val="tx1"/>
-              </a:solidFill>
-            </a:ln>
-          </p:spPr>
-          <p:txBody>
-            <a:bodyPr wrap="none" rtlCol="0">
-              <a:spAutoFit/>
-            </a:bodyPr>
-            <a:lstStyle/>
-            <a:p>
-              <a:r>
-                <a:rPr lang="en-BE" sz="1400" dirty="0">
-                  <a:solidFill>
-                    <a:prstClr val="black"/>
-                  </a:solidFill>
-                  <a:latin typeface="Calibri"/>
-                </a:rPr>
-                <a:t> 0</a:t>
-              </a:r>
-              <a:endParaRPr lang="en-US" sz="1400" dirty="0">
-                <a:solidFill>
-                  <a:prstClr val="black"/>
-                </a:solidFill>
-                <a:latin typeface="Calibri"/>
-              </a:endParaRPr>
-            </a:p>
-          </p:txBody>
-        </p:sp>
-        <p:grpSp>
-          <p:nvGrpSpPr>
-            <p:cNvPr id="46" name="Group 45"/>
-            <p:cNvGrpSpPr/>
-            <p:nvPr/>
-          </p:nvGrpSpPr>
-          <p:grpSpPr>
-            <a:xfrm>
-              <a:off x="7372167" y="5089381"/>
-              <a:ext cx="1413469" cy="540427"/>
-              <a:chOff x="1035746" y="5089381"/>
-              <a:chExt cx="1413469" cy="540427"/>
-            </a:xfrm>
-          </p:grpSpPr>
-          <p:sp>
-            <p:nvSpPr>
-              <p:cNvPr id="47" name="Right Brace 46"/>
-              <p:cNvSpPr/>
-              <p:nvPr/>
-            </p:nvSpPr>
-            <p:spPr>
-              <a:xfrm rot="16200000">
-                <a:off x="1668837" y="4849430"/>
-                <a:ext cx="147287" cy="1413469"/>
-              </a:xfrm>
-              <a:prstGeom prst="rightBrace">
-                <a:avLst/>
-              </a:prstGeom>
-              <a:ln>
-                <a:solidFill>
-                  <a:schemeClr val="tx1"/>
-                </a:solidFill>
-              </a:ln>
-            </p:spPr>
-            <p:style>
-              <a:lnRef idx="1">
-                <a:schemeClr val="accent1"/>
-              </a:lnRef>
-              <a:fillRef idx="0">
-                <a:schemeClr val="accent1"/>
-              </a:fillRef>
-              <a:effectRef idx="0">
-                <a:schemeClr val="accent1"/>
-              </a:effectRef>
-              <a:fontRef idx="minor">
-                <a:schemeClr val="tx1"/>
-              </a:fontRef>
-            </p:style>
-            <p:txBody>
-              <a:bodyPr rtlCol="0" anchor="ctr"/>
-              <a:lstStyle/>
-              <a:p>
-                <a:pPr algn="ctr"/>
-                <a:endParaRPr lang="en-US">
-                  <a:solidFill>
-                    <a:prstClr val="black"/>
-                  </a:solidFill>
-                  <a:latin typeface="Calibri"/>
-                </a:endParaRPr>
-              </a:p>
-            </p:txBody>
-          </p:sp>
-          <p:sp>
-            <p:nvSpPr>
-              <p:cNvPr id="48" name="TextBox 47"/>
-              <p:cNvSpPr txBox="1"/>
-              <p:nvPr/>
-            </p:nvSpPr>
-            <p:spPr>
-              <a:xfrm>
-                <a:off x="1312654" y="5089381"/>
-                <a:ext cx="860235" cy="369332"/>
-              </a:xfrm>
-              <a:prstGeom prst="rect">
-                <a:avLst/>
-              </a:prstGeom>
-              <a:noFill/>
-            </p:spPr>
-            <p:txBody>
-              <a:bodyPr wrap="none" rtlCol="0">
-                <a:spAutoFit/>
-              </a:bodyPr>
-              <a:lstStyle/>
-              <a:p>
-                <a:r>
-                  <a:rPr lang="en-BE" dirty="0">
-                    <a:solidFill>
-                      <a:prstClr val="black"/>
-                    </a:solidFill>
-                    <a:latin typeface="Calibri"/>
-                  </a:rPr>
-                  <a:t>4 bytes</a:t>
-                </a:r>
-                <a:endParaRPr lang="en-US" dirty="0">
-                  <a:solidFill>
-                    <a:prstClr val="black"/>
-                  </a:solidFill>
-                  <a:latin typeface="Calibri"/>
-                </a:endParaRPr>
-              </a:p>
-            </p:txBody>
-          </p:sp>
-        </p:grpSp>
-      </p:grpSp>
-      <p:grpSp>
-        <p:nvGrpSpPr>
-          <p:cNvPr id="93" name="Group 92"/>
-          <p:cNvGrpSpPr/>
-          <p:nvPr/>
-        </p:nvGrpSpPr>
-        <p:grpSpPr>
-          <a:xfrm>
-            <a:off x="6083589" y="4714098"/>
-            <a:ext cx="2823246" cy="1322432"/>
-            <a:chOff x="4559589" y="5074138"/>
-            <a:chExt cx="2823246" cy="1322432"/>
-          </a:xfrm>
-        </p:grpSpPr>
-        <p:cxnSp>
-          <p:nvCxnSpPr>
-            <p:cNvPr id="51" name="Straight Connector 50"/>
-            <p:cNvCxnSpPr/>
-            <p:nvPr/>
-          </p:nvCxnSpPr>
-          <p:spPr>
-            <a:xfrm>
-              <a:off x="7382835" y="5089381"/>
-              <a:ext cx="0" cy="1307189"/>
-            </a:xfrm>
-            <a:prstGeom prst="line">
-              <a:avLst/>
-            </a:prstGeom>
-            <a:ln w="38100">
-              <a:solidFill>
-                <a:srgbClr val="C00000"/>
-              </a:solidFill>
-              <a:prstDash val="dash"/>
-            </a:ln>
-          </p:spPr>
-          <p:style>
-            <a:lnRef idx="1">
-              <a:schemeClr val="accent1"/>
-            </a:lnRef>
-            <a:fillRef idx="0">
-              <a:schemeClr val="accent1"/>
-            </a:fillRef>
-            <a:effectRef idx="0">
-              <a:schemeClr val="accent1"/>
-            </a:effectRef>
-            <a:fontRef idx="minor">
-              <a:schemeClr val="tx1"/>
-            </a:fontRef>
-          </p:style>
-        </p:cxnSp>
-        <p:cxnSp>
-          <p:nvCxnSpPr>
-            <p:cNvPr id="52" name="Straight Connector 51"/>
-            <p:cNvCxnSpPr/>
-            <p:nvPr/>
-          </p:nvCxnSpPr>
-          <p:spPr>
-            <a:xfrm>
-              <a:off x="4559589" y="5074138"/>
-              <a:ext cx="0" cy="1307189"/>
-            </a:xfrm>
-            <a:prstGeom prst="line">
-              <a:avLst/>
-            </a:prstGeom>
-            <a:ln w="38100">
-              <a:solidFill>
-                <a:srgbClr val="C00000"/>
-              </a:solidFill>
-              <a:prstDash val="dash"/>
-            </a:ln>
-          </p:spPr>
-          <p:style>
-            <a:lnRef idx="1">
-              <a:schemeClr val="accent1"/>
-            </a:lnRef>
-            <a:fillRef idx="0">
-              <a:schemeClr val="accent1"/>
-            </a:fillRef>
-            <a:effectRef idx="0">
-              <a:schemeClr val="accent1"/>
-            </a:effectRef>
-            <a:fontRef idx="minor">
-              <a:schemeClr val="tx1"/>
-            </a:fontRef>
-          </p:style>
-        </p:cxnSp>
-      </p:grpSp>
-      <p:grpSp>
-        <p:nvGrpSpPr>
-          <p:cNvPr id="86" name="Group 85"/>
-          <p:cNvGrpSpPr/>
-          <p:nvPr/>
-        </p:nvGrpSpPr>
-        <p:grpSpPr>
-          <a:xfrm>
-            <a:off x="1951253" y="4696366"/>
-            <a:ext cx="2719573" cy="1324923"/>
-            <a:chOff x="427252" y="5056405"/>
-            <a:chExt cx="2719573" cy="1324923"/>
-          </a:xfrm>
-        </p:grpSpPr>
-        <p:cxnSp>
-          <p:nvCxnSpPr>
-            <p:cNvPr id="50" name="Straight Connector 49"/>
-            <p:cNvCxnSpPr/>
-            <p:nvPr/>
-          </p:nvCxnSpPr>
-          <p:spPr>
-            <a:xfrm>
-              <a:off x="3146825" y="5074139"/>
-              <a:ext cx="0" cy="1307189"/>
-            </a:xfrm>
-            <a:prstGeom prst="line">
-              <a:avLst/>
-            </a:prstGeom>
-            <a:ln w="38100">
-              <a:solidFill>
-                <a:srgbClr val="C00000"/>
-              </a:solidFill>
-              <a:prstDash val="dash"/>
-            </a:ln>
-          </p:spPr>
-          <p:style>
-            <a:lnRef idx="1">
-              <a:schemeClr val="accent1"/>
-            </a:lnRef>
-            <a:fillRef idx="0">
-              <a:schemeClr val="accent1"/>
-            </a:fillRef>
-            <a:effectRef idx="0">
-              <a:schemeClr val="accent1"/>
-            </a:effectRef>
-            <a:fontRef idx="minor">
-              <a:schemeClr val="tx1"/>
-            </a:fontRef>
-          </p:style>
-        </p:cxnSp>
-        <p:cxnSp>
-          <p:nvCxnSpPr>
-            <p:cNvPr id="53" name="Straight Connector 52"/>
-            <p:cNvCxnSpPr/>
-            <p:nvPr/>
-          </p:nvCxnSpPr>
-          <p:spPr>
-            <a:xfrm>
-              <a:off x="427252" y="5056405"/>
-              <a:ext cx="0" cy="1307189"/>
-            </a:xfrm>
-            <a:prstGeom prst="line">
-              <a:avLst/>
-            </a:prstGeom>
-            <a:ln w="38100">
-              <a:solidFill>
-                <a:srgbClr val="C00000"/>
-              </a:solidFill>
-              <a:prstDash val="dash"/>
-            </a:ln>
-          </p:spPr>
-          <p:style>
-            <a:lnRef idx="1">
-              <a:schemeClr val="accent1"/>
-            </a:lnRef>
-            <a:fillRef idx="0">
-              <a:schemeClr val="accent1"/>
-            </a:fillRef>
-            <a:effectRef idx="0">
-              <a:schemeClr val="accent1"/>
-            </a:effectRef>
-            <a:fontRef idx="minor">
-              <a:schemeClr val="tx1"/>
-            </a:fontRef>
-          </p:style>
-        </p:cxnSp>
-      </p:grpSp>
-      <p:grpSp>
-        <p:nvGrpSpPr>
-          <p:cNvPr id="89" name="Group 88"/>
-          <p:cNvGrpSpPr/>
-          <p:nvPr/>
-        </p:nvGrpSpPr>
-        <p:grpSpPr>
-          <a:xfrm>
-            <a:off x="2114065" y="5296909"/>
-            <a:ext cx="2210029" cy="1129410"/>
-            <a:chOff x="590064" y="5656949"/>
-            <a:chExt cx="2210029" cy="1129410"/>
-          </a:xfrm>
-        </p:grpSpPr>
-        <p:sp>
-          <p:nvSpPr>
-            <p:cNvPr id="18" name="TextBox 17"/>
-            <p:cNvSpPr txBox="1"/>
-            <p:nvPr/>
-          </p:nvSpPr>
-          <p:spPr>
-            <a:xfrm>
-              <a:off x="2104250" y="5656949"/>
-              <a:ext cx="344966" cy="307777"/>
-            </a:xfrm>
-            <a:prstGeom prst="rect">
-              <a:avLst/>
-            </a:prstGeom>
-            <a:noFill/>
-            <a:ln>
-              <a:solidFill>
-                <a:schemeClr val="tx1"/>
-              </a:solidFill>
-            </a:ln>
-          </p:spPr>
-          <p:txBody>
-            <a:bodyPr wrap="none" rtlCol="0">
-              <a:spAutoFit/>
-            </a:bodyPr>
-            <a:lstStyle/>
-            <a:p>
-              <a:r>
-                <a:rPr lang="en-BE" sz="1400" dirty="0">
-                  <a:solidFill>
-                    <a:prstClr val="black"/>
-                  </a:solidFill>
-                  <a:latin typeface="Calibri"/>
-                </a:rPr>
-                <a:t>\0</a:t>
-              </a:r>
-              <a:endParaRPr lang="en-US" sz="1400" dirty="0">
-                <a:solidFill>
-                  <a:prstClr val="black"/>
-                </a:solidFill>
-                <a:latin typeface="Calibri"/>
-              </a:endParaRPr>
-            </a:p>
-          </p:txBody>
-        </p:sp>
-        <p:grpSp>
-          <p:nvGrpSpPr>
-            <p:cNvPr id="58" name="Group 57"/>
-            <p:cNvGrpSpPr/>
-            <p:nvPr/>
-          </p:nvGrpSpPr>
-          <p:grpSpPr>
-            <a:xfrm>
-              <a:off x="590064" y="6069079"/>
-              <a:ext cx="2210029" cy="717280"/>
-              <a:chOff x="590064" y="6069079"/>
-              <a:chExt cx="2210029" cy="717280"/>
-            </a:xfrm>
-          </p:grpSpPr>
-          <p:sp>
-            <p:nvSpPr>
-              <p:cNvPr id="55" name="TextBox 54"/>
-              <p:cNvSpPr txBox="1"/>
-              <p:nvPr/>
-            </p:nvSpPr>
-            <p:spPr>
-              <a:xfrm>
-                <a:off x="590064" y="6417027"/>
-                <a:ext cx="2210029" cy="369332"/>
-              </a:xfrm>
-              <a:prstGeom prst="rect">
-                <a:avLst/>
-              </a:prstGeom>
-              <a:noFill/>
-            </p:spPr>
-            <p:txBody>
-              <a:bodyPr wrap="none" rtlCol="0">
-                <a:spAutoFit/>
-              </a:bodyPr>
-              <a:lstStyle/>
-              <a:p>
-                <a:r>
-                  <a:rPr lang="en-BE" dirty="0">
-                    <a:solidFill>
-                      <a:prstClr val="black"/>
-                    </a:solidFill>
-                    <a:latin typeface="Courier New" panose="02070309020205020404" pitchFamily="49" charset="0"/>
-                    <a:cs typeface="Courier New" panose="02070309020205020404" pitchFamily="49" charset="0"/>
-                  </a:rPr>
-                  <a:t>\0</a:t>
-                </a:r>
-                <a:r>
-                  <a:rPr lang="en-BE" dirty="0">
-                    <a:solidFill>
-                      <a:prstClr val="black"/>
-                    </a:solidFill>
-                    <a:latin typeface="Calibri"/>
-                  </a:rPr>
-                  <a:t> character padding</a:t>
-                </a:r>
-                <a:endParaRPr lang="en-US" dirty="0">
-                  <a:solidFill>
-                    <a:prstClr val="black"/>
-                  </a:solidFill>
-                  <a:latin typeface="Calibri"/>
-                </a:endParaRPr>
-              </a:p>
-            </p:txBody>
-          </p:sp>
-          <p:cxnSp>
-            <p:nvCxnSpPr>
-              <p:cNvPr id="57" name="Straight Arrow Connector 56"/>
-              <p:cNvCxnSpPr>
-                <a:stCxn id="55" idx="0"/>
-              </p:cNvCxnSpPr>
-              <p:nvPr/>
-            </p:nvCxnSpPr>
-            <p:spPr>
-              <a:xfrm flipV="1">
-                <a:off x="1695079" y="6069079"/>
-                <a:ext cx="500657" cy="347948"/>
-              </a:xfrm>
-              <a:prstGeom prst="straightConnector1">
-                <a:avLst/>
-              </a:prstGeom>
-              <a:ln w="19050">
-                <a:solidFill>
-                  <a:schemeClr val="tx1"/>
-                </a:solidFill>
-                <a:tailEnd type="stealth" w="lg" len="lg"/>
-              </a:ln>
-            </p:spPr>
-            <p:style>
-              <a:lnRef idx="1">
-                <a:schemeClr val="accent1"/>
-              </a:lnRef>
-              <a:fillRef idx="0">
-                <a:schemeClr val="accent1"/>
-              </a:fillRef>
-              <a:effectRef idx="0">
-                <a:schemeClr val="accent1"/>
-              </a:effectRef>
-              <a:fontRef idx="minor">
-                <a:schemeClr val="tx1"/>
-              </a:fontRef>
-            </p:style>
-          </p:cxnSp>
-        </p:grpSp>
-      </p:grpSp>
-      <p:grpSp>
-        <p:nvGrpSpPr>
-          <p:cNvPr id="92" name="Group 91"/>
-          <p:cNvGrpSpPr/>
-          <p:nvPr/>
-        </p:nvGrpSpPr>
-        <p:grpSpPr>
-          <a:xfrm>
-            <a:off x="6003930" y="5296909"/>
-            <a:ext cx="2216251" cy="1150938"/>
-            <a:chOff x="4479929" y="5656949"/>
-            <a:chExt cx="2216251" cy="1150938"/>
-          </a:xfrm>
-        </p:grpSpPr>
-        <p:sp>
-          <p:nvSpPr>
-            <p:cNvPr id="26" name="TextBox 25"/>
-            <p:cNvSpPr txBox="1"/>
-            <p:nvPr/>
-          </p:nvSpPr>
-          <p:spPr>
-            <a:xfrm>
-              <a:off x="5605096" y="5656949"/>
-              <a:ext cx="412116" cy="307777"/>
-            </a:xfrm>
-            <a:prstGeom prst="rect">
-              <a:avLst/>
-            </a:prstGeom>
-            <a:noFill/>
-            <a:ln>
-              <a:solidFill>
-                <a:schemeClr val="tx1"/>
-              </a:solidFill>
-            </a:ln>
-          </p:spPr>
-          <p:txBody>
-            <a:bodyPr wrap="square" rtlCol="0">
-              <a:spAutoFit/>
-            </a:bodyPr>
-            <a:lstStyle/>
-            <a:p>
-              <a:r>
-                <a:rPr lang="en-BE" sz="1400" dirty="0">
-                  <a:solidFill>
-                    <a:prstClr val="black"/>
-                  </a:solidFill>
-                  <a:latin typeface="Calibri"/>
-                </a:rPr>
-                <a:t>\0</a:t>
-              </a:r>
-              <a:endParaRPr lang="en-US" sz="1400" dirty="0">
-                <a:solidFill>
-                  <a:prstClr val="black"/>
-                </a:solidFill>
-                <a:latin typeface="Calibri"/>
-              </a:endParaRPr>
-            </a:p>
-          </p:txBody>
-        </p:sp>
-        <p:sp>
-          <p:nvSpPr>
-            <p:cNvPr id="27" name="TextBox 26"/>
-            <p:cNvSpPr txBox="1"/>
-            <p:nvPr/>
-          </p:nvSpPr>
-          <p:spPr>
-            <a:xfrm>
-              <a:off x="6015585" y="5656949"/>
-              <a:ext cx="344966" cy="307777"/>
-            </a:xfrm>
-            <a:prstGeom prst="rect">
-              <a:avLst/>
-            </a:prstGeom>
-            <a:noFill/>
-            <a:ln>
-              <a:solidFill>
-                <a:schemeClr val="tx1"/>
-              </a:solidFill>
-            </a:ln>
-          </p:spPr>
-          <p:txBody>
-            <a:bodyPr wrap="none" rtlCol="0">
-              <a:spAutoFit/>
-            </a:bodyPr>
-            <a:lstStyle/>
-            <a:p>
-              <a:r>
-                <a:rPr lang="en-BE" sz="1400" dirty="0">
-                  <a:solidFill>
-                    <a:prstClr val="black"/>
-                  </a:solidFill>
-                  <a:latin typeface="Calibri"/>
-                </a:rPr>
-                <a:t>\0</a:t>
-              </a:r>
-              <a:endParaRPr lang="en-US" sz="1400" dirty="0">
-                <a:solidFill>
-                  <a:prstClr val="black"/>
-                </a:solidFill>
-                <a:latin typeface="Calibri"/>
-              </a:endParaRPr>
-            </a:p>
-          </p:txBody>
-        </p:sp>
-        <p:sp>
-          <p:nvSpPr>
-            <p:cNvPr id="30" name="TextBox 29"/>
-            <p:cNvSpPr txBox="1"/>
-            <p:nvPr/>
-          </p:nvSpPr>
-          <p:spPr>
-            <a:xfrm>
-              <a:off x="6351214" y="5656949"/>
-              <a:ext cx="344966" cy="307777"/>
-            </a:xfrm>
-            <a:prstGeom prst="rect">
-              <a:avLst/>
-            </a:prstGeom>
-            <a:noFill/>
-            <a:ln>
-              <a:solidFill>
-                <a:schemeClr val="tx1"/>
-              </a:solidFill>
-            </a:ln>
-          </p:spPr>
-          <p:txBody>
-            <a:bodyPr wrap="none" rtlCol="0">
-              <a:spAutoFit/>
-            </a:bodyPr>
-            <a:lstStyle/>
-            <a:p>
-              <a:r>
-                <a:rPr lang="en-BE" sz="1400" dirty="0">
-                  <a:solidFill>
-                    <a:prstClr val="black"/>
-                  </a:solidFill>
-                  <a:latin typeface="Calibri"/>
-                </a:rPr>
-                <a:t>\0</a:t>
-              </a:r>
-              <a:endParaRPr lang="en-US" sz="1400" dirty="0">
-                <a:solidFill>
-                  <a:prstClr val="black"/>
-                </a:solidFill>
-                <a:latin typeface="Calibri"/>
-              </a:endParaRPr>
-            </a:p>
-          </p:txBody>
-        </p:sp>
-        <p:grpSp>
-          <p:nvGrpSpPr>
-            <p:cNvPr id="64" name="Group 63"/>
-            <p:cNvGrpSpPr/>
-            <p:nvPr/>
-          </p:nvGrpSpPr>
-          <p:grpSpPr>
-            <a:xfrm>
-              <a:off x="4479929" y="6037105"/>
-              <a:ext cx="2210029" cy="770782"/>
-              <a:chOff x="4479929" y="6037105"/>
-              <a:chExt cx="2210029" cy="770782"/>
-            </a:xfrm>
-          </p:grpSpPr>
-          <p:grpSp>
-            <p:nvGrpSpPr>
-              <p:cNvPr id="59" name="Group 58"/>
-              <p:cNvGrpSpPr/>
-              <p:nvPr/>
-            </p:nvGrpSpPr>
-            <p:grpSpPr>
-              <a:xfrm>
-                <a:off x="4479929" y="6149975"/>
-                <a:ext cx="2210029" cy="657912"/>
-                <a:chOff x="590064" y="6128447"/>
-                <a:chExt cx="2210029" cy="657912"/>
-              </a:xfrm>
-            </p:grpSpPr>
-            <p:sp>
-              <p:nvSpPr>
-                <p:cNvPr id="60" name="TextBox 59"/>
-                <p:cNvSpPr txBox="1"/>
-                <p:nvPr/>
-              </p:nvSpPr>
-              <p:spPr>
-                <a:xfrm>
-                  <a:off x="590064" y="6417027"/>
-                  <a:ext cx="2210029" cy="369332"/>
-                </a:xfrm>
-                <a:prstGeom prst="rect">
-                  <a:avLst/>
-                </a:prstGeom>
-                <a:noFill/>
-              </p:spPr>
-              <p:txBody>
-                <a:bodyPr wrap="none" rtlCol="0">
-                  <a:spAutoFit/>
-                </a:bodyPr>
-                <a:lstStyle/>
-                <a:p>
-                  <a:r>
-                    <a:rPr lang="en-BE" dirty="0">
-                      <a:solidFill>
-                        <a:prstClr val="black"/>
-                      </a:solidFill>
-                      <a:latin typeface="Courier New" panose="02070309020205020404" pitchFamily="49" charset="0"/>
-                      <a:cs typeface="Courier New" panose="02070309020205020404" pitchFamily="49" charset="0"/>
-                    </a:rPr>
-                    <a:t>\0</a:t>
-                  </a:r>
-                  <a:r>
-                    <a:rPr lang="en-BE" dirty="0">
-                      <a:solidFill>
-                        <a:prstClr val="black"/>
-                      </a:solidFill>
-                      <a:latin typeface="Calibri"/>
-                    </a:rPr>
-                    <a:t> character padding</a:t>
-                  </a:r>
-                  <a:endParaRPr lang="en-US" dirty="0">
-                    <a:solidFill>
-                      <a:prstClr val="black"/>
-                    </a:solidFill>
-                    <a:latin typeface="Calibri"/>
-                  </a:endParaRPr>
-                </a:p>
-              </p:txBody>
-            </p:sp>
-            <p:cxnSp>
-              <p:nvCxnSpPr>
-                <p:cNvPr id="61" name="Straight Arrow Connector 60"/>
-                <p:cNvCxnSpPr>
-                  <a:stCxn id="60" idx="0"/>
-                  <a:endCxn id="62" idx="1"/>
-                </p:cNvCxnSpPr>
-                <p:nvPr/>
-              </p:nvCxnSpPr>
-              <p:spPr>
-                <a:xfrm flipV="1">
-                  <a:off x="1695079" y="6128447"/>
-                  <a:ext cx="555593" cy="288580"/>
-                </a:xfrm>
-                <a:prstGeom prst="straightConnector1">
-                  <a:avLst/>
-                </a:prstGeom>
-                <a:ln w="19050">
-                  <a:solidFill>
-                    <a:schemeClr val="tx1"/>
-                  </a:solidFill>
-                  <a:tailEnd type="stealth" w="lg" len="lg"/>
-                </a:ln>
-              </p:spPr>
-              <p:style>
-                <a:lnRef idx="1">
-                  <a:schemeClr val="accent1"/>
-                </a:lnRef>
-                <a:fillRef idx="0">
-                  <a:schemeClr val="accent1"/>
-                </a:fillRef>
-                <a:effectRef idx="0">
-                  <a:schemeClr val="accent1"/>
-                </a:effectRef>
-                <a:fontRef idx="minor">
-                  <a:schemeClr val="tx1"/>
-                </a:fontRef>
-              </p:style>
-            </p:cxnSp>
-          </p:grpSp>
-          <p:sp>
-            <p:nvSpPr>
-              <p:cNvPr id="62" name="Right Brace 61"/>
-              <p:cNvSpPr/>
-              <p:nvPr/>
-            </p:nvSpPr>
-            <p:spPr>
-              <a:xfrm rot="5400000">
-                <a:off x="6084102" y="5544120"/>
-                <a:ext cx="112869" cy="1098840"/>
-              </a:xfrm>
-              <a:prstGeom prst="rightBrace">
-                <a:avLst/>
-              </a:prstGeom>
-              <a:ln>
-                <a:solidFill>
-                  <a:schemeClr val="tx1"/>
-                </a:solidFill>
-              </a:ln>
-            </p:spPr>
-            <p:style>
-              <a:lnRef idx="1">
-                <a:schemeClr val="accent1"/>
-              </a:lnRef>
-              <a:fillRef idx="0">
-                <a:schemeClr val="accent1"/>
-              </a:fillRef>
-              <a:effectRef idx="0">
-                <a:schemeClr val="accent1"/>
-              </a:effectRef>
-              <a:fontRef idx="minor">
-                <a:schemeClr val="tx1"/>
-              </a:fontRef>
-            </p:style>
-            <p:txBody>
-              <a:bodyPr rtlCol="0" anchor="ctr"/>
-              <a:lstStyle/>
-              <a:p>
-                <a:pPr algn="ctr"/>
-                <a:endParaRPr lang="en-US">
-                  <a:solidFill>
-                    <a:prstClr val="black"/>
-                  </a:solidFill>
-                  <a:latin typeface="Calibri"/>
-                </a:endParaRPr>
-              </a:p>
-            </p:txBody>
-          </p:sp>
-        </p:grpSp>
-      </p:grpSp>
-      <p:grpSp>
-        <p:nvGrpSpPr>
-          <p:cNvPr id="90" name="Group 89"/>
-          <p:cNvGrpSpPr/>
-          <p:nvPr/>
-        </p:nvGrpSpPr>
-        <p:grpSpPr>
-          <a:xfrm>
-            <a:off x="3215680" y="4005064"/>
-            <a:ext cx="1583190" cy="1599622"/>
-            <a:chOff x="1691680" y="4365104"/>
-            <a:chExt cx="1583190" cy="1599622"/>
-          </a:xfrm>
-        </p:grpSpPr>
-        <p:sp>
-          <p:nvSpPr>
-            <p:cNvPr id="19" name="TextBox 18"/>
-            <p:cNvSpPr txBox="1"/>
-            <p:nvPr/>
-          </p:nvSpPr>
-          <p:spPr>
-            <a:xfrm>
-              <a:off x="2455127" y="5656949"/>
-              <a:ext cx="344966" cy="307777"/>
-            </a:xfrm>
-            <a:prstGeom prst="rect">
-              <a:avLst/>
-            </a:prstGeom>
-            <a:noFill/>
-            <a:ln>
-              <a:solidFill>
-                <a:schemeClr val="tx1"/>
-              </a:solidFill>
-            </a:ln>
-          </p:spPr>
-          <p:txBody>
-            <a:bodyPr wrap="none" rtlCol="0">
-              <a:spAutoFit/>
-            </a:bodyPr>
-            <a:lstStyle/>
-            <a:p>
-              <a:r>
-                <a:rPr lang="en-BE" sz="1400" dirty="0">
-                  <a:solidFill>
-                    <a:prstClr val="black"/>
-                  </a:solidFill>
-                  <a:latin typeface="Calibri"/>
-                </a:rPr>
-                <a:t>\0</a:t>
-              </a:r>
-              <a:endParaRPr lang="en-US" sz="1400" dirty="0">
-                <a:solidFill>
-                  <a:prstClr val="black"/>
-                </a:solidFill>
-                <a:latin typeface="Calibri"/>
-              </a:endParaRPr>
-            </a:p>
-          </p:txBody>
-        </p:sp>
-        <p:sp>
-          <p:nvSpPr>
-            <p:cNvPr id="20" name="TextBox 19"/>
-            <p:cNvSpPr txBox="1"/>
-            <p:nvPr/>
-          </p:nvSpPr>
-          <p:spPr>
-            <a:xfrm>
-              <a:off x="2801859" y="5656949"/>
-              <a:ext cx="344966" cy="307777"/>
-            </a:xfrm>
-            <a:prstGeom prst="rect">
-              <a:avLst/>
-            </a:prstGeom>
-            <a:noFill/>
-            <a:ln>
-              <a:solidFill>
-                <a:schemeClr val="tx1"/>
-              </a:solidFill>
-            </a:ln>
-          </p:spPr>
-          <p:txBody>
-            <a:bodyPr wrap="none" rtlCol="0">
-              <a:spAutoFit/>
-            </a:bodyPr>
-            <a:lstStyle/>
-            <a:p>
-              <a:r>
-                <a:rPr lang="en-BE" sz="1400" dirty="0">
-                  <a:solidFill>
-                    <a:prstClr val="black"/>
-                  </a:solidFill>
-                  <a:latin typeface="Calibri"/>
-                </a:rPr>
-                <a:t>\0</a:t>
-              </a:r>
-              <a:endParaRPr lang="en-US" sz="1400" dirty="0">
-                <a:solidFill>
-                  <a:prstClr val="black"/>
-                </a:solidFill>
-                <a:latin typeface="Calibri"/>
-              </a:endParaRPr>
-            </a:p>
-          </p:txBody>
-        </p:sp>
-        <p:grpSp>
-          <p:nvGrpSpPr>
-            <p:cNvPr id="74" name="Group 73"/>
-            <p:cNvGrpSpPr/>
-            <p:nvPr/>
-          </p:nvGrpSpPr>
-          <p:grpSpPr>
-            <a:xfrm>
-              <a:off x="1691680" y="4365104"/>
-              <a:ext cx="1583190" cy="1249461"/>
-              <a:chOff x="1691680" y="4365104"/>
-              <a:chExt cx="1583190" cy="1249461"/>
-            </a:xfrm>
-          </p:grpSpPr>
-          <p:sp>
-            <p:nvSpPr>
-              <p:cNvPr id="66" name="Right Brace 65"/>
-              <p:cNvSpPr/>
-              <p:nvPr/>
-            </p:nvSpPr>
-            <p:spPr>
-              <a:xfrm rot="16200000">
-                <a:off x="2674677" y="5261892"/>
-                <a:ext cx="171095" cy="534252"/>
-              </a:xfrm>
-              <a:prstGeom prst="rightBrace">
-                <a:avLst/>
-              </a:prstGeom>
-              <a:ln>
-                <a:solidFill>
-                  <a:schemeClr val="tx1"/>
-                </a:solidFill>
-              </a:ln>
-            </p:spPr>
-            <p:style>
-              <a:lnRef idx="1">
-                <a:schemeClr val="accent1"/>
-              </a:lnRef>
-              <a:fillRef idx="0">
-                <a:schemeClr val="accent1"/>
-              </a:fillRef>
-              <a:effectRef idx="0">
-                <a:schemeClr val="accent1"/>
-              </a:effectRef>
-              <a:fontRef idx="minor">
-                <a:schemeClr val="tx1"/>
-              </a:fontRef>
-            </p:style>
-            <p:txBody>
-              <a:bodyPr rtlCol="0" anchor="ctr"/>
-              <a:lstStyle/>
-              <a:p>
-                <a:pPr algn="ctr"/>
-                <a:endParaRPr lang="en-US">
-                  <a:solidFill>
-                    <a:prstClr val="black"/>
-                  </a:solidFill>
-                  <a:latin typeface="Calibri"/>
-                </a:endParaRPr>
-              </a:p>
-            </p:txBody>
-          </p:sp>
-          <p:sp>
-            <p:nvSpPr>
-              <p:cNvPr id="67" name="TextBox 66"/>
-              <p:cNvSpPr txBox="1"/>
-              <p:nvPr/>
-            </p:nvSpPr>
-            <p:spPr>
-              <a:xfrm>
-                <a:off x="1691680" y="4365104"/>
-                <a:ext cx="1583190" cy="646331"/>
-              </a:xfrm>
-              <a:prstGeom prst="rect">
-                <a:avLst/>
-              </a:prstGeom>
-              <a:noFill/>
-            </p:spPr>
-            <p:txBody>
-              <a:bodyPr wrap="none" rtlCol="0">
-                <a:spAutoFit/>
-              </a:bodyPr>
-              <a:lstStyle/>
-              <a:p>
-                <a:r>
-                  <a:rPr lang="en-BE" dirty="0">
-                    <a:solidFill>
-                      <a:prstClr val="black"/>
-                    </a:solidFill>
-                    <a:latin typeface="Calibri"/>
-                  </a:rPr>
-                  <a:t>2 byte padding</a:t>
-                </a:r>
-                <a:br>
-                  <a:rPr lang="en-BE" dirty="0">
-                    <a:solidFill>
-                      <a:prstClr val="black"/>
-                    </a:solidFill>
-                    <a:latin typeface="Calibri"/>
-                  </a:rPr>
-                </a:br>
-                <a:r>
-                  <a:rPr lang="en-BE" dirty="0">
-                    <a:solidFill>
-                      <a:prstClr val="black"/>
-                    </a:solidFill>
-                    <a:latin typeface="Calibri"/>
-                  </a:rPr>
-                  <a:t>for alignment</a:t>
-                </a:r>
-                <a:endParaRPr lang="en-US" dirty="0">
-                  <a:solidFill>
-                    <a:prstClr val="black"/>
-                  </a:solidFill>
-                  <a:latin typeface="Calibri"/>
-                </a:endParaRPr>
-              </a:p>
-            </p:txBody>
-          </p:sp>
-          <p:cxnSp>
-            <p:nvCxnSpPr>
-              <p:cNvPr id="68" name="Straight Arrow Connector 67"/>
-              <p:cNvCxnSpPr>
-                <a:stCxn id="67" idx="2"/>
-                <a:endCxn id="66" idx="1"/>
-              </p:cNvCxnSpPr>
-              <p:nvPr/>
-            </p:nvCxnSpPr>
-            <p:spPr>
-              <a:xfrm>
-                <a:off x="2483275" y="5011435"/>
-                <a:ext cx="276950" cy="432036"/>
-              </a:xfrm>
-              <a:prstGeom prst="straightConnector1">
-                <a:avLst/>
-              </a:prstGeom>
-              <a:ln w="19050">
-                <a:solidFill>
-                  <a:schemeClr val="tx1"/>
-                </a:solidFill>
-                <a:tailEnd type="stealth" w="lg" len="lg"/>
-              </a:ln>
-            </p:spPr>
-            <p:style>
-              <a:lnRef idx="1">
-                <a:schemeClr val="accent1"/>
-              </a:lnRef>
-              <a:fillRef idx="0">
-                <a:schemeClr val="accent1"/>
-              </a:fillRef>
-              <a:effectRef idx="0">
-                <a:schemeClr val="accent1"/>
-              </a:effectRef>
-              <a:fontRef idx="minor">
-                <a:schemeClr val="tx1"/>
-              </a:fontRef>
-            </p:style>
-          </p:cxnSp>
-        </p:grpSp>
-      </p:grpSp>
-      <p:grpSp>
-        <p:nvGrpSpPr>
-          <p:cNvPr id="95" name="Group 94"/>
-          <p:cNvGrpSpPr/>
-          <p:nvPr/>
-        </p:nvGrpSpPr>
-        <p:grpSpPr>
-          <a:xfrm>
-            <a:off x="7486055" y="4018382"/>
-            <a:ext cx="1583190" cy="1586304"/>
-            <a:chOff x="5962055" y="4378422"/>
-            <a:chExt cx="1583190" cy="1586304"/>
-          </a:xfrm>
-        </p:grpSpPr>
-        <p:sp>
-          <p:nvSpPr>
-            <p:cNvPr id="31" name="TextBox 30"/>
-            <p:cNvSpPr txBox="1"/>
-            <p:nvPr/>
-          </p:nvSpPr>
-          <p:spPr>
-            <a:xfrm>
-              <a:off x="6702240" y="5656949"/>
-              <a:ext cx="344966" cy="307777"/>
-            </a:xfrm>
-            <a:prstGeom prst="rect">
-              <a:avLst/>
-            </a:prstGeom>
-            <a:noFill/>
-            <a:ln>
-              <a:solidFill>
-                <a:schemeClr val="tx1"/>
-              </a:solidFill>
-            </a:ln>
-          </p:spPr>
-          <p:txBody>
-            <a:bodyPr wrap="none" rtlCol="0">
-              <a:spAutoFit/>
-            </a:bodyPr>
-            <a:lstStyle/>
-            <a:p>
-              <a:r>
-                <a:rPr lang="en-BE" sz="1400" dirty="0">
-                  <a:solidFill>
-                    <a:prstClr val="black"/>
-                  </a:solidFill>
-                  <a:latin typeface="Calibri"/>
-                </a:rPr>
-                <a:t>\0</a:t>
-              </a:r>
-              <a:endParaRPr lang="en-US" sz="1400" dirty="0">
-                <a:solidFill>
-                  <a:prstClr val="black"/>
-                </a:solidFill>
-                <a:latin typeface="Calibri"/>
-              </a:endParaRPr>
-            </a:p>
-          </p:txBody>
-        </p:sp>
-        <p:sp>
-          <p:nvSpPr>
-            <p:cNvPr id="32" name="TextBox 31"/>
-            <p:cNvSpPr txBox="1"/>
-            <p:nvPr/>
-          </p:nvSpPr>
-          <p:spPr>
-            <a:xfrm>
-              <a:off x="7037869" y="5656949"/>
-              <a:ext cx="344966" cy="307777"/>
-            </a:xfrm>
-            <a:prstGeom prst="rect">
-              <a:avLst/>
-            </a:prstGeom>
-            <a:noFill/>
-            <a:ln>
-              <a:solidFill>
-                <a:schemeClr val="tx1"/>
-              </a:solidFill>
-            </a:ln>
-          </p:spPr>
-          <p:txBody>
-            <a:bodyPr wrap="none" rtlCol="0">
-              <a:spAutoFit/>
-            </a:bodyPr>
-            <a:lstStyle/>
-            <a:p>
-              <a:r>
-                <a:rPr lang="en-BE" sz="1400" dirty="0">
-                  <a:solidFill>
-                    <a:prstClr val="black"/>
-                  </a:solidFill>
-                  <a:latin typeface="Calibri"/>
-                </a:rPr>
-                <a:t>\0</a:t>
-              </a:r>
-              <a:endParaRPr lang="en-US" sz="1400" dirty="0">
-                <a:solidFill>
-                  <a:prstClr val="black"/>
-                </a:solidFill>
-                <a:latin typeface="Calibri"/>
-              </a:endParaRPr>
-            </a:p>
-          </p:txBody>
-        </p:sp>
-        <p:grpSp>
-          <p:nvGrpSpPr>
-            <p:cNvPr id="81" name="Group 80"/>
-            <p:cNvGrpSpPr/>
-            <p:nvPr/>
-          </p:nvGrpSpPr>
-          <p:grpSpPr>
-            <a:xfrm>
-              <a:off x="5962055" y="4378422"/>
-              <a:ext cx="1583190" cy="1249461"/>
-              <a:chOff x="1691680" y="4365104"/>
-              <a:chExt cx="1583190" cy="1249461"/>
-            </a:xfrm>
-          </p:grpSpPr>
-          <p:sp>
-            <p:nvSpPr>
-              <p:cNvPr id="82" name="Right Brace 81"/>
-              <p:cNvSpPr/>
-              <p:nvPr/>
-            </p:nvSpPr>
-            <p:spPr>
-              <a:xfrm rot="16200000">
-                <a:off x="2674677" y="5261892"/>
-                <a:ext cx="171095" cy="534252"/>
-              </a:xfrm>
-              <a:prstGeom prst="rightBrace">
-                <a:avLst/>
-              </a:prstGeom>
-              <a:ln>
-                <a:solidFill>
-                  <a:schemeClr val="tx1"/>
-                </a:solidFill>
-              </a:ln>
-            </p:spPr>
-            <p:style>
-              <a:lnRef idx="1">
-                <a:schemeClr val="accent1"/>
-              </a:lnRef>
-              <a:fillRef idx="0">
-                <a:schemeClr val="accent1"/>
-              </a:fillRef>
-              <a:effectRef idx="0">
-                <a:schemeClr val="accent1"/>
-              </a:effectRef>
-              <a:fontRef idx="minor">
-                <a:schemeClr val="tx1"/>
-              </a:fontRef>
-            </p:style>
-            <p:txBody>
-              <a:bodyPr rtlCol="0" anchor="ctr"/>
-              <a:lstStyle/>
-              <a:p>
-                <a:pPr algn="ctr"/>
-                <a:endParaRPr lang="en-US">
-                  <a:solidFill>
-                    <a:prstClr val="black"/>
-                  </a:solidFill>
-                  <a:latin typeface="Calibri"/>
-                </a:endParaRPr>
-              </a:p>
-            </p:txBody>
-          </p:sp>
-          <p:sp>
-            <p:nvSpPr>
-              <p:cNvPr id="83" name="TextBox 82"/>
-              <p:cNvSpPr txBox="1"/>
-              <p:nvPr/>
-            </p:nvSpPr>
-            <p:spPr>
-              <a:xfrm>
-                <a:off x="1691680" y="4365104"/>
-                <a:ext cx="1583190" cy="646331"/>
-              </a:xfrm>
-              <a:prstGeom prst="rect">
-                <a:avLst/>
-              </a:prstGeom>
-              <a:noFill/>
-            </p:spPr>
-            <p:txBody>
-              <a:bodyPr wrap="none" rtlCol="0">
-                <a:spAutoFit/>
-              </a:bodyPr>
-              <a:lstStyle/>
-              <a:p>
-                <a:r>
-                  <a:rPr lang="en-BE" dirty="0">
-                    <a:solidFill>
-                      <a:prstClr val="black"/>
-                    </a:solidFill>
-                    <a:latin typeface="Calibri"/>
-                  </a:rPr>
-                  <a:t>2 byte padding</a:t>
-                </a:r>
-                <a:br>
-                  <a:rPr lang="en-BE" dirty="0">
-                    <a:solidFill>
-                      <a:prstClr val="black"/>
-                    </a:solidFill>
-                    <a:latin typeface="Calibri"/>
-                  </a:rPr>
-                </a:br>
-                <a:r>
-                  <a:rPr lang="en-BE" dirty="0">
-                    <a:solidFill>
-                      <a:prstClr val="black"/>
-                    </a:solidFill>
-                    <a:latin typeface="Calibri"/>
-                  </a:rPr>
-                  <a:t>for alignment</a:t>
-                </a:r>
-                <a:endParaRPr lang="en-US" dirty="0">
-                  <a:solidFill>
-                    <a:prstClr val="black"/>
-                  </a:solidFill>
-                  <a:latin typeface="Calibri"/>
-                </a:endParaRPr>
-              </a:p>
-            </p:txBody>
-          </p:sp>
-          <p:cxnSp>
-            <p:nvCxnSpPr>
-              <p:cNvPr id="84" name="Straight Arrow Connector 83"/>
-              <p:cNvCxnSpPr>
-                <a:stCxn id="83" idx="2"/>
-                <a:endCxn id="82" idx="1"/>
-              </p:cNvCxnSpPr>
-              <p:nvPr/>
-            </p:nvCxnSpPr>
-            <p:spPr>
-              <a:xfrm>
-                <a:off x="2483275" y="5011435"/>
-                <a:ext cx="276950" cy="432036"/>
-              </a:xfrm>
-              <a:prstGeom prst="straightConnector1">
-                <a:avLst/>
-              </a:prstGeom>
-              <a:ln w="19050">
-                <a:solidFill>
-                  <a:schemeClr val="tx1"/>
-                </a:solidFill>
-                <a:tailEnd type="stealth" w="lg" len="lg"/>
-              </a:ln>
-            </p:spPr>
-            <p:style>
-              <a:lnRef idx="1">
-                <a:schemeClr val="accent1"/>
-              </a:lnRef>
-              <a:fillRef idx="0">
-                <a:schemeClr val="accent1"/>
-              </a:fillRef>
-              <a:effectRef idx="0">
-                <a:schemeClr val="accent1"/>
-              </a:effectRef>
-              <a:fontRef idx="minor">
-                <a:schemeClr val="tx1"/>
-              </a:fontRef>
-            </p:style>
-          </p:cxnSp>
-        </p:grpSp>
-      </p:grpSp>
+              <a:latin typeface="Calibri"/>
+            </a:endParaRPr>
+          </a:p>
+        </p:txBody>
+      </p:sp>
     </p:spTree>
     <p:extLst>
       <p:ext uri="{BB962C8B-B14F-4D97-AF65-F5344CB8AC3E}">
-        <p14:creationId xmlns:p14="http://schemas.microsoft.com/office/powerpoint/2010/main" val="3975294593"/>
+        <p14:creationId xmlns:p14="http://schemas.microsoft.com/office/powerpoint/2010/main" val="1324044320"/>
       </p:ext>
     </p:extLst>
   </p:cSld>
@@ -23425,525 +20362,7 @@
   <p:timing>
     <p:tnLst>
       <p:par>
-        <p:cTn id="1" dur="indefinite" restart="never" nodeType="tmRoot">
-          <p:childTnLst>
-            <p:seq concurrent="1" nextAc="seek">
-              <p:cTn id="2" dur="indefinite" nodeType="mainSeq">
-                <p:childTnLst>
-                  <p:par>
-                    <p:cTn id="3" fill="hold">
-                      <p:stCondLst>
-                        <p:cond delay="indefinite"/>
-                      </p:stCondLst>
-                      <p:childTnLst>
-                        <p:par>
-                          <p:cTn id="4" fill="hold">
-                            <p:stCondLst>
-                              <p:cond delay="0"/>
-                            </p:stCondLst>
-                            <p:childTnLst>
-                              <p:par>
-                                <p:cTn id="5" presetID="1" presetClass="entr" presetSubtype="0" fill="hold" nodeType="clickEffect">
-                                  <p:stCondLst>
-                                    <p:cond delay="0"/>
-                                  </p:stCondLst>
-                                  <p:childTnLst>
-                                    <p:set>
-                                      <p:cBhvr>
-                                        <p:cTn id="6" dur="1" fill="hold">
-                                          <p:stCondLst>
-                                            <p:cond delay="0"/>
-                                          </p:stCondLst>
-                                        </p:cTn>
-                                        <p:tgtEl>
-                                          <p:spTgt spid="6"/>
-                                        </p:tgtEl>
-                                        <p:attrNameLst>
-                                          <p:attrName>style.visibility</p:attrName>
-                                        </p:attrNameLst>
-                                      </p:cBhvr>
-                                      <p:to>
-                                        <p:strVal val="visible"/>
-                                      </p:to>
-                                    </p:set>
-                                  </p:childTnLst>
-                                </p:cTn>
-                              </p:par>
-                            </p:childTnLst>
-                          </p:cTn>
-                        </p:par>
-                      </p:childTnLst>
-                    </p:cTn>
-                  </p:par>
-                  <p:par>
-                    <p:cTn id="7" fill="hold">
-                      <p:stCondLst>
-                        <p:cond delay="indefinite"/>
-                      </p:stCondLst>
-                      <p:childTnLst>
-                        <p:par>
-                          <p:cTn id="8" fill="hold">
-                            <p:stCondLst>
-                              <p:cond delay="0"/>
-                            </p:stCondLst>
-                            <p:childTnLst>
-                              <p:par>
-                                <p:cTn id="9" presetID="1" presetClass="entr" presetSubtype="0" fill="hold" nodeType="clickEffect">
-                                  <p:stCondLst>
-                                    <p:cond delay="0"/>
-                                  </p:stCondLst>
-                                  <p:childTnLst>
-                                    <p:set>
-                                      <p:cBhvr>
-                                        <p:cTn id="10" dur="1" fill="hold">
-                                          <p:stCondLst>
-                                            <p:cond delay="0"/>
-                                          </p:stCondLst>
-                                        </p:cTn>
-                                        <p:tgtEl>
-                                          <p:spTgt spid="88"/>
-                                        </p:tgtEl>
-                                        <p:attrNameLst>
-                                          <p:attrName>style.visibility</p:attrName>
-                                        </p:attrNameLst>
-                                      </p:cBhvr>
-                                      <p:to>
-                                        <p:strVal val="visible"/>
-                                      </p:to>
-                                    </p:set>
-                                  </p:childTnLst>
-                                </p:cTn>
-                              </p:par>
-                            </p:childTnLst>
-                          </p:cTn>
-                        </p:par>
-                      </p:childTnLst>
-                    </p:cTn>
-                  </p:par>
-                  <p:par>
-                    <p:cTn id="11" fill="hold">
-                      <p:stCondLst>
-                        <p:cond delay="indefinite"/>
-                      </p:stCondLst>
-                      <p:childTnLst>
-                        <p:par>
-                          <p:cTn id="12" fill="hold">
-                            <p:stCondLst>
-                              <p:cond delay="0"/>
-                            </p:stCondLst>
-                            <p:childTnLst>
-                              <p:par>
-                                <p:cTn id="13" presetID="1" presetClass="entr" presetSubtype="0" fill="hold" nodeType="clickEffect">
-                                  <p:stCondLst>
-                                    <p:cond delay="0"/>
-                                  </p:stCondLst>
-                                  <p:childTnLst>
-                                    <p:set>
-                                      <p:cBhvr>
-                                        <p:cTn id="14" dur="1" fill="hold">
-                                          <p:stCondLst>
-                                            <p:cond delay="0"/>
-                                          </p:stCondLst>
-                                        </p:cTn>
-                                        <p:tgtEl>
-                                          <p:spTgt spid="89"/>
-                                        </p:tgtEl>
-                                        <p:attrNameLst>
-                                          <p:attrName>style.visibility</p:attrName>
-                                        </p:attrNameLst>
-                                      </p:cBhvr>
-                                      <p:to>
-                                        <p:strVal val="visible"/>
-                                      </p:to>
-                                    </p:set>
-                                  </p:childTnLst>
-                                </p:cTn>
-                              </p:par>
-                            </p:childTnLst>
-                          </p:cTn>
-                        </p:par>
-                      </p:childTnLst>
-                    </p:cTn>
-                  </p:par>
-                  <p:par>
-                    <p:cTn id="15" fill="hold">
-                      <p:stCondLst>
-                        <p:cond delay="indefinite"/>
-                      </p:stCondLst>
-                      <p:childTnLst>
-                        <p:par>
-                          <p:cTn id="16" fill="hold">
-                            <p:stCondLst>
-                              <p:cond delay="0"/>
-                            </p:stCondLst>
-                            <p:childTnLst>
-                              <p:par>
-                                <p:cTn id="17" presetID="1" presetClass="entr" presetSubtype="0" fill="hold" nodeType="clickEffect">
-                                  <p:stCondLst>
-                                    <p:cond delay="0"/>
-                                  </p:stCondLst>
-                                  <p:childTnLst>
-                                    <p:set>
-                                      <p:cBhvr>
-                                        <p:cTn id="18" dur="1" fill="hold">
-                                          <p:stCondLst>
-                                            <p:cond delay="0"/>
-                                          </p:stCondLst>
-                                        </p:cTn>
-                                        <p:tgtEl>
-                                          <p:spTgt spid="86"/>
-                                        </p:tgtEl>
-                                        <p:attrNameLst>
-                                          <p:attrName>style.visibility</p:attrName>
-                                        </p:attrNameLst>
-                                      </p:cBhvr>
-                                      <p:to>
-                                        <p:strVal val="visible"/>
-                                      </p:to>
-                                    </p:set>
-                                  </p:childTnLst>
-                                </p:cTn>
-                              </p:par>
-                            </p:childTnLst>
-                          </p:cTn>
-                        </p:par>
-                      </p:childTnLst>
-                    </p:cTn>
-                  </p:par>
-                  <p:par>
-                    <p:cTn id="19" fill="hold">
-                      <p:stCondLst>
-                        <p:cond delay="indefinite"/>
-                      </p:stCondLst>
-                      <p:childTnLst>
-                        <p:par>
-                          <p:cTn id="20" fill="hold">
-                            <p:stCondLst>
-                              <p:cond delay="0"/>
-                            </p:stCondLst>
-                            <p:childTnLst>
-                              <p:par>
-                                <p:cTn id="21" presetID="1" presetClass="entr" presetSubtype="0" fill="hold" nodeType="clickEffect">
-                                  <p:stCondLst>
-                                    <p:cond delay="0"/>
-                                  </p:stCondLst>
-                                  <p:childTnLst>
-                                    <p:set>
-                                      <p:cBhvr>
-                                        <p:cTn id="22" dur="1" fill="hold">
-                                          <p:stCondLst>
-                                            <p:cond delay="0"/>
-                                          </p:stCondLst>
-                                        </p:cTn>
-                                        <p:tgtEl>
-                                          <p:spTgt spid="87"/>
-                                        </p:tgtEl>
-                                        <p:attrNameLst>
-                                          <p:attrName>style.visibility</p:attrName>
-                                        </p:attrNameLst>
-                                      </p:cBhvr>
-                                      <p:to>
-                                        <p:strVal val="visible"/>
-                                      </p:to>
-                                    </p:set>
-                                  </p:childTnLst>
-                                </p:cTn>
-                              </p:par>
-                            </p:childTnLst>
-                          </p:cTn>
-                        </p:par>
-                      </p:childTnLst>
-                    </p:cTn>
-                  </p:par>
-                  <p:par>
-                    <p:cTn id="23" fill="hold">
-                      <p:stCondLst>
-                        <p:cond delay="indefinite"/>
-                      </p:stCondLst>
-                      <p:childTnLst>
-                        <p:par>
-                          <p:cTn id="24" fill="hold">
-                            <p:stCondLst>
-                              <p:cond delay="0"/>
-                            </p:stCondLst>
-                            <p:childTnLst>
-                              <p:par>
-                                <p:cTn id="25" presetID="1" presetClass="entr" presetSubtype="0" fill="hold" nodeType="clickEffect">
-                                  <p:stCondLst>
-                                    <p:cond delay="0"/>
-                                  </p:stCondLst>
-                                  <p:childTnLst>
-                                    <p:set>
-                                      <p:cBhvr>
-                                        <p:cTn id="26" dur="1" fill="hold">
-                                          <p:stCondLst>
-                                            <p:cond delay="0"/>
-                                          </p:stCondLst>
-                                        </p:cTn>
-                                        <p:tgtEl>
-                                          <p:spTgt spid="90"/>
-                                        </p:tgtEl>
-                                        <p:attrNameLst>
-                                          <p:attrName>style.visibility</p:attrName>
-                                        </p:attrNameLst>
-                                      </p:cBhvr>
-                                      <p:to>
-                                        <p:strVal val="visible"/>
-                                      </p:to>
-                                    </p:set>
-                                  </p:childTnLst>
-                                </p:cTn>
-                              </p:par>
-                            </p:childTnLst>
-                          </p:cTn>
-                        </p:par>
-                      </p:childTnLst>
-                    </p:cTn>
-                  </p:par>
-                  <p:par>
-                    <p:cTn id="27" fill="hold">
-                      <p:stCondLst>
-                        <p:cond delay="indefinite"/>
-                      </p:stCondLst>
-                      <p:childTnLst>
-                        <p:par>
-                          <p:cTn id="28" fill="hold">
-                            <p:stCondLst>
-                              <p:cond delay="0"/>
-                            </p:stCondLst>
-                            <p:childTnLst>
-                              <p:par>
-                                <p:cTn id="29" presetID="1" presetClass="entr" presetSubtype="0" fill="hold" nodeType="clickEffect">
-                                  <p:stCondLst>
-                                    <p:cond delay="0"/>
-                                  </p:stCondLst>
-                                  <p:childTnLst>
-                                    <p:set>
-                                      <p:cBhvr>
-                                        <p:cTn id="30" dur="1" fill="hold">
-                                          <p:stCondLst>
-                                            <p:cond delay="0"/>
-                                          </p:stCondLst>
-                                        </p:cTn>
-                                        <p:tgtEl>
-                                          <p:spTgt spid="91"/>
-                                        </p:tgtEl>
-                                        <p:attrNameLst>
-                                          <p:attrName>style.visibility</p:attrName>
-                                        </p:attrNameLst>
-                                      </p:cBhvr>
-                                      <p:to>
-                                        <p:strVal val="visible"/>
-                                      </p:to>
-                                    </p:set>
-                                  </p:childTnLst>
-                                </p:cTn>
-                              </p:par>
-                            </p:childTnLst>
-                          </p:cTn>
-                        </p:par>
-                      </p:childTnLst>
-                    </p:cTn>
-                  </p:par>
-                  <p:par>
-                    <p:cTn id="31" fill="hold">
-                      <p:stCondLst>
-                        <p:cond delay="indefinite"/>
-                      </p:stCondLst>
-                      <p:childTnLst>
-                        <p:par>
-                          <p:cTn id="32" fill="hold">
-                            <p:stCondLst>
-                              <p:cond delay="0"/>
-                            </p:stCondLst>
-                            <p:childTnLst>
-                              <p:par>
-                                <p:cTn id="33" presetID="1" presetClass="entr" presetSubtype="0" fill="hold" nodeType="clickEffect">
-                                  <p:stCondLst>
-                                    <p:cond delay="0"/>
-                                  </p:stCondLst>
-                                  <p:childTnLst>
-                                    <p:set>
-                                      <p:cBhvr>
-                                        <p:cTn id="34" dur="1" fill="hold">
-                                          <p:stCondLst>
-                                            <p:cond delay="0"/>
-                                          </p:stCondLst>
-                                        </p:cTn>
-                                        <p:tgtEl>
-                                          <p:spTgt spid="92"/>
-                                        </p:tgtEl>
-                                        <p:attrNameLst>
-                                          <p:attrName>style.visibility</p:attrName>
-                                        </p:attrNameLst>
-                                      </p:cBhvr>
-                                      <p:to>
-                                        <p:strVal val="visible"/>
-                                      </p:to>
-                                    </p:set>
-                                  </p:childTnLst>
-                                </p:cTn>
-                              </p:par>
-                            </p:childTnLst>
-                          </p:cTn>
-                        </p:par>
-                      </p:childTnLst>
-                    </p:cTn>
-                  </p:par>
-                  <p:par>
-                    <p:cTn id="35" fill="hold">
-                      <p:stCondLst>
-                        <p:cond delay="indefinite"/>
-                      </p:stCondLst>
-                      <p:childTnLst>
-                        <p:par>
-                          <p:cTn id="36" fill="hold">
-                            <p:stCondLst>
-                              <p:cond delay="0"/>
-                            </p:stCondLst>
-                            <p:childTnLst>
-                              <p:par>
-                                <p:cTn id="37" presetID="1" presetClass="entr" presetSubtype="0" fill="hold" nodeType="clickEffect">
-                                  <p:stCondLst>
-                                    <p:cond delay="0"/>
-                                  </p:stCondLst>
-                                  <p:childTnLst>
-                                    <p:set>
-                                      <p:cBhvr>
-                                        <p:cTn id="38" dur="1" fill="hold">
-                                          <p:stCondLst>
-                                            <p:cond delay="0"/>
-                                          </p:stCondLst>
-                                        </p:cTn>
-                                        <p:tgtEl>
-                                          <p:spTgt spid="93"/>
-                                        </p:tgtEl>
-                                        <p:attrNameLst>
-                                          <p:attrName>style.visibility</p:attrName>
-                                        </p:attrNameLst>
-                                      </p:cBhvr>
-                                      <p:to>
-                                        <p:strVal val="visible"/>
-                                      </p:to>
-                                    </p:set>
-                                  </p:childTnLst>
-                                </p:cTn>
-                              </p:par>
-                            </p:childTnLst>
-                          </p:cTn>
-                        </p:par>
-                      </p:childTnLst>
-                    </p:cTn>
-                  </p:par>
-                  <p:par>
-                    <p:cTn id="39" fill="hold">
-                      <p:stCondLst>
-                        <p:cond delay="indefinite"/>
-                      </p:stCondLst>
-                      <p:childTnLst>
-                        <p:par>
-                          <p:cTn id="40" fill="hold">
-                            <p:stCondLst>
-                              <p:cond delay="0"/>
-                            </p:stCondLst>
-                            <p:childTnLst>
-                              <p:par>
-                                <p:cTn id="41" presetID="1" presetClass="entr" presetSubtype="0" fill="hold" nodeType="clickEffect">
-                                  <p:stCondLst>
-                                    <p:cond delay="0"/>
-                                  </p:stCondLst>
-                                  <p:childTnLst>
-                                    <p:set>
-                                      <p:cBhvr>
-                                        <p:cTn id="42" dur="1" fill="hold">
-                                          <p:stCondLst>
-                                            <p:cond delay="0"/>
-                                          </p:stCondLst>
-                                        </p:cTn>
-                                        <p:tgtEl>
-                                          <p:spTgt spid="94"/>
-                                        </p:tgtEl>
-                                        <p:attrNameLst>
-                                          <p:attrName>style.visibility</p:attrName>
-                                        </p:attrNameLst>
-                                      </p:cBhvr>
-                                      <p:to>
-                                        <p:strVal val="visible"/>
-                                      </p:to>
-                                    </p:set>
-                                  </p:childTnLst>
-                                </p:cTn>
-                              </p:par>
-                            </p:childTnLst>
-                          </p:cTn>
-                        </p:par>
-                      </p:childTnLst>
-                    </p:cTn>
-                  </p:par>
-                  <p:par>
-                    <p:cTn id="43" fill="hold">
-                      <p:stCondLst>
-                        <p:cond delay="indefinite"/>
-                      </p:stCondLst>
-                      <p:childTnLst>
-                        <p:par>
-                          <p:cTn id="44" fill="hold">
-                            <p:stCondLst>
-                              <p:cond delay="0"/>
-                            </p:stCondLst>
-                            <p:childTnLst>
-                              <p:par>
-                                <p:cTn id="45" presetID="1" presetClass="entr" presetSubtype="0" fill="hold" nodeType="clickEffect">
-                                  <p:stCondLst>
-                                    <p:cond delay="0"/>
-                                  </p:stCondLst>
-                                  <p:childTnLst>
-                                    <p:set>
-                                      <p:cBhvr>
-                                        <p:cTn id="46" dur="1" fill="hold">
-                                          <p:stCondLst>
-                                            <p:cond delay="0"/>
-                                          </p:stCondLst>
-                                        </p:cTn>
-                                        <p:tgtEl>
-                                          <p:spTgt spid="95"/>
-                                        </p:tgtEl>
-                                        <p:attrNameLst>
-                                          <p:attrName>style.visibility</p:attrName>
-                                        </p:attrNameLst>
-                                      </p:cBhvr>
-                                      <p:to>
-                                        <p:strVal val="visible"/>
-                                      </p:to>
-                                    </p:set>
-                                  </p:childTnLst>
-                                </p:cTn>
-                              </p:par>
-                            </p:childTnLst>
-                          </p:cTn>
-                        </p:par>
-                      </p:childTnLst>
-                    </p:cTn>
-                  </p:par>
-                </p:childTnLst>
-              </p:cTn>
-              <p:prevCondLst>
-                <p:cond evt="onPrev" delay="0">
-                  <p:tgtEl>
-                    <p:sldTgt/>
-                  </p:tgtEl>
-                </p:cond>
-              </p:prevCondLst>
-              <p:nextCondLst>
-                <p:cond evt="onNext" delay="0">
-                  <p:tgtEl>
-                    <p:sldTgt/>
-                  </p:tgtEl>
-                </p:cond>
-              </p:nextCondLst>
-            </p:seq>
-          </p:childTnLst>
-        </p:cTn>
+        <p:cTn id="1" dur="indefinite" restart="never" nodeType="tmRoot"/>
       </p:par>
     </p:tnLst>
   </p:timing>
@@ -23984,7 +20403,18 @@
           <a:p>
             <a:r>
               <a:rPr lang="en-US" dirty="0" smtClean="0"/>
-              <a:t>Data formats: XML output</a:t>
+              <a:t>Using shell commands:</a:t>
+            </a:r>
+            <a:br>
+              <a:rPr lang="en-US" dirty="0" smtClean="0"/>
+            </a:br>
+            <a:r>
+              <a:rPr lang="en-US" dirty="0" smtClean="0"/>
+              <a:t>Python </a:t>
+            </a:r>
+            <a:r>
+              <a:rPr lang="en-US" dirty="0" err="1" smtClean="0"/>
+              <a:t>subprocess</a:t>
             </a:r>
             <a:endParaRPr lang="en-US" dirty="0"/>
           </a:p>
@@ -23992,256 +20422,38 @@
       </p:sp>
       <p:sp>
         <p:nvSpPr>
-          <p:cNvPr id="3" name="TextBox 2"/>
-          <p:cNvSpPr txBox="1"/>
-          <p:nvPr/>
+          <p:cNvPr id="3" name="Text Placeholder 2"/>
+          <p:cNvSpPr>
+            <a:spLocks noGrp="1"/>
+          </p:cNvSpPr>
+          <p:nvPr>
+            <p:ph type="body" idx="1"/>
+          </p:nvPr>
         </p:nvSpPr>
-        <p:spPr>
-          <a:xfrm>
-            <a:off x="2063552" y="1268760"/>
-            <a:ext cx="8064896" cy="5355312"/>
-          </a:xfrm>
-          <a:prstGeom prst="rect">
-            <a:avLst/>
-          </a:prstGeom>
-          <a:solidFill>
-            <a:schemeClr val="bg1">
-              <a:lumMod val="75000"/>
-            </a:schemeClr>
-          </a:solidFill>
-        </p:spPr>
+        <p:spPr/>
         <p:txBody>
-          <a:bodyPr wrap="square" rtlCol="0">
-            <a:spAutoFit/>
+          <a:bodyPr>
+            <a:normAutofit/>
           </a:bodyPr>
           <a:lstStyle/>
           <a:p>
             <a:r>
-              <a:rPr lang="en-US" dirty="0">
-                <a:solidFill>
-                  <a:prstClr val="black"/>
-                </a:solidFill>
-                <a:latin typeface="Courier New" pitchFamily="49" charset="0"/>
-                <a:cs typeface="Courier New" pitchFamily="49" charset="0"/>
-              </a:rPr>
-              <a:t>&lt;?xml version="1.0" ?&gt;</a:t>
-            </a:r>
-          </a:p>
-          <a:p>
-            <a:r>
-              <a:rPr lang="en-US" dirty="0">
-                <a:solidFill>
-                  <a:prstClr val="black"/>
-                </a:solidFill>
-                <a:latin typeface="Courier New" pitchFamily="49" charset="0"/>
-                <a:cs typeface="Courier New" pitchFamily="49" charset="0"/>
-              </a:rPr>
-              <a:t>&lt;blocks&gt;</a:t>
-            </a:r>
-          </a:p>
-          <a:p>
-            <a:r>
-              <a:rPr lang="en-US" dirty="0">
-                <a:solidFill>
-                  <a:prstClr val="black"/>
-                </a:solidFill>
-                <a:latin typeface="Courier New" pitchFamily="49" charset="0"/>
-                <a:cs typeface="Courier New" pitchFamily="49" charset="0"/>
-              </a:rPr>
-              <a:t>  &lt;block name="block_01"&gt;</a:t>
-            </a:r>
-          </a:p>
-          <a:p>
-            <a:r>
-              <a:rPr lang="en-US" dirty="0">
-                <a:solidFill>
-                  <a:prstClr val="black"/>
-                </a:solidFill>
-                <a:latin typeface="Courier New" pitchFamily="49" charset="0"/>
-                <a:cs typeface="Courier New" pitchFamily="49" charset="0"/>
-              </a:rPr>
-              <a:t>    &lt;item&gt;</a:t>
-            </a:r>
-          </a:p>
-          <a:p>
-            <a:r>
-              <a:rPr lang="en-US" dirty="0">
-                <a:solidFill>
-                  <a:prstClr val="black"/>
-                </a:solidFill>
-                <a:latin typeface="Courier New" pitchFamily="49" charset="0"/>
-                <a:cs typeface="Courier New" pitchFamily="49" charset="0"/>
-              </a:rPr>
-              <a:t>      0.1</a:t>
-            </a:r>
-          </a:p>
-          <a:p>
-            <a:r>
-              <a:rPr lang="en-US" dirty="0">
-                <a:solidFill>
-                  <a:prstClr val="black"/>
-                </a:solidFill>
-                <a:latin typeface="Courier New" pitchFamily="49" charset="0"/>
-                <a:cs typeface="Courier New" pitchFamily="49" charset="0"/>
-              </a:rPr>
-              <a:t>    &lt;/item&gt;</a:t>
-            </a:r>
-          </a:p>
-          <a:p>
-            <a:r>
-              <a:rPr lang="en-US" dirty="0">
-                <a:solidFill>
-                  <a:prstClr val="black"/>
-                </a:solidFill>
-                <a:latin typeface="Courier New" pitchFamily="49" charset="0"/>
-                <a:cs typeface="Courier New" pitchFamily="49" charset="0"/>
-              </a:rPr>
-              <a:t>    &lt;item&gt;</a:t>
-            </a:r>
-          </a:p>
-          <a:p>
-            <a:r>
-              <a:rPr lang="en-US" dirty="0">
-                <a:solidFill>
-                  <a:prstClr val="black"/>
-                </a:solidFill>
-                <a:latin typeface="Courier New" pitchFamily="49" charset="0"/>
-                <a:cs typeface="Courier New" pitchFamily="49" charset="0"/>
-              </a:rPr>
-              <a:t>      1.1</a:t>
-            </a:r>
-          </a:p>
-          <a:p>
-            <a:r>
-              <a:rPr lang="en-US" dirty="0">
-                <a:solidFill>
-                  <a:prstClr val="black"/>
-                </a:solidFill>
-                <a:latin typeface="Courier New" pitchFamily="49" charset="0"/>
-                <a:cs typeface="Courier New" pitchFamily="49" charset="0"/>
-              </a:rPr>
-              <a:t>    &lt;/item&gt;</a:t>
-            </a:r>
-          </a:p>
-          <a:p>
-            <a:r>
-              <a:rPr lang="en-US" dirty="0">
-                <a:solidFill>
-                  <a:prstClr val="black"/>
-                </a:solidFill>
-                <a:latin typeface="Courier New" pitchFamily="49" charset="0"/>
-                <a:cs typeface="Courier New" pitchFamily="49" charset="0"/>
-              </a:rPr>
-              <a:t>  &lt;/block&gt;</a:t>
-            </a:r>
-          </a:p>
-          <a:p>
-            <a:r>
-              <a:rPr lang="en-US" dirty="0">
-                <a:solidFill>
-                  <a:prstClr val="black"/>
-                </a:solidFill>
-                <a:latin typeface="Courier New" pitchFamily="49" charset="0"/>
-                <a:cs typeface="Courier New" pitchFamily="49" charset="0"/>
-              </a:rPr>
-              <a:t>  &lt;block name="block_02"&gt;</a:t>
-            </a:r>
-          </a:p>
-          <a:p>
-            <a:r>
-              <a:rPr lang="en-US" dirty="0">
-                <a:solidFill>
-                  <a:prstClr val="black"/>
-                </a:solidFill>
-                <a:latin typeface="Courier New" pitchFamily="49" charset="0"/>
-                <a:cs typeface="Courier New" pitchFamily="49" charset="0"/>
-              </a:rPr>
-              <a:t>    &lt;item&gt;</a:t>
-            </a:r>
-          </a:p>
-          <a:p>
-            <a:r>
-              <a:rPr lang="en-US" dirty="0">
-                <a:solidFill>
-                  <a:prstClr val="black"/>
-                </a:solidFill>
-                <a:latin typeface="Courier New" pitchFamily="49" charset="0"/>
-                <a:cs typeface="Courier New" pitchFamily="49" charset="0"/>
-              </a:rPr>
-              <a:t>      0.2</a:t>
-            </a:r>
-          </a:p>
-          <a:p>
-            <a:r>
-              <a:rPr lang="en-US" dirty="0">
-                <a:solidFill>
-                  <a:prstClr val="black"/>
-                </a:solidFill>
-                <a:latin typeface="Courier New" pitchFamily="49" charset="0"/>
-                <a:cs typeface="Courier New" pitchFamily="49" charset="0"/>
-              </a:rPr>
-              <a:t>    &lt;/item&gt;</a:t>
-            </a:r>
-          </a:p>
-          <a:p>
-            <a:r>
-              <a:rPr lang="en-US" dirty="0">
-                <a:solidFill>
-                  <a:prstClr val="black"/>
-                </a:solidFill>
-                <a:latin typeface="Courier New" pitchFamily="49" charset="0"/>
-                <a:cs typeface="Courier New" pitchFamily="49" charset="0"/>
-              </a:rPr>
-              <a:t>    &lt;item&gt;</a:t>
-            </a:r>
-          </a:p>
-          <a:p>
-            <a:r>
-              <a:rPr lang="en-US" dirty="0">
-                <a:solidFill>
-                  <a:prstClr val="black"/>
-                </a:solidFill>
-                <a:latin typeface="Courier New" pitchFamily="49" charset="0"/>
-                <a:cs typeface="Courier New" pitchFamily="49" charset="0"/>
-              </a:rPr>
-              <a:t>      1.2</a:t>
-            </a:r>
-          </a:p>
-          <a:p>
-            <a:r>
-              <a:rPr lang="en-US" dirty="0">
-                <a:solidFill>
-                  <a:prstClr val="black"/>
-                </a:solidFill>
-                <a:latin typeface="Courier New" pitchFamily="49" charset="0"/>
-                <a:cs typeface="Courier New" pitchFamily="49" charset="0"/>
-              </a:rPr>
-              <a:t>    &lt;/item&gt;</a:t>
-            </a:r>
-          </a:p>
-          <a:p>
-            <a:r>
-              <a:rPr lang="en-US" dirty="0">
-                <a:solidFill>
-                  <a:prstClr val="black"/>
-                </a:solidFill>
-                <a:latin typeface="Courier New" pitchFamily="49" charset="0"/>
-                <a:cs typeface="Courier New" pitchFamily="49" charset="0"/>
-              </a:rPr>
-              <a:t>  &lt;/block&gt;</a:t>
-            </a:r>
-          </a:p>
-          <a:p>
-            <a:r>
-              <a:rPr lang="en-US" dirty="0">
-                <a:solidFill>
-                  <a:prstClr val="black"/>
-                </a:solidFill>
-                <a:latin typeface="Courier New" pitchFamily="49" charset="0"/>
-                <a:cs typeface="Courier New" pitchFamily="49" charset="0"/>
-              </a:rPr>
-              <a:t>&lt;/blocks&gt;</a:t>
-            </a:r>
+              <a:rPr lang="en-US" sz="1800" dirty="0">
+                <a:hlinkClick r:id="rId2"/>
+              </a:rPr>
+              <a:t>https://</a:t>
+            </a:r>
+            <a:r>
+              <a:rPr lang="en-US" sz="1800" dirty="0" smtClean="0">
+                <a:hlinkClick r:id="rId2"/>
+              </a:rPr>
+              <a:t>github.com/gjbex/Python-for-systems-programming/tree/master/source-code/subprocess</a:t>
+            </a:r>
+            <a:r>
+              <a:rPr lang="en-US" sz="1800" dirty="0" smtClean="0"/>
+              <a:t> </a:t>
+            </a:r>
+            <a:endParaRPr lang="en-US" sz="1800" dirty="0"/>
           </a:p>
         </p:txBody>
       </p:sp>
@@ -24286,7 +20498,7 @@
     </p:spTree>
     <p:extLst>
       <p:ext uri="{BB962C8B-B14F-4D97-AF65-F5344CB8AC3E}">
-        <p14:creationId xmlns:p14="http://schemas.microsoft.com/office/powerpoint/2010/main" val="356106587"/>
+        <p14:creationId xmlns:p14="http://schemas.microsoft.com/office/powerpoint/2010/main" val="3849101229"/>
       </p:ext>
     </p:extLst>
   </p:cSld>
@@ -24322,930 +20534,6 @@
       </p:grpSpPr>
       <p:sp>
         <p:nvSpPr>
-          <p:cNvPr id="2" name="Title 1"/>
-          <p:cNvSpPr>
-            <a:spLocks noGrp="1"/>
-          </p:cNvSpPr>
-          <p:nvPr>
-            <p:ph type="title"/>
-          </p:nvPr>
-        </p:nvSpPr>
-        <p:spPr/>
-        <p:txBody>
-          <a:bodyPr/>
-          <a:lstStyle/>
-          <a:p>
-            <a:r>
-              <a:rPr lang="en-US" dirty="0" smtClean="0"/>
-              <a:t>Data formats: creating XML</a:t>
-            </a:r>
-            <a:endParaRPr lang="en-US" dirty="0"/>
-          </a:p>
-        </p:txBody>
-      </p:sp>
-      <p:sp>
-        <p:nvSpPr>
-          <p:cNvPr id="5" name="TextBox 4"/>
-          <p:cNvSpPr txBox="1"/>
-          <p:nvPr/>
-        </p:nvSpPr>
-        <p:spPr>
-          <a:xfrm>
-            <a:off x="1991544" y="1412777"/>
-            <a:ext cx="8064896" cy="5078313"/>
-          </a:xfrm>
-          <a:prstGeom prst="rect">
-            <a:avLst/>
-          </a:prstGeom>
-          <a:solidFill>
-            <a:schemeClr val="bg1">
-              <a:lumMod val="75000"/>
-            </a:schemeClr>
-          </a:solidFill>
-        </p:spPr>
-        <p:txBody>
-          <a:bodyPr wrap="square" rtlCol="0">
-            <a:spAutoFit/>
-          </a:bodyPr>
-          <a:lstStyle/>
-          <a:p>
-            <a:r>
-              <a:rPr lang="pt-BR" dirty="0">
-                <a:solidFill>
-                  <a:prstClr val="black"/>
-                </a:solidFill>
-                <a:latin typeface="Courier New" pitchFamily="49" charset="0"/>
-                <a:cs typeface="Courier New" pitchFamily="49" charset="0"/>
-              </a:rPr>
-              <a:t> 1   from xml.dom.minidom import Document</a:t>
-            </a:r>
-          </a:p>
-          <a:p>
-            <a:r>
-              <a:rPr lang="pt-BR" dirty="0">
-                <a:solidFill>
-                  <a:prstClr val="black"/>
-                </a:solidFill>
-                <a:latin typeface="Courier New" pitchFamily="49" charset="0"/>
-                <a:cs typeface="Courier New" pitchFamily="49" charset="0"/>
-              </a:rPr>
-              <a:t> 2   nr_blocks = 2</a:t>
-            </a:r>
-            <a:br>
-              <a:rPr lang="pt-BR" dirty="0">
-                <a:solidFill>
-                  <a:prstClr val="black"/>
-                </a:solidFill>
-                <a:latin typeface="Courier New" pitchFamily="49" charset="0"/>
-                <a:cs typeface="Courier New" pitchFamily="49" charset="0"/>
-              </a:rPr>
-            </a:br>
-            <a:r>
-              <a:rPr lang="pt-BR" dirty="0">
-                <a:solidFill>
-                  <a:prstClr val="black"/>
-                </a:solidFill>
-                <a:latin typeface="Courier New" pitchFamily="49" charset="0"/>
-                <a:cs typeface="Courier New" pitchFamily="49" charset="0"/>
-              </a:rPr>
-              <a:t> 3   nr_items = 2</a:t>
-            </a:r>
-          </a:p>
-          <a:p>
-            <a:r>
-              <a:rPr lang="pt-BR" dirty="0">
-                <a:solidFill>
-                  <a:prstClr val="black"/>
-                </a:solidFill>
-                <a:latin typeface="Courier New" pitchFamily="49" charset="0"/>
-                <a:cs typeface="Courier New" pitchFamily="49" charset="0"/>
-              </a:rPr>
-              <a:t> </a:t>
-            </a:r>
-            <a:r>
-              <a:rPr lang="en-US" dirty="0">
-                <a:solidFill>
-                  <a:prstClr val="black"/>
-                </a:solidFill>
-                <a:latin typeface="Courier New" pitchFamily="49" charset="0"/>
-                <a:cs typeface="Courier New" pitchFamily="49" charset="0"/>
-              </a:rPr>
-              <a:t>4   doc = Document()</a:t>
-            </a:r>
-          </a:p>
-          <a:p>
-            <a:r>
-              <a:rPr lang="en-US" dirty="0">
-                <a:solidFill>
-                  <a:prstClr val="black"/>
-                </a:solidFill>
-                <a:latin typeface="Courier New" pitchFamily="49" charset="0"/>
-                <a:cs typeface="Courier New" pitchFamily="49" charset="0"/>
-              </a:rPr>
-              <a:t> 5   blocks = </a:t>
-            </a:r>
-            <a:r>
-              <a:rPr lang="en-US" dirty="0" err="1">
-                <a:solidFill>
-                  <a:prstClr val="black"/>
-                </a:solidFill>
-                <a:latin typeface="Courier New" pitchFamily="49" charset="0"/>
-                <a:cs typeface="Courier New" pitchFamily="49" charset="0"/>
-              </a:rPr>
-              <a:t>doc.createElement</a:t>
-            </a:r>
-            <a:r>
-              <a:rPr lang="en-US" dirty="0">
-                <a:solidFill>
-                  <a:prstClr val="black"/>
-                </a:solidFill>
-                <a:latin typeface="Courier New" pitchFamily="49" charset="0"/>
-                <a:cs typeface="Courier New" pitchFamily="49" charset="0"/>
-              </a:rPr>
-              <a:t>('blocks')</a:t>
-            </a:r>
-          </a:p>
-          <a:p>
-            <a:r>
-              <a:rPr lang="en-US" dirty="0">
-                <a:solidFill>
-                  <a:prstClr val="black"/>
-                </a:solidFill>
-                <a:latin typeface="Courier New" pitchFamily="49" charset="0"/>
-                <a:cs typeface="Courier New" pitchFamily="49" charset="0"/>
-              </a:rPr>
-              <a:t> 6   </a:t>
-            </a:r>
-            <a:r>
-              <a:rPr lang="en-US" dirty="0" err="1">
-                <a:solidFill>
-                  <a:prstClr val="black"/>
-                </a:solidFill>
-                <a:latin typeface="Courier New" pitchFamily="49" charset="0"/>
-                <a:cs typeface="Courier New" pitchFamily="49" charset="0"/>
-              </a:rPr>
-              <a:t>doc.appendChild</a:t>
-            </a:r>
-            <a:r>
-              <a:rPr lang="en-US" dirty="0">
-                <a:solidFill>
-                  <a:prstClr val="black"/>
-                </a:solidFill>
-                <a:latin typeface="Courier New" pitchFamily="49" charset="0"/>
-                <a:cs typeface="Courier New" pitchFamily="49" charset="0"/>
-              </a:rPr>
-              <a:t>(blocks)</a:t>
-            </a:r>
-          </a:p>
-          <a:p>
-            <a:r>
-              <a:rPr lang="en-US" dirty="0">
-                <a:solidFill>
-                  <a:prstClr val="black"/>
-                </a:solidFill>
-                <a:latin typeface="Courier New" pitchFamily="49" charset="0"/>
-                <a:cs typeface="Courier New" pitchFamily="49" charset="0"/>
-              </a:rPr>
-              <a:t> 7   for </a:t>
-            </a:r>
-            <a:r>
-              <a:rPr lang="en-US" dirty="0" err="1">
-                <a:solidFill>
-                  <a:prstClr val="black"/>
-                </a:solidFill>
-                <a:latin typeface="Courier New" pitchFamily="49" charset="0"/>
-                <a:cs typeface="Courier New" pitchFamily="49" charset="0"/>
-              </a:rPr>
-              <a:t>block_nr</a:t>
-            </a:r>
-            <a:r>
-              <a:rPr lang="en-US" dirty="0">
-                <a:solidFill>
-                  <a:prstClr val="black"/>
-                </a:solidFill>
-                <a:latin typeface="Courier New" pitchFamily="49" charset="0"/>
-                <a:cs typeface="Courier New" pitchFamily="49" charset="0"/>
-              </a:rPr>
-              <a:t> in range(1, </a:t>
-            </a:r>
-            <a:r>
-              <a:rPr lang="en-US" dirty="0" err="1">
-                <a:solidFill>
-                  <a:prstClr val="black"/>
-                </a:solidFill>
-                <a:latin typeface="Courier New" pitchFamily="49" charset="0"/>
-                <a:cs typeface="Courier New" pitchFamily="49" charset="0"/>
-              </a:rPr>
-              <a:t>nr_blocks</a:t>
-            </a:r>
-            <a:r>
-              <a:rPr lang="en-US" dirty="0">
-                <a:solidFill>
-                  <a:prstClr val="black"/>
-                </a:solidFill>
-                <a:latin typeface="Courier New" pitchFamily="49" charset="0"/>
-                <a:cs typeface="Courier New" pitchFamily="49" charset="0"/>
-              </a:rPr>
-              <a:t> + 1):</a:t>
-            </a:r>
-          </a:p>
-          <a:p>
-            <a:r>
-              <a:rPr lang="en-US" dirty="0">
-                <a:solidFill>
-                  <a:prstClr val="black"/>
-                </a:solidFill>
-                <a:latin typeface="Courier New" pitchFamily="49" charset="0"/>
-                <a:cs typeface="Courier New" pitchFamily="49" charset="0"/>
-              </a:rPr>
-              <a:t> 8       block = </a:t>
-            </a:r>
-            <a:r>
-              <a:rPr lang="en-US" dirty="0" err="1">
-                <a:solidFill>
-                  <a:prstClr val="black"/>
-                </a:solidFill>
-                <a:latin typeface="Courier New" pitchFamily="49" charset="0"/>
-                <a:cs typeface="Courier New" pitchFamily="49" charset="0"/>
-              </a:rPr>
-              <a:t>doc.createElement</a:t>
-            </a:r>
-            <a:r>
-              <a:rPr lang="en-US" dirty="0">
-                <a:solidFill>
-                  <a:prstClr val="black"/>
-                </a:solidFill>
-                <a:latin typeface="Courier New" pitchFamily="49" charset="0"/>
-                <a:cs typeface="Courier New" pitchFamily="49" charset="0"/>
-              </a:rPr>
-              <a:t>('block')</a:t>
-            </a:r>
-          </a:p>
-          <a:p>
-            <a:r>
-              <a:rPr lang="en-US" dirty="0">
-                <a:solidFill>
-                  <a:prstClr val="black"/>
-                </a:solidFill>
-                <a:latin typeface="Courier New" pitchFamily="49" charset="0"/>
-                <a:cs typeface="Courier New" pitchFamily="49" charset="0"/>
-              </a:rPr>
-              <a:t> 9       </a:t>
-            </a:r>
-            <a:r>
-              <a:rPr lang="en-US" dirty="0" err="1">
-                <a:solidFill>
-                  <a:prstClr val="black"/>
-                </a:solidFill>
-                <a:latin typeface="Courier New" pitchFamily="49" charset="0"/>
-                <a:cs typeface="Courier New" pitchFamily="49" charset="0"/>
-              </a:rPr>
-              <a:t>block_name</a:t>
-            </a:r>
-            <a:r>
-              <a:rPr lang="en-US" dirty="0">
-                <a:solidFill>
-                  <a:prstClr val="black"/>
-                </a:solidFill>
-                <a:latin typeface="Courier New" pitchFamily="49" charset="0"/>
-                <a:cs typeface="Courier New" pitchFamily="49" charset="0"/>
-              </a:rPr>
-              <a:t> = 'block_{0:02d}'.format(</a:t>
-            </a:r>
-            <a:r>
-              <a:rPr lang="en-US" dirty="0" err="1">
-                <a:solidFill>
-                  <a:prstClr val="black"/>
-                </a:solidFill>
-                <a:latin typeface="Courier New" pitchFamily="49" charset="0"/>
-                <a:cs typeface="Courier New" pitchFamily="49" charset="0"/>
-              </a:rPr>
-              <a:t>block_nr</a:t>
-            </a:r>
-            <a:r>
-              <a:rPr lang="en-US" dirty="0">
-                <a:solidFill>
-                  <a:prstClr val="black"/>
-                </a:solidFill>
-                <a:latin typeface="Courier New" pitchFamily="49" charset="0"/>
-                <a:cs typeface="Courier New" pitchFamily="49" charset="0"/>
-              </a:rPr>
-              <a:t>)</a:t>
-            </a:r>
-          </a:p>
-          <a:p>
-            <a:r>
-              <a:rPr lang="en-US" dirty="0">
-                <a:solidFill>
-                  <a:prstClr val="black"/>
-                </a:solidFill>
-                <a:latin typeface="Courier New" pitchFamily="49" charset="0"/>
-                <a:cs typeface="Courier New" pitchFamily="49" charset="0"/>
-              </a:rPr>
-              <a:t>10       </a:t>
-            </a:r>
-            <a:r>
-              <a:rPr lang="en-US" dirty="0" err="1">
-                <a:solidFill>
-                  <a:prstClr val="black"/>
-                </a:solidFill>
-                <a:latin typeface="Courier New" pitchFamily="49" charset="0"/>
-                <a:cs typeface="Courier New" pitchFamily="49" charset="0"/>
-              </a:rPr>
-              <a:t>block.setAttribute</a:t>
-            </a:r>
-            <a:r>
-              <a:rPr lang="en-US" dirty="0">
-                <a:solidFill>
-                  <a:prstClr val="black"/>
-                </a:solidFill>
-                <a:latin typeface="Courier New" pitchFamily="49" charset="0"/>
-                <a:cs typeface="Courier New" pitchFamily="49" charset="0"/>
-              </a:rPr>
-              <a:t>('name', </a:t>
-            </a:r>
-            <a:r>
-              <a:rPr lang="en-US" dirty="0" err="1">
-                <a:solidFill>
-                  <a:prstClr val="black"/>
-                </a:solidFill>
-                <a:latin typeface="Courier New" pitchFamily="49" charset="0"/>
-                <a:cs typeface="Courier New" pitchFamily="49" charset="0"/>
-              </a:rPr>
-              <a:t>block_name</a:t>
-            </a:r>
-            <a:r>
-              <a:rPr lang="en-US" dirty="0">
-                <a:solidFill>
-                  <a:prstClr val="black"/>
-                </a:solidFill>
-                <a:latin typeface="Courier New" pitchFamily="49" charset="0"/>
-                <a:cs typeface="Courier New" pitchFamily="49" charset="0"/>
-              </a:rPr>
-              <a:t>)</a:t>
-            </a:r>
-          </a:p>
-          <a:p>
-            <a:r>
-              <a:rPr lang="en-US" dirty="0">
-                <a:solidFill>
-                  <a:prstClr val="black"/>
-                </a:solidFill>
-                <a:latin typeface="Courier New" pitchFamily="49" charset="0"/>
-                <a:cs typeface="Courier New" pitchFamily="49" charset="0"/>
-              </a:rPr>
-              <a:t>11       </a:t>
-            </a:r>
-            <a:r>
-              <a:rPr lang="en-US" dirty="0" err="1">
-                <a:solidFill>
-                  <a:prstClr val="black"/>
-                </a:solidFill>
-                <a:latin typeface="Courier New" pitchFamily="49" charset="0"/>
-                <a:cs typeface="Courier New" pitchFamily="49" charset="0"/>
-              </a:rPr>
-              <a:t>blocks.appendChild</a:t>
-            </a:r>
-            <a:r>
-              <a:rPr lang="en-US" dirty="0">
-                <a:solidFill>
-                  <a:prstClr val="black"/>
-                </a:solidFill>
-                <a:latin typeface="Courier New" pitchFamily="49" charset="0"/>
-                <a:cs typeface="Courier New" pitchFamily="49" charset="0"/>
-              </a:rPr>
-              <a:t>(block)</a:t>
-            </a:r>
-          </a:p>
-          <a:p>
-            <a:r>
-              <a:rPr lang="en-US" dirty="0">
-                <a:solidFill>
-                  <a:prstClr val="black"/>
-                </a:solidFill>
-                <a:latin typeface="Courier New" pitchFamily="49" charset="0"/>
-                <a:cs typeface="Courier New" pitchFamily="49" charset="0"/>
-              </a:rPr>
-              <a:t>12       for </a:t>
-            </a:r>
-            <a:r>
-              <a:rPr lang="en-US" dirty="0" err="1">
-                <a:solidFill>
-                  <a:prstClr val="black"/>
-                </a:solidFill>
-                <a:latin typeface="Courier New" pitchFamily="49" charset="0"/>
-                <a:cs typeface="Courier New" pitchFamily="49" charset="0"/>
-              </a:rPr>
-              <a:t>item_nr</a:t>
-            </a:r>
-            <a:r>
-              <a:rPr lang="en-US" dirty="0">
-                <a:solidFill>
-                  <a:prstClr val="black"/>
-                </a:solidFill>
-                <a:latin typeface="Courier New" pitchFamily="49" charset="0"/>
-                <a:cs typeface="Courier New" pitchFamily="49" charset="0"/>
-              </a:rPr>
-              <a:t> in range(0, </a:t>
-            </a:r>
-            <a:r>
-              <a:rPr lang="en-US" dirty="0" err="1">
-                <a:solidFill>
-                  <a:prstClr val="black"/>
-                </a:solidFill>
-                <a:latin typeface="Courier New" pitchFamily="49" charset="0"/>
-                <a:cs typeface="Courier New" pitchFamily="49" charset="0"/>
-              </a:rPr>
-              <a:t>nr_items</a:t>
-            </a:r>
-            <a:r>
-              <a:rPr lang="en-US" dirty="0">
-                <a:solidFill>
-                  <a:prstClr val="black"/>
-                </a:solidFill>
-                <a:latin typeface="Courier New" pitchFamily="49" charset="0"/>
-                <a:cs typeface="Courier New" pitchFamily="49" charset="0"/>
-              </a:rPr>
-              <a:t>):</a:t>
-            </a:r>
-          </a:p>
-          <a:p>
-            <a:r>
-              <a:rPr lang="en-US" dirty="0">
-                <a:solidFill>
-                  <a:prstClr val="black"/>
-                </a:solidFill>
-                <a:latin typeface="Courier New" pitchFamily="49" charset="0"/>
-                <a:cs typeface="Courier New" pitchFamily="49" charset="0"/>
-              </a:rPr>
-              <a:t>13           item = </a:t>
-            </a:r>
-            <a:r>
-              <a:rPr lang="en-US" dirty="0" err="1">
-                <a:solidFill>
-                  <a:prstClr val="black"/>
-                </a:solidFill>
-                <a:latin typeface="Courier New" pitchFamily="49" charset="0"/>
-                <a:cs typeface="Courier New" pitchFamily="49" charset="0"/>
-              </a:rPr>
-              <a:t>doc.createElement</a:t>
-            </a:r>
-            <a:r>
-              <a:rPr lang="en-US" dirty="0">
-                <a:solidFill>
-                  <a:prstClr val="black"/>
-                </a:solidFill>
-                <a:latin typeface="Courier New" pitchFamily="49" charset="0"/>
-                <a:cs typeface="Courier New" pitchFamily="49" charset="0"/>
-              </a:rPr>
-              <a:t>('item')</a:t>
-            </a:r>
-          </a:p>
-          <a:p>
-            <a:r>
-              <a:rPr lang="en-US" dirty="0">
-                <a:solidFill>
-                  <a:prstClr val="black"/>
-                </a:solidFill>
-                <a:latin typeface="Courier New" pitchFamily="49" charset="0"/>
-                <a:cs typeface="Courier New" pitchFamily="49" charset="0"/>
-              </a:rPr>
-              <a:t>14           text = '{0}.{1}'.format(</a:t>
-            </a:r>
-            <a:r>
-              <a:rPr lang="en-US" dirty="0" err="1">
-                <a:solidFill>
-                  <a:prstClr val="black"/>
-                </a:solidFill>
-                <a:latin typeface="Courier New" pitchFamily="49" charset="0"/>
-                <a:cs typeface="Courier New" pitchFamily="49" charset="0"/>
-              </a:rPr>
-              <a:t>item_nr</a:t>
-            </a:r>
-            <a:r>
-              <a:rPr lang="en-US" dirty="0">
-                <a:solidFill>
-                  <a:prstClr val="black"/>
-                </a:solidFill>
-                <a:latin typeface="Courier New" pitchFamily="49" charset="0"/>
-                <a:cs typeface="Courier New" pitchFamily="49" charset="0"/>
-              </a:rPr>
-              <a:t>, </a:t>
-            </a:r>
-            <a:r>
-              <a:rPr lang="en-US" dirty="0" err="1">
-                <a:solidFill>
-                  <a:prstClr val="black"/>
-                </a:solidFill>
-                <a:latin typeface="Courier New" pitchFamily="49" charset="0"/>
-                <a:cs typeface="Courier New" pitchFamily="49" charset="0"/>
-              </a:rPr>
-              <a:t>block_nr</a:t>
-            </a:r>
-            <a:r>
-              <a:rPr lang="en-US" dirty="0">
-                <a:solidFill>
-                  <a:prstClr val="black"/>
-                </a:solidFill>
-                <a:latin typeface="Courier New" pitchFamily="49" charset="0"/>
-                <a:cs typeface="Courier New" pitchFamily="49" charset="0"/>
-              </a:rPr>
-              <a:t>)</a:t>
-            </a:r>
-          </a:p>
-          <a:p>
-            <a:r>
-              <a:rPr lang="en-US" dirty="0">
-                <a:solidFill>
-                  <a:prstClr val="black"/>
-                </a:solidFill>
-                <a:latin typeface="Courier New" pitchFamily="49" charset="0"/>
-                <a:cs typeface="Courier New" pitchFamily="49" charset="0"/>
-              </a:rPr>
-              <a:t>15           </a:t>
-            </a:r>
-            <a:r>
-              <a:rPr lang="en-US" dirty="0" err="1">
-                <a:solidFill>
-                  <a:prstClr val="black"/>
-                </a:solidFill>
-                <a:latin typeface="Courier New" pitchFamily="49" charset="0"/>
-                <a:cs typeface="Courier New" pitchFamily="49" charset="0"/>
-              </a:rPr>
-              <a:t>text_node</a:t>
-            </a:r>
-            <a:r>
-              <a:rPr lang="en-US" dirty="0">
-                <a:solidFill>
-                  <a:prstClr val="black"/>
-                </a:solidFill>
-                <a:latin typeface="Courier New" pitchFamily="49" charset="0"/>
-                <a:cs typeface="Courier New" pitchFamily="49" charset="0"/>
-              </a:rPr>
-              <a:t> = </a:t>
-            </a:r>
-            <a:r>
-              <a:rPr lang="en-US" dirty="0" err="1">
-                <a:solidFill>
-                  <a:prstClr val="black"/>
-                </a:solidFill>
-                <a:latin typeface="Courier New" pitchFamily="49" charset="0"/>
-                <a:cs typeface="Courier New" pitchFamily="49" charset="0"/>
-              </a:rPr>
-              <a:t>doc.createTextNode</a:t>
-            </a:r>
-            <a:r>
-              <a:rPr lang="en-US" dirty="0">
-                <a:solidFill>
-                  <a:prstClr val="black"/>
-                </a:solidFill>
-                <a:latin typeface="Courier New" pitchFamily="49" charset="0"/>
-                <a:cs typeface="Courier New" pitchFamily="49" charset="0"/>
-              </a:rPr>
-              <a:t>(text)</a:t>
-            </a:r>
-          </a:p>
-          <a:p>
-            <a:r>
-              <a:rPr lang="en-US" dirty="0">
-                <a:solidFill>
-                  <a:prstClr val="black"/>
-                </a:solidFill>
-                <a:latin typeface="Courier New" pitchFamily="49" charset="0"/>
-                <a:cs typeface="Courier New" pitchFamily="49" charset="0"/>
-              </a:rPr>
-              <a:t>16           </a:t>
-            </a:r>
-            <a:r>
-              <a:rPr lang="en-US" dirty="0" err="1">
-                <a:solidFill>
-                  <a:prstClr val="black"/>
-                </a:solidFill>
-                <a:latin typeface="Courier New" pitchFamily="49" charset="0"/>
-                <a:cs typeface="Courier New" pitchFamily="49" charset="0"/>
-              </a:rPr>
-              <a:t>item.appendChild</a:t>
-            </a:r>
-            <a:r>
-              <a:rPr lang="en-US" dirty="0">
-                <a:solidFill>
-                  <a:prstClr val="black"/>
-                </a:solidFill>
-                <a:latin typeface="Courier New" pitchFamily="49" charset="0"/>
-                <a:cs typeface="Courier New" pitchFamily="49" charset="0"/>
-              </a:rPr>
-              <a:t>(</a:t>
-            </a:r>
-            <a:r>
-              <a:rPr lang="en-US" dirty="0" err="1">
-                <a:solidFill>
-                  <a:prstClr val="black"/>
-                </a:solidFill>
-                <a:latin typeface="Courier New" pitchFamily="49" charset="0"/>
-                <a:cs typeface="Courier New" pitchFamily="49" charset="0"/>
-              </a:rPr>
-              <a:t>text_node</a:t>
-            </a:r>
-            <a:r>
-              <a:rPr lang="en-US" dirty="0">
-                <a:solidFill>
-                  <a:prstClr val="black"/>
-                </a:solidFill>
-                <a:latin typeface="Courier New" pitchFamily="49" charset="0"/>
-                <a:cs typeface="Courier New" pitchFamily="49" charset="0"/>
-              </a:rPr>
-              <a:t>)</a:t>
-            </a:r>
-          </a:p>
-          <a:p>
-            <a:r>
-              <a:rPr lang="en-US" dirty="0">
-                <a:solidFill>
-                  <a:prstClr val="black"/>
-                </a:solidFill>
-                <a:latin typeface="Courier New" pitchFamily="49" charset="0"/>
-                <a:cs typeface="Courier New" pitchFamily="49" charset="0"/>
-              </a:rPr>
-              <a:t>17           </a:t>
-            </a:r>
-            <a:r>
-              <a:rPr lang="en-US" dirty="0" err="1">
-                <a:solidFill>
-                  <a:prstClr val="black"/>
-                </a:solidFill>
-                <a:latin typeface="Courier New" pitchFamily="49" charset="0"/>
-                <a:cs typeface="Courier New" pitchFamily="49" charset="0"/>
-              </a:rPr>
-              <a:t>block.appendChild</a:t>
-            </a:r>
-            <a:r>
-              <a:rPr lang="en-US" dirty="0">
-                <a:solidFill>
-                  <a:prstClr val="black"/>
-                </a:solidFill>
-                <a:latin typeface="Courier New" pitchFamily="49" charset="0"/>
-                <a:cs typeface="Courier New" pitchFamily="49" charset="0"/>
-              </a:rPr>
-              <a:t>(item)</a:t>
-            </a:r>
-          </a:p>
-          <a:p>
-            <a:r>
-              <a:rPr lang="en-US" dirty="0">
-                <a:solidFill>
-                  <a:prstClr val="black"/>
-                </a:solidFill>
-                <a:latin typeface="Courier New" pitchFamily="49" charset="0"/>
-                <a:cs typeface="Courier New" pitchFamily="49" charset="0"/>
-              </a:rPr>
-              <a:t>18   print(</a:t>
-            </a:r>
-            <a:r>
-              <a:rPr lang="en-US" dirty="0" err="1">
-                <a:solidFill>
-                  <a:prstClr val="black"/>
-                </a:solidFill>
-                <a:latin typeface="Courier New" pitchFamily="49" charset="0"/>
-                <a:cs typeface="Courier New" pitchFamily="49" charset="0"/>
-              </a:rPr>
-              <a:t>doc.toprettyxml</a:t>
-            </a:r>
-            <a:r>
-              <a:rPr lang="en-US" dirty="0">
-                <a:solidFill>
-                  <a:prstClr val="black"/>
-                </a:solidFill>
-                <a:latin typeface="Courier New" pitchFamily="49" charset="0"/>
-                <a:cs typeface="Courier New" pitchFamily="49" charset="0"/>
-              </a:rPr>
-              <a:t>(indent='  '))</a:t>
-            </a:r>
-          </a:p>
-        </p:txBody>
-      </p:sp>
-      <p:sp>
-        <p:nvSpPr>
-          <p:cNvPr id="3" name="Slide Number Placeholder 2"/>
-          <p:cNvSpPr>
-            <a:spLocks noGrp="1"/>
-          </p:cNvSpPr>
-          <p:nvPr>
-            <p:ph type="sldNum" sz="quarter" idx="12"/>
-          </p:nvPr>
-        </p:nvSpPr>
-        <p:spPr/>
-        <p:txBody>
-          <a:bodyPr/>
-          <a:lstStyle/>
-          <a:p>
-            <a:fld id="{5A209D72-2E9D-49B0-8977-41DCCC66C0BB}" type="slidenum">
-              <a:rPr lang="nl-BE">
-                <a:solidFill>
-                  <a:prstClr val="black">
-                    <a:tint val="75000"/>
-                  </a:prstClr>
-                </a:solidFill>
-                <a:latin typeface="Calibri"/>
-              </a:rPr>
-              <a:pPr/>
-              <a:t>34</a:t>
-            </a:fld>
-            <a:endParaRPr lang="nl-BE">
-              <a:solidFill>
-                <a:prstClr val="black">
-                  <a:tint val="75000"/>
-                </a:prstClr>
-              </a:solidFill>
-              <a:latin typeface="Calibri"/>
-            </a:endParaRPr>
-          </a:p>
-        </p:txBody>
-      </p:sp>
-    </p:spTree>
-    <p:extLst>
-      <p:ext uri="{BB962C8B-B14F-4D97-AF65-F5344CB8AC3E}">
-        <p14:creationId xmlns:p14="http://schemas.microsoft.com/office/powerpoint/2010/main" val="1324044320"/>
-      </p:ext>
-    </p:extLst>
-  </p:cSld>
-  <p:clrMapOvr>
-    <a:masterClrMapping/>
-  </p:clrMapOvr>
-  <p:timing>
-    <p:tnLst>
-      <p:par>
-        <p:cTn id="1" dur="indefinite" restart="never" nodeType="tmRoot"/>
-      </p:par>
-    </p:tnLst>
-  </p:timing>
-</p:sld>
-</file>
-
-<file path=ppt/slides/slide35.xml><?xml version="1.0" encoding="utf-8"?>
-<p:sld xmlns:a="http://schemas.openxmlformats.org/drawingml/2006/main" xmlns:r="http://schemas.openxmlformats.org/officeDocument/2006/relationships" xmlns:p="http://schemas.openxmlformats.org/presentationml/2006/main">
-  <p:cSld>
-    <p:spTree>
-      <p:nvGrpSpPr>
-        <p:cNvPr id="1" name=""/>
-        <p:cNvGrpSpPr/>
-        <p:nvPr/>
-      </p:nvGrpSpPr>
-      <p:grpSpPr>
-        <a:xfrm>
-          <a:off x="0" y="0"/>
-          <a:ext cx="0" cy="0"/>
-          <a:chOff x="0" y="0"/>
-          <a:chExt cx="0" cy="0"/>
-        </a:xfrm>
-      </p:grpSpPr>
-      <p:sp>
-        <p:nvSpPr>
-          <p:cNvPr id="2" name="Title 1"/>
-          <p:cNvSpPr>
-            <a:spLocks noGrp="1"/>
-          </p:cNvSpPr>
-          <p:nvPr>
-            <p:ph type="title"/>
-          </p:nvPr>
-        </p:nvSpPr>
-        <p:spPr/>
-        <p:txBody>
-          <a:bodyPr/>
-          <a:lstStyle/>
-          <a:p>
-            <a:r>
-              <a:rPr lang="en-US" dirty="0" smtClean="0"/>
-              <a:t>Using shell commands:</a:t>
-            </a:r>
-            <a:br>
-              <a:rPr lang="en-US" dirty="0" smtClean="0"/>
-            </a:br>
-            <a:r>
-              <a:rPr lang="en-US" dirty="0" smtClean="0"/>
-              <a:t>Python </a:t>
-            </a:r>
-            <a:r>
-              <a:rPr lang="en-US" dirty="0" err="1" smtClean="0"/>
-              <a:t>subprocess</a:t>
-            </a:r>
-            <a:endParaRPr lang="en-US" dirty="0"/>
-          </a:p>
-        </p:txBody>
-      </p:sp>
-      <p:sp>
-        <p:nvSpPr>
-          <p:cNvPr id="3" name="Text Placeholder 2"/>
-          <p:cNvSpPr>
-            <a:spLocks noGrp="1"/>
-          </p:cNvSpPr>
-          <p:nvPr>
-            <p:ph type="body" idx="1"/>
-          </p:nvPr>
-        </p:nvSpPr>
-        <p:spPr/>
-        <p:txBody>
-          <a:bodyPr>
-            <a:normAutofit/>
-          </a:bodyPr>
-          <a:lstStyle/>
-          <a:p>
-            <a:r>
-              <a:rPr lang="en-US" sz="1800" dirty="0">
-                <a:hlinkClick r:id="rId2"/>
-              </a:rPr>
-              <a:t>https://</a:t>
-            </a:r>
-            <a:r>
-              <a:rPr lang="en-US" sz="1800" dirty="0" smtClean="0">
-                <a:hlinkClick r:id="rId2"/>
-              </a:rPr>
-              <a:t>github.com/gjbex/Python-for-systems-programming/tree/master/source-code/subprocess</a:t>
-            </a:r>
-            <a:r>
-              <a:rPr lang="en-US" sz="1800" dirty="0" smtClean="0"/>
-              <a:t> </a:t>
-            </a:r>
-            <a:endParaRPr lang="en-US" sz="1800" dirty="0"/>
-          </a:p>
-        </p:txBody>
-      </p:sp>
-      <p:sp>
-        <p:nvSpPr>
-          <p:cNvPr id="4" name="Slide Number Placeholder 3"/>
-          <p:cNvSpPr>
-            <a:spLocks noGrp="1"/>
-          </p:cNvSpPr>
-          <p:nvPr>
-            <p:ph type="sldNum" sz="quarter" idx="12"/>
-          </p:nvPr>
-        </p:nvSpPr>
-        <p:spPr/>
-        <p:txBody>
-          <a:bodyPr/>
-          <a:lstStyle/>
-          <a:p>
-            <a:fld id="{5A209D72-2E9D-49B0-8977-41DCCC66C0BB}" type="slidenum">
-              <a:rPr lang="nl-BE">
-                <a:solidFill>
-                  <a:prstClr val="black">
-                    <a:tint val="75000"/>
-                  </a:prstClr>
-                </a:solidFill>
-                <a:latin typeface="Calibri"/>
-              </a:rPr>
-              <a:pPr/>
-              <a:t>35</a:t>
-            </a:fld>
-            <a:endParaRPr lang="nl-BE">
-              <a:solidFill>
-                <a:prstClr val="black">
-                  <a:tint val="75000"/>
-                </a:prstClr>
-              </a:solidFill>
-              <a:latin typeface="Calibri"/>
-            </a:endParaRPr>
-          </a:p>
-        </p:txBody>
-      </p:sp>
-    </p:spTree>
-    <p:extLst>
-      <p:ext uri="{BB962C8B-B14F-4D97-AF65-F5344CB8AC3E}">
-        <p14:creationId xmlns:p14="http://schemas.microsoft.com/office/powerpoint/2010/main" val="3849101229"/>
-      </p:ext>
-    </p:extLst>
-  </p:cSld>
-  <p:clrMapOvr>
-    <a:masterClrMapping/>
-  </p:clrMapOvr>
-  <p:timing>
-    <p:tnLst>
-      <p:par>
-        <p:cTn id="1" dur="indefinite" restart="never" nodeType="tmRoot"/>
-      </p:par>
-    </p:tnLst>
-  </p:timing>
-</p:sld>
-</file>
-
-<file path=ppt/slides/slide36.xml><?xml version="1.0" encoding="utf-8"?>
-<p:sld xmlns:a="http://schemas.openxmlformats.org/drawingml/2006/main" xmlns:r="http://schemas.openxmlformats.org/officeDocument/2006/relationships" xmlns:p="http://schemas.openxmlformats.org/presentationml/2006/main">
-  <p:cSld>
-    <p:spTree>
-      <p:nvGrpSpPr>
-        <p:cNvPr id="1" name=""/>
-        <p:cNvGrpSpPr/>
-        <p:nvPr/>
-      </p:nvGrpSpPr>
-      <p:grpSpPr>
-        <a:xfrm>
-          <a:off x="0" y="0"/>
-          <a:ext cx="0" cy="0"/>
-          <a:chOff x="0" y="0"/>
-          <a:chExt cx="0" cy="0"/>
-        </a:xfrm>
-      </p:grpSpPr>
-      <p:sp>
-        <p:nvSpPr>
           <p:cNvPr id="4" name="Title 3"/>
           <p:cNvSpPr>
             <a:spLocks noGrp="1"/>
@@ -25697,7 +20985,7 @@
                 <a:latin typeface="Calibri"/>
               </a:rPr>
               <a:pPr/>
-              <a:t>36</a:t>
+              <a:t>34</a:t>
             </a:fld>
             <a:endParaRPr lang="nl-BE">
               <a:solidFill>
@@ -26145,7 +21433,7 @@
 </p:sld>
 </file>
 
-<file path=ppt/slides/slide37.xml><?xml version="1.0" encoding="utf-8"?>
+<file path=ppt/slides/slide35.xml><?xml version="1.0" encoding="utf-8"?>
 <p:sld xmlns:a="http://schemas.openxmlformats.org/drawingml/2006/main" xmlns:r="http://schemas.openxmlformats.org/officeDocument/2006/relationships" xmlns:p="http://schemas.openxmlformats.org/presentationml/2006/main">
   <p:cSld>
     <p:spTree>
@@ -27140,7 +22428,7 @@
                 <a:latin typeface="Calibri"/>
               </a:rPr>
               <a:pPr/>
-              <a:t>37</a:t>
+              <a:t>35</a:t>
             </a:fld>
             <a:endParaRPr lang="nl-BE">
               <a:solidFill>

--- a/python_for_systems_programming.pptx
+++ b/python_for_systems_programming.pptx
@@ -38,9 +38,15 @@
     <p:sldId id="283" r:id="rId32"/>
     <p:sldId id="286" r:id="rId33"/>
     <p:sldId id="287" r:id="rId34"/>
-    <p:sldId id="280" r:id="rId35"/>
-    <p:sldId id="281" r:id="rId36"/>
-    <p:sldId id="282" r:id="rId37"/>
+    <p:sldId id="294" r:id="rId35"/>
+    <p:sldId id="295" r:id="rId36"/>
+    <p:sldId id="296" r:id="rId37"/>
+    <p:sldId id="297" r:id="rId38"/>
+    <p:sldId id="298" r:id="rId39"/>
+    <p:sldId id="299" r:id="rId40"/>
+    <p:sldId id="280" r:id="rId41"/>
+    <p:sldId id="281" r:id="rId42"/>
+    <p:sldId id="282" r:id="rId43"/>
   </p:sldIdLst>
   <p:sldSz cx="12192000" cy="6858000"/>
   <p:notesSz cx="6858000" cy="9144000"/>
@@ -192,6 +198,12 @@
             <p14:sldId id="283"/>
             <p14:sldId id="286"/>
             <p14:sldId id="287"/>
+            <p14:sldId id="294"/>
+            <p14:sldId id="295"/>
+            <p14:sldId id="296"/>
+            <p14:sldId id="297"/>
+            <p14:sldId id="298"/>
+            <p14:sldId id="299"/>
           </p14:sldIdLst>
         </p14:section>
         <p14:section name="Processes" id="{0920120A-FC29-4F18-8FB0-3AD08A3D233A}">
@@ -341,7 +353,7 @@
           <a:p>
             <a:fld id="{9B61669F-67CC-4684-B4EC-0CD896AF340A}" type="datetimeFigureOut">
               <a:rPr lang="en-US" smtClean="0"/>
-              <a:t>2019-11-25</a:t>
+              <a:t>2019-11-26</a:t>
             </a:fld>
             <a:endParaRPr lang="en-US"/>
           </a:p>
@@ -511,7 +523,7 @@
           <a:p>
             <a:fld id="{9B61669F-67CC-4684-B4EC-0CD896AF340A}" type="datetimeFigureOut">
               <a:rPr lang="en-US" smtClean="0"/>
-              <a:t>2019-11-25</a:t>
+              <a:t>2019-11-26</a:t>
             </a:fld>
             <a:endParaRPr lang="en-US"/>
           </a:p>
@@ -691,7 +703,7 @@
           <a:p>
             <a:fld id="{9B61669F-67CC-4684-B4EC-0CD896AF340A}" type="datetimeFigureOut">
               <a:rPr lang="en-US" smtClean="0"/>
-              <a:t>2019-11-25</a:t>
+              <a:t>2019-11-26</a:t>
             </a:fld>
             <a:endParaRPr lang="en-US"/>
           </a:p>
@@ -933,7 +945,7 @@
           <a:p>
             <a:fld id="{AA89080B-4260-48D4-BEBC-624AE09ECE83}" type="datetime1">
               <a:rPr lang="nl-BE" smtClean="0"/>
-              <a:t>25/11/2019</a:t>
+              <a:t>26/11/2019</a:t>
             </a:fld>
             <a:endParaRPr lang="nl-BE"/>
           </a:p>
@@ -1103,7 +1115,7 @@
           <a:p>
             <a:fld id="{EC448E59-F64F-416B-85C7-F58EA54BAF31}" type="datetime1">
               <a:rPr lang="nl-BE" smtClean="0"/>
-              <a:t>25/11/2019</a:t>
+              <a:t>26/11/2019</a:t>
             </a:fld>
             <a:endParaRPr lang="nl-BE"/>
           </a:p>
@@ -1349,7 +1361,7 @@
           <a:p>
             <a:fld id="{9ED5C3B5-60AD-4494-9CFA-8B02B158E887}" type="datetime1">
               <a:rPr lang="nl-BE" smtClean="0"/>
-              <a:t>25/11/2019</a:t>
+              <a:t>26/11/2019</a:t>
             </a:fld>
             <a:endParaRPr lang="nl-BE"/>
           </a:p>
@@ -1637,7 +1649,7 @@
           <a:p>
             <a:fld id="{44F0EF99-E673-4972-A23A-EB3FD1F7D254}" type="datetime1">
               <a:rPr lang="nl-BE" smtClean="0"/>
-              <a:t>25/11/2019</a:t>
+              <a:t>26/11/2019</a:t>
             </a:fld>
             <a:endParaRPr lang="nl-BE"/>
           </a:p>
@@ -2059,7 +2071,7 @@
           <a:p>
             <a:fld id="{362C3B20-157B-48BC-A7F6-78FD90E3E349}" type="datetime1">
               <a:rPr lang="nl-BE" smtClean="0"/>
-              <a:t>25/11/2019</a:t>
+              <a:t>26/11/2019</a:t>
             </a:fld>
             <a:endParaRPr lang="nl-BE"/>
           </a:p>
@@ -2177,7 +2189,7 @@
           <a:p>
             <a:fld id="{1E4894A8-27B8-4F4D-B345-90FD4A1447E9}" type="datetime1">
               <a:rPr lang="nl-BE" smtClean="0"/>
-              <a:t>25/11/2019</a:t>
+              <a:t>26/11/2019</a:t>
             </a:fld>
             <a:endParaRPr lang="nl-BE"/>
           </a:p>
@@ -2272,7 +2284,7 @@
           <a:p>
             <a:fld id="{9B6664D4-33A1-4715-AD97-DD0D01FAC894}" type="datetime1">
               <a:rPr lang="nl-BE" smtClean="0"/>
-              <a:t>25/11/2019</a:t>
+              <a:t>26/11/2019</a:t>
             </a:fld>
             <a:endParaRPr lang="nl-BE"/>
           </a:p>
@@ -2549,7 +2561,7 @@
           <a:p>
             <a:fld id="{71880A9C-007F-4E0D-B4C6-060FFE64811B}" type="datetime1">
               <a:rPr lang="nl-BE" smtClean="0"/>
-              <a:t>25/11/2019</a:t>
+              <a:t>26/11/2019</a:t>
             </a:fld>
             <a:endParaRPr lang="nl-BE"/>
           </a:p>
@@ -2719,7 +2731,7 @@
           <a:p>
             <a:fld id="{9B61669F-67CC-4684-B4EC-0CD896AF340A}" type="datetimeFigureOut">
               <a:rPr lang="en-US" smtClean="0"/>
-              <a:t>2019-11-25</a:t>
+              <a:t>2019-11-26</a:t>
             </a:fld>
             <a:endParaRPr lang="en-US"/>
           </a:p>
@@ -2972,7 +2984,7 @@
           <a:p>
             <a:fld id="{DD295E27-2F3D-481A-B8B8-8482CE6DA5DC}" type="datetime1">
               <a:rPr lang="nl-BE" smtClean="0"/>
-              <a:t>25/11/2019</a:t>
+              <a:t>26/11/2019</a:t>
             </a:fld>
             <a:endParaRPr lang="nl-BE"/>
           </a:p>
@@ -3142,7 +3154,7 @@
           <a:p>
             <a:fld id="{EFB41BB7-A881-4920-B186-797A2AD05998}" type="datetime1">
               <a:rPr lang="nl-BE" smtClean="0"/>
-              <a:t>25/11/2019</a:t>
+              <a:t>26/11/2019</a:t>
             </a:fld>
             <a:endParaRPr lang="nl-BE"/>
           </a:p>
@@ -3322,7 +3334,7 @@
           <a:p>
             <a:fld id="{11C6BFEC-574C-49E6-96B0-F15D7DB2764A}" type="datetime1">
               <a:rPr lang="nl-BE" smtClean="0"/>
-              <a:t>25/11/2019</a:t>
+              <a:t>26/11/2019</a:t>
             </a:fld>
             <a:endParaRPr lang="nl-BE"/>
           </a:p>
@@ -3568,7 +3580,7 @@
           <a:p>
             <a:fld id="{9B61669F-67CC-4684-B4EC-0CD896AF340A}" type="datetimeFigureOut">
               <a:rPr lang="en-US" smtClean="0"/>
-              <a:t>2019-11-25</a:t>
+              <a:t>2019-11-26</a:t>
             </a:fld>
             <a:endParaRPr lang="en-US"/>
           </a:p>
@@ -3800,7 +3812,7 @@
           <a:p>
             <a:fld id="{9B61669F-67CC-4684-B4EC-0CD896AF340A}" type="datetimeFigureOut">
               <a:rPr lang="en-US" smtClean="0"/>
-              <a:t>2019-11-25</a:t>
+              <a:t>2019-11-26</a:t>
             </a:fld>
             <a:endParaRPr lang="en-US"/>
           </a:p>
@@ -4167,7 +4179,7 @@
           <a:p>
             <a:fld id="{9B61669F-67CC-4684-B4EC-0CD896AF340A}" type="datetimeFigureOut">
               <a:rPr lang="en-US" smtClean="0"/>
-              <a:t>2019-11-25</a:t>
+              <a:t>2019-11-26</a:t>
             </a:fld>
             <a:endParaRPr lang="en-US"/>
           </a:p>
@@ -4285,7 +4297,7 @@
           <a:p>
             <a:fld id="{9B61669F-67CC-4684-B4EC-0CD896AF340A}" type="datetimeFigureOut">
               <a:rPr lang="en-US" smtClean="0"/>
-              <a:t>2019-11-25</a:t>
+              <a:t>2019-11-26</a:t>
             </a:fld>
             <a:endParaRPr lang="en-US"/>
           </a:p>
@@ -4380,7 +4392,7 @@
           <a:p>
             <a:fld id="{9B61669F-67CC-4684-B4EC-0CD896AF340A}" type="datetimeFigureOut">
               <a:rPr lang="en-US" smtClean="0"/>
-              <a:t>2019-11-25</a:t>
+              <a:t>2019-11-26</a:t>
             </a:fld>
             <a:endParaRPr lang="en-US"/>
           </a:p>
@@ -4657,7 +4669,7 @@
           <a:p>
             <a:fld id="{9B61669F-67CC-4684-B4EC-0CD896AF340A}" type="datetimeFigureOut">
               <a:rPr lang="en-US" smtClean="0"/>
-              <a:t>2019-11-25</a:t>
+              <a:t>2019-11-26</a:t>
             </a:fld>
             <a:endParaRPr lang="en-US"/>
           </a:p>
@@ -4910,7 +4922,7 @@
           <a:p>
             <a:fld id="{9B61669F-67CC-4684-B4EC-0CD896AF340A}" type="datetimeFigureOut">
               <a:rPr lang="en-US" smtClean="0"/>
-              <a:t>2019-11-25</a:t>
+              <a:t>2019-11-26</a:t>
             </a:fld>
             <a:endParaRPr lang="en-US"/>
           </a:p>
@@ -5123,7 +5135,7 @@
           <a:p>
             <a:fld id="{9B61669F-67CC-4684-B4EC-0CD896AF340A}" type="datetimeFigureOut">
               <a:rPr lang="en-US" smtClean="0"/>
-              <a:t>2019-11-25</a:t>
+              <a:t>2019-11-26</a:t>
             </a:fld>
             <a:endParaRPr lang="en-US"/>
           </a:p>
@@ -5663,7 +5675,7 @@
           <a:p>
             <a:fld id="{AFF0BB8E-41A9-4D12-9A22-82FF4E94F27A}" type="datetime1">
               <a:rPr lang="nl-BE" smtClean="0"/>
-              <a:t>25/11/2019</a:t>
+              <a:t>26/11/2019</a:t>
             </a:fld>
             <a:endParaRPr lang="nl-BE"/>
           </a:p>
@@ -10427,10 +10439,7 @@
               <a:avLst/>
             </a:prstGeom>
             <a:solidFill>
-              <a:schemeClr val="accent6">
-                <a:lumMod val="20000"/>
-                <a:lumOff val="80000"/>
-              </a:schemeClr>
+              <a:srgbClr val="CCFF66"/>
             </a:solidFill>
             <a:ln>
               <a:solidFill>
@@ -10599,10 +10608,7 @@
               <a:avLst/>
             </a:prstGeom>
             <a:solidFill>
-              <a:schemeClr val="accent6">
-                <a:lumMod val="20000"/>
-                <a:lumOff val="80000"/>
-              </a:schemeClr>
+              <a:srgbClr val="CCFF66"/>
             </a:solidFill>
             <a:ln>
               <a:solidFill>
@@ -10805,10 +10811,7 @@
               <a:avLst/>
             </a:prstGeom>
             <a:solidFill>
-              <a:schemeClr val="accent6">
-                <a:lumMod val="20000"/>
-                <a:lumOff val="80000"/>
-              </a:schemeClr>
+              <a:srgbClr val="CCFF66"/>
             </a:solidFill>
             <a:ln>
               <a:solidFill>
@@ -19293,9 +19296,7 @@
             <a:avLst/>
           </a:prstGeom>
           <a:solidFill>
-            <a:schemeClr val="bg1">
-              <a:lumMod val="75000"/>
-            </a:schemeClr>
+            <a:srgbClr val="CCFF66"/>
           </a:solidFill>
         </p:spPr>
         <p:txBody>
@@ -20403,18 +20404,7 @@
           <a:p>
             <a:r>
               <a:rPr lang="en-US" dirty="0" smtClean="0"/>
-              <a:t>Using shell commands:</a:t>
-            </a:r>
-            <a:br>
-              <a:rPr lang="en-US" dirty="0" smtClean="0"/>
-            </a:br>
-            <a:r>
-              <a:rPr lang="en-US" dirty="0" smtClean="0"/>
-              <a:t>Python </a:t>
-            </a:r>
-            <a:r>
-              <a:rPr lang="en-US" dirty="0" err="1" smtClean="0"/>
-              <a:t>subprocess</a:t>
+              <a:t>Templates</a:t>
             </a:r>
             <a:endParaRPr lang="en-US" dirty="0"/>
           </a:p>
@@ -20432,28 +20422,29 @@
         </p:nvSpPr>
         <p:spPr/>
         <p:txBody>
-          <a:bodyPr>
-            <a:normAutofit/>
-          </a:bodyPr>
+          <a:bodyPr/>
           <a:lstStyle/>
           <a:p>
             <a:r>
-              <a:rPr lang="en-US" sz="1800" dirty="0">
+              <a:rPr lang="en-US" dirty="0">
                 <a:hlinkClick r:id="rId2"/>
               </a:rPr>
               <a:t>https://</a:t>
             </a:r>
             <a:r>
-              <a:rPr lang="en-US" sz="1800" dirty="0" smtClean="0">
+              <a:rPr lang="en-US" dirty="0" smtClean="0">
                 <a:hlinkClick r:id="rId2"/>
               </a:rPr>
-              <a:t>github.com/gjbex/Python-for-systems-programming/tree/master/source-code/subprocess</a:t>
-            </a:r>
-            <a:r>
-              <a:rPr lang="en-US" sz="1800" dirty="0" smtClean="0"/>
+              <a:t>github.com/gjbex/Python-for-systems-programming/tree/master/source-code/jinja</a:t>
+            </a:r>
+            <a:r>
+              <a:rPr lang="en-US" dirty="0" smtClean="0"/>
               <a:t> </a:t>
             </a:r>
-            <a:endParaRPr lang="en-US" sz="1800" dirty="0"/>
+            <a:endParaRPr lang="en-US" dirty="0"/>
+          </a:p>
+          <a:p>
+            <a:endParaRPr lang="en-US" dirty="0"/>
           </a:p>
         </p:txBody>
       </p:sp>
@@ -20473,32 +20464,17 @@
           <a:lstStyle/>
           <a:p>
             <a:fld id="{5A209D72-2E9D-49B0-8977-41DCCC66C0BB}" type="slidenum">
-              <a:rPr lang="nl-BE">
-                <a:solidFill>
-                  <a:prstClr val="black">
-                    <a:tint val="75000"/>
-                  </a:prstClr>
-                </a:solidFill>
-                <a:latin typeface="Calibri"/>
-              </a:rPr>
-              <a:pPr/>
+              <a:rPr lang="nl-BE" smtClean="0"/>
               <a:t>33</a:t>
             </a:fld>
-            <a:endParaRPr lang="nl-BE">
-              <a:solidFill>
-                <a:prstClr val="black">
-                  <a:tint val="75000"/>
-                </a:prstClr>
-              </a:solidFill>
-              <a:latin typeface="Calibri"/>
-            </a:endParaRPr>
+            <a:endParaRPr lang="nl-BE"/>
           </a:p>
         </p:txBody>
       </p:sp>
     </p:spTree>
     <p:extLst>
       <p:ext uri="{BB962C8B-B14F-4D97-AF65-F5344CB8AC3E}">
-        <p14:creationId xmlns:p14="http://schemas.microsoft.com/office/powerpoint/2010/main" val="3849101229"/>
+        <p14:creationId xmlns:p14="http://schemas.microsoft.com/office/powerpoint/2010/main" val="3629370252"/>
       </p:ext>
     </p:extLst>
   </p:cSld>
@@ -20534,7 +20510,7 @@
       </p:grpSpPr>
       <p:sp>
         <p:nvSpPr>
-          <p:cNvPr id="4" name="Title 3"/>
+          <p:cNvPr id="2" name="Title 1"/>
           <p:cNvSpPr>
             <a:spLocks noGrp="1"/>
           </p:cNvSpPr>
@@ -20549,7 +20525,7 @@
           <a:p>
             <a:r>
               <a:rPr lang="en-US" dirty="0" smtClean="0"/>
-              <a:t>Counting words in a file</a:t>
+              <a:t>Separating information and representation</a:t>
             </a:r>
             <a:endParaRPr lang="en-US" dirty="0"/>
           </a:p>
@@ -20557,7 +20533,7 @@
       </p:sp>
       <p:sp>
         <p:nvSpPr>
-          <p:cNvPr id="5" name="Content Placeholder 4"/>
+          <p:cNvPr id="3" name="Content Placeholder 2"/>
           <p:cNvSpPr>
             <a:spLocks noGrp="1"/>
           </p:cNvSpPr>
@@ -20568,401 +20544,54 @@
         <p:spPr/>
         <p:txBody>
           <a:bodyPr>
-            <a:normAutofit fontScale="92500" lnSpcReduction="20000"/>
+            <a:normAutofit/>
           </a:bodyPr>
           <a:lstStyle/>
           <a:p>
             <a:r>
               <a:rPr lang="en-US" dirty="0" smtClean="0"/>
-              <a:t>Using shell utilities: </a:t>
-            </a:r>
-            <a:r>
-              <a:rPr lang="en-US" dirty="0" err="1" smtClean="0">
-                <a:latin typeface="Courier New" pitchFamily="49" charset="0"/>
-                <a:cs typeface="Courier New" pitchFamily="49" charset="0"/>
-              </a:rPr>
-              <a:t>subprocess</a:t>
-            </a:r>
+              <a:t>Data as objects</a:t>
+            </a:r>
+          </a:p>
+          <a:p>
+            <a:pPr lvl="1"/>
             <a:r>
               <a:rPr lang="en-US" dirty="0" smtClean="0"/>
-              <a:t> module</a:t>
-            </a:r>
-          </a:p>
-          <a:p>
-            <a:endParaRPr lang="en-US" dirty="0" smtClean="0"/>
-          </a:p>
-          <a:p>
-            <a:endParaRPr lang="en-US" dirty="0" smtClean="0"/>
-          </a:p>
-          <a:p>
-            <a:endParaRPr lang="en-US" dirty="0" smtClean="0"/>
-          </a:p>
-          <a:p>
-            <a:endParaRPr lang="en-US" dirty="0" smtClean="0"/>
-          </a:p>
-          <a:p>
-            <a:endParaRPr lang="en-US" dirty="0" smtClean="0"/>
+              <a:t>represented as HTML/XML/…</a:t>
+            </a:r>
+          </a:p>
+          <a:p>
+            <a:pPr lvl="1"/>
+            <a:endParaRPr lang="en-US" dirty="0" smtClean="0">
+              <a:latin typeface="Courier New" panose="02070309020205020404" pitchFamily="49" charset="0"/>
+              <a:cs typeface="Courier New" panose="02070309020205020404" pitchFamily="49" charset="0"/>
+            </a:endParaRPr>
           </a:p>
           <a:p>
             <a:r>
               <a:rPr lang="en-US" dirty="0" smtClean="0"/>
-              <a:t>Convenient high-level API</a:t>
+              <a:t>Code generation</a:t>
             </a:r>
           </a:p>
           <a:p>
             <a:pPr lvl="1"/>
             <a:r>
-              <a:rPr lang="en-US" dirty="0" err="1" smtClean="0">
-                <a:latin typeface="Courier New" pitchFamily="49" charset="0"/>
-                <a:cs typeface="Courier New" pitchFamily="49" charset="0"/>
-              </a:rPr>
-              <a:t>subprocess.call</a:t>
-            </a:r>
-            <a:r>
-              <a:rPr lang="en-US" dirty="0" smtClean="0">
-                <a:latin typeface="Courier New" pitchFamily="49" charset="0"/>
-                <a:cs typeface="Courier New" pitchFamily="49" charset="0"/>
-              </a:rPr>
-              <a:t>(…)</a:t>
-            </a:r>
-            <a:r>
               <a:rPr lang="en-US" dirty="0" smtClean="0"/>
-              <a:t> returns exit code of command as integer</a:t>
+              <a:t>wrappers</a:t>
             </a:r>
           </a:p>
           <a:p>
             <a:pPr lvl="1"/>
             <a:r>
-              <a:rPr lang="en-US" dirty="0" err="1" smtClean="0">
-                <a:latin typeface="Courier New" pitchFamily="49" charset="0"/>
-                <a:cs typeface="Courier New" pitchFamily="49" charset="0"/>
-              </a:rPr>
-              <a:t>subprocess.check_output</a:t>
-            </a:r>
-            <a:r>
-              <a:rPr lang="en-US" dirty="0" smtClean="0">
-                <a:latin typeface="Courier New" pitchFamily="49" charset="0"/>
-                <a:cs typeface="Courier New" pitchFamily="49" charset="0"/>
-              </a:rPr>
-              <a:t>(…)</a:t>
-            </a:r>
-            <a:r>
               <a:rPr lang="en-US" dirty="0" smtClean="0"/>
-              <a:t> returns output of command as </a:t>
-            </a:r>
-            <a:r>
-              <a:rPr lang="en-BE" dirty="0" smtClean="0">
-                <a:latin typeface="Courier New" panose="02070309020205020404" pitchFamily="49" charset="0"/>
-                <a:cs typeface="Courier New" panose="02070309020205020404" pitchFamily="49" charset="0"/>
-              </a:rPr>
-              <a:t>bytes</a:t>
-            </a:r>
-            <a:r>
-              <a:rPr lang="en-BE" dirty="0" smtClean="0"/>
-              <a:t> (decode to get Python </a:t>
-            </a:r>
-            <a:r>
-              <a:rPr lang="en-BE" dirty="0" smtClean="0">
-                <a:latin typeface="Courier New" panose="02070309020205020404" pitchFamily="49" charset="0"/>
-                <a:cs typeface="Courier New" panose="02070309020205020404" pitchFamily="49" charset="0"/>
-              </a:rPr>
-              <a:t>str</a:t>
-            </a:r>
-            <a:r>
-              <a:rPr lang="en-BE" dirty="0" smtClean="0"/>
-              <a:t>)</a:t>
-            </a:r>
-            <a:endParaRPr lang="en-US" dirty="0" smtClean="0"/>
-          </a:p>
-          <a:p>
-            <a:pPr lvl="1"/>
-            <a:endParaRPr lang="en-US" dirty="0" smtClean="0"/>
+              <a:t>scripts</a:t>
+            </a:r>
           </a:p>
         </p:txBody>
       </p:sp>
       <p:sp>
         <p:nvSpPr>
-          <p:cNvPr id="6" name="TextBox 5"/>
-          <p:cNvSpPr txBox="1"/>
-          <p:nvPr/>
-        </p:nvSpPr>
-        <p:spPr>
-          <a:xfrm>
-            <a:off x="2351584" y="2924945"/>
-            <a:ext cx="6048672" cy="954107"/>
-          </a:xfrm>
-          <a:prstGeom prst="rect">
-            <a:avLst/>
-          </a:prstGeom>
-          <a:solidFill>
-            <a:schemeClr val="bg1">
-              <a:lumMod val="85000"/>
-            </a:schemeClr>
-          </a:solidFill>
-        </p:spPr>
-        <p:txBody>
-          <a:bodyPr wrap="square" rtlCol="0">
-            <a:spAutoFit/>
-          </a:bodyPr>
-          <a:lstStyle/>
-          <a:p>
-            <a:r>
-              <a:rPr lang="en-US" sz="1400" dirty="0">
-                <a:solidFill>
-                  <a:prstClr val="black"/>
-                </a:solidFill>
-                <a:latin typeface="Courier New" pitchFamily="49" charset="0"/>
-                <a:cs typeface="Courier New" pitchFamily="49" charset="0"/>
-              </a:rPr>
-              <a:t>from </a:t>
-            </a:r>
-            <a:r>
-              <a:rPr lang="en-US" sz="1400" b="1" dirty="0" err="1">
-                <a:solidFill>
-                  <a:srgbClr val="FF0000"/>
-                </a:solidFill>
-                <a:latin typeface="Courier New" pitchFamily="49" charset="0"/>
-                <a:cs typeface="Courier New" pitchFamily="49" charset="0"/>
-              </a:rPr>
-              <a:t>subprocess</a:t>
-            </a:r>
-            <a:r>
-              <a:rPr lang="en-US" sz="1400" dirty="0">
-                <a:solidFill>
-                  <a:prstClr val="black"/>
-                </a:solidFill>
-                <a:latin typeface="Courier New" pitchFamily="49" charset="0"/>
-                <a:cs typeface="Courier New" pitchFamily="49" charset="0"/>
-              </a:rPr>
-              <a:t> import </a:t>
-            </a:r>
-            <a:r>
-              <a:rPr lang="en-US" sz="1400" b="1" dirty="0" err="1">
-                <a:solidFill>
-                  <a:srgbClr val="FF0000"/>
-                </a:solidFill>
-                <a:latin typeface="Courier New" pitchFamily="49" charset="0"/>
-                <a:cs typeface="Courier New" pitchFamily="49" charset="0"/>
-              </a:rPr>
-              <a:t>check_output</a:t>
-            </a:r>
-            <a:endParaRPr lang="en-US" sz="1400" b="1" dirty="0">
-              <a:solidFill>
-                <a:srgbClr val="FF0000"/>
-              </a:solidFill>
-              <a:latin typeface="Courier New" pitchFamily="49" charset="0"/>
-              <a:cs typeface="Courier New" pitchFamily="49" charset="0"/>
-            </a:endParaRPr>
-          </a:p>
-          <a:p>
-            <a:r>
-              <a:rPr lang="en-US" sz="1400" dirty="0">
-                <a:solidFill>
-                  <a:prstClr val="black"/>
-                </a:solidFill>
-                <a:latin typeface="Courier New" pitchFamily="49" charset="0"/>
-                <a:cs typeface="Courier New" pitchFamily="49" charset="0"/>
-              </a:rPr>
-              <a:t>output = </a:t>
-            </a:r>
-            <a:r>
-              <a:rPr lang="en-US" sz="1400" b="1" dirty="0" err="1">
-                <a:solidFill>
-                  <a:srgbClr val="FF0000"/>
-                </a:solidFill>
-                <a:latin typeface="Courier New" pitchFamily="49" charset="0"/>
-                <a:cs typeface="Courier New" pitchFamily="49" charset="0"/>
-              </a:rPr>
-              <a:t>check_output</a:t>
-            </a:r>
-            <a:r>
-              <a:rPr lang="en-US" sz="1400" dirty="0">
-                <a:solidFill>
-                  <a:prstClr val="black"/>
-                </a:solidFill>
-                <a:latin typeface="Courier New" pitchFamily="49" charset="0"/>
-                <a:cs typeface="Courier New" pitchFamily="49" charset="0"/>
-              </a:rPr>
-              <a:t>(['</a:t>
-            </a:r>
-            <a:r>
-              <a:rPr lang="en-US" sz="1400" b="1" dirty="0" err="1">
-                <a:solidFill>
-                  <a:srgbClr val="0070C0"/>
-                </a:solidFill>
-                <a:latin typeface="Courier New" pitchFamily="49" charset="0"/>
-                <a:cs typeface="Courier New" pitchFamily="49" charset="0"/>
-              </a:rPr>
-              <a:t>wc</a:t>
-            </a:r>
-            <a:r>
-              <a:rPr lang="en-US" sz="1400" dirty="0">
-                <a:solidFill>
-                  <a:prstClr val="black"/>
-                </a:solidFill>
-                <a:latin typeface="Courier New" pitchFamily="49" charset="0"/>
-                <a:cs typeface="Courier New" pitchFamily="49" charset="0"/>
-              </a:rPr>
-              <a:t>', '</a:t>
-            </a:r>
-            <a:r>
-              <a:rPr lang="en-US" sz="1400" b="1" dirty="0">
-                <a:solidFill>
-                  <a:srgbClr val="7030A0"/>
-                </a:solidFill>
-                <a:latin typeface="Courier New" pitchFamily="49" charset="0"/>
-                <a:cs typeface="Courier New" pitchFamily="49" charset="0"/>
-              </a:rPr>
-              <a:t>test.txt</a:t>
-            </a:r>
-            <a:r>
-              <a:rPr lang="en-US" sz="1400" dirty="0">
-                <a:solidFill>
-                  <a:prstClr val="black"/>
-                </a:solidFill>
-                <a:latin typeface="Courier New" pitchFamily="49" charset="0"/>
-                <a:cs typeface="Courier New" pitchFamily="49" charset="0"/>
-              </a:rPr>
-              <a:t>'])</a:t>
-            </a:r>
-            <a:endParaRPr lang="en-BE" sz="1400" dirty="0">
-              <a:solidFill>
-                <a:prstClr val="black"/>
-              </a:solidFill>
-              <a:latin typeface="Courier New" pitchFamily="49" charset="0"/>
-              <a:cs typeface="Courier New" pitchFamily="49" charset="0"/>
-            </a:endParaRPr>
-          </a:p>
-          <a:p>
-            <a:r>
-              <a:rPr lang="en-BE" sz="1400" dirty="0">
-                <a:solidFill>
-                  <a:prstClr val="black"/>
-                </a:solidFill>
-                <a:latin typeface="Courier New" pitchFamily="49" charset="0"/>
-                <a:cs typeface="Courier New" pitchFamily="49" charset="0"/>
-              </a:rPr>
-              <a:t>output_str  = output.decode(encoding=‘utf-8’)</a:t>
-            </a:r>
-            <a:endParaRPr lang="en-US" sz="1400" dirty="0">
-              <a:solidFill>
-                <a:prstClr val="black"/>
-              </a:solidFill>
-              <a:latin typeface="Courier New" pitchFamily="49" charset="0"/>
-              <a:cs typeface="Courier New" pitchFamily="49" charset="0"/>
-            </a:endParaRPr>
-          </a:p>
-          <a:p>
-            <a:r>
-              <a:rPr lang="en-US" sz="1400" dirty="0">
-                <a:solidFill>
-                  <a:prstClr val="black"/>
-                </a:solidFill>
-                <a:latin typeface="Courier New" pitchFamily="49" charset="0"/>
-                <a:cs typeface="Courier New" pitchFamily="49" charset="0"/>
-              </a:rPr>
-              <a:t>lines, words, chars, _ = output</a:t>
-            </a:r>
-            <a:r>
-              <a:rPr lang="en-BE" sz="1400" dirty="0">
-                <a:solidFill>
-                  <a:prstClr val="black"/>
-                </a:solidFill>
-                <a:latin typeface="Courier New" pitchFamily="49" charset="0"/>
-                <a:cs typeface="Courier New" pitchFamily="49" charset="0"/>
-              </a:rPr>
-              <a:t>_str</a:t>
-            </a:r>
-            <a:r>
-              <a:rPr lang="en-US" sz="1400" dirty="0">
-                <a:solidFill>
-                  <a:prstClr val="black"/>
-                </a:solidFill>
-                <a:latin typeface="Courier New" pitchFamily="49" charset="0"/>
-                <a:cs typeface="Courier New" pitchFamily="49" charset="0"/>
-              </a:rPr>
-              <a:t>.strip().split(' ')</a:t>
-            </a:r>
-          </a:p>
-        </p:txBody>
-      </p:sp>
-      <p:sp>
-        <p:nvSpPr>
-          <p:cNvPr id="7" name="TextBox 6"/>
-          <p:cNvSpPr txBox="1"/>
-          <p:nvPr/>
-        </p:nvSpPr>
-        <p:spPr>
-          <a:xfrm>
-            <a:off x="2351584" y="2204864"/>
-            <a:ext cx="6048672" cy="523220"/>
-          </a:xfrm>
-          <a:prstGeom prst="rect">
-            <a:avLst/>
-          </a:prstGeom>
-          <a:solidFill>
-            <a:schemeClr val="tx1"/>
-          </a:solidFill>
-          <a:ln>
-            <a:solidFill>
-              <a:schemeClr val="tx1"/>
-            </a:solidFill>
-          </a:ln>
-        </p:spPr>
-        <p:txBody>
-          <a:bodyPr wrap="square" rtlCol="0">
-            <a:spAutoFit/>
-          </a:bodyPr>
-          <a:lstStyle/>
-          <a:p>
-            <a:r>
-              <a:rPr lang="en-US" sz="1400" b="1" dirty="0">
-                <a:solidFill>
-                  <a:prstClr val="white"/>
-                </a:solidFill>
-                <a:latin typeface="Courier New" pitchFamily="49" charset="0"/>
-                <a:cs typeface="Courier New" pitchFamily="49" charset="0"/>
-              </a:rPr>
-              <a:t>$ </a:t>
-            </a:r>
-            <a:r>
-              <a:rPr lang="en-US" sz="1400" b="1" dirty="0" err="1">
-                <a:solidFill>
-                  <a:prstClr val="white"/>
-                </a:solidFill>
-                <a:latin typeface="Courier New" pitchFamily="49" charset="0"/>
-                <a:cs typeface="Courier New" pitchFamily="49" charset="0"/>
-              </a:rPr>
-              <a:t>wc</a:t>
-            </a:r>
-            <a:r>
-              <a:rPr lang="en-US" sz="1400" b="1" dirty="0">
-                <a:solidFill>
-                  <a:prstClr val="white"/>
-                </a:solidFill>
-                <a:latin typeface="Courier New" pitchFamily="49" charset="0"/>
-                <a:cs typeface="Courier New" pitchFamily="49" charset="0"/>
-              </a:rPr>
-              <a:t> text.txt </a:t>
-            </a:r>
-          </a:p>
-          <a:p>
-            <a:r>
-              <a:rPr lang="en-US" sz="1400" b="1" dirty="0">
-                <a:solidFill>
-                  <a:prstClr val="white"/>
-                </a:solidFill>
-                <a:latin typeface="Courier New" pitchFamily="49" charset="0"/>
-                <a:cs typeface="Courier New" pitchFamily="49" charset="0"/>
-              </a:rPr>
-              <a:t> 4 12 52 text.txt</a:t>
-            </a:r>
-          </a:p>
-        </p:txBody>
-      </p:sp>
-      <p:sp>
-        <p:nvSpPr>
-          <p:cNvPr id="2" name="Slide Number Placeholder 1"/>
+          <p:cNvPr id="5" name="Slide Number Placeholder 4"/>
           <p:cNvSpPr>
             <a:spLocks noGrp="1"/>
           </p:cNvSpPr>
@@ -21000,35 +20629,33 @@
       </p:sp>
       <p:grpSp>
         <p:nvGrpSpPr>
-          <p:cNvPr id="8" name="Group 7"/>
+          <p:cNvPr id="15" name="Group 14"/>
           <p:cNvGrpSpPr/>
           <p:nvPr/>
         </p:nvGrpSpPr>
         <p:grpSpPr>
           <a:xfrm>
-            <a:off x="7320137" y="2784293"/>
-            <a:ext cx="2851793" cy="681796"/>
-            <a:chOff x="5436096" y="3646765"/>
-            <a:chExt cx="2851793" cy="681796"/>
+            <a:off x="7518832" y="1417638"/>
+            <a:ext cx="3076828" cy="1604665"/>
+            <a:chOff x="7518832" y="1417638"/>
+            <a:chExt cx="3076828" cy="1604665"/>
           </a:xfrm>
         </p:grpSpPr>
         <p:sp>
           <p:nvSpPr>
-            <p:cNvPr id="9" name="TextBox 8"/>
+            <p:cNvPr id="6" name="TextBox 5"/>
             <p:cNvSpPr txBox="1"/>
             <p:nvPr/>
           </p:nvSpPr>
           <p:spPr>
             <a:xfrm>
-              <a:off x="6594861" y="3646765"/>
-              <a:ext cx="1693028" cy="646331"/>
+              <a:off x="8430937" y="1417638"/>
+              <a:ext cx="968535" cy="461665"/>
             </a:xfrm>
             <a:prstGeom prst="rect">
               <a:avLst/>
             </a:prstGeom>
-            <a:solidFill>
-              <a:schemeClr val="bg1"/>
-            </a:solidFill>
+            <a:noFill/>
             <a:ln>
               <a:solidFill>
                 <a:schemeClr val="tx1"/>
@@ -21042,37 +20669,80 @@
             <a:lstStyle/>
             <a:p>
               <a:r>
-                <a:rPr lang="en-BE" dirty="0">
-                  <a:solidFill>
-                    <a:prstClr val="black"/>
-                  </a:solidFill>
-                  <a:latin typeface="Calibri"/>
-                </a:rPr>
-                <a:t>Python 3 strings</a:t>
+                <a:rPr lang="en-US" sz="2400" dirty="0" smtClean="0"/>
+                <a:t>object</a:t>
               </a:r>
-              <a:br>
-                <a:rPr lang="en-BE" dirty="0">
-                  <a:solidFill>
-                    <a:prstClr val="black"/>
-                  </a:solidFill>
-                  <a:latin typeface="Calibri"/>
-                </a:rPr>
-              </a:br>
+              <a:endParaRPr lang="en-US" sz="2400" dirty="0"/>
+            </a:p>
+          </p:txBody>
+        </p:sp>
+        <p:sp>
+          <p:nvSpPr>
+            <p:cNvPr id="7" name="TextBox 6"/>
+            <p:cNvSpPr txBox="1"/>
+            <p:nvPr/>
+          </p:nvSpPr>
+          <p:spPr>
+            <a:xfrm>
+              <a:off x="7518832" y="2560638"/>
+              <a:ext cx="920445" cy="461665"/>
+            </a:xfrm>
+            <a:prstGeom prst="rect">
+              <a:avLst/>
+            </a:prstGeom>
+            <a:noFill/>
+            <a:ln>
+              <a:solidFill>
+                <a:schemeClr val="tx1"/>
+              </a:solidFill>
+            </a:ln>
+          </p:spPr>
+          <p:txBody>
+            <a:bodyPr wrap="none" rtlCol="0">
+              <a:spAutoFit/>
+            </a:bodyPr>
+            <a:lstStyle/>
+            <a:p>
               <a:r>
-                <a:rPr lang="en-BE" dirty="0">
-                  <a:solidFill>
-                    <a:prstClr val="black"/>
-                  </a:solidFill>
-                  <a:latin typeface="Calibri"/>
-                </a:rPr>
-                <a:t>are unicode</a:t>
+                <a:rPr lang="en-US" sz="2400" dirty="0" smtClean="0"/>
+                <a:t>HTML</a:t>
               </a:r>
-              <a:endParaRPr lang="en-US" dirty="0">
-                <a:solidFill>
-                  <a:prstClr val="black"/>
-                </a:solidFill>
-                <a:latin typeface="Calibri"/>
-              </a:endParaRPr>
+              <a:endParaRPr lang="en-US" sz="2400" dirty="0"/>
+            </a:p>
+          </p:txBody>
+        </p:sp>
+        <p:sp>
+          <p:nvSpPr>
+            <p:cNvPr id="8" name="TextBox 7"/>
+            <p:cNvSpPr txBox="1"/>
+            <p:nvPr/>
+          </p:nvSpPr>
+          <p:spPr>
+            <a:xfrm>
+              <a:off x="8939249" y="2560637"/>
+              <a:ext cx="669671" cy="461665"/>
+            </a:xfrm>
+            <a:prstGeom prst="rect">
+              <a:avLst/>
+            </a:prstGeom>
+            <a:noFill/>
+            <a:ln>
+              <a:solidFill>
+                <a:schemeClr val="tx1"/>
+              </a:solidFill>
+            </a:ln>
+          </p:spPr>
+          <p:txBody>
+            <a:bodyPr wrap="none" rtlCol="0">
+              <a:spAutoFit/>
+            </a:bodyPr>
+            <a:lstStyle/>
+            <a:p>
+              <a:r>
+                <a:rPr lang="en-US" sz="2400" dirty="0" smtClean="0"/>
+                <a:t>text</a:t>
+              </a:r>
+              <a:endParaRPr lang="en-US" sz="2400" dirty="0"/>
             </a:p>
           </p:txBody>
         </p:sp>
@@ -21080,19 +20750,20 @@
           <p:nvCxnSpPr>
             <p:cNvPr id="10" name="Straight Arrow Connector 9"/>
             <p:cNvCxnSpPr>
-              <a:stCxn id="9" idx="1"/>
+              <a:stCxn id="6" idx="2"/>
+              <a:endCxn id="8" idx="0"/>
             </p:cNvCxnSpPr>
             <p:nvPr/>
           </p:nvCxnSpPr>
           <p:spPr>
-            <a:xfrm flipH="1">
-              <a:off x="5436096" y="3969931"/>
-              <a:ext cx="1158765" cy="358630"/>
+            <a:xfrm>
+              <a:off x="8915205" y="1879303"/>
+              <a:ext cx="358880" cy="681334"/>
             </a:xfrm>
             <a:prstGeom prst="straightConnector1">
               <a:avLst/>
             </a:prstGeom>
-            <a:ln w="19050">
+            <a:ln w="12700">
               <a:solidFill>
                 <a:schemeClr val="tx1"/>
               </a:solidFill>
@@ -21114,11 +20785,2348 @@
             </a:fontRef>
           </p:style>
         </p:cxnSp>
+        <p:cxnSp>
+          <p:nvCxnSpPr>
+            <p:cNvPr id="11" name="Straight Arrow Connector 10"/>
+            <p:cNvCxnSpPr>
+              <a:stCxn id="6" idx="2"/>
+              <a:endCxn id="7" idx="0"/>
+            </p:cNvCxnSpPr>
+            <p:nvPr/>
+          </p:nvCxnSpPr>
+          <p:spPr>
+            <a:xfrm flipH="1">
+              <a:off x="7979055" y="1879303"/>
+              <a:ext cx="936150" cy="681335"/>
+            </a:xfrm>
+            <a:prstGeom prst="straightConnector1">
+              <a:avLst/>
+            </a:prstGeom>
+            <a:ln w="12700">
+              <a:solidFill>
+                <a:schemeClr val="tx1"/>
+              </a:solidFill>
+              <a:tailEnd type="stealth" w="lg" len="lg"/>
+            </a:ln>
+          </p:spPr>
+          <p:style>
+            <a:lnRef idx="1">
+              <a:schemeClr val="accent1"/>
+            </a:lnRef>
+            <a:fillRef idx="0">
+              <a:schemeClr val="accent1"/>
+            </a:fillRef>
+            <a:effectRef idx="0">
+              <a:schemeClr val="accent1"/>
+            </a:effectRef>
+            <a:fontRef idx="minor">
+              <a:schemeClr val="tx1"/>
+            </a:fontRef>
+          </p:style>
+        </p:cxnSp>
+        <p:sp>
+          <p:nvSpPr>
+            <p:cNvPr id="14" name="TextBox 13"/>
+            <p:cNvSpPr txBox="1"/>
+            <p:nvPr/>
+          </p:nvSpPr>
+          <p:spPr>
+            <a:xfrm>
+              <a:off x="10197794" y="2481415"/>
+              <a:ext cx="397866" cy="461665"/>
+            </a:xfrm>
+            <a:prstGeom prst="rect">
+              <a:avLst/>
+            </a:prstGeom>
+            <a:noFill/>
+          </p:spPr>
+          <p:txBody>
+            <a:bodyPr wrap="none" rtlCol="0">
+              <a:spAutoFit/>
+            </a:bodyPr>
+            <a:lstStyle/>
+            <a:p>
+              <a:r>
+                <a:rPr lang="en-US" sz="2400" dirty="0" smtClean="0"/>
+                <a:t>…</a:t>
+              </a:r>
+              <a:endParaRPr lang="en-US" sz="2400" dirty="0"/>
+            </a:p>
+          </p:txBody>
+        </p:sp>
       </p:grpSp>
     </p:spTree>
     <p:extLst>
       <p:ext uri="{BB962C8B-B14F-4D97-AF65-F5344CB8AC3E}">
-        <p14:creationId xmlns:p14="http://schemas.microsoft.com/office/powerpoint/2010/main" val="872637133"/>
+        <p14:creationId xmlns:p14="http://schemas.microsoft.com/office/powerpoint/2010/main" val="2162670354"/>
+      </p:ext>
+    </p:extLst>
+  </p:cSld>
+  <p:clrMapOvr>
+    <a:masterClrMapping/>
+  </p:clrMapOvr>
+  <p:timing>
+    <p:tnLst>
+      <p:par>
+        <p:cTn id="1" dur="indefinite" restart="never" nodeType="tmRoot"/>
+      </p:par>
+    </p:tnLst>
+  </p:timing>
+</p:sld>
+</file>
+
+<file path=ppt/slides/slide35.xml><?xml version="1.0" encoding="utf-8"?>
+<p:sld xmlns:a="http://schemas.openxmlformats.org/drawingml/2006/main" xmlns:r="http://schemas.openxmlformats.org/officeDocument/2006/relationships" xmlns:p="http://schemas.openxmlformats.org/presentationml/2006/main">
+  <p:cSld>
+    <p:spTree>
+      <p:nvGrpSpPr>
+        <p:cNvPr id="1" name=""/>
+        <p:cNvGrpSpPr/>
+        <p:nvPr/>
+      </p:nvGrpSpPr>
+      <p:grpSpPr>
+        <a:xfrm>
+          <a:off x="0" y="0"/>
+          <a:ext cx="0" cy="0"/>
+          <a:chOff x="0" y="0"/>
+          <a:chExt cx="0" cy="0"/>
+        </a:xfrm>
+      </p:grpSpPr>
+      <p:sp>
+        <p:nvSpPr>
+          <p:cNvPr id="2" name="Title 1"/>
+          <p:cNvSpPr>
+            <a:spLocks noGrp="1"/>
+          </p:cNvSpPr>
+          <p:nvPr>
+            <p:ph type="title"/>
+          </p:nvPr>
+        </p:nvSpPr>
+        <p:spPr/>
+        <p:txBody>
+          <a:bodyPr/>
+          <a:lstStyle/>
+          <a:p>
+            <a:r>
+              <a:rPr lang="en-US" dirty="0" smtClean="0"/>
+              <a:t>Data</a:t>
+            </a:r>
+            <a:endParaRPr lang="en-US" dirty="0"/>
+          </a:p>
+        </p:txBody>
+      </p:sp>
+      <p:sp>
+        <p:nvSpPr>
+          <p:cNvPr id="3" name="Content Placeholder 2"/>
+          <p:cNvSpPr>
+            <a:spLocks noGrp="1"/>
+          </p:cNvSpPr>
+          <p:nvPr>
+            <p:ph idx="1"/>
+          </p:nvPr>
+        </p:nvSpPr>
+        <p:spPr/>
+        <p:txBody>
+          <a:bodyPr/>
+          <a:lstStyle/>
+          <a:p>
+            <a:r>
+              <a:rPr lang="en-US" dirty="0" smtClean="0"/>
+              <a:t>"Person" </a:t>
+            </a:r>
+            <a:r>
+              <a:rPr lang="en-US" dirty="0" err="1" smtClean="0"/>
+              <a:t>dict</a:t>
+            </a:r>
+            <a:endParaRPr lang="en-US" dirty="0" smtClean="0"/>
+          </a:p>
+          <a:p>
+            <a:pPr lvl="1"/>
+            <a:r>
+              <a:rPr lang="en-US" dirty="0" smtClean="0"/>
+              <a:t>ID</a:t>
+            </a:r>
+          </a:p>
+          <a:p>
+            <a:pPr lvl="1"/>
+            <a:r>
+              <a:rPr lang="en-US" dirty="0" smtClean="0"/>
+              <a:t>year of birth</a:t>
+            </a:r>
+          </a:p>
+          <a:p>
+            <a:pPr lvl="1"/>
+            <a:r>
+              <a:rPr lang="en-US" dirty="0" smtClean="0"/>
+              <a:t>number of friends</a:t>
+            </a:r>
+            <a:endParaRPr lang="en-US" dirty="0"/>
+          </a:p>
+        </p:txBody>
+      </p:sp>
+      <p:sp>
+        <p:nvSpPr>
+          <p:cNvPr id="4" name="Slide Number Placeholder 3"/>
+          <p:cNvSpPr>
+            <a:spLocks noGrp="1"/>
+          </p:cNvSpPr>
+          <p:nvPr>
+            <p:ph type="sldNum" sz="quarter" idx="12"/>
+          </p:nvPr>
+        </p:nvSpPr>
+        <p:spPr/>
+        <p:txBody>
+          <a:bodyPr/>
+          <a:lstStyle/>
+          <a:p>
+            <a:fld id="{5A209D72-2E9D-49B0-8977-41DCCC66C0BB}" type="slidenum">
+              <a:rPr lang="nl-BE" smtClean="0"/>
+              <a:t>35</a:t>
+            </a:fld>
+            <a:endParaRPr lang="nl-BE"/>
+          </a:p>
+        </p:txBody>
+      </p:sp>
+      <p:sp>
+        <p:nvSpPr>
+          <p:cNvPr id="5" name="TextBox 4"/>
+          <p:cNvSpPr txBox="1"/>
+          <p:nvPr/>
+        </p:nvSpPr>
+        <p:spPr>
+          <a:xfrm>
+            <a:off x="5353290" y="1941422"/>
+            <a:ext cx="5136034" cy="3416320"/>
+          </a:xfrm>
+          <a:prstGeom prst="rect">
+            <a:avLst/>
+          </a:prstGeom>
+          <a:solidFill>
+            <a:schemeClr val="bg1">
+              <a:lumMod val="75000"/>
+            </a:schemeClr>
+          </a:solidFill>
+        </p:spPr>
+        <p:txBody>
+          <a:bodyPr wrap="square" rtlCol="0">
+            <a:spAutoFit/>
+          </a:bodyPr>
+          <a:lstStyle/>
+          <a:p>
+            <a:r>
+              <a:rPr lang="en-US" dirty="0" smtClean="0">
+                <a:solidFill>
+                  <a:prstClr val="black"/>
+                </a:solidFill>
+                <a:latin typeface="Courier New" pitchFamily="49" charset="0"/>
+                <a:cs typeface="Courier New" pitchFamily="49" charset="0"/>
+              </a:rPr>
+              <a:t>people = [</a:t>
+            </a:r>
+          </a:p>
+          <a:p>
+            <a:r>
+              <a:rPr lang="en-US" dirty="0">
+                <a:solidFill>
+                  <a:prstClr val="black"/>
+                </a:solidFill>
+                <a:latin typeface="Courier New" pitchFamily="49" charset="0"/>
+                <a:cs typeface="Courier New" pitchFamily="49" charset="0"/>
+              </a:rPr>
+              <a:t> </a:t>
+            </a:r>
+            <a:r>
+              <a:rPr lang="en-US" dirty="0" smtClean="0">
+                <a:solidFill>
+                  <a:prstClr val="black"/>
+                </a:solidFill>
+                <a:latin typeface="Courier New" pitchFamily="49" charset="0"/>
+                <a:cs typeface="Courier New" pitchFamily="49" charset="0"/>
+              </a:rPr>
+              <a:t>   {</a:t>
+            </a:r>
+          </a:p>
+          <a:p>
+            <a:r>
+              <a:rPr lang="en-US" dirty="0">
+                <a:solidFill>
+                  <a:prstClr val="black"/>
+                </a:solidFill>
+                <a:latin typeface="Courier New" pitchFamily="49" charset="0"/>
+                <a:cs typeface="Courier New" pitchFamily="49" charset="0"/>
+              </a:rPr>
+              <a:t> </a:t>
+            </a:r>
+            <a:r>
+              <a:rPr lang="en-US" dirty="0" smtClean="0">
+                <a:solidFill>
+                  <a:prstClr val="black"/>
+                </a:solidFill>
+                <a:latin typeface="Courier New" pitchFamily="49" charset="0"/>
+                <a:cs typeface="Courier New" pitchFamily="49" charset="0"/>
+              </a:rPr>
+              <a:t>       'id</a:t>
+            </a:r>
+            <a:r>
+              <a:rPr lang="en-US" dirty="0">
+                <a:solidFill>
+                  <a:prstClr val="black"/>
+                </a:solidFill>
+                <a:latin typeface="Courier New" pitchFamily="49" charset="0"/>
+                <a:cs typeface="Courier New" pitchFamily="49" charset="0"/>
+              </a:rPr>
+              <a:t>':         </a:t>
+            </a:r>
+            <a:r>
+              <a:rPr lang="en-US" dirty="0" err="1">
+                <a:solidFill>
+                  <a:prstClr val="black"/>
+                </a:solidFill>
+                <a:latin typeface="Courier New" pitchFamily="49" charset="0"/>
+                <a:cs typeface="Courier New" pitchFamily="49" charset="0"/>
+              </a:rPr>
+              <a:t>YwaVW</a:t>
+            </a:r>
+            <a:r>
+              <a:rPr lang="en-US" dirty="0">
+                <a:solidFill>
+                  <a:prstClr val="black"/>
+                </a:solidFill>
+                <a:latin typeface="Courier New" pitchFamily="49" charset="0"/>
+                <a:cs typeface="Courier New" pitchFamily="49" charset="0"/>
+              </a:rPr>
+              <a:t>',</a:t>
+            </a:r>
+            <a:endParaRPr lang="en-US" dirty="0" smtClean="0">
+              <a:solidFill>
+                <a:prstClr val="black"/>
+              </a:solidFill>
+              <a:latin typeface="Courier New" pitchFamily="49" charset="0"/>
+              <a:cs typeface="Courier New" pitchFamily="49" charset="0"/>
+            </a:endParaRPr>
+          </a:p>
+          <a:p>
+            <a:r>
+              <a:rPr lang="en-US" dirty="0">
+                <a:solidFill>
+                  <a:prstClr val="black"/>
+                </a:solidFill>
+                <a:latin typeface="Courier New" pitchFamily="49" charset="0"/>
+                <a:cs typeface="Courier New" pitchFamily="49" charset="0"/>
+              </a:rPr>
+              <a:t> </a:t>
+            </a:r>
+            <a:r>
+              <a:rPr lang="en-US" dirty="0" smtClean="0">
+                <a:solidFill>
+                  <a:prstClr val="black"/>
+                </a:solidFill>
+                <a:latin typeface="Courier New" pitchFamily="49" charset="0"/>
+                <a:cs typeface="Courier New" pitchFamily="49" charset="0"/>
+              </a:rPr>
+              <a:t>       '</a:t>
+            </a:r>
+            <a:r>
+              <a:rPr lang="en-US" dirty="0" err="1" smtClean="0">
+                <a:solidFill>
+                  <a:prstClr val="black"/>
+                </a:solidFill>
+                <a:latin typeface="Courier New" pitchFamily="49" charset="0"/>
+                <a:cs typeface="Courier New" pitchFamily="49" charset="0"/>
+              </a:rPr>
+              <a:t>birthyear</a:t>
+            </a:r>
+            <a:r>
+              <a:rPr lang="en-US" dirty="0" smtClean="0">
+                <a:solidFill>
+                  <a:prstClr val="black"/>
+                </a:solidFill>
+                <a:latin typeface="Courier New" pitchFamily="49" charset="0"/>
+                <a:cs typeface="Courier New" pitchFamily="49" charset="0"/>
+              </a:rPr>
+              <a:t>':  1954,</a:t>
+            </a:r>
+          </a:p>
+          <a:p>
+            <a:r>
+              <a:rPr lang="en-US" dirty="0">
+                <a:solidFill>
+                  <a:prstClr val="black"/>
+                </a:solidFill>
+                <a:latin typeface="Courier New" pitchFamily="49" charset="0"/>
+                <a:cs typeface="Courier New" pitchFamily="49" charset="0"/>
+              </a:rPr>
+              <a:t> </a:t>
+            </a:r>
+            <a:r>
+              <a:rPr lang="en-US" dirty="0" smtClean="0">
+                <a:solidFill>
+                  <a:prstClr val="black"/>
+                </a:solidFill>
+                <a:latin typeface="Courier New" pitchFamily="49" charset="0"/>
+                <a:cs typeface="Courier New" pitchFamily="49" charset="0"/>
+              </a:rPr>
+              <a:t>       '</a:t>
+            </a:r>
+            <a:r>
+              <a:rPr lang="en-US" dirty="0" err="1" smtClean="0">
+                <a:solidFill>
+                  <a:prstClr val="black"/>
+                </a:solidFill>
+                <a:latin typeface="Courier New" pitchFamily="49" charset="0"/>
+                <a:cs typeface="Courier New" pitchFamily="49" charset="0"/>
+              </a:rPr>
+              <a:t>nr_friends</a:t>
+            </a:r>
+            <a:r>
+              <a:rPr lang="en-US" dirty="0" smtClean="0">
+                <a:solidFill>
+                  <a:prstClr val="black"/>
+                </a:solidFill>
+                <a:latin typeface="Courier New" pitchFamily="49" charset="0"/>
+                <a:cs typeface="Courier New" pitchFamily="49" charset="0"/>
+              </a:rPr>
+              <a:t>': 42,</a:t>
+            </a:r>
+          </a:p>
+          <a:p>
+            <a:r>
+              <a:rPr lang="en-US" dirty="0">
+                <a:solidFill>
+                  <a:prstClr val="black"/>
+                </a:solidFill>
+                <a:latin typeface="Courier New" pitchFamily="49" charset="0"/>
+                <a:cs typeface="Courier New" pitchFamily="49" charset="0"/>
+              </a:rPr>
+              <a:t> </a:t>
+            </a:r>
+            <a:r>
+              <a:rPr lang="en-US" dirty="0" smtClean="0">
+                <a:solidFill>
+                  <a:prstClr val="black"/>
+                </a:solidFill>
+                <a:latin typeface="Courier New" pitchFamily="49" charset="0"/>
+                <a:cs typeface="Courier New" pitchFamily="49" charset="0"/>
+              </a:rPr>
+              <a:t>   },</a:t>
+            </a:r>
+          </a:p>
+          <a:p>
+            <a:r>
+              <a:rPr lang="en-US" dirty="0">
+                <a:solidFill>
+                  <a:prstClr val="black"/>
+                </a:solidFill>
+                <a:latin typeface="Courier New" pitchFamily="49" charset="0"/>
+                <a:cs typeface="Courier New" pitchFamily="49" charset="0"/>
+              </a:rPr>
+              <a:t> </a:t>
+            </a:r>
+            <a:r>
+              <a:rPr lang="en-US" dirty="0" smtClean="0">
+                <a:solidFill>
+                  <a:prstClr val="black"/>
+                </a:solidFill>
+                <a:latin typeface="Courier New" pitchFamily="49" charset="0"/>
+                <a:cs typeface="Courier New" pitchFamily="49" charset="0"/>
+              </a:rPr>
+              <a:t>   {</a:t>
+            </a:r>
+          </a:p>
+          <a:p>
+            <a:r>
+              <a:rPr lang="en-US" dirty="0" smtClean="0">
+                <a:solidFill>
+                  <a:prstClr val="black"/>
+                </a:solidFill>
+                <a:latin typeface="Courier New" pitchFamily="49" charset="0"/>
+                <a:cs typeface="Courier New" pitchFamily="49" charset="0"/>
+              </a:rPr>
+              <a:t>        </a:t>
+            </a:r>
+            <a:r>
+              <a:rPr lang="en-US" dirty="0">
+                <a:solidFill>
+                  <a:prstClr val="black"/>
+                </a:solidFill>
+                <a:latin typeface="Courier New" pitchFamily="49" charset="0"/>
+                <a:cs typeface="Courier New" pitchFamily="49" charset="0"/>
+              </a:rPr>
+              <a:t>'id':         </a:t>
+            </a:r>
+            <a:r>
+              <a:rPr lang="en-US" dirty="0" err="1">
+                <a:solidFill>
+                  <a:prstClr val="black"/>
+                </a:solidFill>
+                <a:latin typeface="Courier New" pitchFamily="49" charset="0"/>
+                <a:cs typeface="Courier New" pitchFamily="49" charset="0"/>
+              </a:rPr>
+              <a:t>KfsaZ</a:t>
+            </a:r>
+            <a:r>
+              <a:rPr lang="en-US" dirty="0">
+                <a:solidFill>
+                  <a:prstClr val="black"/>
+                </a:solidFill>
+                <a:latin typeface="Courier New" pitchFamily="49" charset="0"/>
+                <a:cs typeface="Courier New" pitchFamily="49" charset="0"/>
+              </a:rPr>
+              <a:t>',</a:t>
+            </a:r>
+          </a:p>
+          <a:p>
+            <a:r>
+              <a:rPr lang="en-US" dirty="0">
+                <a:solidFill>
+                  <a:prstClr val="black"/>
+                </a:solidFill>
+                <a:latin typeface="Courier New" pitchFamily="49" charset="0"/>
+                <a:cs typeface="Courier New" pitchFamily="49" charset="0"/>
+              </a:rPr>
+              <a:t>        '</a:t>
+            </a:r>
+            <a:r>
+              <a:rPr lang="en-US" dirty="0" err="1">
+                <a:solidFill>
+                  <a:prstClr val="black"/>
+                </a:solidFill>
+                <a:latin typeface="Courier New" pitchFamily="49" charset="0"/>
+                <a:cs typeface="Courier New" pitchFamily="49" charset="0"/>
+              </a:rPr>
+              <a:t>birthyear</a:t>
+            </a:r>
+            <a:r>
+              <a:rPr lang="en-US" dirty="0">
+                <a:solidFill>
+                  <a:prstClr val="black"/>
+                </a:solidFill>
+                <a:latin typeface="Courier New" pitchFamily="49" charset="0"/>
+                <a:cs typeface="Courier New" pitchFamily="49" charset="0"/>
+              </a:rPr>
+              <a:t>':  </a:t>
+            </a:r>
+            <a:r>
+              <a:rPr lang="en-US" dirty="0" smtClean="0">
+                <a:solidFill>
+                  <a:prstClr val="black"/>
+                </a:solidFill>
+                <a:latin typeface="Courier New" pitchFamily="49" charset="0"/>
+                <a:cs typeface="Courier New" pitchFamily="49" charset="0"/>
+              </a:rPr>
+              <a:t>1952,</a:t>
+            </a:r>
+            <a:endParaRPr lang="en-US" dirty="0">
+              <a:solidFill>
+                <a:prstClr val="black"/>
+              </a:solidFill>
+              <a:latin typeface="Courier New" pitchFamily="49" charset="0"/>
+              <a:cs typeface="Courier New" pitchFamily="49" charset="0"/>
+            </a:endParaRPr>
+          </a:p>
+          <a:p>
+            <a:r>
+              <a:rPr lang="en-US" dirty="0">
+                <a:solidFill>
+                  <a:prstClr val="black"/>
+                </a:solidFill>
+                <a:latin typeface="Courier New" pitchFamily="49" charset="0"/>
+                <a:cs typeface="Courier New" pitchFamily="49" charset="0"/>
+              </a:rPr>
+              <a:t>        '</a:t>
+            </a:r>
+            <a:r>
+              <a:rPr lang="en-US" dirty="0" err="1">
+                <a:solidFill>
+                  <a:prstClr val="black"/>
+                </a:solidFill>
+                <a:latin typeface="Courier New" pitchFamily="49" charset="0"/>
+                <a:cs typeface="Courier New" pitchFamily="49" charset="0"/>
+              </a:rPr>
+              <a:t>nr_friends</a:t>
+            </a:r>
+            <a:r>
+              <a:rPr lang="en-US" dirty="0">
+                <a:solidFill>
+                  <a:prstClr val="black"/>
+                </a:solidFill>
+                <a:latin typeface="Courier New" pitchFamily="49" charset="0"/>
+                <a:cs typeface="Courier New" pitchFamily="49" charset="0"/>
+              </a:rPr>
+              <a:t>': </a:t>
+            </a:r>
+            <a:r>
+              <a:rPr lang="en-US" dirty="0" smtClean="0">
+                <a:solidFill>
+                  <a:prstClr val="black"/>
+                </a:solidFill>
+                <a:latin typeface="Courier New" pitchFamily="49" charset="0"/>
+                <a:cs typeface="Courier New" pitchFamily="49" charset="0"/>
+              </a:rPr>
+              <a:t>22,</a:t>
+            </a:r>
+            <a:endParaRPr lang="en-US" dirty="0">
+              <a:solidFill>
+                <a:prstClr val="black"/>
+              </a:solidFill>
+              <a:latin typeface="Courier New" pitchFamily="49" charset="0"/>
+              <a:cs typeface="Courier New" pitchFamily="49" charset="0"/>
+            </a:endParaRPr>
+          </a:p>
+          <a:p>
+            <a:r>
+              <a:rPr lang="en-US" dirty="0">
+                <a:solidFill>
+                  <a:prstClr val="black"/>
+                </a:solidFill>
+                <a:latin typeface="Courier New" pitchFamily="49" charset="0"/>
+                <a:cs typeface="Courier New" pitchFamily="49" charset="0"/>
+              </a:rPr>
+              <a:t>    </a:t>
+            </a:r>
+            <a:r>
+              <a:rPr lang="en-US" dirty="0" smtClean="0">
+                <a:solidFill>
+                  <a:prstClr val="black"/>
+                </a:solidFill>
+                <a:latin typeface="Courier New" pitchFamily="49" charset="0"/>
+                <a:cs typeface="Courier New" pitchFamily="49" charset="0"/>
+              </a:rPr>
+              <a:t>},</a:t>
+            </a:r>
+          </a:p>
+          <a:p>
+            <a:r>
+              <a:rPr lang="en-US" dirty="0">
+                <a:solidFill>
+                  <a:prstClr val="black"/>
+                </a:solidFill>
+                <a:latin typeface="Courier New" pitchFamily="49" charset="0"/>
+                <a:cs typeface="Courier New" pitchFamily="49" charset="0"/>
+              </a:rPr>
+              <a:t>]</a:t>
+            </a:r>
+          </a:p>
+        </p:txBody>
+      </p:sp>
+    </p:spTree>
+    <p:extLst>
+      <p:ext uri="{BB962C8B-B14F-4D97-AF65-F5344CB8AC3E}">
+        <p14:creationId xmlns:p14="http://schemas.microsoft.com/office/powerpoint/2010/main" val="2197642916"/>
+      </p:ext>
+    </p:extLst>
+  </p:cSld>
+  <p:clrMapOvr>
+    <a:masterClrMapping/>
+  </p:clrMapOvr>
+  <p:timing>
+    <p:tnLst>
+      <p:par>
+        <p:cTn id="1" dur="indefinite" restart="never" nodeType="tmRoot"/>
+      </p:par>
+    </p:tnLst>
+  </p:timing>
+</p:sld>
+</file>
+
+<file path=ppt/slides/slide36.xml><?xml version="1.0" encoding="utf-8"?>
+<p:sld xmlns:a="http://schemas.openxmlformats.org/drawingml/2006/main" xmlns:r="http://schemas.openxmlformats.org/officeDocument/2006/relationships" xmlns:p="http://schemas.openxmlformats.org/presentationml/2006/main">
+  <p:cSld>
+    <p:spTree>
+      <p:nvGrpSpPr>
+        <p:cNvPr id="1" name=""/>
+        <p:cNvGrpSpPr/>
+        <p:nvPr/>
+      </p:nvGrpSpPr>
+      <p:grpSpPr>
+        <a:xfrm>
+          <a:off x="0" y="0"/>
+          <a:ext cx="0" cy="0"/>
+          <a:chOff x="0" y="0"/>
+          <a:chExt cx="0" cy="0"/>
+        </a:xfrm>
+      </p:grpSpPr>
+      <p:sp>
+        <p:nvSpPr>
+          <p:cNvPr id="2" name="Title 1"/>
+          <p:cNvSpPr>
+            <a:spLocks noGrp="1"/>
+          </p:cNvSpPr>
+          <p:nvPr>
+            <p:ph type="title"/>
+          </p:nvPr>
+        </p:nvSpPr>
+        <p:spPr/>
+        <p:txBody>
+          <a:bodyPr/>
+          <a:lstStyle/>
+          <a:p>
+            <a:r>
+              <a:rPr lang="en-US" dirty="0" smtClean="0"/>
+              <a:t>HTML template</a:t>
+            </a:r>
+            <a:endParaRPr lang="en-US" dirty="0"/>
+          </a:p>
+        </p:txBody>
+      </p:sp>
+      <p:sp>
+        <p:nvSpPr>
+          <p:cNvPr id="4" name="Slide Number Placeholder 3"/>
+          <p:cNvSpPr>
+            <a:spLocks noGrp="1"/>
+          </p:cNvSpPr>
+          <p:nvPr>
+            <p:ph type="sldNum" sz="quarter" idx="12"/>
+          </p:nvPr>
+        </p:nvSpPr>
+        <p:spPr/>
+        <p:txBody>
+          <a:bodyPr/>
+          <a:lstStyle/>
+          <a:p>
+            <a:fld id="{5A209D72-2E9D-49B0-8977-41DCCC66C0BB}" type="slidenum">
+              <a:rPr lang="nl-BE" smtClean="0"/>
+              <a:t>36</a:t>
+            </a:fld>
+            <a:endParaRPr lang="nl-BE"/>
+          </a:p>
+        </p:txBody>
+      </p:sp>
+      <p:sp>
+        <p:nvSpPr>
+          <p:cNvPr id="5" name="TextBox 4"/>
+          <p:cNvSpPr txBox="1"/>
+          <p:nvPr/>
+        </p:nvSpPr>
+        <p:spPr>
+          <a:xfrm>
+            <a:off x="352770" y="1182967"/>
+            <a:ext cx="7628352" cy="3970318"/>
+          </a:xfrm>
+          <a:prstGeom prst="rect">
+            <a:avLst/>
+          </a:prstGeom>
+          <a:solidFill>
+            <a:srgbClr val="CCFF66"/>
+          </a:solidFill>
+        </p:spPr>
+        <p:txBody>
+          <a:bodyPr wrap="square" rtlCol="0">
+            <a:spAutoFit/>
+          </a:bodyPr>
+          <a:lstStyle/>
+          <a:p>
+            <a:r>
+              <a:rPr lang="en-US" dirty="0" smtClean="0">
+                <a:solidFill>
+                  <a:prstClr val="black"/>
+                </a:solidFill>
+                <a:latin typeface="Courier New" pitchFamily="49" charset="0"/>
+                <a:cs typeface="Courier New" pitchFamily="49" charset="0"/>
+              </a:rPr>
+              <a:t>&lt;</a:t>
+            </a:r>
+            <a:r>
+              <a:rPr lang="en-US" dirty="0">
+                <a:solidFill>
+                  <a:prstClr val="black"/>
+                </a:solidFill>
+                <a:latin typeface="Courier New" pitchFamily="49" charset="0"/>
+                <a:cs typeface="Courier New" pitchFamily="49" charset="0"/>
+              </a:rPr>
+              <a:t>table&gt;</a:t>
+            </a:r>
+          </a:p>
+          <a:p>
+            <a:r>
+              <a:rPr lang="en-US" dirty="0" smtClean="0">
+                <a:solidFill>
+                  <a:prstClr val="black"/>
+                </a:solidFill>
+                <a:latin typeface="Courier New" pitchFamily="49" charset="0"/>
+                <a:cs typeface="Courier New" pitchFamily="49" charset="0"/>
+              </a:rPr>
+              <a:t>    </a:t>
+            </a:r>
+            <a:r>
+              <a:rPr lang="en-US" dirty="0">
+                <a:solidFill>
+                  <a:prstClr val="black"/>
+                </a:solidFill>
+                <a:latin typeface="Courier New" pitchFamily="49" charset="0"/>
+                <a:cs typeface="Courier New" pitchFamily="49" charset="0"/>
+              </a:rPr>
+              <a:t>&lt;</a:t>
+            </a:r>
+            <a:r>
+              <a:rPr lang="en-US" dirty="0" err="1">
+                <a:solidFill>
+                  <a:prstClr val="black"/>
+                </a:solidFill>
+                <a:latin typeface="Courier New" pitchFamily="49" charset="0"/>
+                <a:cs typeface="Courier New" pitchFamily="49" charset="0"/>
+              </a:rPr>
+              <a:t>tr</a:t>
+            </a:r>
+            <a:r>
+              <a:rPr lang="en-US" dirty="0">
+                <a:solidFill>
+                  <a:prstClr val="black"/>
+                </a:solidFill>
+                <a:latin typeface="Courier New" pitchFamily="49" charset="0"/>
+                <a:cs typeface="Courier New" pitchFamily="49" charset="0"/>
+              </a:rPr>
+              <a:t>&gt;</a:t>
+            </a:r>
+          </a:p>
+          <a:p>
+            <a:r>
+              <a:rPr lang="en-US" dirty="0" smtClean="0">
+                <a:solidFill>
+                  <a:prstClr val="black"/>
+                </a:solidFill>
+                <a:latin typeface="Courier New" pitchFamily="49" charset="0"/>
+                <a:cs typeface="Courier New" pitchFamily="49" charset="0"/>
+              </a:rPr>
+              <a:t>        </a:t>
+            </a:r>
+            <a:r>
+              <a:rPr lang="en-US" dirty="0">
+                <a:solidFill>
+                  <a:prstClr val="black"/>
+                </a:solidFill>
+                <a:latin typeface="Courier New" pitchFamily="49" charset="0"/>
+                <a:cs typeface="Courier New" pitchFamily="49" charset="0"/>
+              </a:rPr>
+              <a:t>&lt;</a:t>
+            </a:r>
+            <a:r>
+              <a:rPr lang="en-US" dirty="0" err="1">
+                <a:solidFill>
+                  <a:prstClr val="black"/>
+                </a:solidFill>
+                <a:latin typeface="Courier New" pitchFamily="49" charset="0"/>
+                <a:cs typeface="Courier New" pitchFamily="49" charset="0"/>
+              </a:rPr>
+              <a:t>th</a:t>
+            </a:r>
+            <a:r>
+              <a:rPr lang="en-US" dirty="0">
+                <a:solidFill>
+                  <a:prstClr val="black"/>
+                </a:solidFill>
+                <a:latin typeface="Courier New" pitchFamily="49" charset="0"/>
+                <a:cs typeface="Courier New" pitchFamily="49" charset="0"/>
+              </a:rPr>
+              <a:t>&gt;Person ID&lt;/</a:t>
+            </a:r>
+            <a:r>
+              <a:rPr lang="en-US" dirty="0" err="1">
+                <a:solidFill>
+                  <a:prstClr val="black"/>
+                </a:solidFill>
+                <a:latin typeface="Courier New" pitchFamily="49" charset="0"/>
+                <a:cs typeface="Courier New" pitchFamily="49" charset="0"/>
+              </a:rPr>
+              <a:t>th</a:t>
+            </a:r>
+            <a:r>
+              <a:rPr lang="en-US" dirty="0">
+                <a:solidFill>
+                  <a:prstClr val="black"/>
+                </a:solidFill>
+                <a:latin typeface="Courier New" pitchFamily="49" charset="0"/>
+                <a:cs typeface="Courier New" pitchFamily="49" charset="0"/>
+              </a:rPr>
+              <a:t>&gt;</a:t>
+            </a:r>
+          </a:p>
+          <a:p>
+            <a:r>
+              <a:rPr lang="en-US" dirty="0" smtClean="0">
+                <a:solidFill>
+                  <a:prstClr val="black"/>
+                </a:solidFill>
+                <a:latin typeface="Courier New" pitchFamily="49" charset="0"/>
+                <a:cs typeface="Courier New" pitchFamily="49" charset="0"/>
+              </a:rPr>
+              <a:t>        </a:t>
+            </a:r>
+            <a:r>
+              <a:rPr lang="en-US" dirty="0">
+                <a:solidFill>
+                  <a:prstClr val="black"/>
+                </a:solidFill>
+                <a:latin typeface="Courier New" pitchFamily="49" charset="0"/>
+                <a:cs typeface="Courier New" pitchFamily="49" charset="0"/>
+              </a:rPr>
+              <a:t>&lt;</a:t>
+            </a:r>
+            <a:r>
+              <a:rPr lang="en-US" dirty="0" err="1">
+                <a:solidFill>
+                  <a:prstClr val="black"/>
+                </a:solidFill>
+                <a:latin typeface="Courier New" pitchFamily="49" charset="0"/>
+                <a:cs typeface="Courier New" pitchFamily="49" charset="0"/>
+              </a:rPr>
+              <a:t>th</a:t>
+            </a:r>
+            <a:r>
+              <a:rPr lang="en-US" dirty="0">
+                <a:solidFill>
+                  <a:prstClr val="black"/>
+                </a:solidFill>
+                <a:latin typeface="Courier New" pitchFamily="49" charset="0"/>
+                <a:cs typeface="Courier New" pitchFamily="49" charset="0"/>
+              </a:rPr>
+              <a:t>&gt;year of birth&lt;/</a:t>
+            </a:r>
+            <a:r>
+              <a:rPr lang="en-US" dirty="0" err="1">
+                <a:solidFill>
+                  <a:prstClr val="black"/>
+                </a:solidFill>
+                <a:latin typeface="Courier New" pitchFamily="49" charset="0"/>
+                <a:cs typeface="Courier New" pitchFamily="49" charset="0"/>
+              </a:rPr>
+              <a:t>th</a:t>
+            </a:r>
+            <a:r>
+              <a:rPr lang="en-US" dirty="0">
+                <a:solidFill>
+                  <a:prstClr val="black"/>
+                </a:solidFill>
+                <a:latin typeface="Courier New" pitchFamily="49" charset="0"/>
+                <a:cs typeface="Courier New" pitchFamily="49" charset="0"/>
+              </a:rPr>
+              <a:t>&gt;</a:t>
+            </a:r>
+          </a:p>
+          <a:p>
+            <a:r>
+              <a:rPr lang="en-US" dirty="0" smtClean="0">
+                <a:solidFill>
+                  <a:prstClr val="black"/>
+                </a:solidFill>
+                <a:latin typeface="Courier New" pitchFamily="49" charset="0"/>
+                <a:cs typeface="Courier New" pitchFamily="49" charset="0"/>
+              </a:rPr>
+              <a:t>        </a:t>
+            </a:r>
+            <a:r>
+              <a:rPr lang="en-US" dirty="0">
+                <a:solidFill>
+                  <a:prstClr val="black"/>
+                </a:solidFill>
+                <a:latin typeface="Courier New" pitchFamily="49" charset="0"/>
+                <a:cs typeface="Courier New" pitchFamily="49" charset="0"/>
+              </a:rPr>
+              <a:t>&lt;</a:t>
+            </a:r>
+            <a:r>
+              <a:rPr lang="en-US" dirty="0" err="1">
+                <a:solidFill>
+                  <a:prstClr val="black"/>
+                </a:solidFill>
+                <a:latin typeface="Courier New" pitchFamily="49" charset="0"/>
+                <a:cs typeface="Courier New" pitchFamily="49" charset="0"/>
+              </a:rPr>
+              <a:t>th</a:t>
+            </a:r>
+            <a:r>
+              <a:rPr lang="en-US" dirty="0">
+                <a:solidFill>
+                  <a:prstClr val="black"/>
+                </a:solidFill>
+                <a:latin typeface="Courier New" pitchFamily="49" charset="0"/>
+                <a:cs typeface="Courier New" pitchFamily="49" charset="0"/>
+              </a:rPr>
+              <a:t>&gt;number of friends&lt;/</a:t>
+            </a:r>
+            <a:r>
+              <a:rPr lang="en-US" dirty="0" err="1">
+                <a:solidFill>
+                  <a:prstClr val="black"/>
+                </a:solidFill>
+                <a:latin typeface="Courier New" pitchFamily="49" charset="0"/>
+                <a:cs typeface="Courier New" pitchFamily="49" charset="0"/>
+              </a:rPr>
+              <a:t>th</a:t>
+            </a:r>
+            <a:r>
+              <a:rPr lang="en-US" dirty="0">
+                <a:solidFill>
+                  <a:prstClr val="black"/>
+                </a:solidFill>
+                <a:latin typeface="Courier New" pitchFamily="49" charset="0"/>
+                <a:cs typeface="Courier New" pitchFamily="49" charset="0"/>
+              </a:rPr>
+              <a:t>&gt;</a:t>
+            </a:r>
+          </a:p>
+          <a:p>
+            <a:r>
+              <a:rPr lang="en-US" dirty="0" smtClean="0">
+                <a:solidFill>
+                  <a:prstClr val="black"/>
+                </a:solidFill>
+                <a:latin typeface="Courier New" pitchFamily="49" charset="0"/>
+                <a:cs typeface="Courier New" pitchFamily="49" charset="0"/>
+              </a:rPr>
+              <a:t>    &lt;/</a:t>
+            </a:r>
+            <a:r>
+              <a:rPr lang="en-US" dirty="0" err="1">
+                <a:solidFill>
+                  <a:prstClr val="black"/>
+                </a:solidFill>
+                <a:latin typeface="Courier New" pitchFamily="49" charset="0"/>
+                <a:cs typeface="Courier New" pitchFamily="49" charset="0"/>
+              </a:rPr>
+              <a:t>tr</a:t>
+            </a:r>
+            <a:r>
+              <a:rPr lang="en-US" dirty="0">
+                <a:solidFill>
+                  <a:prstClr val="black"/>
+                </a:solidFill>
+                <a:latin typeface="Courier New" pitchFamily="49" charset="0"/>
+                <a:cs typeface="Courier New" pitchFamily="49" charset="0"/>
+              </a:rPr>
+              <a:t>&gt;</a:t>
+            </a:r>
+          </a:p>
+          <a:p>
+            <a:r>
+              <a:rPr lang="en-US" dirty="0" smtClean="0">
+                <a:solidFill>
+                  <a:prstClr val="black"/>
+                </a:solidFill>
+                <a:latin typeface="Courier New" pitchFamily="49" charset="0"/>
+                <a:cs typeface="Courier New" pitchFamily="49" charset="0"/>
+              </a:rPr>
+              <a:t>    {% </a:t>
+            </a:r>
+            <a:r>
+              <a:rPr lang="en-US" dirty="0">
+                <a:solidFill>
+                  <a:prstClr val="black"/>
+                </a:solidFill>
+                <a:latin typeface="Courier New" pitchFamily="49" charset="0"/>
+                <a:cs typeface="Courier New" pitchFamily="49" charset="0"/>
+              </a:rPr>
+              <a:t>for person in people %}</a:t>
+            </a:r>
+          </a:p>
+          <a:p>
+            <a:r>
+              <a:rPr lang="en-US" dirty="0">
+                <a:solidFill>
+                  <a:prstClr val="black"/>
+                </a:solidFill>
+                <a:latin typeface="Courier New" pitchFamily="49" charset="0"/>
+                <a:cs typeface="Courier New" pitchFamily="49" charset="0"/>
+              </a:rPr>
+              <a:t>    </a:t>
+            </a:r>
+            <a:r>
+              <a:rPr lang="en-US" dirty="0" smtClean="0">
+                <a:solidFill>
+                  <a:prstClr val="black"/>
+                </a:solidFill>
+                <a:latin typeface="Courier New" pitchFamily="49" charset="0"/>
+                <a:cs typeface="Courier New" pitchFamily="49" charset="0"/>
+              </a:rPr>
+              <a:t>&lt;</a:t>
+            </a:r>
+            <a:r>
+              <a:rPr lang="en-US" dirty="0" err="1">
+                <a:solidFill>
+                  <a:prstClr val="black"/>
+                </a:solidFill>
+                <a:latin typeface="Courier New" pitchFamily="49" charset="0"/>
+                <a:cs typeface="Courier New" pitchFamily="49" charset="0"/>
+              </a:rPr>
+              <a:t>tr</a:t>
+            </a:r>
+            <a:r>
+              <a:rPr lang="en-US" dirty="0">
+                <a:solidFill>
+                  <a:prstClr val="black"/>
+                </a:solidFill>
+                <a:latin typeface="Courier New" pitchFamily="49" charset="0"/>
+                <a:cs typeface="Courier New" pitchFamily="49" charset="0"/>
+              </a:rPr>
+              <a:t>&gt;</a:t>
+            </a:r>
+          </a:p>
+          <a:p>
+            <a:r>
+              <a:rPr lang="en-US" dirty="0">
+                <a:solidFill>
+                  <a:prstClr val="black"/>
+                </a:solidFill>
+                <a:latin typeface="Courier New" pitchFamily="49" charset="0"/>
+                <a:cs typeface="Courier New" pitchFamily="49" charset="0"/>
+              </a:rPr>
+              <a:t>    </a:t>
+            </a:r>
+            <a:r>
+              <a:rPr lang="en-US" dirty="0" smtClean="0">
+                <a:solidFill>
+                  <a:prstClr val="black"/>
+                </a:solidFill>
+                <a:latin typeface="Courier New" pitchFamily="49" charset="0"/>
+                <a:cs typeface="Courier New" pitchFamily="49" charset="0"/>
+              </a:rPr>
+              <a:t>    </a:t>
+            </a:r>
+            <a:r>
+              <a:rPr lang="en-US" dirty="0">
+                <a:solidFill>
+                  <a:prstClr val="black"/>
+                </a:solidFill>
+                <a:latin typeface="Courier New" pitchFamily="49" charset="0"/>
+                <a:cs typeface="Courier New" pitchFamily="49" charset="0"/>
+              </a:rPr>
+              <a:t>&lt;td&gt; {{ person['id'] }} &lt;/td&gt;</a:t>
+            </a:r>
+          </a:p>
+          <a:p>
+            <a:r>
+              <a:rPr lang="en-US" dirty="0">
+                <a:solidFill>
+                  <a:prstClr val="black"/>
+                </a:solidFill>
+                <a:latin typeface="Courier New" pitchFamily="49" charset="0"/>
+                <a:cs typeface="Courier New" pitchFamily="49" charset="0"/>
+              </a:rPr>
+              <a:t>    </a:t>
+            </a:r>
+            <a:r>
+              <a:rPr lang="en-US" dirty="0" smtClean="0">
+                <a:solidFill>
+                  <a:prstClr val="black"/>
+                </a:solidFill>
+                <a:latin typeface="Courier New" pitchFamily="49" charset="0"/>
+                <a:cs typeface="Courier New" pitchFamily="49" charset="0"/>
+              </a:rPr>
+              <a:t>    </a:t>
+            </a:r>
+            <a:r>
+              <a:rPr lang="en-US" dirty="0">
+                <a:solidFill>
+                  <a:prstClr val="black"/>
+                </a:solidFill>
+                <a:latin typeface="Courier New" pitchFamily="49" charset="0"/>
+                <a:cs typeface="Courier New" pitchFamily="49" charset="0"/>
+              </a:rPr>
+              <a:t>&lt;td&gt; {{ person['</a:t>
+            </a:r>
+            <a:r>
+              <a:rPr lang="en-US" dirty="0" err="1">
+                <a:solidFill>
+                  <a:prstClr val="black"/>
+                </a:solidFill>
+                <a:latin typeface="Courier New" pitchFamily="49" charset="0"/>
+                <a:cs typeface="Courier New" pitchFamily="49" charset="0"/>
+              </a:rPr>
+              <a:t>birthyear</a:t>
+            </a:r>
+            <a:r>
+              <a:rPr lang="en-US" dirty="0">
+                <a:solidFill>
+                  <a:prstClr val="black"/>
+                </a:solidFill>
+                <a:latin typeface="Courier New" pitchFamily="49" charset="0"/>
+                <a:cs typeface="Courier New" pitchFamily="49" charset="0"/>
+              </a:rPr>
+              <a:t>'] }} &lt;/td&gt;</a:t>
+            </a:r>
+          </a:p>
+          <a:p>
+            <a:r>
+              <a:rPr lang="en-US" dirty="0">
+                <a:solidFill>
+                  <a:prstClr val="black"/>
+                </a:solidFill>
+                <a:latin typeface="Courier New" pitchFamily="49" charset="0"/>
+                <a:cs typeface="Courier New" pitchFamily="49" charset="0"/>
+              </a:rPr>
+              <a:t>    </a:t>
+            </a:r>
+            <a:r>
+              <a:rPr lang="en-US" dirty="0" smtClean="0">
+                <a:solidFill>
+                  <a:prstClr val="black"/>
+                </a:solidFill>
+                <a:latin typeface="Courier New" pitchFamily="49" charset="0"/>
+                <a:cs typeface="Courier New" pitchFamily="49" charset="0"/>
+              </a:rPr>
+              <a:t>    </a:t>
+            </a:r>
+            <a:r>
+              <a:rPr lang="en-US" dirty="0">
+                <a:solidFill>
+                  <a:prstClr val="black"/>
+                </a:solidFill>
+                <a:latin typeface="Courier New" pitchFamily="49" charset="0"/>
+                <a:cs typeface="Courier New" pitchFamily="49" charset="0"/>
+              </a:rPr>
+              <a:t>&lt;td&gt; {{ person['</a:t>
+            </a:r>
+            <a:r>
+              <a:rPr lang="en-US" dirty="0" err="1">
+                <a:solidFill>
+                  <a:prstClr val="black"/>
+                </a:solidFill>
+                <a:latin typeface="Courier New" pitchFamily="49" charset="0"/>
+                <a:cs typeface="Courier New" pitchFamily="49" charset="0"/>
+              </a:rPr>
+              <a:t>nr_friends</a:t>
+            </a:r>
+            <a:r>
+              <a:rPr lang="en-US" dirty="0">
+                <a:solidFill>
+                  <a:prstClr val="black"/>
+                </a:solidFill>
+                <a:latin typeface="Courier New" pitchFamily="49" charset="0"/>
+                <a:cs typeface="Courier New" pitchFamily="49" charset="0"/>
+              </a:rPr>
+              <a:t>'] }} &lt;/td&gt;</a:t>
+            </a:r>
+          </a:p>
+          <a:p>
+            <a:r>
+              <a:rPr lang="en-US" dirty="0">
+                <a:solidFill>
+                  <a:prstClr val="black"/>
+                </a:solidFill>
+                <a:latin typeface="Courier New" pitchFamily="49" charset="0"/>
+                <a:cs typeface="Courier New" pitchFamily="49" charset="0"/>
+              </a:rPr>
+              <a:t>    </a:t>
+            </a:r>
+            <a:r>
+              <a:rPr lang="en-US" dirty="0" smtClean="0">
+                <a:solidFill>
+                  <a:prstClr val="black"/>
+                </a:solidFill>
+                <a:latin typeface="Courier New" pitchFamily="49" charset="0"/>
+                <a:cs typeface="Courier New" pitchFamily="49" charset="0"/>
+              </a:rPr>
+              <a:t>&lt;/</a:t>
+            </a:r>
+            <a:r>
+              <a:rPr lang="en-US" dirty="0" err="1" smtClean="0">
+                <a:solidFill>
+                  <a:prstClr val="black"/>
+                </a:solidFill>
+                <a:latin typeface="Courier New" pitchFamily="49" charset="0"/>
+                <a:cs typeface="Courier New" pitchFamily="49" charset="0"/>
+              </a:rPr>
+              <a:t>tr</a:t>
+            </a:r>
+            <a:r>
+              <a:rPr lang="en-US" dirty="0">
+                <a:solidFill>
+                  <a:prstClr val="black"/>
+                </a:solidFill>
+                <a:latin typeface="Courier New" pitchFamily="49" charset="0"/>
+                <a:cs typeface="Courier New" pitchFamily="49" charset="0"/>
+              </a:rPr>
+              <a:t>&gt;</a:t>
+            </a:r>
+          </a:p>
+          <a:p>
+            <a:r>
+              <a:rPr lang="en-US" dirty="0">
+                <a:solidFill>
+                  <a:prstClr val="black"/>
+                </a:solidFill>
+                <a:latin typeface="Courier New" pitchFamily="49" charset="0"/>
+                <a:cs typeface="Courier New" pitchFamily="49" charset="0"/>
+              </a:rPr>
+              <a:t>    </a:t>
+            </a:r>
+            <a:r>
+              <a:rPr lang="en-US" dirty="0" smtClean="0">
+                <a:solidFill>
+                  <a:prstClr val="black"/>
+                </a:solidFill>
+                <a:latin typeface="Courier New" pitchFamily="49" charset="0"/>
+                <a:cs typeface="Courier New" pitchFamily="49" charset="0"/>
+              </a:rPr>
+              <a:t>{% </a:t>
+            </a:r>
+            <a:r>
+              <a:rPr lang="en-US" dirty="0" err="1">
+                <a:solidFill>
+                  <a:prstClr val="black"/>
+                </a:solidFill>
+                <a:latin typeface="Courier New" pitchFamily="49" charset="0"/>
+                <a:cs typeface="Courier New" pitchFamily="49" charset="0"/>
+              </a:rPr>
+              <a:t>endfor</a:t>
+            </a:r>
+            <a:r>
+              <a:rPr lang="en-US" dirty="0">
+                <a:solidFill>
+                  <a:prstClr val="black"/>
+                </a:solidFill>
+                <a:latin typeface="Courier New" pitchFamily="49" charset="0"/>
+                <a:cs typeface="Courier New" pitchFamily="49" charset="0"/>
+              </a:rPr>
+              <a:t> %}          </a:t>
+            </a:r>
+          </a:p>
+          <a:p>
+            <a:r>
+              <a:rPr lang="en-US" dirty="0" smtClean="0">
+                <a:solidFill>
+                  <a:prstClr val="black"/>
+                </a:solidFill>
+                <a:latin typeface="Courier New" pitchFamily="49" charset="0"/>
+                <a:cs typeface="Courier New" pitchFamily="49" charset="0"/>
+              </a:rPr>
+              <a:t>&lt;/</a:t>
+            </a:r>
+            <a:r>
+              <a:rPr lang="en-US" dirty="0">
+                <a:solidFill>
+                  <a:prstClr val="black"/>
+                </a:solidFill>
+                <a:latin typeface="Courier New" pitchFamily="49" charset="0"/>
+                <a:cs typeface="Courier New" pitchFamily="49" charset="0"/>
+              </a:rPr>
+              <a:t>table</a:t>
+            </a:r>
+            <a:r>
+              <a:rPr lang="en-US" dirty="0" smtClean="0">
+                <a:solidFill>
+                  <a:prstClr val="black"/>
+                </a:solidFill>
+                <a:latin typeface="Courier New" pitchFamily="49" charset="0"/>
+                <a:cs typeface="Courier New" pitchFamily="49" charset="0"/>
+              </a:rPr>
+              <a:t>&gt;</a:t>
+            </a:r>
+            <a:endParaRPr lang="en-US" dirty="0">
+              <a:solidFill>
+                <a:prstClr val="black"/>
+              </a:solidFill>
+              <a:latin typeface="Courier New" pitchFamily="49" charset="0"/>
+              <a:cs typeface="Courier New" pitchFamily="49" charset="0"/>
+            </a:endParaRPr>
+          </a:p>
+        </p:txBody>
+      </p:sp>
+      <p:grpSp>
+        <p:nvGrpSpPr>
+          <p:cNvPr id="9" name="Group 8"/>
+          <p:cNvGrpSpPr/>
+          <p:nvPr/>
+        </p:nvGrpSpPr>
+        <p:grpSpPr>
+          <a:xfrm>
+            <a:off x="946164" y="2877087"/>
+            <a:ext cx="3710151" cy="1939158"/>
+            <a:chOff x="2427890" y="3920359"/>
+            <a:chExt cx="3710151" cy="1939158"/>
+          </a:xfrm>
+        </p:grpSpPr>
+        <p:sp>
+          <p:nvSpPr>
+            <p:cNvPr id="6" name="Rectangle 5"/>
+            <p:cNvSpPr/>
+            <p:nvPr/>
+          </p:nvSpPr>
+          <p:spPr>
+            <a:xfrm>
+              <a:off x="2427890" y="3920359"/>
+              <a:ext cx="3710151" cy="294289"/>
+            </a:xfrm>
+            <a:prstGeom prst="rect">
+              <a:avLst/>
+            </a:prstGeom>
+            <a:noFill/>
+            <a:ln>
+              <a:solidFill>
+                <a:srgbClr val="FF0000"/>
+              </a:solidFill>
+            </a:ln>
+          </p:spPr>
+          <p:style>
+            <a:lnRef idx="2">
+              <a:schemeClr val="accent1">
+                <a:shade val="50000"/>
+              </a:schemeClr>
+            </a:lnRef>
+            <a:fillRef idx="1">
+              <a:schemeClr val="accent1"/>
+            </a:fillRef>
+            <a:effectRef idx="0">
+              <a:schemeClr val="accent1"/>
+            </a:effectRef>
+            <a:fontRef idx="minor">
+              <a:schemeClr val="lt1"/>
+            </a:fontRef>
+          </p:style>
+          <p:txBody>
+            <a:bodyPr rtlCol="0" anchor="ctr"/>
+            <a:lstStyle/>
+            <a:p>
+              <a:pPr algn="ctr"/>
+              <a:endParaRPr lang="en-US"/>
+            </a:p>
+          </p:txBody>
+        </p:sp>
+        <p:sp>
+          <p:nvSpPr>
+            <p:cNvPr id="7" name="Rectangle 6"/>
+            <p:cNvSpPr/>
+            <p:nvPr/>
+          </p:nvSpPr>
+          <p:spPr>
+            <a:xfrm>
+              <a:off x="2427890" y="5565228"/>
+              <a:ext cx="3710151" cy="294289"/>
+            </a:xfrm>
+            <a:prstGeom prst="rect">
+              <a:avLst/>
+            </a:prstGeom>
+            <a:noFill/>
+            <a:ln>
+              <a:solidFill>
+                <a:srgbClr val="FF0000"/>
+              </a:solidFill>
+            </a:ln>
+          </p:spPr>
+          <p:style>
+            <a:lnRef idx="2">
+              <a:schemeClr val="accent1">
+                <a:shade val="50000"/>
+              </a:schemeClr>
+            </a:lnRef>
+            <a:fillRef idx="1">
+              <a:schemeClr val="accent1"/>
+            </a:fillRef>
+            <a:effectRef idx="0">
+              <a:schemeClr val="accent1"/>
+            </a:effectRef>
+            <a:fontRef idx="minor">
+              <a:schemeClr val="lt1"/>
+            </a:fontRef>
+          </p:style>
+          <p:txBody>
+            <a:bodyPr rtlCol="0" anchor="ctr"/>
+            <a:lstStyle/>
+            <a:p>
+              <a:pPr algn="ctr"/>
+              <a:endParaRPr lang="en-US"/>
+            </a:p>
+          </p:txBody>
+        </p:sp>
+      </p:grpSp>
+      <p:sp>
+        <p:nvSpPr>
+          <p:cNvPr id="8" name="Rectangle 7"/>
+          <p:cNvSpPr/>
+          <p:nvPr/>
+        </p:nvSpPr>
+        <p:spPr>
+          <a:xfrm>
+            <a:off x="3244846" y="4521956"/>
+            <a:ext cx="2611820" cy="294289"/>
+          </a:xfrm>
+          <a:prstGeom prst="rect">
+            <a:avLst/>
+          </a:prstGeom>
+          <a:noFill/>
+          <a:ln>
+            <a:solidFill>
+              <a:srgbClr val="0070C0"/>
+            </a:solidFill>
+          </a:ln>
+        </p:spPr>
+        <p:style>
+          <a:lnRef idx="2">
+            <a:schemeClr val="accent1">
+              <a:shade val="50000"/>
+            </a:schemeClr>
+          </a:lnRef>
+          <a:fillRef idx="1">
+            <a:schemeClr val="accent1"/>
+          </a:fillRef>
+          <a:effectRef idx="0">
+            <a:schemeClr val="accent1"/>
+          </a:effectRef>
+          <a:fontRef idx="minor">
+            <a:schemeClr val="lt1"/>
+          </a:fontRef>
+        </p:style>
+        <p:txBody>
+          <a:bodyPr rtlCol="0" anchor="ctr"/>
+          <a:lstStyle/>
+          <a:p>
+            <a:pPr algn="ctr"/>
+            <a:endParaRPr lang="en-US"/>
+          </a:p>
+        </p:txBody>
+      </p:sp>
+      <p:sp>
+        <p:nvSpPr>
+          <p:cNvPr id="10" name="TextBox 9"/>
+          <p:cNvSpPr txBox="1"/>
+          <p:nvPr/>
+        </p:nvSpPr>
+        <p:spPr>
+          <a:xfrm>
+            <a:off x="8117598" y="1417638"/>
+            <a:ext cx="4027074" cy="5047536"/>
+          </a:xfrm>
+          <a:prstGeom prst="rect">
+            <a:avLst/>
+          </a:prstGeom>
+          <a:solidFill>
+            <a:srgbClr val="CCFF66"/>
+          </a:solidFill>
+        </p:spPr>
+        <p:txBody>
+          <a:bodyPr wrap="square" rtlCol="0">
+            <a:spAutoFit/>
+          </a:bodyPr>
+          <a:lstStyle/>
+          <a:p>
+            <a:r>
+              <a:rPr lang="en-US" sz="1400" dirty="0" smtClean="0">
+                <a:solidFill>
+                  <a:prstClr val="black"/>
+                </a:solidFill>
+                <a:latin typeface="Courier New" pitchFamily="49" charset="0"/>
+                <a:cs typeface="Courier New" pitchFamily="49" charset="0"/>
+              </a:rPr>
+              <a:t>&lt;</a:t>
+            </a:r>
+            <a:r>
+              <a:rPr lang="en-US" sz="1400" dirty="0">
+                <a:solidFill>
+                  <a:prstClr val="black"/>
+                </a:solidFill>
+                <a:latin typeface="Courier New" pitchFamily="49" charset="0"/>
+                <a:cs typeface="Courier New" pitchFamily="49" charset="0"/>
+              </a:rPr>
+              <a:t>table&gt;</a:t>
+            </a:r>
+          </a:p>
+          <a:p>
+            <a:r>
+              <a:rPr lang="en-US" sz="1400" dirty="0">
+                <a:solidFill>
+                  <a:prstClr val="black"/>
+                </a:solidFill>
+                <a:latin typeface="Courier New" pitchFamily="49" charset="0"/>
+                <a:cs typeface="Courier New" pitchFamily="49" charset="0"/>
+              </a:rPr>
+              <a:t>    </a:t>
+            </a:r>
+            <a:r>
+              <a:rPr lang="en-US" sz="1400" dirty="0" smtClean="0">
+                <a:solidFill>
+                  <a:prstClr val="black"/>
+                </a:solidFill>
+                <a:latin typeface="Courier New" pitchFamily="49" charset="0"/>
+                <a:cs typeface="Courier New" pitchFamily="49" charset="0"/>
+              </a:rPr>
+              <a:t>&lt;</a:t>
+            </a:r>
+            <a:r>
+              <a:rPr lang="en-US" sz="1400" dirty="0" err="1">
+                <a:solidFill>
+                  <a:prstClr val="black"/>
+                </a:solidFill>
+                <a:latin typeface="Courier New" pitchFamily="49" charset="0"/>
+                <a:cs typeface="Courier New" pitchFamily="49" charset="0"/>
+              </a:rPr>
+              <a:t>tr</a:t>
+            </a:r>
+            <a:r>
+              <a:rPr lang="en-US" sz="1400" dirty="0">
+                <a:solidFill>
+                  <a:prstClr val="black"/>
+                </a:solidFill>
+                <a:latin typeface="Courier New" pitchFamily="49" charset="0"/>
+                <a:cs typeface="Courier New" pitchFamily="49" charset="0"/>
+              </a:rPr>
+              <a:t>&gt;</a:t>
+            </a:r>
+          </a:p>
+          <a:p>
+            <a:r>
+              <a:rPr lang="en-US" sz="1400" dirty="0" smtClean="0">
+                <a:solidFill>
+                  <a:prstClr val="black"/>
+                </a:solidFill>
+                <a:latin typeface="Courier New" pitchFamily="49" charset="0"/>
+                <a:cs typeface="Courier New" pitchFamily="49" charset="0"/>
+              </a:rPr>
+              <a:t>        </a:t>
+            </a:r>
+            <a:r>
+              <a:rPr lang="en-US" sz="1400" dirty="0">
+                <a:solidFill>
+                  <a:prstClr val="black"/>
+                </a:solidFill>
+                <a:latin typeface="Courier New" pitchFamily="49" charset="0"/>
+                <a:cs typeface="Courier New" pitchFamily="49" charset="0"/>
+              </a:rPr>
+              <a:t>&lt;</a:t>
+            </a:r>
+            <a:r>
+              <a:rPr lang="en-US" sz="1400" dirty="0" err="1">
+                <a:solidFill>
+                  <a:prstClr val="black"/>
+                </a:solidFill>
+                <a:latin typeface="Courier New" pitchFamily="49" charset="0"/>
+                <a:cs typeface="Courier New" pitchFamily="49" charset="0"/>
+              </a:rPr>
+              <a:t>th</a:t>
+            </a:r>
+            <a:r>
+              <a:rPr lang="en-US" sz="1400" dirty="0">
+                <a:solidFill>
+                  <a:prstClr val="black"/>
+                </a:solidFill>
+                <a:latin typeface="Courier New" pitchFamily="49" charset="0"/>
+                <a:cs typeface="Courier New" pitchFamily="49" charset="0"/>
+              </a:rPr>
+              <a:t>&gt;Person ID&lt;/</a:t>
+            </a:r>
+            <a:r>
+              <a:rPr lang="en-US" sz="1400" dirty="0" err="1">
+                <a:solidFill>
+                  <a:prstClr val="black"/>
+                </a:solidFill>
+                <a:latin typeface="Courier New" pitchFamily="49" charset="0"/>
+                <a:cs typeface="Courier New" pitchFamily="49" charset="0"/>
+              </a:rPr>
+              <a:t>th</a:t>
+            </a:r>
+            <a:r>
+              <a:rPr lang="en-US" sz="1400" dirty="0">
+                <a:solidFill>
+                  <a:prstClr val="black"/>
+                </a:solidFill>
+                <a:latin typeface="Courier New" pitchFamily="49" charset="0"/>
+                <a:cs typeface="Courier New" pitchFamily="49" charset="0"/>
+              </a:rPr>
+              <a:t>&gt;</a:t>
+            </a:r>
+          </a:p>
+          <a:p>
+            <a:r>
+              <a:rPr lang="en-US" sz="1400" dirty="0" smtClean="0">
+                <a:solidFill>
+                  <a:prstClr val="black"/>
+                </a:solidFill>
+                <a:latin typeface="Courier New" pitchFamily="49" charset="0"/>
+                <a:cs typeface="Courier New" pitchFamily="49" charset="0"/>
+              </a:rPr>
+              <a:t>        </a:t>
+            </a:r>
+            <a:r>
+              <a:rPr lang="en-US" sz="1400" dirty="0">
+                <a:solidFill>
+                  <a:prstClr val="black"/>
+                </a:solidFill>
+                <a:latin typeface="Courier New" pitchFamily="49" charset="0"/>
+                <a:cs typeface="Courier New" pitchFamily="49" charset="0"/>
+              </a:rPr>
+              <a:t>&lt;</a:t>
+            </a:r>
+            <a:r>
+              <a:rPr lang="en-US" sz="1400" dirty="0" err="1">
+                <a:solidFill>
+                  <a:prstClr val="black"/>
+                </a:solidFill>
+                <a:latin typeface="Courier New" pitchFamily="49" charset="0"/>
+                <a:cs typeface="Courier New" pitchFamily="49" charset="0"/>
+              </a:rPr>
+              <a:t>th</a:t>
+            </a:r>
+            <a:r>
+              <a:rPr lang="en-US" sz="1400" dirty="0">
+                <a:solidFill>
+                  <a:prstClr val="black"/>
+                </a:solidFill>
+                <a:latin typeface="Courier New" pitchFamily="49" charset="0"/>
+                <a:cs typeface="Courier New" pitchFamily="49" charset="0"/>
+              </a:rPr>
+              <a:t>&gt;year of birth&lt;/</a:t>
+            </a:r>
+            <a:r>
+              <a:rPr lang="en-US" sz="1400" dirty="0" err="1">
+                <a:solidFill>
+                  <a:prstClr val="black"/>
+                </a:solidFill>
+                <a:latin typeface="Courier New" pitchFamily="49" charset="0"/>
+                <a:cs typeface="Courier New" pitchFamily="49" charset="0"/>
+              </a:rPr>
+              <a:t>th</a:t>
+            </a:r>
+            <a:r>
+              <a:rPr lang="en-US" sz="1400" dirty="0">
+                <a:solidFill>
+                  <a:prstClr val="black"/>
+                </a:solidFill>
+                <a:latin typeface="Courier New" pitchFamily="49" charset="0"/>
+                <a:cs typeface="Courier New" pitchFamily="49" charset="0"/>
+              </a:rPr>
+              <a:t>&gt;</a:t>
+            </a:r>
+          </a:p>
+          <a:p>
+            <a:r>
+              <a:rPr lang="en-US" sz="1400" dirty="0" smtClean="0">
+                <a:solidFill>
+                  <a:prstClr val="black"/>
+                </a:solidFill>
+                <a:latin typeface="Courier New" pitchFamily="49" charset="0"/>
+                <a:cs typeface="Courier New" pitchFamily="49" charset="0"/>
+              </a:rPr>
+              <a:t>        </a:t>
+            </a:r>
+            <a:r>
+              <a:rPr lang="en-US" sz="1400" dirty="0">
+                <a:solidFill>
+                  <a:prstClr val="black"/>
+                </a:solidFill>
+                <a:latin typeface="Courier New" pitchFamily="49" charset="0"/>
+                <a:cs typeface="Courier New" pitchFamily="49" charset="0"/>
+              </a:rPr>
+              <a:t>&lt;</a:t>
+            </a:r>
+            <a:r>
+              <a:rPr lang="en-US" sz="1400" dirty="0" err="1">
+                <a:solidFill>
+                  <a:prstClr val="black"/>
+                </a:solidFill>
+                <a:latin typeface="Courier New" pitchFamily="49" charset="0"/>
+                <a:cs typeface="Courier New" pitchFamily="49" charset="0"/>
+              </a:rPr>
+              <a:t>th</a:t>
+            </a:r>
+            <a:r>
+              <a:rPr lang="en-US" sz="1400" dirty="0">
+                <a:solidFill>
+                  <a:prstClr val="black"/>
+                </a:solidFill>
+                <a:latin typeface="Courier New" pitchFamily="49" charset="0"/>
+                <a:cs typeface="Courier New" pitchFamily="49" charset="0"/>
+              </a:rPr>
+              <a:t>&gt;number of friends&lt;/</a:t>
+            </a:r>
+            <a:r>
+              <a:rPr lang="en-US" sz="1400" dirty="0" err="1">
+                <a:solidFill>
+                  <a:prstClr val="black"/>
+                </a:solidFill>
+                <a:latin typeface="Courier New" pitchFamily="49" charset="0"/>
+                <a:cs typeface="Courier New" pitchFamily="49" charset="0"/>
+              </a:rPr>
+              <a:t>th</a:t>
+            </a:r>
+            <a:r>
+              <a:rPr lang="en-US" sz="1400" dirty="0">
+                <a:solidFill>
+                  <a:prstClr val="black"/>
+                </a:solidFill>
+                <a:latin typeface="Courier New" pitchFamily="49" charset="0"/>
+                <a:cs typeface="Courier New" pitchFamily="49" charset="0"/>
+              </a:rPr>
+              <a:t>&gt;</a:t>
+            </a:r>
+          </a:p>
+          <a:p>
+            <a:r>
+              <a:rPr lang="en-US" sz="1400" dirty="0" smtClean="0">
+                <a:solidFill>
+                  <a:prstClr val="black"/>
+                </a:solidFill>
+                <a:latin typeface="Courier New" pitchFamily="49" charset="0"/>
+                <a:cs typeface="Courier New" pitchFamily="49" charset="0"/>
+              </a:rPr>
+              <a:t>    </a:t>
+            </a:r>
+            <a:r>
+              <a:rPr lang="en-US" sz="1400" dirty="0">
+                <a:solidFill>
+                  <a:prstClr val="black"/>
+                </a:solidFill>
+                <a:latin typeface="Courier New" pitchFamily="49" charset="0"/>
+                <a:cs typeface="Courier New" pitchFamily="49" charset="0"/>
+              </a:rPr>
+              <a:t>&lt;/</a:t>
+            </a:r>
+            <a:r>
+              <a:rPr lang="en-US" sz="1400" dirty="0" err="1">
+                <a:solidFill>
+                  <a:prstClr val="black"/>
+                </a:solidFill>
+                <a:latin typeface="Courier New" pitchFamily="49" charset="0"/>
+                <a:cs typeface="Courier New" pitchFamily="49" charset="0"/>
+              </a:rPr>
+              <a:t>tr</a:t>
+            </a:r>
+            <a:r>
+              <a:rPr lang="en-US" sz="1400" dirty="0">
+                <a:solidFill>
+                  <a:prstClr val="black"/>
+                </a:solidFill>
+                <a:latin typeface="Courier New" pitchFamily="49" charset="0"/>
+                <a:cs typeface="Courier New" pitchFamily="49" charset="0"/>
+              </a:rPr>
+              <a:t>&gt;</a:t>
+            </a:r>
+          </a:p>
+          <a:p>
+            <a:r>
+              <a:rPr lang="en-US" sz="1400" dirty="0" smtClean="0">
+                <a:solidFill>
+                  <a:prstClr val="black"/>
+                </a:solidFill>
+                <a:latin typeface="Courier New" pitchFamily="49" charset="0"/>
+                <a:cs typeface="Courier New" pitchFamily="49" charset="0"/>
+              </a:rPr>
+              <a:t>    </a:t>
+            </a:r>
+            <a:r>
+              <a:rPr lang="en-US" sz="1400" dirty="0">
+                <a:solidFill>
+                  <a:prstClr val="black"/>
+                </a:solidFill>
+                <a:latin typeface="Courier New" pitchFamily="49" charset="0"/>
+                <a:cs typeface="Courier New" pitchFamily="49" charset="0"/>
+              </a:rPr>
+              <a:t>&lt;</a:t>
+            </a:r>
+            <a:r>
+              <a:rPr lang="en-US" sz="1400" dirty="0" err="1">
+                <a:solidFill>
+                  <a:prstClr val="black"/>
+                </a:solidFill>
+                <a:latin typeface="Courier New" pitchFamily="49" charset="0"/>
+                <a:cs typeface="Courier New" pitchFamily="49" charset="0"/>
+              </a:rPr>
+              <a:t>tr</a:t>
+            </a:r>
+            <a:r>
+              <a:rPr lang="en-US" sz="1400" dirty="0">
+                <a:solidFill>
+                  <a:prstClr val="black"/>
+                </a:solidFill>
+                <a:latin typeface="Courier New" pitchFamily="49" charset="0"/>
+                <a:cs typeface="Courier New" pitchFamily="49" charset="0"/>
+              </a:rPr>
+              <a:t>&gt;</a:t>
+            </a:r>
+          </a:p>
+          <a:p>
+            <a:r>
+              <a:rPr lang="en-US" sz="1400" dirty="0" smtClean="0">
+                <a:solidFill>
+                  <a:prstClr val="black"/>
+                </a:solidFill>
+                <a:latin typeface="Courier New" pitchFamily="49" charset="0"/>
+                <a:cs typeface="Courier New" pitchFamily="49" charset="0"/>
+              </a:rPr>
+              <a:t>        </a:t>
+            </a:r>
+            <a:r>
+              <a:rPr lang="en-US" sz="1400" dirty="0">
+                <a:solidFill>
+                  <a:prstClr val="black"/>
+                </a:solidFill>
+                <a:latin typeface="Courier New" pitchFamily="49" charset="0"/>
+                <a:cs typeface="Courier New" pitchFamily="49" charset="0"/>
+              </a:rPr>
+              <a:t>&lt;td&gt; </a:t>
+            </a:r>
+            <a:r>
+              <a:rPr lang="en-US" sz="1400" dirty="0" err="1">
+                <a:solidFill>
+                  <a:prstClr val="black"/>
+                </a:solidFill>
+                <a:latin typeface="Courier New" pitchFamily="49" charset="0"/>
+                <a:cs typeface="Courier New" pitchFamily="49" charset="0"/>
+              </a:rPr>
+              <a:t>YwaVW</a:t>
+            </a:r>
+            <a:r>
+              <a:rPr lang="en-US" sz="1400" dirty="0">
+                <a:solidFill>
+                  <a:prstClr val="black"/>
+                </a:solidFill>
+                <a:latin typeface="Courier New" pitchFamily="49" charset="0"/>
+                <a:cs typeface="Courier New" pitchFamily="49" charset="0"/>
+              </a:rPr>
+              <a:t> &lt;/td&gt;</a:t>
+            </a:r>
+          </a:p>
+          <a:p>
+            <a:r>
+              <a:rPr lang="en-US" sz="1400" dirty="0" smtClean="0">
+                <a:solidFill>
+                  <a:prstClr val="black"/>
+                </a:solidFill>
+                <a:latin typeface="Courier New" pitchFamily="49" charset="0"/>
+                <a:cs typeface="Courier New" pitchFamily="49" charset="0"/>
+              </a:rPr>
+              <a:t>        </a:t>
+            </a:r>
+            <a:r>
+              <a:rPr lang="en-US" sz="1400" dirty="0">
+                <a:solidFill>
+                  <a:prstClr val="black"/>
+                </a:solidFill>
+                <a:latin typeface="Courier New" pitchFamily="49" charset="0"/>
+                <a:cs typeface="Courier New" pitchFamily="49" charset="0"/>
+              </a:rPr>
+              <a:t>&lt;td&gt; 1954 &lt;/td&gt;</a:t>
+            </a:r>
+          </a:p>
+          <a:p>
+            <a:r>
+              <a:rPr lang="en-US" sz="1400" dirty="0" smtClean="0">
+                <a:solidFill>
+                  <a:prstClr val="black"/>
+                </a:solidFill>
+                <a:latin typeface="Courier New" pitchFamily="49" charset="0"/>
+                <a:cs typeface="Courier New" pitchFamily="49" charset="0"/>
+              </a:rPr>
+              <a:t>        </a:t>
+            </a:r>
+            <a:r>
+              <a:rPr lang="en-US" sz="1400" dirty="0">
+                <a:solidFill>
+                  <a:prstClr val="black"/>
+                </a:solidFill>
+                <a:latin typeface="Courier New" pitchFamily="49" charset="0"/>
+                <a:cs typeface="Courier New" pitchFamily="49" charset="0"/>
+              </a:rPr>
+              <a:t>&lt;td&gt; 42 &lt;/td&gt;</a:t>
+            </a:r>
+          </a:p>
+          <a:p>
+            <a:r>
+              <a:rPr lang="en-US" sz="1400" dirty="0" smtClean="0">
+                <a:solidFill>
+                  <a:prstClr val="black"/>
+                </a:solidFill>
+                <a:latin typeface="Courier New" pitchFamily="49" charset="0"/>
+                <a:cs typeface="Courier New" pitchFamily="49" charset="0"/>
+              </a:rPr>
+              <a:t>    &lt;/</a:t>
+            </a:r>
+            <a:r>
+              <a:rPr lang="en-US" sz="1400" dirty="0" err="1" smtClean="0">
+                <a:solidFill>
+                  <a:prstClr val="black"/>
+                </a:solidFill>
+                <a:latin typeface="Courier New" pitchFamily="49" charset="0"/>
+                <a:cs typeface="Courier New" pitchFamily="49" charset="0"/>
+              </a:rPr>
+              <a:t>tr</a:t>
+            </a:r>
+            <a:r>
+              <a:rPr lang="en-US" sz="1400" dirty="0">
+                <a:solidFill>
+                  <a:prstClr val="black"/>
+                </a:solidFill>
+                <a:latin typeface="Courier New" pitchFamily="49" charset="0"/>
+                <a:cs typeface="Courier New" pitchFamily="49" charset="0"/>
+              </a:rPr>
+              <a:t>&gt;</a:t>
+            </a:r>
+          </a:p>
+          <a:p>
+            <a:r>
+              <a:rPr lang="en-US" sz="1400" dirty="0" smtClean="0">
+                <a:solidFill>
+                  <a:prstClr val="black"/>
+                </a:solidFill>
+                <a:latin typeface="Courier New" pitchFamily="49" charset="0"/>
+                <a:cs typeface="Courier New" pitchFamily="49" charset="0"/>
+              </a:rPr>
+              <a:t>    </a:t>
+            </a:r>
+            <a:r>
+              <a:rPr lang="en-US" sz="1400" dirty="0">
+                <a:solidFill>
+                  <a:prstClr val="black"/>
+                </a:solidFill>
+                <a:latin typeface="Courier New" pitchFamily="49" charset="0"/>
+                <a:cs typeface="Courier New" pitchFamily="49" charset="0"/>
+              </a:rPr>
+              <a:t>&lt;</a:t>
+            </a:r>
+            <a:r>
+              <a:rPr lang="en-US" sz="1400" dirty="0" err="1">
+                <a:solidFill>
+                  <a:prstClr val="black"/>
+                </a:solidFill>
+                <a:latin typeface="Courier New" pitchFamily="49" charset="0"/>
+                <a:cs typeface="Courier New" pitchFamily="49" charset="0"/>
+              </a:rPr>
+              <a:t>tr</a:t>
+            </a:r>
+            <a:r>
+              <a:rPr lang="en-US" sz="1400" dirty="0">
+                <a:solidFill>
+                  <a:prstClr val="black"/>
+                </a:solidFill>
+                <a:latin typeface="Courier New" pitchFamily="49" charset="0"/>
+                <a:cs typeface="Courier New" pitchFamily="49" charset="0"/>
+              </a:rPr>
+              <a:t>&gt;</a:t>
+            </a:r>
+          </a:p>
+          <a:p>
+            <a:r>
+              <a:rPr lang="en-US" sz="1400" dirty="0" smtClean="0">
+                <a:solidFill>
+                  <a:prstClr val="black"/>
+                </a:solidFill>
+                <a:latin typeface="Courier New" pitchFamily="49" charset="0"/>
+                <a:cs typeface="Courier New" pitchFamily="49" charset="0"/>
+              </a:rPr>
+              <a:t>        </a:t>
+            </a:r>
+            <a:r>
+              <a:rPr lang="en-US" sz="1400" dirty="0">
+                <a:solidFill>
+                  <a:prstClr val="black"/>
+                </a:solidFill>
+                <a:latin typeface="Courier New" pitchFamily="49" charset="0"/>
+                <a:cs typeface="Courier New" pitchFamily="49" charset="0"/>
+              </a:rPr>
+              <a:t>&lt;td&gt; </a:t>
+            </a:r>
+            <a:r>
+              <a:rPr lang="en-US" sz="1400" dirty="0" err="1">
+                <a:solidFill>
+                  <a:prstClr val="black"/>
+                </a:solidFill>
+                <a:latin typeface="Courier New" pitchFamily="49" charset="0"/>
+                <a:cs typeface="Courier New" pitchFamily="49" charset="0"/>
+              </a:rPr>
+              <a:t>KfsaZ</a:t>
+            </a:r>
+            <a:r>
+              <a:rPr lang="en-US" sz="1400" dirty="0">
+                <a:solidFill>
+                  <a:prstClr val="black"/>
+                </a:solidFill>
+                <a:latin typeface="Courier New" pitchFamily="49" charset="0"/>
+                <a:cs typeface="Courier New" pitchFamily="49" charset="0"/>
+              </a:rPr>
+              <a:t> &lt;/td&gt;</a:t>
+            </a:r>
+          </a:p>
+          <a:p>
+            <a:r>
+              <a:rPr lang="en-US" sz="1400" dirty="0" smtClean="0">
+                <a:solidFill>
+                  <a:prstClr val="black"/>
+                </a:solidFill>
+                <a:latin typeface="Courier New" pitchFamily="49" charset="0"/>
+                <a:cs typeface="Courier New" pitchFamily="49" charset="0"/>
+              </a:rPr>
+              <a:t>        </a:t>
+            </a:r>
+            <a:r>
+              <a:rPr lang="en-US" sz="1400" dirty="0">
+                <a:solidFill>
+                  <a:prstClr val="black"/>
+                </a:solidFill>
+                <a:latin typeface="Courier New" pitchFamily="49" charset="0"/>
+                <a:cs typeface="Courier New" pitchFamily="49" charset="0"/>
+              </a:rPr>
+              <a:t>&lt;td&gt; 1952 &lt;/td&gt;</a:t>
+            </a:r>
+          </a:p>
+          <a:p>
+            <a:r>
+              <a:rPr lang="en-US" sz="1400" dirty="0" smtClean="0">
+                <a:solidFill>
+                  <a:prstClr val="black"/>
+                </a:solidFill>
+                <a:latin typeface="Courier New" pitchFamily="49" charset="0"/>
+                <a:cs typeface="Courier New" pitchFamily="49" charset="0"/>
+              </a:rPr>
+              <a:t>        </a:t>
+            </a:r>
+            <a:r>
+              <a:rPr lang="en-US" sz="1400" dirty="0">
+                <a:solidFill>
+                  <a:prstClr val="black"/>
+                </a:solidFill>
+                <a:latin typeface="Courier New" pitchFamily="49" charset="0"/>
+                <a:cs typeface="Courier New" pitchFamily="49" charset="0"/>
+              </a:rPr>
+              <a:t>&lt;td&gt; 22 &lt;/td&gt;</a:t>
+            </a:r>
+          </a:p>
+          <a:p>
+            <a:r>
+              <a:rPr lang="en-US" sz="1400" dirty="0" smtClean="0">
+                <a:solidFill>
+                  <a:prstClr val="black"/>
+                </a:solidFill>
+                <a:latin typeface="Courier New" pitchFamily="49" charset="0"/>
+                <a:cs typeface="Courier New" pitchFamily="49" charset="0"/>
+              </a:rPr>
+              <a:t>    </a:t>
+            </a:r>
+            <a:r>
+              <a:rPr lang="en-US" sz="1400" dirty="0">
+                <a:solidFill>
+                  <a:prstClr val="black"/>
+                </a:solidFill>
+                <a:latin typeface="Courier New" pitchFamily="49" charset="0"/>
+                <a:cs typeface="Courier New" pitchFamily="49" charset="0"/>
+              </a:rPr>
+              <a:t>&lt;</a:t>
+            </a:r>
+            <a:r>
+              <a:rPr lang="en-US" sz="1400" dirty="0" err="1">
+                <a:solidFill>
+                  <a:prstClr val="black"/>
+                </a:solidFill>
+                <a:latin typeface="Courier New" pitchFamily="49" charset="0"/>
+                <a:cs typeface="Courier New" pitchFamily="49" charset="0"/>
+              </a:rPr>
+              <a:t>tr</a:t>
+            </a:r>
+            <a:r>
+              <a:rPr lang="en-US" sz="1400" dirty="0">
+                <a:solidFill>
+                  <a:prstClr val="black"/>
+                </a:solidFill>
+                <a:latin typeface="Courier New" pitchFamily="49" charset="0"/>
+                <a:cs typeface="Courier New" pitchFamily="49" charset="0"/>
+              </a:rPr>
+              <a:t>&gt;</a:t>
+            </a:r>
+          </a:p>
+          <a:p>
+            <a:r>
+              <a:rPr lang="en-US" sz="1400" dirty="0" smtClean="0">
+                <a:solidFill>
+                  <a:prstClr val="black"/>
+                </a:solidFill>
+                <a:latin typeface="Courier New" pitchFamily="49" charset="0"/>
+                <a:cs typeface="Courier New" pitchFamily="49" charset="0"/>
+              </a:rPr>
+              <a:t>    </a:t>
+            </a:r>
+            <a:r>
+              <a:rPr lang="en-US" sz="1400" dirty="0">
+                <a:solidFill>
+                  <a:prstClr val="black"/>
+                </a:solidFill>
+                <a:latin typeface="Courier New" pitchFamily="49" charset="0"/>
+                <a:cs typeface="Courier New" pitchFamily="49" charset="0"/>
+              </a:rPr>
+              <a:t>&lt;</a:t>
+            </a:r>
+            <a:r>
+              <a:rPr lang="en-US" sz="1400" dirty="0" err="1">
+                <a:solidFill>
+                  <a:prstClr val="black"/>
+                </a:solidFill>
+                <a:latin typeface="Courier New" pitchFamily="49" charset="0"/>
+                <a:cs typeface="Courier New" pitchFamily="49" charset="0"/>
+              </a:rPr>
+              <a:t>tr</a:t>
+            </a:r>
+            <a:r>
+              <a:rPr lang="en-US" sz="1400" dirty="0">
+                <a:solidFill>
+                  <a:prstClr val="black"/>
+                </a:solidFill>
+                <a:latin typeface="Courier New" pitchFamily="49" charset="0"/>
+                <a:cs typeface="Courier New" pitchFamily="49" charset="0"/>
+              </a:rPr>
+              <a:t>&gt;</a:t>
+            </a:r>
+          </a:p>
+          <a:p>
+            <a:r>
+              <a:rPr lang="en-US" sz="1400" dirty="0" smtClean="0">
+                <a:solidFill>
+                  <a:prstClr val="black"/>
+                </a:solidFill>
+                <a:latin typeface="Courier New" pitchFamily="49" charset="0"/>
+                <a:cs typeface="Courier New" pitchFamily="49" charset="0"/>
+              </a:rPr>
+              <a:t>        </a:t>
+            </a:r>
+            <a:r>
+              <a:rPr lang="en-US" sz="1400" dirty="0">
+                <a:solidFill>
+                  <a:prstClr val="black"/>
+                </a:solidFill>
+                <a:latin typeface="Courier New" pitchFamily="49" charset="0"/>
+                <a:cs typeface="Courier New" pitchFamily="49" charset="0"/>
+              </a:rPr>
+              <a:t>&lt;td&gt; </a:t>
+            </a:r>
+            <a:r>
+              <a:rPr lang="en-US" sz="1400" dirty="0" err="1">
+                <a:solidFill>
+                  <a:prstClr val="black"/>
+                </a:solidFill>
+                <a:latin typeface="Courier New" pitchFamily="49" charset="0"/>
+                <a:cs typeface="Courier New" pitchFamily="49" charset="0"/>
+              </a:rPr>
+              <a:t>HzyeL</a:t>
+            </a:r>
+            <a:r>
+              <a:rPr lang="en-US" sz="1400" dirty="0">
+                <a:solidFill>
+                  <a:prstClr val="black"/>
+                </a:solidFill>
+                <a:latin typeface="Courier New" pitchFamily="49" charset="0"/>
+                <a:cs typeface="Courier New" pitchFamily="49" charset="0"/>
+              </a:rPr>
+              <a:t> &lt;/td&gt;</a:t>
+            </a:r>
+          </a:p>
+          <a:p>
+            <a:r>
+              <a:rPr lang="en-US" sz="1400" dirty="0" smtClean="0">
+                <a:solidFill>
+                  <a:prstClr val="black"/>
+                </a:solidFill>
+                <a:latin typeface="Courier New" pitchFamily="49" charset="0"/>
+                <a:cs typeface="Courier New" pitchFamily="49" charset="0"/>
+              </a:rPr>
+              <a:t>        </a:t>
+            </a:r>
+            <a:r>
+              <a:rPr lang="en-US" sz="1400" dirty="0">
+                <a:solidFill>
+                  <a:prstClr val="black"/>
+                </a:solidFill>
+                <a:latin typeface="Courier New" pitchFamily="49" charset="0"/>
+                <a:cs typeface="Courier New" pitchFamily="49" charset="0"/>
+              </a:rPr>
+              <a:t>&lt;td&gt; 1951 &lt;/td&gt;</a:t>
+            </a:r>
+          </a:p>
+          <a:p>
+            <a:r>
+              <a:rPr lang="en-US" sz="1400" dirty="0" smtClean="0">
+                <a:solidFill>
+                  <a:prstClr val="black"/>
+                </a:solidFill>
+                <a:latin typeface="Courier New" pitchFamily="49" charset="0"/>
+                <a:cs typeface="Courier New" pitchFamily="49" charset="0"/>
+              </a:rPr>
+              <a:t>        </a:t>
+            </a:r>
+            <a:r>
+              <a:rPr lang="en-US" sz="1400" dirty="0">
+                <a:solidFill>
+                  <a:prstClr val="black"/>
+                </a:solidFill>
+                <a:latin typeface="Courier New" pitchFamily="49" charset="0"/>
+                <a:cs typeface="Courier New" pitchFamily="49" charset="0"/>
+              </a:rPr>
+              <a:t>&lt;td&gt; 32 &lt;/td&gt;</a:t>
+            </a:r>
+          </a:p>
+          <a:p>
+            <a:r>
+              <a:rPr lang="en-US" sz="1400" dirty="0" smtClean="0">
+                <a:solidFill>
+                  <a:prstClr val="black"/>
+                </a:solidFill>
+                <a:latin typeface="Courier New" pitchFamily="49" charset="0"/>
+                <a:cs typeface="Courier New" pitchFamily="49" charset="0"/>
+              </a:rPr>
+              <a:t>    &lt;/</a:t>
+            </a:r>
+            <a:r>
+              <a:rPr lang="en-US" sz="1400" dirty="0" err="1" smtClean="0">
+                <a:solidFill>
+                  <a:prstClr val="black"/>
+                </a:solidFill>
+                <a:latin typeface="Courier New" pitchFamily="49" charset="0"/>
+                <a:cs typeface="Courier New" pitchFamily="49" charset="0"/>
+              </a:rPr>
+              <a:t>tr</a:t>
+            </a:r>
+            <a:r>
+              <a:rPr lang="en-US" sz="1400" dirty="0" smtClean="0">
+                <a:solidFill>
+                  <a:prstClr val="black"/>
+                </a:solidFill>
+                <a:latin typeface="Courier New" pitchFamily="49" charset="0"/>
+                <a:cs typeface="Courier New" pitchFamily="49" charset="0"/>
+              </a:rPr>
+              <a:t>&gt;</a:t>
+            </a:r>
+          </a:p>
+          <a:p>
+            <a:r>
+              <a:rPr lang="en-US" sz="1400" dirty="0">
+                <a:solidFill>
+                  <a:prstClr val="black"/>
+                </a:solidFill>
+                <a:latin typeface="Courier New" pitchFamily="49" charset="0"/>
+                <a:cs typeface="Courier New" pitchFamily="49" charset="0"/>
+              </a:rPr>
+              <a:t> </a:t>
+            </a:r>
+            <a:r>
+              <a:rPr lang="en-US" sz="1400" dirty="0" smtClean="0">
+                <a:solidFill>
+                  <a:prstClr val="black"/>
+                </a:solidFill>
+                <a:latin typeface="Courier New" pitchFamily="49" charset="0"/>
+                <a:cs typeface="Courier New" pitchFamily="49" charset="0"/>
+              </a:rPr>
+              <a:t>   …</a:t>
+            </a:r>
+          </a:p>
+          <a:p>
+            <a:r>
+              <a:rPr lang="en-US" sz="1400" dirty="0" smtClean="0">
+                <a:solidFill>
+                  <a:prstClr val="black"/>
+                </a:solidFill>
+                <a:latin typeface="Courier New" pitchFamily="49" charset="0"/>
+                <a:cs typeface="Courier New" pitchFamily="49" charset="0"/>
+              </a:rPr>
+              <a:t>&lt;/table&gt;</a:t>
+            </a:r>
+            <a:endParaRPr lang="en-US" sz="1400" dirty="0">
+              <a:solidFill>
+                <a:prstClr val="black"/>
+              </a:solidFill>
+              <a:latin typeface="Courier New" pitchFamily="49" charset="0"/>
+              <a:cs typeface="Courier New" pitchFamily="49" charset="0"/>
+            </a:endParaRPr>
+          </a:p>
+        </p:txBody>
+      </p:sp>
+    </p:spTree>
+    <p:extLst>
+      <p:ext uri="{BB962C8B-B14F-4D97-AF65-F5344CB8AC3E}">
+        <p14:creationId xmlns:p14="http://schemas.microsoft.com/office/powerpoint/2010/main" val="1907380670"/>
       </p:ext>
     </p:extLst>
   </p:cSld>
@@ -21137,9 +23145,6 @@
                     <p:cTn id="3" fill="hold">
                       <p:stCondLst>
                         <p:cond delay="indefinite"/>
-                        <p:cond evt="onBegin" delay="0">
-                          <p:tn val="2"/>
-                        </p:cond>
                       </p:stCondLst>
                       <p:childTnLst>
                         <p:par>
@@ -21149,7 +23154,7 @@
                             </p:stCondLst>
                             <p:childTnLst>
                               <p:par>
-                                <p:cTn id="5" presetID="1" presetClass="entr" presetSubtype="0" fill="hold" grpId="0" nodeType="withEffect">
+                                <p:cTn id="5" presetID="1" presetClass="entr" presetSubtype="0" fill="hold" nodeType="clickEffect">
                                   <p:stCondLst>
                                     <p:cond delay="0"/>
                                   </p:stCondLst>
@@ -21162,7 +23167,1326 @@
                                           </p:stCondLst>
                                         </p:cTn>
                                         <p:tgtEl>
-                                          <p:spTgt spid="5">
+                                          <p:spTgt spid="9"/>
+                                        </p:tgtEl>
+                                        <p:attrNameLst>
+                                          <p:attrName>style.visibility</p:attrName>
+                                        </p:attrNameLst>
+                                      </p:cBhvr>
+                                      <p:to>
+                                        <p:strVal val="visible"/>
+                                      </p:to>
+                                    </p:set>
+                                  </p:childTnLst>
+                                </p:cTn>
+                              </p:par>
+                            </p:childTnLst>
+                          </p:cTn>
+                        </p:par>
+                      </p:childTnLst>
+                    </p:cTn>
+                  </p:par>
+                  <p:par>
+                    <p:cTn id="7" fill="hold">
+                      <p:stCondLst>
+                        <p:cond delay="indefinite"/>
+                      </p:stCondLst>
+                      <p:childTnLst>
+                        <p:par>
+                          <p:cTn id="8" fill="hold">
+                            <p:stCondLst>
+                              <p:cond delay="0"/>
+                            </p:stCondLst>
+                            <p:childTnLst>
+                              <p:par>
+                                <p:cTn id="9" presetID="1" presetClass="entr" presetSubtype="0" fill="hold" grpId="0" nodeType="clickEffect">
+                                  <p:stCondLst>
+                                    <p:cond delay="0"/>
+                                  </p:stCondLst>
+                                  <p:childTnLst>
+                                    <p:set>
+                                      <p:cBhvr>
+                                        <p:cTn id="10" dur="1" fill="hold">
+                                          <p:stCondLst>
+                                            <p:cond delay="0"/>
+                                          </p:stCondLst>
+                                        </p:cTn>
+                                        <p:tgtEl>
+                                          <p:spTgt spid="8"/>
+                                        </p:tgtEl>
+                                        <p:attrNameLst>
+                                          <p:attrName>style.visibility</p:attrName>
+                                        </p:attrNameLst>
+                                      </p:cBhvr>
+                                      <p:to>
+                                        <p:strVal val="visible"/>
+                                      </p:to>
+                                    </p:set>
+                                  </p:childTnLst>
+                                </p:cTn>
+                              </p:par>
+                            </p:childTnLst>
+                          </p:cTn>
+                        </p:par>
+                      </p:childTnLst>
+                    </p:cTn>
+                  </p:par>
+                  <p:par>
+                    <p:cTn id="11" fill="hold">
+                      <p:stCondLst>
+                        <p:cond delay="indefinite"/>
+                      </p:stCondLst>
+                      <p:childTnLst>
+                        <p:par>
+                          <p:cTn id="12" fill="hold">
+                            <p:stCondLst>
+                              <p:cond delay="0"/>
+                            </p:stCondLst>
+                            <p:childTnLst>
+                              <p:par>
+                                <p:cTn id="13" presetID="1" presetClass="entr" presetSubtype="0" fill="hold" grpId="0" nodeType="clickEffect">
+                                  <p:stCondLst>
+                                    <p:cond delay="0"/>
+                                  </p:stCondLst>
+                                  <p:childTnLst>
+                                    <p:set>
+                                      <p:cBhvr>
+                                        <p:cTn id="14" dur="1" fill="hold">
+                                          <p:stCondLst>
+                                            <p:cond delay="0"/>
+                                          </p:stCondLst>
+                                        </p:cTn>
+                                        <p:tgtEl>
+                                          <p:spTgt spid="10"/>
+                                        </p:tgtEl>
+                                        <p:attrNameLst>
+                                          <p:attrName>style.visibility</p:attrName>
+                                        </p:attrNameLst>
+                                      </p:cBhvr>
+                                      <p:to>
+                                        <p:strVal val="visible"/>
+                                      </p:to>
+                                    </p:set>
+                                  </p:childTnLst>
+                                </p:cTn>
+                              </p:par>
+                            </p:childTnLst>
+                          </p:cTn>
+                        </p:par>
+                      </p:childTnLst>
+                    </p:cTn>
+                  </p:par>
+                </p:childTnLst>
+              </p:cTn>
+              <p:prevCondLst>
+                <p:cond evt="onPrev" delay="0">
+                  <p:tgtEl>
+                    <p:sldTgt/>
+                  </p:tgtEl>
+                </p:cond>
+              </p:prevCondLst>
+              <p:nextCondLst>
+                <p:cond evt="onNext" delay="0">
+                  <p:tgtEl>
+                    <p:sldTgt/>
+                  </p:tgtEl>
+                </p:cond>
+              </p:nextCondLst>
+            </p:seq>
+          </p:childTnLst>
+        </p:cTn>
+      </p:par>
+    </p:tnLst>
+    <p:bldLst>
+      <p:bldP spid="8" grpId="0" animBg="1"/>
+      <p:bldP spid="10" grpId="0" animBg="1"/>
+    </p:bldLst>
+  </p:timing>
+</p:sld>
+</file>
+
+<file path=ppt/slides/slide37.xml><?xml version="1.0" encoding="utf-8"?>
+<p:sld xmlns:a="http://schemas.openxmlformats.org/drawingml/2006/main" xmlns:r="http://schemas.openxmlformats.org/officeDocument/2006/relationships" xmlns:p="http://schemas.openxmlformats.org/presentationml/2006/main">
+  <p:cSld>
+    <p:spTree>
+      <p:nvGrpSpPr>
+        <p:cNvPr id="1" name=""/>
+        <p:cNvGrpSpPr/>
+        <p:nvPr/>
+      </p:nvGrpSpPr>
+      <p:grpSpPr>
+        <a:xfrm>
+          <a:off x="0" y="0"/>
+          <a:ext cx="0" cy="0"/>
+          <a:chOff x="0" y="0"/>
+          <a:chExt cx="0" cy="0"/>
+        </a:xfrm>
+      </p:grpSpPr>
+      <p:sp>
+        <p:nvSpPr>
+          <p:cNvPr id="2" name="Title 1"/>
+          <p:cNvSpPr>
+            <a:spLocks noGrp="1"/>
+          </p:cNvSpPr>
+          <p:nvPr>
+            <p:ph type="title"/>
+          </p:nvPr>
+        </p:nvSpPr>
+        <p:spPr/>
+        <p:txBody>
+          <a:bodyPr/>
+          <a:lstStyle/>
+          <a:p>
+            <a:r>
+              <a:rPr lang="en-US" dirty="0" err="1" smtClean="0"/>
+              <a:t>MarkDown</a:t>
+            </a:r>
+            <a:r>
+              <a:rPr lang="en-US" dirty="0" smtClean="0"/>
+              <a:t> template</a:t>
+            </a:r>
+            <a:endParaRPr lang="en-US" dirty="0"/>
+          </a:p>
+        </p:txBody>
+      </p:sp>
+      <p:sp>
+        <p:nvSpPr>
+          <p:cNvPr id="4" name="Slide Number Placeholder 3"/>
+          <p:cNvSpPr>
+            <a:spLocks noGrp="1"/>
+          </p:cNvSpPr>
+          <p:nvPr>
+            <p:ph type="sldNum" sz="quarter" idx="12"/>
+          </p:nvPr>
+        </p:nvSpPr>
+        <p:spPr/>
+        <p:txBody>
+          <a:bodyPr/>
+          <a:lstStyle/>
+          <a:p>
+            <a:fld id="{5A209D72-2E9D-49B0-8977-41DCCC66C0BB}" type="slidenum">
+              <a:rPr lang="nl-BE" smtClean="0"/>
+              <a:t>37</a:t>
+            </a:fld>
+            <a:endParaRPr lang="nl-BE"/>
+          </a:p>
+        </p:txBody>
+      </p:sp>
+      <p:sp>
+        <p:nvSpPr>
+          <p:cNvPr id="5" name="TextBox 4"/>
+          <p:cNvSpPr txBox="1"/>
+          <p:nvPr/>
+        </p:nvSpPr>
+        <p:spPr>
+          <a:xfrm>
+            <a:off x="357809" y="1888646"/>
+            <a:ext cx="7368452" cy="1477328"/>
+          </a:xfrm>
+          <a:prstGeom prst="rect">
+            <a:avLst/>
+          </a:prstGeom>
+          <a:solidFill>
+            <a:srgbClr val="CCFF66"/>
+          </a:solidFill>
+        </p:spPr>
+        <p:txBody>
+          <a:bodyPr wrap="square" rtlCol="0">
+            <a:spAutoFit/>
+          </a:bodyPr>
+          <a:lstStyle/>
+          <a:p>
+            <a:r>
+              <a:rPr lang="en-US" dirty="0">
+                <a:solidFill>
+                  <a:prstClr val="black"/>
+                </a:solidFill>
+                <a:latin typeface="Courier New" pitchFamily="49" charset="0"/>
+                <a:cs typeface="Courier New" pitchFamily="49" charset="0"/>
+              </a:rPr>
+              <a:t>| person ID | year of birth | number of friends |</a:t>
+            </a:r>
+          </a:p>
+          <a:p>
+            <a:r>
+              <a:rPr lang="en-US" dirty="0">
+                <a:solidFill>
+                  <a:prstClr val="black"/>
+                </a:solidFill>
+                <a:latin typeface="Courier New" pitchFamily="49" charset="0"/>
+                <a:cs typeface="Courier New" pitchFamily="49" charset="0"/>
+              </a:rPr>
+              <a:t>|-----------|---------------|-------------------|</a:t>
+            </a:r>
+          </a:p>
+          <a:p>
+            <a:r>
+              <a:rPr lang="en-US" dirty="0">
+                <a:solidFill>
+                  <a:prstClr val="black"/>
+                </a:solidFill>
+                <a:latin typeface="Courier New" pitchFamily="49" charset="0"/>
+                <a:cs typeface="Courier New" pitchFamily="49" charset="0"/>
+              </a:rPr>
+              <a:t>{% for person in people %}</a:t>
+            </a:r>
+          </a:p>
+          <a:p>
+            <a:r>
+              <a:rPr lang="en-US" dirty="0">
+                <a:solidFill>
+                  <a:prstClr val="black"/>
+                </a:solidFill>
+                <a:latin typeface="Courier New" pitchFamily="49" charset="0"/>
+                <a:cs typeface="Courier New" pitchFamily="49" charset="0"/>
+              </a:rPr>
+              <a:t>| {{ '%-9s'|format(person['id']) }} | </a:t>
+            </a:r>
+            <a:r>
+              <a:rPr lang="en-US" dirty="0" smtClean="0">
+                <a:solidFill>
+                  <a:prstClr val="black"/>
+                </a:solidFill>
+                <a:latin typeface="Courier New" pitchFamily="49" charset="0"/>
+                <a:cs typeface="Courier New" pitchFamily="49" charset="0"/>
+              </a:rPr>
+              <a:t>… </a:t>
+            </a:r>
+            <a:r>
+              <a:rPr lang="en-US" dirty="0">
+                <a:solidFill>
+                  <a:prstClr val="black"/>
+                </a:solidFill>
+                <a:latin typeface="Courier New" pitchFamily="49" charset="0"/>
+                <a:cs typeface="Courier New" pitchFamily="49" charset="0"/>
+              </a:rPr>
+              <a:t>| </a:t>
+            </a:r>
+            <a:r>
+              <a:rPr lang="en-US" dirty="0" smtClean="0">
+                <a:solidFill>
+                  <a:prstClr val="black"/>
+                </a:solidFill>
+                <a:latin typeface="Courier New" pitchFamily="49" charset="0"/>
+                <a:cs typeface="Courier New" pitchFamily="49" charset="0"/>
+              </a:rPr>
+              <a:t>… </a:t>
+            </a:r>
+            <a:r>
+              <a:rPr lang="en-US" dirty="0">
+                <a:solidFill>
+                  <a:prstClr val="black"/>
+                </a:solidFill>
+                <a:latin typeface="Courier New" pitchFamily="49" charset="0"/>
+                <a:cs typeface="Courier New" pitchFamily="49" charset="0"/>
+              </a:rPr>
+              <a:t>|</a:t>
+            </a:r>
+          </a:p>
+          <a:p>
+            <a:r>
+              <a:rPr lang="en-US" dirty="0">
+                <a:solidFill>
+                  <a:prstClr val="black"/>
+                </a:solidFill>
+                <a:latin typeface="Courier New" pitchFamily="49" charset="0"/>
+                <a:cs typeface="Courier New" pitchFamily="49" charset="0"/>
+              </a:rPr>
+              <a:t>{% </a:t>
+            </a:r>
+            <a:r>
+              <a:rPr lang="en-US" dirty="0" err="1">
+                <a:solidFill>
+                  <a:prstClr val="black"/>
+                </a:solidFill>
+                <a:latin typeface="Courier New" pitchFamily="49" charset="0"/>
+                <a:cs typeface="Courier New" pitchFamily="49" charset="0"/>
+              </a:rPr>
+              <a:t>endfor</a:t>
+            </a:r>
+            <a:r>
+              <a:rPr lang="en-US" dirty="0">
+                <a:solidFill>
+                  <a:prstClr val="black"/>
+                </a:solidFill>
+                <a:latin typeface="Courier New" pitchFamily="49" charset="0"/>
+                <a:cs typeface="Courier New" pitchFamily="49" charset="0"/>
+              </a:rPr>
+              <a:t> %}</a:t>
+            </a:r>
+          </a:p>
+        </p:txBody>
+      </p:sp>
+      <p:grpSp>
+        <p:nvGrpSpPr>
+          <p:cNvPr id="9" name="Group 8"/>
+          <p:cNvGrpSpPr/>
+          <p:nvPr/>
+        </p:nvGrpSpPr>
+        <p:grpSpPr>
+          <a:xfrm>
+            <a:off x="357809" y="2499062"/>
+            <a:ext cx="3710151" cy="835914"/>
+            <a:chOff x="2427890" y="3920359"/>
+            <a:chExt cx="3710151" cy="835914"/>
+          </a:xfrm>
+        </p:grpSpPr>
+        <p:sp>
+          <p:nvSpPr>
+            <p:cNvPr id="6" name="Rectangle 5"/>
+            <p:cNvSpPr/>
+            <p:nvPr/>
+          </p:nvSpPr>
+          <p:spPr>
+            <a:xfrm>
+              <a:off x="2427890" y="3920359"/>
+              <a:ext cx="3710151" cy="294289"/>
+            </a:xfrm>
+            <a:prstGeom prst="rect">
+              <a:avLst/>
+            </a:prstGeom>
+            <a:noFill/>
+            <a:ln>
+              <a:solidFill>
+                <a:srgbClr val="FF0000"/>
+              </a:solidFill>
+            </a:ln>
+          </p:spPr>
+          <p:style>
+            <a:lnRef idx="2">
+              <a:schemeClr val="accent1">
+                <a:shade val="50000"/>
+              </a:schemeClr>
+            </a:lnRef>
+            <a:fillRef idx="1">
+              <a:schemeClr val="accent1"/>
+            </a:fillRef>
+            <a:effectRef idx="0">
+              <a:schemeClr val="accent1"/>
+            </a:effectRef>
+            <a:fontRef idx="minor">
+              <a:schemeClr val="lt1"/>
+            </a:fontRef>
+          </p:style>
+          <p:txBody>
+            <a:bodyPr rtlCol="0" anchor="ctr"/>
+            <a:lstStyle/>
+            <a:p>
+              <a:pPr algn="ctr"/>
+              <a:endParaRPr lang="en-US"/>
+            </a:p>
+          </p:txBody>
+        </p:sp>
+        <p:sp>
+          <p:nvSpPr>
+            <p:cNvPr id="7" name="Rectangle 6"/>
+            <p:cNvSpPr/>
+            <p:nvPr/>
+          </p:nvSpPr>
+          <p:spPr>
+            <a:xfrm>
+              <a:off x="2427890" y="4461984"/>
+              <a:ext cx="3710151" cy="294289"/>
+            </a:xfrm>
+            <a:prstGeom prst="rect">
+              <a:avLst/>
+            </a:prstGeom>
+            <a:noFill/>
+            <a:ln>
+              <a:solidFill>
+                <a:srgbClr val="FF0000"/>
+              </a:solidFill>
+            </a:ln>
+          </p:spPr>
+          <p:style>
+            <a:lnRef idx="2">
+              <a:schemeClr val="accent1">
+                <a:shade val="50000"/>
+              </a:schemeClr>
+            </a:lnRef>
+            <a:fillRef idx="1">
+              <a:schemeClr val="accent1"/>
+            </a:fillRef>
+            <a:effectRef idx="0">
+              <a:schemeClr val="accent1"/>
+            </a:effectRef>
+            <a:fontRef idx="minor">
+              <a:schemeClr val="lt1"/>
+            </a:fontRef>
+          </p:style>
+          <p:txBody>
+            <a:bodyPr rtlCol="0" anchor="ctr"/>
+            <a:lstStyle/>
+            <a:p>
+              <a:pPr algn="ctr"/>
+              <a:endParaRPr lang="en-US"/>
+            </a:p>
+          </p:txBody>
+        </p:sp>
+      </p:grpSp>
+      <p:sp>
+        <p:nvSpPr>
+          <p:cNvPr id="8" name="Rectangle 7"/>
+          <p:cNvSpPr/>
+          <p:nvPr/>
+        </p:nvSpPr>
+        <p:spPr>
+          <a:xfrm>
+            <a:off x="710362" y="2746398"/>
+            <a:ext cx="4567315" cy="294289"/>
+          </a:xfrm>
+          <a:prstGeom prst="rect">
+            <a:avLst/>
+          </a:prstGeom>
+          <a:noFill/>
+          <a:ln>
+            <a:solidFill>
+              <a:srgbClr val="0070C0"/>
+            </a:solidFill>
+          </a:ln>
+        </p:spPr>
+        <p:style>
+          <a:lnRef idx="2">
+            <a:schemeClr val="accent1">
+              <a:shade val="50000"/>
+            </a:schemeClr>
+          </a:lnRef>
+          <a:fillRef idx="1">
+            <a:schemeClr val="accent1"/>
+          </a:fillRef>
+          <a:effectRef idx="0">
+            <a:schemeClr val="accent1"/>
+          </a:effectRef>
+          <a:fontRef idx="minor">
+            <a:schemeClr val="lt1"/>
+          </a:fontRef>
+        </p:style>
+        <p:txBody>
+          <a:bodyPr rtlCol="0" anchor="ctr"/>
+          <a:lstStyle/>
+          <a:p>
+            <a:pPr algn="ctr"/>
+            <a:endParaRPr lang="en-US"/>
+          </a:p>
+        </p:txBody>
+      </p:sp>
+      <p:sp>
+        <p:nvSpPr>
+          <p:cNvPr id="10" name="TextBox 9"/>
+          <p:cNvSpPr txBox="1"/>
+          <p:nvPr/>
+        </p:nvSpPr>
+        <p:spPr>
+          <a:xfrm>
+            <a:off x="357809" y="3970516"/>
+            <a:ext cx="7368452" cy="1477328"/>
+          </a:xfrm>
+          <a:prstGeom prst="rect">
+            <a:avLst/>
+          </a:prstGeom>
+          <a:solidFill>
+            <a:srgbClr val="CCFF66"/>
+          </a:solidFill>
+        </p:spPr>
+        <p:txBody>
+          <a:bodyPr wrap="square" rtlCol="0">
+            <a:spAutoFit/>
+          </a:bodyPr>
+          <a:lstStyle/>
+          <a:p>
+            <a:r>
+              <a:rPr lang="en-US" dirty="0">
+                <a:solidFill>
+                  <a:prstClr val="black"/>
+                </a:solidFill>
+                <a:latin typeface="Courier New" pitchFamily="49" charset="0"/>
+                <a:cs typeface="Courier New" pitchFamily="49" charset="0"/>
+              </a:rPr>
+              <a:t>| person ID | year of birth | number of friends |</a:t>
+            </a:r>
+          </a:p>
+          <a:p>
+            <a:r>
+              <a:rPr lang="en-US" dirty="0">
+                <a:solidFill>
+                  <a:prstClr val="black"/>
+                </a:solidFill>
+                <a:latin typeface="Courier New" pitchFamily="49" charset="0"/>
+                <a:cs typeface="Courier New" pitchFamily="49" charset="0"/>
+              </a:rPr>
+              <a:t>|-----------|---------------|-------------------|</a:t>
+            </a:r>
+          </a:p>
+          <a:p>
+            <a:r>
+              <a:rPr lang="en-US" dirty="0">
+                <a:solidFill>
+                  <a:prstClr val="black"/>
+                </a:solidFill>
+                <a:latin typeface="Courier New" pitchFamily="49" charset="0"/>
+                <a:cs typeface="Courier New" pitchFamily="49" charset="0"/>
+              </a:rPr>
+              <a:t>| </a:t>
+            </a:r>
+            <a:r>
+              <a:rPr lang="en-US" dirty="0" err="1">
+                <a:solidFill>
+                  <a:prstClr val="black"/>
+                </a:solidFill>
+                <a:latin typeface="Courier New" pitchFamily="49" charset="0"/>
+                <a:cs typeface="Courier New" pitchFamily="49" charset="0"/>
+              </a:rPr>
+              <a:t>YwaVW</a:t>
+            </a:r>
+            <a:r>
+              <a:rPr lang="en-US" dirty="0">
+                <a:solidFill>
+                  <a:prstClr val="black"/>
+                </a:solidFill>
+                <a:latin typeface="Courier New" pitchFamily="49" charset="0"/>
+                <a:cs typeface="Courier New" pitchFamily="49" charset="0"/>
+              </a:rPr>
+              <a:t>     |          1954 |                42 |</a:t>
+            </a:r>
+          </a:p>
+          <a:p>
+            <a:r>
+              <a:rPr lang="en-US" dirty="0">
+                <a:solidFill>
+                  <a:prstClr val="black"/>
+                </a:solidFill>
+                <a:latin typeface="Courier New" pitchFamily="49" charset="0"/>
+                <a:cs typeface="Courier New" pitchFamily="49" charset="0"/>
+              </a:rPr>
+              <a:t>| </a:t>
+            </a:r>
+            <a:r>
+              <a:rPr lang="en-US" dirty="0" err="1">
+                <a:solidFill>
+                  <a:prstClr val="black"/>
+                </a:solidFill>
+                <a:latin typeface="Courier New" pitchFamily="49" charset="0"/>
+                <a:cs typeface="Courier New" pitchFamily="49" charset="0"/>
+              </a:rPr>
+              <a:t>KfsaZ</a:t>
+            </a:r>
+            <a:r>
+              <a:rPr lang="en-US" dirty="0">
+                <a:solidFill>
+                  <a:prstClr val="black"/>
+                </a:solidFill>
+                <a:latin typeface="Courier New" pitchFamily="49" charset="0"/>
+                <a:cs typeface="Courier New" pitchFamily="49" charset="0"/>
+              </a:rPr>
+              <a:t>     |          1952 |                22 |</a:t>
+            </a:r>
+          </a:p>
+          <a:p>
+            <a:r>
+              <a:rPr lang="en-US" dirty="0" smtClean="0">
+                <a:solidFill>
+                  <a:prstClr val="black"/>
+                </a:solidFill>
+                <a:latin typeface="Courier New" pitchFamily="49" charset="0"/>
+                <a:cs typeface="Courier New" pitchFamily="49" charset="0"/>
+              </a:rPr>
+              <a:t>…</a:t>
+            </a:r>
+            <a:endParaRPr lang="en-US" dirty="0">
+              <a:solidFill>
+                <a:prstClr val="black"/>
+              </a:solidFill>
+              <a:latin typeface="Courier New" pitchFamily="49" charset="0"/>
+              <a:cs typeface="Courier New" pitchFamily="49" charset="0"/>
+            </a:endParaRPr>
+          </a:p>
+        </p:txBody>
+      </p:sp>
+    </p:spTree>
+    <p:extLst>
+      <p:ext uri="{BB962C8B-B14F-4D97-AF65-F5344CB8AC3E}">
+        <p14:creationId xmlns:p14="http://schemas.microsoft.com/office/powerpoint/2010/main" val="2997473586"/>
+      </p:ext>
+    </p:extLst>
+  </p:cSld>
+  <p:clrMapOvr>
+    <a:masterClrMapping/>
+  </p:clrMapOvr>
+  <p:timing>
+    <p:tnLst>
+      <p:par>
+        <p:cTn id="1" dur="indefinite" restart="never" nodeType="tmRoot">
+          <p:childTnLst>
+            <p:seq concurrent="1" nextAc="seek">
+              <p:cTn id="2" dur="indefinite" nodeType="mainSeq">
+                <p:childTnLst>
+                  <p:par>
+                    <p:cTn id="3" fill="hold">
+                      <p:stCondLst>
+                        <p:cond delay="indefinite"/>
+                      </p:stCondLst>
+                      <p:childTnLst>
+                        <p:par>
+                          <p:cTn id="4" fill="hold">
+                            <p:stCondLst>
+                              <p:cond delay="0"/>
+                            </p:stCondLst>
+                            <p:childTnLst>
+                              <p:par>
+                                <p:cTn id="5" presetID="1" presetClass="entr" presetSubtype="0" fill="hold" nodeType="clickEffect">
+                                  <p:stCondLst>
+                                    <p:cond delay="0"/>
+                                  </p:stCondLst>
+                                  <p:childTnLst>
+                                    <p:set>
+                                      <p:cBhvr>
+                                        <p:cTn id="6" dur="1" fill="hold">
+                                          <p:stCondLst>
+                                            <p:cond delay="0"/>
+                                          </p:stCondLst>
+                                        </p:cTn>
+                                        <p:tgtEl>
+                                          <p:spTgt spid="9"/>
+                                        </p:tgtEl>
+                                        <p:attrNameLst>
+                                          <p:attrName>style.visibility</p:attrName>
+                                        </p:attrNameLst>
+                                      </p:cBhvr>
+                                      <p:to>
+                                        <p:strVal val="visible"/>
+                                      </p:to>
+                                    </p:set>
+                                  </p:childTnLst>
+                                </p:cTn>
+                              </p:par>
+                            </p:childTnLst>
+                          </p:cTn>
+                        </p:par>
+                      </p:childTnLst>
+                    </p:cTn>
+                  </p:par>
+                  <p:par>
+                    <p:cTn id="7" fill="hold">
+                      <p:stCondLst>
+                        <p:cond delay="indefinite"/>
+                      </p:stCondLst>
+                      <p:childTnLst>
+                        <p:par>
+                          <p:cTn id="8" fill="hold">
+                            <p:stCondLst>
+                              <p:cond delay="0"/>
+                            </p:stCondLst>
+                            <p:childTnLst>
+                              <p:par>
+                                <p:cTn id="9" presetID="1" presetClass="entr" presetSubtype="0" fill="hold" grpId="0" nodeType="clickEffect">
+                                  <p:stCondLst>
+                                    <p:cond delay="0"/>
+                                  </p:stCondLst>
+                                  <p:childTnLst>
+                                    <p:set>
+                                      <p:cBhvr>
+                                        <p:cTn id="10" dur="1" fill="hold">
+                                          <p:stCondLst>
+                                            <p:cond delay="0"/>
+                                          </p:stCondLst>
+                                        </p:cTn>
+                                        <p:tgtEl>
+                                          <p:spTgt spid="8"/>
+                                        </p:tgtEl>
+                                        <p:attrNameLst>
+                                          <p:attrName>style.visibility</p:attrName>
+                                        </p:attrNameLst>
+                                      </p:cBhvr>
+                                      <p:to>
+                                        <p:strVal val="visible"/>
+                                      </p:to>
+                                    </p:set>
+                                  </p:childTnLst>
+                                </p:cTn>
+                              </p:par>
+                            </p:childTnLst>
+                          </p:cTn>
+                        </p:par>
+                      </p:childTnLst>
+                    </p:cTn>
+                  </p:par>
+                  <p:par>
+                    <p:cTn id="11" fill="hold">
+                      <p:stCondLst>
+                        <p:cond delay="indefinite"/>
+                      </p:stCondLst>
+                      <p:childTnLst>
+                        <p:par>
+                          <p:cTn id="12" fill="hold">
+                            <p:stCondLst>
+                              <p:cond delay="0"/>
+                            </p:stCondLst>
+                            <p:childTnLst>
+                              <p:par>
+                                <p:cTn id="13" presetID="1" presetClass="entr" presetSubtype="0" fill="hold" grpId="0" nodeType="clickEffect">
+                                  <p:stCondLst>
+                                    <p:cond delay="0"/>
+                                  </p:stCondLst>
+                                  <p:childTnLst>
+                                    <p:set>
+                                      <p:cBhvr>
+                                        <p:cTn id="14" dur="1" fill="hold">
+                                          <p:stCondLst>
+                                            <p:cond delay="0"/>
+                                          </p:stCondLst>
+                                        </p:cTn>
+                                        <p:tgtEl>
+                                          <p:spTgt spid="10"/>
+                                        </p:tgtEl>
+                                        <p:attrNameLst>
+                                          <p:attrName>style.visibility</p:attrName>
+                                        </p:attrNameLst>
+                                      </p:cBhvr>
+                                      <p:to>
+                                        <p:strVal val="visible"/>
+                                      </p:to>
+                                    </p:set>
+                                  </p:childTnLst>
+                                </p:cTn>
+                              </p:par>
+                            </p:childTnLst>
+                          </p:cTn>
+                        </p:par>
+                      </p:childTnLst>
+                    </p:cTn>
+                  </p:par>
+                </p:childTnLst>
+              </p:cTn>
+              <p:prevCondLst>
+                <p:cond evt="onPrev" delay="0">
+                  <p:tgtEl>
+                    <p:sldTgt/>
+                  </p:tgtEl>
+                </p:cond>
+              </p:prevCondLst>
+              <p:nextCondLst>
+                <p:cond evt="onNext" delay="0">
+                  <p:tgtEl>
+                    <p:sldTgt/>
+                  </p:tgtEl>
+                </p:cond>
+              </p:nextCondLst>
+            </p:seq>
+          </p:childTnLst>
+        </p:cTn>
+      </p:par>
+    </p:tnLst>
+    <p:bldLst>
+      <p:bldP spid="8" grpId="0" animBg="1"/>
+      <p:bldP spid="10" grpId="0" animBg="1"/>
+    </p:bldLst>
+  </p:timing>
+</p:sld>
+</file>
+
+<file path=ppt/slides/slide38.xml><?xml version="1.0" encoding="utf-8"?>
+<p:sld xmlns:a="http://schemas.openxmlformats.org/drawingml/2006/main" xmlns:r="http://schemas.openxmlformats.org/officeDocument/2006/relationships" xmlns:p="http://schemas.openxmlformats.org/presentationml/2006/main">
+  <p:cSld>
+    <p:spTree>
+      <p:nvGrpSpPr>
+        <p:cNvPr id="1" name=""/>
+        <p:cNvGrpSpPr/>
+        <p:nvPr/>
+      </p:nvGrpSpPr>
+      <p:grpSpPr>
+        <a:xfrm>
+          <a:off x="0" y="0"/>
+          <a:ext cx="0" cy="0"/>
+          <a:chOff x="0" y="0"/>
+          <a:chExt cx="0" cy="0"/>
+        </a:xfrm>
+      </p:grpSpPr>
+      <p:sp>
+        <p:nvSpPr>
+          <p:cNvPr id="2" name="Title 1"/>
+          <p:cNvSpPr>
+            <a:spLocks noGrp="1"/>
+          </p:cNvSpPr>
+          <p:nvPr>
+            <p:ph type="title"/>
+          </p:nvPr>
+        </p:nvSpPr>
+        <p:spPr/>
+        <p:txBody>
+          <a:bodyPr/>
+          <a:lstStyle/>
+          <a:p>
+            <a:r>
+              <a:rPr lang="en-US" dirty="0" smtClean="0"/>
+              <a:t>Filling out templates</a:t>
+            </a:r>
+            <a:endParaRPr lang="en-US" dirty="0"/>
+          </a:p>
+        </p:txBody>
+      </p:sp>
+      <p:sp>
+        <p:nvSpPr>
+          <p:cNvPr id="3" name="Content Placeholder 2"/>
+          <p:cNvSpPr>
+            <a:spLocks noGrp="1"/>
+          </p:cNvSpPr>
+          <p:nvPr>
+            <p:ph idx="1"/>
+          </p:nvPr>
+        </p:nvSpPr>
+        <p:spPr>
+          <a:xfrm>
+            <a:off x="609600" y="4373215"/>
+            <a:ext cx="10972800" cy="2107095"/>
+          </a:xfrm>
+        </p:spPr>
+        <p:txBody>
+          <a:bodyPr/>
+          <a:lstStyle/>
+          <a:p>
+            <a:r>
+              <a:rPr lang="en-US" dirty="0" smtClean="0"/>
+              <a:t>Create environment</a:t>
+            </a:r>
+          </a:p>
+          <a:p>
+            <a:r>
+              <a:rPr lang="en-US" dirty="0" smtClean="0"/>
+              <a:t>Load template</a:t>
+            </a:r>
+          </a:p>
+          <a:p>
+            <a:r>
+              <a:rPr lang="en-US" dirty="0" smtClean="0"/>
+              <a:t>Render </a:t>
+            </a:r>
+            <a:r>
+              <a:rPr lang="en-US" dirty="0" smtClean="0"/>
+              <a:t>template</a:t>
+            </a:r>
+            <a:endParaRPr lang="en-US" dirty="0"/>
+          </a:p>
+        </p:txBody>
+      </p:sp>
+      <p:sp>
+        <p:nvSpPr>
+          <p:cNvPr id="4" name="Slide Number Placeholder 3"/>
+          <p:cNvSpPr>
+            <a:spLocks noGrp="1"/>
+          </p:cNvSpPr>
+          <p:nvPr>
+            <p:ph type="sldNum" sz="quarter" idx="12"/>
+          </p:nvPr>
+        </p:nvSpPr>
+        <p:spPr/>
+        <p:txBody>
+          <a:bodyPr/>
+          <a:lstStyle/>
+          <a:p>
+            <a:fld id="{5A209D72-2E9D-49B0-8977-41DCCC66C0BB}" type="slidenum">
+              <a:rPr lang="nl-BE" smtClean="0"/>
+              <a:t>38</a:t>
+            </a:fld>
+            <a:endParaRPr lang="nl-BE"/>
+          </a:p>
+        </p:txBody>
+      </p:sp>
+      <p:sp>
+        <p:nvSpPr>
+          <p:cNvPr id="5" name="TextBox 4"/>
+          <p:cNvSpPr txBox="1"/>
+          <p:nvPr/>
+        </p:nvSpPr>
+        <p:spPr>
+          <a:xfrm>
+            <a:off x="785192" y="1683009"/>
+            <a:ext cx="9733950" cy="2308324"/>
+          </a:xfrm>
+          <a:prstGeom prst="rect">
+            <a:avLst/>
+          </a:prstGeom>
+          <a:solidFill>
+            <a:schemeClr val="bg1">
+              <a:lumMod val="75000"/>
+            </a:schemeClr>
+          </a:solidFill>
+        </p:spPr>
+        <p:txBody>
+          <a:bodyPr wrap="square" rtlCol="0">
+            <a:spAutoFit/>
+          </a:bodyPr>
+          <a:lstStyle/>
+          <a:p>
+            <a:r>
+              <a:rPr lang="en-US" dirty="0">
+                <a:solidFill>
+                  <a:prstClr val="black"/>
+                </a:solidFill>
+                <a:latin typeface="Courier New" pitchFamily="49" charset="0"/>
+                <a:cs typeface="Courier New" pitchFamily="49" charset="0"/>
+              </a:rPr>
+              <a:t>from jinja2 import Environment, </a:t>
+            </a:r>
+            <a:r>
+              <a:rPr lang="en-US" dirty="0" err="1">
+                <a:solidFill>
+                  <a:prstClr val="black"/>
+                </a:solidFill>
+                <a:latin typeface="Courier New" pitchFamily="49" charset="0"/>
+                <a:cs typeface="Courier New" pitchFamily="49" charset="0"/>
+              </a:rPr>
+              <a:t>PackageLoader</a:t>
+            </a:r>
+            <a:endParaRPr lang="en-US" dirty="0">
+              <a:solidFill>
+                <a:prstClr val="black"/>
+              </a:solidFill>
+              <a:latin typeface="Courier New" pitchFamily="49" charset="0"/>
+              <a:cs typeface="Courier New" pitchFamily="49" charset="0"/>
+            </a:endParaRPr>
+          </a:p>
+          <a:p>
+            <a:r>
+              <a:rPr lang="en-US" dirty="0" smtClean="0">
+                <a:solidFill>
+                  <a:prstClr val="black"/>
+                </a:solidFill>
+                <a:latin typeface="Courier New" pitchFamily="49" charset="0"/>
+                <a:cs typeface="Courier New" pitchFamily="49" charset="0"/>
+              </a:rPr>
+              <a:t>…</a:t>
+            </a:r>
+            <a:endParaRPr lang="en-US" dirty="0">
+              <a:solidFill>
+                <a:prstClr val="black"/>
+              </a:solidFill>
+              <a:latin typeface="Courier New" pitchFamily="49" charset="0"/>
+              <a:cs typeface="Courier New" pitchFamily="49" charset="0"/>
+            </a:endParaRPr>
+          </a:p>
+          <a:p>
+            <a:r>
+              <a:rPr lang="en-US" dirty="0" smtClean="0">
+                <a:solidFill>
+                  <a:prstClr val="black"/>
+                </a:solidFill>
+                <a:latin typeface="Courier New" pitchFamily="49" charset="0"/>
+                <a:cs typeface="Courier New" pitchFamily="49" charset="0"/>
+              </a:rPr>
+              <a:t>people </a:t>
+            </a:r>
+            <a:r>
+              <a:rPr lang="en-US" dirty="0">
+                <a:solidFill>
+                  <a:prstClr val="black"/>
+                </a:solidFill>
+                <a:latin typeface="Courier New" pitchFamily="49" charset="0"/>
+                <a:cs typeface="Courier New" pitchFamily="49" charset="0"/>
+              </a:rPr>
+              <a:t>= </a:t>
+            </a:r>
+            <a:r>
+              <a:rPr lang="en-US" dirty="0" smtClean="0">
+                <a:solidFill>
+                  <a:prstClr val="black"/>
+                </a:solidFill>
+                <a:latin typeface="Courier New" pitchFamily="49" charset="0"/>
+                <a:cs typeface="Courier New" pitchFamily="49" charset="0"/>
+              </a:rPr>
+              <a:t>…</a:t>
+            </a:r>
+            <a:endParaRPr lang="en-US" dirty="0">
+              <a:solidFill>
+                <a:prstClr val="black"/>
+              </a:solidFill>
+              <a:latin typeface="Courier New" pitchFamily="49" charset="0"/>
+              <a:cs typeface="Courier New" pitchFamily="49" charset="0"/>
+            </a:endParaRPr>
+          </a:p>
+          <a:p>
+            <a:r>
+              <a:rPr lang="en-US" dirty="0" smtClean="0">
+                <a:solidFill>
+                  <a:prstClr val="black"/>
+                </a:solidFill>
+                <a:latin typeface="Courier New" pitchFamily="49" charset="0"/>
+                <a:cs typeface="Courier New" pitchFamily="49" charset="0"/>
+              </a:rPr>
+              <a:t>environment </a:t>
+            </a:r>
+            <a:r>
+              <a:rPr lang="en-US" dirty="0">
+                <a:solidFill>
+                  <a:prstClr val="black"/>
+                </a:solidFill>
+                <a:latin typeface="Courier New" pitchFamily="49" charset="0"/>
+                <a:cs typeface="Courier New" pitchFamily="49" charset="0"/>
+              </a:rPr>
+              <a:t>= Environment(loader=</a:t>
+            </a:r>
+            <a:r>
+              <a:rPr lang="en-US" dirty="0" err="1">
+                <a:solidFill>
+                  <a:prstClr val="black"/>
+                </a:solidFill>
+                <a:latin typeface="Courier New" pitchFamily="49" charset="0"/>
+                <a:cs typeface="Courier New" pitchFamily="49" charset="0"/>
+              </a:rPr>
+              <a:t>PackageLoader</a:t>
+            </a:r>
+            <a:r>
+              <a:rPr lang="en-US" dirty="0">
+                <a:solidFill>
+                  <a:prstClr val="black"/>
+                </a:solidFill>
+                <a:latin typeface="Courier New" pitchFamily="49" charset="0"/>
+                <a:cs typeface="Courier New" pitchFamily="49" charset="0"/>
+              </a:rPr>
+              <a:t>('population</a:t>
+            </a:r>
+            <a:r>
+              <a:rPr lang="en-US" dirty="0" smtClean="0">
+                <a:solidFill>
+                  <a:prstClr val="black"/>
+                </a:solidFill>
+                <a:latin typeface="Courier New" pitchFamily="49" charset="0"/>
+                <a:cs typeface="Courier New" pitchFamily="49" charset="0"/>
+              </a:rPr>
+              <a:t>',</a:t>
+            </a:r>
+          </a:p>
+          <a:p>
+            <a:r>
+              <a:rPr lang="en-US" dirty="0" smtClean="0">
+                <a:solidFill>
+                  <a:prstClr val="black"/>
+                </a:solidFill>
+                <a:latin typeface="Courier New" pitchFamily="49" charset="0"/>
+                <a:cs typeface="Courier New" pitchFamily="49" charset="0"/>
+              </a:rPr>
+              <a:t>                                               'templates</a:t>
+            </a:r>
+            <a:r>
+              <a:rPr lang="en-US" dirty="0">
+                <a:solidFill>
+                  <a:prstClr val="black"/>
+                </a:solidFill>
+                <a:latin typeface="Courier New" pitchFamily="49" charset="0"/>
+                <a:cs typeface="Courier New" pitchFamily="49" charset="0"/>
+              </a:rPr>
+              <a:t>'),</a:t>
+            </a:r>
+          </a:p>
+          <a:p>
+            <a:r>
+              <a:rPr lang="en-US" dirty="0" smtClean="0">
+                <a:solidFill>
+                  <a:prstClr val="black"/>
+                </a:solidFill>
+                <a:latin typeface="Courier New" pitchFamily="49" charset="0"/>
+                <a:cs typeface="Courier New" pitchFamily="49" charset="0"/>
+              </a:rPr>
+              <a:t>                          </a:t>
+            </a:r>
+            <a:r>
+              <a:rPr lang="en-US" dirty="0" err="1">
+                <a:solidFill>
+                  <a:prstClr val="black"/>
+                </a:solidFill>
+                <a:latin typeface="Courier New" pitchFamily="49" charset="0"/>
+                <a:cs typeface="Courier New" pitchFamily="49" charset="0"/>
+              </a:rPr>
+              <a:t>trim_blocks</a:t>
+            </a:r>
+            <a:r>
+              <a:rPr lang="en-US" dirty="0">
+                <a:solidFill>
+                  <a:prstClr val="black"/>
+                </a:solidFill>
+                <a:latin typeface="Courier New" pitchFamily="49" charset="0"/>
+                <a:cs typeface="Courier New" pitchFamily="49" charset="0"/>
+              </a:rPr>
+              <a:t>=True, </a:t>
+            </a:r>
+            <a:r>
+              <a:rPr lang="en-US" dirty="0" err="1">
+                <a:solidFill>
+                  <a:prstClr val="black"/>
+                </a:solidFill>
+                <a:latin typeface="Courier New" pitchFamily="49" charset="0"/>
+                <a:cs typeface="Courier New" pitchFamily="49" charset="0"/>
+              </a:rPr>
+              <a:t>lstrip_blocks</a:t>
+            </a:r>
+            <a:r>
+              <a:rPr lang="en-US" dirty="0">
+                <a:solidFill>
+                  <a:prstClr val="black"/>
+                </a:solidFill>
+                <a:latin typeface="Courier New" pitchFamily="49" charset="0"/>
+                <a:cs typeface="Courier New" pitchFamily="49" charset="0"/>
+              </a:rPr>
+              <a:t>=True)</a:t>
+            </a:r>
+          </a:p>
+          <a:p>
+            <a:r>
+              <a:rPr lang="en-US" dirty="0" smtClean="0">
+                <a:solidFill>
+                  <a:prstClr val="black"/>
+                </a:solidFill>
+                <a:latin typeface="Courier New" pitchFamily="49" charset="0"/>
+                <a:cs typeface="Courier New" pitchFamily="49" charset="0"/>
+              </a:rPr>
+              <a:t>template </a:t>
+            </a:r>
+            <a:r>
+              <a:rPr lang="en-US" dirty="0">
+                <a:solidFill>
+                  <a:prstClr val="black"/>
+                </a:solidFill>
+                <a:latin typeface="Courier New" pitchFamily="49" charset="0"/>
+                <a:cs typeface="Courier New" pitchFamily="49" charset="0"/>
+              </a:rPr>
+              <a:t>= </a:t>
+            </a:r>
+            <a:r>
+              <a:rPr lang="en-US" dirty="0" err="1">
+                <a:solidFill>
+                  <a:prstClr val="black"/>
+                </a:solidFill>
+                <a:latin typeface="Courier New" pitchFamily="49" charset="0"/>
+                <a:cs typeface="Courier New" pitchFamily="49" charset="0"/>
+              </a:rPr>
+              <a:t>environment.get_template</a:t>
+            </a:r>
+            <a:r>
+              <a:rPr lang="en-US" dirty="0">
+                <a:solidFill>
+                  <a:prstClr val="black"/>
+                </a:solidFill>
+                <a:latin typeface="Courier New" pitchFamily="49" charset="0"/>
+                <a:cs typeface="Courier New" pitchFamily="49" charset="0"/>
+              </a:rPr>
+              <a:t>('report.' + </a:t>
+            </a:r>
+            <a:r>
+              <a:rPr lang="en-US" dirty="0" err="1">
+                <a:solidFill>
+                  <a:prstClr val="black"/>
+                </a:solidFill>
+                <a:latin typeface="Courier New" pitchFamily="49" charset="0"/>
+                <a:cs typeface="Courier New" pitchFamily="49" charset="0"/>
+              </a:rPr>
+              <a:t>options.format</a:t>
+            </a:r>
+            <a:r>
+              <a:rPr lang="en-US" dirty="0">
+                <a:solidFill>
+                  <a:prstClr val="black"/>
+                </a:solidFill>
+                <a:latin typeface="Courier New" pitchFamily="49" charset="0"/>
+                <a:cs typeface="Courier New" pitchFamily="49" charset="0"/>
+              </a:rPr>
+              <a:t>)</a:t>
+            </a:r>
+          </a:p>
+          <a:p>
+            <a:r>
+              <a:rPr lang="en-US" dirty="0" smtClean="0">
+                <a:solidFill>
+                  <a:prstClr val="black"/>
+                </a:solidFill>
+                <a:latin typeface="Courier New" pitchFamily="49" charset="0"/>
+                <a:cs typeface="Courier New" pitchFamily="49" charset="0"/>
+              </a:rPr>
+              <a:t>print(</a:t>
+            </a:r>
+            <a:r>
+              <a:rPr lang="en-US" dirty="0" err="1" smtClean="0">
+                <a:solidFill>
+                  <a:prstClr val="black"/>
+                </a:solidFill>
+                <a:latin typeface="Courier New" pitchFamily="49" charset="0"/>
+                <a:cs typeface="Courier New" pitchFamily="49" charset="0"/>
+              </a:rPr>
+              <a:t>template.render</a:t>
+            </a:r>
+            <a:r>
+              <a:rPr lang="en-US" dirty="0" smtClean="0">
+                <a:solidFill>
+                  <a:prstClr val="black"/>
+                </a:solidFill>
+                <a:latin typeface="Courier New" pitchFamily="49" charset="0"/>
+                <a:cs typeface="Courier New" pitchFamily="49" charset="0"/>
+              </a:rPr>
+              <a:t>(people=people</a:t>
+            </a:r>
+            <a:r>
+              <a:rPr lang="en-US" dirty="0">
+                <a:solidFill>
+                  <a:prstClr val="black"/>
+                </a:solidFill>
+                <a:latin typeface="Courier New" pitchFamily="49" charset="0"/>
+                <a:cs typeface="Courier New" pitchFamily="49" charset="0"/>
+              </a:rPr>
+              <a:t>))</a:t>
+            </a:r>
+            <a:endParaRPr lang="en-US" dirty="0">
+              <a:solidFill>
+                <a:prstClr val="black"/>
+              </a:solidFill>
+              <a:latin typeface="Courier New" pitchFamily="49" charset="0"/>
+              <a:cs typeface="Courier New" pitchFamily="49" charset="0"/>
+            </a:endParaRPr>
+          </a:p>
+        </p:txBody>
+      </p:sp>
+    </p:spTree>
+    <p:extLst>
+      <p:ext uri="{BB962C8B-B14F-4D97-AF65-F5344CB8AC3E}">
+        <p14:creationId xmlns:p14="http://schemas.microsoft.com/office/powerpoint/2010/main" val="4029182786"/>
+      </p:ext>
+    </p:extLst>
+  </p:cSld>
+  <p:clrMapOvr>
+    <a:masterClrMapping/>
+  </p:clrMapOvr>
+  <p:timing>
+    <p:tnLst>
+      <p:par>
+        <p:cTn id="1" dur="indefinite" restart="never" nodeType="tmRoot">
+          <p:childTnLst>
+            <p:seq concurrent="1" nextAc="seek">
+              <p:cTn id="2" dur="indefinite" nodeType="mainSeq">
+                <p:childTnLst>
+                  <p:par>
+                    <p:cTn id="3" fill="hold">
+                      <p:stCondLst>
+                        <p:cond delay="indefinite"/>
+                      </p:stCondLst>
+                      <p:childTnLst>
+                        <p:par>
+                          <p:cTn id="4" fill="hold">
+                            <p:stCondLst>
+                              <p:cond delay="0"/>
+                            </p:stCondLst>
+                            <p:childTnLst>
+                              <p:par>
+                                <p:cTn id="5" presetID="1" presetClass="entr" presetSubtype="0" fill="hold" grpId="0" nodeType="clickEffect">
+                                  <p:stCondLst>
+                                    <p:cond delay="0"/>
+                                  </p:stCondLst>
+                                  <p:childTnLst>
+                                    <p:set>
+                                      <p:cBhvr>
+                                        <p:cTn id="6" dur="1" fill="hold">
+                                          <p:stCondLst>
+                                            <p:cond delay="0"/>
+                                          </p:stCondLst>
+                                        </p:cTn>
+                                        <p:tgtEl>
+                                          <p:spTgt spid="3">
                                             <p:txEl>
                                               <p:pRg st="0" end="0"/>
                                             </p:txEl>
@@ -21211,7 +24535,11 @@
                                           </p:stCondLst>
                                         </p:cTn>
                                         <p:tgtEl>
-                                          <p:spTgt spid="6"/>
+                                          <p:spTgt spid="3">
+                                            <p:txEl>
+                                              <p:pRg st="1" end="1"/>
+                                            </p:txEl>
+                                          </p:spTgt>
                                         </p:tgtEl>
                                         <p:attrNameLst>
                                           <p:attrName>style.visibility</p:attrName>
@@ -21243,7 +24571,7 @@
                             </p:stCondLst>
                             <p:childTnLst>
                               <p:par>
-                                <p:cTn id="13" presetID="1" presetClass="entr" presetSubtype="0" fill="hold" nodeType="clickEffect">
+                                <p:cTn id="13" presetID="1" presetClass="entr" presetSubtype="0" fill="hold" grpId="0" nodeType="clickEffect">
                                   <p:stCondLst>
                                     <p:cond delay="0"/>
                                   </p:stCondLst>
@@ -21256,134 +24584,9 @@
                                           </p:stCondLst>
                                         </p:cTn>
                                         <p:tgtEl>
-                                          <p:spTgt spid="8"/>
-                                        </p:tgtEl>
-                                        <p:attrNameLst>
-                                          <p:attrName>style.visibility</p:attrName>
-                                        </p:attrNameLst>
-                                      </p:cBhvr>
-                                      <p:to>
-                                        <p:strVal val="visible"/>
-                                      </p:to>
-                                    </p:set>
-                                  </p:childTnLst>
-                                </p:cTn>
-                              </p:par>
-                            </p:childTnLst>
-                          </p:cTn>
-                        </p:par>
-                      </p:childTnLst>
-                    </p:cTn>
-                  </p:par>
-                  <p:par>
-                    <p:cTn id="15" fill="hold">
-                      <p:stCondLst>
-                        <p:cond delay="indefinite"/>
-                      </p:stCondLst>
-                      <p:childTnLst>
-                        <p:par>
-                          <p:cTn id="16" fill="hold">
-                            <p:stCondLst>
-                              <p:cond delay="0"/>
-                            </p:stCondLst>
-                            <p:childTnLst>
-                              <p:par>
-                                <p:cTn id="17" presetID="1" presetClass="entr" presetSubtype="0" fill="hold" grpId="0" nodeType="clickEffect">
-                                  <p:stCondLst>
-                                    <p:cond delay="0"/>
-                                  </p:stCondLst>
-                                  <p:childTnLst>
-                                    <p:set>
-                                      <p:cBhvr>
-                                        <p:cTn id="18" dur="1" fill="hold">
-                                          <p:stCondLst>
-                                            <p:cond delay="0"/>
-                                          </p:stCondLst>
-                                        </p:cTn>
-                                        <p:tgtEl>
-                                          <p:spTgt spid="5">
+                                          <p:spTgt spid="3">
                                             <p:txEl>
-                                              <p:pRg st="6" end="6"/>
-                                            </p:txEl>
-                                          </p:spTgt>
-                                        </p:tgtEl>
-                                        <p:attrNameLst>
-                                          <p:attrName>style.visibility</p:attrName>
-                                        </p:attrNameLst>
-                                      </p:cBhvr>
-                                      <p:to>
-                                        <p:strVal val="visible"/>
-                                      </p:to>
-                                    </p:set>
-                                  </p:childTnLst>
-                                </p:cTn>
-                              </p:par>
-                              <p:par>
-                                <p:cTn id="19" presetID="1" presetClass="entr" presetSubtype="0" fill="hold" grpId="0" nodeType="withEffect">
-                                  <p:stCondLst>
-                                    <p:cond delay="0"/>
-                                  </p:stCondLst>
-                                  <p:childTnLst>
-                                    <p:set>
-                                      <p:cBhvr>
-                                        <p:cTn id="20" dur="1" fill="hold">
-                                          <p:stCondLst>
-                                            <p:cond delay="0"/>
-                                          </p:stCondLst>
-                                        </p:cTn>
-                                        <p:tgtEl>
-                                          <p:spTgt spid="5">
-                                            <p:txEl>
-                                              <p:pRg st="7" end="7"/>
-                                            </p:txEl>
-                                          </p:spTgt>
-                                        </p:tgtEl>
-                                        <p:attrNameLst>
-                                          <p:attrName>style.visibility</p:attrName>
-                                        </p:attrNameLst>
-                                      </p:cBhvr>
-                                      <p:to>
-                                        <p:strVal val="visible"/>
-                                      </p:to>
-                                    </p:set>
-                                  </p:childTnLst>
-                                </p:cTn>
-                              </p:par>
-                            </p:childTnLst>
-                          </p:cTn>
-                        </p:par>
-                      </p:childTnLst>
-                    </p:cTn>
-                  </p:par>
-                  <p:par>
-                    <p:cTn id="21" fill="hold">
-                      <p:stCondLst>
-                        <p:cond delay="indefinite"/>
-                      </p:stCondLst>
-                      <p:childTnLst>
-                        <p:par>
-                          <p:cTn id="22" fill="hold">
-                            <p:stCondLst>
-                              <p:cond delay="0"/>
-                            </p:stCondLst>
-                            <p:childTnLst>
-                              <p:par>
-                                <p:cTn id="23" presetID="1" presetClass="entr" presetSubtype="0" fill="hold" grpId="0" nodeType="clickEffect">
-                                  <p:stCondLst>
-                                    <p:cond delay="0"/>
-                                  </p:stCondLst>
-                                  <p:childTnLst>
-                                    <p:set>
-                                      <p:cBhvr>
-                                        <p:cTn id="24" dur="1" fill="hold">
-                                          <p:stCondLst>
-                                            <p:cond delay="0"/>
-                                          </p:stCondLst>
-                                        </p:cTn>
-                                        <p:tgtEl>
-                                          <p:spTgt spid="5">
-                                            <p:txEl>
-                                              <p:pRg st="8" end="8"/>
+                                              <p:pRg st="2" end="2"/>
                                             </p:txEl>
                                           </p:spTgt>
                                         </p:tgtEl>
@@ -21426,14 +24629,13 @@
       </p:par>
     </p:tnLst>
     <p:bldLst>
-      <p:bldP spid="5" grpId="0" uiExpand="1" build="p" bldLvl="2"/>
-      <p:bldP spid="6" grpId="0" uiExpand="1" animBg="1"/>
+      <p:bldP spid="3" grpId="0" build="p"/>
     </p:bldLst>
   </p:timing>
 </p:sld>
 </file>
 
-<file path=ppt/slides/slide35.xml><?xml version="1.0" encoding="utf-8"?>
+<file path=ppt/slides/slide39.xml><?xml version="1.0" encoding="utf-8"?>
 <p:sld xmlns:a="http://schemas.openxmlformats.org/drawingml/2006/main" xmlns:r="http://schemas.openxmlformats.org/officeDocument/2006/relationships" xmlns:p="http://schemas.openxmlformats.org/presentationml/2006/main">
   <p:cSld>
     <p:spTree>
@@ -21467,7 +24669,18 @@
           <a:p>
             <a:r>
               <a:rPr lang="en-US" dirty="0" smtClean="0"/>
-              <a:t>Counting words in a string</a:t>
+              <a:t>Using shell commands:</a:t>
+            </a:r>
+            <a:br>
+              <a:rPr lang="en-US" dirty="0" smtClean="0"/>
+            </a:br>
+            <a:r>
+              <a:rPr lang="en-US" dirty="0" smtClean="0"/>
+              <a:t>Python </a:t>
+            </a:r>
+            <a:r>
+              <a:rPr lang="en-US" dirty="0" err="1" smtClean="0"/>
+              <a:t>subprocess</a:t>
             </a:r>
             <a:endParaRPr lang="en-US" dirty="0"/>
           </a:p>
@@ -21475,937 +24688,44 @@
       </p:sp>
       <p:sp>
         <p:nvSpPr>
-          <p:cNvPr id="3" name="Content Placeholder 2"/>
+          <p:cNvPr id="3" name="Text Placeholder 2"/>
           <p:cNvSpPr>
             <a:spLocks noGrp="1"/>
           </p:cNvSpPr>
           <p:nvPr>
-            <p:ph idx="1"/>
+            <p:ph type="body" idx="1"/>
           </p:nvPr>
         </p:nvSpPr>
         <p:spPr/>
         <p:txBody>
-          <a:bodyPr/>
+          <a:bodyPr>
+            <a:normAutofit/>
+          </a:bodyPr>
           <a:lstStyle/>
           <a:p>
             <a:r>
-              <a:rPr lang="en-US" dirty="0" smtClean="0"/>
-              <a:t>Low-level API: input &amp; output</a:t>
-            </a:r>
-          </a:p>
-          <a:p>
-            <a:endParaRPr lang="en-US" dirty="0"/>
+              <a:rPr lang="en-US" sz="1800" dirty="0">
+                <a:hlinkClick r:id="rId2"/>
+              </a:rPr>
+              <a:t>https://</a:t>
+            </a:r>
+            <a:r>
+              <a:rPr lang="en-US" sz="1800" dirty="0" smtClean="0">
+                <a:hlinkClick r:id="rId2"/>
+              </a:rPr>
+              <a:t>github.com/gjbex/Python-for-systems-programming/tree/master/source-code/subprocess</a:t>
+            </a:r>
+            <a:r>
+              <a:rPr lang="en-US" sz="1800" dirty="0" smtClean="0"/>
+              <a:t> </a:t>
+            </a:r>
+            <a:endParaRPr lang="en-US" sz="1800" dirty="0"/>
           </a:p>
         </p:txBody>
       </p:sp>
       <p:sp>
         <p:nvSpPr>
-          <p:cNvPr id="4" name="TextBox 3"/>
-          <p:cNvSpPr txBox="1"/>
-          <p:nvPr/>
-        </p:nvSpPr>
-        <p:spPr>
-          <a:xfrm>
-            <a:off x="2351584" y="2204864"/>
-            <a:ext cx="7488832" cy="738664"/>
-          </a:xfrm>
-          <a:prstGeom prst="rect">
-            <a:avLst/>
-          </a:prstGeom>
-          <a:solidFill>
-            <a:schemeClr val="tx1"/>
-          </a:solidFill>
-          <a:ln>
-            <a:solidFill>
-              <a:schemeClr val="tx1"/>
-            </a:solidFill>
-          </a:ln>
-        </p:spPr>
-        <p:txBody>
-          <a:bodyPr wrap="square" rtlCol="0">
-            <a:spAutoFit/>
-          </a:bodyPr>
-          <a:lstStyle/>
-          <a:p>
-            <a:r>
-              <a:rPr lang="en-US" sz="1400" b="1" dirty="0">
-                <a:solidFill>
-                  <a:prstClr val="white"/>
-                </a:solidFill>
-                <a:latin typeface="Courier New" pitchFamily="49" charset="0"/>
-                <a:cs typeface="Courier New" pitchFamily="49" charset="0"/>
-              </a:rPr>
-              <a:t>$ </a:t>
-            </a:r>
-            <a:r>
-              <a:rPr lang="en-US" sz="1400" b="1" dirty="0" err="1">
-                <a:solidFill>
-                  <a:prstClr val="white"/>
-                </a:solidFill>
-                <a:latin typeface="Courier New" pitchFamily="49" charset="0"/>
-                <a:cs typeface="Courier New" pitchFamily="49" charset="0"/>
-              </a:rPr>
-              <a:t>wc</a:t>
-            </a:r>
-            <a:r>
-              <a:rPr lang="en-US" sz="1400" b="1" dirty="0">
-                <a:solidFill>
-                  <a:prstClr val="white"/>
-                </a:solidFill>
-                <a:latin typeface="Courier New" pitchFamily="49" charset="0"/>
-                <a:cs typeface="Courier New" pitchFamily="49" charset="0"/>
-              </a:rPr>
-              <a:t> -</a:t>
-            </a:r>
-          </a:p>
-          <a:p>
-            <a:r>
-              <a:rPr lang="en-US" sz="1400" b="1" dirty="0">
-                <a:solidFill>
-                  <a:prstClr val="white"/>
-                </a:solidFill>
-                <a:latin typeface="Courier New" pitchFamily="49" charset="0"/>
-                <a:cs typeface="Courier New" pitchFamily="49" charset="0"/>
-              </a:rPr>
-              <a:t>This is a single line.</a:t>
-            </a:r>
-          </a:p>
-          <a:p>
-            <a:r>
-              <a:rPr lang="en-US" sz="1400" b="1" dirty="0">
-                <a:solidFill>
-                  <a:prstClr val="white"/>
-                </a:solidFill>
-                <a:latin typeface="Courier New" pitchFamily="49" charset="0"/>
-                <a:cs typeface="Courier New" pitchFamily="49" charset="0"/>
-              </a:rPr>
-              <a:t>      1       5      23 -</a:t>
-            </a:r>
-          </a:p>
-        </p:txBody>
-      </p:sp>
-      <p:sp>
-        <p:nvSpPr>
-          <p:cNvPr id="5" name="TextBox 4"/>
-          <p:cNvSpPr txBox="1"/>
-          <p:nvPr/>
-        </p:nvSpPr>
-        <p:spPr>
-          <a:xfrm>
-            <a:off x="2351584" y="3194392"/>
-            <a:ext cx="7488832" cy="1600438"/>
-          </a:xfrm>
-          <a:prstGeom prst="rect">
-            <a:avLst/>
-          </a:prstGeom>
-          <a:solidFill>
-            <a:schemeClr val="bg1">
-              <a:lumMod val="85000"/>
-            </a:schemeClr>
-          </a:solidFill>
-        </p:spPr>
-        <p:txBody>
-          <a:bodyPr wrap="square" rtlCol="0">
-            <a:spAutoFit/>
-          </a:bodyPr>
-          <a:lstStyle/>
-          <a:p>
-            <a:r>
-              <a:rPr lang="en-US" sz="1400" dirty="0">
-                <a:solidFill>
-                  <a:prstClr val="black"/>
-                </a:solidFill>
-                <a:latin typeface="Courier New" pitchFamily="49" charset="0"/>
-                <a:cs typeface="Courier New" pitchFamily="49" charset="0"/>
-              </a:rPr>
-              <a:t>from </a:t>
-            </a:r>
-            <a:r>
-              <a:rPr lang="en-US" sz="1400" b="1" dirty="0" err="1">
-                <a:solidFill>
-                  <a:srgbClr val="FF0000"/>
-                </a:solidFill>
-                <a:latin typeface="Courier New" pitchFamily="49" charset="0"/>
-                <a:cs typeface="Courier New" pitchFamily="49" charset="0"/>
-              </a:rPr>
-              <a:t>subprocess</a:t>
-            </a:r>
-            <a:r>
-              <a:rPr lang="en-US" sz="1400" dirty="0">
-                <a:solidFill>
-                  <a:prstClr val="black"/>
-                </a:solidFill>
-                <a:latin typeface="Courier New" pitchFamily="49" charset="0"/>
-                <a:cs typeface="Courier New" pitchFamily="49" charset="0"/>
-              </a:rPr>
-              <a:t> import </a:t>
-            </a:r>
-            <a:r>
-              <a:rPr lang="en-US" sz="1400" b="1" dirty="0" err="1">
-                <a:solidFill>
-                  <a:srgbClr val="FF0000"/>
-                </a:solidFill>
-                <a:latin typeface="Courier New" pitchFamily="49" charset="0"/>
-                <a:cs typeface="Courier New" pitchFamily="49" charset="0"/>
-              </a:rPr>
-              <a:t>Popen</a:t>
-            </a:r>
-            <a:r>
-              <a:rPr lang="en-US" sz="1400" b="1" dirty="0">
-                <a:solidFill>
-                  <a:srgbClr val="FF0000"/>
-                </a:solidFill>
-                <a:latin typeface="Courier New" pitchFamily="49" charset="0"/>
-                <a:cs typeface="Courier New" pitchFamily="49" charset="0"/>
-              </a:rPr>
-              <a:t>, PIPE</a:t>
-            </a:r>
-          </a:p>
-          <a:p>
-            <a:r>
-              <a:rPr lang="en-US" sz="1400" dirty="0">
-                <a:solidFill>
-                  <a:prstClr val="black"/>
-                </a:solidFill>
-                <a:latin typeface="Courier New" pitchFamily="49" charset="0"/>
-                <a:cs typeface="Courier New" pitchFamily="49" charset="0"/>
-              </a:rPr>
-              <a:t>text = </a:t>
-            </a:r>
-            <a:r>
-              <a:rPr lang="en-BE" sz="1400" dirty="0">
-                <a:solidFill>
-                  <a:prstClr val="black"/>
-                </a:solidFill>
-                <a:latin typeface="Courier New" pitchFamily="49" charset="0"/>
-                <a:cs typeface="Courier New" pitchFamily="49" charset="0"/>
-              </a:rPr>
-              <a:t>bytes(</a:t>
-            </a:r>
-            <a:r>
-              <a:rPr lang="en-US" sz="1400" dirty="0">
-                <a:solidFill>
-                  <a:prstClr val="black"/>
-                </a:solidFill>
-                <a:latin typeface="Courier New" pitchFamily="49" charset="0"/>
-                <a:cs typeface="Courier New" pitchFamily="49" charset="0"/>
-              </a:rPr>
-              <a:t>'This is a single line.\n‘</a:t>
-            </a:r>
-            <a:r>
-              <a:rPr lang="en-BE" sz="1400" dirty="0">
-                <a:solidFill>
-                  <a:prstClr val="black"/>
-                </a:solidFill>
-                <a:latin typeface="Courier New" pitchFamily="49" charset="0"/>
-                <a:cs typeface="Courier New" pitchFamily="49" charset="0"/>
-              </a:rPr>
-              <a:t>, encoding=‘utf-8’)</a:t>
-            </a:r>
-            <a:endParaRPr lang="en-US" sz="1400" dirty="0">
-              <a:solidFill>
-                <a:prstClr val="black"/>
-              </a:solidFill>
-              <a:latin typeface="Courier New" pitchFamily="49" charset="0"/>
-              <a:cs typeface="Courier New" pitchFamily="49" charset="0"/>
-            </a:endParaRPr>
-          </a:p>
-          <a:p>
-            <a:r>
-              <a:rPr lang="en-US" sz="1400" b="1" dirty="0" err="1">
-                <a:solidFill>
-                  <a:prstClr val="black"/>
-                </a:solidFill>
-                <a:latin typeface="Courier New" pitchFamily="49" charset="0"/>
-                <a:cs typeface="Courier New" pitchFamily="49" charset="0"/>
-              </a:rPr>
-              <a:t>cmd</a:t>
-            </a:r>
-            <a:r>
-              <a:rPr lang="en-US" sz="1400" dirty="0">
-                <a:solidFill>
-                  <a:prstClr val="black"/>
-                </a:solidFill>
-                <a:latin typeface="Courier New" pitchFamily="49" charset="0"/>
-                <a:cs typeface="Courier New" pitchFamily="49" charset="0"/>
-              </a:rPr>
-              <a:t> = </a:t>
-            </a:r>
-            <a:r>
-              <a:rPr lang="en-US" sz="1400" b="1" dirty="0" err="1">
-                <a:solidFill>
-                  <a:srgbClr val="FF0000"/>
-                </a:solidFill>
-                <a:latin typeface="Courier New" pitchFamily="49" charset="0"/>
-                <a:cs typeface="Courier New" pitchFamily="49" charset="0"/>
-              </a:rPr>
-              <a:t>Popen</a:t>
-            </a:r>
-            <a:r>
-              <a:rPr lang="en-US" sz="1400" dirty="0">
-                <a:solidFill>
-                  <a:prstClr val="black"/>
-                </a:solidFill>
-                <a:latin typeface="Courier New" pitchFamily="49" charset="0"/>
-                <a:cs typeface="Courier New" pitchFamily="49" charset="0"/>
-              </a:rPr>
-              <a:t>(['</a:t>
-            </a:r>
-            <a:r>
-              <a:rPr lang="en-US" sz="1400" b="1" dirty="0" err="1">
-                <a:solidFill>
-                  <a:srgbClr val="0070C0"/>
-                </a:solidFill>
-                <a:latin typeface="Courier New" pitchFamily="49" charset="0"/>
-                <a:cs typeface="Courier New" pitchFamily="49" charset="0"/>
-              </a:rPr>
-              <a:t>wc</a:t>
-            </a:r>
-            <a:r>
-              <a:rPr lang="en-US" sz="1400" dirty="0">
-                <a:solidFill>
-                  <a:prstClr val="black"/>
-                </a:solidFill>
-                <a:latin typeface="Courier New" pitchFamily="49" charset="0"/>
-                <a:cs typeface="Courier New" pitchFamily="49" charset="0"/>
-              </a:rPr>
-              <a:t>', '</a:t>
-            </a:r>
-            <a:r>
-              <a:rPr lang="en-US" sz="1400" b="1" dirty="0">
-                <a:solidFill>
-                  <a:srgbClr val="7030A0"/>
-                </a:solidFill>
-                <a:latin typeface="Courier New" pitchFamily="49" charset="0"/>
-                <a:cs typeface="Courier New" pitchFamily="49" charset="0"/>
-              </a:rPr>
-              <a:t>-</a:t>
-            </a:r>
-            <a:r>
-              <a:rPr lang="en-US" sz="1400" dirty="0">
-                <a:solidFill>
-                  <a:prstClr val="black"/>
-                </a:solidFill>
-                <a:latin typeface="Courier New" pitchFamily="49" charset="0"/>
-                <a:cs typeface="Courier New" pitchFamily="49" charset="0"/>
-              </a:rPr>
-              <a:t>'], </a:t>
-            </a:r>
-            <a:r>
-              <a:rPr lang="en-US" sz="1400" b="1" dirty="0" err="1">
-                <a:solidFill>
-                  <a:srgbClr val="0070C0"/>
-                </a:solidFill>
-                <a:latin typeface="Courier New" pitchFamily="49" charset="0"/>
-                <a:cs typeface="Courier New" pitchFamily="49" charset="0"/>
-              </a:rPr>
-              <a:t>stdin</a:t>
-            </a:r>
-            <a:r>
-              <a:rPr lang="en-US" sz="1400" dirty="0">
-                <a:solidFill>
-                  <a:prstClr val="black"/>
-                </a:solidFill>
-                <a:latin typeface="Courier New" pitchFamily="49" charset="0"/>
-                <a:cs typeface="Courier New" pitchFamily="49" charset="0"/>
-              </a:rPr>
-              <a:t>=</a:t>
-            </a:r>
-            <a:r>
-              <a:rPr lang="en-US" sz="1400" b="1" dirty="0">
-                <a:solidFill>
-                  <a:srgbClr val="FF0000"/>
-                </a:solidFill>
-                <a:latin typeface="Courier New" pitchFamily="49" charset="0"/>
-                <a:cs typeface="Courier New" pitchFamily="49" charset="0"/>
-              </a:rPr>
-              <a:t>PIPE</a:t>
-            </a:r>
-            <a:r>
-              <a:rPr lang="en-US" sz="1400" dirty="0">
-                <a:solidFill>
-                  <a:prstClr val="black"/>
-                </a:solidFill>
-                <a:latin typeface="Courier New" pitchFamily="49" charset="0"/>
-                <a:cs typeface="Courier New" pitchFamily="49" charset="0"/>
-              </a:rPr>
-              <a:t>, </a:t>
-            </a:r>
-            <a:r>
-              <a:rPr lang="en-US" sz="1400" b="1" dirty="0" err="1">
-                <a:solidFill>
-                  <a:srgbClr val="0070C0"/>
-                </a:solidFill>
-                <a:latin typeface="Courier New" pitchFamily="49" charset="0"/>
-                <a:cs typeface="Courier New" pitchFamily="49" charset="0"/>
-              </a:rPr>
-              <a:t>stdout</a:t>
-            </a:r>
-            <a:r>
-              <a:rPr lang="en-US" sz="1400" dirty="0">
-                <a:solidFill>
-                  <a:prstClr val="black"/>
-                </a:solidFill>
-                <a:latin typeface="Courier New" pitchFamily="49" charset="0"/>
-                <a:cs typeface="Courier New" pitchFamily="49" charset="0"/>
-              </a:rPr>
-              <a:t>=</a:t>
-            </a:r>
-            <a:r>
-              <a:rPr lang="en-US" sz="1400" b="1" dirty="0">
-                <a:solidFill>
-                  <a:srgbClr val="FF0000"/>
-                </a:solidFill>
-                <a:latin typeface="Courier New" pitchFamily="49" charset="0"/>
-                <a:cs typeface="Courier New" pitchFamily="49" charset="0"/>
-              </a:rPr>
-              <a:t>PIPE</a:t>
-            </a:r>
-            <a:r>
-              <a:rPr lang="en-US" sz="1400" dirty="0">
-                <a:solidFill>
-                  <a:prstClr val="black"/>
-                </a:solidFill>
-                <a:latin typeface="Courier New" pitchFamily="49" charset="0"/>
-                <a:cs typeface="Courier New" pitchFamily="49" charset="0"/>
-              </a:rPr>
-              <a:t>)</a:t>
-            </a:r>
-          </a:p>
-          <a:p>
-            <a:r>
-              <a:rPr lang="en-US" sz="1400" b="1" dirty="0" err="1">
-                <a:solidFill>
-                  <a:prstClr val="black"/>
-                </a:solidFill>
-                <a:latin typeface="Courier New" pitchFamily="49" charset="0"/>
-                <a:cs typeface="Courier New" pitchFamily="49" charset="0"/>
-              </a:rPr>
-              <a:t>cmd</a:t>
-            </a:r>
-            <a:r>
-              <a:rPr lang="en-US" sz="1400" dirty="0" err="1">
-                <a:solidFill>
-                  <a:prstClr val="black"/>
-                </a:solidFill>
-                <a:latin typeface="Courier New" pitchFamily="49" charset="0"/>
-                <a:cs typeface="Courier New" pitchFamily="49" charset="0"/>
-              </a:rPr>
-              <a:t>.</a:t>
-            </a:r>
-            <a:r>
-              <a:rPr lang="en-US" sz="1400" b="1" dirty="0" err="1">
-                <a:solidFill>
-                  <a:srgbClr val="0070C0"/>
-                </a:solidFill>
-                <a:latin typeface="Courier New" pitchFamily="49" charset="0"/>
-                <a:cs typeface="Courier New" pitchFamily="49" charset="0"/>
-              </a:rPr>
-              <a:t>stdin</a:t>
-            </a:r>
-            <a:r>
-              <a:rPr lang="en-US" sz="1400" dirty="0" err="1">
-                <a:solidFill>
-                  <a:prstClr val="black"/>
-                </a:solidFill>
-                <a:latin typeface="Courier New" pitchFamily="49" charset="0"/>
-                <a:cs typeface="Courier New" pitchFamily="49" charset="0"/>
-              </a:rPr>
-              <a:t>.write</a:t>
-            </a:r>
-            <a:r>
-              <a:rPr lang="en-US" sz="1400" dirty="0">
-                <a:solidFill>
-                  <a:prstClr val="black"/>
-                </a:solidFill>
-                <a:latin typeface="Courier New" pitchFamily="49" charset="0"/>
-                <a:cs typeface="Courier New" pitchFamily="49" charset="0"/>
-              </a:rPr>
-              <a:t>(</a:t>
-            </a:r>
-            <a:r>
-              <a:rPr lang="en-US" sz="1400" dirty="0" err="1">
-                <a:solidFill>
-                  <a:prstClr val="black"/>
-                </a:solidFill>
-                <a:latin typeface="Courier New" pitchFamily="49" charset="0"/>
-                <a:cs typeface="Courier New" pitchFamily="49" charset="0"/>
-              </a:rPr>
-              <a:t>text_str</a:t>
-            </a:r>
-            <a:r>
-              <a:rPr lang="en-US" sz="1400" dirty="0">
-                <a:solidFill>
-                  <a:prstClr val="black"/>
-                </a:solidFill>
-                <a:latin typeface="Courier New" pitchFamily="49" charset="0"/>
-                <a:cs typeface="Courier New" pitchFamily="49" charset="0"/>
-              </a:rPr>
-              <a:t>)</a:t>
-            </a:r>
-          </a:p>
-          <a:p>
-            <a:r>
-              <a:rPr lang="en-US" sz="1400" b="1" dirty="0" err="1">
-                <a:solidFill>
-                  <a:prstClr val="black"/>
-                </a:solidFill>
-                <a:latin typeface="Courier New" pitchFamily="49" charset="0"/>
-                <a:cs typeface="Courier New" pitchFamily="49" charset="0"/>
-              </a:rPr>
-              <a:t>cmd</a:t>
-            </a:r>
-            <a:r>
-              <a:rPr lang="en-US" sz="1400" dirty="0" err="1">
-                <a:solidFill>
-                  <a:prstClr val="black"/>
-                </a:solidFill>
-                <a:latin typeface="Courier New" pitchFamily="49" charset="0"/>
-                <a:cs typeface="Courier New" pitchFamily="49" charset="0"/>
-              </a:rPr>
-              <a:t>.</a:t>
-            </a:r>
-            <a:r>
-              <a:rPr lang="en-US" sz="1400" b="1" dirty="0" err="1">
-                <a:solidFill>
-                  <a:srgbClr val="0070C0"/>
-                </a:solidFill>
-                <a:latin typeface="Courier New" pitchFamily="49" charset="0"/>
-                <a:cs typeface="Courier New" pitchFamily="49" charset="0"/>
-              </a:rPr>
-              <a:t>stdin</a:t>
-            </a:r>
-            <a:r>
-              <a:rPr lang="en-US" sz="1400" dirty="0" err="1">
-                <a:solidFill>
-                  <a:prstClr val="black"/>
-                </a:solidFill>
-                <a:latin typeface="Courier New" pitchFamily="49" charset="0"/>
-                <a:cs typeface="Courier New" pitchFamily="49" charset="0"/>
-              </a:rPr>
-              <a:t>.close</a:t>
-            </a:r>
-            <a:r>
-              <a:rPr lang="en-US" sz="1400" dirty="0">
-                <a:solidFill>
-                  <a:prstClr val="black"/>
-                </a:solidFill>
-                <a:latin typeface="Courier New" pitchFamily="49" charset="0"/>
-                <a:cs typeface="Courier New" pitchFamily="49" charset="0"/>
-              </a:rPr>
-              <a:t>()</a:t>
-            </a:r>
-          </a:p>
-          <a:p>
-            <a:r>
-              <a:rPr lang="en-US" sz="1400" dirty="0">
-                <a:solidFill>
-                  <a:prstClr val="black"/>
-                </a:solidFill>
-                <a:latin typeface="Courier New" pitchFamily="49" charset="0"/>
-                <a:cs typeface="Courier New" pitchFamily="49" charset="0"/>
-              </a:rPr>
-              <a:t>output = </a:t>
-            </a:r>
-            <a:r>
-              <a:rPr lang="en-US" sz="1400" b="1" dirty="0" err="1">
-                <a:solidFill>
-                  <a:prstClr val="black"/>
-                </a:solidFill>
-                <a:latin typeface="Courier New" pitchFamily="49" charset="0"/>
-                <a:cs typeface="Courier New" pitchFamily="49" charset="0"/>
-              </a:rPr>
-              <a:t>cmd</a:t>
-            </a:r>
-            <a:r>
-              <a:rPr lang="en-US" sz="1400" dirty="0" err="1">
-                <a:solidFill>
-                  <a:prstClr val="black"/>
-                </a:solidFill>
-                <a:latin typeface="Courier New" pitchFamily="49" charset="0"/>
-                <a:cs typeface="Courier New" pitchFamily="49" charset="0"/>
-              </a:rPr>
-              <a:t>.s</a:t>
-            </a:r>
-            <a:r>
-              <a:rPr lang="en-US" sz="1400" b="1" dirty="0" err="1">
-                <a:solidFill>
-                  <a:srgbClr val="0070C0"/>
-                </a:solidFill>
-                <a:latin typeface="Courier New" pitchFamily="49" charset="0"/>
-                <a:cs typeface="Courier New" pitchFamily="49" charset="0"/>
-              </a:rPr>
-              <a:t>tdout</a:t>
-            </a:r>
-            <a:r>
-              <a:rPr lang="en-US" sz="1400" dirty="0" err="1">
-                <a:solidFill>
-                  <a:prstClr val="black"/>
-                </a:solidFill>
-                <a:latin typeface="Courier New" pitchFamily="49" charset="0"/>
-                <a:cs typeface="Courier New" pitchFamily="49" charset="0"/>
-              </a:rPr>
-              <a:t>.readline</a:t>
-            </a:r>
-            <a:r>
-              <a:rPr lang="en-US" sz="1400" dirty="0">
-                <a:solidFill>
-                  <a:prstClr val="black"/>
-                </a:solidFill>
-                <a:latin typeface="Courier New" pitchFamily="49" charset="0"/>
-                <a:cs typeface="Courier New" pitchFamily="49" charset="0"/>
-              </a:rPr>
-              <a:t>()</a:t>
-            </a:r>
-            <a:r>
-              <a:rPr lang="en-BE" sz="1400" dirty="0">
-                <a:solidFill>
-                  <a:prstClr val="black"/>
-                </a:solidFill>
-                <a:latin typeface="Courier New" pitchFamily="49" charset="0"/>
-                <a:cs typeface="Courier New" pitchFamily="49" charset="0"/>
-              </a:rPr>
-              <a:t>.decode(encoding=‘utf-8’)</a:t>
-            </a:r>
-            <a:endParaRPr lang="en-US" sz="1400" dirty="0">
-              <a:solidFill>
-                <a:prstClr val="black"/>
-              </a:solidFill>
-              <a:latin typeface="Courier New" pitchFamily="49" charset="0"/>
-              <a:cs typeface="Courier New" pitchFamily="49" charset="0"/>
-            </a:endParaRPr>
-          </a:p>
-          <a:p>
-            <a:r>
-              <a:rPr lang="en-US" sz="1400" dirty="0">
-                <a:solidFill>
-                  <a:prstClr val="black"/>
-                </a:solidFill>
-                <a:latin typeface="Courier New" pitchFamily="49" charset="0"/>
-                <a:cs typeface="Courier New" pitchFamily="49" charset="0"/>
-              </a:rPr>
-              <a:t>lines, words, chars, _ = </a:t>
-            </a:r>
-            <a:r>
-              <a:rPr lang="en-US" sz="1400" dirty="0" err="1">
-                <a:solidFill>
-                  <a:prstClr val="black"/>
-                </a:solidFill>
-                <a:latin typeface="Courier New" pitchFamily="49" charset="0"/>
-                <a:cs typeface="Courier New" pitchFamily="49" charset="0"/>
-              </a:rPr>
-              <a:t>output.strip</a:t>
-            </a:r>
-            <a:r>
-              <a:rPr lang="en-US" sz="1400" dirty="0">
-                <a:solidFill>
-                  <a:prstClr val="black"/>
-                </a:solidFill>
-                <a:latin typeface="Courier New" pitchFamily="49" charset="0"/>
-                <a:cs typeface="Courier New" pitchFamily="49" charset="0"/>
-              </a:rPr>
-              <a:t>().split(' ')</a:t>
-            </a:r>
-          </a:p>
-        </p:txBody>
-      </p:sp>
-      <p:sp>
-        <p:nvSpPr>
-          <p:cNvPr id="6" name="TextBox 5"/>
-          <p:cNvSpPr txBox="1"/>
-          <p:nvPr/>
-        </p:nvSpPr>
-        <p:spPr>
-          <a:xfrm>
-            <a:off x="3299458" y="4977393"/>
-            <a:ext cx="6540958" cy="646331"/>
-          </a:xfrm>
-          <a:prstGeom prst="rect">
-            <a:avLst/>
-          </a:prstGeom>
-          <a:noFill/>
-          <a:ln>
-            <a:solidFill>
-              <a:schemeClr val="tx1"/>
-            </a:solidFill>
-          </a:ln>
-        </p:spPr>
-        <p:txBody>
-          <a:bodyPr wrap="none" rtlCol="0">
-            <a:spAutoFit/>
-          </a:bodyPr>
-          <a:lstStyle/>
-          <a:p>
-            <a:r>
-              <a:rPr lang="en-US" dirty="0" err="1">
-                <a:solidFill>
-                  <a:prstClr val="black"/>
-                </a:solidFill>
-                <a:latin typeface="Courier New" pitchFamily="49" charset="0"/>
-                <a:cs typeface="Courier New" pitchFamily="49" charset="0"/>
-              </a:rPr>
-              <a:t>Popen</a:t>
-            </a:r>
-            <a:r>
-              <a:rPr lang="en-US" dirty="0">
-                <a:solidFill>
-                  <a:prstClr val="black"/>
-                </a:solidFill>
-                <a:latin typeface="Courier New" pitchFamily="49" charset="0"/>
-                <a:cs typeface="Courier New" pitchFamily="49" charset="0"/>
-              </a:rPr>
-              <a:t>(…, </a:t>
-            </a:r>
-            <a:r>
-              <a:rPr lang="en-US" dirty="0" err="1">
-                <a:solidFill>
-                  <a:prstClr val="black"/>
-                </a:solidFill>
-                <a:latin typeface="Courier New" pitchFamily="49" charset="0"/>
-                <a:cs typeface="Courier New" pitchFamily="49" charset="0"/>
-              </a:rPr>
-              <a:t>stdin</a:t>
-            </a:r>
-            <a:r>
-              <a:rPr lang="en-US" dirty="0">
-                <a:solidFill>
-                  <a:prstClr val="black"/>
-                </a:solidFill>
-                <a:latin typeface="Courier New" pitchFamily="49" charset="0"/>
-                <a:cs typeface="Courier New" pitchFamily="49" charset="0"/>
-              </a:rPr>
-              <a:t>=PIPE, </a:t>
-            </a:r>
-            <a:r>
-              <a:rPr lang="en-US" dirty="0" err="1">
-                <a:solidFill>
-                  <a:prstClr val="black"/>
-                </a:solidFill>
-                <a:latin typeface="Courier New" pitchFamily="49" charset="0"/>
-                <a:cs typeface="Courier New" pitchFamily="49" charset="0"/>
-              </a:rPr>
-              <a:t>stdout</a:t>
-            </a:r>
-            <a:r>
-              <a:rPr lang="en-US" dirty="0">
-                <a:solidFill>
-                  <a:prstClr val="black"/>
-                </a:solidFill>
-                <a:latin typeface="Courier New" pitchFamily="49" charset="0"/>
-                <a:cs typeface="Courier New" pitchFamily="49" charset="0"/>
-              </a:rPr>
-              <a:t>=PIPE)</a:t>
-            </a:r>
-            <a:r>
-              <a:rPr lang="en-US" dirty="0">
-                <a:solidFill>
-                  <a:prstClr val="black"/>
-                </a:solidFill>
-                <a:latin typeface="Calibri"/>
-              </a:rPr>
-              <a:t> creates file objects</a:t>
-            </a:r>
-            <a:br>
-              <a:rPr lang="en-US" dirty="0">
-                <a:solidFill>
-                  <a:prstClr val="black"/>
-                </a:solidFill>
-                <a:latin typeface="Calibri"/>
-              </a:rPr>
-            </a:br>
-            <a:r>
-              <a:rPr lang="en-US" dirty="0" err="1">
-                <a:solidFill>
-                  <a:prstClr val="black"/>
-                </a:solidFill>
-                <a:latin typeface="Courier New" pitchFamily="49" charset="0"/>
-                <a:cs typeface="Courier New" pitchFamily="49" charset="0"/>
-              </a:rPr>
-              <a:t>stdin</a:t>
-            </a:r>
-            <a:r>
-              <a:rPr lang="en-US" dirty="0">
-                <a:solidFill>
-                  <a:prstClr val="black"/>
-                </a:solidFill>
-                <a:latin typeface="Calibri"/>
-              </a:rPr>
-              <a:t>/</a:t>
-            </a:r>
-            <a:r>
-              <a:rPr lang="en-US" dirty="0" err="1">
-                <a:solidFill>
-                  <a:prstClr val="black"/>
-                </a:solidFill>
-                <a:latin typeface="Courier New" pitchFamily="49" charset="0"/>
-                <a:cs typeface="Courier New" pitchFamily="49" charset="0"/>
-              </a:rPr>
-              <a:t>stdout</a:t>
-            </a:r>
-            <a:r>
-              <a:rPr lang="en-US" dirty="0">
-                <a:solidFill>
-                  <a:prstClr val="black"/>
-                </a:solidFill>
-                <a:latin typeface="Calibri"/>
-              </a:rPr>
-              <a:t> for writing/reading, analogous to pipes in Unix</a:t>
-            </a:r>
-          </a:p>
-        </p:txBody>
-      </p:sp>
-      <p:grpSp>
-        <p:nvGrpSpPr>
-          <p:cNvPr id="11" name="Group 10"/>
-          <p:cNvGrpSpPr/>
-          <p:nvPr/>
-        </p:nvGrpSpPr>
-        <p:grpSpPr>
-          <a:xfrm>
-            <a:off x="4367808" y="3646766"/>
-            <a:ext cx="5666734" cy="646331"/>
-            <a:chOff x="2843808" y="3646765"/>
-            <a:chExt cx="5666734" cy="646331"/>
-          </a:xfrm>
-        </p:grpSpPr>
-        <p:sp>
-          <p:nvSpPr>
-            <p:cNvPr id="7" name="TextBox 6"/>
-            <p:cNvSpPr txBox="1"/>
-            <p:nvPr/>
-          </p:nvSpPr>
-          <p:spPr>
-            <a:xfrm>
-              <a:off x="6372200" y="3646765"/>
-              <a:ext cx="2138342" cy="646331"/>
-            </a:xfrm>
-            <a:prstGeom prst="rect">
-              <a:avLst/>
-            </a:prstGeom>
-            <a:solidFill>
-              <a:schemeClr val="bg1"/>
-            </a:solidFill>
-            <a:ln>
-              <a:solidFill>
-                <a:schemeClr val="tx1"/>
-              </a:solidFill>
-            </a:ln>
-          </p:spPr>
-          <p:txBody>
-            <a:bodyPr wrap="none" rtlCol="0">
-              <a:spAutoFit/>
-            </a:bodyPr>
-            <a:lstStyle/>
-            <a:p>
-              <a:pPr algn="ctr"/>
-              <a:r>
-                <a:rPr lang="en-US" dirty="0">
-                  <a:solidFill>
-                    <a:prstClr val="black"/>
-                  </a:solidFill>
-                  <a:latin typeface="Calibri"/>
-                </a:rPr>
-                <a:t>Make sure </a:t>
-              </a:r>
-              <a:r>
-                <a:rPr lang="en-US" dirty="0" err="1">
-                  <a:solidFill>
-                    <a:prstClr val="black"/>
-                  </a:solidFill>
-                  <a:latin typeface="Courier New" pitchFamily="49" charset="0"/>
-                  <a:cs typeface="Courier New" pitchFamily="49" charset="0"/>
-                </a:rPr>
-                <a:t>wc</a:t>
-              </a:r>
-              <a:r>
-                <a:rPr lang="en-US" dirty="0">
-                  <a:solidFill>
-                    <a:prstClr val="black"/>
-                  </a:solidFill>
-                  <a:latin typeface="Calibri"/>
-                </a:rPr>
-                <a:t> </a:t>
-              </a:r>
-              <a:r>
-                <a:rPr lang="en-US" i="1" dirty="0">
-                  <a:solidFill>
-                    <a:prstClr val="black"/>
-                  </a:solidFill>
-                  <a:latin typeface="Calibri"/>
-                </a:rPr>
-                <a:t>knows</a:t>
-              </a:r>
-              <a:r>
-                <a:rPr lang="en-US" dirty="0">
-                  <a:solidFill>
-                    <a:prstClr val="black"/>
-                  </a:solidFill>
-                  <a:latin typeface="Calibri"/>
-                </a:rPr>
-                <a:t/>
-              </a:r>
-              <a:br>
-                <a:rPr lang="en-US" dirty="0">
-                  <a:solidFill>
-                    <a:prstClr val="black"/>
-                  </a:solidFill>
-                  <a:latin typeface="Calibri"/>
-                </a:rPr>
-              </a:br>
-              <a:r>
-                <a:rPr lang="en-US" dirty="0">
-                  <a:solidFill>
-                    <a:prstClr val="black"/>
-                  </a:solidFill>
-                  <a:latin typeface="Calibri"/>
-                </a:rPr>
-                <a:t>it received all data!!!</a:t>
-              </a:r>
-            </a:p>
-          </p:txBody>
-        </p:sp>
-        <p:cxnSp>
-          <p:nvCxnSpPr>
-            <p:cNvPr id="9" name="Straight Arrow Connector 8"/>
-            <p:cNvCxnSpPr>
-              <a:stCxn id="7" idx="1"/>
-            </p:cNvCxnSpPr>
-            <p:nvPr/>
-          </p:nvCxnSpPr>
-          <p:spPr>
-            <a:xfrm flipH="1">
-              <a:off x="2843808" y="3969931"/>
-              <a:ext cx="3528392" cy="251157"/>
-            </a:xfrm>
-            <a:prstGeom prst="straightConnector1">
-              <a:avLst/>
-            </a:prstGeom>
-            <a:ln w="19050">
-              <a:solidFill>
-                <a:schemeClr val="tx1"/>
-              </a:solidFill>
-              <a:tailEnd type="stealth" w="lg" len="lg"/>
-            </a:ln>
-          </p:spPr>
-          <p:style>
-            <a:lnRef idx="1">
-              <a:schemeClr val="accent1"/>
-            </a:lnRef>
-            <a:fillRef idx="0">
-              <a:schemeClr val="accent1"/>
-            </a:fillRef>
-            <a:effectRef idx="0">
-              <a:schemeClr val="accent1"/>
-            </a:effectRef>
-            <a:fontRef idx="minor">
-              <a:schemeClr val="tx1"/>
-            </a:fontRef>
-          </p:style>
-        </p:cxnSp>
-      </p:grpSp>
-      <p:sp>
-        <p:nvSpPr>
-          <p:cNvPr id="8" name="Slide Number Placeholder 7"/>
+          <p:cNvPr id="4" name="Slide Number Placeholder 3"/>
           <p:cNvSpPr>
             <a:spLocks noGrp="1"/>
           </p:cNvSpPr>
@@ -22428,7 +24748,7 @@
                 <a:latin typeface="Calibri"/>
               </a:rPr>
               <a:pPr/>
-              <a:t>35</a:t>
+              <a:t>39</a:t>
             </a:fld>
             <a:endParaRPr lang="nl-BE">
               <a:solidFill>
@@ -22441,123 +24761,10 @@
           </a:p>
         </p:txBody>
       </p:sp>
-      <p:sp>
-        <p:nvSpPr>
-          <p:cNvPr id="12" name="TextBox 11"/>
-          <p:cNvSpPr txBox="1"/>
-          <p:nvPr/>
-        </p:nvSpPr>
-        <p:spPr>
-          <a:xfrm>
-            <a:off x="2351585" y="5895331"/>
-            <a:ext cx="6786025" cy="461665"/>
-          </a:xfrm>
-          <a:prstGeom prst="rect">
-            <a:avLst/>
-          </a:prstGeom>
-          <a:noFill/>
-          <a:ln>
-            <a:solidFill>
-              <a:schemeClr val="tx1"/>
-            </a:solidFill>
-          </a:ln>
-        </p:spPr>
-        <p:txBody>
-          <a:bodyPr wrap="none" rtlCol="0">
-            <a:spAutoFit/>
-          </a:bodyPr>
-          <a:lstStyle/>
-          <a:p>
-            <a:r>
-              <a:rPr lang="en-BE" sz="2400" dirty="0">
-                <a:solidFill>
-                  <a:prstClr val="black"/>
-                </a:solidFill>
-                <a:latin typeface="Calibri"/>
-                <a:cs typeface="Courier New" pitchFamily="49" charset="0"/>
-              </a:rPr>
-              <a:t>Remember,</a:t>
-            </a:r>
-            <a:r>
-              <a:rPr lang="en-US" sz="2400" dirty="0">
-                <a:solidFill>
-                  <a:prstClr val="black"/>
-                </a:solidFill>
-                <a:latin typeface="Calibri"/>
-                <a:cs typeface="Courier New" pitchFamily="49" charset="0"/>
-              </a:rPr>
-              <a:t> </a:t>
-            </a:r>
-            <a:r>
-              <a:rPr lang="en-US" sz="2400" dirty="0" err="1">
-                <a:solidFill>
-                  <a:prstClr val="black"/>
-                </a:solidFill>
-                <a:latin typeface="Courier New" pitchFamily="49" charset="0"/>
-                <a:cs typeface="Courier New" pitchFamily="49" charset="0"/>
-              </a:rPr>
-              <a:t>stdin</a:t>
-            </a:r>
-            <a:r>
-              <a:rPr lang="en-BE" sz="2400" dirty="0">
-                <a:solidFill>
-                  <a:prstClr val="black"/>
-                </a:solidFill>
-                <a:latin typeface="Courier New" pitchFamily="49" charset="0"/>
-                <a:cs typeface="Courier New" pitchFamily="49" charset="0"/>
-              </a:rPr>
-              <a:t>/stdout/stderr</a:t>
-            </a:r>
-            <a:r>
-              <a:rPr lang="en-US" sz="2400" dirty="0">
-                <a:solidFill>
-                  <a:prstClr val="black"/>
-                </a:solidFill>
-                <a:latin typeface="Calibri"/>
-              </a:rPr>
-              <a:t> </a:t>
-            </a:r>
-            <a:r>
-              <a:rPr lang="en-BE" sz="2400" dirty="0">
-                <a:solidFill>
-                  <a:prstClr val="black"/>
-                </a:solidFill>
-                <a:latin typeface="Calibri"/>
-              </a:rPr>
-              <a:t>use </a:t>
-            </a:r>
-            <a:r>
-              <a:rPr lang="en-BE" sz="2400" dirty="0">
-                <a:solidFill>
-                  <a:prstClr val="black"/>
-                </a:solidFill>
-                <a:latin typeface="Courier New" panose="02070309020205020404" pitchFamily="49" charset="0"/>
-                <a:cs typeface="Courier New" panose="02070309020205020404" pitchFamily="49" charset="0"/>
-              </a:rPr>
-              <a:t>bytes</a:t>
-            </a:r>
-            <a:r>
-              <a:rPr lang="en-BE" sz="2400" dirty="0">
-                <a:solidFill>
-                  <a:prstClr val="black"/>
-                </a:solidFill>
-                <a:latin typeface="Calibri"/>
-              </a:rPr>
-              <a:t>!</a:t>
-            </a:r>
-            <a:endParaRPr lang="en-US" sz="2400" dirty="0">
-              <a:solidFill>
-                <a:prstClr val="black"/>
-              </a:solidFill>
-              <a:latin typeface="Calibri"/>
-            </a:endParaRPr>
-          </a:p>
-        </p:txBody>
-      </p:sp>
     </p:spTree>
     <p:extLst>
       <p:ext uri="{BB962C8B-B14F-4D97-AF65-F5344CB8AC3E}">
-        <p14:creationId xmlns:p14="http://schemas.microsoft.com/office/powerpoint/2010/main" val="3239543213"/>
+        <p14:creationId xmlns:p14="http://schemas.microsoft.com/office/powerpoint/2010/main" val="3849101229"/>
       </p:ext>
     </p:extLst>
   </p:cSld>
@@ -22567,217 +24774,9 @@
   <p:timing>
     <p:tnLst>
       <p:par>
-        <p:cTn id="1" dur="indefinite" restart="never" nodeType="tmRoot">
-          <p:childTnLst>
-            <p:seq concurrent="1" nextAc="seek">
-              <p:cTn id="2" dur="indefinite" nodeType="mainSeq">
-                <p:childTnLst>
-                  <p:par>
-                    <p:cTn id="3" fill="hold">
-                      <p:stCondLst>
-                        <p:cond delay="indefinite"/>
-                      </p:stCondLst>
-                      <p:childTnLst>
-                        <p:par>
-                          <p:cTn id="4" fill="hold">
-                            <p:stCondLst>
-                              <p:cond delay="0"/>
-                            </p:stCondLst>
-                            <p:childTnLst>
-                              <p:par>
-                                <p:cTn id="5" presetID="1" presetClass="entr" presetSubtype="0" fill="hold" grpId="0" nodeType="clickEffect">
-                                  <p:stCondLst>
-                                    <p:cond delay="0"/>
-                                  </p:stCondLst>
-                                  <p:childTnLst>
-                                    <p:set>
-                                      <p:cBhvr>
-                                        <p:cTn id="6" dur="1" fill="hold">
-                                          <p:stCondLst>
-                                            <p:cond delay="0"/>
-                                          </p:stCondLst>
-                                        </p:cTn>
-                                        <p:tgtEl>
-                                          <p:spTgt spid="5"/>
-                                        </p:tgtEl>
-                                        <p:attrNameLst>
-                                          <p:attrName>style.visibility</p:attrName>
-                                        </p:attrNameLst>
-                                      </p:cBhvr>
-                                      <p:to>
-                                        <p:strVal val="visible"/>
-                                      </p:to>
-                                    </p:set>
-                                  </p:childTnLst>
-                                </p:cTn>
-                              </p:par>
-                            </p:childTnLst>
-                          </p:cTn>
-                        </p:par>
-                      </p:childTnLst>
-                    </p:cTn>
-                  </p:par>
-                  <p:par>
-                    <p:cTn id="7" fill="hold">
-                      <p:stCondLst>
-                        <p:cond delay="indefinite"/>
-                      </p:stCondLst>
-                      <p:childTnLst>
-                        <p:par>
-                          <p:cTn id="8" fill="hold">
-                            <p:stCondLst>
-                              <p:cond delay="0"/>
-                            </p:stCondLst>
-                            <p:childTnLst>
-                              <p:par>
-                                <p:cTn id="9" presetID="1" presetClass="entr" presetSubtype="0" fill="hold" grpId="0" nodeType="clickEffect">
-                                  <p:stCondLst>
-                                    <p:cond delay="0"/>
-                                  </p:stCondLst>
-                                  <p:childTnLst>
-                                    <p:set>
-                                      <p:cBhvr>
-                                        <p:cTn id="10" dur="1" fill="hold">
-                                          <p:stCondLst>
-                                            <p:cond delay="0"/>
-                                          </p:stCondLst>
-                                        </p:cTn>
-                                        <p:tgtEl>
-                                          <p:spTgt spid="6"/>
-                                        </p:tgtEl>
-                                        <p:attrNameLst>
-                                          <p:attrName>style.visibility</p:attrName>
-                                        </p:attrNameLst>
-                                      </p:cBhvr>
-                                      <p:to>
-                                        <p:strVal val="visible"/>
-                                      </p:to>
-                                    </p:set>
-                                  </p:childTnLst>
-                                </p:cTn>
-                              </p:par>
-                            </p:childTnLst>
-                          </p:cTn>
-                        </p:par>
-                      </p:childTnLst>
-                    </p:cTn>
-                  </p:par>
-                  <p:par>
-                    <p:cTn id="11" fill="hold">
-                      <p:stCondLst>
-                        <p:cond delay="indefinite"/>
-                      </p:stCondLst>
-                      <p:childTnLst>
-                        <p:par>
-                          <p:cTn id="12" fill="hold">
-                            <p:stCondLst>
-                              <p:cond delay="0"/>
-                            </p:stCondLst>
-                            <p:childTnLst>
-                              <p:par>
-                                <p:cTn id="13" presetID="1" presetClass="entr" presetSubtype="0" fill="hold" nodeType="clickEffect">
-                                  <p:stCondLst>
-                                    <p:cond delay="0"/>
-                                  </p:stCondLst>
-                                  <p:childTnLst>
-                                    <p:set>
-                                      <p:cBhvr>
-                                        <p:cTn id="14" dur="1" fill="hold">
-                                          <p:stCondLst>
-                                            <p:cond delay="0"/>
-                                          </p:stCondLst>
-                                        </p:cTn>
-                                        <p:tgtEl>
-                                          <p:spTgt spid="11"/>
-                                        </p:tgtEl>
-                                        <p:attrNameLst>
-                                          <p:attrName>style.visibility</p:attrName>
-                                        </p:attrNameLst>
-                                      </p:cBhvr>
-                                      <p:to>
-                                        <p:strVal val="visible"/>
-                                      </p:to>
-                                    </p:set>
-                                  </p:childTnLst>
-                                </p:cTn>
-                              </p:par>
-                            </p:childTnLst>
-                          </p:cTn>
-                        </p:par>
-                      </p:childTnLst>
-                    </p:cTn>
-                  </p:par>
-                  <p:par>
-                    <p:cTn id="15" fill="hold">
-                      <p:stCondLst>
-                        <p:cond delay="indefinite"/>
-                      </p:stCondLst>
-                      <p:childTnLst>
-                        <p:par>
-                          <p:cTn id="16" fill="hold">
-                            <p:stCondLst>
-                              <p:cond delay="0"/>
-                            </p:stCondLst>
-                            <p:childTnLst>
-                              <p:par>
-                                <p:cTn id="17" presetID="1" presetClass="entr" presetSubtype="0" fill="hold" grpId="0" nodeType="clickEffect">
-                                  <p:stCondLst>
-                                    <p:cond delay="0"/>
-                                  </p:stCondLst>
-                                  <p:childTnLst>
-                                    <p:set>
-                                      <p:cBhvr>
-                                        <p:cTn id="18" dur="1" fill="hold">
-                                          <p:stCondLst>
-                                            <p:cond delay="0"/>
-                                          </p:stCondLst>
-                                        </p:cTn>
-                                        <p:tgtEl>
-                                          <p:spTgt spid="12"/>
-                                        </p:tgtEl>
-                                        <p:attrNameLst>
-                                          <p:attrName>style.visibility</p:attrName>
-                                        </p:attrNameLst>
-                                      </p:cBhvr>
-                                      <p:to>
-                                        <p:strVal val="visible"/>
-                                      </p:to>
-                                    </p:set>
-                                  </p:childTnLst>
-                                </p:cTn>
-                              </p:par>
-                            </p:childTnLst>
-                          </p:cTn>
-                        </p:par>
-                      </p:childTnLst>
-                    </p:cTn>
-                  </p:par>
-                </p:childTnLst>
-              </p:cTn>
-              <p:prevCondLst>
-                <p:cond evt="onPrev" delay="0">
-                  <p:tgtEl>
-                    <p:sldTgt/>
-                  </p:tgtEl>
-                </p:cond>
-              </p:prevCondLst>
-              <p:nextCondLst>
-                <p:cond evt="onNext" delay="0">
-                  <p:tgtEl>
-                    <p:sldTgt/>
-                  </p:tgtEl>
-                </p:cond>
-              </p:nextCondLst>
-            </p:seq>
-          </p:childTnLst>
-        </p:cTn>
+        <p:cTn id="1" dur="indefinite" restart="never" nodeType="tmRoot"/>
       </p:par>
     </p:tnLst>
-    <p:bldLst>
-      <p:bldP spid="5" grpId="0" animBg="1"/>
-      <p:bldP spid="6" grpId="0" animBg="1"/>
-      <p:bldP spid="12" grpId="0" animBg="1"/>
-    </p:bldLst>
   </p:timing>
 </p:sld>
 </file>
@@ -23011,17 +25010,14 @@
         </p:nvSpPr>
         <p:spPr>
           <a:xfrm>
-            <a:off x="2855640" y="4841414"/>
+            <a:off x="2855640" y="4851924"/>
             <a:ext cx="5285421" cy="1569660"/>
           </a:xfrm>
           <a:prstGeom prst="rect">
             <a:avLst/>
           </a:prstGeom>
           <a:solidFill>
-            <a:schemeClr val="accent6">
-              <a:lumMod val="20000"/>
-              <a:lumOff val="80000"/>
-            </a:schemeClr>
+            <a:srgbClr val="CCFF66"/>
           </a:solidFill>
         </p:spPr>
         <p:txBody>
@@ -23611,6 +25607,2273 @@
 </p:sld>
 </file>
 
+<file path=ppt/slides/slide40.xml><?xml version="1.0" encoding="utf-8"?>
+<p:sld xmlns:a="http://schemas.openxmlformats.org/drawingml/2006/main" xmlns:r="http://schemas.openxmlformats.org/officeDocument/2006/relationships" xmlns:p="http://schemas.openxmlformats.org/presentationml/2006/main">
+  <p:cSld>
+    <p:spTree>
+      <p:nvGrpSpPr>
+        <p:cNvPr id="1" name=""/>
+        <p:cNvGrpSpPr/>
+        <p:nvPr/>
+      </p:nvGrpSpPr>
+      <p:grpSpPr>
+        <a:xfrm>
+          <a:off x="0" y="0"/>
+          <a:ext cx="0" cy="0"/>
+          <a:chOff x="0" y="0"/>
+          <a:chExt cx="0" cy="0"/>
+        </a:xfrm>
+      </p:grpSpPr>
+      <p:sp>
+        <p:nvSpPr>
+          <p:cNvPr id="4" name="Title 3"/>
+          <p:cNvSpPr>
+            <a:spLocks noGrp="1"/>
+          </p:cNvSpPr>
+          <p:nvPr>
+            <p:ph type="title"/>
+          </p:nvPr>
+        </p:nvSpPr>
+        <p:spPr/>
+        <p:txBody>
+          <a:bodyPr/>
+          <a:lstStyle/>
+          <a:p>
+            <a:r>
+              <a:rPr lang="en-US" dirty="0" smtClean="0"/>
+              <a:t>Counting words in a file</a:t>
+            </a:r>
+            <a:endParaRPr lang="en-US" dirty="0"/>
+          </a:p>
+        </p:txBody>
+      </p:sp>
+      <p:sp>
+        <p:nvSpPr>
+          <p:cNvPr id="5" name="Content Placeholder 4"/>
+          <p:cNvSpPr>
+            <a:spLocks noGrp="1"/>
+          </p:cNvSpPr>
+          <p:nvPr>
+            <p:ph idx="1"/>
+          </p:nvPr>
+        </p:nvSpPr>
+        <p:spPr/>
+        <p:txBody>
+          <a:bodyPr>
+            <a:normAutofit fontScale="92500" lnSpcReduction="20000"/>
+          </a:bodyPr>
+          <a:lstStyle/>
+          <a:p>
+            <a:r>
+              <a:rPr lang="en-US" dirty="0" smtClean="0"/>
+              <a:t>Using shell utilities: </a:t>
+            </a:r>
+            <a:r>
+              <a:rPr lang="en-US" dirty="0" err="1" smtClean="0">
+                <a:latin typeface="Courier New" pitchFamily="49" charset="0"/>
+                <a:cs typeface="Courier New" pitchFamily="49" charset="0"/>
+              </a:rPr>
+              <a:t>subprocess</a:t>
+            </a:r>
+            <a:r>
+              <a:rPr lang="en-US" dirty="0" smtClean="0"/>
+              <a:t> module</a:t>
+            </a:r>
+          </a:p>
+          <a:p>
+            <a:endParaRPr lang="en-US" dirty="0" smtClean="0"/>
+          </a:p>
+          <a:p>
+            <a:endParaRPr lang="en-US" dirty="0" smtClean="0"/>
+          </a:p>
+          <a:p>
+            <a:endParaRPr lang="en-US" dirty="0" smtClean="0"/>
+          </a:p>
+          <a:p>
+            <a:endParaRPr lang="en-US" dirty="0" smtClean="0"/>
+          </a:p>
+          <a:p>
+            <a:endParaRPr lang="en-US" dirty="0" smtClean="0"/>
+          </a:p>
+          <a:p>
+            <a:r>
+              <a:rPr lang="en-US" dirty="0" smtClean="0"/>
+              <a:t>Convenient high-level API</a:t>
+            </a:r>
+          </a:p>
+          <a:p>
+            <a:pPr lvl="1"/>
+            <a:r>
+              <a:rPr lang="en-US" dirty="0" err="1" smtClean="0">
+                <a:latin typeface="Courier New" pitchFamily="49" charset="0"/>
+                <a:cs typeface="Courier New" pitchFamily="49" charset="0"/>
+              </a:rPr>
+              <a:t>subprocess.call</a:t>
+            </a:r>
+            <a:r>
+              <a:rPr lang="en-US" dirty="0" smtClean="0">
+                <a:latin typeface="Courier New" pitchFamily="49" charset="0"/>
+                <a:cs typeface="Courier New" pitchFamily="49" charset="0"/>
+              </a:rPr>
+              <a:t>(…)</a:t>
+            </a:r>
+            <a:r>
+              <a:rPr lang="en-US" dirty="0" smtClean="0"/>
+              <a:t> returns exit code of command as integer</a:t>
+            </a:r>
+          </a:p>
+          <a:p>
+            <a:pPr lvl="1"/>
+            <a:r>
+              <a:rPr lang="en-US" dirty="0" err="1" smtClean="0">
+                <a:latin typeface="Courier New" pitchFamily="49" charset="0"/>
+                <a:cs typeface="Courier New" pitchFamily="49" charset="0"/>
+              </a:rPr>
+              <a:t>subprocess.check_output</a:t>
+            </a:r>
+            <a:r>
+              <a:rPr lang="en-US" dirty="0" smtClean="0">
+                <a:latin typeface="Courier New" pitchFamily="49" charset="0"/>
+                <a:cs typeface="Courier New" pitchFamily="49" charset="0"/>
+              </a:rPr>
+              <a:t>(…)</a:t>
+            </a:r>
+            <a:r>
+              <a:rPr lang="en-US" dirty="0" smtClean="0"/>
+              <a:t> returns output of command as </a:t>
+            </a:r>
+            <a:r>
+              <a:rPr lang="en-BE" dirty="0" smtClean="0">
+                <a:latin typeface="Courier New" panose="02070309020205020404" pitchFamily="49" charset="0"/>
+                <a:cs typeface="Courier New" panose="02070309020205020404" pitchFamily="49" charset="0"/>
+              </a:rPr>
+              <a:t>bytes</a:t>
+            </a:r>
+            <a:r>
+              <a:rPr lang="en-BE" dirty="0" smtClean="0"/>
+              <a:t> (decode to get Python </a:t>
+            </a:r>
+            <a:r>
+              <a:rPr lang="en-BE" dirty="0" smtClean="0">
+                <a:latin typeface="Courier New" panose="02070309020205020404" pitchFamily="49" charset="0"/>
+                <a:cs typeface="Courier New" panose="02070309020205020404" pitchFamily="49" charset="0"/>
+              </a:rPr>
+              <a:t>str</a:t>
+            </a:r>
+            <a:r>
+              <a:rPr lang="en-BE" dirty="0" smtClean="0"/>
+              <a:t>)</a:t>
+            </a:r>
+            <a:endParaRPr lang="en-US" dirty="0" smtClean="0"/>
+          </a:p>
+          <a:p>
+            <a:pPr lvl="1"/>
+            <a:endParaRPr lang="en-US" dirty="0" smtClean="0"/>
+          </a:p>
+        </p:txBody>
+      </p:sp>
+      <p:sp>
+        <p:nvSpPr>
+          <p:cNvPr id="6" name="TextBox 5"/>
+          <p:cNvSpPr txBox="1"/>
+          <p:nvPr/>
+        </p:nvSpPr>
+        <p:spPr>
+          <a:xfrm>
+            <a:off x="2351584" y="2924945"/>
+            <a:ext cx="6048672" cy="954107"/>
+          </a:xfrm>
+          <a:prstGeom prst="rect">
+            <a:avLst/>
+          </a:prstGeom>
+          <a:solidFill>
+            <a:schemeClr val="bg1">
+              <a:lumMod val="85000"/>
+            </a:schemeClr>
+          </a:solidFill>
+        </p:spPr>
+        <p:txBody>
+          <a:bodyPr wrap="square" rtlCol="0">
+            <a:spAutoFit/>
+          </a:bodyPr>
+          <a:lstStyle/>
+          <a:p>
+            <a:r>
+              <a:rPr lang="en-US" sz="1400" dirty="0">
+                <a:solidFill>
+                  <a:prstClr val="black"/>
+                </a:solidFill>
+                <a:latin typeface="Courier New" pitchFamily="49" charset="0"/>
+                <a:cs typeface="Courier New" pitchFamily="49" charset="0"/>
+              </a:rPr>
+              <a:t>from </a:t>
+            </a:r>
+            <a:r>
+              <a:rPr lang="en-US" sz="1400" b="1" dirty="0" err="1">
+                <a:solidFill>
+                  <a:srgbClr val="FF0000"/>
+                </a:solidFill>
+                <a:latin typeface="Courier New" pitchFamily="49" charset="0"/>
+                <a:cs typeface="Courier New" pitchFamily="49" charset="0"/>
+              </a:rPr>
+              <a:t>subprocess</a:t>
+            </a:r>
+            <a:r>
+              <a:rPr lang="en-US" sz="1400" dirty="0">
+                <a:solidFill>
+                  <a:prstClr val="black"/>
+                </a:solidFill>
+                <a:latin typeface="Courier New" pitchFamily="49" charset="0"/>
+                <a:cs typeface="Courier New" pitchFamily="49" charset="0"/>
+              </a:rPr>
+              <a:t> import </a:t>
+            </a:r>
+            <a:r>
+              <a:rPr lang="en-US" sz="1400" b="1" dirty="0" err="1">
+                <a:solidFill>
+                  <a:srgbClr val="FF0000"/>
+                </a:solidFill>
+                <a:latin typeface="Courier New" pitchFamily="49" charset="0"/>
+                <a:cs typeface="Courier New" pitchFamily="49" charset="0"/>
+              </a:rPr>
+              <a:t>check_output</a:t>
+            </a:r>
+            <a:endParaRPr lang="en-US" sz="1400" b="1" dirty="0">
+              <a:solidFill>
+                <a:srgbClr val="FF0000"/>
+              </a:solidFill>
+              <a:latin typeface="Courier New" pitchFamily="49" charset="0"/>
+              <a:cs typeface="Courier New" pitchFamily="49" charset="0"/>
+            </a:endParaRPr>
+          </a:p>
+          <a:p>
+            <a:r>
+              <a:rPr lang="en-US" sz="1400" dirty="0">
+                <a:solidFill>
+                  <a:prstClr val="black"/>
+                </a:solidFill>
+                <a:latin typeface="Courier New" pitchFamily="49" charset="0"/>
+                <a:cs typeface="Courier New" pitchFamily="49" charset="0"/>
+              </a:rPr>
+              <a:t>output = </a:t>
+            </a:r>
+            <a:r>
+              <a:rPr lang="en-US" sz="1400" b="1" dirty="0" err="1">
+                <a:solidFill>
+                  <a:srgbClr val="FF0000"/>
+                </a:solidFill>
+                <a:latin typeface="Courier New" pitchFamily="49" charset="0"/>
+                <a:cs typeface="Courier New" pitchFamily="49" charset="0"/>
+              </a:rPr>
+              <a:t>check_output</a:t>
+            </a:r>
+            <a:r>
+              <a:rPr lang="en-US" sz="1400" dirty="0">
+                <a:solidFill>
+                  <a:prstClr val="black"/>
+                </a:solidFill>
+                <a:latin typeface="Courier New" pitchFamily="49" charset="0"/>
+                <a:cs typeface="Courier New" pitchFamily="49" charset="0"/>
+              </a:rPr>
+              <a:t>(['</a:t>
+            </a:r>
+            <a:r>
+              <a:rPr lang="en-US" sz="1400" b="1" dirty="0" err="1">
+                <a:solidFill>
+                  <a:srgbClr val="0070C0"/>
+                </a:solidFill>
+                <a:latin typeface="Courier New" pitchFamily="49" charset="0"/>
+                <a:cs typeface="Courier New" pitchFamily="49" charset="0"/>
+              </a:rPr>
+              <a:t>wc</a:t>
+            </a:r>
+            <a:r>
+              <a:rPr lang="en-US" sz="1400" dirty="0">
+                <a:solidFill>
+                  <a:prstClr val="black"/>
+                </a:solidFill>
+                <a:latin typeface="Courier New" pitchFamily="49" charset="0"/>
+                <a:cs typeface="Courier New" pitchFamily="49" charset="0"/>
+              </a:rPr>
+              <a:t>', '</a:t>
+            </a:r>
+            <a:r>
+              <a:rPr lang="en-US" sz="1400" b="1" dirty="0">
+                <a:solidFill>
+                  <a:srgbClr val="7030A0"/>
+                </a:solidFill>
+                <a:latin typeface="Courier New" pitchFamily="49" charset="0"/>
+                <a:cs typeface="Courier New" pitchFamily="49" charset="0"/>
+              </a:rPr>
+              <a:t>test.txt</a:t>
+            </a:r>
+            <a:r>
+              <a:rPr lang="en-US" sz="1400" dirty="0">
+                <a:solidFill>
+                  <a:prstClr val="black"/>
+                </a:solidFill>
+                <a:latin typeface="Courier New" pitchFamily="49" charset="0"/>
+                <a:cs typeface="Courier New" pitchFamily="49" charset="0"/>
+              </a:rPr>
+              <a:t>'])</a:t>
+            </a:r>
+            <a:endParaRPr lang="en-BE" sz="1400" dirty="0">
+              <a:solidFill>
+                <a:prstClr val="black"/>
+              </a:solidFill>
+              <a:latin typeface="Courier New" pitchFamily="49" charset="0"/>
+              <a:cs typeface="Courier New" pitchFamily="49" charset="0"/>
+            </a:endParaRPr>
+          </a:p>
+          <a:p>
+            <a:r>
+              <a:rPr lang="en-BE" sz="1400" dirty="0">
+                <a:solidFill>
+                  <a:prstClr val="black"/>
+                </a:solidFill>
+                <a:latin typeface="Courier New" pitchFamily="49" charset="0"/>
+                <a:cs typeface="Courier New" pitchFamily="49" charset="0"/>
+              </a:rPr>
+              <a:t>output_str  = output.decode(encoding=‘utf-8’)</a:t>
+            </a:r>
+            <a:endParaRPr lang="en-US" sz="1400" dirty="0">
+              <a:solidFill>
+                <a:prstClr val="black"/>
+              </a:solidFill>
+              <a:latin typeface="Courier New" pitchFamily="49" charset="0"/>
+              <a:cs typeface="Courier New" pitchFamily="49" charset="0"/>
+            </a:endParaRPr>
+          </a:p>
+          <a:p>
+            <a:r>
+              <a:rPr lang="en-US" sz="1400" dirty="0">
+                <a:solidFill>
+                  <a:prstClr val="black"/>
+                </a:solidFill>
+                <a:latin typeface="Courier New" pitchFamily="49" charset="0"/>
+                <a:cs typeface="Courier New" pitchFamily="49" charset="0"/>
+              </a:rPr>
+              <a:t>lines, words, chars, _ = output</a:t>
+            </a:r>
+            <a:r>
+              <a:rPr lang="en-BE" sz="1400" dirty="0">
+                <a:solidFill>
+                  <a:prstClr val="black"/>
+                </a:solidFill>
+                <a:latin typeface="Courier New" pitchFamily="49" charset="0"/>
+                <a:cs typeface="Courier New" pitchFamily="49" charset="0"/>
+              </a:rPr>
+              <a:t>_str</a:t>
+            </a:r>
+            <a:r>
+              <a:rPr lang="en-US" sz="1400" dirty="0">
+                <a:solidFill>
+                  <a:prstClr val="black"/>
+                </a:solidFill>
+                <a:latin typeface="Courier New" pitchFamily="49" charset="0"/>
+                <a:cs typeface="Courier New" pitchFamily="49" charset="0"/>
+              </a:rPr>
+              <a:t>.strip().split(' ')</a:t>
+            </a:r>
+          </a:p>
+        </p:txBody>
+      </p:sp>
+      <p:sp>
+        <p:nvSpPr>
+          <p:cNvPr id="7" name="TextBox 6"/>
+          <p:cNvSpPr txBox="1"/>
+          <p:nvPr/>
+        </p:nvSpPr>
+        <p:spPr>
+          <a:xfrm>
+            <a:off x="2351584" y="2204864"/>
+            <a:ext cx="6048672" cy="523220"/>
+          </a:xfrm>
+          <a:prstGeom prst="rect">
+            <a:avLst/>
+          </a:prstGeom>
+          <a:solidFill>
+            <a:schemeClr val="tx1"/>
+          </a:solidFill>
+          <a:ln>
+            <a:solidFill>
+              <a:schemeClr val="tx1"/>
+            </a:solidFill>
+          </a:ln>
+        </p:spPr>
+        <p:txBody>
+          <a:bodyPr wrap="square" rtlCol="0">
+            <a:spAutoFit/>
+          </a:bodyPr>
+          <a:lstStyle/>
+          <a:p>
+            <a:r>
+              <a:rPr lang="en-US" sz="1400" b="1" dirty="0">
+                <a:solidFill>
+                  <a:prstClr val="white"/>
+                </a:solidFill>
+                <a:latin typeface="Courier New" pitchFamily="49" charset="0"/>
+                <a:cs typeface="Courier New" pitchFamily="49" charset="0"/>
+              </a:rPr>
+              <a:t>$ </a:t>
+            </a:r>
+            <a:r>
+              <a:rPr lang="en-US" sz="1400" b="1" dirty="0" err="1">
+                <a:solidFill>
+                  <a:prstClr val="white"/>
+                </a:solidFill>
+                <a:latin typeface="Courier New" pitchFamily="49" charset="0"/>
+                <a:cs typeface="Courier New" pitchFamily="49" charset="0"/>
+              </a:rPr>
+              <a:t>wc</a:t>
+            </a:r>
+            <a:r>
+              <a:rPr lang="en-US" sz="1400" b="1" dirty="0">
+                <a:solidFill>
+                  <a:prstClr val="white"/>
+                </a:solidFill>
+                <a:latin typeface="Courier New" pitchFamily="49" charset="0"/>
+                <a:cs typeface="Courier New" pitchFamily="49" charset="0"/>
+              </a:rPr>
+              <a:t> text.txt </a:t>
+            </a:r>
+          </a:p>
+          <a:p>
+            <a:r>
+              <a:rPr lang="en-US" sz="1400" b="1" dirty="0">
+                <a:solidFill>
+                  <a:prstClr val="white"/>
+                </a:solidFill>
+                <a:latin typeface="Courier New" pitchFamily="49" charset="0"/>
+                <a:cs typeface="Courier New" pitchFamily="49" charset="0"/>
+              </a:rPr>
+              <a:t> 4 12 52 text.txt</a:t>
+            </a:r>
+          </a:p>
+        </p:txBody>
+      </p:sp>
+      <p:sp>
+        <p:nvSpPr>
+          <p:cNvPr id="2" name="Slide Number Placeholder 1"/>
+          <p:cNvSpPr>
+            <a:spLocks noGrp="1"/>
+          </p:cNvSpPr>
+          <p:nvPr>
+            <p:ph type="sldNum" sz="quarter" idx="12"/>
+          </p:nvPr>
+        </p:nvSpPr>
+        <p:spPr/>
+        <p:txBody>
+          <a:bodyPr/>
+          <a:lstStyle/>
+          <a:p>
+            <a:fld id="{5A209D72-2E9D-49B0-8977-41DCCC66C0BB}" type="slidenum">
+              <a:rPr lang="nl-BE">
+                <a:solidFill>
+                  <a:prstClr val="black">
+                    <a:tint val="75000"/>
+                  </a:prstClr>
+                </a:solidFill>
+                <a:latin typeface="Calibri"/>
+              </a:rPr>
+              <a:pPr/>
+              <a:t>40</a:t>
+            </a:fld>
+            <a:endParaRPr lang="nl-BE">
+              <a:solidFill>
+                <a:prstClr val="black">
+                  <a:tint val="75000"/>
+                </a:prstClr>
+              </a:solidFill>
+              <a:latin typeface="Calibri"/>
+            </a:endParaRPr>
+          </a:p>
+        </p:txBody>
+      </p:sp>
+      <p:grpSp>
+        <p:nvGrpSpPr>
+          <p:cNvPr id="8" name="Group 7"/>
+          <p:cNvGrpSpPr/>
+          <p:nvPr/>
+        </p:nvGrpSpPr>
+        <p:grpSpPr>
+          <a:xfrm>
+            <a:off x="7320137" y="2784293"/>
+            <a:ext cx="2851793" cy="681796"/>
+            <a:chOff x="5436096" y="3646765"/>
+            <a:chExt cx="2851793" cy="681796"/>
+          </a:xfrm>
+        </p:grpSpPr>
+        <p:sp>
+          <p:nvSpPr>
+            <p:cNvPr id="9" name="TextBox 8"/>
+            <p:cNvSpPr txBox="1"/>
+            <p:nvPr/>
+          </p:nvSpPr>
+          <p:spPr>
+            <a:xfrm>
+              <a:off x="6594861" y="3646765"/>
+              <a:ext cx="1693028" cy="646331"/>
+            </a:xfrm>
+            <a:prstGeom prst="rect">
+              <a:avLst/>
+            </a:prstGeom>
+            <a:solidFill>
+              <a:schemeClr val="bg1"/>
+            </a:solidFill>
+            <a:ln>
+              <a:solidFill>
+                <a:schemeClr val="tx1"/>
+              </a:solidFill>
+            </a:ln>
+          </p:spPr>
+          <p:txBody>
+            <a:bodyPr wrap="none" rtlCol="0">
+              <a:spAutoFit/>
+            </a:bodyPr>
+            <a:lstStyle/>
+            <a:p>
+              <a:r>
+                <a:rPr lang="en-BE" dirty="0">
+                  <a:solidFill>
+                    <a:prstClr val="black"/>
+                  </a:solidFill>
+                  <a:latin typeface="Calibri"/>
+                </a:rPr>
+                <a:t>Python 3 strings</a:t>
+              </a:r>
+              <a:br>
+                <a:rPr lang="en-BE" dirty="0">
+                  <a:solidFill>
+                    <a:prstClr val="black"/>
+                  </a:solidFill>
+                  <a:latin typeface="Calibri"/>
+                </a:rPr>
+              </a:br>
+              <a:r>
+                <a:rPr lang="en-BE" dirty="0">
+                  <a:solidFill>
+                    <a:prstClr val="black"/>
+                  </a:solidFill>
+                  <a:latin typeface="Calibri"/>
+                </a:rPr>
+                <a:t>are unicode</a:t>
+              </a:r>
+              <a:endParaRPr lang="en-US" dirty="0">
+                <a:solidFill>
+                  <a:prstClr val="black"/>
+                </a:solidFill>
+                <a:latin typeface="Calibri"/>
+              </a:endParaRPr>
+            </a:p>
+          </p:txBody>
+        </p:sp>
+        <p:cxnSp>
+          <p:nvCxnSpPr>
+            <p:cNvPr id="10" name="Straight Arrow Connector 9"/>
+            <p:cNvCxnSpPr>
+              <a:stCxn id="9" idx="1"/>
+            </p:cNvCxnSpPr>
+            <p:nvPr/>
+          </p:nvCxnSpPr>
+          <p:spPr>
+            <a:xfrm flipH="1">
+              <a:off x="5436096" y="3969931"/>
+              <a:ext cx="1158765" cy="358630"/>
+            </a:xfrm>
+            <a:prstGeom prst="straightConnector1">
+              <a:avLst/>
+            </a:prstGeom>
+            <a:ln w="19050">
+              <a:solidFill>
+                <a:schemeClr val="tx1"/>
+              </a:solidFill>
+              <a:tailEnd type="stealth" w="lg" len="lg"/>
+            </a:ln>
+          </p:spPr>
+          <p:style>
+            <a:lnRef idx="1">
+              <a:schemeClr val="accent1"/>
+            </a:lnRef>
+            <a:fillRef idx="0">
+              <a:schemeClr val="accent1"/>
+            </a:fillRef>
+            <a:effectRef idx="0">
+              <a:schemeClr val="accent1"/>
+            </a:effectRef>
+            <a:fontRef idx="minor">
+              <a:schemeClr val="tx1"/>
+            </a:fontRef>
+          </p:style>
+        </p:cxnSp>
+      </p:grpSp>
+    </p:spTree>
+    <p:extLst>
+      <p:ext uri="{BB962C8B-B14F-4D97-AF65-F5344CB8AC3E}">
+        <p14:creationId xmlns:p14="http://schemas.microsoft.com/office/powerpoint/2010/main" val="872637133"/>
+      </p:ext>
+    </p:extLst>
+  </p:cSld>
+  <p:clrMapOvr>
+    <a:masterClrMapping/>
+  </p:clrMapOvr>
+  <p:timing>
+    <p:tnLst>
+      <p:par>
+        <p:cTn id="1" dur="indefinite" restart="never" nodeType="tmRoot">
+          <p:childTnLst>
+            <p:seq concurrent="1" nextAc="seek">
+              <p:cTn id="2" dur="indefinite" nodeType="mainSeq">
+                <p:childTnLst>
+                  <p:par>
+                    <p:cTn id="3" fill="hold">
+                      <p:stCondLst>
+                        <p:cond delay="indefinite"/>
+                        <p:cond evt="onBegin" delay="0">
+                          <p:tn val="2"/>
+                        </p:cond>
+                      </p:stCondLst>
+                      <p:childTnLst>
+                        <p:par>
+                          <p:cTn id="4" fill="hold">
+                            <p:stCondLst>
+                              <p:cond delay="0"/>
+                            </p:stCondLst>
+                            <p:childTnLst>
+                              <p:par>
+                                <p:cTn id="5" presetID="1" presetClass="entr" presetSubtype="0" fill="hold" grpId="0" nodeType="withEffect">
+                                  <p:stCondLst>
+                                    <p:cond delay="0"/>
+                                  </p:stCondLst>
+                                  <p:childTnLst>
+                                    <p:set>
+                                      <p:cBhvr>
+                                        <p:cTn id="6" dur="1" fill="hold">
+                                          <p:stCondLst>
+                                            <p:cond delay="0"/>
+                                          </p:stCondLst>
+                                        </p:cTn>
+                                        <p:tgtEl>
+                                          <p:spTgt spid="5">
+                                            <p:txEl>
+                                              <p:pRg st="0" end="0"/>
+                                            </p:txEl>
+                                          </p:spTgt>
+                                        </p:tgtEl>
+                                        <p:attrNameLst>
+                                          <p:attrName>style.visibility</p:attrName>
+                                        </p:attrNameLst>
+                                      </p:cBhvr>
+                                      <p:to>
+                                        <p:strVal val="visible"/>
+                                      </p:to>
+                                    </p:set>
+                                  </p:childTnLst>
+                                </p:cTn>
+                              </p:par>
+                            </p:childTnLst>
+                          </p:cTn>
+                        </p:par>
+                      </p:childTnLst>
+                    </p:cTn>
+                  </p:par>
+                  <p:par>
+                    <p:cTn id="7" fill="hold">
+                      <p:stCondLst>
+                        <p:cond delay="indefinite"/>
+                      </p:stCondLst>
+                      <p:childTnLst>
+                        <p:par>
+                          <p:cTn id="8" fill="hold">
+                            <p:stCondLst>
+                              <p:cond delay="0"/>
+                            </p:stCondLst>
+                            <p:childTnLst>
+                              <p:par>
+                                <p:cTn id="9" presetID="1" presetClass="entr" presetSubtype="0" fill="hold" grpId="0" nodeType="clickEffect">
+                                  <p:stCondLst>
+                                    <p:cond delay="0"/>
+                                  </p:stCondLst>
+                                  <p:childTnLst>
+                                    <p:set>
+                                      <p:cBhvr>
+                                        <p:cTn id="10" dur="1" fill="hold">
+                                          <p:stCondLst>
+                                            <p:cond delay="0"/>
+                                          </p:stCondLst>
+                                        </p:cTn>
+                                        <p:tgtEl>
+                                          <p:spTgt spid="6"/>
+                                        </p:tgtEl>
+                                        <p:attrNameLst>
+                                          <p:attrName>style.visibility</p:attrName>
+                                        </p:attrNameLst>
+                                      </p:cBhvr>
+                                      <p:to>
+                                        <p:strVal val="visible"/>
+                                      </p:to>
+                                    </p:set>
+                                  </p:childTnLst>
+                                </p:cTn>
+                              </p:par>
+                            </p:childTnLst>
+                          </p:cTn>
+                        </p:par>
+                      </p:childTnLst>
+                    </p:cTn>
+                  </p:par>
+                  <p:par>
+                    <p:cTn id="11" fill="hold">
+                      <p:stCondLst>
+                        <p:cond delay="indefinite"/>
+                      </p:stCondLst>
+                      <p:childTnLst>
+                        <p:par>
+                          <p:cTn id="12" fill="hold">
+                            <p:stCondLst>
+                              <p:cond delay="0"/>
+                            </p:stCondLst>
+                            <p:childTnLst>
+                              <p:par>
+                                <p:cTn id="13" presetID="1" presetClass="entr" presetSubtype="0" fill="hold" nodeType="clickEffect">
+                                  <p:stCondLst>
+                                    <p:cond delay="0"/>
+                                  </p:stCondLst>
+                                  <p:childTnLst>
+                                    <p:set>
+                                      <p:cBhvr>
+                                        <p:cTn id="14" dur="1" fill="hold">
+                                          <p:stCondLst>
+                                            <p:cond delay="0"/>
+                                          </p:stCondLst>
+                                        </p:cTn>
+                                        <p:tgtEl>
+                                          <p:spTgt spid="8"/>
+                                        </p:tgtEl>
+                                        <p:attrNameLst>
+                                          <p:attrName>style.visibility</p:attrName>
+                                        </p:attrNameLst>
+                                      </p:cBhvr>
+                                      <p:to>
+                                        <p:strVal val="visible"/>
+                                      </p:to>
+                                    </p:set>
+                                  </p:childTnLst>
+                                </p:cTn>
+                              </p:par>
+                            </p:childTnLst>
+                          </p:cTn>
+                        </p:par>
+                      </p:childTnLst>
+                    </p:cTn>
+                  </p:par>
+                  <p:par>
+                    <p:cTn id="15" fill="hold">
+                      <p:stCondLst>
+                        <p:cond delay="indefinite"/>
+                      </p:stCondLst>
+                      <p:childTnLst>
+                        <p:par>
+                          <p:cTn id="16" fill="hold">
+                            <p:stCondLst>
+                              <p:cond delay="0"/>
+                            </p:stCondLst>
+                            <p:childTnLst>
+                              <p:par>
+                                <p:cTn id="17" presetID="1" presetClass="entr" presetSubtype="0" fill="hold" grpId="0" nodeType="clickEffect">
+                                  <p:stCondLst>
+                                    <p:cond delay="0"/>
+                                  </p:stCondLst>
+                                  <p:childTnLst>
+                                    <p:set>
+                                      <p:cBhvr>
+                                        <p:cTn id="18" dur="1" fill="hold">
+                                          <p:stCondLst>
+                                            <p:cond delay="0"/>
+                                          </p:stCondLst>
+                                        </p:cTn>
+                                        <p:tgtEl>
+                                          <p:spTgt spid="5">
+                                            <p:txEl>
+                                              <p:pRg st="6" end="6"/>
+                                            </p:txEl>
+                                          </p:spTgt>
+                                        </p:tgtEl>
+                                        <p:attrNameLst>
+                                          <p:attrName>style.visibility</p:attrName>
+                                        </p:attrNameLst>
+                                      </p:cBhvr>
+                                      <p:to>
+                                        <p:strVal val="visible"/>
+                                      </p:to>
+                                    </p:set>
+                                  </p:childTnLst>
+                                </p:cTn>
+                              </p:par>
+                              <p:par>
+                                <p:cTn id="19" presetID="1" presetClass="entr" presetSubtype="0" fill="hold" grpId="0" nodeType="withEffect">
+                                  <p:stCondLst>
+                                    <p:cond delay="0"/>
+                                  </p:stCondLst>
+                                  <p:childTnLst>
+                                    <p:set>
+                                      <p:cBhvr>
+                                        <p:cTn id="20" dur="1" fill="hold">
+                                          <p:stCondLst>
+                                            <p:cond delay="0"/>
+                                          </p:stCondLst>
+                                        </p:cTn>
+                                        <p:tgtEl>
+                                          <p:spTgt spid="5">
+                                            <p:txEl>
+                                              <p:pRg st="7" end="7"/>
+                                            </p:txEl>
+                                          </p:spTgt>
+                                        </p:tgtEl>
+                                        <p:attrNameLst>
+                                          <p:attrName>style.visibility</p:attrName>
+                                        </p:attrNameLst>
+                                      </p:cBhvr>
+                                      <p:to>
+                                        <p:strVal val="visible"/>
+                                      </p:to>
+                                    </p:set>
+                                  </p:childTnLst>
+                                </p:cTn>
+                              </p:par>
+                            </p:childTnLst>
+                          </p:cTn>
+                        </p:par>
+                      </p:childTnLst>
+                    </p:cTn>
+                  </p:par>
+                  <p:par>
+                    <p:cTn id="21" fill="hold">
+                      <p:stCondLst>
+                        <p:cond delay="indefinite"/>
+                      </p:stCondLst>
+                      <p:childTnLst>
+                        <p:par>
+                          <p:cTn id="22" fill="hold">
+                            <p:stCondLst>
+                              <p:cond delay="0"/>
+                            </p:stCondLst>
+                            <p:childTnLst>
+                              <p:par>
+                                <p:cTn id="23" presetID="1" presetClass="entr" presetSubtype="0" fill="hold" grpId="0" nodeType="clickEffect">
+                                  <p:stCondLst>
+                                    <p:cond delay="0"/>
+                                  </p:stCondLst>
+                                  <p:childTnLst>
+                                    <p:set>
+                                      <p:cBhvr>
+                                        <p:cTn id="24" dur="1" fill="hold">
+                                          <p:stCondLst>
+                                            <p:cond delay="0"/>
+                                          </p:stCondLst>
+                                        </p:cTn>
+                                        <p:tgtEl>
+                                          <p:spTgt spid="5">
+                                            <p:txEl>
+                                              <p:pRg st="8" end="8"/>
+                                            </p:txEl>
+                                          </p:spTgt>
+                                        </p:tgtEl>
+                                        <p:attrNameLst>
+                                          <p:attrName>style.visibility</p:attrName>
+                                        </p:attrNameLst>
+                                      </p:cBhvr>
+                                      <p:to>
+                                        <p:strVal val="visible"/>
+                                      </p:to>
+                                    </p:set>
+                                  </p:childTnLst>
+                                </p:cTn>
+                              </p:par>
+                            </p:childTnLst>
+                          </p:cTn>
+                        </p:par>
+                      </p:childTnLst>
+                    </p:cTn>
+                  </p:par>
+                </p:childTnLst>
+              </p:cTn>
+              <p:prevCondLst>
+                <p:cond evt="onPrev" delay="0">
+                  <p:tgtEl>
+                    <p:sldTgt/>
+                  </p:tgtEl>
+                </p:cond>
+              </p:prevCondLst>
+              <p:nextCondLst>
+                <p:cond evt="onNext" delay="0">
+                  <p:tgtEl>
+                    <p:sldTgt/>
+                  </p:tgtEl>
+                </p:cond>
+              </p:nextCondLst>
+            </p:seq>
+          </p:childTnLst>
+        </p:cTn>
+      </p:par>
+    </p:tnLst>
+    <p:bldLst>
+      <p:bldP spid="5" grpId="0" uiExpand="1" build="p" bldLvl="2"/>
+      <p:bldP spid="6" grpId="0" uiExpand="1" animBg="1"/>
+    </p:bldLst>
+  </p:timing>
+</p:sld>
+</file>
+
+<file path=ppt/slides/slide41.xml><?xml version="1.0" encoding="utf-8"?>
+<p:sld xmlns:a="http://schemas.openxmlformats.org/drawingml/2006/main" xmlns:r="http://schemas.openxmlformats.org/officeDocument/2006/relationships" xmlns:p="http://schemas.openxmlformats.org/presentationml/2006/main">
+  <p:cSld>
+    <p:spTree>
+      <p:nvGrpSpPr>
+        <p:cNvPr id="1" name=""/>
+        <p:cNvGrpSpPr/>
+        <p:nvPr/>
+      </p:nvGrpSpPr>
+      <p:grpSpPr>
+        <a:xfrm>
+          <a:off x="0" y="0"/>
+          <a:ext cx="0" cy="0"/>
+          <a:chOff x="0" y="0"/>
+          <a:chExt cx="0" cy="0"/>
+        </a:xfrm>
+      </p:grpSpPr>
+      <p:sp>
+        <p:nvSpPr>
+          <p:cNvPr id="2" name="Title 1"/>
+          <p:cNvSpPr>
+            <a:spLocks noGrp="1"/>
+          </p:cNvSpPr>
+          <p:nvPr>
+            <p:ph type="title"/>
+          </p:nvPr>
+        </p:nvSpPr>
+        <p:spPr/>
+        <p:txBody>
+          <a:bodyPr/>
+          <a:lstStyle/>
+          <a:p>
+            <a:r>
+              <a:rPr lang="en-US" dirty="0" smtClean="0"/>
+              <a:t>Counting words in a string</a:t>
+            </a:r>
+            <a:endParaRPr lang="en-US" dirty="0"/>
+          </a:p>
+        </p:txBody>
+      </p:sp>
+      <p:sp>
+        <p:nvSpPr>
+          <p:cNvPr id="3" name="Content Placeholder 2"/>
+          <p:cNvSpPr>
+            <a:spLocks noGrp="1"/>
+          </p:cNvSpPr>
+          <p:nvPr>
+            <p:ph idx="1"/>
+          </p:nvPr>
+        </p:nvSpPr>
+        <p:spPr/>
+        <p:txBody>
+          <a:bodyPr/>
+          <a:lstStyle/>
+          <a:p>
+            <a:r>
+              <a:rPr lang="en-US" dirty="0" smtClean="0"/>
+              <a:t>Low-level API: input &amp; output</a:t>
+            </a:r>
+          </a:p>
+          <a:p>
+            <a:endParaRPr lang="en-US" dirty="0"/>
+          </a:p>
+        </p:txBody>
+      </p:sp>
+      <p:sp>
+        <p:nvSpPr>
+          <p:cNvPr id="4" name="TextBox 3"/>
+          <p:cNvSpPr txBox="1"/>
+          <p:nvPr/>
+        </p:nvSpPr>
+        <p:spPr>
+          <a:xfrm>
+            <a:off x="2351584" y="2204864"/>
+            <a:ext cx="7488832" cy="738664"/>
+          </a:xfrm>
+          <a:prstGeom prst="rect">
+            <a:avLst/>
+          </a:prstGeom>
+          <a:solidFill>
+            <a:schemeClr val="tx1"/>
+          </a:solidFill>
+          <a:ln>
+            <a:solidFill>
+              <a:schemeClr val="tx1"/>
+            </a:solidFill>
+          </a:ln>
+        </p:spPr>
+        <p:txBody>
+          <a:bodyPr wrap="square" rtlCol="0">
+            <a:spAutoFit/>
+          </a:bodyPr>
+          <a:lstStyle/>
+          <a:p>
+            <a:r>
+              <a:rPr lang="en-US" sz="1400" b="1" dirty="0">
+                <a:solidFill>
+                  <a:prstClr val="white"/>
+                </a:solidFill>
+                <a:latin typeface="Courier New" pitchFamily="49" charset="0"/>
+                <a:cs typeface="Courier New" pitchFamily="49" charset="0"/>
+              </a:rPr>
+              <a:t>$ </a:t>
+            </a:r>
+            <a:r>
+              <a:rPr lang="en-US" sz="1400" b="1" dirty="0" err="1">
+                <a:solidFill>
+                  <a:prstClr val="white"/>
+                </a:solidFill>
+                <a:latin typeface="Courier New" pitchFamily="49" charset="0"/>
+                <a:cs typeface="Courier New" pitchFamily="49" charset="0"/>
+              </a:rPr>
+              <a:t>wc</a:t>
+            </a:r>
+            <a:r>
+              <a:rPr lang="en-US" sz="1400" b="1" dirty="0">
+                <a:solidFill>
+                  <a:prstClr val="white"/>
+                </a:solidFill>
+                <a:latin typeface="Courier New" pitchFamily="49" charset="0"/>
+                <a:cs typeface="Courier New" pitchFamily="49" charset="0"/>
+              </a:rPr>
+              <a:t> -</a:t>
+            </a:r>
+          </a:p>
+          <a:p>
+            <a:r>
+              <a:rPr lang="en-US" sz="1400" b="1" dirty="0">
+                <a:solidFill>
+                  <a:prstClr val="white"/>
+                </a:solidFill>
+                <a:latin typeface="Courier New" pitchFamily="49" charset="0"/>
+                <a:cs typeface="Courier New" pitchFamily="49" charset="0"/>
+              </a:rPr>
+              <a:t>This is a single line.</a:t>
+            </a:r>
+          </a:p>
+          <a:p>
+            <a:r>
+              <a:rPr lang="en-US" sz="1400" b="1" dirty="0">
+                <a:solidFill>
+                  <a:prstClr val="white"/>
+                </a:solidFill>
+                <a:latin typeface="Courier New" pitchFamily="49" charset="0"/>
+                <a:cs typeface="Courier New" pitchFamily="49" charset="0"/>
+              </a:rPr>
+              <a:t>      1       5      23 -</a:t>
+            </a:r>
+          </a:p>
+        </p:txBody>
+      </p:sp>
+      <p:sp>
+        <p:nvSpPr>
+          <p:cNvPr id="5" name="TextBox 4"/>
+          <p:cNvSpPr txBox="1"/>
+          <p:nvPr/>
+        </p:nvSpPr>
+        <p:spPr>
+          <a:xfrm>
+            <a:off x="2351584" y="3194392"/>
+            <a:ext cx="7488832" cy="1600438"/>
+          </a:xfrm>
+          <a:prstGeom prst="rect">
+            <a:avLst/>
+          </a:prstGeom>
+          <a:solidFill>
+            <a:schemeClr val="bg1">
+              <a:lumMod val="85000"/>
+            </a:schemeClr>
+          </a:solidFill>
+        </p:spPr>
+        <p:txBody>
+          <a:bodyPr wrap="square" rtlCol="0">
+            <a:spAutoFit/>
+          </a:bodyPr>
+          <a:lstStyle/>
+          <a:p>
+            <a:r>
+              <a:rPr lang="en-US" sz="1400" dirty="0">
+                <a:solidFill>
+                  <a:prstClr val="black"/>
+                </a:solidFill>
+                <a:latin typeface="Courier New" pitchFamily="49" charset="0"/>
+                <a:cs typeface="Courier New" pitchFamily="49" charset="0"/>
+              </a:rPr>
+              <a:t>from </a:t>
+            </a:r>
+            <a:r>
+              <a:rPr lang="en-US" sz="1400" b="1" dirty="0" err="1">
+                <a:solidFill>
+                  <a:srgbClr val="FF0000"/>
+                </a:solidFill>
+                <a:latin typeface="Courier New" pitchFamily="49" charset="0"/>
+                <a:cs typeface="Courier New" pitchFamily="49" charset="0"/>
+              </a:rPr>
+              <a:t>subprocess</a:t>
+            </a:r>
+            <a:r>
+              <a:rPr lang="en-US" sz="1400" dirty="0">
+                <a:solidFill>
+                  <a:prstClr val="black"/>
+                </a:solidFill>
+                <a:latin typeface="Courier New" pitchFamily="49" charset="0"/>
+                <a:cs typeface="Courier New" pitchFamily="49" charset="0"/>
+              </a:rPr>
+              <a:t> import </a:t>
+            </a:r>
+            <a:r>
+              <a:rPr lang="en-US" sz="1400" b="1" dirty="0" err="1">
+                <a:solidFill>
+                  <a:srgbClr val="FF0000"/>
+                </a:solidFill>
+                <a:latin typeface="Courier New" pitchFamily="49" charset="0"/>
+                <a:cs typeface="Courier New" pitchFamily="49" charset="0"/>
+              </a:rPr>
+              <a:t>Popen</a:t>
+            </a:r>
+            <a:r>
+              <a:rPr lang="en-US" sz="1400" b="1" dirty="0">
+                <a:solidFill>
+                  <a:srgbClr val="FF0000"/>
+                </a:solidFill>
+                <a:latin typeface="Courier New" pitchFamily="49" charset="0"/>
+                <a:cs typeface="Courier New" pitchFamily="49" charset="0"/>
+              </a:rPr>
+              <a:t>, PIPE</a:t>
+            </a:r>
+          </a:p>
+          <a:p>
+            <a:r>
+              <a:rPr lang="en-US" sz="1400" dirty="0">
+                <a:solidFill>
+                  <a:prstClr val="black"/>
+                </a:solidFill>
+                <a:latin typeface="Courier New" pitchFamily="49" charset="0"/>
+                <a:cs typeface="Courier New" pitchFamily="49" charset="0"/>
+              </a:rPr>
+              <a:t>text = </a:t>
+            </a:r>
+            <a:r>
+              <a:rPr lang="en-BE" sz="1400" dirty="0">
+                <a:solidFill>
+                  <a:prstClr val="black"/>
+                </a:solidFill>
+                <a:latin typeface="Courier New" pitchFamily="49" charset="0"/>
+                <a:cs typeface="Courier New" pitchFamily="49" charset="0"/>
+              </a:rPr>
+              <a:t>bytes(</a:t>
+            </a:r>
+            <a:r>
+              <a:rPr lang="en-US" sz="1400" dirty="0">
+                <a:solidFill>
+                  <a:prstClr val="black"/>
+                </a:solidFill>
+                <a:latin typeface="Courier New" pitchFamily="49" charset="0"/>
+                <a:cs typeface="Courier New" pitchFamily="49" charset="0"/>
+              </a:rPr>
+              <a:t>'This is a single line.\n‘</a:t>
+            </a:r>
+            <a:r>
+              <a:rPr lang="en-BE" sz="1400" dirty="0">
+                <a:solidFill>
+                  <a:prstClr val="black"/>
+                </a:solidFill>
+                <a:latin typeface="Courier New" pitchFamily="49" charset="0"/>
+                <a:cs typeface="Courier New" pitchFamily="49" charset="0"/>
+              </a:rPr>
+              <a:t>, encoding=‘utf-8’)</a:t>
+            </a:r>
+            <a:endParaRPr lang="en-US" sz="1400" dirty="0">
+              <a:solidFill>
+                <a:prstClr val="black"/>
+              </a:solidFill>
+              <a:latin typeface="Courier New" pitchFamily="49" charset="0"/>
+              <a:cs typeface="Courier New" pitchFamily="49" charset="0"/>
+            </a:endParaRPr>
+          </a:p>
+          <a:p>
+            <a:r>
+              <a:rPr lang="en-US" sz="1400" b="1" dirty="0" err="1">
+                <a:solidFill>
+                  <a:prstClr val="black"/>
+                </a:solidFill>
+                <a:latin typeface="Courier New" pitchFamily="49" charset="0"/>
+                <a:cs typeface="Courier New" pitchFamily="49" charset="0"/>
+              </a:rPr>
+              <a:t>cmd</a:t>
+            </a:r>
+            <a:r>
+              <a:rPr lang="en-US" sz="1400" dirty="0">
+                <a:solidFill>
+                  <a:prstClr val="black"/>
+                </a:solidFill>
+                <a:latin typeface="Courier New" pitchFamily="49" charset="0"/>
+                <a:cs typeface="Courier New" pitchFamily="49" charset="0"/>
+              </a:rPr>
+              <a:t> = </a:t>
+            </a:r>
+            <a:r>
+              <a:rPr lang="en-US" sz="1400" b="1" dirty="0" err="1">
+                <a:solidFill>
+                  <a:srgbClr val="FF0000"/>
+                </a:solidFill>
+                <a:latin typeface="Courier New" pitchFamily="49" charset="0"/>
+                <a:cs typeface="Courier New" pitchFamily="49" charset="0"/>
+              </a:rPr>
+              <a:t>Popen</a:t>
+            </a:r>
+            <a:r>
+              <a:rPr lang="en-US" sz="1400" dirty="0">
+                <a:solidFill>
+                  <a:prstClr val="black"/>
+                </a:solidFill>
+                <a:latin typeface="Courier New" pitchFamily="49" charset="0"/>
+                <a:cs typeface="Courier New" pitchFamily="49" charset="0"/>
+              </a:rPr>
+              <a:t>(['</a:t>
+            </a:r>
+            <a:r>
+              <a:rPr lang="en-US" sz="1400" b="1" dirty="0" err="1">
+                <a:solidFill>
+                  <a:srgbClr val="0070C0"/>
+                </a:solidFill>
+                <a:latin typeface="Courier New" pitchFamily="49" charset="0"/>
+                <a:cs typeface="Courier New" pitchFamily="49" charset="0"/>
+              </a:rPr>
+              <a:t>wc</a:t>
+            </a:r>
+            <a:r>
+              <a:rPr lang="en-US" sz="1400" dirty="0">
+                <a:solidFill>
+                  <a:prstClr val="black"/>
+                </a:solidFill>
+                <a:latin typeface="Courier New" pitchFamily="49" charset="0"/>
+                <a:cs typeface="Courier New" pitchFamily="49" charset="0"/>
+              </a:rPr>
+              <a:t>', '</a:t>
+            </a:r>
+            <a:r>
+              <a:rPr lang="en-US" sz="1400" b="1" dirty="0">
+                <a:solidFill>
+                  <a:srgbClr val="7030A0"/>
+                </a:solidFill>
+                <a:latin typeface="Courier New" pitchFamily="49" charset="0"/>
+                <a:cs typeface="Courier New" pitchFamily="49" charset="0"/>
+              </a:rPr>
+              <a:t>-</a:t>
+            </a:r>
+            <a:r>
+              <a:rPr lang="en-US" sz="1400" dirty="0">
+                <a:solidFill>
+                  <a:prstClr val="black"/>
+                </a:solidFill>
+                <a:latin typeface="Courier New" pitchFamily="49" charset="0"/>
+                <a:cs typeface="Courier New" pitchFamily="49" charset="0"/>
+              </a:rPr>
+              <a:t>'], </a:t>
+            </a:r>
+            <a:r>
+              <a:rPr lang="en-US" sz="1400" b="1" dirty="0" err="1">
+                <a:solidFill>
+                  <a:srgbClr val="0070C0"/>
+                </a:solidFill>
+                <a:latin typeface="Courier New" pitchFamily="49" charset="0"/>
+                <a:cs typeface="Courier New" pitchFamily="49" charset="0"/>
+              </a:rPr>
+              <a:t>stdin</a:t>
+            </a:r>
+            <a:r>
+              <a:rPr lang="en-US" sz="1400" dirty="0">
+                <a:solidFill>
+                  <a:prstClr val="black"/>
+                </a:solidFill>
+                <a:latin typeface="Courier New" pitchFamily="49" charset="0"/>
+                <a:cs typeface="Courier New" pitchFamily="49" charset="0"/>
+              </a:rPr>
+              <a:t>=</a:t>
+            </a:r>
+            <a:r>
+              <a:rPr lang="en-US" sz="1400" b="1" dirty="0">
+                <a:solidFill>
+                  <a:srgbClr val="FF0000"/>
+                </a:solidFill>
+                <a:latin typeface="Courier New" pitchFamily="49" charset="0"/>
+                <a:cs typeface="Courier New" pitchFamily="49" charset="0"/>
+              </a:rPr>
+              <a:t>PIPE</a:t>
+            </a:r>
+            <a:r>
+              <a:rPr lang="en-US" sz="1400" dirty="0">
+                <a:solidFill>
+                  <a:prstClr val="black"/>
+                </a:solidFill>
+                <a:latin typeface="Courier New" pitchFamily="49" charset="0"/>
+                <a:cs typeface="Courier New" pitchFamily="49" charset="0"/>
+              </a:rPr>
+              <a:t>, </a:t>
+            </a:r>
+            <a:r>
+              <a:rPr lang="en-US" sz="1400" b="1" dirty="0" err="1">
+                <a:solidFill>
+                  <a:srgbClr val="0070C0"/>
+                </a:solidFill>
+                <a:latin typeface="Courier New" pitchFamily="49" charset="0"/>
+                <a:cs typeface="Courier New" pitchFamily="49" charset="0"/>
+              </a:rPr>
+              <a:t>stdout</a:t>
+            </a:r>
+            <a:r>
+              <a:rPr lang="en-US" sz="1400" dirty="0">
+                <a:solidFill>
+                  <a:prstClr val="black"/>
+                </a:solidFill>
+                <a:latin typeface="Courier New" pitchFamily="49" charset="0"/>
+                <a:cs typeface="Courier New" pitchFamily="49" charset="0"/>
+              </a:rPr>
+              <a:t>=</a:t>
+            </a:r>
+            <a:r>
+              <a:rPr lang="en-US" sz="1400" b="1" dirty="0">
+                <a:solidFill>
+                  <a:srgbClr val="FF0000"/>
+                </a:solidFill>
+                <a:latin typeface="Courier New" pitchFamily="49" charset="0"/>
+                <a:cs typeface="Courier New" pitchFamily="49" charset="0"/>
+              </a:rPr>
+              <a:t>PIPE</a:t>
+            </a:r>
+            <a:r>
+              <a:rPr lang="en-US" sz="1400" dirty="0">
+                <a:solidFill>
+                  <a:prstClr val="black"/>
+                </a:solidFill>
+                <a:latin typeface="Courier New" pitchFamily="49" charset="0"/>
+                <a:cs typeface="Courier New" pitchFamily="49" charset="0"/>
+              </a:rPr>
+              <a:t>)</a:t>
+            </a:r>
+          </a:p>
+          <a:p>
+            <a:r>
+              <a:rPr lang="en-US" sz="1400" b="1" dirty="0" err="1">
+                <a:solidFill>
+                  <a:prstClr val="black"/>
+                </a:solidFill>
+                <a:latin typeface="Courier New" pitchFamily="49" charset="0"/>
+                <a:cs typeface="Courier New" pitchFamily="49" charset="0"/>
+              </a:rPr>
+              <a:t>cmd</a:t>
+            </a:r>
+            <a:r>
+              <a:rPr lang="en-US" sz="1400" dirty="0" err="1">
+                <a:solidFill>
+                  <a:prstClr val="black"/>
+                </a:solidFill>
+                <a:latin typeface="Courier New" pitchFamily="49" charset="0"/>
+                <a:cs typeface="Courier New" pitchFamily="49" charset="0"/>
+              </a:rPr>
+              <a:t>.</a:t>
+            </a:r>
+            <a:r>
+              <a:rPr lang="en-US" sz="1400" b="1" dirty="0" err="1">
+                <a:solidFill>
+                  <a:srgbClr val="0070C0"/>
+                </a:solidFill>
+                <a:latin typeface="Courier New" pitchFamily="49" charset="0"/>
+                <a:cs typeface="Courier New" pitchFamily="49" charset="0"/>
+              </a:rPr>
+              <a:t>stdin</a:t>
+            </a:r>
+            <a:r>
+              <a:rPr lang="en-US" sz="1400" dirty="0" err="1">
+                <a:solidFill>
+                  <a:prstClr val="black"/>
+                </a:solidFill>
+                <a:latin typeface="Courier New" pitchFamily="49" charset="0"/>
+                <a:cs typeface="Courier New" pitchFamily="49" charset="0"/>
+              </a:rPr>
+              <a:t>.write</a:t>
+            </a:r>
+            <a:r>
+              <a:rPr lang="en-US" sz="1400" dirty="0">
+                <a:solidFill>
+                  <a:prstClr val="black"/>
+                </a:solidFill>
+                <a:latin typeface="Courier New" pitchFamily="49" charset="0"/>
+                <a:cs typeface="Courier New" pitchFamily="49" charset="0"/>
+              </a:rPr>
+              <a:t>(</a:t>
+            </a:r>
+            <a:r>
+              <a:rPr lang="en-US" sz="1400" dirty="0" err="1">
+                <a:solidFill>
+                  <a:prstClr val="black"/>
+                </a:solidFill>
+                <a:latin typeface="Courier New" pitchFamily="49" charset="0"/>
+                <a:cs typeface="Courier New" pitchFamily="49" charset="0"/>
+              </a:rPr>
+              <a:t>text_str</a:t>
+            </a:r>
+            <a:r>
+              <a:rPr lang="en-US" sz="1400" dirty="0">
+                <a:solidFill>
+                  <a:prstClr val="black"/>
+                </a:solidFill>
+                <a:latin typeface="Courier New" pitchFamily="49" charset="0"/>
+                <a:cs typeface="Courier New" pitchFamily="49" charset="0"/>
+              </a:rPr>
+              <a:t>)</a:t>
+            </a:r>
+          </a:p>
+          <a:p>
+            <a:r>
+              <a:rPr lang="en-US" sz="1400" b="1" dirty="0" err="1">
+                <a:solidFill>
+                  <a:prstClr val="black"/>
+                </a:solidFill>
+                <a:latin typeface="Courier New" pitchFamily="49" charset="0"/>
+                <a:cs typeface="Courier New" pitchFamily="49" charset="0"/>
+              </a:rPr>
+              <a:t>cmd</a:t>
+            </a:r>
+            <a:r>
+              <a:rPr lang="en-US" sz="1400" dirty="0" err="1">
+                <a:solidFill>
+                  <a:prstClr val="black"/>
+                </a:solidFill>
+                <a:latin typeface="Courier New" pitchFamily="49" charset="0"/>
+                <a:cs typeface="Courier New" pitchFamily="49" charset="0"/>
+              </a:rPr>
+              <a:t>.</a:t>
+            </a:r>
+            <a:r>
+              <a:rPr lang="en-US" sz="1400" b="1" dirty="0" err="1">
+                <a:solidFill>
+                  <a:srgbClr val="0070C0"/>
+                </a:solidFill>
+                <a:latin typeface="Courier New" pitchFamily="49" charset="0"/>
+                <a:cs typeface="Courier New" pitchFamily="49" charset="0"/>
+              </a:rPr>
+              <a:t>stdin</a:t>
+            </a:r>
+            <a:r>
+              <a:rPr lang="en-US" sz="1400" dirty="0" err="1">
+                <a:solidFill>
+                  <a:prstClr val="black"/>
+                </a:solidFill>
+                <a:latin typeface="Courier New" pitchFamily="49" charset="0"/>
+                <a:cs typeface="Courier New" pitchFamily="49" charset="0"/>
+              </a:rPr>
+              <a:t>.close</a:t>
+            </a:r>
+            <a:r>
+              <a:rPr lang="en-US" sz="1400" dirty="0">
+                <a:solidFill>
+                  <a:prstClr val="black"/>
+                </a:solidFill>
+                <a:latin typeface="Courier New" pitchFamily="49" charset="0"/>
+                <a:cs typeface="Courier New" pitchFamily="49" charset="0"/>
+              </a:rPr>
+              <a:t>()</a:t>
+            </a:r>
+          </a:p>
+          <a:p>
+            <a:r>
+              <a:rPr lang="en-US" sz="1400" dirty="0">
+                <a:solidFill>
+                  <a:prstClr val="black"/>
+                </a:solidFill>
+                <a:latin typeface="Courier New" pitchFamily="49" charset="0"/>
+                <a:cs typeface="Courier New" pitchFamily="49" charset="0"/>
+              </a:rPr>
+              <a:t>output = </a:t>
+            </a:r>
+            <a:r>
+              <a:rPr lang="en-US" sz="1400" b="1" dirty="0" err="1">
+                <a:solidFill>
+                  <a:prstClr val="black"/>
+                </a:solidFill>
+                <a:latin typeface="Courier New" pitchFamily="49" charset="0"/>
+                <a:cs typeface="Courier New" pitchFamily="49" charset="0"/>
+              </a:rPr>
+              <a:t>cmd</a:t>
+            </a:r>
+            <a:r>
+              <a:rPr lang="en-US" sz="1400" dirty="0" err="1">
+                <a:solidFill>
+                  <a:prstClr val="black"/>
+                </a:solidFill>
+                <a:latin typeface="Courier New" pitchFamily="49" charset="0"/>
+                <a:cs typeface="Courier New" pitchFamily="49" charset="0"/>
+              </a:rPr>
+              <a:t>.s</a:t>
+            </a:r>
+            <a:r>
+              <a:rPr lang="en-US" sz="1400" b="1" dirty="0" err="1">
+                <a:solidFill>
+                  <a:srgbClr val="0070C0"/>
+                </a:solidFill>
+                <a:latin typeface="Courier New" pitchFamily="49" charset="0"/>
+                <a:cs typeface="Courier New" pitchFamily="49" charset="0"/>
+              </a:rPr>
+              <a:t>tdout</a:t>
+            </a:r>
+            <a:r>
+              <a:rPr lang="en-US" sz="1400" dirty="0" err="1">
+                <a:solidFill>
+                  <a:prstClr val="black"/>
+                </a:solidFill>
+                <a:latin typeface="Courier New" pitchFamily="49" charset="0"/>
+                <a:cs typeface="Courier New" pitchFamily="49" charset="0"/>
+              </a:rPr>
+              <a:t>.readline</a:t>
+            </a:r>
+            <a:r>
+              <a:rPr lang="en-US" sz="1400" dirty="0">
+                <a:solidFill>
+                  <a:prstClr val="black"/>
+                </a:solidFill>
+                <a:latin typeface="Courier New" pitchFamily="49" charset="0"/>
+                <a:cs typeface="Courier New" pitchFamily="49" charset="0"/>
+              </a:rPr>
+              <a:t>()</a:t>
+            </a:r>
+            <a:r>
+              <a:rPr lang="en-BE" sz="1400" dirty="0">
+                <a:solidFill>
+                  <a:prstClr val="black"/>
+                </a:solidFill>
+                <a:latin typeface="Courier New" pitchFamily="49" charset="0"/>
+                <a:cs typeface="Courier New" pitchFamily="49" charset="0"/>
+              </a:rPr>
+              <a:t>.decode(encoding=‘utf-8’)</a:t>
+            </a:r>
+            <a:endParaRPr lang="en-US" sz="1400" dirty="0">
+              <a:solidFill>
+                <a:prstClr val="black"/>
+              </a:solidFill>
+              <a:latin typeface="Courier New" pitchFamily="49" charset="0"/>
+              <a:cs typeface="Courier New" pitchFamily="49" charset="0"/>
+            </a:endParaRPr>
+          </a:p>
+          <a:p>
+            <a:r>
+              <a:rPr lang="en-US" sz="1400" dirty="0">
+                <a:solidFill>
+                  <a:prstClr val="black"/>
+                </a:solidFill>
+                <a:latin typeface="Courier New" pitchFamily="49" charset="0"/>
+                <a:cs typeface="Courier New" pitchFamily="49" charset="0"/>
+              </a:rPr>
+              <a:t>lines, words, chars, _ = </a:t>
+            </a:r>
+            <a:r>
+              <a:rPr lang="en-US" sz="1400" dirty="0" err="1">
+                <a:solidFill>
+                  <a:prstClr val="black"/>
+                </a:solidFill>
+                <a:latin typeface="Courier New" pitchFamily="49" charset="0"/>
+                <a:cs typeface="Courier New" pitchFamily="49" charset="0"/>
+              </a:rPr>
+              <a:t>output.strip</a:t>
+            </a:r>
+            <a:r>
+              <a:rPr lang="en-US" sz="1400" dirty="0">
+                <a:solidFill>
+                  <a:prstClr val="black"/>
+                </a:solidFill>
+                <a:latin typeface="Courier New" pitchFamily="49" charset="0"/>
+                <a:cs typeface="Courier New" pitchFamily="49" charset="0"/>
+              </a:rPr>
+              <a:t>().split(' ')</a:t>
+            </a:r>
+          </a:p>
+        </p:txBody>
+      </p:sp>
+      <p:sp>
+        <p:nvSpPr>
+          <p:cNvPr id="6" name="TextBox 5"/>
+          <p:cNvSpPr txBox="1"/>
+          <p:nvPr/>
+        </p:nvSpPr>
+        <p:spPr>
+          <a:xfrm>
+            <a:off x="3299458" y="4977393"/>
+            <a:ext cx="6540958" cy="646331"/>
+          </a:xfrm>
+          <a:prstGeom prst="rect">
+            <a:avLst/>
+          </a:prstGeom>
+          <a:noFill/>
+          <a:ln>
+            <a:solidFill>
+              <a:schemeClr val="tx1"/>
+            </a:solidFill>
+          </a:ln>
+        </p:spPr>
+        <p:txBody>
+          <a:bodyPr wrap="none" rtlCol="0">
+            <a:spAutoFit/>
+          </a:bodyPr>
+          <a:lstStyle/>
+          <a:p>
+            <a:r>
+              <a:rPr lang="en-US" dirty="0" err="1">
+                <a:solidFill>
+                  <a:prstClr val="black"/>
+                </a:solidFill>
+                <a:latin typeface="Courier New" pitchFamily="49" charset="0"/>
+                <a:cs typeface="Courier New" pitchFamily="49" charset="0"/>
+              </a:rPr>
+              <a:t>Popen</a:t>
+            </a:r>
+            <a:r>
+              <a:rPr lang="en-US" dirty="0">
+                <a:solidFill>
+                  <a:prstClr val="black"/>
+                </a:solidFill>
+                <a:latin typeface="Courier New" pitchFamily="49" charset="0"/>
+                <a:cs typeface="Courier New" pitchFamily="49" charset="0"/>
+              </a:rPr>
+              <a:t>(…, </a:t>
+            </a:r>
+            <a:r>
+              <a:rPr lang="en-US" dirty="0" err="1">
+                <a:solidFill>
+                  <a:prstClr val="black"/>
+                </a:solidFill>
+                <a:latin typeface="Courier New" pitchFamily="49" charset="0"/>
+                <a:cs typeface="Courier New" pitchFamily="49" charset="0"/>
+              </a:rPr>
+              <a:t>stdin</a:t>
+            </a:r>
+            <a:r>
+              <a:rPr lang="en-US" dirty="0">
+                <a:solidFill>
+                  <a:prstClr val="black"/>
+                </a:solidFill>
+                <a:latin typeface="Courier New" pitchFamily="49" charset="0"/>
+                <a:cs typeface="Courier New" pitchFamily="49" charset="0"/>
+              </a:rPr>
+              <a:t>=PIPE, </a:t>
+            </a:r>
+            <a:r>
+              <a:rPr lang="en-US" dirty="0" err="1">
+                <a:solidFill>
+                  <a:prstClr val="black"/>
+                </a:solidFill>
+                <a:latin typeface="Courier New" pitchFamily="49" charset="0"/>
+                <a:cs typeface="Courier New" pitchFamily="49" charset="0"/>
+              </a:rPr>
+              <a:t>stdout</a:t>
+            </a:r>
+            <a:r>
+              <a:rPr lang="en-US" dirty="0">
+                <a:solidFill>
+                  <a:prstClr val="black"/>
+                </a:solidFill>
+                <a:latin typeface="Courier New" pitchFamily="49" charset="0"/>
+                <a:cs typeface="Courier New" pitchFamily="49" charset="0"/>
+              </a:rPr>
+              <a:t>=PIPE)</a:t>
+            </a:r>
+            <a:r>
+              <a:rPr lang="en-US" dirty="0">
+                <a:solidFill>
+                  <a:prstClr val="black"/>
+                </a:solidFill>
+                <a:latin typeface="Calibri"/>
+              </a:rPr>
+              <a:t> creates file objects</a:t>
+            </a:r>
+            <a:br>
+              <a:rPr lang="en-US" dirty="0">
+                <a:solidFill>
+                  <a:prstClr val="black"/>
+                </a:solidFill>
+                <a:latin typeface="Calibri"/>
+              </a:rPr>
+            </a:br>
+            <a:r>
+              <a:rPr lang="en-US" dirty="0" err="1">
+                <a:solidFill>
+                  <a:prstClr val="black"/>
+                </a:solidFill>
+                <a:latin typeface="Courier New" pitchFamily="49" charset="0"/>
+                <a:cs typeface="Courier New" pitchFamily="49" charset="0"/>
+              </a:rPr>
+              <a:t>stdin</a:t>
+            </a:r>
+            <a:r>
+              <a:rPr lang="en-US" dirty="0">
+                <a:solidFill>
+                  <a:prstClr val="black"/>
+                </a:solidFill>
+                <a:latin typeface="Calibri"/>
+              </a:rPr>
+              <a:t>/</a:t>
+            </a:r>
+            <a:r>
+              <a:rPr lang="en-US" dirty="0" err="1">
+                <a:solidFill>
+                  <a:prstClr val="black"/>
+                </a:solidFill>
+                <a:latin typeface="Courier New" pitchFamily="49" charset="0"/>
+                <a:cs typeface="Courier New" pitchFamily="49" charset="0"/>
+              </a:rPr>
+              <a:t>stdout</a:t>
+            </a:r>
+            <a:r>
+              <a:rPr lang="en-US" dirty="0">
+                <a:solidFill>
+                  <a:prstClr val="black"/>
+                </a:solidFill>
+                <a:latin typeface="Calibri"/>
+              </a:rPr>
+              <a:t> for writing/reading, analogous to pipes in Unix</a:t>
+            </a:r>
+          </a:p>
+        </p:txBody>
+      </p:sp>
+      <p:grpSp>
+        <p:nvGrpSpPr>
+          <p:cNvPr id="11" name="Group 10"/>
+          <p:cNvGrpSpPr/>
+          <p:nvPr/>
+        </p:nvGrpSpPr>
+        <p:grpSpPr>
+          <a:xfrm>
+            <a:off x="4367808" y="3646766"/>
+            <a:ext cx="5666734" cy="646331"/>
+            <a:chOff x="2843808" y="3646765"/>
+            <a:chExt cx="5666734" cy="646331"/>
+          </a:xfrm>
+        </p:grpSpPr>
+        <p:sp>
+          <p:nvSpPr>
+            <p:cNvPr id="7" name="TextBox 6"/>
+            <p:cNvSpPr txBox="1"/>
+            <p:nvPr/>
+          </p:nvSpPr>
+          <p:spPr>
+            <a:xfrm>
+              <a:off x="6372200" y="3646765"/>
+              <a:ext cx="2138342" cy="646331"/>
+            </a:xfrm>
+            <a:prstGeom prst="rect">
+              <a:avLst/>
+            </a:prstGeom>
+            <a:solidFill>
+              <a:schemeClr val="bg1"/>
+            </a:solidFill>
+            <a:ln>
+              <a:solidFill>
+                <a:schemeClr val="tx1"/>
+              </a:solidFill>
+            </a:ln>
+          </p:spPr>
+          <p:txBody>
+            <a:bodyPr wrap="none" rtlCol="0">
+              <a:spAutoFit/>
+            </a:bodyPr>
+            <a:lstStyle/>
+            <a:p>
+              <a:pPr algn="ctr"/>
+              <a:r>
+                <a:rPr lang="en-US" dirty="0">
+                  <a:solidFill>
+                    <a:prstClr val="black"/>
+                  </a:solidFill>
+                  <a:latin typeface="Calibri"/>
+                </a:rPr>
+                <a:t>Make sure </a:t>
+              </a:r>
+              <a:r>
+                <a:rPr lang="en-US" dirty="0" err="1">
+                  <a:solidFill>
+                    <a:prstClr val="black"/>
+                  </a:solidFill>
+                  <a:latin typeface="Courier New" pitchFamily="49" charset="0"/>
+                  <a:cs typeface="Courier New" pitchFamily="49" charset="0"/>
+                </a:rPr>
+                <a:t>wc</a:t>
+              </a:r>
+              <a:r>
+                <a:rPr lang="en-US" dirty="0">
+                  <a:solidFill>
+                    <a:prstClr val="black"/>
+                  </a:solidFill>
+                  <a:latin typeface="Calibri"/>
+                </a:rPr>
+                <a:t> </a:t>
+              </a:r>
+              <a:r>
+                <a:rPr lang="en-US" i="1" dirty="0">
+                  <a:solidFill>
+                    <a:prstClr val="black"/>
+                  </a:solidFill>
+                  <a:latin typeface="Calibri"/>
+                </a:rPr>
+                <a:t>knows</a:t>
+              </a:r>
+              <a:r>
+                <a:rPr lang="en-US" dirty="0">
+                  <a:solidFill>
+                    <a:prstClr val="black"/>
+                  </a:solidFill>
+                  <a:latin typeface="Calibri"/>
+                </a:rPr>
+                <a:t/>
+              </a:r>
+              <a:br>
+                <a:rPr lang="en-US" dirty="0">
+                  <a:solidFill>
+                    <a:prstClr val="black"/>
+                  </a:solidFill>
+                  <a:latin typeface="Calibri"/>
+                </a:rPr>
+              </a:br>
+              <a:r>
+                <a:rPr lang="en-US" dirty="0">
+                  <a:solidFill>
+                    <a:prstClr val="black"/>
+                  </a:solidFill>
+                  <a:latin typeface="Calibri"/>
+                </a:rPr>
+                <a:t>it received all data!!!</a:t>
+              </a:r>
+            </a:p>
+          </p:txBody>
+        </p:sp>
+        <p:cxnSp>
+          <p:nvCxnSpPr>
+            <p:cNvPr id="9" name="Straight Arrow Connector 8"/>
+            <p:cNvCxnSpPr>
+              <a:stCxn id="7" idx="1"/>
+            </p:cNvCxnSpPr>
+            <p:nvPr/>
+          </p:nvCxnSpPr>
+          <p:spPr>
+            <a:xfrm flipH="1">
+              <a:off x="2843808" y="3969931"/>
+              <a:ext cx="3528392" cy="251157"/>
+            </a:xfrm>
+            <a:prstGeom prst="straightConnector1">
+              <a:avLst/>
+            </a:prstGeom>
+            <a:ln w="19050">
+              <a:solidFill>
+                <a:schemeClr val="tx1"/>
+              </a:solidFill>
+              <a:tailEnd type="stealth" w="lg" len="lg"/>
+            </a:ln>
+          </p:spPr>
+          <p:style>
+            <a:lnRef idx="1">
+              <a:schemeClr val="accent1"/>
+            </a:lnRef>
+            <a:fillRef idx="0">
+              <a:schemeClr val="accent1"/>
+            </a:fillRef>
+            <a:effectRef idx="0">
+              <a:schemeClr val="accent1"/>
+            </a:effectRef>
+            <a:fontRef idx="minor">
+              <a:schemeClr val="tx1"/>
+            </a:fontRef>
+          </p:style>
+        </p:cxnSp>
+      </p:grpSp>
+      <p:sp>
+        <p:nvSpPr>
+          <p:cNvPr id="8" name="Slide Number Placeholder 7"/>
+          <p:cNvSpPr>
+            <a:spLocks noGrp="1"/>
+          </p:cNvSpPr>
+          <p:nvPr>
+            <p:ph type="sldNum" sz="quarter" idx="12"/>
+          </p:nvPr>
+        </p:nvSpPr>
+        <p:spPr/>
+        <p:txBody>
+          <a:bodyPr/>
+          <a:lstStyle/>
+          <a:p>
+            <a:fld id="{5A209D72-2E9D-49B0-8977-41DCCC66C0BB}" type="slidenum">
+              <a:rPr lang="nl-BE">
+                <a:solidFill>
+                  <a:prstClr val="black">
+                    <a:tint val="75000"/>
+                  </a:prstClr>
+                </a:solidFill>
+                <a:latin typeface="Calibri"/>
+              </a:rPr>
+              <a:pPr/>
+              <a:t>41</a:t>
+            </a:fld>
+            <a:endParaRPr lang="nl-BE">
+              <a:solidFill>
+                <a:prstClr val="black">
+                  <a:tint val="75000"/>
+                </a:prstClr>
+              </a:solidFill>
+              <a:latin typeface="Calibri"/>
+            </a:endParaRPr>
+          </a:p>
+        </p:txBody>
+      </p:sp>
+      <p:sp>
+        <p:nvSpPr>
+          <p:cNvPr id="12" name="TextBox 11"/>
+          <p:cNvSpPr txBox="1"/>
+          <p:nvPr/>
+        </p:nvSpPr>
+        <p:spPr>
+          <a:xfrm>
+            <a:off x="2351585" y="5895331"/>
+            <a:ext cx="6786025" cy="461665"/>
+          </a:xfrm>
+          <a:prstGeom prst="rect">
+            <a:avLst/>
+          </a:prstGeom>
+          <a:noFill/>
+          <a:ln>
+            <a:solidFill>
+              <a:schemeClr val="tx1"/>
+            </a:solidFill>
+          </a:ln>
+        </p:spPr>
+        <p:txBody>
+          <a:bodyPr wrap="none" rtlCol="0">
+            <a:spAutoFit/>
+          </a:bodyPr>
+          <a:lstStyle/>
+          <a:p>
+            <a:r>
+              <a:rPr lang="en-BE" sz="2400" dirty="0">
+                <a:solidFill>
+                  <a:prstClr val="black"/>
+                </a:solidFill>
+                <a:latin typeface="Calibri"/>
+                <a:cs typeface="Courier New" pitchFamily="49" charset="0"/>
+              </a:rPr>
+              <a:t>Remember,</a:t>
+            </a:r>
+            <a:r>
+              <a:rPr lang="en-US" sz="2400" dirty="0">
+                <a:solidFill>
+                  <a:prstClr val="black"/>
+                </a:solidFill>
+                <a:latin typeface="Calibri"/>
+                <a:cs typeface="Courier New" pitchFamily="49" charset="0"/>
+              </a:rPr>
+              <a:t> </a:t>
+            </a:r>
+            <a:r>
+              <a:rPr lang="en-US" sz="2400" dirty="0" err="1">
+                <a:solidFill>
+                  <a:prstClr val="black"/>
+                </a:solidFill>
+                <a:latin typeface="Courier New" pitchFamily="49" charset="0"/>
+                <a:cs typeface="Courier New" pitchFamily="49" charset="0"/>
+              </a:rPr>
+              <a:t>stdin</a:t>
+            </a:r>
+            <a:r>
+              <a:rPr lang="en-BE" sz="2400" dirty="0">
+                <a:solidFill>
+                  <a:prstClr val="black"/>
+                </a:solidFill>
+                <a:latin typeface="Courier New" pitchFamily="49" charset="0"/>
+                <a:cs typeface="Courier New" pitchFamily="49" charset="0"/>
+              </a:rPr>
+              <a:t>/stdout/stderr</a:t>
+            </a:r>
+            <a:r>
+              <a:rPr lang="en-US" sz="2400" dirty="0">
+                <a:solidFill>
+                  <a:prstClr val="black"/>
+                </a:solidFill>
+                <a:latin typeface="Calibri"/>
+              </a:rPr>
+              <a:t> </a:t>
+            </a:r>
+            <a:r>
+              <a:rPr lang="en-BE" sz="2400" dirty="0">
+                <a:solidFill>
+                  <a:prstClr val="black"/>
+                </a:solidFill>
+                <a:latin typeface="Calibri"/>
+              </a:rPr>
+              <a:t>use </a:t>
+            </a:r>
+            <a:r>
+              <a:rPr lang="en-BE" sz="2400" dirty="0">
+                <a:solidFill>
+                  <a:prstClr val="black"/>
+                </a:solidFill>
+                <a:latin typeface="Courier New" panose="02070309020205020404" pitchFamily="49" charset="0"/>
+                <a:cs typeface="Courier New" panose="02070309020205020404" pitchFamily="49" charset="0"/>
+              </a:rPr>
+              <a:t>bytes</a:t>
+            </a:r>
+            <a:r>
+              <a:rPr lang="en-BE" sz="2400" dirty="0">
+                <a:solidFill>
+                  <a:prstClr val="black"/>
+                </a:solidFill>
+                <a:latin typeface="Calibri"/>
+              </a:rPr>
+              <a:t>!</a:t>
+            </a:r>
+            <a:endParaRPr lang="en-US" sz="2400" dirty="0">
+              <a:solidFill>
+                <a:prstClr val="black"/>
+              </a:solidFill>
+              <a:latin typeface="Calibri"/>
+            </a:endParaRPr>
+          </a:p>
+        </p:txBody>
+      </p:sp>
+    </p:spTree>
+    <p:extLst>
+      <p:ext uri="{BB962C8B-B14F-4D97-AF65-F5344CB8AC3E}">
+        <p14:creationId xmlns:p14="http://schemas.microsoft.com/office/powerpoint/2010/main" val="3239543213"/>
+      </p:ext>
+    </p:extLst>
+  </p:cSld>
+  <p:clrMapOvr>
+    <a:masterClrMapping/>
+  </p:clrMapOvr>
+  <p:timing>
+    <p:tnLst>
+      <p:par>
+        <p:cTn id="1" dur="indefinite" restart="never" nodeType="tmRoot">
+          <p:childTnLst>
+            <p:seq concurrent="1" nextAc="seek">
+              <p:cTn id="2" dur="indefinite" nodeType="mainSeq">
+                <p:childTnLst>
+                  <p:par>
+                    <p:cTn id="3" fill="hold">
+                      <p:stCondLst>
+                        <p:cond delay="indefinite"/>
+                      </p:stCondLst>
+                      <p:childTnLst>
+                        <p:par>
+                          <p:cTn id="4" fill="hold">
+                            <p:stCondLst>
+                              <p:cond delay="0"/>
+                            </p:stCondLst>
+                            <p:childTnLst>
+                              <p:par>
+                                <p:cTn id="5" presetID="1" presetClass="entr" presetSubtype="0" fill="hold" grpId="0" nodeType="clickEffect">
+                                  <p:stCondLst>
+                                    <p:cond delay="0"/>
+                                  </p:stCondLst>
+                                  <p:childTnLst>
+                                    <p:set>
+                                      <p:cBhvr>
+                                        <p:cTn id="6" dur="1" fill="hold">
+                                          <p:stCondLst>
+                                            <p:cond delay="0"/>
+                                          </p:stCondLst>
+                                        </p:cTn>
+                                        <p:tgtEl>
+                                          <p:spTgt spid="5"/>
+                                        </p:tgtEl>
+                                        <p:attrNameLst>
+                                          <p:attrName>style.visibility</p:attrName>
+                                        </p:attrNameLst>
+                                      </p:cBhvr>
+                                      <p:to>
+                                        <p:strVal val="visible"/>
+                                      </p:to>
+                                    </p:set>
+                                  </p:childTnLst>
+                                </p:cTn>
+                              </p:par>
+                            </p:childTnLst>
+                          </p:cTn>
+                        </p:par>
+                      </p:childTnLst>
+                    </p:cTn>
+                  </p:par>
+                  <p:par>
+                    <p:cTn id="7" fill="hold">
+                      <p:stCondLst>
+                        <p:cond delay="indefinite"/>
+                      </p:stCondLst>
+                      <p:childTnLst>
+                        <p:par>
+                          <p:cTn id="8" fill="hold">
+                            <p:stCondLst>
+                              <p:cond delay="0"/>
+                            </p:stCondLst>
+                            <p:childTnLst>
+                              <p:par>
+                                <p:cTn id="9" presetID="1" presetClass="entr" presetSubtype="0" fill="hold" grpId="0" nodeType="clickEffect">
+                                  <p:stCondLst>
+                                    <p:cond delay="0"/>
+                                  </p:stCondLst>
+                                  <p:childTnLst>
+                                    <p:set>
+                                      <p:cBhvr>
+                                        <p:cTn id="10" dur="1" fill="hold">
+                                          <p:stCondLst>
+                                            <p:cond delay="0"/>
+                                          </p:stCondLst>
+                                        </p:cTn>
+                                        <p:tgtEl>
+                                          <p:spTgt spid="6"/>
+                                        </p:tgtEl>
+                                        <p:attrNameLst>
+                                          <p:attrName>style.visibility</p:attrName>
+                                        </p:attrNameLst>
+                                      </p:cBhvr>
+                                      <p:to>
+                                        <p:strVal val="visible"/>
+                                      </p:to>
+                                    </p:set>
+                                  </p:childTnLst>
+                                </p:cTn>
+                              </p:par>
+                            </p:childTnLst>
+                          </p:cTn>
+                        </p:par>
+                      </p:childTnLst>
+                    </p:cTn>
+                  </p:par>
+                  <p:par>
+                    <p:cTn id="11" fill="hold">
+                      <p:stCondLst>
+                        <p:cond delay="indefinite"/>
+                      </p:stCondLst>
+                      <p:childTnLst>
+                        <p:par>
+                          <p:cTn id="12" fill="hold">
+                            <p:stCondLst>
+                              <p:cond delay="0"/>
+                            </p:stCondLst>
+                            <p:childTnLst>
+                              <p:par>
+                                <p:cTn id="13" presetID="1" presetClass="entr" presetSubtype="0" fill="hold" nodeType="clickEffect">
+                                  <p:stCondLst>
+                                    <p:cond delay="0"/>
+                                  </p:stCondLst>
+                                  <p:childTnLst>
+                                    <p:set>
+                                      <p:cBhvr>
+                                        <p:cTn id="14" dur="1" fill="hold">
+                                          <p:stCondLst>
+                                            <p:cond delay="0"/>
+                                          </p:stCondLst>
+                                        </p:cTn>
+                                        <p:tgtEl>
+                                          <p:spTgt spid="11"/>
+                                        </p:tgtEl>
+                                        <p:attrNameLst>
+                                          <p:attrName>style.visibility</p:attrName>
+                                        </p:attrNameLst>
+                                      </p:cBhvr>
+                                      <p:to>
+                                        <p:strVal val="visible"/>
+                                      </p:to>
+                                    </p:set>
+                                  </p:childTnLst>
+                                </p:cTn>
+                              </p:par>
+                            </p:childTnLst>
+                          </p:cTn>
+                        </p:par>
+                      </p:childTnLst>
+                    </p:cTn>
+                  </p:par>
+                  <p:par>
+                    <p:cTn id="15" fill="hold">
+                      <p:stCondLst>
+                        <p:cond delay="indefinite"/>
+                      </p:stCondLst>
+                      <p:childTnLst>
+                        <p:par>
+                          <p:cTn id="16" fill="hold">
+                            <p:stCondLst>
+                              <p:cond delay="0"/>
+                            </p:stCondLst>
+                            <p:childTnLst>
+                              <p:par>
+                                <p:cTn id="17" presetID="1" presetClass="entr" presetSubtype="0" fill="hold" grpId="0" nodeType="clickEffect">
+                                  <p:stCondLst>
+                                    <p:cond delay="0"/>
+                                  </p:stCondLst>
+                                  <p:childTnLst>
+                                    <p:set>
+                                      <p:cBhvr>
+                                        <p:cTn id="18" dur="1" fill="hold">
+                                          <p:stCondLst>
+                                            <p:cond delay="0"/>
+                                          </p:stCondLst>
+                                        </p:cTn>
+                                        <p:tgtEl>
+                                          <p:spTgt spid="12"/>
+                                        </p:tgtEl>
+                                        <p:attrNameLst>
+                                          <p:attrName>style.visibility</p:attrName>
+                                        </p:attrNameLst>
+                                      </p:cBhvr>
+                                      <p:to>
+                                        <p:strVal val="visible"/>
+                                      </p:to>
+                                    </p:set>
+                                  </p:childTnLst>
+                                </p:cTn>
+                              </p:par>
+                            </p:childTnLst>
+                          </p:cTn>
+                        </p:par>
+                      </p:childTnLst>
+                    </p:cTn>
+                  </p:par>
+                </p:childTnLst>
+              </p:cTn>
+              <p:prevCondLst>
+                <p:cond evt="onPrev" delay="0">
+                  <p:tgtEl>
+                    <p:sldTgt/>
+                  </p:tgtEl>
+                </p:cond>
+              </p:prevCondLst>
+              <p:nextCondLst>
+                <p:cond evt="onNext" delay="0">
+                  <p:tgtEl>
+                    <p:sldTgt/>
+                  </p:tgtEl>
+                </p:cond>
+              </p:nextCondLst>
+            </p:seq>
+          </p:childTnLst>
+        </p:cTn>
+      </p:par>
+    </p:tnLst>
+    <p:bldLst>
+      <p:bldP spid="5" grpId="0" animBg="1"/>
+      <p:bldP spid="6" grpId="0" animBg="1"/>
+      <p:bldP spid="12" grpId="0" animBg="1"/>
+    </p:bldLst>
+  </p:timing>
+</p:sld>
+</file>
+
 <file path=ppt/slides/slide5.xml><?xml version="1.0" encoding="utf-8"?>
 <p:sld xmlns:a="http://schemas.openxmlformats.org/drawingml/2006/main" xmlns:r="http://schemas.openxmlformats.org/officeDocument/2006/relationships" xmlns:p="http://schemas.openxmlformats.org/presentationml/2006/main">
   <p:cSld>
@@ -26819,9 +31082,7 @@
             <a:avLst/>
           </a:prstGeom>
           <a:solidFill>
-            <a:schemeClr val="bg1">
-              <a:lumMod val="85000"/>
-            </a:schemeClr>
+            <a:srgbClr val="CCFF66"/>
           </a:solidFill>
         </p:spPr>
         <p:txBody>

--- a/python_for_systems_programming.pptx
+++ b/python_for_systems_programming.pptx
@@ -264,10 +264,9 @@
           </a:lstStyle>
           <a:p>
             <a:r>
-              <a:rPr lang="en-US" smtClean="0"/>
+              <a:rPr lang="en-US"/>
               <a:t>Click to edit Master title style</a:t>
             </a:r>
-            <a:endParaRPr lang="en-US"/>
           </a:p>
         </p:txBody>
       </p:sp>
@@ -329,10 +328,9 @@
           </a:lstStyle>
           <a:p>
             <a:r>
-              <a:rPr lang="en-US" smtClean="0"/>
+              <a:rPr lang="en-US"/>
               <a:t>Click to edit Master subtitle style</a:t>
             </a:r>
-            <a:endParaRPr lang="en-US"/>
           </a:p>
         </p:txBody>
       </p:sp>
@@ -353,7 +351,7 @@
           <a:p>
             <a:fld id="{9B61669F-67CC-4684-B4EC-0CD896AF340A}" type="datetimeFigureOut">
               <a:rPr lang="en-US" smtClean="0"/>
-              <a:t>2019-11-26</a:t>
+              <a:t>2019-12-03</a:t>
             </a:fld>
             <a:endParaRPr lang="en-US"/>
           </a:p>
@@ -447,10 +445,9 @@
           <a:lstStyle/>
           <a:p>
             <a:r>
-              <a:rPr lang="en-US" smtClean="0"/>
+              <a:rPr lang="en-US"/>
               <a:t>Click to edit Master title style</a:t>
             </a:r>
-            <a:endParaRPr lang="en-US"/>
           </a:p>
         </p:txBody>
       </p:sp>
@@ -471,38 +468,37 @@
           <a:p>
             <a:pPr lvl="0"/>
             <a:r>
-              <a:rPr lang="en-US" smtClean="0"/>
+              <a:rPr lang="en-US"/>
               <a:t>Edit Master text styles</a:t>
             </a:r>
           </a:p>
           <a:p>
             <a:pPr lvl="1"/>
             <a:r>
-              <a:rPr lang="en-US" smtClean="0"/>
+              <a:rPr lang="en-US"/>
               <a:t>Second level</a:t>
             </a:r>
           </a:p>
           <a:p>
             <a:pPr lvl="2"/>
             <a:r>
-              <a:rPr lang="en-US" smtClean="0"/>
+              <a:rPr lang="en-US"/>
               <a:t>Third level</a:t>
             </a:r>
           </a:p>
           <a:p>
             <a:pPr lvl="3"/>
             <a:r>
-              <a:rPr lang="en-US" smtClean="0"/>
+              <a:rPr lang="en-US"/>
               <a:t>Fourth level</a:t>
             </a:r>
           </a:p>
           <a:p>
             <a:pPr lvl="4"/>
             <a:r>
-              <a:rPr lang="en-US" smtClean="0"/>
+              <a:rPr lang="en-US"/>
               <a:t>Fifth level</a:t>
             </a:r>
-            <a:endParaRPr lang="en-US"/>
           </a:p>
         </p:txBody>
       </p:sp>
@@ -523,7 +519,7 @@
           <a:p>
             <a:fld id="{9B61669F-67CC-4684-B4EC-0CD896AF340A}" type="datetimeFigureOut">
               <a:rPr lang="en-US" smtClean="0"/>
-              <a:t>2019-11-26</a:t>
+              <a:t>2019-12-03</a:t>
             </a:fld>
             <a:endParaRPr lang="en-US"/>
           </a:p>
@@ -622,10 +618,9 @@
           <a:lstStyle/>
           <a:p>
             <a:r>
-              <a:rPr lang="en-US" smtClean="0"/>
+              <a:rPr lang="en-US"/>
               <a:t>Click to edit Master title style</a:t>
             </a:r>
-            <a:endParaRPr lang="en-US"/>
           </a:p>
         </p:txBody>
       </p:sp>
@@ -651,38 +646,37 @@
           <a:p>
             <a:pPr lvl="0"/>
             <a:r>
-              <a:rPr lang="en-US" smtClean="0"/>
+              <a:rPr lang="en-US"/>
               <a:t>Edit Master text styles</a:t>
             </a:r>
           </a:p>
           <a:p>
             <a:pPr lvl="1"/>
             <a:r>
-              <a:rPr lang="en-US" smtClean="0"/>
+              <a:rPr lang="en-US"/>
               <a:t>Second level</a:t>
             </a:r>
           </a:p>
           <a:p>
             <a:pPr lvl="2"/>
             <a:r>
-              <a:rPr lang="en-US" smtClean="0"/>
+              <a:rPr lang="en-US"/>
               <a:t>Third level</a:t>
             </a:r>
           </a:p>
           <a:p>
             <a:pPr lvl="3"/>
             <a:r>
-              <a:rPr lang="en-US" smtClean="0"/>
+              <a:rPr lang="en-US"/>
               <a:t>Fourth level</a:t>
             </a:r>
           </a:p>
           <a:p>
             <a:pPr lvl="4"/>
             <a:r>
-              <a:rPr lang="en-US" smtClean="0"/>
+              <a:rPr lang="en-US"/>
               <a:t>Fifth level</a:t>
             </a:r>
-            <a:endParaRPr lang="en-US"/>
           </a:p>
         </p:txBody>
       </p:sp>
@@ -703,7 +697,7 @@
           <a:p>
             <a:fld id="{9B61669F-67CC-4684-B4EC-0CD896AF340A}" type="datetimeFigureOut">
               <a:rPr lang="en-US" smtClean="0"/>
-              <a:t>2019-11-26</a:t>
+              <a:t>2019-12-03</a:t>
             </a:fld>
             <a:endParaRPr lang="en-US"/>
           </a:p>
@@ -802,7 +796,7 @@
           <a:lstStyle/>
           <a:p>
             <a:r>
-              <a:rPr lang="en-US" smtClean="0"/>
+              <a:rPr lang="en-US"/>
               <a:t>Click to edit Master title style</a:t>
             </a:r>
             <a:endParaRPr lang="nl-BE"/>
@@ -921,7 +915,7 @@
           </a:lstStyle>
           <a:p>
             <a:r>
-              <a:rPr lang="en-US" smtClean="0"/>
+              <a:rPr lang="en-US"/>
               <a:t>Click to edit Master subtitle style</a:t>
             </a:r>
             <a:endParaRPr lang="nl-BE"/>
@@ -945,7 +939,7 @@
           <a:p>
             <a:fld id="{AA89080B-4260-48D4-BEBC-624AE09ECE83}" type="datetime1">
               <a:rPr lang="nl-BE" smtClean="0"/>
-              <a:t>26/11/2019</a:t>
+              <a:t>3/12/2019</a:t>
             </a:fld>
             <a:endParaRPr lang="nl-BE"/>
           </a:p>
@@ -1039,7 +1033,7 @@
           <a:lstStyle/>
           <a:p>
             <a:r>
-              <a:rPr lang="en-US" smtClean="0"/>
+              <a:rPr lang="en-US"/>
               <a:t>Click to edit Master title style</a:t>
             </a:r>
             <a:endParaRPr lang="nl-BE"/>
@@ -1063,35 +1057,35 @@
           <a:p>
             <a:pPr lvl="0"/>
             <a:r>
-              <a:rPr lang="en-US" smtClean="0"/>
+              <a:rPr lang="en-US"/>
               <a:t>Click to edit Master text styles</a:t>
             </a:r>
           </a:p>
           <a:p>
             <a:pPr lvl="1"/>
             <a:r>
-              <a:rPr lang="en-US" smtClean="0"/>
+              <a:rPr lang="en-US"/>
               <a:t>Second level</a:t>
             </a:r>
           </a:p>
           <a:p>
             <a:pPr lvl="2"/>
             <a:r>
-              <a:rPr lang="en-US" smtClean="0"/>
+              <a:rPr lang="en-US"/>
               <a:t>Third level</a:t>
             </a:r>
           </a:p>
           <a:p>
             <a:pPr lvl="3"/>
             <a:r>
-              <a:rPr lang="en-US" smtClean="0"/>
+              <a:rPr lang="en-US"/>
               <a:t>Fourth level</a:t>
             </a:r>
           </a:p>
           <a:p>
             <a:pPr lvl="4"/>
             <a:r>
-              <a:rPr lang="en-US" smtClean="0"/>
+              <a:rPr lang="en-US"/>
               <a:t>Fifth level</a:t>
             </a:r>
             <a:endParaRPr lang="nl-BE"/>
@@ -1115,7 +1109,7 @@
           <a:p>
             <a:fld id="{EC448E59-F64F-416B-85C7-F58EA54BAF31}" type="datetime1">
               <a:rPr lang="nl-BE" smtClean="0"/>
-              <a:t>26/11/2019</a:t>
+              <a:t>3/12/2019</a:t>
             </a:fld>
             <a:endParaRPr lang="nl-BE"/>
           </a:p>
@@ -1218,7 +1212,7 @@
           </a:lstStyle>
           <a:p>
             <a:r>
-              <a:rPr lang="en-US" smtClean="0"/>
+              <a:rPr lang="en-US"/>
               <a:t>Click to edit Master title style</a:t>
             </a:r>
             <a:endParaRPr lang="nl-BE"/>
@@ -1338,7 +1332,7 @@
           <a:p>
             <a:pPr lvl="0"/>
             <a:r>
-              <a:rPr lang="en-US" smtClean="0"/>
+              <a:rPr lang="en-US"/>
               <a:t>Click to edit Master text styles</a:t>
             </a:r>
           </a:p>
@@ -1361,7 +1355,7 @@
           <a:p>
             <a:fld id="{9ED5C3B5-60AD-4494-9CFA-8B02B158E887}" type="datetime1">
               <a:rPr lang="nl-BE" smtClean="0"/>
-              <a:t>26/11/2019</a:t>
+              <a:t>3/12/2019</a:t>
             </a:fld>
             <a:endParaRPr lang="nl-BE"/>
           </a:p>
@@ -1455,7 +1449,7 @@
           <a:lstStyle/>
           <a:p>
             <a:r>
-              <a:rPr lang="en-US" smtClean="0"/>
+              <a:rPr lang="en-US"/>
               <a:t>Click to edit Master title style</a:t>
             </a:r>
             <a:endParaRPr lang="nl-BE"/>
@@ -1512,35 +1506,35 @@
           <a:p>
             <a:pPr lvl="0"/>
             <a:r>
-              <a:rPr lang="en-US" smtClean="0"/>
+              <a:rPr lang="en-US"/>
               <a:t>Click to edit Master text styles</a:t>
             </a:r>
           </a:p>
           <a:p>
             <a:pPr lvl="1"/>
             <a:r>
-              <a:rPr lang="en-US" smtClean="0"/>
+              <a:rPr lang="en-US"/>
               <a:t>Second level</a:t>
             </a:r>
           </a:p>
           <a:p>
             <a:pPr lvl="2"/>
             <a:r>
-              <a:rPr lang="en-US" smtClean="0"/>
+              <a:rPr lang="en-US"/>
               <a:t>Third level</a:t>
             </a:r>
           </a:p>
           <a:p>
             <a:pPr lvl="3"/>
             <a:r>
-              <a:rPr lang="en-US" smtClean="0"/>
+              <a:rPr lang="en-US"/>
               <a:t>Fourth level</a:t>
             </a:r>
           </a:p>
           <a:p>
             <a:pPr lvl="4"/>
             <a:r>
-              <a:rPr lang="en-US" smtClean="0"/>
+              <a:rPr lang="en-US"/>
               <a:t>Fifth level</a:t>
             </a:r>
             <a:endParaRPr lang="nl-BE"/>
@@ -1597,35 +1591,35 @@
           <a:p>
             <a:pPr lvl="0"/>
             <a:r>
-              <a:rPr lang="en-US" smtClean="0"/>
+              <a:rPr lang="en-US"/>
               <a:t>Click to edit Master text styles</a:t>
             </a:r>
           </a:p>
           <a:p>
             <a:pPr lvl="1"/>
             <a:r>
-              <a:rPr lang="en-US" smtClean="0"/>
+              <a:rPr lang="en-US"/>
               <a:t>Second level</a:t>
             </a:r>
           </a:p>
           <a:p>
             <a:pPr lvl="2"/>
             <a:r>
-              <a:rPr lang="en-US" smtClean="0"/>
+              <a:rPr lang="en-US"/>
               <a:t>Third level</a:t>
             </a:r>
           </a:p>
           <a:p>
             <a:pPr lvl="3"/>
             <a:r>
-              <a:rPr lang="en-US" smtClean="0"/>
+              <a:rPr lang="en-US"/>
               <a:t>Fourth level</a:t>
             </a:r>
           </a:p>
           <a:p>
             <a:pPr lvl="4"/>
             <a:r>
-              <a:rPr lang="en-US" smtClean="0"/>
+              <a:rPr lang="en-US"/>
               <a:t>Fifth level</a:t>
             </a:r>
             <a:endParaRPr lang="nl-BE"/>
@@ -1649,7 +1643,7 @@
           <a:p>
             <a:fld id="{44F0EF99-E673-4972-A23A-EB3FD1F7D254}" type="datetime1">
               <a:rPr lang="nl-BE" smtClean="0"/>
-              <a:t>26/11/2019</a:t>
+              <a:t>3/12/2019</a:t>
             </a:fld>
             <a:endParaRPr lang="nl-BE"/>
           </a:p>
@@ -1747,7 +1741,7 @@
           </a:lstStyle>
           <a:p>
             <a:r>
-              <a:rPr lang="en-US" smtClean="0"/>
+              <a:rPr lang="en-US"/>
               <a:t>Click to edit Master title style</a:t>
             </a:r>
             <a:endParaRPr lang="nl-BE"/>
@@ -1813,7 +1807,7 @@
           <a:p>
             <a:pPr lvl="0"/>
             <a:r>
-              <a:rPr lang="en-US" smtClean="0"/>
+              <a:rPr lang="en-US"/>
               <a:t>Click to edit Master text styles</a:t>
             </a:r>
           </a:p>
@@ -1869,35 +1863,35 @@
           <a:p>
             <a:pPr lvl="0"/>
             <a:r>
-              <a:rPr lang="en-US" smtClean="0"/>
+              <a:rPr lang="en-US"/>
               <a:t>Click to edit Master text styles</a:t>
             </a:r>
           </a:p>
           <a:p>
             <a:pPr lvl="1"/>
             <a:r>
-              <a:rPr lang="en-US" smtClean="0"/>
+              <a:rPr lang="en-US"/>
               <a:t>Second level</a:t>
             </a:r>
           </a:p>
           <a:p>
             <a:pPr lvl="2"/>
             <a:r>
-              <a:rPr lang="en-US" smtClean="0"/>
+              <a:rPr lang="en-US"/>
               <a:t>Third level</a:t>
             </a:r>
           </a:p>
           <a:p>
             <a:pPr lvl="3"/>
             <a:r>
-              <a:rPr lang="en-US" smtClean="0"/>
+              <a:rPr lang="en-US"/>
               <a:t>Fourth level</a:t>
             </a:r>
           </a:p>
           <a:p>
             <a:pPr lvl="4"/>
             <a:r>
-              <a:rPr lang="en-US" smtClean="0"/>
+              <a:rPr lang="en-US"/>
               <a:t>Fifth level</a:t>
             </a:r>
             <a:endParaRPr lang="nl-BE"/>
@@ -1963,7 +1957,7 @@
           <a:p>
             <a:pPr lvl="0"/>
             <a:r>
-              <a:rPr lang="en-US" smtClean="0"/>
+              <a:rPr lang="en-US"/>
               <a:t>Click to edit Master text styles</a:t>
             </a:r>
           </a:p>
@@ -2019,35 +2013,35 @@
           <a:p>
             <a:pPr lvl="0"/>
             <a:r>
-              <a:rPr lang="en-US" smtClean="0"/>
+              <a:rPr lang="en-US"/>
               <a:t>Click to edit Master text styles</a:t>
             </a:r>
           </a:p>
           <a:p>
             <a:pPr lvl="1"/>
             <a:r>
-              <a:rPr lang="en-US" smtClean="0"/>
+              <a:rPr lang="en-US"/>
               <a:t>Second level</a:t>
             </a:r>
           </a:p>
           <a:p>
             <a:pPr lvl="2"/>
             <a:r>
-              <a:rPr lang="en-US" smtClean="0"/>
+              <a:rPr lang="en-US"/>
               <a:t>Third level</a:t>
             </a:r>
           </a:p>
           <a:p>
             <a:pPr lvl="3"/>
             <a:r>
-              <a:rPr lang="en-US" smtClean="0"/>
+              <a:rPr lang="en-US"/>
               <a:t>Fourth level</a:t>
             </a:r>
           </a:p>
           <a:p>
             <a:pPr lvl="4"/>
             <a:r>
-              <a:rPr lang="en-US" smtClean="0"/>
+              <a:rPr lang="en-US"/>
               <a:t>Fifth level</a:t>
             </a:r>
             <a:endParaRPr lang="nl-BE"/>
@@ -2071,7 +2065,7 @@
           <a:p>
             <a:fld id="{362C3B20-157B-48BC-A7F6-78FD90E3E349}" type="datetime1">
               <a:rPr lang="nl-BE" smtClean="0"/>
-              <a:t>26/11/2019</a:t>
+              <a:t>3/12/2019</a:t>
             </a:fld>
             <a:endParaRPr lang="nl-BE"/>
           </a:p>
@@ -2165,7 +2159,7 @@
           <a:lstStyle/>
           <a:p>
             <a:r>
-              <a:rPr lang="en-US" smtClean="0"/>
+              <a:rPr lang="en-US"/>
               <a:t>Click to edit Master title style</a:t>
             </a:r>
             <a:endParaRPr lang="nl-BE"/>
@@ -2189,7 +2183,7 @@
           <a:p>
             <a:fld id="{1E4894A8-27B8-4F4D-B345-90FD4A1447E9}" type="datetime1">
               <a:rPr lang="nl-BE" smtClean="0"/>
-              <a:t>26/11/2019</a:t>
+              <a:t>3/12/2019</a:t>
             </a:fld>
             <a:endParaRPr lang="nl-BE"/>
           </a:p>
@@ -2284,7 +2278,7 @@
           <a:p>
             <a:fld id="{9B6664D4-33A1-4715-AD97-DD0D01FAC894}" type="datetime1">
               <a:rPr lang="nl-BE" smtClean="0"/>
-              <a:t>26/11/2019</a:t>
+              <a:t>3/12/2019</a:t>
             </a:fld>
             <a:endParaRPr lang="nl-BE"/>
           </a:p>
@@ -2387,7 +2381,7 @@
           </a:lstStyle>
           <a:p>
             <a:r>
-              <a:rPr lang="en-US" smtClean="0"/>
+              <a:rPr lang="en-US"/>
               <a:t>Click to edit Master title style</a:t>
             </a:r>
             <a:endParaRPr lang="nl-BE"/>
@@ -2444,35 +2438,35 @@
           <a:p>
             <a:pPr lvl="0"/>
             <a:r>
-              <a:rPr lang="en-US" smtClean="0"/>
+              <a:rPr lang="en-US"/>
               <a:t>Click to edit Master text styles</a:t>
             </a:r>
           </a:p>
           <a:p>
             <a:pPr lvl="1"/>
             <a:r>
-              <a:rPr lang="en-US" smtClean="0"/>
+              <a:rPr lang="en-US"/>
               <a:t>Second level</a:t>
             </a:r>
           </a:p>
           <a:p>
             <a:pPr lvl="2"/>
             <a:r>
-              <a:rPr lang="en-US" smtClean="0"/>
+              <a:rPr lang="en-US"/>
               <a:t>Third level</a:t>
             </a:r>
           </a:p>
           <a:p>
             <a:pPr lvl="3"/>
             <a:r>
-              <a:rPr lang="en-US" smtClean="0"/>
+              <a:rPr lang="en-US"/>
               <a:t>Fourth level</a:t>
             </a:r>
           </a:p>
           <a:p>
             <a:pPr lvl="4"/>
             <a:r>
-              <a:rPr lang="en-US" smtClean="0"/>
+              <a:rPr lang="en-US"/>
               <a:t>Fifth level</a:t>
             </a:r>
             <a:endParaRPr lang="nl-BE"/>
@@ -2538,7 +2532,7 @@
           <a:p>
             <a:pPr lvl="0"/>
             <a:r>
-              <a:rPr lang="en-US" smtClean="0"/>
+              <a:rPr lang="en-US"/>
               <a:t>Click to edit Master text styles</a:t>
             </a:r>
           </a:p>
@@ -2561,7 +2555,7 @@
           <a:p>
             <a:fld id="{71880A9C-007F-4E0D-B4C6-060FFE64811B}" type="datetime1">
               <a:rPr lang="nl-BE" smtClean="0"/>
-              <a:t>26/11/2019</a:t>
+              <a:t>3/12/2019</a:t>
             </a:fld>
             <a:endParaRPr lang="nl-BE"/>
           </a:p>
@@ -2655,10 +2649,9 @@
           <a:lstStyle/>
           <a:p>
             <a:r>
-              <a:rPr lang="en-US" smtClean="0"/>
+              <a:rPr lang="en-US"/>
               <a:t>Click to edit Master title style</a:t>
             </a:r>
-            <a:endParaRPr lang="en-US"/>
           </a:p>
         </p:txBody>
       </p:sp>
@@ -2679,38 +2672,37 @@
           <a:p>
             <a:pPr lvl="0"/>
             <a:r>
-              <a:rPr lang="en-US" smtClean="0"/>
+              <a:rPr lang="en-US"/>
               <a:t>Edit Master text styles</a:t>
             </a:r>
           </a:p>
           <a:p>
             <a:pPr lvl="1"/>
             <a:r>
-              <a:rPr lang="en-US" smtClean="0"/>
+              <a:rPr lang="en-US"/>
               <a:t>Second level</a:t>
             </a:r>
           </a:p>
           <a:p>
             <a:pPr lvl="2"/>
             <a:r>
-              <a:rPr lang="en-US" smtClean="0"/>
+              <a:rPr lang="en-US"/>
               <a:t>Third level</a:t>
             </a:r>
           </a:p>
           <a:p>
             <a:pPr lvl="3"/>
             <a:r>
-              <a:rPr lang="en-US" smtClean="0"/>
+              <a:rPr lang="en-US"/>
               <a:t>Fourth level</a:t>
             </a:r>
           </a:p>
           <a:p>
             <a:pPr lvl="4"/>
             <a:r>
-              <a:rPr lang="en-US" smtClean="0"/>
+              <a:rPr lang="en-US"/>
               <a:t>Fifth level</a:t>
             </a:r>
-            <a:endParaRPr lang="en-US"/>
           </a:p>
         </p:txBody>
       </p:sp>
@@ -2731,7 +2723,7 @@
           <a:p>
             <a:fld id="{9B61669F-67CC-4684-B4EC-0CD896AF340A}" type="datetimeFigureOut">
               <a:rPr lang="en-US" smtClean="0"/>
-              <a:t>2019-11-26</a:t>
+              <a:t>2019-12-03</a:t>
             </a:fld>
             <a:endParaRPr lang="en-US"/>
           </a:p>
@@ -2834,7 +2826,7 @@
           </a:lstStyle>
           <a:p>
             <a:r>
-              <a:rPr lang="en-US" smtClean="0"/>
+              <a:rPr lang="en-US"/>
               <a:t>Click to edit Master title style</a:t>
             </a:r>
             <a:endParaRPr lang="nl-BE"/>
@@ -2961,7 +2953,7 @@
           <a:p>
             <a:pPr lvl="0"/>
             <a:r>
-              <a:rPr lang="en-US" smtClean="0"/>
+              <a:rPr lang="en-US"/>
               <a:t>Click to edit Master text styles</a:t>
             </a:r>
           </a:p>
@@ -2984,7 +2976,7 @@
           <a:p>
             <a:fld id="{DD295E27-2F3D-481A-B8B8-8482CE6DA5DC}" type="datetime1">
               <a:rPr lang="nl-BE" smtClean="0"/>
-              <a:t>26/11/2019</a:t>
+              <a:t>3/12/2019</a:t>
             </a:fld>
             <a:endParaRPr lang="nl-BE"/>
           </a:p>
@@ -3078,7 +3070,7 @@
           <a:lstStyle/>
           <a:p>
             <a:r>
-              <a:rPr lang="en-US" smtClean="0"/>
+              <a:rPr lang="en-US"/>
               <a:t>Click to edit Master title style</a:t>
             </a:r>
             <a:endParaRPr lang="nl-BE"/>
@@ -3102,35 +3094,35 @@
           <a:p>
             <a:pPr lvl="0"/>
             <a:r>
-              <a:rPr lang="en-US" smtClean="0"/>
+              <a:rPr lang="en-US"/>
               <a:t>Click to edit Master text styles</a:t>
             </a:r>
           </a:p>
           <a:p>
             <a:pPr lvl="1"/>
             <a:r>
-              <a:rPr lang="en-US" smtClean="0"/>
+              <a:rPr lang="en-US"/>
               <a:t>Second level</a:t>
             </a:r>
           </a:p>
           <a:p>
             <a:pPr lvl="2"/>
             <a:r>
-              <a:rPr lang="en-US" smtClean="0"/>
+              <a:rPr lang="en-US"/>
               <a:t>Third level</a:t>
             </a:r>
           </a:p>
           <a:p>
             <a:pPr lvl="3"/>
             <a:r>
-              <a:rPr lang="en-US" smtClean="0"/>
+              <a:rPr lang="en-US"/>
               <a:t>Fourth level</a:t>
             </a:r>
           </a:p>
           <a:p>
             <a:pPr lvl="4"/>
             <a:r>
-              <a:rPr lang="en-US" smtClean="0"/>
+              <a:rPr lang="en-US"/>
               <a:t>Fifth level</a:t>
             </a:r>
             <a:endParaRPr lang="nl-BE"/>
@@ -3154,7 +3146,7 @@
           <a:p>
             <a:fld id="{EFB41BB7-A881-4920-B186-797A2AD05998}" type="datetime1">
               <a:rPr lang="nl-BE" smtClean="0"/>
-              <a:t>26/11/2019</a:t>
+              <a:t>3/12/2019</a:t>
             </a:fld>
             <a:endParaRPr lang="nl-BE"/>
           </a:p>
@@ -3253,7 +3245,7 @@
           <a:lstStyle/>
           <a:p>
             <a:r>
-              <a:rPr lang="en-US" smtClean="0"/>
+              <a:rPr lang="en-US"/>
               <a:t>Click to edit Master title style</a:t>
             </a:r>
             <a:endParaRPr lang="nl-BE"/>
@@ -3282,35 +3274,35 @@
           <a:p>
             <a:pPr lvl="0"/>
             <a:r>
-              <a:rPr lang="en-US" smtClean="0"/>
+              <a:rPr lang="en-US"/>
               <a:t>Click to edit Master text styles</a:t>
             </a:r>
           </a:p>
           <a:p>
             <a:pPr lvl="1"/>
             <a:r>
-              <a:rPr lang="en-US" smtClean="0"/>
+              <a:rPr lang="en-US"/>
               <a:t>Second level</a:t>
             </a:r>
           </a:p>
           <a:p>
             <a:pPr lvl="2"/>
             <a:r>
-              <a:rPr lang="en-US" smtClean="0"/>
+              <a:rPr lang="en-US"/>
               <a:t>Third level</a:t>
             </a:r>
           </a:p>
           <a:p>
             <a:pPr lvl="3"/>
             <a:r>
-              <a:rPr lang="en-US" smtClean="0"/>
+              <a:rPr lang="en-US"/>
               <a:t>Fourth level</a:t>
             </a:r>
           </a:p>
           <a:p>
             <a:pPr lvl="4"/>
             <a:r>
-              <a:rPr lang="en-US" smtClean="0"/>
+              <a:rPr lang="en-US"/>
               <a:t>Fifth level</a:t>
             </a:r>
             <a:endParaRPr lang="nl-BE"/>
@@ -3334,7 +3326,7 @@
           <a:p>
             <a:fld id="{11C6BFEC-574C-49E6-96B0-F15D7DB2764A}" type="datetime1">
               <a:rPr lang="nl-BE" smtClean="0"/>
-              <a:t>26/11/2019</a:t>
+              <a:t>3/12/2019</a:t>
             </a:fld>
             <a:endParaRPr lang="nl-BE"/>
           </a:p>
@@ -3437,10 +3429,9 @@
           </a:lstStyle>
           <a:p>
             <a:r>
-              <a:rPr lang="en-US" smtClean="0"/>
+              <a:rPr lang="en-US"/>
               <a:t>Click to edit Master title style</a:t>
             </a:r>
-            <a:endParaRPr lang="en-US"/>
           </a:p>
         </p:txBody>
       </p:sp>
@@ -3557,7 +3548,7 @@
           <a:p>
             <a:pPr lvl="0"/>
             <a:r>
-              <a:rPr lang="en-US" smtClean="0"/>
+              <a:rPr lang="en-US"/>
               <a:t>Edit Master text styles</a:t>
             </a:r>
           </a:p>
@@ -3580,7 +3571,7 @@
           <a:p>
             <a:fld id="{9B61669F-67CC-4684-B4EC-0CD896AF340A}" type="datetimeFigureOut">
               <a:rPr lang="en-US" smtClean="0"/>
-              <a:t>2019-11-26</a:t>
+              <a:t>2019-12-03</a:t>
             </a:fld>
             <a:endParaRPr lang="en-US"/>
           </a:p>
@@ -3674,10 +3665,9 @@
           <a:lstStyle/>
           <a:p>
             <a:r>
-              <a:rPr lang="en-US" smtClean="0"/>
+              <a:rPr lang="en-US"/>
               <a:t>Click to edit Master title style</a:t>
             </a:r>
-            <a:endParaRPr lang="en-US"/>
           </a:p>
         </p:txBody>
       </p:sp>
@@ -3703,38 +3693,37 @@
           <a:p>
             <a:pPr lvl="0"/>
             <a:r>
-              <a:rPr lang="en-US" smtClean="0"/>
+              <a:rPr lang="en-US"/>
               <a:t>Edit Master text styles</a:t>
             </a:r>
           </a:p>
           <a:p>
             <a:pPr lvl="1"/>
             <a:r>
-              <a:rPr lang="en-US" smtClean="0"/>
+              <a:rPr lang="en-US"/>
               <a:t>Second level</a:t>
             </a:r>
           </a:p>
           <a:p>
             <a:pPr lvl="2"/>
             <a:r>
-              <a:rPr lang="en-US" smtClean="0"/>
+              <a:rPr lang="en-US"/>
               <a:t>Third level</a:t>
             </a:r>
           </a:p>
           <a:p>
             <a:pPr lvl="3"/>
             <a:r>
-              <a:rPr lang="en-US" smtClean="0"/>
+              <a:rPr lang="en-US"/>
               <a:t>Fourth level</a:t>
             </a:r>
           </a:p>
           <a:p>
             <a:pPr lvl="4"/>
             <a:r>
-              <a:rPr lang="en-US" smtClean="0"/>
+              <a:rPr lang="en-US"/>
               <a:t>Fifth level</a:t>
             </a:r>
-            <a:endParaRPr lang="en-US"/>
           </a:p>
         </p:txBody>
       </p:sp>
@@ -3760,38 +3749,37 @@
           <a:p>
             <a:pPr lvl="0"/>
             <a:r>
-              <a:rPr lang="en-US" smtClean="0"/>
+              <a:rPr lang="en-US"/>
               <a:t>Edit Master text styles</a:t>
             </a:r>
           </a:p>
           <a:p>
             <a:pPr lvl="1"/>
             <a:r>
-              <a:rPr lang="en-US" smtClean="0"/>
+              <a:rPr lang="en-US"/>
               <a:t>Second level</a:t>
             </a:r>
           </a:p>
           <a:p>
             <a:pPr lvl="2"/>
             <a:r>
-              <a:rPr lang="en-US" smtClean="0"/>
+              <a:rPr lang="en-US"/>
               <a:t>Third level</a:t>
             </a:r>
           </a:p>
           <a:p>
             <a:pPr lvl="3"/>
             <a:r>
-              <a:rPr lang="en-US" smtClean="0"/>
+              <a:rPr lang="en-US"/>
               <a:t>Fourth level</a:t>
             </a:r>
           </a:p>
           <a:p>
             <a:pPr lvl="4"/>
             <a:r>
-              <a:rPr lang="en-US" smtClean="0"/>
+              <a:rPr lang="en-US"/>
               <a:t>Fifth level</a:t>
             </a:r>
-            <a:endParaRPr lang="en-US"/>
           </a:p>
         </p:txBody>
       </p:sp>
@@ -3812,7 +3800,7 @@
           <a:p>
             <a:fld id="{9B61669F-67CC-4684-B4EC-0CD896AF340A}" type="datetimeFigureOut">
               <a:rPr lang="en-US" smtClean="0"/>
-              <a:t>2019-11-26</a:t>
+              <a:t>2019-12-03</a:t>
             </a:fld>
             <a:endParaRPr lang="en-US"/>
           </a:p>
@@ -3911,10 +3899,9 @@
           <a:lstStyle/>
           <a:p>
             <a:r>
-              <a:rPr lang="en-US" smtClean="0"/>
+              <a:rPr lang="en-US"/>
               <a:t>Click to edit Master title style</a:t>
             </a:r>
-            <a:endParaRPr lang="en-US"/>
           </a:p>
         </p:txBody>
       </p:sp>
@@ -3977,7 +3964,7 @@
           <a:p>
             <a:pPr lvl="0"/>
             <a:r>
-              <a:rPr lang="en-US" smtClean="0"/>
+              <a:rPr lang="en-US"/>
               <a:t>Edit Master text styles</a:t>
             </a:r>
           </a:p>
@@ -4005,38 +3992,37 @@
           <a:p>
             <a:pPr lvl="0"/>
             <a:r>
-              <a:rPr lang="en-US" smtClean="0"/>
+              <a:rPr lang="en-US"/>
               <a:t>Edit Master text styles</a:t>
             </a:r>
           </a:p>
           <a:p>
             <a:pPr lvl="1"/>
             <a:r>
-              <a:rPr lang="en-US" smtClean="0"/>
+              <a:rPr lang="en-US"/>
               <a:t>Second level</a:t>
             </a:r>
           </a:p>
           <a:p>
             <a:pPr lvl="2"/>
             <a:r>
-              <a:rPr lang="en-US" smtClean="0"/>
+              <a:rPr lang="en-US"/>
               <a:t>Third level</a:t>
             </a:r>
           </a:p>
           <a:p>
             <a:pPr lvl="3"/>
             <a:r>
-              <a:rPr lang="en-US" smtClean="0"/>
+              <a:rPr lang="en-US"/>
               <a:t>Fourth level</a:t>
             </a:r>
           </a:p>
           <a:p>
             <a:pPr lvl="4"/>
             <a:r>
-              <a:rPr lang="en-US" smtClean="0"/>
+              <a:rPr lang="en-US"/>
               <a:t>Fifth level</a:t>
             </a:r>
-            <a:endParaRPr lang="en-US"/>
           </a:p>
         </p:txBody>
       </p:sp>
@@ -4099,7 +4085,7 @@
           <a:p>
             <a:pPr lvl="0"/>
             <a:r>
-              <a:rPr lang="en-US" smtClean="0"/>
+              <a:rPr lang="en-US"/>
               <a:t>Edit Master text styles</a:t>
             </a:r>
           </a:p>
@@ -4127,38 +4113,37 @@
           <a:p>
             <a:pPr lvl="0"/>
             <a:r>
-              <a:rPr lang="en-US" smtClean="0"/>
+              <a:rPr lang="en-US"/>
               <a:t>Edit Master text styles</a:t>
             </a:r>
           </a:p>
           <a:p>
             <a:pPr lvl="1"/>
             <a:r>
-              <a:rPr lang="en-US" smtClean="0"/>
+              <a:rPr lang="en-US"/>
               <a:t>Second level</a:t>
             </a:r>
           </a:p>
           <a:p>
             <a:pPr lvl="2"/>
             <a:r>
-              <a:rPr lang="en-US" smtClean="0"/>
+              <a:rPr lang="en-US"/>
               <a:t>Third level</a:t>
             </a:r>
           </a:p>
           <a:p>
             <a:pPr lvl="3"/>
             <a:r>
-              <a:rPr lang="en-US" smtClean="0"/>
+              <a:rPr lang="en-US"/>
               <a:t>Fourth level</a:t>
             </a:r>
           </a:p>
           <a:p>
             <a:pPr lvl="4"/>
             <a:r>
-              <a:rPr lang="en-US" smtClean="0"/>
+              <a:rPr lang="en-US"/>
               <a:t>Fifth level</a:t>
             </a:r>
-            <a:endParaRPr lang="en-US"/>
           </a:p>
         </p:txBody>
       </p:sp>
@@ -4179,7 +4164,7 @@
           <a:p>
             <a:fld id="{9B61669F-67CC-4684-B4EC-0CD896AF340A}" type="datetimeFigureOut">
               <a:rPr lang="en-US" smtClean="0"/>
-              <a:t>2019-11-26</a:t>
+              <a:t>2019-12-03</a:t>
             </a:fld>
             <a:endParaRPr lang="en-US"/>
           </a:p>
@@ -4273,10 +4258,9 @@
           <a:lstStyle/>
           <a:p>
             <a:r>
-              <a:rPr lang="en-US" smtClean="0"/>
+              <a:rPr lang="en-US"/>
               <a:t>Click to edit Master title style</a:t>
             </a:r>
-            <a:endParaRPr lang="en-US"/>
           </a:p>
         </p:txBody>
       </p:sp>
@@ -4297,7 +4281,7 @@
           <a:p>
             <a:fld id="{9B61669F-67CC-4684-B4EC-0CD896AF340A}" type="datetimeFigureOut">
               <a:rPr lang="en-US" smtClean="0"/>
-              <a:t>2019-11-26</a:t>
+              <a:t>2019-12-03</a:t>
             </a:fld>
             <a:endParaRPr lang="en-US"/>
           </a:p>
@@ -4392,7 +4376,7 @@
           <a:p>
             <a:fld id="{9B61669F-67CC-4684-B4EC-0CD896AF340A}" type="datetimeFigureOut">
               <a:rPr lang="en-US" smtClean="0"/>
-              <a:t>2019-11-26</a:t>
+              <a:t>2019-12-03</a:t>
             </a:fld>
             <a:endParaRPr lang="en-US"/>
           </a:p>
@@ -4495,10 +4479,9 @@
           </a:lstStyle>
           <a:p>
             <a:r>
-              <a:rPr lang="en-US" smtClean="0"/>
+              <a:rPr lang="en-US"/>
               <a:t>Click to edit Master title style</a:t>
             </a:r>
-            <a:endParaRPr lang="en-US"/>
           </a:p>
         </p:txBody>
       </p:sp>
@@ -4552,38 +4535,37 @@
           <a:p>
             <a:pPr lvl="0"/>
             <a:r>
-              <a:rPr lang="en-US" smtClean="0"/>
+              <a:rPr lang="en-US"/>
               <a:t>Edit Master text styles</a:t>
             </a:r>
           </a:p>
           <a:p>
             <a:pPr lvl="1"/>
             <a:r>
-              <a:rPr lang="en-US" smtClean="0"/>
+              <a:rPr lang="en-US"/>
               <a:t>Second level</a:t>
             </a:r>
           </a:p>
           <a:p>
             <a:pPr lvl="2"/>
             <a:r>
-              <a:rPr lang="en-US" smtClean="0"/>
+              <a:rPr lang="en-US"/>
               <a:t>Third level</a:t>
             </a:r>
           </a:p>
           <a:p>
             <a:pPr lvl="3"/>
             <a:r>
-              <a:rPr lang="en-US" smtClean="0"/>
+              <a:rPr lang="en-US"/>
               <a:t>Fourth level</a:t>
             </a:r>
           </a:p>
           <a:p>
             <a:pPr lvl="4"/>
             <a:r>
-              <a:rPr lang="en-US" smtClean="0"/>
+              <a:rPr lang="en-US"/>
               <a:t>Fifth level</a:t>
             </a:r>
-            <a:endParaRPr lang="en-US"/>
           </a:p>
         </p:txBody>
       </p:sp>
@@ -4646,7 +4628,7 @@
           <a:p>
             <a:pPr lvl="0"/>
             <a:r>
-              <a:rPr lang="en-US" smtClean="0"/>
+              <a:rPr lang="en-US"/>
               <a:t>Edit Master text styles</a:t>
             </a:r>
           </a:p>
@@ -4669,7 +4651,7 @@
           <a:p>
             <a:fld id="{9B61669F-67CC-4684-B4EC-0CD896AF340A}" type="datetimeFigureOut">
               <a:rPr lang="en-US" smtClean="0"/>
-              <a:t>2019-11-26</a:t>
+              <a:t>2019-12-03</a:t>
             </a:fld>
             <a:endParaRPr lang="en-US"/>
           </a:p>
@@ -4772,10 +4754,9 @@
           </a:lstStyle>
           <a:p>
             <a:r>
-              <a:rPr lang="en-US" smtClean="0"/>
+              <a:rPr lang="en-US"/>
               <a:t>Click to edit Master title style</a:t>
             </a:r>
-            <a:endParaRPr lang="en-US"/>
           </a:p>
         </p:txBody>
       </p:sp>
@@ -4899,7 +4880,7 @@
           <a:p>
             <a:pPr lvl="0"/>
             <a:r>
-              <a:rPr lang="en-US" smtClean="0"/>
+              <a:rPr lang="en-US"/>
               <a:t>Edit Master text styles</a:t>
             </a:r>
           </a:p>
@@ -4922,7 +4903,7 @@
           <a:p>
             <a:fld id="{9B61669F-67CC-4684-B4EC-0CD896AF340A}" type="datetimeFigureOut">
               <a:rPr lang="en-US" smtClean="0"/>
-              <a:t>2019-11-26</a:t>
+              <a:t>2019-12-03</a:t>
             </a:fld>
             <a:endParaRPr lang="en-US"/>
           </a:p>
@@ -5031,10 +5012,9 @@
           <a:lstStyle/>
           <a:p>
             <a:r>
-              <a:rPr lang="en-US" smtClean="0"/>
+              <a:rPr lang="en-US"/>
               <a:t>Click to edit Master title style</a:t>
             </a:r>
-            <a:endParaRPr lang="en-US"/>
           </a:p>
         </p:txBody>
       </p:sp>
@@ -5065,38 +5045,37 @@
           <a:p>
             <a:pPr lvl="0"/>
             <a:r>
-              <a:rPr lang="en-US" smtClean="0"/>
+              <a:rPr lang="en-US"/>
               <a:t>Edit Master text styles</a:t>
             </a:r>
           </a:p>
           <a:p>
             <a:pPr lvl="1"/>
             <a:r>
-              <a:rPr lang="en-US" smtClean="0"/>
+              <a:rPr lang="en-US"/>
               <a:t>Second level</a:t>
             </a:r>
           </a:p>
           <a:p>
             <a:pPr lvl="2"/>
             <a:r>
-              <a:rPr lang="en-US" smtClean="0"/>
+              <a:rPr lang="en-US"/>
               <a:t>Third level</a:t>
             </a:r>
           </a:p>
           <a:p>
             <a:pPr lvl="3"/>
             <a:r>
-              <a:rPr lang="en-US" smtClean="0"/>
+              <a:rPr lang="en-US"/>
               <a:t>Fourth level</a:t>
             </a:r>
           </a:p>
           <a:p>
             <a:pPr lvl="4"/>
             <a:r>
-              <a:rPr lang="en-US" smtClean="0"/>
+              <a:rPr lang="en-US"/>
               <a:t>Fifth level</a:t>
             </a:r>
-            <a:endParaRPr lang="en-US"/>
           </a:p>
         </p:txBody>
       </p:sp>
@@ -5135,7 +5114,7 @@
           <a:p>
             <a:fld id="{9B61669F-67CC-4684-B4EC-0CD896AF340A}" type="datetimeFigureOut">
               <a:rPr lang="en-US" smtClean="0"/>
-              <a:t>2019-11-26</a:t>
+              <a:t>2019-12-03</a:t>
             </a:fld>
             <a:endParaRPr lang="en-US"/>
           </a:p>
@@ -5571,7 +5550,7 @@
           <a:lstStyle/>
           <a:p>
             <a:r>
-              <a:rPr lang="en-US" smtClean="0"/>
+              <a:rPr lang="en-US"/>
               <a:t>Click to edit Master title style</a:t>
             </a:r>
             <a:endParaRPr lang="nl-BE"/>
@@ -5605,35 +5584,35 @@
           <a:p>
             <a:pPr lvl="0"/>
             <a:r>
-              <a:rPr lang="en-US" smtClean="0"/>
+              <a:rPr lang="en-US"/>
               <a:t>Click to edit Master text styles</a:t>
             </a:r>
           </a:p>
           <a:p>
             <a:pPr lvl="1"/>
             <a:r>
-              <a:rPr lang="en-US" smtClean="0"/>
+              <a:rPr lang="en-US"/>
               <a:t>Second level</a:t>
             </a:r>
           </a:p>
           <a:p>
             <a:pPr lvl="2"/>
             <a:r>
-              <a:rPr lang="en-US" smtClean="0"/>
+              <a:rPr lang="en-US"/>
               <a:t>Third level</a:t>
             </a:r>
           </a:p>
           <a:p>
             <a:pPr lvl="3"/>
             <a:r>
-              <a:rPr lang="en-US" smtClean="0"/>
+              <a:rPr lang="en-US"/>
               <a:t>Fourth level</a:t>
             </a:r>
           </a:p>
           <a:p>
             <a:pPr lvl="4"/>
             <a:r>
-              <a:rPr lang="en-US" smtClean="0"/>
+              <a:rPr lang="en-US"/>
               <a:t>Fifth level</a:t>
             </a:r>
             <a:endParaRPr lang="nl-BE"/>
@@ -5675,7 +5654,7 @@
           <a:p>
             <a:fld id="{AFF0BB8E-41A9-4D12-9A22-82FF4E94F27A}" type="datetime1">
               <a:rPr lang="nl-BE" smtClean="0"/>
-              <a:t>26/11/2019</a:t>
+              <a:t>3/12/2019</a:t>
             </a:fld>
             <a:endParaRPr lang="nl-BE"/>
           </a:p>
@@ -6067,17 +6046,16 @@
           <a:lstStyle/>
           <a:p>
             <a:r>
-              <a:rPr lang="en-US" dirty="0" smtClean="0"/>
+              <a:rPr lang="en-US" dirty="0"/>
               <a:t>Python for</a:t>
             </a:r>
             <a:br>
-              <a:rPr lang="en-US" dirty="0" smtClean="0"/>
+              <a:rPr lang="en-US" dirty="0"/>
             </a:br>
             <a:r>
-              <a:rPr lang="en-US" dirty="0" smtClean="0"/>
+              <a:rPr lang="en-US" dirty="0"/>
               <a:t>systems programming</a:t>
             </a:r>
-            <a:endParaRPr lang="en-US" dirty="0"/>
           </a:p>
         </p:txBody>
       </p:sp>
@@ -6097,26 +6075,25 @@
           <a:lstStyle/>
           <a:p>
             <a:r>
-              <a:rPr lang="en-US" dirty="0" smtClean="0"/>
+              <a:rPr lang="en-US" dirty="0"/>
               <a:t>Geert Jan Bex</a:t>
             </a:r>
           </a:p>
           <a:p>
             <a:r>
-              <a:rPr lang="en-US" dirty="0" smtClean="0"/>
+              <a:rPr lang="en-US" dirty="0"/>
               <a:t>(</a:t>
             </a:r>
             <a:r>
-              <a:rPr lang="en-US" dirty="0" smtClean="0">
+              <a:rPr lang="en-US" dirty="0">
                 <a:hlinkClick r:id="rId2"/>
               </a:rPr>
               <a:t>geertjan.bex@uhasselt.be</a:t>
             </a:r>
             <a:r>
-              <a:rPr lang="en-US" dirty="0" smtClean="0"/>
+              <a:rPr lang="en-US" dirty="0"/>
               <a:t>)</a:t>
             </a:r>
-            <a:endParaRPr lang="en-US" dirty="0"/>
           </a:p>
         </p:txBody>
       </p:sp>
@@ -6143,31 +6120,25 @@
           <a:lstStyle/>
           <a:p>
             <a:r>
-              <a:rPr lang="en-US" b="1" dirty="0" smtClean="0"/>
+              <a:rPr lang="en-US" b="1" dirty="0"/>
               <a:t>License</a:t>
             </a:r>
             <a:r>
-              <a:rPr lang="en-US" dirty="0" smtClean="0"/>
+              <a:rPr lang="en-US" dirty="0"/>
               <a:t>: this presentation is released under the Creative Commons CC BY 4.0,</a:t>
             </a:r>
             <a:br>
-              <a:rPr lang="en-US" dirty="0" smtClean="0"/>
+              <a:rPr lang="en-US" dirty="0"/>
             </a:br>
             <a:r>
-              <a:rPr lang="en-US" dirty="0" smtClean="0"/>
+              <a:rPr lang="en-US" dirty="0"/>
               <a:t>see </a:t>
-            </a:r>
-            <a:r>
-              <a:rPr lang="en-US" dirty="0" smtClean="0">
-                <a:hlinkClick r:id="rId3"/>
-              </a:rPr>
-              <a:t>https</a:t>
             </a:r>
             <a:r>
               <a:rPr lang="en-US" dirty="0">
                 <a:hlinkClick r:id="rId3"/>
               </a:rPr>
-              <a:t>://creativecommons.org/licenses/by/4.0/deed.ast</a:t>
+              <a:t>https://creativecommons.org/licenses/by/4.0/deed.ast</a:t>
             </a:r>
             <a:endParaRPr lang="nl-BE" dirty="0"/>
           </a:p>
@@ -6183,13 +6154,6 @@
   <p:clrMapOvr>
     <a:masterClrMapping/>
   </p:clrMapOvr>
-  <p:timing>
-    <p:tnLst>
-      <p:par>
-        <p:cTn id="1" dur="indefinite" restart="never" nodeType="tmRoot"/>
-      </p:par>
-    </p:tnLst>
-  </p:timing>
 </p:sld>
 </file>
 
@@ -6226,10 +6190,9 @@
           <a:lstStyle/>
           <a:p>
             <a:r>
-              <a:rPr lang="en-US" dirty="0" smtClean="0"/>
+              <a:rPr lang="en-US" dirty="0"/>
               <a:t>Reading &amp; using configurations</a:t>
             </a:r>
-            <a:endParaRPr lang="en-US" dirty="0"/>
           </a:p>
         </p:txBody>
       </p:sp>
@@ -6249,19 +6212,19 @@
           <a:lstStyle/>
           <a:p>
             <a:r>
-              <a:rPr lang="en-US" dirty="0" smtClean="0"/>
+              <a:rPr lang="en-US" dirty="0"/>
               <a:t>Reading configuration file</a:t>
             </a:r>
           </a:p>
           <a:p>
-            <a:endParaRPr lang="en-US" dirty="0" smtClean="0"/>
-          </a:p>
-          <a:p>
-            <a:endParaRPr lang="en-US" dirty="0" smtClean="0"/>
-          </a:p>
-          <a:p>
-            <a:r>
-              <a:rPr lang="en-US" dirty="0" smtClean="0"/>
+            <a:endParaRPr lang="en-US" dirty="0"/>
+          </a:p>
+          <a:p>
+            <a:endParaRPr lang="en-US" dirty="0"/>
+          </a:p>
+          <a:p>
+            <a:r>
+              <a:rPr lang="en-US" dirty="0"/>
               <a:t>Using configuration values</a:t>
             </a:r>
           </a:p>
@@ -6809,13 +6772,6 @@
   <p:clrMapOvr>
     <a:masterClrMapping/>
   </p:clrMapOvr>
-  <p:timing>
-    <p:tnLst>
-      <p:par>
-        <p:cTn id="1" dur="indefinite" restart="never" nodeType="tmRoot"/>
-      </p:par>
-    </p:tnLst>
-  </p:timing>
 </p:sld>
 </file>
 
@@ -6852,11 +6808,11 @@
           <a:lstStyle/>
           <a:p>
             <a:r>
-              <a:rPr lang="en-US" dirty="0" smtClean="0"/>
+              <a:rPr lang="en-US" dirty="0"/>
               <a:t>Further reading: </a:t>
             </a:r>
             <a:r>
-              <a:rPr lang="en-US" dirty="0" err="1" smtClean="0"/>
+              <a:rPr lang="en-US" dirty="0" err="1"/>
               <a:t>argparse</a:t>
             </a:r>
             <a:endParaRPr lang="nl-BE" dirty="0"/>
@@ -6879,7 +6835,7 @@
           <a:lstStyle/>
           <a:p>
             <a:r>
-              <a:rPr lang="en-US" dirty="0" err="1" smtClean="0"/>
+              <a:rPr lang="en-US" dirty="0" err="1"/>
               <a:t>Argparse</a:t>
             </a:r>
             <a:r>
@@ -6893,7 +6849,7 @@
               <a:rPr lang="en-US" sz="2800" dirty="0">
                 <a:hlinkClick r:id="rId2"/>
               </a:rPr>
-              <a:t>https://docs.python.org/3.5/howto/argparse.html</a:t>
+              <a:t>https://docs.python.org/3.7/howto/argparse.html</a:t>
             </a:r>
             <a:r>
               <a:rPr lang="en-US" sz="2800" dirty="0"/>
@@ -6950,13 +6906,6 @@
   <p:clrMapOvr>
     <a:masterClrMapping/>
   </p:clrMapOvr>
-  <p:timing>
-    <p:tnLst>
-      <p:par>
-        <p:cTn id="1" dur="indefinite" restart="never" nodeType="tmRoot"/>
-      </p:par>
-    </p:tnLst>
-  </p:timing>
 </p:sld>
 </file>
 
@@ -6993,7 +6942,7 @@
           <a:lstStyle/>
           <a:p>
             <a:r>
-              <a:rPr lang="en-US" dirty="0" smtClean="0"/>
+              <a:rPr lang="en-US" dirty="0"/>
               <a:t>Logging</a:t>
             </a:r>
             <a:endParaRPr lang="nl-BE" dirty="0"/>
@@ -7021,19 +6970,12 @@
               <a:rPr lang="nl-BE" sz="1800" dirty="0">
                 <a:hlinkClick r:id="rId2"/>
               </a:rPr>
-              <a:t>https://</a:t>
-            </a:r>
-            <a:r>
-              <a:rPr lang="nl-BE" sz="1800" dirty="0" smtClean="0">
-                <a:hlinkClick r:id="rId2"/>
-              </a:rPr>
-              <a:t>github.com/gjbex/Python-for-systems-programming/tree/master/source-code/logging</a:t>
-            </a:r>
-            <a:r>
-              <a:rPr lang="nl-BE" sz="1800" dirty="0" smtClean="0"/>
+              <a:t>https://github.com/gjbex/Python-for-systems-programming/tree/master/source-code/logging</a:t>
+            </a:r>
+            <a:r>
+              <a:rPr lang="nl-BE" sz="1800" dirty="0"/>
               <a:t> </a:t>
             </a:r>
-            <a:endParaRPr lang="nl-BE" sz="1800" dirty="0"/>
           </a:p>
         </p:txBody>
       </p:sp>
@@ -7085,13 +7027,6 @@
   <p:clrMapOvr>
     <a:masterClrMapping/>
   </p:clrMapOvr>
-  <p:timing>
-    <p:tnLst>
-      <p:par>
-        <p:cTn id="1" dur="indefinite" restart="never" nodeType="tmRoot"/>
-      </p:par>
-    </p:tnLst>
-  </p:timing>
 </p:sld>
 </file>
 
@@ -7128,7 +7063,7 @@
           <a:lstStyle/>
           <a:p>
             <a:r>
-              <a:rPr lang="en-US" dirty="0" smtClean="0"/>
+              <a:rPr lang="en-US" dirty="0"/>
               <a:t>Logging: motivation</a:t>
             </a:r>
             <a:endParaRPr lang="nl-BE" dirty="0"/>
@@ -7152,50 +7087,46 @@
           <a:p>
             <a:r>
               <a:rPr lang="en-US" dirty="0"/>
-              <a:t>U</a:t>
-            </a:r>
-            <a:r>
-              <a:rPr lang="en-US" dirty="0" smtClean="0"/>
-              <a:t>seful to verify what an application does</a:t>
+              <a:t>Useful to verify what an application does</a:t>
             </a:r>
           </a:p>
           <a:p>
             <a:pPr lvl="1"/>
             <a:r>
-              <a:rPr lang="en-US" dirty="0" smtClean="0"/>
+              <a:rPr lang="en-US" dirty="0"/>
               <a:t>in normal runs</a:t>
             </a:r>
           </a:p>
           <a:p>
             <a:pPr lvl="1"/>
             <a:r>
-              <a:rPr lang="en-US" dirty="0" smtClean="0"/>
+              <a:rPr lang="en-US" dirty="0"/>
               <a:t>in runs with problems</a:t>
             </a:r>
           </a:p>
           <a:p>
             <a:r>
-              <a:rPr lang="en-US" dirty="0" smtClean="0"/>
+              <a:rPr lang="en-US" dirty="0"/>
               <a:t>Helps with debugging</a:t>
             </a:r>
           </a:p>
           <a:p>
             <a:pPr lvl="1"/>
             <a:r>
-              <a:rPr lang="en-US" dirty="0" smtClean="0"/>
+              <a:rPr lang="en-US" dirty="0"/>
               <a:t>alternative to print statements</a:t>
             </a:r>
           </a:p>
           <a:p>
             <a:r>
-              <a:rPr lang="en-US" dirty="0" smtClean="0"/>
+              <a:rPr lang="en-US" dirty="0"/>
               <a:t>Various levels can be turned on or off</a:t>
             </a:r>
           </a:p>
           <a:p>
             <a:pPr lvl="1"/>
             <a:r>
-              <a:rPr lang="en-US" dirty="0" smtClean="0"/>
+              <a:rPr lang="en-US" dirty="0"/>
               <a:t>see only relevant output</a:t>
             </a:r>
             <a:endParaRPr lang="nl-BE" dirty="0"/>
@@ -7684,7 +7615,7 @@
           <a:lstStyle/>
           <a:p>
             <a:r>
-              <a:rPr lang="en-US" dirty="0" smtClean="0"/>
+              <a:rPr lang="en-US" dirty="0"/>
               <a:t>Initialize &amp; configure logging</a:t>
             </a:r>
             <a:endParaRPr lang="nl-BE" dirty="0"/>
@@ -7714,13 +7645,13 @@
           <a:lstStyle/>
           <a:p>
             <a:r>
-              <a:rPr lang="en-US" dirty="0" smtClean="0"/>
+              <a:rPr lang="en-US" dirty="0"/>
               <a:t>level: minimal level written to log</a:t>
             </a:r>
           </a:p>
           <a:p>
             <a:r>
-              <a:rPr lang="en-US" dirty="0" err="1" smtClean="0"/>
+              <a:rPr lang="en-US" dirty="0" err="1"/>
               <a:t>filemode</a:t>
             </a:r>
             <a:endParaRPr lang="en-US" dirty="0"/>
@@ -7728,14 +7659,14 @@
           <a:p>
             <a:pPr lvl="1"/>
             <a:r>
-              <a:rPr lang="en-US" dirty="0" smtClean="0"/>
+              <a:rPr lang="en-US" dirty="0"/>
               <a:t>'w': overwrite if log exists</a:t>
             </a:r>
           </a:p>
           <a:p>
             <a:pPr lvl="1"/>
             <a:r>
-              <a:rPr lang="en-US" dirty="0" smtClean="0"/>
+              <a:rPr lang="en-US" dirty="0"/>
               <a:t>'a': append if log exists</a:t>
             </a:r>
           </a:p>
@@ -7782,7 +7713,7 @@
               </a:rPr>
               <a:t>:{message}'</a:t>
             </a:r>
-            <a:endParaRPr lang="en-US" dirty="0" smtClean="0">
+            <a:endParaRPr lang="en-US" dirty="0">
               <a:latin typeface="Courier New" panose="02070309020205020404" pitchFamily="49" charset="0"/>
               <a:cs typeface="Courier New" panose="02070309020205020404" pitchFamily="49" charset="0"/>
             </a:endParaRPr>
@@ -7984,13 +7915,6 @@
   <p:clrMapOvr>
     <a:masterClrMapping/>
   </p:clrMapOvr>
-  <p:timing>
-    <p:tnLst>
-      <p:par>
-        <p:cTn id="1" dur="indefinite" restart="never" nodeType="tmRoot"/>
-      </p:par>
-    </p:tnLst>
-  </p:timing>
 </p:sld>
 </file>
 
@@ -8027,7 +7951,7 @@
           <a:lstStyle/>
           <a:p>
             <a:r>
-              <a:rPr lang="en-US" dirty="0" smtClean="0"/>
+              <a:rPr lang="en-US" dirty="0"/>
               <a:t>Log levels</a:t>
             </a:r>
             <a:endParaRPr lang="nl-BE" dirty="0"/>
@@ -8050,40 +7974,40 @@
           <a:lstStyle/>
           <a:p>
             <a:r>
-              <a:rPr lang="en-US" dirty="0" smtClean="0">
+              <a:rPr lang="en-US" dirty="0">
                 <a:latin typeface="Courier New" panose="02070309020205020404" pitchFamily="49" charset="0"/>
                 <a:cs typeface="Courier New" panose="02070309020205020404" pitchFamily="49" charset="0"/>
               </a:rPr>
               <a:t>CRITICAL</a:t>
             </a:r>
             <a:r>
-              <a:rPr lang="en-US" dirty="0" smtClean="0"/>
+              <a:rPr lang="en-US" dirty="0"/>
               <a:t>: non-recoverable errors</a:t>
             </a:r>
           </a:p>
           <a:p>
             <a:r>
-              <a:rPr lang="en-US" dirty="0" smtClean="0">
+              <a:rPr lang="en-US" dirty="0">
                 <a:latin typeface="Courier New" panose="02070309020205020404" pitchFamily="49" charset="0"/>
                 <a:cs typeface="Courier New" panose="02070309020205020404" pitchFamily="49" charset="0"/>
               </a:rPr>
               <a:t>ERROR</a:t>
             </a:r>
             <a:r>
-              <a:rPr lang="en-US" dirty="0" smtClean="0"/>
+              <a:rPr lang="en-US" dirty="0"/>
               <a:t>: error, but application can continue</a:t>
             </a:r>
           </a:p>
           <a:p>
             <a:r>
-              <a:rPr lang="en-US" dirty="0" smtClean="0">
+              <a:rPr lang="en-US" dirty="0">
                 <a:latin typeface="Courier New" panose="02070309020205020404" pitchFamily="49" charset="0"/>
                 <a:cs typeface="Courier New" panose="02070309020205020404" pitchFamily="49" charset="0"/>
               </a:rPr>
               <a:t>WARNING</a:t>
             </a:r>
             <a:r>
-              <a:rPr lang="en-US" dirty="0" smtClean="0">
+              <a:rPr lang="en-US" dirty="0">
                 <a:cs typeface="Courier New" panose="02070309020205020404" pitchFamily="49" charset="0"/>
               </a:rPr>
               <a:t>: potential problems</a:t>
@@ -8091,27 +8015,27 @@
           </a:p>
           <a:p>
             <a:r>
-              <a:rPr lang="en-US" dirty="0" smtClean="0">
+              <a:rPr lang="en-US" dirty="0">
                 <a:latin typeface="Courier New" panose="02070309020205020404" pitchFamily="49" charset="0"/>
                 <a:cs typeface="Courier New" panose="02070309020205020404" pitchFamily="49" charset="0"/>
               </a:rPr>
               <a:t>INFO</a:t>
             </a:r>
             <a:r>
-              <a:rPr lang="en-US" dirty="0" smtClean="0"/>
+              <a:rPr lang="en-US" dirty="0"/>
               <a:t>: feedback, verbose mode</a:t>
             </a:r>
           </a:p>
           <a:p>
             <a:r>
-              <a:rPr lang="en-US" dirty="0" smtClean="0">
+              <a:rPr lang="en-US" dirty="0">
                 <a:latin typeface="Courier New" panose="02070309020205020404" pitchFamily="49" charset="0"/>
                 <a:cs typeface="Courier New" panose="02070309020205020404" pitchFamily="49" charset="0"/>
               </a:rPr>
               <a:t>DEBUG</a:t>
             </a:r>
             <a:r>
-              <a:rPr lang="en-US" dirty="0" smtClean="0"/>
+              <a:rPr lang="en-US" dirty="0"/>
               <a:t>: useful for developer</a:t>
             </a:r>
           </a:p>
@@ -8120,7 +8044,7 @@
           </a:p>
           <a:p>
             <a:r>
-              <a:rPr lang="en-US" dirty="0" smtClean="0"/>
+              <a:rPr lang="en-US" dirty="0"/>
               <a:t>User defined</a:t>
             </a:r>
           </a:p>
@@ -8246,13 +8170,6 @@
   <p:clrMapOvr>
     <a:masterClrMapping/>
   </p:clrMapOvr>
-  <p:timing>
-    <p:tnLst>
-      <p:par>
-        <p:cTn id="1" dur="indefinite" restart="never" nodeType="tmRoot"/>
-      </p:par>
-    </p:tnLst>
-  </p:timing>
 </p:sld>
 </file>
 
@@ -8597,7 +8514,7 @@
           <a:lstStyle/>
           <a:p>
             <a:r>
-              <a:rPr lang="en-US" dirty="0" smtClean="0"/>
+              <a:rPr lang="en-US" dirty="0"/>
               <a:t>Selecting log level</a:t>
             </a:r>
             <a:endParaRPr lang="nl-BE" dirty="0"/>
@@ -8620,7 +8537,7 @@
           <a:lstStyle/>
           <a:p>
             <a:r>
-              <a:rPr lang="en-US" dirty="0" smtClean="0">
+              <a:rPr lang="en-US" dirty="0">
                 <a:latin typeface="Courier New" panose="02070309020205020404" pitchFamily="49" charset="0"/>
                 <a:cs typeface="Courier New" panose="02070309020205020404" pitchFamily="49" charset="0"/>
               </a:rPr>
@@ -8629,45 +8546,45 @@
           </a:p>
           <a:p>
             <a:r>
-              <a:rPr lang="en-US" dirty="0" smtClean="0">
+              <a:rPr lang="en-US" dirty="0">
                 <a:latin typeface="Courier New" panose="02070309020205020404" pitchFamily="49" charset="0"/>
                 <a:cs typeface="Courier New" panose="02070309020205020404" pitchFamily="49" charset="0"/>
               </a:rPr>
               <a:t>ERROR</a:t>
             </a:r>
-            <a:endParaRPr lang="en-US" dirty="0" smtClean="0"/>
-          </a:p>
-          <a:p>
-            <a:r>
-              <a:rPr lang="en-US" dirty="0" smtClean="0">
+            <a:endParaRPr lang="en-US" dirty="0"/>
+          </a:p>
+          <a:p>
+            <a:r>
+              <a:rPr lang="en-US" dirty="0">
                 <a:latin typeface="Courier New" panose="02070309020205020404" pitchFamily="49" charset="0"/>
                 <a:cs typeface="Courier New" panose="02070309020205020404" pitchFamily="49" charset="0"/>
               </a:rPr>
               <a:t>WARNING</a:t>
             </a:r>
-            <a:endParaRPr lang="en-US" dirty="0" smtClean="0">
+            <a:endParaRPr lang="en-US" dirty="0">
               <a:cs typeface="Courier New" panose="02070309020205020404" pitchFamily="49" charset="0"/>
             </a:endParaRPr>
           </a:p>
           <a:p>
             <a:r>
-              <a:rPr lang="en-US" dirty="0" smtClean="0">
+              <a:rPr lang="en-US" dirty="0">
                 <a:latin typeface="Courier New" panose="02070309020205020404" pitchFamily="49" charset="0"/>
                 <a:cs typeface="Courier New" panose="02070309020205020404" pitchFamily="49" charset="0"/>
               </a:rPr>
               <a:t>INFO</a:t>
             </a:r>
-            <a:endParaRPr lang="en-US" dirty="0" smtClean="0"/>
-          </a:p>
-          <a:p>
-            <a:r>
-              <a:rPr lang="en-US" dirty="0" smtClean="0">
+            <a:endParaRPr lang="en-US" dirty="0"/>
+          </a:p>
+          <a:p>
+            <a:r>
+              <a:rPr lang="en-US" dirty="0">
                 <a:latin typeface="Courier New" panose="02070309020205020404" pitchFamily="49" charset="0"/>
                 <a:cs typeface="Courier New" panose="02070309020205020404" pitchFamily="49" charset="0"/>
               </a:rPr>
               <a:t>DEBUG</a:t>
             </a:r>
-            <a:endParaRPr lang="en-US" dirty="0" smtClean="0"/>
+            <a:endParaRPr lang="en-US" dirty="0"/>
           </a:p>
         </p:txBody>
       </p:sp>
@@ -8902,7 +8819,7 @@
           <a:lstStyle/>
           <a:p>
             <a:r>
-              <a:rPr lang="en-US" dirty="0" smtClean="0"/>
+              <a:rPr lang="en-US" dirty="0"/>
               <a:t>Log messages</a:t>
             </a:r>
             <a:endParaRPr lang="nl-BE" dirty="0"/>
@@ -8925,38 +8842,38 @@
           <a:lstStyle/>
           <a:p>
             <a:r>
-              <a:rPr lang="en-US" dirty="0" smtClean="0"/>
+              <a:rPr lang="en-US" dirty="0"/>
               <a:t>Log to </a:t>
             </a:r>
             <a:r>
-              <a:rPr lang="en-US" dirty="0" smtClean="0">
+              <a:rPr lang="en-US" dirty="0">
                 <a:latin typeface="Courier New" panose="02070309020205020404" pitchFamily="49" charset="0"/>
                 <a:cs typeface="Courier New" panose="02070309020205020404" pitchFamily="49" charset="0"/>
               </a:rPr>
               <a:t>DEBUG</a:t>
             </a:r>
             <a:r>
-              <a:rPr lang="en-US" dirty="0" smtClean="0"/>
+              <a:rPr lang="en-US" dirty="0"/>
               <a:t> level</a:t>
             </a:r>
           </a:p>
           <a:p>
-            <a:endParaRPr lang="en-US" dirty="0" smtClean="0"/>
-          </a:p>
-          <a:p>
-            <a:r>
-              <a:rPr lang="en-US" dirty="0" smtClean="0"/>
+            <a:endParaRPr lang="en-US" dirty="0"/>
+          </a:p>
+          <a:p>
+            <a:r>
+              <a:rPr lang="en-US" dirty="0"/>
               <a:t>Log to </a:t>
             </a:r>
             <a:r>
-              <a:rPr lang="en-US" dirty="0" smtClean="0">
+              <a:rPr lang="en-US" dirty="0">
                 <a:latin typeface="Courier New" panose="02070309020205020404" pitchFamily="49" charset="0"/>
                 <a:cs typeface="Courier New" panose="02070309020205020404" pitchFamily="49" charset="0"/>
               </a:rPr>
               <a:t>INFO</a:t>
             </a:r>
             <a:r>
-              <a:rPr lang="en-US" dirty="0" smtClean="0"/>
+              <a:rPr lang="en-US" dirty="0"/>
               <a:t> level</a:t>
             </a:r>
           </a:p>
@@ -8965,18 +8882,18 @@
           </a:p>
           <a:p>
             <a:r>
-              <a:rPr lang="en-US" dirty="0" smtClean="0"/>
+              <a:rPr lang="en-US" dirty="0"/>
               <a:t>Log to </a:t>
             </a:r>
             <a:r>
-              <a:rPr lang="en-US" dirty="0" smtClean="0">
+              <a:rPr lang="en-US" dirty="0">
                 <a:latin typeface="Courier New" panose="02070309020205020404" pitchFamily="49" charset="0"/>
                 <a:cs typeface="Courier New" panose="02070309020205020404" pitchFamily="49" charset="0"/>
               </a:rPr>
               <a:t>CRITICAL</a:t>
             </a:r>
             <a:r>
-              <a:rPr lang="en-US" dirty="0" smtClean="0"/>
+              <a:rPr lang="en-US" dirty="0"/>
               <a:t> level</a:t>
             </a:r>
             <a:endParaRPr lang="nl-BE" dirty="0"/>
@@ -9785,7 +9702,7 @@
           <a:lstStyle/>
           <a:p>
             <a:r>
-              <a:rPr lang="en-US" dirty="0" smtClean="0"/>
+              <a:rPr lang="en-US" dirty="0"/>
               <a:t>Logging destinations</a:t>
             </a:r>
             <a:endParaRPr lang="nl-BE" dirty="0"/>
@@ -9808,25 +9725,25 @@
           <a:lstStyle/>
           <a:p>
             <a:r>
-              <a:rPr lang="en-US" dirty="0" smtClean="0"/>
+              <a:rPr lang="en-US" dirty="0"/>
               <a:t>File</a:t>
             </a:r>
           </a:p>
           <a:p>
             <a:r>
-              <a:rPr lang="en-US" dirty="0" smtClean="0"/>
+              <a:rPr lang="en-US" dirty="0"/>
               <a:t>Rotating files</a:t>
             </a:r>
           </a:p>
           <a:p>
             <a:r>
-              <a:rPr lang="en-US" dirty="0" smtClean="0"/>
+              <a:rPr lang="en-US" dirty="0"/>
               <a:t>syslog</a:t>
             </a:r>
           </a:p>
           <a:p>
             <a:r>
-              <a:rPr lang="en-US" dirty="0" smtClean="0"/>
+              <a:rPr lang="en-US" dirty="0"/>
               <a:t>…</a:t>
             </a:r>
             <a:endParaRPr lang="nl-BE" dirty="0"/>
@@ -9881,13 +9798,6 @@
   <p:clrMapOvr>
     <a:masterClrMapping/>
   </p:clrMapOvr>
-  <p:timing>
-    <p:tnLst>
-      <p:par>
-        <p:cTn id="1" dur="indefinite" restart="never" nodeType="tmRoot"/>
-      </p:par>
-    </p:tnLst>
-  </p:timing>
 </p:sld>
 </file>
 
@@ -9924,7 +9834,7 @@
           <a:lstStyle/>
           <a:p>
             <a:r>
-              <a:rPr lang="en-US" dirty="0" smtClean="0"/>
+              <a:rPr lang="en-US" dirty="0"/>
               <a:t>Further reading: logging</a:t>
             </a:r>
             <a:endParaRPr lang="nl-BE" dirty="0"/>
@@ -9957,13 +9867,13 @@
               <a:rPr lang="en-US" sz="2400" dirty="0">
                 <a:hlinkClick r:id="rId2"/>
               </a:rPr>
-              <a:t>https://docs.python.org/3.5/howto/logging.html</a:t>
+              <a:t>https://docs.python.org/3.7/howto/logging.html</a:t>
             </a:r>
             <a:r>
               <a:rPr lang="en-US" sz="2400" dirty="0"/>
               <a:t> </a:t>
             </a:r>
-            <a:endParaRPr lang="en-US" dirty="0" smtClean="0"/>
+            <a:endParaRPr lang="en-US" dirty="0"/>
           </a:p>
           <a:p>
             <a:r>
@@ -9977,13 +9887,13 @@
               <a:rPr lang="en-US" sz="2400" dirty="0">
                 <a:hlinkClick r:id="rId3"/>
               </a:rPr>
-              <a:t>https://docs.python.org/3.5/howto/logging-cookbook.html</a:t>
+              <a:t>https://docs.python.org/3.7/howto/logging-cookbook.html</a:t>
             </a:r>
             <a:r>
               <a:rPr lang="en-US" sz="2400" dirty="0"/>
               <a:t> </a:t>
             </a:r>
-            <a:endParaRPr lang="en-US" dirty="0" smtClean="0"/>
+            <a:endParaRPr lang="en-US" dirty="0"/>
           </a:p>
         </p:txBody>
       </p:sp>
@@ -10035,13 +9945,6 @@
   <p:clrMapOvr>
     <a:masterClrMapping/>
   </p:clrMapOvr>
-  <p:timing>
-    <p:tnLst>
-      <p:par>
-        <p:cTn id="1" dur="indefinite" restart="never" nodeType="tmRoot"/>
-      </p:par>
-    </p:tnLst>
-  </p:timing>
 </p:sld>
 </file>
 
@@ -10108,28 +10011,15 @@
           <a:lstStyle/>
           <a:p>
             <a:r>
-              <a:rPr lang="en-US" sz="4000" dirty="0" smtClean="0">
-                <a:hlinkClick r:id="rId2"/>
-              </a:rPr>
-              <a:t>http</a:t>
-            </a:r>
-            <a:r>
               <a:rPr lang="en-US" sz="4000" dirty="0">
                 <a:hlinkClick r:id="rId2"/>
               </a:rPr>
-              <a:t>://</a:t>
-            </a:r>
-            <a:r>
-              <a:rPr lang="en-US" sz="4000" dirty="0" smtClean="0">
-                <a:hlinkClick r:id="rId2"/>
-              </a:rPr>
-              <a:t>bit.ly/2QKwRLd</a:t>
-            </a:r>
-            <a:r>
-              <a:rPr lang="en-US" sz="4000" dirty="0" smtClean="0"/>
+              <a:t>http://bit.ly/2QKwRLd</a:t>
+            </a:r>
+            <a:r>
+              <a:rPr lang="en-US" sz="4000" dirty="0"/>
               <a:t>  </a:t>
             </a:r>
-            <a:endParaRPr lang="en-US" sz="4000" dirty="0"/>
           </a:p>
         </p:txBody>
       </p:sp>
@@ -10173,13 +10063,6 @@
   <p:clrMapOvr>
     <a:masterClrMapping/>
   </p:clrMapOvr>
-  <p:timing>
-    <p:tnLst>
-      <p:par>
-        <p:cTn id="1" dur="indefinite" restart="never" nodeType="tmRoot"/>
-      </p:par>
-    </p:tnLst>
-  </p:timing>
 </p:sld>
 </file>
 
@@ -10216,17 +10099,16 @@
           <a:lstStyle/>
           <a:p>
             <a:r>
-              <a:rPr lang="en-US" dirty="0" smtClean="0"/>
+              <a:rPr lang="en-US" dirty="0"/>
               <a:t>File system operations:</a:t>
             </a:r>
             <a:br>
-              <a:rPr lang="en-US" dirty="0" smtClean="0"/>
+              <a:rPr lang="en-US" dirty="0"/>
             </a:br>
             <a:r>
-              <a:rPr lang="en-US" dirty="0" smtClean="0"/>
+              <a:rPr lang="en-US" dirty="0"/>
               <a:t>Handling files and directories</a:t>
             </a:r>
-            <a:endParaRPr lang="en-US" dirty="0"/>
           </a:p>
         </p:txBody>
       </p:sp>
@@ -10251,19 +10133,12 @@
               <a:rPr lang="en-US" sz="1800" dirty="0">
                 <a:hlinkClick r:id="rId2"/>
               </a:rPr>
-              <a:t>https://</a:t>
-            </a:r>
-            <a:r>
-              <a:rPr lang="en-US" sz="1800" dirty="0" smtClean="0">
-                <a:hlinkClick r:id="rId2"/>
-              </a:rPr>
-              <a:t>github.com/gjbex/Python-for-systems-programming/tree/master/source-code/file-system</a:t>
-            </a:r>
-            <a:r>
-              <a:rPr lang="en-US" sz="1800" dirty="0" smtClean="0"/>
+              <a:t>https://github.com/gjbex/Python-for-systems-programming/tree/master/source-code/file-system</a:t>
+            </a:r>
+            <a:r>
+              <a:rPr lang="en-US" sz="1800" dirty="0"/>
               <a:t> </a:t>
             </a:r>
-            <a:endParaRPr lang="en-US" sz="1800" dirty="0"/>
           </a:p>
         </p:txBody>
       </p:sp>
@@ -10315,13 +10190,6 @@
   <p:clrMapOvr>
     <a:masterClrMapping/>
   </p:clrMapOvr>
-  <p:timing>
-    <p:tnLst>
-      <p:par>
-        <p:cTn id="1" dur="indefinite" restart="never" nodeType="tmRoot"/>
-      </p:par>
-    </p:tnLst>
-  </p:timing>
 </p:sld>
 </file>
 
@@ -10358,10 +10226,9 @@
           <a:lstStyle/>
           <a:p>
             <a:r>
-              <a:rPr lang="en-US" dirty="0" smtClean="0"/>
+              <a:rPr lang="en-US" dirty="0"/>
               <a:t>Working with files in directories</a:t>
             </a:r>
-            <a:endParaRPr lang="en-US" dirty="0"/>
           </a:p>
         </p:txBody>
       </p:sp>
@@ -10381,32 +10248,31 @@
           <a:lstStyle/>
           <a:p>
             <a:r>
-              <a:rPr lang="en-US" dirty="0" smtClean="0"/>
+              <a:rPr lang="en-US" dirty="0"/>
               <a:t>Directory contains files </a:t>
             </a:r>
             <a:r>
-              <a:rPr lang="en-US" dirty="0" smtClean="0">
+              <a:rPr lang="en-US" dirty="0">
                 <a:latin typeface="Courier New" pitchFamily="49" charset="0"/>
                 <a:cs typeface="Courier New" pitchFamily="49" charset="0"/>
               </a:rPr>
               <a:t>data_001.txt</a:t>
             </a:r>
             <a:r>
-              <a:rPr lang="en-US" dirty="0" smtClean="0"/>
+              <a:rPr lang="en-US" dirty="0"/>
               <a:t>, </a:t>
             </a:r>
             <a:r>
-              <a:rPr lang="en-US" dirty="0" smtClean="0">
+              <a:rPr lang="en-US" dirty="0">
                 <a:latin typeface="Courier New" pitchFamily="49" charset="0"/>
                 <a:cs typeface="Courier New" pitchFamily="49" charset="0"/>
               </a:rPr>
               <a:t>data_002.txt</a:t>
             </a:r>
             <a:r>
-              <a:rPr lang="en-US" dirty="0" smtClean="0"/>
+              <a:rPr lang="en-US" dirty="0"/>
               <a:t>,…</a:t>
             </a:r>
-            <a:endParaRPr lang="en-US" dirty="0"/>
           </a:p>
         </p:txBody>
       </p:sp>
@@ -11119,13 +10985,6 @@
   <p:clrMapOvr>
     <a:masterClrMapping/>
   </p:clrMapOvr>
-  <p:timing>
-    <p:tnLst>
-      <p:par>
-        <p:cTn id="1" dur="indefinite" restart="never" nodeType="tmRoot"/>
-      </p:par>
-    </p:tnLst>
-  </p:timing>
 </p:sld>
 </file>
 
@@ -11162,10 +11021,9 @@
           <a:lstStyle/>
           <a:p>
             <a:r>
-              <a:rPr lang="en-US" dirty="0" smtClean="0"/>
+              <a:rPr lang="en-US" dirty="0"/>
               <a:t>Using glob</a:t>
             </a:r>
-            <a:endParaRPr lang="en-US" dirty="0"/>
           </a:p>
         </p:txBody>
       </p:sp>
@@ -11254,16 +11112,6 @@
                 <a:cs typeface="Courier New" pitchFamily="49" charset="0"/>
               </a:rPr>
               <a:t>FileType</a:t>
-            </a:r>
-            <a:r>
-              <a:rPr lang="en-US" sz="1400" dirty="0">
-                <a:solidFill>
-                  <a:prstClr val="black"/>
-                </a:solidFill>
-                <a:latin typeface="Courier New" pitchFamily="49" charset="0"/>
-                <a:cs typeface="Courier New" pitchFamily="49" charset="0"/>
-              </a:rPr>
-              <a:t/>
             </a:r>
             <a:br>
               <a:rPr lang="en-US" sz="1400" dirty="0">
@@ -12413,10 +12261,9 @@
           <a:lstStyle/>
           <a:p>
             <a:r>
-              <a:rPr lang="en-US" dirty="0" smtClean="0"/>
+              <a:rPr lang="en-US" dirty="0"/>
               <a:t>Path operations</a:t>
             </a:r>
-            <a:endParaRPr lang="en-US" dirty="0"/>
           </a:p>
         </p:txBody>
       </p:sp>
@@ -12443,36 +12290,36 @@
           <a:lstStyle/>
           <a:p>
             <a:r>
-              <a:rPr lang="en-US" dirty="0" smtClean="0"/>
+              <a:rPr lang="en-US" dirty="0"/>
               <a:t>Many operations in </a:t>
             </a:r>
             <a:r>
-              <a:rPr lang="en-US" dirty="0" err="1" smtClean="0">
+              <a:rPr lang="en-US" dirty="0" err="1">
                 <a:latin typeface="Courier New" pitchFamily="49" charset="0"/>
                 <a:cs typeface="Courier New" pitchFamily="49" charset="0"/>
               </a:rPr>
               <a:t>pathlib</a:t>
             </a:r>
             <a:r>
-              <a:rPr lang="en-US" dirty="0" smtClean="0"/>
+              <a:rPr lang="en-US" dirty="0"/>
               <a:t> package</a:t>
             </a:r>
           </a:p>
           <a:p>
             <a:pPr lvl="1"/>
             <a:r>
-              <a:rPr lang="en-US" dirty="0" smtClean="0"/>
+              <a:rPr lang="en-US" dirty="0"/>
               <a:t>Current working directory: </a:t>
             </a:r>
             <a:r>
-              <a:rPr lang="en-US" dirty="0" err="1" smtClean="0">
+              <a:rPr lang="en-US" dirty="0" err="1">
                 <a:latin typeface="Courier New" pitchFamily="49" charset="0"/>
                 <a:cs typeface="Courier New" pitchFamily="49" charset="0"/>
               </a:rPr>
               <a:t>Path.cwd</a:t>
             </a:r>
             <a:r>
-              <a:rPr lang="en-US" dirty="0" smtClean="0">
+              <a:rPr lang="en-US" dirty="0">
                 <a:latin typeface="Courier New" pitchFamily="49" charset="0"/>
                 <a:cs typeface="Courier New" pitchFamily="49" charset="0"/>
               </a:rPr>
@@ -12482,11 +12329,11 @@
           <a:p>
             <a:pPr lvl="1"/>
             <a:r>
-              <a:rPr lang="en-US" dirty="0" smtClean="0"/>
+              <a:rPr lang="en-US" dirty="0"/>
               <a:t>Create path:</a:t>
             </a:r>
             <a:br>
-              <a:rPr lang="en-US" dirty="0" smtClean="0"/>
+              <a:rPr lang="en-US" dirty="0"/>
             </a:br>
             <a:r>
               <a:rPr lang="en-US" sz="2000" dirty="0">
@@ -12546,7 +12393,7 @@
           </a:p>
           <a:p>
             <a:pPr lvl="1"/>
-            <a:endParaRPr lang="en-US" dirty="0" smtClean="0">
+            <a:endParaRPr lang="en-US" dirty="0">
               <a:latin typeface="Courier New" pitchFamily="49" charset="0"/>
               <a:cs typeface="Courier New" pitchFamily="49" charset="0"/>
             </a:endParaRPr>
@@ -12554,7 +12401,7 @@
           <a:p>
             <a:pPr lvl="1"/>
             <a:r>
-              <a:rPr lang="en-US" dirty="0" smtClean="0"/>
+              <a:rPr lang="en-US" dirty="0"/>
               <a:t>Dissecting paths:</a:t>
             </a:r>
           </a:p>
@@ -12604,13 +12451,6 @@
               </a:rPr>
               <a:t>path.parent</a:t>
             </a:r>
-            <a:r>
-              <a:rPr lang="en-US" sz="2100" dirty="0">
-                <a:latin typeface="Courier New" pitchFamily="49" charset="0"/>
-                <a:cs typeface="Courier New" pitchFamily="49" charset="0"/>
-              </a:rPr>
-              <a:t/>
-            </a:r>
             <a:br>
               <a:rPr lang="en-US" sz="2100" dirty="0">
                 <a:latin typeface="Courier New" pitchFamily="49" charset="0"/>
@@ -12669,13 +12509,6 @@
               </a:rPr>
               <a:t>path.parts</a:t>
             </a:r>
-            <a:r>
-              <a:rPr lang="en-US" sz="2100" dirty="0">
-                <a:latin typeface="Courier New" pitchFamily="49" charset="0"/>
-                <a:cs typeface="Courier New" pitchFamily="49" charset="0"/>
-              </a:rPr>
-              <a:t/>
-            </a:r>
             <a:br>
               <a:rPr lang="en-US" sz="2100" dirty="0">
                 <a:latin typeface="Courier New" pitchFamily="49" charset="0"/>
@@ -12726,13 +12559,6 @@
                 <a:cs typeface="Courier New" pitchFamily="49" charset="0"/>
               </a:rPr>
               <a:t>path.suffix</a:t>
-            </a:r>
-            <a:r>
-              <a:rPr lang="en-US" sz="2100" dirty="0">
-                <a:latin typeface="Courier New" pitchFamily="49" charset="0"/>
-                <a:cs typeface="Courier New" pitchFamily="49" charset="0"/>
-              </a:rPr>
-              <a:t/>
             </a:r>
             <a:br>
               <a:rPr lang="en-US" sz="2100" dirty="0">
@@ -13581,10 +13407,9 @@
           <a:lstStyle/>
           <a:p>
             <a:r>
-              <a:rPr lang="en-US" dirty="0" smtClean="0"/>
+              <a:rPr lang="en-US" dirty="0"/>
               <a:t>File system tests</a:t>
             </a:r>
-            <a:endParaRPr lang="en-US" dirty="0"/>
           </a:p>
         </p:txBody>
       </p:sp>
@@ -13613,21 +13438,21 @@
           <a:p>
             <a:pPr lvl="1"/>
             <a:r>
-              <a:rPr lang="en-US" dirty="0" err="1" smtClean="0">
+              <a:rPr lang="en-US" dirty="0" err="1">
                 <a:latin typeface="Courier New" pitchFamily="49" charset="0"/>
                 <a:cs typeface="Courier New" pitchFamily="49" charset="0"/>
               </a:rPr>
               <a:t>path.exists</a:t>
             </a:r>
             <a:r>
-              <a:rPr lang="en-US" dirty="0" smtClean="0">
+              <a:rPr lang="en-US" dirty="0">
                 <a:latin typeface="Courier New" pitchFamily="49" charset="0"/>
                 <a:cs typeface="Courier New" pitchFamily="49" charset="0"/>
               </a:rPr>
               <a:t>()</a:t>
             </a:r>
             <a:r>
-              <a:rPr lang="en-US" dirty="0" smtClean="0"/>
+              <a:rPr lang="en-US" dirty="0"/>
               <a:t>: </a:t>
             </a:r>
             <a:r>
@@ -13650,13 +13475,9 @@
             </a:r>
             <a:r>
               <a:rPr lang="en-US" dirty="0"/>
-              <a:t> </a:t>
-            </a:r>
-            <a:r>
-              <a:rPr lang="en-US" dirty="0" smtClean="0"/>
-              <a:t>exists</a:t>
-            </a:r>
-            <a:endParaRPr lang="en-US" dirty="0" smtClean="0">
+              <a:t> exists</a:t>
+            </a:r>
+            <a:endParaRPr lang="en-US" dirty="0">
               <a:latin typeface="Courier New" pitchFamily="49" charset="0"/>
               <a:cs typeface="Courier New" pitchFamily="49" charset="0"/>
             </a:endParaRPr>
@@ -13664,21 +13485,21 @@
           <a:p>
             <a:pPr lvl="1"/>
             <a:r>
-              <a:rPr lang="en-US" dirty="0" err="1" smtClean="0">
+              <a:rPr lang="en-US" dirty="0" err="1">
                 <a:latin typeface="Courier New" pitchFamily="49" charset="0"/>
                 <a:cs typeface="Courier New" pitchFamily="49" charset="0"/>
               </a:rPr>
               <a:t>path.is_file</a:t>
             </a:r>
             <a:r>
-              <a:rPr lang="en-US" dirty="0" smtClean="0">
+              <a:rPr lang="en-US" dirty="0">
                 <a:latin typeface="Courier New" pitchFamily="49" charset="0"/>
                 <a:cs typeface="Courier New" pitchFamily="49" charset="0"/>
               </a:rPr>
               <a:t>()</a:t>
             </a:r>
             <a:r>
-              <a:rPr lang="en-US" dirty="0" smtClean="0"/>
+              <a:rPr lang="en-US" dirty="0"/>
               <a:t>: </a:t>
             </a:r>
             <a:r>
@@ -13701,32 +13522,27 @@
             </a:r>
             <a:r>
               <a:rPr lang="en-US" dirty="0"/>
-              <a:t> is </a:t>
-            </a:r>
-            <a:r>
-              <a:rPr lang="en-US" dirty="0" smtClean="0"/>
-              <a:t>file</a:t>
-            </a:r>
-            <a:endParaRPr lang="en-US" dirty="0"/>
+              <a:t> is file</a:t>
+            </a:r>
           </a:p>
           <a:p>
             <a:pPr lvl="1"/>
             <a:r>
-              <a:rPr lang="en-US" dirty="0" err="1" smtClean="0">
+              <a:rPr lang="en-US" dirty="0" err="1">
                 <a:latin typeface="Courier New" pitchFamily="49" charset="0"/>
                 <a:cs typeface="Courier New" pitchFamily="49" charset="0"/>
               </a:rPr>
               <a:t>path.is_dir</a:t>
             </a:r>
             <a:r>
-              <a:rPr lang="en-US" dirty="0" smtClean="0">
+              <a:rPr lang="en-US" dirty="0">
                 <a:latin typeface="Courier New" pitchFamily="49" charset="0"/>
                 <a:cs typeface="Courier New" pitchFamily="49" charset="0"/>
               </a:rPr>
               <a:t>()</a:t>
             </a:r>
             <a:r>
-              <a:rPr lang="en-US" dirty="0" smtClean="0"/>
+              <a:rPr lang="en-US" dirty="0"/>
               <a:t>: </a:t>
             </a:r>
             <a:r>
@@ -13749,32 +13565,27 @@
             </a:r>
             <a:r>
               <a:rPr lang="en-US" dirty="0"/>
-              <a:t> is </a:t>
-            </a:r>
-            <a:r>
-              <a:rPr lang="en-US" dirty="0" smtClean="0"/>
-              <a:t>directory</a:t>
-            </a:r>
-            <a:endParaRPr lang="en-US" dirty="0"/>
+              <a:t> is directory</a:t>
+            </a:r>
           </a:p>
           <a:p>
             <a:pPr lvl="1"/>
             <a:r>
-              <a:rPr lang="en-US" dirty="0" err="1" smtClean="0">
+              <a:rPr lang="en-US" dirty="0" err="1">
                 <a:latin typeface="Courier New" pitchFamily="49" charset="0"/>
                 <a:cs typeface="Courier New" pitchFamily="49" charset="0"/>
               </a:rPr>
               <a:t>path.is_symlink</a:t>
             </a:r>
             <a:r>
-              <a:rPr lang="en-US" dirty="0" smtClean="0">
+              <a:rPr lang="en-US" dirty="0">
                 <a:latin typeface="Courier New" pitchFamily="49" charset="0"/>
                 <a:cs typeface="Courier New" pitchFamily="49" charset="0"/>
               </a:rPr>
               <a:t>()</a:t>
             </a:r>
             <a:r>
-              <a:rPr lang="en-US" dirty="0" smtClean="0"/>
+              <a:rPr lang="en-US" dirty="0"/>
               <a:t>: </a:t>
             </a:r>
             <a:r>
@@ -13797,123 +13608,111 @@
             </a:r>
             <a:r>
               <a:rPr lang="en-US" dirty="0"/>
-              <a:t> </a:t>
-            </a:r>
-            <a:r>
-              <a:rPr lang="en-US" dirty="0" smtClean="0"/>
-              <a:t>is </a:t>
-            </a:r>
-            <a:r>
-              <a:rPr lang="en-US" dirty="0"/>
-              <a:t>link</a:t>
+              <a:t> is link</a:t>
             </a:r>
           </a:p>
           <a:p>
             <a:pPr lvl="1"/>
             <a:r>
-              <a:rPr lang="en-US" dirty="0" err="1" smtClean="0">
+              <a:rPr lang="en-US" dirty="0" err="1">
                 <a:latin typeface="Courier New" pitchFamily="49" charset="0"/>
                 <a:cs typeface="Courier New" pitchFamily="49" charset="0"/>
               </a:rPr>
               <a:t>pathlib.os.access</a:t>
             </a:r>
             <a:r>
-              <a:rPr lang="en-US" dirty="0" smtClean="0">
+              <a:rPr lang="en-US" dirty="0">
                 <a:latin typeface="Courier New" pitchFamily="49" charset="0"/>
                 <a:cs typeface="Courier New" pitchFamily="49" charset="0"/>
               </a:rPr>
               <a:t>(path, </a:t>
             </a:r>
             <a:br>
-              <a:rPr lang="en-US" dirty="0" smtClean="0">
+              <a:rPr lang="en-US" dirty="0">
                 <a:latin typeface="Courier New" pitchFamily="49" charset="0"/>
                 <a:cs typeface="Courier New" pitchFamily="49" charset="0"/>
               </a:rPr>
             </a:br>
             <a:r>
-              <a:rPr lang="en-US" dirty="0" smtClean="0">
+              <a:rPr lang="en-US" dirty="0">
                 <a:latin typeface="Courier New" pitchFamily="49" charset="0"/>
                 <a:cs typeface="Courier New" pitchFamily="49" charset="0"/>
               </a:rPr>
               <a:t>                  </a:t>
             </a:r>
             <a:r>
-              <a:rPr lang="en-US" dirty="0" err="1" smtClean="0">
+              <a:rPr lang="en-US" dirty="0" err="1">
                 <a:latin typeface="Courier New" pitchFamily="49" charset="0"/>
                 <a:cs typeface="Courier New" pitchFamily="49" charset="0"/>
               </a:rPr>
               <a:t>pathlib.os.R_OK</a:t>
             </a:r>
             <a:r>
-              <a:rPr lang="en-US" dirty="0" smtClean="0">
+              <a:rPr lang="en-US" dirty="0">
                 <a:latin typeface="Courier New" pitchFamily="49" charset="0"/>
                 <a:cs typeface="Courier New" pitchFamily="49" charset="0"/>
               </a:rPr>
               <a:t>)</a:t>
-            </a:r>
-            <a:r>
-              <a:rPr lang="en-US" dirty="0" smtClean="0"/>
-              <a:t>: </a:t>
-            </a:r>
-            <a:r>
-              <a:rPr lang="en-US" dirty="0" smtClean="0">
-                <a:latin typeface="Courier New" pitchFamily="49" charset="0"/>
-                <a:cs typeface="Courier New" pitchFamily="49" charset="0"/>
-              </a:rPr>
-              <a:t>True</a:t>
-            </a:r>
-            <a:r>
-              <a:rPr lang="en-US" dirty="0" smtClean="0"/>
-              <a:t> if </a:t>
-            </a:r>
-            <a:r>
-              <a:rPr lang="en-US" dirty="0" smtClean="0">
-                <a:latin typeface="Courier New" pitchFamily="49" charset="0"/>
-                <a:cs typeface="Courier New" pitchFamily="49" charset="0"/>
-              </a:rPr>
-              <a:t>path</a:t>
-            </a:r>
-            <a:r>
-              <a:rPr lang="en-US" dirty="0" smtClean="0"/>
-              <a:t> can be read</a:t>
-            </a:r>
-          </a:p>
-          <a:p>
-            <a:pPr lvl="2"/>
-            <a:r>
-              <a:rPr lang="en-US" dirty="0" err="1" smtClean="0">
-                <a:latin typeface="Courier New" pitchFamily="49" charset="0"/>
-                <a:cs typeface="Courier New" pitchFamily="49" charset="0"/>
-              </a:rPr>
-              <a:t>pathlib.os.R_OK</a:t>
-            </a:r>
-            <a:r>
-              <a:rPr lang="en-US" dirty="0" smtClean="0"/>
-              <a:t>: read permission</a:t>
-            </a:r>
-          </a:p>
-          <a:p>
-            <a:pPr lvl="2"/>
-            <a:r>
-              <a:rPr lang="en-US" dirty="0" err="1" smtClean="0">
-                <a:latin typeface="Courier New" pitchFamily="49" charset="0"/>
-                <a:cs typeface="Courier New" pitchFamily="49" charset="0"/>
-              </a:rPr>
-              <a:t>pathlib.os.W_OK</a:t>
             </a:r>
             <a:r>
               <a:rPr lang="en-US" dirty="0"/>
               <a:t>: </a:t>
             </a:r>
             <a:r>
-              <a:rPr lang="en-US" dirty="0" smtClean="0"/>
-              <a:t>write permission</a:t>
+              <a:rPr lang="en-US" dirty="0">
+                <a:latin typeface="Courier New" pitchFamily="49" charset="0"/>
+                <a:cs typeface="Courier New" pitchFamily="49" charset="0"/>
+              </a:rPr>
+              <a:t>True</a:t>
+            </a:r>
+            <a:r>
+              <a:rPr lang="en-US" dirty="0"/>
+              <a:t> if </a:t>
+            </a:r>
+            <a:r>
+              <a:rPr lang="en-US" dirty="0">
+                <a:latin typeface="Courier New" pitchFamily="49" charset="0"/>
+                <a:cs typeface="Courier New" pitchFamily="49" charset="0"/>
+              </a:rPr>
+              <a:t>path</a:t>
+            </a:r>
+            <a:r>
+              <a:rPr lang="en-US" dirty="0"/>
+              <a:t> can be read</a:t>
             </a:r>
           </a:p>
           <a:p>
             <a:pPr lvl="2"/>
             <a:r>
-              <a:rPr lang="en-US" dirty="0" err="1" smtClean="0">
+              <a:rPr lang="en-US" dirty="0" err="1">
+                <a:latin typeface="Courier New" pitchFamily="49" charset="0"/>
+                <a:cs typeface="Courier New" pitchFamily="49" charset="0"/>
+              </a:rPr>
+              <a:t>pathlib.os.R_OK</a:t>
+            </a:r>
+            <a:r>
+              <a:rPr lang="en-US" dirty="0"/>
+              <a:t>: read permission</a:t>
+            </a:r>
+          </a:p>
+          <a:p>
+            <a:pPr lvl="2"/>
+            <a:r>
+              <a:rPr lang="en-US" dirty="0" err="1">
+                <a:latin typeface="Courier New" pitchFamily="49" charset="0"/>
+                <a:cs typeface="Courier New" pitchFamily="49" charset="0"/>
+              </a:rPr>
+              <a:t>pathlib.os.W_OK</a:t>
+            </a:r>
+            <a:r>
+              <a:rPr lang="en-US" dirty="0"/>
+              <a:t>: write permission</a:t>
+            </a:r>
+          </a:p>
+          <a:p>
+            <a:pPr lvl="2"/>
+            <a:r>
+              <a:rPr lang="en-US" dirty="0" err="1">
                 <a:latin typeface="Courier New" pitchFamily="49" charset="0"/>
                 <a:cs typeface="Courier New" pitchFamily="49" charset="0"/>
               </a:rPr>
@@ -13921,13 +13720,8 @@
             </a:r>
             <a:r>
               <a:rPr lang="en-US" dirty="0"/>
-              <a:t>: </a:t>
-            </a:r>
-            <a:r>
-              <a:rPr lang="en-US" dirty="0" smtClean="0"/>
-              <a:t>execute permission</a:t>
-            </a:r>
-            <a:endParaRPr lang="en-US" dirty="0"/>
+              <a:t>: execute permission</a:t>
+            </a:r>
           </a:p>
         </p:txBody>
       </p:sp>
@@ -14505,7 +14299,7 @@
           <a:lstStyle/>
           <a:p>
             <a:r>
-              <a:rPr lang="en-US" dirty="0" smtClean="0"/>
+              <a:rPr lang="en-US" dirty="0"/>
               <a:t>Copying, moving, deleting</a:t>
             </a:r>
             <a:endParaRPr lang="nl-BE" dirty="0"/>
@@ -14530,61 +14324,61 @@
           <a:lstStyle/>
           <a:p>
             <a:r>
-              <a:rPr lang="en-US" dirty="0" smtClean="0"/>
+              <a:rPr lang="en-US" dirty="0"/>
               <a:t>Functions in </a:t>
             </a:r>
             <a:r>
-              <a:rPr lang="en-US" dirty="0" err="1" smtClean="0">
+              <a:rPr lang="en-US" dirty="0" err="1">
                 <a:latin typeface="Courier New" pitchFamily="49" charset="0"/>
                 <a:cs typeface="Courier New" pitchFamily="49" charset="0"/>
               </a:rPr>
               <a:t>os</a:t>
             </a:r>
             <a:r>
-              <a:rPr lang="en-US" dirty="0" smtClean="0"/>
+              <a:rPr lang="en-US" dirty="0"/>
               <a:t> and </a:t>
             </a:r>
             <a:r>
-              <a:rPr lang="en-US" dirty="0" err="1" smtClean="0">
+              <a:rPr lang="en-US" dirty="0" err="1">
                 <a:latin typeface="Courier New" pitchFamily="49" charset="0"/>
                 <a:cs typeface="Courier New" pitchFamily="49" charset="0"/>
               </a:rPr>
               <a:t>shutil</a:t>
             </a:r>
             <a:r>
-              <a:rPr lang="en-US" dirty="0" smtClean="0"/>
+              <a:rPr lang="en-US" dirty="0"/>
               <a:t> modules</a:t>
             </a:r>
           </a:p>
           <a:p>
             <a:pPr lvl="1"/>
             <a:r>
-              <a:rPr lang="en-US" dirty="0" smtClean="0"/>
+              <a:rPr lang="en-US" dirty="0"/>
               <a:t>copy file: </a:t>
             </a:r>
             <a:r>
-              <a:rPr lang="en-US" dirty="0" err="1" smtClean="0">
+              <a:rPr lang="en-US" dirty="0" err="1">
                 <a:latin typeface="Courier New" pitchFamily="49" charset="0"/>
                 <a:cs typeface="Courier New" pitchFamily="49" charset="0"/>
               </a:rPr>
               <a:t>shutil.copy</a:t>
             </a:r>
             <a:r>
-              <a:rPr lang="en-US" dirty="0" smtClean="0">
+              <a:rPr lang="en-US" dirty="0">
                 <a:latin typeface="Courier New" pitchFamily="49" charset="0"/>
                 <a:cs typeface="Courier New" pitchFamily="49" charset="0"/>
               </a:rPr>
               <a:t>(source, </a:t>
             </a:r>
             <a:r>
-              <a:rPr lang="en-US" dirty="0" err="1" smtClean="0">
+              <a:rPr lang="en-US" dirty="0" err="1">
                 <a:latin typeface="Courier New" pitchFamily="49" charset="0"/>
                 <a:cs typeface="Courier New" pitchFamily="49" charset="0"/>
               </a:rPr>
               <a:t>dest</a:t>
             </a:r>
             <a:r>
-              <a:rPr lang="en-US" dirty="0" smtClean="0">
+              <a:rPr lang="en-US" dirty="0">
                 <a:latin typeface="Courier New" pitchFamily="49" charset="0"/>
                 <a:cs typeface="Courier New" pitchFamily="49" charset="0"/>
               </a:rPr>
@@ -14594,25 +14388,25 @@
           <a:p>
             <a:pPr lvl="1"/>
             <a:r>
-              <a:rPr lang="en-US" dirty="0" smtClean="0"/>
+              <a:rPr lang="en-US" dirty="0"/>
               <a:t>copy file, preserving ownership, timestamps: </a:t>
             </a:r>
             <a:r>
-              <a:rPr lang="en-US" dirty="0" smtClean="0">
+              <a:rPr lang="en-US" dirty="0">
                 <a:latin typeface="Courier New" pitchFamily="49" charset="0"/>
                 <a:cs typeface="Courier New" pitchFamily="49" charset="0"/>
               </a:rPr>
               <a:t>shutil.copy2(source, </a:t>
             </a:r>
             <a:r>
-              <a:rPr lang="en-US" dirty="0" err="1" smtClean="0">
+              <a:rPr lang="en-US" dirty="0" err="1">
                 <a:latin typeface="Courier New" pitchFamily="49" charset="0"/>
                 <a:cs typeface="Courier New" pitchFamily="49" charset="0"/>
               </a:rPr>
               <a:t>dest</a:t>
             </a:r>
             <a:r>
-              <a:rPr lang="en-US" dirty="0" smtClean="0">
+              <a:rPr lang="en-US" dirty="0">
                 <a:latin typeface="Courier New" pitchFamily="49" charset="0"/>
                 <a:cs typeface="Courier New" pitchFamily="49" charset="0"/>
               </a:rPr>
@@ -14622,32 +14416,32 @@
           <a:p>
             <a:pPr lvl="1"/>
             <a:r>
-              <a:rPr lang="en-US" dirty="0" smtClean="0"/>
+              <a:rPr lang="en-US" dirty="0"/>
               <a:t>move file: </a:t>
             </a:r>
             <a:r>
-              <a:rPr lang="en-US" dirty="0" err="1" smtClean="0">
+              <a:rPr lang="en-US" dirty="0" err="1">
                 <a:latin typeface="Courier New" pitchFamily="49" charset="0"/>
                 <a:cs typeface="Courier New" pitchFamily="49" charset="0"/>
               </a:rPr>
               <a:t>path.replace</a:t>
             </a:r>
             <a:r>
-              <a:rPr lang="en-US" dirty="0" smtClean="0">
+              <a:rPr lang="en-US" dirty="0">
                 <a:latin typeface="Courier New" pitchFamily="49" charset="0"/>
                 <a:cs typeface="Courier New" pitchFamily="49" charset="0"/>
               </a:rPr>
               <a:t>(</a:t>
             </a:r>
             <a:r>
-              <a:rPr lang="en-US" dirty="0" err="1" smtClean="0">
+              <a:rPr lang="en-US" dirty="0" err="1">
                 <a:latin typeface="Courier New" pitchFamily="49" charset="0"/>
                 <a:cs typeface="Courier New" pitchFamily="49" charset="0"/>
               </a:rPr>
               <a:t>dest</a:t>
             </a:r>
             <a:r>
-              <a:rPr lang="en-US" dirty="0" smtClean="0">
+              <a:rPr lang="en-US" dirty="0">
                 <a:latin typeface="Courier New" pitchFamily="49" charset="0"/>
                 <a:cs typeface="Courier New" pitchFamily="49" charset="0"/>
               </a:rPr>
@@ -14657,18 +14451,18 @@
           <a:p>
             <a:pPr lvl="1"/>
             <a:r>
-              <a:rPr lang="en-US" dirty="0" smtClean="0"/>
+              <a:rPr lang="en-US" dirty="0"/>
               <a:t>delete file: </a:t>
             </a:r>
             <a:r>
-              <a:rPr lang="en-US" dirty="0" err="1" smtClean="0">
+              <a:rPr lang="en-US" dirty="0" err="1">
                 <a:latin typeface="Courier New" panose="02070309020205020404" pitchFamily="49" charset="0"/>
                 <a:cs typeface="Courier New" panose="02070309020205020404" pitchFamily="49" charset="0"/>
               </a:rPr>
               <a:t>path.unlink</a:t>
             </a:r>
             <a:r>
-              <a:rPr lang="en-US" dirty="0" smtClean="0">
+              <a:rPr lang="en-US" dirty="0">
                 <a:latin typeface="Courier New" panose="02070309020205020404" pitchFamily="49" charset="0"/>
                 <a:cs typeface="Courier New" panose="02070309020205020404" pitchFamily="49" charset="0"/>
               </a:rPr>
@@ -14678,18 +14472,18 @@
           <a:p>
             <a:pPr lvl="1"/>
             <a:r>
-              <a:rPr lang="en-US" dirty="0" smtClean="0"/>
+              <a:rPr lang="en-US" dirty="0"/>
               <a:t>remove non-empty directory: </a:t>
             </a:r>
             <a:r>
-              <a:rPr lang="en-US" dirty="0" err="1" smtClean="0">
+              <a:rPr lang="en-US" dirty="0" err="1">
                 <a:latin typeface="Courier New" panose="02070309020205020404" pitchFamily="49" charset="0"/>
                 <a:cs typeface="Courier New" panose="02070309020205020404" pitchFamily="49" charset="0"/>
               </a:rPr>
               <a:t>path.rmdir</a:t>
             </a:r>
             <a:r>
-              <a:rPr lang="en-US" dirty="0" smtClean="0">
+              <a:rPr lang="en-US" dirty="0">
                 <a:latin typeface="Courier New" panose="02070309020205020404" pitchFamily="49" charset="0"/>
                 <a:cs typeface="Courier New" panose="02070309020205020404" pitchFamily="49" charset="0"/>
               </a:rPr>
@@ -14699,18 +14493,18 @@
           <a:p>
             <a:pPr lvl="1"/>
             <a:r>
-              <a:rPr lang="en-US" dirty="0" smtClean="0"/>
+              <a:rPr lang="en-US" dirty="0"/>
               <a:t>remove directory: </a:t>
             </a:r>
             <a:r>
-              <a:rPr lang="en-US" dirty="0" err="1" smtClean="0">
+              <a:rPr lang="en-US" dirty="0" err="1">
                 <a:latin typeface="Courier New" pitchFamily="49" charset="0"/>
                 <a:cs typeface="Courier New" pitchFamily="49" charset="0"/>
               </a:rPr>
               <a:t>shutil.rmtree</a:t>
             </a:r>
             <a:r>
-              <a:rPr lang="en-US" dirty="0" smtClean="0">
+              <a:rPr lang="en-US" dirty="0">
                 <a:latin typeface="Courier New" pitchFamily="49" charset="0"/>
                 <a:cs typeface="Courier New" pitchFamily="49" charset="0"/>
               </a:rPr>
@@ -14720,18 +14514,18 @@
           <a:p>
             <a:pPr lvl="1"/>
             <a:r>
-              <a:rPr lang="en-US" dirty="0" smtClean="0"/>
+              <a:rPr lang="en-US" dirty="0"/>
               <a:t>create directory: </a:t>
             </a:r>
             <a:r>
-              <a:rPr lang="en-US" dirty="0" err="1" smtClean="0">
+              <a:rPr lang="en-US" dirty="0" err="1">
                 <a:latin typeface="Courier New" pitchFamily="49" charset="0"/>
                 <a:cs typeface="Courier New" pitchFamily="49" charset="0"/>
               </a:rPr>
               <a:t>path.mkdir</a:t>
             </a:r>
             <a:r>
-              <a:rPr lang="en-US" dirty="0" smtClean="0">
+              <a:rPr lang="en-US" dirty="0">
                 <a:latin typeface="Courier New" pitchFamily="49" charset="0"/>
                 <a:cs typeface="Courier New" pitchFamily="49" charset="0"/>
               </a:rPr>
@@ -15256,7 +15050,7 @@
           <a:lstStyle/>
           <a:p>
             <a:r>
-              <a:rPr lang="en-US" dirty="0" smtClean="0"/>
+              <a:rPr lang="en-US" dirty="0"/>
               <a:t>Temporary files</a:t>
             </a:r>
             <a:endParaRPr lang="nl-BE" dirty="0"/>
@@ -15279,29 +15073,29 @@
           <a:lstStyle/>
           <a:p>
             <a:r>
-              <a:rPr lang="en-US" dirty="0" smtClean="0"/>
+              <a:rPr lang="en-US" dirty="0"/>
               <a:t>Standard library </a:t>
             </a:r>
             <a:r>
-              <a:rPr lang="en-US" dirty="0" err="1" smtClean="0">
+              <a:rPr lang="en-US" dirty="0" err="1">
                 <a:latin typeface="Courier New" pitchFamily="49" charset="0"/>
                 <a:cs typeface="Courier New" pitchFamily="49" charset="0"/>
               </a:rPr>
               <a:t>tempfile</a:t>
             </a:r>
             <a:r>
-              <a:rPr lang="en-US" dirty="0" smtClean="0"/>
+              <a:rPr lang="en-US" dirty="0"/>
               <a:t> package</a:t>
             </a:r>
           </a:p>
           <a:p>
             <a:pPr lvl="1"/>
             <a:r>
-              <a:rPr lang="en-US" dirty="0" smtClean="0"/>
+              <a:rPr lang="en-US" dirty="0"/>
               <a:t>Creating file with guaranteed unique name:</a:t>
             </a:r>
             <a:br>
-              <a:rPr lang="en-US" dirty="0" smtClean="0"/>
+              <a:rPr lang="en-US" dirty="0"/>
             </a:br>
             <a:r>
               <a:rPr lang="en-US" sz="2400" dirty="0" err="1">
@@ -15850,10 +15644,9 @@
           <a:lstStyle/>
           <a:p>
             <a:r>
-              <a:rPr lang="en-US" dirty="0" smtClean="0"/>
+              <a:rPr lang="en-US" dirty="0"/>
               <a:t>Walking the tree</a:t>
             </a:r>
-            <a:endParaRPr lang="en-US" dirty="0"/>
           </a:p>
         </p:txBody>
       </p:sp>
@@ -15875,25 +15668,25 @@
           <a:lstStyle/>
           <a:p>
             <a:r>
-              <a:rPr lang="en-US" dirty="0" smtClean="0"/>
+              <a:rPr lang="en-US" dirty="0"/>
               <a:t>Walking a directory tree: </a:t>
             </a:r>
             <a:r>
-              <a:rPr lang="en-US" dirty="0" err="1" smtClean="0">
+              <a:rPr lang="en-US" dirty="0" err="1">
                 <a:latin typeface="Courier New" panose="02070309020205020404" pitchFamily="49" charset="0"/>
                 <a:cs typeface="Courier New" panose="02070309020205020404" pitchFamily="49" charset="0"/>
               </a:rPr>
               <a:t>os.walk</a:t>
             </a:r>
             <a:r>
-              <a:rPr lang="en-US" dirty="0" smtClean="0">
+              <a:rPr lang="en-US" dirty="0">
                 <a:latin typeface="Courier New" panose="02070309020205020404" pitchFamily="49" charset="0"/>
                 <a:cs typeface="Courier New" panose="02070309020205020404" pitchFamily="49" charset="0"/>
               </a:rPr>
               <a:t>(…)</a:t>
             </a:r>
             <a:r>
-              <a:rPr lang="en-US" dirty="0" smtClean="0"/>
+              <a:rPr lang="en-US" dirty="0"/>
               <a:t>, e.g., print name of Python files in (sub)directories</a:t>
             </a:r>
           </a:p>
@@ -15901,44 +15694,43 @@
             <a:endParaRPr lang="en-US" dirty="0"/>
           </a:p>
           <a:p>
-            <a:endParaRPr lang="en-US" dirty="0" smtClean="0"/>
-          </a:p>
-          <a:p>
             <a:endParaRPr lang="en-US" dirty="0"/>
           </a:p>
           <a:p>
-            <a:endParaRPr lang="en-US" dirty="0" smtClean="0"/>
-          </a:p>
-          <a:p>
-            <a:endParaRPr lang="en-US" dirty="0" smtClean="0"/>
-          </a:p>
-          <a:p>
-            <a:r>
-              <a:rPr lang="en-US" dirty="0" smtClean="0"/>
+            <a:endParaRPr lang="en-US" dirty="0"/>
+          </a:p>
+          <a:p>
+            <a:endParaRPr lang="en-US" dirty="0"/>
+          </a:p>
+          <a:p>
+            <a:endParaRPr lang="en-US" dirty="0"/>
+          </a:p>
+          <a:p>
+            <a:r>
+              <a:rPr lang="en-US" dirty="0"/>
               <a:t>For each directory, tuple:</a:t>
             </a:r>
           </a:p>
           <a:p>
             <a:pPr lvl="1"/>
             <a:r>
-              <a:rPr lang="en-US" dirty="0" smtClean="0"/>
+              <a:rPr lang="en-US" dirty="0"/>
               <a:t>directory name</a:t>
             </a:r>
           </a:p>
           <a:p>
             <a:pPr lvl="1"/>
             <a:r>
-              <a:rPr lang="en-US" dirty="0" smtClean="0"/>
+              <a:rPr lang="en-US" dirty="0"/>
               <a:t>list of subdirectories</a:t>
             </a:r>
           </a:p>
           <a:p>
             <a:pPr lvl="1"/>
             <a:r>
-              <a:rPr lang="en-US" dirty="0" smtClean="0"/>
+              <a:rPr lang="en-US" dirty="0"/>
               <a:t>list of files in directory</a:t>
             </a:r>
-            <a:endParaRPr lang="en-US" dirty="0"/>
           </a:p>
         </p:txBody>
       </p:sp>
@@ -16774,10 +16566,9 @@
           <a:lstStyle/>
           <a:p>
             <a:r>
-              <a:rPr lang="en-US" dirty="0" smtClean="0"/>
+              <a:rPr lang="en-US" dirty="0"/>
               <a:t>Data formats</a:t>
             </a:r>
-            <a:endParaRPr lang="en-US" dirty="0"/>
           </a:p>
         </p:txBody>
       </p:sp>
@@ -16802,19 +16593,12 @@
               <a:rPr lang="en-US" sz="1800" dirty="0">
                 <a:hlinkClick r:id="rId2"/>
               </a:rPr>
-              <a:t>https://</a:t>
-            </a:r>
-            <a:r>
-              <a:rPr lang="en-US" sz="1800" dirty="0" smtClean="0">
-                <a:hlinkClick r:id="rId2"/>
-              </a:rPr>
-              <a:t>github.com/gjbex/Python-for-systems-programming/tree/master/source-code/data-formats</a:t>
-            </a:r>
-            <a:r>
-              <a:rPr lang="en-US" sz="1800" dirty="0" smtClean="0"/>
+              <a:t>https://github.com/gjbex/Python-for-systems-programming/tree/master/source-code/data-formats</a:t>
+            </a:r>
+            <a:r>
+              <a:rPr lang="en-US" sz="1800" dirty="0"/>
               <a:t> </a:t>
             </a:r>
-            <a:endParaRPr lang="en-US" sz="1800" dirty="0"/>
           </a:p>
         </p:txBody>
       </p:sp>
@@ -16866,13 +16650,6 @@
   <p:clrMapOvr>
     <a:masterClrMapping/>
   </p:clrMapOvr>
-  <p:timing>
-    <p:tnLst>
-      <p:par>
-        <p:cTn id="1" dur="indefinite" restart="never" nodeType="tmRoot"/>
-      </p:par>
-    </p:tnLst>
-  </p:timing>
 </p:sld>
 </file>
 
@@ -16909,10 +16686,9 @@
           <a:lstStyle/>
           <a:p>
             <a:r>
-              <a:rPr lang="en-US" dirty="0" smtClean="0"/>
+              <a:rPr lang="en-US" dirty="0"/>
               <a:t>Libraries &amp; data formats</a:t>
             </a:r>
-            <a:endParaRPr lang="en-US" dirty="0"/>
           </a:p>
         </p:txBody>
       </p:sp>
@@ -16934,24 +16710,24 @@
           <a:lstStyle/>
           <a:p>
             <a:r>
-              <a:rPr lang="en-US" dirty="0" smtClean="0"/>
+              <a:rPr lang="en-US" dirty="0"/>
               <a:t>Standard library (Python 3.x)</a:t>
             </a:r>
           </a:p>
           <a:p>
             <a:pPr lvl="1"/>
             <a:r>
-              <a:rPr lang="en-US" dirty="0" smtClean="0"/>
+              <a:rPr lang="en-US" dirty="0"/>
               <a:t>Comma separated value files: </a:t>
             </a:r>
             <a:r>
-              <a:rPr lang="en-US" dirty="0" err="1" smtClean="0">
+              <a:rPr lang="en-US" dirty="0" err="1">
                 <a:latin typeface="Courier New" panose="02070309020205020404" pitchFamily="49" charset="0"/>
                 <a:cs typeface="Courier New" panose="02070309020205020404" pitchFamily="49" charset="0"/>
               </a:rPr>
               <a:t>csv</a:t>
             </a:r>
-            <a:endParaRPr lang="en-US" dirty="0" smtClean="0">
+            <a:endParaRPr lang="en-US" dirty="0">
               <a:latin typeface="Courier New" panose="02070309020205020404" pitchFamily="49" charset="0"/>
               <a:cs typeface="Courier New" panose="02070309020205020404" pitchFamily="49" charset="0"/>
             </a:endParaRPr>
@@ -16959,59 +16735,59 @@
           <a:p>
             <a:pPr lvl="1"/>
             <a:r>
-              <a:rPr lang="en-US" dirty="0" smtClean="0"/>
+              <a:rPr lang="en-US" dirty="0"/>
               <a:t>Configuration files: </a:t>
             </a:r>
             <a:r>
-              <a:rPr lang="en-US" dirty="0" err="1" smtClean="0">
+              <a:rPr lang="en-US" dirty="0" err="1">
                 <a:latin typeface="Courier New" panose="02070309020205020404" pitchFamily="49" charset="0"/>
                 <a:cs typeface="Courier New" panose="02070309020205020404" pitchFamily="49" charset="0"/>
               </a:rPr>
               <a:t>ConfigParser</a:t>
             </a:r>
-            <a:endParaRPr lang="en-US" dirty="0" smtClean="0"/>
+            <a:endParaRPr lang="en-US" dirty="0"/>
           </a:p>
           <a:p>
             <a:pPr lvl="1"/>
             <a:r>
-              <a:rPr lang="en-US" dirty="0" smtClean="0"/>
+              <a:rPr lang="en-US" dirty="0"/>
               <a:t>Semi-structured data: </a:t>
             </a:r>
             <a:r>
-              <a:rPr lang="en-US" dirty="0" err="1" smtClean="0">
+              <a:rPr lang="en-US" dirty="0" err="1">
                 <a:latin typeface="Courier New" panose="02070309020205020404" pitchFamily="49" charset="0"/>
                 <a:cs typeface="Courier New" panose="02070309020205020404" pitchFamily="49" charset="0"/>
               </a:rPr>
               <a:t>json</a:t>
             </a:r>
             <a:r>
-              <a:rPr lang="en-US" dirty="0" smtClean="0"/>
+              <a:rPr lang="en-US" dirty="0"/>
               <a:t>, </a:t>
             </a:r>
             <a:r>
-              <a:rPr lang="en-US" dirty="0" err="1" smtClean="0">
+              <a:rPr lang="en-US" dirty="0" err="1">
                 <a:latin typeface="Courier New" panose="02070309020205020404" pitchFamily="49" charset="0"/>
                 <a:cs typeface="Courier New" panose="02070309020205020404" pitchFamily="49" charset="0"/>
               </a:rPr>
               <a:t>htmllib</a:t>
             </a:r>
             <a:r>
-              <a:rPr lang="en-US" dirty="0" smtClean="0"/>
+              <a:rPr lang="en-US" dirty="0"/>
               <a:t>, </a:t>
             </a:r>
             <a:r>
-              <a:rPr lang="en-US" dirty="0" err="1" smtClean="0">
+              <a:rPr lang="en-US" dirty="0" err="1">
                 <a:latin typeface="Courier New" panose="02070309020205020404" pitchFamily="49" charset="0"/>
                 <a:cs typeface="Courier New" panose="02070309020205020404" pitchFamily="49" charset="0"/>
               </a:rPr>
               <a:t>sgmllib</a:t>
             </a:r>
             <a:r>
-              <a:rPr lang="en-US" dirty="0" smtClean="0"/>
+              <a:rPr lang="en-US" dirty="0"/>
               <a:t>, </a:t>
             </a:r>
             <a:r>
-              <a:rPr lang="en-US" dirty="0" smtClean="0">
+              <a:rPr lang="en-US" dirty="0">
                 <a:latin typeface="Courier New" panose="02070309020205020404" pitchFamily="49" charset="0"/>
                 <a:cs typeface="Courier New" panose="02070309020205020404" pitchFamily="49" charset="0"/>
               </a:rPr>
@@ -17020,52 +16796,52 @@
           </a:p>
           <a:p>
             <a:r>
-              <a:rPr lang="en-US" dirty="0" smtClean="0"/>
+              <a:rPr lang="en-US" dirty="0"/>
               <a:t>Non-standard libraries</a:t>
             </a:r>
           </a:p>
           <a:p>
             <a:pPr lvl="1"/>
             <a:r>
-              <a:rPr lang="en-US" dirty="0" smtClean="0"/>
+              <a:rPr lang="en-US" dirty="0"/>
               <a:t>Images: </a:t>
             </a:r>
             <a:r>
-              <a:rPr lang="en-US" dirty="0" err="1" smtClean="0"/>
+              <a:rPr lang="en-US" dirty="0" err="1"/>
               <a:t>scikit</a:t>
             </a:r>
             <a:r>
-              <a:rPr lang="en-US" dirty="0" smtClean="0"/>
+              <a:rPr lang="en-US" dirty="0"/>
               <a:t>-image</a:t>
             </a:r>
           </a:p>
           <a:p>
             <a:pPr lvl="1"/>
             <a:r>
-              <a:rPr lang="en-US" dirty="0" smtClean="0"/>
+              <a:rPr lang="en-US" dirty="0"/>
               <a:t>HDF5: </a:t>
             </a:r>
             <a:r>
-              <a:rPr lang="en-US" dirty="0" err="1" smtClean="0"/>
+              <a:rPr lang="en-US" dirty="0" err="1"/>
               <a:t>pytables</a:t>
             </a:r>
-            <a:endParaRPr lang="en-US" dirty="0" smtClean="0"/>
+            <a:endParaRPr lang="en-US" dirty="0"/>
           </a:p>
           <a:p>
             <a:pPr lvl="1"/>
             <a:r>
-              <a:rPr lang="en-US" dirty="0" smtClean="0"/>
+              <a:rPr lang="en-US" dirty="0"/>
               <a:t>pandas</a:t>
             </a:r>
           </a:p>
           <a:p>
             <a:pPr lvl="1"/>
             <a:r>
-              <a:rPr lang="en-US" dirty="0" smtClean="0"/>
+              <a:rPr lang="en-US" dirty="0"/>
               <a:t>Bioinformatics: </a:t>
             </a:r>
             <a:r>
-              <a:rPr lang="en-US" dirty="0" err="1" smtClean="0"/>
+              <a:rPr lang="en-US" dirty="0" err="1"/>
               <a:t>Biopython</a:t>
             </a:r>
             <a:endParaRPr lang="en-US" dirty="0"/>
@@ -17176,13 +16952,6 @@
   <p:clrMapOvr>
     <a:masterClrMapping/>
   </p:clrMapOvr>
-  <p:timing>
-    <p:tnLst>
-      <p:par>
-        <p:cTn id="1" dur="indefinite" restart="never" nodeType="tmRoot"/>
-      </p:par>
-    </p:tnLst>
-  </p:timing>
 </p:sld>
 </file>
 
@@ -17219,7 +16988,7 @@
           <a:lstStyle/>
           <a:p>
             <a:r>
-              <a:rPr lang="en-US" dirty="0" smtClean="0"/>
+              <a:rPr lang="en-US" dirty="0"/>
               <a:t>Typographical conventions I</a:t>
             </a:r>
             <a:endParaRPr lang="nl-BE" dirty="0"/>
@@ -17242,7 +17011,7 @@
           <a:lstStyle/>
           <a:p>
             <a:r>
-              <a:rPr lang="en-US" dirty="0" smtClean="0"/>
+              <a:rPr lang="en-US" dirty="0"/>
               <a:t>Shell commands are rendered as</a:t>
             </a:r>
           </a:p>
@@ -17252,50 +17021,50 @@
           <a:p>
             <a:pPr lvl="1"/>
             <a:r>
-              <a:rPr lang="en-US" dirty="0" smtClean="0"/>
+              <a:rPr lang="en-US" dirty="0"/>
               <a:t>Do </a:t>
             </a:r>
             <a:r>
-              <a:rPr lang="en-US" i="1" dirty="0" smtClean="0"/>
+              <a:rPr lang="en-US" i="1" dirty="0"/>
               <a:t>not</a:t>
             </a:r>
             <a:r>
-              <a:rPr lang="en-US" dirty="0" smtClean="0"/>
+              <a:rPr lang="en-US" dirty="0"/>
               <a:t> type </a:t>
             </a:r>
             <a:r>
-              <a:rPr lang="en-US" dirty="0" smtClean="0">
+              <a:rPr lang="en-US" dirty="0">
                 <a:latin typeface="Courier New" pitchFamily="49" charset="0"/>
                 <a:cs typeface="Courier New" pitchFamily="49" charset="0"/>
               </a:rPr>
               <a:t>$</a:t>
             </a:r>
             <a:r>
-              <a:rPr lang="en-US" dirty="0" smtClean="0"/>
+              <a:rPr lang="en-US" dirty="0"/>
               <a:t>, it represents your shell prompt!</a:t>
             </a:r>
           </a:p>
           <a:p>
             <a:r>
-              <a:rPr lang="en-US" dirty="0" smtClean="0"/>
+              <a:rPr lang="en-US" dirty="0"/>
               <a:t>Python shell commands are rendered as</a:t>
             </a:r>
           </a:p>
           <a:p>
-            <a:endParaRPr lang="en-US" dirty="0" smtClean="0"/>
+            <a:endParaRPr lang="en-US" dirty="0"/>
           </a:p>
           <a:p>
             <a:pPr lvl="1"/>
             <a:r>
-              <a:rPr lang="en-US" dirty="0" smtClean="0"/>
+              <a:rPr lang="en-US" dirty="0"/>
               <a:t>Do </a:t>
             </a:r>
             <a:r>
-              <a:rPr lang="en-US" i="1" dirty="0" smtClean="0"/>
+              <a:rPr lang="en-US" i="1" dirty="0"/>
               <a:t>not</a:t>
             </a:r>
             <a:r>
-              <a:rPr lang="en-US" dirty="0" smtClean="0"/>
+              <a:rPr lang="en-US" dirty="0"/>
               <a:t> type </a:t>
             </a:r>
             <a:r>
@@ -17306,17 +17075,17 @@
               <a:t>&gt;&gt;&gt;</a:t>
             </a:r>
             <a:r>
-              <a:rPr lang="en-US" dirty="0" smtClean="0"/>
+              <a:rPr lang="en-US" dirty="0"/>
               <a:t>, it represents the prompt!</a:t>
             </a:r>
           </a:p>
           <a:p>
             <a:r>
-              <a:rPr lang="en-US" dirty="0" err="1" smtClean="0"/>
+              <a:rPr lang="en-US" dirty="0" err="1"/>
               <a:t>iPython</a:t>
             </a:r>
             <a:r>
-              <a:rPr lang="en-US" dirty="0" smtClean="0"/>
+              <a:rPr lang="en-US" dirty="0"/>
               <a:t> interpreter is rendered as</a:t>
             </a:r>
           </a:p>
@@ -17979,10 +17748,9 @@
           <a:lstStyle/>
           <a:p>
             <a:r>
-              <a:rPr lang="en-US" dirty="0" smtClean="0"/>
+              <a:rPr lang="en-US" dirty="0"/>
               <a:t>Data formats: CSV</a:t>
             </a:r>
-            <a:endParaRPr lang="en-US" dirty="0"/>
           </a:p>
         </p:txBody>
       </p:sp>
@@ -19274,10 +19042,9 @@
           <a:lstStyle/>
           <a:p>
             <a:r>
-              <a:rPr lang="en-US" dirty="0" smtClean="0"/>
+              <a:rPr lang="en-US" dirty="0"/>
               <a:t>Data formats: XML output</a:t>
             </a:r>
-            <a:endParaRPr lang="en-US" dirty="0"/>
           </a:p>
         </p:txBody>
       </p:sp>
@@ -19582,13 +19349,6 @@
   <p:clrMapOvr>
     <a:masterClrMapping/>
   </p:clrMapOvr>
-  <p:timing>
-    <p:tnLst>
-      <p:par>
-        <p:cTn id="1" dur="indefinite" restart="never" nodeType="tmRoot"/>
-      </p:par>
-    </p:tnLst>
-  </p:timing>
 </p:sld>
 </file>
 
@@ -19625,10 +19385,9 @@
           <a:lstStyle/>
           <a:p>
             <a:r>
-              <a:rPr lang="en-US" dirty="0" smtClean="0"/>
+              <a:rPr lang="en-US" dirty="0"/>
               <a:t>Data formats: creating XML</a:t>
             </a:r>
-            <a:endParaRPr lang="en-US" dirty="0"/>
           </a:p>
         </p:txBody>
       </p:sp>
@@ -20360,13 +20119,6 @@
   <p:clrMapOvr>
     <a:masterClrMapping/>
   </p:clrMapOvr>
-  <p:timing>
-    <p:tnLst>
-      <p:par>
-        <p:cTn id="1" dur="indefinite" restart="never" nodeType="tmRoot"/>
-      </p:par>
-    </p:tnLst>
-  </p:timing>
 </p:sld>
 </file>
 
@@ -20403,10 +20155,9 @@
           <a:lstStyle/>
           <a:p>
             <a:r>
-              <a:rPr lang="en-US" dirty="0" smtClean="0"/>
+              <a:rPr lang="en-US" dirty="0"/>
               <a:t>Templates</a:t>
             </a:r>
-            <a:endParaRPr lang="en-US" dirty="0"/>
           </a:p>
         </p:txBody>
       </p:sp>
@@ -20429,19 +20180,12 @@
               <a:rPr lang="en-US" dirty="0">
                 <a:hlinkClick r:id="rId2"/>
               </a:rPr>
-              <a:t>https://</a:t>
-            </a:r>
-            <a:r>
-              <a:rPr lang="en-US" dirty="0" smtClean="0">
-                <a:hlinkClick r:id="rId2"/>
-              </a:rPr>
-              <a:t>github.com/gjbex/Python-for-systems-programming/tree/master/source-code/jinja</a:t>
-            </a:r>
-            <a:r>
-              <a:rPr lang="en-US" dirty="0" smtClean="0"/>
+              <a:t>https://github.com/gjbex/Python-for-systems-programming/tree/master/source-code/jinja</a:t>
+            </a:r>
+            <a:r>
+              <a:rPr lang="en-US" dirty="0"/>
               <a:t> </a:t>
             </a:r>
-            <a:endParaRPr lang="en-US" dirty="0"/>
           </a:p>
           <a:p>
             <a:endParaRPr lang="en-US" dirty="0"/>
@@ -20481,13 +20225,6 @@
   <p:clrMapOvr>
     <a:masterClrMapping/>
   </p:clrMapOvr>
-  <p:timing>
-    <p:tnLst>
-      <p:par>
-        <p:cTn id="1" dur="indefinite" restart="never" nodeType="tmRoot"/>
-      </p:par>
-    </p:tnLst>
-  </p:timing>
 </p:sld>
 </file>
 
@@ -20524,10 +20261,9 @@
           <a:lstStyle/>
           <a:p>
             <a:r>
-              <a:rPr lang="en-US" dirty="0" smtClean="0"/>
+              <a:rPr lang="en-US" dirty="0"/>
               <a:t>Separating information and representation</a:t>
             </a:r>
-            <a:endParaRPr lang="en-US" dirty="0"/>
           </a:p>
         </p:txBody>
       </p:sp>
@@ -20549,41 +20285,41 @@
           <a:lstStyle/>
           <a:p>
             <a:r>
-              <a:rPr lang="en-US" dirty="0" smtClean="0"/>
+              <a:rPr lang="en-US" dirty="0"/>
               <a:t>Data as objects</a:t>
             </a:r>
           </a:p>
           <a:p>
             <a:pPr lvl="1"/>
             <a:r>
-              <a:rPr lang="en-US" dirty="0" smtClean="0"/>
+              <a:rPr lang="en-US" dirty="0"/>
               <a:t>represented as HTML/XML/…</a:t>
             </a:r>
           </a:p>
           <a:p>
             <a:pPr lvl="1"/>
-            <a:endParaRPr lang="en-US" dirty="0" smtClean="0">
+            <a:endParaRPr lang="en-US" dirty="0">
               <a:latin typeface="Courier New" panose="02070309020205020404" pitchFamily="49" charset="0"/>
               <a:cs typeface="Courier New" panose="02070309020205020404" pitchFamily="49" charset="0"/>
             </a:endParaRPr>
           </a:p>
           <a:p>
             <a:r>
-              <a:rPr lang="en-US" dirty="0" smtClean="0"/>
+              <a:rPr lang="en-US" dirty="0"/>
               <a:t>Code generation</a:t>
             </a:r>
           </a:p>
           <a:p>
             <a:pPr lvl="1"/>
             <a:r>
-              <a:rPr lang="en-US" dirty="0" smtClean="0"/>
+              <a:rPr lang="en-US" dirty="0"/>
               <a:t>wrappers</a:t>
             </a:r>
           </a:p>
           <a:p>
             <a:pPr lvl="1"/>
             <a:r>
-              <a:rPr lang="en-US" dirty="0" smtClean="0"/>
+              <a:rPr lang="en-US" dirty="0"/>
               <a:t>scripts</a:t>
             </a:r>
           </a:p>
@@ -20669,10 +20405,9 @@
             <a:lstStyle/>
             <a:p>
               <a:r>
-                <a:rPr lang="en-US" sz="2400" dirty="0" smtClean="0"/>
+                <a:rPr lang="en-US" sz="2400" dirty="0"/>
                 <a:t>object</a:t>
               </a:r>
-              <a:endParaRPr lang="en-US" sz="2400" dirty="0"/>
             </a:p>
           </p:txBody>
         </p:sp>
@@ -20704,10 +20439,9 @@
             <a:lstStyle/>
             <a:p>
               <a:r>
-                <a:rPr lang="en-US" sz="2400" dirty="0" smtClean="0"/>
+                <a:rPr lang="en-US" sz="2400" dirty="0"/>
                 <a:t>HTML</a:t>
               </a:r>
-              <a:endParaRPr lang="en-US" sz="2400" dirty="0"/>
             </a:p>
           </p:txBody>
         </p:sp>
@@ -20739,10 +20473,9 @@
             <a:lstStyle/>
             <a:p>
               <a:r>
-                <a:rPr lang="en-US" sz="2400" dirty="0" smtClean="0"/>
+                <a:rPr lang="en-US" sz="2400" dirty="0"/>
                 <a:t>text</a:t>
               </a:r>
-              <a:endParaRPr lang="en-US" sz="2400" dirty="0"/>
             </a:p>
           </p:txBody>
         </p:sp>
@@ -20847,10 +20580,9 @@
             <a:lstStyle/>
             <a:p>
               <a:r>
-                <a:rPr lang="en-US" sz="2400" dirty="0" smtClean="0"/>
+                <a:rPr lang="en-US" sz="2400" dirty="0"/>
                 <a:t>…</a:t>
               </a:r>
-              <a:endParaRPr lang="en-US" sz="2400" dirty="0"/>
             </a:p>
           </p:txBody>
         </p:sp>
@@ -20865,13 +20597,6 @@
   <p:clrMapOvr>
     <a:masterClrMapping/>
   </p:clrMapOvr>
-  <p:timing>
-    <p:tnLst>
-      <p:par>
-        <p:cTn id="1" dur="indefinite" restart="never" nodeType="tmRoot"/>
-      </p:par>
-    </p:tnLst>
-  </p:timing>
 </p:sld>
 </file>
 
@@ -20908,10 +20633,9 @@
           <a:lstStyle/>
           <a:p>
             <a:r>
-              <a:rPr lang="en-US" dirty="0" smtClean="0"/>
+              <a:rPr lang="en-US" dirty="0"/>
               <a:t>Data</a:t>
             </a:r>
-            <a:endParaRPr lang="en-US" dirty="0"/>
           </a:p>
         </p:txBody>
       </p:sp>
@@ -20931,36 +20655,35 @@
           <a:lstStyle/>
           <a:p>
             <a:r>
-              <a:rPr lang="en-US" dirty="0" smtClean="0"/>
+              <a:rPr lang="en-US" dirty="0"/>
               <a:t>"Person" </a:t>
             </a:r>
             <a:r>
-              <a:rPr lang="en-US" dirty="0" err="1" smtClean="0"/>
+              <a:rPr lang="en-US" dirty="0" err="1"/>
               <a:t>dict</a:t>
             </a:r>
-            <a:endParaRPr lang="en-US" dirty="0" smtClean="0"/>
+            <a:endParaRPr lang="en-US" dirty="0"/>
           </a:p>
           <a:p>
             <a:pPr lvl="1"/>
             <a:r>
-              <a:rPr lang="en-US" dirty="0" smtClean="0"/>
+              <a:rPr lang="en-US" dirty="0"/>
               <a:t>ID</a:t>
             </a:r>
           </a:p>
           <a:p>
             <a:pPr lvl="1"/>
             <a:r>
-              <a:rPr lang="en-US" dirty="0" smtClean="0"/>
+              <a:rPr lang="en-US" dirty="0"/>
               <a:t>year of birth</a:t>
             </a:r>
           </a:p>
           <a:p>
             <a:pPr lvl="1"/>
             <a:r>
-              <a:rPr lang="en-US" dirty="0" smtClean="0"/>
+              <a:rPr lang="en-US" dirty="0"/>
               <a:t>number of friends</a:t>
             </a:r>
-            <a:endParaRPr lang="en-US" dirty="0"/>
           </a:p>
         </p:txBody>
       </p:sp>
@@ -21014,7 +20737,7 @@
           <a:lstStyle/>
           <a:p>
             <a:r>
-              <a:rPr lang="en-US" dirty="0" smtClean="0">
+              <a:rPr lang="en-US" dirty="0">
                 <a:solidFill>
                   <a:prstClr val="black"/>
                 </a:solidFill>
@@ -21033,17 +20756,7 @@
                 <a:latin typeface="Courier New" pitchFamily="49" charset="0"/>
                 <a:cs typeface="Courier New" pitchFamily="49" charset="0"/>
               </a:rPr>
-              <a:t> </a:t>
-            </a:r>
-            <a:r>
-              <a:rPr lang="en-US" dirty="0" smtClean="0">
-                <a:solidFill>
-                  <a:prstClr val="black"/>
-                </a:solidFill>
-                <a:latin typeface="Courier New" pitchFamily="49" charset="0"/>
-                <a:cs typeface="Courier New" pitchFamily="49" charset="0"/>
-              </a:rPr>
-              <a:t>   {</a:t>
+              <a:t>    {</a:t>
             </a:r>
           </a:p>
           <a:p>
@@ -21055,17 +20768,17 @@
                 <a:latin typeface="Courier New" pitchFamily="49" charset="0"/>
                 <a:cs typeface="Courier New" pitchFamily="49" charset="0"/>
               </a:rPr>
-              <a:t> </a:t>
-            </a:r>
-            <a:r>
-              <a:rPr lang="en-US" dirty="0" smtClean="0">
-                <a:solidFill>
-                  <a:prstClr val="black"/>
-                </a:solidFill>
-                <a:latin typeface="Courier New" pitchFamily="49" charset="0"/>
-                <a:cs typeface="Courier New" pitchFamily="49" charset="0"/>
-              </a:rPr>
-              <a:t>       'id</a:t>
+              <a:t>        'id':         </a:t>
+            </a:r>
+            <a:r>
+              <a:rPr lang="en-US" dirty="0" err="1">
+                <a:solidFill>
+                  <a:prstClr val="black"/>
+                </a:solidFill>
+                <a:latin typeface="Courier New" pitchFamily="49" charset="0"/>
+                <a:cs typeface="Courier New" pitchFamily="49" charset="0"/>
+              </a:rPr>
+              <a:t>YwaVW</a:t>
             </a:r>
             <a:r>
               <a:rPr lang="en-US" dirty="0">
@@ -21075,7 +20788,19 @@
                 <a:latin typeface="Courier New" pitchFamily="49" charset="0"/>
                 <a:cs typeface="Courier New" pitchFamily="49" charset="0"/>
               </a:rPr>
-              <a:t>':         </a:t>
+              <a:t>',</a:t>
+            </a:r>
+          </a:p>
+          <a:p>
+            <a:r>
+              <a:rPr lang="en-US" dirty="0">
+                <a:solidFill>
+                  <a:prstClr val="black"/>
+                </a:solidFill>
+                <a:latin typeface="Courier New" pitchFamily="49" charset="0"/>
+                <a:cs typeface="Courier New" pitchFamily="49" charset="0"/>
+              </a:rPr>
+              <a:t>        '</a:t>
             </a:r>
             <a:r>
               <a:rPr lang="en-US" dirty="0" err="1">
@@ -21085,7 +20810,7 @@
                 <a:latin typeface="Courier New" pitchFamily="49" charset="0"/>
                 <a:cs typeface="Courier New" pitchFamily="49" charset="0"/>
               </a:rPr>
-              <a:t>YwaVW</a:t>
+              <a:t>birthyear</a:t>
             </a:r>
             <a:r>
               <a:rPr lang="en-US" dirty="0">
@@ -21095,15 +20820,96 @@
                 <a:latin typeface="Courier New" pitchFamily="49" charset="0"/>
                 <a:cs typeface="Courier New" pitchFamily="49" charset="0"/>
               </a:rPr>
+              <a:t>':  1954,</a:t>
+            </a:r>
+          </a:p>
+          <a:p>
+            <a:r>
+              <a:rPr lang="en-US" dirty="0">
+                <a:solidFill>
+                  <a:prstClr val="black"/>
+                </a:solidFill>
+                <a:latin typeface="Courier New" pitchFamily="49" charset="0"/>
+                <a:cs typeface="Courier New" pitchFamily="49" charset="0"/>
+              </a:rPr>
+              <a:t>        '</a:t>
+            </a:r>
+            <a:r>
+              <a:rPr lang="en-US" dirty="0" err="1">
+                <a:solidFill>
+                  <a:prstClr val="black"/>
+                </a:solidFill>
+                <a:latin typeface="Courier New" pitchFamily="49" charset="0"/>
+                <a:cs typeface="Courier New" pitchFamily="49" charset="0"/>
+              </a:rPr>
+              <a:t>nr_friends</a:t>
+            </a:r>
+            <a:r>
+              <a:rPr lang="en-US" dirty="0">
+                <a:solidFill>
+                  <a:prstClr val="black"/>
+                </a:solidFill>
+                <a:latin typeface="Courier New" pitchFamily="49" charset="0"/>
+                <a:cs typeface="Courier New" pitchFamily="49" charset="0"/>
+              </a:rPr>
+              <a:t>': 42,</a:t>
+            </a:r>
+          </a:p>
+          <a:p>
+            <a:r>
+              <a:rPr lang="en-US" dirty="0">
+                <a:solidFill>
+                  <a:prstClr val="black"/>
+                </a:solidFill>
+                <a:latin typeface="Courier New" pitchFamily="49" charset="0"/>
+                <a:cs typeface="Courier New" pitchFamily="49" charset="0"/>
+              </a:rPr>
+              <a:t>    },</a:t>
+            </a:r>
+          </a:p>
+          <a:p>
+            <a:r>
+              <a:rPr lang="en-US" dirty="0">
+                <a:solidFill>
+                  <a:prstClr val="black"/>
+                </a:solidFill>
+                <a:latin typeface="Courier New" pitchFamily="49" charset="0"/>
+                <a:cs typeface="Courier New" pitchFamily="49" charset="0"/>
+              </a:rPr>
+              <a:t>    {</a:t>
+            </a:r>
+          </a:p>
+          <a:p>
+            <a:r>
+              <a:rPr lang="en-US" dirty="0">
+                <a:solidFill>
+                  <a:prstClr val="black"/>
+                </a:solidFill>
+                <a:latin typeface="Courier New" pitchFamily="49" charset="0"/>
+                <a:cs typeface="Courier New" pitchFamily="49" charset="0"/>
+              </a:rPr>
+              <a:t>        'id':         </a:t>
+            </a:r>
+            <a:r>
+              <a:rPr lang="en-US" dirty="0" err="1">
+                <a:solidFill>
+                  <a:prstClr val="black"/>
+                </a:solidFill>
+                <a:latin typeface="Courier New" pitchFamily="49" charset="0"/>
+                <a:cs typeface="Courier New" pitchFamily="49" charset="0"/>
+              </a:rPr>
+              <a:t>KfsaZ</a:t>
+            </a:r>
+            <a:r>
+              <a:rPr lang="en-US" dirty="0">
+                <a:solidFill>
+                  <a:prstClr val="black"/>
+                </a:solidFill>
+                <a:latin typeface="Courier New" pitchFamily="49" charset="0"/>
+                <a:cs typeface="Courier New" pitchFamily="49" charset="0"/>
+              </a:rPr>
               <a:t>',</a:t>
             </a:r>
-            <a:endParaRPr lang="en-US" dirty="0" smtClean="0">
-              <a:solidFill>
-                <a:prstClr val="black"/>
-              </a:solidFill>
-              <a:latin typeface="Courier New" pitchFamily="49" charset="0"/>
-              <a:cs typeface="Courier New" pitchFamily="49" charset="0"/>
-            </a:endParaRPr>
           </a:p>
           <a:p>
             <a:r>
@@ -21114,20 +20920,10 @@
                 <a:latin typeface="Courier New" pitchFamily="49" charset="0"/>
                 <a:cs typeface="Courier New" pitchFamily="49" charset="0"/>
               </a:rPr>
-              <a:t> </a:t>
-            </a:r>
-            <a:r>
-              <a:rPr lang="en-US" dirty="0" smtClean="0">
-                <a:solidFill>
-                  <a:prstClr val="black"/>
-                </a:solidFill>
-                <a:latin typeface="Courier New" pitchFamily="49" charset="0"/>
-                <a:cs typeface="Courier New" pitchFamily="49" charset="0"/>
-              </a:rPr>
-              <a:t>       '</a:t>
-            </a:r>
-            <a:r>
-              <a:rPr lang="en-US" dirty="0" err="1" smtClean="0">
+              <a:t>        '</a:t>
+            </a:r>
+            <a:r>
+              <a:rPr lang="en-US" dirty="0" err="1">
                 <a:solidFill>
                   <a:prstClr val="black"/>
                 </a:solidFill>
@@ -21137,18 +20933,6 @@
               <a:t>birthyear</a:t>
             </a:r>
             <a:r>
-              <a:rPr lang="en-US" dirty="0" smtClean="0">
-                <a:solidFill>
-                  <a:prstClr val="black"/>
-                </a:solidFill>
-                <a:latin typeface="Courier New" pitchFamily="49" charset="0"/>
-                <a:cs typeface="Courier New" pitchFamily="49" charset="0"/>
-              </a:rPr>
-              <a:t>':  1954,</a:t>
-            </a:r>
-          </a:p>
-          <a:p>
-            <a:r>
               <a:rPr lang="en-US" dirty="0">
                 <a:solidFill>
                   <a:prstClr val="black"/>
@@ -21156,20 +20940,22 @@
                 <a:latin typeface="Courier New" pitchFamily="49" charset="0"/>
                 <a:cs typeface="Courier New" pitchFamily="49" charset="0"/>
               </a:rPr>
-              <a:t> </a:t>
-            </a:r>
-            <a:r>
-              <a:rPr lang="en-US" dirty="0" smtClean="0">
-                <a:solidFill>
-                  <a:prstClr val="black"/>
-                </a:solidFill>
-                <a:latin typeface="Courier New" pitchFamily="49" charset="0"/>
-                <a:cs typeface="Courier New" pitchFamily="49" charset="0"/>
-              </a:rPr>
-              <a:t>       '</a:t>
-            </a:r>
-            <a:r>
-              <a:rPr lang="en-US" dirty="0" err="1" smtClean="0">
+              <a:t>':  1952,</a:t>
+            </a:r>
+          </a:p>
+          <a:p>
+            <a:r>
+              <a:rPr lang="en-US" dirty="0">
+                <a:solidFill>
+                  <a:prstClr val="black"/>
+                </a:solidFill>
+                <a:latin typeface="Courier New" pitchFamily="49" charset="0"/>
+                <a:cs typeface="Courier New" pitchFamily="49" charset="0"/>
+              </a:rPr>
+              <a:t>        '</a:t>
+            </a:r>
+            <a:r>
+              <a:rPr lang="en-US" dirty="0" err="1">
                 <a:solidFill>
                   <a:prstClr val="black"/>
                 </a:solidFill>
@@ -21179,18 +20965,6 @@
               <a:t>nr_friends</a:t>
             </a:r>
             <a:r>
-              <a:rPr lang="en-US" dirty="0" smtClean="0">
-                <a:solidFill>
-                  <a:prstClr val="black"/>
-                </a:solidFill>
-                <a:latin typeface="Courier New" pitchFamily="49" charset="0"/>
-                <a:cs typeface="Courier New" pitchFamily="49" charset="0"/>
-              </a:rPr>
-              <a:t>': 42,</a:t>
-            </a:r>
-          </a:p>
-          <a:p>
-            <a:r>
               <a:rPr lang="en-US" dirty="0">
                 <a:solidFill>
                   <a:prstClr val="black"/>
@@ -21198,17 +20972,7 @@
                 <a:latin typeface="Courier New" pitchFamily="49" charset="0"/>
                 <a:cs typeface="Courier New" pitchFamily="49" charset="0"/>
               </a:rPr>
-              <a:t> </a:t>
-            </a:r>
-            <a:r>
-              <a:rPr lang="en-US" dirty="0" smtClean="0">
-                <a:solidFill>
-                  <a:prstClr val="black"/>
-                </a:solidFill>
-                <a:latin typeface="Courier New" pitchFamily="49" charset="0"/>
-                <a:cs typeface="Courier New" pitchFamily="49" charset="0"/>
-              </a:rPr>
-              <a:t>   },</a:t>
+              <a:t>': 22,</a:t>
             </a:r>
           </a:p>
           <a:p>
@@ -21220,179 +20984,7 @@
                 <a:latin typeface="Courier New" pitchFamily="49" charset="0"/>
                 <a:cs typeface="Courier New" pitchFamily="49" charset="0"/>
               </a:rPr>
-              <a:t> </a:t>
-            </a:r>
-            <a:r>
-              <a:rPr lang="en-US" dirty="0" smtClean="0">
-                <a:solidFill>
-                  <a:prstClr val="black"/>
-                </a:solidFill>
-                <a:latin typeface="Courier New" pitchFamily="49" charset="0"/>
-                <a:cs typeface="Courier New" pitchFamily="49" charset="0"/>
-              </a:rPr>
-              <a:t>   {</a:t>
-            </a:r>
-          </a:p>
-          <a:p>
-            <a:r>
-              <a:rPr lang="en-US" dirty="0" smtClean="0">
-                <a:solidFill>
-                  <a:prstClr val="black"/>
-                </a:solidFill>
-                <a:latin typeface="Courier New" pitchFamily="49" charset="0"/>
-                <a:cs typeface="Courier New" pitchFamily="49" charset="0"/>
-              </a:rPr>
-              <a:t>        </a:t>
-            </a:r>
-            <a:r>
-              <a:rPr lang="en-US" dirty="0">
-                <a:solidFill>
-                  <a:prstClr val="black"/>
-                </a:solidFill>
-                <a:latin typeface="Courier New" pitchFamily="49" charset="0"/>
-                <a:cs typeface="Courier New" pitchFamily="49" charset="0"/>
-              </a:rPr>
-              <a:t>'id':         </a:t>
-            </a:r>
-            <a:r>
-              <a:rPr lang="en-US" dirty="0" err="1">
-                <a:solidFill>
-                  <a:prstClr val="black"/>
-                </a:solidFill>
-                <a:latin typeface="Courier New" pitchFamily="49" charset="0"/>
-                <a:cs typeface="Courier New" pitchFamily="49" charset="0"/>
-              </a:rPr>
-              <a:t>KfsaZ</a:t>
-            </a:r>
-            <a:r>
-              <a:rPr lang="en-US" dirty="0">
-                <a:solidFill>
-                  <a:prstClr val="black"/>
-                </a:solidFill>
-                <a:latin typeface="Courier New" pitchFamily="49" charset="0"/>
-                <a:cs typeface="Courier New" pitchFamily="49" charset="0"/>
-              </a:rPr>
-              <a:t>',</a:t>
-            </a:r>
-          </a:p>
-          <a:p>
-            <a:r>
-              <a:rPr lang="en-US" dirty="0">
-                <a:solidFill>
-                  <a:prstClr val="black"/>
-                </a:solidFill>
-                <a:latin typeface="Courier New" pitchFamily="49" charset="0"/>
-                <a:cs typeface="Courier New" pitchFamily="49" charset="0"/>
-              </a:rPr>
-              <a:t>        '</a:t>
-            </a:r>
-            <a:r>
-              <a:rPr lang="en-US" dirty="0" err="1">
-                <a:solidFill>
-                  <a:prstClr val="black"/>
-                </a:solidFill>
-                <a:latin typeface="Courier New" pitchFamily="49" charset="0"/>
-                <a:cs typeface="Courier New" pitchFamily="49" charset="0"/>
-              </a:rPr>
-              <a:t>birthyear</a:t>
-            </a:r>
-            <a:r>
-              <a:rPr lang="en-US" dirty="0">
-                <a:solidFill>
-                  <a:prstClr val="black"/>
-                </a:solidFill>
-                <a:latin typeface="Courier New" pitchFamily="49" charset="0"/>
-                <a:cs typeface="Courier New" pitchFamily="49" charset="0"/>
-              </a:rPr>
-              <a:t>':  </a:t>
-            </a:r>
-            <a:r>
-              <a:rPr lang="en-US" dirty="0" smtClean="0">
-                <a:solidFill>
-                  <a:prstClr val="black"/>
-                </a:solidFill>
-                <a:latin typeface="Courier New" pitchFamily="49" charset="0"/>
-                <a:cs typeface="Courier New" pitchFamily="49" charset="0"/>
-              </a:rPr>
-              <a:t>1952,</a:t>
-            </a:r>
-            <a:endParaRPr lang="en-US" dirty="0">
-              <a:solidFill>
-                <a:prstClr val="black"/>
-              </a:solidFill>
-              <a:latin typeface="Courier New" pitchFamily="49" charset="0"/>
-              <a:cs typeface="Courier New" pitchFamily="49" charset="0"/>
-            </a:endParaRPr>
-          </a:p>
-          <a:p>
-            <a:r>
-              <a:rPr lang="en-US" dirty="0">
-                <a:solidFill>
-                  <a:prstClr val="black"/>
-                </a:solidFill>
-                <a:latin typeface="Courier New" pitchFamily="49" charset="0"/>
-                <a:cs typeface="Courier New" pitchFamily="49" charset="0"/>
-              </a:rPr>
-              <a:t>        '</a:t>
-            </a:r>
-            <a:r>
-              <a:rPr lang="en-US" dirty="0" err="1">
-                <a:solidFill>
-                  <a:prstClr val="black"/>
-                </a:solidFill>
-                <a:latin typeface="Courier New" pitchFamily="49" charset="0"/>
-                <a:cs typeface="Courier New" pitchFamily="49" charset="0"/>
-              </a:rPr>
-              <a:t>nr_friends</a:t>
-            </a:r>
-            <a:r>
-              <a:rPr lang="en-US" dirty="0">
-                <a:solidFill>
-                  <a:prstClr val="black"/>
-                </a:solidFill>
-                <a:latin typeface="Courier New" pitchFamily="49" charset="0"/>
-                <a:cs typeface="Courier New" pitchFamily="49" charset="0"/>
-              </a:rPr>
-              <a:t>': </a:t>
-            </a:r>
-            <a:r>
-              <a:rPr lang="en-US" dirty="0" smtClean="0">
-                <a:solidFill>
-                  <a:prstClr val="black"/>
-                </a:solidFill>
-                <a:latin typeface="Courier New" pitchFamily="49" charset="0"/>
-                <a:cs typeface="Courier New" pitchFamily="49" charset="0"/>
-              </a:rPr>
-              <a:t>22,</a:t>
-            </a:r>
-            <a:endParaRPr lang="en-US" dirty="0">
-              <a:solidFill>
-                <a:prstClr val="black"/>
-              </a:solidFill>
-              <a:latin typeface="Courier New" pitchFamily="49" charset="0"/>
-              <a:cs typeface="Courier New" pitchFamily="49" charset="0"/>
-            </a:endParaRPr>
-          </a:p>
-          <a:p>
-            <a:r>
-              <a:rPr lang="en-US" dirty="0">
-                <a:solidFill>
-                  <a:prstClr val="black"/>
-                </a:solidFill>
-                <a:latin typeface="Courier New" pitchFamily="49" charset="0"/>
-                <a:cs typeface="Courier New" pitchFamily="49" charset="0"/>
-              </a:rPr>
-              <a:t>    </a:t>
-            </a:r>
-            <a:r>
-              <a:rPr lang="en-US" dirty="0" smtClean="0">
-                <a:solidFill>
-                  <a:prstClr val="black"/>
-                </a:solidFill>
-                <a:latin typeface="Courier New" pitchFamily="49" charset="0"/>
-                <a:cs typeface="Courier New" pitchFamily="49" charset="0"/>
-              </a:rPr>
-              <a:t>},</a:t>
+              <a:t>    },</a:t>
             </a:r>
           </a:p>
           <a:p>
@@ -21419,13 +21011,6 @@
   <p:clrMapOvr>
     <a:masterClrMapping/>
   </p:clrMapOvr>
-  <p:timing>
-    <p:tnLst>
-      <p:par>
-        <p:cTn id="1" dur="indefinite" restart="never" nodeType="tmRoot"/>
-      </p:par>
-    </p:tnLst>
-  </p:timing>
 </p:sld>
 </file>
 
@@ -21462,10 +21047,9 @@
           <a:lstStyle/>
           <a:p>
             <a:r>
-              <a:rPr lang="en-US" dirty="0" smtClean="0"/>
+              <a:rPr lang="en-US" dirty="0"/>
               <a:t>HTML template</a:t>
             </a:r>
-            <a:endParaRPr lang="en-US" dirty="0"/>
           </a:p>
         </p:txBody>
       </p:sp>
@@ -21517,16 +21101,6 @@
           <a:lstStyle/>
           <a:p>
             <a:r>
-              <a:rPr lang="en-US" dirty="0" smtClean="0">
-                <a:solidFill>
-                  <a:prstClr val="black"/>
-                </a:solidFill>
-                <a:latin typeface="Courier New" pitchFamily="49" charset="0"/>
-                <a:cs typeface="Courier New" pitchFamily="49" charset="0"/>
-              </a:rPr>
-              <a:t>&lt;</a:t>
-            </a:r>
-            <a:r>
               <a:rPr lang="en-US" dirty="0">
                 <a:solidFill>
                   <a:prstClr val="black"/>
@@ -21534,20 +21108,10 @@
                 <a:latin typeface="Courier New" pitchFamily="49" charset="0"/>
                 <a:cs typeface="Courier New" pitchFamily="49" charset="0"/>
               </a:rPr>
-              <a:t>table&gt;</a:t>
-            </a:r>
-          </a:p>
-          <a:p>
-            <a:r>
-              <a:rPr lang="en-US" dirty="0" smtClean="0">
-                <a:solidFill>
-                  <a:prstClr val="black"/>
-                </a:solidFill>
-                <a:latin typeface="Courier New" pitchFamily="49" charset="0"/>
-                <a:cs typeface="Courier New" pitchFamily="49" charset="0"/>
-              </a:rPr>
-              <a:t>    </a:t>
-            </a:r>
+              <a:t>&lt;table&gt;</a:t>
+            </a:r>
+          </a:p>
+          <a:p>
             <a:r>
               <a:rPr lang="en-US" dirty="0">
                 <a:solidFill>
@@ -21556,7 +21120,7 @@
                 <a:latin typeface="Courier New" pitchFamily="49" charset="0"/>
                 <a:cs typeface="Courier New" pitchFamily="49" charset="0"/>
               </a:rPr>
-              <a:t>&lt;</a:t>
+              <a:t>    &lt;</a:t>
             </a:r>
             <a:r>
               <a:rPr lang="en-US" dirty="0" err="1">
@@ -21581,16 +21145,6 @@
           </a:p>
           <a:p>
             <a:r>
-              <a:rPr lang="en-US" dirty="0" smtClean="0">
-                <a:solidFill>
-                  <a:prstClr val="black"/>
-                </a:solidFill>
-                <a:latin typeface="Courier New" pitchFamily="49" charset="0"/>
-                <a:cs typeface="Courier New" pitchFamily="49" charset="0"/>
-              </a:rPr>
-              <a:t>        </a:t>
-            </a:r>
-            <a:r>
               <a:rPr lang="en-US" dirty="0">
                 <a:solidFill>
                   <a:prstClr val="black"/>
@@ -21598,7 +21152,7 @@
                 <a:latin typeface="Courier New" pitchFamily="49" charset="0"/>
                 <a:cs typeface="Courier New" pitchFamily="49" charset="0"/>
               </a:rPr>
-              <a:t>&lt;</a:t>
+              <a:t>        &lt;</a:t>
             </a:r>
             <a:r>
               <a:rPr lang="en-US" dirty="0" err="1">
@@ -21643,16 +21197,6 @@
           </a:p>
           <a:p>
             <a:r>
-              <a:rPr lang="en-US" dirty="0" smtClean="0">
-                <a:solidFill>
-                  <a:prstClr val="black"/>
-                </a:solidFill>
-                <a:latin typeface="Courier New" pitchFamily="49" charset="0"/>
-                <a:cs typeface="Courier New" pitchFamily="49" charset="0"/>
-              </a:rPr>
-              <a:t>        </a:t>
-            </a:r>
-            <a:r>
               <a:rPr lang="en-US" dirty="0">
                 <a:solidFill>
                   <a:prstClr val="black"/>
@@ -21660,7 +21204,7 @@
                 <a:latin typeface="Courier New" pitchFamily="49" charset="0"/>
                 <a:cs typeface="Courier New" pitchFamily="49" charset="0"/>
               </a:rPr>
-              <a:t>&lt;</a:t>
+              <a:t>        &lt;</a:t>
             </a:r>
             <a:r>
               <a:rPr lang="en-US" dirty="0" err="1">
@@ -21705,16 +21249,6 @@
           </a:p>
           <a:p>
             <a:r>
-              <a:rPr lang="en-US" dirty="0" smtClean="0">
-                <a:solidFill>
-                  <a:prstClr val="black"/>
-                </a:solidFill>
-                <a:latin typeface="Courier New" pitchFamily="49" charset="0"/>
-                <a:cs typeface="Courier New" pitchFamily="49" charset="0"/>
-              </a:rPr>
-              <a:t>        </a:t>
-            </a:r>
-            <a:r>
               <a:rPr lang="en-US" dirty="0">
                 <a:solidFill>
                   <a:prstClr val="black"/>
@@ -21722,7 +21256,7 @@
                 <a:latin typeface="Courier New" pitchFamily="49" charset="0"/>
                 <a:cs typeface="Courier New" pitchFamily="49" charset="0"/>
               </a:rPr>
-              <a:t>&lt;</a:t>
+              <a:t>        &lt;</a:t>
             </a:r>
             <a:r>
               <a:rPr lang="en-US" dirty="0" err="1">
@@ -21767,7 +21301,7 @@
           </a:p>
           <a:p>
             <a:r>
-              <a:rPr lang="en-US" dirty="0" smtClean="0">
+              <a:rPr lang="en-US" dirty="0">
                 <a:solidFill>
                   <a:prstClr val="black"/>
                 </a:solidFill>
@@ -21799,7 +21333,159 @@
           </a:p>
           <a:p>
             <a:r>
-              <a:rPr lang="en-US" dirty="0" smtClean="0">
+              <a:rPr lang="en-US" dirty="0">
+                <a:solidFill>
+                  <a:prstClr val="black"/>
+                </a:solidFill>
+                <a:latin typeface="Courier New" pitchFamily="49" charset="0"/>
+                <a:cs typeface="Courier New" pitchFamily="49" charset="0"/>
+              </a:rPr>
+              <a:t>    {% for person in people %}</a:t>
+            </a:r>
+          </a:p>
+          <a:p>
+            <a:r>
+              <a:rPr lang="en-US" dirty="0">
+                <a:solidFill>
+                  <a:prstClr val="black"/>
+                </a:solidFill>
+                <a:latin typeface="Courier New" pitchFamily="49" charset="0"/>
+                <a:cs typeface="Courier New" pitchFamily="49" charset="0"/>
+              </a:rPr>
+              <a:t>    &lt;</a:t>
+            </a:r>
+            <a:r>
+              <a:rPr lang="en-US" dirty="0" err="1">
+                <a:solidFill>
+                  <a:prstClr val="black"/>
+                </a:solidFill>
+                <a:latin typeface="Courier New" pitchFamily="49" charset="0"/>
+                <a:cs typeface="Courier New" pitchFamily="49" charset="0"/>
+              </a:rPr>
+              <a:t>tr</a:t>
+            </a:r>
+            <a:r>
+              <a:rPr lang="en-US" dirty="0">
+                <a:solidFill>
+                  <a:prstClr val="black"/>
+                </a:solidFill>
+                <a:latin typeface="Courier New" pitchFamily="49" charset="0"/>
+                <a:cs typeface="Courier New" pitchFamily="49" charset="0"/>
+              </a:rPr>
+              <a:t>&gt;</a:t>
+            </a:r>
+          </a:p>
+          <a:p>
+            <a:r>
+              <a:rPr lang="en-US" dirty="0">
+                <a:solidFill>
+                  <a:prstClr val="black"/>
+                </a:solidFill>
+                <a:latin typeface="Courier New" pitchFamily="49" charset="0"/>
+                <a:cs typeface="Courier New" pitchFamily="49" charset="0"/>
+              </a:rPr>
+              <a:t>        &lt;td&gt; {{ person['id'] }} &lt;/td&gt;</a:t>
+            </a:r>
+          </a:p>
+          <a:p>
+            <a:r>
+              <a:rPr lang="en-US" dirty="0">
+                <a:solidFill>
+                  <a:prstClr val="black"/>
+                </a:solidFill>
+                <a:latin typeface="Courier New" pitchFamily="49" charset="0"/>
+                <a:cs typeface="Courier New" pitchFamily="49" charset="0"/>
+              </a:rPr>
+              <a:t>        &lt;td&gt; {{ person['</a:t>
+            </a:r>
+            <a:r>
+              <a:rPr lang="en-US" dirty="0" err="1">
+                <a:solidFill>
+                  <a:prstClr val="black"/>
+                </a:solidFill>
+                <a:latin typeface="Courier New" pitchFamily="49" charset="0"/>
+                <a:cs typeface="Courier New" pitchFamily="49" charset="0"/>
+              </a:rPr>
+              <a:t>birthyear</a:t>
+            </a:r>
+            <a:r>
+              <a:rPr lang="en-US" dirty="0">
+                <a:solidFill>
+                  <a:prstClr val="black"/>
+                </a:solidFill>
+                <a:latin typeface="Courier New" pitchFamily="49" charset="0"/>
+                <a:cs typeface="Courier New" pitchFamily="49" charset="0"/>
+              </a:rPr>
+              <a:t>'] }} &lt;/td&gt;</a:t>
+            </a:r>
+          </a:p>
+          <a:p>
+            <a:r>
+              <a:rPr lang="en-US" dirty="0">
+                <a:solidFill>
+                  <a:prstClr val="black"/>
+                </a:solidFill>
+                <a:latin typeface="Courier New" pitchFamily="49" charset="0"/>
+                <a:cs typeface="Courier New" pitchFamily="49" charset="0"/>
+              </a:rPr>
+              <a:t>        &lt;td&gt; {{ person['</a:t>
+            </a:r>
+            <a:r>
+              <a:rPr lang="en-US" dirty="0" err="1">
+                <a:solidFill>
+                  <a:prstClr val="black"/>
+                </a:solidFill>
+                <a:latin typeface="Courier New" pitchFamily="49" charset="0"/>
+                <a:cs typeface="Courier New" pitchFamily="49" charset="0"/>
+              </a:rPr>
+              <a:t>nr_friends</a:t>
+            </a:r>
+            <a:r>
+              <a:rPr lang="en-US" dirty="0">
+                <a:solidFill>
+                  <a:prstClr val="black"/>
+                </a:solidFill>
+                <a:latin typeface="Courier New" pitchFamily="49" charset="0"/>
+                <a:cs typeface="Courier New" pitchFamily="49" charset="0"/>
+              </a:rPr>
+              <a:t>'] }} &lt;/td&gt;</a:t>
+            </a:r>
+          </a:p>
+          <a:p>
+            <a:r>
+              <a:rPr lang="en-US" dirty="0">
+                <a:solidFill>
+                  <a:prstClr val="black"/>
+                </a:solidFill>
+                <a:latin typeface="Courier New" pitchFamily="49" charset="0"/>
+                <a:cs typeface="Courier New" pitchFamily="49" charset="0"/>
+              </a:rPr>
+              <a:t>    &lt;/</a:t>
+            </a:r>
+            <a:r>
+              <a:rPr lang="en-US" dirty="0" err="1">
+                <a:solidFill>
+                  <a:prstClr val="black"/>
+                </a:solidFill>
+                <a:latin typeface="Courier New" pitchFamily="49" charset="0"/>
+                <a:cs typeface="Courier New" pitchFamily="49" charset="0"/>
+              </a:rPr>
+              <a:t>tr</a:t>
+            </a:r>
+            <a:r>
+              <a:rPr lang="en-US" dirty="0">
+                <a:solidFill>
+                  <a:prstClr val="black"/>
+                </a:solidFill>
+                <a:latin typeface="Courier New" pitchFamily="49" charset="0"/>
+                <a:cs typeface="Courier New" pitchFamily="49" charset="0"/>
+              </a:rPr>
+              <a:t>&gt;</a:t>
+            </a:r>
+          </a:p>
+          <a:p>
+            <a:r>
+              <a:rPr lang="en-US" dirty="0">
                 <a:solidFill>
                   <a:prstClr val="black"/>
                 </a:solidFill>
@@ -21809,6 +21495,16 @@
               <a:t>    {% </a:t>
             </a:r>
             <a:r>
+              <a:rPr lang="en-US" dirty="0" err="1">
+                <a:solidFill>
+                  <a:prstClr val="black"/>
+                </a:solidFill>
+                <a:latin typeface="Courier New" pitchFamily="49" charset="0"/>
+                <a:cs typeface="Courier New" pitchFamily="49" charset="0"/>
+              </a:rPr>
+              <a:t>endfor</a:t>
+            </a:r>
+            <a:r>
               <a:rPr lang="en-US" dirty="0">
                 <a:solidFill>
                   <a:prstClr val="black"/>
@@ -21816,7 +21512,7 @@
                 <a:latin typeface="Courier New" pitchFamily="49" charset="0"/>
                 <a:cs typeface="Courier New" pitchFamily="49" charset="0"/>
               </a:rPr>
-              <a:t>for person in people %}</a:t>
+              <a:t> %}          </a:t>
             </a:r>
           </a:p>
           <a:p>
@@ -21828,297 +21524,8 @@
                 <a:latin typeface="Courier New" pitchFamily="49" charset="0"/>
                 <a:cs typeface="Courier New" pitchFamily="49" charset="0"/>
               </a:rPr>
-              <a:t>    </a:t>
-            </a:r>
-            <a:r>
-              <a:rPr lang="en-US" dirty="0" smtClean="0">
-                <a:solidFill>
-                  <a:prstClr val="black"/>
-                </a:solidFill>
-                <a:latin typeface="Courier New" pitchFamily="49" charset="0"/>
-                <a:cs typeface="Courier New" pitchFamily="49" charset="0"/>
-              </a:rPr>
-              <a:t>&lt;</a:t>
-            </a:r>
-            <a:r>
-              <a:rPr lang="en-US" dirty="0" err="1">
-                <a:solidFill>
-                  <a:prstClr val="black"/>
-                </a:solidFill>
-                <a:latin typeface="Courier New" pitchFamily="49" charset="0"/>
-                <a:cs typeface="Courier New" pitchFamily="49" charset="0"/>
-              </a:rPr>
-              <a:t>tr</a:t>
-            </a:r>
-            <a:r>
-              <a:rPr lang="en-US" dirty="0">
-                <a:solidFill>
-                  <a:prstClr val="black"/>
-                </a:solidFill>
-                <a:latin typeface="Courier New" pitchFamily="49" charset="0"/>
-                <a:cs typeface="Courier New" pitchFamily="49" charset="0"/>
-              </a:rPr>
-              <a:t>&gt;</a:t>
-            </a:r>
-          </a:p>
-          <a:p>
-            <a:r>
-              <a:rPr lang="en-US" dirty="0">
-                <a:solidFill>
-                  <a:prstClr val="black"/>
-                </a:solidFill>
-                <a:latin typeface="Courier New" pitchFamily="49" charset="0"/>
-                <a:cs typeface="Courier New" pitchFamily="49" charset="0"/>
-              </a:rPr>
-              <a:t>    </a:t>
-            </a:r>
-            <a:r>
-              <a:rPr lang="en-US" dirty="0" smtClean="0">
-                <a:solidFill>
-                  <a:prstClr val="black"/>
-                </a:solidFill>
-                <a:latin typeface="Courier New" pitchFamily="49" charset="0"/>
-                <a:cs typeface="Courier New" pitchFamily="49" charset="0"/>
-              </a:rPr>
-              <a:t>    </a:t>
-            </a:r>
-            <a:r>
-              <a:rPr lang="en-US" dirty="0">
-                <a:solidFill>
-                  <a:prstClr val="black"/>
-                </a:solidFill>
-                <a:latin typeface="Courier New" pitchFamily="49" charset="0"/>
-                <a:cs typeface="Courier New" pitchFamily="49" charset="0"/>
-              </a:rPr>
-              <a:t>&lt;td&gt; {{ person['id'] }} &lt;/td&gt;</a:t>
-            </a:r>
-          </a:p>
-          <a:p>
-            <a:r>
-              <a:rPr lang="en-US" dirty="0">
-                <a:solidFill>
-                  <a:prstClr val="black"/>
-                </a:solidFill>
-                <a:latin typeface="Courier New" pitchFamily="49" charset="0"/>
-                <a:cs typeface="Courier New" pitchFamily="49" charset="0"/>
-              </a:rPr>
-              <a:t>    </a:t>
-            </a:r>
-            <a:r>
-              <a:rPr lang="en-US" dirty="0" smtClean="0">
-                <a:solidFill>
-                  <a:prstClr val="black"/>
-                </a:solidFill>
-                <a:latin typeface="Courier New" pitchFamily="49" charset="0"/>
-                <a:cs typeface="Courier New" pitchFamily="49" charset="0"/>
-              </a:rPr>
-              <a:t>    </a:t>
-            </a:r>
-            <a:r>
-              <a:rPr lang="en-US" dirty="0">
-                <a:solidFill>
-                  <a:prstClr val="black"/>
-                </a:solidFill>
-                <a:latin typeface="Courier New" pitchFamily="49" charset="0"/>
-                <a:cs typeface="Courier New" pitchFamily="49" charset="0"/>
-              </a:rPr>
-              <a:t>&lt;td&gt; {{ person['</a:t>
-            </a:r>
-            <a:r>
-              <a:rPr lang="en-US" dirty="0" err="1">
-                <a:solidFill>
-                  <a:prstClr val="black"/>
-                </a:solidFill>
-                <a:latin typeface="Courier New" pitchFamily="49" charset="0"/>
-                <a:cs typeface="Courier New" pitchFamily="49" charset="0"/>
-              </a:rPr>
-              <a:t>birthyear</a:t>
-            </a:r>
-            <a:r>
-              <a:rPr lang="en-US" dirty="0">
-                <a:solidFill>
-                  <a:prstClr val="black"/>
-                </a:solidFill>
-                <a:latin typeface="Courier New" pitchFamily="49" charset="0"/>
-                <a:cs typeface="Courier New" pitchFamily="49" charset="0"/>
-              </a:rPr>
-              <a:t>'] }} &lt;/td&gt;</a:t>
-            </a:r>
-          </a:p>
-          <a:p>
-            <a:r>
-              <a:rPr lang="en-US" dirty="0">
-                <a:solidFill>
-                  <a:prstClr val="black"/>
-                </a:solidFill>
-                <a:latin typeface="Courier New" pitchFamily="49" charset="0"/>
-                <a:cs typeface="Courier New" pitchFamily="49" charset="0"/>
-              </a:rPr>
-              <a:t>    </a:t>
-            </a:r>
-            <a:r>
-              <a:rPr lang="en-US" dirty="0" smtClean="0">
-                <a:solidFill>
-                  <a:prstClr val="black"/>
-                </a:solidFill>
-                <a:latin typeface="Courier New" pitchFamily="49" charset="0"/>
-                <a:cs typeface="Courier New" pitchFamily="49" charset="0"/>
-              </a:rPr>
-              <a:t>    </a:t>
-            </a:r>
-            <a:r>
-              <a:rPr lang="en-US" dirty="0">
-                <a:solidFill>
-                  <a:prstClr val="black"/>
-                </a:solidFill>
-                <a:latin typeface="Courier New" pitchFamily="49" charset="0"/>
-                <a:cs typeface="Courier New" pitchFamily="49" charset="0"/>
-              </a:rPr>
-              <a:t>&lt;td&gt; {{ person['</a:t>
-            </a:r>
-            <a:r>
-              <a:rPr lang="en-US" dirty="0" err="1">
-                <a:solidFill>
-                  <a:prstClr val="black"/>
-                </a:solidFill>
-                <a:latin typeface="Courier New" pitchFamily="49" charset="0"/>
-                <a:cs typeface="Courier New" pitchFamily="49" charset="0"/>
-              </a:rPr>
-              <a:t>nr_friends</a:t>
-            </a:r>
-            <a:r>
-              <a:rPr lang="en-US" dirty="0">
-                <a:solidFill>
-                  <a:prstClr val="black"/>
-                </a:solidFill>
-                <a:latin typeface="Courier New" pitchFamily="49" charset="0"/>
-                <a:cs typeface="Courier New" pitchFamily="49" charset="0"/>
-              </a:rPr>
-              <a:t>'] }} &lt;/td&gt;</a:t>
-            </a:r>
-          </a:p>
-          <a:p>
-            <a:r>
-              <a:rPr lang="en-US" dirty="0">
-                <a:solidFill>
-                  <a:prstClr val="black"/>
-                </a:solidFill>
-                <a:latin typeface="Courier New" pitchFamily="49" charset="0"/>
-                <a:cs typeface="Courier New" pitchFamily="49" charset="0"/>
-              </a:rPr>
-              <a:t>    </a:t>
-            </a:r>
-            <a:r>
-              <a:rPr lang="en-US" dirty="0" smtClean="0">
-                <a:solidFill>
-                  <a:prstClr val="black"/>
-                </a:solidFill>
-                <a:latin typeface="Courier New" pitchFamily="49" charset="0"/>
-                <a:cs typeface="Courier New" pitchFamily="49" charset="0"/>
-              </a:rPr>
-              <a:t>&lt;/</a:t>
-            </a:r>
-            <a:r>
-              <a:rPr lang="en-US" dirty="0" err="1" smtClean="0">
-                <a:solidFill>
-                  <a:prstClr val="black"/>
-                </a:solidFill>
-                <a:latin typeface="Courier New" pitchFamily="49" charset="0"/>
-                <a:cs typeface="Courier New" pitchFamily="49" charset="0"/>
-              </a:rPr>
-              <a:t>tr</a:t>
-            </a:r>
-            <a:r>
-              <a:rPr lang="en-US" dirty="0">
-                <a:solidFill>
-                  <a:prstClr val="black"/>
-                </a:solidFill>
-                <a:latin typeface="Courier New" pitchFamily="49" charset="0"/>
-                <a:cs typeface="Courier New" pitchFamily="49" charset="0"/>
-              </a:rPr>
-              <a:t>&gt;</a:t>
-            </a:r>
-          </a:p>
-          <a:p>
-            <a:r>
-              <a:rPr lang="en-US" dirty="0">
-                <a:solidFill>
-                  <a:prstClr val="black"/>
-                </a:solidFill>
-                <a:latin typeface="Courier New" pitchFamily="49" charset="0"/>
-                <a:cs typeface="Courier New" pitchFamily="49" charset="0"/>
-              </a:rPr>
-              <a:t>    </a:t>
-            </a:r>
-            <a:r>
-              <a:rPr lang="en-US" dirty="0" smtClean="0">
-                <a:solidFill>
-                  <a:prstClr val="black"/>
-                </a:solidFill>
-                <a:latin typeface="Courier New" pitchFamily="49" charset="0"/>
-                <a:cs typeface="Courier New" pitchFamily="49" charset="0"/>
-              </a:rPr>
-              <a:t>{% </a:t>
-            </a:r>
-            <a:r>
-              <a:rPr lang="en-US" dirty="0" err="1">
-                <a:solidFill>
-                  <a:prstClr val="black"/>
-                </a:solidFill>
-                <a:latin typeface="Courier New" pitchFamily="49" charset="0"/>
-                <a:cs typeface="Courier New" pitchFamily="49" charset="0"/>
-              </a:rPr>
-              <a:t>endfor</a:t>
-            </a:r>
-            <a:r>
-              <a:rPr lang="en-US" dirty="0">
-                <a:solidFill>
-                  <a:prstClr val="black"/>
-                </a:solidFill>
-                <a:latin typeface="Courier New" pitchFamily="49" charset="0"/>
-                <a:cs typeface="Courier New" pitchFamily="49" charset="0"/>
-              </a:rPr>
-              <a:t> %}          </a:t>
-            </a:r>
-          </a:p>
-          <a:p>
-            <a:r>
-              <a:rPr lang="en-US" dirty="0" smtClean="0">
-                <a:solidFill>
-                  <a:prstClr val="black"/>
-                </a:solidFill>
-                <a:latin typeface="Courier New" pitchFamily="49" charset="0"/>
-                <a:cs typeface="Courier New" pitchFamily="49" charset="0"/>
-              </a:rPr>
-              <a:t>&lt;/</a:t>
-            </a:r>
-            <a:r>
-              <a:rPr lang="en-US" dirty="0">
-                <a:solidFill>
-                  <a:prstClr val="black"/>
-                </a:solidFill>
-                <a:latin typeface="Courier New" pitchFamily="49" charset="0"/>
-                <a:cs typeface="Courier New" pitchFamily="49" charset="0"/>
-              </a:rPr>
-              <a:t>table</a:t>
-            </a:r>
-            <a:r>
-              <a:rPr lang="en-US" dirty="0" smtClean="0">
-                <a:solidFill>
-                  <a:prstClr val="black"/>
-                </a:solidFill>
-                <a:latin typeface="Courier New" pitchFamily="49" charset="0"/>
-                <a:cs typeface="Courier New" pitchFamily="49" charset="0"/>
-              </a:rPr>
-              <a:t>&gt;</a:t>
-            </a:r>
-            <a:endParaRPr lang="en-US" dirty="0">
-              <a:solidFill>
-                <a:prstClr val="black"/>
-              </a:solidFill>
-              <a:latin typeface="Courier New" pitchFamily="49" charset="0"/>
-              <a:cs typeface="Courier New" pitchFamily="49" charset="0"/>
-            </a:endParaRPr>
+              <a:t>&lt;/table&gt;</a:t>
+            </a:r>
           </a:p>
         </p:txBody>
       </p:sp>
@@ -22300,16 +21707,6 @@
           <a:lstStyle/>
           <a:p>
             <a:r>
-              <a:rPr lang="en-US" sz="1400" dirty="0" smtClean="0">
-                <a:solidFill>
-                  <a:prstClr val="black"/>
-                </a:solidFill>
-                <a:latin typeface="Courier New" pitchFamily="49" charset="0"/>
-                <a:cs typeface="Courier New" pitchFamily="49" charset="0"/>
-              </a:rPr>
-              <a:t>&lt;</a:t>
-            </a:r>
-            <a:r>
               <a:rPr lang="en-US" sz="1400" dirty="0">
                 <a:solidFill>
                   <a:prstClr val="black"/>
@@ -22317,7 +21714,7 @@
                 <a:latin typeface="Courier New" pitchFamily="49" charset="0"/>
                 <a:cs typeface="Courier New" pitchFamily="49" charset="0"/>
               </a:rPr>
-              <a:t>table&gt;</a:t>
+              <a:t>&lt;table&gt;</a:t>
             </a:r>
           </a:p>
           <a:p>
@@ -22329,17 +21726,7 @@
                 <a:latin typeface="Courier New" pitchFamily="49" charset="0"/>
                 <a:cs typeface="Courier New" pitchFamily="49" charset="0"/>
               </a:rPr>
-              <a:t>    </a:t>
-            </a:r>
-            <a:r>
-              <a:rPr lang="en-US" sz="1400" dirty="0" smtClean="0">
-                <a:solidFill>
-                  <a:prstClr val="black"/>
-                </a:solidFill>
-                <a:latin typeface="Courier New" pitchFamily="49" charset="0"/>
-                <a:cs typeface="Courier New" pitchFamily="49" charset="0"/>
-              </a:rPr>
-              <a:t>&lt;</a:t>
+              <a:t>    &lt;</a:t>
             </a:r>
             <a:r>
               <a:rPr lang="en-US" sz="1400" dirty="0" err="1">
@@ -22364,16 +21751,6 @@
           </a:p>
           <a:p>
             <a:r>
-              <a:rPr lang="en-US" sz="1400" dirty="0" smtClean="0">
-                <a:solidFill>
-                  <a:prstClr val="black"/>
-                </a:solidFill>
-                <a:latin typeface="Courier New" pitchFamily="49" charset="0"/>
-                <a:cs typeface="Courier New" pitchFamily="49" charset="0"/>
-              </a:rPr>
-              <a:t>        </a:t>
-            </a:r>
-            <a:r>
               <a:rPr lang="en-US" sz="1400" dirty="0">
                 <a:solidFill>
                   <a:prstClr val="black"/>
@@ -22381,7 +21758,7 @@
                 <a:latin typeface="Courier New" pitchFamily="49" charset="0"/>
                 <a:cs typeface="Courier New" pitchFamily="49" charset="0"/>
               </a:rPr>
-              <a:t>&lt;</a:t>
+              <a:t>        &lt;</a:t>
             </a:r>
             <a:r>
               <a:rPr lang="en-US" sz="1400" dirty="0" err="1">
@@ -22426,16 +21803,6 @@
           </a:p>
           <a:p>
             <a:r>
-              <a:rPr lang="en-US" sz="1400" dirty="0" smtClean="0">
-                <a:solidFill>
-                  <a:prstClr val="black"/>
-                </a:solidFill>
-                <a:latin typeface="Courier New" pitchFamily="49" charset="0"/>
-                <a:cs typeface="Courier New" pitchFamily="49" charset="0"/>
-              </a:rPr>
-              <a:t>        </a:t>
-            </a:r>
-            <a:r>
               <a:rPr lang="en-US" sz="1400" dirty="0">
                 <a:solidFill>
                   <a:prstClr val="black"/>
@@ -22443,7 +21810,7 @@
                 <a:latin typeface="Courier New" pitchFamily="49" charset="0"/>
                 <a:cs typeface="Courier New" pitchFamily="49" charset="0"/>
               </a:rPr>
-              <a:t>&lt;</a:t>
+              <a:t>        &lt;</a:t>
             </a:r>
             <a:r>
               <a:rPr lang="en-US" sz="1400" dirty="0" err="1">
@@ -22488,16 +21855,6 @@
           </a:p>
           <a:p>
             <a:r>
-              <a:rPr lang="en-US" sz="1400" dirty="0" smtClean="0">
-                <a:solidFill>
-                  <a:prstClr val="black"/>
-                </a:solidFill>
-                <a:latin typeface="Courier New" pitchFamily="49" charset="0"/>
-                <a:cs typeface="Courier New" pitchFamily="49" charset="0"/>
-              </a:rPr>
-              <a:t>        </a:t>
-            </a:r>
-            <a:r>
               <a:rPr lang="en-US" sz="1400" dirty="0">
                 <a:solidFill>
                   <a:prstClr val="black"/>
@@ -22505,7 +21862,7 @@
                 <a:latin typeface="Courier New" pitchFamily="49" charset="0"/>
                 <a:cs typeface="Courier New" pitchFamily="49" charset="0"/>
               </a:rPr>
-              <a:t>&lt;</a:t>
+              <a:t>        &lt;</a:t>
             </a:r>
             <a:r>
               <a:rPr lang="en-US" sz="1400" dirty="0" err="1">
@@ -22550,16 +21907,6 @@
           </a:p>
           <a:p>
             <a:r>
-              <a:rPr lang="en-US" sz="1400" dirty="0" smtClean="0">
-                <a:solidFill>
-                  <a:prstClr val="black"/>
-                </a:solidFill>
-                <a:latin typeface="Courier New" pitchFamily="49" charset="0"/>
-                <a:cs typeface="Courier New" pitchFamily="49" charset="0"/>
-              </a:rPr>
-              <a:t>    </a:t>
-            </a:r>
-            <a:r>
               <a:rPr lang="en-US" sz="1400" dirty="0">
                 <a:solidFill>
                   <a:prstClr val="black"/>
@@ -22567,7 +21914,7 @@
                 <a:latin typeface="Courier New" pitchFamily="49" charset="0"/>
                 <a:cs typeface="Courier New" pitchFamily="49" charset="0"/>
               </a:rPr>
-              <a:t>&lt;/</a:t>
+              <a:t>    &lt;/</a:t>
             </a:r>
             <a:r>
               <a:rPr lang="en-US" sz="1400" dirty="0" err="1">
@@ -22592,16 +21939,6 @@
           </a:p>
           <a:p>
             <a:r>
-              <a:rPr lang="en-US" sz="1400" dirty="0" smtClean="0">
-                <a:solidFill>
-                  <a:prstClr val="black"/>
-                </a:solidFill>
-                <a:latin typeface="Courier New" pitchFamily="49" charset="0"/>
-                <a:cs typeface="Courier New" pitchFamily="49" charset="0"/>
-              </a:rPr>
-              <a:t>    </a:t>
-            </a:r>
-            <a:r>
               <a:rPr lang="en-US" sz="1400" dirty="0">
                 <a:solidFill>
                   <a:prstClr val="black"/>
@@ -22609,7 +21946,7 @@
                 <a:latin typeface="Courier New" pitchFamily="49" charset="0"/>
                 <a:cs typeface="Courier New" pitchFamily="49" charset="0"/>
               </a:rPr>
-              <a:t>&lt;</a:t>
+              <a:t>    &lt;</a:t>
             </a:r>
             <a:r>
               <a:rPr lang="en-US" sz="1400" dirty="0" err="1">
@@ -22634,16 +21971,6 @@
           </a:p>
           <a:p>
             <a:r>
-              <a:rPr lang="en-US" sz="1400" dirty="0" smtClean="0">
-                <a:solidFill>
-                  <a:prstClr val="black"/>
-                </a:solidFill>
-                <a:latin typeface="Courier New" pitchFamily="49" charset="0"/>
-                <a:cs typeface="Courier New" pitchFamily="49" charset="0"/>
-              </a:rPr>
-              <a:t>        </a:t>
-            </a:r>
-            <a:r>
               <a:rPr lang="en-US" sz="1400" dirty="0">
                 <a:solidFill>
                   <a:prstClr val="black"/>
@@ -22651,7 +21978,7 @@
                 <a:latin typeface="Courier New" pitchFamily="49" charset="0"/>
                 <a:cs typeface="Courier New" pitchFamily="49" charset="0"/>
               </a:rPr>
-              <a:t>&lt;td&gt; </a:t>
+              <a:t>        &lt;td&gt; </a:t>
             </a:r>
             <a:r>
               <a:rPr lang="en-US" sz="1400" dirty="0" err="1">
@@ -22676,16 +22003,6 @@
           </a:p>
           <a:p>
             <a:r>
-              <a:rPr lang="en-US" sz="1400" dirty="0" smtClean="0">
-                <a:solidFill>
-                  <a:prstClr val="black"/>
-                </a:solidFill>
-                <a:latin typeface="Courier New" pitchFamily="49" charset="0"/>
-                <a:cs typeface="Courier New" pitchFamily="49" charset="0"/>
-              </a:rPr>
-              <a:t>        </a:t>
-            </a:r>
-            <a:r>
               <a:rPr lang="en-US" sz="1400" dirty="0">
                 <a:solidFill>
                   <a:prstClr val="black"/>
@@ -22693,20 +22010,10 @@
                 <a:latin typeface="Courier New" pitchFamily="49" charset="0"/>
                 <a:cs typeface="Courier New" pitchFamily="49" charset="0"/>
               </a:rPr>
-              <a:t>&lt;td&gt; 1954 &lt;/td&gt;</a:t>
-            </a:r>
-          </a:p>
-          <a:p>
-            <a:r>
-              <a:rPr lang="en-US" sz="1400" dirty="0" smtClean="0">
-                <a:solidFill>
-                  <a:prstClr val="black"/>
-                </a:solidFill>
-                <a:latin typeface="Courier New" pitchFamily="49" charset="0"/>
-                <a:cs typeface="Courier New" pitchFamily="49" charset="0"/>
-              </a:rPr>
-              <a:t>        </a:t>
-            </a:r>
+              <a:t>        &lt;td&gt; 1954 &lt;/td&gt;</a:t>
+            </a:r>
+          </a:p>
+          <a:p>
             <a:r>
               <a:rPr lang="en-US" sz="1400" dirty="0">
                 <a:solidFill>
@@ -22715,12 +22022,12 @@
                 <a:latin typeface="Courier New" pitchFamily="49" charset="0"/>
                 <a:cs typeface="Courier New" pitchFamily="49" charset="0"/>
               </a:rPr>
-              <a:t>&lt;td&gt; 42 &lt;/td&gt;</a:t>
-            </a:r>
-          </a:p>
-          <a:p>
-            <a:r>
-              <a:rPr lang="en-US" sz="1400" dirty="0" smtClean="0">
+              <a:t>        &lt;td&gt; 42 &lt;/td&gt;</a:t>
+            </a:r>
+          </a:p>
+          <a:p>
+            <a:r>
+              <a:rPr lang="en-US" sz="1400" dirty="0">
                 <a:solidFill>
                   <a:prstClr val="black"/>
                 </a:solidFill>
@@ -22730,7 +22037,7 @@
               <a:t>    &lt;/</a:t>
             </a:r>
             <a:r>
-              <a:rPr lang="en-US" sz="1400" dirty="0" err="1" smtClean="0">
+              <a:rPr lang="en-US" sz="1400" dirty="0" err="1">
                 <a:solidFill>
                   <a:prstClr val="black"/>
                 </a:solidFill>
@@ -22752,16 +22059,6 @@
           </a:p>
           <a:p>
             <a:r>
-              <a:rPr lang="en-US" sz="1400" dirty="0" smtClean="0">
-                <a:solidFill>
-                  <a:prstClr val="black"/>
-                </a:solidFill>
-                <a:latin typeface="Courier New" pitchFamily="49" charset="0"/>
-                <a:cs typeface="Courier New" pitchFamily="49" charset="0"/>
-              </a:rPr>
-              <a:t>    </a:t>
-            </a:r>
-            <a:r>
               <a:rPr lang="en-US" sz="1400" dirty="0">
                 <a:solidFill>
                   <a:prstClr val="black"/>
@@ -22769,7 +22066,7 @@
                 <a:latin typeface="Courier New" pitchFamily="49" charset="0"/>
                 <a:cs typeface="Courier New" pitchFamily="49" charset="0"/>
               </a:rPr>
-              <a:t>&lt;</a:t>
+              <a:t>    &lt;</a:t>
             </a:r>
             <a:r>
               <a:rPr lang="en-US" sz="1400" dirty="0" err="1">
@@ -22794,16 +22091,6 @@
           </a:p>
           <a:p>
             <a:r>
-              <a:rPr lang="en-US" sz="1400" dirty="0" smtClean="0">
-                <a:solidFill>
-                  <a:prstClr val="black"/>
-                </a:solidFill>
-                <a:latin typeface="Courier New" pitchFamily="49" charset="0"/>
-                <a:cs typeface="Courier New" pitchFamily="49" charset="0"/>
-              </a:rPr>
-              <a:t>        </a:t>
-            </a:r>
-            <a:r>
               <a:rPr lang="en-US" sz="1400" dirty="0">
                 <a:solidFill>
                   <a:prstClr val="black"/>
@@ -22811,7 +22098,7 @@
                 <a:latin typeface="Courier New" pitchFamily="49" charset="0"/>
                 <a:cs typeface="Courier New" pitchFamily="49" charset="0"/>
               </a:rPr>
-              <a:t>&lt;td&gt; </a:t>
+              <a:t>        &lt;td&gt; </a:t>
             </a:r>
             <a:r>
               <a:rPr lang="en-US" sz="1400" dirty="0" err="1">
@@ -22836,16 +22123,6 @@
           </a:p>
           <a:p>
             <a:r>
-              <a:rPr lang="en-US" sz="1400" dirty="0" smtClean="0">
-                <a:solidFill>
-                  <a:prstClr val="black"/>
-                </a:solidFill>
-                <a:latin typeface="Courier New" pitchFamily="49" charset="0"/>
-                <a:cs typeface="Courier New" pitchFamily="49" charset="0"/>
-              </a:rPr>
-              <a:t>        </a:t>
-            </a:r>
-            <a:r>
               <a:rPr lang="en-US" sz="1400" dirty="0">
                 <a:solidFill>
                   <a:prstClr val="black"/>
@@ -22853,20 +22130,10 @@
                 <a:latin typeface="Courier New" pitchFamily="49" charset="0"/>
                 <a:cs typeface="Courier New" pitchFamily="49" charset="0"/>
               </a:rPr>
-              <a:t>&lt;td&gt; 1952 &lt;/td&gt;</a:t>
-            </a:r>
-          </a:p>
-          <a:p>
-            <a:r>
-              <a:rPr lang="en-US" sz="1400" dirty="0" smtClean="0">
-                <a:solidFill>
-                  <a:prstClr val="black"/>
-                </a:solidFill>
-                <a:latin typeface="Courier New" pitchFamily="49" charset="0"/>
-                <a:cs typeface="Courier New" pitchFamily="49" charset="0"/>
-              </a:rPr>
-              <a:t>        </a:t>
-            </a:r>
+              <a:t>        &lt;td&gt; 1952 &lt;/td&gt;</a:t>
+            </a:r>
+          </a:p>
+          <a:p>
             <a:r>
               <a:rPr lang="en-US" sz="1400" dirty="0">
                 <a:solidFill>
@@ -22875,20 +22142,10 @@
                 <a:latin typeface="Courier New" pitchFamily="49" charset="0"/>
                 <a:cs typeface="Courier New" pitchFamily="49" charset="0"/>
               </a:rPr>
-              <a:t>&lt;td&gt; 22 &lt;/td&gt;</a:t>
-            </a:r>
-          </a:p>
-          <a:p>
-            <a:r>
-              <a:rPr lang="en-US" sz="1400" dirty="0" smtClean="0">
-                <a:solidFill>
-                  <a:prstClr val="black"/>
-                </a:solidFill>
-                <a:latin typeface="Courier New" pitchFamily="49" charset="0"/>
-                <a:cs typeface="Courier New" pitchFamily="49" charset="0"/>
-              </a:rPr>
-              <a:t>    </a:t>
-            </a:r>
+              <a:t>        &lt;td&gt; 22 &lt;/td&gt;</a:t>
+            </a:r>
+          </a:p>
+          <a:p>
             <a:r>
               <a:rPr lang="en-US" sz="1400" dirty="0">
                 <a:solidFill>
@@ -22897,7 +22154,7 @@
                 <a:latin typeface="Courier New" pitchFamily="49" charset="0"/>
                 <a:cs typeface="Courier New" pitchFamily="49" charset="0"/>
               </a:rPr>
-              <a:t>&lt;</a:t>
+              <a:t>    &lt;</a:t>
             </a:r>
             <a:r>
               <a:rPr lang="en-US" sz="1400" dirty="0" err="1">
@@ -22922,16 +22179,6 @@
           </a:p>
           <a:p>
             <a:r>
-              <a:rPr lang="en-US" sz="1400" dirty="0" smtClean="0">
-                <a:solidFill>
-                  <a:prstClr val="black"/>
-                </a:solidFill>
-                <a:latin typeface="Courier New" pitchFamily="49" charset="0"/>
-                <a:cs typeface="Courier New" pitchFamily="49" charset="0"/>
-              </a:rPr>
-              <a:t>    </a:t>
-            </a:r>
-            <a:r>
               <a:rPr lang="en-US" sz="1400" dirty="0">
                 <a:solidFill>
                   <a:prstClr val="black"/>
@@ -22939,7 +22186,7 @@
                 <a:latin typeface="Courier New" pitchFamily="49" charset="0"/>
                 <a:cs typeface="Courier New" pitchFamily="49" charset="0"/>
               </a:rPr>
-              <a:t>&lt;</a:t>
+              <a:t>    &lt;</a:t>
             </a:r>
             <a:r>
               <a:rPr lang="en-US" sz="1400" dirty="0" err="1">
@@ -22964,16 +22211,6 @@
           </a:p>
           <a:p>
             <a:r>
-              <a:rPr lang="en-US" sz="1400" dirty="0" smtClean="0">
-                <a:solidFill>
-                  <a:prstClr val="black"/>
-                </a:solidFill>
-                <a:latin typeface="Courier New" pitchFamily="49" charset="0"/>
-                <a:cs typeface="Courier New" pitchFamily="49" charset="0"/>
-              </a:rPr>
-              <a:t>        </a:t>
-            </a:r>
-            <a:r>
               <a:rPr lang="en-US" sz="1400" dirty="0">
                 <a:solidFill>
                   <a:prstClr val="black"/>
@@ -22981,7 +22218,7 @@
                 <a:latin typeface="Courier New" pitchFamily="49" charset="0"/>
                 <a:cs typeface="Courier New" pitchFamily="49" charset="0"/>
               </a:rPr>
-              <a:t>&lt;td&gt; </a:t>
+              <a:t>        &lt;td&gt; </a:t>
             </a:r>
             <a:r>
               <a:rPr lang="en-US" sz="1400" dirty="0" err="1">
@@ -23006,16 +22243,6 @@
           </a:p>
           <a:p>
             <a:r>
-              <a:rPr lang="en-US" sz="1400" dirty="0" smtClean="0">
-                <a:solidFill>
-                  <a:prstClr val="black"/>
-                </a:solidFill>
-                <a:latin typeface="Courier New" pitchFamily="49" charset="0"/>
-                <a:cs typeface="Courier New" pitchFamily="49" charset="0"/>
-              </a:rPr>
-              <a:t>        </a:t>
-            </a:r>
-            <a:r>
               <a:rPr lang="en-US" sz="1400" dirty="0">
                 <a:solidFill>
                   <a:prstClr val="black"/>
@@ -23023,20 +22250,10 @@
                 <a:latin typeface="Courier New" pitchFamily="49" charset="0"/>
                 <a:cs typeface="Courier New" pitchFamily="49" charset="0"/>
               </a:rPr>
-              <a:t>&lt;td&gt; 1951 &lt;/td&gt;</a:t>
-            </a:r>
-          </a:p>
-          <a:p>
-            <a:r>
-              <a:rPr lang="en-US" sz="1400" dirty="0" smtClean="0">
-                <a:solidFill>
-                  <a:prstClr val="black"/>
-                </a:solidFill>
-                <a:latin typeface="Courier New" pitchFamily="49" charset="0"/>
-                <a:cs typeface="Courier New" pitchFamily="49" charset="0"/>
-              </a:rPr>
-              <a:t>        </a:t>
-            </a:r>
+              <a:t>        &lt;td&gt; 1951 &lt;/td&gt;</a:t>
+            </a:r>
+          </a:p>
+          <a:p>
             <a:r>
               <a:rPr lang="en-US" sz="1400" dirty="0">
                 <a:solidFill>
@@ -23045,12 +22262,12 @@
                 <a:latin typeface="Courier New" pitchFamily="49" charset="0"/>
                 <a:cs typeface="Courier New" pitchFamily="49" charset="0"/>
               </a:rPr>
-              <a:t>&lt;td&gt; 32 &lt;/td&gt;</a:t>
-            </a:r>
-          </a:p>
-          <a:p>
-            <a:r>
-              <a:rPr lang="en-US" sz="1400" dirty="0" smtClean="0">
+              <a:t>        &lt;td&gt; 32 &lt;/td&gt;</a:t>
+            </a:r>
+          </a:p>
+          <a:p>
+            <a:r>
+              <a:rPr lang="en-US" sz="1400" dirty="0">
                 <a:solidFill>
                   <a:prstClr val="black"/>
                 </a:solidFill>
@@ -23060,7 +22277,7 @@
               <a:t>    &lt;/</a:t>
             </a:r>
             <a:r>
-              <a:rPr lang="en-US" sz="1400" dirty="0" err="1" smtClean="0">
+              <a:rPr lang="en-US" sz="1400" dirty="0" err="1">
                 <a:solidFill>
                   <a:prstClr val="black"/>
                 </a:solidFill>
@@ -23070,7 +22287,7 @@
               <a:t>tr</a:t>
             </a:r>
             <a:r>
-              <a:rPr lang="en-US" sz="1400" dirty="0" smtClean="0">
+              <a:rPr lang="en-US" sz="1400" dirty="0">
                 <a:solidFill>
                   <a:prstClr val="black"/>
                 </a:solidFill>
@@ -23089,22 +22306,12 @@
                 <a:latin typeface="Courier New" pitchFamily="49" charset="0"/>
                 <a:cs typeface="Courier New" pitchFamily="49" charset="0"/>
               </a:rPr>
-              <a:t> </a:t>
-            </a:r>
-            <a:r>
-              <a:rPr lang="en-US" sz="1400" dirty="0" smtClean="0">
-                <a:solidFill>
-                  <a:prstClr val="black"/>
-                </a:solidFill>
-                <a:latin typeface="Courier New" pitchFamily="49" charset="0"/>
-                <a:cs typeface="Courier New" pitchFamily="49" charset="0"/>
-              </a:rPr>
-              <a:t>   …</a:t>
-            </a:r>
-          </a:p>
-          <a:p>
-            <a:r>
-              <a:rPr lang="en-US" sz="1400" dirty="0" smtClean="0">
+              <a:t>    …</a:t>
+            </a:r>
+          </a:p>
+          <a:p>
+            <a:r>
+              <a:rPr lang="en-US" sz="1400" dirty="0">
                 <a:solidFill>
                   <a:prstClr val="black"/>
                 </a:solidFill>
@@ -23113,13 +22320,6 @@
               </a:rPr>
               <a:t>&lt;/table&gt;</a:t>
             </a:r>
-            <a:endParaRPr lang="en-US" sz="1400" dirty="0">
-              <a:solidFill>
-                <a:prstClr val="black"/>
-              </a:solidFill>
-              <a:latin typeface="Courier New" pitchFamily="49" charset="0"/>
-              <a:cs typeface="Courier New" pitchFamily="49" charset="0"/>
-            </a:endParaRPr>
           </a:p>
         </p:txBody>
       </p:sp>
@@ -23338,14 +22538,13 @@
           <a:lstStyle/>
           <a:p>
             <a:r>
-              <a:rPr lang="en-US" dirty="0" err="1" smtClean="0"/>
+              <a:rPr lang="en-US" dirty="0" err="1"/>
               <a:t>MarkDown</a:t>
             </a:r>
             <a:r>
-              <a:rPr lang="en-US" dirty="0" smtClean="0"/>
+              <a:rPr lang="en-US" dirty="0"/>
               <a:t> template</a:t>
             </a:r>
-            <a:endParaRPr lang="en-US" dirty="0"/>
           </a:p>
         </p:txBody>
       </p:sp>
@@ -23440,47 +22639,7 @@
                 <a:latin typeface="Courier New" pitchFamily="49" charset="0"/>
                 <a:cs typeface="Courier New" pitchFamily="49" charset="0"/>
               </a:rPr>
-              <a:t>| {{ '%-9s'|format(person['id']) }} | </a:t>
-            </a:r>
-            <a:r>
-              <a:rPr lang="en-US" dirty="0" smtClean="0">
-                <a:solidFill>
-                  <a:prstClr val="black"/>
-                </a:solidFill>
-                <a:latin typeface="Courier New" pitchFamily="49" charset="0"/>
-                <a:cs typeface="Courier New" pitchFamily="49" charset="0"/>
-              </a:rPr>
-              <a:t>… </a:t>
-            </a:r>
-            <a:r>
-              <a:rPr lang="en-US" dirty="0">
-                <a:solidFill>
-                  <a:prstClr val="black"/>
-                </a:solidFill>
-                <a:latin typeface="Courier New" pitchFamily="49" charset="0"/>
-                <a:cs typeface="Courier New" pitchFamily="49" charset="0"/>
-              </a:rPr>
-              <a:t>| </a:t>
-            </a:r>
-            <a:r>
-              <a:rPr lang="en-US" dirty="0" smtClean="0">
-                <a:solidFill>
-                  <a:prstClr val="black"/>
-                </a:solidFill>
-                <a:latin typeface="Courier New" pitchFamily="49" charset="0"/>
-                <a:cs typeface="Courier New" pitchFamily="49" charset="0"/>
-              </a:rPr>
-              <a:t>… </a:t>
-            </a:r>
-            <a:r>
-              <a:rPr lang="en-US" dirty="0">
-                <a:solidFill>
-                  <a:prstClr val="black"/>
-                </a:solidFill>
-                <a:latin typeface="Courier New" pitchFamily="49" charset="0"/>
-                <a:cs typeface="Courier New" pitchFamily="49" charset="0"/>
-              </a:rPr>
-              <a:t>|</a:t>
+              <a:t>| {{ '%-9s'|format(person['id']) }} | … | … |</a:t>
             </a:r>
           </a:p>
           <a:p>
@@ -23783,7 +22942,7 @@
           </a:p>
           <a:p>
             <a:r>
-              <a:rPr lang="en-US" dirty="0" smtClean="0">
+              <a:rPr lang="en-US" dirty="0">
                 <a:solidFill>
                   <a:prstClr val="black"/>
                 </a:solidFill>
@@ -23792,13 +22951,6 @@
               </a:rPr>
               <a:t>…</a:t>
             </a:r>
-            <a:endParaRPr lang="en-US" dirty="0">
-              <a:solidFill>
-                <a:prstClr val="black"/>
-              </a:solidFill>
-              <a:latin typeface="Courier New" pitchFamily="49" charset="0"/>
-              <a:cs typeface="Courier New" pitchFamily="49" charset="0"/>
-            </a:endParaRPr>
           </a:p>
         </p:txBody>
       </p:sp>
@@ -24017,10 +23169,9 @@
           <a:lstStyle/>
           <a:p>
             <a:r>
-              <a:rPr lang="en-US" dirty="0" smtClean="0"/>
+              <a:rPr lang="en-US" dirty="0"/>
               <a:t>Filling out templates</a:t>
             </a:r>
-            <a:endParaRPr lang="en-US" dirty="0"/>
           </a:p>
         </p:txBody>
       </p:sp>
@@ -24045,26 +23196,21 @@
           <a:lstStyle/>
           <a:p>
             <a:r>
-              <a:rPr lang="en-US" dirty="0" smtClean="0"/>
+              <a:rPr lang="en-US" dirty="0"/>
               <a:t>Create environment</a:t>
             </a:r>
           </a:p>
           <a:p>
             <a:r>
-              <a:rPr lang="en-US" dirty="0" smtClean="0"/>
+              <a:rPr lang="en-US" dirty="0"/>
               <a:t>Load template</a:t>
             </a:r>
           </a:p>
           <a:p>
             <a:r>
-              <a:rPr lang="en-US" dirty="0" smtClean="0"/>
-              <a:t>Render </a:t>
-            </a:r>
-            <a:r>
-              <a:rPr lang="en-US" dirty="0" smtClean="0"/>
-              <a:t>template</a:t>
-            </a:r>
-            <a:endParaRPr lang="en-US" dirty="0"/>
+              <a:rPr lang="en-US" dirty="0"/>
+              <a:t>Render template</a:t>
+            </a:r>
           </a:p>
         </p:txBody>
       </p:sp>
@@ -24147,7 +23293,7 @@
           </a:p>
           <a:p>
             <a:r>
-              <a:rPr lang="en-US" dirty="0" smtClean="0">
+              <a:rPr lang="en-US" dirty="0">
                 <a:solidFill>
                   <a:prstClr val="black"/>
                 </a:solidFill>
@@ -24156,25 +23302,8 @@
               </a:rPr>
               <a:t>…</a:t>
             </a:r>
-            <a:endParaRPr lang="en-US" dirty="0">
-              <a:solidFill>
-                <a:prstClr val="black"/>
-              </a:solidFill>
-              <a:latin typeface="Courier New" pitchFamily="49" charset="0"/>
-              <a:cs typeface="Courier New" pitchFamily="49" charset="0"/>
-            </a:endParaRPr>
-          </a:p>
-          <a:p>
-            <a:r>
-              <a:rPr lang="en-US" dirty="0" smtClean="0">
-                <a:solidFill>
-                  <a:prstClr val="black"/>
-                </a:solidFill>
-                <a:latin typeface="Courier New" pitchFamily="49" charset="0"/>
-                <a:cs typeface="Courier New" pitchFamily="49" charset="0"/>
-              </a:rPr>
-              <a:t>people </a:t>
-            </a:r>
+          </a:p>
+          <a:p>
             <a:r>
               <a:rPr lang="en-US" dirty="0">
                 <a:solidFill>
@@ -24183,37 +23312,10 @@
                 <a:latin typeface="Courier New" pitchFamily="49" charset="0"/>
                 <a:cs typeface="Courier New" pitchFamily="49" charset="0"/>
               </a:rPr>
-              <a:t>= </a:t>
-            </a:r>
-            <a:r>
-              <a:rPr lang="en-US" dirty="0" smtClean="0">
-                <a:solidFill>
-                  <a:prstClr val="black"/>
-                </a:solidFill>
-                <a:latin typeface="Courier New" pitchFamily="49" charset="0"/>
-                <a:cs typeface="Courier New" pitchFamily="49" charset="0"/>
-              </a:rPr>
-              <a:t>…</a:t>
-            </a:r>
-            <a:endParaRPr lang="en-US" dirty="0">
-              <a:solidFill>
-                <a:prstClr val="black"/>
-              </a:solidFill>
-              <a:latin typeface="Courier New" pitchFamily="49" charset="0"/>
-              <a:cs typeface="Courier New" pitchFamily="49" charset="0"/>
-            </a:endParaRPr>
-          </a:p>
-          <a:p>
-            <a:r>
-              <a:rPr lang="en-US" dirty="0" smtClean="0">
-                <a:solidFill>
-                  <a:prstClr val="black"/>
-                </a:solidFill>
-                <a:latin typeface="Courier New" pitchFamily="49" charset="0"/>
-                <a:cs typeface="Courier New" pitchFamily="49" charset="0"/>
-              </a:rPr>
-              <a:t>environment </a:t>
-            </a:r>
+              <a:t>people = …</a:t>
+            </a:r>
+          </a:p>
+          <a:p>
             <a:r>
               <a:rPr lang="en-US" dirty="0">
                 <a:solidFill>
@@ -24222,7 +23324,7 @@
                 <a:latin typeface="Courier New" pitchFamily="49" charset="0"/>
                 <a:cs typeface="Courier New" pitchFamily="49" charset="0"/>
               </a:rPr>
-              <a:t>= Environment(loader=</a:t>
+              <a:t>environment = Environment(loader=</a:t>
             </a:r>
             <a:r>
               <a:rPr lang="en-US" dirty="0" err="1">
@@ -24242,30 +23344,10 @@
                 <a:latin typeface="Courier New" pitchFamily="49" charset="0"/>
                 <a:cs typeface="Courier New" pitchFamily="49" charset="0"/>
               </a:rPr>
-              <a:t>('population</a:t>
-            </a:r>
-            <a:r>
-              <a:rPr lang="en-US" dirty="0" smtClean="0">
-                <a:solidFill>
-                  <a:prstClr val="black"/>
-                </a:solidFill>
-                <a:latin typeface="Courier New" pitchFamily="49" charset="0"/>
-                <a:cs typeface="Courier New" pitchFamily="49" charset="0"/>
-              </a:rPr>
-              <a:t>',</a:t>
-            </a:r>
-          </a:p>
-          <a:p>
-            <a:r>
-              <a:rPr lang="en-US" dirty="0" smtClean="0">
-                <a:solidFill>
-                  <a:prstClr val="black"/>
-                </a:solidFill>
-                <a:latin typeface="Courier New" pitchFamily="49" charset="0"/>
-                <a:cs typeface="Courier New" pitchFamily="49" charset="0"/>
-              </a:rPr>
-              <a:t>                                               'templates</a:t>
-            </a:r>
+              <a:t>('population',</a:t>
+            </a:r>
+          </a:p>
+          <a:p>
             <a:r>
               <a:rPr lang="en-US" dirty="0">
                 <a:solidFill>
@@ -24274,12 +23356,12 @@
                 <a:latin typeface="Courier New" pitchFamily="49" charset="0"/>
                 <a:cs typeface="Courier New" pitchFamily="49" charset="0"/>
               </a:rPr>
-              <a:t>'),</a:t>
-            </a:r>
-          </a:p>
-          <a:p>
-            <a:r>
-              <a:rPr lang="en-US" dirty="0" smtClean="0">
+              <a:t>                                               'templates'),</a:t>
+            </a:r>
+          </a:p>
+          <a:p>
+            <a:r>
+              <a:rPr lang="en-US" dirty="0">
                 <a:solidFill>
                   <a:prstClr val="black"/>
                 </a:solidFill>
@@ -24331,16 +23413,6 @@
           </a:p>
           <a:p>
             <a:r>
-              <a:rPr lang="en-US" dirty="0" smtClean="0">
-                <a:solidFill>
-                  <a:prstClr val="black"/>
-                </a:solidFill>
-                <a:latin typeface="Courier New" pitchFamily="49" charset="0"/>
-                <a:cs typeface="Courier New" pitchFamily="49" charset="0"/>
-              </a:rPr>
-              <a:t>template </a:t>
-            </a:r>
-            <a:r>
               <a:rPr lang="en-US" dirty="0">
                 <a:solidFill>
                   <a:prstClr val="black"/>
@@ -24348,7 +23420,7 @@
                 <a:latin typeface="Courier New" pitchFamily="49" charset="0"/>
                 <a:cs typeface="Courier New" pitchFamily="49" charset="0"/>
               </a:rPr>
-              <a:t>= </a:t>
+              <a:t>template = </a:t>
             </a:r>
             <a:r>
               <a:rPr lang="en-US" dirty="0" err="1">
@@ -24393,7 +23465,7 @@
           </a:p>
           <a:p>
             <a:r>
-              <a:rPr lang="en-US" dirty="0" smtClean="0">
+              <a:rPr lang="en-US" dirty="0">
                 <a:solidFill>
                   <a:prstClr val="black"/>
                 </a:solidFill>
@@ -24403,7 +23475,7 @@
               <a:t>print(</a:t>
             </a:r>
             <a:r>
-              <a:rPr lang="en-US" dirty="0" err="1" smtClean="0">
+              <a:rPr lang="en-US" dirty="0" err="1">
                 <a:solidFill>
                   <a:prstClr val="black"/>
                 </a:solidFill>
@@ -24413,16 +23485,6 @@
               <a:t>template.render</a:t>
             </a:r>
             <a:r>
-              <a:rPr lang="en-US" dirty="0" smtClean="0">
-                <a:solidFill>
-                  <a:prstClr val="black"/>
-                </a:solidFill>
-                <a:latin typeface="Courier New" pitchFamily="49" charset="0"/>
-                <a:cs typeface="Courier New" pitchFamily="49" charset="0"/>
-              </a:rPr>
-              <a:t>(people=people</a:t>
-            </a:r>
-            <a:r>
               <a:rPr lang="en-US" dirty="0">
                 <a:solidFill>
                   <a:prstClr val="black"/>
@@ -24430,15 +23492,8 @@
                 <a:latin typeface="Courier New" pitchFamily="49" charset="0"/>
                 <a:cs typeface="Courier New" pitchFamily="49" charset="0"/>
               </a:rPr>
-              <a:t>))</a:t>
-            </a:r>
-            <a:endParaRPr lang="en-US" dirty="0">
-              <a:solidFill>
-                <a:prstClr val="black"/>
-              </a:solidFill>
-              <a:latin typeface="Courier New" pitchFamily="49" charset="0"/>
-              <a:cs typeface="Courier New" pitchFamily="49" charset="0"/>
-            </a:endParaRPr>
+              <a:t>(people=people))</a:t>
+            </a:r>
           </a:p>
         </p:txBody>
       </p:sp>
@@ -24668,18 +23723,18 @@
           <a:lstStyle/>
           <a:p>
             <a:r>
-              <a:rPr lang="en-US" dirty="0" smtClean="0"/>
+              <a:rPr lang="en-US" dirty="0"/>
               <a:t>Using shell commands:</a:t>
             </a:r>
             <a:br>
-              <a:rPr lang="en-US" dirty="0" smtClean="0"/>
+              <a:rPr lang="en-US" dirty="0"/>
             </a:br>
             <a:r>
-              <a:rPr lang="en-US" dirty="0" smtClean="0"/>
+              <a:rPr lang="en-US" dirty="0"/>
               <a:t>Python </a:t>
             </a:r>
             <a:r>
-              <a:rPr lang="en-US" dirty="0" err="1" smtClean="0"/>
+              <a:rPr lang="en-US" dirty="0" err="1"/>
               <a:t>subprocess</a:t>
             </a:r>
             <a:endParaRPr lang="en-US" dirty="0"/>
@@ -24707,19 +23762,12 @@
               <a:rPr lang="en-US" sz="1800" dirty="0">
                 <a:hlinkClick r:id="rId2"/>
               </a:rPr>
-              <a:t>https://</a:t>
-            </a:r>
-            <a:r>
-              <a:rPr lang="en-US" sz="1800" dirty="0" smtClean="0">
-                <a:hlinkClick r:id="rId2"/>
-              </a:rPr>
-              <a:t>github.com/gjbex/Python-for-systems-programming/tree/master/source-code/subprocess</a:t>
-            </a:r>
-            <a:r>
-              <a:rPr lang="en-US" sz="1800" dirty="0" smtClean="0"/>
+              <a:t>https://github.com/gjbex/Python-for-systems-programming/tree/master/source-code/subprocess</a:t>
+            </a:r>
+            <a:r>
+              <a:rPr lang="en-US" sz="1800" dirty="0"/>
               <a:t> </a:t>
             </a:r>
-            <a:endParaRPr lang="en-US" sz="1800" dirty="0"/>
           </a:p>
         </p:txBody>
       </p:sp>
@@ -24771,13 +23819,6 @@
   <p:clrMapOvr>
     <a:masterClrMapping/>
   </p:clrMapOvr>
-  <p:timing>
-    <p:tnLst>
-      <p:par>
-        <p:cTn id="1" dur="indefinite" restart="never" nodeType="tmRoot"/>
-      </p:par>
-    </p:tnLst>
-  </p:timing>
 </p:sld>
 </file>
 
@@ -24815,11 +23856,7 @@
           <a:p>
             <a:r>
               <a:rPr lang="en-US" dirty="0"/>
-              <a:t>Typographical conventions </a:t>
-            </a:r>
-            <a:r>
-              <a:rPr lang="en-US" dirty="0" smtClean="0"/>
-              <a:t>II</a:t>
+              <a:t>Typographical conventions II</a:t>
             </a:r>
             <a:endParaRPr lang="nl-BE" dirty="0"/>
           </a:p>
@@ -24855,11 +23892,7 @@
           <a:p>
             <a:r>
               <a:rPr lang="en-US" dirty="0"/>
-              <a:t>Longer code fragments are rendered </a:t>
-            </a:r>
-            <a:r>
-              <a:rPr lang="en-US" dirty="0" smtClean="0"/>
-              <a:t>as</a:t>
+              <a:t>Longer code fragments are rendered as</a:t>
             </a:r>
           </a:p>
           <a:p>
@@ -24870,7 +23903,7 @@
             </a:endParaRPr>
           </a:p>
           <a:p>
-            <a:endParaRPr lang="en-US" dirty="0" smtClean="0">
+            <a:endParaRPr lang="en-US" dirty="0">
               <a:solidFill>
                 <a:srgbClr val="FF0000"/>
               </a:solidFill>
@@ -24878,7 +23911,7 @@
           </a:p>
           <a:p>
             <a:r>
-              <a:rPr lang="en-US" dirty="0" smtClean="0"/>
+              <a:rPr lang="en-US" dirty="0"/>
               <a:t>Data files are rendered as</a:t>
             </a:r>
             <a:endParaRPr lang="nl-BE" dirty="0"/>
@@ -25640,10 +24673,9 @@
           <a:lstStyle/>
           <a:p>
             <a:r>
-              <a:rPr lang="en-US" dirty="0" smtClean="0"/>
+              <a:rPr lang="en-US" dirty="0"/>
               <a:t>Counting words in a file</a:t>
             </a:r>
-            <a:endParaRPr lang="en-US" dirty="0"/>
           </a:p>
         </p:txBody>
       </p:sp>
@@ -25665,110 +24697,110 @@
           <a:lstStyle/>
           <a:p>
             <a:r>
-              <a:rPr lang="en-US" dirty="0" smtClean="0"/>
+              <a:rPr lang="en-US" dirty="0"/>
               <a:t>Using shell utilities: </a:t>
             </a:r>
             <a:r>
-              <a:rPr lang="en-US" dirty="0" err="1" smtClean="0">
+              <a:rPr lang="en-US" dirty="0" err="1">
                 <a:latin typeface="Courier New" pitchFamily="49" charset="0"/>
                 <a:cs typeface="Courier New" pitchFamily="49" charset="0"/>
               </a:rPr>
               <a:t>subprocess</a:t>
             </a:r>
             <a:r>
-              <a:rPr lang="en-US" dirty="0" smtClean="0"/>
+              <a:rPr lang="en-US" dirty="0"/>
               <a:t> module</a:t>
             </a:r>
           </a:p>
           <a:p>
-            <a:endParaRPr lang="en-US" dirty="0" smtClean="0"/>
-          </a:p>
-          <a:p>
-            <a:endParaRPr lang="en-US" dirty="0" smtClean="0"/>
-          </a:p>
-          <a:p>
-            <a:endParaRPr lang="en-US" dirty="0" smtClean="0"/>
-          </a:p>
-          <a:p>
-            <a:endParaRPr lang="en-US" dirty="0" smtClean="0"/>
-          </a:p>
-          <a:p>
-            <a:endParaRPr lang="en-US" dirty="0" smtClean="0"/>
-          </a:p>
-          <a:p>
-            <a:r>
-              <a:rPr lang="en-US" dirty="0" smtClean="0"/>
+            <a:endParaRPr lang="en-US" dirty="0"/>
+          </a:p>
+          <a:p>
+            <a:endParaRPr lang="en-US" dirty="0"/>
+          </a:p>
+          <a:p>
+            <a:endParaRPr lang="en-US" dirty="0"/>
+          </a:p>
+          <a:p>
+            <a:endParaRPr lang="en-US" dirty="0"/>
+          </a:p>
+          <a:p>
+            <a:endParaRPr lang="en-US" dirty="0"/>
+          </a:p>
+          <a:p>
+            <a:r>
+              <a:rPr lang="en-US" dirty="0"/>
               <a:t>Convenient high-level API</a:t>
             </a:r>
           </a:p>
           <a:p>
             <a:pPr lvl="1"/>
             <a:r>
-              <a:rPr lang="en-US" dirty="0" err="1" smtClean="0">
+              <a:rPr lang="en-US" dirty="0" err="1">
                 <a:latin typeface="Courier New" pitchFamily="49" charset="0"/>
                 <a:cs typeface="Courier New" pitchFamily="49" charset="0"/>
               </a:rPr>
               <a:t>subprocess.call</a:t>
             </a:r>
             <a:r>
-              <a:rPr lang="en-US" dirty="0" smtClean="0">
+              <a:rPr lang="en-US" dirty="0">
                 <a:latin typeface="Courier New" pitchFamily="49" charset="0"/>
                 <a:cs typeface="Courier New" pitchFamily="49" charset="0"/>
               </a:rPr>
               <a:t>(…)</a:t>
             </a:r>
             <a:r>
-              <a:rPr lang="en-US" dirty="0" smtClean="0"/>
+              <a:rPr lang="en-US" dirty="0"/>
               <a:t> returns exit code of command as integer</a:t>
             </a:r>
           </a:p>
           <a:p>
             <a:pPr lvl="1"/>
             <a:r>
-              <a:rPr lang="en-US" dirty="0" err="1" smtClean="0">
+              <a:rPr lang="en-US" dirty="0" err="1">
                 <a:latin typeface="Courier New" pitchFamily="49" charset="0"/>
                 <a:cs typeface="Courier New" pitchFamily="49" charset="0"/>
               </a:rPr>
               <a:t>subprocess.check_output</a:t>
             </a:r>
             <a:r>
-              <a:rPr lang="en-US" dirty="0" smtClean="0">
+              <a:rPr lang="en-US" dirty="0">
                 <a:latin typeface="Courier New" pitchFamily="49" charset="0"/>
                 <a:cs typeface="Courier New" pitchFamily="49" charset="0"/>
               </a:rPr>
               <a:t>(…)</a:t>
             </a:r>
             <a:r>
-              <a:rPr lang="en-US" dirty="0" smtClean="0"/>
+              <a:rPr lang="en-US" dirty="0"/>
               <a:t> returns output of command as </a:t>
             </a:r>
             <a:r>
-              <a:rPr lang="en-BE" dirty="0" smtClean="0">
+              <a:rPr lang="en-BE" dirty="0">
                 <a:latin typeface="Courier New" panose="02070309020205020404" pitchFamily="49" charset="0"/>
                 <a:cs typeface="Courier New" panose="02070309020205020404" pitchFamily="49" charset="0"/>
               </a:rPr>
               <a:t>bytes</a:t>
             </a:r>
             <a:r>
-              <a:rPr lang="en-BE" dirty="0" smtClean="0"/>
+              <a:rPr lang="en-BE" dirty="0"/>
               <a:t> (decode to get Python </a:t>
             </a:r>
             <a:r>
-              <a:rPr lang="en-BE" dirty="0" smtClean="0">
+              <a:rPr lang="en-BE" dirty="0">
                 <a:latin typeface="Courier New" panose="02070309020205020404" pitchFamily="49" charset="0"/>
                 <a:cs typeface="Courier New" panose="02070309020205020404" pitchFamily="49" charset="0"/>
               </a:rPr>
               <a:t>str</a:t>
             </a:r>
             <a:r>
-              <a:rPr lang="en-BE" dirty="0" smtClean="0"/>
+              <a:rPr lang="en-BE" dirty="0"/>
               <a:t>)</a:t>
             </a:r>
-            <a:endParaRPr lang="en-US" dirty="0" smtClean="0"/>
+            <a:endParaRPr lang="en-US" dirty="0"/>
           </a:p>
           <a:p>
             <a:pPr lvl="1"/>
-            <a:endParaRPr lang="en-US" dirty="0" smtClean="0"/>
+            <a:endParaRPr lang="en-US" dirty="0"/>
           </a:p>
         </p:txBody>
       </p:sp>
@@ -26558,10 +25590,9 @@
           <a:lstStyle/>
           <a:p>
             <a:r>
-              <a:rPr lang="en-US" dirty="0" smtClean="0"/>
+              <a:rPr lang="en-US" dirty="0"/>
               <a:t>Counting words in a string</a:t>
             </a:r>
-            <a:endParaRPr lang="en-US" dirty="0"/>
           </a:p>
         </p:txBody>
       </p:sp>
@@ -26581,7 +25612,7 @@
           <a:lstStyle/>
           <a:p>
             <a:r>
-              <a:rPr lang="en-US" dirty="0" smtClean="0"/>
+              <a:rPr lang="en-US" dirty="0"/>
               <a:t>Low-level API: input &amp; output</a:t>
             </a:r>
           </a:p>
@@ -27426,15 +26457,6 @@
                   <a:latin typeface="Calibri"/>
                 </a:rPr>
                 <a:t>knows</a:t>
-              </a:r>
-              <a:r>
-                <a:rPr lang="en-US" dirty="0">
-                  <a:solidFill>
-                    <a:prstClr val="black"/>
-                  </a:solidFill>
-                  <a:latin typeface="Calibri"/>
-                </a:rPr>
-                <a:t/>
               </a:r>
               <a:br>
                 <a:rPr lang="en-US" dirty="0">
@@ -27909,26 +26931,26 @@
           <a:lstStyle/>
           <a:p>
             <a:r>
-              <a:rPr lang="en-US" dirty="0" smtClean="0"/>
+              <a:rPr lang="en-US" dirty="0"/>
               <a:t>Icing on application:</a:t>
             </a:r>
             <a:br>
-              <a:rPr lang="en-US" dirty="0" smtClean="0"/>
+              <a:rPr lang="en-US" dirty="0"/>
             </a:br>
             <a:r>
-              <a:rPr lang="en-US" dirty="0" smtClean="0"/>
+              <a:rPr lang="en-US" dirty="0"/>
               <a:t>Python's </a:t>
             </a:r>
             <a:r>
-              <a:rPr lang="en-US" dirty="0" err="1" smtClean="0"/>
+              <a:rPr lang="en-US" dirty="0" err="1"/>
               <a:t>argparse</a:t>
             </a:r>
             <a:r>
-              <a:rPr lang="en-US" dirty="0" smtClean="0"/>
+              <a:rPr lang="en-US" dirty="0"/>
               <a:t>, </a:t>
             </a:r>
             <a:r>
-              <a:rPr lang="en-US" dirty="0" err="1" smtClean="0"/>
+              <a:rPr lang="en-US" dirty="0" err="1"/>
               <a:t>ConfigParser</a:t>
             </a:r>
             <a:endParaRPr lang="en-US" dirty="0"/>
@@ -27956,35 +26978,22 @@
               <a:rPr lang="en-US" sz="1600" dirty="0">
                 <a:hlinkClick r:id="rId2"/>
               </a:rPr>
-              <a:t>https://</a:t>
-            </a:r>
-            <a:r>
-              <a:rPr lang="en-US" sz="1600" dirty="0" smtClean="0">
-                <a:hlinkClick r:id="rId2"/>
-              </a:rPr>
-              <a:t>github.com/gjbex/Python-for-systems-programming/tree/master/source-code/command-line-arguments/</a:t>
-            </a:r>
-            <a:r>
-              <a:rPr lang="en-US" sz="1600" dirty="0" smtClean="0"/>
+              <a:t>https://github.com/gjbex/Python-for-systems-programming/tree/master/source-code/command-line-arguments/</a:t>
+            </a:r>
+            <a:r>
+              <a:rPr lang="en-US" sz="1600" dirty="0"/>
               <a:t> </a:t>
             </a:r>
-            <a:endParaRPr lang="en-US" sz="1600" dirty="0"/>
           </a:p>
           <a:p>
             <a:r>
               <a:rPr lang="en-US" sz="1600" dirty="0">
                 <a:hlinkClick r:id="rId3"/>
               </a:rPr>
-              <a:t>https://</a:t>
-            </a:r>
-            <a:r>
-              <a:rPr lang="en-US" sz="1600" dirty="0" smtClean="0">
-                <a:hlinkClick r:id="rId3"/>
-              </a:rPr>
-              <a:t>github.com/gjbex/Python-for-systems-programming/tree/master/source-code/config-parser</a:t>
-            </a:r>
-            <a:r>
-              <a:rPr lang="en-US" sz="1600" dirty="0" smtClean="0"/>
+              <a:t>https://github.com/gjbex/Python-for-systems-programming/tree/master/source-code/config-parser</a:t>
+            </a:r>
+            <a:r>
+              <a:rPr lang="en-US" sz="1600" dirty="0"/>
               <a:t> </a:t>
             </a:r>
             <a:endParaRPr lang="en-US" sz="1800" dirty="0"/>
@@ -28039,13 +27048,6 @@
   <p:clrMapOvr>
     <a:masterClrMapping/>
   </p:clrMapOvr>
-  <p:timing>
-    <p:tnLst>
-      <p:par>
-        <p:cTn id="1" dur="indefinite" restart="never" nodeType="tmRoot"/>
-      </p:par>
-    </p:tnLst>
-  </p:timing>
 </p:sld>
 </file>
 
@@ -28082,10 +27084,9 @@
           <a:lstStyle/>
           <a:p>
             <a:r>
-              <a:rPr lang="en-US" dirty="0" smtClean="0"/>
+              <a:rPr lang="en-US" dirty="0"/>
               <a:t>Handling command line arguments</a:t>
             </a:r>
-            <a:endParaRPr lang="en-US" dirty="0"/>
           </a:p>
         </p:txBody>
       </p:sp>
@@ -28107,65 +27108,65 @@
           <a:lstStyle/>
           <a:p>
             <a:r>
-              <a:rPr lang="en-US" dirty="0" smtClean="0"/>
+              <a:rPr lang="en-US" dirty="0"/>
               <a:t>Many tools start out as short script, evolve into applications used by many</a:t>
             </a:r>
           </a:p>
           <a:p>
             <a:r>
-              <a:rPr lang="en-US" dirty="0" smtClean="0"/>
+              <a:rPr lang="en-US" dirty="0"/>
               <a:t>Model after Unix tools</a:t>
             </a:r>
           </a:p>
           <a:p>
             <a:pPr lvl="1"/>
             <a:r>
-              <a:rPr lang="en-US" dirty="0" smtClean="0"/>
+              <a:rPr lang="en-US" dirty="0"/>
               <a:t>Arguments</a:t>
             </a:r>
           </a:p>
           <a:p>
             <a:pPr lvl="1"/>
             <a:r>
-              <a:rPr lang="en-US" dirty="0" smtClean="0"/>
+              <a:rPr lang="en-US" dirty="0"/>
               <a:t>Flags</a:t>
             </a:r>
           </a:p>
           <a:p>
             <a:pPr lvl="1"/>
             <a:r>
-              <a:rPr lang="en-US" dirty="0" smtClean="0"/>
+              <a:rPr lang="en-US" dirty="0"/>
               <a:t>Options</a:t>
             </a:r>
           </a:p>
           <a:p>
             <a:r>
-              <a:rPr lang="en-US" dirty="0" smtClean="0"/>
+              <a:rPr lang="en-US" dirty="0"/>
               <a:t>Python's </a:t>
             </a:r>
             <a:r>
-              <a:rPr lang="en-US" dirty="0" err="1" smtClean="0">
+              <a:rPr lang="en-US" dirty="0" err="1">
                 <a:latin typeface="Courier New" pitchFamily="49" charset="0"/>
                 <a:cs typeface="Courier New" pitchFamily="49" charset="0"/>
               </a:rPr>
               <a:t>argparse</a:t>
             </a:r>
             <a:r>
-              <a:rPr lang="en-US" dirty="0" smtClean="0"/>
+              <a:rPr lang="en-US" dirty="0"/>
               <a:t> benefits</a:t>
             </a:r>
           </a:p>
           <a:p>
             <a:pPr lvl="1"/>
             <a:r>
-              <a:rPr lang="en-US" dirty="0" smtClean="0"/>
+              <a:rPr lang="en-US" dirty="0"/>
               <a:t>Easy to use</a:t>
             </a:r>
           </a:p>
           <a:p>
             <a:pPr lvl="1"/>
             <a:r>
-              <a:rPr lang="en-US" dirty="0" smtClean="0"/>
+              <a:rPr lang="en-US" dirty="0"/>
               <a:t>Self-documenting</a:t>
             </a:r>
           </a:p>
@@ -28597,10 +27598,9 @@
           <a:lstStyle/>
           <a:p>
             <a:r>
-              <a:rPr lang="en-US" dirty="0" smtClean="0"/>
+              <a:rPr lang="en-US" dirty="0"/>
               <a:t>Defining command line arguments</a:t>
             </a:r>
-            <a:endParaRPr lang="en-US" dirty="0"/>
           </a:p>
         </p:txBody>
       </p:sp>
@@ -28622,59 +27622,59 @@
           <a:lstStyle/>
           <a:p>
             <a:r>
-              <a:rPr lang="en-US" dirty="0" smtClean="0"/>
+              <a:rPr lang="en-US" dirty="0"/>
               <a:t>Use </a:t>
             </a:r>
             <a:r>
-              <a:rPr lang="en-US" dirty="0" err="1" smtClean="0">
+              <a:rPr lang="en-US" dirty="0" err="1">
                 <a:latin typeface="Courier New" pitchFamily="49" charset="0"/>
                 <a:cs typeface="Courier New" pitchFamily="49" charset="0"/>
               </a:rPr>
               <a:t>argparse</a:t>
             </a:r>
             <a:r>
-              <a:rPr lang="en-US" dirty="0" smtClean="0"/>
+              <a:rPr lang="en-US" dirty="0"/>
               <a:t> library module</a:t>
             </a:r>
           </a:p>
           <a:p>
-            <a:endParaRPr lang="en-US" dirty="0" smtClean="0"/>
-          </a:p>
-          <a:p>
-            <a:r>
-              <a:rPr lang="en-US" dirty="0" smtClean="0"/>
+            <a:endParaRPr lang="en-US" dirty="0"/>
+          </a:p>
+          <a:p>
+            <a:r>
+              <a:rPr lang="en-US" dirty="0"/>
               <a:t>Add positional argument(s)</a:t>
             </a:r>
           </a:p>
           <a:p>
-            <a:endParaRPr lang="en-US" dirty="0" smtClean="0"/>
-          </a:p>
-          <a:p>
-            <a:r>
-              <a:rPr lang="en-US" dirty="0" smtClean="0"/>
+            <a:endParaRPr lang="en-US" dirty="0"/>
+          </a:p>
+          <a:p>
+            <a:r>
+              <a:rPr lang="en-US" dirty="0"/>
               <a:t>Add flag(s)</a:t>
             </a:r>
           </a:p>
           <a:p>
-            <a:endParaRPr lang="en-US" dirty="0" smtClean="0"/>
-          </a:p>
-          <a:p>
-            <a:r>
-              <a:rPr lang="en-US" dirty="0" smtClean="0"/>
+            <a:endParaRPr lang="en-US" dirty="0"/>
+          </a:p>
+          <a:p>
+            <a:r>
+              <a:rPr lang="en-US" dirty="0"/>
               <a:t>Add option(s)</a:t>
             </a:r>
           </a:p>
           <a:p>
-            <a:endParaRPr lang="en-US" dirty="0" smtClean="0"/>
-          </a:p>
-          <a:p>
-            <a:r>
-              <a:rPr lang="en-US" dirty="0" smtClean="0"/>
+            <a:endParaRPr lang="en-US" dirty="0"/>
+          </a:p>
+          <a:p>
+            <a:r>
+              <a:rPr lang="en-US" dirty="0"/>
               <a:t>Parse arguments</a:t>
             </a:r>
           </a:p>
           <a:p>
-            <a:endParaRPr lang="en-US" dirty="0" smtClean="0"/>
+            <a:endParaRPr lang="en-US" dirty="0"/>
           </a:p>
           <a:p>
             <a:endParaRPr lang="en-US" dirty="0"/>
@@ -29893,10 +28893,9 @@
           <a:lstStyle/>
           <a:p>
             <a:r>
-              <a:rPr lang="en-US" dirty="0" smtClean="0"/>
+              <a:rPr lang="en-US" dirty="0"/>
               <a:t>Using command line arguments</a:t>
             </a:r>
-            <a:endParaRPr lang="en-US" dirty="0"/>
           </a:p>
         </p:txBody>
       </p:sp>
@@ -30683,15 +29682,6 @@
                 <a:latin typeface="Calibri"/>
               </a:rPr>
               <a:t>Autogenerated</a:t>
-            </a:r>
-            <a:r>
-              <a:rPr lang="en-US" dirty="0">
-                <a:solidFill>
-                  <a:prstClr val="black"/>
-                </a:solidFill>
-                <a:latin typeface="Calibri"/>
-              </a:rPr>
-              <a:t/>
             </a:r>
             <a:br>
               <a:rPr lang="en-US" dirty="0">
@@ -30967,14 +29957,13 @@
           <a:lstStyle/>
           <a:p>
             <a:r>
-              <a:rPr lang="en-US" dirty="0" err="1" smtClean="0"/>
+              <a:rPr lang="en-US" dirty="0" err="1"/>
               <a:t>ConfigParser</a:t>
             </a:r>
             <a:r>
-              <a:rPr lang="en-US" dirty="0" smtClean="0"/>
+              <a:rPr lang="en-US" dirty="0"/>
               <a:t> configuration files</a:t>
             </a:r>
-            <a:endParaRPr lang="en-US" dirty="0"/>
           </a:p>
         </p:txBody>
       </p:sp>
@@ -31001,69 +29990,69 @@
           <a:lstStyle/>
           <a:p>
             <a:r>
-              <a:rPr lang="en-US" dirty="0" smtClean="0"/>
+              <a:rPr lang="en-US" dirty="0"/>
               <a:t>Configuration files</a:t>
             </a:r>
           </a:p>
           <a:p>
             <a:pPr lvl="1"/>
             <a:r>
-              <a:rPr lang="en-US" dirty="0" smtClean="0"/>
+              <a:rPr lang="en-US" dirty="0"/>
               <a:t>save typing of options</a:t>
             </a:r>
           </a:p>
           <a:p>
             <a:pPr lvl="1"/>
             <a:r>
-              <a:rPr lang="en-US" dirty="0" smtClean="0"/>
+              <a:rPr lang="en-US" dirty="0"/>
               <a:t>Document runs of applications</a:t>
             </a:r>
           </a:p>
           <a:p>
             <a:r>
-              <a:rPr lang="en-US" dirty="0" smtClean="0"/>
+              <a:rPr lang="en-US" dirty="0"/>
               <a:t>Easy to use from Python: </a:t>
             </a:r>
             <a:r>
-              <a:rPr lang="en-US" dirty="0" err="1" smtClean="0"/>
+              <a:rPr lang="en-US" dirty="0" err="1"/>
               <a:t>configparser</a:t>
             </a:r>
             <a:r>
-              <a:rPr lang="en-US" dirty="0" smtClean="0"/>
+              <a:rPr lang="en-US" dirty="0"/>
               <a:t> module</a:t>
             </a:r>
           </a:p>
           <a:p>
             <a:r>
-              <a:rPr lang="en-US" dirty="0" smtClean="0"/>
+              <a:rPr lang="en-US" dirty="0"/>
               <a:t>Configuration file (e.g., '</a:t>
             </a:r>
             <a:r>
-              <a:rPr lang="en-US" dirty="0" err="1" smtClean="0">
+              <a:rPr lang="en-US" dirty="0" err="1">
                 <a:latin typeface="Courier New" pitchFamily="49" charset="0"/>
                 <a:cs typeface="Courier New" pitchFamily="49" charset="0"/>
               </a:rPr>
               <a:t>test.conf</a:t>
             </a:r>
             <a:r>
-              <a:rPr lang="en-US" dirty="0" smtClean="0"/>
+              <a:rPr lang="en-US" dirty="0"/>
               <a:t>')</a:t>
             </a:r>
           </a:p>
           <a:p>
-            <a:endParaRPr lang="en-US" dirty="0" smtClean="0"/>
-          </a:p>
-          <a:p>
-            <a:endParaRPr lang="en-US" dirty="0" smtClean="0"/>
-          </a:p>
-          <a:p>
-            <a:endParaRPr lang="en-US" dirty="0" smtClean="0"/>
+            <a:endParaRPr lang="en-US" dirty="0"/>
+          </a:p>
+          <a:p>
+            <a:endParaRPr lang="en-US" dirty="0"/>
+          </a:p>
+          <a:p>
+            <a:endParaRPr lang="en-US" dirty="0"/>
           </a:p>
           <a:p>
             <a:pPr>
               <a:buNone/>
             </a:pPr>
-            <a:endParaRPr lang="en-US" dirty="0" smtClean="0"/>
+            <a:endParaRPr lang="en-US" dirty="0"/>
           </a:p>
         </p:txBody>
       </p:sp>

--- a/python_for_systems_programming.pptx
+++ b/python_for_systems_programming.pptx
@@ -10263,11 +10263,21 @@
               <a:t>, </a:t>
             </a:r>
             <a:r>
+              <a:rPr lang="en-US" sz="1600" dirty="0">
+                <a:solidFill>
+                  <a:prstClr val="black"/>
+                </a:solidFill>
+                <a:latin typeface="Courier New" pitchFamily="49" charset="0"/>
+                <a:cs typeface="Courier New" pitchFamily="49" charset="0"/>
+              </a:rPr>
+              <a:t>data</a:t>
+            </a:r>
+            <a:r>
               <a:rPr lang="en-US" dirty="0">
                 <a:latin typeface="Courier New" pitchFamily="49" charset="0"/>
                 <a:cs typeface="Courier New" pitchFamily="49" charset="0"/>
               </a:rPr>
-              <a:t>data_002.txt</a:t>
+              <a:t>_002.txt</a:t>
             </a:r>
             <a:r>
               <a:rPr lang="en-US" dirty="0"/>
@@ -10305,7 +10315,7 @@
               <a:avLst/>
             </a:prstGeom>
             <a:solidFill>
-              <a:srgbClr val="CCFF66"/>
+              <a:srgbClr val="FFD966"/>
             </a:solidFill>
             <a:ln>
               <a:solidFill>
@@ -10458,6 +10468,9 @@
             <a:chOff x="2627784" y="2772382"/>
             <a:chExt cx="1789272" cy="2096778"/>
           </a:xfrm>
+          <a:solidFill>
+            <a:srgbClr val="FFD966"/>
+          </a:solidFill>
         </p:grpSpPr>
         <p:sp>
           <p:nvSpPr>
@@ -10473,9 +10486,7 @@
             <a:prstGeom prst="rect">
               <a:avLst/>
             </a:prstGeom>
-            <a:solidFill>
-              <a:srgbClr val="CCFF66"/>
-            </a:solidFill>
+            <a:grpFill/>
             <a:ln>
               <a:solidFill>
                 <a:schemeClr val="tx1"/>
@@ -10677,7 +10688,7 @@
               <a:avLst/>
             </a:prstGeom>
             <a:solidFill>
-              <a:srgbClr val="CCFF66"/>
+              <a:srgbClr val="FFD966"/>
             </a:solidFill>
             <a:ln>
               <a:solidFill>
@@ -10689,172 +10700,101 @@
             <a:bodyPr wrap="none" rtlCol="0">
               <a:spAutoFit/>
             </a:bodyPr>
-            <a:lstStyle/>
-            <a:p>
-              <a:r>
-                <a:rPr lang="en-US" sz="1600" dirty="0">
+            <a:lstStyle>
+              <a:defPPr>
+                <a:defRPr lang="en-US"/>
+              </a:defPPr>
+              <a:lvl1pPr>
+                <a:defRPr sz="1600">
                   <a:solidFill>
                     <a:prstClr val="black"/>
                   </a:solidFill>
                   <a:latin typeface="Courier New" pitchFamily="49" charset="0"/>
                   <a:cs typeface="Courier New" pitchFamily="49" charset="0"/>
-                </a:rPr>
+                </a:defRPr>
+              </a:lvl1pPr>
+            </a:lstStyle>
+            <a:p>
+              <a:r>
+                <a:rPr lang="en-US" dirty="0"/>
                 <a:t>case dim temp</a:t>
               </a:r>
             </a:p>
             <a:p>
               <a:r>
-                <a:rPr lang="en-US" sz="1600" dirty="0">
-                  <a:solidFill>
-                    <a:prstClr val="black"/>
-                  </a:solidFill>
-                  <a:latin typeface="Courier New" pitchFamily="49" charset="0"/>
-                  <a:cs typeface="Courier New" pitchFamily="49" charset="0"/>
-                </a:rPr>
+                <a:rPr lang="en-US" dirty="0"/>
                 <a:t>1 1 -0.5</a:t>
               </a:r>
             </a:p>
             <a:p>
               <a:r>
-                <a:rPr lang="en-US" sz="1600" dirty="0">
-                  <a:solidFill>
-                    <a:prstClr val="black"/>
-                  </a:solidFill>
-                  <a:latin typeface="Courier New" pitchFamily="49" charset="0"/>
-                  <a:cs typeface="Courier New" pitchFamily="49" charset="0"/>
-                </a:rPr>
+                <a:rPr lang="en-US" dirty="0"/>
                 <a:t>2 1 0.0</a:t>
               </a:r>
             </a:p>
             <a:p>
               <a:r>
-                <a:rPr lang="en-US" sz="1600" dirty="0">
-                  <a:solidFill>
-                    <a:prstClr val="black"/>
-                  </a:solidFill>
-                  <a:latin typeface="Courier New" pitchFamily="49" charset="0"/>
-                  <a:cs typeface="Courier New" pitchFamily="49" charset="0"/>
-                </a:rPr>
+                <a:rPr lang="en-US" dirty="0"/>
                 <a:t>3 1 0.5</a:t>
               </a:r>
             </a:p>
             <a:p>
               <a:r>
-                <a:rPr lang="en-US" sz="1600" dirty="0">
-                  <a:solidFill>
-                    <a:prstClr val="black"/>
-                  </a:solidFill>
-                  <a:latin typeface="Courier New" pitchFamily="49" charset="0"/>
-                  <a:cs typeface="Courier New" pitchFamily="49" charset="0"/>
-                </a:rPr>
+                <a:rPr lang="en-US" dirty="0"/>
                 <a:t>4 2 -0.5</a:t>
               </a:r>
             </a:p>
             <a:p>
               <a:r>
-                <a:rPr lang="en-US" sz="1600" dirty="0">
-                  <a:solidFill>
-                    <a:prstClr val="black"/>
-                  </a:solidFill>
-                  <a:latin typeface="Courier New" pitchFamily="49" charset="0"/>
-                  <a:cs typeface="Courier New" pitchFamily="49" charset="0"/>
-                </a:rPr>
+                <a:rPr lang="en-US" dirty="0"/>
                 <a:t>5 2 0.0</a:t>
               </a:r>
             </a:p>
             <a:p>
               <a:r>
-                <a:rPr lang="en-US" sz="1600" dirty="0">
-                  <a:solidFill>
-                    <a:prstClr val="black"/>
-                  </a:solidFill>
-                  <a:latin typeface="Courier New" pitchFamily="49" charset="0"/>
-                  <a:cs typeface="Courier New" pitchFamily="49" charset="0"/>
-                </a:rPr>
+                <a:rPr lang="en-US" dirty="0"/>
                 <a:t>6 2 0.5</a:t>
               </a:r>
             </a:p>
             <a:p>
               <a:r>
-                <a:rPr lang="en-US" sz="1600" dirty="0">
-                  <a:solidFill>
-                    <a:prstClr val="black"/>
-                  </a:solidFill>
-                  <a:latin typeface="Courier New" pitchFamily="49" charset="0"/>
-                  <a:cs typeface="Courier New" pitchFamily="49" charset="0"/>
-                </a:rPr>
+                <a:rPr lang="en-US" dirty="0"/>
                 <a:t>7 3 -0.5</a:t>
               </a:r>
             </a:p>
             <a:p>
               <a:r>
-                <a:rPr lang="en-US" sz="1600" dirty="0">
-                  <a:solidFill>
-                    <a:prstClr val="black"/>
-                  </a:solidFill>
-                  <a:latin typeface="Courier New" pitchFamily="49" charset="0"/>
-                  <a:cs typeface="Courier New" pitchFamily="49" charset="0"/>
-                </a:rPr>
+                <a:rPr lang="en-US" dirty="0"/>
                 <a:t>8 3 0.0</a:t>
               </a:r>
             </a:p>
             <a:p>
               <a:r>
-                <a:rPr lang="en-US" sz="1600" dirty="0">
-                  <a:solidFill>
-                    <a:prstClr val="black"/>
-                  </a:solidFill>
-                  <a:latin typeface="Courier New" pitchFamily="49" charset="0"/>
-                  <a:cs typeface="Courier New" pitchFamily="49" charset="0"/>
-                </a:rPr>
+                <a:rPr lang="en-US" dirty="0"/>
                 <a:t>9 3 0.5</a:t>
               </a:r>
             </a:p>
             <a:p>
               <a:r>
-                <a:rPr lang="en-US" sz="1600" dirty="0">
-                  <a:solidFill>
-                    <a:prstClr val="black"/>
-                  </a:solidFill>
-                  <a:latin typeface="Courier New" pitchFamily="49" charset="0"/>
-                  <a:cs typeface="Courier New" pitchFamily="49" charset="0"/>
-                </a:rPr>
+                <a:rPr lang="en-US" dirty="0"/>
                 <a:t>10 4 -0.5</a:t>
               </a:r>
             </a:p>
             <a:p>
               <a:r>
-                <a:rPr lang="en-US" sz="1600" dirty="0">
-                  <a:solidFill>
-                    <a:prstClr val="black"/>
-                  </a:solidFill>
-                  <a:latin typeface="Courier New" pitchFamily="49" charset="0"/>
-                  <a:cs typeface="Courier New" pitchFamily="49" charset="0"/>
-                </a:rPr>
+                <a:rPr lang="en-US" dirty="0"/>
                 <a:t>11 4 0.0</a:t>
               </a:r>
             </a:p>
             <a:p>
               <a:r>
-                <a:rPr lang="en-US" sz="1600" dirty="0">
-                  <a:solidFill>
-                    <a:prstClr val="black"/>
-                  </a:solidFill>
-                  <a:latin typeface="Courier New" pitchFamily="49" charset="0"/>
-                  <a:cs typeface="Courier New" pitchFamily="49" charset="0"/>
-                </a:rPr>
+                <a:rPr lang="en-US" dirty="0"/>
                 <a:t>12 4 0.5</a:t>
               </a:r>
             </a:p>
             <a:p>
               <a:r>
-                <a:rPr lang="en-US" sz="1600" dirty="0">
-                  <a:solidFill>
-                    <a:prstClr val="black"/>
-                  </a:solidFill>
-                  <a:latin typeface="Courier New" pitchFamily="49" charset="0"/>
-                  <a:cs typeface="Courier New" pitchFamily="49" charset="0"/>
-                </a:rPr>
+                <a:rPr lang="en-US" dirty="0"/>
                 <a:t>…</a:t>
               </a:r>
             </a:p>
@@ -19063,7 +19003,7 @@
             <a:avLst/>
           </a:prstGeom>
           <a:solidFill>
-            <a:srgbClr val="CCFF66"/>
+            <a:srgbClr val="FFD966"/>
           </a:solidFill>
         </p:spPr>
         <p:txBody>
@@ -21091,7 +21031,7 @@
             <a:avLst/>
           </a:prstGeom>
           <a:solidFill>
-            <a:srgbClr val="CCFF66"/>
+            <a:srgbClr val="FFD966"/>
           </a:solidFill>
         </p:spPr>
         <p:txBody>
@@ -21644,7 +21584,7 @@
         </p:nvSpPr>
         <p:spPr>
           <a:xfrm>
-            <a:off x="3244846" y="4521956"/>
+            <a:off x="2182962" y="3437950"/>
             <a:ext cx="2611820" cy="294289"/>
           </a:xfrm>
           <a:prstGeom prst="rect">
@@ -21697,7 +21637,7 @@
             <a:avLst/>
           </a:prstGeom>
           <a:solidFill>
-            <a:srgbClr val="CCFF66"/>
+            <a:srgbClr val="FFD966"/>
           </a:solidFill>
         </p:spPr>
         <p:txBody>
@@ -22586,7 +22526,7 @@
             <a:avLst/>
           </a:prstGeom>
           <a:solidFill>
-            <a:srgbClr val="CCFF66"/>
+            <a:srgbClr val="FFD966"/>
           </a:solidFill>
         </p:spPr>
         <p:txBody>
@@ -22844,7 +22784,7 @@
             <a:avLst/>
           </a:prstGeom>
           <a:solidFill>
-            <a:srgbClr val="CCFF66"/>
+            <a:srgbClr val="FFD966"/>
           </a:solidFill>
         </p:spPr>
         <p:txBody>
@@ -23841,6 +23781,155 @@
       </p:grpSpPr>
       <p:sp>
         <p:nvSpPr>
+          <p:cNvPr id="3" name="Content Placeholder 2"/>
+          <p:cNvSpPr>
+            <a:spLocks noGrp="1"/>
+          </p:cNvSpPr>
+          <p:nvPr>
+            <p:ph idx="1"/>
+          </p:nvPr>
+        </p:nvSpPr>
+        <p:spPr/>
+        <p:txBody>
+          <a:bodyPr/>
+          <a:lstStyle/>
+          <a:p>
+            <a:r>
+              <a:rPr lang="en-US" dirty="0"/>
+              <a:t>Inline code fragments and file names are rendered as, e.g., </a:t>
+            </a:r>
+            <a:r>
+              <a:rPr lang="en-US" dirty="0">
+                <a:latin typeface="Courier New" pitchFamily="49" charset="0"/>
+                <a:cs typeface="Courier New" pitchFamily="49" charset="0"/>
+              </a:rPr>
+              <a:t>hello_world.py</a:t>
+            </a:r>
+          </a:p>
+          <a:p>
+            <a:r>
+              <a:rPr lang="en-US" dirty="0"/>
+              <a:t>Longer code fragments are rendered as</a:t>
+            </a:r>
+          </a:p>
+          <a:p>
+            <a:endParaRPr lang="en-US" dirty="0">
+              <a:solidFill>
+                <a:srgbClr val="FF0000"/>
+              </a:solidFill>
+            </a:endParaRPr>
+          </a:p>
+          <a:p>
+            <a:endParaRPr lang="en-US" dirty="0">
+              <a:solidFill>
+                <a:srgbClr val="FF0000"/>
+              </a:solidFill>
+            </a:endParaRPr>
+          </a:p>
+          <a:p>
+            <a:r>
+              <a:rPr lang="en-US" dirty="0"/>
+              <a:t>Data files are rendered as</a:t>
+            </a:r>
+            <a:endParaRPr lang="nl-BE" dirty="0"/>
+          </a:p>
+          <a:p>
+            <a:endParaRPr lang="nl-BE" dirty="0"/>
+          </a:p>
+        </p:txBody>
+      </p:sp>
+      <p:sp>
+        <p:nvSpPr>
+          <p:cNvPr id="13" name="TextBox 12">
+            <a:extLst>
+              <a:ext uri="{FF2B5EF4-FFF2-40B4-BE49-F238E27FC236}">
+                <a16:creationId xmlns:a16="http://schemas.microsoft.com/office/drawing/2014/main" id="{B81FB36A-02A5-4630-BBFC-835E11A925E7}"/>
+              </a:ext>
+            </a:extLst>
+          </p:cNvPr>
+          <p:cNvSpPr txBox="1"/>
+          <p:nvPr/>
+        </p:nvSpPr>
+        <p:spPr>
+          <a:xfrm>
+            <a:off x="2855639" y="4863934"/>
+            <a:ext cx="5285421" cy="1569660"/>
+          </a:xfrm>
+          <a:prstGeom prst="rect">
+            <a:avLst/>
+          </a:prstGeom>
+          <a:solidFill>
+            <a:srgbClr val="FFD966"/>
+          </a:solidFill>
+          <a:ln>
+            <a:solidFill>
+              <a:schemeClr val="tx1"/>
+            </a:solidFill>
+          </a:ln>
+        </p:spPr>
+        <p:txBody>
+          <a:bodyPr wrap="square" rtlCol="0">
+            <a:spAutoFit/>
+          </a:bodyPr>
+          <a:lstStyle/>
+          <a:p>
+            <a:r>
+              <a:rPr lang="en-US" sz="1600" dirty="0">
+                <a:latin typeface="Courier New" pitchFamily="49" charset="0"/>
+                <a:cs typeface="Courier New" pitchFamily="49" charset="0"/>
+              </a:rPr>
+              <a:t>case dim temp</a:t>
+            </a:r>
+          </a:p>
+          <a:p>
+            <a:r>
+              <a:rPr lang="en-US" sz="1600" dirty="0">
+                <a:latin typeface="Courier New" pitchFamily="49" charset="0"/>
+                <a:cs typeface="Courier New" pitchFamily="49" charset="0"/>
+              </a:rPr>
+              <a:t>1 1 -0.5</a:t>
+            </a:r>
+          </a:p>
+          <a:p>
+            <a:r>
+              <a:rPr lang="en-US" sz="1600" dirty="0">
+                <a:latin typeface="Courier New" pitchFamily="49" charset="0"/>
+                <a:cs typeface="Courier New" pitchFamily="49" charset="0"/>
+              </a:rPr>
+              <a:t>2 1 0.0</a:t>
+            </a:r>
+          </a:p>
+          <a:p>
+            <a:r>
+              <a:rPr lang="en-US" sz="1600" dirty="0">
+                <a:latin typeface="Courier New" pitchFamily="49" charset="0"/>
+                <a:cs typeface="Courier New" pitchFamily="49" charset="0"/>
+              </a:rPr>
+              <a:t>3 1 0.5</a:t>
+            </a:r>
+          </a:p>
+          <a:p>
+            <a:r>
+              <a:rPr lang="en-US" sz="1600" dirty="0">
+                <a:latin typeface="Courier New" pitchFamily="49" charset="0"/>
+                <a:cs typeface="Courier New" pitchFamily="49" charset="0"/>
+              </a:rPr>
+              <a:t>4 2 -0.5</a:t>
+            </a:r>
+          </a:p>
+          <a:p>
+            <a:r>
+              <a:rPr lang="en-US" sz="1600" dirty="0">
+                <a:latin typeface="Courier New" pitchFamily="49" charset="0"/>
+                <a:cs typeface="Courier New" pitchFamily="49" charset="0"/>
+              </a:rPr>
+              <a:t>…</a:t>
+            </a:r>
+          </a:p>
+        </p:txBody>
+      </p:sp>
+      <p:sp>
+        <p:nvSpPr>
           <p:cNvPr id="2" name="Title 1"/>
           <p:cNvSpPr>
             <a:spLocks noGrp="1"/>
@@ -23858,65 +23947,6 @@
               <a:rPr lang="en-US" dirty="0"/>
               <a:t>Typographical conventions II</a:t>
             </a:r>
-            <a:endParaRPr lang="nl-BE" dirty="0"/>
-          </a:p>
-        </p:txBody>
-      </p:sp>
-      <p:sp>
-        <p:nvSpPr>
-          <p:cNvPr id="3" name="Content Placeholder 2"/>
-          <p:cNvSpPr>
-            <a:spLocks noGrp="1"/>
-          </p:cNvSpPr>
-          <p:nvPr>
-            <p:ph idx="1"/>
-          </p:nvPr>
-        </p:nvSpPr>
-        <p:spPr/>
-        <p:txBody>
-          <a:bodyPr/>
-          <a:lstStyle/>
-          <a:p>
-            <a:r>
-              <a:rPr lang="en-US" dirty="0"/>
-              <a:t>Inline code fragments and file names are rendered as, e.g., </a:t>
-            </a:r>
-            <a:r>
-              <a:rPr lang="en-US" dirty="0">
-                <a:latin typeface="Courier New" pitchFamily="49" charset="0"/>
-                <a:cs typeface="Courier New" pitchFamily="49" charset="0"/>
-              </a:rPr>
-              <a:t>hello_world.py</a:t>
-            </a:r>
-          </a:p>
-          <a:p>
-            <a:r>
-              <a:rPr lang="en-US" dirty="0"/>
-              <a:t>Longer code fragments are rendered as</a:t>
-            </a:r>
-          </a:p>
-          <a:p>
-            <a:endParaRPr lang="en-US" dirty="0">
-              <a:solidFill>
-                <a:srgbClr val="FF0000"/>
-              </a:solidFill>
-            </a:endParaRPr>
-          </a:p>
-          <a:p>
-            <a:endParaRPr lang="en-US" dirty="0">
-              <a:solidFill>
-                <a:srgbClr val="FF0000"/>
-              </a:solidFill>
-            </a:endParaRPr>
-          </a:p>
-          <a:p>
-            <a:r>
-              <a:rPr lang="en-US" dirty="0"/>
-              <a:t>Data files are rendered as</a:t>
-            </a:r>
-            <a:endParaRPr lang="nl-BE" dirty="0"/>
-          </a:p>
-          <a:p>
             <a:endParaRPr lang="nl-BE" dirty="0"/>
           </a:p>
         </p:txBody>
@@ -24031,85 +24061,6 @@
                 <a:cs typeface="Courier New" pitchFamily="49" charset="0"/>
               </a:rPr>
               <a:t>    print('hello world!')</a:t>
-            </a:r>
-          </a:p>
-        </p:txBody>
-      </p:sp>
-      <p:sp>
-        <p:nvSpPr>
-          <p:cNvPr id="6" name="TextBox 5"/>
-          <p:cNvSpPr txBox="1"/>
-          <p:nvPr/>
-        </p:nvSpPr>
-        <p:spPr>
-          <a:xfrm>
-            <a:off x="2855640" y="4851924"/>
-            <a:ext cx="5285421" cy="1569660"/>
-          </a:xfrm>
-          <a:prstGeom prst="rect">
-            <a:avLst/>
-          </a:prstGeom>
-          <a:solidFill>
-            <a:srgbClr val="CCFF66"/>
-          </a:solidFill>
-        </p:spPr>
-        <p:txBody>
-          <a:bodyPr wrap="square" rtlCol="0">
-            <a:spAutoFit/>
-          </a:bodyPr>
-          <a:lstStyle/>
-          <a:p>
-            <a:r>
-              <a:rPr lang="en-US" sz="1600" dirty="0">
-                <a:latin typeface="Courier New" pitchFamily="49" charset="0"/>
-                <a:cs typeface="Courier New" pitchFamily="49" charset="0"/>
-              </a:rPr>
-              <a:t>case dim temp</a:t>
-            </a:r>
-          </a:p>
-          <a:p>
-            <a:r>
-              <a:rPr lang="en-US" sz="1600" dirty="0">
-                <a:latin typeface="Courier New" pitchFamily="49" charset="0"/>
-                <a:cs typeface="Courier New" pitchFamily="49" charset="0"/>
-              </a:rPr>
-              <a:t>1 1 -0.5</a:t>
-            </a:r>
-          </a:p>
-          <a:p>
-            <a:r>
-              <a:rPr lang="en-US" sz="1600" dirty="0">
-                <a:latin typeface="Courier New" pitchFamily="49" charset="0"/>
-                <a:cs typeface="Courier New" pitchFamily="49" charset="0"/>
-              </a:rPr>
-              <a:t>2 1 0.0</a:t>
-            </a:r>
-          </a:p>
-          <a:p>
-            <a:r>
-              <a:rPr lang="en-US" sz="1600" dirty="0">
-                <a:latin typeface="Courier New" pitchFamily="49" charset="0"/>
-                <a:cs typeface="Courier New" pitchFamily="49" charset="0"/>
-              </a:rPr>
-              <a:t>3 1 0.5</a:t>
-            </a:r>
-          </a:p>
-          <a:p>
-            <a:r>
-              <a:rPr lang="en-US" sz="1600" dirty="0">
-                <a:latin typeface="Courier New" pitchFamily="49" charset="0"/>
-                <a:cs typeface="Courier New" pitchFamily="49" charset="0"/>
-              </a:rPr>
-              <a:t>4 2 -0.5</a:t>
-            </a:r>
-          </a:p>
-          <a:p>
-            <a:r>
-              <a:rPr lang="en-US" sz="1600" dirty="0">
-                <a:latin typeface="Courier New" pitchFamily="49" charset="0"/>
-                <a:cs typeface="Courier New" pitchFamily="49" charset="0"/>
-              </a:rPr>
-              <a:t>…</a:t>
             </a:r>
           </a:p>
         </p:txBody>
@@ -24546,7 +24497,7 @@
                                           </p:stCondLst>
                                         </p:cTn>
                                         <p:tgtEl>
-                                          <p:spTgt spid="6"/>
+                                          <p:spTgt spid="13"/>
                                         </p:tgtEl>
                                         <p:attrNameLst>
                                           <p:attrName>style.visibility</p:attrName>
@@ -24633,8 +24584,8 @@
     </p:tnLst>
     <p:bldLst>
       <p:bldP spid="3" grpId="0" uiExpand="1" build="p"/>
+      <p:bldP spid="13" grpId="0" animBg="1"/>
       <p:bldP spid="5" grpId="0" animBg="1"/>
-      <p:bldP spid="6" grpId="0" animBg="1"/>
     </p:bldLst>
   </p:timing>
 </p:sld>
@@ -30071,7 +30022,7 @@
             <a:avLst/>
           </a:prstGeom>
           <a:solidFill>
-            <a:srgbClr val="CCFF66"/>
+            <a:srgbClr val="FFD966"/>
           </a:solidFill>
         </p:spPr>
         <p:txBody>

--- a/python_for_systems_programming.pptx
+++ b/python_for_systems_programming.pptx
@@ -150,7 +150,7 @@
   <p:extLst>
     <p:ext uri="{521415D9-36F7-43E2-AB2F-B90AF26B5E84}">
       <p14:sectionLst xmlns:p14="http://schemas.microsoft.com/office/powerpoint/2010/main">
-        <p14:section name="Default Section" id="{658EF463-8B9F-45F8-88CE-B4159E44B7D4}">
+        <p14:section name="introduction" id="{658EF463-8B9F-45F8-88CE-B4159E44B7D4}">
           <p14:sldIdLst>
             <p14:sldId id="256"/>
             <p14:sldId id="292"/>
@@ -355,7 +355,7 @@
           <a:p>
             <a:fld id="{9B61669F-67CC-4684-B4EC-0CD896AF340A}" type="datetimeFigureOut">
               <a:rPr lang="en-US" smtClean="0"/>
-              <a:t>2021-04-22</a:t>
+              <a:t>2022-05-19</a:t>
             </a:fld>
             <a:endParaRPr lang="en-US"/>
           </a:p>
@@ -523,7 +523,7 @@
           <a:p>
             <a:fld id="{9B61669F-67CC-4684-B4EC-0CD896AF340A}" type="datetimeFigureOut">
               <a:rPr lang="en-US" smtClean="0"/>
-              <a:t>2021-04-22</a:t>
+              <a:t>2022-05-19</a:t>
             </a:fld>
             <a:endParaRPr lang="en-US"/>
           </a:p>
@@ -701,7 +701,7 @@
           <a:p>
             <a:fld id="{9B61669F-67CC-4684-B4EC-0CD896AF340A}" type="datetimeFigureOut">
               <a:rPr lang="en-US" smtClean="0"/>
-              <a:t>2021-04-22</a:t>
+              <a:t>2022-05-19</a:t>
             </a:fld>
             <a:endParaRPr lang="en-US"/>
           </a:p>
@@ -943,7 +943,7 @@
           <a:p>
             <a:fld id="{AA89080B-4260-48D4-BEBC-624AE09ECE83}" type="datetime1">
               <a:rPr lang="nl-BE" smtClean="0"/>
-              <a:t>22/04/2021</a:t>
+              <a:t>19/05/2022</a:t>
             </a:fld>
             <a:endParaRPr lang="nl-BE"/>
           </a:p>
@@ -1113,7 +1113,7 @@
           <a:p>
             <a:fld id="{EC448E59-F64F-416B-85C7-F58EA54BAF31}" type="datetime1">
               <a:rPr lang="nl-BE" smtClean="0"/>
-              <a:t>22/04/2021</a:t>
+              <a:t>19/05/2022</a:t>
             </a:fld>
             <a:endParaRPr lang="nl-BE"/>
           </a:p>
@@ -1359,7 +1359,7 @@
           <a:p>
             <a:fld id="{9ED5C3B5-60AD-4494-9CFA-8B02B158E887}" type="datetime1">
               <a:rPr lang="nl-BE" smtClean="0"/>
-              <a:t>22/04/2021</a:t>
+              <a:t>19/05/2022</a:t>
             </a:fld>
             <a:endParaRPr lang="nl-BE"/>
           </a:p>
@@ -1647,7 +1647,7 @@
           <a:p>
             <a:fld id="{44F0EF99-E673-4972-A23A-EB3FD1F7D254}" type="datetime1">
               <a:rPr lang="nl-BE" smtClean="0"/>
-              <a:t>22/04/2021</a:t>
+              <a:t>19/05/2022</a:t>
             </a:fld>
             <a:endParaRPr lang="nl-BE"/>
           </a:p>
@@ -2069,7 +2069,7 @@
           <a:p>
             <a:fld id="{362C3B20-157B-48BC-A7F6-78FD90E3E349}" type="datetime1">
               <a:rPr lang="nl-BE" smtClean="0"/>
-              <a:t>22/04/2021</a:t>
+              <a:t>19/05/2022</a:t>
             </a:fld>
             <a:endParaRPr lang="nl-BE"/>
           </a:p>
@@ -2187,7 +2187,7 @@
           <a:p>
             <a:fld id="{1E4894A8-27B8-4F4D-B345-90FD4A1447E9}" type="datetime1">
               <a:rPr lang="nl-BE" smtClean="0"/>
-              <a:t>22/04/2021</a:t>
+              <a:t>19/05/2022</a:t>
             </a:fld>
             <a:endParaRPr lang="nl-BE"/>
           </a:p>
@@ -2282,7 +2282,7 @@
           <a:p>
             <a:fld id="{9B6664D4-33A1-4715-AD97-DD0D01FAC894}" type="datetime1">
               <a:rPr lang="nl-BE" smtClean="0"/>
-              <a:t>22/04/2021</a:t>
+              <a:t>19/05/2022</a:t>
             </a:fld>
             <a:endParaRPr lang="nl-BE"/>
           </a:p>
@@ -2559,7 +2559,7 @@
           <a:p>
             <a:fld id="{71880A9C-007F-4E0D-B4C6-060FFE64811B}" type="datetime1">
               <a:rPr lang="nl-BE" smtClean="0"/>
-              <a:t>22/04/2021</a:t>
+              <a:t>19/05/2022</a:t>
             </a:fld>
             <a:endParaRPr lang="nl-BE"/>
           </a:p>
@@ -2727,7 +2727,7 @@
           <a:p>
             <a:fld id="{9B61669F-67CC-4684-B4EC-0CD896AF340A}" type="datetimeFigureOut">
               <a:rPr lang="en-US" smtClean="0"/>
-              <a:t>2021-04-22</a:t>
+              <a:t>2022-05-19</a:t>
             </a:fld>
             <a:endParaRPr lang="en-US"/>
           </a:p>
@@ -2980,7 +2980,7 @@
           <a:p>
             <a:fld id="{DD295E27-2F3D-481A-B8B8-8482CE6DA5DC}" type="datetime1">
               <a:rPr lang="nl-BE" smtClean="0"/>
-              <a:t>22/04/2021</a:t>
+              <a:t>19/05/2022</a:t>
             </a:fld>
             <a:endParaRPr lang="nl-BE"/>
           </a:p>
@@ -3150,7 +3150,7 @@
           <a:p>
             <a:fld id="{EFB41BB7-A881-4920-B186-797A2AD05998}" type="datetime1">
               <a:rPr lang="nl-BE" smtClean="0"/>
-              <a:t>22/04/2021</a:t>
+              <a:t>19/05/2022</a:t>
             </a:fld>
             <a:endParaRPr lang="nl-BE"/>
           </a:p>
@@ -3330,7 +3330,7 @@
           <a:p>
             <a:fld id="{11C6BFEC-574C-49E6-96B0-F15D7DB2764A}" type="datetime1">
               <a:rPr lang="nl-BE" smtClean="0"/>
-              <a:t>22/04/2021</a:t>
+              <a:t>19/05/2022</a:t>
             </a:fld>
             <a:endParaRPr lang="nl-BE"/>
           </a:p>
@@ -3575,7 +3575,7 @@
           <a:p>
             <a:fld id="{9B61669F-67CC-4684-B4EC-0CD896AF340A}" type="datetimeFigureOut">
               <a:rPr lang="en-US" smtClean="0"/>
-              <a:t>2021-04-22</a:t>
+              <a:t>2022-05-19</a:t>
             </a:fld>
             <a:endParaRPr lang="en-US"/>
           </a:p>
@@ -3804,7 +3804,7 @@
           <a:p>
             <a:fld id="{9B61669F-67CC-4684-B4EC-0CD896AF340A}" type="datetimeFigureOut">
               <a:rPr lang="en-US" smtClean="0"/>
-              <a:t>2021-04-22</a:t>
+              <a:t>2022-05-19</a:t>
             </a:fld>
             <a:endParaRPr lang="en-US"/>
           </a:p>
@@ -4168,7 +4168,7 @@
           <a:p>
             <a:fld id="{9B61669F-67CC-4684-B4EC-0CD896AF340A}" type="datetimeFigureOut">
               <a:rPr lang="en-US" smtClean="0"/>
-              <a:t>2021-04-22</a:t>
+              <a:t>2022-05-19</a:t>
             </a:fld>
             <a:endParaRPr lang="en-US"/>
           </a:p>
@@ -4285,7 +4285,7 @@
           <a:p>
             <a:fld id="{9B61669F-67CC-4684-B4EC-0CD896AF340A}" type="datetimeFigureOut">
               <a:rPr lang="en-US" smtClean="0"/>
-              <a:t>2021-04-22</a:t>
+              <a:t>2022-05-19</a:t>
             </a:fld>
             <a:endParaRPr lang="en-US"/>
           </a:p>
@@ -4380,7 +4380,7 @@
           <a:p>
             <a:fld id="{9B61669F-67CC-4684-B4EC-0CD896AF340A}" type="datetimeFigureOut">
               <a:rPr lang="en-US" smtClean="0"/>
-              <a:t>2021-04-22</a:t>
+              <a:t>2022-05-19</a:t>
             </a:fld>
             <a:endParaRPr lang="en-US"/>
           </a:p>
@@ -4655,7 +4655,7 @@
           <a:p>
             <a:fld id="{9B61669F-67CC-4684-B4EC-0CD896AF340A}" type="datetimeFigureOut">
               <a:rPr lang="en-US" smtClean="0"/>
-              <a:t>2021-04-22</a:t>
+              <a:t>2022-05-19</a:t>
             </a:fld>
             <a:endParaRPr lang="en-US"/>
           </a:p>
@@ -4907,7 +4907,7 @@
           <a:p>
             <a:fld id="{9B61669F-67CC-4684-B4EC-0CD896AF340A}" type="datetimeFigureOut">
               <a:rPr lang="en-US" smtClean="0"/>
-              <a:t>2021-04-22</a:t>
+              <a:t>2022-05-19</a:t>
             </a:fld>
             <a:endParaRPr lang="en-US"/>
           </a:p>
@@ -5118,7 +5118,7 @@
           <a:p>
             <a:fld id="{9B61669F-67CC-4684-B4EC-0CD896AF340A}" type="datetimeFigureOut">
               <a:rPr lang="en-US" smtClean="0"/>
-              <a:t>2021-04-22</a:t>
+              <a:t>2022-05-19</a:t>
             </a:fld>
             <a:endParaRPr lang="en-US"/>
           </a:p>
@@ -5658,7 +5658,7 @@
           <a:p>
             <a:fld id="{AFF0BB8E-41A9-4D12-9A22-82FF4E94F27A}" type="datetime1">
               <a:rPr lang="nl-BE" smtClean="0"/>
-              <a:t>22/04/2021</a:t>
+              <a:t>19/05/2022</a:t>
             </a:fld>
             <a:endParaRPr lang="nl-BE"/>
           </a:p>

--- a/python_for_systems_programming.pptx
+++ b/python_for_systems_programming.pptx
@@ -17590,7 +17590,7 @@
                 <a:latin typeface="Courier New" pitchFamily="49" charset="0"/>
                 <a:cs typeface="Courier New" pitchFamily="49" charset="0"/>
               </a:rPr>
-              <a:t> temp file '{tmp_file.name}’”</a:t>
+              <a:t> temp file '{tmp_file.name}'"</a:t>
             </a:r>
           </a:p>
           <a:p>
@@ -24879,49 +24879,7 @@
             </a:r>
           </a:p>
           <a:p>
-            <a:r>
-              <a:rPr lang="en-US" dirty="0"/>
-              <a:t>Python shell commands are rendered as</a:t>
-            </a:r>
-          </a:p>
-          <a:p>
             <a:endParaRPr lang="en-US" dirty="0"/>
-          </a:p>
-          <a:p>
-            <a:pPr lvl="1"/>
-            <a:r>
-              <a:rPr lang="en-US" dirty="0"/>
-              <a:t>Do </a:t>
-            </a:r>
-            <a:r>
-              <a:rPr lang="en-US" i="1" dirty="0"/>
-              <a:t>not</a:t>
-            </a:r>
-            <a:r>
-              <a:rPr lang="en-US" dirty="0"/>
-              <a:t> type </a:t>
-            </a:r>
-            <a:r>
-              <a:rPr lang="en-US" dirty="0">
-                <a:latin typeface="Courier New" panose="02070309020205020404" pitchFamily="49" charset="0"/>
-                <a:cs typeface="Courier New" panose="02070309020205020404" pitchFamily="49" charset="0"/>
-              </a:rPr>
-              <a:t>&gt;&gt;&gt;</a:t>
-            </a:r>
-            <a:r>
-              <a:rPr lang="en-US" dirty="0"/>
-              <a:t>, it represents the prompt!</a:t>
-            </a:r>
-          </a:p>
-          <a:p>
-            <a:r>
-              <a:rPr lang="en-US" dirty="0" err="1"/>
-              <a:t>iPython</a:t>
-            </a:r>
-            <a:r>
-              <a:rPr lang="en-US" dirty="0"/>
-              <a:t> interpreter is rendered as</a:t>
-            </a:r>
           </a:p>
         </p:txBody>
       </p:sp>
@@ -25014,196 +24972,6 @@
               <a:t>4</a:t>
             </a:fld>
             <a:endParaRPr lang="nl-BE"/>
-          </a:p>
-        </p:txBody>
-      </p:sp>
-      <p:sp>
-        <p:nvSpPr>
-          <p:cNvPr id="8" name="TextBox 7"/>
-          <p:cNvSpPr txBox="1"/>
-          <p:nvPr/>
-        </p:nvSpPr>
-        <p:spPr>
-          <a:xfrm>
-            <a:off x="2855640" y="3733551"/>
-            <a:ext cx="5423280" cy="369332"/>
-          </a:xfrm>
-          <a:prstGeom prst="rect">
-            <a:avLst/>
-          </a:prstGeom>
-          <a:solidFill>
-            <a:schemeClr val="tx1"/>
-          </a:solidFill>
-          <a:ln>
-            <a:solidFill>
-              <a:schemeClr val="tx1"/>
-            </a:solidFill>
-          </a:ln>
-        </p:spPr>
-        <p:txBody>
-          <a:bodyPr wrap="none" rtlCol="0">
-            <a:spAutoFit/>
-          </a:bodyPr>
-          <a:lstStyle/>
-          <a:p>
-            <a:r>
-              <a:rPr lang="en-US" b="1" dirty="0">
-                <a:solidFill>
-                  <a:schemeClr val="bg1"/>
-                </a:solidFill>
-                <a:latin typeface="Courier New" pitchFamily="49" charset="0"/>
-                <a:cs typeface="Courier New" pitchFamily="49" charset="0"/>
-              </a:rPr>
-              <a:t>&gt;&gt;&gt;  names = 'bob </a:t>
-            </a:r>
-            <a:r>
-              <a:rPr lang="en-US" b="1" dirty="0" err="1">
-                <a:solidFill>
-                  <a:schemeClr val="bg1"/>
-                </a:solidFill>
-                <a:latin typeface="Courier New" pitchFamily="49" charset="0"/>
-                <a:cs typeface="Courier New" pitchFamily="49" charset="0"/>
-              </a:rPr>
-              <a:t>alice</a:t>
-            </a:r>
-            <a:r>
-              <a:rPr lang="en-US" b="1" dirty="0">
-                <a:solidFill>
-                  <a:schemeClr val="bg1"/>
-                </a:solidFill>
-                <a:latin typeface="Courier New" pitchFamily="49" charset="0"/>
-                <a:cs typeface="Courier New" pitchFamily="49" charset="0"/>
-              </a:rPr>
-              <a:t> </a:t>
-            </a:r>
-            <a:r>
-              <a:rPr lang="en-US" b="1" dirty="0" err="1">
-                <a:solidFill>
-                  <a:schemeClr val="bg1"/>
-                </a:solidFill>
-                <a:latin typeface="Courier New" pitchFamily="49" charset="0"/>
-                <a:cs typeface="Courier New" pitchFamily="49" charset="0"/>
-              </a:rPr>
-              <a:t>carol'.split</a:t>
-            </a:r>
-            <a:r>
-              <a:rPr lang="en-US" b="1" dirty="0">
-                <a:solidFill>
-                  <a:schemeClr val="bg1"/>
-                </a:solidFill>
-                <a:latin typeface="Courier New" pitchFamily="49" charset="0"/>
-                <a:cs typeface="Courier New" pitchFamily="49" charset="0"/>
-              </a:rPr>
-              <a:t>()</a:t>
-            </a:r>
-            <a:endParaRPr lang="nl-BE" b="1" dirty="0">
-              <a:solidFill>
-                <a:schemeClr val="bg1"/>
-              </a:solidFill>
-              <a:latin typeface="Courier New" pitchFamily="49" charset="0"/>
-              <a:cs typeface="Courier New" pitchFamily="49" charset="0"/>
-            </a:endParaRPr>
-          </a:p>
-        </p:txBody>
-      </p:sp>
-      <p:sp>
-        <p:nvSpPr>
-          <p:cNvPr id="9" name="TextBox 8"/>
-          <p:cNvSpPr txBox="1"/>
-          <p:nvPr/>
-        </p:nvSpPr>
-        <p:spPr>
-          <a:xfrm>
-            <a:off x="2855640" y="5137548"/>
-            <a:ext cx="5836854" cy="369332"/>
-          </a:xfrm>
-          <a:prstGeom prst="rect">
-            <a:avLst/>
-          </a:prstGeom>
-          <a:solidFill>
-            <a:schemeClr val="tx1"/>
-          </a:solidFill>
-          <a:ln>
-            <a:solidFill>
-              <a:schemeClr val="tx1"/>
-            </a:solidFill>
-          </a:ln>
-        </p:spPr>
-        <p:txBody>
-          <a:bodyPr wrap="none" rtlCol="0">
-            <a:spAutoFit/>
-          </a:bodyPr>
-          <a:lstStyle/>
-          <a:p>
-            <a:r>
-              <a:rPr lang="en-US" b="1" dirty="0">
-                <a:solidFill>
-                  <a:schemeClr val="accent3">
-                    <a:lumMod val="75000"/>
-                  </a:schemeClr>
-                </a:solidFill>
-                <a:latin typeface="Courier New" pitchFamily="49" charset="0"/>
-                <a:cs typeface="Courier New" pitchFamily="49" charset="0"/>
-              </a:rPr>
-              <a:t>In[3]:</a:t>
-            </a:r>
-            <a:r>
-              <a:rPr lang="en-US" b="1" dirty="0">
-                <a:solidFill>
-                  <a:schemeClr val="bg1"/>
-                </a:solidFill>
-                <a:latin typeface="Courier New" pitchFamily="49" charset="0"/>
-                <a:cs typeface="Courier New" pitchFamily="49" charset="0"/>
-              </a:rPr>
-              <a:t>  names = 'bob </a:t>
-            </a:r>
-            <a:r>
-              <a:rPr lang="en-US" b="1" dirty="0" err="1">
-                <a:solidFill>
-                  <a:schemeClr val="bg1"/>
-                </a:solidFill>
-                <a:latin typeface="Courier New" pitchFamily="49" charset="0"/>
-                <a:cs typeface="Courier New" pitchFamily="49" charset="0"/>
-              </a:rPr>
-              <a:t>alice</a:t>
-            </a:r>
-            <a:r>
-              <a:rPr lang="en-US" b="1" dirty="0">
-                <a:solidFill>
-                  <a:schemeClr val="bg1"/>
-                </a:solidFill>
-                <a:latin typeface="Courier New" pitchFamily="49" charset="0"/>
-                <a:cs typeface="Courier New" pitchFamily="49" charset="0"/>
-              </a:rPr>
-              <a:t> </a:t>
-            </a:r>
-            <a:r>
-              <a:rPr lang="en-US" b="1" dirty="0" err="1">
-                <a:solidFill>
-                  <a:schemeClr val="bg1"/>
-                </a:solidFill>
-                <a:latin typeface="Courier New" pitchFamily="49" charset="0"/>
-                <a:cs typeface="Courier New" pitchFamily="49" charset="0"/>
-              </a:rPr>
-              <a:t>carol'.split</a:t>
-            </a:r>
-            <a:r>
-              <a:rPr lang="en-US" b="1" dirty="0">
-                <a:solidFill>
-                  <a:schemeClr val="bg1"/>
-                </a:solidFill>
-                <a:latin typeface="Courier New" pitchFamily="49" charset="0"/>
-                <a:cs typeface="Courier New" pitchFamily="49" charset="0"/>
-              </a:rPr>
-              <a:t>()</a:t>
-            </a:r>
-            <a:endParaRPr lang="nl-BE" b="1" dirty="0">
-              <a:solidFill>
-                <a:schemeClr val="bg1"/>
-              </a:solidFill>
-              <a:latin typeface="Courier New" pitchFamily="49" charset="0"/>
-              <a:cs typeface="Courier New" pitchFamily="49" charset="0"/>
-            </a:endParaRPr>
           </a:p>
         </p:txBody>
       </p:sp>
@@ -25335,189 +25103,6 @@
                       </p:childTnLst>
                     </p:cTn>
                   </p:par>
-                  <p:par>
-                    <p:cTn id="11" fill="hold">
-                      <p:stCondLst>
-                        <p:cond delay="indefinite"/>
-                      </p:stCondLst>
-                      <p:childTnLst>
-                        <p:par>
-                          <p:cTn id="12" fill="hold">
-                            <p:stCondLst>
-                              <p:cond delay="0"/>
-                            </p:stCondLst>
-                            <p:childTnLst>
-                              <p:par>
-                                <p:cTn id="13" presetID="1" presetClass="entr" presetSubtype="0" fill="hold" grpId="0" nodeType="clickEffect">
-                                  <p:stCondLst>
-                                    <p:cond delay="0"/>
-                                  </p:stCondLst>
-                                  <p:childTnLst>
-                                    <p:set>
-                                      <p:cBhvr>
-                                        <p:cTn id="14" dur="1" fill="hold">
-                                          <p:stCondLst>
-                                            <p:cond delay="0"/>
-                                          </p:stCondLst>
-                                        </p:cTn>
-                                        <p:tgtEl>
-                                          <p:spTgt spid="3">
-                                            <p:txEl>
-                                              <p:pRg st="3" end="3"/>
-                                            </p:txEl>
-                                          </p:spTgt>
-                                        </p:tgtEl>
-                                        <p:attrNameLst>
-                                          <p:attrName>style.visibility</p:attrName>
-                                        </p:attrNameLst>
-                                      </p:cBhvr>
-                                      <p:to>
-                                        <p:strVal val="visible"/>
-                                      </p:to>
-                                    </p:set>
-                                  </p:childTnLst>
-                                </p:cTn>
-                              </p:par>
-                              <p:par>
-                                <p:cTn id="15" presetID="1" presetClass="entr" presetSubtype="0" fill="hold" grpId="0" nodeType="withEffect">
-                                  <p:stCondLst>
-                                    <p:cond delay="0"/>
-                                  </p:stCondLst>
-                                  <p:childTnLst>
-                                    <p:set>
-                                      <p:cBhvr>
-                                        <p:cTn id="16" dur="1" fill="hold">
-                                          <p:stCondLst>
-                                            <p:cond delay="0"/>
-                                          </p:stCondLst>
-                                        </p:cTn>
-                                        <p:tgtEl>
-                                          <p:spTgt spid="8"/>
-                                        </p:tgtEl>
-                                        <p:attrNameLst>
-                                          <p:attrName>style.visibility</p:attrName>
-                                        </p:attrNameLst>
-                                      </p:cBhvr>
-                                      <p:to>
-                                        <p:strVal val="visible"/>
-                                      </p:to>
-                                    </p:set>
-                                  </p:childTnLst>
-                                </p:cTn>
-                              </p:par>
-                              <p:par>
-                                <p:cTn id="17" presetID="1" presetClass="entr" presetSubtype="0" fill="hold" grpId="0" nodeType="withEffect">
-                                  <p:stCondLst>
-                                    <p:cond delay="0"/>
-                                  </p:stCondLst>
-                                  <p:childTnLst>
-                                    <p:set>
-                                      <p:cBhvr>
-                                        <p:cTn id="18" dur="1" fill="hold">
-                                          <p:stCondLst>
-                                            <p:cond delay="0"/>
-                                          </p:stCondLst>
-                                        </p:cTn>
-                                        <p:tgtEl>
-                                          <p:spTgt spid="3">
-                                            <p:txEl>
-                                              <p:pRg st="5" end="5"/>
-                                            </p:txEl>
-                                          </p:spTgt>
-                                        </p:tgtEl>
-                                        <p:attrNameLst>
-                                          <p:attrName>style.visibility</p:attrName>
-                                        </p:attrNameLst>
-                                      </p:cBhvr>
-                                      <p:to>
-                                        <p:strVal val="visible"/>
-                                      </p:to>
-                                    </p:set>
-                                  </p:childTnLst>
-                                </p:cTn>
-                              </p:par>
-                            </p:childTnLst>
-                          </p:cTn>
-                        </p:par>
-                      </p:childTnLst>
-                    </p:cTn>
-                  </p:par>
-                  <p:par>
-                    <p:cTn id="19" fill="hold">
-                      <p:stCondLst>
-                        <p:cond delay="indefinite"/>
-                      </p:stCondLst>
-                      <p:childTnLst>
-                        <p:par>
-                          <p:cTn id="20" fill="hold">
-                            <p:stCondLst>
-                              <p:cond delay="0"/>
-                            </p:stCondLst>
-                            <p:childTnLst>
-                              <p:par>
-                                <p:cTn id="21" presetID="1" presetClass="entr" presetSubtype="0" fill="hold" grpId="0" nodeType="clickEffect">
-                                  <p:stCondLst>
-                                    <p:cond delay="0"/>
-                                  </p:stCondLst>
-                                  <p:childTnLst>
-                                    <p:set>
-                                      <p:cBhvr>
-                                        <p:cTn id="22" dur="1" fill="hold">
-                                          <p:stCondLst>
-                                            <p:cond delay="0"/>
-                                          </p:stCondLst>
-                                        </p:cTn>
-                                        <p:tgtEl>
-                                          <p:spTgt spid="3">
-                                            <p:txEl>
-                                              <p:pRg st="6" end="6"/>
-                                            </p:txEl>
-                                          </p:spTgt>
-                                        </p:tgtEl>
-                                        <p:attrNameLst>
-                                          <p:attrName>style.visibility</p:attrName>
-                                        </p:attrNameLst>
-                                      </p:cBhvr>
-                                      <p:to>
-                                        <p:strVal val="visible"/>
-                                      </p:to>
-                                    </p:set>
-                                  </p:childTnLst>
-                                </p:cTn>
-                              </p:par>
-                              <p:par>
-                                <p:cTn id="23" presetID="1" presetClass="entr" presetSubtype="0" fill="hold" grpId="0" nodeType="withEffect">
-                                  <p:stCondLst>
-                                    <p:cond delay="0"/>
-                                  </p:stCondLst>
-                                  <p:childTnLst>
-                                    <p:set>
-                                      <p:cBhvr>
-                                        <p:cTn id="24" dur="1" fill="hold">
-                                          <p:stCondLst>
-                                            <p:cond delay="0"/>
-                                          </p:stCondLst>
-                                        </p:cTn>
-                                        <p:tgtEl>
-                                          <p:spTgt spid="9"/>
-                                        </p:tgtEl>
-                                        <p:attrNameLst>
-                                          <p:attrName>style.visibility</p:attrName>
-                                        </p:attrNameLst>
-                                      </p:cBhvr>
-                                      <p:to>
-                                        <p:strVal val="visible"/>
-                                      </p:to>
-                                    </p:set>
-                                  </p:childTnLst>
-                                </p:cTn>
-                              </p:par>
-                            </p:childTnLst>
-                          </p:cTn>
-                        </p:par>
-                      </p:childTnLst>
-                    </p:cTn>
-                  </p:par>
                 </p:childTnLst>
               </p:cTn>
               <p:prevCondLst>
@@ -25542,8 +25127,6 @@
     <p:bldLst>
       <p:bldP spid="3" grpId="0" uiExpand="1" build="p"/>
       <p:bldP spid="4" grpId="0" animBg="1"/>
-      <p:bldP spid="8" grpId="0" animBg="1"/>
-      <p:bldP spid="9" grpId="0" animBg="1"/>
     </p:bldLst>
   </p:timing>
 </p:sld>

--- a/python_for_systems_programming.pptx
+++ b/python_for_systems_programming.pptx
@@ -355,7 +355,7 @@
           <a:p>
             <a:fld id="{9B61669F-67CC-4684-B4EC-0CD896AF340A}" type="datetimeFigureOut">
               <a:rPr lang="en-US" smtClean="0"/>
-              <a:t>2022-05-19</a:t>
+              <a:t>2023-04-20</a:t>
             </a:fld>
             <a:endParaRPr lang="en-US"/>
           </a:p>
@@ -523,7 +523,7 @@
           <a:p>
             <a:fld id="{9B61669F-67CC-4684-B4EC-0CD896AF340A}" type="datetimeFigureOut">
               <a:rPr lang="en-US" smtClean="0"/>
-              <a:t>2022-05-19</a:t>
+              <a:t>2023-04-20</a:t>
             </a:fld>
             <a:endParaRPr lang="en-US"/>
           </a:p>
@@ -701,7 +701,7 @@
           <a:p>
             <a:fld id="{9B61669F-67CC-4684-B4EC-0CD896AF340A}" type="datetimeFigureOut">
               <a:rPr lang="en-US" smtClean="0"/>
-              <a:t>2022-05-19</a:t>
+              <a:t>2023-04-20</a:t>
             </a:fld>
             <a:endParaRPr lang="en-US"/>
           </a:p>
@@ -943,7 +943,7 @@
           <a:p>
             <a:fld id="{AA89080B-4260-48D4-BEBC-624AE09ECE83}" type="datetime1">
               <a:rPr lang="nl-BE" smtClean="0"/>
-              <a:t>19/05/2022</a:t>
+              <a:t>20/04/2023</a:t>
             </a:fld>
             <a:endParaRPr lang="nl-BE"/>
           </a:p>
@@ -1113,7 +1113,7 @@
           <a:p>
             <a:fld id="{EC448E59-F64F-416B-85C7-F58EA54BAF31}" type="datetime1">
               <a:rPr lang="nl-BE" smtClean="0"/>
-              <a:t>19/05/2022</a:t>
+              <a:t>20/04/2023</a:t>
             </a:fld>
             <a:endParaRPr lang="nl-BE"/>
           </a:p>
@@ -1359,7 +1359,7 @@
           <a:p>
             <a:fld id="{9ED5C3B5-60AD-4494-9CFA-8B02B158E887}" type="datetime1">
               <a:rPr lang="nl-BE" smtClean="0"/>
-              <a:t>19/05/2022</a:t>
+              <a:t>20/04/2023</a:t>
             </a:fld>
             <a:endParaRPr lang="nl-BE"/>
           </a:p>
@@ -1647,7 +1647,7 @@
           <a:p>
             <a:fld id="{44F0EF99-E673-4972-A23A-EB3FD1F7D254}" type="datetime1">
               <a:rPr lang="nl-BE" smtClean="0"/>
-              <a:t>19/05/2022</a:t>
+              <a:t>20/04/2023</a:t>
             </a:fld>
             <a:endParaRPr lang="nl-BE"/>
           </a:p>
@@ -2069,7 +2069,7 @@
           <a:p>
             <a:fld id="{362C3B20-157B-48BC-A7F6-78FD90E3E349}" type="datetime1">
               <a:rPr lang="nl-BE" smtClean="0"/>
-              <a:t>19/05/2022</a:t>
+              <a:t>20/04/2023</a:t>
             </a:fld>
             <a:endParaRPr lang="nl-BE"/>
           </a:p>
@@ -2187,7 +2187,7 @@
           <a:p>
             <a:fld id="{1E4894A8-27B8-4F4D-B345-90FD4A1447E9}" type="datetime1">
               <a:rPr lang="nl-BE" smtClean="0"/>
-              <a:t>19/05/2022</a:t>
+              <a:t>20/04/2023</a:t>
             </a:fld>
             <a:endParaRPr lang="nl-BE"/>
           </a:p>
@@ -2282,7 +2282,7 @@
           <a:p>
             <a:fld id="{9B6664D4-33A1-4715-AD97-DD0D01FAC894}" type="datetime1">
               <a:rPr lang="nl-BE" smtClean="0"/>
-              <a:t>19/05/2022</a:t>
+              <a:t>20/04/2023</a:t>
             </a:fld>
             <a:endParaRPr lang="nl-BE"/>
           </a:p>
@@ -2559,7 +2559,7 @@
           <a:p>
             <a:fld id="{71880A9C-007F-4E0D-B4C6-060FFE64811B}" type="datetime1">
               <a:rPr lang="nl-BE" smtClean="0"/>
-              <a:t>19/05/2022</a:t>
+              <a:t>20/04/2023</a:t>
             </a:fld>
             <a:endParaRPr lang="nl-BE"/>
           </a:p>
@@ -2727,7 +2727,7 @@
           <a:p>
             <a:fld id="{9B61669F-67CC-4684-B4EC-0CD896AF340A}" type="datetimeFigureOut">
               <a:rPr lang="en-US" smtClean="0"/>
-              <a:t>2022-05-19</a:t>
+              <a:t>2023-04-20</a:t>
             </a:fld>
             <a:endParaRPr lang="en-US"/>
           </a:p>
@@ -2980,7 +2980,7 @@
           <a:p>
             <a:fld id="{DD295E27-2F3D-481A-B8B8-8482CE6DA5DC}" type="datetime1">
               <a:rPr lang="nl-BE" smtClean="0"/>
-              <a:t>19/05/2022</a:t>
+              <a:t>20/04/2023</a:t>
             </a:fld>
             <a:endParaRPr lang="nl-BE"/>
           </a:p>
@@ -3150,7 +3150,7 @@
           <a:p>
             <a:fld id="{EFB41BB7-A881-4920-B186-797A2AD05998}" type="datetime1">
               <a:rPr lang="nl-BE" smtClean="0"/>
-              <a:t>19/05/2022</a:t>
+              <a:t>20/04/2023</a:t>
             </a:fld>
             <a:endParaRPr lang="nl-BE"/>
           </a:p>
@@ -3330,7 +3330,7 @@
           <a:p>
             <a:fld id="{11C6BFEC-574C-49E6-96B0-F15D7DB2764A}" type="datetime1">
               <a:rPr lang="nl-BE" smtClean="0"/>
-              <a:t>19/05/2022</a:t>
+              <a:t>20/04/2023</a:t>
             </a:fld>
             <a:endParaRPr lang="nl-BE"/>
           </a:p>
@@ -3575,7 +3575,7 @@
           <a:p>
             <a:fld id="{9B61669F-67CC-4684-B4EC-0CD896AF340A}" type="datetimeFigureOut">
               <a:rPr lang="en-US" smtClean="0"/>
-              <a:t>2022-05-19</a:t>
+              <a:t>2023-04-20</a:t>
             </a:fld>
             <a:endParaRPr lang="en-US"/>
           </a:p>
@@ -3804,7 +3804,7 @@
           <a:p>
             <a:fld id="{9B61669F-67CC-4684-B4EC-0CD896AF340A}" type="datetimeFigureOut">
               <a:rPr lang="en-US" smtClean="0"/>
-              <a:t>2022-05-19</a:t>
+              <a:t>2023-04-20</a:t>
             </a:fld>
             <a:endParaRPr lang="en-US"/>
           </a:p>
@@ -4168,7 +4168,7 @@
           <a:p>
             <a:fld id="{9B61669F-67CC-4684-B4EC-0CD896AF340A}" type="datetimeFigureOut">
               <a:rPr lang="en-US" smtClean="0"/>
-              <a:t>2022-05-19</a:t>
+              <a:t>2023-04-20</a:t>
             </a:fld>
             <a:endParaRPr lang="en-US"/>
           </a:p>
@@ -4285,7 +4285,7 @@
           <a:p>
             <a:fld id="{9B61669F-67CC-4684-B4EC-0CD896AF340A}" type="datetimeFigureOut">
               <a:rPr lang="en-US" smtClean="0"/>
-              <a:t>2022-05-19</a:t>
+              <a:t>2023-04-20</a:t>
             </a:fld>
             <a:endParaRPr lang="en-US"/>
           </a:p>
@@ -4380,7 +4380,7 @@
           <a:p>
             <a:fld id="{9B61669F-67CC-4684-B4EC-0CD896AF340A}" type="datetimeFigureOut">
               <a:rPr lang="en-US" smtClean="0"/>
-              <a:t>2022-05-19</a:t>
+              <a:t>2023-04-20</a:t>
             </a:fld>
             <a:endParaRPr lang="en-US"/>
           </a:p>
@@ -4655,7 +4655,7 @@
           <a:p>
             <a:fld id="{9B61669F-67CC-4684-B4EC-0CD896AF340A}" type="datetimeFigureOut">
               <a:rPr lang="en-US" smtClean="0"/>
-              <a:t>2022-05-19</a:t>
+              <a:t>2023-04-20</a:t>
             </a:fld>
             <a:endParaRPr lang="en-US"/>
           </a:p>
@@ -4907,7 +4907,7 @@
           <a:p>
             <a:fld id="{9B61669F-67CC-4684-B4EC-0CD896AF340A}" type="datetimeFigureOut">
               <a:rPr lang="en-US" smtClean="0"/>
-              <a:t>2022-05-19</a:t>
+              <a:t>2023-04-20</a:t>
             </a:fld>
             <a:endParaRPr lang="en-US"/>
           </a:p>
@@ -5118,7 +5118,7 @@
           <a:p>
             <a:fld id="{9B61669F-67CC-4684-B4EC-0CD896AF340A}" type="datetimeFigureOut">
               <a:rPr lang="en-US" smtClean="0"/>
-              <a:t>2022-05-19</a:t>
+              <a:t>2023-04-20</a:t>
             </a:fld>
             <a:endParaRPr lang="en-US"/>
           </a:p>
@@ -5658,7 +5658,7 @@
           <a:p>
             <a:fld id="{AFF0BB8E-41A9-4D12-9A22-82FF4E94F27A}" type="datetime1">
               <a:rPr lang="nl-BE" smtClean="0"/>
-              <a:t>19/05/2022</a:t>
+              <a:t>20/04/2023</a:t>
             </a:fld>
             <a:endParaRPr lang="nl-BE"/>
           </a:p>
@@ -6358,7 +6358,93 @@
                 <a:latin typeface="Courier New" pitchFamily="49" charset="0"/>
                 <a:cs typeface="Courier New" pitchFamily="49" charset="0"/>
               </a:rPr>
-              <a:t>        prefix = '{0}\</a:t>
+              <a:t>        prefix = f'{I + 1}\t'</a:t>
+            </a:r>
+          </a:p>
+          <a:p>
+            <a:r>
+              <a:rPr lang="en-US" sz="1400" dirty="0">
+                <a:solidFill>
+                  <a:prstClr val="black"/>
+                </a:solidFill>
+                <a:latin typeface="Courier New" pitchFamily="49" charset="0"/>
+                <a:cs typeface="Courier New" pitchFamily="49" charset="0"/>
+              </a:rPr>
+              <a:t>    else:</a:t>
+            </a:r>
+          </a:p>
+          <a:p>
+            <a:r>
+              <a:rPr lang="en-US" sz="1400" dirty="0">
+                <a:solidFill>
+                  <a:prstClr val="black"/>
+                </a:solidFill>
+                <a:latin typeface="Courier New" pitchFamily="49" charset="0"/>
+                <a:cs typeface="Courier New" pitchFamily="49" charset="0"/>
+              </a:rPr>
+              <a:t>        prefix = ''</a:t>
+            </a:r>
+          </a:p>
+          <a:p>
+            <a:r>
+              <a:rPr lang="en-US" sz="1400" dirty="0">
+                <a:solidFill>
+                  <a:prstClr val="black"/>
+                </a:solidFill>
+                <a:latin typeface="Courier New" pitchFamily="49" charset="0"/>
+                <a:cs typeface="Courier New" pitchFamily="49" charset="0"/>
+              </a:rPr>
+              <a:t>    print(f'{</a:t>
+            </a:r>
+            <a:r>
+              <a:rPr lang="en-US" sz="1400" b="1" dirty="0">
+                <a:solidFill>
+                  <a:srgbClr val="FF0000"/>
+                </a:solidFill>
+                <a:latin typeface="Courier New" pitchFamily="49" charset="0"/>
+                <a:cs typeface="Courier New" pitchFamily="49" charset="0"/>
+              </a:rPr>
+              <a:t>args</a:t>
+            </a:r>
+            <a:r>
+              <a:rPr lang="en-US" sz="1400" dirty="0">
+                <a:solidFill>
+                  <a:prstClr val="black"/>
+                </a:solidFill>
+                <a:latin typeface="Courier New" pitchFamily="49" charset="0"/>
+                <a:cs typeface="Courier New" pitchFamily="49" charset="0"/>
+              </a:rPr>
+              <a:t>.</a:t>
+            </a:r>
+            <a:r>
+              <a:rPr lang="en-US" sz="1400" b="1" dirty="0">
+                <a:solidFill>
+                  <a:srgbClr val="0070C0"/>
+                </a:solidFill>
+                <a:latin typeface="Courier New" pitchFamily="49" charset="0"/>
+                <a:cs typeface="Courier New" pitchFamily="49" charset="0"/>
+              </a:rPr>
+              <a:t>mu</a:t>
+            </a:r>
+            <a:r>
+              <a:rPr lang="en-US" sz="1400" dirty="0">
+                <a:solidFill>
+                  <a:prstClr val="black"/>
+                </a:solidFill>
+                <a:latin typeface="Courier New" pitchFamily="49" charset="0"/>
+                <a:cs typeface="Courier New" pitchFamily="49" charset="0"/>
+              </a:rPr>
+              <a:t>}{</a:t>
+            </a:r>
+            <a:r>
+              <a:rPr lang="en-US" sz="1400" b="1" dirty="0" err="1">
+                <a:solidFill>
+                  <a:srgbClr val="FF0000"/>
+                </a:solidFill>
+                <a:latin typeface="Courier New" pitchFamily="49" charset="0"/>
+                <a:cs typeface="Courier New" pitchFamily="49" charset="0"/>
+              </a:rPr>
+              <a:t>args</a:t>
             </a:r>
             <a:r>
               <a:rPr lang="en-US" sz="1400" dirty="0" err="1">
@@ -6368,7 +6454,17 @@
                 <a:latin typeface="Courier New" pitchFamily="49" charset="0"/>
                 <a:cs typeface="Courier New" pitchFamily="49" charset="0"/>
               </a:rPr>
-              <a:t>t'.format</a:t>
+              <a:t>.</a:t>
+            </a:r>
+            <a:r>
+              <a:rPr lang="en-US" sz="1400" b="1" dirty="0" err="1">
+                <a:solidFill>
+                  <a:srgbClr val="0070C0"/>
+                </a:solidFill>
+                <a:latin typeface="Courier New" pitchFamily="49" charset="0"/>
+                <a:cs typeface="Courier New" pitchFamily="49" charset="0"/>
+              </a:rPr>
+              <a:t>sigma</a:t>
             </a:r>
             <a:r>
               <a:rPr lang="en-US" sz="1400" dirty="0">
@@ -6378,163 +6474,7 @@
                 <a:latin typeface="Courier New" pitchFamily="49" charset="0"/>
                 <a:cs typeface="Courier New" pitchFamily="49" charset="0"/>
               </a:rPr>
-              <a:t>(</a:t>
-            </a:r>
-            <a:r>
-              <a:rPr lang="en-US" sz="1400" dirty="0" err="1">
-                <a:solidFill>
-                  <a:prstClr val="black"/>
-                </a:solidFill>
-                <a:latin typeface="Courier New" pitchFamily="49" charset="0"/>
-                <a:cs typeface="Courier New" pitchFamily="49" charset="0"/>
-              </a:rPr>
-              <a:t>i</a:t>
-            </a:r>
-            <a:r>
-              <a:rPr lang="en-US" sz="1400" dirty="0">
-                <a:solidFill>
-                  <a:prstClr val="black"/>
-                </a:solidFill>
-                <a:latin typeface="Courier New" pitchFamily="49" charset="0"/>
-                <a:cs typeface="Courier New" pitchFamily="49" charset="0"/>
-              </a:rPr>
-              <a:t> + 1)</a:t>
-            </a:r>
-          </a:p>
-          <a:p>
-            <a:r>
-              <a:rPr lang="en-US" sz="1400" dirty="0">
-                <a:solidFill>
-                  <a:prstClr val="black"/>
-                </a:solidFill>
-                <a:latin typeface="Courier New" pitchFamily="49" charset="0"/>
-                <a:cs typeface="Courier New" pitchFamily="49" charset="0"/>
-              </a:rPr>
-              <a:t>    else:</a:t>
-            </a:r>
-          </a:p>
-          <a:p>
-            <a:r>
-              <a:rPr lang="en-US" sz="1400" dirty="0">
-                <a:solidFill>
-                  <a:prstClr val="black"/>
-                </a:solidFill>
-                <a:latin typeface="Courier New" pitchFamily="49" charset="0"/>
-                <a:cs typeface="Courier New" pitchFamily="49" charset="0"/>
-              </a:rPr>
-              <a:t>        prefix = ''</a:t>
-            </a:r>
-          </a:p>
-          <a:p>
-            <a:r>
-              <a:rPr lang="en-US" sz="1400" dirty="0">
-                <a:solidFill>
-                  <a:prstClr val="black"/>
-                </a:solidFill>
-                <a:latin typeface="Courier New" pitchFamily="49" charset="0"/>
-                <a:cs typeface="Courier New" pitchFamily="49" charset="0"/>
-              </a:rPr>
-              <a:t>    print('{0}{1}'.format(prefix, </a:t>
-            </a:r>
-            <a:r>
-              <a:rPr lang="en-US" sz="1400" dirty="0" err="1">
-                <a:solidFill>
-                  <a:prstClr val="black"/>
-                </a:solidFill>
-                <a:latin typeface="Courier New" pitchFamily="49" charset="0"/>
-                <a:cs typeface="Courier New" pitchFamily="49" charset="0"/>
-              </a:rPr>
-              <a:t>random.gauss</a:t>
-            </a:r>
-            <a:r>
-              <a:rPr lang="en-US" sz="1400" dirty="0">
-                <a:solidFill>
-                  <a:prstClr val="black"/>
-                </a:solidFill>
-                <a:latin typeface="Courier New" pitchFamily="49" charset="0"/>
-                <a:cs typeface="Courier New" pitchFamily="49" charset="0"/>
-              </a:rPr>
-              <a:t>(</a:t>
-            </a:r>
-            <a:r>
-              <a:rPr lang="en-US" sz="1400" b="1" dirty="0">
-                <a:solidFill>
-                  <a:srgbClr val="FF0000"/>
-                </a:solidFill>
-                <a:latin typeface="Courier New" pitchFamily="49" charset="0"/>
-                <a:cs typeface="Courier New" pitchFamily="49" charset="0"/>
-              </a:rPr>
-              <a:t>args</a:t>
-            </a:r>
-            <a:r>
-              <a:rPr lang="en-US" sz="1400" dirty="0">
-                <a:solidFill>
-                  <a:prstClr val="black"/>
-                </a:solidFill>
-                <a:latin typeface="Courier New" pitchFamily="49" charset="0"/>
-                <a:cs typeface="Courier New" pitchFamily="49" charset="0"/>
-              </a:rPr>
-              <a:t>.</a:t>
-            </a:r>
-            <a:r>
-              <a:rPr lang="en-US" sz="1400" b="1" dirty="0">
-                <a:solidFill>
-                  <a:srgbClr val="0070C0"/>
-                </a:solidFill>
-                <a:latin typeface="Courier New" pitchFamily="49" charset="0"/>
-                <a:cs typeface="Courier New" pitchFamily="49" charset="0"/>
-              </a:rPr>
-              <a:t>mu</a:t>
-            </a:r>
-            <a:r>
-              <a:rPr lang="en-US" sz="1400" dirty="0">
-                <a:solidFill>
-                  <a:prstClr val="black"/>
-                </a:solidFill>
-                <a:latin typeface="Courier New" pitchFamily="49" charset="0"/>
-                <a:cs typeface="Courier New" pitchFamily="49" charset="0"/>
-              </a:rPr>
-              <a:t>, </a:t>
-            </a:r>
-            <a:r>
-              <a:rPr lang="en-US" sz="1400" b="1" dirty="0" err="1">
-                <a:solidFill>
-                  <a:srgbClr val="FF0000"/>
-                </a:solidFill>
-                <a:latin typeface="Courier New" pitchFamily="49" charset="0"/>
-                <a:cs typeface="Courier New" pitchFamily="49" charset="0"/>
-              </a:rPr>
-              <a:t>args</a:t>
-            </a:r>
-            <a:r>
-              <a:rPr lang="en-US" sz="1400" dirty="0" err="1">
-                <a:solidFill>
-                  <a:prstClr val="black"/>
-                </a:solidFill>
-                <a:latin typeface="Courier New" pitchFamily="49" charset="0"/>
-                <a:cs typeface="Courier New" pitchFamily="49" charset="0"/>
-              </a:rPr>
-              <a:t>.</a:t>
-            </a:r>
-            <a:r>
-              <a:rPr lang="en-US" sz="1400" b="1" dirty="0" err="1">
-                <a:solidFill>
-                  <a:srgbClr val="0070C0"/>
-                </a:solidFill>
-                <a:latin typeface="Courier New" pitchFamily="49" charset="0"/>
-                <a:cs typeface="Courier New" pitchFamily="49" charset="0"/>
-              </a:rPr>
-              <a:t>sigma</a:t>
-            </a:r>
-            <a:r>
-              <a:rPr lang="en-US" sz="1400" dirty="0">
-                <a:solidFill>
-                  <a:prstClr val="black"/>
-                </a:solidFill>
-                <a:latin typeface="Courier New" pitchFamily="49" charset="0"/>
-                <a:cs typeface="Courier New" pitchFamily="49" charset="0"/>
-              </a:rPr>
-              <a:t>)))</a:t>
+              <a:t>}')</a:t>
             </a:r>
           </a:p>
         </p:txBody>
@@ -9212,7 +9152,7 @@
               <a:rPr lang="en-US" sz="2800" dirty="0">
                 <a:hlinkClick r:id="rId2"/>
               </a:rPr>
-              <a:t>https://docs.python.org/3.7/howto/argparse.html</a:t>
+              <a:t>https://docs.python.org/3/howto/argparse.html</a:t>
             </a:r>
             <a:r>
               <a:rPr lang="en-US" sz="2800" dirty="0"/>
@@ -11272,7 +11212,7 @@
         <p:spPr>
           <a:xfrm>
             <a:off x="2135560" y="3501009"/>
-            <a:ext cx="6840760" cy="307777"/>
+            <a:ext cx="5521284" cy="307777"/>
           </a:xfrm>
           <a:prstGeom prst="rect">
             <a:avLst/>
@@ -11311,7 +11251,7 @@
         <p:spPr>
           <a:xfrm>
             <a:off x="2135560" y="4725145"/>
-            <a:ext cx="6840760" cy="307777"/>
+            <a:ext cx="5521284" cy="307777"/>
           </a:xfrm>
           <a:prstGeom prst="rect">
             <a:avLst/>
@@ -11360,7 +11300,7 @@
         <p:spPr>
           <a:xfrm>
             <a:off x="2145222" y="2329136"/>
-            <a:ext cx="6831098" cy="307777"/>
+            <a:ext cx="5511622" cy="307777"/>
           </a:xfrm>
           <a:prstGeom prst="rect">
             <a:avLst/>
@@ -11395,7 +11335,27 @@
                 <a:latin typeface="Courier New" pitchFamily="49" charset="0"/>
                 <a:cs typeface="Courier New" pitchFamily="49" charset="0"/>
               </a:rPr>
-              <a:t>('function xyz called with "{0}"'.format(x))</a:t>
+              <a:t>(</a:t>
+            </a:r>
+            <a:r>
+              <a:rPr lang="en-US" sz="1400" dirty="0" err="1">
+                <a:solidFill>
+                  <a:prstClr val="black"/>
+                </a:solidFill>
+                <a:latin typeface="Courier New" pitchFamily="49" charset="0"/>
+                <a:cs typeface="Courier New" pitchFamily="49" charset="0"/>
+              </a:rPr>
+              <a:t>f'function</a:t>
+            </a:r>
+            <a:r>
+              <a:rPr lang="en-US" sz="1400" dirty="0">
+                <a:solidFill>
+                  <a:prstClr val="black"/>
+                </a:solidFill>
+                <a:latin typeface="Courier New" pitchFamily="49" charset="0"/>
+                <a:cs typeface="Courier New" pitchFamily="49" charset="0"/>
+              </a:rPr>
+              <a:t> xyz called with "{x}"')</a:t>
             </a:r>
           </a:p>
         </p:txBody>
@@ -12348,7 +12308,7 @@
               <a:rPr lang="en-US" sz="2400" dirty="0">
                 <a:hlinkClick r:id="rId2"/>
               </a:rPr>
-              <a:t>https://docs.python.org/3.7/howto/logging.html</a:t>
+              <a:t>https://docs.python.org/3/howto/logging.html</a:t>
             </a:r>
             <a:r>
               <a:rPr lang="en-US" sz="2400" dirty="0"/>
@@ -12368,7 +12328,7 @@
               <a:rPr lang="en-US" sz="2400" dirty="0">
                 <a:hlinkClick r:id="rId3"/>
               </a:rPr>
-              <a:t>https://docs.python.org/3.7/howto/logging-cookbook.html</a:t>
+              <a:t>https://docs.python.org/3/howto/logging-cookbook.html</a:t>
             </a:r>
             <a:r>
               <a:rPr lang="en-US" sz="2400" dirty="0"/>
@@ -19415,8 +19375,8 @@
         </p:nvSpPr>
         <p:spPr>
           <a:xfrm>
-            <a:off x="1818908" y="1711743"/>
-            <a:ext cx="8701421" cy="3293209"/>
+            <a:off x="1818908" y="1922754"/>
+            <a:ext cx="8207696" cy="3046988"/>
           </a:xfrm>
           <a:prstGeom prst="rect">
             <a:avLst/>
@@ -19856,7 +19816,7 @@
                 <a:latin typeface="Courier New" pitchFamily="49" charset="0"/>
                 <a:cs typeface="Courier New" pitchFamily="49" charset="0"/>
               </a:rPr>
-              <a:t> 9          print('{name} --- {weight}'.format(name=</a:t>
+              <a:t> 9          print(f'{</a:t>
             </a:r>
             <a:r>
               <a:rPr lang="en-US" sz="1600" b="1" dirty="0">
@@ -19866,7 +19826,7 @@
                 <a:latin typeface="Courier New" pitchFamily="49" charset="0"/>
                 <a:cs typeface="Courier New" pitchFamily="49" charset="0"/>
               </a:rPr>
-              <a:t>row['name']</a:t>
+              <a:t>row["name"]</a:t>
             </a:r>
             <a:r>
               <a:rPr lang="en-US" sz="1600" dirty="0">
@@ -19876,10 +19836,18 @@
                 <a:latin typeface="Courier New" pitchFamily="49" charset="0"/>
                 <a:cs typeface="Courier New" pitchFamily="49" charset="0"/>
               </a:rPr>
-              <a:t>,</a:t>
-            </a:r>
-          </a:p>
-          <a:p>
+              <a:t>} --- {</a:t>
+            </a:r>
+            <a:r>
+              <a:rPr lang="en-US" sz="1600" b="1" dirty="0">
+                <a:solidFill>
+                  <a:srgbClr val="00B050"/>
+                </a:solidFill>
+                <a:latin typeface="Courier New" pitchFamily="49" charset="0"/>
+                <a:cs typeface="Courier New" pitchFamily="49" charset="0"/>
+              </a:rPr>
+              <a:t>row["weight"]</a:t>
+            </a:r>
             <a:r>
               <a:rPr lang="en-US" sz="1600" dirty="0">
                 <a:solidFill>
@@ -19888,11 +19856,43 @@
                 <a:latin typeface="Courier New" pitchFamily="49" charset="0"/>
                 <a:cs typeface="Courier New" pitchFamily="49" charset="0"/>
               </a:rPr>
-              <a:t>10                                             weight=</a:t>
+              <a:t>})</a:t>
+            </a:r>
+          </a:p>
+          <a:p>
+            <a:r>
+              <a:rPr lang="en-US" sz="1600" dirty="0">
+                <a:solidFill>
+                  <a:prstClr val="black"/>
+                </a:solidFill>
+                <a:latin typeface="Courier New" pitchFamily="49" charset="0"/>
+                <a:cs typeface="Courier New" pitchFamily="49" charset="0"/>
+              </a:rPr>
+              <a:t>10          sum += </a:t>
             </a:r>
             <a:r>
               <a:rPr lang="en-US" sz="1600" b="1" dirty="0">
                 <a:solidFill>
+                  <a:prstClr val="black"/>
+                </a:solidFill>
+                <a:latin typeface="Courier New" pitchFamily="49" charset="0"/>
+                <a:cs typeface="Courier New" pitchFamily="49" charset="0"/>
+              </a:rPr>
+              <a:t>float</a:t>
+            </a:r>
+            <a:r>
+              <a:rPr lang="en-US" sz="1600" dirty="0">
+                <a:solidFill>
+                  <a:prstClr val="black"/>
+                </a:solidFill>
+                <a:latin typeface="Courier New" pitchFamily="49" charset="0"/>
+                <a:cs typeface="Courier New" pitchFamily="49" charset="0"/>
+              </a:rPr>
+              <a:t>(</a:t>
+            </a:r>
+            <a:r>
+              <a:rPr lang="en-US" sz="1600" b="1" dirty="0">
+                <a:solidFill>
                   <a:srgbClr val="00B050"/>
                 </a:solidFill>
                 <a:latin typeface="Courier New" pitchFamily="49" charset="0"/>
@@ -19908,7 +19908,7 @@
                 <a:latin typeface="Courier New" pitchFamily="49" charset="0"/>
                 <a:cs typeface="Courier New" pitchFamily="49" charset="0"/>
               </a:rPr>
-              <a:t>))</a:t>
+              <a:t>)</a:t>
             </a:r>
           </a:p>
           <a:p>
@@ -19920,59 +19920,7 @@
                 <a:latin typeface="Courier New" pitchFamily="49" charset="0"/>
                 <a:cs typeface="Courier New" pitchFamily="49" charset="0"/>
               </a:rPr>
-              <a:t>11          sum += </a:t>
-            </a:r>
-            <a:r>
-              <a:rPr lang="en-US" sz="1600" b="1" dirty="0">
-                <a:solidFill>
-                  <a:prstClr val="black"/>
-                </a:solidFill>
-                <a:latin typeface="Courier New" pitchFamily="49" charset="0"/>
-                <a:cs typeface="Courier New" pitchFamily="49" charset="0"/>
-              </a:rPr>
-              <a:t>float</a:t>
-            </a:r>
-            <a:r>
-              <a:rPr lang="en-US" sz="1600" dirty="0">
-                <a:solidFill>
-                  <a:prstClr val="black"/>
-                </a:solidFill>
-                <a:latin typeface="Courier New" pitchFamily="49" charset="0"/>
-                <a:cs typeface="Courier New" pitchFamily="49" charset="0"/>
-              </a:rPr>
-              <a:t>(</a:t>
-            </a:r>
-            <a:r>
-              <a:rPr lang="en-US" sz="1600" b="1" dirty="0">
-                <a:solidFill>
-                  <a:srgbClr val="00B050"/>
-                </a:solidFill>
-                <a:latin typeface="Courier New" pitchFamily="49" charset="0"/>
-                <a:cs typeface="Courier New" pitchFamily="49" charset="0"/>
-              </a:rPr>
-              <a:t>row['weight']</a:t>
-            </a:r>
-            <a:r>
-              <a:rPr lang="en-US" sz="1600" dirty="0">
-                <a:solidFill>
-                  <a:prstClr val="black"/>
-                </a:solidFill>
-                <a:latin typeface="Courier New" pitchFamily="49" charset="0"/>
-                <a:cs typeface="Courier New" pitchFamily="49" charset="0"/>
-              </a:rPr>
-              <a:t>)</a:t>
-            </a:r>
-          </a:p>
-          <a:p>
-            <a:r>
-              <a:rPr lang="en-US" sz="1600" dirty="0">
-                <a:solidFill>
-                  <a:prstClr val="black"/>
-                </a:solidFill>
-                <a:latin typeface="Courier New" pitchFamily="49" charset="0"/>
-                <a:cs typeface="Courier New" pitchFamily="49" charset="0"/>
-              </a:rPr>
-              <a:t>12      print('sum = {0}'.format(sum))</a:t>
+              <a:t>11      print('sum = {0}'.format(sum))</a:t>
             </a:r>
           </a:p>
         </p:txBody>
@@ -19985,7 +19933,7 @@
         </p:nvGrpSpPr>
         <p:grpSpPr>
           <a:xfrm>
-            <a:off x="8072056" y="980729"/>
+            <a:off x="8072056" y="1191740"/>
             <a:ext cx="2344424" cy="1215911"/>
             <a:chOff x="2195736" y="3861048"/>
             <a:chExt cx="2344424" cy="1215911"/>
@@ -21311,7 +21259,19 @@
                 <a:latin typeface="Courier New" pitchFamily="49" charset="0"/>
                 <a:cs typeface="Courier New" pitchFamily="49" charset="0"/>
               </a:rPr>
-              <a:t> = 'block_{0:02d}'.format(</a:t>
+              <a:t> = 'block_{block :02d}'</a:t>
+            </a:r>
+          </a:p>
+          <a:p>
+            <a:r>
+              <a:rPr lang="en-US" dirty="0">
+                <a:solidFill>
+                  <a:prstClr val="black"/>
+                </a:solidFill>
+                <a:latin typeface="Courier New" pitchFamily="49" charset="0"/>
+                <a:cs typeface="Courier New" pitchFamily="49" charset="0"/>
+              </a:rPr>
+              <a:t>10       </a:t>
             </a:r>
             <a:r>
               <a:rPr lang="en-US" dirty="0" err="1">
@@ -21321,6 +21281,194 @@
                 <a:latin typeface="Courier New" pitchFamily="49" charset="0"/>
                 <a:cs typeface="Courier New" pitchFamily="49" charset="0"/>
               </a:rPr>
+              <a:t>block.setAttribute</a:t>
+            </a:r>
+            <a:r>
+              <a:rPr lang="en-US" dirty="0">
+                <a:solidFill>
+                  <a:prstClr val="black"/>
+                </a:solidFill>
+                <a:latin typeface="Courier New" pitchFamily="49" charset="0"/>
+                <a:cs typeface="Courier New" pitchFamily="49" charset="0"/>
+              </a:rPr>
+              <a:t>('name', </a:t>
+            </a:r>
+            <a:r>
+              <a:rPr lang="en-US" dirty="0" err="1">
+                <a:solidFill>
+                  <a:prstClr val="black"/>
+                </a:solidFill>
+                <a:latin typeface="Courier New" pitchFamily="49" charset="0"/>
+                <a:cs typeface="Courier New" pitchFamily="49" charset="0"/>
+              </a:rPr>
+              <a:t>block_name</a:t>
+            </a:r>
+            <a:r>
+              <a:rPr lang="en-US" dirty="0">
+                <a:solidFill>
+                  <a:prstClr val="black"/>
+                </a:solidFill>
+                <a:latin typeface="Courier New" pitchFamily="49" charset="0"/>
+                <a:cs typeface="Courier New" pitchFamily="49" charset="0"/>
+              </a:rPr>
+              <a:t>)</a:t>
+            </a:r>
+          </a:p>
+          <a:p>
+            <a:r>
+              <a:rPr lang="en-US" dirty="0">
+                <a:solidFill>
+                  <a:prstClr val="black"/>
+                </a:solidFill>
+                <a:latin typeface="Courier New" pitchFamily="49" charset="0"/>
+                <a:cs typeface="Courier New" pitchFamily="49" charset="0"/>
+              </a:rPr>
+              <a:t>11       </a:t>
+            </a:r>
+            <a:r>
+              <a:rPr lang="en-US" dirty="0" err="1">
+                <a:solidFill>
+                  <a:prstClr val="black"/>
+                </a:solidFill>
+                <a:latin typeface="Courier New" pitchFamily="49" charset="0"/>
+                <a:cs typeface="Courier New" pitchFamily="49" charset="0"/>
+              </a:rPr>
+              <a:t>blocks.appendChild</a:t>
+            </a:r>
+            <a:r>
+              <a:rPr lang="en-US" dirty="0">
+                <a:solidFill>
+                  <a:prstClr val="black"/>
+                </a:solidFill>
+                <a:latin typeface="Courier New" pitchFamily="49" charset="0"/>
+                <a:cs typeface="Courier New" pitchFamily="49" charset="0"/>
+              </a:rPr>
+              <a:t>(block)</a:t>
+            </a:r>
+          </a:p>
+          <a:p>
+            <a:r>
+              <a:rPr lang="en-US" dirty="0">
+                <a:solidFill>
+                  <a:prstClr val="black"/>
+                </a:solidFill>
+                <a:latin typeface="Courier New" pitchFamily="49" charset="0"/>
+                <a:cs typeface="Courier New" pitchFamily="49" charset="0"/>
+              </a:rPr>
+              <a:t>12       for </a:t>
+            </a:r>
+            <a:r>
+              <a:rPr lang="en-US" dirty="0" err="1">
+                <a:solidFill>
+                  <a:prstClr val="black"/>
+                </a:solidFill>
+                <a:latin typeface="Courier New" pitchFamily="49" charset="0"/>
+                <a:cs typeface="Courier New" pitchFamily="49" charset="0"/>
+              </a:rPr>
+              <a:t>item_nr</a:t>
+            </a:r>
+            <a:r>
+              <a:rPr lang="en-US" dirty="0">
+                <a:solidFill>
+                  <a:prstClr val="black"/>
+                </a:solidFill>
+                <a:latin typeface="Courier New" pitchFamily="49" charset="0"/>
+                <a:cs typeface="Courier New" pitchFamily="49" charset="0"/>
+              </a:rPr>
+              <a:t> in range(0, </a:t>
+            </a:r>
+            <a:r>
+              <a:rPr lang="en-US" dirty="0" err="1">
+                <a:solidFill>
+                  <a:prstClr val="black"/>
+                </a:solidFill>
+                <a:latin typeface="Courier New" pitchFamily="49" charset="0"/>
+                <a:cs typeface="Courier New" pitchFamily="49" charset="0"/>
+              </a:rPr>
+              <a:t>nr_items</a:t>
+            </a:r>
+            <a:r>
+              <a:rPr lang="en-US" dirty="0">
+                <a:solidFill>
+                  <a:prstClr val="black"/>
+                </a:solidFill>
+                <a:latin typeface="Courier New" pitchFamily="49" charset="0"/>
+                <a:cs typeface="Courier New" pitchFamily="49" charset="0"/>
+              </a:rPr>
+              <a:t>):</a:t>
+            </a:r>
+          </a:p>
+          <a:p>
+            <a:r>
+              <a:rPr lang="en-US" dirty="0">
+                <a:solidFill>
+                  <a:prstClr val="black"/>
+                </a:solidFill>
+                <a:latin typeface="Courier New" pitchFamily="49" charset="0"/>
+                <a:cs typeface="Courier New" pitchFamily="49" charset="0"/>
+              </a:rPr>
+              <a:t>13           item = </a:t>
+            </a:r>
+            <a:r>
+              <a:rPr lang="en-US" dirty="0" err="1">
+                <a:solidFill>
+                  <a:prstClr val="black"/>
+                </a:solidFill>
+                <a:latin typeface="Courier New" pitchFamily="49" charset="0"/>
+                <a:cs typeface="Courier New" pitchFamily="49" charset="0"/>
+              </a:rPr>
+              <a:t>doc.createElement</a:t>
+            </a:r>
+            <a:r>
+              <a:rPr lang="en-US" dirty="0">
+                <a:solidFill>
+                  <a:prstClr val="black"/>
+                </a:solidFill>
+                <a:latin typeface="Courier New" pitchFamily="49" charset="0"/>
+                <a:cs typeface="Courier New" pitchFamily="49" charset="0"/>
+              </a:rPr>
+              <a:t>('item')</a:t>
+            </a:r>
+          </a:p>
+          <a:p>
+            <a:r>
+              <a:rPr lang="en-US" dirty="0">
+                <a:solidFill>
+                  <a:prstClr val="black"/>
+                </a:solidFill>
+                <a:latin typeface="Courier New" pitchFamily="49" charset="0"/>
+                <a:cs typeface="Courier New" pitchFamily="49" charset="0"/>
+              </a:rPr>
+              <a:t>14           text = f'{</a:t>
+            </a:r>
+            <a:r>
+              <a:rPr lang="en-US" dirty="0" err="1">
+                <a:solidFill>
+                  <a:prstClr val="black"/>
+                </a:solidFill>
+                <a:latin typeface="Courier New" pitchFamily="49" charset="0"/>
+                <a:cs typeface="Courier New" pitchFamily="49" charset="0"/>
+              </a:rPr>
+              <a:t>item_nr</a:t>
+            </a:r>
+            <a:r>
+              <a:rPr lang="en-US" dirty="0">
+                <a:solidFill>
+                  <a:prstClr val="black"/>
+                </a:solidFill>
+                <a:latin typeface="Courier New" pitchFamily="49" charset="0"/>
+                <a:cs typeface="Courier New" pitchFamily="49" charset="0"/>
+              </a:rPr>
+              <a:t>}.{</a:t>
+            </a:r>
+            <a:r>
+              <a:rPr lang="en-US" dirty="0" err="1">
+                <a:solidFill>
+                  <a:prstClr val="black"/>
+                </a:solidFill>
+                <a:latin typeface="Courier New" pitchFamily="49" charset="0"/>
+                <a:cs typeface="Courier New" pitchFamily="49" charset="0"/>
+              </a:rPr>
               <a:t>block_nr</a:t>
             </a:r>
             <a:r>
@@ -21331,227 +21479,7 @@
                 <a:latin typeface="Courier New" pitchFamily="49" charset="0"/>
                 <a:cs typeface="Courier New" pitchFamily="49" charset="0"/>
               </a:rPr>
-              <a:t>)</a:t>
-            </a:r>
-          </a:p>
-          <a:p>
-            <a:r>
-              <a:rPr lang="en-US" dirty="0">
-                <a:solidFill>
-                  <a:prstClr val="black"/>
-                </a:solidFill>
-                <a:latin typeface="Courier New" pitchFamily="49" charset="0"/>
-                <a:cs typeface="Courier New" pitchFamily="49" charset="0"/>
-              </a:rPr>
-              <a:t>10       </a:t>
-            </a:r>
-            <a:r>
-              <a:rPr lang="en-US" dirty="0" err="1">
-                <a:solidFill>
-                  <a:prstClr val="black"/>
-                </a:solidFill>
-                <a:latin typeface="Courier New" pitchFamily="49" charset="0"/>
-                <a:cs typeface="Courier New" pitchFamily="49" charset="0"/>
-              </a:rPr>
-              <a:t>block.setAttribute</a:t>
-            </a:r>
-            <a:r>
-              <a:rPr lang="en-US" dirty="0">
-                <a:solidFill>
-                  <a:prstClr val="black"/>
-                </a:solidFill>
-                <a:latin typeface="Courier New" pitchFamily="49" charset="0"/>
-                <a:cs typeface="Courier New" pitchFamily="49" charset="0"/>
-              </a:rPr>
-              <a:t>('name', </a:t>
-            </a:r>
-            <a:r>
-              <a:rPr lang="en-US" dirty="0" err="1">
-                <a:solidFill>
-                  <a:prstClr val="black"/>
-                </a:solidFill>
-                <a:latin typeface="Courier New" pitchFamily="49" charset="0"/>
-                <a:cs typeface="Courier New" pitchFamily="49" charset="0"/>
-              </a:rPr>
-              <a:t>block_name</a:t>
-            </a:r>
-            <a:r>
-              <a:rPr lang="en-US" dirty="0">
-                <a:solidFill>
-                  <a:prstClr val="black"/>
-                </a:solidFill>
-                <a:latin typeface="Courier New" pitchFamily="49" charset="0"/>
-                <a:cs typeface="Courier New" pitchFamily="49" charset="0"/>
-              </a:rPr>
-              <a:t>)</a:t>
-            </a:r>
-          </a:p>
-          <a:p>
-            <a:r>
-              <a:rPr lang="en-US" dirty="0">
-                <a:solidFill>
-                  <a:prstClr val="black"/>
-                </a:solidFill>
-                <a:latin typeface="Courier New" pitchFamily="49" charset="0"/>
-                <a:cs typeface="Courier New" pitchFamily="49" charset="0"/>
-              </a:rPr>
-              <a:t>11       </a:t>
-            </a:r>
-            <a:r>
-              <a:rPr lang="en-US" dirty="0" err="1">
-                <a:solidFill>
-                  <a:prstClr val="black"/>
-                </a:solidFill>
-                <a:latin typeface="Courier New" pitchFamily="49" charset="0"/>
-                <a:cs typeface="Courier New" pitchFamily="49" charset="0"/>
-              </a:rPr>
-              <a:t>blocks.appendChild</a:t>
-            </a:r>
-            <a:r>
-              <a:rPr lang="en-US" dirty="0">
-                <a:solidFill>
-                  <a:prstClr val="black"/>
-                </a:solidFill>
-                <a:latin typeface="Courier New" pitchFamily="49" charset="0"/>
-                <a:cs typeface="Courier New" pitchFamily="49" charset="0"/>
-              </a:rPr>
-              <a:t>(block)</a:t>
-            </a:r>
-          </a:p>
-          <a:p>
-            <a:r>
-              <a:rPr lang="en-US" dirty="0">
-                <a:solidFill>
-                  <a:prstClr val="black"/>
-                </a:solidFill>
-                <a:latin typeface="Courier New" pitchFamily="49" charset="0"/>
-                <a:cs typeface="Courier New" pitchFamily="49" charset="0"/>
-              </a:rPr>
-              <a:t>12       for </a:t>
-            </a:r>
-            <a:r>
-              <a:rPr lang="en-US" dirty="0" err="1">
-                <a:solidFill>
-                  <a:prstClr val="black"/>
-                </a:solidFill>
-                <a:latin typeface="Courier New" pitchFamily="49" charset="0"/>
-                <a:cs typeface="Courier New" pitchFamily="49" charset="0"/>
-              </a:rPr>
-              <a:t>item_nr</a:t>
-            </a:r>
-            <a:r>
-              <a:rPr lang="en-US" dirty="0">
-                <a:solidFill>
-                  <a:prstClr val="black"/>
-                </a:solidFill>
-                <a:latin typeface="Courier New" pitchFamily="49" charset="0"/>
-                <a:cs typeface="Courier New" pitchFamily="49" charset="0"/>
-              </a:rPr>
-              <a:t> in range(0, </a:t>
-            </a:r>
-            <a:r>
-              <a:rPr lang="en-US" dirty="0" err="1">
-                <a:solidFill>
-                  <a:prstClr val="black"/>
-                </a:solidFill>
-                <a:latin typeface="Courier New" pitchFamily="49" charset="0"/>
-                <a:cs typeface="Courier New" pitchFamily="49" charset="0"/>
-              </a:rPr>
-              <a:t>nr_items</a:t>
-            </a:r>
-            <a:r>
-              <a:rPr lang="en-US" dirty="0">
-                <a:solidFill>
-                  <a:prstClr val="black"/>
-                </a:solidFill>
-                <a:latin typeface="Courier New" pitchFamily="49" charset="0"/>
-                <a:cs typeface="Courier New" pitchFamily="49" charset="0"/>
-              </a:rPr>
-              <a:t>):</a:t>
-            </a:r>
-          </a:p>
-          <a:p>
-            <a:r>
-              <a:rPr lang="en-US" dirty="0">
-                <a:solidFill>
-                  <a:prstClr val="black"/>
-                </a:solidFill>
-                <a:latin typeface="Courier New" pitchFamily="49" charset="0"/>
-                <a:cs typeface="Courier New" pitchFamily="49" charset="0"/>
-              </a:rPr>
-              <a:t>13           item = </a:t>
-            </a:r>
-            <a:r>
-              <a:rPr lang="en-US" dirty="0" err="1">
-                <a:solidFill>
-                  <a:prstClr val="black"/>
-                </a:solidFill>
-                <a:latin typeface="Courier New" pitchFamily="49" charset="0"/>
-                <a:cs typeface="Courier New" pitchFamily="49" charset="0"/>
-              </a:rPr>
-              <a:t>doc.createElement</a:t>
-            </a:r>
-            <a:r>
-              <a:rPr lang="en-US" dirty="0">
-                <a:solidFill>
-                  <a:prstClr val="black"/>
-                </a:solidFill>
-                <a:latin typeface="Courier New" pitchFamily="49" charset="0"/>
-                <a:cs typeface="Courier New" pitchFamily="49" charset="0"/>
-              </a:rPr>
-              <a:t>('item')</a:t>
-            </a:r>
-          </a:p>
-          <a:p>
-            <a:r>
-              <a:rPr lang="en-US" dirty="0">
-                <a:solidFill>
-                  <a:prstClr val="black"/>
-                </a:solidFill>
-                <a:latin typeface="Courier New" pitchFamily="49" charset="0"/>
-                <a:cs typeface="Courier New" pitchFamily="49" charset="0"/>
-              </a:rPr>
-              <a:t>14           text = '{0}.{1}'.format(</a:t>
-            </a:r>
-            <a:r>
-              <a:rPr lang="en-US" dirty="0" err="1">
-                <a:solidFill>
-                  <a:prstClr val="black"/>
-                </a:solidFill>
-                <a:latin typeface="Courier New" pitchFamily="49" charset="0"/>
-                <a:cs typeface="Courier New" pitchFamily="49" charset="0"/>
-              </a:rPr>
-              <a:t>item_nr</a:t>
-            </a:r>
-            <a:r>
-              <a:rPr lang="en-US" dirty="0">
-                <a:solidFill>
-                  <a:prstClr val="black"/>
-                </a:solidFill>
-                <a:latin typeface="Courier New" pitchFamily="49" charset="0"/>
-                <a:cs typeface="Courier New" pitchFamily="49" charset="0"/>
-              </a:rPr>
-              <a:t>, </a:t>
-            </a:r>
-            <a:r>
-              <a:rPr lang="en-US" dirty="0" err="1">
-                <a:solidFill>
-                  <a:prstClr val="black"/>
-                </a:solidFill>
-                <a:latin typeface="Courier New" pitchFamily="49" charset="0"/>
-                <a:cs typeface="Courier New" pitchFamily="49" charset="0"/>
-              </a:rPr>
-              <a:t>block_nr</a:t>
-            </a:r>
-            <a:r>
-              <a:rPr lang="en-US" dirty="0">
-                <a:solidFill>
-                  <a:prstClr val="black"/>
-                </a:solidFill>
-                <a:latin typeface="Courier New" pitchFamily="49" charset="0"/>
-                <a:cs typeface="Courier New" pitchFamily="49" charset="0"/>
-              </a:rPr>
-              <a:t>)</a:t>
+              <a:t>}'</a:t>
             </a:r>
           </a:p>
           <a:p>
@@ -25241,7 +25169,7 @@
         </p:nvSpPr>
         <p:spPr>
           <a:xfrm>
-            <a:off x="785192" y="1683009"/>
+            <a:off x="795240" y="1683009"/>
             <a:ext cx="9733950" cy="2308324"/>
           </a:xfrm>
           <a:prstGeom prst="rect">
@@ -25436,7 +25364,7 @@
                 <a:latin typeface="Courier New" pitchFamily="49" charset="0"/>
                 <a:cs typeface="Courier New" pitchFamily="49" charset="0"/>
               </a:rPr>
-              <a:t>('report.' + </a:t>
+              <a:t>(</a:t>
             </a:r>
             <a:r>
               <a:rPr lang="en-US" dirty="0" err="1">
@@ -25446,6 +25374,26 @@
                 <a:latin typeface="Courier New" pitchFamily="49" charset="0"/>
                 <a:cs typeface="Courier New" pitchFamily="49" charset="0"/>
               </a:rPr>
+              <a:t>f'report</a:t>
+            </a:r>
+            <a:r>
+              <a:rPr lang="en-US" dirty="0">
+                <a:solidFill>
+                  <a:prstClr val="black"/>
+                </a:solidFill>
+                <a:latin typeface="Courier New" pitchFamily="49" charset="0"/>
+                <a:cs typeface="Courier New" pitchFamily="49" charset="0"/>
+              </a:rPr>
+              <a:t>.{</a:t>
+            </a:r>
+            <a:r>
+              <a:rPr lang="en-US" dirty="0" err="1">
+                <a:solidFill>
+                  <a:prstClr val="black"/>
+                </a:solidFill>
+                <a:latin typeface="Courier New" pitchFamily="49" charset="0"/>
+                <a:cs typeface="Courier New" pitchFamily="49" charset="0"/>
+              </a:rPr>
               <a:t>options.format</a:t>
             </a:r>
             <a:r>
@@ -25456,7 +25404,7 @@
                 <a:latin typeface="Courier New" pitchFamily="49" charset="0"/>
                 <a:cs typeface="Courier New" pitchFamily="49" charset="0"/>
               </a:rPr>
-              <a:t>)</a:t>
+              <a:t>}')</a:t>
             </a:r>
           </a:p>
           <a:p>

--- a/python_for_systems_programming.pptx
+++ b/python_for_systems_programming.pptx
@@ -355,7 +355,7 @@
           <a:p>
             <a:fld id="{9B61669F-67CC-4684-B4EC-0CD896AF340A}" type="datetimeFigureOut">
               <a:rPr lang="en-US" smtClean="0"/>
-              <a:t>2023-04-20</a:t>
+              <a:t>2024-04-16</a:t>
             </a:fld>
             <a:endParaRPr lang="en-US"/>
           </a:p>
@@ -523,7 +523,7 @@
           <a:p>
             <a:fld id="{9B61669F-67CC-4684-B4EC-0CD896AF340A}" type="datetimeFigureOut">
               <a:rPr lang="en-US" smtClean="0"/>
-              <a:t>2023-04-20</a:t>
+              <a:t>2024-04-16</a:t>
             </a:fld>
             <a:endParaRPr lang="en-US"/>
           </a:p>
@@ -701,7 +701,7 @@
           <a:p>
             <a:fld id="{9B61669F-67CC-4684-B4EC-0CD896AF340A}" type="datetimeFigureOut">
               <a:rPr lang="en-US" smtClean="0"/>
-              <a:t>2023-04-20</a:t>
+              <a:t>2024-04-16</a:t>
             </a:fld>
             <a:endParaRPr lang="en-US"/>
           </a:p>
@@ -943,7 +943,7 @@
           <a:p>
             <a:fld id="{AA89080B-4260-48D4-BEBC-624AE09ECE83}" type="datetime1">
               <a:rPr lang="nl-BE" smtClean="0"/>
-              <a:t>20/04/2023</a:t>
+              <a:t>16/04/2024</a:t>
             </a:fld>
             <a:endParaRPr lang="nl-BE"/>
           </a:p>
@@ -1113,7 +1113,7 @@
           <a:p>
             <a:fld id="{EC448E59-F64F-416B-85C7-F58EA54BAF31}" type="datetime1">
               <a:rPr lang="nl-BE" smtClean="0"/>
-              <a:t>20/04/2023</a:t>
+              <a:t>16/04/2024</a:t>
             </a:fld>
             <a:endParaRPr lang="nl-BE"/>
           </a:p>
@@ -1359,7 +1359,7 @@
           <a:p>
             <a:fld id="{9ED5C3B5-60AD-4494-9CFA-8B02B158E887}" type="datetime1">
               <a:rPr lang="nl-BE" smtClean="0"/>
-              <a:t>20/04/2023</a:t>
+              <a:t>16/04/2024</a:t>
             </a:fld>
             <a:endParaRPr lang="nl-BE"/>
           </a:p>
@@ -1647,7 +1647,7 @@
           <a:p>
             <a:fld id="{44F0EF99-E673-4972-A23A-EB3FD1F7D254}" type="datetime1">
               <a:rPr lang="nl-BE" smtClean="0"/>
-              <a:t>20/04/2023</a:t>
+              <a:t>16/04/2024</a:t>
             </a:fld>
             <a:endParaRPr lang="nl-BE"/>
           </a:p>
@@ -2069,7 +2069,7 @@
           <a:p>
             <a:fld id="{362C3B20-157B-48BC-A7F6-78FD90E3E349}" type="datetime1">
               <a:rPr lang="nl-BE" smtClean="0"/>
-              <a:t>20/04/2023</a:t>
+              <a:t>16/04/2024</a:t>
             </a:fld>
             <a:endParaRPr lang="nl-BE"/>
           </a:p>
@@ -2187,7 +2187,7 @@
           <a:p>
             <a:fld id="{1E4894A8-27B8-4F4D-B345-90FD4A1447E9}" type="datetime1">
               <a:rPr lang="nl-BE" smtClean="0"/>
-              <a:t>20/04/2023</a:t>
+              <a:t>16/04/2024</a:t>
             </a:fld>
             <a:endParaRPr lang="nl-BE"/>
           </a:p>
@@ -2282,7 +2282,7 @@
           <a:p>
             <a:fld id="{9B6664D4-33A1-4715-AD97-DD0D01FAC894}" type="datetime1">
               <a:rPr lang="nl-BE" smtClean="0"/>
-              <a:t>20/04/2023</a:t>
+              <a:t>16/04/2024</a:t>
             </a:fld>
             <a:endParaRPr lang="nl-BE"/>
           </a:p>
@@ -2559,7 +2559,7 @@
           <a:p>
             <a:fld id="{71880A9C-007F-4E0D-B4C6-060FFE64811B}" type="datetime1">
               <a:rPr lang="nl-BE" smtClean="0"/>
-              <a:t>20/04/2023</a:t>
+              <a:t>16/04/2024</a:t>
             </a:fld>
             <a:endParaRPr lang="nl-BE"/>
           </a:p>
@@ -2727,7 +2727,7 @@
           <a:p>
             <a:fld id="{9B61669F-67CC-4684-B4EC-0CD896AF340A}" type="datetimeFigureOut">
               <a:rPr lang="en-US" smtClean="0"/>
-              <a:t>2023-04-20</a:t>
+              <a:t>2024-04-16</a:t>
             </a:fld>
             <a:endParaRPr lang="en-US"/>
           </a:p>
@@ -2980,7 +2980,7 @@
           <a:p>
             <a:fld id="{DD295E27-2F3D-481A-B8B8-8482CE6DA5DC}" type="datetime1">
               <a:rPr lang="nl-BE" smtClean="0"/>
-              <a:t>20/04/2023</a:t>
+              <a:t>16/04/2024</a:t>
             </a:fld>
             <a:endParaRPr lang="nl-BE"/>
           </a:p>
@@ -3150,7 +3150,7 @@
           <a:p>
             <a:fld id="{EFB41BB7-A881-4920-B186-797A2AD05998}" type="datetime1">
               <a:rPr lang="nl-BE" smtClean="0"/>
-              <a:t>20/04/2023</a:t>
+              <a:t>16/04/2024</a:t>
             </a:fld>
             <a:endParaRPr lang="nl-BE"/>
           </a:p>
@@ -3330,7 +3330,7 @@
           <a:p>
             <a:fld id="{11C6BFEC-574C-49E6-96B0-F15D7DB2764A}" type="datetime1">
               <a:rPr lang="nl-BE" smtClean="0"/>
-              <a:t>20/04/2023</a:t>
+              <a:t>16/04/2024</a:t>
             </a:fld>
             <a:endParaRPr lang="nl-BE"/>
           </a:p>
@@ -3575,7 +3575,7 @@
           <a:p>
             <a:fld id="{9B61669F-67CC-4684-B4EC-0CD896AF340A}" type="datetimeFigureOut">
               <a:rPr lang="en-US" smtClean="0"/>
-              <a:t>2023-04-20</a:t>
+              <a:t>2024-04-16</a:t>
             </a:fld>
             <a:endParaRPr lang="en-US"/>
           </a:p>
@@ -3804,7 +3804,7 @@
           <a:p>
             <a:fld id="{9B61669F-67CC-4684-B4EC-0CD896AF340A}" type="datetimeFigureOut">
               <a:rPr lang="en-US" smtClean="0"/>
-              <a:t>2023-04-20</a:t>
+              <a:t>2024-04-16</a:t>
             </a:fld>
             <a:endParaRPr lang="en-US"/>
           </a:p>
@@ -4168,7 +4168,7 @@
           <a:p>
             <a:fld id="{9B61669F-67CC-4684-B4EC-0CD896AF340A}" type="datetimeFigureOut">
               <a:rPr lang="en-US" smtClean="0"/>
-              <a:t>2023-04-20</a:t>
+              <a:t>2024-04-16</a:t>
             </a:fld>
             <a:endParaRPr lang="en-US"/>
           </a:p>
@@ -4285,7 +4285,7 @@
           <a:p>
             <a:fld id="{9B61669F-67CC-4684-B4EC-0CD896AF340A}" type="datetimeFigureOut">
               <a:rPr lang="en-US" smtClean="0"/>
-              <a:t>2023-04-20</a:t>
+              <a:t>2024-04-16</a:t>
             </a:fld>
             <a:endParaRPr lang="en-US"/>
           </a:p>
@@ -4380,7 +4380,7 @@
           <a:p>
             <a:fld id="{9B61669F-67CC-4684-B4EC-0CD896AF340A}" type="datetimeFigureOut">
               <a:rPr lang="en-US" smtClean="0"/>
-              <a:t>2023-04-20</a:t>
+              <a:t>2024-04-16</a:t>
             </a:fld>
             <a:endParaRPr lang="en-US"/>
           </a:p>
@@ -4655,7 +4655,7 @@
           <a:p>
             <a:fld id="{9B61669F-67CC-4684-B4EC-0CD896AF340A}" type="datetimeFigureOut">
               <a:rPr lang="en-US" smtClean="0"/>
-              <a:t>2023-04-20</a:t>
+              <a:t>2024-04-16</a:t>
             </a:fld>
             <a:endParaRPr lang="en-US"/>
           </a:p>
@@ -4907,7 +4907,7 @@
           <a:p>
             <a:fld id="{9B61669F-67CC-4684-B4EC-0CD896AF340A}" type="datetimeFigureOut">
               <a:rPr lang="en-US" smtClean="0"/>
-              <a:t>2023-04-20</a:t>
+              <a:t>2024-04-16</a:t>
             </a:fld>
             <a:endParaRPr lang="en-US"/>
           </a:p>
@@ -5118,7 +5118,7 @@
           <a:p>
             <a:fld id="{9B61669F-67CC-4684-B4EC-0CD896AF340A}" type="datetimeFigureOut">
               <a:rPr lang="en-US" smtClean="0"/>
-              <a:t>2023-04-20</a:t>
+              <a:t>2024-04-16</a:t>
             </a:fld>
             <a:endParaRPr lang="en-US"/>
           </a:p>
@@ -5658,7 +5658,7 @@
           <a:p>
             <a:fld id="{AFF0BB8E-41A9-4D12-9A22-82FF4E94F27A}" type="datetime1">
               <a:rPr lang="nl-BE" smtClean="0"/>
-              <a:t>20/04/2023</a:t>
+              <a:t>16/04/2024</a:t>
             </a:fld>
             <a:endParaRPr lang="nl-BE"/>
           </a:p>
@@ -10014,7 +10014,7 @@
                 <a:latin typeface="Courier New" panose="02070309020205020404" pitchFamily="49" charset="0"/>
                 <a:cs typeface="Courier New" panose="02070309020205020404" pitchFamily="49" charset="0"/>
               </a:rPr>
-              <a:t>:{message}'</a:t>
+              <a:t>}:{message}'</a:t>
             </a:r>
             <a:endParaRPr lang="en-US" dirty="0">
               <a:latin typeface="Courier New" panose="02070309020205020404" pitchFamily="49" charset="0"/>

--- a/python_for_systems_programming.pptx
+++ b/python_for_systems_programming.pptx
@@ -355,7 +355,7 @@
           <a:p>
             <a:fld id="{9B61669F-67CC-4684-B4EC-0CD896AF340A}" type="datetimeFigureOut">
               <a:rPr lang="en-US" smtClean="0"/>
-              <a:t>2024-04-16</a:t>
+              <a:t>2025-04-22</a:t>
             </a:fld>
             <a:endParaRPr lang="en-US"/>
           </a:p>
@@ -523,7 +523,7 @@
           <a:p>
             <a:fld id="{9B61669F-67CC-4684-B4EC-0CD896AF340A}" type="datetimeFigureOut">
               <a:rPr lang="en-US" smtClean="0"/>
-              <a:t>2024-04-16</a:t>
+              <a:t>2025-04-22</a:t>
             </a:fld>
             <a:endParaRPr lang="en-US"/>
           </a:p>
@@ -701,7 +701,7 @@
           <a:p>
             <a:fld id="{9B61669F-67CC-4684-B4EC-0CD896AF340A}" type="datetimeFigureOut">
               <a:rPr lang="en-US" smtClean="0"/>
-              <a:t>2024-04-16</a:t>
+              <a:t>2025-04-22</a:t>
             </a:fld>
             <a:endParaRPr lang="en-US"/>
           </a:p>
@@ -943,7 +943,7 @@
           <a:p>
             <a:fld id="{AA89080B-4260-48D4-BEBC-624AE09ECE83}" type="datetime1">
               <a:rPr lang="nl-BE" smtClean="0"/>
-              <a:t>16/04/2024</a:t>
+              <a:t>22/04/2025</a:t>
             </a:fld>
             <a:endParaRPr lang="nl-BE"/>
           </a:p>
@@ -1113,7 +1113,7 @@
           <a:p>
             <a:fld id="{EC448E59-F64F-416B-85C7-F58EA54BAF31}" type="datetime1">
               <a:rPr lang="nl-BE" smtClean="0"/>
-              <a:t>16/04/2024</a:t>
+              <a:t>22/04/2025</a:t>
             </a:fld>
             <a:endParaRPr lang="nl-BE"/>
           </a:p>
@@ -1359,7 +1359,7 @@
           <a:p>
             <a:fld id="{9ED5C3B5-60AD-4494-9CFA-8B02B158E887}" type="datetime1">
               <a:rPr lang="nl-BE" smtClean="0"/>
-              <a:t>16/04/2024</a:t>
+              <a:t>22/04/2025</a:t>
             </a:fld>
             <a:endParaRPr lang="nl-BE"/>
           </a:p>
@@ -1647,7 +1647,7 @@
           <a:p>
             <a:fld id="{44F0EF99-E673-4972-A23A-EB3FD1F7D254}" type="datetime1">
               <a:rPr lang="nl-BE" smtClean="0"/>
-              <a:t>16/04/2024</a:t>
+              <a:t>22/04/2025</a:t>
             </a:fld>
             <a:endParaRPr lang="nl-BE"/>
           </a:p>
@@ -2069,7 +2069,7 @@
           <a:p>
             <a:fld id="{362C3B20-157B-48BC-A7F6-78FD90E3E349}" type="datetime1">
               <a:rPr lang="nl-BE" smtClean="0"/>
-              <a:t>16/04/2024</a:t>
+              <a:t>22/04/2025</a:t>
             </a:fld>
             <a:endParaRPr lang="nl-BE"/>
           </a:p>
@@ -2187,7 +2187,7 @@
           <a:p>
             <a:fld id="{1E4894A8-27B8-4F4D-B345-90FD4A1447E9}" type="datetime1">
               <a:rPr lang="nl-BE" smtClean="0"/>
-              <a:t>16/04/2024</a:t>
+              <a:t>22/04/2025</a:t>
             </a:fld>
             <a:endParaRPr lang="nl-BE"/>
           </a:p>
@@ -2282,7 +2282,7 @@
           <a:p>
             <a:fld id="{9B6664D4-33A1-4715-AD97-DD0D01FAC894}" type="datetime1">
               <a:rPr lang="nl-BE" smtClean="0"/>
-              <a:t>16/04/2024</a:t>
+              <a:t>22/04/2025</a:t>
             </a:fld>
             <a:endParaRPr lang="nl-BE"/>
           </a:p>
@@ -2559,7 +2559,7 @@
           <a:p>
             <a:fld id="{71880A9C-007F-4E0D-B4C6-060FFE64811B}" type="datetime1">
               <a:rPr lang="nl-BE" smtClean="0"/>
-              <a:t>16/04/2024</a:t>
+              <a:t>22/04/2025</a:t>
             </a:fld>
             <a:endParaRPr lang="nl-BE"/>
           </a:p>
@@ -2727,7 +2727,7 @@
           <a:p>
             <a:fld id="{9B61669F-67CC-4684-B4EC-0CD896AF340A}" type="datetimeFigureOut">
               <a:rPr lang="en-US" smtClean="0"/>
-              <a:t>2024-04-16</a:t>
+              <a:t>2025-04-22</a:t>
             </a:fld>
             <a:endParaRPr lang="en-US"/>
           </a:p>
@@ -2980,7 +2980,7 @@
           <a:p>
             <a:fld id="{DD295E27-2F3D-481A-B8B8-8482CE6DA5DC}" type="datetime1">
               <a:rPr lang="nl-BE" smtClean="0"/>
-              <a:t>16/04/2024</a:t>
+              <a:t>22/04/2025</a:t>
             </a:fld>
             <a:endParaRPr lang="nl-BE"/>
           </a:p>
@@ -3150,7 +3150,7 @@
           <a:p>
             <a:fld id="{EFB41BB7-A881-4920-B186-797A2AD05998}" type="datetime1">
               <a:rPr lang="nl-BE" smtClean="0"/>
-              <a:t>16/04/2024</a:t>
+              <a:t>22/04/2025</a:t>
             </a:fld>
             <a:endParaRPr lang="nl-BE"/>
           </a:p>
@@ -3330,7 +3330,7 @@
           <a:p>
             <a:fld id="{11C6BFEC-574C-49E6-96B0-F15D7DB2764A}" type="datetime1">
               <a:rPr lang="nl-BE" smtClean="0"/>
-              <a:t>16/04/2024</a:t>
+              <a:t>22/04/2025</a:t>
             </a:fld>
             <a:endParaRPr lang="nl-BE"/>
           </a:p>
@@ -3575,7 +3575,7 @@
           <a:p>
             <a:fld id="{9B61669F-67CC-4684-B4EC-0CD896AF340A}" type="datetimeFigureOut">
               <a:rPr lang="en-US" smtClean="0"/>
-              <a:t>2024-04-16</a:t>
+              <a:t>2025-04-22</a:t>
             </a:fld>
             <a:endParaRPr lang="en-US"/>
           </a:p>
@@ -3804,7 +3804,7 @@
           <a:p>
             <a:fld id="{9B61669F-67CC-4684-B4EC-0CD896AF340A}" type="datetimeFigureOut">
               <a:rPr lang="en-US" smtClean="0"/>
-              <a:t>2024-04-16</a:t>
+              <a:t>2025-04-22</a:t>
             </a:fld>
             <a:endParaRPr lang="en-US"/>
           </a:p>
@@ -4168,7 +4168,7 @@
           <a:p>
             <a:fld id="{9B61669F-67CC-4684-B4EC-0CD896AF340A}" type="datetimeFigureOut">
               <a:rPr lang="en-US" smtClean="0"/>
-              <a:t>2024-04-16</a:t>
+              <a:t>2025-04-22</a:t>
             </a:fld>
             <a:endParaRPr lang="en-US"/>
           </a:p>
@@ -4285,7 +4285,7 @@
           <a:p>
             <a:fld id="{9B61669F-67CC-4684-B4EC-0CD896AF340A}" type="datetimeFigureOut">
               <a:rPr lang="en-US" smtClean="0"/>
-              <a:t>2024-04-16</a:t>
+              <a:t>2025-04-22</a:t>
             </a:fld>
             <a:endParaRPr lang="en-US"/>
           </a:p>
@@ -4380,7 +4380,7 @@
           <a:p>
             <a:fld id="{9B61669F-67CC-4684-B4EC-0CD896AF340A}" type="datetimeFigureOut">
               <a:rPr lang="en-US" smtClean="0"/>
-              <a:t>2024-04-16</a:t>
+              <a:t>2025-04-22</a:t>
             </a:fld>
             <a:endParaRPr lang="en-US"/>
           </a:p>
@@ -4655,7 +4655,7 @@
           <a:p>
             <a:fld id="{9B61669F-67CC-4684-B4EC-0CD896AF340A}" type="datetimeFigureOut">
               <a:rPr lang="en-US" smtClean="0"/>
-              <a:t>2024-04-16</a:t>
+              <a:t>2025-04-22</a:t>
             </a:fld>
             <a:endParaRPr lang="en-US"/>
           </a:p>
@@ -4907,7 +4907,7 @@
           <a:p>
             <a:fld id="{9B61669F-67CC-4684-B4EC-0CD896AF340A}" type="datetimeFigureOut">
               <a:rPr lang="en-US" smtClean="0"/>
-              <a:t>2024-04-16</a:t>
+              <a:t>2025-04-22</a:t>
             </a:fld>
             <a:endParaRPr lang="en-US"/>
           </a:p>
@@ -5118,7 +5118,7 @@
           <a:p>
             <a:fld id="{9B61669F-67CC-4684-B4EC-0CD896AF340A}" type="datetimeFigureOut">
               <a:rPr lang="en-US" smtClean="0"/>
-              <a:t>2024-04-16</a:t>
+              <a:t>2025-04-22</a:t>
             </a:fld>
             <a:endParaRPr lang="en-US"/>
           </a:p>
@@ -5658,7 +5658,7 @@
           <a:p>
             <a:fld id="{AFF0BB8E-41A9-4D12-9A22-82FF4E94F27A}" type="datetime1">
               <a:rPr lang="nl-BE" smtClean="0"/>
-              <a:t>16/04/2024</a:t>
+              <a:t>22/04/2025</a:t>
             </a:fld>
             <a:endParaRPr lang="nl-BE"/>
           </a:p>
@@ -6148,6 +6148,87 @@
           </a:p>
         </p:txBody>
       </p:sp>
+      <p:pic>
+        <p:nvPicPr>
+          <p:cNvPr id="5" name="Picture 4">
+            <a:extLst>
+              <a:ext uri="{FF2B5EF4-FFF2-40B4-BE49-F238E27FC236}">
+                <a16:creationId xmlns:a16="http://schemas.microsoft.com/office/drawing/2014/main" id="{8FA85EEB-A9DD-2DC2-EACD-8E98640688D0}"/>
+              </a:ext>
+            </a:extLst>
+          </p:cNvPr>
+          <p:cNvPicPr>
+            <a:picLocks noChangeAspect="1"/>
+          </p:cNvPicPr>
+          <p:nvPr/>
+        </p:nvPicPr>
+        <p:blipFill>
+          <a:blip r:embed="rId4">
+            <a:extLst>
+              <a:ext uri="{28A0092B-C50C-407E-A947-70E740481C1C}">
+                <a14:useLocalDpi xmlns:a14="http://schemas.microsoft.com/office/drawing/2010/main" val="0"/>
+              </a:ext>
+            </a:extLst>
+          </a:blip>
+          <a:stretch>
+            <a:fillRect/>
+          </a:stretch>
+        </p:blipFill>
+        <p:spPr>
+          <a:xfrm>
+            <a:off x="581974" y="854075"/>
+            <a:ext cx="2085975" cy="352425"/>
+          </a:xfrm>
+          <a:prstGeom prst="rect">
+            <a:avLst/>
+          </a:prstGeom>
+        </p:spPr>
+      </p:pic>
+      <p:pic>
+        <p:nvPicPr>
+          <p:cNvPr id="6" name="Picture 4">
+            <a:extLst>
+              <a:ext uri="{FF2B5EF4-FFF2-40B4-BE49-F238E27FC236}">
+                <a16:creationId xmlns:a16="http://schemas.microsoft.com/office/drawing/2014/main" id="{6A28188E-B8C8-5C6D-6BA8-B523153B2F59}"/>
+              </a:ext>
+            </a:extLst>
+          </p:cNvPr>
+          <p:cNvPicPr>
+            <a:picLocks noChangeAspect="1" noChangeArrowheads="1"/>
+          </p:cNvPicPr>
+          <p:nvPr/>
+        </p:nvPicPr>
+        <p:blipFill rotWithShape="1">
+          <a:blip r:embed="rId5" cstate="print">
+            <a:extLst>
+              <a:ext uri="{28A0092B-C50C-407E-A947-70E740481C1C}">
+                <a14:useLocalDpi xmlns:a14="http://schemas.microsoft.com/office/drawing/2010/main" val="0"/>
+              </a:ext>
+            </a:extLst>
+          </a:blip>
+          <a:srcRect b="16829"/>
+          <a:stretch/>
+        </p:blipFill>
+        <p:spPr bwMode="auto">
+          <a:xfrm>
+            <a:off x="10075533" y="218247"/>
+            <a:ext cx="1534493" cy="1422699"/>
+          </a:xfrm>
+          <a:prstGeom prst="rect">
+            <a:avLst/>
+          </a:prstGeom>
+          <a:noFill/>
+          <a:extLst>
+            <a:ext uri="{909E8E84-426E-40DD-AFC4-6F175D3DCCD1}">
+              <a14:hiddenFill xmlns:a14="http://schemas.microsoft.com/office/drawing/2010/main">
+                <a:solidFill>
+                  <a:srgbClr val="FFFFFF"/>
+                </a:solidFill>
+              </a14:hiddenFill>
+            </a:ext>
+          </a:extLst>
+        </p:spPr>
+      </p:pic>
     </p:spTree>
     <p:extLst>
       <p:ext uri="{BB962C8B-B14F-4D97-AF65-F5344CB8AC3E}">
